--- a/Nove prednasky/P01_dynamika_dif_rovnice_LPT_prenosova_funkcia_modelovanie.pptx
+++ b/Nove prednasky/P01_dynamika_dif_rovnice_LPT_prenosova_funkcia_modelovanie.pptx
@@ -6,11 +6,46 @@
   </p:sldMasterIdLst>
   <p:sldIdLst>
     <p:sldId id="265" r:id="rId2"/>
-    <p:sldId id="266" r:id="rId3"/>
-    <p:sldId id="267" r:id="rId4"/>
-    <p:sldId id="268" r:id="rId5"/>
-    <p:sldId id="259" r:id="rId6"/>
-    <p:sldId id="264" r:id="rId7"/>
+    <p:sldId id="295" r:id="rId3"/>
+    <p:sldId id="296" r:id="rId4"/>
+    <p:sldId id="297" r:id="rId5"/>
+    <p:sldId id="298" r:id="rId6"/>
+    <p:sldId id="269" r:id="rId7"/>
+    <p:sldId id="305" r:id="rId8"/>
+    <p:sldId id="270" r:id="rId9"/>
+    <p:sldId id="306" r:id="rId10"/>
+    <p:sldId id="259" r:id="rId11"/>
+    <p:sldId id="264" r:id="rId12"/>
+    <p:sldId id="301" r:id="rId13"/>
+    <p:sldId id="302" r:id="rId14"/>
+    <p:sldId id="303" r:id="rId15"/>
+    <p:sldId id="304" r:id="rId16"/>
+    <p:sldId id="272" r:id="rId17"/>
+    <p:sldId id="273" r:id="rId18"/>
+    <p:sldId id="276" r:id="rId19"/>
+    <p:sldId id="277" r:id="rId20"/>
+    <p:sldId id="284" r:id="rId21"/>
+    <p:sldId id="285" r:id="rId22"/>
+    <p:sldId id="274" r:id="rId23"/>
+    <p:sldId id="282" r:id="rId24"/>
+    <p:sldId id="283" r:id="rId25"/>
+    <p:sldId id="275" r:id="rId26"/>
+    <p:sldId id="299" r:id="rId27"/>
+    <p:sldId id="300" r:id="rId28"/>
+    <p:sldId id="278" r:id="rId29"/>
+    <p:sldId id="292" r:id="rId30"/>
+    <p:sldId id="281" r:id="rId31"/>
+    <p:sldId id="293" r:id="rId32"/>
+    <p:sldId id="294" r:id="rId33"/>
+    <p:sldId id="290" r:id="rId34"/>
+    <p:sldId id="291" r:id="rId35"/>
+    <p:sldId id="279" r:id="rId36"/>
+    <p:sldId id="271" r:id="rId37"/>
+    <p:sldId id="280" r:id="rId38"/>
+    <p:sldId id="286" r:id="rId39"/>
+    <p:sldId id="287" r:id="rId40"/>
+    <p:sldId id="288" r:id="rId41"/>
+    <p:sldId id="289" r:id="rId42"/>
   </p:sldIdLst>
   <p:sldSz cx="9144000" cy="6858000" type="screen4x3"/>
   <p:notesSz cx="6858000" cy="9144000"/>
@@ -403,7 +438,7 @@
           <a:p>
             <a:fld id="{B1F4BD78-2EC2-485B-A16B-A2D870866C74}" type="datetimeFigureOut">
               <a:rPr lang="sk-SK" smtClean="0"/>
-              <a:t>2.6.2019</a:t>
+              <a:t>3. 6. 2019</a:t>
             </a:fld>
             <a:endParaRPr lang="sk-SK"/>
           </a:p>
@@ -494,7 +529,7 @@
           <p:cNvPr id="11" name="Obrázok 10">
             <a:extLst>
               <a:ext uri="{FF2B5EF4-FFF2-40B4-BE49-F238E27FC236}">
-                <a16:creationId xmlns:a16="http://schemas.microsoft.com/office/drawing/2014/main" xmlns="" id="{D575F8E8-6CC8-49FD-8010-88908C002CDA}"/>
+                <a16:creationId xmlns="" xmlns:a16="http://schemas.microsoft.com/office/drawing/2014/main" id="{D575F8E8-6CC8-49FD-8010-88908C002CDA}"/>
               </a:ext>
             </a:extLst>
           </p:cNvPr>
@@ -530,7 +565,7 @@
           <p:cNvPr id="13" name="Obrázok 12">
             <a:extLst>
               <a:ext uri="{FF2B5EF4-FFF2-40B4-BE49-F238E27FC236}">
-                <a16:creationId xmlns:a16="http://schemas.microsoft.com/office/drawing/2014/main" xmlns="" id="{E0A78DBF-D0B2-42A5-9F1D-0CAC637C7D2D}"/>
+                <a16:creationId xmlns="" xmlns:a16="http://schemas.microsoft.com/office/drawing/2014/main" id="{E0A78DBF-D0B2-42A5-9F1D-0CAC637C7D2D}"/>
               </a:ext>
             </a:extLst>
           </p:cNvPr>
@@ -687,7 +722,7 @@
           <a:p>
             <a:fld id="{B1F4BD78-2EC2-485B-A16B-A2D870866C74}" type="datetimeFigureOut">
               <a:rPr lang="sk-SK" smtClean="0"/>
-              <a:t>2.6.2019</a:t>
+              <a:t>3. 6. 2019</a:t>
             </a:fld>
             <a:endParaRPr lang="sk-SK"/>
           </a:p>
@@ -1030,7 +1065,7 @@
           <a:p>
             <a:fld id="{B1F4BD78-2EC2-485B-A16B-A2D870866C74}" type="datetimeFigureOut">
               <a:rPr lang="sk-SK" smtClean="0"/>
-              <a:t>2.6.2019</a:t>
+              <a:t>3. 6. 2019</a:t>
             </a:fld>
             <a:endParaRPr lang="sk-SK"/>
           </a:p>
@@ -1305,7 +1340,7 @@
           <a:p>
             <a:fld id="{B1F4BD78-2EC2-485B-A16B-A2D870866C74}" type="datetimeFigureOut">
               <a:rPr lang="sk-SK" smtClean="0"/>
-              <a:t>2.6.2019</a:t>
+              <a:t>3. 6. 2019</a:t>
             </a:fld>
             <a:endParaRPr lang="sk-SK"/>
           </a:p>
@@ -1684,7 +1719,7 @@
           <a:p>
             <a:fld id="{B1F4BD78-2EC2-485B-A16B-A2D870866C74}" type="datetimeFigureOut">
               <a:rPr lang="sk-SK" smtClean="0"/>
-              <a:t>2.6.2019</a:t>
+              <a:t>3. 6. 2019</a:t>
             </a:fld>
             <a:endParaRPr lang="sk-SK"/>
           </a:p>
@@ -1802,7 +1837,7 @@
           <a:p>
             <a:fld id="{B1F4BD78-2EC2-485B-A16B-A2D870866C74}" type="datetimeFigureOut">
               <a:rPr lang="sk-SK" smtClean="0"/>
-              <a:t>2.6.2019</a:t>
+              <a:t>3. 6. 2019</a:t>
             </a:fld>
             <a:endParaRPr lang="sk-SK"/>
           </a:p>
@@ -1973,7 +2008,7 @@
           <a:p>
             <a:fld id="{B1F4BD78-2EC2-485B-A16B-A2D870866C74}" type="datetimeFigureOut">
               <a:rPr lang="sk-SK" smtClean="0"/>
-              <a:t>2.6.2019</a:t>
+              <a:t>3. 6. 2019</a:t>
             </a:fld>
             <a:endParaRPr lang="sk-SK"/>
           </a:p>
@@ -2327,7 +2362,7 @@
           <a:p>
             <a:fld id="{B1F4BD78-2EC2-485B-A16B-A2D870866C74}" type="datetimeFigureOut">
               <a:rPr lang="sk-SK" smtClean="0"/>
-              <a:t>2.6.2019</a:t>
+              <a:t>3. 6. 2019</a:t>
             </a:fld>
             <a:endParaRPr lang="sk-SK"/>
           </a:p>
@@ -2709,7 +2744,7 @@
           <a:p>
             <a:fld id="{B1F4BD78-2EC2-485B-A16B-A2D870866C74}" type="datetimeFigureOut">
               <a:rPr lang="sk-SK" smtClean="0"/>
-              <a:t>2.6.2019</a:t>
+              <a:t>3. 6. 2019</a:t>
             </a:fld>
             <a:endParaRPr lang="sk-SK"/>
           </a:p>
@@ -3004,7 +3039,7 @@
           <a:p>
             <a:fld id="{B1F4BD78-2EC2-485B-A16B-A2D870866C74}" type="datetimeFigureOut">
               <a:rPr lang="sk-SK" smtClean="0"/>
-              <a:t>2.6.2019</a:t>
+              <a:t>3. 6. 2019</a:t>
             </a:fld>
             <a:endParaRPr lang="sk-SK"/>
           </a:p>
@@ -3490,7 +3525,7 @@
           <p:cNvPr id="2" name="Nadpis 1">
             <a:extLst>
               <a:ext uri="{FF2B5EF4-FFF2-40B4-BE49-F238E27FC236}">
-                <a16:creationId xmlns="" xmlns:a16="http://schemas.microsoft.com/office/drawing/2014/main" id="{8C9FEECD-5BD9-4CA4-ACC1-DA9C1EDD96B6}"/>
+                <a16:creationId xmlns:a16="http://schemas.microsoft.com/office/drawing/2014/main" xmlns="" id="{8C9FEECD-5BD9-4CA4-ACC1-DA9C1EDD96B6}"/>
               </a:ext>
             </a:extLst>
           </p:cNvPr>
@@ -3554,6 +3589,13 @@
               <a:rPr lang="sk-SK" dirty="0" smtClean="0"/>
               <a:t>Modelovanie</a:t>
             </a:r>
+            <a:br>
+              <a:rPr lang="sk-SK" dirty="0" smtClean="0"/>
+            </a:br>
+            <a:r>
+              <a:rPr lang="sk-SK" dirty="0" smtClean="0"/>
+              <a:t>Stabilita</a:t>
+            </a:r>
             <a:endParaRPr lang="sk-SK" dirty="0"/>
           </a:p>
         </p:txBody>
@@ -3563,7 +3605,7 @@
           <p:cNvPr id="3" name="Podnadpis 2">
             <a:extLst>
               <a:ext uri="{FF2B5EF4-FFF2-40B4-BE49-F238E27FC236}">
-                <a16:creationId xmlns="" xmlns:a16="http://schemas.microsoft.com/office/drawing/2014/main" id="{313B57F5-B394-40F1-BEAB-F5B71B2FEDE1}"/>
+                <a16:creationId xmlns:a16="http://schemas.microsoft.com/office/drawing/2014/main" xmlns="" id="{313B57F5-B394-40F1-BEAB-F5B71B2FEDE1}"/>
               </a:ext>
             </a:extLst>
           </p:cNvPr>
@@ -3576,7 +3618,7 @@
         </p:nvSpPr>
         <p:spPr>
           <a:xfrm>
-            <a:off x="822960" y="4715792"/>
+            <a:off x="822960" y="4938213"/>
             <a:ext cx="7543800" cy="1456407"/>
           </a:xfrm>
         </p:spPr>
@@ -3604,6 +3646,1540 @@
     <p:extLst>
       <p:ext uri="{BB962C8B-B14F-4D97-AF65-F5344CB8AC3E}">
         <p14:creationId xmlns:p14="http://schemas.microsoft.com/office/powerpoint/2010/main" val="194000151"/>
+      </p:ext>
+    </p:extLst>
+  </p:cSld>
+  <p:clrMapOvr>
+    <a:masterClrMapping/>
+  </p:clrMapOvr>
+  <p:timing>
+    <p:tnLst>
+      <p:par>
+        <p:cTn id="1" dur="indefinite" restart="never" nodeType="tmRoot"/>
+      </p:par>
+    </p:tnLst>
+  </p:timing>
+</p:sld>
+</file>
+
+<file path=ppt/slides/slide10.xml><?xml version="1.0" encoding="utf-8"?>
+<p:sld xmlns:a="http://schemas.openxmlformats.org/drawingml/2006/main" xmlns:r="http://schemas.openxmlformats.org/officeDocument/2006/relationships" xmlns:p="http://schemas.openxmlformats.org/presentationml/2006/main">
+  <p:cSld>
+    <p:spTree>
+      <p:nvGrpSpPr>
+        <p:cNvPr id="1" name=""/>
+        <p:cNvGrpSpPr/>
+        <p:nvPr/>
+      </p:nvGrpSpPr>
+      <p:grpSpPr>
+        <a:xfrm>
+          <a:off x="0" y="0"/>
+          <a:ext cx="0" cy="0"/>
+          <a:chOff x="0" y="0"/>
+          <a:chExt cx="0" cy="0"/>
+        </a:xfrm>
+      </p:grpSpPr>
+      <p:pic>
+        <p:nvPicPr>
+          <p:cNvPr id="1028" name="Picture 4" descr="https://cdn1.byjus.com/wp-content/uploads/2018/11/chemistry/2015/12/03074837/Laws-Of-Thermodynamics.png"/>
+          <p:cNvPicPr>
+            <a:picLocks noChangeAspect="1" noChangeArrowheads="1"/>
+          </p:cNvPicPr>
+          <p:nvPr/>
+        </p:nvPicPr>
+        <p:blipFill>
+          <a:blip r:embed="rId2" cstate="print">
+            <a:extLst>
+              <a:ext uri="{28A0092B-C50C-407E-A947-70E740481C1C}">
+                <a14:useLocalDpi xmlns:a14="http://schemas.microsoft.com/office/drawing/2010/main" val="0"/>
+              </a:ext>
+            </a:extLst>
+          </a:blip>
+          <a:srcRect/>
+          <a:stretch>
+            <a:fillRect/>
+          </a:stretch>
+        </p:blipFill>
+        <p:spPr bwMode="auto">
+          <a:xfrm>
+            <a:off x="4942233" y="3144736"/>
+            <a:ext cx="3185767" cy="1481382"/>
+          </a:xfrm>
+          <a:prstGeom prst="rect">
+            <a:avLst/>
+          </a:prstGeom>
+          <a:noFill/>
+          <a:extLst>
+            <a:ext uri="{909E8E84-426E-40DD-AFC4-6F175D3DCCD1}">
+              <a14:hiddenFill xmlns:a14="http://schemas.microsoft.com/office/drawing/2010/main">
+                <a:solidFill>
+                  <a:srgbClr val="FFFFFF"/>
+                </a:solidFill>
+              </a14:hiddenFill>
+            </a:ext>
+          </a:extLst>
+        </p:spPr>
+      </p:pic>
+      <p:pic>
+        <p:nvPicPr>
+          <p:cNvPr id="1026" name="Picture 2" descr="https://r.hswstatic.com/w_907/gif/Law-of-motion1600x900.png"/>
+          <p:cNvPicPr>
+            <a:picLocks noChangeAspect="1" noChangeArrowheads="1"/>
+          </p:cNvPicPr>
+          <p:nvPr/>
+        </p:nvPicPr>
+        <p:blipFill>
+          <a:blip r:embed="rId3" cstate="print">
+            <a:extLst>
+              <a:ext uri="{28A0092B-C50C-407E-A947-70E740481C1C}">
+                <a14:useLocalDpi xmlns:a14="http://schemas.microsoft.com/office/drawing/2010/main" val="0"/>
+              </a:ext>
+            </a:extLst>
+          </a:blip>
+          <a:srcRect/>
+          <a:stretch>
+            <a:fillRect/>
+          </a:stretch>
+        </p:blipFill>
+        <p:spPr bwMode="auto">
+          <a:xfrm>
+            <a:off x="4942233" y="1056073"/>
+            <a:ext cx="3185767" cy="1794847"/>
+          </a:xfrm>
+          <a:prstGeom prst="rect">
+            <a:avLst/>
+          </a:prstGeom>
+          <a:noFill/>
+          <a:extLst>
+            <a:ext uri="{909E8E84-426E-40DD-AFC4-6F175D3DCCD1}">
+              <a14:hiddenFill xmlns:a14="http://schemas.microsoft.com/office/drawing/2010/main">
+                <a:solidFill>
+                  <a:srgbClr val="FFFFFF"/>
+                </a:solidFill>
+              </a14:hiddenFill>
+            </a:ext>
+          </a:extLst>
+        </p:spPr>
+      </p:pic>
+      <p:sp>
+        <p:nvSpPr>
+          <p:cNvPr id="3" name="Zástupný objekt pre obsah 2">
+            <a:extLst>
+              <a:ext uri="{FF2B5EF4-FFF2-40B4-BE49-F238E27FC236}">
+                <a16:creationId xmlns="" xmlns:a16="http://schemas.microsoft.com/office/drawing/2014/main" id="{A74476A0-8C3D-4B4B-ABC1-78C4925E54B4}"/>
+              </a:ext>
+            </a:extLst>
+          </p:cNvPr>
+          <p:cNvSpPr>
+            <a:spLocks noGrp="1"/>
+          </p:cNvSpPr>
+          <p:nvPr>
+            <p:ph idx="1"/>
+          </p:nvPr>
+        </p:nvSpPr>
+        <p:spPr>
+          <a:xfrm>
+            <a:off x="429912" y="1113739"/>
+            <a:ext cx="4792877" cy="5744261"/>
+          </a:xfrm>
+        </p:spPr>
+        <p:txBody>
+          <a:bodyPr>
+            <a:normAutofit/>
+          </a:bodyPr>
+          <a:lstStyle/>
+          <a:p>
+            <a:pPr>
+              <a:buFont typeface="Arial" panose="020B0604020202020204" pitchFamily="34" charset="0"/>
+              <a:buChar char="•"/>
+            </a:pPr>
+            <a:r>
+              <a:rPr lang="sk-SK" dirty="0" smtClean="0"/>
+              <a:t>Dynamika v klasickej mechanike:</a:t>
+            </a:r>
+          </a:p>
+          <a:p>
+            <a:pPr lvl="1"/>
+            <a:r>
+              <a:rPr lang="sk-SK" dirty="0" err="1" smtClean="0"/>
+              <a:t>Newtonove</a:t>
+            </a:r>
+            <a:r>
+              <a:rPr lang="sk-SK" dirty="0" smtClean="0"/>
+              <a:t> pohybové zákony </a:t>
+            </a:r>
+          </a:p>
+          <a:p>
+            <a:pPr lvl="1"/>
+            <a:r>
+              <a:rPr lang="sk-SK" dirty="0" smtClean="0"/>
+              <a:t>Zákon zachovania energie</a:t>
+            </a:r>
+          </a:p>
+          <a:p>
+            <a:pPr lvl="1"/>
+            <a:r>
+              <a:rPr lang="sk-SK" dirty="0" smtClean="0"/>
+              <a:t>Potenciálna a kinetická energia telesa</a:t>
+            </a:r>
+            <a:endParaRPr lang="sk-SK" dirty="0"/>
+          </a:p>
+          <a:p>
+            <a:pPr lvl="1"/>
+            <a:r>
+              <a:rPr lang="sk-SK" dirty="0" smtClean="0"/>
+              <a:t>Suché a viskózne trenie</a:t>
+            </a:r>
+          </a:p>
+          <a:p>
+            <a:pPr lvl="1"/>
+            <a:r>
+              <a:rPr lang="sk-SK" dirty="0" smtClean="0"/>
+              <a:t>Pohybové zákony pre rotačné telesá</a:t>
+            </a:r>
+          </a:p>
+          <a:p>
+            <a:pPr lvl="1"/>
+            <a:r>
+              <a:rPr lang="sk-SK" dirty="0" err="1" smtClean="0"/>
+              <a:t>Lagrangeove</a:t>
+            </a:r>
+            <a:r>
+              <a:rPr lang="sk-SK" dirty="0" smtClean="0"/>
+              <a:t> rovnice </a:t>
+            </a:r>
+          </a:p>
+          <a:p>
+            <a:pPr>
+              <a:buFont typeface="Arial" panose="020B0604020202020204" pitchFamily="34" charset="0"/>
+              <a:buChar char="•"/>
+            </a:pPr>
+            <a:r>
+              <a:rPr lang="sk-SK" dirty="0" smtClean="0"/>
+              <a:t>Dynamika tepelnej energie</a:t>
+            </a:r>
+          </a:p>
+          <a:p>
+            <a:pPr lvl="1"/>
+            <a:r>
+              <a:rPr lang="sk-SK" dirty="0" smtClean="0"/>
+              <a:t>1. a 2. termo</a:t>
+            </a:r>
+            <a:r>
+              <a:rPr lang="sk-SK" u="sng" dirty="0" smtClean="0"/>
+              <a:t>dynamický</a:t>
+            </a:r>
+            <a:r>
+              <a:rPr lang="sk-SK" dirty="0" smtClean="0"/>
+              <a:t> zákon</a:t>
+            </a:r>
+          </a:p>
+          <a:p>
+            <a:pPr lvl="1"/>
+            <a:r>
+              <a:rPr lang="sk-SK" dirty="0" smtClean="0"/>
+              <a:t>Akumulácia tepla</a:t>
+            </a:r>
+          </a:p>
+          <a:p>
+            <a:pPr lvl="1"/>
+            <a:r>
+              <a:rPr lang="sk-SK" dirty="0" smtClean="0"/>
+              <a:t>Prestup tepla a sálanie tepla</a:t>
+            </a:r>
+            <a:endParaRPr lang="sk-SK" dirty="0"/>
+          </a:p>
+          <a:p>
+            <a:pPr>
+              <a:buFont typeface="Arial" panose="020B0604020202020204" pitchFamily="34" charset="0"/>
+              <a:buChar char="•"/>
+            </a:pPr>
+            <a:r>
+              <a:rPr lang="sk-SK" dirty="0" smtClean="0"/>
+              <a:t>Dynamika kvapalín</a:t>
+            </a:r>
+          </a:p>
+          <a:p>
+            <a:pPr lvl="1"/>
+            <a:r>
+              <a:rPr lang="sk-SK" dirty="0" smtClean="0"/>
+              <a:t>Zákon zachovania hmoty</a:t>
+            </a:r>
+          </a:p>
+          <a:p>
+            <a:pPr lvl="1"/>
+            <a:r>
+              <a:rPr lang="sk-SK" dirty="0" smtClean="0"/>
+              <a:t>Hydrostatický tlak</a:t>
+            </a:r>
+          </a:p>
+        </p:txBody>
+      </p:sp>
+      <p:sp>
+        <p:nvSpPr>
+          <p:cNvPr id="2" name="Nadpis 1">
+            <a:extLst>
+              <a:ext uri="{FF2B5EF4-FFF2-40B4-BE49-F238E27FC236}">
+                <a16:creationId xmlns="" xmlns:a16="http://schemas.microsoft.com/office/drawing/2014/main" id="{A60D084F-ACFD-4F46-B5DB-65DDF10CFCE9}"/>
+              </a:ext>
+            </a:extLst>
+          </p:cNvPr>
+          <p:cNvSpPr>
+            <a:spLocks noGrp="1"/>
+          </p:cNvSpPr>
+          <p:nvPr>
+            <p:ph type="title"/>
+          </p:nvPr>
+        </p:nvSpPr>
+        <p:spPr/>
+        <p:txBody>
+          <a:bodyPr>
+            <a:normAutofit/>
+          </a:bodyPr>
+          <a:lstStyle/>
+          <a:p>
+            <a:r>
+              <a:rPr lang="sk-SK" dirty="0" smtClean="0"/>
+              <a:t>Dynamické deje fyzikálne</a:t>
+            </a:r>
+            <a:endParaRPr lang="sk-SK" dirty="0"/>
+          </a:p>
+        </p:txBody>
+      </p:sp>
+      <p:pic>
+        <p:nvPicPr>
+          <p:cNvPr id="1030" name="Picture 6" descr="http://hyperphysics.phy-astr.gsu.edu/hbase/thermo/imgheat/firlaw2.png"/>
+          <p:cNvPicPr>
+            <a:picLocks noChangeAspect="1" noChangeArrowheads="1"/>
+          </p:cNvPicPr>
+          <p:nvPr/>
+        </p:nvPicPr>
+        <p:blipFill>
+          <a:blip r:embed="rId4">
+            <a:extLst>
+              <a:ext uri="{28A0092B-C50C-407E-A947-70E740481C1C}">
+                <a14:useLocalDpi xmlns:a14="http://schemas.microsoft.com/office/drawing/2010/main" val="0"/>
+              </a:ext>
+            </a:extLst>
+          </a:blip>
+          <a:srcRect/>
+          <a:stretch>
+            <a:fillRect/>
+          </a:stretch>
+        </p:blipFill>
+        <p:spPr bwMode="auto">
+          <a:xfrm>
+            <a:off x="4942233" y="4823826"/>
+            <a:ext cx="3427410" cy="1446215"/>
+          </a:xfrm>
+          <a:prstGeom prst="rect">
+            <a:avLst/>
+          </a:prstGeom>
+          <a:noFill/>
+          <a:extLst>
+            <a:ext uri="{909E8E84-426E-40DD-AFC4-6F175D3DCCD1}">
+              <a14:hiddenFill xmlns:a14="http://schemas.microsoft.com/office/drawing/2010/main">
+                <a:solidFill>
+                  <a:srgbClr val="FFFFFF"/>
+                </a:solidFill>
+              </a14:hiddenFill>
+            </a:ext>
+          </a:extLst>
+        </p:spPr>
+      </p:pic>
+    </p:spTree>
+    <p:extLst>
+      <p:ext uri="{BB962C8B-B14F-4D97-AF65-F5344CB8AC3E}">
+        <p14:creationId xmlns:p14="http://schemas.microsoft.com/office/powerpoint/2010/main" val="4002585518"/>
+      </p:ext>
+    </p:extLst>
+  </p:cSld>
+  <p:clrMapOvr>
+    <a:masterClrMapping/>
+  </p:clrMapOvr>
+  <p:timing>
+    <p:tnLst>
+      <p:par>
+        <p:cTn id="1" dur="indefinite" restart="never" nodeType="tmRoot"/>
+      </p:par>
+    </p:tnLst>
+  </p:timing>
+</p:sld>
+</file>
+
+<file path=ppt/slides/slide11.xml><?xml version="1.0" encoding="utf-8"?>
+<p:sld xmlns:a="http://schemas.openxmlformats.org/drawingml/2006/main" xmlns:r="http://schemas.openxmlformats.org/officeDocument/2006/relationships" xmlns:p="http://schemas.openxmlformats.org/presentationml/2006/main">
+  <p:cSld>
+    <p:spTree>
+      <p:nvGrpSpPr>
+        <p:cNvPr id="1" name=""/>
+        <p:cNvGrpSpPr/>
+        <p:nvPr/>
+      </p:nvGrpSpPr>
+      <p:grpSpPr>
+        <a:xfrm>
+          <a:off x="0" y="0"/>
+          <a:ext cx="0" cy="0"/>
+          <a:chOff x="0" y="0"/>
+          <a:chExt cx="0" cy="0"/>
+        </a:xfrm>
+      </p:grpSpPr>
+      <p:pic>
+        <p:nvPicPr>
+          <p:cNvPr id="5122" name="Picture 2" descr="https://i.stack.imgur.com/so1PE.gif"/>
+          <p:cNvPicPr>
+            <a:picLocks noChangeAspect="1" noChangeArrowheads="1"/>
+          </p:cNvPicPr>
+          <p:nvPr/>
+        </p:nvPicPr>
+        <p:blipFill>
+          <a:blip r:embed="rId2">
+            <a:extLst>
+              <a:ext uri="{28A0092B-C50C-407E-A947-70E740481C1C}">
+                <a14:useLocalDpi xmlns:a14="http://schemas.microsoft.com/office/drawing/2010/main" val="0"/>
+              </a:ext>
+            </a:extLst>
+          </a:blip>
+          <a:srcRect/>
+          <a:stretch>
+            <a:fillRect/>
+          </a:stretch>
+        </p:blipFill>
+        <p:spPr bwMode="auto">
+          <a:xfrm>
+            <a:off x="4385274" y="1406900"/>
+            <a:ext cx="4453926" cy="2375427"/>
+          </a:xfrm>
+          <a:prstGeom prst="rect">
+            <a:avLst/>
+          </a:prstGeom>
+          <a:noFill/>
+          <a:extLst>
+            <a:ext uri="{909E8E84-426E-40DD-AFC4-6F175D3DCCD1}">
+              <a14:hiddenFill xmlns:a14="http://schemas.microsoft.com/office/drawing/2010/main">
+                <a:solidFill>
+                  <a:srgbClr val="FFFFFF"/>
+                </a:solidFill>
+              </a14:hiddenFill>
+            </a:ext>
+          </a:extLst>
+        </p:spPr>
+      </p:pic>
+      <p:sp>
+        <p:nvSpPr>
+          <p:cNvPr id="2" name="Nadpis 1">
+            <a:extLst>
+              <a:ext uri="{FF2B5EF4-FFF2-40B4-BE49-F238E27FC236}">
+                <a16:creationId xmlns="" xmlns:a16="http://schemas.microsoft.com/office/drawing/2014/main" id="{59DC17C1-419D-44F2-987B-AD5E29D750B8}"/>
+              </a:ext>
+            </a:extLst>
+          </p:cNvPr>
+          <p:cNvSpPr>
+            <a:spLocks noGrp="1"/>
+          </p:cNvSpPr>
+          <p:nvPr>
+            <p:ph type="title"/>
+          </p:nvPr>
+        </p:nvSpPr>
+        <p:spPr/>
+        <p:txBody>
+          <a:bodyPr/>
+          <a:lstStyle/>
+          <a:p>
+            <a:r>
+              <a:rPr lang="sk-SK" dirty="0" smtClean="0"/>
+              <a:t>Dynamické deje v elektrotechnike</a:t>
+            </a:r>
+            <a:endParaRPr lang="sk-SK" dirty="0"/>
+          </a:p>
+        </p:txBody>
+      </p:sp>
+      <p:sp>
+        <p:nvSpPr>
+          <p:cNvPr id="3" name="Zástupný objekt pre obsah 2">
+            <a:extLst>
+              <a:ext uri="{FF2B5EF4-FFF2-40B4-BE49-F238E27FC236}">
+                <a16:creationId xmlns="" xmlns:a16="http://schemas.microsoft.com/office/drawing/2014/main" id="{5BD42F2B-ABA1-4F3A-865F-32330FB152D7}"/>
+              </a:ext>
+            </a:extLst>
+          </p:cNvPr>
+          <p:cNvSpPr>
+            <a:spLocks noGrp="1"/>
+          </p:cNvSpPr>
+          <p:nvPr>
+            <p:ph idx="1"/>
+          </p:nvPr>
+        </p:nvSpPr>
+        <p:spPr>
+          <a:xfrm>
+            <a:off x="322862" y="1065158"/>
+            <a:ext cx="5517766" cy="5492161"/>
+          </a:xfrm>
+        </p:spPr>
+        <p:txBody>
+          <a:bodyPr>
+            <a:normAutofit lnSpcReduction="10000"/>
+          </a:bodyPr>
+          <a:lstStyle/>
+          <a:p>
+            <a:pPr>
+              <a:buFont typeface="Arial" panose="020B0604020202020204" pitchFamily="34" charset="0"/>
+              <a:buChar char="•"/>
+            </a:pPr>
+            <a:r>
+              <a:rPr lang="sk-SK" dirty="0" smtClean="0"/>
+              <a:t>Zmena elektrického napätia a prúdu elektrickými súčiastkami v čase</a:t>
+            </a:r>
+          </a:p>
+          <a:p>
+            <a:pPr>
+              <a:buFont typeface="Arial" panose="020B0604020202020204" pitchFamily="34" charset="0"/>
+              <a:buChar char="•"/>
+            </a:pPr>
+            <a:r>
+              <a:rPr lang="sk-SK" dirty="0"/>
+              <a:t>Dva základné dynamické </a:t>
+            </a:r>
+            <a:r>
+              <a:rPr lang="sk-SK" dirty="0" smtClean="0"/>
+              <a:t>prvky:</a:t>
+            </a:r>
+          </a:p>
+          <a:p>
+            <a:pPr lvl="1"/>
+            <a:r>
+              <a:rPr lang="sk-SK" dirty="0" smtClean="0"/>
+              <a:t>Kondenzátor</a:t>
+            </a:r>
+          </a:p>
+          <a:p>
+            <a:pPr lvl="1"/>
+            <a:r>
+              <a:rPr lang="sk-SK" dirty="0" smtClean="0"/>
+              <a:t>Cievka</a:t>
+            </a:r>
+          </a:p>
+          <a:p>
+            <a:pPr>
+              <a:buFont typeface="Arial" panose="020B0604020202020204" pitchFamily="34" charset="0"/>
+              <a:buChar char="•"/>
+            </a:pPr>
+            <a:r>
+              <a:rPr lang="sk-SK" dirty="0" smtClean="0"/>
+              <a:t>Statický prvok:</a:t>
+            </a:r>
+          </a:p>
+          <a:p>
+            <a:pPr lvl="1"/>
+            <a:r>
+              <a:rPr lang="sk-SK" dirty="0" smtClean="0"/>
+              <a:t>Rezistor</a:t>
+            </a:r>
+            <a:endParaRPr lang="sk-SK" dirty="0"/>
+          </a:p>
+          <a:p>
+            <a:pPr>
+              <a:buFont typeface="Arial" panose="020B0604020202020204" pitchFamily="34" charset="0"/>
+              <a:buChar char="•"/>
+            </a:pPr>
+            <a:r>
+              <a:rPr lang="sk-SK" dirty="0" smtClean="0"/>
+              <a:t>Fyzikálne pozadie:</a:t>
+            </a:r>
+          </a:p>
+          <a:p>
+            <a:pPr lvl="1"/>
+            <a:r>
+              <a:rPr lang="sk-SK" dirty="0" smtClean="0"/>
+              <a:t>Akumulácia napätia vo forme elektrického náboja v kondenzátore</a:t>
+            </a:r>
+          </a:p>
+          <a:p>
+            <a:pPr lvl="1"/>
+            <a:r>
+              <a:rPr lang="sk-SK" dirty="0" smtClean="0"/>
+              <a:t>Akumulácia energie v magnetickom poli cievky vyvolanom tečúcim prúdom</a:t>
+            </a:r>
+          </a:p>
+          <a:p>
+            <a:pPr lvl="1"/>
+            <a:r>
+              <a:rPr lang="sk-SK" dirty="0" smtClean="0"/>
+              <a:t>1. a 2. </a:t>
+            </a:r>
+            <a:r>
+              <a:rPr lang="sk-SK" dirty="0" err="1" smtClean="0"/>
+              <a:t>Kirchhoffov</a:t>
+            </a:r>
+            <a:r>
+              <a:rPr lang="sk-SK" dirty="0" smtClean="0"/>
+              <a:t> zákon + Ohmov zákon</a:t>
+            </a:r>
+          </a:p>
+          <a:p>
+            <a:pPr>
+              <a:buFont typeface="Arial" panose="020B0604020202020204" pitchFamily="34" charset="0"/>
+              <a:buChar char="•"/>
+            </a:pPr>
+            <a:r>
+              <a:rPr lang="sk-SK" dirty="0" smtClean="0"/>
+              <a:t>Napätie a prúd nie sú vo fáze – vzniká fázový posun</a:t>
+            </a:r>
+          </a:p>
+          <a:p>
+            <a:pPr>
+              <a:buFont typeface="Arial" panose="020B0604020202020204" pitchFamily="34" charset="0"/>
+              <a:buChar char="•"/>
+            </a:pPr>
+            <a:r>
+              <a:rPr lang="sk-SK" dirty="0" smtClean="0"/>
+              <a:t>Kondenzátor – napätie sa oneskoruje za prúdom</a:t>
+            </a:r>
+          </a:p>
+          <a:p>
+            <a:pPr>
+              <a:buFont typeface="Arial" panose="020B0604020202020204" pitchFamily="34" charset="0"/>
+              <a:buChar char="•"/>
+            </a:pPr>
+            <a:r>
+              <a:rPr lang="sk-SK" dirty="0" smtClean="0"/>
+              <a:t>Cievka – napätie predbieha prúd</a:t>
+            </a:r>
+          </a:p>
+          <a:p>
+            <a:pPr>
+              <a:buFont typeface="Arial" panose="020B0604020202020204" pitchFamily="34" charset="0"/>
+              <a:buChar char="•"/>
+            </a:pPr>
+            <a:endParaRPr lang="sk-SK" dirty="0" smtClean="0"/>
+          </a:p>
+          <a:p>
+            <a:pPr>
+              <a:buFont typeface="Arial" panose="020B0604020202020204" pitchFamily="34" charset="0"/>
+              <a:buChar char="•"/>
+            </a:pPr>
+            <a:endParaRPr lang="sk-SK" dirty="0" smtClean="0"/>
+          </a:p>
+          <a:p>
+            <a:endParaRPr lang="sk-SK" dirty="0"/>
+          </a:p>
+        </p:txBody>
+      </p:sp>
+    </p:spTree>
+    <p:extLst>
+      <p:ext uri="{BB962C8B-B14F-4D97-AF65-F5344CB8AC3E}">
+        <p14:creationId xmlns:p14="http://schemas.microsoft.com/office/powerpoint/2010/main" val="1981789228"/>
+      </p:ext>
+    </p:extLst>
+  </p:cSld>
+  <p:clrMapOvr>
+    <a:masterClrMapping/>
+  </p:clrMapOvr>
+</p:sld>
+</file>
+
+<file path=ppt/slides/slide12.xml><?xml version="1.0" encoding="utf-8"?>
+<p:sld xmlns:a="http://schemas.openxmlformats.org/drawingml/2006/main" xmlns:r="http://schemas.openxmlformats.org/officeDocument/2006/relationships" xmlns:p="http://schemas.openxmlformats.org/presentationml/2006/main">
+  <p:cSld>
+    <p:spTree>
+      <p:nvGrpSpPr>
+        <p:cNvPr id="1" name=""/>
+        <p:cNvGrpSpPr/>
+        <p:nvPr/>
+      </p:nvGrpSpPr>
+      <p:grpSpPr>
+        <a:xfrm>
+          <a:off x="0" y="0"/>
+          <a:ext cx="0" cy="0"/>
+          <a:chOff x="0" y="0"/>
+          <a:chExt cx="0" cy="0"/>
+        </a:xfrm>
+      </p:grpSpPr>
+      <p:graphicFrame>
+        <p:nvGraphicFramePr>
+          <p:cNvPr id="4" name="Objekt 3"/>
+          <p:cNvGraphicFramePr>
+            <a:graphicFrameLocks noChangeAspect="1"/>
+          </p:cNvGraphicFramePr>
+          <p:nvPr>
+            <p:extLst>
+              <p:ext uri="{D42A27DB-BD31-4B8C-83A1-F6EECF244321}">
+                <p14:modId xmlns:p14="http://schemas.microsoft.com/office/powerpoint/2010/main" val="1978592577"/>
+              </p:ext>
+            </p:extLst>
+          </p:nvPr>
+        </p:nvGraphicFramePr>
+        <p:xfrm>
+          <a:off x="1560251" y="1340024"/>
+          <a:ext cx="6023494" cy="1703857"/>
+        </p:xfrm>
+        <a:graphic>
+          <a:graphicData uri="http://schemas.openxmlformats.org/presentationml/2006/ole">
+            <mc:AlternateContent xmlns:mc="http://schemas.openxmlformats.org/markup-compatibility/2006">
+              <mc:Choice xmlns:v="urn:schemas-microsoft-com:vml" Requires="v">
+                <p:oleObj spid="_x0000_s4120" name="Rovnica" r:id="rId3" imgW="3187700" imgH="901700" progId="Equation.3">
+                  <p:embed/>
+                </p:oleObj>
+              </mc:Choice>
+              <mc:Fallback>
+                <p:oleObj name="Rovnica" r:id="rId3" imgW="3187700" imgH="901700" progId="Equation.3">
+                  <p:embed/>
+                  <p:pic>
+                    <p:nvPicPr>
+                      <p:cNvPr id="0" name=""/>
+                      <p:cNvPicPr>
+                        <a:picLocks noChangeAspect="1" noChangeArrowheads="1"/>
+                      </p:cNvPicPr>
+                      <p:nvPr/>
+                    </p:nvPicPr>
+                    <p:blipFill>
+                      <a:blip r:embed="rId4">
+                        <a:extLst>
+                          <a:ext uri="{28A0092B-C50C-407E-A947-70E740481C1C}">
+                            <a14:useLocalDpi xmlns:a14="http://schemas.microsoft.com/office/drawing/2010/main" val="0"/>
+                          </a:ext>
+                        </a:extLst>
+                      </a:blip>
+                      <a:srcRect/>
+                      <a:stretch>
+                        <a:fillRect/>
+                      </a:stretch>
+                    </p:blipFill>
+                    <p:spPr bwMode="auto">
+                      <a:xfrm>
+                        <a:off x="1560251" y="1340024"/>
+                        <a:ext cx="6023494" cy="1703857"/>
+                      </a:xfrm>
+                      <a:prstGeom prst="rect">
+                        <a:avLst/>
+                      </a:prstGeom>
+                      <a:solidFill>
+                        <a:schemeClr val="bg1"/>
+                      </a:solidFill>
+                    </p:spPr>
+                  </p:pic>
+                </p:oleObj>
+              </mc:Fallback>
+            </mc:AlternateContent>
+          </a:graphicData>
+        </a:graphic>
+      </p:graphicFrame>
+      <p:sp>
+        <p:nvSpPr>
+          <p:cNvPr id="2" name="Nadpis 1"/>
+          <p:cNvSpPr>
+            <a:spLocks noGrp="1"/>
+          </p:cNvSpPr>
+          <p:nvPr>
+            <p:ph type="title"/>
+          </p:nvPr>
+        </p:nvSpPr>
+        <p:spPr/>
+        <p:txBody>
+          <a:bodyPr/>
+          <a:lstStyle/>
+          <a:p>
+            <a:r>
+              <a:rPr lang="sk-SK" dirty="0" smtClean="0"/>
+              <a:t>Rovnice pasívnych elektrických súčiastok</a:t>
+            </a:r>
+            <a:endParaRPr lang="sk-SK" dirty="0"/>
+          </a:p>
+        </p:txBody>
+      </p:sp>
+      <p:sp>
+        <p:nvSpPr>
+          <p:cNvPr id="3" name="Zástupný symbol obsahu 2"/>
+          <p:cNvSpPr>
+            <a:spLocks noGrp="1"/>
+          </p:cNvSpPr>
+          <p:nvPr>
+            <p:ph idx="1"/>
+          </p:nvPr>
+        </p:nvSpPr>
+        <p:spPr>
+          <a:xfrm>
+            <a:off x="393699" y="1040446"/>
+            <a:ext cx="8503166" cy="5467446"/>
+          </a:xfrm>
+        </p:spPr>
+        <p:txBody>
+          <a:bodyPr>
+            <a:normAutofit fontScale="92500" lnSpcReduction="10000"/>
+          </a:bodyPr>
+          <a:lstStyle/>
+          <a:p>
+            <a:pPr>
+              <a:buFont typeface="Arial" panose="020B0604020202020204" pitchFamily="34" charset="0"/>
+              <a:buChar char="•"/>
+            </a:pPr>
+            <a:r>
+              <a:rPr lang="sk-SK" dirty="0"/>
+              <a:t>Diferenciálne rovnice opisujúce dynamiku pasívnych súčiastok</a:t>
+            </a:r>
+            <a:r>
+              <a:rPr lang="sk-SK" dirty="0" smtClean="0"/>
+              <a:t>:</a:t>
+            </a:r>
+          </a:p>
+          <a:p>
+            <a:pPr>
+              <a:buFont typeface="Arial" panose="020B0604020202020204" pitchFamily="34" charset="0"/>
+              <a:buChar char="•"/>
+            </a:pPr>
+            <a:endParaRPr lang="sk-SK" dirty="0"/>
+          </a:p>
+          <a:p>
+            <a:pPr>
+              <a:buFont typeface="Arial" panose="020B0604020202020204" pitchFamily="34" charset="0"/>
+              <a:buChar char="•"/>
+            </a:pPr>
+            <a:endParaRPr lang="sk-SK" dirty="0" smtClean="0"/>
+          </a:p>
+          <a:p>
+            <a:pPr marL="0" indent="0">
+              <a:buNone/>
+            </a:pPr>
+            <a:endParaRPr lang="sk-SK" dirty="0" smtClean="0"/>
+          </a:p>
+          <a:p>
+            <a:pPr>
+              <a:buFont typeface="Arial" panose="020B0604020202020204" pitchFamily="34" charset="0"/>
+              <a:buChar char="•"/>
+            </a:pPr>
+            <a:r>
+              <a:rPr lang="sk-SK" dirty="0" smtClean="0"/>
+              <a:t>Rezistor:</a:t>
+            </a:r>
+          </a:p>
+          <a:p>
+            <a:pPr lvl="1"/>
+            <a:r>
+              <a:rPr lang="sk-SK" dirty="0" smtClean="0"/>
+              <a:t>Nemá dynamiku – okamžitá hodnota napätia závisí od okamžitej hodnoty prúdu </a:t>
+            </a:r>
+          </a:p>
+          <a:p>
+            <a:pPr lvl="1"/>
+            <a:r>
+              <a:rPr lang="sk-SK" dirty="0" smtClean="0"/>
+              <a:t>Napätie podlieha iba </a:t>
+            </a:r>
+            <a:r>
+              <a:rPr lang="sk-SK" dirty="0" err="1" smtClean="0"/>
+              <a:t>Ohmovmu</a:t>
+            </a:r>
+            <a:r>
+              <a:rPr lang="sk-SK" dirty="0" smtClean="0"/>
+              <a:t> zákonu U=RI</a:t>
+            </a:r>
+          </a:p>
+          <a:p>
+            <a:pPr>
+              <a:buFont typeface="Arial" panose="020B0604020202020204" pitchFamily="34" charset="0"/>
+              <a:buChar char="•"/>
+            </a:pPr>
+            <a:r>
+              <a:rPr lang="sk-SK" dirty="0" smtClean="0"/>
+              <a:t>Kondenzátor:</a:t>
+            </a:r>
+          </a:p>
+          <a:p>
+            <a:pPr lvl="1"/>
+            <a:r>
+              <a:rPr lang="sk-SK" dirty="0" smtClean="0"/>
+              <a:t>Napätie na kondenzátore je integrálom pretekajúceho prúdu – akumulácia náboja</a:t>
+            </a:r>
+          </a:p>
+          <a:p>
+            <a:pPr lvl="1"/>
+            <a:r>
+              <a:rPr lang="sk-SK" dirty="0" smtClean="0"/>
+              <a:t>Prúd kondenzátorom je úmerný derivácii (zmene) napätia na kondenzátore </a:t>
+            </a:r>
+          </a:p>
+          <a:p>
+            <a:pPr>
+              <a:buFont typeface="Arial" panose="020B0604020202020204" pitchFamily="34" charset="0"/>
+              <a:buChar char="•"/>
+            </a:pPr>
+            <a:r>
+              <a:rPr lang="sk-SK" dirty="0" smtClean="0"/>
+              <a:t>Cievka:</a:t>
+            </a:r>
+          </a:p>
+          <a:p>
+            <a:pPr lvl="1"/>
+            <a:r>
+              <a:rPr lang="sk-SK" dirty="0" smtClean="0"/>
+              <a:t>Prúd cievkou </a:t>
+            </a:r>
+            <a:r>
+              <a:rPr lang="sk-SK" dirty="0"/>
+              <a:t>je integrálom </a:t>
+            </a:r>
+            <a:r>
+              <a:rPr lang="sk-SK" dirty="0" smtClean="0"/>
+              <a:t>napätia</a:t>
+            </a:r>
+            <a:endParaRPr lang="sk-SK" dirty="0"/>
+          </a:p>
+          <a:p>
+            <a:pPr lvl="1"/>
+            <a:r>
+              <a:rPr lang="sk-SK" dirty="0" smtClean="0"/>
+              <a:t>Napätie na cievke </a:t>
+            </a:r>
+            <a:r>
+              <a:rPr lang="sk-SK" dirty="0"/>
+              <a:t>je </a:t>
+            </a:r>
+            <a:r>
+              <a:rPr lang="sk-SK" dirty="0" smtClean="0"/>
+              <a:t>úmerné </a:t>
+            </a:r>
+            <a:r>
+              <a:rPr lang="sk-SK" dirty="0"/>
+              <a:t>derivácii (zmene)</a:t>
+            </a:r>
+            <a:r>
+              <a:rPr lang="sk-SK" dirty="0" smtClean="0"/>
+              <a:t> prúdu pretekajúceho cievkou</a:t>
+            </a:r>
+          </a:p>
+          <a:p>
+            <a:pPr>
+              <a:buFont typeface="Arial" panose="020B0604020202020204" pitchFamily="34" charset="0"/>
+              <a:buChar char="•"/>
+            </a:pPr>
+            <a:r>
+              <a:rPr lang="sk-SK" dirty="0" smtClean="0"/>
+              <a:t>Kondenzátor a cievka sú komplementárne súčiastky</a:t>
+            </a:r>
+          </a:p>
+          <a:p>
+            <a:pPr>
+              <a:buFont typeface="Arial" panose="020B0604020202020204" pitchFamily="34" charset="0"/>
+              <a:buChar char="•"/>
+            </a:pPr>
+            <a:r>
+              <a:rPr lang="sk-SK" u="sng" dirty="0" smtClean="0"/>
+              <a:t>Integrál a derivácia sú komplementárne (doplnkové) operácie !!!</a:t>
+            </a:r>
+          </a:p>
+          <a:p>
+            <a:pPr>
+              <a:buFont typeface="Arial" panose="020B0604020202020204" pitchFamily="34" charset="0"/>
+              <a:buChar char="•"/>
+            </a:pPr>
+            <a:endParaRPr lang="sk-SK" dirty="0"/>
+          </a:p>
+          <a:p>
+            <a:pPr>
+              <a:buFont typeface="Arial" panose="020B0604020202020204" pitchFamily="34" charset="0"/>
+              <a:buChar char="•"/>
+            </a:pPr>
+            <a:endParaRPr lang="sk-SK" dirty="0"/>
+          </a:p>
+          <a:p>
+            <a:endParaRPr lang="sk-SK" dirty="0"/>
+          </a:p>
+        </p:txBody>
+      </p:sp>
+    </p:spTree>
+    <p:extLst>
+      <p:ext uri="{BB962C8B-B14F-4D97-AF65-F5344CB8AC3E}">
+        <p14:creationId xmlns:p14="http://schemas.microsoft.com/office/powerpoint/2010/main" val="330930229"/>
+      </p:ext>
+    </p:extLst>
+  </p:cSld>
+  <p:clrMapOvr>
+    <a:masterClrMapping/>
+  </p:clrMapOvr>
+</p:sld>
+</file>
+
+<file path=ppt/slides/slide13.xml><?xml version="1.0" encoding="utf-8"?>
+<p:sld xmlns:a="http://schemas.openxmlformats.org/drawingml/2006/main" xmlns:r="http://schemas.openxmlformats.org/officeDocument/2006/relationships" xmlns:p="http://schemas.openxmlformats.org/presentationml/2006/main">
+  <p:cSld>
+    <p:spTree>
+      <p:nvGrpSpPr>
+        <p:cNvPr id="1" name=""/>
+        <p:cNvGrpSpPr/>
+        <p:nvPr/>
+      </p:nvGrpSpPr>
+      <p:grpSpPr>
+        <a:xfrm>
+          <a:off x="0" y="0"/>
+          <a:ext cx="0" cy="0"/>
+          <a:chOff x="0" y="0"/>
+          <a:chExt cx="0" cy="0"/>
+        </a:xfrm>
+      </p:grpSpPr>
+      <p:sp>
+        <p:nvSpPr>
+          <p:cNvPr id="2" name="Nadpis 1"/>
+          <p:cNvSpPr>
+            <a:spLocks noGrp="1"/>
+          </p:cNvSpPr>
+          <p:nvPr>
+            <p:ph type="title"/>
+          </p:nvPr>
+        </p:nvSpPr>
+        <p:spPr/>
+        <p:txBody>
+          <a:bodyPr/>
+          <a:lstStyle/>
+          <a:p>
+            <a:r>
+              <a:rPr lang="sk-SK" dirty="0" smtClean="0"/>
+              <a:t>Modely elektrických obvodov</a:t>
+            </a:r>
+            <a:endParaRPr lang="sk-SK" dirty="0"/>
+          </a:p>
+        </p:txBody>
+      </p:sp>
+      <p:sp>
+        <p:nvSpPr>
+          <p:cNvPr id="3" name="Zástupný symbol obsahu 2"/>
+          <p:cNvSpPr>
+            <a:spLocks noGrp="1"/>
+          </p:cNvSpPr>
+          <p:nvPr>
+            <p:ph idx="1"/>
+          </p:nvPr>
+        </p:nvSpPr>
+        <p:spPr/>
+        <p:txBody>
+          <a:bodyPr/>
+          <a:lstStyle/>
+          <a:p>
+            <a:pPr>
+              <a:buFont typeface="Arial" panose="020B0604020202020204" pitchFamily="34" charset="0"/>
+              <a:buChar char="•"/>
+            </a:pPr>
+            <a:r>
+              <a:rPr lang="sk-SK" dirty="0" smtClean="0"/>
+              <a:t>Kombinácia zapojenia odporov, kondenzátorov a cievok</a:t>
+            </a:r>
+          </a:p>
+          <a:p>
+            <a:pPr>
+              <a:buFont typeface="Arial" panose="020B0604020202020204" pitchFamily="34" charset="0"/>
+              <a:buChar char="•"/>
+            </a:pPr>
+            <a:r>
+              <a:rPr lang="sk-SK" dirty="0" smtClean="0"/>
+              <a:t>Zostavenie diferenciálnych rovníc</a:t>
+            </a:r>
+          </a:p>
+          <a:p>
+            <a:pPr>
+              <a:buFont typeface="Arial" panose="020B0604020202020204" pitchFamily="34" charset="0"/>
+              <a:buChar char="•"/>
+            </a:pPr>
+            <a:r>
+              <a:rPr lang="sk-SK" dirty="0" smtClean="0"/>
+              <a:t>Využitie </a:t>
+            </a:r>
+            <a:r>
+              <a:rPr lang="sk-SK" dirty="0" err="1" smtClean="0"/>
+              <a:t>Kirchhofových</a:t>
+            </a:r>
+            <a:r>
+              <a:rPr lang="sk-SK" dirty="0" smtClean="0"/>
+              <a:t> zákonov</a:t>
+            </a:r>
+          </a:p>
+          <a:p>
+            <a:pPr>
+              <a:buFont typeface="Arial" panose="020B0604020202020204" pitchFamily="34" charset="0"/>
+              <a:buChar char="•"/>
+            </a:pPr>
+            <a:endParaRPr lang="sk-SK" dirty="0" smtClean="0"/>
+          </a:p>
+        </p:txBody>
+      </p:sp>
+      <p:pic>
+        <p:nvPicPr>
+          <p:cNvPr id="6148" name="Picture 4" descr="SÃºvisiaci obrÃ¡zok"/>
+          <p:cNvPicPr>
+            <a:picLocks noChangeAspect="1" noChangeArrowheads="1"/>
+          </p:cNvPicPr>
+          <p:nvPr/>
+        </p:nvPicPr>
+        <p:blipFill>
+          <a:blip r:embed="rId2">
+            <a:extLst>
+              <a:ext uri="{28A0092B-C50C-407E-A947-70E740481C1C}">
+                <a14:useLocalDpi xmlns:a14="http://schemas.microsoft.com/office/drawing/2010/main" val="0"/>
+              </a:ext>
+            </a:extLst>
+          </a:blip>
+          <a:srcRect/>
+          <a:stretch>
+            <a:fillRect/>
+          </a:stretch>
+        </p:blipFill>
+        <p:spPr bwMode="auto">
+          <a:xfrm>
+            <a:off x="1349591" y="2789538"/>
+            <a:ext cx="6444814" cy="3232322"/>
+          </a:xfrm>
+          <a:prstGeom prst="rect">
+            <a:avLst/>
+          </a:prstGeom>
+          <a:noFill/>
+          <a:extLst>
+            <a:ext uri="{909E8E84-426E-40DD-AFC4-6F175D3DCCD1}">
+              <a14:hiddenFill xmlns:a14="http://schemas.microsoft.com/office/drawing/2010/main">
+                <a:solidFill>
+                  <a:srgbClr val="FFFFFF"/>
+                </a:solidFill>
+              </a14:hiddenFill>
+            </a:ext>
+          </a:extLst>
+        </p:spPr>
+      </p:pic>
+    </p:spTree>
+    <p:extLst>
+      <p:ext uri="{BB962C8B-B14F-4D97-AF65-F5344CB8AC3E}">
+        <p14:creationId xmlns:p14="http://schemas.microsoft.com/office/powerpoint/2010/main" val="1972536183"/>
+      </p:ext>
+    </p:extLst>
+  </p:cSld>
+  <p:clrMapOvr>
+    <a:masterClrMapping/>
+  </p:clrMapOvr>
+</p:sld>
+</file>
+
+<file path=ppt/slides/slide14.xml><?xml version="1.0" encoding="utf-8"?>
+<p:sld xmlns:a="http://schemas.openxmlformats.org/drawingml/2006/main" xmlns:r="http://schemas.openxmlformats.org/officeDocument/2006/relationships" xmlns:p="http://schemas.openxmlformats.org/presentationml/2006/main">
+  <p:cSld>
+    <p:spTree>
+      <p:nvGrpSpPr>
+        <p:cNvPr id="1" name=""/>
+        <p:cNvGrpSpPr/>
+        <p:nvPr/>
+      </p:nvGrpSpPr>
+      <p:grpSpPr>
+        <a:xfrm>
+          <a:off x="0" y="0"/>
+          <a:ext cx="0" cy="0"/>
+          <a:chOff x="0" y="0"/>
+          <a:chExt cx="0" cy="0"/>
+        </a:xfrm>
+      </p:grpSpPr>
+      <p:sp>
+        <p:nvSpPr>
+          <p:cNvPr id="2" name="Nadpis 1"/>
+          <p:cNvSpPr>
+            <a:spLocks noGrp="1"/>
+          </p:cNvSpPr>
+          <p:nvPr>
+            <p:ph type="title"/>
+          </p:nvPr>
+        </p:nvSpPr>
+        <p:spPr/>
+        <p:txBody>
+          <a:bodyPr/>
+          <a:lstStyle/>
+          <a:p>
+            <a:r>
+              <a:rPr lang="sk-SK" dirty="0" smtClean="0"/>
+              <a:t>Modely pasívnych filtrov</a:t>
+            </a:r>
+            <a:endParaRPr lang="sk-SK" dirty="0"/>
+          </a:p>
+        </p:txBody>
+      </p:sp>
+      <p:sp>
+        <p:nvSpPr>
+          <p:cNvPr id="3" name="Zástupný symbol obsahu 2"/>
+          <p:cNvSpPr>
+            <a:spLocks noGrp="1"/>
+          </p:cNvSpPr>
+          <p:nvPr>
+            <p:ph idx="1"/>
+          </p:nvPr>
+        </p:nvSpPr>
+        <p:spPr/>
+        <p:txBody>
+          <a:bodyPr/>
+          <a:lstStyle/>
+          <a:p>
+            <a:endParaRPr lang="sk-SK"/>
+          </a:p>
+        </p:txBody>
+      </p:sp>
+    </p:spTree>
+    <p:extLst>
+      <p:ext uri="{BB962C8B-B14F-4D97-AF65-F5344CB8AC3E}">
+        <p14:creationId xmlns:p14="http://schemas.microsoft.com/office/powerpoint/2010/main" val="2377925023"/>
+      </p:ext>
+    </p:extLst>
+  </p:cSld>
+  <p:clrMapOvr>
+    <a:masterClrMapping/>
+  </p:clrMapOvr>
+</p:sld>
+</file>
+
+<file path=ppt/slides/slide15.xml><?xml version="1.0" encoding="utf-8"?>
+<p:sld xmlns:a="http://schemas.openxmlformats.org/drawingml/2006/main" xmlns:r="http://schemas.openxmlformats.org/officeDocument/2006/relationships" xmlns:p="http://schemas.openxmlformats.org/presentationml/2006/main">
+  <p:cSld>
+    <p:spTree>
+      <p:nvGrpSpPr>
+        <p:cNvPr id="1" name=""/>
+        <p:cNvGrpSpPr/>
+        <p:nvPr/>
+      </p:nvGrpSpPr>
+      <p:grpSpPr>
+        <a:xfrm>
+          <a:off x="0" y="0"/>
+          <a:ext cx="0" cy="0"/>
+          <a:chOff x="0" y="0"/>
+          <a:chExt cx="0" cy="0"/>
+        </a:xfrm>
+      </p:grpSpPr>
+      <p:sp>
+        <p:nvSpPr>
+          <p:cNvPr id="2" name="Nadpis 1"/>
+          <p:cNvSpPr>
+            <a:spLocks noGrp="1"/>
+          </p:cNvSpPr>
+          <p:nvPr>
+            <p:ph type="title"/>
+          </p:nvPr>
+        </p:nvSpPr>
+        <p:spPr/>
+        <p:txBody>
+          <a:bodyPr/>
+          <a:lstStyle/>
+          <a:p>
+            <a:r>
+              <a:rPr lang="sk-SK" dirty="0"/>
+              <a:t>Modely pasívnych filtrov</a:t>
+            </a:r>
+          </a:p>
+        </p:txBody>
+      </p:sp>
+      <p:sp>
+        <p:nvSpPr>
+          <p:cNvPr id="3" name="Zástupný symbol obsahu 2"/>
+          <p:cNvSpPr>
+            <a:spLocks noGrp="1"/>
+          </p:cNvSpPr>
+          <p:nvPr>
+            <p:ph idx="1"/>
+          </p:nvPr>
+        </p:nvSpPr>
+        <p:spPr/>
+        <p:txBody>
+          <a:bodyPr/>
+          <a:lstStyle/>
+          <a:p>
+            <a:endParaRPr lang="sk-SK" dirty="0"/>
+          </a:p>
+        </p:txBody>
+      </p:sp>
+    </p:spTree>
+    <p:extLst>
+      <p:ext uri="{BB962C8B-B14F-4D97-AF65-F5344CB8AC3E}">
+        <p14:creationId xmlns:p14="http://schemas.microsoft.com/office/powerpoint/2010/main" val="1050380150"/>
+      </p:ext>
+    </p:extLst>
+  </p:cSld>
+  <p:clrMapOvr>
+    <a:masterClrMapping/>
+  </p:clrMapOvr>
+</p:sld>
+</file>
+
+<file path=ppt/slides/slide16.xml><?xml version="1.0" encoding="utf-8"?>
+<p:sld xmlns:a="http://schemas.openxmlformats.org/drawingml/2006/main" xmlns:r="http://schemas.openxmlformats.org/officeDocument/2006/relationships" xmlns:p="http://schemas.openxmlformats.org/presentationml/2006/main">
+  <p:cSld>
+    <p:spTree>
+      <p:nvGrpSpPr>
+        <p:cNvPr id="1" name=""/>
+        <p:cNvGrpSpPr/>
+        <p:nvPr/>
+      </p:nvGrpSpPr>
+      <p:grpSpPr>
+        <a:xfrm>
+          <a:off x="0" y="0"/>
+          <a:ext cx="0" cy="0"/>
+          <a:chOff x="0" y="0"/>
+          <a:chExt cx="0" cy="0"/>
+        </a:xfrm>
+      </p:grpSpPr>
+      <p:sp>
+        <p:nvSpPr>
+          <p:cNvPr id="2" name="Nadpis 1"/>
+          <p:cNvSpPr>
+            <a:spLocks noGrp="1"/>
+          </p:cNvSpPr>
+          <p:nvPr>
+            <p:ph type="title"/>
+          </p:nvPr>
+        </p:nvSpPr>
+        <p:spPr/>
+        <p:txBody>
+          <a:bodyPr/>
+          <a:lstStyle/>
+          <a:p>
+            <a:r>
+              <a:rPr lang="sk-SK" dirty="0" smtClean="0"/>
+              <a:t>Riešenie diferenciálnych rovníc</a:t>
+            </a:r>
+            <a:endParaRPr lang="sk-SK" dirty="0"/>
+          </a:p>
+        </p:txBody>
+      </p:sp>
+      <p:sp>
+        <p:nvSpPr>
+          <p:cNvPr id="3" name="Zástupný symbol obsahu 2"/>
+          <p:cNvSpPr>
+            <a:spLocks noGrp="1"/>
+          </p:cNvSpPr>
+          <p:nvPr>
+            <p:ph idx="1"/>
+          </p:nvPr>
+        </p:nvSpPr>
+        <p:spPr/>
+        <p:txBody>
+          <a:bodyPr/>
+          <a:lstStyle/>
+          <a:p>
+            <a:endParaRPr lang="sk-SK"/>
+          </a:p>
+        </p:txBody>
+      </p:sp>
+    </p:spTree>
+    <p:extLst>
+      <p:ext uri="{BB962C8B-B14F-4D97-AF65-F5344CB8AC3E}">
+        <p14:creationId xmlns:p14="http://schemas.microsoft.com/office/powerpoint/2010/main" val="2790395246"/>
+      </p:ext>
+    </p:extLst>
+  </p:cSld>
+  <p:clrMapOvr>
+    <a:masterClrMapping/>
+  </p:clrMapOvr>
+</p:sld>
+</file>
+
+<file path=ppt/slides/slide17.xml><?xml version="1.0" encoding="utf-8"?>
+<p:sld xmlns:a="http://schemas.openxmlformats.org/drawingml/2006/main" xmlns:r="http://schemas.openxmlformats.org/officeDocument/2006/relationships" xmlns:p="http://schemas.openxmlformats.org/presentationml/2006/main">
+  <p:cSld>
+    <p:spTree>
+      <p:nvGrpSpPr>
+        <p:cNvPr id="1" name=""/>
+        <p:cNvGrpSpPr/>
+        <p:nvPr/>
+      </p:nvGrpSpPr>
+      <p:grpSpPr>
+        <a:xfrm>
+          <a:off x="0" y="0"/>
+          <a:ext cx="0" cy="0"/>
+          <a:chOff x="0" y="0"/>
+          <a:chExt cx="0" cy="0"/>
+        </a:xfrm>
+      </p:grpSpPr>
+      <p:sp>
+        <p:nvSpPr>
+          <p:cNvPr id="2" name="Nadpis 1"/>
+          <p:cNvSpPr>
+            <a:spLocks noGrp="1"/>
+          </p:cNvSpPr>
+          <p:nvPr>
+            <p:ph type="title"/>
+          </p:nvPr>
+        </p:nvSpPr>
+        <p:spPr/>
+        <p:txBody>
+          <a:bodyPr/>
+          <a:lstStyle/>
+          <a:p>
+            <a:r>
+              <a:rPr lang="sk-SK" dirty="0" err="1" smtClean="0"/>
+              <a:t>Laplaceova</a:t>
+            </a:r>
+            <a:r>
+              <a:rPr lang="sk-SK" dirty="0" smtClean="0"/>
+              <a:t> transformácia</a:t>
+            </a:r>
+            <a:endParaRPr lang="sk-SK" dirty="0"/>
+          </a:p>
+        </p:txBody>
+      </p:sp>
+      <p:sp>
+        <p:nvSpPr>
+          <p:cNvPr id="3" name="Zástupný symbol obsahu 2"/>
+          <p:cNvSpPr>
+            <a:spLocks noGrp="1"/>
+          </p:cNvSpPr>
+          <p:nvPr>
+            <p:ph idx="1"/>
+          </p:nvPr>
+        </p:nvSpPr>
+        <p:spPr/>
+        <p:txBody>
+          <a:bodyPr/>
+          <a:lstStyle/>
+          <a:p>
+            <a:endParaRPr lang="sk-SK"/>
+          </a:p>
+        </p:txBody>
+      </p:sp>
+    </p:spTree>
+    <p:extLst>
+      <p:ext uri="{BB962C8B-B14F-4D97-AF65-F5344CB8AC3E}">
+        <p14:creationId xmlns:p14="http://schemas.microsoft.com/office/powerpoint/2010/main" val="784713123"/>
+      </p:ext>
+    </p:extLst>
+  </p:cSld>
+  <p:clrMapOvr>
+    <a:masterClrMapping/>
+  </p:clrMapOvr>
+</p:sld>
+</file>
+
+<file path=ppt/slides/slide18.xml><?xml version="1.0" encoding="utf-8"?>
+<p:sld xmlns:a="http://schemas.openxmlformats.org/drawingml/2006/main" xmlns:r="http://schemas.openxmlformats.org/officeDocument/2006/relationships" xmlns:p="http://schemas.openxmlformats.org/presentationml/2006/main">
+  <p:cSld>
+    <p:spTree>
+      <p:nvGrpSpPr>
+        <p:cNvPr id="1" name=""/>
+        <p:cNvGrpSpPr/>
+        <p:nvPr/>
+      </p:nvGrpSpPr>
+      <p:grpSpPr>
+        <a:xfrm>
+          <a:off x="0" y="0"/>
+          <a:ext cx="0" cy="0"/>
+          <a:chOff x="0" y="0"/>
+          <a:chExt cx="0" cy="0"/>
+        </a:xfrm>
+      </p:grpSpPr>
+      <p:sp>
+        <p:nvSpPr>
+          <p:cNvPr id="2" name="Nadpis 1"/>
+          <p:cNvSpPr>
+            <a:spLocks noGrp="1"/>
+          </p:cNvSpPr>
+          <p:nvPr>
+            <p:ph type="title"/>
+          </p:nvPr>
+        </p:nvSpPr>
+        <p:spPr/>
+        <p:txBody>
+          <a:bodyPr/>
+          <a:lstStyle/>
+          <a:p>
+            <a:r>
+              <a:rPr lang="sk-SK" dirty="0" smtClean="0"/>
+              <a:t>Obrazy vybraných funkcii</a:t>
+            </a:r>
+            <a:endParaRPr lang="sk-SK" dirty="0"/>
+          </a:p>
+        </p:txBody>
+      </p:sp>
+      <p:sp>
+        <p:nvSpPr>
+          <p:cNvPr id="3" name="Zástupný symbol obsahu 2"/>
+          <p:cNvSpPr>
+            <a:spLocks noGrp="1"/>
+          </p:cNvSpPr>
+          <p:nvPr>
+            <p:ph idx="1"/>
+          </p:nvPr>
+        </p:nvSpPr>
+        <p:spPr/>
+        <p:txBody>
+          <a:bodyPr/>
+          <a:lstStyle/>
+          <a:p>
+            <a:endParaRPr lang="sk-SK"/>
+          </a:p>
+        </p:txBody>
+      </p:sp>
+    </p:spTree>
+    <p:extLst>
+      <p:ext uri="{BB962C8B-B14F-4D97-AF65-F5344CB8AC3E}">
+        <p14:creationId xmlns:p14="http://schemas.microsoft.com/office/powerpoint/2010/main" val="3601500393"/>
+      </p:ext>
+    </p:extLst>
+  </p:cSld>
+  <p:clrMapOvr>
+    <a:masterClrMapping/>
+  </p:clrMapOvr>
+</p:sld>
+</file>
+
+<file path=ppt/slides/slide19.xml><?xml version="1.0" encoding="utf-8"?>
+<p:sld xmlns:a="http://schemas.openxmlformats.org/drawingml/2006/main" xmlns:r="http://schemas.openxmlformats.org/officeDocument/2006/relationships" xmlns:p="http://schemas.openxmlformats.org/presentationml/2006/main">
+  <p:cSld>
+    <p:spTree>
+      <p:nvGrpSpPr>
+        <p:cNvPr id="1" name=""/>
+        <p:cNvGrpSpPr/>
+        <p:nvPr/>
+      </p:nvGrpSpPr>
+      <p:grpSpPr>
+        <a:xfrm>
+          <a:off x="0" y="0"/>
+          <a:ext cx="0" cy="0"/>
+          <a:chOff x="0" y="0"/>
+          <a:chExt cx="0" cy="0"/>
+        </a:xfrm>
+      </p:grpSpPr>
+      <p:sp>
+        <p:nvSpPr>
+          <p:cNvPr id="2" name="Nadpis 1"/>
+          <p:cNvSpPr>
+            <a:spLocks noGrp="1"/>
+          </p:cNvSpPr>
+          <p:nvPr>
+            <p:ph type="title"/>
+          </p:nvPr>
+        </p:nvSpPr>
+        <p:spPr/>
+        <p:txBody>
+          <a:bodyPr/>
+          <a:lstStyle/>
+          <a:p>
+            <a:r>
+              <a:rPr lang="sk-SK" dirty="0" smtClean="0"/>
+              <a:t>Riešenie diferenciálnych rovníc</a:t>
+            </a:r>
+            <a:endParaRPr lang="sk-SK" dirty="0"/>
+          </a:p>
+        </p:txBody>
+      </p:sp>
+      <p:sp>
+        <p:nvSpPr>
+          <p:cNvPr id="3" name="Zástupný symbol obsahu 2"/>
+          <p:cNvSpPr>
+            <a:spLocks noGrp="1"/>
+          </p:cNvSpPr>
+          <p:nvPr>
+            <p:ph idx="1"/>
+          </p:nvPr>
+        </p:nvSpPr>
+        <p:spPr/>
+        <p:txBody>
+          <a:bodyPr/>
+          <a:lstStyle/>
+          <a:p>
+            <a:endParaRPr lang="sk-SK"/>
+          </a:p>
+        </p:txBody>
+      </p:sp>
+    </p:spTree>
+    <p:extLst>
+      <p:ext uri="{BB962C8B-B14F-4D97-AF65-F5344CB8AC3E}">
+        <p14:creationId xmlns:p14="http://schemas.microsoft.com/office/powerpoint/2010/main" val="2868729690"/>
       </p:ext>
     </p:extLst>
   </p:cSld>
@@ -3665,17 +5241,1286 @@
         </p:nvSpPr>
         <p:spPr/>
         <p:txBody>
-          <a:bodyPr/>
-          <a:lstStyle/>
-          <a:p>
-            <a:endParaRPr lang="sk-SK"/>
+          <a:bodyPr>
+            <a:normAutofit/>
+          </a:bodyPr>
+          <a:lstStyle/>
+          <a:p>
+            <a:pPr>
+              <a:buFont typeface="Arial" panose="020B0604020202020204" pitchFamily="34" charset="0"/>
+              <a:buChar char="•"/>
+            </a:pPr>
+            <a:r>
+              <a:rPr lang="sk-SK" sz="2400" i="1" dirty="0"/>
+              <a:t>z gréckeho slova „</a:t>
+            </a:r>
+            <a:r>
+              <a:rPr lang="sk-SK" sz="2400" i="1" dirty="0" err="1"/>
+              <a:t>kybernetes</a:t>
+            </a:r>
+            <a:r>
+              <a:rPr lang="sk-SK" sz="2400" i="1" dirty="0"/>
+              <a:t>“ čo znamená kormidelník</a:t>
+            </a:r>
+            <a:endParaRPr lang="sk-SK" sz="2400" i="1" dirty="0" smtClean="0"/>
+          </a:p>
+          <a:p>
+            <a:pPr>
+              <a:buFont typeface="Arial" panose="020B0604020202020204" pitchFamily="34" charset="0"/>
+              <a:buChar char="•"/>
+            </a:pPr>
+            <a:r>
+              <a:rPr lang="sk-SK" sz="2400" dirty="0"/>
+              <a:t>V</a:t>
+            </a:r>
+            <a:r>
+              <a:rPr lang="sk-SK" sz="2400" dirty="0" smtClean="0"/>
+              <a:t>eda </a:t>
+            </a:r>
+            <a:r>
+              <a:rPr lang="sk-SK" sz="2400" dirty="0"/>
+              <a:t>o riadení a komunikácii v dynamických </a:t>
+            </a:r>
+            <a:r>
+              <a:rPr lang="sk-SK" sz="2400" dirty="0" smtClean="0"/>
+              <a:t>systémoch.</a:t>
+            </a:r>
+          </a:p>
+          <a:p>
+            <a:pPr>
+              <a:buFont typeface="Arial" panose="020B0604020202020204" pitchFamily="34" charset="0"/>
+              <a:buChar char="•"/>
+            </a:pPr>
+            <a:r>
+              <a:rPr lang="sk-SK" sz="2400" dirty="0" smtClean="0"/>
+              <a:t> Skúma </a:t>
+            </a:r>
+            <a:r>
+              <a:rPr lang="sk-SK" sz="2400" dirty="0"/>
+              <a:t>spoločné zákonitosti na základe analógie medzi systémami rôznej fyzickej </a:t>
+            </a:r>
+            <a:r>
+              <a:rPr lang="sk-SK" sz="2400" dirty="0" smtClean="0"/>
+              <a:t>podstaty (fyzika - mechanika - elektrotechnika)</a:t>
+            </a:r>
+          </a:p>
+          <a:p>
+            <a:pPr>
+              <a:buFont typeface="Arial" panose="020B0604020202020204" pitchFamily="34" charset="0"/>
+              <a:buChar char="•"/>
+            </a:pPr>
+            <a:r>
+              <a:rPr lang="sk-SK" sz="2400" dirty="0" smtClean="0"/>
+              <a:t>Kybernetika - </a:t>
+            </a:r>
+            <a:r>
+              <a:rPr lang="sk-SK" sz="2400" dirty="0"/>
+              <a:t>veda </a:t>
+            </a:r>
+            <a:r>
+              <a:rPr lang="sk-SK" sz="2400" dirty="0" smtClean="0"/>
+              <a:t>o : </a:t>
+            </a:r>
+            <a:endParaRPr lang="sk-SK" sz="2400" dirty="0"/>
+          </a:p>
+          <a:p>
+            <a:pPr lvl="1"/>
+            <a:r>
+              <a:rPr lang="sk-SK" sz="2000" dirty="0" smtClean="0"/>
+              <a:t>- </a:t>
+            </a:r>
+            <a:r>
+              <a:rPr lang="sk-SK" sz="2000" dirty="0"/>
+              <a:t>modelovaní a riadení procesov</a:t>
+            </a:r>
+          </a:p>
+          <a:p>
+            <a:pPr lvl="1"/>
+            <a:r>
+              <a:rPr lang="sk-SK" sz="2000" dirty="0" smtClean="0"/>
+              <a:t>- </a:t>
+            </a:r>
+            <a:r>
+              <a:rPr lang="sk-SK" sz="2000" dirty="0"/>
+              <a:t>získavaní informácií a riadení</a:t>
+            </a:r>
+          </a:p>
+          <a:p>
+            <a:pPr lvl="1"/>
+            <a:r>
+              <a:rPr lang="sk-SK" sz="2000" dirty="0" smtClean="0"/>
+              <a:t>- </a:t>
+            </a:r>
+            <a:r>
+              <a:rPr lang="sk-SK" sz="2000" dirty="0"/>
+              <a:t>riadení a komunikácii v dynamických </a:t>
+            </a:r>
+            <a:r>
+              <a:rPr lang="sk-SK" sz="2000" dirty="0" smtClean="0"/>
+              <a:t>systémoch</a:t>
+            </a:r>
+            <a:endParaRPr lang="sk-SK" sz="2000" dirty="0"/>
+          </a:p>
+          <a:p>
+            <a:pPr>
+              <a:buFont typeface="Arial" panose="020B0604020202020204" pitchFamily="34" charset="0"/>
+              <a:buChar char="•"/>
+            </a:pPr>
+            <a:r>
+              <a:rPr lang="sk-SK" sz="2400" dirty="0" smtClean="0"/>
+              <a:t>Metódami </a:t>
+            </a:r>
+            <a:r>
+              <a:rPr lang="sk-SK" sz="2400" dirty="0"/>
+              <a:t>kybernetiky sú </a:t>
+            </a:r>
+            <a:r>
+              <a:rPr lang="sk-SK" sz="2400" u="sng" dirty="0"/>
+              <a:t>systémový prístup </a:t>
+            </a:r>
+            <a:r>
+              <a:rPr lang="sk-SK" sz="2400" dirty="0"/>
+              <a:t>a </a:t>
+            </a:r>
+            <a:r>
+              <a:rPr lang="sk-SK" sz="2400" u="sng" dirty="0"/>
+              <a:t>modelovanie</a:t>
+            </a:r>
+            <a:r>
+              <a:rPr lang="sk-SK" sz="2400" dirty="0"/>
+              <a:t> pri riešení problémov</a:t>
+            </a:r>
+            <a:r>
+              <a:rPr lang="sk-SK" sz="2400" dirty="0" smtClean="0"/>
+              <a:t>.</a:t>
+            </a:r>
+          </a:p>
+          <a:p>
+            <a:pPr>
+              <a:buFont typeface="Arial" panose="020B0604020202020204" pitchFamily="34" charset="0"/>
+              <a:buChar char="•"/>
+            </a:pPr>
+            <a:r>
+              <a:rPr lang="sk-SK" sz="2400" dirty="0" smtClean="0"/>
+              <a:t>Staršie označenie: Teória automatického riadenia</a:t>
+            </a:r>
           </a:p>
         </p:txBody>
       </p:sp>
     </p:spTree>
     <p:extLst>
       <p:ext uri="{BB962C8B-B14F-4D97-AF65-F5344CB8AC3E}">
-        <p14:creationId xmlns:p14="http://schemas.microsoft.com/office/powerpoint/2010/main" val="3418282844"/>
+        <p14:creationId xmlns:p14="http://schemas.microsoft.com/office/powerpoint/2010/main" val="3762086123"/>
+      </p:ext>
+    </p:extLst>
+  </p:cSld>
+  <p:clrMapOvr>
+    <a:masterClrMapping/>
+  </p:clrMapOvr>
+  <p:timing>
+    <p:tnLst>
+      <p:par>
+        <p:cTn id="1" dur="indefinite" restart="never" nodeType="tmRoot"/>
+      </p:par>
+    </p:tnLst>
+  </p:timing>
+</p:sld>
+</file>
+
+<file path=ppt/slides/slide20.xml><?xml version="1.0" encoding="utf-8"?>
+<p:sld xmlns:a="http://schemas.openxmlformats.org/drawingml/2006/main" xmlns:r="http://schemas.openxmlformats.org/officeDocument/2006/relationships" xmlns:p="http://schemas.openxmlformats.org/presentationml/2006/main">
+  <p:cSld>
+    <p:spTree>
+      <p:nvGrpSpPr>
+        <p:cNvPr id="1" name=""/>
+        <p:cNvGrpSpPr/>
+        <p:nvPr/>
+      </p:nvGrpSpPr>
+      <p:grpSpPr>
+        <a:xfrm>
+          <a:off x="0" y="0"/>
+          <a:ext cx="0" cy="0"/>
+          <a:chOff x="0" y="0"/>
+          <a:chExt cx="0" cy="0"/>
+        </a:xfrm>
+      </p:grpSpPr>
+      <p:sp>
+        <p:nvSpPr>
+          <p:cNvPr id="2" name="Nadpis 1"/>
+          <p:cNvSpPr>
+            <a:spLocks noGrp="1"/>
+          </p:cNvSpPr>
+          <p:nvPr>
+            <p:ph type="title"/>
+          </p:nvPr>
+        </p:nvSpPr>
+        <p:spPr/>
+        <p:txBody>
+          <a:bodyPr/>
+          <a:lstStyle/>
+          <a:p>
+            <a:r>
+              <a:rPr lang="sk-SK" dirty="0" smtClean="0"/>
+              <a:t>Inverzná </a:t>
+            </a:r>
+            <a:r>
+              <a:rPr lang="sk-SK" dirty="0" err="1" smtClean="0"/>
+              <a:t>Laplaceova</a:t>
+            </a:r>
+            <a:r>
+              <a:rPr lang="sk-SK" dirty="0" smtClean="0"/>
+              <a:t> transformácia</a:t>
+            </a:r>
+            <a:endParaRPr lang="sk-SK" dirty="0"/>
+          </a:p>
+        </p:txBody>
+      </p:sp>
+      <p:sp>
+        <p:nvSpPr>
+          <p:cNvPr id="3" name="Zástupný symbol obsahu 2"/>
+          <p:cNvSpPr>
+            <a:spLocks noGrp="1"/>
+          </p:cNvSpPr>
+          <p:nvPr>
+            <p:ph idx="1"/>
+          </p:nvPr>
+        </p:nvSpPr>
+        <p:spPr/>
+        <p:txBody>
+          <a:bodyPr/>
+          <a:lstStyle/>
+          <a:p>
+            <a:endParaRPr lang="sk-SK" dirty="0"/>
+          </a:p>
+        </p:txBody>
+      </p:sp>
+    </p:spTree>
+    <p:extLst>
+      <p:ext uri="{BB962C8B-B14F-4D97-AF65-F5344CB8AC3E}">
+        <p14:creationId xmlns:p14="http://schemas.microsoft.com/office/powerpoint/2010/main" val="3642990468"/>
+      </p:ext>
+    </p:extLst>
+  </p:cSld>
+  <p:clrMapOvr>
+    <a:masterClrMapping/>
+  </p:clrMapOvr>
+</p:sld>
+</file>
+
+<file path=ppt/slides/slide21.xml><?xml version="1.0" encoding="utf-8"?>
+<p:sld xmlns:a="http://schemas.openxmlformats.org/drawingml/2006/main" xmlns:r="http://schemas.openxmlformats.org/officeDocument/2006/relationships" xmlns:p="http://schemas.openxmlformats.org/presentationml/2006/main">
+  <p:cSld>
+    <p:spTree>
+      <p:nvGrpSpPr>
+        <p:cNvPr id="1" name=""/>
+        <p:cNvGrpSpPr/>
+        <p:nvPr/>
+      </p:nvGrpSpPr>
+      <p:grpSpPr>
+        <a:xfrm>
+          <a:off x="0" y="0"/>
+          <a:ext cx="0" cy="0"/>
+          <a:chOff x="0" y="0"/>
+          <a:chExt cx="0" cy="0"/>
+        </a:xfrm>
+      </p:grpSpPr>
+      <p:sp>
+        <p:nvSpPr>
+          <p:cNvPr id="2" name="Nadpis 1"/>
+          <p:cNvSpPr>
+            <a:spLocks noGrp="1"/>
+          </p:cNvSpPr>
+          <p:nvPr>
+            <p:ph type="title"/>
+          </p:nvPr>
+        </p:nvSpPr>
+        <p:spPr/>
+        <p:txBody>
+          <a:bodyPr/>
+          <a:lstStyle/>
+          <a:p>
+            <a:r>
+              <a:rPr lang="sk-SK" dirty="0" smtClean="0"/>
+              <a:t>Rozklad na parciálne zlomky</a:t>
+            </a:r>
+            <a:endParaRPr lang="sk-SK" dirty="0"/>
+          </a:p>
+        </p:txBody>
+      </p:sp>
+      <p:sp>
+        <p:nvSpPr>
+          <p:cNvPr id="3" name="Zástupný symbol obsahu 2"/>
+          <p:cNvSpPr>
+            <a:spLocks noGrp="1"/>
+          </p:cNvSpPr>
+          <p:nvPr>
+            <p:ph idx="1"/>
+          </p:nvPr>
+        </p:nvSpPr>
+        <p:spPr/>
+        <p:txBody>
+          <a:bodyPr/>
+          <a:lstStyle/>
+          <a:p>
+            <a:endParaRPr lang="sk-SK"/>
+          </a:p>
+        </p:txBody>
+      </p:sp>
+    </p:spTree>
+    <p:extLst>
+      <p:ext uri="{BB962C8B-B14F-4D97-AF65-F5344CB8AC3E}">
+        <p14:creationId xmlns:p14="http://schemas.microsoft.com/office/powerpoint/2010/main" val="2937603504"/>
+      </p:ext>
+    </p:extLst>
+  </p:cSld>
+  <p:clrMapOvr>
+    <a:masterClrMapping/>
+  </p:clrMapOvr>
+</p:sld>
+</file>
+
+<file path=ppt/slides/slide22.xml><?xml version="1.0" encoding="utf-8"?>
+<p:sld xmlns:a="http://schemas.openxmlformats.org/drawingml/2006/main" xmlns:r="http://schemas.openxmlformats.org/officeDocument/2006/relationships" xmlns:p="http://schemas.openxmlformats.org/presentationml/2006/main">
+  <p:cSld>
+    <p:spTree>
+      <p:nvGrpSpPr>
+        <p:cNvPr id="1" name=""/>
+        <p:cNvGrpSpPr/>
+        <p:nvPr/>
+      </p:nvGrpSpPr>
+      <p:grpSpPr>
+        <a:xfrm>
+          <a:off x="0" y="0"/>
+          <a:ext cx="0" cy="0"/>
+          <a:chOff x="0" y="0"/>
+          <a:chExt cx="0" cy="0"/>
+        </a:xfrm>
+      </p:grpSpPr>
+      <p:sp>
+        <p:nvSpPr>
+          <p:cNvPr id="2" name="Nadpis 1"/>
+          <p:cNvSpPr>
+            <a:spLocks noGrp="1"/>
+          </p:cNvSpPr>
+          <p:nvPr>
+            <p:ph type="title"/>
+          </p:nvPr>
+        </p:nvSpPr>
+        <p:spPr/>
+        <p:txBody>
+          <a:bodyPr/>
+          <a:lstStyle/>
+          <a:p>
+            <a:r>
+              <a:rPr lang="sk-SK" dirty="0" smtClean="0"/>
+              <a:t>Integrátor a </a:t>
+            </a:r>
+            <a:r>
+              <a:rPr lang="sk-SK" dirty="0" err="1" smtClean="0"/>
+              <a:t>derivátor</a:t>
+            </a:r>
+            <a:endParaRPr lang="sk-SK" dirty="0"/>
+          </a:p>
+        </p:txBody>
+      </p:sp>
+      <p:sp>
+        <p:nvSpPr>
+          <p:cNvPr id="3" name="Zástupný symbol obsahu 2"/>
+          <p:cNvSpPr>
+            <a:spLocks noGrp="1"/>
+          </p:cNvSpPr>
+          <p:nvPr>
+            <p:ph idx="1"/>
+          </p:nvPr>
+        </p:nvSpPr>
+        <p:spPr/>
+        <p:txBody>
+          <a:bodyPr/>
+          <a:lstStyle/>
+          <a:p>
+            <a:endParaRPr lang="sk-SK"/>
+          </a:p>
+        </p:txBody>
+      </p:sp>
+    </p:spTree>
+    <p:extLst>
+      <p:ext uri="{BB962C8B-B14F-4D97-AF65-F5344CB8AC3E}">
+        <p14:creationId xmlns:p14="http://schemas.microsoft.com/office/powerpoint/2010/main" val="449367882"/>
+      </p:ext>
+    </p:extLst>
+  </p:cSld>
+  <p:clrMapOvr>
+    <a:masterClrMapping/>
+  </p:clrMapOvr>
+</p:sld>
+</file>
+
+<file path=ppt/slides/slide23.xml><?xml version="1.0" encoding="utf-8"?>
+<p:sld xmlns:a="http://schemas.openxmlformats.org/drawingml/2006/main" xmlns:r="http://schemas.openxmlformats.org/officeDocument/2006/relationships" xmlns:p="http://schemas.openxmlformats.org/presentationml/2006/main">
+  <p:cSld>
+    <p:spTree>
+      <p:nvGrpSpPr>
+        <p:cNvPr id="1" name=""/>
+        <p:cNvGrpSpPr/>
+        <p:nvPr/>
+      </p:nvGrpSpPr>
+      <p:grpSpPr>
+        <a:xfrm>
+          <a:off x="0" y="0"/>
+          <a:ext cx="0" cy="0"/>
+          <a:chOff x="0" y="0"/>
+          <a:chExt cx="0" cy="0"/>
+        </a:xfrm>
+      </p:grpSpPr>
+      <p:sp>
+        <p:nvSpPr>
+          <p:cNvPr id="2" name="Nadpis 1"/>
+          <p:cNvSpPr>
+            <a:spLocks noGrp="1"/>
+          </p:cNvSpPr>
+          <p:nvPr>
+            <p:ph type="title"/>
+          </p:nvPr>
+        </p:nvSpPr>
+        <p:spPr/>
+        <p:txBody>
+          <a:bodyPr/>
+          <a:lstStyle/>
+          <a:p>
+            <a:r>
+              <a:rPr lang="sk-SK" dirty="0" smtClean="0"/>
+              <a:t>Veta o počiatočnej a koncovej hodnote</a:t>
+            </a:r>
+            <a:endParaRPr lang="sk-SK" dirty="0"/>
+          </a:p>
+        </p:txBody>
+      </p:sp>
+      <p:sp>
+        <p:nvSpPr>
+          <p:cNvPr id="3" name="Zástupný symbol obsahu 2"/>
+          <p:cNvSpPr>
+            <a:spLocks noGrp="1"/>
+          </p:cNvSpPr>
+          <p:nvPr>
+            <p:ph idx="1"/>
+          </p:nvPr>
+        </p:nvSpPr>
+        <p:spPr/>
+        <p:txBody>
+          <a:bodyPr/>
+          <a:lstStyle/>
+          <a:p>
+            <a:endParaRPr lang="sk-SK"/>
+          </a:p>
+        </p:txBody>
+      </p:sp>
+    </p:spTree>
+    <p:extLst>
+      <p:ext uri="{BB962C8B-B14F-4D97-AF65-F5344CB8AC3E}">
+        <p14:creationId xmlns:p14="http://schemas.microsoft.com/office/powerpoint/2010/main" val="3074930347"/>
+      </p:ext>
+    </p:extLst>
+  </p:cSld>
+  <p:clrMapOvr>
+    <a:masterClrMapping/>
+  </p:clrMapOvr>
+</p:sld>
+</file>
+
+<file path=ppt/slides/slide24.xml><?xml version="1.0" encoding="utf-8"?>
+<p:sld xmlns:a="http://schemas.openxmlformats.org/drawingml/2006/main" xmlns:r="http://schemas.openxmlformats.org/officeDocument/2006/relationships" xmlns:p="http://schemas.openxmlformats.org/presentationml/2006/main">
+  <p:cSld>
+    <p:spTree>
+      <p:nvGrpSpPr>
+        <p:cNvPr id="1" name=""/>
+        <p:cNvGrpSpPr/>
+        <p:nvPr/>
+      </p:nvGrpSpPr>
+      <p:grpSpPr>
+        <a:xfrm>
+          <a:off x="0" y="0"/>
+          <a:ext cx="0" cy="0"/>
+          <a:chOff x="0" y="0"/>
+          <a:chExt cx="0" cy="0"/>
+        </a:xfrm>
+      </p:grpSpPr>
+      <p:sp>
+        <p:nvSpPr>
+          <p:cNvPr id="2" name="Nadpis 1"/>
+          <p:cNvSpPr>
+            <a:spLocks noGrp="1"/>
+          </p:cNvSpPr>
+          <p:nvPr>
+            <p:ph type="title"/>
+          </p:nvPr>
+        </p:nvSpPr>
+        <p:spPr/>
+        <p:txBody>
+          <a:bodyPr/>
+          <a:lstStyle/>
+          <a:p>
+            <a:r>
+              <a:rPr lang="sk-SK" dirty="0" smtClean="0"/>
+              <a:t>Posun v čase – dopravné oneskorenie</a:t>
+            </a:r>
+            <a:endParaRPr lang="sk-SK" dirty="0"/>
+          </a:p>
+        </p:txBody>
+      </p:sp>
+      <p:sp>
+        <p:nvSpPr>
+          <p:cNvPr id="3" name="Zástupný symbol obsahu 2"/>
+          <p:cNvSpPr>
+            <a:spLocks noGrp="1"/>
+          </p:cNvSpPr>
+          <p:nvPr>
+            <p:ph idx="1"/>
+          </p:nvPr>
+        </p:nvSpPr>
+        <p:spPr/>
+        <p:txBody>
+          <a:bodyPr/>
+          <a:lstStyle/>
+          <a:p>
+            <a:endParaRPr lang="sk-SK"/>
+          </a:p>
+        </p:txBody>
+      </p:sp>
+    </p:spTree>
+    <p:extLst>
+      <p:ext uri="{BB962C8B-B14F-4D97-AF65-F5344CB8AC3E}">
+        <p14:creationId xmlns:p14="http://schemas.microsoft.com/office/powerpoint/2010/main" val="1611795971"/>
+      </p:ext>
+    </p:extLst>
+  </p:cSld>
+  <p:clrMapOvr>
+    <a:masterClrMapping/>
+  </p:clrMapOvr>
+</p:sld>
+</file>
+
+<file path=ppt/slides/slide25.xml><?xml version="1.0" encoding="utf-8"?>
+<p:sld xmlns:a="http://schemas.openxmlformats.org/drawingml/2006/main" xmlns:r="http://schemas.openxmlformats.org/officeDocument/2006/relationships" xmlns:p="http://schemas.openxmlformats.org/presentationml/2006/main">
+  <p:cSld>
+    <p:spTree>
+      <p:nvGrpSpPr>
+        <p:cNvPr id="1" name=""/>
+        <p:cNvGrpSpPr/>
+        <p:nvPr/>
+      </p:nvGrpSpPr>
+      <p:grpSpPr>
+        <a:xfrm>
+          <a:off x="0" y="0"/>
+          <a:ext cx="0" cy="0"/>
+          <a:chOff x="0" y="0"/>
+          <a:chExt cx="0" cy="0"/>
+        </a:xfrm>
+      </p:grpSpPr>
+      <p:sp>
+        <p:nvSpPr>
+          <p:cNvPr id="2" name="Nadpis 1"/>
+          <p:cNvSpPr>
+            <a:spLocks noGrp="1"/>
+          </p:cNvSpPr>
+          <p:nvPr>
+            <p:ph type="title"/>
+          </p:nvPr>
+        </p:nvSpPr>
+        <p:spPr/>
+        <p:txBody>
+          <a:bodyPr/>
+          <a:lstStyle/>
+          <a:p>
+            <a:r>
+              <a:rPr lang="sk-SK" dirty="0" smtClean="0"/>
+              <a:t>Spätná väzba</a:t>
+            </a:r>
+            <a:endParaRPr lang="sk-SK" dirty="0"/>
+          </a:p>
+        </p:txBody>
+      </p:sp>
+      <p:sp>
+        <p:nvSpPr>
+          <p:cNvPr id="3" name="Zástupný symbol obsahu 2"/>
+          <p:cNvSpPr>
+            <a:spLocks noGrp="1"/>
+          </p:cNvSpPr>
+          <p:nvPr>
+            <p:ph idx="1"/>
+          </p:nvPr>
+        </p:nvSpPr>
+        <p:spPr/>
+        <p:txBody>
+          <a:bodyPr/>
+          <a:lstStyle/>
+          <a:p>
+            <a:endParaRPr lang="sk-SK"/>
+          </a:p>
+        </p:txBody>
+      </p:sp>
+    </p:spTree>
+    <p:extLst>
+      <p:ext uri="{BB962C8B-B14F-4D97-AF65-F5344CB8AC3E}">
+        <p14:creationId xmlns:p14="http://schemas.microsoft.com/office/powerpoint/2010/main" val="3872154018"/>
+      </p:ext>
+    </p:extLst>
+  </p:cSld>
+  <p:clrMapOvr>
+    <a:masterClrMapping/>
+  </p:clrMapOvr>
+</p:sld>
+</file>
+
+<file path=ppt/slides/slide26.xml><?xml version="1.0" encoding="utf-8"?>
+<p:sld xmlns:a="http://schemas.openxmlformats.org/drawingml/2006/main" xmlns:r="http://schemas.openxmlformats.org/officeDocument/2006/relationships" xmlns:p="http://schemas.openxmlformats.org/presentationml/2006/main">
+  <p:cSld>
+    <p:spTree>
+      <p:nvGrpSpPr>
+        <p:cNvPr id="1" name=""/>
+        <p:cNvGrpSpPr/>
+        <p:nvPr/>
+      </p:nvGrpSpPr>
+      <p:grpSpPr>
+        <a:xfrm>
+          <a:off x="0" y="0"/>
+          <a:ext cx="0" cy="0"/>
+          <a:chOff x="0" y="0"/>
+          <a:chExt cx="0" cy="0"/>
+        </a:xfrm>
+      </p:grpSpPr>
+      <p:sp>
+        <p:nvSpPr>
+          <p:cNvPr id="2" name="Nadpis 1"/>
+          <p:cNvSpPr>
+            <a:spLocks noGrp="1"/>
+          </p:cNvSpPr>
+          <p:nvPr>
+            <p:ph type="title"/>
+          </p:nvPr>
+        </p:nvSpPr>
+        <p:spPr/>
+        <p:txBody>
+          <a:bodyPr/>
+          <a:lstStyle/>
+          <a:p>
+            <a:r>
+              <a:rPr lang="sk-SK" dirty="0" smtClean="0"/>
+              <a:t>Spätná väzba v systéme</a:t>
+            </a:r>
+            <a:endParaRPr lang="sk-SK" dirty="0"/>
+          </a:p>
+        </p:txBody>
+      </p:sp>
+      <p:sp>
+        <p:nvSpPr>
+          <p:cNvPr id="3" name="Zástupný symbol obsahu 2"/>
+          <p:cNvSpPr>
+            <a:spLocks noGrp="1"/>
+          </p:cNvSpPr>
+          <p:nvPr>
+            <p:ph idx="1"/>
+          </p:nvPr>
+        </p:nvSpPr>
+        <p:spPr/>
+        <p:txBody>
+          <a:bodyPr>
+            <a:normAutofit lnSpcReduction="10000"/>
+          </a:bodyPr>
+          <a:lstStyle/>
+          <a:p>
+            <a:pPr>
+              <a:buFont typeface="Arial" panose="020B0604020202020204" pitchFamily="34" charset="0"/>
+              <a:buChar char="•"/>
+            </a:pPr>
+            <a:r>
+              <a:rPr lang="sk-SK" dirty="0"/>
+              <a:t>S</a:t>
+            </a:r>
+            <a:r>
+              <a:rPr lang="sk-SK" dirty="0" smtClean="0"/>
+              <a:t>pätná väzba predstavuje prenos a spätný </a:t>
+            </a:r>
+            <a:r>
+              <a:rPr lang="sk-SK" dirty="0"/>
+              <a:t>návrat </a:t>
+            </a:r>
+            <a:r>
+              <a:rPr lang="sk-SK" dirty="0" smtClean="0"/>
+              <a:t>informácie</a:t>
+            </a:r>
+            <a:r>
+              <a:rPr lang="sk-SK" dirty="0"/>
+              <a:t>. </a:t>
+            </a:r>
+            <a:endParaRPr lang="sk-SK" dirty="0" smtClean="0"/>
+          </a:p>
+          <a:p>
+            <a:pPr>
+              <a:buFont typeface="Arial" panose="020B0604020202020204" pitchFamily="34" charset="0"/>
+              <a:buChar char="•"/>
+            </a:pPr>
+            <a:r>
+              <a:rPr lang="sk-SK" dirty="0" smtClean="0"/>
+              <a:t>Vyskytuje sa bežne v prírode.</a:t>
+            </a:r>
+          </a:p>
+          <a:p>
+            <a:pPr>
+              <a:buFont typeface="Arial" panose="020B0604020202020204" pitchFamily="34" charset="0"/>
+              <a:buChar char="•"/>
+            </a:pPr>
+            <a:r>
+              <a:rPr lang="sk-SK" dirty="0" smtClean="0"/>
+              <a:t>Pozitívna </a:t>
+            </a:r>
+            <a:r>
+              <a:rPr lang="sk-SK" dirty="0"/>
+              <a:t>s</a:t>
+            </a:r>
+            <a:r>
+              <a:rPr lang="sk-SK" dirty="0" smtClean="0"/>
+              <a:t>pätná väzba vychyľuje systém smerom preč </a:t>
+            </a:r>
+            <a:r>
+              <a:rPr lang="sk-SK" dirty="0"/>
+              <a:t>od rovnováhy. </a:t>
+            </a:r>
+            <a:endParaRPr lang="sk-SK" dirty="0" smtClean="0"/>
+          </a:p>
+          <a:p>
+            <a:pPr>
+              <a:buFont typeface="Arial" panose="020B0604020202020204" pitchFamily="34" charset="0"/>
+              <a:buChar char="•"/>
+            </a:pPr>
+            <a:r>
+              <a:rPr lang="sk-SK" dirty="0" smtClean="0"/>
+              <a:t>Príkladom môžu byť peniaze </a:t>
+            </a:r>
+            <a:r>
+              <a:rPr lang="sk-SK" dirty="0"/>
+              <a:t>na </a:t>
+            </a:r>
+            <a:r>
+              <a:rPr lang="sk-SK" dirty="0" smtClean="0"/>
+              <a:t>účte</a:t>
+            </a:r>
+          </a:p>
+          <a:p>
+            <a:pPr lvl="1"/>
+            <a:r>
+              <a:rPr lang="sk-SK" dirty="0" smtClean="0"/>
+              <a:t>Zvýšením sumy sa zvýši aj </a:t>
+            </a:r>
+            <a:r>
+              <a:rPr lang="sk-SK" dirty="0"/>
+              <a:t>úroková </a:t>
+            </a:r>
+            <a:r>
+              <a:rPr lang="sk-SK" dirty="0" smtClean="0"/>
+              <a:t>miera </a:t>
+            </a:r>
+            <a:r>
+              <a:rPr lang="sk-SK" dirty="0"/>
+              <a:t>a tím </a:t>
+            </a:r>
+            <a:r>
+              <a:rPr lang="sk-SK" dirty="0" smtClean="0"/>
+              <a:t>pádom sa opäť zvýši aj množstvo peňazí.</a:t>
+            </a:r>
+          </a:p>
+          <a:p>
+            <a:pPr lvl="1"/>
+            <a:r>
+              <a:rPr lang="sk-SK" dirty="0" smtClean="0"/>
+              <a:t>Takýto dej môžeme bez externého zásahu (výber z bankomatu) považovať za nestabilný – suma na účte bude rásť teoreticky do nekonečna.</a:t>
+            </a:r>
+          </a:p>
+          <a:p>
+            <a:pPr>
+              <a:buFont typeface="Arial" panose="020B0604020202020204" pitchFamily="34" charset="0"/>
+              <a:buChar char="•"/>
+            </a:pPr>
+            <a:r>
+              <a:rPr lang="sk-SK" dirty="0" smtClean="0"/>
+              <a:t>Negatívna </a:t>
+            </a:r>
+            <a:r>
+              <a:rPr lang="sk-SK" dirty="0"/>
+              <a:t>s</a:t>
+            </a:r>
+            <a:r>
+              <a:rPr lang="sk-SK" dirty="0" smtClean="0"/>
+              <a:t>pätná väzba pôsobí  proti smeru pôvodného javu, teda pôsobí smerom </a:t>
+            </a:r>
+            <a:r>
+              <a:rPr lang="sk-SK" dirty="0"/>
+              <a:t>k </a:t>
+            </a:r>
+            <a:r>
+              <a:rPr lang="sk-SK" dirty="0" smtClean="0"/>
+              <a:t>rovnováhe.</a:t>
+            </a:r>
+            <a:endParaRPr lang="sk-SK" dirty="0"/>
+          </a:p>
+          <a:p>
+            <a:pPr>
+              <a:buFont typeface="Arial" panose="020B0604020202020204" pitchFamily="34" charset="0"/>
+              <a:buChar char="•"/>
+            </a:pPr>
+            <a:r>
+              <a:rPr lang="sk-SK" dirty="0" smtClean="0"/>
+              <a:t>Príkladom môže byť horúca káva v šálke. </a:t>
+            </a:r>
+          </a:p>
+          <a:p>
+            <a:pPr lvl="1"/>
+            <a:r>
+              <a:rPr lang="sk-SK" dirty="0" smtClean="0"/>
+              <a:t>Čím </a:t>
+            </a:r>
+            <a:r>
+              <a:rPr lang="sk-SK" dirty="0"/>
+              <a:t>je </a:t>
+            </a:r>
+            <a:r>
+              <a:rPr lang="sk-SK" dirty="0" smtClean="0"/>
+              <a:t>rozdiel teplôt </a:t>
+            </a:r>
+            <a:r>
+              <a:rPr lang="sk-SK" dirty="0"/>
+              <a:t>v </a:t>
+            </a:r>
+            <a:r>
+              <a:rPr lang="sk-SK" dirty="0" smtClean="0"/>
+              <a:t>miestnosti </a:t>
+            </a:r>
+            <a:r>
+              <a:rPr lang="sk-SK" dirty="0"/>
+              <a:t>a v </a:t>
+            </a:r>
+            <a:r>
+              <a:rPr lang="sk-SK" dirty="0" smtClean="0"/>
+              <a:t>šálke väčší, tým viac sa odparuje </a:t>
+            </a:r>
+            <a:r>
+              <a:rPr lang="sk-SK" dirty="0"/>
+              <a:t>vody </a:t>
+            </a:r>
+            <a:r>
+              <a:rPr lang="sk-SK" dirty="0" smtClean="0"/>
+              <a:t>zo </a:t>
+            </a:r>
+            <a:r>
+              <a:rPr lang="sk-SK" dirty="0"/>
+              <a:t>šálku a to </a:t>
+            </a:r>
+            <a:r>
+              <a:rPr lang="sk-SK" dirty="0" smtClean="0"/>
+              <a:t>spôsobuje zníženie </a:t>
+            </a:r>
+            <a:r>
+              <a:rPr lang="sk-SK" dirty="0"/>
+              <a:t>teploty v </a:t>
+            </a:r>
+            <a:r>
+              <a:rPr lang="sk-SK" dirty="0" smtClean="0"/>
+              <a:t>káve.</a:t>
+            </a:r>
+          </a:p>
+          <a:p>
+            <a:pPr lvl="1"/>
+            <a:r>
+              <a:rPr lang="sk-SK" dirty="0" smtClean="0"/>
+              <a:t>Takýto dej považujeme za stabilný, pretože sa po určitom čase teplota kávy ustáli na teplotu miestnosti</a:t>
+            </a:r>
+            <a:endParaRPr lang="sk-SK" dirty="0"/>
+          </a:p>
+          <a:p>
+            <a:endParaRPr lang="sk-SK" dirty="0"/>
+          </a:p>
+        </p:txBody>
+      </p:sp>
+    </p:spTree>
+    <p:extLst>
+      <p:ext uri="{BB962C8B-B14F-4D97-AF65-F5344CB8AC3E}">
+        <p14:creationId xmlns:p14="http://schemas.microsoft.com/office/powerpoint/2010/main" val="2483193095"/>
+      </p:ext>
+    </p:extLst>
+  </p:cSld>
+  <p:clrMapOvr>
+    <a:masterClrMapping/>
+  </p:clrMapOvr>
+</p:sld>
+</file>
+
+<file path=ppt/slides/slide27.xml><?xml version="1.0" encoding="utf-8"?>
+<p:sld xmlns:a="http://schemas.openxmlformats.org/drawingml/2006/main" xmlns:r="http://schemas.openxmlformats.org/officeDocument/2006/relationships" xmlns:p="http://schemas.openxmlformats.org/presentationml/2006/main">
+  <p:cSld>
+    <p:spTree>
+      <p:nvGrpSpPr>
+        <p:cNvPr id="1" name=""/>
+        <p:cNvGrpSpPr/>
+        <p:nvPr/>
+      </p:nvGrpSpPr>
+      <p:grpSpPr>
+        <a:xfrm>
+          <a:off x="0" y="0"/>
+          <a:ext cx="0" cy="0"/>
+          <a:chOff x="0" y="0"/>
+          <a:chExt cx="0" cy="0"/>
+        </a:xfrm>
+      </p:grpSpPr>
+      <p:sp>
+        <p:nvSpPr>
+          <p:cNvPr id="2" name="Nadpis 1"/>
+          <p:cNvSpPr>
+            <a:spLocks noGrp="1"/>
+          </p:cNvSpPr>
+          <p:nvPr>
+            <p:ph type="title"/>
+          </p:nvPr>
+        </p:nvSpPr>
+        <p:spPr/>
+        <p:txBody>
+          <a:bodyPr/>
+          <a:lstStyle/>
+          <a:p>
+            <a:r>
+              <a:rPr lang="sk-SK" dirty="0" smtClean="0"/>
+              <a:t>Spätná väzba príklady</a:t>
+            </a:r>
+            <a:endParaRPr lang="sk-SK" dirty="0"/>
+          </a:p>
+        </p:txBody>
+      </p:sp>
+      <p:sp>
+        <p:nvSpPr>
+          <p:cNvPr id="4" name="Zástupný symbol textu 3"/>
+          <p:cNvSpPr>
+            <a:spLocks noGrp="1"/>
+          </p:cNvSpPr>
+          <p:nvPr>
+            <p:ph type="body" idx="1"/>
+          </p:nvPr>
+        </p:nvSpPr>
+        <p:spPr/>
+        <p:txBody>
+          <a:bodyPr/>
+          <a:lstStyle/>
+          <a:p>
+            <a:r>
+              <a:rPr lang="sk-SK" dirty="0" smtClean="0"/>
+              <a:t>Kladná spätná väzba – Globálne otepľovanie</a:t>
+            </a:r>
+            <a:endParaRPr lang="sk-SK" dirty="0"/>
+          </a:p>
+        </p:txBody>
+      </p:sp>
+      <p:pic>
+        <p:nvPicPr>
+          <p:cNvPr id="2052" name="Picture 4" descr="http://wpmediars.golfwrx.com/wp-content/uploads/2014/03/The_Feedback_Loop2.jpg"/>
+          <p:cNvPicPr>
+            <a:picLocks noGrp="1" noChangeAspect="1" noChangeArrowheads="1"/>
+          </p:cNvPicPr>
+          <p:nvPr>
+            <p:ph sz="half" idx="2"/>
+          </p:nvPr>
+        </p:nvPicPr>
+        <p:blipFill>
+          <a:blip r:embed="rId2">
+            <a:extLst>
+              <a:ext uri="{28A0092B-C50C-407E-A947-70E740481C1C}">
+                <a14:useLocalDpi xmlns:a14="http://schemas.microsoft.com/office/drawing/2010/main" val="0"/>
+              </a:ext>
+            </a:extLst>
+          </a:blip>
+          <a:stretch>
+            <a:fillRect/>
+          </a:stretch>
+        </p:blipFill>
+        <p:spPr bwMode="auto">
+          <a:xfrm>
+            <a:off x="381000" y="2585628"/>
+            <a:ext cx="4144963" cy="2674169"/>
+          </a:xfrm>
+          <a:prstGeom prst="rect">
+            <a:avLst/>
+          </a:prstGeom>
+          <a:noFill/>
+          <a:extLst>
+            <a:ext uri="{909E8E84-426E-40DD-AFC4-6F175D3DCCD1}">
+              <a14:hiddenFill xmlns:a14="http://schemas.microsoft.com/office/drawing/2010/main">
+                <a:solidFill>
+                  <a:srgbClr val="FFFFFF"/>
+                </a:solidFill>
+              </a14:hiddenFill>
+            </a:ext>
+          </a:extLst>
+        </p:spPr>
+      </p:pic>
+      <p:sp>
+        <p:nvSpPr>
+          <p:cNvPr id="5" name="Zástupný symbol textu 4"/>
+          <p:cNvSpPr>
+            <a:spLocks noGrp="1"/>
+          </p:cNvSpPr>
+          <p:nvPr>
+            <p:ph type="body" sz="quarter" idx="3"/>
+          </p:nvPr>
+        </p:nvSpPr>
+        <p:spPr/>
+        <p:txBody>
+          <a:bodyPr/>
+          <a:lstStyle/>
+          <a:p>
+            <a:r>
+              <a:rPr lang="sk-SK" dirty="0" smtClean="0"/>
+              <a:t>Záporná </a:t>
+            </a:r>
+            <a:r>
+              <a:rPr lang="sk-SK" dirty="0"/>
+              <a:t>spätná väzba </a:t>
+            </a:r>
+            <a:r>
+              <a:rPr lang="sk-SK" dirty="0" smtClean="0"/>
+              <a:t>– Regulácia telesnej teploty</a:t>
+            </a:r>
+            <a:endParaRPr lang="sk-SK" dirty="0"/>
+          </a:p>
+        </p:txBody>
+      </p:sp>
+      <p:pic>
+        <p:nvPicPr>
+          <p:cNvPr id="2054" name="Picture 6" descr="https://climateatlas.ca/sites/default/files/uploaded_files/AboutClimateChange-GFX-09_0.jpg"/>
+          <p:cNvPicPr>
+            <a:picLocks noChangeAspect="1" noChangeArrowheads="1"/>
+          </p:cNvPicPr>
+          <p:nvPr/>
+        </p:nvPicPr>
+        <p:blipFill>
+          <a:blip r:embed="rId3" cstate="print">
+            <a:extLst>
+              <a:ext uri="{28A0092B-C50C-407E-A947-70E740481C1C}">
+                <a14:useLocalDpi xmlns:a14="http://schemas.microsoft.com/office/drawing/2010/main" val="0"/>
+              </a:ext>
+            </a:extLst>
+          </a:blip>
+          <a:srcRect/>
+          <a:stretch>
+            <a:fillRect/>
+          </a:stretch>
+        </p:blipFill>
+        <p:spPr bwMode="auto">
+          <a:xfrm>
+            <a:off x="508000" y="2478537"/>
+            <a:ext cx="3800389" cy="3104443"/>
+          </a:xfrm>
+          <a:prstGeom prst="rect">
+            <a:avLst/>
+          </a:prstGeom>
+          <a:noFill/>
+          <a:extLst>
+            <a:ext uri="{909E8E84-426E-40DD-AFC4-6F175D3DCCD1}">
+              <a14:hiddenFill xmlns:a14="http://schemas.microsoft.com/office/drawing/2010/main">
+                <a:solidFill>
+                  <a:srgbClr val="FFFFFF"/>
+                </a:solidFill>
+              </a14:hiddenFill>
+            </a:ext>
+          </a:extLst>
+        </p:spPr>
+      </p:pic>
+      <p:pic>
+        <p:nvPicPr>
+          <p:cNvPr id="2056" name="Picture 8" descr="VÃ½sledok vyhÄ¾adÃ¡vania obrÃ¡zkov pre dopyt negative feedback"/>
+          <p:cNvPicPr>
+            <a:picLocks noGrp="1" noChangeAspect="1" noChangeArrowheads="1"/>
+          </p:cNvPicPr>
+          <p:nvPr>
+            <p:ph sz="quarter" idx="4"/>
+          </p:nvPr>
+        </p:nvPicPr>
+        <p:blipFill>
+          <a:blip r:embed="rId4">
+            <a:extLst>
+              <a:ext uri="{28A0092B-C50C-407E-A947-70E740481C1C}">
+                <a14:useLocalDpi xmlns:a14="http://schemas.microsoft.com/office/drawing/2010/main" val="0"/>
+              </a:ext>
+            </a:extLst>
+          </a:blip>
+          <a:srcRect/>
+          <a:stretch>
+            <a:fillRect/>
+          </a:stretch>
+        </p:blipFill>
+        <p:spPr bwMode="auto">
+          <a:xfrm>
+            <a:off x="4525962" y="2871466"/>
+            <a:ext cx="4377663" cy="2318372"/>
+          </a:xfrm>
+          <a:prstGeom prst="rect">
+            <a:avLst/>
+          </a:prstGeom>
+          <a:noFill/>
+          <a:extLst>
+            <a:ext uri="{909E8E84-426E-40DD-AFC4-6F175D3DCCD1}">
+              <a14:hiddenFill xmlns:a14="http://schemas.microsoft.com/office/drawing/2010/main">
+                <a:solidFill>
+                  <a:srgbClr val="FFFFFF"/>
+                </a:solidFill>
+              </a14:hiddenFill>
+            </a:ext>
+          </a:extLst>
+        </p:spPr>
+      </p:pic>
+    </p:spTree>
+    <p:extLst>
+      <p:ext uri="{BB962C8B-B14F-4D97-AF65-F5344CB8AC3E}">
+        <p14:creationId xmlns:p14="http://schemas.microsoft.com/office/powerpoint/2010/main" val="2106738411"/>
+      </p:ext>
+    </p:extLst>
+  </p:cSld>
+  <p:clrMapOvr>
+    <a:masterClrMapping/>
+  </p:clrMapOvr>
+</p:sld>
+</file>
+
+<file path=ppt/slides/slide28.xml><?xml version="1.0" encoding="utf-8"?>
+<p:sld xmlns:a="http://schemas.openxmlformats.org/drawingml/2006/main" xmlns:r="http://schemas.openxmlformats.org/officeDocument/2006/relationships" xmlns:p="http://schemas.openxmlformats.org/presentationml/2006/main">
+  <p:cSld>
+    <p:spTree>
+      <p:nvGrpSpPr>
+        <p:cNvPr id="1" name=""/>
+        <p:cNvGrpSpPr/>
+        <p:nvPr/>
+      </p:nvGrpSpPr>
+      <p:grpSpPr>
+        <a:xfrm>
+          <a:off x="0" y="0"/>
+          <a:ext cx="0" cy="0"/>
+          <a:chOff x="0" y="0"/>
+          <a:chExt cx="0" cy="0"/>
+        </a:xfrm>
+      </p:grpSpPr>
+      <p:sp>
+        <p:nvSpPr>
+          <p:cNvPr id="2" name="Nadpis 1"/>
+          <p:cNvSpPr>
+            <a:spLocks noGrp="1"/>
+          </p:cNvSpPr>
+          <p:nvPr>
+            <p:ph type="title"/>
+          </p:nvPr>
+        </p:nvSpPr>
+        <p:spPr/>
+        <p:txBody>
+          <a:bodyPr/>
+          <a:lstStyle/>
+          <a:p>
+            <a:r>
+              <a:rPr lang="sk-SK" dirty="0" smtClean="0"/>
+              <a:t>Prenosová funkcia systému</a:t>
+            </a:r>
+            <a:endParaRPr lang="sk-SK" dirty="0"/>
+          </a:p>
+        </p:txBody>
+      </p:sp>
+      <p:sp>
+        <p:nvSpPr>
+          <p:cNvPr id="3" name="Zástupný symbol obsahu 2"/>
+          <p:cNvSpPr>
+            <a:spLocks noGrp="1"/>
+          </p:cNvSpPr>
+          <p:nvPr>
+            <p:ph idx="1"/>
+          </p:nvPr>
+        </p:nvSpPr>
+        <p:spPr/>
+        <p:txBody>
+          <a:bodyPr/>
+          <a:lstStyle/>
+          <a:p>
+            <a:endParaRPr lang="sk-SK"/>
+          </a:p>
+        </p:txBody>
+      </p:sp>
+    </p:spTree>
+    <p:extLst>
+      <p:ext uri="{BB962C8B-B14F-4D97-AF65-F5344CB8AC3E}">
+        <p14:creationId xmlns:p14="http://schemas.microsoft.com/office/powerpoint/2010/main" val="782147760"/>
+      </p:ext>
+    </p:extLst>
+  </p:cSld>
+  <p:clrMapOvr>
+    <a:masterClrMapping/>
+  </p:clrMapOvr>
+</p:sld>
+</file>
+
+<file path=ppt/slides/slide29.xml><?xml version="1.0" encoding="utf-8"?>
+<p:sld xmlns:a="http://schemas.openxmlformats.org/drawingml/2006/main" xmlns:r="http://schemas.openxmlformats.org/officeDocument/2006/relationships" xmlns:p="http://schemas.openxmlformats.org/presentationml/2006/main">
+  <p:cSld>
+    <p:spTree>
+      <p:nvGrpSpPr>
+        <p:cNvPr id="1" name=""/>
+        <p:cNvGrpSpPr/>
+        <p:nvPr/>
+      </p:nvGrpSpPr>
+      <p:grpSpPr>
+        <a:xfrm>
+          <a:off x="0" y="0"/>
+          <a:ext cx="0" cy="0"/>
+          <a:chOff x="0" y="0"/>
+          <a:chExt cx="0" cy="0"/>
+        </a:xfrm>
+      </p:grpSpPr>
+      <p:sp>
+        <p:nvSpPr>
+          <p:cNvPr id="2" name="Nadpis 1"/>
+          <p:cNvSpPr>
+            <a:spLocks noGrp="1"/>
+          </p:cNvSpPr>
+          <p:nvPr>
+            <p:ph type="title"/>
+          </p:nvPr>
+        </p:nvSpPr>
+        <p:spPr/>
+        <p:txBody>
+          <a:bodyPr/>
+          <a:lstStyle/>
+          <a:p>
+            <a:r>
+              <a:rPr lang="sk-SK" dirty="0" smtClean="0"/>
+              <a:t>Statické zosilnenie</a:t>
+            </a:r>
+            <a:endParaRPr lang="sk-SK" dirty="0"/>
+          </a:p>
+        </p:txBody>
+      </p:sp>
+      <p:sp>
+        <p:nvSpPr>
+          <p:cNvPr id="3" name="Zástupný symbol obsahu 2"/>
+          <p:cNvSpPr>
+            <a:spLocks noGrp="1"/>
+          </p:cNvSpPr>
+          <p:nvPr>
+            <p:ph idx="1"/>
+          </p:nvPr>
+        </p:nvSpPr>
+        <p:spPr/>
+        <p:txBody>
+          <a:bodyPr/>
+          <a:lstStyle/>
+          <a:p>
+            <a:endParaRPr lang="sk-SK"/>
+          </a:p>
+        </p:txBody>
+      </p:sp>
+    </p:spTree>
+    <p:extLst>
+      <p:ext uri="{BB962C8B-B14F-4D97-AF65-F5344CB8AC3E}">
+        <p14:creationId xmlns:p14="http://schemas.microsoft.com/office/powerpoint/2010/main" val="3903163388"/>
       </p:ext>
     </p:extLst>
   </p:cSld>
@@ -3702,6 +6547,47 @@
           <a:chExt cx="0" cy="0"/>
         </a:xfrm>
       </p:grpSpPr>
+      <p:pic>
+        <p:nvPicPr>
+          <p:cNvPr id="1026" name="Picture 2" descr="VÃ½sledok vyhÄ¾adÃ¡vania obrÃ¡zkov pre dopyt cybernetics"/>
+          <p:cNvPicPr>
+            <a:picLocks noChangeAspect="1" noChangeArrowheads="1"/>
+          </p:cNvPicPr>
+          <p:nvPr/>
+        </p:nvPicPr>
+        <p:blipFill>
+          <a:blip r:embed="rId2">
+            <a:extLst>
+              <a:ext uri="{28A0092B-C50C-407E-A947-70E740481C1C}">
+                <a14:useLocalDpi xmlns:a14="http://schemas.microsoft.com/office/drawing/2010/main" val="0"/>
+              </a:ext>
+            </a:extLst>
+          </a:blip>
+          <a:srcRect/>
+          <a:stretch>
+            <a:fillRect/>
+          </a:stretch>
+        </p:blipFill>
+        <p:spPr bwMode="auto">
+          <a:xfrm>
+            <a:off x="3624648" y="2403559"/>
+            <a:ext cx="5519351" cy="4454441"/>
+          </a:xfrm>
+          <a:prstGeom prst="rect">
+            <a:avLst/>
+          </a:prstGeom>
+          <a:noFill/>
+          <a:extLst>
+            <a:ext uri="{909E8E84-426E-40DD-AFC4-6F175D3DCCD1}">
+              <a14:hiddenFill xmlns:a14="http://schemas.microsoft.com/office/drawing/2010/main">
+                <a:solidFill>
+                  <a:srgbClr val="FFFFFF"/>
+                </a:solidFill>
+              </a14:hiddenFill>
+            </a:ext>
+          </a:extLst>
+        </p:spPr>
+      </p:pic>
       <p:sp>
         <p:nvSpPr>
           <p:cNvPr id="2" name="Nadpis 1"/>
@@ -3719,7 +6605,7 @@
           <a:p>
             <a:r>
               <a:rPr lang="sk-SK" dirty="0" smtClean="0"/>
-              <a:t>Dynamika</a:t>
+              <a:t>Kybernetika okolo nás</a:t>
             </a:r>
             <a:endParaRPr lang="sk-SK" dirty="0"/>
           </a:p>
@@ -3735,19 +6621,839 @@
             <p:ph idx="1"/>
           </p:nvPr>
         </p:nvSpPr>
-        <p:spPr/>
-        <p:txBody>
-          <a:bodyPr/>
-          <a:lstStyle/>
-          <a:p>
-            <a:endParaRPr lang="sk-SK"/>
+        <p:spPr>
+          <a:xfrm>
+            <a:off x="180993" y="1025363"/>
+            <a:ext cx="4506337" cy="4625793"/>
+          </a:xfrm>
+        </p:spPr>
+        <p:txBody>
+          <a:bodyPr/>
+          <a:lstStyle/>
+          <a:p>
+            <a:pPr>
+              <a:buFont typeface="Arial" panose="020B0604020202020204" pitchFamily="34" charset="0"/>
+              <a:buChar char="•"/>
+            </a:pPr>
+            <a:r>
+              <a:rPr lang="sk-SK" dirty="0" smtClean="0"/>
+              <a:t>Je </a:t>
+            </a:r>
+            <a:r>
+              <a:rPr lang="sk-SK" dirty="0" smtClean="0"/>
+              <a:t>fúziou z </a:t>
+            </a:r>
+            <a:r>
+              <a:rPr lang="sk-SK" dirty="0" smtClean="0"/>
+              <a:t>viacerých odborov</a:t>
+            </a:r>
+          </a:p>
+          <a:p>
+            <a:pPr>
+              <a:buFont typeface="Arial" panose="020B0604020202020204" pitchFamily="34" charset="0"/>
+              <a:buChar char="•"/>
+            </a:pPr>
+            <a:r>
+              <a:rPr lang="sk-SK" dirty="0" smtClean="0"/>
+              <a:t>Zaoberá </a:t>
+            </a:r>
+            <a:r>
+              <a:rPr lang="sk-SK" dirty="0"/>
+              <a:t>sa aj analýzou a syntézou riadiacich a regulačných procesov </a:t>
+            </a:r>
+            <a:endParaRPr lang="sk-SK" dirty="0" smtClean="0"/>
+          </a:p>
+          <a:p>
+            <a:pPr>
+              <a:buFont typeface="Arial" panose="020B0604020202020204" pitchFamily="34" charset="0"/>
+              <a:buChar char="•"/>
+            </a:pPr>
+            <a:r>
+              <a:rPr lang="sk-SK" dirty="0"/>
+              <a:t>Základným pilierom kybernetiky je využitie spätnej väzby</a:t>
+            </a:r>
+            <a:r>
+              <a:rPr lang="sk-SK" dirty="0" smtClean="0"/>
+              <a:t>.</a:t>
+            </a:r>
+          </a:p>
+          <a:p>
+            <a:pPr>
+              <a:buFont typeface="Arial" panose="020B0604020202020204" pitchFamily="34" charset="0"/>
+              <a:buChar char="•"/>
+            </a:pPr>
+            <a:r>
+              <a:rPr lang="sk-SK" dirty="0" smtClean="0"/>
+              <a:t>Všade prítomná problematika: </a:t>
+            </a:r>
+            <a:r>
+              <a:rPr lang="sk-SK" dirty="0"/>
+              <a:t>technické </a:t>
+            </a:r>
+            <a:r>
+              <a:rPr lang="sk-SK" dirty="0" smtClean="0"/>
+              <a:t>vedy - mechanika, elektrotechnika , jadrové </a:t>
+            </a:r>
+            <a:r>
+              <a:rPr lang="sk-SK" dirty="0"/>
+              <a:t>skúšky, biologické objekty,  </a:t>
+            </a:r>
+            <a:r>
+              <a:rPr lang="sk-SK" dirty="0" smtClean="0"/>
+              <a:t>ekonómia...</a:t>
+            </a:r>
+            <a:endParaRPr lang="sk-SK" dirty="0"/>
+          </a:p>
+          <a:p>
+            <a:pPr>
+              <a:buFont typeface="Arial" panose="020B0604020202020204" pitchFamily="34" charset="0"/>
+              <a:buChar char="•"/>
+            </a:pPr>
+            <a:r>
+              <a:rPr lang="sk-SK" dirty="0" smtClean="0"/>
+              <a:t>Kybernetika </a:t>
+            </a:r>
+            <a:r>
+              <a:rPr lang="sk-SK" dirty="0"/>
+              <a:t>je podstatou Industry 4.0</a:t>
+            </a:r>
+          </a:p>
+          <a:p>
+            <a:endParaRPr lang="sk-SK" dirty="0"/>
           </a:p>
         </p:txBody>
       </p:sp>
     </p:spTree>
     <p:extLst>
       <p:ext uri="{BB962C8B-B14F-4D97-AF65-F5344CB8AC3E}">
-        <p14:creationId xmlns:p14="http://schemas.microsoft.com/office/powerpoint/2010/main" val="3407072680"/>
+        <p14:creationId xmlns:p14="http://schemas.microsoft.com/office/powerpoint/2010/main" val="2415096176"/>
+      </p:ext>
+    </p:extLst>
+  </p:cSld>
+  <p:clrMapOvr>
+    <a:masterClrMapping/>
+  </p:clrMapOvr>
+  <p:timing>
+    <p:tnLst>
+      <p:par>
+        <p:cTn id="1" dur="indefinite" restart="never" nodeType="tmRoot"/>
+      </p:par>
+    </p:tnLst>
+  </p:timing>
+</p:sld>
+</file>
+
+<file path=ppt/slides/slide30.xml><?xml version="1.0" encoding="utf-8"?>
+<p:sld xmlns:a="http://schemas.openxmlformats.org/drawingml/2006/main" xmlns:r="http://schemas.openxmlformats.org/officeDocument/2006/relationships" xmlns:p="http://schemas.openxmlformats.org/presentationml/2006/main">
+  <p:cSld>
+    <p:spTree>
+      <p:nvGrpSpPr>
+        <p:cNvPr id="1" name=""/>
+        <p:cNvGrpSpPr/>
+        <p:nvPr/>
+      </p:nvGrpSpPr>
+      <p:grpSpPr>
+        <a:xfrm>
+          <a:off x="0" y="0"/>
+          <a:ext cx="0" cy="0"/>
+          <a:chOff x="0" y="0"/>
+          <a:chExt cx="0" cy="0"/>
+        </a:xfrm>
+      </p:grpSpPr>
+      <p:sp>
+        <p:nvSpPr>
+          <p:cNvPr id="2" name="Nadpis 1"/>
+          <p:cNvSpPr>
+            <a:spLocks noGrp="1"/>
+          </p:cNvSpPr>
+          <p:nvPr>
+            <p:ph type="title"/>
+          </p:nvPr>
+        </p:nvSpPr>
+        <p:spPr/>
+        <p:txBody>
+          <a:bodyPr/>
+          <a:lstStyle/>
+          <a:p>
+            <a:r>
+              <a:rPr lang="sk-SK" dirty="0" smtClean="0"/>
+              <a:t>Póly-nuly-charakteristický polynóm</a:t>
+            </a:r>
+            <a:endParaRPr lang="sk-SK" dirty="0"/>
+          </a:p>
+        </p:txBody>
+      </p:sp>
+      <p:sp>
+        <p:nvSpPr>
+          <p:cNvPr id="3" name="Zástupný symbol obsahu 2"/>
+          <p:cNvSpPr>
+            <a:spLocks noGrp="1"/>
+          </p:cNvSpPr>
+          <p:nvPr>
+            <p:ph idx="1"/>
+          </p:nvPr>
+        </p:nvSpPr>
+        <p:spPr/>
+        <p:txBody>
+          <a:bodyPr/>
+          <a:lstStyle/>
+          <a:p>
+            <a:endParaRPr lang="sk-SK"/>
+          </a:p>
+        </p:txBody>
+      </p:sp>
+    </p:spTree>
+    <p:extLst>
+      <p:ext uri="{BB962C8B-B14F-4D97-AF65-F5344CB8AC3E}">
+        <p14:creationId xmlns:p14="http://schemas.microsoft.com/office/powerpoint/2010/main" val="2447591181"/>
+      </p:ext>
+    </p:extLst>
+  </p:cSld>
+  <p:clrMapOvr>
+    <a:masterClrMapping/>
+  </p:clrMapOvr>
+</p:sld>
+</file>
+
+<file path=ppt/slides/slide31.xml><?xml version="1.0" encoding="utf-8"?>
+<p:sld xmlns:a="http://schemas.openxmlformats.org/drawingml/2006/main" xmlns:r="http://schemas.openxmlformats.org/officeDocument/2006/relationships" xmlns:p="http://schemas.openxmlformats.org/presentationml/2006/main">
+  <p:cSld>
+    <p:spTree>
+      <p:nvGrpSpPr>
+        <p:cNvPr id="1" name=""/>
+        <p:cNvGrpSpPr/>
+        <p:nvPr/>
+      </p:nvGrpSpPr>
+      <p:grpSpPr>
+        <a:xfrm>
+          <a:off x="0" y="0"/>
+          <a:ext cx="0" cy="0"/>
+          <a:chOff x="0" y="0"/>
+          <a:chExt cx="0" cy="0"/>
+        </a:xfrm>
+      </p:grpSpPr>
+      <p:sp>
+        <p:nvSpPr>
+          <p:cNvPr id="2" name="Nadpis 1"/>
+          <p:cNvSpPr>
+            <a:spLocks noGrp="1"/>
+          </p:cNvSpPr>
+          <p:nvPr>
+            <p:ph type="title"/>
+          </p:nvPr>
+        </p:nvSpPr>
+        <p:spPr/>
+        <p:txBody>
+          <a:bodyPr/>
+          <a:lstStyle/>
+          <a:p>
+            <a:r>
+              <a:rPr lang="sk-SK" dirty="0" err="1" smtClean="0"/>
+              <a:t>Astatizmus</a:t>
+            </a:r>
+            <a:endParaRPr lang="sk-SK" dirty="0"/>
+          </a:p>
+        </p:txBody>
+      </p:sp>
+      <p:sp>
+        <p:nvSpPr>
+          <p:cNvPr id="3" name="Zástupný symbol obsahu 2"/>
+          <p:cNvSpPr>
+            <a:spLocks noGrp="1"/>
+          </p:cNvSpPr>
+          <p:nvPr>
+            <p:ph idx="1"/>
+          </p:nvPr>
+        </p:nvSpPr>
+        <p:spPr/>
+        <p:txBody>
+          <a:bodyPr/>
+          <a:lstStyle/>
+          <a:p>
+            <a:endParaRPr lang="sk-SK"/>
+          </a:p>
+        </p:txBody>
+      </p:sp>
+    </p:spTree>
+    <p:extLst>
+      <p:ext uri="{BB962C8B-B14F-4D97-AF65-F5344CB8AC3E}">
+        <p14:creationId xmlns:p14="http://schemas.microsoft.com/office/powerpoint/2010/main" val="98981534"/>
+      </p:ext>
+    </p:extLst>
+  </p:cSld>
+  <p:clrMapOvr>
+    <a:masterClrMapping/>
+  </p:clrMapOvr>
+</p:sld>
+</file>
+
+<file path=ppt/slides/slide32.xml><?xml version="1.0" encoding="utf-8"?>
+<p:sld xmlns:a="http://schemas.openxmlformats.org/drawingml/2006/main" xmlns:r="http://schemas.openxmlformats.org/officeDocument/2006/relationships" xmlns:p="http://schemas.openxmlformats.org/presentationml/2006/main">
+  <p:cSld>
+    <p:spTree>
+      <p:nvGrpSpPr>
+        <p:cNvPr id="1" name=""/>
+        <p:cNvGrpSpPr/>
+        <p:nvPr/>
+      </p:nvGrpSpPr>
+      <p:grpSpPr>
+        <a:xfrm>
+          <a:off x="0" y="0"/>
+          <a:ext cx="0" cy="0"/>
+          <a:chOff x="0" y="0"/>
+          <a:chExt cx="0" cy="0"/>
+        </a:xfrm>
+      </p:grpSpPr>
+      <p:sp>
+        <p:nvSpPr>
+          <p:cNvPr id="2" name="Nadpis 1"/>
+          <p:cNvSpPr>
+            <a:spLocks noGrp="1"/>
+          </p:cNvSpPr>
+          <p:nvPr>
+            <p:ph type="title"/>
+          </p:nvPr>
+        </p:nvSpPr>
+        <p:spPr/>
+        <p:txBody>
+          <a:bodyPr/>
+          <a:lstStyle/>
+          <a:p>
+            <a:r>
+              <a:rPr lang="sk-SK" dirty="0" smtClean="0"/>
+              <a:t>Realizovateľnosť</a:t>
+            </a:r>
+            <a:endParaRPr lang="sk-SK" dirty="0"/>
+          </a:p>
+        </p:txBody>
+      </p:sp>
+      <p:sp>
+        <p:nvSpPr>
+          <p:cNvPr id="3" name="Zástupný symbol obsahu 2"/>
+          <p:cNvSpPr>
+            <a:spLocks noGrp="1"/>
+          </p:cNvSpPr>
+          <p:nvPr>
+            <p:ph idx="1"/>
+          </p:nvPr>
+        </p:nvSpPr>
+        <p:spPr/>
+        <p:txBody>
+          <a:bodyPr/>
+          <a:lstStyle/>
+          <a:p>
+            <a:endParaRPr lang="sk-SK"/>
+          </a:p>
+        </p:txBody>
+      </p:sp>
+    </p:spTree>
+    <p:extLst>
+      <p:ext uri="{BB962C8B-B14F-4D97-AF65-F5344CB8AC3E}">
+        <p14:creationId xmlns:p14="http://schemas.microsoft.com/office/powerpoint/2010/main" val="3819864374"/>
+      </p:ext>
+    </p:extLst>
+  </p:cSld>
+  <p:clrMapOvr>
+    <a:masterClrMapping/>
+  </p:clrMapOvr>
+</p:sld>
+</file>
+
+<file path=ppt/slides/slide33.xml><?xml version="1.0" encoding="utf-8"?>
+<p:sld xmlns:a="http://schemas.openxmlformats.org/drawingml/2006/main" xmlns:r="http://schemas.openxmlformats.org/officeDocument/2006/relationships" xmlns:p="http://schemas.openxmlformats.org/presentationml/2006/main">
+  <p:cSld>
+    <p:spTree>
+      <p:nvGrpSpPr>
+        <p:cNvPr id="1" name=""/>
+        <p:cNvGrpSpPr/>
+        <p:nvPr/>
+      </p:nvGrpSpPr>
+      <p:grpSpPr>
+        <a:xfrm>
+          <a:off x="0" y="0"/>
+          <a:ext cx="0" cy="0"/>
+          <a:chOff x="0" y="0"/>
+          <a:chExt cx="0" cy="0"/>
+        </a:xfrm>
+      </p:grpSpPr>
+      <p:sp>
+        <p:nvSpPr>
+          <p:cNvPr id="2" name="Nadpis 1"/>
+          <p:cNvSpPr>
+            <a:spLocks noGrp="1"/>
+          </p:cNvSpPr>
+          <p:nvPr>
+            <p:ph type="title"/>
+          </p:nvPr>
+        </p:nvSpPr>
+        <p:spPr/>
+        <p:txBody>
+          <a:bodyPr/>
+          <a:lstStyle/>
+          <a:p>
+            <a:r>
+              <a:rPr lang="sk-SK" dirty="0" smtClean="0"/>
+              <a:t>Stabilita systémov</a:t>
+            </a:r>
+            <a:endParaRPr lang="sk-SK" dirty="0"/>
+          </a:p>
+        </p:txBody>
+      </p:sp>
+      <p:sp>
+        <p:nvSpPr>
+          <p:cNvPr id="3" name="Zástupný symbol obsahu 2"/>
+          <p:cNvSpPr>
+            <a:spLocks noGrp="1"/>
+          </p:cNvSpPr>
+          <p:nvPr>
+            <p:ph idx="1"/>
+          </p:nvPr>
+        </p:nvSpPr>
+        <p:spPr/>
+        <p:txBody>
+          <a:bodyPr/>
+          <a:lstStyle/>
+          <a:p>
+            <a:endParaRPr lang="sk-SK"/>
+          </a:p>
+        </p:txBody>
+      </p:sp>
+    </p:spTree>
+    <p:extLst>
+      <p:ext uri="{BB962C8B-B14F-4D97-AF65-F5344CB8AC3E}">
+        <p14:creationId xmlns:p14="http://schemas.microsoft.com/office/powerpoint/2010/main" val="2491538192"/>
+      </p:ext>
+    </p:extLst>
+  </p:cSld>
+  <p:clrMapOvr>
+    <a:masterClrMapping/>
+  </p:clrMapOvr>
+</p:sld>
+</file>
+
+<file path=ppt/slides/slide34.xml><?xml version="1.0" encoding="utf-8"?>
+<p:sld xmlns:a="http://schemas.openxmlformats.org/drawingml/2006/main" xmlns:r="http://schemas.openxmlformats.org/officeDocument/2006/relationships" xmlns:p="http://schemas.openxmlformats.org/presentationml/2006/main">
+  <p:cSld>
+    <p:spTree>
+      <p:nvGrpSpPr>
+        <p:cNvPr id="1" name=""/>
+        <p:cNvGrpSpPr/>
+        <p:nvPr/>
+      </p:nvGrpSpPr>
+      <p:grpSpPr>
+        <a:xfrm>
+          <a:off x="0" y="0"/>
+          <a:ext cx="0" cy="0"/>
+          <a:chOff x="0" y="0"/>
+          <a:chExt cx="0" cy="0"/>
+        </a:xfrm>
+      </p:grpSpPr>
+      <p:sp>
+        <p:nvSpPr>
+          <p:cNvPr id="2" name="Nadpis 1"/>
+          <p:cNvSpPr>
+            <a:spLocks noGrp="1"/>
+          </p:cNvSpPr>
+          <p:nvPr>
+            <p:ph type="title"/>
+          </p:nvPr>
+        </p:nvSpPr>
+        <p:spPr/>
+        <p:txBody>
+          <a:bodyPr/>
+          <a:lstStyle/>
+          <a:p>
+            <a:r>
+              <a:rPr lang="sk-SK" dirty="0" smtClean="0"/>
+              <a:t>Všeobecné kritérium stability</a:t>
+            </a:r>
+            <a:endParaRPr lang="sk-SK" dirty="0"/>
+          </a:p>
+        </p:txBody>
+      </p:sp>
+      <p:sp>
+        <p:nvSpPr>
+          <p:cNvPr id="3" name="Zástupný symbol obsahu 2"/>
+          <p:cNvSpPr>
+            <a:spLocks noGrp="1"/>
+          </p:cNvSpPr>
+          <p:nvPr>
+            <p:ph idx="1"/>
+          </p:nvPr>
+        </p:nvSpPr>
+        <p:spPr/>
+        <p:txBody>
+          <a:bodyPr/>
+          <a:lstStyle/>
+          <a:p>
+            <a:endParaRPr lang="sk-SK"/>
+          </a:p>
+        </p:txBody>
+      </p:sp>
+    </p:spTree>
+    <p:extLst>
+      <p:ext uri="{BB962C8B-B14F-4D97-AF65-F5344CB8AC3E}">
+        <p14:creationId xmlns:p14="http://schemas.microsoft.com/office/powerpoint/2010/main" val="3955982061"/>
+      </p:ext>
+    </p:extLst>
+  </p:cSld>
+  <p:clrMapOvr>
+    <a:masterClrMapping/>
+  </p:clrMapOvr>
+</p:sld>
+</file>
+
+<file path=ppt/slides/slide35.xml><?xml version="1.0" encoding="utf-8"?>
+<p:sld xmlns:a="http://schemas.openxmlformats.org/drawingml/2006/main" xmlns:r="http://schemas.openxmlformats.org/officeDocument/2006/relationships" xmlns:p="http://schemas.openxmlformats.org/presentationml/2006/main">
+  <p:cSld>
+    <p:spTree>
+      <p:nvGrpSpPr>
+        <p:cNvPr id="1" name=""/>
+        <p:cNvGrpSpPr/>
+        <p:nvPr/>
+      </p:nvGrpSpPr>
+      <p:grpSpPr>
+        <a:xfrm>
+          <a:off x="0" y="0"/>
+          <a:ext cx="0" cy="0"/>
+          <a:chOff x="0" y="0"/>
+          <a:chExt cx="0" cy="0"/>
+        </a:xfrm>
+      </p:grpSpPr>
+      <p:sp>
+        <p:nvSpPr>
+          <p:cNvPr id="2" name="Nadpis 1"/>
+          <p:cNvSpPr>
+            <a:spLocks noGrp="1"/>
+          </p:cNvSpPr>
+          <p:nvPr>
+            <p:ph type="title"/>
+          </p:nvPr>
+        </p:nvSpPr>
+        <p:spPr/>
+        <p:txBody>
+          <a:bodyPr/>
+          <a:lstStyle/>
+          <a:p>
+            <a:r>
+              <a:rPr lang="sk-SK" dirty="0" smtClean="0"/>
+              <a:t>Algebra prenosových funkcii</a:t>
+            </a:r>
+            <a:endParaRPr lang="sk-SK" dirty="0"/>
+          </a:p>
+        </p:txBody>
+      </p:sp>
+      <p:sp>
+        <p:nvSpPr>
+          <p:cNvPr id="3" name="Zástupný symbol obsahu 2"/>
+          <p:cNvSpPr>
+            <a:spLocks noGrp="1"/>
+          </p:cNvSpPr>
+          <p:nvPr>
+            <p:ph idx="1"/>
+          </p:nvPr>
+        </p:nvSpPr>
+        <p:spPr/>
+        <p:txBody>
+          <a:bodyPr/>
+          <a:lstStyle/>
+          <a:p>
+            <a:endParaRPr lang="sk-SK" dirty="0"/>
+          </a:p>
+        </p:txBody>
+      </p:sp>
+    </p:spTree>
+    <p:extLst>
+      <p:ext uri="{BB962C8B-B14F-4D97-AF65-F5344CB8AC3E}">
+        <p14:creationId xmlns:p14="http://schemas.microsoft.com/office/powerpoint/2010/main" val="4019935953"/>
+      </p:ext>
+    </p:extLst>
+  </p:cSld>
+  <p:clrMapOvr>
+    <a:masterClrMapping/>
+  </p:clrMapOvr>
+</p:sld>
+</file>
+
+<file path=ppt/slides/slide36.xml><?xml version="1.0" encoding="utf-8"?>
+<p:sld xmlns:a="http://schemas.openxmlformats.org/drawingml/2006/main" xmlns:r="http://schemas.openxmlformats.org/officeDocument/2006/relationships" xmlns:p="http://schemas.openxmlformats.org/presentationml/2006/main">
+  <p:cSld>
+    <p:spTree>
+      <p:nvGrpSpPr>
+        <p:cNvPr id="1" name=""/>
+        <p:cNvGrpSpPr/>
+        <p:nvPr/>
+      </p:nvGrpSpPr>
+      <p:grpSpPr>
+        <a:xfrm>
+          <a:off x="0" y="0"/>
+          <a:ext cx="0" cy="0"/>
+          <a:chOff x="0" y="0"/>
+          <a:chExt cx="0" cy="0"/>
+        </a:xfrm>
+      </p:grpSpPr>
+      <p:sp>
+        <p:nvSpPr>
+          <p:cNvPr id="2" name="Nadpis 1"/>
+          <p:cNvSpPr>
+            <a:spLocks noGrp="1"/>
+          </p:cNvSpPr>
+          <p:nvPr>
+            <p:ph type="title"/>
+          </p:nvPr>
+        </p:nvSpPr>
+        <p:spPr/>
+        <p:txBody>
+          <a:bodyPr/>
+          <a:lstStyle/>
+          <a:p>
+            <a:r>
+              <a:rPr lang="sk-SK" dirty="0" smtClean="0"/>
+              <a:t>Modelovanie diferenciálnych rovníc</a:t>
+            </a:r>
+            <a:endParaRPr lang="sk-SK" dirty="0"/>
+          </a:p>
+        </p:txBody>
+      </p:sp>
+      <p:sp>
+        <p:nvSpPr>
+          <p:cNvPr id="3" name="Zástupný symbol obsahu 2"/>
+          <p:cNvSpPr>
+            <a:spLocks noGrp="1"/>
+          </p:cNvSpPr>
+          <p:nvPr>
+            <p:ph idx="1"/>
+          </p:nvPr>
+        </p:nvSpPr>
+        <p:spPr/>
+        <p:txBody>
+          <a:bodyPr/>
+          <a:lstStyle/>
+          <a:p>
+            <a:endParaRPr lang="sk-SK"/>
+          </a:p>
+        </p:txBody>
+      </p:sp>
+    </p:spTree>
+    <p:extLst>
+      <p:ext uri="{BB962C8B-B14F-4D97-AF65-F5344CB8AC3E}">
+        <p14:creationId xmlns:p14="http://schemas.microsoft.com/office/powerpoint/2010/main" val="1090206558"/>
+      </p:ext>
+    </p:extLst>
+  </p:cSld>
+  <p:clrMapOvr>
+    <a:masterClrMapping/>
+  </p:clrMapOvr>
+</p:sld>
+</file>
+
+<file path=ppt/slides/slide37.xml><?xml version="1.0" encoding="utf-8"?>
+<p:sld xmlns:a="http://schemas.openxmlformats.org/drawingml/2006/main" xmlns:r="http://schemas.openxmlformats.org/officeDocument/2006/relationships" xmlns:p="http://schemas.openxmlformats.org/presentationml/2006/main">
+  <p:cSld>
+    <p:spTree>
+      <p:nvGrpSpPr>
+        <p:cNvPr id="1" name=""/>
+        <p:cNvGrpSpPr/>
+        <p:nvPr/>
+      </p:nvGrpSpPr>
+      <p:grpSpPr>
+        <a:xfrm>
+          <a:off x="0" y="0"/>
+          <a:ext cx="0" cy="0"/>
+          <a:chOff x="0" y="0"/>
+          <a:chExt cx="0" cy="0"/>
+        </a:xfrm>
+      </p:grpSpPr>
+      <p:sp>
+        <p:nvSpPr>
+          <p:cNvPr id="2" name="Nadpis 1"/>
+          <p:cNvSpPr>
+            <a:spLocks noGrp="1"/>
+          </p:cNvSpPr>
+          <p:nvPr>
+            <p:ph type="title"/>
+          </p:nvPr>
+        </p:nvSpPr>
+        <p:spPr/>
+        <p:txBody>
+          <a:bodyPr/>
+          <a:lstStyle/>
+          <a:p>
+            <a:r>
+              <a:rPr lang="sk-SK" dirty="0" smtClean="0"/>
+              <a:t>Model systému</a:t>
+            </a:r>
+            <a:endParaRPr lang="sk-SK" dirty="0"/>
+          </a:p>
+        </p:txBody>
+      </p:sp>
+      <p:sp>
+        <p:nvSpPr>
+          <p:cNvPr id="3" name="Zástupný symbol obsahu 2"/>
+          <p:cNvSpPr>
+            <a:spLocks noGrp="1"/>
+          </p:cNvSpPr>
+          <p:nvPr>
+            <p:ph idx="1"/>
+          </p:nvPr>
+        </p:nvSpPr>
+        <p:spPr/>
+        <p:txBody>
+          <a:bodyPr/>
+          <a:lstStyle/>
+          <a:p>
+            <a:endParaRPr lang="sk-SK"/>
+          </a:p>
+        </p:txBody>
+      </p:sp>
+    </p:spTree>
+    <p:extLst>
+      <p:ext uri="{BB962C8B-B14F-4D97-AF65-F5344CB8AC3E}">
+        <p14:creationId xmlns:p14="http://schemas.microsoft.com/office/powerpoint/2010/main" val="3548809352"/>
+      </p:ext>
+    </p:extLst>
+  </p:cSld>
+  <p:clrMapOvr>
+    <a:masterClrMapping/>
+  </p:clrMapOvr>
+</p:sld>
+</file>
+
+<file path=ppt/slides/slide38.xml><?xml version="1.0" encoding="utf-8"?>
+<p:sld xmlns:a="http://schemas.openxmlformats.org/drawingml/2006/main" xmlns:r="http://schemas.openxmlformats.org/officeDocument/2006/relationships" xmlns:p="http://schemas.openxmlformats.org/presentationml/2006/main">
+  <p:cSld>
+    <p:spTree>
+      <p:nvGrpSpPr>
+        <p:cNvPr id="1" name=""/>
+        <p:cNvGrpSpPr/>
+        <p:nvPr/>
+      </p:nvGrpSpPr>
+      <p:grpSpPr>
+        <a:xfrm>
+          <a:off x="0" y="0"/>
+          <a:ext cx="0" cy="0"/>
+          <a:chOff x="0" y="0"/>
+          <a:chExt cx="0" cy="0"/>
+        </a:xfrm>
+      </p:grpSpPr>
+      <p:sp>
+        <p:nvSpPr>
+          <p:cNvPr id="2" name="Nadpis 1"/>
+          <p:cNvSpPr>
+            <a:spLocks noGrp="1"/>
+          </p:cNvSpPr>
+          <p:nvPr>
+            <p:ph type="title"/>
+          </p:nvPr>
+        </p:nvSpPr>
+        <p:spPr/>
+        <p:txBody>
+          <a:bodyPr/>
+          <a:lstStyle/>
+          <a:p>
+            <a:r>
+              <a:rPr lang="sk-SK" dirty="0" smtClean="0"/>
+              <a:t>Charakteristiky systémov</a:t>
+            </a:r>
+            <a:endParaRPr lang="sk-SK" dirty="0"/>
+          </a:p>
+        </p:txBody>
+      </p:sp>
+      <p:sp>
+        <p:nvSpPr>
+          <p:cNvPr id="3" name="Zástupný symbol obsahu 2"/>
+          <p:cNvSpPr>
+            <a:spLocks noGrp="1"/>
+          </p:cNvSpPr>
+          <p:nvPr>
+            <p:ph idx="1"/>
+          </p:nvPr>
+        </p:nvSpPr>
+        <p:spPr/>
+        <p:txBody>
+          <a:bodyPr/>
+          <a:lstStyle/>
+          <a:p>
+            <a:endParaRPr lang="sk-SK"/>
+          </a:p>
+        </p:txBody>
+      </p:sp>
+    </p:spTree>
+    <p:extLst>
+      <p:ext uri="{BB962C8B-B14F-4D97-AF65-F5344CB8AC3E}">
+        <p14:creationId xmlns:p14="http://schemas.microsoft.com/office/powerpoint/2010/main" val="1783867593"/>
+      </p:ext>
+    </p:extLst>
+  </p:cSld>
+  <p:clrMapOvr>
+    <a:masterClrMapping/>
+  </p:clrMapOvr>
+</p:sld>
+</file>
+
+<file path=ppt/slides/slide39.xml><?xml version="1.0" encoding="utf-8"?>
+<p:sld xmlns:a="http://schemas.openxmlformats.org/drawingml/2006/main" xmlns:r="http://schemas.openxmlformats.org/officeDocument/2006/relationships" xmlns:p="http://schemas.openxmlformats.org/presentationml/2006/main">
+  <p:cSld>
+    <p:spTree>
+      <p:nvGrpSpPr>
+        <p:cNvPr id="1" name=""/>
+        <p:cNvGrpSpPr/>
+        <p:nvPr/>
+      </p:nvGrpSpPr>
+      <p:grpSpPr>
+        <a:xfrm>
+          <a:off x="0" y="0"/>
+          <a:ext cx="0" cy="0"/>
+          <a:chOff x="0" y="0"/>
+          <a:chExt cx="0" cy="0"/>
+        </a:xfrm>
+      </p:grpSpPr>
+      <p:sp>
+        <p:nvSpPr>
+          <p:cNvPr id="2" name="Nadpis 1"/>
+          <p:cNvSpPr>
+            <a:spLocks noGrp="1"/>
+          </p:cNvSpPr>
+          <p:nvPr>
+            <p:ph type="title"/>
+          </p:nvPr>
+        </p:nvSpPr>
+        <p:spPr/>
+        <p:txBody>
+          <a:bodyPr/>
+          <a:lstStyle/>
+          <a:p>
+            <a:r>
+              <a:rPr lang="sk-SK" dirty="0" smtClean="0"/>
+              <a:t>Prechodová charakteristika</a:t>
+            </a:r>
+            <a:endParaRPr lang="sk-SK" dirty="0"/>
+          </a:p>
+        </p:txBody>
+      </p:sp>
+      <p:sp>
+        <p:nvSpPr>
+          <p:cNvPr id="3" name="Zástupný symbol obsahu 2"/>
+          <p:cNvSpPr>
+            <a:spLocks noGrp="1"/>
+          </p:cNvSpPr>
+          <p:nvPr>
+            <p:ph idx="1"/>
+          </p:nvPr>
+        </p:nvSpPr>
+        <p:spPr/>
+        <p:txBody>
+          <a:bodyPr/>
+          <a:lstStyle/>
+          <a:p>
+            <a:endParaRPr lang="sk-SK"/>
+          </a:p>
+        </p:txBody>
+      </p:sp>
+    </p:spTree>
+    <p:extLst>
+      <p:ext uri="{BB962C8B-B14F-4D97-AF65-F5344CB8AC3E}">
+        <p14:creationId xmlns:p14="http://schemas.microsoft.com/office/powerpoint/2010/main" val="3343495099"/>
       </p:ext>
     </p:extLst>
   </p:cSld>
@@ -3791,7 +7497,7 @@
           <a:p>
             <a:r>
               <a:rPr lang="sk-SK" dirty="0" smtClean="0"/>
-              <a:t>Dynamika okolo nás</a:t>
+              <a:t>Dynamika</a:t>
             </a:r>
             <a:endParaRPr lang="sk-SK" dirty="0"/>
           </a:p>
@@ -3807,19 +7513,344 @@
             <p:ph idx="1"/>
           </p:nvPr>
         </p:nvSpPr>
-        <p:spPr/>
-        <p:txBody>
-          <a:bodyPr/>
-          <a:lstStyle/>
-          <a:p>
-            <a:endParaRPr lang="sk-SK"/>
+        <p:spPr>
+          <a:xfrm>
+            <a:off x="286608" y="1147537"/>
+            <a:ext cx="8272506" cy="4923749"/>
+          </a:xfrm>
+        </p:spPr>
+        <p:txBody>
+          <a:bodyPr>
+            <a:normAutofit fontScale="85000" lnSpcReduction="20000"/>
+          </a:bodyPr>
+          <a:lstStyle/>
+          <a:p>
+            <a:pPr>
+              <a:lnSpc>
+                <a:spcPct val="110000"/>
+              </a:lnSpc>
+              <a:buFont typeface="Arial" panose="020B0604020202020204" pitchFamily="34" charset="0"/>
+              <a:buChar char="•"/>
+            </a:pPr>
+            <a:r>
+              <a:rPr lang="sk-SK" dirty="0" smtClean="0"/>
+              <a:t>Svet okolo nás je </a:t>
+            </a:r>
+            <a:r>
+              <a:rPr lang="sk-SK" u="sng" dirty="0" smtClean="0"/>
+              <a:t>dynamický = mení sa v čase</a:t>
+            </a:r>
+            <a:r>
+              <a:rPr lang="sk-SK" dirty="0" smtClean="0"/>
+              <a:t> </a:t>
+            </a:r>
+          </a:p>
+          <a:p>
+            <a:pPr>
+              <a:lnSpc>
+                <a:spcPct val="110000"/>
+              </a:lnSpc>
+              <a:buFont typeface="Arial" panose="020B0604020202020204" pitchFamily="34" charset="0"/>
+              <a:buChar char="•"/>
+            </a:pPr>
+            <a:r>
+              <a:rPr lang="sk-SK" dirty="0" smtClean="0"/>
+              <a:t>Zmena v čase je základným pojmom pri pochopení dynamiky </a:t>
+            </a:r>
+          </a:p>
+          <a:p>
+            <a:pPr>
+              <a:lnSpc>
+                <a:spcPct val="110000"/>
+              </a:lnSpc>
+              <a:buFont typeface="Arial" panose="020B0604020202020204" pitchFamily="34" charset="0"/>
+              <a:buChar char="•"/>
+            </a:pPr>
+            <a:r>
+              <a:rPr lang="sk-SK" u="sng" dirty="0" smtClean="0"/>
+              <a:t>Čas</a:t>
+            </a:r>
+            <a:r>
+              <a:rPr lang="sk-SK" dirty="0" smtClean="0"/>
+              <a:t> vystupuje ako nezávislá premenná</a:t>
+            </a:r>
+          </a:p>
+          <a:p>
+            <a:pPr>
+              <a:lnSpc>
+                <a:spcPct val="110000"/>
+              </a:lnSpc>
+              <a:buFont typeface="Arial" panose="020B0604020202020204" pitchFamily="34" charset="0"/>
+              <a:buChar char="•"/>
+            </a:pPr>
+            <a:r>
+              <a:rPr lang="sk-SK" dirty="0" smtClean="0"/>
+              <a:t>Klasická matematika - algebrické rovnice (v zmysle funkcii, výrazov, sústav rovníc)</a:t>
+            </a:r>
+          </a:p>
+          <a:p>
+            <a:pPr lvl="1">
+              <a:lnSpc>
+                <a:spcPct val="110000"/>
+              </a:lnSpc>
+            </a:pPr>
+            <a:r>
+              <a:rPr lang="sk-SK" dirty="0" smtClean="0"/>
+              <a:t>Matematická analýza (</a:t>
+            </a:r>
+            <a:r>
+              <a:rPr lang="sk-SK" dirty="0" err="1" smtClean="0"/>
+              <a:t>calculus</a:t>
+            </a:r>
+            <a:r>
+              <a:rPr lang="sk-SK" dirty="0" smtClean="0"/>
+              <a:t>) zavádza pojem derivácie (zmeny) veličiny a integrálu (akumulácie).</a:t>
+            </a:r>
+          </a:p>
+          <a:p>
+            <a:pPr lvl="1">
+              <a:lnSpc>
+                <a:spcPct val="160000"/>
+              </a:lnSpc>
+            </a:pPr>
+            <a:r>
+              <a:rPr lang="sk-SK" dirty="0" smtClean="0"/>
+              <a:t>Derivácia funkcie podľa času – základ dynamiky</a:t>
+            </a:r>
+          </a:p>
+          <a:p>
+            <a:pPr lvl="1">
+              <a:lnSpc>
+                <a:spcPct val="160000"/>
+              </a:lnSpc>
+            </a:pPr>
+            <a:r>
+              <a:rPr lang="sk-SK" dirty="0" smtClean="0"/>
+              <a:t>Zmena a akumulácia sú základom dynamických systémov</a:t>
+            </a:r>
+          </a:p>
+          <a:p>
+            <a:pPr lvl="1">
+              <a:lnSpc>
+                <a:spcPct val="160000"/>
+              </a:lnSpc>
+            </a:pPr>
+            <a:r>
+              <a:rPr lang="sk-SK" dirty="0" smtClean="0"/>
+              <a:t>V reálnych fyzikálnych systémoch sú meniacimi veličinami často napríklad:</a:t>
+            </a:r>
+          </a:p>
+          <a:p>
+            <a:pPr lvl="2">
+              <a:lnSpc>
+                <a:spcPct val="160000"/>
+              </a:lnSpc>
+            </a:pPr>
+            <a:r>
+              <a:rPr lang="sk-SK" dirty="0" smtClean="0"/>
+              <a:t>Energia</a:t>
+            </a:r>
+            <a:endParaRPr lang="sk-SK" dirty="0"/>
+          </a:p>
+          <a:p>
+            <a:pPr lvl="2">
+              <a:lnSpc>
+                <a:spcPct val="160000"/>
+              </a:lnSpc>
+            </a:pPr>
+            <a:r>
+              <a:rPr lang="sk-SK" dirty="0" smtClean="0"/>
+              <a:t>Poloha</a:t>
+            </a:r>
+          </a:p>
+          <a:p>
+            <a:pPr lvl="2">
+              <a:lnSpc>
+                <a:spcPct val="160000"/>
+              </a:lnSpc>
+            </a:pPr>
+            <a:r>
+              <a:rPr lang="sk-SK" dirty="0" smtClean="0"/>
+              <a:t>Teplota</a:t>
+            </a:r>
+          </a:p>
+          <a:p>
+            <a:pPr lvl="2">
+              <a:lnSpc>
+                <a:spcPct val="160000"/>
+              </a:lnSpc>
+            </a:pPr>
+            <a:r>
+              <a:rPr lang="sk-SK" dirty="0" smtClean="0"/>
+              <a:t>Elektrické napätie</a:t>
+            </a:r>
+          </a:p>
+          <a:p>
+            <a:r>
+              <a:rPr lang="sk-SK" dirty="0" smtClean="0"/>
+              <a:t> </a:t>
+            </a:r>
+            <a:endParaRPr lang="sk-SK" dirty="0"/>
           </a:p>
         </p:txBody>
       </p:sp>
     </p:spTree>
     <p:extLst>
       <p:ext uri="{BB962C8B-B14F-4D97-AF65-F5344CB8AC3E}">
-        <p14:creationId xmlns:p14="http://schemas.microsoft.com/office/powerpoint/2010/main" val="3556241800"/>
+        <p14:creationId xmlns:p14="http://schemas.microsoft.com/office/powerpoint/2010/main" val="548438733"/>
+      </p:ext>
+    </p:extLst>
+  </p:cSld>
+  <p:clrMapOvr>
+    <a:masterClrMapping/>
+  </p:clrMapOvr>
+  <p:timing>
+    <p:tnLst>
+      <p:par>
+        <p:cTn id="1" dur="indefinite" restart="never" nodeType="tmRoot"/>
+      </p:par>
+    </p:tnLst>
+  </p:timing>
+</p:sld>
+</file>
+
+<file path=ppt/slides/slide40.xml><?xml version="1.0" encoding="utf-8"?>
+<p:sld xmlns:a="http://schemas.openxmlformats.org/drawingml/2006/main" xmlns:r="http://schemas.openxmlformats.org/officeDocument/2006/relationships" xmlns:p="http://schemas.openxmlformats.org/presentationml/2006/main">
+  <p:cSld>
+    <p:spTree>
+      <p:nvGrpSpPr>
+        <p:cNvPr id="1" name=""/>
+        <p:cNvGrpSpPr/>
+        <p:nvPr/>
+      </p:nvGrpSpPr>
+      <p:grpSpPr>
+        <a:xfrm>
+          <a:off x="0" y="0"/>
+          <a:ext cx="0" cy="0"/>
+          <a:chOff x="0" y="0"/>
+          <a:chExt cx="0" cy="0"/>
+        </a:xfrm>
+      </p:grpSpPr>
+      <p:sp>
+        <p:nvSpPr>
+          <p:cNvPr id="2" name="Nadpis 1"/>
+          <p:cNvSpPr>
+            <a:spLocks noGrp="1"/>
+          </p:cNvSpPr>
+          <p:nvPr>
+            <p:ph type="title"/>
+          </p:nvPr>
+        </p:nvSpPr>
+        <p:spPr/>
+        <p:txBody>
+          <a:bodyPr/>
+          <a:lstStyle/>
+          <a:p>
+            <a:r>
+              <a:rPr lang="sk-SK" dirty="0" smtClean="0"/>
+              <a:t>Vplyv pólov a núl na dynamiku systému</a:t>
+            </a:r>
+            <a:endParaRPr lang="sk-SK" dirty="0"/>
+          </a:p>
+        </p:txBody>
+      </p:sp>
+      <p:sp>
+        <p:nvSpPr>
+          <p:cNvPr id="3" name="Zástupný symbol obsahu 2"/>
+          <p:cNvSpPr>
+            <a:spLocks noGrp="1"/>
+          </p:cNvSpPr>
+          <p:nvPr>
+            <p:ph idx="1"/>
+          </p:nvPr>
+        </p:nvSpPr>
+        <p:spPr/>
+        <p:txBody>
+          <a:bodyPr/>
+          <a:lstStyle/>
+          <a:p>
+            <a:endParaRPr lang="sk-SK"/>
+          </a:p>
+        </p:txBody>
+      </p:sp>
+    </p:spTree>
+    <p:extLst>
+      <p:ext uri="{BB962C8B-B14F-4D97-AF65-F5344CB8AC3E}">
+        <p14:creationId xmlns:p14="http://schemas.microsoft.com/office/powerpoint/2010/main" val="4247704593"/>
+      </p:ext>
+    </p:extLst>
+  </p:cSld>
+  <p:clrMapOvr>
+    <a:masterClrMapping/>
+  </p:clrMapOvr>
+</p:sld>
+</file>
+
+<file path=ppt/slides/slide41.xml><?xml version="1.0" encoding="utf-8"?>
+<p:sld xmlns:a="http://schemas.openxmlformats.org/drawingml/2006/main" xmlns:r="http://schemas.openxmlformats.org/officeDocument/2006/relationships" xmlns:p="http://schemas.openxmlformats.org/presentationml/2006/main">
+  <p:cSld>
+    <p:spTree>
+      <p:nvGrpSpPr>
+        <p:cNvPr id="1" name=""/>
+        <p:cNvGrpSpPr/>
+        <p:nvPr/>
+      </p:nvGrpSpPr>
+      <p:grpSpPr>
+        <a:xfrm>
+          <a:off x="0" y="0"/>
+          <a:ext cx="0" cy="0"/>
+          <a:chOff x="0" y="0"/>
+          <a:chExt cx="0" cy="0"/>
+        </a:xfrm>
+      </p:grpSpPr>
+      <p:sp>
+        <p:nvSpPr>
+          <p:cNvPr id="2" name="Nadpis 1"/>
+          <p:cNvSpPr>
+            <a:spLocks noGrp="1"/>
+          </p:cNvSpPr>
+          <p:nvPr>
+            <p:ph type="title"/>
+          </p:nvPr>
+        </p:nvSpPr>
+        <p:spPr/>
+        <p:txBody>
+          <a:bodyPr>
+            <a:normAutofit fontScale="90000"/>
+          </a:bodyPr>
+          <a:lstStyle/>
+          <a:p>
+            <a:r>
+              <a:rPr lang="sk-SK" dirty="0" smtClean="0"/>
+              <a:t>Prechodové charakteristiky vybraných typov systémov</a:t>
+            </a:r>
+            <a:endParaRPr lang="sk-SK" dirty="0"/>
+          </a:p>
+        </p:txBody>
+      </p:sp>
+      <p:sp>
+        <p:nvSpPr>
+          <p:cNvPr id="3" name="Zástupný symbol obsahu 2"/>
+          <p:cNvSpPr>
+            <a:spLocks noGrp="1"/>
+          </p:cNvSpPr>
+          <p:nvPr>
+            <p:ph idx="1"/>
+          </p:nvPr>
+        </p:nvSpPr>
+        <p:spPr/>
+        <p:txBody>
+          <a:bodyPr/>
+          <a:lstStyle/>
+          <a:p>
+            <a:endParaRPr lang="sk-SK" dirty="0"/>
+          </a:p>
+        </p:txBody>
+      </p:sp>
+    </p:spTree>
+    <p:extLst>
+      <p:ext uri="{BB962C8B-B14F-4D97-AF65-F5344CB8AC3E}">
+        <p14:creationId xmlns:p14="http://schemas.microsoft.com/office/powerpoint/2010/main" val="3167083999"/>
       </p:ext>
     </p:extLst>
   </p:cSld>
@@ -3848,13 +7879,7 @@
       </p:grpSpPr>
       <p:sp>
         <p:nvSpPr>
-          <p:cNvPr id="2" name="Nadpis 1">
-            <a:extLst>
-              <a:ext uri="{FF2B5EF4-FFF2-40B4-BE49-F238E27FC236}">
-                <a16:creationId xmlns:a16="http://schemas.microsoft.com/office/drawing/2014/main" xmlns="" id="{A60D084F-ACFD-4F46-B5DB-65DDF10CFCE9}"/>
-              </a:ext>
-            </a:extLst>
-          </p:cNvPr>
+          <p:cNvPr id="2" name="Nadpis 1"/>
           <p:cNvSpPr>
             <a:spLocks noGrp="1"/>
           </p:cNvSpPr>
@@ -3864,22 +7889,12 @@
         </p:nvSpPr>
         <p:spPr/>
         <p:txBody>
-          <a:bodyPr>
-            <a:normAutofit/>
-          </a:bodyPr>
-          <a:lstStyle/>
-          <a:p>
-            <a:r>
-              <a:rPr lang="en-US" dirty="0" err="1"/>
-              <a:t>Nazov</a:t>
-            </a:r>
-            <a:r>
-              <a:rPr lang="en-US" dirty="0"/>
-              <a:t> </a:t>
-            </a:r>
-            <a:r>
-              <a:rPr lang="en-US" dirty="0" err="1"/>
-              <a:t>sekcie</a:t>
+          <a:bodyPr/>
+          <a:lstStyle/>
+          <a:p>
+            <a:r>
+              <a:rPr lang="sk-SK" dirty="0" smtClean="0"/>
+              <a:t>Dynamika okolo nás</a:t>
             </a:r>
             <a:endParaRPr lang="sk-SK" dirty="0"/>
           </a:p>
@@ -3887,13 +7902,7 @@
       </p:sp>
       <p:sp>
         <p:nvSpPr>
-          <p:cNvPr id="3" name="Zástupný objekt pre obsah 2">
-            <a:extLst>
-              <a:ext uri="{FF2B5EF4-FFF2-40B4-BE49-F238E27FC236}">
-                <a16:creationId xmlns:a16="http://schemas.microsoft.com/office/drawing/2014/main" xmlns="" id="{A74476A0-8C3D-4B4B-ABC1-78C4925E54B4}"/>
-              </a:ext>
-            </a:extLst>
-          </p:cNvPr>
+          <p:cNvPr id="3" name="Zástupný symbol obsahu 2"/>
           <p:cNvSpPr>
             <a:spLocks noGrp="1"/>
           </p:cNvSpPr>
@@ -3905,168 +7914,165 @@
         <p:txBody>
           <a:bodyPr/>
           <a:lstStyle/>
-          <a:p>
-            <a:pPr marL="0" indent="0">
-              <a:buNone/>
-            </a:pPr>
-            <a:r>
-              <a:rPr lang="sk-SK" dirty="0" err="1"/>
-              <a:t>Normalny</a:t>
-            </a:r>
-            <a:r>
-              <a:rPr lang="sk-SK" dirty="0"/>
-              <a:t> text:</a:t>
-            </a:r>
-          </a:p>
           <a:p>
             <a:pPr>
               <a:buFont typeface="Arial" panose="020B0604020202020204" pitchFamily="34" charset="0"/>
               <a:buChar char="•"/>
             </a:pPr>
             <a:r>
-              <a:rPr lang="en-US" dirty="0"/>
-              <a:t> </a:t>
-            </a:r>
-            <a:r>
-              <a:rPr lang="sk-SK" dirty="0" err="1"/>
-              <a:t>Zvolime</a:t>
-            </a:r>
-            <a:r>
-              <a:rPr lang="sk-SK" dirty="0"/>
-              <a:t> Odsek</a:t>
-            </a:r>
-            <a:r>
-              <a:rPr lang="en-US" dirty="0"/>
-              <a:t>-&gt; </a:t>
-            </a:r>
-            <a:r>
-              <a:rPr lang="en-US" dirty="0" err="1"/>
-              <a:t>Zarazka</a:t>
-            </a:r>
-            <a:r>
-              <a:rPr lang="en-US" dirty="0"/>
-              <a:t>  a </a:t>
-            </a:r>
-            <a:r>
-              <a:rPr lang="en-US" dirty="0" err="1"/>
-              <a:t>mame</a:t>
-            </a:r>
-            <a:r>
-              <a:rPr lang="en-US" dirty="0"/>
-              <a:t> </a:t>
-            </a:r>
-            <a:r>
-              <a:rPr lang="en-US" dirty="0" err="1"/>
-              <a:t>takyto</a:t>
-            </a:r>
-            <a:r>
-              <a:rPr lang="en-US" dirty="0"/>
-              <a:t> bod</a:t>
-            </a:r>
-            <a:endParaRPr lang="sk-SK" dirty="0"/>
-          </a:p>
-          <a:p>
-            <a:pPr lvl="1">
+              <a:rPr lang="sk-SK" dirty="0" smtClean="0"/>
+              <a:t>Dynamika v reálnom svete má vždy svoju fyzikálnu podstatu.</a:t>
+            </a:r>
+          </a:p>
+          <a:p>
+            <a:pPr>
               <a:buFont typeface="Arial" panose="020B0604020202020204" pitchFamily="34" charset="0"/>
               <a:buChar char="•"/>
             </a:pPr>
             <a:r>
-              <a:rPr lang="en-US" dirty="0"/>
-              <a:t>Stale </a:t>
-            </a:r>
-            <a:r>
-              <a:rPr lang="en-US" dirty="0" err="1"/>
-              <a:t>mame</a:t>
-            </a:r>
-            <a:r>
-              <a:rPr lang="en-US" dirty="0"/>
-              <a:t> </a:t>
-            </a:r>
-            <a:r>
-              <a:rPr lang="en-US" dirty="0" err="1"/>
-              <a:t>zvolenu</a:t>
-            </a:r>
-            <a:r>
-              <a:rPr lang="en-US" dirty="0"/>
-              <a:t> </a:t>
-            </a:r>
-            <a:r>
-              <a:rPr lang="en-US" dirty="0" err="1"/>
-              <a:t>zarazku</a:t>
-            </a:r>
-            <a:r>
-              <a:rPr lang="en-US" dirty="0"/>
-              <a:t> a </a:t>
-            </a:r>
-            <a:r>
-              <a:rPr lang="en-US" dirty="0" err="1"/>
-              <a:t>stlacime</a:t>
-            </a:r>
-            <a:r>
-              <a:rPr lang="en-US" dirty="0"/>
-              <a:t> TAB, </a:t>
-            </a:r>
-            <a:r>
-              <a:rPr lang="en-US" dirty="0" err="1"/>
-              <a:t>takto</a:t>
-            </a:r>
-            <a:r>
-              <a:rPr lang="en-US" dirty="0"/>
-              <a:t> </a:t>
-            </a:r>
-            <a:r>
-              <a:rPr lang="en-US" dirty="0" err="1"/>
-              <a:t>urobime</a:t>
-            </a:r>
-            <a:r>
-              <a:rPr lang="en-US" dirty="0"/>
-              <a:t> pod-</a:t>
-            </a:r>
-            <a:r>
-              <a:rPr lang="en-US" dirty="0" err="1"/>
-              <a:t>zarazku</a:t>
-            </a:r>
-            <a:endParaRPr lang="sk-SK" dirty="0"/>
-          </a:p>
-          <a:p>
-            <a:pPr lvl="2">
+              <a:rPr lang="sk-SK" dirty="0" smtClean="0"/>
+              <a:t>Kľúčovým pojmom dynamiky je </a:t>
+            </a:r>
+            <a:r>
+              <a:rPr lang="sk-SK" u="sng" dirty="0" smtClean="0"/>
+              <a:t>zmena (derivácia)</a:t>
+            </a:r>
+          </a:p>
+          <a:p>
+            <a:pPr>
               <a:buFont typeface="Arial" panose="020B0604020202020204" pitchFamily="34" charset="0"/>
               <a:buChar char="•"/>
             </a:pPr>
             <a:r>
-              <a:rPr lang="en-US" dirty="0"/>
-              <a:t>Pod-pod-</a:t>
-            </a:r>
-            <a:r>
-              <a:rPr lang="en-US" dirty="0" err="1"/>
-              <a:t>zarazka</a:t>
-            </a:r>
-            <a:r>
-              <a:rPr lang="en-US" dirty="0"/>
-              <a:t> ked </a:t>
-            </a:r>
-            <a:r>
-              <a:rPr lang="en-US" dirty="0" err="1"/>
-              <a:t>sstalcime</a:t>
-            </a:r>
-            <a:r>
-              <a:rPr lang="en-US" dirty="0"/>
-              <a:t> TAB</a:t>
-            </a:r>
+              <a:rPr lang="sk-SK" dirty="0" smtClean="0"/>
+              <a:t>Žiadny dej v prírode sa neudeje okamžite – prebieha zmena stavu a postupný vývoj – je to </a:t>
+            </a:r>
+            <a:r>
+              <a:rPr lang="sk-SK" u="sng" dirty="0" smtClean="0"/>
+              <a:t>spojitý dynamický proces</a:t>
+            </a:r>
+            <a:r>
+              <a:rPr lang="sk-SK" dirty="0" smtClean="0"/>
+              <a:t>.</a:t>
+            </a:r>
+          </a:p>
+          <a:p>
+            <a:pPr>
+              <a:buFont typeface="Arial" panose="020B0604020202020204" pitchFamily="34" charset="0"/>
+              <a:buChar char="•"/>
+            </a:pPr>
+            <a:r>
+              <a:rPr lang="sk-SK" dirty="0" smtClean="0"/>
+              <a:t>Technické procesy sú taktiež väčšinou dynamické</a:t>
+            </a:r>
+          </a:p>
+          <a:p>
+            <a:pPr lvl="1"/>
+            <a:r>
+              <a:rPr lang="sk-SK" dirty="0" smtClean="0"/>
+              <a:t>Otáčky jednosmerného motora</a:t>
+            </a:r>
+          </a:p>
+          <a:p>
+            <a:pPr lvl="1"/>
+            <a:r>
+              <a:rPr lang="sk-SK" dirty="0" smtClean="0"/>
+              <a:t>Teplota pece</a:t>
+            </a:r>
+          </a:p>
+          <a:p>
+            <a:pPr lvl="1"/>
+            <a:r>
+              <a:rPr lang="sk-SK" dirty="0" smtClean="0"/>
+              <a:t>Napätie na kondenzátore</a:t>
+            </a:r>
+          </a:p>
+          <a:p>
+            <a:pPr lvl="1"/>
+            <a:r>
+              <a:rPr lang="sk-SK" dirty="0" smtClean="0"/>
+              <a:t>Výška hladiny zásobníka kvapaliny</a:t>
+            </a:r>
+          </a:p>
+          <a:p>
+            <a:pPr lvl="1"/>
+            <a:r>
+              <a:rPr lang="sk-SK" dirty="0" smtClean="0"/>
+              <a:t>Kmitanie bremena žeriavu - kyvadlo</a:t>
+            </a:r>
+          </a:p>
+          <a:p>
+            <a:endParaRPr lang="sk-SK" dirty="0" smtClean="0"/>
+          </a:p>
+          <a:p>
+            <a:r>
+              <a:rPr lang="sk-SK" dirty="0" smtClean="0"/>
+              <a:t> </a:t>
+            </a:r>
+          </a:p>
+          <a:p>
             <a:endParaRPr lang="sk-SK" dirty="0"/>
           </a:p>
         </p:txBody>
       </p:sp>
+      <p:pic>
+        <p:nvPicPr>
+          <p:cNvPr id="3080" name="Picture 8" descr="[animate output image]"/>
+          <p:cNvPicPr>
+            <a:picLocks noChangeAspect="1" noChangeArrowheads="1" noCrop="1"/>
+          </p:cNvPicPr>
+          <p:nvPr/>
+        </p:nvPicPr>
+        <p:blipFill>
+          <a:blip r:embed="rId2">
+            <a:extLst>
+              <a:ext uri="{28A0092B-C50C-407E-A947-70E740481C1C}">
+                <a14:useLocalDpi xmlns:a14="http://schemas.microsoft.com/office/drawing/2010/main" val="0"/>
+              </a:ext>
+            </a:extLst>
+          </a:blip>
+          <a:srcRect/>
+          <a:stretch>
+            <a:fillRect/>
+          </a:stretch>
+        </p:blipFill>
+        <p:spPr bwMode="auto">
+          <a:xfrm>
+            <a:off x="5566034" y="3426725"/>
+            <a:ext cx="2808974" cy="2808975"/>
+          </a:xfrm>
+          <a:prstGeom prst="rect">
+            <a:avLst/>
+          </a:prstGeom>
+          <a:noFill/>
+          <a:extLst>
+            <a:ext uri="{909E8E84-426E-40DD-AFC4-6F175D3DCCD1}">
+              <a14:hiddenFill xmlns:a14="http://schemas.microsoft.com/office/drawing/2010/main">
+                <a:solidFill>
+                  <a:srgbClr val="FFFFFF"/>
+                </a:solidFill>
+              </a14:hiddenFill>
+            </a:ext>
+          </a:extLst>
+        </p:spPr>
+      </p:pic>
     </p:spTree>
     <p:extLst>
       <p:ext uri="{BB962C8B-B14F-4D97-AF65-F5344CB8AC3E}">
-        <p14:creationId xmlns:p14="http://schemas.microsoft.com/office/powerpoint/2010/main" val="4002585518"/>
+        <p14:creationId xmlns:p14="http://schemas.microsoft.com/office/powerpoint/2010/main" val="478984752"/>
       </p:ext>
     </p:extLst>
   </p:cSld>
   <p:clrMapOvr>
     <a:masterClrMapping/>
   </p:clrMapOvr>
+  <p:timing>
+    <p:tnLst>
+      <p:par>
+        <p:cTn id="1" dur="indefinite" restart="never" nodeType="tmRoot"/>
+      </p:par>
+    </p:tnLst>
+  </p:timing>
 </p:sld>
 </file>
 
@@ -4089,13 +8095,7 @@
       </p:grpSpPr>
       <p:sp>
         <p:nvSpPr>
-          <p:cNvPr id="2" name="Nadpis 1">
-            <a:extLst>
-              <a:ext uri="{FF2B5EF4-FFF2-40B4-BE49-F238E27FC236}">
-                <a16:creationId xmlns:a16="http://schemas.microsoft.com/office/drawing/2014/main" xmlns="" id="{59DC17C1-419D-44F2-987B-AD5E29D750B8}"/>
-              </a:ext>
-            </a:extLst>
-          </p:cNvPr>
+          <p:cNvPr id="2" name="Nadpis 1"/>
           <p:cNvSpPr>
             <a:spLocks noGrp="1"/>
           </p:cNvSpPr>
@@ -4108,39 +8108,2003 @@
           <a:bodyPr/>
           <a:lstStyle/>
           <a:p>
+            <a:r>
+              <a:rPr lang="sk-SK" dirty="0" smtClean="0"/>
+              <a:t>Diferenciálna rovnica</a:t>
+            </a:r>
             <a:endParaRPr lang="sk-SK" dirty="0"/>
           </a:p>
         </p:txBody>
       </p:sp>
-      <p:sp>
-        <p:nvSpPr>
-          <p:cNvPr id="3" name="Zástupný objekt pre obsah 2">
-            <a:extLst>
-              <a:ext uri="{FF2B5EF4-FFF2-40B4-BE49-F238E27FC236}">
-                <a16:creationId xmlns:a16="http://schemas.microsoft.com/office/drawing/2014/main" xmlns="" id="{5BD42F2B-ABA1-4F3A-865F-32330FB152D7}"/>
-              </a:ext>
-            </a:extLst>
-          </p:cNvPr>
-          <p:cNvSpPr>
-            <a:spLocks noGrp="1"/>
-          </p:cNvSpPr>
-          <p:nvPr>
-            <p:ph idx="1"/>
-          </p:nvPr>
-        </p:nvSpPr>
-        <p:spPr/>
-        <p:txBody>
-          <a:bodyPr/>
-          <a:lstStyle/>
-          <a:p>
-            <a:endParaRPr lang="sk-SK"/>
-          </a:p>
-        </p:txBody>
-      </p:sp>
+      <mc:AlternateContent xmlns:mc="http://schemas.openxmlformats.org/markup-compatibility/2006">
+        <mc:Choice xmlns:a14="http://schemas.microsoft.com/office/drawing/2010/main" Requires="a14">
+          <p:sp>
+            <p:nvSpPr>
+              <p:cNvPr id="3" name="Zástupný symbol obsahu 2"/>
+              <p:cNvSpPr>
+                <a:spLocks noGrp="1"/>
+              </p:cNvSpPr>
+              <p:nvPr>
+                <p:ph idx="1"/>
+              </p:nvPr>
+            </p:nvSpPr>
+            <p:spPr/>
+            <p:txBody>
+              <a:bodyPr>
+                <a:normAutofit/>
+              </a:bodyPr>
+              <a:lstStyle/>
+              <a:p>
+                <a:pPr>
+                  <a:buFont typeface="Arial" panose="020B0604020202020204" pitchFamily="34" charset="0"/>
+                  <a:buChar char="•"/>
+                </a:pPr>
+                <a:r>
+                  <a:rPr lang="sk-SK" dirty="0" smtClean="0"/>
+                  <a:t>Diferenciálna rovnica: je matematická rovnica, v ktorej ako premenné vystupujú derivácie funkcií</a:t>
+                </a:r>
+              </a:p>
+              <a:p>
+                <a:pPr>
+                  <a:buFont typeface="Arial" panose="020B0604020202020204" pitchFamily="34" charset="0"/>
+                  <a:buChar char="•"/>
+                </a:pPr>
+                <a:r>
+                  <a:rPr lang="sk-SK" dirty="0"/>
+                  <a:t>Podľa stupňa derivácie, ktorú rovnica obsahuje rozlišujeme rády diferenciálnych </a:t>
+                </a:r>
+                <a:r>
+                  <a:rPr lang="sk-SK" dirty="0" smtClean="0"/>
+                  <a:t>rovníc</a:t>
+                </a:r>
+              </a:p>
+              <a:p>
+                <a:pPr>
+                  <a:buFont typeface="Arial" panose="020B0604020202020204" pitchFamily="34" charset="0"/>
+                  <a:buChar char="•"/>
+                </a:pPr>
+                <a:r>
+                  <a:rPr lang="sk-SK" u="sng" dirty="0"/>
+                  <a:t>Rád diferenciálnej rovnice</a:t>
+                </a:r>
+                <a:r>
+                  <a:rPr lang="sk-SK" dirty="0"/>
+                  <a:t> je rád najvyššej derivácie, ktorá je v nej </a:t>
+                </a:r>
+                <a:r>
+                  <a:rPr lang="sk-SK" dirty="0" smtClean="0"/>
+                  <a:t>obsiahnutá.</a:t>
+                </a:r>
+                <a:endParaRPr lang="sk-SK" i="1" dirty="0"/>
+              </a:p>
+              <a:p>
+                <a:pPr>
+                  <a:buFont typeface="Arial" panose="020B0604020202020204" pitchFamily="34" charset="0"/>
+                  <a:buChar char="•"/>
+                </a:pPr>
+                <a:r>
+                  <a:rPr lang="sk-SK" i="1" dirty="0"/>
+                  <a:t>Lineárna diferenciálna rovnica</a:t>
+                </a:r>
+              </a:p>
+              <a:p>
+                <a:pPr lvl="1"/>
+                <a14:m>
+                  <m:oMath xmlns:m="http://schemas.openxmlformats.org/officeDocument/2006/math">
+                    <m:sSup>
+                      <m:sSupPr>
+                        <m:ctrlPr>
+                          <a:rPr lang="sk-SK" i="1">
+                            <a:latin typeface="Cambria Math" panose="02040503050406030204" pitchFamily="18" charset="0"/>
+                          </a:rPr>
+                        </m:ctrlPr>
+                      </m:sSupPr>
+                      <m:e>
+                        <m:r>
+                          <a:rPr lang="sk-SK" i="1">
+                            <a:latin typeface="Cambria Math" panose="02040503050406030204" pitchFamily="18" charset="0"/>
+                          </a:rPr>
+                          <m:t>𝑦</m:t>
+                        </m:r>
+                      </m:e>
+                      <m:sup>
+                        <m:r>
+                          <a:rPr lang="sk-SK" i="1">
+                            <a:latin typeface="Cambria Math" panose="02040503050406030204" pitchFamily="18" charset="0"/>
+                          </a:rPr>
+                          <m:t>(</m:t>
+                        </m:r>
+                        <m:r>
+                          <a:rPr lang="sk-SK" i="1">
+                            <a:latin typeface="Cambria Math" panose="02040503050406030204" pitchFamily="18" charset="0"/>
+                          </a:rPr>
+                          <m:t>𝑛</m:t>
+                        </m:r>
+                        <m:r>
+                          <a:rPr lang="sk-SK" i="1">
+                            <a:latin typeface="Cambria Math" panose="02040503050406030204" pitchFamily="18" charset="0"/>
+                          </a:rPr>
+                          <m:t>)</m:t>
+                        </m:r>
+                      </m:sup>
+                    </m:sSup>
+                    <m:r>
+                      <a:rPr lang="sk-SK" i="1">
+                        <a:latin typeface="Cambria Math" panose="02040503050406030204" pitchFamily="18" charset="0"/>
+                      </a:rPr>
+                      <m:t>+ </m:t>
+                    </m:r>
+                    <m:sSub>
+                      <m:sSubPr>
+                        <m:ctrlPr>
+                          <a:rPr lang="sk-SK" i="1">
+                            <a:latin typeface="Cambria Math" panose="02040503050406030204" pitchFamily="18" charset="0"/>
+                          </a:rPr>
+                        </m:ctrlPr>
+                      </m:sSubPr>
+                      <m:e>
+                        <m:r>
+                          <a:rPr lang="sk-SK" i="1">
+                            <a:latin typeface="Cambria Math" panose="02040503050406030204" pitchFamily="18" charset="0"/>
+                          </a:rPr>
+                          <m:t>𝑎</m:t>
+                        </m:r>
+                      </m:e>
+                      <m:sub>
+                        <m:r>
+                          <a:rPr lang="sk-SK" i="1">
+                            <a:latin typeface="Cambria Math" panose="02040503050406030204" pitchFamily="18" charset="0"/>
+                          </a:rPr>
+                          <m:t>𝑛</m:t>
+                        </m:r>
+                        <m:r>
+                          <a:rPr lang="sk-SK" i="1">
+                            <a:latin typeface="Cambria Math" panose="02040503050406030204" pitchFamily="18" charset="0"/>
+                          </a:rPr>
+                          <m:t>−1</m:t>
+                        </m:r>
+                      </m:sub>
+                    </m:sSub>
+                    <m:sSup>
+                      <m:sSupPr>
+                        <m:ctrlPr>
+                          <a:rPr lang="sk-SK" i="1">
+                            <a:latin typeface="Cambria Math" panose="02040503050406030204" pitchFamily="18" charset="0"/>
+                          </a:rPr>
+                        </m:ctrlPr>
+                      </m:sSupPr>
+                      <m:e>
+                        <m:r>
+                          <a:rPr lang="sk-SK" i="1">
+                            <a:latin typeface="Cambria Math" panose="02040503050406030204" pitchFamily="18" charset="0"/>
+                          </a:rPr>
+                          <m:t>𝑦</m:t>
+                        </m:r>
+                      </m:e>
+                      <m:sup>
+                        <m:r>
+                          <a:rPr lang="sk-SK" i="1">
+                            <a:latin typeface="Cambria Math" panose="02040503050406030204" pitchFamily="18" charset="0"/>
+                          </a:rPr>
+                          <m:t>(</m:t>
+                        </m:r>
+                        <m:r>
+                          <a:rPr lang="sk-SK" i="1">
+                            <a:latin typeface="Cambria Math" panose="02040503050406030204" pitchFamily="18" charset="0"/>
+                          </a:rPr>
+                          <m:t>𝑛</m:t>
+                        </m:r>
+                        <m:r>
+                          <a:rPr lang="sk-SK" i="1">
+                            <a:latin typeface="Cambria Math" panose="02040503050406030204" pitchFamily="18" charset="0"/>
+                          </a:rPr>
+                          <m:t>−1)</m:t>
+                        </m:r>
+                      </m:sup>
+                    </m:sSup>
+                    <m:r>
+                      <a:rPr lang="sk-SK" i="1">
+                        <a:latin typeface="Cambria Math" panose="02040503050406030204" pitchFamily="18" charset="0"/>
+                      </a:rPr>
+                      <m:t>+…+</m:t>
+                    </m:r>
+                    <m:sSub>
+                      <m:sSubPr>
+                        <m:ctrlPr>
+                          <a:rPr lang="sk-SK" i="1">
+                            <a:latin typeface="Cambria Math" panose="02040503050406030204" pitchFamily="18" charset="0"/>
+                          </a:rPr>
+                        </m:ctrlPr>
+                      </m:sSubPr>
+                      <m:e>
+                        <m:r>
+                          <a:rPr lang="sk-SK" i="1">
+                            <a:latin typeface="Cambria Math" panose="02040503050406030204" pitchFamily="18" charset="0"/>
+                          </a:rPr>
+                          <m:t>𝑎</m:t>
+                        </m:r>
+                      </m:e>
+                      <m:sub>
+                        <m:r>
+                          <a:rPr lang="sk-SK" i="1">
+                            <a:latin typeface="Cambria Math" panose="02040503050406030204" pitchFamily="18" charset="0"/>
+                          </a:rPr>
+                          <m:t>1</m:t>
+                        </m:r>
+                      </m:sub>
+                    </m:sSub>
+                    <m:acc>
+                      <m:accPr>
+                        <m:chr m:val="̇"/>
+                        <m:ctrlPr>
+                          <a:rPr lang="sk-SK" i="1">
+                            <a:latin typeface="Cambria Math" panose="02040503050406030204" pitchFamily="18" charset="0"/>
+                          </a:rPr>
+                        </m:ctrlPr>
+                      </m:accPr>
+                      <m:e>
+                        <m:r>
+                          <a:rPr lang="sk-SK" i="1">
+                            <a:latin typeface="Cambria Math" panose="02040503050406030204" pitchFamily="18" charset="0"/>
+                          </a:rPr>
+                          <m:t>𝑦</m:t>
+                        </m:r>
+                      </m:e>
+                    </m:acc>
+                    <m:r>
+                      <a:rPr lang="sk-SK" i="1">
+                        <a:latin typeface="Cambria Math" panose="02040503050406030204" pitchFamily="18" charset="0"/>
+                      </a:rPr>
+                      <m:t>+ </m:t>
+                    </m:r>
+                    <m:sSub>
+                      <m:sSubPr>
+                        <m:ctrlPr>
+                          <a:rPr lang="sk-SK" i="1">
+                            <a:latin typeface="Cambria Math" panose="02040503050406030204" pitchFamily="18" charset="0"/>
+                          </a:rPr>
+                        </m:ctrlPr>
+                      </m:sSubPr>
+                      <m:e>
+                        <m:r>
+                          <a:rPr lang="sk-SK" i="1">
+                            <a:latin typeface="Cambria Math" panose="02040503050406030204" pitchFamily="18" charset="0"/>
+                          </a:rPr>
+                          <m:t>𝑎</m:t>
+                        </m:r>
+                      </m:e>
+                      <m:sub>
+                        <m:r>
+                          <a:rPr lang="sk-SK" i="1">
+                            <a:latin typeface="Cambria Math" panose="02040503050406030204" pitchFamily="18" charset="0"/>
+                          </a:rPr>
+                          <m:t>0</m:t>
+                        </m:r>
+                      </m:sub>
+                    </m:sSub>
+                    <m:r>
+                      <a:rPr lang="sk-SK" i="1">
+                        <a:latin typeface="Cambria Math" panose="02040503050406030204" pitchFamily="18" charset="0"/>
+                      </a:rPr>
+                      <m:t>𝑦</m:t>
+                    </m:r>
+                    <m:r>
+                      <a:rPr lang="sk-SK" i="1">
+                        <a:latin typeface="Cambria Math" panose="02040503050406030204" pitchFamily="18" charset="0"/>
+                      </a:rPr>
+                      <m:t>=</m:t>
+                    </m:r>
+                    <m:r>
+                      <a:rPr lang="sk-SK">
+                        <a:latin typeface="Cambria Math" panose="02040503050406030204" pitchFamily="18" charset="0"/>
+                      </a:rPr>
+                      <m:t> </m:t>
+                    </m:r>
+                    <m:sSub>
+                      <m:sSubPr>
+                        <m:ctrlPr>
+                          <a:rPr lang="sk-SK" i="1">
+                            <a:latin typeface="Cambria Math" panose="02040503050406030204" pitchFamily="18" charset="0"/>
+                          </a:rPr>
+                        </m:ctrlPr>
+                      </m:sSubPr>
+                      <m:e>
+                        <m:r>
+                          <a:rPr lang="sk-SK" i="1">
+                            <a:latin typeface="Cambria Math" panose="02040503050406030204" pitchFamily="18" charset="0"/>
+                          </a:rPr>
+                          <m:t>𝑏</m:t>
+                        </m:r>
+                      </m:e>
+                      <m:sub>
+                        <m:r>
+                          <a:rPr lang="sk-SK" i="1">
+                            <a:latin typeface="Cambria Math" panose="02040503050406030204" pitchFamily="18" charset="0"/>
+                          </a:rPr>
+                          <m:t>𝑚</m:t>
+                        </m:r>
+                      </m:sub>
+                    </m:sSub>
+                    <m:sSup>
+                      <m:sSupPr>
+                        <m:ctrlPr>
+                          <a:rPr lang="sk-SK" i="1">
+                            <a:latin typeface="Cambria Math" panose="02040503050406030204" pitchFamily="18" charset="0"/>
+                          </a:rPr>
+                        </m:ctrlPr>
+                      </m:sSupPr>
+                      <m:e>
+                        <m:r>
+                          <a:rPr lang="sk-SK" i="1">
+                            <a:latin typeface="Cambria Math" panose="02040503050406030204" pitchFamily="18" charset="0"/>
+                          </a:rPr>
+                          <m:t>𝑢</m:t>
+                        </m:r>
+                      </m:e>
+                      <m:sup>
+                        <m:d>
+                          <m:dPr>
+                            <m:ctrlPr>
+                              <a:rPr lang="sk-SK" i="1">
+                                <a:latin typeface="Cambria Math" panose="02040503050406030204" pitchFamily="18" charset="0"/>
+                              </a:rPr>
+                            </m:ctrlPr>
+                          </m:dPr>
+                          <m:e>
+                            <m:r>
+                              <a:rPr lang="sk-SK" i="1">
+                                <a:latin typeface="Cambria Math" panose="02040503050406030204" pitchFamily="18" charset="0"/>
+                              </a:rPr>
+                              <m:t>𝑚</m:t>
+                            </m:r>
+                          </m:e>
+                        </m:d>
+                      </m:sup>
+                    </m:sSup>
+                    <m:r>
+                      <a:rPr lang="sk-SK" i="1">
+                        <a:latin typeface="Cambria Math" panose="02040503050406030204" pitchFamily="18" charset="0"/>
+                      </a:rPr>
+                      <m:t>+…+ </m:t>
+                    </m:r>
+                    <m:sSub>
+                      <m:sSubPr>
+                        <m:ctrlPr>
+                          <a:rPr lang="sk-SK" i="1">
+                            <a:latin typeface="Cambria Math" panose="02040503050406030204" pitchFamily="18" charset="0"/>
+                          </a:rPr>
+                        </m:ctrlPr>
+                      </m:sSubPr>
+                      <m:e>
+                        <m:r>
+                          <a:rPr lang="sk-SK" i="1">
+                            <a:latin typeface="Cambria Math" panose="02040503050406030204" pitchFamily="18" charset="0"/>
+                          </a:rPr>
+                          <m:t>𝑏</m:t>
+                        </m:r>
+                      </m:e>
+                      <m:sub>
+                        <m:r>
+                          <a:rPr lang="sk-SK" i="1">
+                            <a:latin typeface="Cambria Math" panose="02040503050406030204" pitchFamily="18" charset="0"/>
+                          </a:rPr>
+                          <m:t>1</m:t>
+                        </m:r>
+                      </m:sub>
+                    </m:sSub>
+                    <m:acc>
+                      <m:accPr>
+                        <m:chr m:val="̇"/>
+                        <m:ctrlPr>
+                          <a:rPr lang="sk-SK" i="1">
+                            <a:latin typeface="Cambria Math" panose="02040503050406030204" pitchFamily="18" charset="0"/>
+                          </a:rPr>
+                        </m:ctrlPr>
+                      </m:accPr>
+                      <m:e>
+                        <m:r>
+                          <a:rPr lang="sk-SK" i="1">
+                            <a:latin typeface="Cambria Math" panose="02040503050406030204" pitchFamily="18" charset="0"/>
+                          </a:rPr>
+                          <m:t>𝑢</m:t>
+                        </m:r>
+                      </m:e>
+                    </m:acc>
+                    <m:r>
+                      <a:rPr lang="sk-SK" i="1">
+                        <a:latin typeface="Cambria Math" panose="02040503050406030204" pitchFamily="18" charset="0"/>
+                      </a:rPr>
+                      <m:t>+ </m:t>
+                    </m:r>
+                    <m:sSub>
+                      <m:sSubPr>
+                        <m:ctrlPr>
+                          <a:rPr lang="sk-SK" i="1">
+                            <a:latin typeface="Cambria Math" panose="02040503050406030204" pitchFamily="18" charset="0"/>
+                          </a:rPr>
+                        </m:ctrlPr>
+                      </m:sSubPr>
+                      <m:e>
+                        <m:r>
+                          <a:rPr lang="sk-SK" i="1">
+                            <a:latin typeface="Cambria Math" panose="02040503050406030204" pitchFamily="18" charset="0"/>
+                          </a:rPr>
+                          <m:t>𝑏</m:t>
+                        </m:r>
+                      </m:e>
+                      <m:sub>
+                        <m:r>
+                          <a:rPr lang="sk-SK" i="1">
+                            <a:latin typeface="Cambria Math" panose="02040503050406030204" pitchFamily="18" charset="0"/>
+                          </a:rPr>
+                          <m:t>0</m:t>
+                        </m:r>
+                      </m:sub>
+                    </m:sSub>
+                    <m:r>
+                      <a:rPr lang="sk-SK" i="1">
+                        <a:latin typeface="Cambria Math" panose="02040503050406030204" pitchFamily="18" charset="0"/>
+                      </a:rPr>
+                      <m:t>𝑢</m:t>
+                    </m:r>
+                  </m:oMath>
+                </a14:m>
+                <a:endParaRPr lang="sk-SK" dirty="0"/>
+              </a:p>
+              <a:p>
+                <a:pPr>
+                  <a:buFont typeface="Arial" panose="020B0604020202020204" pitchFamily="34" charset="0"/>
+                  <a:buChar char="•"/>
+                </a:pPr>
+                <a:r>
+                  <a:rPr lang="sk-SK" i="1" dirty="0"/>
+                  <a:t>Nelineárna diferenciálna rovnica</a:t>
+                </a:r>
+              </a:p>
+              <a:p>
+                <a:pPr lvl="1"/>
+                <a14:m>
+                  <m:oMath xmlns:m="http://schemas.openxmlformats.org/officeDocument/2006/math">
+                    <m:sSup>
+                      <m:sSupPr>
+                        <m:ctrlPr>
+                          <a:rPr lang="sk-SK" i="1">
+                            <a:latin typeface="Cambria Math" panose="02040503050406030204" pitchFamily="18" charset="0"/>
+                          </a:rPr>
+                        </m:ctrlPr>
+                      </m:sSupPr>
+                      <m:e>
+                        <m:r>
+                          <a:rPr lang="sk-SK" i="1">
+                            <a:latin typeface="Cambria Math" panose="02040503050406030204" pitchFamily="18" charset="0"/>
+                          </a:rPr>
+                          <m:t>𝑦</m:t>
+                        </m:r>
+                      </m:e>
+                      <m:sup>
+                        <m:r>
+                          <a:rPr lang="sk-SK" i="1">
+                            <a:latin typeface="Cambria Math" panose="02040503050406030204" pitchFamily="18" charset="0"/>
+                          </a:rPr>
+                          <m:t>(</m:t>
+                        </m:r>
+                        <m:r>
+                          <a:rPr lang="sk-SK" i="1">
+                            <a:latin typeface="Cambria Math" panose="02040503050406030204" pitchFamily="18" charset="0"/>
+                          </a:rPr>
+                          <m:t>𝑛</m:t>
+                        </m:r>
+                        <m:r>
+                          <a:rPr lang="sk-SK" i="1">
+                            <a:latin typeface="Cambria Math" panose="02040503050406030204" pitchFamily="18" charset="0"/>
+                          </a:rPr>
+                          <m:t>)</m:t>
+                        </m:r>
+                      </m:sup>
+                    </m:sSup>
+                    <m:r>
+                      <a:rPr lang="sk-SK" i="1">
+                        <a:latin typeface="Cambria Math" panose="02040503050406030204" pitchFamily="18" charset="0"/>
+                      </a:rPr>
+                      <m:t>= </m:t>
+                    </m:r>
+                    <m:r>
+                      <a:rPr lang="sk-SK" i="1">
+                        <a:latin typeface="Cambria Math" panose="02040503050406030204" pitchFamily="18" charset="0"/>
+                      </a:rPr>
+                      <m:t>𝜑</m:t>
+                    </m:r>
+                    <m:r>
+                      <a:rPr lang="sk-SK" i="1">
+                        <a:latin typeface="Cambria Math" panose="02040503050406030204" pitchFamily="18" charset="0"/>
+                      </a:rPr>
+                      <m:t>(</m:t>
+                    </m:r>
+                    <m:r>
+                      <a:rPr lang="sk-SK" i="1">
+                        <a:latin typeface="Cambria Math" panose="02040503050406030204" pitchFamily="18" charset="0"/>
+                      </a:rPr>
+                      <m:t>𝑦</m:t>
+                    </m:r>
+                    <m:r>
+                      <a:rPr lang="sk-SK" i="1">
+                        <a:latin typeface="Cambria Math" panose="02040503050406030204" pitchFamily="18" charset="0"/>
+                      </a:rPr>
+                      <m:t>,</m:t>
+                    </m:r>
+                    <m:acc>
+                      <m:accPr>
+                        <m:chr m:val="̇"/>
+                        <m:ctrlPr>
+                          <a:rPr lang="sk-SK" i="1">
+                            <a:latin typeface="Cambria Math" panose="02040503050406030204" pitchFamily="18" charset="0"/>
+                          </a:rPr>
+                        </m:ctrlPr>
+                      </m:accPr>
+                      <m:e>
+                        <m:r>
+                          <a:rPr lang="sk-SK" i="1">
+                            <a:latin typeface="Cambria Math" panose="02040503050406030204" pitchFamily="18" charset="0"/>
+                          </a:rPr>
+                          <m:t>𝑦</m:t>
+                        </m:r>
+                      </m:e>
+                    </m:acc>
+                    <m:r>
+                      <a:rPr lang="sk-SK" i="1">
+                        <a:latin typeface="Cambria Math" panose="02040503050406030204" pitchFamily="18" charset="0"/>
+                      </a:rPr>
+                      <m:t>,…,</m:t>
+                    </m:r>
+                    <m:sSup>
+                      <m:sSupPr>
+                        <m:ctrlPr>
+                          <a:rPr lang="sk-SK" i="1">
+                            <a:latin typeface="Cambria Math" panose="02040503050406030204" pitchFamily="18" charset="0"/>
+                          </a:rPr>
+                        </m:ctrlPr>
+                      </m:sSupPr>
+                      <m:e>
+                        <m:r>
+                          <a:rPr lang="sk-SK" i="1">
+                            <a:latin typeface="Cambria Math" panose="02040503050406030204" pitchFamily="18" charset="0"/>
+                          </a:rPr>
+                          <m:t>𝑦</m:t>
+                        </m:r>
+                      </m:e>
+                      <m:sup>
+                        <m:d>
+                          <m:dPr>
+                            <m:ctrlPr>
+                              <a:rPr lang="sk-SK" i="1">
+                                <a:latin typeface="Cambria Math" panose="02040503050406030204" pitchFamily="18" charset="0"/>
+                              </a:rPr>
+                            </m:ctrlPr>
+                          </m:dPr>
+                          <m:e>
+                            <m:r>
+                              <a:rPr lang="sk-SK" i="1">
+                                <a:latin typeface="Cambria Math" panose="02040503050406030204" pitchFamily="18" charset="0"/>
+                              </a:rPr>
+                              <m:t>𝑛</m:t>
+                            </m:r>
+                            <m:r>
+                              <a:rPr lang="sk-SK" i="1">
+                                <a:latin typeface="Cambria Math" panose="02040503050406030204" pitchFamily="18" charset="0"/>
+                              </a:rPr>
+                              <m:t>−1</m:t>
+                            </m:r>
+                          </m:e>
+                        </m:d>
+                      </m:sup>
+                    </m:sSup>
+                    <m:r>
+                      <a:rPr lang="sk-SK" i="1">
+                        <a:latin typeface="Cambria Math" panose="02040503050406030204" pitchFamily="18" charset="0"/>
+                      </a:rPr>
+                      <m:t>,</m:t>
+                    </m:r>
+                    <m:r>
+                      <a:rPr lang="sk-SK" i="1">
+                        <a:latin typeface="Cambria Math" panose="02040503050406030204" pitchFamily="18" charset="0"/>
+                      </a:rPr>
+                      <m:t>𝑢</m:t>
+                    </m:r>
+                    <m:r>
+                      <a:rPr lang="sk-SK" i="1">
+                        <a:latin typeface="Cambria Math" panose="02040503050406030204" pitchFamily="18" charset="0"/>
+                      </a:rPr>
+                      <m:t>,</m:t>
+                    </m:r>
+                    <m:acc>
+                      <m:accPr>
+                        <m:chr m:val="̇"/>
+                        <m:ctrlPr>
+                          <a:rPr lang="sk-SK" i="1">
+                            <a:latin typeface="Cambria Math" panose="02040503050406030204" pitchFamily="18" charset="0"/>
+                          </a:rPr>
+                        </m:ctrlPr>
+                      </m:accPr>
+                      <m:e>
+                        <m:r>
+                          <a:rPr lang="sk-SK" i="1">
+                            <a:latin typeface="Cambria Math" panose="02040503050406030204" pitchFamily="18" charset="0"/>
+                          </a:rPr>
+                          <m:t>𝑢</m:t>
+                        </m:r>
+                      </m:e>
+                    </m:acc>
+                    <m:r>
+                      <a:rPr lang="sk-SK" i="1">
+                        <a:latin typeface="Cambria Math" panose="02040503050406030204" pitchFamily="18" charset="0"/>
+                      </a:rPr>
+                      <m:t>,…,</m:t>
+                    </m:r>
+                    <m:sSup>
+                      <m:sSupPr>
+                        <m:ctrlPr>
+                          <a:rPr lang="sk-SK" i="1">
+                            <a:latin typeface="Cambria Math" panose="02040503050406030204" pitchFamily="18" charset="0"/>
+                          </a:rPr>
+                        </m:ctrlPr>
+                      </m:sSupPr>
+                      <m:e>
+                        <m:r>
+                          <a:rPr lang="sk-SK" i="1">
+                            <a:latin typeface="Cambria Math" panose="02040503050406030204" pitchFamily="18" charset="0"/>
+                          </a:rPr>
+                          <m:t>𝑢</m:t>
+                        </m:r>
+                      </m:e>
+                      <m:sup>
+                        <m:r>
+                          <a:rPr lang="sk-SK" i="1">
+                            <a:latin typeface="Cambria Math" panose="02040503050406030204" pitchFamily="18" charset="0"/>
+                          </a:rPr>
+                          <m:t>(</m:t>
+                        </m:r>
+                        <m:r>
+                          <a:rPr lang="sk-SK" i="1">
+                            <a:latin typeface="Cambria Math" panose="02040503050406030204" pitchFamily="18" charset="0"/>
+                          </a:rPr>
+                          <m:t>𝑚</m:t>
+                        </m:r>
+                        <m:r>
+                          <a:rPr lang="sk-SK" i="1">
+                            <a:latin typeface="Cambria Math" panose="02040503050406030204" pitchFamily="18" charset="0"/>
+                          </a:rPr>
+                          <m:t>)</m:t>
+                        </m:r>
+                      </m:sup>
+                    </m:sSup>
+                  </m:oMath>
+                </a14:m>
+                <a:endParaRPr lang="sk-SK" dirty="0" smtClean="0"/>
+              </a:p>
+              <a:p>
+                <a:pPr>
+                  <a:buFont typeface="Arial" panose="020B0604020202020204" pitchFamily="34" charset="0"/>
+                  <a:buChar char="•"/>
+                </a:pPr>
+                <a:r>
+                  <a:rPr lang="sk-SK" dirty="0" smtClean="0"/>
+                  <a:t>Obyčajné </a:t>
+                </a:r>
+                <a:r>
+                  <a:rPr lang="sk-SK" dirty="0"/>
+                  <a:t>diferenciálne rovnice </a:t>
+                </a:r>
+                <a:r>
+                  <a:rPr lang="sk-SK" dirty="0" smtClean="0"/>
+                  <a:t>(</a:t>
+                </a:r>
+                <a:r>
+                  <a:rPr lang="sk-SK" u="sng" dirty="0" smtClean="0"/>
+                  <a:t>ODE</a:t>
+                </a:r>
+                <a:r>
+                  <a:rPr lang="sk-SK" dirty="0"/>
+                  <a:t>) — rovnice obsahujúce derivácie len podľa jednej </a:t>
+                </a:r>
+                <a:r>
+                  <a:rPr lang="sk-SK" dirty="0" smtClean="0"/>
+                  <a:t>premennej – </a:t>
+                </a:r>
+                <a:r>
+                  <a:rPr lang="sk-SK" u="sng" dirty="0" smtClean="0"/>
+                  <a:t>tento predmet</a:t>
+                </a:r>
+                <a:r>
+                  <a:rPr lang="sk-SK" dirty="0" smtClean="0"/>
+                  <a:t>.</a:t>
+                </a:r>
+                <a:endParaRPr lang="sk-SK" dirty="0"/>
+              </a:p>
+              <a:p>
+                <a:pPr>
+                  <a:buFont typeface="Arial" panose="020B0604020202020204" pitchFamily="34" charset="0"/>
+                  <a:buChar char="•"/>
+                </a:pPr>
+                <a:r>
+                  <a:rPr lang="sk-SK" dirty="0" smtClean="0"/>
+                  <a:t>Parciálne </a:t>
+                </a:r>
+                <a:r>
+                  <a:rPr lang="sk-SK" dirty="0"/>
+                  <a:t>diferenciálne rovnice </a:t>
+                </a:r>
+                <a:r>
+                  <a:rPr lang="sk-SK" dirty="0" smtClean="0"/>
+                  <a:t>— </a:t>
+                </a:r>
+                <a:r>
+                  <a:rPr lang="sk-SK" dirty="0"/>
+                  <a:t>obsahujú derivácie podľa viacerých </a:t>
+                </a:r>
+                <a:r>
+                  <a:rPr lang="sk-SK" dirty="0" smtClean="0"/>
+                  <a:t>premenných (napríklad priestorové súradnice </a:t>
+                </a:r>
+                <a:r>
+                  <a:rPr lang="sk-SK" dirty="0" smtClean="0"/>
+                  <a:t>(vedenie tepla) , metóda konečných prvkov – zložitá problematika</a:t>
+                </a:r>
+                <a:r>
+                  <a:rPr lang="sk-SK" dirty="0" smtClean="0"/>
+                  <a:t>).</a:t>
+                </a:r>
+              </a:p>
+              <a:p>
+                <a:pPr>
+                  <a:buFont typeface="Arial" panose="020B0604020202020204" pitchFamily="34" charset="0"/>
+                  <a:buChar char="•"/>
+                </a:pPr>
+                <a:endParaRPr lang="sk-SK" dirty="0"/>
+              </a:p>
+            </p:txBody>
+          </p:sp>
+        </mc:Choice>
+        <mc:Fallback>
+          <p:sp>
+            <p:nvSpPr>
+              <p:cNvPr id="3" name="Zástupný symbol obsahu 2"/>
+              <p:cNvSpPr>
+                <a:spLocks noGrp="1" noRot="1" noChangeAspect="1" noMove="1" noResize="1" noEditPoints="1" noAdjustHandles="1" noChangeArrowheads="1" noChangeShapeType="1" noTextEdit="1"/>
+              </p:cNvSpPr>
+              <p:nvPr>
+                <p:ph idx="1"/>
+              </p:nvPr>
+            </p:nvSpPr>
+            <p:spPr>
+              <a:blipFill rotWithShape="0">
+                <a:blip r:embed="rId2"/>
+                <a:stretch>
+                  <a:fillRect l="-1752" t="-1291" r="-1752" b="-822"/>
+                </a:stretch>
+              </a:blipFill>
+            </p:spPr>
+            <p:txBody>
+              <a:bodyPr/>
+              <a:lstStyle/>
+              <a:p>
+                <a:r>
+                  <a:rPr lang="sk-SK">
+                    <a:noFill/>
+                  </a:rPr>
+                  <a:t> </a:t>
+                </a:r>
+              </a:p>
+            </p:txBody>
+          </p:sp>
+        </mc:Fallback>
+      </mc:AlternateContent>
     </p:spTree>
     <p:extLst>
       <p:ext uri="{BB962C8B-B14F-4D97-AF65-F5344CB8AC3E}">
-        <p14:creationId xmlns:p14="http://schemas.microsoft.com/office/powerpoint/2010/main" val="1981789228"/>
+        <p14:creationId xmlns:p14="http://schemas.microsoft.com/office/powerpoint/2010/main" val="3666784372"/>
+      </p:ext>
+    </p:extLst>
+  </p:cSld>
+  <p:clrMapOvr>
+    <a:masterClrMapping/>
+  </p:clrMapOvr>
+</p:sld>
+</file>
+
+<file path=ppt/slides/slide7.xml><?xml version="1.0" encoding="utf-8"?>
+<p:sld xmlns:a="http://schemas.openxmlformats.org/drawingml/2006/main" xmlns:r="http://schemas.openxmlformats.org/officeDocument/2006/relationships" xmlns:p="http://schemas.openxmlformats.org/presentationml/2006/main">
+  <p:cSld>
+    <p:spTree>
+      <p:nvGrpSpPr>
+        <p:cNvPr id="1" name=""/>
+        <p:cNvGrpSpPr/>
+        <p:nvPr/>
+      </p:nvGrpSpPr>
+      <p:grpSpPr>
+        <a:xfrm>
+          <a:off x="0" y="0"/>
+          <a:ext cx="0" cy="0"/>
+          <a:chOff x="0" y="0"/>
+          <a:chExt cx="0" cy="0"/>
+        </a:xfrm>
+      </p:grpSpPr>
+      <p:sp>
+        <p:nvSpPr>
+          <p:cNvPr id="2" name="Nadpis 1"/>
+          <p:cNvSpPr>
+            <a:spLocks noGrp="1"/>
+          </p:cNvSpPr>
+          <p:nvPr>
+            <p:ph type="title"/>
+          </p:nvPr>
+        </p:nvSpPr>
+        <p:spPr/>
+        <p:txBody>
+          <a:bodyPr/>
+          <a:lstStyle/>
+          <a:p>
+            <a:r>
+              <a:rPr lang="sk-SK" dirty="0" smtClean="0"/>
+              <a:t>Riešenie diferenciálnych rovníc</a:t>
+            </a:r>
+            <a:endParaRPr lang="sk-SK" dirty="0"/>
+          </a:p>
+        </p:txBody>
+      </p:sp>
+      <p:sp>
+        <p:nvSpPr>
+          <p:cNvPr id="6" name="Zástupný symbol textu 5"/>
+          <p:cNvSpPr>
+            <a:spLocks noGrp="1"/>
+          </p:cNvSpPr>
+          <p:nvPr>
+            <p:ph type="body" idx="1"/>
+          </p:nvPr>
+        </p:nvSpPr>
+        <p:spPr/>
+        <p:txBody>
+          <a:bodyPr/>
+          <a:lstStyle/>
+          <a:p>
+            <a:r>
+              <a:rPr lang="sk-SK" dirty="0" smtClean="0"/>
+              <a:t>Analytické</a:t>
+            </a:r>
+            <a:endParaRPr lang="sk-SK" dirty="0"/>
+          </a:p>
+        </p:txBody>
+      </p:sp>
+      <mc:AlternateContent xmlns:mc="http://schemas.openxmlformats.org/markup-compatibility/2006">
+        <mc:Choice xmlns:a14="http://schemas.microsoft.com/office/drawing/2010/main" Requires="a14">
+          <p:sp>
+            <p:nvSpPr>
+              <p:cNvPr id="7" name="Zástupný symbol obsahu 6"/>
+              <p:cNvSpPr>
+                <a:spLocks noGrp="1"/>
+              </p:cNvSpPr>
+              <p:nvPr>
+                <p:ph sz="half" idx="2"/>
+              </p:nvPr>
+            </p:nvSpPr>
+            <p:spPr>
+              <a:xfrm>
+                <a:off x="289560" y="1846052"/>
+                <a:ext cx="4145280" cy="3893075"/>
+              </a:xfrm>
+            </p:spPr>
+            <p:txBody>
+              <a:bodyPr/>
+              <a:lstStyle/>
+              <a:p>
+                <a:pPr>
+                  <a:buFont typeface="Arial" panose="020B0604020202020204" pitchFamily="34" charset="0"/>
+                  <a:buChar char="•"/>
+                </a:pPr>
+                <a:r>
+                  <a:rPr lang="sk-SK" dirty="0" smtClean="0"/>
+                  <a:t>Využitie pokročilého matematického aparátu na riešenie rovníc.</a:t>
+                </a:r>
+              </a:p>
+              <a:p>
+                <a:pPr>
+                  <a:buFont typeface="Arial" panose="020B0604020202020204" pitchFamily="34" charset="0"/>
+                  <a:buChar char="•"/>
+                </a:pPr>
+                <a:r>
+                  <a:rPr lang="sk-SK" dirty="0" smtClean="0"/>
+                  <a:t>Exaktné (presné) riešenie</a:t>
+                </a:r>
+              </a:p>
+              <a:p>
+                <a:pPr>
+                  <a:buFont typeface="Arial" panose="020B0604020202020204" pitchFamily="34" charset="0"/>
+                  <a:buChar char="•"/>
+                </a:pPr>
+                <a:r>
+                  <a:rPr lang="sk-SK" dirty="0" smtClean="0"/>
+                  <a:t>Výsledkom je funkcia  </a:t>
+                </a:r>
+                <a14:m>
+                  <m:oMath xmlns:m="http://schemas.openxmlformats.org/officeDocument/2006/math">
+                    <m:r>
+                      <a:rPr lang="sk-SK" i="1" dirty="0" smtClean="0">
+                        <a:latin typeface="Cambria Math" panose="02040503050406030204" pitchFamily="18" charset="0"/>
+                      </a:rPr>
+                      <m:t>𝑦</m:t>
+                    </m:r>
+                    <m:r>
+                      <a:rPr lang="sk-SK" b="0" i="1" dirty="0" smtClean="0">
+                        <a:latin typeface="Cambria Math" panose="02040503050406030204" pitchFamily="18" charset="0"/>
+                      </a:rPr>
+                      <m:t>(</m:t>
+                    </m:r>
+                    <m:r>
+                      <a:rPr lang="sk-SK" b="0" i="1" dirty="0" smtClean="0">
+                        <a:latin typeface="Cambria Math" panose="02040503050406030204" pitchFamily="18" charset="0"/>
+                      </a:rPr>
+                      <m:t>𝑥</m:t>
+                    </m:r>
+                    <m:r>
+                      <a:rPr lang="sk-SK" b="0" i="1" dirty="0" smtClean="0">
+                        <a:latin typeface="Cambria Math" panose="02040503050406030204" pitchFamily="18" charset="0"/>
+                      </a:rPr>
+                      <m:t>)=</m:t>
+                    </m:r>
+                    <m:r>
+                      <a:rPr lang="sk-SK" b="0" i="1" smtClean="0">
+                        <a:latin typeface="Cambria Math" panose="02040503050406030204" pitchFamily="18" charset="0"/>
+                      </a:rPr>
+                      <m:t>𝑓</m:t>
+                    </m:r>
+                    <m:r>
+                      <a:rPr lang="sk-SK" b="0" i="1" smtClean="0">
+                        <a:latin typeface="Cambria Math" panose="02040503050406030204" pitchFamily="18" charset="0"/>
+                      </a:rPr>
+                      <m:t>(</m:t>
+                    </m:r>
+                    <m:r>
+                      <a:rPr lang="sk-SK" b="0" i="1" smtClean="0">
+                        <a:latin typeface="Cambria Math" panose="02040503050406030204" pitchFamily="18" charset="0"/>
+                      </a:rPr>
+                      <m:t>𝑥</m:t>
+                    </m:r>
+                    <m:r>
+                      <a:rPr lang="sk-SK" b="0" i="1" smtClean="0">
+                        <a:latin typeface="Cambria Math" panose="02040503050406030204" pitchFamily="18" charset="0"/>
+                      </a:rPr>
+                      <m:t>)</m:t>
+                    </m:r>
+                  </m:oMath>
+                </a14:m>
+                <a:endParaRPr lang="sk-SK" i="1" dirty="0" smtClean="0"/>
+              </a:p>
+              <a:p>
+                <a:pPr>
+                  <a:buFont typeface="Arial" panose="020B0604020202020204" pitchFamily="34" charset="0"/>
+                  <a:buChar char="•"/>
+                </a:pPr>
+                <a:r>
+                  <a:rPr lang="sk-SK" dirty="0"/>
+                  <a:t>Často veľmi </a:t>
+                </a:r>
+                <a:r>
+                  <a:rPr lang="sk-SK" dirty="0" smtClean="0"/>
+                  <a:t>komplikované</a:t>
+                </a:r>
+                <a:endParaRPr lang="sk-SK" i="1" dirty="0" smtClean="0"/>
+              </a:p>
+              <a:p>
+                <a:pPr>
+                  <a:buFont typeface="Arial" panose="020B0604020202020204" pitchFamily="34" charset="0"/>
+                  <a:buChar char="•"/>
+                </a:pPr>
+                <a:r>
+                  <a:rPr lang="sk-SK" dirty="0" smtClean="0"/>
+                  <a:t>Predmet: Matematika 3</a:t>
+                </a:r>
+              </a:p>
+              <a:p>
+                <a:pPr>
+                  <a:buFont typeface="Arial" panose="020B0604020202020204" pitchFamily="34" charset="0"/>
+                  <a:buChar char="•"/>
+                </a:pPr>
+                <a:r>
+                  <a:rPr lang="sk-SK" dirty="0" smtClean="0"/>
+                  <a:t>Pri riešení sa dá využiť </a:t>
+                </a:r>
+                <a:r>
+                  <a:rPr lang="sk-SK" dirty="0" err="1" smtClean="0"/>
+                  <a:t>Laplaceova</a:t>
+                </a:r>
+                <a:r>
+                  <a:rPr lang="sk-SK" dirty="0" smtClean="0"/>
+                  <a:t>  a inverzná </a:t>
+                </a:r>
+                <a:r>
+                  <a:rPr lang="sk-SK" dirty="0" err="1"/>
+                  <a:t>Laplaceova</a:t>
+                </a:r>
+                <a:r>
+                  <a:rPr lang="sk-SK" dirty="0" smtClean="0"/>
+                  <a:t> transformácia – využívajú kybernetici</a:t>
+                </a:r>
+              </a:p>
+              <a:p>
+                <a:endParaRPr lang="sk-SK" dirty="0"/>
+              </a:p>
+            </p:txBody>
+          </p:sp>
+        </mc:Choice>
+        <mc:Fallback>
+          <p:sp>
+            <p:nvSpPr>
+              <p:cNvPr id="7" name="Zástupný symbol obsahu 6"/>
+              <p:cNvSpPr>
+                <a:spLocks noGrp="1" noRot="1" noChangeAspect="1" noMove="1" noResize="1" noEditPoints="1" noAdjustHandles="1" noChangeArrowheads="1" noChangeShapeType="1" noTextEdit="1"/>
+              </p:cNvSpPr>
+              <p:nvPr>
+                <p:ph sz="half" idx="2"/>
+              </p:nvPr>
+            </p:nvSpPr>
+            <p:spPr>
+              <a:xfrm>
+                <a:off x="289560" y="1846052"/>
+                <a:ext cx="4145280" cy="3893075"/>
+              </a:xfrm>
+              <a:blipFill rotWithShape="0">
+                <a:blip r:embed="rId2"/>
+                <a:stretch>
+                  <a:fillRect l="-3529" t="-1724"/>
+                </a:stretch>
+              </a:blipFill>
+            </p:spPr>
+            <p:txBody>
+              <a:bodyPr/>
+              <a:lstStyle/>
+              <a:p>
+                <a:r>
+                  <a:rPr lang="sk-SK">
+                    <a:noFill/>
+                  </a:rPr>
+                  <a:t> </a:t>
+                </a:r>
+              </a:p>
+            </p:txBody>
+          </p:sp>
+        </mc:Fallback>
+      </mc:AlternateContent>
+      <p:sp>
+        <p:nvSpPr>
+          <p:cNvPr id="8" name="Zástupný symbol textu 7"/>
+          <p:cNvSpPr>
+            <a:spLocks noGrp="1"/>
+          </p:cNvSpPr>
+          <p:nvPr>
+            <p:ph type="body" sz="quarter" idx="3"/>
+          </p:nvPr>
+        </p:nvSpPr>
+        <p:spPr/>
+        <p:txBody>
+          <a:bodyPr/>
+          <a:lstStyle/>
+          <a:p>
+            <a:r>
+              <a:rPr lang="sk-SK" dirty="0" smtClean="0"/>
+              <a:t>Numerické</a:t>
+            </a:r>
+            <a:endParaRPr lang="sk-SK" dirty="0"/>
+          </a:p>
+        </p:txBody>
+      </p:sp>
+      <p:sp>
+        <p:nvSpPr>
+          <p:cNvPr id="9" name="Zástupný symbol obsahu 8"/>
+          <p:cNvSpPr>
+            <a:spLocks noGrp="1"/>
+          </p:cNvSpPr>
+          <p:nvPr>
+            <p:ph sz="quarter" idx="4"/>
+          </p:nvPr>
+        </p:nvSpPr>
+        <p:spPr>
+          <a:xfrm>
+            <a:off x="4663440" y="1846052"/>
+            <a:ext cx="4191000" cy="3893075"/>
+          </a:xfrm>
+        </p:spPr>
+        <p:txBody>
+          <a:bodyPr/>
+          <a:lstStyle/>
+          <a:p>
+            <a:pPr>
+              <a:buFont typeface="Arial" panose="020B0604020202020204" pitchFamily="34" charset="0"/>
+              <a:buChar char="•"/>
+            </a:pPr>
+            <a:r>
+              <a:rPr lang="sk-SK" dirty="0" smtClean="0"/>
+              <a:t>Iba približné číselné riešenie</a:t>
+            </a:r>
+          </a:p>
+          <a:p>
+            <a:pPr>
+              <a:buFont typeface="Arial" panose="020B0604020202020204" pitchFamily="34" charset="0"/>
+              <a:buChar char="•"/>
+            </a:pPr>
+            <a:r>
+              <a:rPr lang="sk-SK" dirty="0" smtClean="0"/>
+              <a:t>Metódy numerickej integrácie</a:t>
+            </a:r>
+          </a:p>
+          <a:p>
+            <a:pPr>
+              <a:buFont typeface="Arial" panose="020B0604020202020204" pitchFamily="34" charset="0"/>
+              <a:buChar char="•"/>
+            </a:pPr>
+            <a:r>
+              <a:rPr lang="sk-SK" dirty="0" smtClean="0"/>
+              <a:t>Výpočtová náročnosť</a:t>
+            </a:r>
+          </a:p>
+          <a:p>
+            <a:pPr>
+              <a:buFont typeface="Arial" panose="020B0604020202020204" pitchFamily="34" charset="0"/>
+              <a:buChar char="•"/>
+            </a:pPr>
+            <a:r>
+              <a:rPr lang="sk-SK" dirty="0" smtClean="0"/>
+              <a:t>Iteratívne algoritmy </a:t>
+            </a:r>
+          </a:p>
+          <a:p>
+            <a:pPr>
+              <a:buFont typeface="Arial" panose="020B0604020202020204" pitchFamily="34" charset="0"/>
+              <a:buChar char="•"/>
+            </a:pPr>
+            <a:r>
+              <a:rPr lang="sk-SK" dirty="0"/>
+              <a:t>ODE </a:t>
+            </a:r>
+            <a:r>
+              <a:rPr lang="sk-SK" dirty="0" err="1" smtClean="0"/>
+              <a:t>solvre</a:t>
+            </a:r>
+            <a:endParaRPr lang="sk-SK" dirty="0" smtClean="0"/>
+          </a:p>
+          <a:p>
+            <a:pPr>
+              <a:buFont typeface="Arial" panose="020B0604020202020204" pitchFamily="34" charset="0"/>
+              <a:buChar char="•"/>
+            </a:pPr>
+            <a:r>
+              <a:rPr lang="sk-SK" dirty="0"/>
+              <a:t>Napríklad: </a:t>
+            </a:r>
+            <a:r>
+              <a:rPr lang="sk-SK" dirty="0" err="1"/>
+              <a:t>Eulerova</a:t>
+            </a:r>
+            <a:r>
+              <a:rPr lang="sk-SK" dirty="0"/>
+              <a:t> metóda, m</a:t>
+            </a:r>
+            <a:r>
+              <a:rPr lang="sk-SK" dirty="0" smtClean="0"/>
+              <a:t>etódy </a:t>
+            </a:r>
+            <a:r>
+              <a:rPr lang="sk-SK" dirty="0" err="1"/>
+              <a:t>Runge-Kutta</a:t>
+            </a:r>
+            <a:endParaRPr lang="sk-SK" dirty="0"/>
+          </a:p>
+          <a:p>
+            <a:pPr>
+              <a:buFont typeface="Arial" panose="020B0604020202020204" pitchFamily="34" charset="0"/>
+              <a:buChar char="•"/>
+            </a:pPr>
+            <a:r>
+              <a:rPr lang="sk-SK" dirty="0" err="1" smtClean="0"/>
+              <a:t>Simulink</a:t>
+            </a:r>
+            <a:r>
+              <a:rPr lang="sk-SK" dirty="0" smtClean="0"/>
+              <a:t> využíva numerické riešenie diferenciálnych rovníc</a:t>
+            </a:r>
+          </a:p>
+          <a:p>
+            <a:pPr>
+              <a:buFont typeface="Arial" panose="020B0604020202020204" pitchFamily="34" charset="0"/>
+              <a:buChar char="•"/>
+            </a:pPr>
+            <a:endParaRPr lang="sk-SK" dirty="0"/>
+          </a:p>
+        </p:txBody>
+      </p:sp>
+    </p:spTree>
+    <p:extLst>
+      <p:ext uri="{BB962C8B-B14F-4D97-AF65-F5344CB8AC3E}">
+        <p14:creationId xmlns:p14="http://schemas.microsoft.com/office/powerpoint/2010/main" val="2289180940"/>
+      </p:ext>
+    </p:extLst>
+  </p:cSld>
+  <p:clrMapOvr>
+    <a:masterClrMapping/>
+  </p:clrMapOvr>
+</p:sld>
+</file>
+
+<file path=ppt/slides/slide8.xml><?xml version="1.0" encoding="utf-8"?>
+<p:sld xmlns:a="http://schemas.openxmlformats.org/drawingml/2006/main" xmlns:r="http://schemas.openxmlformats.org/officeDocument/2006/relationships" xmlns:p="http://schemas.openxmlformats.org/presentationml/2006/main">
+  <p:cSld>
+    <p:spTree>
+      <p:nvGrpSpPr>
+        <p:cNvPr id="1" name=""/>
+        <p:cNvGrpSpPr/>
+        <p:nvPr/>
+      </p:nvGrpSpPr>
+      <p:grpSpPr>
+        <a:xfrm>
+          <a:off x="0" y="0"/>
+          <a:ext cx="0" cy="0"/>
+          <a:chOff x="0" y="0"/>
+          <a:chExt cx="0" cy="0"/>
+        </a:xfrm>
+      </p:grpSpPr>
+      <p:sp>
+        <p:nvSpPr>
+          <p:cNvPr id="2" name="Nadpis 1"/>
+          <p:cNvSpPr>
+            <a:spLocks noGrp="1"/>
+          </p:cNvSpPr>
+          <p:nvPr>
+            <p:ph type="title"/>
+          </p:nvPr>
+        </p:nvSpPr>
+        <p:spPr/>
+        <p:txBody>
+          <a:bodyPr/>
+          <a:lstStyle/>
+          <a:p>
+            <a:r>
+              <a:rPr lang="sk-SK" dirty="0" smtClean="0"/>
+              <a:t>Lineárne </a:t>
+            </a:r>
+            <a:r>
+              <a:rPr lang="sk-SK" dirty="0" err="1" smtClean="0"/>
+              <a:t>vs</a:t>
+            </a:r>
+            <a:r>
+              <a:rPr lang="sk-SK" dirty="0" smtClean="0"/>
+              <a:t>. </a:t>
+            </a:r>
+            <a:r>
+              <a:rPr lang="sk-SK" dirty="0" smtClean="0"/>
+              <a:t>nelineárne diferenciálne rovnice </a:t>
+            </a:r>
+            <a:endParaRPr lang="sk-SK" dirty="0"/>
+          </a:p>
+        </p:txBody>
+      </p:sp>
+      <p:sp>
+        <p:nvSpPr>
+          <p:cNvPr id="4" name="Zástupný symbol textu 3"/>
+          <p:cNvSpPr>
+            <a:spLocks noGrp="1"/>
+          </p:cNvSpPr>
+          <p:nvPr>
+            <p:ph type="body" idx="1"/>
+          </p:nvPr>
+        </p:nvSpPr>
+        <p:spPr/>
+        <p:txBody>
+          <a:bodyPr/>
+          <a:lstStyle/>
+          <a:p>
+            <a:r>
+              <a:rPr lang="sk-SK" dirty="0" smtClean="0"/>
+              <a:t>Lineárne systémy</a:t>
+            </a:r>
+            <a:endParaRPr lang="sk-SK" dirty="0"/>
+          </a:p>
+        </p:txBody>
+      </p:sp>
+      <p:sp>
+        <p:nvSpPr>
+          <p:cNvPr id="5" name="Zástupný symbol obsahu 4"/>
+          <p:cNvSpPr>
+            <a:spLocks noGrp="1"/>
+          </p:cNvSpPr>
+          <p:nvPr>
+            <p:ph sz="half" idx="2"/>
+          </p:nvPr>
+        </p:nvSpPr>
+        <p:spPr>
+          <a:xfrm>
+            <a:off x="381000" y="1846052"/>
+            <a:ext cx="4145280" cy="4663678"/>
+          </a:xfrm>
+        </p:spPr>
+        <p:txBody>
+          <a:bodyPr>
+            <a:normAutofit lnSpcReduction="10000"/>
+          </a:bodyPr>
+          <a:lstStyle/>
+          <a:p>
+            <a:pPr>
+              <a:buFont typeface="Arial" panose="020B0604020202020204" pitchFamily="34" charset="0"/>
+              <a:buChar char="•"/>
+            </a:pPr>
+            <a:r>
+              <a:rPr lang="sk-SK" dirty="0" smtClean="0"/>
+              <a:t>Platí princíp </a:t>
+            </a:r>
+            <a:r>
+              <a:rPr lang="sk-SK" dirty="0" err="1" smtClean="0"/>
+              <a:t>superpozície</a:t>
+            </a:r>
+            <a:r>
+              <a:rPr lang="sk-SK" dirty="0" smtClean="0"/>
+              <a:t> (sčítavania) a </a:t>
+            </a:r>
+            <a:r>
+              <a:rPr lang="sk-SK" dirty="0" err="1" smtClean="0"/>
+              <a:t>komutativity</a:t>
+            </a:r>
+            <a:r>
+              <a:rPr lang="sk-SK" dirty="0" smtClean="0"/>
+              <a:t> (zámeny poradia).</a:t>
+            </a:r>
+          </a:p>
+          <a:p>
+            <a:pPr>
+              <a:buFont typeface="Arial" panose="020B0604020202020204" pitchFamily="34" charset="0"/>
+              <a:buChar char="•"/>
+            </a:pPr>
+            <a:r>
+              <a:rPr lang="sk-SK" dirty="0" smtClean="0"/>
+              <a:t>Riešenie </a:t>
+            </a:r>
+            <a:r>
+              <a:rPr lang="sk-SK" dirty="0" err="1" smtClean="0"/>
+              <a:t>dif</a:t>
+            </a:r>
+            <a:r>
+              <a:rPr lang="sk-SK" dirty="0" smtClean="0"/>
+              <a:t>. rovníc v časovej oblasti </a:t>
+            </a:r>
+            <a:r>
+              <a:rPr lang="sk-SK" dirty="0" err="1" smtClean="0"/>
+              <a:t>Laplaceovou</a:t>
+            </a:r>
+            <a:r>
+              <a:rPr lang="sk-SK" dirty="0" smtClean="0"/>
+              <a:t> transformáciou</a:t>
+            </a:r>
+          </a:p>
+          <a:p>
+            <a:pPr>
+              <a:buFont typeface="Arial" panose="020B0604020202020204" pitchFamily="34" charset="0"/>
+              <a:buChar char="•"/>
+            </a:pPr>
+            <a:r>
+              <a:rPr lang="sk-SK" dirty="0" smtClean="0"/>
+              <a:t>Model systému vo forme prenosovej funkcie (</a:t>
+            </a:r>
+            <a:r>
+              <a:rPr lang="sk-SK" dirty="0"/>
+              <a:t>vysvetlené neskôr</a:t>
+            </a:r>
+            <a:r>
+              <a:rPr lang="sk-SK" dirty="0" smtClean="0"/>
+              <a:t>)</a:t>
+            </a:r>
+          </a:p>
+          <a:p>
+            <a:pPr>
+              <a:buFont typeface="Arial" panose="020B0604020202020204" pitchFamily="34" charset="0"/>
+              <a:buChar char="•"/>
+            </a:pPr>
+            <a:r>
+              <a:rPr lang="sk-SK" dirty="0" smtClean="0"/>
+              <a:t>Jednoducho definované podmienky stability na základe rozloženia pólov a núl prenosovej funkcie (vysvetlené neskôr)</a:t>
+            </a:r>
+          </a:p>
+          <a:p>
+            <a:pPr>
+              <a:buFont typeface="Arial" panose="020B0604020202020204" pitchFamily="34" charset="0"/>
+              <a:buChar char="•"/>
+            </a:pPr>
+            <a:r>
+              <a:rPr lang="sk-SK" dirty="0" smtClean="0"/>
+              <a:t>Dynamika určená rozložením pólov a núl systému </a:t>
+            </a:r>
+            <a:r>
+              <a:rPr lang="sk-SK" dirty="0"/>
+              <a:t>(vysvetlené neskôr</a:t>
+            </a:r>
+            <a:r>
+              <a:rPr lang="sk-SK" dirty="0" smtClean="0"/>
+              <a:t>)</a:t>
+            </a:r>
+          </a:p>
+          <a:p>
+            <a:pPr>
+              <a:buFont typeface="Arial" panose="020B0604020202020204" pitchFamily="34" charset="0"/>
+              <a:buChar char="•"/>
+            </a:pPr>
+            <a:r>
+              <a:rPr lang="sk-SK" dirty="0"/>
+              <a:t>Jeden rovnovážny </a:t>
+            </a:r>
+            <a:r>
+              <a:rPr lang="sk-SK" dirty="0" smtClean="0"/>
+              <a:t>bod (v nule)</a:t>
+            </a:r>
+          </a:p>
+          <a:p>
+            <a:pPr>
+              <a:buFont typeface="Arial" panose="020B0604020202020204" pitchFamily="34" charset="0"/>
+              <a:buChar char="•"/>
+            </a:pPr>
+            <a:r>
+              <a:rPr lang="sk-SK" dirty="0" smtClean="0"/>
+              <a:t>Vystačíme si riadením PID regulátormi </a:t>
+            </a:r>
+            <a:endParaRPr lang="sk-SK" dirty="0"/>
+          </a:p>
+        </p:txBody>
+      </p:sp>
+      <p:sp>
+        <p:nvSpPr>
+          <p:cNvPr id="6" name="Zástupný symbol textu 5"/>
+          <p:cNvSpPr>
+            <a:spLocks noGrp="1"/>
+          </p:cNvSpPr>
+          <p:nvPr>
+            <p:ph type="body" sz="quarter" idx="3"/>
+          </p:nvPr>
+        </p:nvSpPr>
+        <p:spPr/>
+        <p:txBody>
+          <a:bodyPr/>
+          <a:lstStyle/>
+          <a:p>
+            <a:r>
+              <a:rPr lang="sk-SK" dirty="0" smtClean="0"/>
+              <a:t>Nelineárne systémy</a:t>
+            </a:r>
+            <a:endParaRPr lang="sk-SK" dirty="0"/>
+          </a:p>
+        </p:txBody>
+      </p:sp>
+      <p:sp>
+        <p:nvSpPr>
+          <p:cNvPr id="7" name="Zástupný symbol obsahu 6"/>
+          <p:cNvSpPr>
+            <a:spLocks noGrp="1"/>
+          </p:cNvSpPr>
+          <p:nvPr>
+            <p:ph sz="quarter" idx="4"/>
+          </p:nvPr>
+        </p:nvSpPr>
+        <p:spPr>
+          <a:xfrm>
+            <a:off x="4663440" y="1853228"/>
+            <a:ext cx="4191000" cy="4803722"/>
+          </a:xfrm>
+        </p:spPr>
+        <p:txBody>
+          <a:bodyPr>
+            <a:normAutofit fontScale="92500" lnSpcReduction="10000"/>
+          </a:bodyPr>
+          <a:lstStyle/>
+          <a:p>
+            <a:pPr>
+              <a:buFont typeface="Arial" panose="020B0604020202020204" pitchFamily="34" charset="0"/>
+              <a:buChar char="•"/>
+            </a:pPr>
+            <a:r>
+              <a:rPr lang="sk-SK" dirty="0" smtClean="0"/>
+              <a:t>Neplatí </a:t>
+            </a:r>
+            <a:r>
+              <a:rPr lang="sk-SK" dirty="0"/>
+              <a:t>princíp </a:t>
+            </a:r>
+            <a:r>
+              <a:rPr lang="sk-SK" dirty="0" err="1"/>
+              <a:t>superpozície</a:t>
+            </a:r>
+            <a:r>
+              <a:rPr lang="sk-SK" dirty="0"/>
+              <a:t> (sčítavania) a </a:t>
+            </a:r>
+            <a:r>
+              <a:rPr lang="sk-SK" dirty="0" err="1"/>
+              <a:t>komutativity</a:t>
+            </a:r>
+            <a:r>
+              <a:rPr lang="sk-SK" dirty="0"/>
+              <a:t> (zámeny poradia).</a:t>
+            </a:r>
+          </a:p>
+          <a:p>
+            <a:pPr>
+              <a:buFont typeface="Arial" panose="020B0604020202020204" pitchFamily="34" charset="0"/>
+              <a:buChar char="•"/>
+            </a:pPr>
+            <a:r>
+              <a:rPr lang="sk-SK" dirty="0" smtClean="0"/>
+              <a:t>Riešenie </a:t>
+            </a:r>
+            <a:r>
+              <a:rPr lang="sk-SK" dirty="0" err="1"/>
+              <a:t>diff</a:t>
+            </a:r>
+            <a:r>
+              <a:rPr lang="sk-SK" dirty="0"/>
+              <a:t>. rovníc v časovej </a:t>
+            </a:r>
+            <a:r>
+              <a:rPr lang="sk-SK" dirty="0" smtClean="0"/>
+              <a:t>oblasti je komplikované</a:t>
+            </a:r>
+          </a:p>
+          <a:p>
+            <a:pPr>
+              <a:buFont typeface="Arial" panose="020B0604020202020204" pitchFamily="34" charset="0"/>
+              <a:buChar char="•"/>
+            </a:pPr>
+            <a:r>
+              <a:rPr lang="sk-SK" dirty="0" smtClean="0"/>
+              <a:t>Podmienky stability v zmysle </a:t>
+            </a:r>
+            <a:r>
+              <a:rPr lang="sk-SK" dirty="0" err="1" smtClean="0"/>
+              <a:t>Lyapunovovej</a:t>
+            </a:r>
+            <a:r>
+              <a:rPr lang="sk-SK" dirty="0" smtClean="0"/>
+              <a:t> teórie.</a:t>
+            </a:r>
+          </a:p>
+          <a:p>
+            <a:pPr>
+              <a:buFont typeface="Arial" panose="020B0604020202020204" pitchFamily="34" charset="0"/>
+              <a:buChar char="•"/>
+            </a:pPr>
+            <a:r>
+              <a:rPr lang="sk-SK" dirty="0" smtClean="0"/>
+              <a:t>Viacero rovnovážnych bodov (stabilných aj nestabilných)</a:t>
+            </a:r>
+          </a:p>
+          <a:p>
+            <a:pPr>
+              <a:buFont typeface="Arial" panose="020B0604020202020204" pitchFamily="34" charset="0"/>
+              <a:buChar char="•"/>
+            </a:pPr>
+            <a:r>
+              <a:rPr lang="sk-SK" dirty="0" smtClean="0"/>
+              <a:t>Stabilita závisí aj od počiatočných podmienok</a:t>
+            </a:r>
+          </a:p>
+          <a:p>
+            <a:pPr>
+              <a:buFont typeface="Arial" panose="020B0604020202020204" pitchFamily="34" charset="0"/>
+              <a:buChar char="•"/>
+            </a:pPr>
+            <a:r>
+              <a:rPr lang="sk-SK" dirty="0" smtClean="0"/>
+              <a:t>Často potrebné špeciálne nelineárne regulátory</a:t>
+            </a:r>
+          </a:p>
+          <a:p>
+            <a:pPr>
+              <a:buFont typeface="Arial" panose="020B0604020202020204" pitchFamily="34" charset="0"/>
+              <a:buChar char="•"/>
+            </a:pPr>
+            <a:r>
+              <a:rPr lang="sk-SK" dirty="0" smtClean="0"/>
+              <a:t>Predmet Riadenie nelineárnych systémov – Ing. štúdium</a:t>
+            </a:r>
+            <a:endParaRPr lang="sk-SK" dirty="0"/>
+          </a:p>
+        </p:txBody>
+      </p:sp>
+    </p:spTree>
+    <p:extLst>
+      <p:ext uri="{BB962C8B-B14F-4D97-AF65-F5344CB8AC3E}">
+        <p14:creationId xmlns:p14="http://schemas.microsoft.com/office/powerpoint/2010/main" val="1042349653"/>
+      </p:ext>
+    </p:extLst>
+  </p:cSld>
+  <p:clrMapOvr>
+    <a:masterClrMapping/>
+  </p:clrMapOvr>
+</p:sld>
+</file>
+
+<file path=ppt/slides/slide9.xml><?xml version="1.0" encoding="utf-8"?>
+<p:sld xmlns:a="http://schemas.openxmlformats.org/drawingml/2006/main" xmlns:r="http://schemas.openxmlformats.org/officeDocument/2006/relationships" xmlns:p="http://schemas.openxmlformats.org/presentationml/2006/main">
+  <p:cSld>
+    <p:spTree>
+      <p:nvGrpSpPr>
+        <p:cNvPr id="1" name=""/>
+        <p:cNvGrpSpPr/>
+        <p:nvPr/>
+      </p:nvGrpSpPr>
+      <p:grpSpPr>
+        <a:xfrm>
+          <a:off x="0" y="0"/>
+          <a:ext cx="0" cy="0"/>
+          <a:chOff x="0" y="0"/>
+          <a:chExt cx="0" cy="0"/>
+        </a:xfrm>
+      </p:grpSpPr>
+      <p:sp>
+        <p:nvSpPr>
+          <p:cNvPr id="2" name="Nadpis 1"/>
+          <p:cNvSpPr>
+            <a:spLocks noGrp="1"/>
+          </p:cNvSpPr>
+          <p:nvPr>
+            <p:ph type="title"/>
+          </p:nvPr>
+        </p:nvSpPr>
+        <p:spPr/>
+        <p:txBody>
+          <a:bodyPr/>
+          <a:lstStyle/>
+          <a:p>
+            <a:r>
+              <a:rPr lang="sk-SK" dirty="0"/>
+              <a:t>Lineárne a</a:t>
+            </a:r>
+            <a:r>
+              <a:rPr lang="sk-SK" dirty="0" smtClean="0"/>
+              <a:t> nelineárne systémy - príklady</a:t>
+            </a:r>
+            <a:endParaRPr lang="sk-SK" dirty="0"/>
+          </a:p>
+        </p:txBody>
+      </p:sp>
+      <p:sp>
+        <p:nvSpPr>
+          <p:cNvPr id="3" name="Zástupný symbol textu 2"/>
+          <p:cNvSpPr>
+            <a:spLocks noGrp="1"/>
+          </p:cNvSpPr>
+          <p:nvPr>
+            <p:ph type="body" idx="1"/>
+          </p:nvPr>
+        </p:nvSpPr>
+        <p:spPr/>
+        <p:txBody>
+          <a:bodyPr/>
+          <a:lstStyle/>
+          <a:p>
+            <a:r>
+              <a:rPr lang="sk-SK" dirty="0" smtClean="0"/>
+              <a:t>Lineárne systémy</a:t>
+            </a:r>
+            <a:endParaRPr lang="sk-SK" dirty="0"/>
+          </a:p>
+        </p:txBody>
+      </p:sp>
+      <p:sp>
+        <p:nvSpPr>
+          <p:cNvPr id="4" name="Zástupný symbol obsahu 3"/>
+          <p:cNvSpPr>
+            <a:spLocks noGrp="1"/>
+          </p:cNvSpPr>
+          <p:nvPr>
+            <p:ph sz="half" idx="2"/>
+          </p:nvPr>
+        </p:nvSpPr>
+        <p:spPr>
+          <a:xfrm>
+            <a:off x="381000" y="1848037"/>
+            <a:ext cx="4145280" cy="1961667"/>
+          </a:xfrm>
+        </p:spPr>
+        <p:txBody>
+          <a:bodyPr/>
+          <a:lstStyle/>
+          <a:p>
+            <a:pPr>
+              <a:buFont typeface="Arial" panose="020B0604020202020204" pitchFamily="34" charset="0"/>
+              <a:buChar char="•"/>
+            </a:pPr>
+            <a:r>
+              <a:rPr lang="sk-SK" dirty="0" smtClean="0"/>
+              <a:t>Jednosmerný motor</a:t>
+            </a:r>
+          </a:p>
+          <a:p>
+            <a:pPr>
+              <a:buFont typeface="Arial" panose="020B0604020202020204" pitchFamily="34" charset="0"/>
+              <a:buChar char="•"/>
+            </a:pPr>
+            <a:r>
+              <a:rPr lang="sk-SK" dirty="0" smtClean="0"/>
+              <a:t>Harmonický oscilátor</a:t>
+            </a:r>
+          </a:p>
+          <a:p>
+            <a:pPr>
+              <a:buFont typeface="Arial" panose="020B0604020202020204" pitchFamily="34" charset="0"/>
+              <a:buChar char="•"/>
+            </a:pPr>
+            <a:r>
+              <a:rPr lang="sk-SK" dirty="0" smtClean="0"/>
+              <a:t>Elektronické filtre</a:t>
+            </a:r>
+          </a:p>
+          <a:p>
+            <a:pPr>
+              <a:buFont typeface="Arial" panose="020B0604020202020204" pitchFamily="34" charset="0"/>
+              <a:buChar char="•"/>
+            </a:pPr>
+            <a:r>
+              <a:rPr lang="sk-SK" dirty="0" smtClean="0"/>
+              <a:t>Teplota v miestnosti</a:t>
+            </a:r>
+          </a:p>
+          <a:p>
+            <a:pPr>
+              <a:buFont typeface="Arial" panose="020B0604020202020204" pitchFamily="34" charset="0"/>
+              <a:buChar char="•"/>
+            </a:pPr>
+            <a:endParaRPr lang="sk-SK" dirty="0" smtClean="0"/>
+          </a:p>
+          <a:p>
+            <a:pPr>
+              <a:buFont typeface="Arial" panose="020B0604020202020204" pitchFamily="34" charset="0"/>
+              <a:buChar char="•"/>
+            </a:pPr>
+            <a:endParaRPr lang="sk-SK" dirty="0" smtClean="0"/>
+          </a:p>
+          <a:p>
+            <a:pPr>
+              <a:buFont typeface="Arial" panose="020B0604020202020204" pitchFamily="34" charset="0"/>
+              <a:buChar char="•"/>
+            </a:pPr>
+            <a:endParaRPr lang="sk-SK" dirty="0" smtClean="0"/>
+          </a:p>
+          <a:p>
+            <a:pPr>
+              <a:buFont typeface="Arial" panose="020B0604020202020204" pitchFamily="34" charset="0"/>
+              <a:buChar char="•"/>
+            </a:pPr>
+            <a:endParaRPr lang="sk-SK" dirty="0" smtClean="0"/>
+          </a:p>
+          <a:p>
+            <a:pPr>
+              <a:buFont typeface="Arial" panose="020B0604020202020204" pitchFamily="34" charset="0"/>
+              <a:buChar char="•"/>
+            </a:pPr>
+            <a:endParaRPr lang="sk-SK" dirty="0"/>
+          </a:p>
+        </p:txBody>
+      </p:sp>
+      <p:sp>
+        <p:nvSpPr>
+          <p:cNvPr id="5" name="Zástupný symbol textu 4"/>
+          <p:cNvSpPr>
+            <a:spLocks noGrp="1"/>
+          </p:cNvSpPr>
+          <p:nvPr>
+            <p:ph type="body" sz="quarter" idx="3"/>
+          </p:nvPr>
+        </p:nvSpPr>
+        <p:spPr/>
+        <p:txBody>
+          <a:bodyPr/>
+          <a:lstStyle/>
+          <a:p>
+            <a:r>
+              <a:rPr lang="sk-SK" dirty="0" smtClean="0"/>
+              <a:t>Nelineárne systémy</a:t>
+            </a:r>
+            <a:endParaRPr lang="sk-SK" dirty="0"/>
+          </a:p>
+        </p:txBody>
+      </p:sp>
+      <p:sp>
+        <p:nvSpPr>
+          <p:cNvPr id="6" name="Zástupný symbol obsahu 5"/>
+          <p:cNvSpPr>
+            <a:spLocks noGrp="1"/>
+          </p:cNvSpPr>
+          <p:nvPr>
+            <p:ph sz="quarter" idx="4"/>
+          </p:nvPr>
+        </p:nvSpPr>
+        <p:spPr>
+          <a:xfrm>
+            <a:off x="4659474" y="1846052"/>
+            <a:ext cx="3850212" cy="2495289"/>
+          </a:xfrm>
+        </p:spPr>
+        <p:txBody>
+          <a:bodyPr/>
+          <a:lstStyle/>
+          <a:p>
+            <a:pPr>
+              <a:buFont typeface="Arial" panose="020B0604020202020204" pitchFamily="34" charset="0"/>
+              <a:buChar char="•"/>
+            </a:pPr>
+            <a:r>
+              <a:rPr lang="sk-SK" dirty="0" smtClean="0"/>
+              <a:t>Kyvadlo</a:t>
+            </a:r>
+          </a:p>
+          <a:p>
+            <a:pPr>
+              <a:buFont typeface="Arial" panose="020B0604020202020204" pitchFamily="34" charset="0"/>
+              <a:buChar char="•"/>
+            </a:pPr>
+            <a:r>
+              <a:rPr lang="sk-SK" dirty="0" smtClean="0"/>
+              <a:t>Lietadlo</a:t>
+            </a:r>
+          </a:p>
+          <a:p>
+            <a:pPr>
+              <a:buFont typeface="Arial" panose="020B0604020202020204" pitchFamily="34" charset="0"/>
+              <a:buChar char="•"/>
+            </a:pPr>
+            <a:r>
+              <a:rPr lang="sk-SK" dirty="0" smtClean="0"/>
+              <a:t>Robotický manipulátor</a:t>
+            </a:r>
+          </a:p>
+          <a:p>
+            <a:pPr>
+              <a:buFont typeface="Arial" panose="020B0604020202020204" pitchFamily="34" charset="0"/>
+              <a:buChar char="•"/>
+            </a:pPr>
+            <a:r>
+              <a:rPr lang="sk-SK" dirty="0" smtClean="0"/>
+              <a:t>Výška hladiny v nádrži</a:t>
+            </a:r>
+          </a:p>
+          <a:p>
+            <a:pPr>
+              <a:buFont typeface="Arial" panose="020B0604020202020204" pitchFamily="34" charset="0"/>
+              <a:buChar char="•"/>
+            </a:pPr>
+            <a:endParaRPr lang="sk-SK" dirty="0"/>
+          </a:p>
+        </p:txBody>
+      </p:sp>
+      <p:pic>
+        <p:nvPicPr>
+          <p:cNvPr id="5126" name="Picture 6" descr="https://www.researchgate.net/profile/Sebastian_Magierowski/publication/224318407/figure/fig1/AS:339732006490112@1458009830254/Model-for-each-motor-The-block-diagram-describes-an-armature-controlled-dc-motor-with.png"/>
+          <p:cNvPicPr>
+            <a:picLocks noChangeAspect="1" noChangeArrowheads="1"/>
+          </p:cNvPicPr>
+          <p:nvPr/>
+        </p:nvPicPr>
+        <p:blipFill>
+          <a:blip r:embed="rId2">
+            <a:extLst>
+              <a:ext uri="{28A0092B-C50C-407E-A947-70E740481C1C}">
+                <a14:useLocalDpi xmlns:a14="http://schemas.microsoft.com/office/drawing/2010/main" val="0"/>
+              </a:ext>
+            </a:extLst>
+          </a:blip>
+          <a:srcRect/>
+          <a:stretch>
+            <a:fillRect/>
+          </a:stretch>
+        </p:blipFill>
+        <p:spPr bwMode="auto">
+          <a:xfrm>
+            <a:off x="157190" y="3709069"/>
+            <a:ext cx="4085453" cy="1606246"/>
+          </a:xfrm>
+          <a:prstGeom prst="rect">
+            <a:avLst/>
+          </a:prstGeom>
+          <a:noFill/>
+          <a:extLst>
+            <a:ext uri="{909E8E84-426E-40DD-AFC4-6F175D3DCCD1}">
+              <a14:hiddenFill xmlns:a14="http://schemas.microsoft.com/office/drawing/2010/main">
+                <a:solidFill>
+                  <a:srgbClr val="FFFFFF"/>
+                </a:solidFill>
+              </a14:hiddenFill>
+            </a:ext>
+          </a:extLst>
+        </p:spPr>
+      </p:pic>
+      <p:pic>
+        <p:nvPicPr>
+          <p:cNvPr id="5128" name="Picture 8" descr="VÃ½sledok vyhÄ¾adÃ¡vania obrÃ¡zkov pre dopyt dc motor"/>
+          <p:cNvPicPr>
+            <a:picLocks noChangeAspect="1" noChangeArrowheads="1"/>
+          </p:cNvPicPr>
+          <p:nvPr/>
+        </p:nvPicPr>
+        <p:blipFill>
+          <a:blip r:embed="rId3" cstate="print">
+            <a:extLst>
+              <a:ext uri="{28A0092B-C50C-407E-A947-70E740481C1C}">
+                <a14:useLocalDpi xmlns:a14="http://schemas.microsoft.com/office/drawing/2010/main" val="0"/>
+              </a:ext>
+            </a:extLst>
+          </a:blip>
+          <a:srcRect/>
+          <a:stretch>
+            <a:fillRect/>
+          </a:stretch>
+        </p:blipFill>
+        <p:spPr bwMode="auto">
+          <a:xfrm>
+            <a:off x="972374" y="5376734"/>
+            <a:ext cx="1481266" cy="1481266"/>
+          </a:xfrm>
+          <a:prstGeom prst="rect">
+            <a:avLst/>
+          </a:prstGeom>
+          <a:noFill/>
+          <a:extLst>
+            <a:ext uri="{909E8E84-426E-40DD-AFC4-6F175D3DCCD1}">
+              <a14:hiddenFill xmlns:a14="http://schemas.microsoft.com/office/drawing/2010/main">
+                <a:solidFill>
+                  <a:srgbClr val="FFFFFF"/>
+                </a:solidFill>
+              </a14:hiddenFill>
+            </a:ext>
+          </a:extLst>
+        </p:spPr>
+      </p:pic>
+      <p:pic>
+        <p:nvPicPr>
+          <p:cNvPr id="5130" name="Picture 10" descr="VÃ½sledok vyhÄ¾adÃ¡vania obrÃ¡zkov pre dopyt robotic arm"/>
+          <p:cNvPicPr>
+            <a:picLocks noChangeAspect="1" noChangeArrowheads="1"/>
+          </p:cNvPicPr>
+          <p:nvPr/>
+        </p:nvPicPr>
+        <p:blipFill>
+          <a:blip r:embed="rId4">
+            <a:extLst>
+              <a:ext uri="{28A0092B-C50C-407E-A947-70E740481C1C}">
+                <a14:useLocalDpi xmlns:a14="http://schemas.microsoft.com/office/drawing/2010/main" val="0"/>
+              </a:ext>
+            </a:extLst>
+          </a:blip>
+          <a:srcRect/>
+          <a:stretch>
+            <a:fillRect/>
+          </a:stretch>
+        </p:blipFill>
+        <p:spPr bwMode="auto">
+          <a:xfrm>
+            <a:off x="5066140" y="3617232"/>
+            <a:ext cx="3036879" cy="3036879"/>
+          </a:xfrm>
+          <a:prstGeom prst="rect">
+            <a:avLst/>
+          </a:prstGeom>
+          <a:noFill/>
+          <a:extLst>
+            <a:ext uri="{909E8E84-426E-40DD-AFC4-6F175D3DCCD1}">
+              <a14:hiddenFill xmlns:a14="http://schemas.microsoft.com/office/drawing/2010/main">
+                <a:solidFill>
+                  <a:srgbClr val="FFFFFF"/>
+                </a:solidFill>
+              </a14:hiddenFill>
+            </a:ext>
+          </a:extLst>
+        </p:spPr>
+      </p:pic>
+    </p:spTree>
+    <p:extLst>
+      <p:ext uri="{BB962C8B-B14F-4D97-AF65-F5344CB8AC3E}">
+        <p14:creationId xmlns:p14="http://schemas.microsoft.com/office/powerpoint/2010/main" val="260962551"/>
       </p:ext>
     </p:extLst>
   </p:cSld>

--- a/Nove prednasky/P01_dynamika_dif_rovnice_LPT_prenosova_funkcia_modelovanie.pptx
+++ b/Nove prednasky/P01_dynamika_dif_rovnice_LPT_prenosova_funkcia_modelovanie.pptx
@@ -12,40 +12,46 @@
     <p:sldId id="298" r:id="rId6"/>
     <p:sldId id="269" r:id="rId7"/>
     <p:sldId id="305" r:id="rId8"/>
-    <p:sldId id="270" r:id="rId9"/>
-    <p:sldId id="306" r:id="rId10"/>
-    <p:sldId id="259" r:id="rId11"/>
-    <p:sldId id="264" r:id="rId12"/>
-    <p:sldId id="301" r:id="rId13"/>
-    <p:sldId id="302" r:id="rId14"/>
-    <p:sldId id="303" r:id="rId15"/>
-    <p:sldId id="304" r:id="rId16"/>
-    <p:sldId id="272" r:id="rId17"/>
-    <p:sldId id="273" r:id="rId18"/>
-    <p:sldId id="276" r:id="rId19"/>
-    <p:sldId id="277" r:id="rId20"/>
-    <p:sldId id="284" r:id="rId21"/>
-    <p:sldId id="285" r:id="rId22"/>
-    <p:sldId id="274" r:id="rId23"/>
+    <p:sldId id="272" r:id="rId9"/>
+    <p:sldId id="270" r:id="rId10"/>
+    <p:sldId id="306" r:id="rId11"/>
+    <p:sldId id="259" r:id="rId12"/>
+    <p:sldId id="264" r:id="rId13"/>
+    <p:sldId id="301" r:id="rId14"/>
+    <p:sldId id="302" r:id="rId15"/>
+    <p:sldId id="303" r:id="rId16"/>
+    <p:sldId id="273" r:id="rId17"/>
+    <p:sldId id="276" r:id="rId18"/>
+    <p:sldId id="284" r:id="rId19"/>
+    <p:sldId id="285" r:id="rId20"/>
+    <p:sldId id="274" r:id="rId21"/>
+    <p:sldId id="283" r:id="rId22"/>
+    <p:sldId id="278" r:id="rId23"/>
     <p:sldId id="282" r:id="rId24"/>
-    <p:sldId id="283" r:id="rId25"/>
-    <p:sldId id="275" r:id="rId26"/>
-    <p:sldId id="299" r:id="rId27"/>
-    <p:sldId id="300" r:id="rId28"/>
-    <p:sldId id="278" r:id="rId29"/>
-    <p:sldId id="292" r:id="rId30"/>
-    <p:sldId id="281" r:id="rId31"/>
-    <p:sldId id="293" r:id="rId32"/>
-    <p:sldId id="294" r:id="rId33"/>
-    <p:sldId id="290" r:id="rId34"/>
-    <p:sldId id="291" r:id="rId35"/>
-    <p:sldId id="279" r:id="rId36"/>
-    <p:sldId id="271" r:id="rId37"/>
-    <p:sldId id="280" r:id="rId38"/>
-    <p:sldId id="286" r:id="rId39"/>
-    <p:sldId id="287" r:id="rId40"/>
-    <p:sldId id="288" r:id="rId41"/>
-    <p:sldId id="289" r:id="rId42"/>
+    <p:sldId id="299" r:id="rId25"/>
+    <p:sldId id="300" r:id="rId26"/>
+    <p:sldId id="275" r:id="rId27"/>
+    <p:sldId id="292" r:id="rId28"/>
+    <p:sldId id="293" r:id="rId29"/>
+    <p:sldId id="294" r:id="rId30"/>
+    <p:sldId id="279" r:id="rId31"/>
+    <p:sldId id="314" r:id="rId32"/>
+    <p:sldId id="315" r:id="rId33"/>
+    <p:sldId id="313" r:id="rId34"/>
+    <p:sldId id="280" r:id="rId35"/>
+    <p:sldId id="308" r:id="rId36"/>
+    <p:sldId id="307" r:id="rId37"/>
+    <p:sldId id="309" r:id="rId38"/>
+    <p:sldId id="311" r:id="rId39"/>
+    <p:sldId id="312" r:id="rId40"/>
+    <p:sldId id="310" r:id="rId41"/>
+    <p:sldId id="281" r:id="rId42"/>
+    <p:sldId id="290" r:id="rId43"/>
+    <p:sldId id="291" r:id="rId44"/>
+    <p:sldId id="286" r:id="rId45"/>
+    <p:sldId id="287" r:id="rId46"/>
+    <p:sldId id="288" r:id="rId47"/>
+    <p:sldId id="289" r:id="rId48"/>
   </p:sldIdLst>
   <p:sldSz cx="9144000" cy="6858000" type="screen4x3"/>
   <p:notesSz cx="6858000" cy="9144000"/>
@@ -3679,6 +3685,418 @@
           <a:chExt cx="0" cy="0"/>
         </a:xfrm>
       </p:grpSpPr>
+      <p:sp>
+        <p:nvSpPr>
+          <p:cNvPr id="2" name="Nadpis 1"/>
+          <p:cNvSpPr>
+            <a:spLocks noGrp="1"/>
+          </p:cNvSpPr>
+          <p:nvPr>
+            <p:ph type="title"/>
+          </p:nvPr>
+        </p:nvSpPr>
+        <p:spPr/>
+        <p:txBody>
+          <a:bodyPr/>
+          <a:lstStyle/>
+          <a:p>
+            <a:r>
+              <a:rPr lang="sk-SK" dirty="0"/>
+              <a:t>Lineárne a</a:t>
+            </a:r>
+            <a:r>
+              <a:rPr lang="sk-SK" dirty="0" smtClean="0"/>
+              <a:t> nelineárne systémy - príklady</a:t>
+            </a:r>
+            <a:endParaRPr lang="sk-SK" dirty="0"/>
+          </a:p>
+        </p:txBody>
+      </p:sp>
+      <p:sp>
+        <p:nvSpPr>
+          <p:cNvPr id="3" name="Zástupný symbol textu 2"/>
+          <p:cNvSpPr>
+            <a:spLocks noGrp="1"/>
+          </p:cNvSpPr>
+          <p:nvPr>
+            <p:ph type="body" idx="1"/>
+          </p:nvPr>
+        </p:nvSpPr>
+        <p:spPr/>
+        <p:txBody>
+          <a:bodyPr/>
+          <a:lstStyle/>
+          <a:p>
+            <a:r>
+              <a:rPr lang="sk-SK" dirty="0" smtClean="0"/>
+              <a:t>Lineárne systémy</a:t>
+            </a:r>
+            <a:endParaRPr lang="sk-SK" dirty="0"/>
+          </a:p>
+        </p:txBody>
+      </p:sp>
+      <p:sp>
+        <p:nvSpPr>
+          <p:cNvPr id="4" name="Zástupný symbol obsahu 3"/>
+          <p:cNvSpPr>
+            <a:spLocks noGrp="1"/>
+          </p:cNvSpPr>
+          <p:nvPr>
+            <p:ph sz="half" idx="2"/>
+          </p:nvPr>
+        </p:nvSpPr>
+        <p:spPr>
+          <a:xfrm>
+            <a:off x="381000" y="1686898"/>
+            <a:ext cx="4145280" cy="2333167"/>
+          </a:xfrm>
+        </p:spPr>
+        <p:txBody>
+          <a:bodyPr>
+            <a:normAutofit fontScale="92500" lnSpcReduction="10000"/>
+          </a:bodyPr>
+          <a:lstStyle/>
+          <a:p>
+            <a:pPr>
+              <a:buFont typeface="Arial" panose="020B0604020202020204" pitchFamily="34" charset="0"/>
+              <a:buChar char="•"/>
+            </a:pPr>
+            <a:r>
+              <a:rPr lang="sk-SK" dirty="0" smtClean="0"/>
+              <a:t>Jednosmerný motor</a:t>
+            </a:r>
+          </a:p>
+          <a:p>
+            <a:pPr>
+              <a:buFont typeface="Arial" panose="020B0604020202020204" pitchFamily="34" charset="0"/>
+              <a:buChar char="•"/>
+            </a:pPr>
+            <a:r>
+              <a:rPr lang="sk-SK" dirty="0" smtClean="0"/>
+              <a:t>Harmonický oscilátor</a:t>
+            </a:r>
+          </a:p>
+          <a:p>
+            <a:pPr>
+              <a:buFont typeface="Arial" panose="020B0604020202020204" pitchFamily="34" charset="0"/>
+              <a:buChar char="•"/>
+            </a:pPr>
+            <a:r>
+              <a:rPr lang="sk-SK" dirty="0" smtClean="0"/>
+              <a:t>Elektronické filtre</a:t>
+            </a:r>
+          </a:p>
+          <a:p>
+            <a:pPr>
+              <a:buFont typeface="Arial" panose="020B0604020202020204" pitchFamily="34" charset="0"/>
+              <a:buChar char="•"/>
+            </a:pPr>
+            <a:r>
+              <a:rPr lang="sk-SK" dirty="0" smtClean="0"/>
+              <a:t>Teplota v miestnosti</a:t>
+            </a:r>
+          </a:p>
+          <a:p>
+            <a:pPr>
+              <a:buFont typeface="Arial" panose="020B0604020202020204" pitchFamily="34" charset="0"/>
+              <a:buChar char="•"/>
+            </a:pPr>
+            <a:r>
+              <a:rPr lang="en-US" dirty="0" smtClean="0"/>
+              <a:t>V </a:t>
+            </a:r>
+            <a:r>
+              <a:rPr lang="en-US" dirty="0" err="1" smtClean="0"/>
+              <a:t>skuto</a:t>
+            </a:r>
+            <a:r>
+              <a:rPr lang="sk-SK" dirty="0" smtClean="0"/>
+              <a:t>čnosti sú aj tie sčasti nelineárne (</a:t>
+            </a:r>
+            <a:r>
+              <a:rPr lang="sk-SK" dirty="0" err="1" smtClean="0"/>
+              <a:t>nelinearitu</a:t>
+            </a:r>
+            <a:r>
+              <a:rPr lang="sk-SK" dirty="0" smtClean="0"/>
+              <a:t> často zanedbávame)</a:t>
+            </a:r>
+            <a:endParaRPr lang="sk-SK" dirty="0" smtClean="0"/>
+          </a:p>
+          <a:p>
+            <a:pPr>
+              <a:buFont typeface="Arial" panose="020B0604020202020204" pitchFamily="34" charset="0"/>
+              <a:buChar char="•"/>
+            </a:pPr>
+            <a:endParaRPr lang="sk-SK" dirty="0" smtClean="0"/>
+          </a:p>
+          <a:p>
+            <a:pPr>
+              <a:buFont typeface="Arial" panose="020B0604020202020204" pitchFamily="34" charset="0"/>
+              <a:buChar char="•"/>
+            </a:pPr>
+            <a:endParaRPr lang="sk-SK" dirty="0" smtClean="0"/>
+          </a:p>
+          <a:p>
+            <a:pPr>
+              <a:buFont typeface="Arial" panose="020B0604020202020204" pitchFamily="34" charset="0"/>
+              <a:buChar char="•"/>
+            </a:pPr>
+            <a:endParaRPr lang="sk-SK" dirty="0" smtClean="0"/>
+          </a:p>
+          <a:p>
+            <a:pPr>
+              <a:buFont typeface="Arial" panose="020B0604020202020204" pitchFamily="34" charset="0"/>
+              <a:buChar char="•"/>
+            </a:pPr>
+            <a:endParaRPr lang="sk-SK" dirty="0"/>
+          </a:p>
+        </p:txBody>
+      </p:sp>
+      <p:sp>
+        <p:nvSpPr>
+          <p:cNvPr id="5" name="Zástupný symbol textu 4"/>
+          <p:cNvSpPr>
+            <a:spLocks noGrp="1"/>
+          </p:cNvSpPr>
+          <p:nvPr>
+            <p:ph type="body" sz="quarter" idx="3"/>
+          </p:nvPr>
+        </p:nvSpPr>
+        <p:spPr/>
+        <p:txBody>
+          <a:bodyPr/>
+          <a:lstStyle/>
+          <a:p>
+            <a:r>
+              <a:rPr lang="sk-SK" dirty="0" smtClean="0"/>
+              <a:t>Nelineárne systémy</a:t>
+            </a:r>
+            <a:endParaRPr lang="sk-SK" dirty="0"/>
+          </a:p>
+        </p:txBody>
+      </p:sp>
+      <p:sp>
+        <p:nvSpPr>
+          <p:cNvPr id="6" name="Zástupný symbol obsahu 5"/>
+          <p:cNvSpPr>
+            <a:spLocks noGrp="1"/>
+          </p:cNvSpPr>
+          <p:nvPr>
+            <p:ph sz="quarter" idx="4"/>
+          </p:nvPr>
+        </p:nvSpPr>
+        <p:spPr>
+          <a:xfrm>
+            <a:off x="4659473" y="1687674"/>
+            <a:ext cx="3850212" cy="2495289"/>
+          </a:xfrm>
+        </p:spPr>
+        <p:txBody>
+          <a:bodyPr/>
+          <a:lstStyle/>
+          <a:p>
+            <a:pPr>
+              <a:buFont typeface="Arial" panose="020B0604020202020204" pitchFamily="34" charset="0"/>
+              <a:buChar char="•"/>
+            </a:pPr>
+            <a:r>
+              <a:rPr lang="sk-SK" dirty="0" smtClean="0"/>
+              <a:t>Kyvadlo</a:t>
+            </a:r>
+          </a:p>
+          <a:p>
+            <a:pPr>
+              <a:buFont typeface="Arial" panose="020B0604020202020204" pitchFamily="34" charset="0"/>
+              <a:buChar char="•"/>
+            </a:pPr>
+            <a:r>
+              <a:rPr lang="sk-SK" dirty="0" smtClean="0"/>
+              <a:t>Lietadlo</a:t>
+            </a:r>
+          </a:p>
+          <a:p>
+            <a:pPr>
+              <a:buFont typeface="Arial" panose="020B0604020202020204" pitchFamily="34" charset="0"/>
+              <a:buChar char="•"/>
+            </a:pPr>
+            <a:r>
+              <a:rPr lang="sk-SK" dirty="0" smtClean="0"/>
+              <a:t>Robotický manipulátor</a:t>
+            </a:r>
+          </a:p>
+          <a:p>
+            <a:pPr>
+              <a:buFont typeface="Arial" panose="020B0604020202020204" pitchFamily="34" charset="0"/>
+              <a:buChar char="•"/>
+            </a:pPr>
+            <a:r>
+              <a:rPr lang="sk-SK" dirty="0" smtClean="0"/>
+              <a:t>Výška hladiny v nádrži</a:t>
+            </a:r>
+          </a:p>
+          <a:p>
+            <a:pPr>
+              <a:buFont typeface="Arial" panose="020B0604020202020204" pitchFamily="34" charset="0"/>
+              <a:buChar char="•"/>
+            </a:pPr>
+            <a:endParaRPr lang="sk-SK" dirty="0"/>
+          </a:p>
+        </p:txBody>
+      </p:sp>
+      <p:pic>
+        <p:nvPicPr>
+          <p:cNvPr id="5128" name="Picture 8" descr="VÃ½sledok vyhÄ¾adÃ¡vania obrÃ¡zkov pre dopyt dc motor"/>
+          <p:cNvPicPr>
+            <a:picLocks noChangeAspect="1" noChangeArrowheads="1"/>
+          </p:cNvPicPr>
+          <p:nvPr/>
+        </p:nvPicPr>
+        <p:blipFill>
+          <a:blip r:embed="rId2" cstate="print">
+            <a:extLst>
+              <a:ext uri="{28A0092B-C50C-407E-A947-70E740481C1C}">
+                <a14:useLocalDpi xmlns:a14="http://schemas.microsoft.com/office/drawing/2010/main" val="0"/>
+              </a:ext>
+            </a:extLst>
+          </a:blip>
+          <a:srcRect/>
+          <a:stretch>
+            <a:fillRect/>
+          </a:stretch>
+        </p:blipFill>
+        <p:spPr bwMode="auto">
+          <a:xfrm>
+            <a:off x="972374" y="5488309"/>
+            <a:ext cx="1481266" cy="1481266"/>
+          </a:xfrm>
+          <a:prstGeom prst="rect">
+            <a:avLst/>
+          </a:prstGeom>
+          <a:noFill/>
+          <a:extLst>
+            <a:ext uri="{909E8E84-426E-40DD-AFC4-6F175D3DCCD1}">
+              <a14:hiddenFill xmlns:a14="http://schemas.microsoft.com/office/drawing/2010/main">
+                <a:solidFill>
+                  <a:srgbClr val="FFFFFF"/>
+                </a:solidFill>
+              </a14:hiddenFill>
+            </a:ext>
+          </a:extLst>
+        </p:spPr>
+      </p:pic>
+      <p:pic>
+        <p:nvPicPr>
+          <p:cNvPr id="5130" name="Picture 10" descr="VÃ½sledok vyhÄ¾adÃ¡vania obrÃ¡zkov pre dopyt robotic arm"/>
+          <p:cNvPicPr>
+            <a:picLocks noChangeAspect="1" noChangeArrowheads="1"/>
+          </p:cNvPicPr>
+          <p:nvPr/>
+        </p:nvPicPr>
+        <p:blipFill>
+          <a:blip r:embed="rId3">
+            <a:extLst>
+              <a:ext uri="{28A0092B-C50C-407E-A947-70E740481C1C}">
+                <a14:useLocalDpi xmlns:a14="http://schemas.microsoft.com/office/drawing/2010/main" val="0"/>
+              </a:ext>
+            </a:extLst>
+          </a:blip>
+          <a:srcRect/>
+          <a:stretch>
+            <a:fillRect/>
+          </a:stretch>
+        </p:blipFill>
+        <p:spPr bwMode="auto">
+          <a:xfrm>
+            <a:off x="5066140" y="3617232"/>
+            <a:ext cx="3036879" cy="3036879"/>
+          </a:xfrm>
+          <a:prstGeom prst="rect">
+            <a:avLst/>
+          </a:prstGeom>
+          <a:noFill/>
+          <a:extLst>
+            <a:ext uri="{909E8E84-426E-40DD-AFC4-6F175D3DCCD1}">
+              <a14:hiddenFill xmlns:a14="http://schemas.microsoft.com/office/drawing/2010/main">
+                <a:solidFill>
+                  <a:srgbClr val="FFFFFF"/>
+                </a:solidFill>
+              </a14:hiddenFill>
+            </a:ext>
+          </a:extLst>
+        </p:spPr>
+      </p:pic>
+      <p:pic>
+        <p:nvPicPr>
+          <p:cNvPr id="5126" name="Picture 6" descr="https://www.researchgate.net/profile/Sebastian_Magierowski/publication/224318407/figure/fig1/AS:339732006490112@1458009830254/Model-for-each-motor-The-block-diagram-describes-an-armature-controlled-dc-motor-with.png"/>
+          <p:cNvPicPr>
+            <a:picLocks noChangeAspect="1" noChangeArrowheads="1"/>
+          </p:cNvPicPr>
+          <p:nvPr/>
+        </p:nvPicPr>
+        <p:blipFill>
+          <a:blip r:embed="rId4">
+            <a:extLst>
+              <a:ext uri="{28A0092B-C50C-407E-A947-70E740481C1C}">
+                <a14:useLocalDpi xmlns:a14="http://schemas.microsoft.com/office/drawing/2010/main" val="0"/>
+              </a:ext>
+            </a:extLst>
+          </a:blip>
+          <a:srcRect/>
+          <a:stretch>
+            <a:fillRect/>
+          </a:stretch>
+        </p:blipFill>
+        <p:spPr bwMode="auto">
+          <a:xfrm>
+            <a:off x="361435" y="4088009"/>
+            <a:ext cx="4085453" cy="1606246"/>
+          </a:xfrm>
+          <a:prstGeom prst="rect">
+            <a:avLst/>
+          </a:prstGeom>
+          <a:noFill/>
+          <a:extLst>
+            <a:ext uri="{909E8E84-426E-40DD-AFC4-6F175D3DCCD1}">
+              <a14:hiddenFill xmlns:a14="http://schemas.microsoft.com/office/drawing/2010/main">
+                <a:solidFill>
+                  <a:srgbClr val="FFFFFF"/>
+                </a:solidFill>
+              </a14:hiddenFill>
+            </a:ext>
+          </a:extLst>
+        </p:spPr>
+      </p:pic>
+    </p:spTree>
+    <p:extLst>
+      <p:ext uri="{BB962C8B-B14F-4D97-AF65-F5344CB8AC3E}">
+        <p14:creationId xmlns:p14="http://schemas.microsoft.com/office/powerpoint/2010/main" val="260962551"/>
+      </p:ext>
+    </p:extLst>
+  </p:cSld>
+  <p:clrMapOvr>
+    <a:masterClrMapping/>
+  </p:clrMapOvr>
+</p:sld>
+</file>
+
+<file path=ppt/slides/slide11.xml><?xml version="1.0" encoding="utf-8"?>
+<p:sld xmlns:a="http://schemas.openxmlformats.org/drawingml/2006/main" xmlns:r="http://schemas.openxmlformats.org/officeDocument/2006/relationships" xmlns:p="http://schemas.openxmlformats.org/presentationml/2006/main">
+  <p:cSld>
+    <p:spTree>
+      <p:nvGrpSpPr>
+        <p:cNvPr id="1" name=""/>
+        <p:cNvGrpSpPr/>
+        <p:nvPr/>
+      </p:nvGrpSpPr>
+      <p:grpSpPr>
+        <a:xfrm>
+          <a:off x="0" y="0"/>
+          <a:ext cx="0" cy="0"/>
+          <a:chOff x="0" y="0"/>
+          <a:chExt cx="0" cy="0"/>
+        </a:xfrm>
+      </p:grpSpPr>
       <p:pic>
         <p:nvPicPr>
           <p:cNvPr id="1028" name="Picture 4" descr="https://cdn1.byjus.com/wp-content/uploads/2018/11/chemistry/2015/12/03074837/Laws-Of-Thermodynamics.png"/>
@@ -4007,7 +4425,7 @@
 </p:sld>
 </file>
 
-<file path=ppt/slides/slide11.xml><?xml version="1.0" encoding="utf-8"?>
+<file path=ppt/slides/slide12.xml><?xml version="1.0" encoding="utf-8"?>
 <p:sld xmlns:a="http://schemas.openxmlformats.org/drawingml/2006/main" xmlns:r="http://schemas.openxmlformats.org/officeDocument/2006/relationships" xmlns:p="http://schemas.openxmlformats.org/presentationml/2006/main">
   <p:cSld>
     <p:spTree>
@@ -4278,7 +4696,7 @@
 </p:sld>
 </file>
 
-<file path=ppt/slides/slide12.xml><?xml version="1.0" encoding="utf-8"?>
+<file path=ppt/slides/slide13.xml><?xml version="1.0" encoding="utf-8"?>
 <p:sld xmlns:a="http://schemas.openxmlformats.org/drawingml/2006/main" xmlns:r="http://schemas.openxmlformats.org/officeDocument/2006/relationships" xmlns:p="http://schemas.openxmlformats.org/presentationml/2006/main">
   <p:cSld>
     <p:spTree>
@@ -4317,7 +4735,7 @@
           <a:graphicData uri="http://schemas.openxmlformats.org/presentationml/2006/ole">
             <mc:AlternateContent xmlns:mc="http://schemas.openxmlformats.org/markup-compatibility/2006">
               <mc:Choice xmlns:v="urn:schemas-microsoft-com:vml" Requires="v">
-                <p:oleObj spid="_x0000_s4120" name="Rovnica" r:id="rId3" imgW="3187700" imgH="901700" progId="Equation.3">
+                <p:oleObj spid="_x0000_s4135" name="Rovnica" r:id="rId3" imgW="3187700" imgH="901700" progId="Equation.3">
                   <p:embed/>
                 </p:oleObj>
               </mc:Choice>
@@ -4554,7 +4972,7 @@
             </a:pPr>
             <a:r>
               <a:rPr lang="sk-SK" dirty="0" smtClean="0"/>
-              <a:t>Kondenzátor a cievka sú komplementárne súčiastky</a:t>
+              <a:t>Kondenzátor a cievka sú komplementárne prvky</a:t>
             </a:r>
           </a:p>
           <a:p>
@@ -4599,7 +5017,7 @@
 </p:sld>
 </file>
 
-<file path=ppt/slides/slide13.xml><?xml version="1.0" encoding="utf-8"?>
+<file path=ppt/slides/slide14.xml><?xml version="1.0" encoding="utf-8"?>
 <p:sld xmlns:a="http://schemas.openxmlformats.org/drawingml/2006/main" xmlns:r="http://schemas.openxmlformats.org/officeDocument/2006/relationships" xmlns:p="http://schemas.openxmlformats.org/presentationml/2006/main">
   <p:cSld>
     <p:spTree>
@@ -4754,78 +5172,6 @@
 </p:sld>
 </file>
 
-<file path=ppt/slides/slide14.xml><?xml version="1.0" encoding="utf-8"?>
-<p:sld xmlns:a="http://schemas.openxmlformats.org/drawingml/2006/main" xmlns:r="http://schemas.openxmlformats.org/officeDocument/2006/relationships" xmlns:p="http://schemas.openxmlformats.org/presentationml/2006/main">
-  <p:cSld>
-    <p:spTree>
-      <p:nvGrpSpPr>
-        <p:cNvPr id="1" name=""/>
-        <p:cNvGrpSpPr/>
-        <p:nvPr/>
-      </p:nvGrpSpPr>
-      <p:grpSpPr>
-        <a:xfrm>
-          <a:off x="0" y="0"/>
-          <a:ext cx="0" cy="0"/>
-          <a:chOff x="0" y="0"/>
-          <a:chExt cx="0" cy="0"/>
-        </a:xfrm>
-      </p:grpSpPr>
-      <p:sp>
-        <p:nvSpPr>
-          <p:cNvPr id="2" name="Nadpis 1"/>
-          <p:cNvSpPr>
-            <a:spLocks noGrp="1"/>
-          </p:cNvSpPr>
-          <p:nvPr>
-            <p:ph type="title"/>
-          </p:nvPr>
-        </p:nvSpPr>
-        <p:spPr/>
-        <p:txBody>
-          <a:bodyPr/>
-          <a:lstStyle/>
-          <a:p>
-            <a:r>
-              <a:rPr lang="sk-SK" dirty="0" smtClean="0"/>
-              <a:t>Modely pasívnych filtrov</a:t>
-            </a:r>
-            <a:endParaRPr lang="sk-SK" dirty="0"/>
-          </a:p>
-        </p:txBody>
-      </p:sp>
-      <p:sp>
-        <p:nvSpPr>
-          <p:cNvPr id="3" name="Zástupný symbol obsahu 2"/>
-          <p:cNvSpPr>
-            <a:spLocks noGrp="1"/>
-          </p:cNvSpPr>
-          <p:nvPr>
-            <p:ph idx="1"/>
-          </p:nvPr>
-        </p:nvSpPr>
-        <p:spPr/>
-        <p:txBody>
-          <a:bodyPr/>
-          <a:lstStyle/>
-          <a:p>
-            <a:endParaRPr lang="sk-SK"/>
-          </a:p>
-        </p:txBody>
-      </p:sp>
-    </p:spTree>
-    <p:extLst>
-      <p:ext uri="{BB962C8B-B14F-4D97-AF65-F5344CB8AC3E}">
-        <p14:creationId xmlns:p14="http://schemas.microsoft.com/office/powerpoint/2010/main" val="2377925023"/>
-      </p:ext>
-    </p:extLst>
-  </p:cSld>
-  <p:clrMapOvr>
-    <a:masterClrMapping/>
-  </p:clrMapOvr>
-</p:sld>
-</file>
-
 <file path=ppt/slides/slide15.xml><?xml version="1.0" encoding="utf-8"?>
 <p:sld xmlns:a="http://schemas.openxmlformats.org/drawingml/2006/main" xmlns:r="http://schemas.openxmlformats.org/officeDocument/2006/relationships" xmlns:p="http://schemas.openxmlformats.org/presentationml/2006/main">
   <p:cSld>
@@ -4859,9 +5205,10 @@
           <a:lstStyle/>
           <a:p>
             <a:r>
-              <a:rPr lang="sk-SK" dirty="0"/>
+              <a:rPr lang="sk-SK" dirty="0" smtClean="0"/>
               <a:t>Modely pasívnych filtrov</a:t>
             </a:r>
+            <a:endParaRPr lang="sk-SK" dirty="0"/>
           </a:p>
         </p:txBody>
       </p:sp>
@@ -4880,14 +5227,80 @@
           <a:bodyPr/>
           <a:lstStyle/>
           <a:p>
+            <a:pPr>
+              <a:buFont typeface="Arial" panose="020B0604020202020204" pitchFamily="34" charset="0"/>
+              <a:buChar char="•"/>
+            </a:pPr>
+            <a:r>
+              <a:rPr lang="sk-SK" dirty="0" err="1" smtClean="0"/>
+              <a:t>Dolnopriepustný</a:t>
+            </a:r>
+            <a:r>
+              <a:rPr lang="sk-SK" dirty="0" smtClean="0"/>
+              <a:t> RC filter</a:t>
+            </a:r>
+          </a:p>
+          <a:p>
+            <a:pPr>
+              <a:buFont typeface="Arial" panose="020B0604020202020204" pitchFamily="34" charset="0"/>
+              <a:buChar char="•"/>
+            </a:pPr>
+            <a:endParaRPr lang="sk-SK" dirty="0" smtClean="0"/>
+          </a:p>
+          <a:p>
+            <a:pPr>
+              <a:buFont typeface="Arial" panose="020B0604020202020204" pitchFamily="34" charset="0"/>
+              <a:buChar char="•"/>
+            </a:pPr>
             <a:endParaRPr lang="sk-SK" dirty="0"/>
           </a:p>
         </p:txBody>
       </p:sp>
+      <p:pic>
+        <p:nvPicPr>
+          <p:cNvPr id="5124" name="Picture 4" descr="https://www.electronics-tutorials.ws/wp-content/uploads/2018/05/filter-fil11.gif"/>
+          <p:cNvPicPr>
+            <a:picLocks noChangeAspect="1" noChangeArrowheads="1"/>
+          </p:cNvPicPr>
+          <p:nvPr/>
+        </p:nvPicPr>
+        <p:blipFill>
+          <a:blip r:embed="rId2">
+            <a:extLst>
+              <a:ext uri="{28A0092B-C50C-407E-A947-70E740481C1C}">
+                <a14:useLocalDpi xmlns:a14="http://schemas.microsoft.com/office/drawing/2010/main" val="0"/>
+              </a:ext>
+            </a:extLst>
+          </a:blip>
+          <a:srcRect/>
+          <a:stretch>
+            <a:fillRect/>
+          </a:stretch>
+        </p:blipFill>
+        <p:spPr bwMode="auto">
+          <a:xfrm>
+            <a:off x="3912029" y="1223018"/>
+            <a:ext cx="3105150" cy="1571626"/>
+          </a:xfrm>
+          <a:prstGeom prst="rect">
+            <a:avLst/>
+          </a:prstGeom>
+          <a:noFill/>
+          <a:extLst>
+            <a:ext uri="{909E8E84-426E-40DD-AFC4-6F175D3DCCD1}">
+              <a14:hiddenFill xmlns:a14="http://schemas.microsoft.com/office/drawing/2010/main">
+                <a:solidFill>
+                  <a:srgbClr val="FFFFFF"/>
+                </a:solidFill>
+              </a14:hiddenFill>
+            </a:ext>
+          </a:extLst>
+        </p:spPr>
+      </p:pic>
     </p:spTree>
     <p:extLst>
       <p:ext uri="{BB962C8B-B14F-4D97-AF65-F5344CB8AC3E}">
-        <p14:creationId xmlns:p14="http://schemas.microsoft.com/office/powerpoint/2010/main" val="1050380150"/>
+        <p14:creationId xmlns:p14="http://schemas.microsoft.com/office/powerpoint/2010/main" val="2377925023"/>
       </p:ext>
     </p:extLst>
   </p:cSld>
@@ -4930,36 +5343,654 @@
           <a:lstStyle/>
           <a:p>
             <a:r>
-              <a:rPr lang="sk-SK" dirty="0" smtClean="0"/>
-              <a:t>Riešenie diferenciálnych rovníc</a:t>
+              <a:rPr lang="sk-SK" dirty="0" err="1" smtClean="0"/>
+              <a:t>Laplaceova</a:t>
+            </a:r>
+            <a:r>
+              <a:rPr lang="sk-SK" dirty="0" smtClean="0"/>
+              <a:t> transformácia</a:t>
             </a:r>
             <a:endParaRPr lang="sk-SK" dirty="0"/>
           </a:p>
         </p:txBody>
       </p:sp>
-      <p:sp>
-        <p:nvSpPr>
-          <p:cNvPr id="3" name="Zástupný symbol obsahu 2"/>
-          <p:cNvSpPr>
-            <a:spLocks noGrp="1"/>
-          </p:cNvSpPr>
-          <p:nvPr>
-            <p:ph idx="1"/>
-          </p:nvPr>
-        </p:nvSpPr>
-        <p:spPr/>
-        <p:txBody>
-          <a:bodyPr/>
-          <a:lstStyle/>
-          <a:p>
-            <a:endParaRPr lang="sk-SK"/>
-          </a:p>
-        </p:txBody>
-      </p:sp>
+      <mc:AlternateContent xmlns:mc="http://schemas.openxmlformats.org/markup-compatibility/2006">
+        <mc:Choice xmlns:a14="http://schemas.microsoft.com/office/drawing/2010/main" Requires="a14">
+          <p:sp>
+            <p:nvSpPr>
+              <p:cNvPr id="3" name="Zástupný symbol obsahu 2"/>
+              <p:cNvSpPr>
+                <a:spLocks noGrp="1"/>
+              </p:cNvSpPr>
+              <p:nvPr>
+                <p:ph idx="1"/>
+              </p:nvPr>
+            </p:nvSpPr>
+            <p:spPr/>
+            <p:txBody>
+              <a:bodyPr/>
+              <a:lstStyle/>
+              <a:p>
+                <a:r>
+                  <a:rPr lang="sk-SK" dirty="0"/>
+                  <a:t>Je to nástroj riešenie lineárnych diferenciálnych rovníc</a:t>
+                </a:r>
+              </a:p>
+              <a:p>
+                <a:r>
+                  <a:rPr lang="sk-SK" dirty="0"/>
+                  <a:t>Je to nástroj opisu dynamických systémov a signálov v nich</a:t>
+                </a:r>
+              </a:p>
+              <a:p>
+                <a:r>
+                  <a:rPr lang="sk-SK" dirty="0"/>
+                  <a:t>Priama Laplaceova transformácia</a:t>
+                </a:r>
+              </a:p>
+              <a:p>
+                <a14:m>
+                  <m:oMath xmlns:m="http://schemas.openxmlformats.org/officeDocument/2006/math">
+                    <m:r>
+                      <a:rPr lang="sk-SK" i="1">
+                        <a:latin typeface="Cambria Math" panose="02040503050406030204" pitchFamily="18" charset="0"/>
+                      </a:rPr>
+                      <m:t>𝐹</m:t>
+                    </m:r>
+                    <m:d>
+                      <m:dPr>
+                        <m:ctrlPr>
+                          <a:rPr lang="sk-SK" i="1">
+                            <a:latin typeface="Cambria Math" panose="02040503050406030204" pitchFamily="18" charset="0"/>
+                          </a:rPr>
+                        </m:ctrlPr>
+                      </m:dPr>
+                      <m:e>
+                        <m:r>
+                          <a:rPr lang="sk-SK" i="1">
+                            <a:latin typeface="Cambria Math" panose="02040503050406030204" pitchFamily="18" charset="0"/>
+                          </a:rPr>
+                          <m:t>𝑠</m:t>
+                        </m:r>
+                      </m:e>
+                    </m:d>
+                    <m:r>
+                      <a:rPr lang="sk-SK" i="1">
+                        <a:latin typeface="Cambria Math" panose="02040503050406030204" pitchFamily="18" charset="0"/>
+                      </a:rPr>
+                      <m:t>= </m:t>
+                    </m:r>
+                    <m:r>
+                      <a:rPr lang="sk-SK" i="1">
+                        <a:latin typeface="Cambria Math" panose="02040503050406030204" pitchFamily="18" charset="0"/>
+                      </a:rPr>
+                      <m:t>𝐿</m:t>
+                    </m:r>
+                    <m:r>
+                      <a:rPr lang="en-GB" i="1">
+                        <a:latin typeface="Cambria Math" panose="02040503050406030204" pitchFamily="18" charset="0"/>
+                      </a:rPr>
+                      <m:t>{</m:t>
+                    </m:r>
+                    <m:r>
+                      <a:rPr lang="sk-SK" i="1">
+                        <a:latin typeface="Cambria Math" panose="02040503050406030204" pitchFamily="18" charset="0"/>
+                      </a:rPr>
+                      <m:t>𝑓</m:t>
+                    </m:r>
+                    <m:r>
+                      <a:rPr lang="sk-SK" i="1">
+                        <a:latin typeface="Cambria Math" panose="02040503050406030204" pitchFamily="18" charset="0"/>
+                      </a:rPr>
+                      <m:t>(</m:t>
+                    </m:r>
+                    <m:r>
+                      <a:rPr lang="sk-SK" i="1">
+                        <a:latin typeface="Cambria Math" panose="02040503050406030204" pitchFamily="18" charset="0"/>
+                      </a:rPr>
+                      <m:t>𝑡</m:t>
+                    </m:r>
+                    <m:r>
+                      <a:rPr lang="sk-SK" i="1">
+                        <a:latin typeface="Cambria Math" panose="02040503050406030204" pitchFamily="18" charset="0"/>
+                      </a:rPr>
+                      <m:t>)}</m:t>
+                    </m:r>
+                  </m:oMath>
+                </a14:m>
+                <a:r>
+                  <a:rPr lang="sk-SK" dirty="0"/>
+                  <a:t> </a:t>
+                </a:r>
+                <a14:m>
+                  <m:oMath xmlns:m="http://schemas.openxmlformats.org/officeDocument/2006/math">
+                    <m:r>
+                      <a:rPr lang="sk-SK">
+                        <a:latin typeface="Cambria Math" panose="02040503050406030204" pitchFamily="18" charset="0"/>
+                      </a:rPr>
+                      <m:t>                             </m:t>
+                    </m:r>
+                    <m:r>
+                      <a:rPr lang="en-GB" i="1">
+                        <a:latin typeface="Cambria Math" panose="02040503050406030204" pitchFamily="18" charset="0"/>
+                      </a:rPr>
+                      <m:t>𝐹</m:t>
+                    </m:r>
+                    <m:d>
+                      <m:dPr>
+                        <m:ctrlPr>
+                          <a:rPr lang="sk-SK" i="1">
+                            <a:latin typeface="Cambria Math" panose="02040503050406030204" pitchFamily="18" charset="0"/>
+                          </a:rPr>
+                        </m:ctrlPr>
+                      </m:dPr>
+                      <m:e>
+                        <m:r>
+                          <a:rPr lang="en-GB" i="1">
+                            <a:latin typeface="Cambria Math" panose="02040503050406030204" pitchFamily="18" charset="0"/>
+                          </a:rPr>
+                          <m:t>𝑠</m:t>
+                        </m:r>
+                      </m:e>
+                    </m:d>
+                    <m:r>
+                      <a:rPr lang="en-GB" i="1">
+                        <a:latin typeface="Cambria Math" panose="02040503050406030204" pitchFamily="18" charset="0"/>
+                      </a:rPr>
+                      <m:t>= </m:t>
+                    </m:r>
+                    <m:nary>
+                      <m:naryPr>
+                        <m:limLoc m:val="subSup"/>
+                        <m:ctrlPr>
+                          <a:rPr lang="sk-SK" i="1">
+                            <a:latin typeface="Cambria Math" panose="02040503050406030204" pitchFamily="18" charset="0"/>
+                          </a:rPr>
+                        </m:ctrlPr>
+                      </m:naryPr>
+                      <m:sub>
+                        <m:r>
+                          <a:rPr lang="en-GB" i="1">
+                            <a:latin typeface="Cambria Math" panose="02040503050406030204" pitchFamily="18" charset="0"/>
+                          </a:rPr>
+                          <m:t>0</m:t>
+                        </m:r>
+                      </m:sub>
+                      <m:sup>
+                        <m:r>
+                          <a:rPr lang="en-GB" i="1">
+                            <a:latin typeface="Cambria Math" panose="02040503050406030204" pitchFamily="18" charset="0"/>
+                          </a:rPr>
+                          <m:t>∞</m:t>
+                        </m:r>
+                      </m:sup>
+                      <m:e>
+                        <m:sSup>
+                          <m:sSupPr>
+                            <m:ctrlPr>
+                              <a:rPr lang="sk-SK" i="1">
+                                <a:latin typeface="Cambria Math" panose="02040503050406030204" pitchFamily="18" charset="0"/>
+                              </a:rPr>
+                            </m:ctrlPr>
+                          </m:sSupPr>
+                          <m:e>
+                            <m:r>
+                              <a:rPr lang="en-GB" i="1">
+                                <a:latin typeface="Cambria Math" panose="02040503050406030204" pitchFamily="18" charset="0"/>
+                              </a:rPr>
+                              <m:t>𝑒</m:t>
+                            </m:r>
+                          </m:e>
+                          <m:sup>
+                            <m:r>
+                              <a:rPr lang="en-GB" i="1">
+                                <a:latin typeface="Cambria Math" panose="02040503050406030204" pitchFamily="18" charset="0"/>
+                              </a:rPr>
+                              <m:t>−</m:t>
+                            </m:r>
+                            <m:r>
+                              <a:rPr lang="en-GB" i="1">
+                                <a:latin typeface="Cambria Math" panose="02040503050406030204" pitchFamily="18" charset="0"/>
+                              </a:rPr>
+                              <m:t>𝑠𝑡</m:t>
+                            </m:r>
+                          </m:sup>
+                        </m:sSup>
+                        <m:r>
+                          <a:rPr lang="en-GB" i="1">
+                            <a:latin typeface="Cambria Math" panose="02040503050406030204" pitchFamily="18" charset="0"/>
+                          </a:rPr>
+                          <m:t>𝑓</m:t>
+                        </m:r>
+                        <m:r>
+                          <a:rPr lang="en-GB" i="1">
+                            <a:latin typeface="Cambria Math" panose="02040503050406030204" pitchFamily="18" charset="0"/>
+                          </a:rPr>
+                          <m:t>(</m:t>
+                        </m:r>
+                        <m:r>
+                          <a:rPr lang="en-GB" i="1">
+                            <a:latin typeface="Cambria Math" panose="02040503050406030204" pitchFamily="18" charset="0"/>
+                          </a:rPr>
+                          <m:t>𝑡</m:t>
+                        </m:r>
+                        <m:r>
+                          <a:rPr lang="en-GB" i="1">
+                            <a:latin typeface="Cambria Math" panose="02040503050406030204" pitchFamily="18" charset="0"/>
+                          </a:rPr>
+                          <m:t>)</m:t>
+                        </m:r>
+                        <m:r>
+                          <a:rPr lang="en-GB" i="1">
+                            <a:latin typeface="Cambria Math" panose="02040503050406030204" pitchFamily="18" charset="0"/>
+                          </a:rPr>
+                          <m:t>𝑑𝑡</m:t>
+                        </m:r>
+                      </m:e>
+                    </m:nary>
+                  </m:oMath>
+                </a14:m>
+                <a:endParaRPr lang="sk-SK" dirty="0"/>
+              </a:p>
+              <a:p>
+                <a:endParaRPr lang="sk-SK" dirty="0"/>
+              </a:p>
+              <a:p>
+                <a:r>
+                  <a:rPr lang="sk-SK" dirty="0"/>
+                  <a:t>Spätná Laplaceova transformácia</a:t>
+                </a:r>
+              </a:p>
+              <a:p>
+                <a14:m>
+                  <m:oMath xmlns:m="http://schemas.openxmlformats.org/officeDocument/2006/math">
+                    <m:r>
+                      <a:rPr lang="en-GB" i="1">
+                        <a:latin typeface="Cambria Math" panose="02040503050406030204" pitchFamily="18" charset="0"/>
+                      </a:rPr>
+                      <m:t>𝑓</m:t>
+                    </m:r>
+                    <m:d>
+                      <m:dPr>
+                        <m:ctrlPr>
+                          <a:rPr lang="sk-SK" i="1">
+                            <a:latin typeface="Cambria Math" panose="02040503050406030204" pitchFamily="18" charset="0"/>
+                          </a:rPr>
+                        </m:ctrlPr>
+                      </m:dPr>
+                      <m:e>
+                        <m:r>
+                          <a:rPr lang="en-GB" i="1">
+                            <a:latin typeface="Cambria Math" panose="02040503050406030204" pitchFamily="18" charset="0"/>
+                          </a:rPr>
+                          <m:t>𝑡</m:t>
+                        </m:r>
+                      </m:e>
+                    </m:d>
+                    <m:r>
+                      <a:rPr lang="en-GB" i="1">
+                        <a:latin typeface="Cambria Math" panose="02040503050406030204" pitchFamily="18" charset="0"/>
+                      </a:rPr>
+                      <m:t>= </m:t>
+                    </m:r>
+                    <m:sSup>
+                      <m:sSupPr>
+                        <m:ctrlPr>
+                          <a:rPr lang="sk-SK" i="1">
+                            <a:latin typeface="Cambria Math" panose="02040503050406030204" pitchFamily="18" charset="0"/>
+                          </a:rPr>
+                        </m:ctrlPr>
+                      </m:sSupPr>
+                      <m:e>
+                        <m:r>
+                          <a:rPr lang="en-GB" i="1">
+                            <a:latin typeface="Cambria Math" panose="02040503050406030204" pitchFamily="18" charset="0"/>
+                          </a:rPr>
+                          <m:t>𝐿</m:t>
+                        </m:r>
+                      </m:e>
+                      <m:sup>
+                        <m:r>
+                          <a:rPr lang="en-GB" i="1">
+                            <a:latin typeface="Cambria Math" panose="02040503050406030204" pitchFamily="18" charset="0"/>
+                          </a:rPr>
+                          <m:t>−1</m:t>
+                        </m:r>
+                      </m:sup>
+                    </m:sSup>
+                    <m:r>
+                      <a:rPr lang="en-GB" i="1">
+                        <a:latin typeface="Cambria Math" panose="02040503050406030204" pitchFamily="18" charset="0"/>
+                      </a:rPr>
+                      <m:t>{</m:t>
+                    </m:r>
+                    <m:r>
+                      <a:rPr lang="sk-SK" i="1">
+                        <a:latin typeface="Cambria Math" panose="02040503050406030204" pitchFamily="18" charset="0"/>
+                      </a:rPr>
+                      <m:t>𝐹</m:t>
+                    </m:r>
+                    <m:r>
+                      <a:rPr lang="sk-SK" i="1">
+                        <a:latin typeface="Cambria Math" panose="02040503050406030204" pitchFamily="18" charset="0"/>
+                      </a:rPr>
+                      <m:t>(</m:t>
+                    </m:r>
+                    <m:r>
+                      <a:rPr lang="sk-SK" i="1">
+                        <a:latin typeface="Cambria Math" panose="02040503050406030204" pitchFamily="18" charset="0"/>
+                      </a:rPr>
+                      <m:t>𝑠</m:t>
+                    </m:r>
+                    <m:r>
+                      <a:rPr lang="sk-SK" i="1">
+                        <a:latin typeface="Cambria Math" panose="02040503050406030204" pitchFamily="18" charset="0"/>
+                      </a:rPr>
+                      <m:t>)}</m:t>
+                    </m:r>
+                  </m:oMath>
+                </a14:m>
+                <a:r>
+                  <a:rPr lang="sk-SK" dirty="0"/>
+                  <a:t> </a:t>
+                </a:r>
+                <a14:m>
+                  <m:oMath xmlns:m="http://schemas.openxmlformats.org/officeDocument/2006/math">
+                    <m:r>
+                      <a:rPr lang="sk-SK">
+                        <a:latin typeface="Cambria Math" panose="02040503050406030204" pitchFamily="18" charset="0"/>
+                      </a:rPr>
+                      <m:t>     </m:t>
+                    </m:r>
+                    <m:r>
+                      <a:rPr lang="sk-SK" i="1">
+                        <a:latin typeface="Cambria Math" panose="02040503050406030204" pitchFamily="18" charset="0"/>
+                      </a:rPr>
+                      <m:t>                   </m:t>
+                    </m:r>
+                    <m:r>
+                      <a:rPr lang="sk-SK" i="1">
+                        <a:latin typeface="Cambria Math" panose="02040503050406030204" pitchFamily="18" charset="0"/>
+                      </a:rPr>
+                      <m:t>𝑓</m:t>
+                    </m:r>
+                    <m:d>
+                      <m:dPr>
+                        <m:ctrlPr>
+                          <a:rPr lang="sk-SK" i="1">
+                            <a:latin typeface="Cambria Math" panose="02040503050406030204" pitchFamily="18" charset="0"/>
+                          </a:rPr>
+                        </m:ctrlPr>
+                      </m:dPr>
+                      <m:e>
+                        <m:r>
+                          <a:rPr lang="sk-SK" i="1">
+                            <a:latin typeface="Cambria Math" panose="02040503050406030204" pitchFamily="18" charset="0"/>
+                          </a:rPr>
+                          <m:t>𝑡</m:t>
+                        </m:r>
+                      </m:e>
+                    </m:d>
+                    <m:r>
+                      <a:rPr lang="sk-SK" i="1">
+                        <a:latin typeface="Cambria Math" panose="02040503050406030204" pitchFamily="18" charset="0"/>
+                      </a:rPr>
+                      <m:t>= </m:t>
+                    </m:r>
+                    <m:f>
+                      <m:fPr>
+                        <m:ctrlPr>
+                          <a:rPr lang="sk-SK" i="1">
+                            <a:latin typeface="Cambria Math" panose="02040503050406030204" pitchFamily="18" charset="0"/>
+                          </a:rPr>
+                        </m:ctrlPr>
+                      </m:fPr>
+                      <m:num>
+                        <m:r>
+                          <a:rPr lang="sk-SK" i="1">
+                            <a:latin typeface="Cambria Math" panose="02040503050406030204" pitchFamily="18" charset="0"/>
+                          </a:rPr>
+                          <m:t>1</m:t>
+                        </m:r>
+                      </m:num>
+                      <m:den>
+                        <m:r>
+                          <a:rPr lang="sk-SK" i="1">
+                            <a:latin typeface="Cambria Math" panose="02040503050406030204" pitchFamily="18" charset="0"/>
+                          </a:rPr>
+                          <m:t>2</m:t>
+                        </m:r>
+                        <m:r>
+                          <a:rPr lang="sk-SK" i="1">
+                            <a:latin typeface="Cambria Math" panose="02040503050406030204" pitchFamily="18" charset="0"/>
+                          </a:rPr>
+                          <m:t>𝜋</m:t>
+                        </m:r>
+                        <m:r>
+                          <a:rPr lang="sk-SK" i="1">
+                            <a:latin typeface="Cambria Math" panose="02040503050406030204" pitchFamily="18" charset="0"/>
+                          </a:rPr>
+                          <m:t>𝑖</m:t>
+                        </m:r>
+                      </m:den>
+                    </m:f>
+                    <m:r>
+                      <a:rPr lang="sk-SK" i="1">
+                        <a:latin typeface="Cambria Math" panose="02040503050406030204" pitchFamily="18" charset="0"/>
+                      </a:rPr>
+                      <m:t> </m:t>
+                    </m:r>
+                    <m:func>
+                      <m:funcPr>
+                        <m:ctrlPr>
+                          <a:rPr lang="sk-SK" i="1">
+                            <a:latin typeface="Cambria Math" panose="02040503050406030204" pitchFamily="18" charset="0"/>
+                          </a:rPr>
+                        </m:ctrlPr>
+                      </m:funcPr>
+                      <m:fName>
+                        <m:limLow>
+                          <m:limLowPr>
+                            <m:ctrlPr>
+                              <a:rPr lang="sk-SK" i="1">
+                                <a:latin typeface="Cambria Math" panose="02040503050406030204" pitchFamily="18" charset="0"/>
+                              </a:rPr>
+                            </m:ctrlPr>
+                          </m:limLowPr>
+                          <m:e>
+                            <m:r>
+                              <m:rPr>
+                                <m:sty m:val="p"/>
+                              </m:rPr>
+                              <a:rPr lang="sk-SK">
+                                <a:latin typeface="Cambria Math" panose="02040503050406030204" pitchFamily="18" charset="0"/>
+                              </a:rPr>
+                              <m:t>lim</m:t>
+                            </m:r>
+                          </m:e>
+                          <m:lim>
+                            <m:r>
+                              <a:rPr lang="sk-SK" i="1">
+                                <a:latin typeface="Cambria Math" panose="02040503050406030204" pitchFamily="18" charset="0"/>
+                              </a:rPr>
+                              <m:t>𝑇</m:t>
+                            </m:r>
+                            <m:r>
+                              <a:rPr lang="sk-SK" i="1">
+                                <a:latin typeface="Cambria Math" panose="02040503050406030204" pitchFamily="18" charset="0"/>
+                              </a:rPr>
+                              <m:t>→∞</m:t>
+                            </m:r>
+                          </m:lim>
+                        </m:limLow>
+                      </m:fName>
+                      <m:e>
+                        <m:sSup>
+                          <m:sSupPr>
+                            <m:ctrlPr>
+                              <a:rPr lang="sk-SK" i="1">
+                                <a:latin typeface="Cambria Math" panose="02040503050406030204" pitchFamily="18" charset="0"/>
+                              </a:rPr>
+                            </m:ctrlPr>
+                          </m:sSupPr>
+                          <m:e>
+                            <m:nary>
+                              <m:naryPr>
+                                <m:limLoc m:val="subSup"/>
+                                <m:ctrlPr>
+                                  <a:rPr lang="sk-SK" i="1">
+                                    <a:latin typeface="Cambria Math" panose="02040503050406030204" pitchFamily="18" charset="0"/>
+                                  </a:rPr>
+                                </m:ctrlPr>
+                              </m:naryPr>
+                              <m:sub>
+                                <m:r>
+                                  <a:rPr lang="sk-SK" i="1">
+                                    <a:latin typeface="Cambria Math" panose="02040503050406030204" pitchFamily="18" charset="0"/>
+                                  </a:rPr>
+                                  <m:t>𝛾</m:t>
+                                </m:r>
+                                <m:r>
+                                  <a:rPr lang="sk-SK" i="1">
+                                    <a:latin typeface="Cambria Math" panose="02040503050406030204" pitchFamily="18" charset="0"/>
+                                  </a:rPr>
+                                  <m:t>−</m:t>
+                                </m:r>
+                                <m:r>
+                                  <a:rPr lang="sk-SK" i="1">
+                                    <a:latin typeface="Cambria Math" panose="02040503050406030204" pitchFamily="18" charset="0"/>
+                                  </a:rPr>
+                                  <m:t>𝑖𝑇</m:t>
+                                </m:r>
+                              </m:sub>
+                              <m:sup>
+                                <m:r>
+                                  <a:rPr lang="sk-SK" i="1">
+                                    <a:latin typeface="Cambria Math" panose="02040503050406030204" pitchFamily="18" charset="0"/>
+                                  </a:rPr>
+                                  <m:t>𝛾</m:t>
+                                </m:r>
+                                <m:r>
+                                  <a:rPr lang="sk-SK" i="1">
+                                    <a:latin typeface="Cambria Math" panose="02040503050406030204" pitchFamily="18" charset="0"/>
+                                  </a:rPr>
+                                  <m:t>+</m:t>
+                                </m:r>
+                                <m:r>
+                                  <a:rPr lang="sk-SK" i="1">
+                                    <a:latin typeface="Cambria Math" panose="02040503050406030204" pitchFamily="18" charset="0"/>
+                                  </a:rPr>
+                                  <m:t>𝑖𝑇</m:t>
+                                </m:r>
+                              </m:sup>
+                              <m:e>
+                                <m:sSup>
+                                  <m:sSupPr>
+                                    <m:ctrlPr>
+                                      <a:rPr lang="sk-SK" i="1">
+                                        <a:latin typeface="Cambria Math" panose="02040503050406030204" pitchFamily="18" charset="0"/>
+                                      </a:rPr>
+                                    </m:ctrlPr>
+                                  </m:sSupPr>
+                                  <m:e>
+                                    <m:r>
+                                      <a:rPr lang="sk-SK" i="1">
+                                        <a:latin typeface="Cambria Math" panose="02040503050406030204" pitchFamily="18" charset="0"/>
+                                      </a:rPr>
+                                      <m:t>𝑒</m:t>
+                                    </m:r>
+                                  </m:e>
+                                  <m:sup>
+                                    <m:r>
+                                      <a:rPr lang="sk-SK" i="1">
+                                        <a:latin typeface="Cambria Math" panose="02040503050406030204" pitchFamily="18" charset="0"/>
+                                      </a:rPr>
+                                      <m:t>𝑠𝑡</m:t>
+                                    </m:r>
+                                  </m:sup>
+                                </m:sSup>
+                                <m:r>
+                                  <a:rPr lang="sk-SK" i="1">
+                                    <a:latin typeface="Cambria Math" panose="02040503050406030204" pitchFamily="18" charset="0"/>
+                                  </a:rPr>
+                                  <m:t>𝐹</m:t>
+                                </m:r>
+                                <m:r>
+                                  <a:rPr lang="sk-SK" i="1">
+                                    <a:latin typeface="Cambria Math" panose="02040503050406030204" pitchFamily="18" charset="0"/>
+                                  </a:rPr>
+                                  <m:t>(</m:t>
+                                </m:r>
+                                <m:r>
+                                  <a:rPr lang="sk-SK" i="1">
+                                    <a:latin typeface="Cambria Math" panose="02040503050406030204" pitchFamily="18" charset="0"/>
+                                  </a:rPr>
+                                  <m:t>𝑠</m:t>
+                                </m:r>
+                                <m:r>
+                                  <a:rPr lang="sk-SK" i="1">
+                                    <a:latin typeface="Cambria Math" panose="02040503050406030204" pitchFamily="18" charset="0"/>
+                                  </a:rPr>
+                                  <m:t>)</m:t>
+                                </m:r>
+                                <m:r>
+                                  <a:rPr lang="sk-SK" i="1">
+                                    <a:latin typeface="Cambria Math" panose="02040503050406030204" pitchFamily="18" charset="0"/>
+                                  </a:rPr>
+                                  <m:t>𝑑𝑠</m:t>
+                                </m:r>
+                              </m:e>
+                            </m:nary>
+                          </m:e>
+                          <m:sup/>
+                        </m:sSup>
+                      </m:e>
+                    </m:func>
+                  </m:oMath>
+                </a14:m>
+                <a:endParaRPr lang="sk-SK" dirty="0"/>
+              </a:p>
+            </p:txBody>
+          </p:sp>
+        </mc:Choice>
+        <mc:Fallback>
+          <p:sp>
+            <p:nvSpPr>
+              <p:cNvPr id="3" name="Zástupný symbol obsahu 2"/>
+              <p:cNvSpPr>
+                <a:spLocks noGrp="1" noRot="1" noChangeAspect="1" noMove="1" noResize="1" noEditPoints="1" noAdjustHandles="1" noChangeArrowheads="1" noChangeShapeType="1" noTextEdit="1"/>
+              </p:cNvSpPr>
+              <p:nvPr>
+                <p:ph idx="1"/>
+              </p:nvPr>
+            </p:nvSpPr>
+            <p:spPr>
+              <a:blipFill rotWithShape="0">
+                <a:blip r:embed="rId2"/>
+                <a:stretch>
+                  <a:fillRect l="-1898" t="-1291"/>
+                </a:stretch>
+              </a:blipFill>
+            </p:spPr>
+            <p:txBody>
+              <a:bodyPr/>
+              <a:lstStyle/>
+              <a:p>
+                <a:r>
+                  <a:rPr lang="sk-SK">
+                    <a:noFill/>
+                  </a:rPr>
+                  <a:t> </a:t>
+                </a:r>
+              </a:p>
+            </p:txBody>
+          </p:sp>
+        </mc:Fallback>
+      </mc:AlternateContent>
     </p:spTree>
     <p:extLst>
       <p:ext uri="{BB962C8B-B14F-4D97-AF65-F5344CB8AC3E}">
-        <p14:creationId xmlns:p14="http://schemas.microsoft.com/office/powerpoint/2010/main" val="2790395246"/>
+        <p14:creationId xmlns:p14="http://schemas.microsoft.com/office/powerpoint/2010/main" val="784713123"/>
       </p:ext>
     </p:extLst>
   </p:cSld>
@@ -5002,12 +6033,8 @@
           <a:lstStyle/>
           <a:p>
             <a:r>
-              <a:rPr lang="sk-SK" dirty="0" err="1" smtClean="0"/>
-              <a:t>Laplaceova</a:t>
-            </a:r>
-            <a:r>
-              <a:rPr lang="sk-SK" dirty="0" smtClean="0"/>
-              <a:t> transformácia</a:t>
+              <a:rPr lang="sk-SK" dirty="0" smtClean="0"/>
+              <a:t>Obrazy vybraných funkcii</a:t>
             </a:r>
             <a:endParaRPr lang="sk-SK" dirty="0"/>
           </a:p>
@@ -5035,7 +6062,7 @@
     </p:spTree>
     <p:extLst>
       <p:ext uri="{BB962C8B-B14F-4D97-AF65-F5344CB8AC3E}">
-        <p14:creationId xmlns:p14="http://schemas.microsoft.com/office/powerpoint/2010/main" val="784713123"/>
+        <p14:creationId xmlns:p14="http://schemas.microsoft.com/office/powerpoint/2010/main" val="3601500393"/>
       </p:ext>
     </p:extLst>
   </p:cSld>
@@ -5079,7 +6106,15 @@
           <a:p>
             <a:r>
               <a:rPr lang="sk-SK" dirty="0" smtClean="0"/>
-              <a:t>Obrazy vybraných funkcii</a:t>
+              <a:t>Inverzná </a:t>
+            </a:r>
+            <a:r>
+              <a:rPr lang="sk-SK" dirty="0" err="1" smtClean="0"/>
+              <a:t>Laplaceova</a:t>
+            </a:r>
+            <a:r>
+              <a:rPr lang="sk-SK" dirty="0" smtClean="0"/>
+              <a:t> transformácia</a:t>
             </a:r>
             <a:endParaRPr lang="sk-SK" dirty="0"/>
           </a:p>
@@ -5100,14 +6135,14 @@
           <a:bodyPr/>
           <a:lstStyle/>
           <a:p>
-            <a:endParaRPr lang="sk-SK"/>
+            <a:endParaRPr lang="sk-SK" dirty="0"/>
           </a:p>
         </p:txBody>
       </p:sp>
     </p:spTree>
     <p:extLst>
       <p:ext uri="{BB962C8B-B14F-4D97-AF65-F5344CB8AC3E}">
-        <p14:creationId xmlns:p14="http://schemas.microsoft.com/office/powerpoint/2010/main" val="3601500393"/>
+        <p14:creationId xmlns:p14="http://schemas.microsoft.com/office/powerpoint/2010/main" val="3642990468"/>
       </p:ext>
     </p:extLst>
   </p:cSld>
@@ -5151,7 +6186,7 @@
           <a:p>
             <a:r>
               <a:rPr lang="sk-SK" dirty="0" smtClean="0"/>
-              <a:t>Riešenie diferenciálnych rovníc</a:t>
+              <a:t>Rozklad na parciálne zlomky</a:t>
             </a:r>
             <a:endParaRPr lang="sk-SK" dirty="0"/>
           </a:p>
@@ -5179,7 +6214,7 @@
     </p:spTree>
     <p:extLst>
       <p:ext uri="{BB962C8B-B14F-4D97-AF65-F5344CB8AC3E}">
-        <p14:creationId xmlns:p14="http://schemas.microsoft.com/office/powerpoint/2010/main" val="2868729690"/>
+        <p14:creationId xmlns:p14="http://schemas.microsoft.com/office/powerpoint/2010/main" val="2937603504"/>
       </p:ext>
     </p:extLst>
   </p:cSld>
@@ -5461,15 +6496,11 @@
           <a:p>
             <a:r>
               <a:rPr lang="sk-SK" dirty="0" smtClean="0"/>
-              <a:t>Inverzná </a:t>
+              <a:t>Integrátor a </a:t>
             </a:r>
             <a:r>
               <a:rPr lang="sk-SK" dirty="0" err="1" smtClean="0"/>
-              <a:t>Laplaceova</a:t>
-            </a:r>
-            <a:r>
-              <a:rPr lang="sk-SK" dirty="0" smtClean="0"/>
-              <a:t> transformácia</a:t>
+              <a:t>derivátor</a:t>
             </a:r>
             <a:endParaRPr lang="sk-SK" dirty="0"/>
           </a:p>
@@ -5490,14 +6521,14 @@
           <a:bodyPr/>
           <a:lstStyle/>
           <a:p>
-            <a:endParaRPr lang="sk-SK" dirty="0"/>
+            <a:endParaRPr lang="sk-SK"/>
           </a:p>
         </p:txBody>
       </p:sp>
     </p:spTree>
     <p:extLst>
       <p:ext uri="{BB962C8B-B14F-4D97-AF65-F5344CB8AC3E}">
-        <p14:creationId xmlns:p14="http://schemas.microsoft.com/office/powerpoint/2010/main" val="3642990468"/>
+        <p14:creationId xmlns:p14="http://schemas.microsoft.com/office/powerpoint/2010/main" val="449367882"/>
       </p:ext>
     </p:extLst>
   </p:cSld>
@@ -5541,7 +6572,7 @@
           <a:p>
             <a:r>
               <a:rPr lang="sk-SK" dirty="0" smtClean="0"/>
-              <a:t>Rozklad na parciálne zlomky</a:t>
+              <a:t>Posun v čase – dopravné oneskorenie</a:t>
             </a:r>
             <a:endParaRPr lang="sk-SK" dirty="0"/>
           </a:p>
@@ -5569,7 +6600,7 @@
     </p:spTree>
     <p:extLst>
       <p:ext uri="{BB962C8B-B14F-4D97-AF65-F5344CB8AC3E}">
-        <p14:creationId xmlns:p14="http://schemas.microsoft.com/office/powerpoint/2010/main" val="2937603504"/>
+        <p14:creationId xmlns:p14="http://schemas.microsoft.com/office/powerpoint/2010/main" val="1611795971"/>
       </p:ext>
     </p:extLst>
   </p:cSld>
@@ -5613,11 +6644,7 @@
           <a:p>
             <a:r>
               <a:rPr lang="sk-SK" dirty="0" smtClean="0"/>
-              <a:t>Integrátor a </a:t>
-            </a:r>
-            <a:r>
-              <a:rPr lang="sk-SK" dirty="0" err="1" smtClean="0"/>
-              <a:t>derivátor</a:t>
+              <a:t>Prenosová funkcia systému</a:t>
             </a:r>
             <a:endParaRPr lang="sk-SK" dirty="0"/>
           </a:p>
@@ -5645,7 +6672,7 @@
     </p:spTree>
     <p:extLst>
       <p:ext uri="{BB962C8B-B14F-4D97-AF65-F5344CB8AC3E}">
-        <p14:creationId xmlns:p14="http://schemas.microsoft.com/office/powerpoint/2010/main" val="449367882"/>
+        <p14:creationId xmlns:p14="http://schemas.microsoft.com/office/powerpoint/2010/main" val="782147760"/>
       </p:ext>
     </p:extLst>
   </p:cSld>
@@ -5761,150 +6788,6 @@
           <a:p>
             <a:r>
               <a:rPr lang="sk-SK" dirty="0" smtClean="0"/>
-              <a:t>Posun v čase – dopravné oneskorenie</a:t>
-            </a:r>
-            <a:endParaRPr lang="sk-SK" dirty="0"/>
-          </a:p>
-        </p:txBody>
-      </p:sp>
-      <p:sp>
-        <p:nvSpPr>
-          <p:cNvPr id="3" name="Zástupný symbol obsahu 2"/>
-          <p:cNvSpPr>
-            <a:spLocks noGrp="1"/>
-          </p:cNvSpPr>
-          <p:nvPr>
-            <p:ph idx="1"/>
-          </p:nvPr>
-        </p:nvSpPr>
-        <p:spPr/>
-        <p:txBody>
-          <a:bodyPr/>
-          <a:lstStyle/>
-          <a:p>
-            <a:endParaRPr lang="sk-SK"/>
-          </a:p>
-        </p:txBody>
-      </p:sp>
-    </p:spTree>
-    <p:extLst>
-      <p:ext uri="{BB962C8B-B14F-4D97-AF65-F5344CB8AC3E}">
-        <p14:creationId xmlns:p14="http://schemas.microsoft.com/office/powerpoint/2010/main" val="1611795971"/>
-      </p:ext>
-    </p:extLst>
-  </p:cSld>
-  <p:clrMapOvr>
-    <a:masterClrMapping/>
-  </p:clrMapOvr>
-</p:sld>
-</file>
-
-<file path=ppt/slides/slide25.xml><?xml version="1.0" encoding="utf-8"?>
-<p:sld xmlns:a="http://schemas.openxmlformats.org/drawingml/2006/main" xmlns:r="http://schemas.openxmlformats.org/officeDocument/2006/relationships" xmlns:p="http://schemas.openxmlformats.org/presentationml/2006/main">
-  <p:cSld>
-    <p:spTree>
-      <p:nvGrpSpPr>
-        <p:cNvPr id="1" name=""/>
-        <p:cNvGrpSpPr/>
-        <p:nvPr/>
-      </p:nvGrpSpPr>
-      <p:grpSpPr>
-        <a:xfrm>
-          <a:off x="0" y="0"/>
-          <a:ext cx="0" cy="0"/>
-          <a:chOff x="0" y="0"/>
-          <a:chExt cx="0" cy="0"/>
-        </a:xfrm>
-      </p:grpSpPr>
-      <p:sp>
-        <p:nvSpPr>
-          <p:cNvPr id="2" name="Nadpis 1"/>
-          <p:cNvSpPr>
-            <a:spLocks noGrp="1"/>
-          </p:cNvSpPr>
-          <p:nvPr>
-            <p:ph type="title"/>
-          </p:nvPr>
-        </p:nvSpPr>
-        <p:spPr/>
-        <p:txBody>
-          <a:bodyPr/>
-          <a:lstStyle/>
-          <a:p>
-            <a:r>
-              <a:rPr lang="sk-SK" dirty="0" smtClean="0"/>
-              <a:t>Spätná väzba</a:t>
-            </a:r>
-            <a:endParaRPr lang="sk-SK" dirty="0"/>
-          </a:p>
-        </p:txBody>
-      </p:sp>
-      <p:sp>
-        <p:nvSpPr>
-          <p:cNvPr id="3" name="Zástupný symbol obsahu 2"/>
-          <p:cNvSpPr>
-            <a:spLocks noGrp="1"/>
-          </p:cNvSpPr>
-          <p:nvPr>
-            <p:ph idx="1"/>
-          </p:nvPr>
-        </p:nvSpPr>
-        <p:spPr/>
-        <p:txBody>
-          <a:bodyPr/>
-          <a:lstStyle/>
-          <a:p>
-            <a:endParaRPr lang="sk-SK"/>
-          </a:p>
-        </p:txBody>
-      </p:sp>
-    </p:spTree>
-    <p:extLst>
-      <p:ext uri="{BB962C8B-B14F-4D97-AF65-F5344CB8AC3E}">
-        <p14:creationId xmlns:p14="http://schemas.microsoft.com/office/powerpoint/2010/main" val="3872154018"/>
-      </p:ext>
-    </p:extLst>
-  </p:cSld>
-  <p:clrMapOvr>
-    <a:masterClrMapping/>
-  </p:clrMapOvr>
-</p:sld>
-</file>
-
-<file path=ppt/slides/slide26.xml><?xml version="1.0" encoding="utf-8"?>
-<p:sld xmlns:a="http://schemas.openxmlformats.org/drawingml/2006/main" xmlns:r="http://schemas.openxmlformats.org/officeDocument/2006/relationships" xmlns:p="http://schemas.openxmlformats.org/presentationml/2006/main">
-  <p:cSld>
-    <p:spTree>
-      <p:nvGrpSpPr>
-        <p:cNvPr id="1" name=""/>
-        <p:cNvGrpSpPr/>
-        <p:nvPr/>
-      </p:nvGrpSpPr>
-      <p:grpSpPr>
-        <a:xfrm>
-          <a:off x="0" y="0"/>
-          <a:ext cx="0" cy="0"/>
-          <a:chOff x="0" y="0"/>
-          <a:chExt cx="0" cy="0"/>
-        </a:xfrm>
-      </p:grpSpPr>
-      <p:sp>
-        <p:nvSpPr>
-          <p:cNvPr id="2" name="Nadpis 1"/>
-          <p:cNvSpPr>
-            <a:spLocks noGrp="1"/>
-          </p:cNvSpPr>
-          <p:nvPr>
-            <p:ph type="title"/>
-          </p:nvPr>
-        </p:nvSpPr>
-        <p:spPr/>
-        <p:txBody>
-          <a:bodyPr/>
-          <a:lstStyle/>
-          <a:p>
-            <a:r>
-              <a:rPr lang="sk-SK" dirty="0" smtClean="0"/>
               <a:t>Spätná väzba v systéme</a:t>
             </a:r>
             <a:endParaRPr lang="sk-SK" dirty="0"/>
@@ -6153,7 +7036,7 @@
 </p:sld>
 </file>
 
-<file path=ppt/slides/slide27.xml><?xml version="1.0" encoding="utf-8"?>
+<file path=ppt/slides/slide25.xml><?xml version="1.0" encoding="utf-8"?>
 <p:sld xmlns:a="http://schemas.openxmlformats.org/drawingml/2006/main" xmlns:r="http://schemas.openxmlformats.org/officeDocument/2006/relationships" xmlns:p="http://schemas.openxmlformats.org/presentationml/2006/main">
   <p:cSld>
     <p:spTree>
@@ -6386,6 +7269,204 @@
 </p:sld>
 </file>
 
+<file path=ppt/slides/slide26.xml><?xml version="1.0" encoding="utf-8"?>
+<p:sld xmlns:a="http://schemas.openxmlformats.org/drawingml/2006/main" xmlns:r="http://schemas.openxmlformats.org/officeDocument/2006/relationships" xmlns:p="http://schemas.openxmlformats.org/presentationml/2006/main">
+  <p:cSld>
+    <p:spTree>
+      <p:nvGrpSpPr>
+        <p:cNvPr id="1" name=""/>
+        <p:cNvGrpSpPr/>
+        <p:nvPr/>
+      </p:nvGrpSpPr>
+      <p:grpSpPr>
+        <a:xfrm>
+          <a:off x="0" y="0"/>
+          <a:ext cx="0" cy="0"/>
+          <a:chOff x="0" y="0"/>
+          <a:chExt cx="0" cy="0"/>
+        </a:xfrm>
+      </p:grpSpPr>
+      <p:sp>
+        <p:nvSpPr>
+          <p:cNvPr id="2" name="Nadpis 1"/>
+          <p:cNvSpPr>
+            <a:spLocks noGrp="1"/>
+          </p:cNvSpPr>
+          <p:nvPr>
+            <p:ph type="title"/>
+          </p:nvPr>
+        </p:nvSpPr>
+        <p:spPr/>
+        <p:txBody>
+          <a:bodyPr/>
+          <a:lstStyle/>
+          <a:p>
+            <a:r>
+              <a:rPr lang="sk-SK" dirty="0" smtClean="0"/>
+              <a:t>Spätná väzba – uzavretý obvod</a:t>
+            </a:r>
+            <a:endParaRPr lang="sk-SK" dirty="0"/>
+          </a:p>
+        </p:txBody>
+      </p:sp>
+      <p:sp>
+        <p:nvSpPr>
+          <p:cNvPr id="3" name="Zástupný symbol obsahu 2"/>
+          <p:cNvSpPr>
+            <a:spLocks noGrp="1"/>
+          </p:cNvSpPr>
+          <p:nvPr>
+            <p:ph idx="1"/>
+          </p:nvPr>
+        </p:nvSpPr>
+        <p:spPr/>
+        <p:txBody>
+          <a:bodyPr/>
+          <a:lstStyle/>
+          <a:p>
+            <a:pPr>
+              <a:buFont typeface="Arial" panose="020B0604020202020204" pitchFamily="34" charset="0"/>
+              <a:buChar char="•"/>
+            </a:pPr>
+            <a:r>
+              <a:rPr lang="sk-SK" dirty="0" smtClean="0"/>
+              <a:t>Prirodzená spätná väzba v systémoch </a:t>
+            </a:r>
+          </a:p>
+          <a:p>
+            <a:pPr lvl="1"/>
+            <a:r>
+              <a:rPr lang="sk-SK" dirty="0" smtClean="0"/>
+              <a:t>Vplyv vlastných stavových veličín na ďalší vývoj systému</a:t>
+            </a:r>
+          </a:p>
+          <a:p>
+            <a:pPr lvl="1"/>
+            <a:r>
+              <a:rPr lang="sk-SK" dirty="0" smtClean="0"/>
+              <a:t>Interná dynamika systému</a:t>
+            </a:r>
+          </a:p>
+          <a:p>
+            <a:pPr>
+              <a:buFont typeface="Arial" panose="020B0604020202020204" pitchFamily="34" charset="0"/>
+              <a:buChar char="•"/>
+            </a:pPr>
+            <a:r>
+              <a:rPr lang="sk-SK" dirty="0" smtClean="0"/>
+              <a:t>Umelo zavedená spätná väzba</a:t>
+            </a:r>
+          </a:p>
+          <a:p>
+            <a:pPr lvl="1"/>
+            <a:r>
+              <a:rPr lang="sk-SK" dirty="0" smtClean="0"/>
+              <a:t>Základná štruktúra </a:t>
+            </a:r>
+            <a:r>
+              <a:rPr lang="sk-SK" dirty="0" err="1" smtClean="0"/>
+              <a:t>spätnoväzobného</a:t>
+            </a:r>
+            <a:r>
+              <a:rPr lang="sk-SK" dirty="0" smtClean="0"/>
+              <a:t> riadenia (ďalšie prednášky)</a:t>
+            </a:r>
+          </a:p>
+          <a:p>
+            <a:pPr lvl="1"/>
+            <a:r>
+              <a:rPr lang="sk-SK" dirty="0" smtClean="0"/>
+              <a:t>Uzavretý regulačný obvod – regulácia , stabilizácia a úprava dynamiky</a:t>
+            </a:r>
+            <a:endParaRPr lang="sk-SK" dirty="0"/>
+          </a:p>
+        </p:txBody>
+      </p:sp>
+    </p:spTree>
+    <p:extLst>
+      <p:ext uri="{BB962C8B-B14F-4D97-AF65-F5344CB8AC3E}">
+        <p14:creationId xmlns:p14="http://schemas.microsoft.com/office/powerpoint/2010/main" val="3872154018"/>
+      </p:ext>
+    </p:extLst>
+  </p:cSld>
+  <p:clrMapOvr>
+    <a:masterClrMapping/>
+  </p:clrMapOvr>
+</p:sld>
+</file>
+
+<file path=ppt/slides/slide27.xml><?xml version="1.0" encoding="utf-8"?>
+<p:sld xmlns:a="http://schemas.openxmlformats.org/drawingml/2006/main" xmlns:r="http://schemas.openxmlformats.org/officeDocument/2006/relationships" xmlns:p="http://schemas.openxmlformats.org/presentationml/2006/main">
+  <p:cSld>
+    <p:spTree>
+      <p:nvGrpSpPr>
+        <p:cNvPr id="1" name=""/>
+        <p:cNvGrpSpPr/>
+        <p:nvPr/>
+      </p:nvGrpSpPr>
+      <p:grpSpPr>
+        <a:xfrm>
+          <a:off x="0" y="0"/>
+          <a:ext cx="0" cy="0"/>
+          <a:chOff x="0" y="0"/>
+          <a:chExt cx="0" cy="0"/>
+        </a:xfrm>
+      </p:grpSpPr>
+      <p:sp>
+        <p:nvSpPr>
+          <p:cNvPr id="2" name="Nadpis 1"/>
+          <p:cNvSpPr>
+            <a:spLocks noGrp="1"/>
+          </p:cNvSpPr>
+          <p:nvPr>
+            <p:ph type="title"/>
+          </p:nvPr>
+        </p:nvSpPr>
+        <p:spPr/>
+        <p:txBody>
+          <a:bodyPr/>
+          <a:lstStyle/>
+          <a:p>
+            <a:r>
+              <a:rPr lang="sk-SK" dirty="0" smtClean="0"/>
+              <a:t>Statické zosilnenie</a:t>
+            </a:r>
+            <a:endParaRPr lang="sk-SK" dirty="0"/>
+          </a:p>
+        </p:txBody>
+      </p:sp>
+      <p:sp>
+        <p:nvSpPr>
+          <p:cNvPr id="3" name="Zástupný symbol obsahu 2"/>
+          <p:cNvSpPr>
+            <a:spLocks noGrp="1"/>
+          </p:cNvSpPr>
+          <p:nvPr>
+            <p:ph idx="1"/>
+          </p:nvPr>
+        </p:nvSpPr>
+        <p:spPr/>
+        <p:txBody>
+          <a:bodyPr/>
+          <a:lstStyle/>
+          <a:p>
+            <a:endParaRPr lang="sk-SK"/>
+          </a:p>
+        </p:txBody>
+      </p:sp>
+    </p:spTree>
+    <p:extLst>
+      <p:ext uri="{BB962C8B-B14F-4D97-AF65-F5344CB8AC3E}">
+        <p14:creationId xmlns:p14="http://schemas.microsoft.com/office/powerpoint/2010/main" val="3903163388"/>
+      </p:ext>
+    </p:extLst>
+  </p:cSld>
+  <p:clrMapOvr>
+    <a:masterClrMapping/>
+  </p:clrMapOvr>
+</p:sld>
+</file>
+
 <file path=ppt/slides/slide28.xml><?xml version="1.0" encoding="utf-8"?>
 <p:sld xmlns:a="http://schemas.openxmlformats.org/drawingml/2006/main" xmlns:r="http://schemas.openxmlformats.org/officeDocument/2006/relationships" xmlns:p="http://schemas.openxmlformats.org/presentationml/2006/main">
   <p:cSld>
@@ -6419,8 +7500,8 @@
           <a:lstStyle/>
           <a:p>
             <a:r>
-              <a:rPr lang="sk-SK" dirty="0" smtClean="0"/>
-              <a:t>Prenosová funkcia systému</a:t>
+              <a:rPr lang="sk-SK" dirty="0" err="1" smtClean="0"/>
+              <a:t>Astatizmus</a:t>
             </a:r>
             <a:endParaRPr lang="sk-SK" dirty="0"/>
           </a:p>
@@ -6448,7 +7529,7 @@
     </p:spTree>
     <p:extLst>
       <p:ext uri="{BB962C8B-B14F-4D97-AF65-F5344CB8AC3E}">
-        <p14:creationId xmlns:p14="http://schemas.microsoft.com/office/powerpoint/2010/main" val="782147760"/>
+        <p14:creationId xmlns:p14="http://schemas.microsoft.com/office/powerpoint/2010/main" val="98981534"/>
       </p:ext>
     </p:extLst>
   </p:cSld>
@@ -6492,7 +7573,7 @@
           <a:p>
             <a:r>
               <a:rPr lang="sk-SK" dirty="0" smtClean="0"/>
-              <a:t>Statické zosilnenie</a:t>
+              <a:t>Realizovateľnosť</a:t>
             </a:r>
             <a:endParaRPr lang="sk-SK" dirty="0"/>
           </a:p>
@@ -6520,7 +7601,7 @@
     </p:spTree>
     <p:extLst>
       <p:ext uri="{BB962C8B-B14F-4D97-AF65-F5344CB8AC3E}">
-        <p14:creationId xmlns:p14="http://schemas.microsoft.com/office/powerpoint/2010/main" val="3903163388"/>
+        <p14:creationId xmlns:p14="http://schemas.microsoft.com/office/powerpoint/2010/main" val="3819864374"/>
       </p:ext>
     </p:extLst>
   </p:cSld>
@@ -6641,7 +7722,7 @@
             </a:r>
             <a:r>
               <a:rPr lang="sk-SK" dirty="0" smtClean="0"/>
-              <a:t>fúziou z </a:t>
+              <a:t>fúziou </a:t>
             </a:r>
             <a:r>
               <a:rPr lang="sk-SK" dirty="0" smtClean="0"/>
@@ -6777,7 +7858,7 @@
           <a:p>
             <a:r>
               <a:rPr lang="sk-SK" dirty="0" smtClean="0"/>
-              <a:t>Póly-nuly-charakteristický polynóm</a:t>
+              <a:t>Algebra prenosových funkcii</a:t>
             </a:r>
             <a:endParaRPr lang="sk-SK" dirty="0"/>
           </a:p>
@@ -6798,14 +7879,141 @@
           <a:bodyPr/>
           <a:lstStyle/>
           <a:p>
-            <a:endParaRPr lang="sk-SK"/>
+            <a:pPr>
+              <a:buFont typeface="Arial" panose="020B0604020202020204" pitchFamily="34" charset="0"/>
+              <a:buChar char="•"/>
+            </a:pPr>
+            <a:r>
+              <a:rPr lang="sk-SK" dirty="0" err="1"/>
+              <a:t>P</a:t>
+            </a:r>
+            <a:r>
+              <a:rPr lang="en-US" dirty="0" err="1" smtClean="0"/>
+              <a:t>renos</a:t>
+            </a:r>
+            <a:r>
+              <a:rPr lang="sk-SK" dirty="0" err="1" smtClean="0"/>
+              <a:t>ové</a:t>
+            </a:r>
+            <a:r>
+              <a:rPr lang="sk-SK" dirty="0" smtClean="0"/>
+              <a:t> funkcie a modely vo všeobecnosti, je možné kombinovať a vytvárať zložitejšie štruktúry</a:t>
+            </a:r>
+          </a:p>
+          <a:p>
+            <a:pPr>
+              <a:buFont typeface="Arial" panose="020B0604020202020204" pitchFamily="34" charset="0"/>
+              <a:buChar char="•"/>
+            </a:pPr>
+            <a:r>
+              <a:rPr lang="sk-SK" dirty="0" smtClean="0"/>
+              <a:t>Rovnako je možné za</a:t>
+            </a:r>
+            <a:r>
+              <a:rPr lang="en-US" dirty="0" err="1" smtClean="0"/>
+              <a:t>ra</a:t>
+            </a:r>
+            <a:r>
+              <a:rPr lang="sk-SK" dirty="0" err="1" smtClean="0"/>
+              <a:t>ďovať</a:t>
+            </a:r>
+            <a:r>
+              <a:rPr lang="sk-SK" dirty="0" smtClean="0"/>
+              <a:t> systémy do spätnej väzby</a:t>
+            </a:r>
+          </a:p>
+          <a:p>
+            <a:pPr>
+              <a:buFont typeface="Arial" panose="020B0604020202020204" pitchFamily="34" charset="0"/>
+              <a:buChar char="•"/>
+            </a:pPr>
+            <a:r>
+              <a:rPr lang="sk-SK" dirty="0" smtClean="0"/>
+              <a:t>Algebra úprav a zjednodušení blokových schém platí výhradne pre </a:t>
+            </a:r>
+            <a:r>
+              <a:rPr lang="sk-SK" u="sng" dirty="0" smtClean="0"/>
+              <a:t>lineárne systémy !!!</a:t>
+            </a:r>
+          </a:p>
+          <a:p>
+            <a:pPr>
+              <a:buFont typeface="Arial" panose="020B0604020202020204" pitchFamily="34" charset="0"/>
+              <a:buChar char="•"/>
+            </a:pPr>
+            <a:r>
+              <a:rPr lang="sk-SK" dirty="0" smtClean="0"/>
+              <a:t>Princíp </a:t>
+            </a:r>
+            <a:r>
+              <a:rPr lang="sk-SK" dirty="0" err="1" smtClean="0"/>
+              <a:t>superpozície</a:t>
+            </a:r>
+            <a:r>
+              <a:rPr lang="sk-SK" dirty="0" smtClean="0"/>
+              <a:t> a </a:t>
+            </a:r>
+            <a:r>
+              <a:rPr lang="sk-SK" dirty="0" err="1" smtClean="0"/>
+              <a:t>komutativita</a:t>
+            </a:r>
+            <a:r>
+              <a:rPr lang="sk-SK" dirty="0" smtClean="0"/>
+              <a:t>.</a:t>
+            </a:r>
+          </a:p>
+          <a:p>
+            <a:pPr>
+              <a:buFont typeface="Arial" panose="020B0604020202020204" pitchFamily="34" charset="0"/>
+              <a:buChar char="•"/>
+            </a:pPr>
+            <a:r>
+              <a:rPr lang="sk-SK" dirty="0" smtClean="0"/>
+              <a:t>Základné štruktúry zapojení</a:t>
+            </a:r>
+          </a:p>
+          <a:p>
+            <a:pPr lvl="1"/>
+            <a:r>
+              <a:rPr lang="sk-SK" dirty="0" smtClean="0"/>
+              <a:t>Sériové</a:t>
+            </a:r>
+          </a:p>
+          <a:p>
+            <a:pPr lvl="1"/>
+            <a:r>
+              <a:rPr lang="sk-SK" dirty="0" smtClean="0"/>
+              <a:t>Paralelné</a:t>
+            </a:r>
+          </a:p>
+          <a:p>
+            <a:pPr lvl="1"/>
+            <a:r>
+              <a:rPr lang="sk-SK" dirty="0" err="1" smtClean="0"/>
+              <a:t>Spätnoväzobné</a:t>
+            </a:r>
+            <a:endParaRPr lang="sk-SK" dirty="0" smtClean="0"/>
+          </a:p>
+          <a:p>
+            <a:pPr lvl="1"/>
+            <a:endParaRPr lang="sk-SK" dirty="0" smtClean="0"/>
+          </a:p>
+          <a:p>
+            <a:pPr>
+              <a:buFont typeface="Arial" panose="020B0604020202020204" pitchFamily="34" charset="0"/>
+              <a:buChar char="•"/>
+            </a:pPr>
+            <a:endParaRPr lang="sk-SK" u="sng" dirty="0" smtClean="0"/>
+          </a:p>
+          <a:p>
+            <a:endParaRPr lang="sk-SK" dirty="0"/>
           </a:p>
         </p:txBody>
       </p:sp>
     </p:spTree>
     <p:extLst>
       <p:ext uri="{BB962C8B-B14F-4D97-AF65-F5344CB8AC3E}">
-        <p14:creationId xmlns:p14="http://schemas.microsoft.com/office/powerpoint/2010/main" val="2447591181"/>
+        <p14:creationId xmlns:p14="http://schemas.microsoft.com/office/powerpoint/2010/main" val="4019935953"/>
       </p:ext>
     </p:extLst>
   </p:cSld>
@@ -6848,36 +8056,281 @@
           <a:lstStyle/>
           <a:p>
             <a:r>
-              <a:rPr lang="sk-SK" dirty="0" err="1" smtClean="0"/>
-              <a:t>Astatizmus</a:t>
+              <a:rPr lang="sk-SK" dirty="0" smtClean="0"/>
+              <a:t>Sériové zapojenie</a:t>
             </a:r>
             <a:endParaRPr lang="sk-SK" dirty="0"/>
           </a:p>
         </p:txBody>
       </p:sp>
-      <p:sp>
-        <p:nvSpPr>
-          <p:cNvPr id="3" name="Zástupný symbol obsahu 2"/>
-          <p:cNvSpPr>
-            <a:spLocks noGrp="1"/>
-          </p:cNvSpPr>
-          <p:nvPr>
-            <p:ph idx="1"/>
-          </p:nvPr>
-        </p:nvSpPr>
-        <p:spPr/>
-        <p:txBody>
-          <a:bodyPr/>
-          <a:lstStyle/>
-          <a:p>
-            <a:endParaRPr lang="sk-SK"/>
-          </a:p>
-        </p:txBody>
-      </p:sp>
+      <mc:AlternateContent xmlns:mc="http://schemas.openxmlformats.org/markup-compatibility/2006">
+        <mc:Choice xmlns:a14="http://schemas.microsoft.com/office/drawing/2010/main" Requires="a14">
+          <p:sp>
+            <p:nvSpPr>
+              <p:cNvPr id="3" name="Zástupný symbol obsahu 2"/>
+              <p:cNvSpPr>
+                <a:spLocks noGrp="1"/>
+              </p:cNvSpPr>
+              <p:nvPr>
+                <p:ph idx="1"/>
+              </p:nvPr>
+            </p:nvSpPr>
+            <p:spPr/>
+            <p:txBody>
+              <a:bodyPr/>
+              <a:lstStyle/>
+              <a:p>
+                <a:pPr>
+                  <a:buFont typeface="Arial" panose="020B0604020202020204" pitchFamily="34" charset="0"/>
+                  <a:buChar char="•"/>
+                </a:pPr>
+                <a:r>
+                  <a:rPr lang="sk-SK" dirty="0" smtClean="0"/>
+                  <a:t>Prenosové funkcie radené „za sebou“</a:t>
+                </a:r>
+              </a:p>
+              <a:p>
+                <a:pPr>
+                  <a:buFont typeface="Arial" panose="020B0604020202020204" pitchFamily="34" charset="0"/>
+                  <a:buChar char="•"/>
+                </a:pPr>
+                <a:r>
+                  <a:rPr lang="sk-SK" dirty="0" smtClean="0"/>
+                  <a:t>Výstup prvej prenosovej funkcie je vstupom do druhej</a:t>
+                </a:r>
+              </a:p>
+              <a:p>
+                <a:pPr>
+                  <a:buFont typeface="Arial" panose="020B0604020202020204" pitchFamily="34" charset="0"/>
+                  <a:buChar char="•"/>
+                </a:pPr>
+                <a:r>
+                  <a:rPr lang="sk-SK" dirty="0" smtClean="0"/>
+                  <a:t>Výsledný prenos je súčinom prenosových funkcii</a:t>
+                </a:r>
+              </a:p>
+              <a:p>
+                <a:pPr>
+                  <a:buFont typeface="Arial" panose="020B0604020202020204" pitchFamily="34" charset="0"/>
+                  <a:buChar char="•"/>
+                </a:pPr>
+                <a:endParaRPr lang="sk-SK" dirty="0"/>
+              </a:p>
+              <a:p>
+                <a:pPr marL="0" indent="0">
+                  <a:buNone/>
+                </a:pPr>
+                <a14:m>
+                  <m:oMathPara xmlns:m="http://schemas.openxmlformats.org/officeDocument/2006/math">
+                    <m:oMathParaPr>
+                      <m:jc m:val="centerGroup"/>
+                    </m:oMathParaPr>
+                    <m:oMath xmlns:m="http://schemas.openxmlformats.org/officeDocument/2006/math">
+                      <m:r>
+                        <a:rPr lang="sk-SK" i="1">
+                          <a:latin typeface="Cambria Math" panose="02040503050406030204" pitchFamily="18" charset="0"/>
+                        </a:rPr>
+                        <m:t>𝐺</m:t>
+                      </m:r>
+                      <m:d>
+                        <m:dPr>
+                          <m:ctrlPr>
+                            <a:rPr lang="sk-SK" i="1">
+                              <a:latin typeface="Cambria Math" panose="02040503050406030204" pitchFamily="18" charset="0"/>
+                            </a:rPr>
+                          </m:ctrlPr>
+                        </m:dPr>
+                        <m:e>
+                          <m:r>
+                            <a:rPr lang="sk-SK" i="1">
+                              <a:latin typeface="Cambria Math" panose="02040503050406030204" pitchFamily="18" charset="0"/>
+                            </a:rPr>
+                            <m:t>𝑠</m:t>
+                          </m:r>
+                        </m:e>
+                      </m:d>
+                      <m:r>
+                        <a:rPr lang="sk-SK" i="1">
+                          <a:latin typeface="Cambria Math" panose="02040503050406030204" pitchFamily="18" charset="0"/>
+                        </a:rPr>
+                        <m:t>=</m:t>
+                      </m:r>
+                      <m:sSub>
+                        <m:sSubPr>
+                          <m:ctrlPr>
+                            <a:rPr lang="sk-SK" i="1">
+                              <a:latin typeface="Cambria Math" panose="02040503050406030204" pitchFamily="18" charset="0"/>
+                            </a:rPr>
+                          </m:ctrlPr>
+                        </m:sSubPr>
+                        <m:e>
+                          <m:r>
+                            <a:rPr lang="sk-SK" i="1">
+                              <a:latin typeface="Cambria Math" panose="02040503050406030204" pitchFamily="18" charset="0"/>
+                            </a:rPr>
+                            <m:t>𝐺</m:t>
+                          </m:r>
+                        </m:e>
+                        <m:sub>
+                          <m:r>
+                            <a:rPr lang="sk-SK" i="1">
+                              <a:latin typeface="Cambria Math" panose="02040503050406030204" pitchFamily="18" charset="0"/>
+                            </a:rPr>
+                            <m:t>1</m:t>
+                          </m:r>
+                        </m:sub>
+                      </m:sSub>
+                      <m:d>
+                        <m:dPr>
+                          <m:ctrlPr>
+                            <a:rPr lang="sk-SK" i="1">
+                              <a:latin typeface="Cambria Math" panose="02040503050406030204" pitchFamily="18" charset="0"/>
+                            </a:rPr>
+                          </m:ctrlPr>
+                        </m:dPr>
+                        <m:e>
+                          <m:r>
+                            <a:rPr lang="sk-SK" i="1">
+                              <a:latin typeface="Cambria Math" panose="02040503050406030204" pitchFamily="18" charset="0"/>
+                            </a:rPr>
+                            <m:t>𝑠</m:t>
+                          </m:r>
+                        </m:e>
+                      </m:d>
+                      <m:r>
+                        <a:rPr lang="sk-SK" b="0" i="1" smtClean="0">
+                          <a:latin typeface="Cambria Math" panose="02040503050406030204" pitchFamily="18" charset="0"/>
+                        </a:rPr>
+                        <m:t>∗</m:t>
+                      </m:r>
+                      <m:sSub>
+                        <m:sSubPr>
+                          <m:ctrlPr>
+                            <a:rPr lang="sk-SK" i="1">
+                              <a:latin typeface="Cambria Math" panose="02040503050406030204" pitchFamily="18" charset="0"/>
+                            </a:rPr>
+                          </m:ctrlPr>
+                        </m:sSubPr>
+                        <m:e>
+                          <m:r>
+                            <a:rPr lang="sk-SK" i="1">
+                              <a:latin typeface="Cambria Math" panose="02040503050406030204" pitchFamily="18" charset="0"/>
+                            </a:rPr>
+                            <m:t>𝐺</m:t>
+                          </m:r>
+                        </m:e>
+                        <m:sub>
+                          <m:r>
+                            <a:rPr lang="sk-SK" i="1">
+                              <a:latin typeface="Cambria Math" panose="02040503050406030204" pitchFamily="18" charset="0"/>
+                            </a:rPr>
+                            <m:t>2</m:t>
+                          </m:r>
+                        </m:sub>
+                      </m:sSub>
+                      <m:d>
+                        <m:dPr>
+                          <m:ctrlPr>
+                            <a:rPr lang="sk-SK" i="1">
+                              <a:latin typeface="Cambria Math" panose="02040503050406030204" pitchFamily="18" charset="0"/>
+                            </a:rPr>
+                          </m:ctrlPr>
+                        </m:dPr>
+                        <m:e>
+                          <m:r>
+                            <a:rPr lang="sk-SK" i="1">
+                              <a:latin typeface="Cambria Math" panose="02040503050406030204" pitchFamily="18" charset="0"/>
+                            </a:rPr>
+                            <m:t>𝑠</m:t>
+                          </m:r>
+                        </m:e>
+                      </m:d>
+                    </m:oMath>
+                  </m:oMathPara>
+                </a14:m>
+                <a:endParaRPr lang="sk-SK" dirty="0"/>
+              </a:p>
+              <a:p>
+                <a:endParaRPr lang="sk-SK" dirty="0"/>
+              </a:p>
+              <a:p>
+                <a:pPr>
+                  <a:buFont typeface="Arial" panose="020B0604020202020204" pitchFamily="34" charset="0"/>
+                  <a:buChar char="•"/>
+                </a:pPr>
+                <a:endParaRPr lang="sk-SK" dirty="0" smtClean="0"/>
+              </a:p>
+              <a:p>
+                <a:pPr>
+                  <a:buFont typeface="Arial" panose="020B0604020202020204" pitchFamily="34" charset="0"/>
+                  <a:buChar char="•"/>
+                </a:pPr>
+                <a:endParaRPr lang="sk-SK" dirty="0"/>
+              </a:p>
+            </p:txBody>
+          </p:sp>
+        </mc:Choice>
+        <mc:Fallback>
+          <p:sp>
+            <p:nvSpPr>
+              <p:cNvPr id="3" name="Zástupný symbol obsahu 2"/>
+              <p:cNvSpPr>
+                <a:spLocks noGrp="1" noRot="1" noChangeAspect="1" noMove="1" noResize="1" noEditPoints="1" noAdjustHandles="1" noChangeArrowheads="1" noChangeShapeType="1" noTextEdit="1"/>
+              </p:cNvSpPr>
+              <p:nvPr>
+                <p:ph idx="1"/>
+              </p:nvPr>
+            </p:nvSpPr>
+            <p:spPr>
+              <a:blipFill rotWithShape="0">
+                <a:blip r:embed="rId2"/>
+                <a:stretch>
+                  <a:fillRect l="-1752" t="-1291"/>
+                </a:stretch>
+              </a:blipFill>
+            </p:spPr>
+            <p:txBody>
+              <a:bodyPr/>
+              <a:lstStyle/>
+              <a:p>
+                <a:r>
+                  <a:rPr lang="sk-SK">
+                    <a:noFill/>
+                  </a:rPr>
+                  <a:t> </a:t>
+                </a:r>
+              </a:p>
+            </p:txBody>
+          </p:sp>
+        </mc:Fallback>
+      </mc:AlternateContent>
+      <p:pic>
+        <p:nvPicPr>
+          <p:cNvPr id="5" name="Obrázok 4"/>
+          <p:cNvPicPr>
+            <a:picLocks noChangeAspect="1"/>
+          </p:cNvPicPr>
+          <p:nvPr/>
+        </p:nvPicPr>
+        <p:blipFill rotWithShape="1">
+          <a:blip r:embed="rId3"/>
+          <a:srcRect l="16034" t="32492" r="18470" b="36857"/>
+          <a:stretch/>
+        </p:blipFill>
+        <p:spPr>
+          <a:xfrm>
+            <a:off x="1577544" y="3912974"/>
+            <a:ext cx="5988908" cy="1301578"/>
+          </a:xfrm>
+          <a:prstGeom prst="rect">
+            <a:avLst/>
+          </a:prstGeom>
+        </p:spPr>
+      </p:pic>
     </p:spTree>
     <p:extLst>
       <p:ext uri="{BB962C8B-B14F-4D97-AF65-F5344CB8AC3E}">
-        <p14:creationId xmlns:p14="http://schemas.microsoft.com/office/powerpoint/2010/main" val="98981534"/>
+        <p14:creationId xmlns:p14="http://schemas.microsoft.com/office/powerpoint/2010/main" val="3777178178"/>
       </p:ext>
     </p:extLst>
   </p:cSld>
@@ -6921,35 +8374,286 @@
           <a:p>
             <a:r>
               <a:rPr lang="sk-SK" dirty="0" smtClean="0"/>
-              <a:t>Realizovateľnosť</a:t>
+              <a:t>Paralelné zapojenie</a:t>
             </a:r>
             <a:endParaRPr lang="sk-SK" dirty="0"/>
           </a:p>
         </p:txBody>
       </p:sp>
-      <p:sp>
-        <p:nvSpPr>
-          <p:cNvPr id="3" name="Zástupný symbol obsahu 2"/>
-          <p:cNvSpPr>
-            <a:spLocks noGrp="1"/>
-          </p:cNvSpPr>
-          <p:nvPr>
-            <p:ph idx="1"/>
-          </p:nvPr>
-        </p:nvSpPr>
-        <p:spPr/>
-        <p:txBody>
-          <a:bodyPr/>
-          <a:lstStyle/>
-          <a:p>
-            <a:endParaRPr lang="sk-SK"/>
-          </a:p>
-        </p:txBody>
-      </p:sp>
+      <mc:AlternateContent xmlns:mc="http://schemas.openxmlformats.org/markup-compatibility/2006">
+        <mc:Choice xmlns:a14="http://schemas.microsoft.com/office/drawing/2010/main" Requires="a14">
+          <p:sp>
+            <p:nvSpPr>
+              <p:cNvPr id="3" name="Zástupný symbol obsahu 2"/>
+              <p:cNvSpPr>
+                <a:spLocks noGrp="1"/>
+              </p:cNvSpPr>
+              <p:nvPr>
+                <p:ph idx="1"/>
+              </p:nvPr>
+            </p:nvSpPr>
+            <p:spPr/>
+            <p:txBody>
+              <a:bodyPr/>
+              <a:lstStyle/>
+              <a:p>
+                <a:r>
+                  <a:rPr lang="sk-SK" dirty="0" smtClean="0"/>
+                  <a:t>Prenosové funkcie radené „vedľa seba“</a:t>
+                </a:r>
+                <a:endParaRPr lang="sk-SK" dirty="0"/>
+              </a:p>
+              <a:p>
+                <a:pPr>
+                  <a:buFont typeface="Arial" panose="020B0604020202020204" pitchFamily="34" charset="0"/>
+                  <a:buChar char="•"/>
+                </a:pPr>
+                <a:r>
+                  <a:rPr lang="sk-SK" dirty="0" smtClean="0"/>
+                  <a:t>Vstup oboch prenosových funkcii je spoločný</a:t>
+                </a:r>
+              </a:p>
+              <a:p>
+                <a:pPr>
+                  <a:buFont typeface="Arial" panose="020B0604020202020204" pitchFamily="34" charset="0"/>
+                  <a:buChar char="•"/>
+                </a:pPr>
+                <a:r>
+                  <a:rPr lang="sk-SK" dirty="0" smtClean="0"/>
+                  <a:t>Výstupy prenosových funkcii sa sčítavajú</a:t>
+                </a:r>
+                <a:endParaRPr lang="sk-SK" dirty="0"/>
+              </a:p>
+              <a:p>
+                <a:pPr>
+                  <a:buFont typeface="Arial" panose="020B0604020202020204" pitchFamily="34" charset="0"/>
+                  <a:buChar char="•"/>
+                </a:pPr>
+                <a:r>
+                  <a:rPr lang="sk-SK" dirty="0"/>
+                  <a:t>Výsledný prenos je </a:t>
+                </a:r>
+                <a:r>
+                  <a:rPr lang="sk-SK" dirty="0" smtClean="0"/>
+                  <a:t>súčtom </a:t>
+                </a:r>
+                <a:r>
+                  <a:rPr lang="sk-SK" dirty="0"/>
+                  <a:t>prenosových </a:t>
+                </a:r>
+                <a:r>
+                  <a:rPr lang="sk-SK" dirty="0" smtClean="0"/>
+                  <a:t>funkcii</a:t>
+                </a:r>
+              </a:p>
+              <a:p>
+                <a:pPr>
+                  <a:buFont typeface="Arial" panose="020B0604020202020204" pitchFamily="34" charset="0"/>
+                  <a:buChar char="•"/>
+                </a:pPr>
+                <a:endParaRPr lang="sk-SK" dirty="0" smtClean="0"/>
+              </a:p>
+              <a:p>
+                <a:pPr marL="0" indent="0">
+                  <a:buNone/>
+                </a:pPr>
+                <a14:m>
+                  <m:oMathPara xmlns:m="http://schemas.openxmlformats.org/officeDocument/2006/math">
+                    <m:oMathParaPr>
+                      <m:jc m:val="centerGroup"/>
+                    </m:oMathParaPr>
+                    <m:oMath xmlns:m="http://schemas.openxmlformats.org/officeDocument/2006/math">
+                      <m:r>
+                        <a:rPr lang="sk-SK" b="0" i="1" smtClean="0">
+                          <a:latin typeface="Cambria Math" panose="02040503050406030204" pitchFamily="18" charset="0"/>
+                        </a:rPr>
+                        <m:t>𝐺</m:t>
+                      </m:r>
+                      <m:d>
+                        <m:dPr>
+                          <m:ctrlPr>
+                            <a:rPr lang="sk-SK" b="0" i="1" smtClean="0">
+                              <a:latin typeface="Cambria Math" panose="02040503050406030204" pitchFamily="18" charset="0"/>
+                            </a:rPr>
+                          </m:ctrlPr>
+                        </m:dPr>
+                        <m:e>
+                          <m:r>
+                            <a:rPr lang="sk-SK" b="0" i="1" smtClean="0">
+                              <a:latin typeface="Cambria Math" panose="02040503050406030204" pitchFamily="18" charset="0"/>
+                            </a:rPr>
+                            <m:t>𝑠</m:t>
+                          </m:r>
+                        </m:e>
+                      </m:d>
+                      <m:r>
+                        <a:rPr lang="sk-SK" b="0" i="1" smtClean="0">
+                          <a:latin typeface="Cambria Math" panose="02040503050406030204" pitchFamily="18" charset="0"/>
+                        </a:rPr>
+                        <m:t>=</m:t>
+                      </m:r>
+                      <m:sSub>
+                        <m:sSubPr>
+                          <m:ctrlPr>
+                            <a:rPr lang="sk-SK" b="0" i="1" smtClean="0">
+                              <a:latin typeface="Cambria Math" panose="02040503050406030204" pitchFamily="18" charset="0"/>
+                            </a:rPr>
+                          </m:ctrlPr>
+                        </m:sSubPr>
+                        <m:e>
+                          <m:r>
+                            <a:rPr lang="sk-SK" b="0" i="1" smtClean="0">
+                              <a:latin typeface="Cambria Math" panose="02040503050406030204" pitchFamily="18" charset="0"/>
+                            </a:rPr>
+                            <m:t>𝐺</m:t>
+                          </m:r>
+                        </m:e>
+                        <m:sub>
+                          <m:r>
+                            <a:rPr lang="sk-SK" b="0" i="1" smtClean="0">
+                              <a:latin typeface="Cambria Math" panose="02040503050406030204" pitchFamily="18" charset="0"/>
+                            </a:rPr>
+                            <m:t>1</m:t>
+                          </m:r>
+                        </m:sub>
+                      </m:sSub>
+                      <m:d>
+                        <m:dPr>
+                          <m:ctrlPr>
+                            <a:rPr lang="sk-SK" b="0" i="1" smtClean="0">
+                              <a:latin typeface="Cambria Math" panose="02040503050406030204" pitchFamily="18" charset="0"/>
+                            </a:rPr>
+                          </m:ctrlPr>
+                        </m:dPr>
+                        <m:e>
+                          <m:r>
+                            <a:rPr lang="sk-SK" b="0" i="1" smtClean="0">
+                              <a:latin typeface="Cambria Math" panose="02040503050406030204" pitchFamily="18" charset="0"/>
+                            </a:rPr>
+                            <m:t>𝑠</m:t>
+                          </m:r>
+                        </m:e>
+                      </m:d>
+                      <m:r>
+                        <a:rPr lang="sk-SK" b="0" i="1" smtClean="0">
+                          <a:latin typeface="Cambria Math" panose="02040503050406030204" pitchFamily="18" charset="0"/>
+                        </a:rPr>
+                        <m:t>+</m:t>
+                      </m:r>
+                      <m:sSub>
+                        <m:sSubPr>
+                          <m:ctrlPr>
+                            <a:rPr lang="sk-SK" i="1">
+                              <a:latin typeface="Cambria Math" panose="02040503050406030204" pitchFamily="18" charset="0"/>
+                            </a:rPr>
+                          </m:ctrlPr>
+                        </m:sSubPr>
+                        <m:e>
+                          <m:r>
+                            <a:rPr lang="sk-SK" i="1">
+                              <a:latin typeface="Cambria Math" panose="02040503050406030204" pitchFamily="18" charset="0"/>
+                            </a:rPr>
+                            <m:t>𝐺</m:t>
+                          </m:r>
+                        </m:e>
+                        <m:sub>
+                          <m:r>
+                            <a:rPr lang="sk-SK" b="0" i="1" smtClean="0">
+                              <a:latin typeface="Cambria Math" panose="02040503050406030204" pitchFamily="18" charset="0"/>
+                            </a:rPr>
+                            <m:t>2</m:t>
+                          </m:r>
+                        </m:sub>
+                      </m:sSub>
+                      <m:d>
+                        <m:dPr>
+                          <m:ctrlPr>
+                            <a:rPr lang="sk-SK" i="1">
+                              <a:latin typeface="Cambria Math" panose="02040503050406030204" pitchFamily="18" charset="0"/>
+                            </a:rPr>
+                          </m:ctrlPr>
+                        </m:dPr>
+                        <m:e>
+                          <m:r>
+                            <a:rPr lang="sk-SK" i="1">
+                              <a:latin typeface="Cambria Math" panose="02040503050406030204" pitchFamily="18" charset="0"/>
+                            </a:rPr>
+                            <m:t>𝑠</m:t>
+                          </m:r>
+                        </m:e>
+                      </m:d>
+                    </m:oMath>
+                  </m:oMathPara>
+                </a14:m>
+                <a:endParaRPr lang="sk-SK" dirty="0"/>
+              </a:p>
+              <a:p>
+                <a:endParaRPr lang="sk-SK" dirty="0"/>
+              </a:p>
+            </p:txBody>
+          </p:sp>
+        </mc:Choice>
+        <mc:Fallback>
+          <p:sp>
+            <p:nvSpPr>
+              <p:cNvPr id="3" name="Zástupný symbol obsahu 2"/>
+              <p:cNvSpPr>
+                <a:spLocks noGrp="1" noRot="1" noChangeAspect="1" noMove="1" noResize="1" noEditPoints="1" noAdjustHandles="1" noChangeArrowheads="1" noChangeShapeType="1" noTextEdit="1"/>
+              </p:cNvSpPr>
+              <p:nvPr>
+                <p:ph idx="1"/>
+              </p:nvPr>
+            </p:nvSpPr>
+            <p:spPr>
+              <a:blipFill rotWithShape="0">
+                <a:blip r:embed="rId2"/>
+                <a:stretch>
+                  <a:fillRect l="-1752" t="-1291"/>
+                </a:stretch>
+              </a:blipFill>
+            </p:spPr>
+            <p:txBody>
+              <a:bodyPr/>
+              <a:lstStyle/>
+              <a:p>
+                <a:r>
+                  <a:rPr lang="sk-SK">
+                    <a:noFill/>
+                  </a:rPr>
+                  <a:t> </a:t>
+                </a:r>
+              </a:p>
+            </p:txBody>
+          </p:sp>
+        </mc:Fallback>
+      </mc:AlternateContent>
+      <p:pic>
+        <p:nvPicPr>
+          <p:cNvPr id="5" name="Obrázok 4"/>
+          <p:cNvPicPr>
+            <a:picLocks noChangeAspect="1"/>
+          </p:cNvPicPr>
+          <p:nvPr/>
+        </p:nvPicPr>
+        <p:blipFill rotWithShape="1">
+          <a:blip r:embed="rId3"/>
+          <a:srcRect l="21242" t="22598" r="16866" b="27739"/>
+          <a:stretch/>
+        </p:blipFill>
+        <p:spPr>
+          <a:xfrm>
+            <a:off x="1837039" y="3912973"/>
+            <a:ext cx="5659394" cy="2108886"/>
+          </a:xfrm>
+          <a:prstGeom prst="rect">
+            <a:avLst/>
+          </a:prstGeom>
+        </p:spPr>
+      </p:pic>
     </p:spTree>
     <p:extLst>
       <p:ext uri="{BB962C8B-B14F-4D97-AF65-F5344CB8AC3E}">
-        <p14:creationId xmlns:p14="http://schemas.microsoft.com/office/powerpoint/2010/main" val="3819864374"/>
+        <p14:creationId xmlns:p14="http://schemas.microsoft.com/office/powerpoint/2010/main" val="3999456087"/>
       </p:ext>
     </p:extLst>
   </p:cSld>
@@ -6993,7 +8697,15 @@
           <a:p>
             <a:r>
               <a:rPr lang="sk-SK" dirty="0" smtClean="0"/>
-              <a:t>Stabilita systémov</a:t>
+              <a:t>Prenos </a:t>
+            </a:r>
+            <a:r>
+              <a:rPr lang="sk-SK" dirty="0" err="1" smtClean="0"/>
+              <a:t>spätnoväzobnej</a:t>
+            </a:r>
+            <a:r>
+              <a:rPr lang="sk-SK" dirty="0" smtClean="0"/>
+              <a:t> štruktúry</a:t>
             </a:r>
             <a:endParaRPr lang="sk-SK" dirty="0"/>
           </a:p>
@@ -7014,14 +8726,103 @@
           <a:bodyPr/>
           <a:lstStyle/>
           <a:p>
-            <a:endParaRPr lang="sk-SK"/>
+            <a:pPr>
+              <a:buFont typeface="Arial" panose="020B0604020202020204" pitchFamily="34" charset="0"/>
+              <a:buChar char="•"/>
+            </a:pPr>
+            <a:endParaRPr lang="sk-SK" dirty="0" smtClean="0"/>
+          </a:p>
+          <a:p>
+            <a:pPr marL="0" indent="0">
+              <a:buNone/>
+            </a:pPr>
+            <a:endParaRPr lang="sk-SK" dirty="0" smtClean="0"/>
+          </a:p>
+          <a:p>
+            <a:pPr>
+              <a:buFont typeface="Arial" panose="020B0604020202020204" pitchFamily="34" charset="0"/>
+              <a:buChar char="•"/>
+            </a:pPr>
+            <a:r>
+              <a:rPr lang="sk-SK" dirty="0" smtClean="0"/>
+              <a:t>Pozor na </a:t>
+            </a:r>
+            <a:r>
+              <a:rPr lang="sk-SK" dirty="0" err="1" smtClean="0"/>
+              <a:t>algebraické</a:t>
+            </a:r>
+            <a:r>
+              <a:rPr lang="sk-SK" dirty="0" smtClean="0"/>
+              <a:t> slučky !!!</a:t>
+            </a:r>
+          </a:p>
+          <a:p>
+            <a:pPr lvl="1"/>
+            <a:r>
+              <a:rPr lang="sk-SK" dirty="0" smtClean="0"/>
+              <a:t>Nezmyselná spätná väzba</a:t>
+            </a:r>
+          </a:p>
+          <a:p>
+            <a:pPr lvl="1"/>
+            <a:r>
+              <a:rPr lang="sk-SK" dirty="0" smtClean="0"/>
+              <a:t>= Statická spätná väzba</a:t>
+            </a:r>
+          </a:p>
+          <a:p>
+            <a:pPr lvl="1"/>
+            <a:r>
+              <a:rPr lang="sk-SK" dirty="0" smtClean="0"/>
+              <a:t>Vždy sa </a:t>
+            </a:r>
+            <a:r>
+              <a:rPr lang="sk-SK" dirty="0" err="1" smtClean="0"/>
+              <a:t>väzbí</a:t>
+            </a:r>
+            <a:r>
+              <a:rPr lang="sk-SK" dirty="0" smtClean="0"/>
+              <a:t> pomocou členov s dynamikou (integrátor, </a:t>
+            </a:r>
+            <a:r>
+              <a:rPr lang="sk-SK" dirty="0" err="1" smtClean="0"/>
+              <a:t>derivátor</a:t>
+            </a:r>
+            <a:r>
+              <a:rPr lang="sk-SK" dirty="0" smtClean="0"/>
+              <a:t>)</a:t>
+            </a:r>
+            <a:endParaRPr lang="sk-SK" dirty="0"/>
           </a:p>
         </p:txBody>
       </p:sp>
+      <p:pic>
+        <p:nvPicPr>
+          <p:cNvPr id="4" name="Obrázok 3"/>
+          <p:cNvPicPr>
+            <a:picLocks noChangeAspect="1"/>
+          </p:cNvPicPr>
+          <p:nvPr/>
+        </p:nvPicPr>
+        <p:blipFill rotWithShape="1">
+          <a:blip r:embed="rId2"/>
+          <a:srcRect l="14534" t="13873" r="8348" b="19198"/>
+          <a:stretch/>
+        </p:blipFill>
+        <p:spPr>
+          <a:xfrm>
+            <a:off x="1746423" y="4011828"/>
+            <a:ext cx="5901420" cy="2378493"/>
+          </a:xfrm>
+          <a:prstGeom prst="rect">
+            <a:avLst/>
+          </a:prstGeom>
+        </p:spPr>
+      </p:pic>
     </p:spTree>
     <p:extLst>
       <p:ext uri="{BB962C8B-B14F-4D97-AF65-F5344CB8AC3E}">
-        <p14:creationId xmlns:p14="http://schemas.microsoft.com/office/powerpoint/2010/main" val="2491538192"/>
+        <p14:creationId xmlns:p14="http://schemas.microsoft.com/office/powerpoint/2010/main" val="841093371"/>
       </p:ext>
     </p:extLst>
   </p:cSld>
@@ -7065,7 +8866,7 @@
           <a:p>
             <a:r>
               <a:rPr lang="sk-SK" dirty="0" smtClean="0"/>
-              <a:t>Všeobecné kritérium stability</a:t>
+              <a:t>Model systému</a:t>
             </a:r>
             <a:endParaRPr lang="sk-SK" dirty="0"/>
           </a:p>
@@ -7093,7 +8894,7 @@
     </p:spTree>
     <p:extLst>
       <p:ext uri="{BB962C8B-B14F-4D97-AF65-F5344CB8AC3E}">
-        <p14:creationId xmlns:p14="http://schemas.microsoft.com/office/powerpoint/2010/main" val="3955982061"/>
+        <p14:creationId xmlns:p14="http://schemas.microsoft.com/office/powerpoint/2010/main" val="3548809352"/>
       </p:ext>
     </p:extLst>
   </p:cSld>
@@ -7137,7 +8938,7 @@
           <a:p>
             <a:r>
               <a:rPr lang="sk-SK" dirty="0" smtClean="0"/>
-              <a:t>Algebra prenosových funkcii</a:t>
+              <a:t>Vytvorenie modelu z diferenciálnych rovníc</a:t>
             </a:r>
             <a:endParaRPr lang="sk-SK" dirty="0"/>
           </a:p>
@@ -7158,14 +8959,14 @@
           <a:bodyPr/>
           <a:lstStyle/>
           <a:p>
-            <a:endParaRPr lang="sk-SK" dirty="0"/>
+            <a:endParaRPr lang="sk-SK"/>
           </a:p>
         </p:txBody>
       </p:sp>
     </p:spTree>
     <p:extLst>
       <p:ext uri="{BB962C8B-B14F-4D97-AF65-F5344CB8AC3E}">
-        <p14:creationId xmlns:p14="http://schemas.microsoft.com/office/powerpoint/2010/main" val="4019935953"/>
+        <p14:creationId xmlns:p14="http://schemas.microsoft.com/office/powerpoint/2010/main" val="1805086047"/>
       </p:ext>
     </p:extLst>
   </p:cSld>
@@ -7209,7 +9010,7 @@
           <a:p>
             <a:r>
               <a:rPr lang="sk-SK" dirty="0" smtClean="0"/>
-              <a:t>Modelovanie diferenciálnych rovníc</a:t>
+              <a:t>Vytvorenie modelu z prenosovej funkcie</a:t>
             </a:r>
             <a:endParaRPr lang="sk-SK" dirty="0"/>
           </a:p>
@@ -7230,14 +9031,46 @@
           <a:bodyPr/>
           <a:lstStyle/>
           <a:p>
-            <a:endParaRPr lang="sk-SK"/>
+            <a:pPr>
+              <a:buFont typeface="Arial" panose="020B0604020202020204" pitchFamily="34" charset="0"/>
+              <a:buChar char="•"/>
+            </a:pPr>
+            <a:r>
+              <a:rPr lang="sk-SK" dirty="0" smtClean="0"/>
+              <a:t>Prenosová funkcia je už v podstate modelom systému</a:t>
+            </a:r>
+          </a:p>
+          <a:p>
+            <a:pPr>
+              <a:buFont typeface="Arial" panose="020B0604020202020204" pitchFamily="34" charset="0"/>
+              <a:buChar char="•"/>
+            </a:pPr>
+            <a:r>
+              <a:rPr lang="sk-SK" dirty="0" smtClean="0"/>
+              <a:t>Jedná sa ale o SISO (single </a:t>
+            </a:r>
+            <a:r>
+              <a:rPr lang="sk-SK" dirty="0" err="1" smtClean="0"/>
+              <a:t>input</a:t>
+            </a:r>
+            <a:r>
+              <a:rPr lang="sk-SK" dirty="0" smtClean="0"/>
+              <a:t> – single output) systém </a:t>
+            </a:r>
+          </a:p>
+          <a:p>
+            <a:pPr>
+              <a:buFont typeface="Arial" panose="020B0604020202020204" pitchFamily="34" charset="0"/>
+              <a:buChar char="•"/>
+            </a:pPr>
+            <a:endParaRPr lang="sk-SK" dirty="0"/>
           </a:p>
         </p:txBody>
       </p:sp>
     </p:spTree>
     <p:extLst>
       <p:ext uri="{BB962C8B-B14F-4D97-AF65-F5344CB8AC3E}">
-        <p14:creationId xmlns:p14="http://schemas.microsoft.com/office/powerpoint/2010/main" val="1090206558"/>
+        <p14:creationId xmlns:p14="http://schemas.microsoft.com/office/powerpoint/2010/main" val="2544128250"/>
       </p:ext>
     </p:extLst>
   </p:cSld>
@@ -7281,35 +9114,435 @@
           <a:p>
             <a:r>
               <a:rPr lang="sk-SK" dirty="0" smtClean="0"/>
-              <a:t>Model systému</a:t>
+              <a:t>Model harmonického oscilátora</a:t>
             </a:r>
             <a:endParaRPr lang="sk-SK" dirty="0"/>
           </a:p>
         </p:txBody>
       </p:sp>
-      <p:sp>
-        <p:nvSpPr>
-          <p:cNvPr id="3" name="Zástupný symbol obsahu 2"/>
-          <p:cNvSpPr>
-            <a:spLocks noGrp="1"/>
-          </p:cNvSpPr>
-          <p:nvPr>
-            <p:ph idx="1"/>
-          </p:nvPr>
-        </p:nvSpPr>
-        <p:spPr/>
-        <p:txBody>
-          <a:bodyPr/>
-          <a:lstStyle/>
-          <a:p>
-            <a:endParaRPr lang="sk-SK"/>
-          </a:p>
-        </p:txBody>
-      </p:sp>
+      <mc:AlternateContent xmlns:mc="http://schemas.openxmlformats.org/markup-compatibility/2006" xmlns:a14="http://schemas.microsoft.com/office/drawing/2010/main">
+        <mc:Choice Requires="a14">
+          <p:sp>
+            <p:nvSpPr>
+              <p:cNvPr id="3" name="Zástupný symbol obsahu 2"/>
+              <p:cNvSpPr>
+                <a:spLocks noGrp="1"/>
+              </p:cNvSpPr>
+              <p:nvPr>
+                <p:ph idx="1"/>
+              </p:nvPr>
+            </p:nvSpPr>
+            <p:spPr>
+              <a:xfrm>
+                <a:off x="393699" y="1040446"/>
+                <a:ext cx="8544355" cy="5640440"/>
+              </a:xfrm>
+            </p:spPr>
+            <p:txBody>
+              <a:bodyPr numCol="2"/>
+              <a:lstStyle/>
+              <a:p>
+                <a:pPr>
+                  <a:buFont typeface="Arial" panose="020B0604020202020204" pitchFamily="34" charset="0"/>
+                  <a:buChar char="•"/>
+                </a:pPr>
+                <a:r>
+                  <a:rPr lang="sk-SK" dirty="0" smtClean="0"/>
+                  <a:t>Klasická </a:t>
+                </a:r>
+                <a:r>
+                  <a:rPr lang="sk-SK" dirty="0" err="1" smtClean="0"/>
+                  <a:t>Newtonovská</a:t>
+                </a:r>
+                <a:r>
+                  <a:rPr lang="sk-SK" dirty="0" smtClean="0"/>
+                  <a:t> mechanika </a:t>
+                </a:r>
+              </a:p>
+              <a:p>
+                <a:pPr>
+                  <a:buFont typeface="Arial" panose="020B0604020202020204" pitchFamily="34" charset="0"/>
+                  <a:buChar char="•"/>
+                </a:pPr>
+                <a:r>
+                  <a:rPr lang="sk-SK" dirty="0" smtClean="0"/>
+                  <a:t>Lineárny spojitý dynamický systém</a:t>
+                </a:r>
+              </a:p>
+              <a:p>
+                <a:pPr>
+                  <a:buFont typeface="Arial" panose="020B0604020202020204" pitchFamily="34" charset="0"/>
+                  <a:buChar char="•"/>
+                </a:pPr>
+                <a:r>
+                  <a:rPr lang="sk-SK" dirty="0" smtClean="0"/>
+                  <a:t>Premena potenciálnej energie na kinetickú a späť - cyklus</a:t>
+                </a:r>
+              </a:p>
+              <a:p>
+                <a:pPr>
+                  <a:buFont typeface="Arial" panose="020B0604020202020204" pitchFamily="34" charset="0"/>
+                  <a:buChar char="•"/>
+                </a:pPr>
+                <a:r>
+                  <a:rPr lang="sk-SK" dirty="0" err="1" smtClean="0"/>
+                  <a:t>Disipatívny</a:t>
+                </a:r>
+                <a:r>
+                  <a:rPr lang="sk-SK" dirty="0" smtClean="0"/>
+                  <a:t> systém – obsahuje tlmenie (energia sa premieňa na teplo)</a:t>
+                </a:r>
+              </a:p>
+              <a:p>
+                <a:pPr>
+                  <a:buFont typeface="Arial" panose="020B0604020202020204" pitchFamily="34" charset="0"/>
+                  <a:buChar char="•"/>
+                </a:pPr>
+                <a:r>
+                  <a:rPr lang="sk-SK" dirty="0" smtClean="0"/>
+                  <a:t>Základné vzťahy:</a:t>
+                </a:r>
+              </a:p>
+              <a:p>
+                <a:pPr lvl="1"/>
+                <a:r>
+                  <a:rPr lang="sk-SK" dirty="0" smtClean="0"/>
+                  <a:t>Výchylka </a:t>
+                </a:r>
+                <a:r>
+                  <a:rPr lang="sk-SK" dirty="0" err="1" smtClean="0"/>
+                  <a:t>osciátora</a:t>
+                </a:r>
+                <a:r>
+                  <a:rPr lang="sk-SK" dirty="0" smtClean="0"/>
+                  <a:t>:	 </a:t>
+                </a:r>
+                <a14:m>
+                  <m:oMath xmlns:m="http://schemas.openxmlformats.org/officeDocument/2006/math">
+                    <m:r>
+                      <a:rPr lang="sk-SK" b="0" i="1" smtClean="0">
+                        <a:latin typeface="Cambria Math" panose="02040503050406030204" pitchFamily="18" charset="0"/>
+                      </a:rPr>
+                      <m:t>𝑥</m:t>
+                    </m:r>
+                  </m:oMath>
+                </a14:m>
+                <a:endParaRPr lang="sk-SK" dirty="0" smtClean="0"/>
+              </a:p>
+              <a:p>
+                <a:pPr lvl="1"/>
+                <a:r>
+                  <a:rPr lang="sk-SK" dirty="0" smtClean="0"/>
+                  <a:t>Vratná sila pružiny:	 </a:t>
+                </a:r>
+                <a14:m>
+                  <m:oMath xmlns:m="http://schemas.openxmlformats.org/officeDocument/2006/math">
+                    <m:sSub>
+                      <m:sSubPr>
+                        <m:ctrlPr>
+                          <a:rPr lang="sk-SK" i="1" smtClean="0">
+                            <a:latin typeface="Cambria Math" panose="02040503050406030204" pitchFamily="18" charset="0"/>
+                          </a:rPr>
+                        </m:ctrlPr>
+                      </m:sSubPr>
+                      <m:e>
+                        <m:r>
+                          <a:rPr lang="sk-SK" b="0" i="1" smtClean="0">
+                            <a:latin typeface="Cambria Math" panose="02040503050406030204" pitchFamily="18" charset="0"/>
+                          </a:rPr>
+                          <m:t>𝐹</m:t>
+                        </m:r>
+                      </m:e>
+                      <m:sub>
+                        <m:r>
+                          <a:rPr lang="sk-SK" b="0" i="1" smtClean="0">
+                            <a:latin typeface="Cambria Math" panose="02040503050406030204" pitchFamily="18" charset="0"/>
+                          </a:rPr>
+                          <m:t>𝑝</m:t>
+                        </m:r>
+                      </m:sub>
+                    </m:sSub>
+                    <m:r>
+                      <a:rPr lang="sk-SK" b="0" i="1" smtClean="0">
+                        <a:latin typeface="Cambria Math" panose="02040503050406030204" pitchFamily="18" charset="0"/>
+                      </a:rPr>
+                      <m:t>=−</m:t>
+                    </m:r>
+                    <m:r>
+                      <a:rPr lang="sk-SK" b="0" i="1" smtClean="0">
+                        <a:latin typeface="Cambria Math" panose="02040503050406030204" pitchFamily="18" charset="0"/>
+                      </a:rPr>
+                      <m:t>𝑘𝑥</m:t>
+                    </m:r>
+                  </m:oMath>
+                </a14:m>
+                <a:endParaRPr lang="sk-SK" b="0" dirty="0" smtClean="0"/>
+              </a:p>
+              <a:p>
+                <a:pPr lvl="1"/>
+                <a:r>
+                  <a:rPr lang="sk-SK" dirty="0" smtClean="0"/>
+                  <a:t>k – tuhosť pružiny</a:t>
+                </a:r>
+              </a:p>
+              <a:p>
+                <a:pPr lvl="1"/>
+                <a:r>
+                  <a:rPr lang="sk-SK" dirty="0" smtClean="0"/>
+                  <a:t>Tlmenie:		</a:t>
+                </a:r>
+                <a14:m>
+                  <m:oMath xmlns:m="http://schemas.openxmlformats.org/officeDocument/2006/math">
+                    <m:sSub>
+                      <m:sSubPr>
+                        <m:ctrlPr>
+                          <a:rPr lang="sk-SK" i="1" smtClean="0">
+                            <a:latin typeface="Cambria Math" panose="02040503050406030204" pitchFamily="18" charset="0"/>
+                          </a:rPr>
+                        </m:ctrlPr>
+                      </m:sSubPr>
+                      <m:e>
+                        <m:r>
+                          <a:rPr lang="sk-SK" b="0" i="1" smtClean="0">
+                            <a:latin typeface="Cambria Math" panose="02040503050406030204" pitchFamily="18" charset="0"/>
+                          </a:rPr>
+                          <m:t>𝐹</m:t>
+                        </m:r>
+                      </m:e>
+                      <m:sub>
+                        <m:r>
+                          <a:rPr lang="sk-SK" b="0" i="1" smtClean="0">
+                            <a:latin typeface="Cambria Math" panose="02040503050406030204" pitchFamily="18" charset="0"/>
+                          </a:rPr>
+                          <m:t>𝑡</m:t>
+                        </m:r>
+                      </m:sub>
+                    </m:sSub>
+                    <m:r>
+                      <a:rPr lang="sk-SK" b="0" i="1" smtClean="0">
+                        <a:latin typeface="Cambria Math" panose="02040503050406030204" pitchFamily="18" charset="0"/>
+                      </a:rPr>
+                      <m:t>=−</m:t>
+                    </m:r>
+                    <m:r>
+                      <a:rPr lang="sk-SK" b="0" i="1" smtClean="0">
+                        <a:latin typeface="Cambria Math" panose="02040503050406030204" pitchFamily="18" charset="0"/>
+                      </a:rPr>
+                      <m:t>𝑏𝑣</m:t>
+                    </m:r>
+                  </m:oMath>
+                </a14:m>
+                <a:endParaRPr lang="sk-SK" dirty="0" smtClean="0"/>
+              </a:p>
+              <a:p>
+                <a:pPr lvl="1"/>
+                <a:r>
+                  <a:rPr lang="sk-SK" dirty="0" smtClean="0"/>
+                  <a:t>b – koeficient tlmenia</a:t>
+                </a:r>
+              </a:p>
+              <a:p>
+                <a:pPr lvl="1"/>
+                <a:r>
+                  <a:rPr lang="sk-SK" dirty="0" smtClean="0"/>
+                  <a:t>v – rýchlosť pohybu</a:t>
+                </a:r>
+              </a:p>
+              <a:p>
+                <a:pPr lvl="1"/>
+                <a:r>
+                  <a:rPr lang="sk-SK" dirty="0" smtClean="0"/>
+                  <a:t>Newtonov pohybový zákon: </a:t>
+                </a:r>
+                <a14:m>
+                  <m:oMath xmlns:m="http://schemas.openxmlformats.org/officeDocument/2006/math">
+                    <m:sSub>
+                      <m:sSubPr>
+                        <m:ctrlPr>
+                          <a:rPr lang="sk-SK" i="1" smtClean="0">
+                            <a:latin typeface="Cambria Math" panose="02040503050406030204" pitchFamily="18" charset="0"/>
+                          </a:rPr>
+                        </m:ctrlPr>
+                      </m:sSubPr>
+                      <m:e>
+                        <m:r>
+                          <a:rPr lang="sk-SK" b="0" i="1" smtClean="0">
+                            <a:latin typeface="Cambria Math" panose="02040503050406030204" pitchFamily="18" charset="0"/>
+                          </a:rPr>
+                          <m:t>𝐹</m:t>
+                        </m:r>
+                      </m:e>
+                      <m:sub>
+                        <m:r>
+                          <a:rPr lang="sk-SK" b="0" i="1" smtClean="0">
+                            <a:latin typeface="Cambria Math" panose="02040503050406030204" pitchFamily="18" charset="0"/>
+                          </a:rPr>
+                          <m:t>𝑑</m:t>
+                        </m:r>
+                      </m:sub>
+                    </m:sSub>
+                    <m:r>
+                      <a:rPr lang="sk-SK" b="0" i="1" smtClean="0">
+                        <a:latin typeface="Cambria Math" panose="02040503050406030204" pitchFamily="18" charset="0"/>
+                      </a:rPr>
+                      <m:t>=</m:t>
+                    </m:r>
+                    <m:r>
+                      <a:rPr lang="sk-SK" b="0" i="1" smtClean="0">
+                        <a:latin typeface="Cambria Math" panose="02040503050406030204" pitchFamily="18" charset="0"/>
+                      </a:rPr>
+                      <m:t>𝑚𝑎</m:t>
+                    </m:r>
+                  </m:oMath>
+                </a14:m>
+                <a:endParaRPr lang="sk-SK" dirty="0" smtClean="0"/>
+              </a:p>
+              <a:p>
+                <a:pPr lvl="1"/>
+                <a:r>
+                  <a:rPr lang="sk-SK" dirty="0"/>
+                  <a:t>m</a:t>
+                </a:r>
+                <a:r>
+                  <a:rPr lang="sk-SK" dirty="0" smtClean="0"/>
+                  <a:t> – hmotnosť závažia</a:t>
+                </a:r>
+                <a:endParaRPr lang="sk-SK" dirty="0"/>
+              </a:p>
+              <a:p>
+                <a:pPr>
+                  <a:buFont typeface="Arial" panose="020B0604020202020204" pitchFamily="34" charset="0"/>
+                  <a:buChar char="•"/>
+                </a:pPr>
+                <a:endParaRPr lang="sk-SK" dirty="0"/>
+              </a:p>
+            </p:txBody>
+          </p:sp>
+        </mc:Choice>
+        <mc:Fallback xmlns="">
+          <p:sp>
+            <p:nvSpPr>
+              <p:cNvPr id="3" name="Zástupný symbol obsahu 2"/>
+              <p:cNvSpPr>
+                <a:spLocks noGrp="1" noRot="1" noChangeAspect="1" noMove="1" noResize="1" noEditPoints="1" noAdjustHandles="1" noChangeArrowheads="1" noChangeShapeType="1" noTextEdit="1"/>
+              </p:cNvSpPr>
+              <p:nvPr>
+                <p:ph idx="1"/>
+              </p:nvPr>
+            </p:nvSpPr>
+            <p:spPr>
+              <a:xfrm>
+                <a:off x="393699" y="1040446"/>
+                <a:ext cx="8544355" cy="5640440"/>
+              </a:xfrm>
+              <a:blipFill rotWithShape="0">
+                <a:blip r:embed="rId2"/>
+                <a:stretch>
+                  <a:fillRect l="-1713" t="-1189"/>
+                </a:stretch>
+              </a:blipFill>
+            </p:spPr>
+            <p:txBody>
+              <a:bodyPr/>
+              <a:lstStyle/>
+              <a:p>
+                <a:r>
+                  <a:rPr lang="sk-SK">
+                    <a:noFill/>
+                  </a:rPr>
+                  <a:t> </a:t>
+                </a:r>
+              </a:p>
+            </p:txBody>
+          </p:sp>
+        </mc:Fallback>
+      </mc:AlternateContent>
+      <p:pic>
+        <p:nvPicPr>
+          <p:cNvPr id="7172" name="Picture 4" descr="http://hyperphysics.phy-astr.gsu.edu/hbase/images/oscda.gif"/>
+          <p:cNvPicPr>
+            <a:picLocks noChangeAspect="1" noChangeArrowheads="1"/>
+          </p:cNvPicPr>
+          <p:nvPr/>
+        </p:nvPicPr>
+        <p:blipFill>
+          <a:blip r:embed="rId3">
+            <a:extLst>
+              <a:ext uri="{28A0092B-C50C-407E-A947-70E740481C1C}">
+                <a14:useLocalDpi xmlns:a14="http://schemas.microsoft.com/office/drawing/2010/main" val="0"/>
+              </a:ext>
+            </a:extLst>
+          </a:blip>
+          <a:srcRect/>
+          <a:stretch>
+            <a:fillRect/>
+          </a:stretch>
+        </p:blipFill>
+        <p:spPr bwMode="auto">
+          <a:xfrm>
+            <a:off x="6033786" y="994617"/>
+            <a:ext cx="2462170" cy="2960838"/>
+          </a:xfrm>
+          <a:prstGeom prst="rect">
+            <a:avLst/>
+          </a:prstGeom>
+          <a:noFill/>
+          <a:extLst>
+            <a:ext uri="{909E8E84-426E-40DD-AFC4-6F175D3DCCD1}">
+              <a14:hiddenFill xmlns:a14="http://schemas.microsoft.com/office/drawing/2010/main">
+                <a:solidFill>
+                  <a:srgbClr val="FFFFFF"/>
+                </a:solidFill>
+              </a14:hiddenFill>
+            </a:ext>
+          </a:extLst>
+        </p:spPr>
+      </p:pic>
+      <p:pic>
+        <p:nvPicPr>
+          <p:cNvPr id="7174" name="Picture 6" descr="VÃ½sledok vyhÄ¾adÃ¡vania obrÃ¡zkov pre dopyt linear harmonic oscillator gif"/>
+          <p:cNvPicPr>
+            <a:picLocks noChangeAspect="1" noChangeArrowheads="1" noCrop="1"/>
+          </p:cNvPicPr>
+          <p:nvPr/>
+        </p:nvPicPr>
+        <p:blipFill>
+          <a:blip r:embed="rId4">
+            <a:extLst>
+              <a:ext uri="{28A0092B-C50C-407E-A947-70E740481C1C}">
+                <a14:useLocalDpi xmlns:a14="http://schemas.microsoft.com/office/drawing/2010/main" val="0"/>
+              </a:ext>
+            </a:extLst>
+          </a:blip>
+          <a:srcRect/>
+          <a:stretch>
+            <a:fillRect/>
+          </a:stretch>
+        </p:blipFill>
+        <p:spPr bwMode="auto">
+          <a:xfrm>
+            <a:off x="5460785" y="4110076"/>
+            <a:ext cx="3179806" cy="2462017"/>
+          </a:xfrm>
+          <a:prstGeom prst="rect">
+            <a:avLst/>
+          </a:prstGeom>
+          <a:noFill/>
+          <a:extLst>
+            <a:ext uri="{909E8E84-426E-40DD-AFC4-6F175D3DCCD1}">
+              <a14:hiddenFill xmlns:a14="http://schemas.microsoft.com/office/drawing/2010/main">
+                <a:solidFill>
+                  <a:srgbClr val="FFFFFF"/>
+                </a:solidFill>
+              </a14:hiddenFill>
+            </a:ext>
+          </a:extLst>
+        </p:spPr>
+      </p:pic>
     </p:spTree>
     <p:extLst>
       <p:ext uri="{BB962C8B-B14F-4D97-AF65-F5344CB8AC3E}">
-        <p14:creationId xmlns:p14="http://schemas.microsoft.com/office/powerpoint/2010/main" val="3548809352"/>
+        <p14:creationId xmlns:p14="http://schemas.microsoft.com/office/powerpoint/2010/main" val="1652855"/>
       </p:ext>
     </p:extLst>
   </p:cSld>
@@ -7353,35 +9586,669 @@
           <a:p>
             <a:r>
               <a:rPr lang="sk-SK" dirty="0" smtClean="0"/>
-              <a:t>Charakteristiky systémov</a:t>
+              <a:t>Model harmonického oscilátora</a:t>
             </a:r>
             <a:endParaRPr lang="sk-SK" dirty="0"/>
           </a:p>
         </p:txBody>
       </p:sp>
-      <p:sp>
-        <p:nvSpPr>
-          <p:cNvPr id="3" name="Zástupný symbol obsahu 2"/>
-          <p:cNvSpPr>
-            <a:spLocks noGrp="1"/>
-          </p:cNvSpPr>
-          <p:nvPr>
-            <p:ph idx="1"/>
-          </p:nvPr>
-        </p:nvSpPr>
-        <p:spPr/>
-        <p:txBody>
-          <a:bodyPr/>
-          <a:lstStyle/>
-          <a:p>
-            <a:endParaRPr lang="sk-SK"/>
-          </a:p>
-        </p:txBody>
-      </p:sp>
+      <mc:AlternateContent xmlns:mc="http://schemas.openxmlformats.org/markup-compatibility/2006" xmlns:a14="http://schemas.microsoft.com/office/drawing/2010/main">
+        <mc:Choice Requires="a14">
+          <p:sp>
+            <p:nvSpPr>
+              <p:cNvPr id="3" name="Zástupný symbol obsahu 2"/>
+              <p:cNvSpPr>
+                <a:spLocks noGrp="1"/>
+              </p:cNvSpPr>
+              <p:nvPr>
+                <p:ph idx="1"/>
+              </p:nvPr>
+            </p:nvSpPr>
+            <p:spPr/>
+            <p:txBody>
+              <a:bodyPr/>
+              <a:lstStyle/>
+              <a:p>
+                <a:pPr marL="0" indent="0">
+                  <a:buNone/>
+                </a:pPr>
+                <a:r>
+                  <a:rPr lang="sk-SK" dirty="0" smtClean="0"/>
+                  <a:t>Odvodíme diferenciálnu rovnicu oscilátora – </a:t>
+                </a:r>
+                <a:r>
+                  <a:rPr lang="sk-SK" dirty="0" err="1" smtClean="0"/>
+                  <a:t>superpozícia</a:t>
+                </a:r>
+                <a:r>
+                  <a:rPr lang="sk-SK" dirty="0" smtClean="0"/>
+                  <a:t> síl </a:t>
+                </a:r>
+              </a:p>
+              <a:p>
+                <a:pPr marL="0" indent="0">
+                  <a:buNone/>
+                </a:pPr>
+                <a14:m>
+                  <m:oMath xmlns:m="http://schemas.openxmlformats.org/officeDocument/2006/math">
+                    <m:sSub>
+                      <m:sSubPr>
+                        <m:ctrlPr>
+                          <a:rPr lang="sk-SK" i="1">
+                            <a:latin typeface="Cambria Math" panose="02040503050406030204" pitchFamily="18" charset="0"/>
+                          </a:rPr>
+                        </m:ctrlPr>
+                      </m:sSubPr>
+                      <m:e>
+                        <m:r>
+                          <a:rPr lang="sk-SK" i="1">
+                            <a:latin typeface="Cambria Math" panose="02040503050406030204" pitchFamily="18" charset="0"/>
+                          </a:rPr>
+                          <m:t>𝐹</m:t>
+                        </m:r>
+                      </m:e>
+                      <m:sub>
+                        <m:r>
+                          <a:rPr lang="sk-SK" i="1">
+                            <a:latin typeface="Cambria Math" panose="02040503050406030204" pitchFamily="18" charset="0"/>
+                          </a:rPr>
+                          <m:t>𝑑</m:t>
+                        </m:r>
+                      </m:sub>
+                    </m:sSub>
+                  </m:oMath>
+                </a14:m>
+                <a:r>
+                  <a:rPr lang="sk-SK" dirty="0" smtClean="0"/>
+                  <a:t> je „dynamická“ sila spôsobujúca zrýchlenie</a:t>
+                </a:r>
+              </a:p>
+              <a:p>
+                <a:pPr marL="0" indent="0">
+                  <a:buNone/>
+                </a:pPr>
+                <a14:m>
+                  <m:oMathPara xmlns:m="http://schemas.openxmlformats.org/officeDocument/2006/math">
+                    <m:oMathParaPr>
+                      <m:jc m:val="centerGroup"/>
+                    </m:oMathParaPr>
+                    <m:oMath xmlns:m="http://schemas.openxmlformats.org/officeDocument/2006/math">
+                      <m:sSub>
+                        <m:sSubPr>
+                          <m:ctrlPr>
+                            <a:rPr lang="sk-SK" i="1">
+                              <a:latin typeface="Cambria Math" panose="02040503050406030204" pitchFamily="18" charset="0"/>
+                            </a:rPr>
+                          </m:ctrlPr>
+                        </m:sSubPr>
+                        <m:e>
+                          <m:r>
+                            <a:rPr lang="sk-SK" i="1">
+                              <a:latin typeface="Cambria Math" panose="02040503050406030204" pitchFamily="18" charset="0"/>
+                            </a:rPr>
+                            <m:t>𝐹</m:t>
+                          </m:r>
+                        </m:e>
+                        <m:sub>
+                          <m:r>
+                            <a:rPr lang="sk-SK" i="1">
+                              <a:latin typeface="Cambria Math" panose="02040503050406030204" pitchFamily="18" charset="0"/>
+                            </a:rPr>
+                            <m:t>𝑝</m:t>
+                          </m:r>
+                        </m:sub>
+                      </m:sSub>
+                      <m:r>
+                        <a:rPr lang="sk-SK" b="0" i="1" smtClean="0">
+                          <a:latin typeface="Cambria Math" panose="02040503050406030204" pitchFamily="18" charset="0"/>
+                        </a:rPr>
+                        <m:t>+</m:t>
+                      </m:r>
+                      <m:sSub>
+                        <m:sSubPr>
+                          <m:ctrlPr>
+                            <a:rPr lang="sk-SK" i="1">
+                              <a:latin typeface="Cambria Math" panose="02040503050406030204" pitchFamily="18" charset="0"/>
+                            </a:rPr>
+                          </m:ctrlPr>
+                        </m:sSubPr>
+                        <m:e>
+                          <m:r>
+                            <a:rPr lang="sk-SK" i="1">
+                              <a:latin typeface="Cambria Math" panose="02040503050406030204" pitchFamily="18" charset="0"/>
+                            </a:rPr>
+                            <m:t>𝐹</m:t>
+                          </m:r>
+                        </m:e>
+                        <m:sub>
+                          <m:r>
+                            <a:rPr lang="sk-SK" i="1">
+                              <a:latin typeface="Cambria Math" panose="02040503050406030204" pitchFamily="18" charset="0"/>
+                            </a:rPr>
+                            <m:t>𝑡</m:t>
+                          </m:r>
+                        </m:sub>
+                      </m:sSub>
+                      <m:r>
+                        <a:rPr lang="sk-SK" b="0" i="1" smtClean="0">
+                          <a:latin typeface="Cambria Math" panose="02040503050406030204" pitchFamily="18" charset="0"/>
+                        </a:rPr>
+                        <m:t>=</m:t>
+                      </m:r>
+                      <m:sSub>
+                        <m:sSubPr>
+                          <m:ctrlPr>
+                            <a:rPr lang="sk-SK" i="1">
+                              <a:latin typeface="Cambria Math" panose="02040503050406030204" pitchFamily="18" charset="0"/>
+                            </a:rPr>
+                          </m:ctrlPr>
+                        </m:sSubPr>
+                        <m:e>
+                          <m:r>
+                            <a:rPr lang="sk-SK" i="1">
+                              <a:latin typeface="Cambria Math" panose="02040503050406030204" pitchFamily="18" charset="0"/>
+                            </a:rPr>
+                            <m:t>𝐹</m:t>
+                          </m:r>
+                        </m:e>
+                        <m:sub>
+                          <m:r>
+                            <a:rPr lang="sk-SK" i="1">
+                              <a:latin typeface="Cambria Math" panose="02040503050406030204" pitchFamily="18" charset="0"/>
+                            </a:rPr>
+                            <m:t>𝑑</m:t>
+                          </m:r>
+                        </m:sub>
+                      </m:sSub>
+                    </m:oMath>
+                  </m:oMathPara>
+                </a14:m>
+                <a:endParaRPr lang="sk-SK" dirty="0" smtClean="0"/>
+              </a:p>
+              <a:p>
+                <a:pPr marL="0" indent="0">
+                  <a:buNone/>
+                </a:pPr>
+                <a14:m>
+                  <m:oMathPara xmlns:m="http://schemas.openxmlformats.org/officeDocument/2006/math">
+                    <m:oMathParaPr>
+                      <m:jc m:val="centerGroup"/>
+                    </m:oMathParaPr>
+                    <m:oMath xmlns:m="http://schemas.openxmlformats.org/officeDocument/2006/math">
+                      <m:r>
+                        <a:rPr lang="sk-SK" i="1">
+                          <a:latin typeface="Cambria Math" panose="02040503050406030204" pitchFamily="18" charset="0"/>
+                        </a:rPr>
+                        <m:t>−</m:t>
+                      </m:r>
+                      <m:r>
+                        <a:rPr lang="sk-SK" i="1">
+                          <a:latin typeface="Cambria Math" panose="02040503050406030204" pitchFamily="18" charset="0"/>
+                        </a:rPr>
+                        <m:t>𝑘𝑥</m:t>
+                      </m:r>
+                      <m:r>
+                        <a:rPr lang="sk-SK" b="0" i="0" smtClean="0">
+                          <a:latin typeface="Cambria Math" panose="02040503050406030204" pitchFamily="18" charset="0"/>
+                        </a:rPr>
+                        <m:t>−</m:t>
+                      </m:r>
+                      <m:r>
+                        <a:rPr lang="sk-SK" b="0" i="1" smtClean="0">
+                          <a:latin typeface="Cambria Math" panose="02040503050406030204" pitchFamily="18" charset="0"/>
+                        </a:rPr>
+                        <m:t>𝑏𝑣</m:t>
+                      </m:r>
+                      <m:r>
+                        <a:rPr lang="sk-SK" b="0" i="1" smtClean="0">
+                          <a:latin typeface="Cambria Math" panose="02040503050406030204" pitchFamily="18" charset="0"/>
+                        </a:rPr>
+                        <m:t>=</m:t>
+                      </m:r>
+                      <m:r>
+                        <a:rPr lang="sk-SK" i="1">
+                          <a:latin typeface="Cambria Math" panose="02040503050406030204" pitchFamily="18" charset="0"/>
+                        </a:rPr>
+                        <m:t>𝑚𝑎</m:t>
+                      </m:r>
+                    </m:oMath>
+                  </m:oMathPara>
+                </a14:m>
+                <a:endParaRPr lang="sk-SK" dirty="0"/>
+              </a:p>
+              <a:p>
+                <a:pPr marL="0" indent="0">
+                  <a:buNone/>
+                </a:pPr>
+                <a14:m>
+                  <m:oMathPara xmlns:m="http://schemas.openxmlformats.org/officeDocument/2006/math">
+                    <m:oMathParaPr>
+                      <m:jc m:val="centerGroup"/>
+                    </m:oMathParaPr>
+                    <m:oMath xmlns:m="http://schemas.openxmlformats.org/officeDocument/2006/math">
+                      <m:r>
+                        <a:rPr lang="sk-SK" i="1">
+                          <a:latin typeface="Cambria Math" panose="02040503050406030204" pitchFamily="18" charset="0"/>
+                        </a:rPr>
+                        <m:t>𝑚𝑎</m:t>
+                      </m:r>
+                      <m:r>
+                        <a:rPr lang="sk-SK" b="0" i="1" smtClean="0">
+                          <a:latin typeface="Cambria Math" panose="02040503050406030204" pitchFamily="18" charset="0"/>
+                        </a:rPr>
+                        <m:t>+</m:t>
+                      </m:r>
+                      <m:r>
+                        <a:rPr lang="sk-SK" b="0" i="1" smtClean="0">
+                          <a:latin typeface="Cambria Math" panose="02040503050406030204" pitchFamily="18" charset="0"/>
+                        </a:rPr>
+                        <m:t>𝑏𝑣</m:t>
+                      </m:r>
+                      <m:r>
+                        <a:rPr lang="sk-SK" b="0" i="1" smtClean="0">
+                          <a:latin typeface="Cambria Math" panose="02040503050406030204" pitchFamily="18" charset="0"/>
+                        </a:rPr>
+                        <m:t>+</m:t>
+                      </m:r>
+                      <m:r>
+                        <a:rPr lang="sk-SK" b="0" i="1" smtClean="0">
+                          <a:latin typeface="Cambria Math" panose="02040503050406030204" pitchFamily="18" charset="0"/>
+                        </a:rPr>
+                        <m:t>𝑘𝑥</m:t>
+                      </m:r>
+                      <m:r>
+                        <a:rPr lang="sk-SK" b="0" i="1" smtClean="0">
+                          <a:latin typeface="Cambria Math" panose="02040503050406030204" pitchFamily="18" charset="0"/>
+                        </a:rPr>
+                        <m:t>=0</m:t>
+                      </m:r>
+                    </m:oMath>
+                  </m:oMathPara>
+                </a14:m>
+                <a:endParaRPr lang="sk-SK" dirty="0" smtClean="0"/>
+              </a:p>
+              <a:p>
+                <a:pPr marL="0" indent="0">
+                  <a:buNone/>
+                </a:pPr>
+                <a:r>
+                  <a:rPr lang="sk-SK" dirty="0" smtClean="0"/>
+                  <a:t>Rozpíšeme zrýchlenie a rýchlosť ako derivácie výchylky</a:t>
+                </a:r>
+              </a:p>
+              <a:p>
+                <a:pPr marL="0" indent="0">
+                  <a:lnSpc>
+                    <a:spcPct val="150000"/>
+                  </a:lnSpc>
+                  <a:buNone/>
+                </a:pPr>
+                <a14:m>
+                  <m:oMathPara xmlns:m="http://schemas.openxmlformats.org/officeDocument/2006/math">
+                    <m:oMathParaPr>
+                      <m:jc m:val="centerGroup"/>
+                    </m:oMathParaPr>
+                    <m:oMath xmlns:m="http://schemas.openxmlformats.org/officeDocument/2006/math">
+                      <m:r>
+                        <a:rPr lang="sk-SK" b="0" i="1" smtClean="0">
+                          <a:latin typeface="Cambria Math" panose="02040503050406030204" pitchFamily="18" charset="0"/>
+                        </a:rPr>
+                        <m:t>𝑣</m:t>
+                      </m:r>
+                      <m:r>
+                        <a:rPr lang="sk-SK" b="0" i="1" smtClean="0">
+                          <a:latin typeface="Cambria Math" panose="02040503050406030204" pitchFamily="18" charset="0"/>
+                        </a:rPr>
+                        <m:t>=</m:t>
+                      </m:r>
+                      <m:acc>
+                        <m:accPr>
+                          <m:chr m:val="̇"/>
+                          <m:ctrlPr>
+                            <a:rPr lang="sk-SK" i="1" smtClean="0">
+                              <a:latin typeface="Cambria Math" panose="02040503050406030204" pitchFamily="18" charset="0"/>
+                            </a:rPr>
+                          </m:ctrlPr>
+                        </m:accPr>
+                        <m:e>
+                          <m:r>
+                            <a:rPr lang="sk-SK" b="0" i="1" smtClean="0">
+                              <a:latin typeface="Cambria Math" panose="02040503050406030204" pitchFamily="18" charset="0"/>
+                            </a:rPr>
+                            <m:t>𝑥</m:t>
+                          </m:r>
+                        </m:e>
+                      </m:acc>
+                    </m:oMath>
+                  </m:oMathPara>
+                </a14:m>
+                <a:endParaRPr lang="sk-SK" dirty="0" smtClean="0"/>
+              </a:p>
+              <a:p>
+                <a:pPr marL="0" indent="0">
+                  <a:lnSpc>
+                    <a:spcPct val="150000"/>
+                  </a:lnSpc>
+                  <a:buNone/>
+                </a:pPr>
+                <a14:m>
+                  <m:oMathPara xmlns:m="http://schemas.openxmlformats.org/officeDocument/2006/math">
+                    <m:oMathParaPr>
+                      <m:jc m:val="centerGroup"/>
+                    </m:oMathParaPr>
+                    <m:oMath xmlns:m="http://schemas.openxmlformats.org/officeDocument/2006/math">
+                      <m:r>
+                        <a:rPr lang="sk-SK" b="0" i="1" smtClean="0">
+                          <a:latin typeface="Cambria Math" panose="02040503050406030204" pitchFamily="18" charset="0"/>
+                        </a:rPr>
+                        <m:t>𝑎</m:t>
+                      </m:r>
+                      <m:r>
+                        <a:rPr lang="sk-SK" b="0" i="1" smtClean="0">
+                          <a:latin typeface="Cambria Math" panose="02040503050406030204" pitchFamily="18" charset="0"/>
+                        </a:rPr>
+                        <m:t>=</m:t>
+                      </m:r>
+                      <m:acc>
+                        <m:accPr>
+                          <m:chr m:val="̈"/>
+                          <m:ctrlPr>
+                            <a:rPr lang="sk-SK" b="0" i="1" smtClean="0">
+                              <a:latin typeface="Cambria Math" panose="02040503050406030204" pitchFamily="18" charset="0"/>
+                            </a:rPr>
+                          </m:ctrlPr>
+                        </m:accPr>
+                        <m:e>
+                          <m:r>
+                            <a:rPr lang="sk-SK" b="0" i="1" smtClean="0">
+                              <a:latin typeface="Cambria Math" panose="02040503050406030204" pitchFamily="18" charset="0"/>
+                            </a:rPr>
+                            <m:t>𝑥</m:t>
+                          </m:r>
+                        </m:e>
+                      </m:acc>
+                    </m:oMath>
+                  </m:oMathPara>
+                </a14:m>
+                <a:endParaRPr lang="sk-SK" dirty="0"/>
+              </a:p>
+              <a:p>
+                <a:pPr marL="0" indent="0">
+                  <a:lnSpc>
+                    <a:spcPct val="150000"/>
+                  </a:lnSpc>
+                  <a:buNone/>
+                </a:pPr>
+                <a14:m>
+                  <m:oMathPara xmlns:m="http://schemas.openxmlformats.org/officeDocument/2006/math">
+                    <m:oMathParaPr>
+                      <m:jc m:val="centerGroup"/>
+                    </m:oMathParaPr>
+                    <m:oMath xmlns:m="http://schemas.openxmlformats.org/officeDocument/2006/math">
+                      <m:r>
+                        <a:rPr lang="sk-SK" i="1">
+                          <a:latin typeface="Cambria Math" panose="02040503050406030204" pitchFamily="18" charset="0"/>
+                        </a:rPr>
+                        <m:t>𝑚</m:t>
+                      </m:r>
+                      <m:acc>
+                        <m:accPr>
+                          <m:chr m:val="̈"/>
+                          <m:ctrlPr>
+                            <a:rPr lang="sk-SK" i="1">
+                              <a:latin typeface="Cambria Math" panose="02040503050406030204" pitchFamily="18" charset="0"/>
+                            </a:rPr>
+                          </m:ctrlPr>
+                        </m:accPr>
+                        <m:e>
+                          <m:r>
+                            <a:rPr lang="sk-SK" i="1">
+                              <a:latin typeface="Cambria Math" panose="02040503050406030204" pitchFamily="18" charset="0"/>
+                            </a:rPr>
+                            <m:t>𝑥</m:t>
+                          </m:r>
+                        </m:e>
+                      </m:acc>
+                      <m:r>
+                        <a:rPr lang="sk-SK" i="1">
+                          <a:latin typeface="Cambria Math" panose="02040503050406030204" pitchFamily="18" charset="0"/>
+                        </a:rPr>
+                        <m:t>+</m:t>
+                      </m:r>
+                      <m:r>
+                        <a:rPr lang="sk-SK" i="1">
+                          <a:latin typeface="Cambria Math" panose="02040503050406030204" pitchFamily="18" charset="0"/>
+                        </a:rPr>
+                        <m:t>𝑏</m:t>
+                      </m:r>
+                      <m:acc>
+                        <m:accPr>
+                          <m:chr m:val="̇"/>
+                          <m:ctrlPr>
+                            <a:rPr lang="sk-SK" i="1">
+                              <a:latin typeface="Cambria Math" panose="02040503050406030204" pitchFamily="18" charset="0"/>
+                            </a:rPr>
+                          </m:ctrlPr>
+                        </m:accPr>
+                        <m:e>
+                          <m:r>
+                            <a:rPr lang="sk-SK" i="1">
+                              <a:latin typeface="Cambria Math" panose="02040503050406030204" pitchFamily="18" charset="0"/>
+                            </a:rPr>
+                            <m:t>𝑥</m:t>
+                          </m:r>
+                        </m:e>
+                      </m:acc>
+                      <m:r>
+                        <a:rPr lang="sk-SK" i="1">
+                          <a:latin typeface="Cambria Math" panose="02040503050406030204" pitchFamily="18" charset="0"/>
+                        </a:rPr>
+                        <m:t>+</m:t>
+                      </m:r>
+                      <m:r>
+                        <a:rPr lang="sk-SK" i="1">
+                          <a:latin typeface="Cambria Math" panose="02040503050406030204" pitchFamily="18" charset="0"/>
+                        </a:rPr>
+                        <m:t>𝑘𝑥</m:t>
+                      </m:r>
+                      <m:r>
+                        <a:rPr lang="sk-SK" i="1">
+                          <a:latin typeface="Cambria Math" panose="02040503050406030204" pitchFamily="18" charset="0"/>
+                        </a:rPr>
+                        <m:t>=0</m:t>
+                      </m:r>
+                    </m:oMath>
+                  </m:oMathPara>
+                </a14:m>
+                <a:endParaRPr lang="sk-SK" dirty="0" smtClean="0"/>
+              </a:p>
+              <a:p>
+                <a:pPr marL="0" indent="0">
+                  <a:lnSpc>
+                    <a:spcPct val="150000"/>
+                  </a:lnSpc>
+                  <a:buNone/>
+                </a:pPr>
+                <a14:m>
+                  <m:oMathPara xmlns:m="http://schemas.openxmlformats.org/officeDocument/2006/math">
+                    <m:oMathParaPr>
+                      <m:jc m:val="centerGroup"/>
+                    </m:oMathParaPr>
+                    <m:oMath xmlns:m="http://schemas.openxmlformats.org/officeDocument/2006/math">
+                      <m:acc>
+                        <m:accPr>
+                          <m:chr m:val="̈"/>
+                          <m:ctrlPr>
+                            <a:rPr lang="sk-SK" i="1">
+                              <a:latin typeface="Cambria Math" panose="02040503050406030204" pitchFamily="18" charset="0"/>
+                            </a:rPr>
+                          </m:ctrlPr>
+                        </m:accPr>
+                        <m:e>
+                          <m:r>
+                            <a:rPr lang="sk-SK" i="1">
+                              <a:latin typeface="Cambria Math" panose="02040503050406030204" pitchFamily="18" charset="0"/>
+                            </a:rPr>
+                            <m:t>𝑥</m:t>
+                          </m:r>
+                        </m:e>
+                      </m:acc>
+                      <m:r>
+                        <a:rPr lang="sk-SK" i="1">
+                          <a:latin typeface="Cambria Math" panose="02040503050406030204" pitchFamily="18" charset="0"/>
+                        </a:rPr>
+                        <m:t>+</m:t>
+                      </m:r>
+                      <m:f>
+                        <m:fPr>
+                          <m:ctrlPr>
+                            <a:rPr lang="sk-SK" i="1" smtClean="0">
+                              <a:latin typeface="Cambria Math" panose="02040503050406030204" pitchFamily="18" charset="0"/>
+                            </a:rPr>
+                          </m:ctrlPr>
+                        </m:fPr>
+                        <m:num>
+                          <m:r>
+                            <a:rPr lang="sk-SK" b="0" i="1" smtClean="0">
+                              <a:latin typeface="Cambria Math" panose="02040503050406030204" pitchFamily="18" charset="0"/>
+                            </a:rPr>
+                            <m:t>𝑏</m:t>
+                          </m:r>
+                        </m:num>
+                        <m:den>
+                          <m:r>
+                            <a:rPr lang="sk-SK" b="0" i="1" smtClean="0">
+                              <a:latin typeface="Cambria Math" panose="02040503050406030204" pitchFamily="18" charset="0"/>
+                            </a:rPr>
+                            <m:t>𝑚</m:t>
+                          </m:r>
+                        </m:den>
+                      </m:f>
+                      <m:acc>
+                        <m:accPr>
+                          <m:chr m:val="̇"/>
+                          <m:ctrlPr>
+                            <a:rPr lang="sk-SK" i="1">
+                              <a:latin typeface="Cambria Math" panose="02040503050406030204" pitchFamily="18" charset="0"/>
+                            </a:rPr>
+                          </m:ctrlPr>
+                        </m:accPr>
+                        <m:e>
+                          <m:r>
+                            <a:rPr lang="sk-SK" i="1">
+                              <a:latin typeface="Cambria Math" panose="02040503050406030204" pitchFamily="18" charset="0"/>
+                            </a:rPr>
+                            <m:t>𝑥</m:t>
+                          </m:r>
+                        </m:e>
+                      </m:acc>
+                      <m:r>
+                        <a:rPr lang="sk-SK" i="1">
+                          <a:latin typeface="Cambria Math" panose="02040503050406030204" pitchFamily="18" charset="0"/>
+                        </a:rPr>
+                        <m:t>+</m:t>
+                      </m:r>
+                      <m:f>
+                        <m:fPr>
+                          <m:ctrlPr>
+                            <a:rPr lang="sk-SK" i="1" smtClean="0">
+                              <a:latin typeface="Cambria Math" panose="02040503050406030204" pitchFamily="18" charset="0"/>
+                            </a:rPr>
+                          </m:ctrlPr>
+                        </m:fPr>
+                        <m:num>
+                          <m:r>
+                            <a:rPr lang="sk-SK" b="0" i="1" smtClean="0">
+                              <a:latin typeface="Cambria Math" panose="02040503050406030204" pitchFamily="18" charset="0"/>
+                            </a:rPr>
+                            <m:t>𝑘</m:t>
+                          </m:r>
+                        </m:num>
+                        <m:den>
+                          <m:r>
+                            <a:rPr lang="sk-SK" b="0" i="1" smtClean="0">
+                              <a:latin typeface="Cambria Math" panose="02040503050406030204" pitchFamily="18" charset="0"/>
+                            </a:rPr>
+                            <m:t>𝑚</m:t>
+                          </m:r>
+                        </m:den>
+                      </m:f>
+                      <m:r>
+                        <a:rPr lang="sk-SK" i="1">
+                          <a:latin typeface="Cambria Math" panose="02040503050406030204" pitchFamily="18" charset="0"/>
+                        </a:rPr>
+                        <m:t>𝑥</m:t>
+                      </m:r>
+                      <m:r>
+                        <a:rPr lang="sk-SK" i="1">
+                          <a:latin typeface="Cambria Math" panose="02040503050406030204" pitchFamily="18" charset="0"/>
+                        </a:rPr>
+                        <m:t>=0</m:t>
+                      </m:r>
+                    </m:oMath>
+                  </m:oMathPara>
+                </a14:m>
+                <a:endParaRPr lang="sk-SK" dirty="0" smtClean="0"/>
+              </a:p>
+              <a:p>
+                <a:pPr marL="0" indent="0">
+                  <a:buNone/>
+                </a:pPr>
+                <a:r>
+                  <a:rPr lang="sk-SK" dirty="0" smtClean="0"/>
+                  <a:t>Je lineárnou diferenciálnou rovnicou druhého rádu</a:t>
+                </a:r>
+              </a:p>
+              <a:p>
+                <a:pPr marL="0" indent="0">
+                  <a:buNone/>
+                </a:pPr>
+                <a:endParaRPr lang="sk-SK" dirty="0"/>
+              </a:p>
+              <a:p>
+                <a:endParaRPr lang="sk-SK" dirty="0"/>
+              </a:p>
+            </p:txBody>
+          </p:sp>
+        </mc:Choice>
+        <mc:Fallback xmlns="">
+          <p:sp>
+            <p:nvSpPr>
+              <p:cNvPr id="3" name="Zástupný symbol obsahu 2"/>
+              <p:cNvSpPr>
+                <a:spLocks noGrp="1" noRot="1" noChangeAspect="1" noMove="1" noResize="1" noEditPoints="1" noAdjustHandles="1" noChangeArrowheads="1" noChangeShapeType="1" noTextEdit="1"/>
+              </p:cNvSpPr>
+              <p:nvPr>
+                <p:ph idx="1"/>
+              </p:nvPr>
+            </p:nvSpPr>
+            <p:spPr>
+              <a:blipFill rotWithShape="0">
+                <a:blip r:embed="rId2"/>
+                <a:stretch>
+                  <a:fillRect l="-1898" t="-1291"/>
+                </a:stretch>
+              </a:blipFill>
+            </p:spPr>
+            <p:txBody>
+              <a:bodyPr/>
+              <a:lstStyle/>
+              <a:p>
+                <a:r>
+                  <a:rPr lang="sk-SK">
+                    <a:noFill/>
+                  </a:rPr>
+                  <a:t> </a:t>
+                </a:r>
+              </a:p>
+            </p:txBody>
+          </p:sp>
+        </mc:Fallback>
+      </mc:AlternateContent>
     </p:spTree>
     <p:extLst>
       <p:ext uri="{BB962C8B-B14F-4D97-AF65-F5344CB8AC3E}">
-        <p14:creationId xmlns:p14="http://schemas.microsoft.com/office/powerpoint/2010/main" val="1783867593"/>
+        <p14:creationId xmlns:p14="http://schemas.microsoft.com/office/powerpoint/2010/main" val="2348839446"/>
       </p:ext>
     </p:extLst>
   </p:cSld>
@@ -7425,35 +10292,1061 @@
           <a:p>
             <a:r>
               <a:rPr lang="sk-SK" dirty="0" smtClean="0"/>
-              <a:t>Prechodová charakteristika</a:t>
+              <a:t>Budený harmonický oscilátor</a:t>
             </a:r>
             <a:endParaRPr lang="sk-SK" dirty="0"/>
           </a:p>
         </p:txBody>
       </p:sp>
-      <p:sp>
-        <p:nvSpPr>
-          <p:cNvPr id="3" name="Zástupný symbol obsahu 2"/>
-          <p:cNvSpPr>
-            <a:spLocks noGrp="1"/>
-          </p:cNvSpPr>
-          <p:nvPr>
-            <p:ph idx="1"/>
-          </p:nvPr>
-        </p:nvSpPr>
-        <p:spPr/>
-        <p:txBody>
-          <a:bodyPr/>
-          <a:lstStyle/>
-          <a:p>
-            <a:endParaRPr lang="sk-SK"/>
-          </a:p>
-        </p:txBody>
-      </p:sp>
+      <mc:AlternateContent xmlns:mc="http://schemas.openxmlformats.org/markup-compatibility/2006">
+        <mc:Choice xmlns:a14="http://schemas.microsoft.com/office/drawing/2010/main" Requires="a14">
+          <p:sp>
+            <p:nvSpPr>
+              <p:cNvPr id="3" name="Zástupný symbol obsahu 2"/>
+              <p:cNvSpPr>
+                <a:spLocks noGrp="1"/>
+              </p:cNvSpPr>
+              <p:nvPr>
+                <p:ph idx="1"/>
+              </p:nvPr>
+            </p:nvSpPr>
+            <p:spPr>
+              <a:xfrm>
+                <a:off x="393699" y="1040445"/>
+                <a:ext cx="8593782" cy="5698105"/>
+              </a:xfrm>
+            </p:spPr>
+            <p:txBody>
+              <a:bodyPr>
+                <a:normAutofit fontScale="77500" lnSpcReduction="20000"/>
+              </a:bodyPr>
+              <a:lstStyle/>
+              <a:p>
+                <a:pPr>
+                  <a:buFont typeface="Arial" panose="020B0604020202020204" pitchFamily="34" charset="0"/>
+                  <a:buChar char="•"/>
+                </a:pPr>
+                <a:r>
+                  <a:rPr lang="sk-SK" dirty="0" smtClean="0"/>
+                  <a:t>Uvažujme že na oscilátor vieme pôsobiť externou budiacou silou </a:t>
+                </a:r>
+                <a14:m>
+                  <m:oMath xmlns:m="http://schemas.openxmlformats.org/officeDocument/2006/math">
+                    <m:sSub>
+                      <m:sSubPr>
+                        <m:ctrlPr>
+                          <a:rPr lang="sk-SK" i="1">
+                            <a:latin typeface="Cambria Math" panose="02040503050406030204" pitchFamily="18" charset="0"/>
+                          </a:rPr>
+                        </m:ctrlPr>
+                      </m:sSubPr>
+                      <m:e>
+                        <m:r>
+                          <a:rPr lang="sk-SK" i="1">
+                            <a:latin typeface="Cambria Math" panose="02040503050406030204" pitchFamily="18" charset="0"/>
+                          </a:rPr>
+                          <m:t>𝐹</m:t>
+                        </m:r>
+                      </m:e>
+                      <m:sub>
+                        <m:r>
+                          <a:rPr lang="sk-SK" b="0" i="1" smtClean="0">
+                            <a:latin typeface="Cambria Math" panose="02040503050406030204" pitchFamily="18" charset="0"/>
+                          </a:rPr>
+                          <m:t>𝑒𝑥</m:t>
+                        </m:r>
+                      </m:sub>
+                    </m:sSub>
+                  </m:oMath>
+                </a14:m>
+                <a:r>
+                  <a:rPr lang="sk-SK" dirty="0" smtClean="0"/>
+                  <a:t> </a:t>
+                </a:r>
+                <a:endParaRPr lang="sk-SK" dirty="0"/>
+              </a:p>
+              <a:p>
+                <a:pPr>
+                  <a:buFont typeface="Arial" panose="020B0604020202020204" pitchFamily="34" charset="0"/>
+                  <a:buChar char="•"/>
+                </a:pPr>
+                <a:r>
+                  <a:rPr lang="sk-SK" dirty="0" smtClean="0"/>
+                  <a:t>Túto silu považujme za vstup do systému</a:t>
+                </a:r>
+                <a:endParaRPr lang="sk-SK" dirty="0" smtClean="0"/>
+              </a:p>
+              <a:p>
+                <a:pPr>
+                  <a:buFont typeface="Arial" panose="020B0604020202020204" pitchFamily="34" charset="0"/>
+                  <a:buChar char="•"/>
+                </a:pPr>
+                <a:r>
+                  <a:rPr lang="sk-SK" dirty="0" smtClean="0"/>
+                  <a:t>Diferenciálna oscilátora rovnica potom prejde do tvaru:</a:t>
+                </a:r>
+              </a:p>
+              <a:p>
+                <a:pPr marL="0" indent="0">
+                  <a:buNone/>
+                </a:pPr>
+                <a14:m>
+                  <m:oMathPara xmlns:m="http://schemas.openxmlformats.org/officeDocument/2006/math">
+                    <m:oMathParaPr>
+                      <m:jc m:val="centerGroup"/>
+                    </m:oMathParaPr>
+                    <m:oMath xmlns:m="http://schemas.openxmlformats.org/officeDocument/2006/math">
+                      <m:acc>
+                        <m:accPr>
+                          <m:chr m:val="̈"/>
+                          <m:ctrlPr>
+                            <a:rPr lang="sk-SK" i="1">
+                              <a:latin typeface="Cambria Math" panose="02040503050406030204" pitchFamily="18" charset="0"/>
+                            </a:rPr>
+                          </m:ctrlPr>
+                        </m:accPr>
+                        <m:e>
+                          <m:r>
+                            <a:rPr lang="sk-SK" i="1">
+                              <a:latin typeface="Cambria Math" panose="02040503050406030204" pitchFamily="18" charset="0"/>
+                            </a:rPr>
+                            <m:t>𝑥</m:t>
+                          </m:r>
+                        </m:e>
+                      </m:acc>
+                      <m:r>
+                        <a:rPr lang="sk-SK" i="1">
+                          <a:latin typeface="Cambria Math" panose="02040503050406030204" pitchFamily="18" charset="0"/>
+                        </a:rPr>
+                        <m:t>+</m:t>
+                      </m:r>
+                      <m:f>
+                        <m:fPr>
+                          <m:ctrlPr>
+                            <a:rPr lang="sk-SK" i="1">
+                              <a:latin typeface="Cambria Math" panose="02040503050406030204" pitchFamily="18" charset="0"/>
+                            </a:rPr>
+                          </m:ctrlPr>
+                        </m:fPr>
+                        <m:num>
+                          <m:r>
+                            <a:rPr lang="sk-SK" i="1">
+                              <a:latin typeface="Cambria Math" panose="02040503050406030204" pitchFamily="18" charset="0"/>
+                            </a:rPr>
+                            <m:t>𝑏</m:t>
+                          </m:r>
+                        </m:num>
+                        <m:den>
+                          <m:r>
+                            <a:rPr lang="sk-SK" i="1">
+                              <a:latin typeface="Cambria Math" panose="02040503050406030204" pitchFamily="18" charset="0"/>
+                            </a:rPr>
+                            <m:t>𝑚</m:t>
+                          </m:r>
+                        </m:den>
+                      </m:f>
+                      <m:acc>
+                        <m:accPr>
+                          <m:chr m:val="̇"/>
+                          <m:ctrlPr>
+                            <a:rPr lang="sk-SK" i="1">
+                              <a:latin typeface="Cambria Math" panose="02040503050406030204" pitchFamily="18" charset="0"/>
+                            </a:rPr>
+                          </m:ctrlPr>
+                        </m:accPr>
+                        <m:e>
+                          <m:r>
+                            <a:rPr lang="sk-SK" i="1">
+                              <a:latin typeface="Cambria Math" panose="02040503050406030204" pitchFamily="18" charset="0"/>
+                            </a:rPr>
+                            <m:t>𝑥</m:t>
+                          </m:r>
+                        </m:e>
+                      </m:acc>
+                      <m:r>
+                        <a:rPr lang="sk-SK" i="1">
+                          <a:latin typeface="Cambria Math" panose="02040503050406030204" pitchFamily="18" charset="0"/>
+                        </a:rPr>
+                        <m:t>+</m:t>
+                      </m:r>
+                      <m:f>
+                        <m:fPr>
+                          <m:ctrlPr>
+                            <a:rPr lang="sk-SK" i="1">
+                              <a:latin typeface="Cambria Math" panose="02040503050406030204" pitchFamily="18" charset="0"/>
+                            </a:rPr>
+                          </m:ctrlPr>
+                        </m:fPr>
+                        <m:num>
+                          <m:r>
+                            <a:rPr lang="sk-SK" i="1">
+                              <a:latin typeface="Cambria Math" panose="02040503050406030204" pitchFamily="18" charset="0"/>
+                            </a:rPr>
+                            <m:t>𝑘</m:t>
+                          </m:r>
+                        </m:num>
+                        <m:den>
+                          <m:r>
+                            <a:rPr lang="sk-SK" i="1">
+                              <a:latin typeface="Cambria Math" panose="02040503050406030204" pitchFamily="18" charset="0"/>
+                            </a:rPr>
+                            <m:t>𝑚</m:t>
+                          </m:r>
+                        </m:den>
+                      </m:f>
+                      <m:r>
+                        <a:rPr lang="sk-SK" i="1">
+                          <a:latin typeface="Cambria Math" panose="02040503050406030204" pitchFamily="18" charset="0"/>
+                        </a:rPr>
+                        <m:t>𝑥</m:t>
+                      </m:r>
+                      <m:r>
+                        <a:rPr lang="sk-SK" i="1">
+                          <a:latin typeface="Cambria Math" panose="02040503050406030204" pitchFamily="18" charset="0"/>
+                        </a:rPr>
+                        <m:t>=</m:t>
+                      </m:r>
+                      <m:f>
+                        <m:fPr>
+                          <m:ctrlPr>
+                            <a:rPr lang="sk-SK" i="1" smtClean="0">
+                              <a:latin typeface="Cambria Math" panose="02040503050406030204" pitchFamily="18" charset="0"/>
+                            </a:rPr>
+                          </m:ctrlPr>
+                        </m:fPr>
+                        <m:num>
+                          <m:sSub>
+                            <m:sSubPr>
+                              <m:ctrlPr>
+                                <a:rPr lang="sk-SK" i="1">
+                                  <a:latin typeface="Cambria Math" panose="02040503050406030204" pitchFamily="18" charset="0"/>
+                                </a:rPr>
+                              </m:ctrlPr>
+                            </m:sSubPr>
+                            <m:e>
+                              <m:r>
+                                <a:rPr lang="sk-SK" i="1">
+                                  <a:latin typeface="Cambria Math" panose="02040503050406030204" pitchFamily="18" charset="0"/>
+                                </a:rPr>
+                                <m:t>𝐹</m:t>
+                              </m:r>
+                            </m:e>
+                            <m:sub>
+                              <m:r>
+                                <a:rPr lang="sk-SK" i="1">
+                                  <a:latin typeface="Cambria Math" panose="02040503050406030204" pitchFamily="18" charset="0"/>
+                                </a:rPr>
+                                <m:t>𝑒𝑥</m:t>
+                              </m:r>
+                            </m:sub>
+                          </m:sSub>
+                        </m:num>
+                        <m:den>
+                          <m:r>
+                            <a:rPr lang="sk-SK" b="0" i="1" smtClean="0">
+                              <a:latin typeface="Cambria Math" panose="02040503050406030204" pitchFamily="18" charset="0"/>
+                            </a:rPr>
+                            <m:t>𝑚</m:t>
+                          </m:r>
+                        </m:den>
+                      </m:f>
+                    </m:oMath>
+                  </m:oMathPara>
+                </a14:m>
+                <a:endParaRPr lang="sk-SK" dirty="0" smtClean="0"/>
+              </a:p>
+              <a:p>
+                <a:pPr>
+                  <a:buFont typeface="Arial" panose="020B0604020202020204" pitchFamily="34" charset="0"/>
+                  <a:buChar char="•"/>
+                </a:pPr>
+                <a:r>
+                  <a:rPr lang="sk-SK" dirty="0" smtClean="0"/>
+                  <a:t>Teraz vieme pomocou </a:t>
+                </a:r>
+                <a:r>
+                  <a:rPr lang="sk-SK" dirty="0" err="1" smtClean="0"/>
+                  <a:t>Laplaceovej</a:t>
+                </a:r>
+                <a:r>
+                  <a:rPr lang="sk-SK" dirty="0" smtClean="0"/>
+                  <a:t> transformácie odvodiť prenosovú funkciu systému</a:t>
+                </a:r>
+              </a:p>
+              <a:p>
+                <a:pPr>
+                  <a:buFont typeface="Arial" panose="020B0604020202020204" pitchFamily="34" charset="0"/>
+                  <a:buChar char="•"/>
+                </a:pPr>
+                <a:r>
+                  <a:rPr lang="sk-SK" dirty="0" smtClean="0"/>
+                  <a:t>Za jednotlivé stupne derivácii dosadíme mocniny komplexnej premennej </a:t>
+                </a:r>
+                <a:r>
+                  <a:rPr lang="sk-SK" i="1" dirty="0" smtClean="0"/>
+                  <a:t>s</a:t>
+                </a:r>
+              </a:p>
+              <a:p>
+                <a:pPr>
+                  <a:buFont typeface="Arial" panose="020B0604020202020204" pitchFamily="34" charset="0"/>
+                  <a:buChar char="•"/>
+                </a:pPr>
+                <a:r>
+                  <a:rPr lang="sk-SK" dirty="0" smtClean="0"/>
+                  <a:t>Obraz vstupu systému bude všeobecne </a:t>
+                </a:r>
+                <a14:m>
+                  <m:oMath xmlns:m="http://schemas.openxmlformats.org/officeDocument/2006/math">
+                    <m:sSub>
+                      <m:sSubPr>
+                        <m:ctrlPr>
+                          <a:rPr lang="sk-SK" i="1">
+                            <a:latin typeface="Cambria Math" panose="02040503050406030204" pitchFamily="18" charset="0"/>
+                          </a:rPr>
+                        </m:ctrlPr>
+                      </m:sSubPr>
+                      <m:e>
+                        <m:r>
+                          <a:rPr lang="sk-SK" i="1">
+                            <a:latin typeface="Cambria Math" panose="02040503050406030204" pitchFamily="18" charset="0"/>
+                          </a:rPr>
+                          <m:t>𝐹</m:t>
+                        </m:r>
+                      </m:e>
+                      <m:sub>
+                        <m:r>
+                          <a:rPr lang="sk-SK" i="1">
+                            <a:latin typeface="Cambria Math" panose="02040503050406030204" pitchFamily="18" charset="0"/>
+                          </a:rPr>
+                          <m:t>𝑒𝑥</m:t>
+                        </m:r>
+                      </m:sub>
+                    </m:sSub>
+                    <m:r>
+                      <a:rPr lang="sk-SK" i="1">
+                        <a:latin typeface="Cambria Math" panose="02040503050406030204" pitchFamily="18" charset="0"/>
+                      </a:rPr>
+                      <m:t>(</m:t>
+                    </m:r>
+                    <m:r>
+                      <a:rPr lang="sk-SK" i="1">
+                        <a:latin typeface="Cambria Math" panose="02040503050406030204" pitchFamily="18" charset="0"/>
+                      </a:rPr>
+                      <m:t>𝑠</m:t>
+                    </m:r>
+                    <m:r>
+                      <a:rPr lang="sk-SK" i="1">
+                        <a:latin typeface="Cambria Math" panose="02040503050406030204" pitchFamily="18" charset="0"/>
+                      </a:rPr>
+                      <m:t>)</m:t>
+                    </m:r>
+                  </m:oMath>
+                </a14:m>
+                <a:r>
+                  <a:rPr lang="sk-SK" dirty="0" smtClean="0"/>
+                  <a:t> a obraz výstupu </a:t>
+                </a:r>
+                <a14:m>
+                  <m:oMath xmlns:m="http://schemas.openxmlformats.org/officeDocument/2006/math">
+                    <m:r>
+                      <a:rPr lang="sk-SK" i="1">
+                        <a:latin typeface="Cambria Math" panose="02040503050406030204" pitchFamily="18" charset="0"/>
+                      </a:rPr>
+                      <m:t>𝑥</m:t>
+                    </m:r>
+                    <m:r>
+                      <a:rPr lang="sk-SK" i="1">
+                        <a:latin typeface="Cambria Math" panose="02040503050406030204" pitchFamily="18" charset="0"/>
+                      </a:rPr>
+                      <m:t>(</m:t>
+                    </m:r>
+                    <m:r>
+                      <a:rPr lang="sk-SK" i="1">
+                        <a:latin typeface="Cambria Math" panose="02040503050406030204" pitchFamily="18" charset="0"/>
+                      </a:rPr>
+                      <m:t>𝑠</m:t>
+                    </m:r>
+                    <m:r>
+                      <a:rPr lang="sk-SK" i="1">
+                        <a:latin typeface="Cambria Math" panose="02040503050406030204" pitchFamily="18" charset="0"/>
+                      </a:rPr>
+                      <m:t>)</m:t>
+                    </m:r>
+                  </m:oMath>
+                </a14:m>
+                <a:endParaRPr lang="sk-SK" dirty="0" smtClean="0"/>
+              </a:p>
+              <a:p>
+                <a:pPr>
+                  <a:buFont typeface="Arial" panose="020B0604020202020204" pitchFamily="34" charset="0"/>
+                  <a:buChar char="•"/>
+                </a:pPr>
+                <a:endParaRPr lang="sk-SK" dirty="0" smtClean="0"/>
+              </a:p>
+              <a:p>
+                <a:pPr marL="0" indent="0">
+                  <a:buNone/>
+                </a:pPr>
+                <a14:m>
+                  <m:oMathPara xmlns:m="http://schemas.openxmlformats.org/officeDocument/2006/math">
+                    <m:oMathParaPr>
+                      <m:jc m:val="centerGroup"/>
+                    </m:oMathParaPr>
+                    <m:oMath xmlns:m="http://schemas.openxmlformats.org/officeDocument/2006/math">
+                      <m:sSup>
+                        <m:sSupPr>
+                          <m:ctrlPr>
+                            <a:rPr lang="sk-SK" b="0" i="1" smtClean="0">
+                              <a:latin typeface="Cambria Math" panose="02040503050406030204" pitchFamily="18" charset="0"/>
+                            </a:rPr>
+                          </m:ctrlPr>
+                        </m:sSupPr>
+                        <m:e>
+                          <m:r>
+                            <a:rPr lang="sk-SK" b="0" i="1" smtClean="0">
+                              <a:latin typeface="Cambria Math" panose="02040503050406030204" pitchFamily="18" charset="0"/>
+                            </a:rPr>
+                            <m:t>𝑠</m:t>
+                          </m:r>
+                        </m:e>
+                        <m:sup>
+                          <m:r>
+                            <a:rPr lang="sk-SK" b="0" i="1" smtClean="0">
+                              <a:latin typeface="Cambria Math" panose="02040503050406030204" pitchFamily="18" charset="0"/>
+                            </a:rPr>
+                            <m:t>2</m:t>
+                          </m:r>
+                        </m:sup>
+                      </m:sSup>
+                      <m:sSub>
+                        <m:sSubPr>
+                          <m:ctrlPr>
+                            <a:rPr lang="sk-SK" b="0" i="1" smtClean="0">
+                              <a:latin typeface="Cambria Math" panose="02040503050406030204" pitchFamily="18" charset="0"/>
+                            </a:rPr>
+                          </m:ctrlPr>
+                        </m:sSubPr>
+                        <m:e>
+                          <m:r>
+                            <a:rPr lang="sk-SK" b="0" i="1" smtClean="0">
+                              <a:latin typeface="Cambria Math" panose="02040503050406030204" pitchFamily="18" charset="0"/>
+                            </a:rPr>
+                            <m:t>𝑥</m:t>
+                          </m:r>
+                        </m:e>
+                        <m:sub>
+                          <m:r>
+                            <a:rPr lang="sk-SK" b="0" i="1" smtClean="0">
+                              <a:latin typeface="Cambria Math" panose="02040503050406030204" pitchFamily="18" charset="0"/>
+                            </a:rPr>
+                            <m:t>(</m:t>
+                          </m:r>
+                          <m:r>
+                            <a:rPr lang="sk-SK" b="0" i="1" smtClean="0">
+                              <a:latin typeface="Cambria Math" panose="02040503050406030204" pitchFamily="18" charset="0"/>
+                            </a:rPr>
+                            <m:t>𝑠</m:t>
+                          </m:r>
+                          <m:r>
+                            <a:rPr lang="sk-SK" b="0" i="1" smtClean="0">
+                              <a:latin typeface="Cambria Math" panose="02040503050406030204" pitchFamily="18" charset="0"/>
+                            </a:rPr>
+                            <m:t>)</m:t>
+                          </m:r>
+                        </m:sub>
+                      </m:sSub>
+                      <m:r>
+                        <a:rPr lang="sk-SK" i="1">
+                          <a:latin typeface="Cambria Math" panose="02040503050406030204" pitchFamily="18" charset="0"/>
+                        </a:rPr>
+                        <m:t>+</m:t>
+                      </m:r>
+                      <m:f>
+                        <m:fPr>
+                          <m:ctrlPr>
+                            <a:rPr lang="sk-SK" i="1">
+                              <a:latin typeface="Cambria Math" panose="02040503050406030204" pitchFamily="18" charset="0"/>
+                            </a:rPr>
+                          </m:ctrlPr>
+                        </m:fPr>
+                        <m:num>
+                          <m:r>
+                            <a:rPr lang="sk-SK" i="1">
+                              <a:latin typeface="Cambria Math" panose="02040503050406030204" pitchFamily="18" charset="0"/>
+                            </a:rPr>
+                            <m:t>𝑏</m:t>
+                          </m:r>
+                        </m:num>
+                        <m:den>
+                          <m:r>
+                            <a:rPr lang="sk-SK" i="1">
+                              <a:latin typeface="Cambria Math" panose="02040503050406030204" pitchFamily="18" charset="0"/>
+                            </a:rPr>
+                            <m:t>𝑚</m:t>
+                          </m:r>
+                        </m:den>
+                      </m:f>
+                      <m:r>
+                        <a:rPr lang="sk-SK" b="0" i="1" smtClean="0">
+                          <a:latin typeface="Cambria Math" panose="02040503050406030204" pitchFamily="18" charset="0"/>
+                        </a:rPr>
+                        <m:t>𝑠</m:t>
+                      </m:r>
+                      <m:sSub>
+                        <m:sSubPr>
+                          <m:ctrlPr>
+                            <a:rPr lang="sk-SK" i="1">
+                              <a:latin typeface="Cambria Math" panose="02040503050406030204" pitchFamily="18" charset="0"/>
+                            </a:rPr>
+                          </m:ctrlPr>
+                        </m:sSubPr>
+                        <m:e>
+                          <m:r>
+                            <a:rPr lang="sk-SK" i="1">
+                              <a:latin typeface="Cambria Math" panose="02040503050406030204" pitchFamily="18" charset="0"/>
+                            </a:rPr>
+                            <m:t>𝑥</m:t>
+                          </m:r>
+                        </m:e>
+                        <m:sub>
+                          <m:r>
+                            <a:rPr lang="sk-SK" i="1">
+                              <a:latin typeface="Cambria Math" panose="02040503050406030204" pitchFamily="18" charset="0"/>
+                            </a:rPr>
+                            <m:t>(</m:t>
+                          </m:r>
+                          <m:r>
+                            <a:rPr lang="sk-SK" i="1">
+                              <a:latin typeface="Cambria Math" panose="02040503050406030204" pitchFamily="18" charset="0"/>
+                            </a:rPr>
+                            <m:t>𝑠</m:t>
+                          </m:r>
+                          <m:r>
+                            <a:rPr lang="sk-SK" i="1">
+                              <a:latin typeface="Cambria Math" panose="02040503050406030204" pitchFamily="18" charset="0"/>
+                            </a:rPr>
+                            <m:t>)</m:t>
+                          </m:r>
+                        </m:sub>
+                      </m:sSub>
+                      <m:r>
+                        <a:rPr lang="sk-SK" i="1">
+                          <a:latin typeface="Cambria Math" panose="02040503050406030204" pitchFamily="18" charset="0"/>
+                        </a:rPr>
+                        <m:t>+</m:t>
+                      </m:r>
+                      <m:f>
+                        <m:fPr>
+                          <m:ctrlPr>
+                            <a:rPr lang="sk-SK" i="1">
+                              <a:latin typeface="Cambria Math" panose="02040503050406030204" pitchFamily="18" charset="0"/>
+                            </a:rPr>
+                          </m:ctrlPr>
+                        </m:fPr>
+                        <m:num>
+                          <m:r>
+                            <a:rPr lang="sk-SK" i="1">
+                              <a:latin typeface="Cambria Math" panose="02040503050406030204" pitchFamily="18" charset="0"/>
+                            </a:rPr>
+                            <m:t>𝑘</m:t>
+                          </m:r>
+                        </m:num>
+                        <m:den>
+                          <m:r>
+                            <a:rPr lang="sk-SK" i="1">
+                              <a:latin typeface="Cambria Math" panose="02040503050406030204" pitchFamily="18" charset="0"/>
+                            </a:rPr>
+                            <m:t>𝑚</m:t>
+                          </m:r>
+                        </m:den>
+                      </m:f>
+                      <m:sSub>
+                        <m:sSubPr>
+                          <m:ctrlPr>
+                            <a:rPr lang="sk-SK" i="1">
+                              <a:latin typeface="Cambria Math" panose="02040503050406030204" pitchFamily="18" charset="0"/>
+                            </a:rPr>
+                          </m:ctrlPr>
+                        </m:sSubPr>
+                        <m:e>
+                          <m:r>
+                            <a:rPr lang="sk-SK" i="1">
+                              <a:latin typeface="Cambria Math" panose="02040503050406030204" pitchFamily="18" charset="0"/>
+                            </a:rPr>
+                            <m:t>𝑥</m:t>
+                          </m:r>
+                        </m:e>
+                        <m:sub>
+                          <m:r>
+                            <a:rPr lang="sk-SK" i="1">
+                              <a:latin typeface="Cambria Math" panose="02040503050406030204" pitchFamily="18" charset="0"/>
+                            </a:rPr>
+                            <m:t>(</m:t>
+                          </m:r>
+                          <m:r>
+                            <a:rPr lang="sk-SK" i="1">
+                              <a:latin typeface="Cambria Math" panose="02040503050406030204" pitchFamily="18" charset="0"/>
+                            </a:rPr>
+                            <m:t>𝑠</m:t>
+                          </m:r>
+                          <m:r>
+                            <a:rPr lang="sk-SK" i="1">
+                              <a:latin typeface="Cambria Math" panose="02040503050406030204" pitchFamily="18" charset="0"/>
+                            </a:rPr>
+                            <m:t>)</m:t>
+                          </m:r>
+                        </m:sub>
+                      </m:sSub>
+                      <m:r>
+                        <a:rPr lang="sk-SK" i="1">
+                          <a:latin typeface="Cambria Math" panose="02040503050406030204" pitchFamily="18" charset="0"/>
+                        </a:rPr>
+                        <m:t>=</m:t>
+                      </m:r>
+                      <m:sSub>
+                        <m:sSubPr>
+                          <m:ctrlPr>
+                            <a:rPr lang="sk-SK" i="1" smtClean="0">
+                              <a:latin typeface="Cambria Math" panose="02040503050406030204" pitchFamily="18" charset="0"/>
+                            </a:rPr>
+                          </m:ctrlPr>
+                        </m:sSubPr>
+                        <m:e>
+                          <m:r>
+                            <a:rPr lang="sk-SK" i="1">
+                              <a:latin typeface="Cambria Math" panose="02040503050406030204" pitchFamily="18" charset="0"/>
+                            </a:rPr>
+                            <m:t>𝐹</m:t>
+                          </m:r>
+                        </m:e>
+                        <m:sub>
+                          <m:r>
+                            <a:rPr lang="sk-SK" i="1">
+                              <a:latin typeface="Cambria Math" panose="02040503050406030204" pitchFamily="18" charset="0"/>
+                            </a:rPr>
+                            <m:t>𝑒𝑥</m:t>
+                          </m:r>
+                        </m:sub>
+                      </m:sSub>
+                      <m:r>
+                        <a:rPr lang="sk-SK" b="0" i="1" smtClean="0">
+                          <a:latin typeface="Cambria Math" panose="02040503050406030204" pitchFamily="18" charset="0"/>
+                        </a:rPr>
+                        <m:t>(</m:t>
+                      </m:r>
+                      <m:r>
+                        <a:rPr lang="sk-SK" b="0" i="1" smtClean="0">
+                          <a:latin typeface="Cambria Math" panose="02040503050406030204" pitchFamily="18" charset="0"/>
+                        </a:rPr>
+                        <m:t>𝑠</m:t>
+                      </m:r>
+                      <m:r>
+                        <a:rPr lang="sk-SK" b="0" i="1" smtClean="0">
+                          <a:latin typeface="Cambria Math" panose="02040503050406030204" pitchFamily="18" charset="0"/>
+                        </a:rPr>
+                        <m:t>)</m:t>
+                      </m:r>
+                    </m:oMath>
+                  </m:oMathPara>
+                </a14:m>
+                <a:endParaRPr lang="sk-SK" dirty="0" smtClean="0"/>
+              </a:p>
+              <a:p>
+                <a:pPr>
+                  <a:buFont typeface="Arial" panose="020B0604020202020204" pitchFamily="34" charset="0"/>
+                  <a:buChar char="•"/>
+                </a:pPr>
+                <a:r>
+                  <a:rPr lang="sk-SK" dirty="0" smtClean="0"/>
+                  <a:t>Prenosová funkcia </a:t>
+                </a:r>
+                <a:r>
+                  <a:rPr lang="sk-SK" dirty="0" err="1" smtClean="0"/>
+                  <a:t>funkcia</a:t>
+                </a:r>
+                <a:r>
+                  <a:rPr lang="sk-SK" dirty="0" smtClean="0"/>
+                  <a:t> bude  pomer obrazu výchylky kyvadla ku budiacej sile</a:t>
+                </a:r>
+              </a:p>
+              <a:p>
+                <a:pPr>
+                  <a:buFont typeface="Arial" panose="020B0604020202020204" pitchFamily="34" charset="0"/>
+                  <a:buChar char="•"/>
+                </a:pPr>
+                <a:endParaRPr lang="sk-SK" dirty="0" smtClean="0"/>
+              </a:p>
+              <a:p>
+                <a:pPr marL="0" indent="0">
+                  <a:buNone/>
+                </a:pPr>
+                <a14:m>
+                  <m:oMathPara xmlns:m="http://schemas.openxmlformats.org/officeDocument/2006/math">
+                    <m:oMathParaPr>
+                      <m:jc m:val="centerGroup"/>
+                    </m:oMathParaPr>
+                    <m:oMath xmlns:m="http://schemas.openxmlformats.org/officeDocument/2006/math">
+                      <m:r>
+                        <a:rPr lang="sk-SK" b="0" i="1" smtClean="0">
+                          <a:latin typeface="Cambria Math" panose="02040503050406030204" pitchFamily="18" charset="0"/>
+                        </a:rPr>
+                        <m:t>𝐺</m:t>
+                      </m:r>
+                      <m:d>
+                        <m:dPr>
+                          <m:ctrlPr>
+                            <a:rPr lang="sk-SK" b="0" i="1" smtClean="0">
+                              <a:latin typeface="Cambria Math" panose="02040503050406030204" pitchFamily="18" charset="0"/>
+                            </a:rPr>
+                          </m:ctrlPr>
+                        </m:dPr>
+                        <m:e>
+                          <m:r>
+                            <a:rPr lang="sk-SK" b="0" i="1" smtClean="0">
+                              <a:latin typeface="Cambria Math" panose="02040503050406030204" pitchFamily="18" charset="0"/>
+                            </a:rPr>
+                            <m:t>𝑠</m:t>
+                          </m:r>
+                        </m:e>
+                      </m:d>
+                      <m:r>
+                        <a:rPr lang="sk-SK" b="0" i="1" smtClean="0">
+                          <a:latin typeface="Cambria Math" panose="02040503050406030204" pitchFamily="18" charset="0"/>
+                        </a:rPr>
+                        <m:t>=</m:t>
+                      </m:r>
+                      <m:f>
+                        <m:fPr>
+                          <m:ctrlPr>
+                            <a:rPr lang="sk-SK" i="1" smtClean="0">
+                              <a:latin typeface="Cambria Math" panose="02040503050406030204" pitchFamily="18" charset="0"/>
+                            </a:rPr>
+                          </m:ctrlPr>
+                        </m:fPr>
+                        <m:num>
+                          <m:r>
+                            <a:rPr lang="sk-SK" b="0" i="1" smtClean="0">
+                              <a:latin typeface="Cambria Math" panose="02040503050406030204" pitchFamily="18" charset="0"/>
+                            </a:rPr>
+                            <m:t>𝑥</m:t>
+                          </m:r>
+                          <m:r>
+                            <a:rPr lang="sk-SK" b="0" i="1" smtClean="0">
+                              <a:latin typeface="Cambria Math" panose="02040503050406030204" pitchFamily="18" charset="0"/>
+                            </a:rPr>
+                            <m:t>(</m:t>
+                          </m:r>
+                          <m:r>
+                            <a:rPr lang="sk-SK" b="0" i="1" smtClean="0">
+                              <a:latin typeface="Cambria Math" panose="02040503050406030204" pitchFamily="18" charset="0"/>
+                            </a:rPr>
+                            <m:t>𝑠</m:t>
+                          </m:r>
+                          <m:r>
+                            <a:rPr lang="sk-SK" b="0" i="1" smtClean="0">
+                              <a:latin typeface="Cambria Math" panose="02040503050406030204" pitchFamily="18" charset="0"/>
+                            </a:rPr>
+                            <m:t>)</m:t>
+                          </m:r>
+                        </m:num>
+                        <m:den>
+                          <m:sSub>
+                            <m:sSubPr>
+                              <m:ctrlPr>
+                                <a:rPr lang="sk-SK" i="1">
+                                  <a:latin typeface="Cambria Math" panose="02040503050406030204" pitchFamily="18" charset="0"/>
+                                </a:rPr>
+                              </m:ctrlPr>
+                            </m:sSubPr>
+                            <m:e>
+                              <m:r>
+                                <a:rPr lang="sk-SK" i="1">
+                                  <a:latin typeface="Cambria Math" panose="02040503050406030204" pitchFamily="18" charset="0"/>
+                                </a:rPr>
+                                <m:t>𝐹</m:t>
+                              </m:r>
+                            </m:e>
+                            <m:sub>
+                              <m:r>
+                                <a:rPr lang="sk-SK" i="1">
+                                  <a:latin typeface="Cambria Math" panose="02040503050406030204" pitchFamily="18" charset="0"/>
+                                </a:rPr>
+                                <m:t>𝑒𝑥</m:t>
+                              </m:r>
+                            </m:sub>
+                          </m:sSub>
+                          <m:r>
+                            <a:rPr lang="sk-SK" b="0" i="1" smtClean="0">
+                              <a:latin typeface="Cambria Math" panose="02040503050406030204" pitchFamily="18" charset="0"/>
+                            </a:rPr>
+                            <m:t>(</m:t>
+                          </m:r>
+                          <m:r>
+                            <a:rPr lang="sk-SK" b="0" i="1" smtClean="0">
+                              <a:latin typeface="Cambria Math" panose="02040503050406030204" pitchFamily="18" charset="0"/>
+                            </a:rPr>
+                            <m:t>𝑠</m:t>
+                          </m:r>
+                          <m:r>
+                            <a:rPr lang="sk-SK" b="0" i="1" smtClean="0">
+                              <a:latin typeface="Cambria Math" panose="02040503050406030204" pitchFamily="18" charset="0"/>
+                            </a:rPr>
+                            <m:t>)</m:t>
+                          </m:r>
+                        </m:den>
+                      </m:f>
+                    </m:oMath>
+                  </m:oMathPara>
+                </a14:m>
+                <a:endParaRPr lang="sk-SK" dirty="0" smtClean="0"/>
+              </a:p>
+              <a:p>
+                <a:pPr marL="0" indent="0">
+                  <a:buNone/>
+                </a:pPr>
+                <a:endParaRPr lang="sk-SK" dirty="0" smtClean="0"/>
+              </a:p>
+              <a:p>
+                <a:pPr marL="0" indent="0">
+                  <a:buNone/>
+                </a:pPr>
+                <a14:m>
+                  <m:oMathPara xmlns:m="http://schemas.openxmlformats.org/officeDocument/2006/math">
+                    <m:oMathParaPr>
+                      <m:jc m:val="centerGroup"/>
+                    </m:oMathParaPr>
+                    <m:oMath xmlns:m="http://schemas.openxmlformats.org/officeDocument/2006/math">
+                      <m:r>
+                        <a:rPr lang="sk-SK" i="1">
+                          <a:latin typeface="Cambria Math" panose="02040503050406030204" pitchFamily="18" charset="0"/>
+                        </a:rPr>
+                        <m:t>𝐺</m:t>
+                      </m:r>
+                      <m:d>
+                        <m:dPr>
+                          <m:ctrlPr>
+                            <a:rPr lang="sk-SK" i="1">
+                              <a:latin typeface="Cambria Math" panose="02040503050406030204" pitchFamily="18" charset="0"/>
+                            </a:rPr>
+                          </m:ctrlPr>
+                        </m:dPr>
+                        <m:e>
+                          <m:r>
+                            <a:rPr lang="sk-SK" i="1">
+                              <a:latin typeface="Cambria Math" panose="02040503050406030204" pitchFamily="18" charset="0"/>
+                            </a:rPr>
+                            <m:t>𝑠</m:t>
+                          </m:r>
+                        </m:e>
+                      </m:d>
+                      <m:r>
+                        <a:rPr lang="sk-SK" i="1">
+                          <a:latin typeface="Cambria Math" panose="02040503050406030204" pitchFamily="18" charset="0"/>
+                        </a:rPr>
+                        <m:t>=</m:t>
+                      </m:r>
+                      <m:f>
+                        <m:fPr>
+                          <m:ctrlPr>
+                            <a:rPr lang="sk-SK" i="1" smtClean="0">
+                              <a:latin typeface="Cambria Math" panose="02040503050406030204" pitchFamily="18" charset="0"/>
+                            </a:rPr>
+                          </m:ctrlPr>
+                        </m:fPr>
+                        <m:num>
+                          <m:f>
+                            <m:fPr>
+                              <m:ctrlPr>
+                                <a:rPr lang="sk-SK" i="1" smtClean="0">
+                                  <a:latin typeface="Cambria Math" panose="02040503050406030204" pitchFamily="18" charset="0"/>
+                                </a:rPr>
+                              </m:ctrlPr>
+                            </m:fPr>
+                            <m:num>
+                              <m:r>
+                                <a:rPr lang="sk-SK" b="0" i="1" smtClean="0">
+                                  <a:latin typeface="Cambria Math" panose="02040503050406030204" pitchFamily="18" charset="0"/>
+                                </a:rPr>
+                                <m:t>1</m:t>
+                              </m:r>
+                            </m:num>
+                            <m:den>
+                              <m:r>
+                                <a:rPr lang="sk-SK" b="0" i="1" smtClean="0">
+                                  <a:latin typeface="Cambria Math" panose="02040503050406030204" pitchFamily="18" charset="0"/>
+                                </a:rPr>
+                                <m:t>𝑚</m:t>
+                              </m:r>
+                            </m:den>
+                          </m:f>
+                        </m:num>
+                        <m:den>
+                          <m:sSup>
+                            <m:sSupPr>
+                              <m:ctrlPr>
+                                <a:rPr lang="sk-SK" i="1">
+                                  <a:latin typeface="Cambria Math" panose="02040503050406030204" pitchFamily="18" charset="0"/>
+                                </a:rPr>
+                              </m:ctrlPr>
+                            </m:sSupPr>
+                            <m:e>
+                              <m:r>
+                                <a:rPr lang="sk-SK" i="1">
+                                  <a:latin typeface="Cambria Math" panose="02040503050406030204" pitchFamily="18" charset="0"/>
+                                </a:rPr>
+                                <m:t>𝑠</m:t>
+                              </m:r>
+                            </m:e>
+                            <m:sup>
+                              <m:r>
+                                <a:rPr lang="sk-SK" i="1">
+                                  <a:latin typeface="Cambria Math" panose="02040503050406030204" pitchFamily="18" charset="0"/>
+                                </a:rPr>
+                                <m:t>2</m:t>
+                              </m:r>
+                            </m:sup>
+                          </m:sSup>
+                          <m:r>
+                            <a:rPr lang="sk-SK" b="0" i="1" smtClean="0">
+                              <a:latin typeface="Cambria Math" panose="02040503050406030204" pitchFamily="18" charset="0"/>
+                            </a:rPr>
+                            <m:t>+</m:t>
+                          </m:r>
+                          <m:f>
+                            <m:fPr>
+                              <m:ctrlPr>
+                                <a:rPr lang="sk-SK" i="1">
+                                  <a:latin typeface="Cambria Math" panose="02040503050406030204" pitchFamily="18" charset="0"/>
+                                </a:rPr>
+                              </m:ctrlPr>
+                            </m:fPr>
+                            <m:num>
+                              <m:r>
+                                <a:rPr lang="sk-SK" i="1">
+                                  <a:latin typeface="Cambria Math" panose="02040503050406030204" pitchFamily="18" charset="0"/>
+                                </a:rPr>
+                                <m:t>𝑏</m:t>
+                              </m:r>
+                            </m:num>
+                            <m:den>
+                              <m:r>
+                                <a:rPr lang="sk-SK" i="1">
+                                  <a:latin typeface="Cambria Math" panose="02040503050406030204" pitchFamily="18" charset="0"/>
+                                </a:rPr>
+                                <m:t>𝑚</m:t>
+                              </m:r>
+                            </m:den>
+                          </m:f>
+                          <m:r>
+                            <a:rPr lang="sk-SK" i="1">
+                              <a:latin typeface="Cambria Math" panose="02040503050406030204" pitchFamily="18" charset="0"/>
+                            </a:rPr>
+                            <m:t>𝑠</m:t>
+                          </m:r>
+                          <m:r>
+                            <a:rPr lang="sk-SK" b="0" i="1" smtClean="0">
+                              <a:latin typeface="Cambria Math" panose="02040503050406030204" pitchFamily="18" charset="0"/>
+                            </a:rPr>
+                            <m:t>+</m:t>
+                          </m:r>
+                          <m:f>
+                            <m:fPr>
+                              <m:ctrlPr>
+                                <a:rPr lang="sk-SK" i="1">
+                                  <a:latin typeface="Cambria Math" panose="02040503050406030204" pitchFamily="18" charset="0"/>
+                                </a:rPr>
+                              </m:ctrlPr>
+                            </m:fPr>
+                            <m:num>
+                              <m:r>
+                                <a:rPr lang="sk-SK" i="1">
+                                  <a:latin typeface="Cambria Math" panose="02040503050406030204" pitchFamily="18" charset="0"/>
+                                </a:rPr>
+                                <m:t>𝑘</m:t>
+                              </m:r>
+                            </m:num>
+                            <m:den>
+                              <m:r>
+                                <a:rPr lang="sk-SK" i="1">
+                                  <a:latin typeface="Cambria Math" panose="02040503050406030204" pitchFamily="18" charset="0"/>
+                                </a:rPr>
+                                <m:t>𝑚</m:t>
+                              </m:r>
+                            </m:den>
+                          </m:f>
+                        </m:den>
+                      </m:f>
+                    </m:oMath>
+                  </m:oMathPara>
+                </a14:m>
+                <a:endParaRPr lang="sk-SK" dirty="0" smtClean="0"/>
+              </a:p>
+              <a:p>
+                <a:pPr marL="0" indent="0">
+                  <a:buNone/>
+                </a:pPr>
+                <a:endParaRPr lang="sk-SK" dirty="0"/>
+              </a:p>
+              <a:p>
+                <a:pPr>
+                  <a:buFont typeface="Arial" panose="020B0604020202020204" pitchFamily="34" charset="0"/>
+                  <a:buChar char="•"/>
+                </a:pPr>
+                <a:endParaRPr lang="sk-SK" dirty="0" smtClean="0"/>
+              </a:p>
+              <a:p>
+                <a:pPr>
+                  <a:buFont typeface="Arial" panose="020B0604020202020204" pitchFamily="34" charset="0"/>
+                  <a:buChar char="•"/>
+                </a:pPr>
+                <a:endParaRPr lang="sk-SK" dirty="0"/>
+              </a:p>
+            </p:txBody>
+          </p:sp>
+        </mc:Choice>
+        <mc:Fallback>
+          <p:sp>
+            <p:nvSpPr>
+              <p:cNvPr id="3" name="Zástupný symbol obsahu 2"/>
+              <p:cNvSpPr>
+                <a:spLocks noGrp="1" noRot="1" noChangeAspect="1" noMove="1" noResize="1" noEditPoints="1" noAdjustHandles="1" noChangeArrowheads="1" noChangeShapeType="1" noTextEdit="1"/>
+              </p:cNvSpPr>
+              <p:nvPr>
+                <p:ph idx="1"/>
+              </p:nvPr>
+            </p:nvSpPr>
+            <p:spPr>
+              <a:xfrm>
+                <a:off x="393699" y="1040445"/>
+                <a:ext cx="8593782" cy="5698105"/>
+              </a:xfrm>
+              <a:blipFill rotWithShape="0">
+                <a:blip r:embed="rId2"/>
+                <a:stretch>
+                  <a:fillRect l="-1348" t="-1392"/>
+                </a:stretch>
+              </a:blipFill>
+            </p:spPr>
+            <p:txBody>
+              <a:bodyPr/>
+              <a:lstStyle/>
+              <a:p>
+                <a:r>
+                  <a:rPr lang="sk-SK">
+                    <a:noFill/>
+                  </a:rPr>
+                  <a:t> </a:t>
+                </a:r>
+              </a:p>
+            </p:txBody>
+          </p:sp>
+        </mc:Fallback>
+      </mc:AlternateContent>
     </p:spTree>
     <p:extLst>
       <p:ext uri="{BB962C8B-B14F-4D97-AF65-F5344CB8AC3E}">
-        <p14:creationId xmlns:p14="http://schemas.microsoft.com/office/powerpoint/2010/main" val="3343495099"/>
+        <p14:creationId xmlns:p14="http://schemas.microsoft.com/office/powerpoint/2010/main" val="1380725408"/>
       </p:ext>
     </p:extLst>
   </p:cSld>
@@ -7747,8 +11640,444 @@
           <a:lstStyle/>
           <a:p>
             <a:r>
-              <a:rPr lang="sk-SK" dirty="0" smtClean="0"/>
-              <a:t>Vplyv pólov a núl na dynamiku systému</a:t>
+              <a:rPr lang="sk-SK" dirty="0"/>
+              <a:t>Model harmonického oscilátora</a:t>
+            </a:r>
+            <a:endParaRPr lang="sk-SK" dirty="0"/>
+          </a:p>
+        </p:txBody>
+      </p:sp>
+      <mc:AlternateContent xmlns:mc="http://schemas.openxmlformats.org/markup-compatibility/2006">
+        <mc:Choice xmlns:a14="http://schemas.microsoft.com/office/drawing/2010/main" Requires="a14">
+          <p:sp>
+            <p:nvSpPr>
+              <p:cNvPr id="3" name="Zástupný symbol obsahu 2"/>
+              <p:cNvSpPr>
+                <a:spLocks noGrp="1"/>
+              </p:cNvSpPr>
+              <p:nvPr>
+                <p:ph idx="1"/>
+              </p:nvPr>
+            </p:nvSpPr>
+            <p:spPr>
+              <a:xfrm>
+                <a:off x="393699" y="1040446"/>
+                <a:ext cx="8577306" cy="5689868"/>
+              </a:xfrm>
+            </p:spPr>
+            <p:txBody>
+              <a:bodyPr>
+                <a:normAutofit fontScale="85000" lnSpcReduction="20000"/>
+              </a:bodyPr>
+              <a:lstStyle/>
+              <a:p>
+                <a:pPr>
+                  <a:buFont typeface="Arial" panose="020B0604020202020204" pitchFamily="34" charset="0"/>
+                  <a:buChar char="•"/>
+                </a:pPr>
+                <a:r>
+                  <a:rPr lang="sk-SK" dirty="0" smtClean="0"/>
+                  <a:t>Z odvodenej diferenciálnej rovnice vieme okrem iného, zostaviť simulačný model s použitím základných blokov ako sú:</a:t>
+                </a:r>
+              </a:p>
+              <a:p>
+                <a:pPr lvl="1"/>
+                <a:r>
+                  <a:rPr lang="sk-SK" dirty="0" smtClean="0"/>
+                  <a:t>Zosilnenie</a:t>
+                </a:r>
+              </a:p>
+              <a:p>
+                <a:pPr lvl="1"/>
+                <a:r>
+                  <a:rPr lang="sk-SK" dirty="0" smtClean="0"/>
+                  <a:t>Suma</a:t>
+                </a:r>
+              </a:p>
+              <a:p>
+                <a:pPr lvl="1"/>
+                <a:r>
+                  <a:rPr lang="sk-SK" dirty="0" smtClean="0"/>
+                  <a:t>Integrátor</a:t>
+                </a:r>
+              </a:p>
+              <a:p>
+                <a:pPr>
+                  <a:buFont typeface="Arial" panose="020B0604020202020204" pitchFamily="34" charset="0"/>
+                  <a:buChar char="•"/>
+                </a:pPr>
+                <a:r>
+                  <a:rPr lang="sk-SK" dirty="0" smtClean="0"/>
+                  <a:t>Vyjadríme najvyššiu deriváciu výstupu ako kombináciu vstupu a nižších derivácii</a:t>
+                </a:r>
+                <a:endParaRPr lang="en-US" dirty="0" smtClean="0"/>
+              </a:p>
+              <a:p>
+                <a:pPr>
+                  <a:buFont typeface="Arial" panose="020B0604020202020204" pitchFamily="34" charset="0"/>
+                  <a:buChar char="•"/>
+                </a:pPr>
+                <a:endParaRPr lang="sk-SK" dirty="0" smtClean="0"/>
+              </a:p>
+              <a:p>
+                <a:pPr marL="0" indent="0">
+                  <a:buNone/>
+                </a:pPr>
+                <a14:m>
+                  <m:oMathPara xmlns:m="http://schemas.openxmlformats.org/officeDocument/2006/math">
+                    <m:oMathParaPr>
+                      <m:jc m:val="centerGroup"/>
+                    </m:oMathParaPr>
+                    <m:oMath xmlns:m="http://schemas.openxmlformats.org/officeDocument/2006/math">
+                      <m:acc>
+                        <m:accPr>
+                          <m:chr m:val="̈"/>
+                          <m:ctrlPr>
+                            <a:rPr lang="sk-SK" i="1">
+                              <a:latin typeface="Cambria Math" panose="02040503050406030204" pitchFamily="18" charset="0"/>
+                            </a:rPr>
+                          </m:ctrlPr>
+                        </m:accPr>
+                        <m:e>
+                          <m:r>
+                            <a:rPr lang="sk-SK" i="1">
+                              <a:latin typeface="Cambria Math" panose="02040503050406030204" pitchFamily="18" charset="0"/>
+                            </a:rPr>
+                            <m:t>𝑥</m:t>
+                          </m:r>
+                        </m:e>
+                      </m:acc>
+                      <m:r>
+                        <a:rPr lang="sk-SK" i="1">
+                          <a:latin typeface="Cambria Math" panose="02040503050406030204" pitchFamily="18" charset="0"/>
+                        </a:rPr>
+                        <m:t>=</m:t>
+                      </m:r>
+                      <m:f>
+                        <m:fPr>
+                          <m:ctrlPr>
+                            <a:rPr lang="sk-SK" i="1">
+                              <a:latin typeface="Cambria Math" panose="02040503050406030204" pitchFamily="18" charset="0"/>
+                            </a:rPr>
+                          </m:ctrlPr>
+                        </m:fPr>
+                        <m:num>
+                          <m:sSub>
+                            <m:sSubPr>
+                              <m:ctrlPr>
+                                <a:rPr lang="sk-SK" i="1">
+                                  <a:latin typeface="Cambria Math" panose="02040503050406030204" pitchFamily="18" charset="0"/>
+                                </a:rPr>
+                              </m:ctrlPr>
+                            </m:sSubPr>
+                            <m:e>
+                              <m:r>
+                                <a:rPr lang="sk-SK" i="1">
+                                  <a:latin typeface="Cambria Math" panose="02040503050406030204" pitchFamily="18" charset="0"/>
+                                </a:rPr>
+                                <m:t>𝐹</m:t>
+                              </m:r>
+                            </m:e>
+                            <m:sub>
+                              <m:r>
+                                <a:rPr lang="sk-SK" i="1">
+                                  <a:latin typeface="Cambria Math" panose="02040503050406030204" pitchFamily="18" charset="0"/>
+                                </a:rPr>
+                                <m:t>𝑒𝑥</m:t>
+                              </m:r>
+                            </m:sub>
+                          </m:sSub>
+                        </m:num>
+                        <m:den>
+                          <m:r>
+                            <a:rPr lang="sk-SK" i="1">
+                              <a:latin typeface="Cambria Math" panose="02040503050406030204" pitchFamily="18" charset="0"/>
+                            </a:rPr>
+                            <m:t>𝑚</m:t>
+                          </m:r>
+                        </m:den>
+                      </m:f>
+                      <m:r>
+                        <a:rPr lang="sk-SK" b="0" i="1" smtClean="0">
+                          <a:latin typeface="Cambria Math" panose="02040503050406030204" pitchFamily="18" charset="0"/>
+                        </a:rPr>
+                        <m:t>−</m:t>
+                      </m:r>
+                      <m:f>
+                        <m:fPr>
+                          <m:ctrlPr>
+                            <a:rPr lang="sk-SK" i="1">
+                              <a:latin typeface="Cambria Math" panose="02040503050406030204" pitchFamily="18" charset="0"/>
+                            </a:rPr>
+                          </m:ctrlPr>
+                        </m:fPr>
+                        <m:num>
+                          <m:r>
+                            <a:rPr lang="sk-SK" i="1">
+                              <a:latin typeface="Cambria Math" panose="02040503050406030204" pitchFamily="18" charset="0"/>
+                            </a:rPr>
+                            <m:t>𝑏</m:t>
+                          </m:r>
+                        </m:num>
+                        <m:den>
+                          <m:r>
+                            <a:rPr lang="sk-SK" i="1">
+                              <a:latin typeface="Cambria Math" panose="02040503050406030204" pitchFamily="18" charset="0"/>
+                            </a:rPr>
+                            <m:t>𝑚</m:t>
+                          </m:r>
+                        </m:den>
+                      </m:f>
+                      <m:acc>
+                        <m:accPr>
+                          <m:chr m:val="̇"/>
+                          <m:ctrlPr>
+                            <a:rPr lang="sk-SK" i="1">
+                              <a:latin typeface="Cambria Math" panose="02040503050406030204" pitchFamily="18" charset="0"/>
+                            </a:rPr>
+                          </m:ctrlPr>
+                        </m:accPr>
+                        <m:e>
+                          <m:r>
+                            <a:rPr lang="sk-SK" i="1">
+                              <a:latin typeface="Cambria Math" panose="02040503050406030204" pitchFamily="18" charset="0"/>
+                            </a:rPr>
+                            <m:t>𝑥</m:t>
+                          </m:r>
+                        </m:e>
+                      </m:acc>
+                      <m:r>
+                        <a:rPr lang="sk-SK" b="0" i="1" smtClean="0">
+                          <a:latin typeface="Cambria Math" panose="02040503050406030204" pitchFamily="18" charset="0"/>
+                        </a:rPr>
+                        <m:t>−</m:t>
+                      </m:r>
+                      <m:f>
+                        <m:fPr>
+                          <m:ctrlPr>
+                            <a:rPr lang="sk-SK" i="1">
+                              <a:latin typeface="Cambria Math" panose="02040503050406030204" pitchFamily="18" charset="0"/>
+                            </a:rPr>
+                          </m:ctrlPr>
+                        </m:fPr>
+                        <m:num>
+                          <m:r>
+                            <a:rPr lang="sk-SK" i="1">
+                              <a:latin typeface="Cambria Math" panose="02040503050406030204" pitchFamily="18" charset="0"/>
+                            </a:rPr>
+                            <m:t>𝑘</m:t>
+                          </m:r>
+                        </m:num>
+                        <m:den>
+                          <m:r>
+                            <a:rPr lang="sk-SK" i="1">
+                              <a:latin typeface="Cambria Math" panose="02040503050406030204" pitchFamily="18" charset="0"/>
+                            </a:rPr>
+                            <m:t>𝑚</m:t>
+                          </m:r>
+                        </m:den>
+                      </m:f>
+                      <m:r>
+                        <a:rPr lang="sk-SK" i="1">
+                          <a:latin typeface="Cambria Math" panose="02040503050406030204" pitchFamily="18" charset="0"/>
+                        </a:rPr>
+                        <m:t>𝑥</m:t>
+                      </m:r>
+                    </m:oMath>
+                  </m:oMathPara>
+                </a14:m>
+                <a:endParaRPr lang="sk-SK" dirty="0" smtClean="0"/>
+              </a:p>
+              <a:p>
+                <a:pPr>
+                  <a:buFont typeface="Arial" panose="020B0604020202020204" pitchFamily="34" charset="0"/>
+                  <a:buChar char="•"/>
+                </a:pPr>
+                <a:endParaRPr lang="sk-SK" dirty="0"/>
+              </a:p>
+              <a:p>
+                <a:pPr>
+                  <a:buFont typeface="Arial" panose="020B0604020202020204" pitchFamily="34" charset="0"/>
+                  <a:buChar char="•"/>
+                </a:pPr>
+                <a:endParaRPr lang="sk-SK" dirty="0" smtClean="0"/>
+              </a:p>
+              <a:p>
+                <a:pPr>
+                  <a:buFont typeface="Arial" panose="020B0604020202020204" pitchFamily="34" charset="0"/>
+                  <a:buChar char="•"/>
+                </a:pPr>
+                <a:endParaRPr lang="sk-SK" dirty="0"/>
+              </a:p>
+              <a:p>
+                <a:pPr>
+                  <a:buFont typeface="Arial" panose="020B0604020202020204" pitchFamily="34" charset="0"/>
+                  <a:buChar char="•"/>
+                </a:pPr>
+                <a:endParaRPr lang="sk-SK" dirty="0" smtClean="0"/>
+              </a:p>
+              <a:p>
+                <a:pPr>
+                  <a:buFont typeface="Arial" panose="020B0604020202020204" pitchFamily="34" charset="0"/>
+                  <a:buChar char="•"/>
+                </a:pPr>
+                <a:endParaRPr lang="sk-SK" dirty="0" smtClean="0"/>
+              </a:p>
+              <a:p>
+                <a:pPr>
+                  <a:buFont typeface="Arial" panose="020B0604020202020204" pitchFamily="34" charset="0"/>
+                  <a:buChar char="•"/>
+                </a:pPr>
+                <a:endParaRPr lang="sk-SK" dirty="0" smtClean="0"/>
+              </a:p>
+              <a:p>
+                <a:pPr>
+                  <a:buFont typeface="Arial" panose="020B0604020202020204" pitchFamily="34" charset="0"/>
+                  <a:buChar char="•"/>
+                </a:pPr>
+                <a:endParaRPr lang="sk-SK" dirty="0"/>
+              </a:p>
+              <a:p>
+                <a:pPr>
+                  <a:buFont typeface="Arial" panose="020B0604020202020204" pitchFamily="34" charset="0"/>
+                  <a:buChar char="•"/>
+                </a:pPr>
+                <a:endParaRPr lang="sk-SK" dirty="0" smtClean="0"/>
+              </a:p>
+              <a:p>
+                <a:pPr>
+                  <a:buFont typeface="Arial" panose="020B0604020202020204" pitchFamily="34" charset="0"/>
+                  <a:buChar char="•"/>
+                </a:pPr>
+                <a:r>
+                  <a:rPr lang="sk-SK" dirty="0" smtClean="0"/>
+                  <a:t>Jedná sa tak o štandardný integračný </a:t>
+                </a:r>
+                <a:r>
+                  <a:rPr lang="sk-SK" dirty="0" err="1" smtClean="0"/>
+                  <a:t>spätnoväzobný</a:t>
+                </a:r>
+                <a:r>
+                  <a:rPr lang="sk-SK" dirty="0" smtClean="0"/>
+                  <a:t> model </a:t>
+                </a:r>
+                <a:endParaRPr lang="sk-SK" dirty="0" smtClean="0"/>
+              </a:p>
+              <a:p>
+                <a:endParaRPr lang="sk-SK" dirty="0"/>
+              </a:p>
+            </p:txBody>
+          </p:sp>
+        </mc:Choice>
+        <mc:Fallback>
+          <p:sp>
+            <p:nvSpPr>
+              <p:cNvPr id="3" name="Zástupný symbol obsahu 2"/>
+              <p:cNvSpPr>
+                <a:spLocks noGrp="1" noRot="1" noChangeAspect="1" noMove="1" noResize="1" noEditPoints="1" noAdjustHandles="1" noChangeArrowheads="1" noChangeShapeType="1" noTextEdit="1"/>
+              </p:cNvSpPr>
+              <p:nvPr>
+                <p:ph idx="1"/>
+              </p:nvPr>
+            </p:nvSpPr>
+            <p:spPr>
+              <a:xfrm>
+                <a:off x="393699" y="1040446"/>
+                <a:ext cx="8577306" cy="5689868"/>
+              </a:xfrm>
+              <a:blipFill rotWithShape="0">
+                <a:blip r:embed="rId2"/>
+                <a:stretch>
+                  <a:fillRect l="-1421" t="-1608"/>
+                </a:stretch>
+              </a:blipFill>
+            </p:spPr>
+            <p:txBody>
+              <a:bodyPr/>
+              <a:lstStyle/>
+              <a:p>
+                <a:r>
+                  <a:rPr lang="sk-SK">
+                    <a:noFill/>
+                  </a:rPr>
+                  <a:t> </a:t>
+                </a:r>
+              </a:p>
+            </p:txBody>
+          </p:sp>
+        </mc:Fallback>
+      </mc:AlternateContent>
+      <p:pic>
+        <p:nvPicPr>
+          <p:cNvPr id="4" name="Obrázok 3"/>
+          <p:cNvPicPr>
+            <a:picLocks noChangeAspect="1"/>
+          </p:cNvPicPr>
+          <p:nvPr/>
+        </p:nvPicPr>
+        <p:blipFill rotWithShape="1">
+          <a:blip r:embed="rId3"/>
+          <a:srcRect l="15393" t="19305" r="13732" b="11062"/>
+          <a:stretch/>
+        </p:blipFill>
+        <p:spPr>
+          <a:xfrm>
+            <a:off x="1647567" y="3550509"/>
+            <a:ext cx="5795824" cy="2644345"/>
+          </a:xfrm>
+          <a:prstGeom prst="rect">
+            <a:avLst/>
+          </a:prstGeom>
+        </p:spPr>
+      </p:pic>
+    </p:spTree>
+    <p:extLst>
+      <p:ext uri="{BB962C8B-B14F-4D97-AF65-F5344CB8AC3E}">
+        <p14:creationId xmlns:p14="http://schemas.microsoft.com/office/powerpoint/2010/main" val="1970025449"/>
+      </p:ext>
+    </p:extLst>
+  </p:cSld>
+  <p:clrMapOvr>
+    <a:masterClrMapping/>
+  </p:clrMapOvr>
+</p:sld>
+</file>
+
+<file path=ppt/slides/slide41.xml><?xml version="1.0" encoding="utf-8"?>
+<p:sld xmlns:a="http://schemas.openxmlformats.org/drawingml/2006/main" xmlns:r="http://schemas.openxmlformats.org/officeDocument/2006/relationships" xmlns:p="http://schemas.openxmlformats.org/presentationml/2006/main">
+  <p:cSld>
+    <p:spTree>
+      <p:nvGrpSpPr>
+        <p:cNvPr id="1" name=""/>
+        <p:cNvGrpSpPr/>
+        <p:nvPr/>
+      </p:nvGrpSpPr>
+      <p:grpSpPr>
+        <a:xfrm>
+          <a:off x="0" y="0"/>
+          <a:ext cx="0" cy="0"/>
+          <a:chOff x="0" y="0"/>
+          <a:chExt cx="0" cy="0"/>
+        </a:xfrm>
+      </p:grpSpPr>
+      <p:sp>
+        <p:nvSpPr>
+          <p:cNvPr id="2" name="Nadpis 1"/>
+          <p:cNvSpPr>
+            <a:spLocks noGrp="1"/>
+          </p:cNvSpPr>
+          <p:nvPr>
+            <p:ph type="title"/>
+          </p:nvPr>
+        </p:nvSpPr>
+        <p:spPr/>
+        <p:txBody>
+          <a:bodyPr/>
+          <a:lstStyle/>
+          <a:p>
+            <a:r>
+              <a:rPr lang="sk-SK" dirty="0" smtClean="0"/>
+              <a:t>Póly-nuly-charakteristický polynóm</a:t>
             </a:r>
             <a:endParaRPr lang="sk-SK" dirty="0"/>
           </a:p>
@@ -7776,6 +12105,366 @@
     </p:spTree>
     <p:extLst>
       <p:ext uri="{BB962C8B-B14F-4D97-AF65-F5344CB8AC3E}">
+        <p14:creationId xmlns:p14="http://schemas.microsoft.com/office/powerpoint/2010/main" val="2447591181"/>
+      </p:ext>
+    </p:extLst>
+  </p:cSld>
+  <p:clrMapOvr>
+    <a:masterClrMapping/>
+  </p:clrMapOvr>
+</p:sld>
+</file>
+
+<file path=ppt/slides/slide42.xml><?xml version="1.0" encoding="utf-8"?>
+<p:sld xmlns:a="http://schemas.openxmlformats.org/drawingml/2006/main" xmlns:r="http://schemas.openxmlformats.org/officeDocument/2006/relationships" xmlns:p="http://schemas.openxmlformats.org/presentationml/2006/main">
+  <p:cSld>
+    <p:spTree>
+      <p:nvGrpSpPr>
+        <p:cNvPr id="1" name=""/>
+        <p:cNvGrpSpPr/>
+        <p:nvPr/>
+      </p:nvGrpSpPr>
+      <p:grpSpPr>
+        <a:xfrm>
+          <a:off x="0" y="0"/>
+          <a:ext cx="0" cy="0"/>
+          <a:chOff x="0" y="0"/>
+          <a:chExt cx="0" cy="0"/>
+        </a:xfrm>
+      </p:grpSpPr>
+      <p:sp>
+        <p:nvSpPr>
+          <p:cNvPr id="2" name="Nadpis 1"/>
+          <p:cNvSpPr>
+            <a:spLocks noGrp="1"/>
+          </p:cNvSpPr>
+          <p:nvPr>
+            <p:ph type="title"/>
+          </p:nvPr>
+        </p:nvSpPr>
+        <p:spPr/>
+        <p:txBody>
+          <a:bodyPr/>
+          <a:lstStyle/>
+          <a:p>
+            <a:r>
+              <a:rPr lang="sk-SK" dirty="0" smtClean="0"/>
+              <a:t>Stabilita systémov</a:t>
+            </a:r>
+            <a:endParaRPr lang="sk-SK" dirty="0"/>
+          </a:p>
+        </p:txBody>
+      </p:sp>
+      <p:sp>
+        <p:nvSpPr>
+          <p:cNvPr id="3" name="Zástupný symbol obsahu 2"/>
+          <p:cNvSpPr>
+            <a:spLocks noGrp="1"/>
+          </p:cNvSpPr>
+          <p:nvPr>
+            <p:ph idx="1"/>
+          </p:nvPr>
+        </p:nvSpPr>
+        <p:spPr/>
+        <p:txBody>
+          <a:bodyPr/>
+          <a:lstStyle/>
+          <a:p>
+            <a:endParaRPr lang="sk-SK"/>
+          </a:p>
+        </p:txBody>
+      </p:sp>
+    </p:spTree>
+    <p:extLst>
+      <p:ext uri="{BB962C8B-B14F-4D97-AF65-F5344CB8AC3E}">
+        <p14:creationId xmlns:p14="http://schemas.microsoft.com/office/powerpoint/2010/main" val="2491538192"/>
+      </p:ext>
+    </p:extLst>
+  </p:cSld>
+  <p:clrMapOvr>
+    <a:masterClrMapping/>
+  </p:clrMapOvr>
+</p:sld>
+</file>
+
+<file path=ppt/slides/slide43.xml><?xml version="1.0" encoding="utf-8"?>
+<p:sld xmlns:a="http://schemas.openxmlformats.org/drawingml/2006/main" xmlns:r="http://schemas.openxmlformats.org/officeDocument/2006/relationships" xmlns:p="http://schemas.openxmlformats.org/presentationml/2006/main">
+  <p:cSld>
+    <p:spTree>
+      <p:nvGrpSpPr>
+        <p:cNvPr id="1" name=""/>
+        <p:cNvGrpSpPr/>
+        <p:nvPr/>
+      </p:nvGrpSpPr>
+      <p:grpSpPr>
+        <a:xfrm>
+          <a:off x="0" y="0"/>
+          <a:ext cx="0" cy="0"/>
+          <a:chOff x="0" y="0"/>
+          <a:chExt cx="0" cy="0"/>
+        </a:xfrm>
+      </p:grpSpPr>
+      <p:sp>
+        <p:nvSpPr>
+          <p:cNvPr id="2" name="Nadpis 1"/>
+          <p:cNvSpPr>
+            <a:spLocks noGrp="1"/>
+          </p:cNvSpPr>
+          <p:nvPr>
+            <p:ph type="title"/>
+          </p:nvPr>
+        </p:nvSpPr>
+        <p:spPr/>
+        <p:txBody>
+          <a:bodyPr/>
+          <a:lstStyle/>
+          <a:p>
+            <a:r>
+              <a:rPr lang="sk-SK" dirty="0" smtClean="0"/>
+              <a:t>Všeobecné kritérium stability</a:t>
+            </a:r>
+            <a:endParaRPr lang="sk-SK" dirty="0"/>
+          </a:p>
+        </p:txBody>
+      </p:sp>
+      <p:sp>
+        <p:nvSpPr>
+          <p:cNvPr id="3" name="Zástupný symbol obsahu 2"/>
+          <p:cNvSpPr>
+            <a:spLocks noGrp="1"/>
+          </p:cNvSpPr>
+          <p:nvPr>
+            <p:ph idx="1"/>
+          </p:nvPr>
+        </p:nvSpPr>
+        <p:spPr/>
+        <p:txBody>
+          <a:bodyPr/>
+          <a:lstStyle/>
+          <a:p>
+            <a:endParaRPr lang="sk-SK"/>
+          </a:p>
+        </p:txBody>
+      </p:sp>
+    </p:spTree>
+    <p:extLst>
+      <p:ext uri="{BB962C8B-B14F-4D97-AF65-F5344CB8AC3E}">
+        <p14:creationId xmlns:p14="http://schemas.microsoft.com/office/powerpoint/2010/main" val="3955982061"/>
+      </p:ext>
+    </p:extLst>
+  </p:cSld>
+  <p:clrMapOvr>
+    <a:masterClrMapping/>
+  </p:clrMapOvr>
+</p:sld>
+</file>
+
+<file path=ppt/slides/slide44.xml><?xml version="1.0" encoding="utf-8"?>
+<p:sld xmlns:a="http://schemas.openxmlformats.org/drawingml/2006/main" xmlns:r="http://schemas.openxmlformats.org/officeDocument/2006/relationships" xmlns:p="http://schemas.openxmlformats.org/presentationml/2006/main">
+  <p:cSld>
+    <p:spTree>
+      <p:nvGrpSpPr>
+        <p:cNvPr id="1" name=""/>
+        <p:cNvGrpSpPr/>
+        <p:nvPr/>
+      </p:nvGrpSpPr>
+      <p:grpSpPr>
+        <a:xfrm>
+          <a:off x="0" y="0"/>
+          <a:ext cx="0" cy="0"/>
+          <a:chOff x="0" y="0"/>
+          <a:chExt cx="0" cy="0"/>
+        </a:xfrm>
+      </p:grpSpPr>
+      <p:sp>
+        <p:nvSpPr>
+          <p:cNvPr id="2" name="Nadpis 1"/>
+          <p:cNvSpPr>
+            <a:spLocks noGrp="1"/>
+          </p:cNvSpPr>
+          <p:nvPr>
+            <p:ph type="title"/>
+          </p:nvPr>
+        </p:nvSpPr>
+        <p:spPr/>
+        <p:txBody>
+          <a:bodyPr/>
+          <a:lstStyle/>
+          <a:p>
+            <a:r>
+              <a:rPr lang="sk-SK" dirty="0" smtClean="0"/>
+              <a:t>Charakteristiky systémov</a:t>
+            </a:r>
+            <a:endParaRPr lang="sk-SK" dirty="0"/>
+          </a:p>
+        </p:txBody>
+      </p:sp>
+      <p:sp>
+        <p:nvSpPr>
+          <p:cNvPr id="3" name="Zástupný symbol obsahu 2"/>
+          <p:cNvSpPr>
+            <a:spLocks noGrp="1"/>
+          </p:cNvSpPr>
+          <p:nvPr>
+            <p:ph idx="1"/>
+          </p:nvPr>
+        </p:nvSpPr>
+        <p:spPr/>
+        <p:txBody>
+          <a:bodyPr/>
+          <a:lstStyle/>
+          <a:p>
+            <a:endParaRPr lang="sk-SK"/>
+          </a:p>
+        </p:txBody>
+      </p:sp>
+    </p:spTree>
+    <p:extLst>
+      <p:ext uri="{BB962C8B-B14F-4D97-AF65-F5344CB8AC3E}">
+        <p14:creationId xmlns:p14="http://schemas.microsoft.com/office/powerpoint/2010/main" val="1783867593"/>
+      </p:ext>
+    </p:extLst>
+  </p:cSld>
+  <p:clrMapOvr>
+    <a:masterClrMapping/>
+  </p:clrMapOvr>
+</p:sld>
+</file>
+
+<file path=ppt/slides/slide45.xml><?xml version="1.0" encoding="utf-8"?>
+<p:sld xmlns:a="http://schemas.openxmlformats.org/drawingml/2006/main" xmlns:r="http://schemas.openxmlformats.org/officeDocument/2006/relationships" xmlns:p="http://schemas.openxmlformats.org/presentationml/2006/main">
+  <p:cSld>
+    <p:spTree>
+      <p:nvGrpSpPr>
+        <p:cNvPr id="1" name=""/>
+        <p:cNvGrpSpPr/>
+        <p:nvPr/>
+      </p:nvGrpSpPr>
+      <p:grpSpPr>
+        <a:xfrm>
+          <a:off x="0" y="0"/>
+          <a:ext cx="0" cy="0"/>
+          <a:chOff x="0" y="0"/>
+          <a:chExt cx="0" cy="0"/>
+        </a:xfrm>
+      </p:grpSpPr>
+      <p:sp>
+        <p:nvSpPr>
+          <p:cNvPr id="2" name="Nadpis 1"/>
+          <p:cNvSpPr>
+            <a:spLocks noGrp="1"/>
+          </p:cNvSpPr>
+          <p:nvPr>
+            <p:ph type="title"/>
+          </p:nvPr>
+        </p:nvSpPr>
+        <p:spPr/>
+        <p:txBody>
+          <a:bodyPr/>
+          <a:lstStyle/>
+          <a:p>
+            <a:r>
+              <a:rPr lang="sk-SK" dirty="0" smtClean="0"/>
+              <a:t>Prechodová charakteristika</a:t>
+            </a:r>
+            <a:endParaRPr lang="sk-SK" dirty="0"/>
+          </a:p>
+        </p:txBody>
+      </p:sp>
+      <p:sp>
+        <p:nvSpPr>
+          <p:cNvPr id="3" name="Zástupný symbol obsahu 2"/>
+          <p:cNvSpPr>
+            <a:spLocks noGrp="1"/>
+          </p:cNvSpPr>
+          <p:nvPr>
+            <p:ph idx="1"/>
+          </p:nvPr>
+        </p:nvSpPr>
+        <p:spPr/>
+        <p:txBody>
+          <a:bodyPr/>
+          <a:lstStyle/>
+          <a:p>
+            <a:endParaRPr lang="sk-SK"/>
+          </a:p>
+        </p:txBody>
+      </p:sp>
+    </p:spTree>
+    <p:extLst>
+      <p:ext uri="{BB962C8B-B14F-4D97-AF65-F5344CB8AC3E}">
+        <p14:creationId xmlns:p14="http://schemas.microsoft.com/office/powerpoint/2010/main" val="3343495099"/>
+      </p:ext>
+    </p:extLst>
+  </p:cSld>
+  <p:clrMapOvr>
+    <a:masterClrMapping/>
+  </p:clrMapOvr>
+</p:sld>
+</file>
+
+<file path=ppt/slides/slide46.xml><?xml version="1.0" encoding="utf-8"?>
+<p:sld xmlns:a="http://schemas.openxmlformats.org/drawingml/2006/main" xmlns:r="http://schemas.openxmlformats.org/officeDocument/2006/relationships" xmlns:p="http://schemas.openxmlformats.org/presentationml/2006/main">
+  <p:cSld>
+    <p:spTree>
+      <p:nvGrpSpPr>
+        <p:cNvPr id="1" name=""/>
+        <p:cNvGrpSpPr/>
+        <p:nvPr/>
+      </p:nvGrpSpPr>
+      <p:grpSpPr>
+        <a:xfrm>
+          <a:off x="0" y="0"/>
+          <a:ext cx="0" cy="0"/>
+          <a:chOff x="0" y="0"/>
+          <a:chExt cx="0" cy="0"/>
+        </a:xfrm>
+      </p:grpSpPr>
+      <p:sp>
+        <p:nvSpPr>
+          <p:cNvPr id="2" name="Nadpis 1"/>
+          <p:cNvSpPr>
+            <a:spLocks noGrp="1"/>
+          </p:cNvSpPr>
+          <p:nvPr>
+            <p:ph type="title"/>
+          </p:nvPr>
+        </p:nvSpPr>
+        <p:spPr/>
+        <p:txBody>
+          <a:bodyPr/>
+          <a:lstStyle/>
+          <a:p>
+            <a:r>
+              <a:rPr lang="sk-SK" dirty="0" smtClean="0"/>
+              <a:t>Vplyv pólov a núl na dynamiku systému</a:t>
+            </a:r>
+            <a:endParaRPr lang="sk-SK" dirty="0"/>
+          </a:p>
+        </p:txBody>
+      </p:sp>
+      <p:sp>
+        <p:nvSpPr>
+          <p:cNvPr id="3" name="Zástupný symbol obsahu 2"/>
+          <p:cNvSpPr>
+            <a:spLocks noGrp="1"/>
+          </p:cNvSpPr>
+          <p:nvPr>
+            <p:ph idx="1"/>
+          </p:nvPr>
+        </p:nvSpPr>
+        <p:spPr/>
+        <p:txBody>
+          <a:bodyPr/>
+          <a:lstStyle/>
+          <a:p>
+            <a:endParaRPr lang="sk-SK"/>
+          </a:p>
+        </p:txBody>
+      </p:sp>
+    </p:spTree>
+    <p:extLst>
+      <p:ext uri="{BB962C8B-B14F-4D97-AF65-F5344CB8AC3E}">
         <p14:creationId xmlns:p14="http://schemas.microsoft.com/office/powerpoint/2010/main" val="4247704593"/>
       </p:ext>
     </p:extLst>
@@ -7786,7 +12475,7 @@
 </p:sld>
 </file>
 
-<file path=ppt/slides/slide41.xml><?xml version="1.0" encoding="utf-8"?>
+<file path=ppt/slides/slide47.xml><?xml version="1.0" encoding="utf-8"?>
 <p:sld xmlns:a="http://schemas.openxmlformats.org/drawingml/2006/main" xmlns:r="http://schemas.openxmlformats.org/officeDocument/2006/relationships" xmlns:p="http://schemas.openxmlformats.org/presentationml/2006/main">
   <p:cSld>
     <p:spTree>
@@ -8116,8 +12805,8 @@
           </a:p>
         </p:txBody>
       </p:sp>
-      <mc:AlternateContent xmlns:mc="http://schemas.openxmlformats.org/markup-compatibility/2006">
-        <mc:Choice xmlns:a14="http://schemas.microsoft.com/office/drawing/2010/main" Requires="a14">
+      <mc:AlternateContent xmlns:mc="http://schemas.openxmlformats.org/markup-compatibility/2006" xmlns:a14="http://schemas.microsoft.com/office/drawing/2010/main">
+        <mc:Choice Requires="a14">
           <p:sp>
             <p:nvSpPr>
               <p:cNvPr id="3" name="Zástupný symbol obsahu 2"/>
@@ -8131,7 +12820,7 @@
             <p:spPr/>
             <p:txBody>
               <a:bodyPr>
-                <a:normAutofit/>
+                <a:normAutofit fontScale="92500" lnSpcReduction="10000"/>
               </a:bodyPr>
               <a:lstStyle/>
               <a:p>
@@ -8843,16 +13532,102 @@
                 </a:r>
                 <a:r>
                   <a:rPr lang="sk-SK" dirty="0" smtClean="0"/>
-                  <a:t>premenných (napríklad priestorové súradnice </a:t>
+                  <a:t>premenných (napríklad priestorové súradnice (vedenie tepla).</a:t>
+                </a:r>
+              </a:p>
+              <a:p>
+                <a:pPr>
+                  <a:buFont typeface="Arial" panose="020B0604020202020204" pitchFamily="34" charset="0"/>
+                  <a:buChar char="•"/>
+                </a:pPr>
+                <a:r>
+                  <a:rPr lang="sk-SK" dirty="0" smtClean="0"/>
+                  <a:t>Kybernetika </a:t>
+                </a:r>
+                <a:r>
+                  <a:rPr lang="en-US" dirty="0" smtClean="0"/>
+                  <a:t>-&gt; di</a:t>
+                </a:r>
+                <a:r>
+                  <a:rPr lang="sk-SK" dirty="0" err="1" smtClean="0"/>
+                  <a:t>ferenciálne</a:t>
                 </a:r>
                 <a:r>
                   <a:rPr lang="sk-SK" dirty="0" smtClean="0"/>
-                  <a:t>(vedenie tepla) , metóda konečných prvkov – zložitá problematika</a:t>
+                  <a:t> rovnice </a:t>
+                </a:r>
+                <a:r>
+                  <a:rPr lang="sk-SK" u="sng" dirty="0" smtClean="0"/>
+                  <a:t>podľa času</a:t>
                 </a:r>
                 <a:r>
                   <a:rPr lang="sk-SK" dirty="0" smtClean="0"/>
-                  <a:t>).</a:t>
+                  <a:t>  </a:t>
                 </a:r>
+                <a14:m>
+                  <m:oMath xmlns:m="http://schemas.openxmlformats.org/officeDocument/2006/math">
+                    <m:f>
+                      <m:fPr>
+                        <m:ctrlPr>
+                          <a:rPr lang="sk-SK" i="1" smtClean="0">
+                            <a:latin typeface="Cambria Math" panose="02040503050406030204" pitchFamily="18" charset="0"/>
+                          </a:rPr>
+                        </m:ctrlPr>
+                      </m:fPr>
+                      <m:num>
+                        <m:r>
+                          <a:rPr lang="sk-SK" b="0" i="1" smtClean="0">
+                            <a:latin typeface="Cambria Math" panose="02040503050406030204" pitchFamily="18" charset="0"/>
+                          </a:rPr>
+                          <m:t>𝑑𝑥</m:t>
+                        </m:r>
+                      </m:num>
+                      <m:den>
+                        <m:r>
+                          <a:rPr lang="sk-SK" b="0" i="1" smtClean="0">
+                            <a:latin typeface="Cambria Math" panose="02040503050406030204" pitchFamily="18" charset="0"/>
+                          </a:rPr>
+                          <m:t>𝑑𝑡</m:t>
+                        </m:r>
+                      </m:den>
+                    </m:f>
+                  </m:oMath>
+                </a14:m>
+                <a:r>
+                  <a:rPr lang="sk-SK" dirty="0" smtClean="0"/>
+                  <a:t> - </a:t>
+                </a:r>
+                <a:r>
+                  <a:rPr lang="sk-SK" u="sng" dirty="0" smtClean="0"/>
+                  <a:t>skrátený zápis</a:t>
+                </a:r>
+                <a:r>
+                  <a:rPr lang="sk-SK" dirty="0" smtClean="0"/>
+                  <a:t> </a:t>
+                </a:r>
+                <a14:m>
+                  <m:oMath xmlns:m="http://schemas.openxmlformats.org/officeDocument/2006/math">
+                    <m:acc>
+                      <m:accPr>
+                        <m:chr m:val="̇"/>
+                        <m:ctrlPr>
+                          <a:rPr lang="sk-SK" i="1" smtClean="0">
+                            <a:latin typeface="Cambria Math" panose="02040503050406030204" pitchFamily="18" charset="0"/>
+                          </a:rPr>
+                        </m:ctrlPr>
+                      </m:accPr>
+                      <m:e>
+                        <m:r>
+                          <a:rPr lang="sk-SK" b="0" i="1" smtClean="0">
+                            <a:latin typeface="Cambria Math" panose="02040503050406030204" pitchFamily="18" charset="0"/>
+                          </a:rPr>
+                          <m:t>𝑥</m:t>
+                        </m:r>
+                      </m:e>
+                    </m:acc>
+                  </m:oMath>
+                </a14:m>
+                <a:endParaRPr lang="sk-SK" dirty="0" smtClean="0"/>
               </a:p>
               <a:p>
                 <a:pPr>
@@ -8864,7 +13639,7 @@
             </p:txBody>
           </p:sp>
         </mc:Choice>
-        <mc:Fallback>
+        <mc:Fallback xmlns="">
           <p:sp>
             <p:nvSpPr>
               <p:cNvPr id="3" name="Zástupný symbol obsahu 2"/>
@@ -8879,7 +13654,7 @@
               <a:blipFill rotWithShape="0">
                 <a:blip r:embed="rId2"/>
                 <a:stretch>
-                  <a:fillRect l="-1752" t="-1291" r="-1752" b="-822"/>
+                  <a:fillRect l="-1679" t="-1526"/>
                 </a:stretch>
               </a:blipFill>
             </p:spPr>
@@ -8974,8 +13749,8 @@
           </a:p>
         </p:txBody>
       </p:sp>
-      <mc:AlternateContent xmlns:mc="http://schemas.openxmlformats.org/markup-compatibility/2006">
-        <mc:Choice xmlns:a14="http://schemas.microsoft.com/office/drawing/2010/main" Requires="a14">
+      <mc:AlternateContent xmlns:mc="http://schemas.openxmlformats.org/markup-compatibility/2006" xmlns:a14="http://schemas.microsoft.com/office/drawing/2010/main">
+        <mc:Choice Requires="a14">
           <p:sp>
             <p:nvSpPr>
               <p:cNvPr id="7" name="Zástupný symbol obsahu 6"/>
@@ -9135,7 +13910,7 @@
             </p:txBody>
           </p:sp>
         </mc:Choice>
-        <mc:Fallback>
+        <mc:Fallback xmlns="">
           <p:sp>
             <p:nvSpPr>
               <p:cNvPr id="7" name="Zástupný symbol obsahu 6"/>
@@ -9367,354 +14142,1291 @@
           <a:p>
             <a:r>
               <a:rPr lang="sk-SK" dirty="0" smtClean="0"/>
-              <a:t>Lineárne </a:t>
-            </a:r>
-            <a:r>
-              <a:rPr lang="sk-SK" dirty="0" err="1" smtClean="0"/>
-              <a:t>vs</a:t>
-            </a:r>
-            <a:r>
-              <a:rPr lang="sk-SK" dirty="0" smtClean="0"/>
-              <a:t>. </a:t>
-            </a:r>
-            <a:r>
-              <a:rPr lang="sk-SK" dirty="0" smtClean="0"/>
-              <a:t>nelineárne diferenciálne rovnice </a:t>
+              <a:t>Riešenie diferenciálnych rovníc - analytické</a:t>
             </a:r>
             <a:endParaRPr lang="sk-SK" dirty="0"/>
           </a:p>
         </p:txBody>
       </p:sp>
-      <p:sp>
-        <p:nvSpPr>
-          <p:cNvPr id="4" name="Zástupný symbol textu 3"/>
-          <p:cNvSpPr>
-            <a:spLocks noGrp="1"/>
-          </p:cNvSpPr>
-          <p:nvPr>
-            <p:ph type="body" idx="1"/>
-          </p:nvPr>
-        </p:nvSpPr>
-        <p:spPr/>
-        <p:txBody>
-          <a:bodyPr/>
-          <a:lstStyle/>
-          <a:p>
-            <a:r>
-              <a:rPr lang="sk-SK" dirty="0" smtClean="0"/>
-              <a:t>Lineárne systémy</a:t>
-            </a:r>
-            <a:endParaRPr lang="sk-SK" dirty="0"/>
-          </a:p>
-        </p:txBody>
-      </p:sp>
-      <p:sp>
-        <p:nvSpPr>
-          <p:cNvPr id="5" name="Zástupný symbol obsahu 4"/>
-          <p:cNvSpPr>
-            <a:spLocks noGrp="1"/>
-          </p:cNvSpPr>
-          <p:nvPr>
-            <p:ph sz="half" idx="2"/>
-          </p:nvPr>
-        </p:nvSpPr>
-        <p:spPr>
-          <a:xfrm>
-            <a:off x="381000" y="1846052"/>
-            <a:ext cx="4145280" cy="4663678"/>
-          </a:xfrm>
-        </p:spPr>
-        <p:txBody>
-          <a:bodyPr>
-            <a:normAutofit lnSpcReduction="10000"/>
-          </a:bodyPr>
-          <a:lstStyle/>
-          <a:p>
-            <a:pPr>
-              <a:buFont typeface="Arial" panose="020B0604020202020204" pitchFamily="34" charset="0"/>
-              <a:buChar char="•"/>
-            </a:pPr>
-            <a:r>
-              <a:rPr lang="sk-SK" dirty="0" smtClean="0"/>
-              <a:t>Platí princíp </a:t>
-            </a:r>
-            <a:r>
-              <a:rPr lang="sk-SK" dirty="0" err="1" smtClean="0"/>
-              <a:t>superpozície</a:t>
-            </a:r>
-            <a:r>
-              <a:rPr lang="sk-SK" dirty="0" smtClean="0"/>
-              <a:t> (sčítavania) a </a:t>
-            </a:r>
-            <a:r>
-              <a:rPr lang="sk-SK" dirty="0" err="1" smtClean="0"/>
-              <a:t>komutativity</a:t>
-            </a:r>
-            <a:r>
-              <a:rPr lang="sk-SK" dirty="0" smtClean="0"/>
-              <a:t> (zámeny poradia).</a:t>
-            </a:r>
-          </a:p>
-          <a:p>
-            <a:pPr>
-              <a:buFont typeface="Arial" panose="020B0604020202020204" pitchFamily="34" charset="0"/>
-              <a:buChar char="•"/>
-            </a:pPr>
-            <a:r>
-              <a:rPr lang="sk-SK" dirty="0" smtClean="0"/>
-              <a:t>Riešenie </a:t>
-            </a:r>
-            <a:r>
-              <a:rPr lang="sk-SK" dirty="0" err="1" smtClean="0"/>
-              <a:t>dif</a:t>
-            </a:r>
-            <a:r>
-              <a:rPr lang="sk-SK" dirty="0" smtClean="0"/>
-              <a:t>. rovníc v časovej oblasti </a:t>
-            </a:r>
-            <a:r>
-              <a:rPr lang="sk-SK" dirty="0" err="1" smtClean="0"/>
-              <a:t>Laplaceovou</a:t>
-            </a:r>
-            <a:r>
-              <a:rPr lang="sk-SK" dirty="0" smtClean="0"/>
-              <a:t> transformáciou</a:t>
-            </a:r>
-          </a:p>
-          <a:p>
-            <a:pPr>
-              <a:buFont typeface="Arial" panose="020B0604020202020204" pitchFamily="34" charset="0"/>
-              <a:buChar char="•"/>
-            </a:pPr>
-            <a:r>
-              <a:rPr lang="sk-SK" dirty="0" smtClean="0"/>
-              <a:t>Model systému vo forme prenosovej funkcie (</a:t>
-            </a:r>
-            <a:r>
-              <a:rPr lang="sk-SK" dirty="0"/>
-              <a:t>vysvetlené neskôr</a:t>
-            </a:r>
-            <a:r>
-              <a:rPr lang="sk-SK" dirty="0" smtClean="0"/>
-              <a:t>)</a:t>
-            </a:r>
-          </a:p>
-          <a:p>
-            <a:pPr>
-              <a:buFont typeface="Arial" panose="020B0604020202020204" pitchFamily="34" charset="0"/>
-              <a:buChar char="•"/>
-            </a:pPr>
-            <a:r>
-              <a:rPr lang="sk-SK" dirty="0" smtClean="0"/>
-              <a:t>Jednoducho definované podmienky stability na základe rozloženia pólov a núl prenosovej funkcie (vysvetlené neskôr)</a:t>
-            </a:r>
-          </a:p>
-          <a:p>
-            <a:pPr>
-              <a:buFont typeface="Arial" panose="020B0604020202020204" pitchFamily="34" charset="0"/>
-              <a:buChar char="•"/>
-            </a:pPr>
-            <a:r>
-              <a:rPr lang="sk-SK" dirty="0" smtClean="0"/>
-              <a:t>Dynamika určená rozložením pólov a núl systému </a:t>
-            </a:r>
-            <a:r>
-              <a:rPr lang="sk-SK" dirty="0"/>
-              <a:t>(vysvetlené neskôr</a:t>
-            </a:r>
-            <a:r>
-              <a:rPr lang="sk-SK" dirty="0" smtClean="0"/>
-              <a:t>)</a:t>
-            </a:r>
-          </a:p>
-          <a:p>
-            <a:pPr>
-              <a:buFont typeface="Arial" panose="020B0604020202020204" pitchFamily="34" charset="0"/>
-              <a:buChar char="•"/>
-            </a:pPr>
-            <a:r>
-              <a:rPr lang="sk-SK" dirty="0"/>
-              <a:t>Jeden rovnovážny </a:t>
-            </a:r>
-            <a:r>
-              <a:rPr lang="sk-SK" dirty="0" smtClean="0"/>
-              <a:t>bod (v nule)</a:t>
-            </a:r>
-          </a:p>
-          <a:p>
-            <a:pPr>
-              <a:buFont typeface="Arial" panose="020B0604020202020204" pitchFamily="34" charset="0"/>
-              <a:buChar char="•"/>
-            </a:pPr>
-            <a:r>
-              <a:rPr lang="sk-SK" dirty="0" smtClean="0"/>
-              <a:t>Vystačíme si riadením PID regulátormi </a:t>
-            </a:r>
-            <a:endParaRPr lang="sk-SK" dirty="0"/>
-          </a:p>
-        </p:txBody>
-      </p:sp>
-      <p:sp>
-        <p:nvSpPr>
-          <p:cNvPr id="6" name="Zástupný symbol textu 5"/>
-          <p:cNvSpPr>
-            <a:spLocks noGrp="1"/>
-          </p:cNvSpPr>
-          <p:nvPr>
-            <p:ph type="body" sz="quarter" idx="3"/>
-          </p:nvPr>
-        </p:nvSpPr>
-        <p:spPr/>
-        <p:txBody>
-          <a:bodyPr/>
-          <a:lstStyle/>
-          <a:p>
-            <a:r>
-              <a:rPr lang="sk-SK" dirty="0" smtClean="0"/>
-              <a:t>Nelineárne systémy</a:t>
-            </a:r>
-            <a:endParaRPr lang="sk-SK" dirty="0"/>
-          </a:p>
-        </p:txBody>
-      </p:sp>
-      <p:sp>
-        <p:nvSpPr>
-          <p:cNvPr id="7" name="Zástupný symbol obsahu 6"/>
-          <p:cNvSpPr>
-            <a:spLocks noGrp="1"/>
-          </p:cNvSpPr>
-          <p:nvPr>
-            <p:ph sz="quarter" idx="4"/>
-          </p:nvPr>
-        </p:nvSpPr>
-        <p:spPr>
-          <a:xfrm>
-            <a:off x="4663440" y="1853228"/>
-            <a:ext cx="4191000" cy="4803722"/>
-          </a:xfrm>
-        </p:spPr>
-        <p:txBody>
-          <a:bodyPr>
-            <a:normAutofit fontScale="92500" lnSpcReduction="10000"/>
-          </a:bodyPr>
-          <a:lstStyle/>
-          <a:p>
-            <a:pPr>
-              <a:buFont typeface="Arial" panose="020B0604020202020204" pitchFamily="34" charset="0"/>
-              <a:buChar char="•"/>
-            </a:pPr>
-            <a:r>
-              <a:rPr lang="sk-SK" dirty="0" smtClean="0"/>
-              <a:t>Neplatí </a:t>
-            </a:r>
-            <a:r>
-              <a:rPr lang="sk-SK" dirty="0"/>
-              <a:t>princíp </a:t>
-            </a:r>
-            <a:r>
-              <a:rPr lang="sk-SK" dirty="0" err="1"/>
-              <a:t>superpozície</a:t>
-            </a:r>
-            <a:r>
-              <a:rPr lang="sk-SK" dirty="0"/>
-              <a:t> (sčítavania) a </a:t>
-            </a:r>
-            <a:r>
-              <a:rPr lang="sk-SK" dirty="0" err="1"/>
-              <a:t>komutativity</a:t>
-            </a:r>
-            <a:r>
-              <a:rPr lang="sk-SK" dirty="0"/>
-              <a:t> (zámeny poradia).</a:t>
-            </a:r>
-          </a:p>
-          <a:p>
-            <a:pPr>
-              <a:buFont typeface="Arial" panose="020B0604020202020204" pitchFamily="34" charset="0"/>
-              <a:buChar char="•"/>
-            </a:pPr>
-            <a:r>
-              <a:rPr lang="sk-SK" dirty="0" smtClean="0"/>
-              <a:t>Riešenie </a:t>
-            </a:r>
-            <a:r>
-              <a:rPr lang="sk-SK" dirty="0" err="1"/>
-              <a:t>diff</a:t>
-            </a:r>
-            <a:r>
-              <a:rPr lang="sk-SK" dirty="0"/>
-              <a:t>. rovníc v časovej </a:t>
-            </a:r>
-            <a:r>
-              <a:rPr lang="sk-SK" dirty="0" smtClean="0"/>
-              <a:t>oblasti je komplikované</a:t>
-            </a:r>
-          </a:p>
-          <a:p>
-            <a:pPr>
-              <a:buFont typeface="Arial" panose="020B0604020202020204" pitchFamily="34" charset="0"/>
-              <a:buChar char="•"/>
-            </a:pPr>
-            <a:r>
-              <a:rPr lang="sk-SK" dirty="0" smtClean="0"/>
-              <a:t>Podmienky stability v zmysle </a:t>
-            </a:r>
-            <a:r>
-              <a:rPr lang="sk-SK" dirty="0" err="1" smtClean="0"/>
-              <a:t>Lyapunovovej</a:t>
-            </a:r>
-            <a:r>
-              <a:rPr lang="sk-SK" dirty="0" smtClean="0"/>
-              <a:t> teórie.</a:t>
-            </a:r>
-          </a:p>
-          <a:p>
-            <a:pPr>
-              <a:buFont typeface="Arial" panose="020B0604020202020204" pitchFamily="34" charset="0"/>
-              <a:buChar char="•"/>
-            </a:pPr>
-            <a:r>
-              <a:rPr lang="sk-SK" dirty="0" smtClean="0"/>
-              <a:t>Viacero rovnovážnych bodov (stabilných aj nestabilných)</a:t>
-            </a:r>
-          </a:p>
-          <a:p>
-            <a:pPr>
-              <a:buFont typeface="Arial" panose="020B0604020202020204" pitchFamily="34" charset="0"/>
-              <a:buChar char="•"/>
-            </a:pPr>
-            <a:r>
-              <a:rPr lang="sk-SK" dirty="0" smtClean="0"/>
-              <a:t>Stabilita závisí aj od počiatočných podmienok</a:t>
-            </a:r>
-          </a:p>
-          <a:p>
-            <a:pPr>
-              <a:buFont typeface="Arial" panose="020B0604020202020204" pitchFamily="34" charset="0"/>
-              <a:buChar char="•"/>
-            </a:pPr>
-            <a:r>
-              <a:rPr lang="sk-SK" dirty="0" smtClean="0"/>
-              <a:t>Často potrebné špeciálne nelineárne regulátory</a:t>
-            </a:r>
-          </a:p>
-          <a:p>
-            <a:pPr>
-              <a:buFont typeface="Arial" panose="020B0604020202020204" pitchFamily="34" charset="0"/>
-              <a:buChar char="•"/>
-            </a:pPr>
-            <a:r>
-              <a:rPr lang="sk-SK" dirty="0" smtClean="0"/>
-              <a:t>Predmet Riadenie nelineárnych systémov – Ing. štúdium</a:t>
-            </a:r>
-            <a:endParaRPr lang="sk-SK" dirty="0"/>
-          </a:p>
-        </p:txBody>
-      </p:sp>
+      <mc:AlternateContent xmlns:mc="http://schemas.openxmlformats.org/markup-compatibility/2006" xmlns:a14="http://schemas.microsoft.com/office/drawing/2010/main">
+        <mc:Choice Requires="a14">
+          <p:sp>
+            <p:nvSpPr>
+              <p:cNvPr id="3" name="Zástupný symbol obsahu 2"/>
+              <p:cNvSpPr>
+                <a:spLocks noGrp="1"/>
+              </p:cNvSpPr>
+              <p:nvPr>
+                <p:ph idx="1"/>
+              </p:nvPr>
+            </p:nvSpPr>
+            <p:spPr>
+              <a:xfrm>
+                <a:off x="393699" y="1040446"/>
+                <a:ext cx="8544355" cy="5817554"/>
+              </a:xfrm>
+            </p:spPr>
+            <p:txBody>
+              <a:bodyPr numCol="2">
+                <a:normAutofit/>
+              </a:bodyPr>
+              <a:lstStyle/>
+              <a:p>
+                <a:pPr>
+                  <a:buFont typeface="Arial" panose="020B0604020202020204" pitchFamily="34" charset="0"/>
+                  <a:buChar char="•"/>
+                </a:pPr>
+                <a:r>
+                  <a:rPr lang="sk-SK" dirty="0" smtClean="0"/>
+                  <a:t>Analytické riešenie jednoduchej diferenciálnej rovnice prvého rádu</a:t>
+                </a:r>
+              </a:p>
+              <a:p>
+                <a:pPr>
+                  <a:lnSpc>
+                    <a:spcPct val="150000"/>
+                  </a:lnSpc>
+                </a:pPr>
+                <a14:m>
+                  <m:oMath xmlns:m="http://schemas.openxmlformats.org/officeDocument/2006/math">
+                    <m:sSub>
+                      <m:sSubPr>
+                        <m:ctrlPr>
+                          <a:rPr lang="sk-SK" sz="2300" b="0" i="1" smtClean="0">
+                            <a:latin typeface="Cambria Math" panose="02040503050406030204" pitchFamily="18" charset="0"/>
+                          </a:rPr>
+                        </m:ctrlPr>
+                      </m:sSubPr>
+                      <m:e>
+                        <m:acc>
+                          <m:accPr>
+                            <m:chr m:val="̇"/>
+                            <m:ctrlPr>
+                              <a:rPr lang="sk-SK" sz="2300" b="0" i="1" smtClean="0">
+                                <a:latin typeface="Cambria Math" panose="02040503050406030204" pitchFamily="18" charset="0"/>
+                              </a:rPr>
+                            </m:ctrlPr>
+                          </m:accPr>
+                          <m:e>
+                            <m:r>
+                              <a:rPr lang="sk-SK" sz="2300" b="0" i="1" smtClean="0">
+                                <a:latin typeface="Cambria Math" panose="02040503050406030204" pitchFamily="18" charset="0"/>
+                              </a:rPr>
+                              <m:t>𝑥</m:t>
+                            </m:r>
+                          </m:e>
+                        </m:acc>
+                      </m:e>
+                      <m:sub>
+                        <m:r>
+                          <a:rPr lang="sk-SK" sz="2300" b="0" i="1" smtClean="0">
+                            <a:latin typeface="Cambria Math" panose="02040503050406030204" pitchFamily="18" charset="0"/>
+                          </a:rPr>
+                          <m:t>(</m:t>
+                        </m:r>
+                        <m:r>
+                          <a:rPr lang="sk-SK" sz="2300" b="0" i="1" smtClean="0">
+                            <a:latin typeface="Cambria Math" panose="02040503050406030204" pitchFamily="18" charset="0"/>
+                          </a:rPr>
+                          <m:t>𝑡</m:t>
+                        </m:r>
+                        <m:r>
+                          <a:rPr lang="sk-SK" sz="2300" b="0" i="1" smtClean="0">
+                            <a:latin typeface="Cambria Math" panose="02040503050406030204" pitchFamily="18" charset="0"/>
+                          </a:rPr>
+                          <m:t>)</m:t>
+                        </m:r>
+                      </m:sub>
+                    </m:sSub>
+                    <m:r>
+                      <a:rPr lang="sk-SK" sz="2300" b="0" i="1" smtClean="0">
+                        <a:latin typeface="Cambria Math" panose="02040503050406030204" pitchFamily="18" charset="0"/>
+                      </a:rPr>
+                      <m:t>+</m:t>
+                    </m:r>
+                    <m:sSub>
+                      <m:sSubPr>
+                        <m:ctrlPr>
+                          <a:rPr lang="sk-SK" sz="2300" b="0" i="1" smtClean="0">
+                            <a:latin typeface="Cambria Math" panose="02040503050406030204" pitchFamily="18" charset="0"/>
+                          </a:rPr>
+                        </m:ctrlPr>
+                      </m:sSubPr>
+                      <m:e>
+                        <m:r>
+                          <a:rPr lang="sk-SK" sz="2300" b="0" i="1" smtClean="0">
+                            <a:latin typeface="Cambria Math" panose="02040503050406030204" pitchFamily="18" charset="0"/>
+                          </a:rPr>
+                          <m:t>𝑥</m:t>
+                        </m:r>
+                      </m:e>
+                      <m:sub>
+                        <m:r>
+                          <a:rPr lang="sk-SK" sz="2300" b="0" i="1" smtClean="0">
+                            <a:latin typeface="Cambria Math" panose="02040503050406030204" pitchFamily="18" charset="0"/>
+                          </a:rPr>
+                          <m:t>(</m:t>
+                        </m:r>
+                        <m:r>
+                          <a:rPr lang="sk-SK" sz="2300" b="0" i="1" smtClean="0">
+                            <a:latin typeface="Cambria Math" panose="02040503050406030204" pitchFamily="18" charset="0"/>
+                          </a:rPr>
+                          <m:t>𝑡</m:t>
+                        </m:r>
+                        <m:r>
+                          <a:rPr lang="sk-SK" sz="2300" b="0" i="1" smtClean="0">
+                            <a:latin typeface="Cambria Math" panose="02040503050406030204" pitchFamily="18" charset="0"/>
+                          </a:rPr>
+                          <m:t>)</m:t>
+                        </m:r>
+                      </m:sub>
+                    </m:sSub>
+                    <m:r>
+                      <a:rPr lang="sk-SK" sz="2300" b="0" i="1" smtClean="0">
+                        <a:latin typeface="Cambria Math" panose="02040503050406030204" pitchFamily="18" charset="0"/>
+                      </a:rPr>
+                      <m:t>=0</m:t>
+                    </m:r>
+                  </m:oMath>
+                </a14:m>
+                <a:endParaRPr lang="sk-SK" sz="2300" b="0" dirty="0" smtClean="0"/>
+              </a:p>
+              <a:p>
+                <a:pPr>
+                  <a:lnSpc>
+                    <a:spcPct val="150000"/>
+                  </a:lnSpc>
+                </a:pPr>
+                <a14:m>
+                  <m:oMath xmlns:m="http://schemas.openxmlformats.org/officeDocument/2006/math">
+                    <m:f>
+                      <m:fPr>
+                        <m:ctrlPr>
+                          <a:rPr lang="sk-SK" sz="2300" b="0" i="1" smtClean="0">
+                            <a:latin typeface="Cambria Math" panose="02040503050406030204" pitchFamily="18" charset="0"/>
+                          </a:rPr>
+                        </m:ctrlPr>
+                      </m:fPr>
+                      <m:num>
+                        <m:r>
+                          <a:rPr lang="sk-SK" sz="2300" b="0" i="1" smtClean="0">
+                            <a:latin typeface="Cambria Math" panose="02040503050406030204" pitchFamily="18" charset="0"/>
+                          </a:rPr>
+                          <m:t>𝑑</m:t>
+                        </m:r>
+                        <m:sSub>
+                          <m:sSubPr>
+                            <m:ctrlPr>
+                              <a:rPr lang="sk-SK" sz="2300" i="1">
+                                <a:latin typeface="Cambria Math" panose="02040503050406030204" pitchFamily="18" charset="0"/>
+                              </a:rPr>
+                            </m:ctrlPr>
+                          </m:sSubPr>
+                          <m:e>
+                            <m:r>
+                              <a:rPr lang="sk-SK" sz="2300" i="1">
+                                <a:latin typeface="Cambria Math" panose="02040503050406030204" pitchFamily="18" charset="0"/>
+                              </a:rPr>
+                              <m:t>𝑥</m:t>
+                            </m:r>
+                          </m:e>
+                          <m:sub>
+                            <m:r>
+                              <a:rPr lang="sk-SK" sz="2300" i="1">
+                                <a:latin typeface="Cambria Math" panose="02040503050406030204" pitchFamily="18" charset="0"/>
+                              </a:rPr>
+                              <m:t>(</m:t>
+                            </m:r>
+                            <m:r>
+                              <a:rPr lang="sk-SK" sz="2300" i="1">
+                                <a:latin typeface="Cambria Math" panose="02040503050406030204" pitchFamily="18" charset="0"/>
+                              </a:rPr>
+                              <m:t>𝑡</m:t>
+                            </m:r>
+                            <m:r>
+                              <a:rPr lang="sk-SK" sz="2300" i="1">
+                                <a:latin typeface="Cambria Math" panose="02040503050406030204" pitchFamily="18" charset="0"/>
+                              </a:rPr>
+                              <m:t>)</m:t>
+                            </m:r>
+                          </m:sub>
+                        </m:sSub>
+                      </m:num>
+                      <m:den>
+                        <m:r>
+                          <a:rPr lang="sk-SK" sz="2300" b="0" i="1" smtClean="0">
+                            <a:latin typeface="Cambria Math" panose="02040503050406030204" pitchFamily="18" charset="0"/>
+                          </a:rPr>
+                          <m:t>𝑑𝑡</m:t>
+                        </m:r>
+                      </m:den>
+                    </m:f>
+                    <m:r>
+                      <a:rPr lang="sk-SK" sz="2300" b="0" i="1" smtClean="0">
+                        <a:latin typeface="Cambria Math" panose="02040503050406030204" pitchFamily="18" charset="0"/>
+                      </a:rPr>
+                      <m:t>+</m:t>
+                    </m:r>
+                    <m:sSub>
+                      <m:sSubPr>
+                        <m:ctrlPr>
+                          <a:rPr lang="sk-SK" sz="2300" i="1">
+                            <a:latin typeface="Cambria Math" panose="02040503050406030204" pitchFamily="18" charset="0"/>
+                          </a:rPr>
+                        </m:ctrlPr>
+                      </m:sSubPr>
+                      <m:e>
+                        <m:r>
+                          <a:rPr lang="sk-SK" sz="2300" i="1">
+                            <a:latin typeface="Cambria Math" panose="02040503050406030204" pitchFamily="18" charset="0"/>
+                          </a:rPr>
+                          <m:t>𝑥</m:t>
+                        </m:r>
+                      </m:e>
+                      <m:sub>
+                        <m:r>
+                          <a:rPr lang="sk-SK" sz="2300" i="1">
+                            <a:latin typeface="Cambria Math" panose="02040503050406030204" pitchFamily="18" charset="0"/>
+                          </a:rPr>
+                          <m:t>(</m:t>
+                        </m:r>
+                        <m:r>
+                          <a:rPr lang="sk-SK" sz="2300" i="1">
+                            <a:latin typeface="Cambria Math" panose="02040503050406030204" pitchFamily="18" charset="0"/>
+                          </a:rPr>
+                          <m:t>𝑡</m:t>
+                        </m:r>
+                        <m:r>
+                          <a:rPr lang="sk-SK" sz="2300" i="1">
+                            <a:latin typeface="Cambria Math" panose="02040503050406030204" pitchFamily="18" charset="0"/>
+                          </a:rPr>
+                          <m:t>)</m:t>
+                        </m:r>
+                      </m:sub>
+                    </m:sSub>
+                    <m:r>
+                      <a:rPr lang="sk-SK" sz="2300" b="0" i="1" smtClean="0">
+                        <a:latin typeface="Cambria Math" panose="02040503050406030204" pitchFamily="18" charset="0"/>
+                      </a:rPr>
+                      <m:t>=0</m:t>
+                    </m:r>
+                  </m:oMath>
+                </a14:m>
+                <a:endParaRPr lang="sk-SK" sz="2300" b="0" dirty="0" smtClean="0"/>
+              </a:p>
+              <a:p>
+                <a:pPr>
+                  <a:lnSpc>
+                    <a:spcPct val="150000"/>
+                  </a:lnSpc>
+                </a:pPr>
+                <a14:m>
+                  <m:oMath xmlns:m="http://schemas.openxmlformats.org/officeDocument/2006/math">
+                    <m:f>
+                      <m:fPr>
+                        <m:ctrlPr>
+                          <a:rPr lang="sk-SK" sz="2300" i="1">
+                            <a:latin typeface="Cambria Math" panose="02040503050406030204" pitchFamily="18" charset="0"/>
+                          </a:rPr>
+                        </m:ctrlPr>
+                      </m:fPr>
+                      <m:num>
+                        <m:r>
+                          <a:rPr lang="sk-SK" sz="2300" i="1">
+                            <a:latin typeface="Cambria Math" panose="02040503050406030204" pitchFamily="18" charset="0"/>
+                          </a:rPr>
+                          <m:t>𝑑</m:t>
+                        </m:r>
+                        <m:sSub>
+                          <m:sSubPr>
+                            <m:ctrlPr>
+                              <a:rPr lang="sk-SK" sz="2300" i="1">
+                                <a:latin typeface="Cambria Math" panose="02040503050406030204" pitchFamily="18" charset="0"/>
+                              </a:rPr>
+                            </m:ctrlPr>
+                          </m:sSubPr>
+                          <m:e>
+                            <m:r>
+                              <a:rPr lang="sk-SK" sz="2300" i="1">
+                                <a:latin typeface="Cambria Math" panose="02040503050406030204" pitchFamily="18" charset="0"/>
+                              </a:rPr>
+                              <m:t>𝑥</m:t>
+                            </m:r>
+                          </m:e>
+                          <m:sub>
+                            <m:r>
+                              <a:rPr lang="sk-SK" sz="2300" i="1">
+                                <a:latin typeface="Cambria Math" panose="02040503050406030204" pitchFamily="18" charset="0"/>
+                              </a:rPr>
+                              <m:t>(</m:t>
+                            </m:r>
+                            <m:r>
+                              <a:rPr lang="sk-SK" sz="2300" i="1">
+                                <a:latin typeface="Cambria Math" panose="02040503050406030204" pitchFamily="18" charset="0"/>
+                              </a:rPr>
+                              <m:t>𝑡</m:t>
+                            </m:r>
+                            <m:r>
+                              <a:rPr lang="sk-SK" sz="2300" i="1">
+                                <a:latin typeface="Cambria Math" panose="02040503050406030204" pitchFamily="18" charset="0"/>
+                              </a:rPr>
+                              <m:t>)</m:t>
+                            </m:r>
+                          </m:sub>
+                        </m:sSub>
+                      </m:num>
+                      <m:den>
+                        <m:r>
+                          <a:rPr lang="sk-SK" sz="2300" i="1">
+                            <a:latin typeface="Cambria Math" panose="02040503050406030204" pitchFamily="18" charset="0"/>
+                          </a:rPr>
+                          <m:t>𝑑𝑡</m:t>
+                        </m:r>
+                      </m:den>
+                    </m:f>
+                    <m:r>
+                      <a:rPr lang="sk-SK" sz="2300" b="0" i="1" smtClean="0">
+                        <a:latin typeface="Cambria Math" panose="02040503050406030204" pitchFamily="18" charset="0"/>
+                      </a:rPr>
+                      <m:t>=−</m:t>
+                    </m:r>
+                    <m:sSub>
+                      <m:sSubPr>
+                        <m:ctrlPr>
+                          <a:rPr lang="sk-SK" sz="2300" i="1">
+                            <a:latin typeface="Cambria Math" panose="02040503050406030204" pitchFamily="18" charset="0"/>
+                          </a:rPr>
+                        </m:ctrlPr>
+                      </m:sSubPr>
+                      <m:e>
+                        <m:r>
+                          <a:rPr lang="sk-SK" sz="2300" i="1">
+                            <a:latin typeface="Cambria Math" panose="02040503050406030204" pitchFamily="18" charset="0"/>
+                          </a:rPr>
+                          <m:t>𝑥</m:t>
+                        </m:r>
+                      </m:e>
+                      <m:sub>
+                        <m:r>
+                          <a:rPr lang="sk-SK" sz="2300" i="1">
+                            <a:latin typeface="Cambria Math" panose="02040503050406030204" pitchFamily="18" charset="0"/>
+                          </a:rPr>
+                          <m:t>(</m:t>
+                        </m:r>
+                        <m:r>
+                          <a:rPr lang="sk-SK" sz="2300" i="1">
+                            <a:latin typeface="Cambria Math" panose="02040503050406030204" pitchFamily="18" charset="0"/>
+                          </a:rPr>
+                          <m:t>𝑡</m:t>
+                        </m:r>
+                        <m:r>
+                          <a:rPr lang="sk-SK" sz="2300" i="1">
+                            <a:latin typeface="Cambria Math" panose="02040503050406030204" pitchFamily="18" charset="0"/>
+                          </a:rPr>
+                          <m:t>)</m:t>
+                        </m:r>
+                      </m:sub>
+                    </m:sSub>
+                  </m:oMath>
+                </a14:m>
+                <a:endParaRPr lang="sk-SK" sz="2300" dirty="0" smtClean="0"/>
+              </a:p>
+              <a:p>
+                <a:pPr>
+                  <a:lnSpc>
+                    <a:spcPct val="150000"/>
+                  </a:lnSpc>
+                </a:pPr>
+                <a14:m>
+                  <m:oMath xmlns:m="http://schemas.openxmlformats.org/officeDocument/2006/math">
+                    <m:f>
+                      <m:fPr>
+                        <m:ctrlPr>
+                          <a:rPr lang="sk-SK" sz="2300" i="1" smtClean="0">
+                            <a:latin typeface="Cambria Math" panose="02040503050406030204" pitchFamily="18" charset="0"/>
+                          </a:rPr>
+                        </m:ctrlPr>
+                      </m:fPr>
+                      <m:num>
+                        <m:r>
+                          <a:rPr lang="sk-SK" sz="2300" i="1">
+                            <a:latin typeface="Cambria Math" panose="02040503050406030204" pitchFamily="18" charset="0"/>
+                          </a:rPr>
+                          <m:t>𝑑</m:t>
+                        </m:r>
+                        <m:sSub>
+                          <m:sSubPr>
+                            <m:ctrlPr>
+                              <a:rPr lang="sk-SK" sz="2300" i="1">
+                                <a:latin typeface="Cambria Math" panose="02040503050406030204" pitchFamily="18" charset="0"/>
+                              </a:rPr>
+                            </m:ctrlPr>
+                          </m:sSubPr>
+                          <m:e>
+                            <m:r>
+                              <a:rPr lang="sk-SK" sz="2300" i="1">
+                                <a:latin typeface="Cambria Math" panose="02040503050406030204" pitchFamily="18" charset="0"/>
+                              </a:rPr>
+                              <m:t>𝑥</m:t>
+                            </m:r>
+                          </m:e>
+                          <m:sub>
+                            <m:r>
+                              <a:rPr lang="sk-SK" sz="2300" i="1">
+                                <a:latin typeface="Cambria Math" panose="02040503050406030204" pitchFamily="18" charset="0"/>
+                              </a:rPr>
+                              <m:t>(</m:t>
+                            </m:r>
+                            <m:r>
+                              <a:rPr lang="sk-SK" sz="2300" i="1">
+                                <a:latin typeface="Cambria Math" panose="02040503050406030204" pitchFamily="18" charset="0"/>
+                              </a:rPr>
+                              <m:t>𝑡</m:t>
+                            </m:r>
+                            <m:r>
+                              <a:rPr lang="sk-SK" sz="2300" i="1">
+                                <a:latin typeface="Cambria Math" panose="02040503050406030204" pitchFamily="18" charset="0"/>
+                              </a:rPr>
+                              <m:t>)</m:t>
+                            </m:r>
+                          </m:sub>
+                        </m:sSub>
+                      </m:num>
+                      <m:den>
+                        <m:sSub>
+                          <m:sSubPr>
+                            <m:ctrlPr>
+                              <a:rPr lang="sk-SK" sz="2300" i="1">
+                                <a:latin typeface="Cambria Math" panose="02040503050406030204" pitchFamily="18" charset="0"/>
+                              </a:rPr>
+                            </m:ctrlPr>
+                          </m:sSubPr>
+                          <m:e>
+                            <m:r>
+                              <a:rPr lang="sk-SK" sz="2300" i="1">
+                                <a:latin typeface="Cambria Math" panose="02040503050406030204" pitchFamily="18" charset="0"/>
+                              </a:rPr>
+                              <m:t>𝑥</m:t>
+                            </m:r>
+                          </m:e>
+                          <m:sub>
+                            <m:r>
+                              <a:rPr lang="sk-SK" sz="2300" i="1">
+                                <a:latin typeface="Cambria Math" panose="02040503050406030204" pitchFamily="18" charset="0"/>
+                              </a:rPr>
+                              <m:t>(</m:t>
+                            </m:r>
+                            <m:r>
+                              <a:rPr lang="sk-SK" sz="2300" i="1">
+                                <a:latin typeface="Cambria Math" panose="02040503050406030204" pitchFamily="18" charset="0"/>
+                              </a:rPr>
+                              <m:t>𝑡</m:t>
+                            </m:r>
+                            <m:r>
+                              <a:rPr lang="sk-SK" sz="2300" i="1">
+                                <a:latin typeface="Cambria Math" panose="02040503050406030204" pitchFamily="18" charset="0"/>
+                              </a:rPr>
+                              <m:t>)</m:t>
+                            </m:r>
+                          </m:sub>
+                        </m:sSub>
+                      </m:den>
+                    </m:f>
+                    <m:r>
+                      <a:rPr lang="sk-SK" sz="2300" i="1">
+                        <a:latin typeface="Cambria Math" panose="02040503050406030204" pitchFamily="18" charset="0"/>
+                      </a:rPr>
+                      <m:t>=−</m:t>
+                    </m:r>
+                    <m:r>
+                      <a:rPr lang="sk-SK" sz="2300" i="1">
+                        <a:latin typeface="Cambria Math" panose="02040503050406030204" pitchFamily="18" charset="0"/>
+                      </a:rPr>
+                      <m:t>𝑑𝑡</m:t>
+                    </m:r>
+                  </m:oMath>
+                </a14:m>
+                <a:endParaRPr lang="sk-SK" sz="2300" dirty="0" smtClean="0"/>
+              </a:p>
+              <a:p>
+                <a:pPr>
+                  <a:lnSpc>
+                    <a:spcPct val="150000"/>
+                  </a:lnSpc>
+                </a:pPr>
+                <a14:m>
+                  <m:oMath xmlns:m="http://schemas.openxmlformats.org/officeDocument/2006/math">
+                    <m:nary>
+                      <m:naryPr>
+                        <m:limLoc m:val="undOvr"/>
+                        <m:subHide m:val="on"/>
+                        <m:supHide m:val="on"/>
+                        <m:ctrlPr>
+                          <a:rPr lang="sk-SK" sz="2300" i="1" smtClean="0">
+                            <a:latin typeface="Cambria Math" panose="02040503050406030204" pitchFamily="18" charset="0"/>
+                          </a:rPr>
+                        </m:ctrlPr>
+                      </m:naryPr>
+                      <m:sub/>
+                      <m:sup/>
+                      <m:e>
+                        <m:f>
+                          <m:fPr>
+                            <m:ctrlPr>
+                              <a:rPr lang="sk-SK" sz="2300" i="1">
+                                <a:latin typeface="Cambria Math" panose="02040503050406030204" pitchFamily="18" charset="0"/>
+                              </a:rPr>
+                            </m:ctrlPr>
+                          </m:fPr>
+                          <m:num>
+                            <m:r>
+                              <a:rPr lang="sk-SK" sz="2300" i="1">
+                                <a:latin typeface="Cambria Math" panose="02040503050406030204" pitchFamily="18" charset="0"/>
+                              </a:rPr>
+                              <m:t>𝑑</m:t>
+                            </m:r>
+                            <m:sSub>
+                              <m:sSubPr>
+                                <m:ctrlPr>
+                                  <a:rPr lang="sk-SK" sz="2300" i="1">
+                                    <a:latin typeface="Cambria Math" panose="02040503050406030204" pitchFamily="18" charset="0"/>
+                                  </a:rPr>
+                                </m:ctrlPr>
+                              </m:sSubPr>
+                              <m:e>
+                                <m:r>
+                                  <a:rPr lang="sk-SK" sz="2300" i="1">
+                                    <a:latin typeface="Cambria Math" panose="02040503050406030204" pitchFamily="18" charset="0"/>
+                                  </a:rPr>
+                                  <m:t>𝑥</m:t>
+                                </m:r>
+                              </m:e>
+                              <m:sub>
+                                <m:r>
+                                  <a:rPr lang="sk-SK" sz="2300" i="1">
+                                    <a:latin typeface="Cambria Math" panose="02040503050406030204" pitchFamily="18" charset="0"/>
+                                  </a:rPr>
+                                  <m:t>(</m:t>
+                                </m:r>
+                                <m:r>
+                                  <a:rPr lang="sk-SK" sz="2300" i="1">
+                                    <a:latin typeface="Cambria Math" panose="02040503050406030204" pitchFamily="18" charset="0"/>
+                                  </a:rPr>
+                                  <m:t>𝑡</m:t>
+                                </m:r>
+                                <m:r>
+                                  <a:rPr lang="sk-SK" sz="2300" i="1">
+                                    <a:latin typeface="Cambria Math" panose="02040503050406030204" pitchFamily="18" charset="0"/>
+                                  </a:rPr>
+                                  <m:t>)</m:t>
+                                </m:r>
+                              </m:sub>
+                            </m:sSub>
+                          </m:num>
+                          <m:den>
+                            <m:sSub>
+                              <m:sSubPr>
+                                <m:ctrlPr>
+                                  <a:rPr lang="sk-SK" sz="2300" i="1">
+                                    <a:latin typeface="Cambria Math" panose="02040503050406030204" pitchFamily="18" charset="0"/>
+                                  </a:rPr>
+                                </m:ctrlPr>
+                              </m:sSubPr>
+                              <m:e>
+                                <m:r>
+                                  <a:rPr lang="sk-SK" sz="2300" i="1">
+                                    <a:latin typeface="Cambria Math" panose="02040503050406030204" pitchFamily="18" charset="0"/>
+                                  </a:rPr>
+                                  <m:t>𝑥</m:t>
+                                </m:r>
+                              </m:e>
+                              <m:sub>
+                                <m:r>
+                                  <a:rPr lang="sk-SK" sz="2300" i="1">
+                                    <a:latin typeface="Cambria Math" panose="02040503050406030204" pitchFamily="18" charset="0"/>
+                                  </a:rPr>
+                                  <m:t>(</m:t>
+                                </m:r>
+                                <m:r>
+                                  <a:rPr lang="sk-SK" sz="2300" i="1">
+                                    <a:latin typeface="Cambria Math" panose="02040503050406030204" pitchFamily="18" charset="0"/>
+                                  </a:rPr>
+                                  <m:t>𝑡</m:t>
+                                </m:r>
+                                <m:r>
+                                  <a:rPr lang="sk-SK" sz="2300" i="1">
+                                    <a:latin typeface="Cambria Math" panose="02040503050406030204" pitchFamily="18" charset="0"/>
+                                  </a:rPr>
+                                  <m:t>)</m:t>
+                                </m:r>
+                              </m:sub>
+                            </m:sSub>
+                          </m:den>
+                        </m:f>
+                      </m:e>
+                    </m:nary>
+                    <m:r>
+                      <a:rPr lang="sk-SK" sz="2300" i="1">
+                        <a:latin typeface="Cambria Math" panose="02040503050406030204" pitchFamily="18" charset="0"/>
+                      </a:rPr>
+                      <m:t>=</m:t>
+                    </m:r>
+                    <m:nary>
+                      <m:naryPr>
+                        <m:limLoc m:val="undOvr"/>
+                        <m:subHide m:val="on"/>
+                        <m:supHide m:val="on"/>
+                        <m:ctrlPr>
+                          <a:rPr lang="sk-SK" sz="2300" i="1" smtClean="0">
+                            <a:latin typeface="Cambria Math" panose="02040503050406030204" pitchFamily="18" charset="0"/>
+                          </a:rPr>
+                        </m:ctrlPr>
+                      </m:naryPr>
+                      <m:sub/>
+                      <m:sup/>
+                      <m:e>
+                        <m:r>
+                          <a:rPr lang="sk-SK" sz="2300" i="1">
+                            <a:latin typeface="Cambria Math" panose="02040503050406030204" pitchFamily="18" charset="0"/>
+                          </a:rPr>
+                          <m:t>−</m:t>
+                        </m:r>
+                        <m:r>
+                          <a:rPr lang="sk-SK" sz="2300" i="1">
+                            <a:latin typeface="Cambria Math" panose="02040503050406030204" pitchFamily="18" charset="0"/>
+                          </a:rPr>
+                          <m:t>𝑑𝑡</m:t>
+                        </m:r>
+                        <m:r>
+                          <m:rPr>
+                            <m:nor/>
+                          </m:rPr>
+                          <a:rPr lang="sk-SK" sz="2300" dirty="0"/>
+                          <m:t> </m:t>
+                        </m:r>
+                      </m:e>
+                    </m:nary>
+                  </m:oMath>
+                </a14:m>
+                <a:endParaRPr lang="sk-SK" sz="2300" dirty="0" smtClean="0"/>
+              </a:p>
+              <a:p>
+                <a:pPr>
+                  <a:lnSpc>
+                    <a:spcPct val="150000"/>
+                  </a:lnSpc>
+                </a:pPr>
+                <a14:m>
+                  <m:oMath xmlns:m="http://schemas.openxmlformats.org/officeDocument/2006/math">
+                    <m:func>
+                      <m:funcPr>
+                        <m:ctrlPr>
+                          <a:rPr lang="sk-SK" sz="2300" b="0" i="1" smtClean="0">
+                            <a:latin typeface="Cambria Math" panose="02040503050406030204" pitchFamily="18" charset="0"/>
+                          </a:rPr>
+                        </m:ctrlPr>
+                      </m:funcPr>
+                      <m:fName>
+                        <m:r>
+                          <m:rPr>
+                            <m:sty m:val="p"/>
+                          </m:rPr>
+                          <a:rPr lang="sk-SK" sz="2300" b="0" i="0" smtClean="0">
+                            <a:latin typeface="Cambria Math" panose="02040503050406030204" pitchFamily="18" charset="0"/>
+                          </a:rPr>
+                          <m:t>ln</m:t>
+                        </m:r>
+                      </m:fName>
+                      <m:e>
+                        <m:d>
+                          <m:dPr>
+                            <m:ctrlPr>
+                              <a:rPr lang="sk-SK" sz="2300" b="0" i="1" smtClean="0">
+                                <a:latin typeface="Cambria Math" panose="02040503050406030204" pitchFamily="18" charset="0"/>
+                              </a:rPr>
+                            </m:ctrlPr>
+                          </m:dPr>
+                          <m:e>
+                            <m:sSub>
+                              <m:sSubPr>
+                                <m:ctrlPr>
+                                  <a:rPr lang="sk-SK" sz="2300" i="1">
+                                    <a:latin typeface="Cambria Math" panose="02040503050406030204" pitchFamily="18" charset="0"/>
+                                  </a:rPr>
+                                </m:ctrlPr>
+                              </m:sSubPr>
+                              <m:e>
+                                <m:r>
+                                  <a:rPr lang="sk-SK" sz="2300" i="1">
+                                    <a:latin typeface="Cambria Math" panose="02040503050406030204" pitchFamily="18" charset="0"/>
+                                  </a:rPr>
+                                  <m:t>𝑥</m:t>
+                                </m:r>
+                              </m:e>
+                              <m:sub>
+                                <m:d>
+                                  <m:dPr>
+                                    <m:ctrlPr>
+                                      <a:rPr lang="sk-SK" sz="2300" i="1">
+                                        <a:latin typeface="Cambria Math" panose="02040503050406030204" pitchFamily="18" charset="0"/>
+                                      </a:rPr>
+                                    </m:ctrlPr>
+                                  </m:dPr>
+                                  <m:e>
+                                    <m:r>
+                                      <a:rPr lang="sk-SK" sz="2300" i="1">
+                                        <a:latin typeface="Cambria Math" panose="02040503050406030204" pitchFamily="18" charset="0"/>
+                                      </a:rPr>
+                                      <m:t>𝑡</m:t>
+                                    </m:r>
+                                  </m:e>
+                                </m:d>
+                              </m:sub>
+                            </m:sSub>
+                          </m:e>
+                        </m:d>
+                      </m:e>
+                    </m:func>
+                    <m:r>
+                      <a:rPr lang="sk-SK" sz="2300" b="0" i="1" smtClean="0">
+                        <a:latin typeface="Cambria Math" panose="02040503050406030204" pitchFamily="18" charset="0"/>
+                      </a:rPr>
+                      <m:t>=−</m:t>
+                    </m:r>
+                    <m:r>
+                      <a:rPr lang="sk-SK" sz="2300" b="0" i="1" smtClean="0">
+                        <a:latin typeface="Cambria Math" panose="02040503050406030204" pitchFamily="18" charset="0"/>
+                      </a:rPr>
+                      <m:t>𝑡</m:t>
+                    </m:r>
+                    <m:r>
+                      <a:rPr lang="sk-SK" sz="2300" b="0" i="1" smtClean="0">
+                        <a:latin typeface="Cambria Math" panose="02040503050406030204" pitchFamily="18" charset="0"/>
+                      </a:rPr>
+                      <m:t>+</m:t>
+                    </m:r>
+                    <m:r>
+                      <m:rPr>
+                        <m:sty m:val="p"/>
+                      </m:rPr>
+                      <a:rPr lang="sk-SK" sz="2300" b="0" i="0" smtClean="0">
+                        <a:latin typeface="Cambria Math" panose="02040503050406030204" pitchFamily="18" charset="0"/>
+                      </a:rPr>
+                      <m:t>ln</m:t>
+                    </m:r>
+                    <m:r>
+                      <a:rPr lang="sk-SK" sz="2300" b="0" i="1" smtClean="0">
+                        <a:latin typeface="Cambria Math" panose="02040503050406030204" pitchFamily="18" charset="0"/>
+                      </a:rPr>
+                      <m:t>⁡(</m:t>
+                    </m:r>
+                    <m:r>
+                      <a:rPr lang="sk-SK" sz="2300" b="0" i="1" smtClean="0">
+                        <a:latin typeface="Cambria Math" panose="02040503050406030204" pitchFamily="18" charset="0"/>
+                      </a:rPr>
+                      <m:t>𝐶</m:t>
+                    </m:r>
+                    <m:r>
+                      <a:rPr lang="sk-SK" sz="2300" b="0" i="1" smtClean="0">
+                        <a:latin typeface="Cambria Math" panose="02040503050406030204" pitchFamily="18" charset="0"/>
+                      </a:rPr>
+                      <m:t>)</m:t>
+                    </m:r>
+                  </m:oMath>
+                </a14:m>
+                <a:endParaRPr lang="sk-SK" sz="2300" dirty="0" smtClean="0"/>
+              </a:p>
+              <a:p>
+                <a:pPr>
+                  <a:lnSpc>
+                    <a:spcPct val="150000"/>
+                  </a:lnSpc>
+                </a:pPr>
+                <a14:m>
+                  <m:oMath xmlns:m="http://schemas.openxmlformats.org/officeDocument/2006/math">
+                    <m:func>
+                      <m:funcPr>
+                        <m:ctrlPr>
+                          <a:rPr lang="sk-SK" sz="2300" i="1">
+                            <a:latin typeface="Cambria Math" panose="02040503050406030204" pitchFamily="18" charset="0"/>
+                          </a:rPr>
+                        </m:ctrlPr>
+                      </m:funcPr>
+                      <m:fName>
+                        <m:r>
+                          <m:rPr>
+                            <m:sty m:val="p"/>
+                          </m:rPr>
+                          <a:rPr lang="sk-SK" sz="2300">
+                            <a:latin typeface="Cambria Math" panose="02040503050406030204" pitchFamily="18" charset="0"/>
+                          </a:rPr>
+                          <m:t>ln</m:t>
+                        </m:r>
+                      </m:fName>
+                      <m:e>
+                        <m:d>
+                          <m:dPr>
+                            <m:ctrlPr>
+                              <a:rPr lang="sk-SK" sz="2300" i="1">
+                                <a:latin typeface="Cambria Math" panose="02040503050406030204" pitchFamily="18" charset="0"/>
+                              </a:rPr>
+                            </m:ctrlPr>
+                          </m:dPr>
+                          <m:e>
+                            <m:sSub>
+                              <m:sSubPr>
+                                <m:ctrlPr>
+                                  <a:rPr lang="sk-SK" sz="2300" i="1">
+                                    <a:latin typeface="Cambria Math" panose="02040503050406030204" pitchFamily="18" charset="0"/>
+                                  </a:rPr>
+                                </m:ctrlPr>
+                              </m:sSubPr>
+                              <m:e>
+                                <m:r>
+                                  <a:rPr lang="sk-SK" sz="2300" i="1">
+                                    <a:latin typeface="Cambria Math" panose="02040503050406030204" pitchFamily="18" charset="0"/>
+                                  </a:rPr>
+                                  <m:t>𝑥</m:t>
+                                </m:r>
+                              </m:e>
+                              <m:sub>
+                                <m:d>
+                                  <m:dPr>
+                                    <m:ctrlPr>
+                                      <a:rPr lang="sk-SK" sz="2300" i="1">
+                                        <a:latin typeface="Cambria Math" panose="02040503050406030204" pitchFamily="18" charset="0"/>
+                                      </a:rPr>
+                                    </m:ctrlPr>
+                                  </m:dPr>
+                                  <m:e>
+                                    <m:r>
+                                      <a:rPr lang="sk-SK" sz="2300" i="1">
+                                        <a:latin typeface="Cambria Math" panose="02040503050406030204" pitchFamily="18" charset="0"/>
+                                      </a:rPr>
+                                      <m:t>𝑡</m:t>
+                                    </m:r>
+                                  </m:e>
+                                </m:d>
+                              </m:sub>
+                            </m:sSub>
+                          </m:e>
+                        </m:d>
+                        <m:r>
+                          <a:rPr lang="sk-SK" sz="2300" b="0" i="1" smtClean="0">
+                            <a:latin typeface="Cambria Math" panose="02040503050406030204" pitchFamily="18" charset="0"/>
+                          </a:rPr>
+                          <m:t>−</m:t>
+                        </m:r>
+                        <m:r>
+                          <m:rPr>
+                            <m:sty m:val="p"/>
+                          </m:rPr>
+                          <a:rPr lang="sk-SK" sz="2300">
+                            <a:latin typeface="Cambria Math" panose="02040503050406030204" pitchFamily="18" charset="0"/>
+                          </a:rPr>
+                          <m:t>ln</m:t>
+                        </m:r>
+                        <m:r>
+                          <a:rPr lang="sk-SK" sz="2300" i="1">
+                            <a:latin typeface="Cambria Math" panose="02040503050406030204" pitchFamily="18" charset="0"/>
+                          </a:rPr>
+                          <m:t>⁡(</m:t>
+                        </m:r>
+                        <m:r>
+                          <a:rPr lang="sk-SK" sz="2300" i="1">
+                            <a:latin typeface="Cambria Math" panose="02040503050406030204" pitchFamily="18" charset="0"/>
+                          </a:rPr>
+                          <m:t>𝐶</m:t>
+                        </m:r>
+                        <m:r>
+                          <a:rPr lang="sk-SK" sz="2300" i="1">
+                            <a:latin typeface="Cambria Math" panose="02040503050406030204" pitchFamily="18" charset="0"/>
+                          </a:rPr>
+                          <m:t>)</m:t>
+                        </m:r>
+                        <m:r>
+                          <m:rPr>
+                            <m:nor/>
+                          </m:rPr>
+                          <a:rPr lang="sk-SK" sz="2300" dirty="0"/>
+                          <m:t> </m:t>
+                        </m:r>
+                      </m:e>
+                    </m:func>
+                    <m:r>
+                      <a:rPr lang="sk-SK" sz="2300" i="1">
+                        <a:latin typeface="Cambria Math" panose="02040503050406030204" pitchFamily="18" charset="0"/>
+                      </a:rPr>
+                      <m:t>=−</m:t>
+                    </m:r>
+                    <m:r>
+                      <a:rPr lang="sk-SK" sz="2300" i="1">
+                        <a:latin typeface="Cambria Math" panose="02040503050406030204" pitchFamily="18" charset="0"/>
+                      </a:rPr>
+                      <m:t>𝑡</m:t>
+                    </m:r>
+                  </m:oMath>
+                </a14:m>
+                <a:endParaRPr lang="sk-SK" sz="2300" dirty="0" smtClean="0"/>
+              </a:p>
+              <a:p>
+                <a:pPr>
+                  <a:lnSpc>
+                    <a:spcPct val="150000"/>
+                  </a:lnSpc>
+                </a:pPr>
+                <a14:m>
+                  <m:oMath xmlns:m="http://schemas.openxmlformats.org/officeDocument/2006/math">
+                    <m:func>
+                      <m:funcPr>
+                        <m:ctrlPr>
+                          <a:rPr lang="sk-SK" sz="2300" i="1">
+                            <a:latin typeface="Cambria Math" panose="02040503050406030204" pitchFamily="18" charset="0"/>
+                          </a:rPr>
+                        </m:ctrlPr>
+                      </m:funcPr>
+                      <m:fName>
+                        <m:r>
+                          <m:rPr>
+                            <m:sty m:val="p"/>
+                          </m:rPr>
+                          <a:rPr lang="sk-SK" sz="2300">
+                            <a:latin typeface="Cambria Math" panose="02040503050406030204" pitchFamily="18" charset="0"/>
+                          </a:rPr>
+                          <m:t>ln</m:t>
+                        </m:r>
+                      </m:fName>
+                      <m:e>
+                        <m:d>
+                          <m:dPr>
+                            <m:ctrlPr>
+                              <a:rPr lang="sk-SK" sz="2300" i="1">
+                                <a:latin typeface="Cambria Math" panose="02040503050406030204" pitchFamily="18" charset="0"/>
+                              </a:rPr>
+                            </m:ctrlPr>
+                          </m:dPr>
+                          <m:e>
+                            <m:f>
+                              <m:fPr>
+                                <m:ctrlPr>
+                                  <a:rPr lang="sk-SK" sz="2300" i="1" smtClean="0">
+                                    <a:latin typeface="Cambria Math" panose="02040503050406030204" pitchFamily="18" charset="0"/>
+                                  </a:rPr>
+                                </m:ctrlPr>
+                              </m:fPr>
+                              <m:num>
+                                <m:sSub>
+                                  <m:sSubPr>
+                                    <m:ctrlPr>
+                                      <a:rPr lang="sk-SK" sz="2300" i="1">
+                                        <a:latin typeface="Cambria Math" panose="02040503050406030204" pitchFamily="18" charset="0"/>
+                                      </a:rPr>
+                                    </m:ctrlPr>
+                                  </m:sSubPr>
+                                  <m:e>
+                                    <m:r>
+                                      <a:rPr lang="sk-SK" sz="2300" i="1">
+                                        <a:latin typeface="Cambria Math" panose="02040503050406030204" pitchFamily="18" charset="0"/>
+                                      </a:rPr>
+                                      <m:t>𝑥</m:t>
+                                    </m:r>
+                                  </m:e>
+                                  <m:sub>
+                                    <m:d>
+                                      <m:dPr>
+                                        <m:ctrlPr>
+                                          <a:rPr lang="sk-SK" sz="2300" i="1">
+                                            <a:latin typeface="Cambria Math" panose="02040503050406030204" pitchFamily="18" charset="0"/>
+                                          </a:rPr>
+                                        </m:ctrlPr>
+                                      </m:dPr>
+                                      <m:e>
+                                        <m:r>
+                                          <a:rPr lang="sk-SK" sz="2300" i="1">
+                                            <a:latin typeface="Cambria Math" panose="02040503050406030204" pitchFamily="18" charset="0"/>
+                                          </a:rPr>
+                                          <m:t>𝑡</m:t>
+                                        </m:r>
+                                      </m:e>
+                                    </m:d>
+                                  </m:sub>
+                                </m:sSub>
+                              </m:num>
+                              <m:den>
+                                <m:r>
+                                  <a:rPr lang="sk-SK" sz="2300" b="0" i="1" smtClean="0">
+                                    <a:latin typeface="Cambria Math" panose="02040503050406030204" pitchFamily="18" charset="0"/>
+                                  </a:rPr>
+                                  <m:t>𝐶</m:t>
+                                </m:r>
+                              </m:den>
+                            </m:f>
+                          </m:e>
+                        </m:d>
+                      </m:e>
+                    </m:func>
+                    <m:r>
+                      <a:rPr lang="sk-SK" sz="2300" i="1">
+                        <a:latin typeface="Cambria Math" panose="02040503050406030204" pitchFamily="18" charset="0"/>
+                      </a:rPr>
+                      <m:t>=−</m:t>
+                    </m:r>
+                    <m:r>
+                      <a:rPr lang="sk-SK" sz="2300" i="1">
+                        <a:latin typeface="Cambria Math" panose="02040503050406030204" pitchFamily="18" charset="0"/>
+                      </a:rPr>
+                      <m:t>𝑡</m:t>
+                    </m:r>
+                  </m:oMath>
+                </a14:m>
+                <a:endParaRPr lang="sk-SK" sz="2300" dirty="0" smtClean="0"/>
+              </a:p>
+              <a:p>
+                <a:pPr>
+                  <a:lnSpc>
+                    <a:spcPct val="150000"/>
+                  </a:lnSpc>
+                </a:pPr>
+                <a14:m>
+                  <m:oMath xmlns:m="http://schemas.openxmlformats.org/officeDocument/2006/math">
+                    <m:f>
+                      <m:fPr>
+                        <m:ctrlPr>
+                          <a:rPr lang="sk-SK" sz="2300" i="1">
+                            <a:latin typeface="Cambria Math" panose="02040503050406030204" pitchFamily="18" charset="0"/>
+                          </a:rPr>
+                        </m:ctrlPr>
+                      </m:fPr>
+                      <m:num>
+                        <m:sSub>
+                          <m:sSubPr>
+                            <m:ctrlPr>
+                              <a:rPr lang="sk-SK" sz="2300" i="1">
+                                <a:latin typeface="Cambria Math" panose="02040503050406030204" pitchFamily="18" charset="0"/>
+                              </a:rPr>
+                            </m:ctrlPr>
+                          </m:sSubPr>
+                          <m:e>
+                            <m:r>
+                              <a:rPr lang="sk-SK" sz="2300" i="1">
+                                <a:latin typeface="Cambria Math" panose="02040503050406030204" pitchFamily="18" charset="0"/>
+                              </a:rPr>
+                              <m:t>𝑥</m:t>
+                            </m:r>
+                          </m:e>
+                          <m:sub>
+                            <m:d>
+                              <m:dPr>
+                                <m:ctrlPr>
+                                  <a:rPr lang="sk-SK" sz="2300" i="1">
+                                    <a:latin typeface="Cambria Math" panose="02040503050406030204" pitchFamily="18" charset="0"/>
+                                  </a:rPr>
+                                </m:ctrlPr>
+                              </m:dPr>
+                              <m:e>
+                                <m:r>
+                                  <a:rPr lang="sk-SK" sz="2300" i="1">
+                                    <a:latin typeface="Cambria Math" panose="02040503050406030204" pitchFamily="18" charset="0"/>
+                                  </a:rPr>
+                                  <m:t>𝑡</m:t>
+                                </m:r>
+                              </m:e>
+                            </m:d>
+                          </m:sub>
+                        </m:sSub>
+                      </m:num>
+                      <m:den>
+                        <m:r>
+                          <a:rPr lang="sk-SK" sz="2300" i="1">
+                            <a:latin typeface="Cambria Math" panose="02040503050406030204" pitchFamily="18" charset="0"/>
+                          </a:rPr>
+                          <m:t>𝐶</m:t>
+                        </m:r>
+                      </m:den>
+                    </m:f>
+                    <m:sSup>
+                      <m:sSupPr>
+                        <m:ctrlPr>
+                          <a:rPr lang="sk-SK" sz="2300" i="1" smtClean="0">
+                            <a:latin typeface="Cambria Math" panose="02040503050406030204" pitchFamily="18" charset="0"/>
+                          </a:rPr>
+                        </m:ctrlPr>
+                      </m:sSupPr>
+                      <m:e>
+                        <m:r>
+                          <a:rPr lang="sk-SK" sz="2300" b="0" i="1" smtClean="0">
+                            <a:latin typeface="Cambria Math" panose="02040503050406030204" pitchFamily="18" charset="0"/>
+                          </a:rPr>
+                          <m:t>=</m:t>
+                        </m:r>
+                        <m:r>
+                          <a:rPr lang="sk-SK" sz="2300" b="0" i="1" smtClean="0">
+                            <a:latin typeface="Cambria Math" panose="02040503050406030204" pitchFamily="18" charset="0"/>
+                          </a:rPr>
+                          <m:t>𝑒</m:t>
+                        </m:r>
+                      </m:e>
+                      <m:sup>
+                        <m:r>
+                          <a:rPr lang="sk-SK" sz="2300" b="0" i="1" smtClean="0">
+                            <a:latin typeface="Cambria Math" panose="02040503050406030204" pitchFamily="18" charset="0"/>
+                          </a:rPr>
+                          <m:t>−</m:t>
+                        </m:r>
+                        <m:r>
+                          <a:rPr lang="sk-SK" sz="2300" b="0" i="1" smtClean="0">
+                            <a:latin typeface="Cambria Math" panose="02040503050406030204" pitchFamily="18" charset="0"/>
+                          </a:rPr>
+                          <m:t>𝑡</m:t>
+                        </m:r>
+                      </m:sup>
+                    </m:sSup>
+                  </m:oMath>
+                </a14:m>
+                <a:endParaRPr lang="sk-SK" sz="2300" dirty="0" smtClean="0"/>
+              </a:p>
+              <a:p>
+                <a:pPr>
+                  <a:lnSpc>
+                    <a:spcPct val="150000"/>
+                  </a:lnSpc>
+                </a:pPr>
+                <a14:m>
+                  <m:oMath xmlns:m="http://schemas.openxmlformats.org/officeDocument/2006/math">
+                    <m:sSub>
+                      <m:sSubPr>
+                        <m:ctrlPr>
+                          <a:rPr lang="sk-SK" sz="2300" i="1">
+                            <a:latin typeface="Cambria Math" panose="02040503050406030204" pitchFamily="18" charset="0"/>
+                          </a:rPr>
+                        </m:ctrlPr>
+                      </m:sSubPr>
+                      <m:e>
+                        <m:r>
+                          <a:rPr lang="sk-SK" sz="2300" i="1">
+                            <a:latin typeface="Cambria Math" panose="02040503050406030204" pitchFamily="18" charset="0"/>
+                          </a:rPr>
+                          <m:t>𝑥</m:t>
+                        </m:r>
+                      </m:e>
+                      <m:sub>
+                        <m:d>
+                          <m:dPr>
+                            <m:ctrlPr>
+                              <a:rPr lang="sk-SK" sz="2300" i="1">
+                                <a:latin typeface="Cambria Math" panose="02040503050406030204" pitchFamily="18" charset="0"/>
+                              </a:rPr>
+                            </m:ctrlPr>
+                          </m:dPr>
+                          <m:e>
+                            <m:r>
+                              <a:rPr lang="sk-SK" sz="2300" i="1">
+                                <a:latin typeface="Cambria Math" panose="02040503050406030204" pitchFamily="18" charset="0"/>
+                              </a:rPr>
+                              <m:t>𝑡</m:t>
+                            </m:r>
+                          </m:e>
+                        </m:d>
+                      </m:sub>
+                    </m:sSub>
+                    <m:sSup>
+                      <m:sSupPr>
+                        <m:ctrlPr>
+                          <a:rPr lang="sk-SK" sz="2300" i="1">
+                            <a:latin typeface="Cambria Math" panose="02040503050406030204" pitchFamily="18" charset="0"/>
+                          </a:rPr>
+                        </m:ctrlPr>
+                      </m:sSupPr>
+                      <m:e>
+                        <m:r>
+                          <a:rPr lang="sk-SK" sz="2300" i="1">
+                            <a:latin typeface="Cambria Math" panose="02040503050406030204" pitchFamily="18" charset="0"/>
+                          </a:rPr>
+                          <m:t>=</m:t>
+                        </m:r>
+                        <m:r>
+                          <a:rPr lang="sk-SK" sz="2300" b="0" i="1" smtClean="0">
+                            <a:latin typeface="Cambria Math" panose="02040503050406030204" pitchFamily="18" charset="0"/>
+                          </a:rPr>
+                          <m:t>𝐶</m:t>
+                        </m:r>
+                        <m:r>
+                          <a:rPr lang="sk-SK" sz="2300" b="0" i="1" smtClean="0">
+                            <a:latin typeface="Cambria Math" panose="02040503050406030204" pitchFamily="18" charset="0"/>
+                          </a:rPr>
+                          <m:t> </m:t>
+                        </m:r>
+                        <m:r>
+                          <a:rPr lang="sk-SK" sz="2300" i="1">
+                            <a:latin typeface="Cambria Math" panose="02040503050406030204" pitchFamily="18" charset="0"/>
+                          </a:rPr>
+                          <m:t>𝑒</m:t>
+                        </m:r>
+                      </m:e>
+                      <m:sup>
+                        <m:r>
+                          <a:rPr lang="sk-SK" sz="2300" i="1">
+                            <a:latin typeface="Cambria Math" panose="02040503050406030204" pitchFamily="18" charset="0"/>
+                          </a:rPr>
+                          <m:t>−</m:t>
+                        </m:r>
+                        <m:r>
+                          <a:rPr lang="sk-SK" sz="2300" i="1">
+                            <a:latin typeface="Cambria Math" panose="02040503050406030204" pitchFamily="18" charset="0"/>
+                          </a:rPr>
+                          <m:t>𝑡</m:t>
+                        </m:r>
+                      </m:sup>
+                    </m:sSup>
+                  </m:oMath>
+                </a14:m>
+                <a:endParaRPr lang="sk-SK" sz="2300" dirty="0"/>
+              </a:p>
+            </p:txBody>
+          </p:sp>
+        </mc:Choice>
+        <mc:Fallback xmlns="">
+          <p:sp>
+            <p:nvSpPr>
+              <p:cNvPr id="3" name="Zástupný symbol obsahu 2"/>
+              <p:cNvSpPr>
+                <a:spLocks noGrp="1" noRot="1" noChangeAspect="1" noMove="1" noResize="1" noEditPoints="1" noAdjustHandles="1" noChangeArrowheads="1" noChangeShapeType="1" noTextEdit="1"/>
+              </p:cNvSpPr>
+              <p:nvPr>
+                <p:ph idx="1"/>
+              </p:nvPr>
+            </p:nvSpPr>
+            <p:spPr>
+              <a:xfrm>
+                <a:off x="393699" y="1040446"/>
+                <a:ext cx="8544355" cy="5817554"/>
+              </a:xfrm>
+              <a:blipFill rotWithShape="0">
+                <a:blip r:embed="rId2"/>
+                <a:stretch>
+                  <a:fillRect l="-1713" t="-1153"/>
+                </a:stretch>
+              </a:blipFill>
+            </p:spPr>
+            <p:txBody>
+              <a:bodyPr/>
+              <a:lstStyle/>
+              <a:p>
+                <a:r>
+                  <a:rPr lang="sk-SK">
+                    <a:noFill/>
+                  </a:rPr>
+                  <a:t> </a:t>
+                </a:r>
+              </a:p>
+            </p:txBody>
+          </p:sp>
+        </mc:Fallback>
+      </mc:AlternateContent>
     </p:spTree>
     <p:extLst>
       <p:ext uri="{BB962C8B-B14F-4D97-AF65-F5344CB8AC3E}">
-        <p14:creationId xmlns:p14="http://schemas.microsoft.com/office/powerpoint/2010/main" val="1042349653"/>
+        <p14:creationId xmlns:p14="http://schemas.microsoft.com/office/powerpoint/2010/main" val="2790395246"/>
       </p:ext>
     </p:extLst>
   </p:cSld>
@@ -9757,12 +15469,16 @@
           <a:lstStyle/>
           <a:p>
             <a:r>
-              <a:rPr lang="sk-SK" dirty="0"/>
-              <a:t>Lineárne a</a:t>
-            </a:r>
-            <a:r>
-              <a:rPr lang="sk-SK" dirty="0" smtClean="0"/>
-              <a:t> nelineárne systémy - príklady</a:t>
+              <a:rPr lang="sk-SK" dirty="0" smtClean="0"/>
+              <a:t>Lineárne </a:t>
+            </a:r>
+            <a:r>
+              <a:rPr lang="sk-SK" dirty="0" err="1" smtClean="0"/>
+              <a:t>vs</a:t>
+            </a:r>
+            <a:r>
+              <a:rPr lang="sk-SK" dirty="0" smtClean="0"/>
+              <a:t>. nelineárne diferenciálne rovnice </a:t>
             </a:r>
             <a:endParaRPr lang="sk-SK" dirty="0"/>
           </a:p>
@@ -9770,7 +15486,7 @@
       </p:sp>
       <p:sp>
         <p:nvSpPr>
-          <p:cNvPr id="3" name="Zástupný symbol textu 2"/>
+          <p:cNvPr id="4" name="Zástupný symbol textu 3"/>
           <p:cNvSpPr>
             <a:spLocks noGrp="1"/>
           </p:cNvSpPr>
@@ -9793,7 +15509,7 @@
       </p:sp>
       <p:sp>
         <p:nvSpPr>
-          <p:cNvPr id="4" name="Zástupný symbol obsahu 3"/>
+          <p:cNvPr id="5" name="Zástupný symbol obsahu 4"/>
           <p:cNvSpPr>
             <a:spLocks noGrp="1"/>
           </p:cNvSpPr>
@@ -9803,12 +15519,14 @@
         </p:nvSpPr>
         <p:spPr>
           <a:xfrm>
-            <a:off x="381000" y="1848037"/>
-            <a:ext cx="4145280" cy="1961667"/>
+            <a:off x="381000" y="1846052"/>
+            <a:ext cx="4145280" cy="4663678"/>
           </a:xfrm>
         </p:spPr>
         <p:txBody>
-          <a:bodyPr/>
+          <a:bodyPr>
+            <a:normAutofit fontScale="92500"/>
+          </a:bodyPr>
           <a:lstStyle/>
           <a:p>
             <a:pPr>
@@ -9817,7 +15535,23 @@
             </a:pPr>
             <a:r>
               <a:rPr lang="sk-SK" dirty="0" smtClean="0"/>
-              <a:t>Jednosmerný motor</a:t>
+              <a:t>Platí princíp </a:t>
+            </a:r>
+            <a:r>
+              <a:rPr lang="sk-SK" dirty="0" err="1" smtClean="0"/>
+              <a:t>superpozície</a:t>
+            </a:r>
+            <a:r>
+              <a:rPr lang="sk-SK" dirty="0" smtClean="0"/>
+              <a:t> (sčítavania) a </a:t>
+            </a:r>
+            <a:r>
+              <a:rPr lang="sk-SK" dirty="0" err="1" smtClean="0"/>
+              <a:t>komutativity</a:t>
+            </a:r>
+            <a:r>
+              <a:rPr lang="sk-SK" dirty="0" smtClean="0"/>
+              <a:t> (zámeny poradia) operácii.</a:t>
             </a:r>
           </a:p>
           <a:p>
@@ -9827,7 +15561,23 @@
             </a:pPr>
             <a:r>
               <a:rPr lang="sk-SK" dirty="0" smtClean="0"/>
-              <a:t>Harmonický oscilátor</a:t>
+              <a:t>Riešenie </a:t>
+            </a:r>
+            <a:r>
+              <a:rPr lang="sk-SK" dirty="0" err="1" smtClean="0"/>
+              <a:t>dif</a:t>
+            </a:r>
+            <a:r>
+              <a:rPr lang="sk-SK" dirty="0" smtClean="0"/>
+              <a:t>. rovníc v časovej oblasti </a:t>
+            </a:r>
+            <a:r>
+              <a:rPr lang="sk-SK" dirty="0" err="1" smtClean="0"/>
+              <a:t>Laplaceovou</a:t>
+            </a:r>
+            <a:r>
+              <a:rPr lang="sk-SK" dirty="0" smtClean="0"/>
+              <a:t> transformáciou</a:t>
             </a:r>
           </a:p>
           <a:p>
@@ -9837,7 +15587,15 @@
             </a:pPr>
             <a:r>
               <a:rPr lang="sk-SK" dirty="0" smtClean="0"/>
-              <a:t>Elektronické filtre</a:t>
+              <a:t>Model systému vo forme prenosovej funkcie (</a:t>
+            </a:r>
+            <a:r>
+              <a:rPr lang="sk-SK" dirty="0"/>
+              <a:t>vysvetlené neskôr</a:t>
+            </a:r>
+            <a:r>
+              <a:rPr lang="sk-SK" dirty="0" smtClean="0"/>
+              <a:t>)</a:t>
             </a:r>
           </a:p>
           <a:p>
@@ -9847,7 +15605,7 @@
             </a:pPr>
             <a:r>
               <a:rPr lang="sk-SK" dirty="0" smtClean="0"/>
-              <a:t>Teplota v miestnosti</a:t>
+              <a:t>Jednoducho definované podmienky stability na základe rozloženia pólov a núl prenosovej funkcie (vysvetlené neskôr)</a:t>
             </a:r>
           </a:p>
           <a:p>
@@ -9855,41 +15613,49 @@
               <a:buFont typeface="Arial" panose="020B0604020202020204" pitchFamily="34" charset="0"/>
               <a:buChar char="•"/>
             </a:pPr>
-            <a:endParaRPr lang="sk-SK" dirty="0" smtClean="0"/>
+            <a:r>
+              <a:rPr lang="sk-SK" dirty="0" smtClean="0"/>
+              <a:t>Dynamika určená rozložením pólov a núl systému </a:t>
+            </a:r>
+            <a:r>
+              <a:rPr lang="sk-SK" dirty="0"/>
+              <a:t>(vysvetlené neskôr</a:t>
+            </a:r>
+            <a:r>
+              <a:rPr lang="sk-SK" dirty="0" smtClean="0"/>
+              <a:t>)</a:t>
+            </a:r>
           </a:p>
           <a:p>
             <a:pPr>
               <a:buFont typeface="Arial" panose="020B0604020202020204" pitchFamily="34" charset="0"/>
               <a:buChar char="•"/>
             </a:pPr>
-            <a:endParaRPr lang="sk-SK" dirty="0" smtClean="0"/>
+            <a:r>
+              <a:rPr lang="sk-SK" dirty="0"/>
+              <a:t>Jeden rovnovážny </a:t>
+            </a:r>
+            <a:r>
+              <a:rPr lang="sk-SK" dirty="0" smtClean="0"/>
+              <a:t>bod (v nule)</a:t>
+            </a:r>
           </a:p>
           <a:p>
             <a:pPr>
               <a:buFont typeface="Arial" panose="020B0604020202020204" pitchFamily="34" charset="0"/>
               <a:buChar char="•"/>
             </a:pPr>
-            <a:endParaRPr lang="sk-SK" dirty="0" smtClean="0"/>
-          </a:p>
-          <a:p>
-            <a:pPr>
-              <a:buFont typeface="Arial" panose="020B0604020202020204" pitchFamily="34" charset="0"/>
-              <a:buChar char="•"/>
-            </a:pPr>
-            <a:endParaRPr lang="sk-SK" dirty="0" smtClean="0"/>
-          </a:p>
-          <a:p>
-            <a:pPr>
-              <a:buFont typeface="Arial" panose="020B0604020202020204" pitchFamily="34" charset="0"/>
-              <a:buChar char="•"/>
-            </a:pPr>
+            <a:r>
+              <a:rPr lang="sk-SK" dirty="0" smtClean="0"/>
+              <a:t>Vystačíme si riadením PID regulátormi </a:t>
+            </a:r>
             <a:endParaRPr lang="sk-SK" dirty="0"/>
           </a:p>
         </p:txBody>
       </p:sp>
       <p:sp>
         <p:nvSpPr>
-          <p:cNvPr id="5" name="Zástupný symbol textu 4"/>
+          <p:cNvPr id="6" name="Zástupný symbol textu 5"/>
           <p:cNvSpPr>
             <a:spLocks noGrp="1"/>
           </p:cNvSpPr>
@@ -9912,7 +15678,7 @@
       </p:sp>
       <p:sp>
         <p:nvSpPr>
-          <p:cNvPr id="6" name="Zástupný symbol obsahu 5"/>
+          <p:cNvPr id="7" name="Zástupný symbol obsahu 6"/>
           <p:cNvSpPr>
             <a:spLocks noGrp="1"/>
           </p:cNvSpPr>
@@ -9922,12 +15688,14 @@
         </p:nvSpPr>
         <p:spPr>
           <a:xfrm>
-            <a:off x="4659474" y="1846052"/>
-            <a:ext cx="3850212" cy="2495289"/>
+            <a:off x="4663440" y="1853228"/>
+            <a:ext cx="4191000" cy="4803722"/>
           </a:xfrm>
         </p:spPr>
         <p:txBody>
-          <a:bodyPr/>
+          <a:bodyPr>
+            <a:normAutofit fontScale="92500" lnSpcReduction="10000"/>
+          </a:bodyPr>
           <a:lstStyle/>
           <a:p>
             <a:pPr>
@@ -9936,8 +15704,33 @@
             </a:pPr>
             <a:r>
               <a:rPr lang="sk-SK" dirty="0" smtClean="0"/>
-              <a:t>Kyvadlo</a:t>
-            </a:r>
+              <a:t>Neplatí </a:t>
+            </a:r>
+            <a:r>
+              <a:rPr lang="sk-SK" dirty="0"/>
+              <a:t>princíp </a:t>
+            </a:r>
+            <a:r>
+              <a:rPr lang="sk-SK" dirty="0" err="1"/>
+              <a:t>superpozície</a:t>
+            </a:r>
+            <a:r>
+              <a:rPr lang="sk-SK" dirty="0"/>
+              <a:t> (sčítavania) a </a:t>
+            </a:r>
+            <a:r>
+              <a:rPr lang="sk-SK" dirty="0" err="1"/>
+              <a:t>komutativity</a:t>
+            </a:r>
+            <a:r>
+              <a:rPr lang="sk-SK" dirty="0"/>
+              <a:t> (zámeny poradia</a:t>
+            </a:r>
+            <a:r>
+              <a:rPr lang="sk-SK" dirty="0" smtClean="0"/>
+              <a:t>) operácii.</a:t>
+            </a:r>
+            <a:endParaRPr lang="sk-SK" dirty="0"/>
           </a:p>
           <a:p>
             <a:pPr>
@@ -9946,7 +15739,19 @@
             </a:pPr>
             <a:r>
               <a:rPr lang="sk-SK" dirty="0" smtClean="0"/>
-              <a:t>Lietadlo</a:t>
+              <a:t>Riešenie </a:t>
+            </a:r>
+            <a:r>
+              <a:rPr lang="sk-SK" dirty="0" err="1"/>
+              <a:t>diff</a:t>
+            </a:r>
+            <a:r>
+              <a:rPr lang="sk-SK" dirty="0"/>
+              <a:t>. rovníc v časovej </a:t>
+            </a:r>
+            <a:r>
+              <a:rPr lang="sk-SK" dirty="0" smtClean="0"/>
+              <a:t>oblasti je komplikované</a:t>
             </a:r>
           </a:p>
           <a:p>
@@ -9956,7 +15761,15 @@
             </a:pPr>
             <a:r>
               <a:rPr lang="sk-SK" dirty="0" smtClean="0"/>
-              <a:t>Robotický manipulátor</a:t>
+              <a:t>Podmienky stability v zmysle </a:t>
+            </a:r>
+            <a:r>
+              <a:rPr lang="sk-SK" dirty="0" err="1" smtClean="0"/>
+              <a:t>Lyapunovovej</a:t>
+            </a:r>
+            <a:r>
+              <a:rPr lang="sk-SK" dirty="0" smtClean="0"/>
+              <a:t> teórie.</a:t>
             </a:r>
           </a:p>
           <a:p>
@@ -9966,7 +15779,7 @@
             </a:pPr>
             <a:r>
               <a:rPr lang="sk-SK" dirty="0" smtClean="0"/>
-              <a:t>Výška hladiny v nádrži</a:t>
+              <a:t>Viacero rovnovážnych bodov (stabilných aj nestabilných)</a:t>
             </a:r>
           </a:p>
           <a:p>
@@ -9974,137 +15787,38 @@
               <a:buFont typeface="Arial" panose="020B0604020202020204" pitchFamily="34" charset="0"/>
               <a:buChar char="•"/>
             </a:pPr>
+            <a:r>
+              <a:rPr lang="sk-SK" dirty="0" smtClean="0"/>
+              <a:t>Stabilita závisí aj od počiatočných podmienok</a:t>
+            </a:r>
+          </a:p>
+          <a:p>
+            <a:pPr>
+              <a:buFont typeface="Arial" panose="020B0604020202020204" pitchFamily="34" charset="0"/>
+              <a:buChar char="•"/>
+            </a:pPr>
+            <a:r>
+              <a:rPr lang="sk-SK" dirty="0" smtClean="0"/>
+              <a:t>Často potrebné špeciálne nelineárne regulátory</a:t>
+            </a:r>
+          </a:p>
+          <a:p>
+            <a:pPr>
+              <a:buFont typeface="Arial" panose="020B0604020202020204" pitchFamily="34" charset="0"/>
+              <a:buChar char="•"/>
+            </a:pPr>
+            <a:r>
+              <a:rPr lang="sk-SK" dirty="0" smtClean="0"/>
+              <a:t>Predmet Riadenie nelineárnych systémov – Ing. štúdium</a:t>
+            </a:r>
             <a:endParaRPr lang="sk-SK" dirty="0"/>
           </a:p>
         </p:txBody>
       </p:sp>
-      <p:pic>
-        <p:nvPicPr>
-          <p:cNvPr id="5126" name="Picture 6" descr="https://www.researchgate.net/profile/Sebastian_Magierowski/publication/224318407/figure/fig1/AS:339732006490112@1458009830254/Model-for-each-motor-The-block-diagram-describes-an-armature-controlled-dc-motor-with.png"/>
-          <p:cNvPicPr>
-            <a:picLocks noChangeAspect="1" noChangeArrowheads="1"/>
-          </p:cNvPicPr>
-          <p:nvPr/>
-        </p:nvPicPr>
-        <p:blipFill>
-          <a:blip r:embed="rId2">
-            <a:extLst>
-              <a:ext uri="{28A0092B-C50C-407E-A947-70E740481C1C}">
-                <a14:useLocalDpi xmlns:a14="http://schemas.microsoft.com/office/drawing/2010/main" val="0"/>
-              </a:ext>
-            </a:extLst>
-          </a:blip>
-          <a:srcRect/>
-          <a:stretch>
-            <a:fillRect/>
-          </a:stretch>
-        </p:blipFill>
-        <p:spPr bwMode="auto">
-          <a:xfrm>
-            <a:off x="157190" y="3709069"/>
-            <a:ext cx="4085453" cy="1606246"/>
-          </a:xfrm>
-          <a:prstGeom prst="rect">
-            <a:avLst/>
-          </a:prstGeom>
-          <a:noFill/>
-          <a:extLst>
-            <a:ext uri="{909E8E84-426E-40DD-AFC4-6F175D3DCCD1}">
-              <a14:hiddenFill xmlns:a14="http://schemas.microsoft.com/office/drawing/2010/main">
-                <a:solidFill>
-                  <a:srgbClr val="FFFFFF"/>
-                </a:solidFill>
-              </a14:hiddenFill>
-            </a:ext>
-          </a:extLst>
-        </p:spPr>
-      </p:pic>
-      <p:pic>
-        <p:nvPicPr>
-          <p:cNvPr id="5128" name="Picture 8" descr="VÃ½sledok vyhÄ¾adÃ¡vania obrÃ¡zkov pre dopyt dc motor"/>
-          <p:cNvPicPr>
-            <a:picLocks noChangeAspect="1" noChangeArrowheads="1"/>
-          </p:cNvPicPr>
-          <p:nvPr/>
-        </p:nvPicPr>
-        <p:blipFill>
-          <a:blip r:embed="rId3" cstate="print">
-            <a:extLst>
-              <a:ext uri="{28A0092B-C50C-407E-A947-70E740481C1C}">
-                <a14:useLocalDpi xmlns:a14="http://schemas.microsoft.com/office/drawing/2010/main" val="0"/>
-              </a:ext>
-            </a:extLst>
-          </a:blip>
-          <a:srcRect/>
-          <a:stretch>
-            <a:fillRect/>
-          </a:stretch>
-        </p:blipFill>
-        <p:spPr bwMode="auto">
-          <a:xfrm>
-            <a:off x="972374" y="5376734"/>
-            <a:ext cx="1481266" cy="1481266"/>
-          </a:xfrm>
-          <a:prstGeom prst="rect">
-            <a:avLst/>
-          </a:prstGeom>
-          <a:noFill/>
-          <a:extLst>
-            <a:ext uri="{909E8E84-426E-40DD-AFC4-6F175D3DCCD1}">
-              <a14:hiddenFill xmlns:a14="http://schemas.microsoft.com/office/drawing/2010/main">
-                <a:solidFill>
-                  <a:srgbClr val="FFFFFF"/>
-                </a:solidFill>
-              </a14:hiddenFill>
-            </a:ext>
-          </a:extLst>
-        </p:spPr>
-      </p:pic>
-      <p:pic>
-        <p:nvPicPr>
-          <p:cNvPr id="5130" name="Picture 10" descr="VÃ½sledok vyhÄ¾adÃ¡vania obrÃ¡zkov pre dopyt robotic arm"/>
-          <p:cNvPicPr>
-            <a:picLocks noChangeAspect="1" noChangeArrowheads="1"/>
-          </p:cNvPicPr>
-          <p:nvPr/>
-        </p:nvPicPr>
-        <p:blipFill>
-          <a:blip r:embed="rId4">
-            <a:extLst>
-              <a:ext uri="{28A0092B-C50C-407E-A947-70E740481C1C}">
-                <a14:useLocalDpi xmlns:a14="http://schemas.microsoft.com/office/drawing/2010/main" val="0"/>
-              </a:ext>
-            </a:extLst>
-          </a:blip>
-          <a:srcRect/>
-          <a:stretch>
-            <a:fillRect/>
-          </a:stretch>
-        </p:blipFill>
-        <p:spPr bwMode="auto">
-          <a:xfrm>
-            <a:off x="5066140" y="3617232"/>
-            <a:ext cx="3036879" cy="3036879"/>
-          </a:xfrm>
-          <a:prstGeom prst="rect">
-            <a:avLst/>
-          </a:prstGeom>
-          <a:noFill/>
-          <a:extLst>
-            <a:ext uri="{909E8E84-426E-40DD-AFC4-6F175D3DCCD1}">
-              <a14:hiddenFill xmlns:a14="http://schemas.microsoft.com/office/drawing/2010/main">
-                <a:solidFill>
-                  <a:srgbClr val="FFFFFF"/>
-                </a:solidFill>
-              </a14:hiddenFill>
-            </a:ext>
-          </a:extLst>
-        </p:spPr>
-      </p:pic>
     </p:spTree>
     <p:extLst>
       <p:ext uri="{BB962C8B-B14F-4D97-AF65-F5344CB8AC3E}">
-        <p14:creationId xmlns:p14="http://schemas.microsoft.com/office/powerpoint/2010/main" val="260962551"/>
+        <p14:creationId xmlns:p14="http://schemas.microsoft.com/office/powerpoint/2010/main" val="1042349653"/>
       </p:ext>
     </p:extLst>
   </p:cSld>

--- a/Nove prednasky/P01_dynamika_dif_rovnice_LPT_prenosova_funkcia_modelovanie.pptx
+++ b/Nove prednasky/P01_dynamika_dif_rovnice_LPT_prenosova_funkcia_modelovanie.pptx
@@ -21,37 +21,45 @@
     <p:sldId id="302" r:id="rId15"/>
     <p:sldId id="303" r:id="rId16"/>
     <p:sldId id="273" r:id="rId17"/>
-    <p:sldId id="276" r:id="rId18"/>
-    <p:sldId id="284" r:id="rId19"/>
-    <p:sldId id="285" r:id="rId20"/>
-    <p:sldId id="274" r:id="rId21"/>
-    <p:sldId id="283" r:id="rId22"/>
-    <p:sldId id="278" r:id="rId23"/>
-    <p:sldId id="282" r:id="rId24"/>
-    <p:sldId id="299" r:id="rId25"/>
-    <p:sldId id="300" r:id="rId26"/>
-    <p:sldId id="275" r:id="rId27"/>
-    <p:sldId id="292" r:id="rId28"/>
-    <p:sldId id="293" r:id="rId29"/>
-    <p:sldId id="294" r:id="rId30"/>
-    <p:sldId id="279" r:id="rId31"/>
-    <p:sldId id="314" r:id="rId32"/>
-    <p:sldId id="315" r:id="rId33"/>
-    <p:sldId id="313" r:id="rId34"/>
-    <p:sldId id="280" r:id="rId35"/>
-    <p:sldId id="308" r:id="rId36"/>
-    <p:sldId id="307" r:id="rId37"/>
-    <p:sldId id="309" r:id="rId38"/>
-    <p:sldId id="311" r:id="rId39"/>
-    <p:sldId id="312" r:id="rId40"/>
-    <p:sldId id="310" r:id="rId41"/>
-    <p:sldId id="281" r:id="rId42"/>
-    <p:sldId id="290" r:id="rId43"/>
-    <p:sldId id="291" r:id="rId44"/>
-    <p:sldId id="286" r:id="rId45"/>
-    <p:sldId id="287" r:id="rId46"/>
-    <p:sldId id="288" r:id="rId47"/>
-    <p:sldId id="289" r:id="rId48"/>
+    <p:sldId id="317" r:id="rId18"/>
+    <p:sldId id="318" r:id="rId19"/>
+    <p:sldId id="321" r:id="rId20"/>
+    <p:sldId id="283" r:id="rId21"/>
+    <p:sldId id="319" r:id="rId22"/>
+    <p:sldId id="324" r:id="rId23"/>
+    <p:sldId id="323" r:id="rId24"/>
+    <p:sldId id="320" r:id="rId25"/>
+    <p:sldId id="316" r:id="rId26"/>
+    <p:sldId id="322" r:id="rId27"/>
+    <p:sldId id="282" r:id="rId28"/>
+    <p:sldId id="276" r:id="rId29"/>
+    <p:sldId id="284" r:id="rId30"/>
+    <p:sldId id="285" r:id="rId31"/>
+    <p:sldId id="278" r:id="rId32"/>
+    <p:sldId id="274" r:id="rId33"/>
+    <p:sldId id="299" r:id="rId34"/>
+    <p:sldId id="300" r:id="rId35"/>
+    <p:sldId id="275" r:id="rId36"/>
+    <p:sldId id="292" r:id="rId37"/>
+    <p:sldId id="293" r:id="rId38"/>
+    <p:sldId id="294" r:id="rId39"/>
+    <p:sldId id="279" r:id="rId40"/>
+    <p:sldId id="314" r:id="rId41"/>
+    <p:sldId id="315" r:id="rId42"/>
+    <p:sldId id="313" r:id="rId43"/>
+    <p:sldId id="280" r:id="rId44"/>
+    <p:sldId id="308" r:id="rId45"/>
+    <p:sldId id="309" r:id="rId46"/>
+    <p:sldId id="311" r:id="rId47"/>
+    <p:sldId id="312" r:id="rId48"/>
+    <p:sldId id="310" r:id="rId49"/>
+    <p:sldId id="281" r:id="rId50"/>
+    <p:sldId id="290" r:id="rId51"/>
+    <p:sldId id="291" r:id="rId52"/>
+    <p:sldId id="286" r:id="rId53"/>
+    <p:sldId id="287" r:id="rId54"/>
+    <p:sldId id="288" r:id="rId55"/>
+    <p:sldId id="289" r:id="rId56"/>
   </p:sldIdLst>
   <p:sldSz cx="9144000" cy="6858000" type="screen4x3"/>
   <p:notesSz cx="6858000" cy="9144000"/>
@@ -444,7 +452,7 @@
           <a:p>
             <a:fld id="{B1F4BD78-2EC2-485B-A16B-A2D870866C74}" type="datetimeFigureOut">
               <a:rPr lang="sk-SK" smtClean="0"/>
-              <a:t>3. 6. 2019</a:t>
+              <a:t>4. 6. 2019</a:t>
             </a:fld>
             <a:endParaRPr lang="sk-SK"/>
           </a:p>
@@ -535,7 +543,7 @@
           <p:cNvPr id="11" name="Obrázok 10">
             <a:extLst>
               <a:ext uri="{FF2B5EF4-FFF2-40B4-BE49-F238E27FC236}">
-                <a16:creationId xmlns="" xmlns:a16="http://schemas.microsoft.com/office/drawing/2014/main" id="{D575F8E8-6CC8-49FD-8010-88908C002CDA}"/>
+                <a16:creationId xmlns:a16="http://schemas.microsoft.com/office/drawing/2014/main" xmlns="" id="{D575F8E8-6CC8-49FD-8010-88908C002CDA}"/>
               </a:ext>
             </a:extLst>
           </p:cNvPr>
@@ -571,7 +579,7 @@
           <p:cNvPr id="13" name="Obrázok 12">
             <a:extLst>
               <a:ext uri="{FF2B5EF4-FFF2-40B4-BE49-F238E27FC236}">
-                <a16:creationId xmlns="" xmlns:a16="http://schemas.microsoft.com/office/drawing/2014/main" id="{E0A78DBF-D0B2-42A5-9F1D-0CAC637C7D2D}"/>
+                <a16:creationId xmlns:a16="http://schemas.microsoft.com/office/drawing/2014/main" xmlns="" id="{E0A78DBF-D0B2-42A5-9F1D-0CAC637C7D2D}"/>
               </a:ext>
             </a:extLst>
           </p:cNvPr>
@@ -728,7 +736,7 @@
           <a:p>
             <a:fld id="{B1F4BD78-2EC2-485B-A16B-A2D870866C74}" type="datetimeFigureOut">
               <a:rPr lang="sk-SK" smtClean="0"/>
-              <a:t>3. 6. 2019</a:t>
+              <a:t>4. 6. 2019</a:t>
             </a:fld>
             <a:endParaRPr lang="sk-SK"/>
           </a:p>
@@ -1071,7 +1079,7 @@
           <a:p>
             <a:fld id="{B1F4BD78-2EC2-485B-A16B-A2D870866C74}" type="datetimeFigureOut">
               <a:rPr lang="sk-SK" smtClean="0"/>
-              <a:t>3. 6. 2019</a:t>
+              <a:t>4. 6. 2019</a:t>
             </a:fld>
             <a:endParaRPr lang="sk-SK"/>
           </a:p>
@@ -1346,7 +1354,7 @@
           <a:p>
             <a:fld id="{B1F4BD78-2EC2-485B-A16B-A2D870866C74}" type="datetimeFigureOut">
               <a:rPr lang="sk-SK" smtClean="0"/>
-              <a:t>3. 6. 2019</a:t>
+              <a:t>4. 6. 2019</a:t>
             </a:fld>
             <a:endParaRPr lang="sk-SK"/>
           </a:p>
@@ -1725,7 +1733,7 @@
           <a:p>
             <a:fld id="{B1F4BD78-2EC2-485B-A16B-A2D870866C74}" type="datetimeFigureOut">
               <a:rPr lang="sk-SK" smtClean="0"/>
-              <a:t>3. 6. 2019</a:t>
+              <a:t>4. 6. 2019</a:t>
             </a:fld>
             <a:endParaRPr lang="sk-SK"/>
           </a:p>
@@ -1843,7 +1851,7 @@
           <a:p>
             <a:fld id="{B1F4BD78-2EC2-485B-A16B-A2D870866C74}" type="datetimeFigureOut">
               <a:rPr lang="sk-SK" smtClean="0"/>
-              <a:t>3. 6. 2019</a:t>
+              <a:t>4. 6. 2019</a:t>
             </a:fld>
             <a:endParaRPr lang="sk-SK"/>
           </a:p>
@@ -2014,7 +2022,7 @@
           <a:p>
             <a:fld id="{B1F4BD78-2EC2-485B-A16B-A2D870866C74}" type="datetimeFigureOut">
               <a:rPr lang="sk-SK" smtClean="0"/>
-              <a:t>3. 6. 2019</a:t>
+              <a:t>4. 6. 2019</a:t>
             </a:fld>
             <a:endParaRPr lang="sk-SK"/>
           </a:p>
@@ -2368,7 +2376,7 @@
           <a:p>
             <a:fld id="{B1F4BD78-2EC2-485B-A16B-A2D870866C74}" type="datetimeFigureOut">
               <a:rPr lang="sk-SK" smtClean="0"/>
-              <a:t>3. 6. 2019</a:t>
+              <a:t>4. 6. 2019</a:t>
             </a:fld>
             <a:endParaRPr lang="sk-SK"/>
           </a:p>
@@ -2750,7 +2758,7 @@
           <a:p>
             <a:fld id="{B1F4BD78-2EC2-485B-A16B-A2D870866C74}" type="datetimeFigureOut">
               <a:rPr lang="sk-SK" smtClean="0"/>
-              <a:t>3. 6. 2019</a:t>
+              <a:t>4. 6. 2019</a:t>
             </a:fld>
             <a:endParaRPr lang="sk-SK"/>
           </a:p>
@@ -3045,7 +3053,7 @@
           <a:p>
             <a:fld id="{B1F4BD78-2EC2-485B-A16B-A2D870866C74}" type="datetimeFigureOut">
               <a:rPr lang="sk-SK" smtClean="0"/>
-              <a:t>3. 6. 2019</a:t>
+              <a:t>4. 6. 2019</a:t>
             </a:fld>
             <a:endParaRPr lang="sk-SK"/>
           </a:p>
@@ -3531,7 +3539,7 @@
           <p:cNvPr id="2" name="Nadpis 1">
             <a:extLst>
               <a:ext uri="{FF2B5EF4-FFF2-40B4-BE49-F238E27FC236}">
-                <a16:creationId xmlns:a16="http://schemas.microsoft.com/office/drawing/2014/main" xmlns="" id="{8C9FEECD-5BD9-4CA4-ACC1-DA9C1EDD96B6}"/>
+                <a16:creationId xmlns="" xmlns:a16="http://schemas.microsoft.com/office/drawing/2014/main" id="{8C9FEECD-5BD9-4CA4-ACC1-DA9C1EDD96B6}"/>
               </a:ext>
             </a:extLst>
           </p:cNvPr>
@@ -3611,7 +3619,7 @@
           <p:cNvPr id="3" name="Podnadpis 2">
             <a:extLst>
               <a:ext uri="{FF2B5EF4-FFF2-40B4-BE49-F238E27FC236}">
-                <a16:creationId xmlns:a16="http://schemas.microsoft.com/office/drawing/2014/main" xmlns="" id="{313B57F5-B394-40F1-BEAB-F5B71B2FEDE1}"/>
+                <a16:creationId xmlns="" xmlns:a16="http://schemas.microsoft.com/office/drawing/2014/main" id="{313B57F5-B394-40F1-BEAB-F5B71B2FEDE1}"/>
               </a:ext>
             </a:extLst>
           </p:cNvPr>
@@ -3821,7 +3829,6 @@
               <a:rPr lang="sk-SK" dirty="0" smtClean="0"/>
               <a:t> často zanedbávame)</a:t>
             </a:r>
-            <a:endParaRPr lang="sk-SK" dirty="0" smtClean="0"/>
           </a:p>
           <a:p>
             <a:pPr>
@@ -4184,7 +4191,7 @@
           <p:cNvPr id="3" name="Zástupný objekt pre obsah 2">
             <a:extLst>
               <a:ext uri="{FF2B5EF4-FFF2-40B4-BE49-F238E27FC236}">
-                <a16:creationId xmlns="" xmlns:a16="http://schemas.microsoft.com/office/drawing/2014/main" id="{A74476A0-8C3D-4B4B-ABC1-78C4925E54B4}"/>
+                <a16:creationId xmlns:a16="http://schemas.microsoft.com/office/drawing/2014/main" xmlns="" id="{A74476A0-8C3D-4B4B-ABC1-78C4925E54B4}"/>
               </a:ext>
             </a:extLst>
           </p:cNvPr>
@@ -4338,7 +4345,7 @@
           <p:cNvPr id="2" name="Nadpis 1">
             <a:extLst>
               <a:ext uri="{FF2B5EF4-FFF2-40B4-BE49-F238E27FC236}">
-                <a16:creationId xmlns="" xmlns:a16="http://schemas.microsoft.com/office/drawing/2014/main" id="{A60D084F-ACFD-4F46-B5DB-65DDF10CFCE9}"/>
+                <a16:creationId xmlns:a16="http://schemas.microsoft.com/office/drawing/2014/main" xmlns="" id="{A60D084F-ACFD-4F46-B5DB-65DDF10CFCE9}"/>
               </a:ext>
             </a:extLst>
           </p:cNvPr>
@@ -4488,7 +4495,7 @@
           <p:cNvPr id="2" name="Nadpis 1">
             <a:extLst>
               <a:ext uri="{FF2B5EF4-FFF2-40B4-BE49-F238E27FC236}">
-                <a16:creationId xmlns="" xmlns:a16="http://schemas.microsoft.com/office/drawing/2014/main" id="{59DC17C1-419D-44F2-987B-AD5E29D750B8}"/>
+                <a16:creationId xmlns:a16="http://schemas.microsoft.com/office/drawing/2014/main" xmlns="" id="{59DC17C1-419D-44F2-987B-AD5E29D750B8}"/>
               </a:ext>
             </a:extLst>
           </p:cNvPr>
@@ -4517,7 +4524,7 @@
           <p:cNvPr id="3" name="Zástupný objekt pre obsah 2">
             <a:extLst>
               <a:ext uri="{FF2B5EF4-FFF2-40B4-BE49-F238E27FC236}">
-                <a16:creationId xmlns="" xmlns:a16="http://schemas.microsoft.com/office/drawing/2014/main" id="{5BD42F2B-ABA1-4F3A-865F-32330FB152D7}"/>
+                <a16:creationId xmlns:a16="http://schemas.microsoft.com/office/drawing/2014/main" xmlns="" id="{5BD42F2B-ABA1-4F3A-865F-32330FB152D7}"/>
               </a:ext>
             </a:extLst>
           </p:cNvPr>
@@ -4735,7 +4742,7 @@
           <a:graphicData uri="http://schemas.openxmlformats.org/presentationml/2006/ole">
             <mc:AlternateContent xmlns:mc="http://schemas.openxmlformats.org/markup-compatibility/2006">
               <mc:Choice xmlns:v="urn:schemas-microsoft-com:vml" Requires="v">
-                <p:oleObj spid="_x0000_s4135" name="Rovnica" r:id="rId3" imgW="3187700" imgH="901700" progId="Equation.3">
+                <p:oleObj spid="_x0000_s4138" name="Rovnica" r:id="rId3" imgW="3187700" imgH="901700" progId="Equation.3">
                   <p:embed/>
                 </p:oleObj>
               </mc:Choice>
@@ -5366,33 +5373,159 @@
                 <p:ph idx="1"/>
               </p:nvPr>
             </p:nvSpPr>
-            <p:spPr/>
+            <p:spPr>
+              <a:xfrm>
+                <a:off x="393699" y="1040446"/>
+                <a:ext cx="8569069" cy="5665154"/>
+              </a:xfrm>
+            </p:spPr>
             <p:txBody>
-              <a:bodyPr/>
+              <a:bodyPr>
+                <a:normAutofit lnSpcReduction="10000"/>
+              </a:bodyPr>
               <a:lstStyle/>
               <a:p>
-                <a:r>
-                  <a:rPr lang="sk-SK" dirty="0"/>
-                  <a:t>Je to nástroj riešenie lineárnych diferenciálnych rovníc</a:t>
+                <a:pPr>
+                  <a:buFont typeface="Arial" panose="020B0604020202020204" pitchFamily="34" charset="0"/>
+                  <a:buChar char="•"/>
+                </a:pPr>
+                <a:r>
+                  <a:rPr lang="sk-SK" dirty="0" smtClean="0"/>
+                  <a:t>Základná integrálna transformácia v kybernetike</a:t>
                 </a:r>
               </a:p>
               <a:p>
-                <a:r>
-                  <a:rPr lang="sk-SK" dirty="0"/>
-                  <a:t>Je to nástroj opisu dynamických systémov a signálov v nich</a:t>
+                <a:pPr>
+                  <a:buFont typeface="Arial" panose="020B0604020202020204" pitchFamily="34" charset="0"/>
+                  <a:buChar char="•"/>
+                </a:pPr>
+                <a:r>
+                  <a:rPr lang="sk-SK" dirty="0" smtClean="0"/>
+                  <a:t>Pomáha nám pri r</a:t>
+                </a:r>
+                <a:r>
+                  <a:rPr lang="sk-SK" dirty="0" smtClean="0"/>
+                  <a:t>iešení lineárnych diferenciálnych rovníc</a:t>
                 </a:r>
               </a:p>
               <a:p>
-                <a:r>
-                  <a:rPr lang="sk-SK" dirty="0"/>
-                  <a:t>Priama Laplaceova transformácia</a:t>
+                <a:pPr>
+                  <a:buFont typeface="Arial" panose="020B0604020202020204" pitchFamily="34" charset="0"/>
+                  <a:buChar char="•"/>
+                </a:pPr>
+                <a:r>
+                  <a:rPr lang="sk-SK" dirty="0" err="1" smtClean="0"/>
+                  <a:t>Laplaceova</a:t>
+                </a:r>
+                <a:r>
+                  <a:rPr lang="sk-SK" dirty="0" smtClean="0"/>
+                  <a:t> transformácia opisuje spojité </a:t>
+                </a:r>
+                <a:r>
+                  <a:rPr lang="sk-SK" u="sng" dirty="0" smtClean="0"/>
+                  <a:t>systémy a signály</a:t>
                 </a:r>
               </a:p>
               <a:p>
+                <a:pPr>
+                  <a:buFont typeface="Arial" panose="020B0604020202020204" pitchFamily="34" charset="0"/>
+                  <a:buChar char="•"/>
+                </a:pPr>
+                <a:r>
+                  <a:rPr lang="sk-SK" dirty="0" smtClean="0"/>
+                  <a:t>Prevádza funkciu reálnej premennej (v našom prípade funkciu času) na funkciu komplexnej premennej.</a:t>
+                </a:r>
+              </a:p>
+              <a:p>
+                <a:pPr>
+                  <a:buFont typeface="Arial" panose="020B0604020202020204" pitchFamily="34" charset="0"/>
+                  <a:buChar char="•"/>
+                </a:pPr>
+                <a:r>
+                  <a:rPr lang="sk-SK" dirty="0" smtClean="0"/>
+                  <a:t>Mnohé zložité vzťahy medzi funkciami sa tak zjednodušia.</a:t>
+                </a:r>
+              </a:p>
+              <a:p>
+                <a:pPr>
+                  <a:buFont typeface="Arial" panose="020B0604020202020204" pitchFamily="34" charset="0"/>
+                  <a:buChar char="•"/>
+                </a:pPr>
+                <a:r>
+                  <a:rPr lang="sk-SK" dirty="0" smtClean="0"/>
+                  <a:t>Časová oblasť </a:t>
+                </a:r>
+                <a:r>
+                  <a:rPr lang="sk-SK" b="1" i="1" dirty="0" smtClean="0"/>
+                  <a:t>t</a:t>
+                </a:r>
+                <a:r>
+                  <a:rPr lang="sk-SK" i="1" dirty="0" smtClean="0"/>
+                  <a:t> </a:t>
+                </a:r>
+                <a:r>
+                  <a:rPr lang="en-US" i="1" dirty="0" smtClean="0"/>
+                  <a:t>-&gt;</a:t>
+                </a:r>
+                <a:r>
+                  <a:rPr lang="sk-SK" i="1" dirty="0" smtClean="0"/>
+                  <a:t> </a:t>
+                </a:r>
+                <a:r>
+                  <a:rPr lang="sk-SK" dirty="0" smtClean="0"/>
+                  <a:t>komplexná </a:t>
+                </a:r>
+                <a:r>
+                  <a:rPr lang="sk-SK" b="1" i="1" dirty="0" smtClean="0"/>
+                  <a:t>s</a:t>
+                </a:r>
+                <a:r>
+                  <a:rPr lang="sk-SK" i="1" dirty="0" smtClean="0"/>
+                  <a:t> </a:t>
+                </a:r>
+                <a:r>
+                  <a:rPr lang="sk-SK" dirty="0" smtClean="0"/>
+                  <a:t>oblasť</a:t>
+                </a:r>
+              </a:p>
+              <a:p>
+                <a:pPr>
+                  <a:buFont typeface="Arial" panose="020B0604020202020204" pitchFamily="34" charset="0"/>
+                  <a:buChar char="•"/>
+                </a:pPr>
+                <a:r>
+                  <a:rPr lang="sk-SK" dirty="0" err="1" smtClean="0"/>
+                  <a:t>Laplaceova</a:t>
+                </a:r>
+                <a:r>
+                  <a:rPr lang="sk-SK" dirty="0" smtClean="0"/>
+                  <a:t> transformácia je „rozšírením“ </a:t>
+                </a:r>
+                <a:r>
+                  <a:rPr lang="sk-SK" dirty="0" err="1" smtClean="0"/>
+                  <a:t>Fourierovej</a:t>
+                </a:r>
+                <a:r>
+                  <a:rPr lang="sk-SK" dirty="0" smtClean="0"/>
+                  <a:t> transformácie o nekmitavé priebehy</a:t>
+                </a:r>
+              </a:p>
+              <a:p>
+                <a:r>
+                  <a:rPr lang="sk-SK" dirty="0" smtClean="0"/>
+                  <a:t>Priama </a:t>
+                </a:r>
+                <a:r>
+                  <a:rPr lang="sk-SK" dirty="0"/>
+                  <a:t>Laplaceova transformácia</a:t>
+                </a:r>
+              </a:p>
+              <a:p>
+                <a:pPr algn="ctr"/>
                 <a14:m>
                   <m:oMath xmlns:m="http://schemas.openxmlformats.org/officeDocument/2006/math">
                     <m:r>
-                      <a:rPr lang="sk-SK" i="1">
+                      <a:rPr lang="sk-SK" sz="2600" i="1">
                         <a:latin typeface="Cambria Math" panose="02040503050406030204" pitchFamily="18" charset="0"/>
                       </a:rPr>
                       <m:t>𝐹</m:t>
@@ -5400,14 +5533,14 @@
                     <m:d>
                       <m:dPr>
                         <m:ctrlPr>
-                          <a:rPr lang="sk-SK" i="1">
+                          <a:rPr lang="sk-SK" sz="2600" i="1">
                             <a:latin typeface="Cambria Math" panose="02040503050406030204" pitchFamily="18" charset="0"/>
                           </a:rPr>
                         </m:ctrlPr>
                       </m:dPr>
                       <m:e>
                         <m:r>
-                          <a:rPr lang="sk-SK" i="1">
+                          <a:rPr lang="sk-SK" sz="2600" i="1">
                             <a:latin typeface="Cambria Math" panose="02040503050406030204" pitchFamily="18" charset="0"/>
                           </a:rPr>
                           <m:t>𝑠</m:t>
@@ -5415,43 +5548,43 @@
                       </m:e>
                     </m:d>
                     <m:r>
-                      <a:rPr lang="sk-SK" i="1">
+                      <a:rPr lang="sk-SK" sz="2600" i="1">
                         <a:latin typeface="Cambria Math" panose="02040503050406030204" pitchFamily="18" charset="0"/>
                       </a:rPr>
                       <m:t>= </m:t>
                     </m:r>
                     <m:r>
-                      <a:rPr lang="sk-SK" i="1">
+                      <a:rPr lang="sk-SK" sz="2600" i="1">
                         <a:latin typeface="Cambria Math" panose="02040503050406030204" pitchFamily="18" charset="0"/>
                       </a:rPr>
                       <m:t>𝐿</m:t>
                     </m:r>
                     <m:r>
-                      <a:rPr lang="en-GB" i="1">
+                      <a:rPr lang="en-GB" sz="2600" i="1">
                         <a:latin typeface="Cambria Math" panose="02040503050406030204" pitchFamily="18" charset="0"/>
                       </a:rPr>
                       <m:t>{</m:t>
                     </m:r>
                     <m:r>
-                      <a:rPr lang="sk-SK" i="1">
+                      <a:rPr lang="sk-SK" sz="2600" i="1">
                         <a:latin typeface="Cambria Math" panose="02040503050406030204" pitchFamily="18" charset="0"/>
                       </a:rPr>
                       <m:t>𝑓</m:t>
                     </m:r>
                     <m:r>
-                      <a:rPr lang="sk-SK" i="1">
+                      <a:rPr lang="sk-SK" sz="2600" i="1">
                         <a:latin typeface="Cambria Math" panose="02040503050406030204" pitchFamily="18" charset="0"/>
                       </a:rPr>
                       <m:t>(</m:t>
                     </m:r>
                     <m:r>
-                      <a:rPr lang="sk-SK" i="1">
+                      <a:rPr lang="sk-SK" sz="2600" i="1">
                         <a:latin typeface="Cambria Math" panose="02040503050406030204" pitchFamily="18" charset="0"/>
                       </a:rPr>
                       <m:t>𝑡</m:t>
                     </m:r>
                     <m:r>
-                      <a:rPr lang="sk-SK" i="1">
+                      <a:rPr lang="sk-SK" sz="2600" i="1">
                         <a:latin typeface="Cambria Math" panose="02040503050406030204" pitchFamily="18" charset="0"/>
                       </a:rPr>
                       <m:t>)}</m:t>
@@ -5459,19 +5592,19 @@
                   </m:oMath>
                 </a14:m>
                 <a:r>
-                  <a:rPr lang="sk-SK" dirty="0"/>
+                  <a:rPr lang="sk-SK" sz="2600" dirty="0"/>
                   <a:t> </a:t>
                 </a:r>
                 <a14:m>
                   <m:oMath xmlns:m="http://schemas.openxmlformats.org/officeDocument/2006/math">
                     <m:r>
-                      <a:rPr lang="sk-SK">
+                      <a:rPr lang="sk-SK" sz="2600">
                         <a:latin typeface="Cambria Math" panose="02040503050406030204" pitchFamily="18" charset="0"/>
                       </a:rPr>
-                      <m:t>                             </m:t>
+                      <m:t>         </m:t>
                     </m:r>
                     <m:r>
-                      <a:rPr lang="en-GB" i="1">
+                      <a:rPr lang="en-GB" sz="2600" i="1">
                         <a:latin typeface="Cambria Math" panose="02040503050406030204" pitchFamily="18" charset="0"/>
                       </a:rPr>
                       <m:t>𝐹</m:t>
@@ -5479,14 +5612,14 @@
                     <m:d>
                       <m:dPr>
                         <m:ctrlPr>
-                          <a:rPr lang="sk-SK" i="1">
+                          <a:rPr lang="sk-SK" sz="2600" i="1">
                             <a:latin typeface="Cambria Math" panose="02040503050406030204" pitchFamily="18" charset="0"/>
                           </a:rPr>
                         </m:ctrlPr>
                       </m:dPr>
                       <m:e>
                         <m:r>
-                          <a:rPr lang="en-GB" i="1">
+                          <a:rPr lang="en-GB" sz="2600" i="1">
                             <a:latin typeface="Cambria Math" panose="02040503050406030204" pitchFamily="18" charset="0"/>
                           </a:rPr>
                           <m:t>𝑠</m:t>
@@ -5494,7 +5627,7 @@
                       </m:e>
                     </m:d>
                     <m:r>
-                      <a:rPr lang="en-GB" i="1">
+                      <a:rPr lang="en-GB" sz="2600" i="1">
                         <a:latin typeface="Cambria Math" panose="02040503050406030204" pitchFamily="18" charset="0"/>
                       </a:rPr>
                       <m:t>= </m:t>
@@ -5503,14 +5636,14 @@
                       <m:naryPr>
                         <m:limLoc m:val="subSup"/>
                         <m:ctrlPr>
-                          <a:rPr lang="sk-SK" i="1">
+                          <a:rPr lang="sk-SK" sz="2600" i="1">
                             <a:latin typeface="Cambria Math" panose="02040503050406030204" pitchFamily="18" charset="0"/>
                           </a:rPr>
                         </m:ctrlPr>
                       </m:naryPr>
                       <m:sub>
                         <m:r>
-                          <a:rPr lang="en-GB" i="1">
+                          <a:rPr lang="en-GB" sz="2600" i="1">
                             <a:latin typeface="Cambria Math" panose="02040503050406030204" pitchFamily="18" charset="0"/>
                           </a:rPr>
                           <m:t>0</m:t>
@@ -5518,7 +5651,7 @@
                       </m:sub>
                       <m:sup>
                         <m:r>
-                          <a:rPr lang="en-GB" i="1">
+                          <a:rPr lang="en-GB" sz="2600" i="1">
                             <a:latin typeface="Cambria Math" panose="02040503050406030204" pitchFamily="18" charset="0"/>
                           </a:rPr>
                           <m:t>∞</m:t>
@@ -5528,14 +5661,14 @@
                         <m:sSup>
                           <m:sSupPr>
                             <m:ctrlPr>
-                              <a:rPr lang="sk-SK" i="1">
+                              <a:rPr lang="sk-SK" sz="2600" i="1">
                                 <a:latin typeface="Cambria Math" panose="02040503050406030204" pitchFamily="18" charset="0"/>
                               </a:rPr>
                             </m:ctrlPr>
                           </m:sSupPr>
                           <m:e>
                             <m:r>
-                              <a:rPr lang="en-GB" i="1">
+                              <a:rPr lang="en-GB" sz="2600" i="1">
                                 <a:latin typeface="Cambria Math" panose="02040503050406030204" pitchFamily="18" charset="0"/>
                               </a:rPr>
                               <m:t>𝑒</m:t>
@@ -5543,13 +5676,13 @@
                           </m:e>
                           <m:sup>
                             <m:r>
-                              <a:rPr lang="en-GB" i="1">
+                              <a:rPr lang="en-GB" sz="2600" i="1">
                                 <a:latin typeface="Cambria Math" panose="02040503050406030204" pitchFamily="18" charset="0"/>
                               </a:rPr>
                               <m:t>−</m:t>
                             </m:r>
                             <m:r>
-                              <a:rPr lang="en-GB" i="1">
+                              <a:rPr lang="en-GB" sz="2600" i="1">
                                 <a:latin typeface="Cambria Math" panose="02040503050406030204" pitchFamily="18" charset="0"/>
                               </a:rPr>
                               <m:t>𝑠𝑡</m:t>
@@ -5557,31 +5690,31 @@
                           </m:sup>
                         </m:sSup>
                         <m:r>
-                          <a:rPr lang="en-GB" i="1">
+                          <a:rPr lang="en-GB" sz="2600" i="1">
                             <a:latin typeface="Cambria Math" panose="02040503050406030204" pitchFamily="18" charset="0"/>
                           </a:rPr>
                           <m:t>𝑓</m:t>
                         </m:r>
                         <m:r>
-                          <a:rPr lang="en-GB" i="1">
+                          <a:rPr lang="en-GB" sz="2600" i="1">
                             <a:latin typeface="Cambria Math" panose="02040503050406030204" pitchFamily="18" charset="0"/>
                           </a:rPr>
                           <m:t>(</m:t>
                         </m:r>
                         <m:r>
-                          <a:rPr lang="en-GB" i="1">
+                          <a:rPr lang="en-GB" sz="2600" i="1">
                             <a:latin typeface="Cambria Math" panose="02040503050406030204" pitchFamily="18" charset="0"/>
                           </a:rPr>
                           <m:t>𝑡</m:t>
                         </m:r>
                         <m:r>
-                          <a:rPr lang="en-GB" i="1">
+                          <a:rPr lang="en-GB" sz="2600" i="1">
                             <a:latin typeface="Cambria Math" panose="02040503050406030204" pitchFamily="18" charset="0"/>
                           </a:rPr>
                           <m:t>)</m:t>
                         </m:r>
                         <m:r>
-                          <a:rPr lang="en-GB" i="1">
+                          <a:rPr lang="en-GB" sz="2600" i="1">
                             <a:latin typeface="Cambria Math" panose="02040503050406030204" pitchFamily="18" charset="0"/>
                           </a:rPr>
                           <m:t>𝑑𝑡</m:t>
@@ -5593,19 +5726,17 @@
                 <a:endParaRPr lang="sk-SK" dirty="0"/>
               </a:p>
               <a:p>
-                <a:endParaRPr lang="sk-SK" dirty="0"/>
+                <a:r>
+                  <a:rPr lang="sk-SK" dirty="0"/>
+                  <a:t>Spätná Laplaceova transformácia</a:t>
+                </a:r>
               </a:p>
               <a:p>
-                <a:r>
-                  <a:rPr lang="sk-SK" dirty="0"/>
-                  <a:t>Spätná Laplaceova transformácia</a:t>
-                </a:r>
-              </a:p>
-              <a:p>
+                <a:pPr algn="ctr"/>
                 <a14:m>
                   <m:oMath xmlns:m="http://schemas.openxmlformats.org/officeDocument/2006/math">
                     <m:r>
-                      <a:rPr lang="en-GB" i="1">
+                      <a:rPr lang="en-GB" sz="2600" i="1">
                         <a:latin typeface="Cambria Math" panose="02040503050406030204" pitchFamily="18" charset="0"/>
                       </a:rPr>
                       <m:t>𝑓</m:t>
@@ -5613,14 +5744,14 @@
                     <m:d>
                       <m:dPr>
                         <m:ctrlPr>
-                          <a:rPr lang="sk-SK" i="1">
+                          <a:rPr lang="sk-SK" sz="2600" i="1">
                             <a:latin typeface="Cambria Math" panose="02040503050406030204" pitchFamily="18" charset="0"/>
                           </a:rPr>
                         </m:ctrlPr>
                       </m:dPr>
                       <m:e>
                         <m:r>
-                          <a:rPr lang="en-GB" i="1">
+                          <a:rPr lang="en-GB" sz="2600" i="1">
                             <a:latin typeface="Cambria Math" panose="02040503050406030204" pitchFamily="18" charset="0"/>
                           </a:rPr>
                           <m:t>𝑡</m:t>
@@ -5628,7 +5759,7 @@
                       </m:e>
                     </m:d>
                     <m:r>
-                      <a:rPr lang="en-GB" i="1">
+                      <a:rPr lang="en-GB" sz="2600" i="1">
                         <a:latin typeface="Cambria Math" panose="02040503050406030204" pitchFamily="18" charset="0"/>
                       </a:rPr>
                       <m:t>= </m:t>
@@ -5636,14 +5767,14 @@
                     <m:sSup>
                       <m:sSupPr>
                         <m:ctrlPr>
-                          <a:rPr lang="sk-SK" i="1">
+                          <a:rPr lang="sk-SK" sz="2600" i="1">
                             <a:latin typeface="Cambria Math" panose="02040503050406030204" pitchFamily="18" charset="0"/>
                           </a:rPr>
                         </m:ctrlPr>
                       </m:sSupPr>
                       <m:e>
                         <m:r>
-                          <a:rPr lang="en-GB" i="1">
+                          <a:rPr lang="en-GB" sz="2600" i="1">
                             <a:latin typeface="Cambria Math" panose="02040503050406030204" pitchFamily="18" charset="0"/>
                           </a:rPr>
                           <m:t>𝐿</m:t>
@@ -5651,7 +5782,7 @@
                       </m:e>
                       <m:sup>
                         <m:r>
-                          <a:rPr lang="en-GB" i="1">
+                          <a:rPr lang="en-GB" sz="2600" i="1">
                             <a:latin typeface="Cambria Math" panose="02040503050406030204" pitchFamily="18" charset="0"/>
                           </a:rPr>
                           <m:t>−1</m:t>
@@ -5659,31 +5790,31 @@
                       </m:sup>
                     </m:sSup>
                     <m:r>
-                      <a:rPr lang="en-GB" i="1">
+                      <a:rPr lang="en-GB" sz="2600" i="1">
                         <a:latin typeface="Cambria Math" panose="02040503050406030204" pitchFamily="18" charset="0"/>
                       </a:rPr>
                       <m:t>{</m:t>
                     </m:r>
                     <m:r>
-                      <a:rPr lang="sk-SK" i="1">
+                      <a:rPr lang="sk-SK" sz="2600" i="1">
                         <a:latin typeface="Cambria Math" panose="02040503050406030204" pitchFamily="18" charset="0"/>
                       </a:rPr>
                       <m:t>𝐹</m:t>
                     </m:r>
                     <m:r>
-                      <a:rPr lang="sk-SK" i="1">
+                      <a:rPr lang="sk-SK" sz="2600" i="1">
                         <a:latin typeface="Cambria Math" panose="02040503050406030204" pitchFamily="18" charset="0"/>
                       </a:rPr>
                       <m:t>(</m:t>
                     </m:r>
                     <m:r>
-                      <a:rPr lang="sk-SK" i="1">
+                      <a:rPr lang="sk-SK" sz="2600" i="1" smtClean="0">
                         <a:latin typeface="Cambria Math" panose="02040503050406030204" pitchFamily="18" charset="0"/>
                       </a:rPr>
                       <m:t>𝑠</m:t>
                     </m:r>
                     <m:r>
-                      <a:rPr lang="sk-SK" i="1">
+                      <a:rPr lang="sk-SK" sz="2600" i="1" smtClean="0">
                         <a:latin typeface="Cambria Math" panose="02040503050406030204" pitchFamily="18" charset="0"/>
                       </a:rPr>
                       <m:t>)}</m:t>
@@ -5691,25 +5822,25 @@
                   </m:oMath>
                 </a14:m>
                 <a:r>
-                  <a:rPr lang="sk-SK" dirty="0"/>
+                  <a:rPr lang="sk-SK" sz="2600" dirty="0" smtClean="0"/>
                   <a:t> </a:t>
                 </a:r>
                 <a14:m>
                   <m:oMath xmlns:m="http://schemas.openxmlformats.org/officeDocument/2006/math">
                     <m:r>
-                      <a:rPr lang="sk-SK">
+                      <a:rPr lang="sk-SK" sz="2600" smtClean="0">
                         <a:latin typeface="Cambria Math" panose="02040503050406030204" pitchFamily="18" charset="0"/>
                       </a:rPr>
                       <m:t>     </m:t>
                     </m:r>
                     <m:r>
-                      <a:rPr lang="sk-SK" i="1">
+                      <a:rPr lang="sk-SK" sz="2600" i="1" smtClean="0">
                         <a:latin typeface="Cambria Math" panose="02040503050406030204" pitchFamily="18" charset="0"/>
                       </a:rPr>
-                      <m:t>                   </m:t>
+                      <m:t>  </m:t>
                     </m:r>
                     <m:r>
-                      <a:rPr lang="sk-SK" i="1">
+                      <a:rPr lang="sk-SK" sz="2600" i="1">
                         <a:latin typeface="Cambria Math" panose="02040503050406030204" pitchFamily="18" charset="0"/>
                       </a:rPr>
                       <m:t>𝑓</m:t>
@@ -5717,14 +5848,14 @@
                     <m:d>
                       <m:dPr>
                         <m:ctrlPr>
-                          <a:rPr lang="sk-SK" i="1">
+                          <a:rPr lang="sk-SK" sz="2600" i="1">
                             <a:latin typeface="Cambria Math" panose="02040503050406030204" pitchFamily="18" charset="0"/>
                           </a:rPr>
                         </m:ctrlPr>
                       </m:dPr>
                       <m:e>
                         <m:r>
-                          <a:rPr lang="sk-SK" i="1">
+                          <a:rPr lang="sk-SK" sz="2600" i="1">
                             <a:latin typeface="Cambria Math" panose="02040503050406030204" pitchFamily="18" charset="0"/>
                           </a:rPr>
                           <m:t>𝑡</m:t>
@@ -5732,7 +5863,7 @@
                       </m:e>
                     </m:d>
                     <m:r>
-                      <a:rPr lang="sk-SK" i="1">
+                      <a:rPr lang="sk-SK" sz="2600" i="1">
                         <a:latin typeface="Cambria Math" panose="02040503050406030204" pitchFamily="18" charset="0"/>
                       </a:rPr>
                       <m:t>= </m:t>
@@ -5740,14 +5871,14 @@
                     <m:f>
                       <m:fPr>
                         <m:ctrlPr>
-                          <a:rPr lang="sk-SK" i="1">
+                          <a:rPr lang="sk-SK" sz="2600" i="1">
                             <a:latin typeface="Cambria Math" panose="02040503050406030204" pitchFamily="18" charset="0"/>
                           </a:rPr>
                         </m:ctrlPr>
                       </m:fPr>
                       <m:num>
                         <m:r>
-                          <a:rPr lang="sk-SK" i="1">
+                          <a:rPr lang="sk-SK" sz="2600" i="1">
                             <a:latin typeface="Cambria Math" panose="02040503050406030204" pitchFamily="18" charset="0"/>
                           </a:rPr>
                           <m:t>1</m:t>
@@ -5755,19 +5886,19 @@
                       </m:num>
                       <m:den>
                         <m:r>
-                          <a:rPr lang="sk-SK" i="1">
+                          <a:rPr lang="sk-SK" sz="2600" i="1">
                             <a:latin typeface="Cambria Math" panose="02040503050406030204" pitchFamily="18" charset="0"/>
                           </a:rPr>
                           <m:t>2</m:t>
                         </m:r>
                         <m:r>
-                          <a:rPr lang="sk-SK" i="1">
+                          <a:rPr lang="sk-SK" sz="2600" i="1">
                             <a:latin typeface="Cambria Math" panose="02040503050406030204" pitchFamily="18" charset="0"/>
                           </a:rPr>
                           <m:t>𝜋</m:t>
                         </m:r>
                         <m:r>
-                          <a:rPr lang="sk-SK" i="1">
+                          <a:rPr lang="sk-SK" sz="2600" i="1">
                             <a:latin typeface="Cambria Math" panose="02040503050406030204" pitchFamily="18" charset="0"/>
                           </a:rPr>
                           <m:t>𝑖</m:t>
@@ -5775,7 +5906,7 @@
                       </m:den>
                     </m:f>
                     <m:r>
-                      <a:rPr lang="sk-SK" i="1">
+                      <a:rPr lang="sk-SK" sz="2600" i="1">
                         <a:latin typeface="Cambria Math" panose="02040503050406030204" pitchFamily="18" charset="0"/>
                       </a:rPr>
                       <m:t> </m:t>
@@ -5783,7 +5914,7 @@
                     <m:func>
                       <m:funcPr>
                         <m:ctrlPr>
-                          <a:rPr lang="sk-SK" i="1">
+                          <a:rPr lang="sk-SK" sz="2600" i="1">
                             <a:latin typeface="Cambria Math" panose="02040503050406030204" pitchFamily="18" charset="0"/>
                           </a:rPr>
                         </m:ctrlPr>
@@ -5792,7 +5923,7 @@
                         <m:limLow>
                           <m:limLowPr>
                             <m:ctrlPr>
-                              <a:rPr lang="sk-SK" i="1">
+                              <a:rPr lang="sk-SK" sz="2600" i="1">
                                 <a:latin typeface="Cambria Math" panose="02040503050406030204" pitchFamily="18" charset="0"/>
                               </a:rPr>
                             </m:ctrlPr>
@@ -5802,7 +5933,7 @@
                               <m:rPr>
                                 <m:sty m:val="p"/>
                               </m:rPr>
-                              <a:rPr lang="sk-SK">
+                              <a:rPr lang="sk-SK" sz="2600">
                                 <a:latin typeface="Cambria Math" panose="02040503050406030204" pitchFamily="18" charset="0"/>
                               </a:rPr>
                               <m:t>lim</m:t>
@@ -5810,13 +5941,13 @@
                           </m:e>
                           <m:lim>
                             <m:r>
-                              <a:rPr lang="sk-SK" i="1">
+                              <a:rPr lang="sk-SK" sz="2600" i="1">
                                 <a:latin typeface="Cambria Math" panose="02040503050406030204" pitchFamily="18" charset="0"/>
                               </a:rPr>
                               <m:t>𝑇</m:t>
                             </m:r>
                             <m:r>
-                              <a:rPr lang="sk-SK" i="1">
+                              <a:rPr lang="sk-SK" sz="2600" i="1">
                                 <a:latin typeface="Cambria Math" panose="02040503050406030204" pitchFamily="18" charset="0"/>
                               </a:rPr>
                               <m:t>→∞</m:t>
@@ -5825,125 +5956,113 @@
                         </m:limLow>
                       </m:fName>
                       <m:e>
-                        <m:sSup>
-                          <m:sSupPr>
+                        <m:nary>
+                          <m:naryPr>
+                            <m:limLoc m:val="subSup"/>
                             <m:ctrlPr>
-                              <a:rPr lang="sk-SK" i="1">
+                              <a:rPr lang="sk-SK" sz="2600" i="1">
                                 <a:latin typeface="Cambria Math" panose="02040503050406030204" pitchFamily="18" charset="0"/>
                               </a:rPr>
                             </m:ctrlPr>
-                          </m:sSupPr>
+                          </m:naryPr>
+                          <m:sub>
+                            <m:r>
+                              <a:rPr lang="sk-SK" sz="2600" i="1">
+                                <a:latin typeface="Cambria Math" panose="02040503050406030204" pitchFamily="18" charset="0"/>
+                              </a:rPr>
+                              <m:t>𝛾</m:t>
+                            </m:r>
+                            <m:r>
+                              <a:rPr lang="sk-SK" sz="2600" i="1">
+                                <a:latin typeface="Cambria Math" panose="02040503050406030204" pitchFamily="18" charset="0"/>
+                              </a:rPr>
+                              <m:t>−</m:t>
+                            </m:r>
+                            <m:r>
+                              <a:rPr lang="sk-SK" sz="2600" i="1">
+                                <a:latin typeface="Cambria Math" panose="02040503050406030204" pitchFamily="18" charset="0"/>
+                              </a:rPr>
+                              <m:t>𝑖𝑇</m:t>
+                            </m:r>
+                          </m:sub>
+                          <m:sup>
+                            <m:r>
+                              <a:rPr lang="sk-SK" sz="2600" i="1">
+                                <a:latin typeface="Cambria Math" panose="02040503050406030204" pitchFamily="18" charset="0"/>
+                              </a:rPr>
+                              <m:t>𝛾</m:t>
+                            </m:r>
+                            <m:r>
+                              <a:rPr lang="sk-SK" sz="2600" i="1">
+                                <a:latin typeface="Cambria Math" panose="02040503050406030204" pitchFamily="18" charset="0"/>
+                              </a:rPr>
+                              <m:t>+</m:t>
+                            </m:r>
+                            <m:r>
+                              <a:rPr lang="sk-SK" sz="2600" i="1">
+                                <a:latin typeface="Cambria Math" panose="02040503050406030204" pitchFamily="18" charset="0"/>
+                              </a:rPr>
+                              <m:t>𝑖𝑇</m:t>
+                            </m:r>
+                          </m:sup>
                           <m:e>
-                            <m:nary>
-                              <m:naryPr>
-                                <m:limLoc m:val="subSup"/>
+                            <m:sSup>
+                              <m:sSupPr>
                                 <m:ctrlPr>
-                                  <a:rPr lang="sk-SK" i="1">
+                                  <a:rPr lang="sk-SK" sz="2600" i="1">
                                     <a:latin typeface="Cambria Math" panose="02040503050406030204" pitchFamily="18" charset="0"/>
                                   </a:rPr>
                                 </m:ctrlPr>
-                              </m:naryPr>
-                              <m:sub>
+                              </m:sSupPr>
+                              <m:e>
                                 <m:r>
-                                  <a:rPr lang="sk-SK" i="1">
+                                  <a:rPr lang="sk-SK" sz="2600" i="1">
                                     <a:latin typeface="Cambria Math" panose="02040503050406030204" pitchFamily="18" charset="0"/>
                                   </a:rPr>
-                                  <m:t>𝛾</m:t>
+                                  <m:t>𝑒</m:t>
                                 </m:r>
+                              </m:e>
+                              <m:sup>
                                 <m:r>
-                                  <a:rPr lang="sk-SK" i="1">
+                                  <a:rPr lang="sk-SK" sz="2600" i="1">
                                     <a:latin typeface="Cambria Math" panose="02040503050406030204" pitchFamily="18" charset="0"/>
                                   </a:rPr>
-                                  <m:t>−</m:t>
-                                </m:r>
-                                <m:r>
-                                  <a:rPr lang="sk-SK" i="1">
-                                    <a:latin typeface="Cambria Math" panose="02040503050406030204" pitchFamily="18" charset="0"/>
-                                  </a:rPr>
-                                  <m:t>𝑖𝑇</m:t>
-                                </m:r>
-                              </m:sub>
-                              <m:sup>
-                                <m:r>
-                                  <a:rPr lang="sk-SK" i="1">
-                                    <a:latin typeface="Cambria Math" panose="02040503050406030204" pitchFamily="18" charset="0"/>
-                                  </a:rPr>
-                                  <m:t>𝛾</m:t>
-                                </m:r>
-                                <m:r>
-                                  <a:rPr lang="sk-SK" i="1">
-                                    <a:latin typeface="Cambria Math" panose="02040503050406030204" pitchFamily="18" charset="0"/>
-                                  </a:rPr>
-                                  <m:t>+</m:t>
-                                </m:r>
-                                <m:r>
-                                  <a:rPr lang="sk-SK" i="1">
-                                    <a:latin typeface="Cambria Math" panose="02040503050406030204" pitchFamily="18" charset="0"/>
-                                  </a:rPr>
-                                  <m:t>𝑖𝑇</m:t>
+                                  <m:t>𝑠𝑡</m:t>
                                 </m:r>
                               </m:sup>
-                              <m:e>
-                                <m:sSup>
-                                  <m:sSupPr>
-                                    <m:ctrlPr>
-                                      <a:rPr lang="sk-SK" i="1">
-                                        <a:latin typeface="Cambria Math" panose="02040503050406030204" pitchFamily="18" charset="0"/>
-                                      </a:rPr>
-                                    </m:ctrlPr>
-                                  </m:sSupPr>
-                                  <m:e>
-                                    <m:r>
-                                      <a:rPr lang="sk-SK" i="1">
-                                        <a:latin typeface="Cambria Math" panose="02040503050406030204" pitchFamily="18" charset="0"/>
-                                      </a:rPr>
-                                      <m:t>𝑒</m:t>
-                                    </m:r>
-                                  </m:e>
-                                  <m:sup>
-                                    <m:r>
-                                      <a:rPr lang="sk-SK" i="1">
-                                        <a:latin typeface="Cambria Math" panose="02040503050406030204" pitchFamily="18" charset="0"/>
-                                      </a:rPr>
-                                      <m:t>𝑠𝑡</m:t>
-                                    </m:r>
-                                  </m:sup>
-                                </m:sSup>
-                                <m:r>
-                                  <a:rPr lang="sk-SK" i="1">
-                                    <a:latin typeface="Cambria Math" panose="02040503050406030204" pitchFamily="18" charset="0"/>
-                                  </a:rPr>
-                                  <m:t>𝐹</m:t>
-                                </m:r>
-                                <m:r>
-                                  <a:rPr lang="sk-SK" i="1">
-                                    <a:latin typeface="Cambria Math" panose="02040503050406030204" pitchFamily="18" charset="0"/>
-                                  </a:rPr>
-                                  <m:t>(</m:t>
-                                </m:r>
-                                <m:r>
-                                  <a:rPr lang="sk-SK" i="1">
-                                    <a:latin typeface="Cambria Math" panose="02040503050406030204" pitchFamily="18" charset="0"/>
-                                  </a:rPr>
-                                  <m:t>𝑠</m:t>
-                                </m:r>
-                                <m:r>
-                                  <a:rPr lang="sk-SK" i="1">
-                                    <a:latin typeface="Cambria Math" panose="02040503050406030204" pitchFamily="18" charset="0"/>
-                                  </a:rPr>
-                                  <m:t>)</m:t>
-                                </m:r>
-                                <m:r>
-                                  <a:rPr lang="sk-SK" i="1">
-                                    <a:latin typeface="Cambria Math" panose="02040503050406030204" pitchFamily="18" charset="0"/>
-                                  </a:rPr>
-                                  <m:t>𝑑𝑠</m:t>
-                                </m:r>
-                              </m:e>
-                            </m:nary>
+                            </m:sSup>
+                            <m:r>
+                              <a:rPr lang="sk-SK" sz="2600" i="1">
+                                <a:latin typeface="Cambria Math" panose="02040503050406030204" pitchFamily="18" charset="0"/>
+                              </a:rPr>
+                              <m:t>𝐹</m:t>
+                            </m:r>
+                            <m:r>
+                              <a:rPr lang="sk-SK" sz="2600" i="1">
+                                <a:latin typeface="Cambria Math" panose="02040503050406030204" pitchFamily="18" charset="0"/>
+                              </a:rPr>
+                              <m:t>(</m:t>
+                            </m:r>
+                            <m:r>
+                              <a:rPr lang="sk-SK" sz="2600" i="1">
+                                <a:latin typeface="Cambria Math" panose="02040503050406030204" pitchFamily="18" charset="0"/>
+                              </a:rPr>
+                              <m:t>𝑠</m:t>
+                            </m:r>
+                            <m:r>
+                              <a:rPr lang="sk-SK" sz="2600" i="1">
+                                <a:latin typeface="Cambria Math" panose="02040503050406030204" pitchFamily="18" charset="0"/>
+                              </a:rPr>
+                              <m:t>)</m:t>
+                            </m:r>
+                            <m:r>
+                              <a:rPr lang="sk-SK" sz="2600" i="1">
+                                <a:latin typeface="Cambria Math" panose="02040503050406030204" pitchFamily="18" charset="0"/>
+                              </a:rPr>
+                              <m:t>𝑑𝑠</m:t>
+                            </m:r>
                           </m:e>
-                          <m:sup/>
-                        </m:sSup>
+                        </m:nary>
                       </m:e>
                     </m:func>
                   </m:oMath>
@@ -5965,10 +6084,14 @@
               </p:nvPr>
             </p:nvSpPr>
             <p:spPr>
+              <a:xfrm>
+                <a:off x="393699" y="1040446"/>
+                <a:ext cx="8569069" cy="5665154"/>
+              </a:xfrm>
               <a:blipFill rotWithShape="0">
                 <a:blip r:embed="rId2"/>
                 <a:stretch>
-                  <a:fillRect l="-1898" t="-1291"/>
+                  <a:fillRect l="-1708" t="-1615" r="-71"/>
                 </a:stretch>
               </a:blipFill>
             </p:spPr>
@@ -6034,35 +6157,1191 @@
           <a:p>
             <a:r>
               <a:rPr lang="sk-SK" dirty="0" smtClean="0"/>
-              <a:t>Obrazy vybraných funkcii</a:t>
+              <a:t>Význam </a:t>
+            </a:r>
+            <a:r>
+              <a:rPr lang="sk-SK" dirty="0" err="1" smtClean="0"/>
+              <a:t>Laplaceovej</a:t>
+            </a:r>
+            <a:r>
+              <a:rPr lang="sk-SK" dirty="0" smtClean="0"/>
+              <a:t> transformácie</a:t>
             </a:r>
             <a:endParaRPr lang="sk-SK" dirty="0"/>
           </a:p>
         </p:txBody>
       </p:sp>
-      <p:sp>
-        <p:nvSpPr>
-          <p:cNvPr id="3" name="Zástupný symbol obsahu 2"/>
-          <p:cNvSpPr>
-            <a:spLocks noGrp="1"/>
-          </p:cNvSpPr>
-          <p:nvPr>
-            <p:ph idx="1"/>
-          </p:nvPr>
-        </p:nvSpPr>
-        <p:spPr/>
-        <p:txBody>
-          <a:bodyPr/>
-          <a:lstStyle/>
-          <a:p>
-            <a:endParaRPr lang="sk-SK"/>
-          </a:p>
-        </p:txBody>
-      </p:sp>
+      <mc:AlternateContent xmlns:mc="http://schemas.openxmlformats.org/markup-compatibility/2006">
+        <mc:Choice xmlns:a14="http://schemas.microsoft.com/office/drawing/2010/main" Requires="a14">
+          <p:sp>
+            <p:nvSpPr>
+              <p:cNvPr id="3" name="Zástupný symbol obsahu 2"/>
+              <p:cNvSpPr>
+                <a:spLocks noGrp="1"/>
+              </p:cNvSpPr>
+              <p:nvPr>
+                <p:ph idx="1"/>
+              </p:nvPr>
+            </p:nvSpPr>
+            <p:spPr>
+              <a:xfrm>
+                <a:off x="393699" y="1040446"/>
+                <a:ext cx="8356599" cy="5648678"/>
+              </a:xfrm>
+            </p:spPr>
+            <p:txBody>
+              <a:bodyPr>
+                <a:normAutofit fontScale="92500" lnSpcReduction="20000"/>
+              </a:bodyPr>
+              <a:lstStyle/>
+              <a:p>
+                <a:pPr marL="0" indent="0">
+                  <a:buNone/>
+                </a:pPr>
+                <a14:m>
+                  <m:oMathPara xmlns:m="http://schemas.openxmlformats.org/officeDocument/2006/math">
+                    <m:oMathParaPr>
+                      <m:jc m:val="centerGroup"/>
+                    </m:oMathParaPr>
+                    <m:oMath xmlns:m="http://schemas.openxmlformats.org/officeDocument/2006/math">
+                      <m:r>
+                        <a:rPr lang="en-GB" i="1" smtClean="0">
+                          <a:latin typeface="Cambria Math" panose="02040503050406030204" pitchFamily="18" charset="0"/>
+                        </a:rPr>
+                        <m:t>𝐹</m:t>
+                      </m:r>
+                      <m:d>
+                        <m:dPr>
+                          <m:ctrlPr>
+                            <a:rPr lang="sk-SK" i="1">
+                              <a:latin typeface="Cambria Math" panose="02040503050406030204" pitchFamily="18" charset="0"/>
+                            </a:rPr>
+                          </m:ctrlPr>
+                        </m:dPr>
+                        <m:e>
+                          <m:r>
+                            <a:rPr lang="en-GB" i="1">
+                              <a:latin typeface="Cambria Math" panose="02040503050406030204" pitchFamily="18" charset="0"/>
+                            </a:rPr>
+                            <m:t>𝑠</m:t>
+                          </m:r>
+                        </m:e>
+                      </m:d>
+                      <m:r>
+                        <a:rPr lang="en-GB" i="1">
+                          <a:latin typeface="Cambria Math" panose="02040503050406030204" pitchFamily="18" charset="0"/>
+                        </a:rPr>
+                        <m:t>= </m:t>
+                      </m:r>
+                      <m:nary>
+                        <m:naryPr>
+                          <m:limLoc m:val="subSup"/>
+                          <m:ctrlPr>
+                            <a:rPr lang="sk-SK" i="1">
+                              <a:latin typeface="Cambria Math" panose="02040503050406030204" pitchFamily="18" charset="0"/>
+                            </a:rPr>
+                          </m:ctrlPr>
+                        </m:naryPr>
+                        <m:sub>
+                          <m:r>
+                            <a:rPr lang="en-GB" i="1">
+                              <a:latin typeface="Cambria Math" panose="02040503050406030204" pitchFamily="18" charset="0"/>
+                            </a:rPr>
+                            <m:t>0</m:t>
+                          </m:r>
+                        </m:sub>
+                        <m:sup>
+                          <m:r>
+                            <a:rPr lang="en-GB" i="1">
+                              <a:latin typeface="Cambria Math" panose="02040503050406030204" pitchFamily="18" charset="0"/>
+                            </a:rPr>
+                            <m:t>∞</m:t>
+                          </m:r>
+                        </m:sup>
+                        <m:e>
+                          <m:sSup>
+                            <m:sSupPr>
+                              <m:ctrlPr>
+                                <a:rPr lang="sk-SK" i="1">
+                                  <a:latin typeface="Cambria Math" panose="02040503050406030204" pitchFamily="18" charset="0"/>
+                                </a:rPr>
+                              </m:ctrlPr>
+                            </m:sSupPr>
+                            <m:e>
+                              <m:r>
+                                <a:rPr lang="en-GB" i="1">
+                                  <a:latin typeface="Cambria Math" panose="02040503050406030204" pitchFamily="18" charset="0"/>
+                                </a:rPr>
+                                <m:t>𝑒</m:t>
+                              </m:r>
+                            </m:e>
+                            <m:sup>
+                              <m:r>
+                                <a:rPr lang="en-GB" i="1">
+                                  <a:latin typeface="Cambria Math" panose="02040503050406030204" pitchFamily="18" charset="0"/>
+                                </a:rPr>
+                                <m:t>−</m:t>
+                              </m:r>
+                              <m:r>
+                                <a:rPr lang="en-GB" i="1">
+                                  <a:latin typeface="Cambria Math" panose="02040503050406030204" pitchFamily="18" charset="0"/>
+                                </a:rPr>
+                                <m:t>𝑠𝑡</m:t>
+                              </m:r>
+                            </m:sup>
+                          </m:sSup>
+                          <m:r>
+                            <a:rPr lang="en-GB" i="1">
+                              <a:latin typeface="Cambria Math" panose="02040503050406030204" pitchFamily="18" charset="0"/>
+                            </a:rPr>
+                            <m:t>𝑓</m:t>
+                          </m:r>
+                          <m:r>
+                            <a:rPr lang="en-GB" i="1">
+                              <a:latin typeface="Cambria Math" panose="02040503050406030204" pitchFamily="18" charset="0"/>
+                            </a:rPr>
+                            <m:t>(</m:t>
+                          </m:r>
+                          <m:r>
+                            <a:rPr lang="en-GB" i="1">
+                              <a:latin typeface="Cambria Math" panose="02040503050406030204" pitchFamily="18" charset="0"/>
+                            </a:rPr>
+                            <m:t>𝑡</m:t>
+                          </m:r>
+                          <m:r>
+                            <a:rPr lang="en-GB" i="1">
+                              <a:latin typeface="Cambria Math" panose="02040503050406030204" pitchFamily="18" charset="0"/>
+                            </a:rPr>
+                            <m:t>)</m:t>
+                          </m:r>
+                          <m:r>
+                            <a:rPr lang="en-GB" i="1">
+                              <a:latin typeface="Cambria Math" panose="02040503050406030204" pitchFamily="18" charset="0"/>
+                            </a:rPr>
+                            <m:t>𝑑𝑡</m:t>
+                          </m:r>
+                        </m:e>
+                      </m:nary>
+                    </m:oMath>
+                  </m:oMathPara>
+                </a14:m>
+                <a:endParaRPr lang="sk-SK" dirty="0" smtClean="0"/>
+              </a:p>
+              <a:p>
+                <a:pPr>
+                  <a:buFont typeface="Arial" panose="020B0604020202020204" pitchFamily="34" charset="0"/>
+                  <a:buChar char="•"/>
+                </a:pPr>
+                <a:r>
+                  <a:rPr lang="sk-SK" dirty="0" smtClean="0"/>
+                  <a:t>Definičný integrál LPT môžeme interpretovať </a:t>
+                </a:r>
+                <a:r>
+                  <a:rPr lang="sk-SK" dirty="0" err="1" smtClean="0"/>
+                  <a:t>nasedovne</a:t>
+                </a:r>
+                <a:r>
+                  <a:rPr lang="sk-SK" dirty="0" smtClean="0"/>
+                  <a:t>:</a:t>
+                </a:r>
+              </a:p>
+              <a:p>
+                <a:pPr>
+                  <a:buFont typeface="Arial" panose="020B0604020202020204" pitchFamily="34" charset="0"/>
+                  <a:buChar char="•"/>
+                </a:pPr>
+                <a:r>
+                  <a:rPr lang="sk-SK" dirty="0" smtClean="0"/>
+                  <a:t>Komplexnú premennú </a:t>
+                </a:r>
+                <a:r>
+                  <a:rPr lang="sk-SK" b="1" i="1" dirty="0" smtClean="0"/>
+                  <a:t>s </a:t>
+                </a:r>
+                <a:r>
+                  <a:rPr lang="sk-SK" dirty="0" smtClean="0"/>
+                  <a:t>rozpíšeme do zložkového tvaru</a:t>
+                </a:r>
+              </a:p>
+              <a:p>
+                <a:pPr marL="0" indent="0">
+                  <a:buNone/>
+                </a:pPr>
+                <a14:m>
+                  <m:oMathPara xmlns:m="http://schemas.openxmlformats.org/officeDocument/2006/math">
+                    <m:oMathParaPr>
+                      <m:jc m:val="centerGroup"/>
+                    </m:oMathParaPr>
+                    <m:oMath xmlns:m="http://schemas.openxmlformats.org/officeDocument/2006/math">
+                      <m:r>
+                        <a:rPr lang="sk-SK" b="0" i="1" smtClean="0">
+                          <a:latin typeface="Cambria Math" panose="02040503050406030204" pitchFamily="18" charset="0"/>
+                        </a:rPr>
+                        <m:t>𝑠</m:t>
+                      </m:r>
+                      <m:r>
+                        <a:rPr lang="sk-SK" b="0" i="1" smtClean="0">
+                          <a:latin typeface="Cambria Math" panose="02040503050406030204" pitchFamily="18" charset="0"/>
+                        </a:rPr>
+                        <m:t>=</m:t>
+                      </m:r>
+                      <m:r>
+                        <a:rPr lang="sk-SK" b="0" i="1" smtClean="0">
+                          <a:latin typeface="Cambria Math" panose="02040503050406030204" pitchFamily="18" charset="0"/>
+                        </a:rPr>
+                        <m:t>𝑎</m:t>
+                      </m:r>
+                      <m:r>
+                        <a:rPr lang="sk-SK" b="0" i="1" smtClean="0">
+                          <a:latin typeface="Cambria Math" panose="02040503050406030204" pitchFamily="18" charset="0"/>
+                        </a:rPr>
+                        <m:t>+</m:t>
+                      </m:r>
+                      <m:r>
+                        <a:rPr lang="sk-SK" b="0" i="1" smtClean="0">
+                          <a:latin typeface="Cambria Math" panose="02040503050406030204" pitchFamily="18" charset="0"/>
+                        </a:rPr>
+                        <m:t>𝑖</m:t>
+                      </m:r>
+                      <m:r>
+                        <a:rPr lang="sk-SK" b="0" i="1" smtClean="0">
+                          <a:latin typeface="Cambria Math" panose="02040503050406030204" pitchFamily="18" charset="0"/>
+                          <a:ea typeface="Cambria Math" panose="02040503050406030204" pitchFamily="18" charset="0"/>
+                        </a:rPr>
+                        <m:t>𝜔</m:t>
+                      </m:r>
+                    </m:oMath>
+                  </m:oMathPara>
+                </a14:m>
+                <a:endParaRPr lang="sk-SK" dirty="0" smtClean="0"/>
+              </a:p>
+              <a:p>
+                <a:pPr>
+                  <a:buFont typeface="Arial" panose="020B0604020202020204" pitchFamily="34" charset="0"/>
+                  <a:buChar char="•"/>
+                </a:pPr>
+                <a:r>
+                  <a:rPr lang="sk-SK" dirty="0" smtClean="0"/>
+                  <a:t>Funkcia komplexnej </a:t>
+                </a:r>
+                <a:r>
+                  <a:rPr lang="sk-SK" dirty="0" err="1" smtClean="0"/>
+                  <a:t>exponenciály</a:t>
+                </a:r>
+                <a:r>
+                  <a:rPr lang="sk-SK" dirty="0" smtClean="0"/>
+                  <a:t> </a:t>
+                </a:r>
+                <a14:m>
+                  <m:oMath xmlns:m="http://schemas.openxmlformats.org/officeDocument/2006/math">
+                    <m:sSup>
+                      <m:sSupPr>
+                        <m:ctrlPr>
+                          <a:rPr lang="sk-SK" i="1">
+                            <a:latin typeface="Cambria Math" panose="02040503050406030204" pitchFamily="18" charset="0"/>
+                          </a:rPr>
+                        </m:ctrlPr>
+                      </m:sSupPr>
+                      <m:e>
+                        <m:r>
+                          <a:rPr lang="en-GB" i="1">
+                            <a:latin typeface="Cambria Math" panose="02040503050406030204" pitchFamily="18" charset="0"/>
+                          </a:rPr>
+                          <m:t>𝑒</m:t>
+                        </m:r>
+                      </m:e>
+                      <m:sup>
+                        <m:r>
+                          <a:rPr lang="en-GB" i="1">
+                            <a:latin typeface="Cambria Math" panose="02040503050406030204" pitchFamily="18" charset="0"/>
+                          </a:rPr>
+                          <m:t>−</m:t>
+                        </m:r>
+                        <m:r>
+                          <a:rPr lang="en-GB" i="1">
+                            <a:latin typeface="Cambria Math" panose="02040503050406030204" pitchFamily="18" charset="0"/>
+                          </a:rPr>
+                          <m:t>𝑠𝑡</m:t>
+                        </m:r>
+                      </m:sup>
+                    </m:sSup>
+                  </m:oMath>
+                </a14:m>
+                <a:r>
+                  <a:rPr lang="sk-SK" dirty="0" smtClean="0"/>
+                  <a:t> potom prejde do tvaru</a:t>
+                </a:r>
+              </a:p>
+              <a:p>
+                <a:pPr marL="0" indent="0">
+                  <a:buNone/>
+                </a:pPr>
+                <a14:m>
+                  <m:oMathPara xmlns:m="http://schemas.openxmlformats.org/officeDocument/2006/math">
+                    <m:oMathParaPr>
+                      <m:jc m:val="centerGroup"/>
+                    </m:oMathParaPr>
+                    <m:oMath xmlns:m="http://schemas.openxmlformats.org/officeDocument/2006/math">
+                      <m:sSup>
+                        <m:sSupPr>
+                          <m:ctrlPr>
+                            <a:rPr lang="sk-SK" i="1">
+                              <a:latin typeface="Cambria Math" panose="02040503050406030204" pitchFamily="18" charset="0"/>
+                            </a:rPr>
+                          </m:ctrlPr>
+                        </m:sSupPr>
+                        <m:e>
+                          <m:r>
+                            <a:rPr lang="en-GB" i="1">
+                              <a:latin typeface="Cambria Math" panose="02040503050406030204" pitchFamily="18" charset="0"/>
+                            </a:rPr>
+                            <m:t>𝑒</m:t>
+                          </m:r>
+                        </m:e>
+                        <m:sup>
+                          <m:r>
+                            <a:rPr lang="en-GB" i="1">
+                              <a:latin typeface="Cambria Math" panose="02040503050406030204" pitchFamily="18" charset="0"/>
+                            </a:rPr>
+                            <m:t>−</m:t>
+                          </m:r>
+                          <m:r>
+                            <a:rPr lang="en-GB" i="1">
+                              <a:latin typeface="Cambria Math" panose="02040503050406030204" pitchFamily="18" charset="0"/>
+                            </a:rPr>
+                            <m:t>𝑠𝑡</m:t>
+                          </m:r>
+                        </m:sup>
+                      </m:sSup>
+                      <m:r>
+                        <a:rPr lang="sk-SK" b="0" i="1" smtClean="0">
+                          <a:latin typeface="Cambria Math" panose="02040503050406030204" pitchFamily="18" charset="0"/>
+                        </a:rPr>
+                        <m:t>=</m:t>
+                      </m:r>
+                      <m:sSup>
+                        <m:sSupPr>
+                          <m:ctrlPr>
+                            <a:rPr lang="sk-SK" b="0" i="1" smtClean="0">
+                              <a:latin typeface="Cambria Math" panose="02040503050406030204" pitchFamily="18" charset="0"/>
+                            </a:rPr>
+                          </m:ctrlPr>
+                        </m:sSupPr>
+                        <m:e>
+                          <m:r>
+                            <a:rPr lang="sk-SK" b="0" i="1" smtClean="0">
+                              <a:latin typeface="Cambria Math" panose="02040503050406030204" pitchFamily="18" charset="0"/>
+                            </a:rPr>
+                            <m:t>𝑒</m:t>
+                          </m:r>
+                        </m:e>
+                        <m:sup>
+                          <m:r>
+                            <a:rPr lang="sk-SK" b="0" i="1" smtClean="0">
+                              <a:latin typeface="Cambria Math" panose="02040503050406030204" pitchFamily="18" charset="0"/>
+                            </a:rPr>
+                            <m:t>−(</m:t>
+                          </m:r>
+                          <m:r>
+                            <a:rPr lang="sk-SK" i="1">
+                              <a:latin typeface="Cambria Math" panose="02040503050406030204" pitchFamily="18" charset="0"/>
+                            </a:rPr>
+                            <m:t>𝑎</m:t>
+                          </m:r>
+                          <m:r>
+                            <a:rPr lang="sk-SK" b="0" i="1" smtClean="0">
+                              <a:latin typeface="Cambria Math" panose="02040503050406030204" pitchFamily="18" charset="0"/>
+                            </a:rPr>
+                            <m:t>𝑡</m:t>
+                          </m:r>
+                          <m:r>
+                            <a:rPr lang="sk-SK" i="1">
+                              <a:latin typeface="Cambria Math" panose="02040503050406030204" pitchFamily="18" charset="0"/>
+                            </a:rPr>
+                            <m:t>+</m:t>
+                          </m:r>
+                          <m:r>
+                            <a:rPr lang="sk-SK" i="1">
+                              <a:latin typeface="Cambria Math" panose="02040503050406030204" pitchFamily="18" charset="0"/>
+                            </a:rPr>
+                            <m:t>𝑖</m:t>
+                          </m:r>
+                          <m:r>
+                            <a:rPr lang="sk-SK" i="1">
+                              <a:latin typeface="Cambria Math" panose="02040503050406030204" pitchFamily="18" charset="0"/>
+                              <a:ea typeface="Cambria Math" panose="02040503050406030204" pitchFamily="18" charset="0"/>
+                            </a:rPr>
+                            <m:t>𝜔</m:t>
+                          </m:r>
+                          <m:r>
+                            <a:rPr lang="sk-SK" b="0" i="1" smtClean="0">
+                              <a:latin typeface="Cambria Math" panose="02040503050406030204" pitchFamily="18" charset="0"/>
+                              <a:ea typeface="Cambria Math" panose="02040503050406030204" pitchFamily="18" charset="0"/>
+                            </a:rPr>
+                            <m:t>𝑡</m:t>
+                          </m:r>
+                          <m:r>
+                            <a:rPr lang="sk-SK" b="0" i="1" smtClean="0">
+                              <a:latin typeface="Cambria Math" panose="02040503050406030204" pitchFamily="18" charset="0"/>
+                            </a:rPr>
+                            <m:t>)</m:t>
+                          </m:r>
+                        </m:sup>
+                      </m:sSup>
+                      <m:r>
+                        <a:rPr lang="sk-SK" b="0" i="1" smtClean="0">
+                          <a:latin typeface="Cambria Math" panose="02040503050406030204" pitchFamily="18" charset="0"/>
+                        </a:rPr>
+                        <m:t>=</m:t>
+                      </m:r>
+                      <m:sSup>
+                        <m:sSupPr>
+                          <m:ctrlPr>
+                            <a:rPr lang="sk-SK" i="1">
+                              <a:latin typeface="Cambria Math" panose="02040503050406030204" pitchFamily="18" charset="0"/>
+                            </a:rPr>
+                          </m:ctrlPr>
+                        </m:sSupPr>
+                        <m:e>
+                          <m:r>
+                            <a:rPr lang="sk-SK" i="1">
+                              <a:latin typeface="Cambria Math" panose="02040503050406030204" pitchFamily="18" charset="0"/>
+                            </a:rPr>
+                            <m:t>𝑒</m:t>
+                          </m:r>
+                        </m:e>
+                        <m:sup>
+                          <m:r>
+                            <a:rPr lang="sk-SK" i="1">
+                              <a:latin typeface="Cambria Math" panose="02040503050406030204" pitchFamily="18" charset="0"/>
+                            </a:rPr>
+                            <m:t>−</m:t>
+                          </m:r>
+                          <m:r>
+                            <a:rPr lang="sk-SK" b="0" i="1" smtClean="0">
+                              <a:latin typeface="Cambria Math" panose="02040503050406030204" pitchFamily="18" charset="0"/>
+                            </a:rPr>
+                            <m:t>𝑎𝑡</m:t>
+                          </m:r>
+                        </m:sup>
+                      </m:sSup>
+                      <m:sSup>
+                        <m:sSupPr>
+                          <m:ctrlPr>
+                            <a:rPr lang="sk-SK" i="1">
+                              <a:latin typeface="Cambria Math" panose="02040503050406030204" pitchFamily="18" charset="0"/>
+                            </a:rPr>
+                          </m:ctrlPr>
+                        </m:sSupPr>
+                        <m:e>
+                          <m:r>
+                            <a:rPr lang="sk-SK" i="1">
+                              <a:latin typeface="Cambria Math" panose="02040503050406030204" pitchFamily="18" charset="0"/>
+                            </a:rPr>
+                            <m:t>𝑒</m:t>
+                          </m:r>
+                        </m:e>
+                        <m:sup>
+                          <m:r>
+                            <a:rPr lang="sk-SK" i="1">
+                              <a:latin typeface="Cambria Math" panose="02040503050406030204" pitchFamily="18" charset="0"/>
+                            </a:rPr>
+                            <m:t>−</m:t>
+                          </m:r>
+                          <m:r>
+                            <a:rPr lang="sk-SK" i="1">
+                              <a:latin typeface="Cambria Math" panose="02040503050406030204" pitchFamily="18" charset="0"/>
+                            </a:rPr>
+                            <m:t>𝑖</m:t>
+                          </m:r>
+                          <m:r>
+                            <a:rPr lang="sk-SK" i="1">
+                              <a:latin typeface="Cambria Math" panose="02040503050406030204" pitchFamily="18" charset="0"/>
+                              <a:ea typeface="Cambria Math" panose="02040503050406030204" pitchFamily="18" charset="0"/>
+                            </a:rPr>
+                            <m:t>𝜔</m:t>
+                          </m:r>
+                          <m:r>
+                            <a:rPr lang="sk-SK" b="0" i="1" smtClean="0">
+                              <a:latin typeface="Cambria Math" panose="02040503050406030204" pitchFamily="18" charset="0"/>
+                              <a:ea typeface="Cambria Math" panose="02040503050406030204" pitchFamily="18" charset="0"/>
+                            </a:rPr>
+                            <m:t>𝑡</m:t>
+                          </m:r>
+                        </m:sup>
+                      </m:sSup>
+                    </m:oMath>
+                  </m:oMathPara>
+                </a14:m>
+                <a:endParaRPr lang="sk-SK" dirty="0" smtClean="0"/>
+              </a:p>
+              <a:p>
+                <a:pPr>
+                  <a:buFont typeface="Arial" panose="020B0604020202020204" pitchFamily="34" charset="0"/>
+                  <a:buChar char="•"/>
+                </a:pPr>
+                <a:r>
+                  <a:rPr lang="sk-SK" dirty="0" err="1" smtClean="0"/>
+                  <a:t>Kompelxná</a:t>
+                </a:r>
+                <a:r>
+                  <a:rPr lang="sk-SK" dirty="0" smtClean="0"/>
+                  <a:t> </a:t>
+                </a:r>
+                <a:r>
+                  <a:rPr lang="sk-SK" dirty="0" err="1" smtClean="0"/>
+                  <a:t>exponenciála</a:t>
+                </a:r>
+                <a:r>
+                  <a:rPr lang="sk-SK" dirty="0" smtClean="0"/>
+                  <a:t> však podľa </a:t>
+                </a:r>
+                <a:r>
+                  <a:rPr lang="sk-SK" dirty="0" err="1" smtClean="0"/>
+                  <a:t>Eulerovho</a:t>
+                </a:r>
+                <a:r>
+                  <a:rPr lang="sk-SK" dirty="0" smtClean="0"/>
+                  <a:t> vzorca definuje vzťah s trigonometrickými funkciami takto:</a:t>
+                </a:r>
+              </a:p>
+              <a:p>
+                <a:pPr marL="0" indent="0">
+                  <a:buNone/>
+                </a:pPr>
+                <a14:m>
+                  <m:oMathPara xmlns:m="http://schemas.openxmlformats.org/officeDocument/2006/math">
+                    <m:oMathParaPr>
+                      <m:jc m:val="centerGroup"/>
+                    </m:oMathParaPr>
+                    <m:oMath xmlns:m="http://schemas.openxmlformats.org/officeDocument/2006/math">
+                      <m:sSup>
+                        <m:sSupPr>
+                          <m:ctrlPr>
+                            <a:rPr lang="sk-SK" i="1">
+                              <a:latin typeface="Cambria Math" panose="02040503050406030204" pitchFamily="18" charset="0"/>
+                            </a:rPr>
+                          </m:ctrlPr>
+                        </m:sSupPr>
+                        <m:e>
+                          <m:r>
+                            <a:rPr lang="sk-SK" i="1">
+                              <a:latin typeface="Cambria Math" panose="02040503050406030204" pitchFamily="18" charset="0"/>
+                            </a:rPr>
+                            <m:t>𝑒</m:t>
+                          </m:r>
+                        </m:e>
+                        <m:sup>
+                          <m:r>
+                            <a:rPr lang="sk-SK" i="1">
+                              <a:latin typeface="Cambria Math" panose="02040503050406030204" pitchFamily="18" charset="0"/>
+                            </a:rPr>
+                            <m:t>−</m:t>
+                          </m:r>
+                          <m:r>
+                            <a:rPr lang="sk-SK" i="1">
+                              <a:latin typeface="Cambria Math" panose="02040503050406030204" pitchFamily="18" charset="0"/>
+                            </a:rPr>
+                            <m:t>𝑖</m:t>
+                          </m:r>
+                          <m:r>
+                            <a:rPr lang="sk-SK" i="1">
+                              <a:latin typeface="Cambria Math" panose="02040503050406030204" pitchFamily="18" charset="0"/>
+                              <a:ea typeface="Cambria Math" panose="02040503050406030204" pitchFamily="18" charset="0"/>
+                            </a:rPr>
+                            <m:t>𝜔</m:t>
+                          </m:r>
+                          <m:r>
+                            <a:rPr lang="sk-SK" b="0" i="1" smtClean="0">
+                              <a:latin typeface="Cambria Math" panose="02040503050406030204" pitchFamily="18" charset="0"/>
+                              <a:ea typeface="Cambria Math" panose="02040503050406030204" pitchFamily="18" charset="0"/>
+                            </a:rPr>
+                            <m:t>𝑡</m:t>
+                          </m:r>
+                        </m:sup>
+                      </m:sSup>
+                      <m:r>
+                        <a:rPr lang="sk-SK" b="0" i="1" smtClean="0">
+                          <a:latin typeface="Cambria Math" panose="02040503050406030204" pitchFamily="18" charset="0"/>
+                          <a:ea typeface="Cambria Math" panose="02040503050406030204" pitchFamily="18" charset="0"/>
+                        </a:rPr>
+                        <m:t>=</m:t>
+                      </m:r>
+                      <m:func>
+                        <m:funcPr>
+                          <m:ctrlPr>
+                            <a:rPr lang="sk-SK" b="0" i="1" smtClean="0">
+                              <a:latin typeface="Cambria Math" panose="02040503050406030204" pitchFamily="18" charset="0"/>
+                              <a:ea typeface="Cambria Math" panose="02040503050406030204" pitchFamily="18" charset="0"/>
+                            </a:rPr>
+                          </m:ctrlPr>
+                        </m:funcPr>
+                        <m:fName>
+                          <m:r>
+                            <m:rPr>
+                              <m:sty m:val="p"/>
+                            </m:rPr>
+                            <a:rPr lang="sk-SK" b="0" i="0" smtClean="0">
+                              <a:latin typeface="Cambria Math" panose="02040503050406030204" pitchFamily="18" charset="0"/>
+                              <a:ea typeface="Cambria Math" panose="02040503050406030204" pitchFamily="18" charset="0"/>
+                            </a:rPr>
+                            <m:t>cos</m:t>
+                          </m:r>
+                        </m:fName>
+                        <m:e>
+                          <m:d>
+                            <m:dPr>
+                              <m:ctrlPr>
+                                <a:rPr lang="sk-SK" b="0" i="1" smtClean="0">
+                                  <a:latin typeface="Cambria Math" panose="02040503050406030204" pitchFamily="18" charset="0"/>
+                                  <a:ea typeface="Cambria Math" panose="02040503050406030204" pitchFamily="18" charset="0"/>
+                                </a:rPr>
+                              </m:ctrlPr>
+                            </m:dPr>
+                            <m:e>
+                              <m:r>
+                                <a:rPr lang="sk-SK" b="0" i="1" smtClean="0">
+                                  <a:latin typeface="Cambria Math" panose="02040503050406030204" pitchFamily="18" charset="0"/>
+                                  <a:ea typeface="Cambria Math" panose="02040503050406030204" pitchFamily="18" charset="0"/>
+                                </a:rPr>
+                                <m:t>−</m:t>
+                              </m:r>
+                              <m:r>
+                                <a:rPr lang="sk-SK" i="1">
+                                  <a:latin typeface="Cambria Math" panose="02040503050406030204" pitchFamily="18" charset="0"/>
+                                  <a:ea typeface="Cambria Math" panose="02040503050406030204" pitchFamily="18" charset="0"/>
+                                </a:rPr>
+                                <m:t>𝜔</m:t>
+                              </m:r>
+                              <m:r>
+                                <a:rPr lang="sk-SK" b="0" i="1" smtClean="0">
+                                  <a:latin typeface="Cambria Math" panose="02040503050406030204" pitchFamily="18" charset="0"/>
+                                  <a:ea typeface="Cambria Math" panose="02040503050406030204" pitchFamily="18" charset="0"/>
+                                </a:rPr>
+                                <m:t>𝑡</m:t>
+                              </m:r>
+                            </m:e>
+                          </m:d>
+                        </m:e>
+                      </m:func>
+                      <m:r>
+                        <a:rPr lang="sk-SK" b="0" i="1" smtClean="0">
+                          <a:latin typeface="Cambria Math" panose="02040503050406030204" pitchFamily="18" charset="0"/>
+                          <a:ea typeface="Cambria Math" panose="02040503050406030204" pitchFamily="18" charset="0"/>
+                        </a:rPr>
+                        <m:t>+</m:t>
+                      </m:r>
+                      <m:r>
+                        <a:rPr lang="sk-SK" b="0" i="1" smtClean="0">
+                          <a:latin typeface="Cambria Math" panose="02040503050406030204" pitchFamily="18" charset="0"/>
+                          <a:ea typeface="Cambria Math" panose="02040503050406030204" pitchFamily="18" charset="0"/>
+                        </a:rPr>
+                        <m:t>𝑖𝑠𝑖𝑛</m:t>
+                      </m:r>
+                      <m:d>
+                        <m:dPr>
+                          <m:ctrlPr>
+                            <a:rPr lang="sk-SK" b="0" i="1" smtClean="0">
+                              <a:latin typeface="Cambria Math" panose="02040503050406030204" pitchFamily="18" charset="0"/>
+                              <a:ea typeface="Cambria Math" panose="02040503050406030204" pitchFamily="18" charset="0"/>
+                            </a:rPr>
+                          </m:ctrlPr>
+                        </m:dPr>
+                        <m:e>
+                          <m:r>
+                            <a:rPr lang="sk-SK" i="1">
+                              <a:latin typeface="Cambria Math" panose="02040503050406030204" pitchFamily="18" charset="0"/>
+                              <a:ea typeface="Cambria Math" panose="02040503050406030204" pitchFamily="18" charset="0"/>
+                            </a:rPr>
+                            <m:t>−</m:t>
+                          </m:r>
+                          <m:r>
+                            <a:rPr lang="sk-SK" i="1">
+                              <a:latin typeface="Cambria Math" panose="02040503050406030204" pitchFamily="18" charset="0"/>
+                              <a:ea typeface="Cambria Math" panose="02040503050406030204" pitchFamily="18" charset="0"/>
+                            </a:rPr>
+                            <m:t>𝜔</m:t>
+                          </m:r>
+                          <m:r>
+                            <a:rPr lang="sk-SK" b="0" i="1" smtClean="0">
+                              <a:latin typeface="Cambria Math" panose="02040503050406030204" pitchFamily="18" charset="0"/>
+                              <a:ea typeface="Cambria Math" panose="02040503050406030204" pitchFamily="18" charset="0"/>
+                            </a:rPr>
+                            <m:t>𝑡</m:t>
+                          </m:r>
+                        </m:e>
+                      </m:d>
+                      <m:r>
+                        <a:rPr lang="sk-SK" b="0" i="1" smtClean="0">
+                          <a:latin typeface="Cambria Math" panose="02040503050406030204" pitchFamily="18" charset="0"/>
+                          <a:ea typeface="Cambria Math" panose="02040503050406030204" pitchFamily="18" charset="0"/>
+                        </a:rPr>
+                        <m:t>=</m:t>
+                      </m:r>
+                      <m:func>
+                        <m:funcPr>
+                          <m:ctrlPr>
+                            <a:rPr lang="sk-SK" i="1">
+                              <a:latin typeface="Cambria Math" panose="02040503050406030204" pitchFamily="18" charset="0"/>
+                              <a:ea typeface="Cambria Math" panose="02040503050406030204" pitchFamily="18" charset="0"/>
+                            </a:rPr>
+                          </m:ctrlPr>
+                        </m:funcPr>
+                        <m:fName>
+                          <m:r>
+                            <m:rPr>
+                              <m:sty m:val="p"/>
+                            </m:rPr>
+                            <a:rPr lang="sk-SK">
+                              <a:latin typeface="Cambria Math" panose="02040503050406030204" pitchFamily="18" charset="0"/>
+                              <a:ea typeface="Cambria Math" panose="02040503050406030204" pitchFamily="18" charset="0"/>
+                            </a:rPr>
+                            <m:t>cos</m:t>
+                          </m:r>
+                        </m:fName>
+                        <m:e>
+                          <m:d>
+                            <m:dPr>
+                              <m:ctrlPr>
+                                <a:rPr lang="sk-SK" i="1">
+                                  <a:latin typeface="Cambria Math" panose="02040503050406030204" pitchFamily="18" charset="0"/>
+                                  <a:ea typeface="Cambria Math" panose="02040503050406030204" pitchFamily="18" charset="0"/>
+                                </a:rPr>
+                              </m:ctrlPr>
+                            </m:dPr>
+                            <m:e>
+                              <m:r>
+                                <a:rPr lang="sk-SK" i="1">
+                                  <a:latin typeface="Cambria Math" panose="02040503050406030204" pitchFamily="18" charset="0"/>
+                                  <a:ea typeface="Cambria Math" panose="02040503050406030204" pitchFamily="18" charset="0"/>
+                                </a:rPr>
+                                <m:t>𝜔</m:t>
+                              </m:r>
+                              <m:r>
+                                <a:rPr lang="sk-SK" i="1">
+                                  <a:latin typeface="Cambria Math" panose="02040503050406030204" pitchFamily="18" charset="0"/>
+                                  <a:ea typeface="Cambria Math" panose="02040503050406030204" pitchFamily="18" charset="0"/>
+                                </a:rPr>
+                                <m:t>𝑡</m:t>
+                              </m:r>
+                            </m:e>
+                          </m:d>
+                        </m:e>
+                      </m:func>
+                      <m:r>
+                        <a:rPr lang="sk-SK" b="0" i="1" smtClean="0">
+                          <a:latin typeface="Cambria Math" panose="02040503050406030204" pitchFamily="18" charset="0"/>
+                          <a:ea typeface="Cambria Math" panose="02040503050406030204" pitchFamily="18" charset="0"/>
+                        </a:rPr>
+                        <m:t>−</m:t>
+                      </m:r>
+                      <m:r>
+                        <a:rPr lang="sk-SK" i="1">
+                          <a:latin typeface="Cambria Math" panose="02040503050406030204" pitchFamily="18" charset="0"/>
+                          <a:ea typeface="Cambria Math" panose="02040503050406030204" pitchFamily="18" charset="0"/>
+                        </a:rPr>
+                        <m:t>𝑖𝑠𝑖𝑛</m:t>
+                      </m:r>
+                      <m:d>
+                        <m:dPr>
+                          <m:ctrlPr>
+                            <a:rPr lang="sk-SK" i="1">
+                              <a:latin typeface="Cambria Math" panose="02040503050406030204" pitchFamily="18" charset="0"/>
+                              <a:ea typeface="Cambria Math" panose="02040503050406030204" pitchFamily="18" charset="0"/>
+                            </a:rPr>
+                          </m:ctrlPr>
+                        </m:dPr>
+                        <m:e>
+                          <m:r>
+                            <a:rPr lang="sk-SK" i="1">
+                              <a:latin typeface="Cambria Math" panose="02040503050406030204" pitchFamily="18" charset="0"/>
+                              <a:ea typeface="Cambria Math" panose="02040503050406030204" pitchFamily="18" charset="0"/>
+                            </a:rPr>
+                            <m:t>𝜔</m:t>
+                          </m:r>
+                          <m:r>
+                            <a:rPr lang="sk-SK" i="1">
+                              <a:latin typeface="Cambria Math" panose="02040503050406030204" pitchFamily="18" charset="0"/>
+                              <a:ea typeface="Cambria Math" panose="02040503050406030204" pitchFamily="18" charset="0"/>
+                            </a:rPr>
+                            <m:t>𝑡</m:t>
+                          </m:r>
+                        </m:e>
+                      </m:d>
+                    </m:oMath>
+                  </m:oMathPara>
+                </a14:m>
+                <a:endParaRPr lang="sk-SK" dirty="0" smtClean="0"/>
+              </a:p>
+              <a:p>
+                <a:pPr marL="0" indent="0">
+                  <a:buNone/>
+                </a:pPr>
+                <a:r>
+                  <a:rPr lang="sk-SK" dirty="0" err="1" smtClean="0"/>
+                  <a:t>Kompelxná</a:t>
+                </a:r>
+                <a:r>
+                  <a:rPr lang="sk-SK" dirty="0" smtClean="0"/>
+                  <a:t> funkcia </a:t>
+                </a:r>
+                <a14:m>
+                  <m:oMath xmlns:m="http://schemas.openxmlformats.org/officeDocument/2006/math">
+                    <m:sSup>
+                      <m:sSupPr>
+                        <m:ctrlPr>
+                          <a:rPr lang="sk-SK" i="1">
+                            <a:latin typeface="Cambria Math" panose="02040503050406030204" pitchFamily="18" charset="0"/>
+                          </a:rPr>
+                        </m:ctrlPr>
+                      </m:sSupPr>
+                      <m:e>
+                        <m:r>
+                          <a:rPr lang="en-GB" i="1">
+                            <a:latin typeface="Cambria Math" panose="02040503050406030204" pitchFamily="18" charset="0"/>
+                          </a:rPr>
+                          <m:t>𝑒</m:t>
+                        </m:r>
+                      </m:e>
+                      <m:sup>
+                        <m:r>
+                          <a:rPr lang="en-GB" i="1">
+                            <a:latin typeface="Cambria Math" panose="02040503050406030204" pitchFamily="18" charset="0"/>
+                          </a:rPr>
+                          <m:t>−</m:t>
+                        </m:r>
+                        <m:r>
+                          <a:rPr lang="en-GB" i="1">
+                            <a:latin typeface="Cambria Math" panose="02040503050406030204" pitchFamily="18" charset="0"/>
+                          </a:rPr>
+                          <m:t>𝑠𝑡</m:t>
+                        </m:r>
+                      </m:sup>
+                    </m:sSup>
+                  </m:oMath>
+                </a14:m>
+                <a:r>
+                  <a:rPr lang="sk-SK" dirty="0" smtClean="0"/>
+                  <a:t> má teda dve zložky:</a:t>
+                </a:r>
+              </a:p>
+              <a:p>
+                <a:pPr lvl="1"/>
+                <a14:m>
+                  <m:oMath xmlns:m="http://schemas.openxmlformats.org/officeDocument/2006/math">
+                    <m:sSup>
+                      <m:sSupPr>
+                        <m:ctrlPr>
+                          <a:rPr lang="sk-SK" i="1">
+                            <a:latin typeface="Cambria Math" panose="02040503050406030204" pitchFamily="18" charset="0"/>
+                          </a:rPr>
+                        </m:ctrlPr>
+                      </m:sSupPr>
+                      <m:e>
+                        <m:r>
+                          <a:rPr lang="sk-SK" i="1">
+                            <a:latin typeface="Cambria Math" panose="02040503050406030204" pitchFamily="18" charset="0"/>
+                          </a:rPr>
+                          <m:t>𝑒</m:t>
+                        </m:r>
+                      </m:e>
+                      <m:sup>
+                        <m:r>
+                          <a:rPr lang="sk-SK" i="1">
+                            <a:latin typeface="Cambria Math" panose="02040503050406030204" pitchFamily="18" charset="0"/>
+                          </a:rPr>
+                          <m:t>−</m:t>
+                        </m:r>
+                        <m:r>
+                          <a:rPr lang="sk-SK" i="1">
+                            <a:latin typeface="Cambria Math" panose="02040503050406030204" pitchFamily="18" charset="0"/>
+                          </a:rPr>
+                          <m:t>𝑎𝑡</m:t>
+                        </m:r>
+                      </m:sup>
+                    </m:sSup>
+                  </m:oMath>
+                </a14:m>
+                <a:r>
+                  <a:rPr lang="sk-SK" dirty="0" smtClean="0"/>
+                  <a:t>-prechodovú alebo analogicky jednosmernú</a:t>
+                </a:r>
+              </a:p>
+              <a:p>
+                <a:pPr lvl="1"/>
+                <a14:m>
+                  <m:oMath xmlns:m="http://schemas.openxmlformats.org/officeDocument/2006/math">
+                    <m:sSup>
+                      <m:sSupPr>
+                        <m:ctrlPr>
+                          <a:rPr lang="sk-SK" i="1">
+                            <a:latin typeface="Cambria Math" panose="02040503050406030204" pitchFamily="18" charset="0"/>
+                          </a:rPr>
+                        </m:ctrlPr>
+                      </m:sSupPr>
+                      <m:e>
+                        <m:r>
+                          <a:rPr lang="sk-SK" i="1">
+                            <a:latin typeface="Cambria Math" panose="02040503050406030204" pitchFamily="18" charset="0"/>
+                          </a:rPr>
+                          <m:t>𝑒</m:t>
+                        </m:r>
+                      </m:e>
+                      <m:sup>
+                        <m:r>
+                          <a:rPr lang="sk-SK" i="1">
+                            <a:latin typeface="Cambria Math" panose="02040503050406030204" pitchFamily="18" charset="0"/>
+                          </a:rPr>
+                          <m:t>−</m:t>
+                        </m:r>
+                        <m:r>
+                          <a:rPr lang="sk-SK" i="1">
+                            <a:latin typeface="Cambria Math" panose="02040503050406030204" pitchFamily="18" charset="0"/>
+                          </a:rPr>
+                          <m:t>𝑖</m:t>
+                        </m:r>
+                        <m:r>
+                          <a:rPr lang="sk-SK" i="1">
+                            <a:latin typeface="Cambria Math" panose="02040503050406030204" pitchFamily="18" charset="0"/>
+                            <a:ea typeface="Cambria Math" panose="02040503050406030204" pitchFamily="18" charset="0"/>
+                          </a:rPr>
+                          <m:t>𝜔</m:t>
+                        </m:r>
+                        <m:r>
+                          <a:rPr lang="sk-SK" i="1">
+                            <a:latin typeface="Cambria Math" panose="02040503050406030204" pitchFamily="18" charset="0"/>
+                            <a:ea typeface="Cambria Math" panose="02040503050406030204" pitchFamily="18" charset="0"/>
+                          </a:rPr>
+                          <m:t>𝑡</m:t>
+                        </m:r>
+                      </m:sup>
+                    </m:sSup>
+                  </m:oMath>
+                </a14:m>
+                <a:r>
+                  <a:rPr lang="sk-SK" dirty="0" smtClean="0"/>
+                  <a:t> - kmitavú alebo analogicky striedavú</a:t>
+                </a:r>
+              </a:p>
+              <a:p>
+                <a:pPr>
+                  <a:buFont typeface="Arial" panose="020B0604020202020204" pitchFamily="34" charset="0"/>
+                  <a:buChar char="•"/>
+                </a:pPr>
+                <a:r>
+                  <a:rPr lang="sk-SK" dirty="0" smtClean="0"/>
+                  <a:t>Samotná LPT tak realizuje integrál súčinu exponenciálnej funkcie s periodickými funkciami </a:t>
+                </a:r>
+                <a:r>
+                  <a:rPr lang="sk-SK" i="1" dirty="0" smtClean="0"/>
+                  <a:t>sin </a:t>
+                </a:r>
+                <a:r>
+                  <a:rPr lang="sk-SK" dirty="0" smtClean="0"/>
+                  <a:t>a</a:t>
+                </a:r>
+                <a:r>
+                  <a:rPr lang="sk-SK" i="1" dirty="0" smtClean="0"/>
+                  <a:t> cos </a:t>
+                </a:r>
+                <a:r>
+                  <a:rPr lang="sk-SK" dirty="0" smtClean="0"/>
+                  <a:t>za súčasného súčinu s časovým priebehom skúmaného signálu</a:t>
+                </a:r>
+              </a:p>
+              <a:p>
+                <a:pPr>
+                  <a:buFont typeface="Arial" panose="020B0604020202020204" pitchFamily="34" charset="0"/>
+                  <a:buChar char="•"/>
+                </a:pPr>
+                <a:r>
+                  <a:rPr lang="sk-SK" dirty="0" smtClean="0"/>
+                  <a:t> Na tento proces sa môžeme pozerať ako na koreláciu - hľadenie vzájomnej podobnosti reálneho signálu </a:t>
+                </a:r>
+                <a14:m>
+                  <m:oMath xmlns:m="http://schemas.openxmlformats.org/officeDocument/2006/math">
+                    <m:r>
+                      <a:rPr lang="en-GB" i="1">
+                        <a:latin typeface="Cambria Math" panose="02040503050406030204" pitchFamily="18" charset="0"/>
+                      </a:rPr>
+                      <m:t>𝑓</m:t>
+                    </m:r>
+                    <m:r>
+                      <a:rPr lang="en-GB" i="1">
+                        <a:latin typeface="Cambria Math" panose="02040503050406030204" pitchFamily="18" charset="0"/>
+                      </a:rPr>
+                      <m:t>(</m:t>
+                    </m:r>
+                    <m:r>
+                      <a:rPr lang="en-GB" i="1">
+                        <a:latin typeface="Cambria Math" panose="02040503050406030204" pitchFamily="18" charset="0"/>
+                      </a:rPr>
+                      <m:t>𝑡</m:t>
+                    </m:r>
+                    <m:r>
+                      <a:rPr lang="en-GB" i="1">
+                        <a:latin typeface="Cambria Math" panose="02040503050406030204" pitchFamily="18" charset="0"/>
+                      </a:rPr>
+                      <m:t>)</m:t>
+                    </m:r>
+                  </m:oMath>
+                </a14:m>
+                <a:r>
+                  <a:rPr lang="sk-SK" dirty="0" smtClean="0"/>
+                  <a:t> s exponenciálnou zložkou </a:t>
+                </a:r>
+                <a14:m>
+                  <m:oMath xmlns:m="http://schemas.openxmlformats.org/officeDocument/2006/math">
+                    <m:sSup>
+                      <m:sSupPr>
+                        <m:ctrlPr>
+                          <a:rPr lang="sk-SK" i="1">
+                            <a:latin typeface="Cambria Math" panose="02040503050406030204" pitchFamily="18" charset="0"/>
+                          </a:rPr>
+                        </m:ctrlPr>
+                      </m:sSupPr>
+                      <m:e>
+                        <m:r>
+                          <a:rPr lang="sk-SK" i="1">
+                            <a:latin typeface="Cambria Math" panose="02040503050406030204" pitchFamily="18" charset="0"/>
+                          </a:rPr>
+                          <m:t>𝑒</m:t>
+                        </m:r>
+                      </m:e>
+                      <m:sup>
+                        <m:r>
+                          <a:rPr lang="sk-SK" i="1">
+                            <a:latin typeface="Cambria Math" panose="02040503050406030204" pitchFamily="18" charset="0"/>
+                          </a:rPr>
+                          <m:t>−</m:t>
+                        </m:r>
+                        <m:r>
+                          <a:rPr lang="sk-SK" i="1">
+                            <a:latin typeface="Cambria Math" panose="02040503050406030204" pitchFamily="18" charset="0"/>
+                          </a:rPr>
+                          <m:t>𝑎𝑡</m:t>
+                        </m:r>
+                      </m:sup>
+                    </m:sSup>
+                  </m:oMath>
+                </a14:m>
+                <a:r>
+                  <a:rPr lang="sk-SK" dirty="0" smtClean="0"/>
+                  <a:t> a s kmitavou zložkou </a:t>
+                </a:r>
+                <a14:m>
+                  <m:oMath xmlns:m="http://schemas.openxmlformats.org/officeDocument/2006/math">
+                    <m:sSup>
+                      <m:sSupPr>
+                        <m:ctrlPr>
+                          <a:rPr lang="sk-SK" i="1">
+                            <a:latin typeface="Cambria Math" panose="02040503050406030204" pitchFamily="18" charset="0"/>
+                          </a:rPr>
+                        </m:ctrlPr>
+                      </m:sSupPr>
+                      <m:e>
+                        <m:r>
+                          <a:rPr lang="sk-SK" i="1">
+                            <a:latin typeface="Cambria Math" panose="02040503050406030204" pitchFamily="18" charset="0"/>
+                          </a:rPr>
+                          <m:t>𝑒</m:t>
+                        </m:r>
+                      </m:e>
+                      <m:sup>
+                        <m:r>
+                          <a:rPr lang="sk-SK" i="1">
+                            <a:latin typeface="Cambria Math" panose="02040503050406030204" pitchFamily="18" charset="0"/>
+                          </a:rPr>
+                          <m:t>−</m:t>
+                        </m:r>
+                        <m:r>
+                          <a:rPr lang="sk-SK" i="1">
+                            <a:latin typeface="Cambria Math" panose="02040503050406030204" pitchFamily="18" charset="0"/>
+                          </a:rPr>
+                          <m:t>𝑖</m:t>
+                        </m:r>
+                        <m:r>
+                          <a:rPr lang="sk-SK" i="1">
+                            <a:latin typeface="Cambria Math" panose="02040503050406030204" pitchFamily="18" charset="0"/>
+                            <a:ea typeface="Cambria Math" panose="02040503050406030204" pitchFamily="18" charset="0"/>
+                          </a:rPr>
+                          <m:t>𝜔</m:t>
+                        </m:r>
+                        <m:r>
+                          <a:rPr lang="sk-SK" i="1">
+                            <a:latin typeface="Cambria Math" panose="02040503050406030204" pitchFamily="18" charset="0"/>
+                            <a:ea typeface="Cambria Math" panose="02040503050406030204" pitchFamily="18" charset="0"/>
+                          </a:rPr>
+                          <m:t>𝑡</m:t>
+                        </m:r>
+                      </m:sup>
+                    </m:sSup>
+                  </m:oMath>
+                </a14:m>
+                <a:r>
+                  <a:rPr lang="sk-SK" dirty="0" smtClean="0"/>
+                  <a:t> , ktorú tvoria trigonometrické funkcie.</a:t>
+                </a:r>
+              </a:p>
+              <a:p>
+                <a:pPr>
+                  <a:buFont typeface="Arial" panose="020B0604020202020204" pitchFamily="34" charset="0"/>
+                  <a:buChar char="•"/>
+                </a:pPr>
+                <a:endParaRPr lang="sk-SK" dirty="0" smtClean="0"/>
+              </a:p>
+              <a:p>
+                <a:pPr>
+                  <a:buFont typeface="Arial" panose="020B0604020202020204" pitchFamily="34" charset="0"/>
+                  <a:buChar char="•"/>
+                </a:pPr>
+                <a:endParaRPr lang="sk-SK" dirty="0"/>
+              </a:p>
+            </p:txBody>
+          </p:sp>
+        </mc:Choice>
+        <mc:Fallback>
+          <p:sp>
+            <p:nvSpPr>
+              <p:cNvPr id="3" name="Zástupný symbol obsahu 2"/>
+              <p:cNvSpPr>
+                <a:spLocks noGrp="1" noRot="1" noChangeAspect="1" noMove="1" noResize="1" noEditPoints="1" noAdjustHandles="1" noChangeArrowheads="1" noChangeShapeType="1" noTextEdit="1"/>
+              </p:cNvSpPr>
+              <p:nvPr>
+                <p:ph idx="1"/>
+              </p:nvPr>
+            </p:nvSpPr>
+            <p:spPr>
+              <a:xfrm>
+                <a:off x="393699" y="1040446"/>
+                <a:ext cx="8356599" cy="5648678"/>
+              </a:xfrm>
+              <a:blipFill rotWithShape="0">
+                <a:blip r:embed="rId2"/>
+                <a:stretch>
+                  <a:fillRect l="-1825" b="-108"/>
+                </a:stretch>
+              </a:blipFill>
+            </p:spPr>
+            <p:txBody>
+              <a:bodyPr/>
+              <a:lstStyle/>
+              <a:p>
+                <a:r>
+                  <a:rPr lang="sk-SK">
+                    <a:noFill/>
+                  </a:rPr>
+                  <a:t> </a:t>
+                </a:r>
+              </a:p>
+            </p:txBody>
+          </p:sp>
+        </mc:Fallback>
+      </mc:AlternateContent>
     </p:spTree>
     <p:extLst>
       <p:ext uri="{BB962C8B-B14F-4D97-AF65-F5344CB8AC3E}">
-        <p14:creationId xmlns:p14="http://schemas.microsoft.com/office/powerpoint/2010/main" val="3601500393"/>
+        <p14:creationId xmlns:p14="http://schemas.microsoft.com/office/powerpoint/2010/main" val="3627877718"/>
       </p:ext>
     </p:extLst>
   </p:cSld>
@@ -6101,20 +7380,30 @@
         </p:nvSpPr>
         <p:spPr/>
         <p:txBody>
-          <a:bodyPr/>
+          <a:bodyPr>
+            <a:normAutofit fontScale="90000"/>
+          </a:bodyPr>
           <a:lstStyle/>
           <a:p>
             <a:r>
               <a:rPr lang="sk-SK" dirty="0" smtClean="0"/>
-              <a:t>Inverzná </a:t>
+              <a:t>Vzťah </a:t>
             </a:r>
             <a:r>
               <a:rPr lang="sk-SK" dirty="0" err="1" smtClean="0"/>
-              <a:t>Laplaceova</a:t>
-            </a:r>
-            <a:r>
-              <a:rPr lang="sk-SK" dirty="0" smtClean="0"/>
-              <a:t> transformácia</a:t>
+              <a:t>Laplaceovej</a:t>
+            </a:r>
+            <a:r>
+              <a:rPr lang="sk-SK" dirty="0" smtClean="0"/>
+              <a:t> a </a:t>
+            </a:r>
+            <a:r>
+              <a:rPr lang="sk-SK" dirty="0" err="1" smtClean="0"/>
+              <a:t>Fourierovej</a:t>
+            </a:r>
+            <a:r>
+              <a:rPr lang="sk-SK" dirty="0" smtClean="0"/>
+              <a:t> transformácie</a:t>
             </a:r>
             <a:endParaRPr lang="sk-SK" dirty="0"/>
           </a:p>
@@ -6142,7 +7431,7 @@
     </p:spTree>
     <p:extLst>
       <p:ext uri="{BB962C8B-B14F-4D97-AF65-F5344CB8AC3E}">
-        <p14:creationId xmlns:p14="http://schemas.microsoft.com/office/powerpoint/2010/main" val="3642990468"/>
+        <p14:creationId xmlns:p14="http://schemas.microsoft.com/office/powerpoint/2010/main" val="1465604134"/>
       </p:ext>
     </p:extLst>
   </p:cSld>
@@ -6181,40 +7470,757 @@
         </p:nvSpPr>
         <p:spPr/>
         <p:txBody>
-          <a:bodyPr/>
+          <a:bodyPr>
+            <a:normAutofit/>
+          </a:bodyPr>
           <a:lstStyle/>
           <a:p>
             <a:r>
               <a:rPr lang="sk-SK" dirty="0" smtClean="0"/>
-              <a:t>Rozklad na parciálne zlomky</a:t>
+              <a:t>Opakovanie  - matematická analýza</a:t>
             </a:r>
             <a:endParaRPr lang="sk-SK" dirty="0"/>
           </a:p>
         </p:txBody>
       </p:sp>
-      <p:sp>
-        <p:nvSpPr>
-          <p:cNvPr id="3" name="Zástupný symbol obsahu 2"/>
-          <p:cNvSpPr>
-            <a:spLocks noGrp="1"/>
-          </p:cNvSpPr>
-          <p:nvPr>
-            <p:ph idx="1"/>
-          </p:nvPr>
-        </p:nvSpPr>
-        <p:spPr/>
-        <p:txBody>
-          <a:bodyPr/>
-          <a:lstStyle/>
-          <a:p>
-            <a:endParaRPr lang="sk-SK"/>
-          </a:p>
-        </p:txBody>
-      </p:sp>
+      <mc:AlternateContent xmlns:mc="http://schemas.openxmlformats.org/markup-compatibility/2006">
+        <mc:Choice xmlns:a14="http://schemas.microsoft.com/office/drawing/2010/main" Requires="a14">
+          <p:sp>
+            <p:nvSpPr>
+              <p:cNvPr id="3" name="Zástupný symbol obsahu 2"/>
+              <p:cNvSpPr>
+                <a:spLocks noGrp="1"/>
+              </p:cNvSpPr>
+              <p:nvPr>
+                <p:ph idx="1"/>
+              </p:nvPr>
+            </p:nvSpPr>
+            <p:spPr/>
+            <p:txBody>
+              <a:bodyPr/>
+              <a:lstStyle/>
+              <a:p>
+                <a:pPr>
+                  <a:buFont typeface="Arial" panose="020B0604020202020204" pitchFamily="34" charset="0"/>
+                  <a:buChar char="•"/>
+                </a:pPr>
+                <a:r>
+                  <a:rPr lang="sk-SK" dirty="0" smtClean="0"/>
+                  <a:t>Integrál Per </a:t>
+                </a:r>
+                <a:r>
+                  <a:rPr lang="sk-SK" dirty="0" err="1"/>
+                  <a:t>Partes</a:t>
+                </a:r>
+                <a:r>
+                  <a:rPr lang="sk-SK" dirty="0"/>
+                  <a:t> </a:t>
+                </a:r>
+                <a:endParaRPr lang="sk-SK" dirty="0" smtClean="0"/>
+              </a:p>
+              <a:p>
+                <a:pPr>
+                  <a:buFont typeface="Arial" panose="020B0604020202020204" pitchFamily="34" charset="0"/>
+                  <a:buChar char="•"/>
+                </a:pPr>
+                <a:endParaRPr lang="sk-SK" dirty="0" smtClean="0"/>
+              </a:p>
+              <a:p>
+                <a:pPr marL="0" indent="0">
+                  <a:buNone/>
+                </a:pPr>
+                <a14:m>
+                  <m:oMathPara xmlns:m="http://schemas.openxmlformats.org/officeDocument/2006/math">
+                    <m:oMathParaPr>
+                      <m:jc m:val="centerGroup"/>
+                    </m:oMathParaPr>
+                    <m:oMath xmlns:m="http://schemas.openxmlformats.org/officeDocument/2006/math">
+                      <m:nary>
+                        <m:naryPr>
+                          <m:limLoc m:val="undOvr"/>
+                          <m:subHide m:val="on"/>
+                          <m:supHide m:val="on"/>
+                          <m:ctrlPr>
+                            <a:rPr lang="sk-SK" i="1" smtClean="0">
+                              <a:latin typeface="Cambria Math" panose="02040503050406030204" pitchFamily="18" charset="0"/>
+                            </a:rPr>
+                          </m:ctrlPr>
+                        </m:naryPr>
+                        <m:sub/>
+                        <m:sup/>
+                        <m:e>
+                          <m:sSub>
+                            <m:sSubPr>
+                              <m:ctrlPr>
+                                <a:rPr lang="sk-SK" i="1" smtClean="0">
+                                  <a:latin typeface="Cambria Math" panose="02040503050406030204" pitchFamily="18" charset="0"/>
+                                </a:rPr>
+                              </m:ctrlPr>
+                            </m:sSubPr>
+                            <m:e>
+                              <m:sSup>
+                                <m:sSupPr>
+                                  <m:ctrlPr>
+                                    <a:rPr lang="sk-SK" i="1">
+                                      <a:latin typeface="Cambria Math" panose="02040503050406030204" pitchFamily="18" charset="0"/>
+                                    </a:rPr>
+                                  </m:ctrlPr>
+                                </m:sSupPr>
+                                <m:e>
+                                  <m:r>
+                                    <a:rPr lang="en-US" i="1">
+                                      <a:latin typeface="Cambria Math" panose="02040503050406030204" pitchFamily="18" charset="0"/>
+                                    </a:rPr>
+                                    <m:t>𝑢</m:t>
+                                  </m:r>
+                                </m:e>
+                                <m:sup>
+                                  <m:r>
+                                    <a:rPr lang="en-US" i="1">
+                                      <a:latin typeface="Cambria Math" panose="02040503050406030204" pitchFamily="18" charset="0"/>
+                                    </a:rPr>
+                                    <m:t>′</m:t>
+                                  </m:r>
+                                </m:sup>
+                              </m:sSup>
+                            </m:e>
+                            <m:sub>
+                              <m:r>
+                                <a:rPr lang="en-US" i="1">
+                                  <a:latin typeface="Cambria Math" panose="02040503050406030204" pitchFamily="18" charset="0"/>
+                                </a:rPr>
+                                <m:t>(</m:t>
+                              </m:r>
+                              <m:r>
+                                <a:rPr lang="en-US" i="1">
+                                  <a:latin typeface="Cambria Math" panose="02040503050406030204" pitchFamily="18" charset="0"/>
+                                </a:rPr>
+                                <m:t>𝑥</m:t>
+                              </m:r>
+                              <m:r>
+                                <a:rPr lang="en-US" i="1">
+                                  <a:latin typeface="Cambria Math" panose="02040503050406030204" pitchFamily="18" charset="0"/>
+                                </a:rPr>
+                                <m:t>)</m:t>
+                              </m:r>
+                            </m:sub>
+                          </m:sSub>
+                          <m:r>
+                            <a:rPr lang="sk-SK" i="1" smtClean="0">
+                              <a:latin typeface="Cambria Math" panose="02040503050406030204" pitchFamily="18" charset="0"/>
+                            </a:rPr>
+                            <m:t> </m:t>
+                          </m:r>
+                          <m:sSub>
+                            <m:sSubPr>
+                              <m:ctrlPr>
+                                <a:rPr lang="sk-SK" i="1" smtClean="0">
+                                  <a:latin typeface="Cambria Math" panose="02040503050406030204" pitchFamily="18" charset="0"/>
+                                </a:rPr>
+                              </m:ctrlPr>
+                            </m:sSubPr>
+                            <m:e>
+                              <m:r>
+                                <a:rPr lang="en-US" b="0" i="1" smtClean="0">
+                                  <a:latin typeface="Cambria Math" panose="02040503050406030204" pitchFamily="18" charset="0"/>
+                                </a:rPr>
+                                <m:t>𝑣</m:t>
+                              </m:r>
+                            </m:e>
+                            <m:sub>
+                              <m:r>
+                                <a:rPr lang="en-US" i="1">
+                                  <a:latin typeface="Cambria Math" panose="02040503050406030204" pitchFamily="18" charset="0"/>
+                                </a:rPr>
+                                <m:t>(</m:t>
+                              </m:r>
+                              <m:r>
+                                <a:rPr lang="en-US" i="1">
+                                  <a:latin typeface="Cambria Math" panose="02040503050406030204" pitchFamily="18" charset="0"/>
+                                </a:rPr>
+                                <m:t>𝑥</m:t>
+                              </m:r>
+                              <m:r>
+                                <a:rPr lang="en-US" i="1">
+                                  <a:latin typeface="Cambria Math" panose="02040503050406030204" pitchFamily="18" charset="0"/>
+                                </a:rPr>
+                                <m:t>)</m:t>
+                              </m:r>
+                            </m:sub>
+                          </m:sSub>
+                        </m:e>
+                      </m:nary>
+                      <m:r>
+                        <a:rPr lang="en-US" b="0" i="1" smtClean="0">
+                          <a:latin typeface="Cambria Math" panose="02040503050406030204" pitchFamily="18" charset="0"/>
+                        </a:rPr>
+                        <m:t>𝑑𝑥</m:t>
+                      </m:r>
+                      <m:r>
+                        <a:rPr lang="en-US" b="0" i="1" smtClean="0">
+                          <a:latin typeface="Cambria Math" panose="02040503050406030204" pitchFamily="18" charset="0"/>
+                        </a:rPr>
+                        <m:t>=</m:t>
+                      </m:r>
+                      <m:sSub>
+                        <m:sSubPr>
+                          <m:ctrlPr>
+                            <a:rPr lang="sk-SK" i="1">
+                              <a:latin typeface="Cambria Math" panose="02040503050406030204" pitchFamily="18" charset="0"/>
+                            </a:rPr>
+                          </m:ctrlPr>
+                        </m:sSubPr>
+                        <m:e>
+                          <m:r>
+                            <a:rPr lang="en-US" b="0" i="1" smtClean="0">
+                              <a:latin typeface="Cambria Math" panose="02040503050406030204" pitchFamily="18" charset="0"/>
+                            </a:rPr>
+                            <m:t>𝑢</m:t>
+                          </m:r>
+                        </m:e>
+                        <m:sub>
+                          <m:r>
+                            <a:rPr lang="en-US" i="1">
+                              <a:latin typeface="Cambria Math" panose="02040503050406030204" pitchFamily="18" charset="0"/>
+                            </a:rPr>
+                            <m:t>(</m:t>
+                          </m:r>
+                          <m:r>
+                            <a:rPr lang="en-US" i="1">
+                              <a:latin typeface="Cambria Math" panose="02040503050406030204" pitchFamily="18" charset="0"/>
+                            </a:rPr>
+                            <m:t>𝑥</m:t>
+                          </m:r>
+                          <m:r>
+                            <a:rPr lang="en-US" i="1">
+                              <a:latin typeface="Cambria Math" panose="02040503050406030204" pitchFamily="18" charset="0"/>
+                            </a:rPr>
+                            <m:t>)</m:t>
+                          </m:r>
+                        </m:sub>
+                      </m:sSub>
+                      <m:r>
+                        <a:rPr lang="sk-SK" i="1">
+                          <a:latin typeface="Cambria Math" panose="02040503050406030204" pitchFamily="18" charset="0"/>
+                        </a:rPr>
+                        <m:t> </m:t>
+                      </m:r>
+                      <m:sSub>
+                        <m:sSubPr>
+                          <m:ctrlPr>
+                            <a:rPr lang="sk-SK" i="1">
+                              <a:latin typeface="Cambria Math" panose="02040503050406030204" pitchFamily="18" charset="0"/>
+                            </a:rPr>
+                          </m:ctrlPr>
+                        </m:sSubPr>
+                        <m:e>
+                          <m:r>
+                            <a:rPr lang="en-US" i="1">
+                              <a:latin typeface="Cambria Math" panose="02040503050406030204" pitchFamily="18" charset="0"/>
+                            </a:rPr>
+                            <m:t>𝑣</m:t>
+                          </m:r>
+                        </m:e>
+                        <m:sub>
+                          <m:r>
+                            <a:rPr lang="en-US" i="1">
+                              <a:latin typeface="Cambria Math" panose="02040503050406030204" pitchFamily="18" charset="0"/>
+                            </a:rPr>
+                            <m:t>(</m:t>
+                          </m:r>
+                          <m:r>
+                            <a:rPr lang="en-US" i="1">
+                              <a:latin typeface="Cambria Math" panose="02040503050406030204" pitchFamily="18" charset="0"/>
+                            </a:rPr>
+                            <m:t>𝑥</m:t>
+                          </m:r>
+                          <m:r>
+                            <a:rPr lang="en-US" i="1">
+                              <a:latin typeface="Cambria Math" panose="02040503050406030204" pitchFamily="18" charset="0"/>
+                            </a:rPr>
+                            <m:t>)</m:t>
+                          </m:r>
+                        </m:sub>
+                      </m:sSub>
+                      <m:r>
+                        <a:rPr lang="en-US" b="0" i="1" smtClean="0">
+                          <a:latin typeface="Cambria Math" panose="02040503050406030204" pitchFamily="18" charset="0"/>
+                        </a:rPr>
+                        <m:t>−</m:t>
+                      </m:r>
+                      <m:nary>
+                        <m:naryPr>
+                          <m:limLoc m:val="undOvr"/>
+                          <m:subHide m:val="on"/>
+                          <m:supHide m:val="on"/>
+                          <m:ctrlPr>
+                            <a:rPr lang="sk-SK" i="1">
+                              <a:latin typeface="Cambria Math" panose="02040503050406030204" pitchFamily="18" charset="0"/>
+                            </a:rPr>
+                          </m:ctrlPr>
+                        </m:naryPr>
+                        <m:sub/>
+                        <m:sup/>
+                        <m:e>
+                          <m:sSub>
+                            <m:sSubPr>
+                              <m:ctrlPr>
+                                <a:rPr lang="sk-SK" i="1">
+                                  <a:latin typeface="Cambria Math" panose="02040503050406030204" pitchFamily="18" charset="0"/>
+                                </a:rPr>
+                              </m:ctrlPr>
+                            </m:sSubPr>
+                            <m:e>
+                              <m:r>
+                                <a:rPr lang="en-US" b="0" i="1" smtClean="0">
+                                  <a:latin typeface="Cambria Math" panose="02040503050406030204" pitchFamily="18" charset="0"/>
+                                </a:rPr>
+                                <m:t>𝑢</m:t>
+                              </m:r>
+                            </m:e>
+                            <m:sub>
+                              <m:r>
+                                <a:rPr lang="en-US" i="1">
+                                  <a:latin typeface="Cambria Math" panose="02040503050406030204" pitchFamily="18" charset="0"/>
+                                </a:rPr>
+                                <m:t>(</m:t>
+                              </m:r>
+                              <m:r>
+                                <a:rPr lang="en-US" i="1">
+                                  <a:latin typeface="Cambria Math" panose="02040503050406030204" pitchFamily="18" charset="0"/>
+                                </a:rPr>
+                                <m:t>𝑥</m:t>
+                              </m:r>
+                              <m:r>
+                                <a:rPr lang="en-US" i="1">
+                                  <a:latin typeface="Cambria Math" panose="02040503050406030204" pitchFamily="18" charset="0"/>
+                                </a:rPr>
+                                <m:t>)</m:t>
+                              </m:r>
+                            </m:sub>
+                          </m:sSub>
+                          <m:r>
+                            <a:rPr lang="sk-SK" i="1">
+                              <a:latin typeface="Cambria Math" panose="02040503050406030204" pitchFamily="18" charset="0"/>
+                            </a:rPr>
+                            <m:t> </m:t>
+                          </m:r>
+                          <m:sSubSup>
+                            <m:sSubSupPr>
+                              <m:ctrlPr>
+                                <a:rPr lang="sk-SK" i="1" smtClean="0">
+                                  <a:latin typeface="Cambria Math" panose="02040503050406030204" pitchFamily="18" charset="0"/>
+                                </a:rPr>
+                              </m:ctrlPr>
+                            </m:sSubSupPr>
+                            <m:e>
+                              <m:r>
+                                <a:rPr lang="en-US" b="0" i="1" smtClean="0">
+                                  <a:latin typeface="Cambria Math" panose="02040503050406030204" pitchFamily="18" charset="0"/>
+                                </a:rPr>
+                                <m:t>𝑣</m:t>
+                              </m:r>
+                            </m:e>
+                            <m:sub>
+                              <m:r>
+                                <a:rPr lang="en-US" b="0" i="1" smtClean="0">
+                                  <a:latin typeface="Cambria Math" panose="02040503050406030204" pitchFamily="18" charset="0"/>
+                                </a:rPr>
+                                <m:t>(</m:t>
+                              </m:r>
+                              <m:r>
+                                <a:rPr lang="en-US" b="0" i="1" smtClean="0">
+                                  <a:latin typeface="Cambria Math" panose="02040503050406030204" pitchFamily="18" charset="0"/>
+                                </a:rPr>
+                                <m:t>𝑥</m:t>
+                              </m:r>
+                              <m:r>
+                                <a:rPr lang="en-US" b="0" i="1" smtClean="0">
+                                  <a:latin typeface="Cambria Math" panose="02040503050406030204" pitchFamily="18" charset="0"/>
+                                </a:rPr>
+                                <m:t>)</m:t>
+                              </m:r>
+                            </m:sub>
+                            <m:sup>
+                              <m:r>
+                                <a:rPr lang="en-US" b="0" i="1" smtClean="0">
+                                  <a:latin typeface="Cambria Math" panose="02040503050406030204" pitchFamily="18" charset="0"/>
+                                </a:rPr>
+                                <m:t>′</m:t>
+                              </m:r>
+                            </m:sup>
+                          </m:sSubSup>
+                          <m:r>
+                            <a:rPr lang="en-US" b="0" i="1" smtClean="0">
+                              <a:latin typeface="Cambria Math" panose="02040503050406030204" pitchFamily="18" charset="0"/>
+                            </a:rPr>
+                            <m:t>𝑑𝑥</m:t>
+                          </m:r>
+                        </m:e>
+                      </m:nary>
+                    </m:oMath>
+                  </m:oMathPara>
+                </a14:m>
+                <a:endParaRPr lang="sk-SK" dirty="0" smtClean="0"/>
+              </a:p>
+              <a:p>
+                <a:pPr marL="0" indent="0">
+                  <a:buNone/>
+                </a:pPr>
+                <a:endParaRPr lang="sk-SK" dirty="0" smtClean="0"/>
+              </a:p>
+              <a:p>
+                <a:pPr>
+                  <a:buFont typeface="Arial" panose="020B0604020202020204" pitchFamily="34" charset="0"/>
+                  <a:buChar char="•"/>
+                </a:pPr>
+                <a:r>
+                  <a:rPr lang="sk-SK" dirty="0" smtClean="0"/>
+                  <a:t>Integrál</a:t>
+                </a:r>
+                <a:r>
+                  <a:rPr lang="en-US" dirty="0" smtClean="0"/>
+                  <a:t> </a:t>
+                </a:r>
+                <a:r>
+                  <a:rPr lang="en-US" dirty="0" err="1" smtClean="0"/>
+                  <a:t>exponenc</a:t>
+                </a:r>
+                <a:r>
+                  <a:rPr lang="sk-SK" dirty="0" err="1" smtClean="0"/>
+                  <a:t>álnej</a:t>
+                </a:r>
+                <a:r>
+                  <a:rPr lang="sk-SK" dirty="0" smtClean="0"/>
+                  <a:t> funkcie</a:t>
+                </a:r>
+              </a:p>
+              <a:p>
+                <a:pPr marL="0" indent="0">
+                  <a:buNone/>
+                </a:pPr>
+                <a14:m>
+                  <m:oMathPara xmlns:m="http://schemas.openxmlformats.org/officeDocument/2006/math">
+                    <m:oMathParaPr>
+                      <m:jc m:val="centerGroup"/>
+                    </m:oMathParaPr>
+                    <m:oMath xmlns:m="http://schemas.openxmlformats.org/officeDocument/2006/math">
+                      <m:nary>
+                        <m:naryPr>
+                          <m:limLoc m:val="undOvr"/>
+                          <m:subHide m:val="on"/>
+                          <m:supHide m:val="on"/>
+                          <m:ctrlPr>
+                            <a:rPr lang="sk-SK" i="1" smtClean="0">
+                              <a:latin typeface="Cambria Math" panose="02040503050406030204" pitchFamily="18" charset="0"/>
+                            </a:rPr>
+                          </m:ctrlPr>
+                        </m:naryPr>
+                        <m:sub/>
+                        <m:sup/>
+                        <m:e>
+                          <m:sSup>
+                            <m:sSupPr>
+                              <m:ctrlPr>
+                                <a:rPr lang="sk-SK" i="1" smtClean="0">
+                                  <a:latin typeface="Cambria Math" panose="02040503050406030204" pitchFamily="18" charset="0"/>
+                                </a:rPr>
+                              </m:ctrlPr>
+                            </m:sSupPr>
+                            <m:e>
+                              <m:r>
+                                <a:rPr lang="sk-SK" b="0" i="1" smtClean="0">
+                                  <a:latin typeface="Cambria Math" panose="02040503050406030204" pitchFamily="18" charset="0"/>
+                                </a:rPr>
+                                <m:t>𝑒</m:t>
+                              </m:r>
+                            </m:e>
+                            <m:sup>
+                              <m:r>
+                                <a:rPr lang="sk-SK" b="0" i="1" smtClean="0">
+                                  <a:latin typeface="Cambria Math" panose="02040503050406030204" pitchFamily="18" charset="0"/>
+                                </a:rPr>
+                                <m:t>𝑘𝑥</m:t>
+                              </m:r>
+                            </m:sup>
+                          </m:sSup>
+                          <m:r>
+                            <a:rPr lang="sk-SK" b="0" i="1" smtClean="0">
+                              <a:latin typeface="Cambria Math" panose="02040503050406030204" pitchFamily="18" charset="0"/>
+                            </a:rPr>
+                            <m:t>𝑑𝑥</m:t>
+                          </m:r>
+                          <m:r>
+                            <a:rPr lang="sk-SK" b="0" i="1" smtClean="0">
+                              <a:latin typeface="Cambria Math" panose="02040503050406030204" pitchFamily="18" charset="0"/>
+                            </a:rPr>
+                            <m:t>=</m:t>
+                          </m:r>
+                          <m:f>
+                            <m:fPr>
+                              <m:ctrlPr>
+                                <a:rPr lang="sk-SK" b="0" i="1" smtClean="0">
+                                  <a:latin typeface="Cambria Math" panose="02040503050406030204" pitchFamily="18" charset="0"/>
+                                </a:rPr>
+                              </m:ctrlPr>
+                            </m:fPr>
+                            <m:num>
+                              <m:r>
+                                <a:rPr lang="en-US" b="0" i="1" smtClean="0">
+                                  <a:latin typeface="Cambria Math" panose="02040503050406030204" pitchFamily="18" charset="0"/>
+                                </a:rPr>
+                                <m:t>1</m:t>
+                              </m:r>
+                            </m:num>
+                            <m:den>
+                              <m:r>
+                                <a:rPr lang="en-US" b="0" i="1" smtClean="0">
+                                  <a:latin typeface="Cambria Math" panose="02040503050406030204" pitchFamily="18" charset="0"/>
+                                </a:rPr>
+                                <m:t>𝑘</m:t>
+                              </m:r>
+                            </m:den>
+                          </m:f>
+                        </m:e>
+                      </m:nary>
+                      <m:sSup>
+                        <m:sSupPr>
+                          <m:ctrlPr>
+                            <a:rPr lang="sk-SK" i="1">
+                              <a:latin typeface="Cambria Math" panose="02040503050406030204" pitchFamily="18" charset="0"/>
+                            </a:rPr>
+                          </m:ctrlPr>
+                        </m:sSupPr>
+                        <m:e>
+                          <m:r>
+                            <a:rPr lang="sk-SK" i="1">
+                              <a:latin typeface="Cambria Math" panose="02040503050406030204" pitchFamily="18" charset="0"/>
+                            </a:rPr>
+                            <m:t>𝑒</m:t>
+                          </m:r>
+                        </m:e>
+                        <m:sup>
+                          <m:r>
+                            <a:rPr lang="sk-SK" i="1">
+                              <a:latin typeface="Cambria Math" panose="02040503050406030204" pitchFamily="18" charset="0"/>
+                            </a:rPr>
+                            <m:t>𝑘𝑥</m:t>
+                          </m:r>
+                        </m:sup>
+                      </m:sSup>
+                    </m:oMath>
+                  </m:oMathPara>
+                </a14:m>
+                <a:endParaRPr lang="en-US" dirty="0" smtClean="0"/>
+              </a:p>
+              <a:p>
+                <a:pPr>
+                  <a:buFont typeface="Arial" panose="020B0604020202020204" pitchFamily="34" charset="0"/>
+                  <a:buChar char="•"/>
+                </a:pPr>
+                <a:r>
+                  <a:rPr lang="en-US" dirty="0" err="1" smtClean="0"/>
+                  <a:t>Deriv</a:t>
+                </a:r>
+                <a:r>
+                  <a:rPr lang="sk-SK" dirty="0" err="1" smtClean="0"/>
+                  <a:t>ácia</a:t>
+                </a:r>
+                <a:r>
+                  <a:rPr lang="en-US" dirty="0" smtClean="0"/>
+                  <a:t> </a:t>
+                </a:r>
+                <a:r>
+                  <a:rPr lang="en-US" dirty="0" err="1"/>
+                  <a:t>exponenc</a:t>
+                </a:r>
+                <a:r>
+                  <a:rPr lang="sk-SK" dirty="0" err="1"/>
+                  <a:t>álnej</a:t>
+                </a:r>
+                <a:r>
+                  <a:rPr lang="sk-SK" dirty="0"/>
+                  <a:t> </a:t>
+                </a:r>
+                <a:r>
+                  <a:rPr lang="sk-SK" dirty="0" smtClean="0"/>
+                  <a:t>funkcie</a:t>
+                </a:r>
+              </a:p>
+              <a:p>
+                <a:pPr marL="0" indent="0">
+                  <a:buNone/>
+                </a:pPr>
+                <a14:m>
+                  <m:oMathPara xmlns:m="http://schemas.openxmlformats.org/officeDocument/2006/math">
+                    <m:oMathParaPr>
+                      <m:jc m:val="centerGroup"/>
+                    </m:oMathParaPr>
+                    <m:oMath xmlns:m="http://schemas.openxmlformats.org/officeDocument/2006/math">
+                      <m:f>
+                        <m:fPr>
+                          <m:ctrlPr>
+                            <a:rPr lang="sk-SK" i="1" smtClean="0">
+                              <a:latin typeface="Cambria Math" panose="02040503050406030204" pitchFamily="18" charset="0"/>
+                            </a:rPr>
+                          </m:ctrlPr>
+                        </m:fPr>
+                        <m:num>
+                          <m:r>
+                            <a:rPr lang="sk-SK" b="0" i="1" smtClean="0">
+                              <a:latin typeface="Cambria Math" panose="02040503050406030204" pitchFamily="18" charset="0"/>
+                            </a:rPr>
+                            <m:t>𝑑</m:t>
+                          </m:r>
+                          <m:r>
+                            <a:rPr lang="sk-SK" b="0" i="1" smtClean="0">
+                              <a:latin typeface="Cambria Math" panose="02040503050406030204" pitchFamily="18" charset="0"/>
+                            </a:rPr>
+                            <m:t> (</m:t>
+                          </m:r>
+                          <m:sSup>
+                            <m:sSupPr>
+                              <m:ctrlPr>
+                                <a:rPr lang="sk-SK" i="1">
+                                  <a:latin typeface="Cambria Math" panose="02040503050406030204" pitchFamily="18" charset="0"/>
+                                </a:rPr>
+                              </m:ctrlPr>
+                            </m:sSupPr>
+                            <m:e>
+                              <m:r>
+                                <a:rPr lang="sk-SK" i="1">
+                                  <a:latin typeface="Cambria Math" panose="02040503050406030204" pitchFamily="18" charset="0"/>
+                                </a:rPr>
+                                <m:t>𝑒</m:t>
+                              </m:r>
+                            </m:e>
+                            <m:sup>
+                              <m:r>
+                                <a:rPr lang="sk-SK" i="1">
+                                  <a:latin typeface="Cambria Math" panose="02040503050406030204" pitchFamily="18" charset="0"/>
+                                </a:rPr>
+                                <m:t>𝑘𝑥</m:t>
+                              </m:r>
+                            </m:sup>
+                          </m:sSup>
+                          <m:r>
+                            <a:rPr lang="sk-SK" b="0" i="1" smtClean="0">
+                              <a:latin typeface="Cambria Math" panose="02040503050406030204" pitchFamily="18" charset="0"/>
+                            </a:rPr>
+                            <m:t>)</m:t>
+                          </m:r>
+                        </m:num>
+                        <m:den>
+                          <m:r>
+                            <a:rPr lang="sk-SK" b="0" i="1" smtClean="0">
+                              <a:latin typeface="Cambria Math" panose="02040503050406030204" pitchFamily="18" charset="0"/>
+                            </a:rPr>
+                            <m:t>𝑑𝑥</m:t>
+                          </m:r>
+                        </m:den>
+                      </m:f>
+                      <m:r>
+                        <a:rPr lang="sk-SK" b="0" i="1" smtClean="0">
+                          <a:latin typeface="Cambria Math" panose="02040503050406030204" pitchFamily="18" charset="0"/>
+                        </a:rPr>
+                        <m:t>=</m:t>
+                      </m:r>
+                      <m:r>
+                        <a:rPr lang="sk-SK" b="0" i="1" smtClean="0">
+                          <a:latin typeface="Cambria Math" panose="02040503050406030204" pitchFamily="18" charset="0"/>
+                        </a:rPr>
+                        <m:t>𝑘</m:t>
+                      </m:r>
+                      <m:sSup>
+                        <m:sSupPr>
+                          <m:ctrlPr>
+                            <a:rPr lang="sk-SK" i="1">
+                              <a:latin typeface="Cambria Math" panose="02040503050406030204" pitchFamily="18" charset="0"/>
+                            </a:rPr>
+                          </m:ctrlPr>
+                        </m:sSupPr>
+                        <m:e>
+                          <m:r>
+                            <a:rPr lang="sk-SK" b="0" i="1" smtClean="0">
+                              <a:latin typeface="Cambria Math" panose="02040503050406030204" pitchFamily="18" charset="0"/>
+                            </a:rPr>
+                            <m:t> </m:t>
+                          </m:r>
+                          <m:r>
+                            <a:rPr lang="sk-SK" i="1">
+                              <a:latin typeface="Cambria Math" panose="02040503050406030204" pitchFamily="18" charset="0"/>
+                            </a:rPr>
+                            <m:t>𝑒</m:t>
+                          </m:r>
+                        </m:e>
+                        <m:sup>
+                          <m:r>
+                            <a:rPr lang="sk-SK" i="1">
+                              <a:latin typeface="Cambria Math" panose="02040503050406030204" pitchFamily="18" charset="0"/>
+                            </a:rPr>
+                            <m:t>𝑘𝑥</m:t>
+                          </m:r>
+                        </m:sup>
+                      </m:sSup>
+                    </m:oMath>
+                  </m:oMathPara>
+                </a14:m>
+                <a:endParaRPr lang="sk-SK" dirty="0"/>
+              </a:p>
+              <a:p>
+                <a:pPr marL="0" indent="0">
+                  <a:buNone/>
+                </a:pPr>
+                <a:endParaRPr lang="sk-SK" dirty="0" smtClean="0"/>
+              </a:p>
+              <a:p>
+                <a:pPr>
+                  <a:buFont typeface="Arial" panose="020B0604020202020204" pitchFamily="34" charset="0"/>
+                  <a:buChar char="•"/>
+                </a:pPr>
+                <a:endParaRPr lang="sk-SK" dirty="0"/>
+              </a:p>
+            </p:txBody>
+          </p:sp>
+        </mc:Choice>
+        <mc:Fallback>
+          <p:sp>
+            <p:nvSpPr>
+              <p:cNvPr id="3" name="Zástupný symbol obsahu 2"/>
+              <p:cNvSpPr>
+                <a:spLocks noGrp="1" noRot="1" noChangeAspect="1" noMove="1" noResize="1" noEditPoints="1" noAdjustHandles="1" noChangeArrowheads="1" noChangeShapeType="1" noTextEdit="1"/>
+              </p:cNvSpPr>
+              <p:nvPr>
+                <p:ph idx="1"/>
+              </p:nvPr>
+            </p:nvSpPr>
+            <p:spPr>
+              <a:blipFill rotWithShape="0">
+                <a:blip r:embed="rId2"/>
+                <a:stretch>
+                  <a:fillRect l="-1752" t="-1291"/>
+                </a:stretch>
+              </a:blipFill>
+            </p:spPr>
+            <p:txBody>
+              <a:bodyPr/>
+              <a:lstStyle/>
+              <a:p>
+                <a:r>
+                  <a:rPr lang="sk-SK">
+                    <a:noFill/>
+                  </a:rPr>
+                  <a:t> </a:t>
+                </a:r>
+              </a:p>
+            </p:txBody>
+          </p:sp>
+        </mc:Fallback>
+      </mc:AlternateContent>
     </p:spTree>
     <p:extLst>
       <p:ext uri="{BB962C8B-B14F-4D97-AF65-F5344CB8AC3E}">
-        <p14:creationId xmlns:p14="http://schemas.microsoft.com/office/powerpoint/2010/main" val="2937603504"/>
+        <p14:creationId xmlns:p14="http://schemas.microsoft.com/office/powerpoint/2010/main" val="1918540407"/>
       </p:ext>
     </p:extLst>
   </p:cSld>
@@ -6496,39 +8502,374 @@
           <a:p>
             <a:r>
               <a:rPr lang="sk-SK" dirty="0" smtClean="0"/>
-              <a:t>Integrátor a </a:t>
-            </a:r>
-            <a:r>
-              <a:rPr lang="sk-SK" dirty="0" err="1" smtClean="0"/>
-              <a:t>derivátor</a:t>
+              <a:t>Posun v čase – dopravné oneskorenie</a:t>
             </a:r>
             <a:endParaRPr lang="sk-SK" dirty="0"/>
           </a:p>
         </p:txBody>
       </p:sp>
-      <p:sp>
-        <p:nvSpPr>
-          <p:cNvPr id="3" name="Zástupný symbol obsahu 2"/>
-          <p:cNvSpPr>
-            <a:spLocks noGrp="1"/>
-          </p:cNvSpPr>
-          <p:nvPr>
-            <p:ph idx="1"/>
-          </p:nvPr>
-        </p:nvSpPr>
-        <p:spPr/>
-        <p:txBody>
-          <a:bodyPr/>
-          <a:lstStyle/>
-          <a:p>
-            <a:endParaRPr lang="sk-SK"/>
-          </a:p>
-        </p:txBody>
-      </p:sp>
+      <mc:AlternateContent xmlns:mc="http://schemas.openxmlformats.org/markup-compatibility/2006">
+        <mc:Choice xmlns:a14="http://schemas.microsoft.com/office/drawing/2010/main" Requires="a14">
+          <p:sp>
+            <p:nvSpPr>
+              <p:cNvPr id="3" name="Zástupný symbol obsahu 2"/>
+              <p:cNvSpPr>
+                <a:spLocks noGrp="1"/>
+              </p:cNvSpPr>
+              <p:nvPr>
+                <p:ph idx="1"/>
+              </p:nvPr>
+            </p:nvSpPr>
+            <p:spPr>
+              <a:xfrm>
+                <a:off x="393699" y="1040446"/>
+                <a:ext cx="8569069" cy="5817554"/>
+              </a:xfrm>
+            </p:spPr>
+            <p:txBody>
+              <a:bodyPr/>
+              <a:lstStyle/>
+              <a:p>
+                <a:pPr>
+                  <a:buFont typeface="Arial" panose="020B0604020202020204" pitchFamily="34" charset="0"/>
+                  <a:buChar char="•"/>
+                </a:pPr>
+                <a:r>
+                  <a:rPr lang="sk-SK" dirty="0" smtClean="0"/>
+                  <a:t>Predpokladajme</a:t>
+                </a:r>
+                <a:r>
+                  <a:rPr lang="sk-SK" dirty="0" smtClean="0"/>
+                  <a:t>, že máme </a:t>
+                </a:r>
+                <a:r>
+                  <a:rPr lang="sk-SK" dirty="0" err="1" smtClean="0"/>
+                  <a:t>máme</a:t>
+                </a:r>
+                <a:r>
+                  <a:rPr lang="sk-SK" dirty="0" smtClean="0"/>
+                  <a:t> spojitý signál v čase </a:t>
+                </a:r>
+                <a14:m>
+                  <m:oMath xmlns:m="http://schemas.openxmlformats.org/officeDocument/2006/math">
+                    <m:r>
+                      <a:rPr lang="sk-SK" b="0" i="1" smtClean="0">
+                        <a:latin typeface="Cambria Math" panose="02040503050406030204" pitchFamily="18" charset="0"/>
+                      </a:rPr>
+                      <m:t>𝑓</m:t>
+                    </m:r>
+                    <m:d>
+                      <m:dPr>
+                        <m:ctrlPr>
+                          <a:rPr lang="sk-SK" b="0" i="1" smtClean="0">
+                            <a:latin typeface="Cambria Math" panose="02040503050406030204" pitchFamily="18" charset="0"/>
+                          </a:rPr>
+                        </m:ctrlPr>
+                      </m:dPr>
+                      <m:e>
+                        <m:r>
+                          <a:rPr lang="sk-SK" b="0" i="1" smtClean="0">
+                            <a:latin typeface="Cambria Math" panose="02040503050406030204" pitchFamily="18" charset="0"/>
+                          </a:rPr>
+                          <m:t>𝑡</m:t>
+                        </m:r>
+                      </m:e>
+                    </m:d>
+                  </m:oMath>
+                </a14:m>
+                <a:r>
+                  <a:rPr lang="sk-SK" dirty="0" smtClean="0"/>
+                  <a:t> a poznáme jeho </a:t>
+                </a:r>
+                <a:r>
+                  <a:rPr lang="sk-SK" dirty="0" err="1" smtClean="0"/>
+                  <a:t>Laplaceov</a:t>
+                </a:r>
+                <a:r>
+                  <a:rPr lang="sk-SK" dirty="0" smtClean="0"/>
+                  <a:t> obraz </a:t>
+                </a:r>
+                <a14:m>
+                  <m:oMath xmlns:m="http://schemas.openxmlformats.org/officeDocument/2006/math">
+                    <m:r>
+                      <a:rPr lang="sk-SK" b="0" i="1" smtClean="0">
+                        <a:latin typeface="Cambria Math" panose="02040503050406030204" pitchFamily="18" charset="0"/>
+                      </a:rPr>
+                      <m:t>𝐹</m:t>
+                    </m:r>
+                    <m:d>
+                      <m:dPr>
+                        <m:ctrlPr>
+                          <a:rPr lang="sk-SK" b="0" i="1" smtClean="0">
+                            <a:latin typeface="Cambria Math" panose="02040503050406030204" pitchFamily="18" charset="0"/>
+                          </a:rPr>
+                        </m:ctrlPr>
+                      </m:dPr>
+                      <m:e>
+                        <m:r>
+                          <a:rPr lang="sk-SK" b="0" i="1" smtClean="0">
+                            <a:latin typeface="Cambria Math" panose="02040503050406030204" pitchFamily="18" charset="0"/>
+                          </a:rPr>
+                          <m:t>𝑠</m:t>
+                        </m:r>
+                      </m:e>
+                    </m:d>
+                  </m:oMath>
+                </a14:m>
+                <a:endParaRPr lang="sk-SK" b="0" dirty="0" smtClean="0"/>
+              </a:p>
+              <a:p>
+                <a:pPr>
+                  <a:buFont typeface="Arial" panose="020B0604020202020204" pitchFamily="34" charset="0"/>
+                  <a:buChar char="•"/>
+                </a:pPr>
+                <a:r>
+                  <a:rPr lang="sk-SK" dirty="0" smtClean="0"/>
+                  <a:t>Tento signál je z určitých dôvodov oneskorený – posunutý v čase</a:t>
+                </a:r>
+              </a:p>
+              <a:p>
+                <a:pPr>
+                  <a:buFont typeface="Arial" panose="020B0604020202020204" pitchFamily="34" charset="0"/>
+                  <a:buChar char="•"/>
+                </a:pPr>
+                <a:r>
+                  <a:rPr lang="sk-SK" dirty="0" smtClean="0"/>
+                  <a:t>V kybernetike sa nazýva dopravné oneskorenie</a:t>
+                </a:r>
+              </a:p>
+              <a:p>
+                <a:pPr lvl="1"/>
+                <a:r>
+                  <a:rPr lang="sk-SK" dirty="0" smtClean="0"/>
+                  <a:t>Bežný jav v reálnych systémoch</a:t>
+                </a:r>
+              </a:p>
+              <a:p>
+                <a:pPr lvl="1"/>
+                <a:r>
+                  <a:rPr lang="sk-SK" dirty="0" smtClean="0"/>
+                  <a:t>Napríklad </a:t>
+                </a:r>
+                <a:r>
+                  <a:rPr lang="sk-SK" dirty="0"/>
+                  <a:t>o</a:t>
+                </a:r>
+                <a:r>
+                  <a:rPr lang="sk-SK" dirty="0" smtClean="0"/>
+                  <a:t>neskorenie v prenose informácie od snímačov, oneskorenie prítoku látky potrubím</a:t>
+                </a:r>
+              </a:p>
+              <a:p>
+                <a:pPr lvl="1"/>
+                <a:r>
+                  <a:rPr lang="sk-SK" dirty="0" smtClean="0"/>
+                  <a:t>Spôsobuje komplikácie pri riadení</a:t>
+                </a:r>
+              </a:p>
+              <a:p>
+                <a:pPr>
+                  <a:buFont typeface="Arial" panose="020B0604020202020204" pitchFamily="34" charset="0"/>
+                  <a:buChar char="•"/>
+                </a:pPr>
+                <a:r>
+                  <a:rPr lang="sk-SK" dirty="0" smtClean="0"/>
+                  <a:t>Aký má takto oneskorený signál </a:t>
+                </a:r>
+                <a:r>
+                  <a:rPr lang="sk-SK" dirty="0" err="1" smtClean="0"/>
+                  <a:t>Laplaceov</a:t>
+                </a:r>
+                <a:r>
+                  <a:rPr lang="sk-SK" dirty="0" smtClean="0"/>
+                  <a:t> obraz ?</a:t>
+                </a:r>
+              </a:p>
+              <a:p>
+                <a:pPr>
+                  <a:buFont typeface="Arial" panose="020B0604020202020204" pitchFamily="34" charset="0"/>
+                  <a:buChar char="•"/>
+                </a:pPr>
+                <a:endParaRPr lang="sk-SK" dirty="0" smtClean="0"/>
+              </a:p>
+              <a:p>
+                <a:pPr marL="0" indent="0">
+                  <a:buNone/>
+                </a:pPr>
+                <a14:m>
+                  <m:oMathPara xmlns:m="http://schemas.openxmlformats.org/officeDocument/2006/math">
+                    <m:oMathParaPr>
+                      <m:jc m:val="centerGroup"/>
+                    </m:oMathParaPr>
+                    <m:oMath xmlns:m="http://schemas.openxmlformats.org/officeDocument/2006/math">
+                      <m:r>
+                        <a:rPr lang="sk-SK" b="0" i="1" smtClean="0">
+                          <a:latin typeface="Cambria Math" panose="02040503050406030204" pitchFamily="18" charset="0"/>
+                        </a:rPr>
+                        <m:t>𝐺</m:t>
+                      </m:r>
+                      <m:d>
+                        <m:dPr>
+                          <m:ctrlPr>
+                            <a:rPr lang="sk-SK" i="1">
+                              <a:latin typeface="Cambria Math" panose="02040503050406030204" pitchFamily="18" charset="0"/>
+                            </a:rPr>
+                          </m:ctrlPr>
+                        </m:dPr>
+                        <m:e>
+                          <m:r>
+                            <a:rPr lang="en-GB" i="1">
+                              <a:latin typeface="Cambria Math" panose="02040503050406030204" pitchFamily="18" charset="0"/>
+                            </a:rPr>
+                            <m:t>𝑠</m:t>
+                          </m:r>
+                        </m:e>
+                      </m:d>
+                      <m:r>
+                        <a:rPr lang="en-GB" i="1">
+                          <a:latin typeface="Cambria Math" panose="02040503050406030204" pitchFamily="18" charset="0"/>
+                        </a:rPr>
+                        <m:t>= </m:t>
+                      </m:r>
+                      <m:nary>
+                        <m:naryPr>
+                          <m:limLoc m:val="subSup"/>
+                          <m:ctrlPr>
+                            <a:rPr lang="sk-SK" i="1">
+                              <a:latin typeface="Cambria Math" panose="02040503050406030204" pitchFamily="18" charset="0"/>
+                            </a:rPr>
+                          </m:ctrlPr>
+                        </m:naryPr>
+                        <m:sub>
+                          <m:r>
+                            <a:rPr lang="sk-SK" b="0" i="1" smtClean="0">
+                              <a:latin typeface="Cambria Math" panose="02040503050406030204" pitchFamily="18" charset="0"/>
+                            </a:rPr>
+                            <m:t>𝐷</m:t>
+                          </m:r>
+                        </m:sub>
+                        <m:sup>
+                          <m:r>
+                            <a:rPr lang="en-GB" i="1">
+                              <a:latin typeface="Cambria Math" panose="02040503050406030204" pitchFamily="18" charset="0"/>
+                            </a:rPr>
+                            <m:t>∞</m:t>
+                          </m:r>
+                        </m:sup>
+                        <m:e>
+                          <m:sSup>
+                            <m:sSupPr>
+                              <m:ctrlPr>
+                                <a:rPr lang="sk-SK" i="1">
+                                  <a:latin typeface="Cambria Math" panose="02040503050406030204" pitchFamily="18" charset="0"/>
+                                </a:rPr>
+                              </m:ctrlPr>
+                            </m:sSupPr>
+                            <m:e>
+                              <m:r>
+                                <a:rPr lang="en-GB" i="1">
+                                  <a:latin typeface="Cambria Math" panose="02040503050406030204" pitchFamily="18" charset="0"/>
+                                </a:rPr>
+                                <m:t>𝑒</m:t>
+                              </m:r>
+                            </m:e>
+                            <m:sup>
+                              <m:r>
+                                <a:rPr lang="en-GB" i="1">
+                                  <a:latin typeface="Cambria Math" panose="02040503050406030204" pitchFamily="18" charset="0"/>
+                                </a:rPr>
+                                <m:t>−</m:t>
+                              </m:r>
+                              <m:r>
+                                <a:rPr lang="en-GB" i="1">
+                                  <a:latin typeface="Cambria Math" panose="02040503050406030204" pitchFamily="18" charset="0"/>
+                                </a:rPr>
+                                <m:t>𝑠𝑡</m:t>
+                              </m:r>
+                            </m:sup>
+                          </m:sSup>
+                          <m:r>
+                            <a:rPr lang="en-GB" i="1">
+                              <a:latin typeface="Cambria Math" panose="02040503050406030204" pitchFamily="18" charset="0"/>
+                            </a:rPr>
+                            <m:t>𝑓</m:t>
+                          </m:r>
+                          <m:r>
+                            <a:rPr lang="en-GB" i="1">
+                              <a:latin typeface="Cambria Math" panose="02040503050406030204" pitchFamily="18" charset="0"/>
+                            </a:rPr>
+                            <m:t>(</m:t>
+                          </m:r>
+                          <m:r>
+                            <a:rPr lang="en-GB" i="1">
+                              <a:latin typeface="Cambria Math" panose="02040503050406030204" pitchFamily="18" charset="0"/>
+                            </a:rPr>
+                            <m:t>𝑡</m:t>
+                          </m:r>
+                          <m:r>
+                            <a:rPr lang="en-GB" i="1">
+                              <a:latin typeface="Cambria Math" panose="02040503050406030204" pitchFamily="18" charset="0"/>
+                            </a:rPr>
+                            <m:t>)</m:t>
+                          </m:r>
+                          <m:r>
+                            <a:rPr lang="en-GB" i="1">
+                              <a:latin typeface="Cambria Math" panose="02040503050406030204" pitchFamily="18" charset="0"/>
+                            </a:rPr>
+                            <m:t>𝑑𝑡</m:t>
+                          </m:r>
+                        </m:e>
+                      </m:nary>
+                    </m:oMath>
+                  </m:oMathPara>
+                </a14:m>
+                <a:endParaRPr lang="sk-SK" dirty="0"/>
+              </a:p>
+            </p:txBody>
+          </p:sp>
+        </mc:Choice>
+        <mc:Fallback>
+          <p:sp>
+            <p:nvSpPr>
+              <p:cNvPr id="3" name="Zástupný symbol obsahu 2"/>
+              <p:cNvSpPr>
+                <a:spLocks noGrp="1" noRot="1" noChangeAspect="1" noMove="1" noResize="1" noEditPoints="1" noAdjustHandles="1" noChangeArrowheads="1" noChangeShapeType="1" noTextEdit="1"/>
+              </p:cNvSpPr>
+              <p:nvPr>
+                <p:ph idx="1"/>
+              </p:nvPr>
+            </p:nvSpPr>
+            <p:spPr>
+              <a:xfrm>
+                <a:off x="393699" y="1040446"/>
+                <a:ext cx="8569069" cy="5817554"/>
+              </a:xfrm>
+              <a:blipFill rotWithShape="0">
+                <a:blip r:embed="rId2"/>
+                <a:stretch>
+                  <a:fillRect l="-1708" t="-1153"/>
+                </a:stretch>
+              </a:blipFill>
+            </p:spPr>
+            <p:txBody>
+              <a:bodyPr/>
+              <a:lstStyle/>
+              <a:p>
+                <a:r>
+                  <a:rPr lang="sk-SK">
+                    <a:noFill/>
+                  </a:rPr>
+                  <a:t> </a:t>
+                </a:r>
+              </a:p>
+            </p:txBody>
+          </p:sp>
+        </mc:Fallback>
+      </mc:AlternateContent>
     </p:spTree>
     <p:extLst>
       <p:ext uri="{BB962C8B-B14F-4D97-AF65-F5344CB8AC3E}">
-        <p14:creationId xmlns:p14="http://schemas.microsoft.com/office/powerpoint/2010/main" val="449367882"/>
+        <p14:creationId xmlns:p14="http://schemas.microsoft.com/office/powerpoint/2010/main" val="1611795971"/>
       </p:ext>
     </p:extLst>
   </p:cSld>
@@ -6571,36 +8912,342 @@
           <a:lstStyle/>
           <a:p>
             <a:r>
-              <a:rPr lang="sk-SK" dirty="0" smtClean="0"/>
-              <a:t>Posun v čase – dopravné oneskorenie</a:t>
+              <a:rPr lang="en-US" dirty="0" err="1" smtClean="0"/>
+              <a:t>Jednotkov</a:t>
+            </a:r>
+            <a:r>
+              <a:rPr lang="sk-SK" dirty="0" smtClean="0"/>
+              <a:t>ý skok</a:t>
             </a:r>
             <a:endParaRPr lang="sk-SK" dirty="0"/>
           </a:p>
         </p:txBody>
       </p:sp>
-      <p:sp>
-        <p:nvSpPr>
-          <p:cNvPr id="3" name="Zástupný symbol obsahu 2"/>
-          <p:cNvSpPr>
-            <a:spLocks noGrp="1"/>
-          </p:cNvSpPr>
-          <p:nvPr>
-            <p:ph idx="1"/>
-          </p:nvPr>
-        </p:nvSpPr>
-        <p:spPr/>
-        <p:txBody>
-          <a:bodyPr/>
-          <a:lstStyle/>
-          <a:p>
-            <a:endParaRPr lang="sk-SK"/>
-          </a:p>
-        </p:txBody>
-      </p:sp>
+      <mc:AlternateContent xmlns:mc="http://schemas.openxmlformats.org/markup-compatibility/2006">
+        <mc:Choice xmlns:a14="http://schemas.microsoft.com/office/drawing/2010/main" Requires="a14">
+          <p:sp>
+            <p:nvSpPr>
+              <p:cNvPr id="3" name="Zástupný symbol obsahu 2"/>
+              <p:cNvSpPr>
+                <a:spLocks noGrp="1"/>
+              </p:cNvSpPr>
+              <p:nvPr>
+                <p:ph idx="1"/>
+              </p:nvPr>
+            </p:nvSpPr>
+            <p:spPr/>
+            <p:txBody>
+              <a:bodyPr/>
+              <a:lstStyle/>
+              <a:p>
+                <a:pPr>
+                  <a:buFont typeface="Arial" panose="020B0604020202020204" pitchFamily="34" charset="0"/>
+                  <a:buChar char="•"/>
+                </a:pPr>
+                <a:r>
+                  <a:rPr lang="sk-SK" dirty="0" smtClean="0"/>
+                  <a:t>Jednotkový skok – v kybernetike často využívaný signál</a:t>
+                </a:r>
+              </a:p>
+              <a:p>
+                <a:pPr>
+                  <a:buFont typeface="Arial" panose="020B0604020202020204" pitchFamily="34" charset="0"/>
+                  <a:buChar char="•"/>
+                </a:pPr>
+                <a:r>
+                  <a:rPr lang="sk-SK" dirty="0" smtClean="0"/>
+                  <a:t>Často sa používa ako žiadaná hodnota pri regulátoroch</a:t>
+                </a:r>
+              </a:p>
+              <a:p>
+                <a:pPr>
+                  <a:buFont typeface="Arial" panose="020B0604020202020204" pitchFamily="34" charset="0"/>
+                  <a:buChar char="•"/>
+                </a:pPr>
+                <a:r>
+                  <a:rPr lang="sk-SK" dirty="0" smtClean="0"/>
+                  <a:t>Vyšetrujeme ním takzvanú prechodovú charakteristiku systému (vysvetlené neskôr) </a:t>
+                </a:r>
+              </a:p>
+              <a:p>
+                <a:pPr>
+                  <a:buFont typeface="Arial" panose="020B0604020202020204" pitchFamily="34" charset="0"/>
+                  <a:buChar char="•"/>
+                </a:pPr>
+                <a:r>
+                  <a:rPr lang="sk-SK" dirty="0" smtClean="0"/>
+                  <a:t>Je to idealizovaný signál – v praxi </a:t>
+                </a:r>
+                <a:r>
+                  <a:rPr lang="sk-SK" dirty="0"/>
+                  <a:t>ť</a:t>
+                </a:r>
+                <a:r>
+                  <a:rPr lang="sk-SK" dirty="0" smtClean="0"/>
+                  <a:t>ažko realizovateľný (nekonečne široké frekvenčné spektrum)</a:t>
+                </a:r>
+              </a:p>
+              <a:p>
+                <a:pPr>
+                  <a:buFont typeface="Arial" panose="020B0604020202020204" pitchFamily="34" charset="0"/>
+                  <a:buChar char="•"/>
+                </a:pPr>
+                <a:r>
+                  <a:rPr lang="sk-SK" dirty="0" smtClean="0"/>
+                  <a:t>Definícia – pomocou </a:t>
+                </a:r>
+                <a:r>
+                  <a:rPr lang="sk-SK" dirty="0" err="1" smtClean="0"/>
+                  <a:t>Heavisideovej</a:t>
+                </a:r>
+                <a:r>
+                  <a:rPr lang="sk-SK" dirty="0" smtClean="0"/>
+                  <a:t> funkcie</a:t>
+                </a:r>
+              </a:p>
+              <a:p>
+                <a:pPr lvl="1"/>
+                <a:r>
+                  <a:rPr lang="sk-SK" dirty="0" smtClean="0"/>
+                  <a:t>V čase nula je hodnota </a:t>
+                </a:r>
+                <a:r>
+                  <a:rPr lang="sk-SK" dirty="0"/>
+                  <a:t>signálu </a:t>
+                </a:r>
+                <a:r>
+                  <a:rPr lang="sk-SK" dirty="0" smtClean="0"/>
+                  <a:t>nula </a:t>
+                </a:r>
+                <a:endParaRPr lang="sk-SK" dirty="0"/>
+              </a:p>
+              <a:p>
+                <a:pPr lvl="1"/>
+                <a:r>
+                  <a:rPr lang="sk-SK" dirty="0" smtClean="0"/>
+                  <a:t>V čase väčšom ako nula je hodnota jedna</a:t>
+                </a:r>
+                <a:endParaRPr lang="en-US" dirty="0" smtClean="0"/>
+              </a:p>
+              <a:p>
+                <a:pPr lvl="1"/>
+                <a:endParaRPr lang="sk-SK" dirty="0" smtClean="0"/>
+              </a:p>
+              <a:p>
+                <a:pPr lvl="1"/>
+                <a14:m>
+                  <m:oMath xmlns:m="http://schemas.openxmlformats.org/officeDocument/2006/math">
+                    <m:r>
+                      <a:rPr lang="en-US" sz="2400" b="0" i="1" smtClean="0">
+                        <a:latin typeface="Cambria Math" panose="02040503050406030204" pitchFamily="18" charset="0"/>
+                      </a:rPr>
+                      <m:t>𝑓</m:t>
+                    </m:r>
+                    <m:r>
+                      <a:rPr lang="en-US" sz="2400" b="0" i="1" smtClean="0">
+                        <a:latin typeface="Cambria Math" panose="02040503050406030204" pitchFamily="18" charset="0"/>
+                      </a:rPr>
+                      <m:t>(</m:t>
+                    </m:r>
+                    <m:r>
+                      <a:rPr lang="en-US" sz="2400" b="0" i="1" smtClean="0">
+                        <a:latin typeface="Cambria Math" panose="02040503050406030204" pitchFamily="18" charset="0"/>
+                      </a:rPr>
+                      <m:t>𝑥</m:t>
+                    </m:r>
+                    <m:r>
+                      <a:rPr lang="en-US" sz="2400" b="0" i="1" smtClean="0">
+                        <a:latin typeface="Cambria Math" panose="02040503050406030204" pitchFamily="18" charset="0"/>
+                      </a:rPr>
+                      <m:t>)</m:t>
+                    </m:r>
+                    <m:d>
+                      <m:dPr>
+                        <m:begChr m:val="{"/>
+                        <m:endChr m:val="}"/>
+                        <m:ctrlPr>
+                          <a:rPr lang="en-US" sz="2400" b="0" i="1" smtClean="0">
+                            <a:latin typeface="Cambria Math" panose="02040503050406030204" pitchFamily="18" charset="0"/>
+                          </a:rPr>
+                        </m:ctrlPr>
+                      </m:dPr>
+                      <m:e>
+                        <m:sSubSup>
+                          <m:sSubSupPr>
+                            <m:ctrlPr>
+                              <a:rPr lang="en-US" sz="2400" b="0" i="1" smtClean="0">
+                                <a:latin typeface="Cambria Math" panose="02040503050406030204" pitchFamily="18" charset="0"/>
+                              </a:rPr>
+                            </m:ctrlPr>
+                          </m:sSubSupPr>
+                          <m:e/>
+                          <m:sub>
+                            <m:r>
+                              <a:rPr lang="en-US" sz="2400" b="0" i="1" smtClean="0">
+                                <a:latin typeface="Cambria Math" panose="02040503050406030204" pitchFamily="18" charset="0"/>
+                              </a:rPr>
+                              <m:t>1 </m:t>
+                            </m:r>
+                            <m:r>
+                              <a:rPr lang="en-US" sz="2400" b="0" i="1" smtClean="0">
+                                <a:latin typeface="Cambria Math" panose="02040503050406030204" pitchFamily="18" charset="0"/>
+                              </a:rPr>
+                              <m:t>𝑎𝑘</m:t>
+                            </m:r>
+                            <m:r>
+                              <a:rPr lang="en-US" sz="2400" b="0" i="1" smtClean="0">
+                                <a:latin typeface="Cambria Math" panose="02040503050406030204" pitchFamily="18" charset="0"/>
+                              </a:rPr>
+                              <m:t>    </m:t>
+                            </m:r>
+                            <m:r>
+                              <a:rPr lang="en-US" sz="2400" b="0" i="1" smtClean="0">
+                                <a:latin typeface="Cambria Math" panose="02040503050406030204" pitchFamily="18" charset="0"/>
+                              </a:rPr>
+                              <m:t>𝑥</m:t>
+                            </m:r>
+                            <m:r>
+                              <a:rPr lang="en-US" sz="2400" b="0" i="1" smtClean="0">
+                                <a:latin typeface="Cambria Math" panose="02040503050406030204" pitchFamily="18" charset="0"/>
+                                <a:ea typeface="Cambria Math" panose="02040503050406030204" pitchFamily="18" charset="0"/>
+                              </a:rPr>
+                              <m:t>≥0</m:t>
+                            </m:r>
+                          </m:sub>
+                          <m:sup>
+                            <m:r>
+                              <a:rPr lang="en-US" sz="2400" b="0" i="1" smtClean="0">
+                                <a:latin typeface="Cambria Math" panose="02040503050406030204" pitchFamily="18" charset="0"/>
+                              </a:rPr>
+                              <m:t>0 </m:t>
+                            </m:r>
+                            <m:r>
+                              <a:rPr lang="en-US" sz="2400" b="0" i="1" smtClean="0">
+                                <a:latin typeface="Cambria Math" panose="02040503050406030204" pitchFamily="18" charset="0"/>
+                              </a:rPr>
+                              <m:t>𝑎𝑘</m:t>
+                            </m:r>
+                            <m:r>
+                              <a:rPr lang="en-US" sz="2400" b="0" i="1" smtClean="0">
+                                <a:latin typeface="Cambria Math" panose="02040503050406030204" pitchFamily="18" charset="0"/>
+                              </a:rPr>
+                              <m:t>   </m:t>
+                            </m:r>
+                            <m:r>
+                              <a:rPr lang="en-US" sz="2400" b="0" i="1" smtClean="0">
+                                <a:latin typeface="Cambria Math" panose="02040503050406030204" pitchFamily="18" charset="0"/>
+                              </a:rPr>
+                              <m:t>𝑥</m:t>
+                            </m:r>
+                            <m:r>
+                              <a:rPr lang="en-US" sz="2400" b="0" i="1" smtClean="0">
+                                <a:latin typeface="Cambria Math" panose="02040503050406030204" pitchFamily="18" charset="0"/>
+                                <a:ea typeface="Cambria Math" panose="02040503050406030204" pitchFamily="18" charset="0"/>
+                              </a:rPr>
+                              <m:t>&lt;</m:t>
+                            </m:r>
+                            <m:r>
+                              <a:rPr lang="en-US" sz="2400" b="0" i="1" smtClean="0">
+                                <a:latin typeface="Cambria Math" panose="02040503050406030204" pitchFamily="18" charset="0"/>
+                              </a:rPr>
+                              <m:t>0 </m:t>
+                            </m:r>
+                          </m:sup>
+                        </m:sSubSup>
+                      </m:e>
+                    </m:d>
+                  </m:oMath>
+                </a14:m>
+                <a:endParaRPr lang="sk-SK" dirty="0" smtClean="0"/>
+              </a:p>
+              <a:p>
+                <a:pPr marL="0" indent="0">
+                  <a:buNone/>
+                </a:pPr>
+                <a:endParaRPr lang="sk-SK" dirty="0"/>
+              </a:p>
+            </p:txBody>
+          </p:sp>
+        </mc:Choice>
+        <mc:Fallback>
+          <p:sp>
+            <p:nvSpPr>
+              <p:cNvPr id="3" name="Zástupný symbol obsahu 2"/>
+              <p:cNvSpPr>
+                <a:spLocks noGrp="1" noRot="1" noChangeAspect="1" noMove="1" noResize="1" noEditPoints="1" noAdjustHandles="1" noChangeArrowheads="1" noChangeShapeType="1" noTextEdit="1"/>
+              </p:cNvSpPr>
+              <p:nvPr>
+                <p:ph idx="1"/>
+              </p:nvPr>
+            </p:nvSpPr>
+            <p:spPr>
+              <a:blipFill rotWithShape="0">
+                <a:blip r:embed="rId2"/>
+                <a:stretch>
+                  <a:fillRect l="-1752" t="-1291"/>
+                </a:stretch>
+              </a:blipFill>
+            </p:spPr>
+            <p:txBody>
+              <a:bodyPr/>
+              <a:lstStyle/>
+              <a:p>
+                <a:r>
+                  <a:rPr lang="sk-SK">
+                    <a:noFill/>
+                  </a:rPr>
+                  <a:t> </a:t>
+                </a:r>
+              </a:p>
+            </p:txBody>
+          </p:sp>
+        </mc:Fallback>
+      </mc:AlternateContent>
+      <p:pic>
+        <p:nvPicPr>
+          <p:cNvPr id="6150" name="Picture 6" descr="VÃ½sledok vyhÄ¾adÃ¡vania obrÃ¡zkov pre dopyt step function"/>
+          <p:cNvPicPr>
+            <a:picLocks noChangeAspect="1" noChangeArrowheads="1"/>
+          </p:cNvPicPr>
+          <p:nvPr/>
+        </p:nvPicPr>
+        <p:blipFill>
+          <a:blip r:embed="rId3" cstate="print">
+            <a:extLst>
+              <a:ext uri="{28A0092B-C50C-407E-A947-70E740481C1C}">
+                <a14:useLocalDpi xmlns:a14="http://schemas.microsoft.com/office/drawing/2010/main" val="0"/>
+              </a:ext>
+            </a:extLst>
+          </a:blip>
+          <a:srcRect/>
+          <a:stretch>
+            <a:fillRect/>
+          </a:stretch>
+        </p:blipFill>
+        <p:spPr bwMode="auto">
+          <a:xfrm>
+            <a:off x="5047049" y="3539219"/>
+            <a:ext cx="3372021" cy="2529016"/>
+          </a:xfrm>
+          <a:prstGeom prst="rect">
+            <a:avLst/>
+          </a:prstGeom>
+          <a:noFill/>
+          <a:extLst>
+            <a:ext uri="{909E8E84-426E-40DD-AFC4-6F175D3DCCD1}">
+              <a14:hiddenFill xmlns:a14="http://schemas.microsoft.com/office/drawing/2010/main">
+                <a:solidFill>
+                  <a:srgbClr val="FFFFFF"/>
+                </a:solidFill>
+              </a14:hiddenFill>
+            </a:ext>
+          </a:extLst>
+        </p:spPr>
+      </p:pic>
     </p:spTree>
     <p:extLst>
       <p:ext uri="{BB962C8B-B14F-4D97-AF65-F5344CB8AC3E}">
-        <p14:creationId xmlns:p14="http://schemas.microsoft.com/office/powerpoint/2010/main" val="1611795971"/>
+        <p14:creationId xmlns:p14="http://schemas.microsoft.com/office/powerpoint/2010/main" val="3772247664"/>
       </p:ext>
     </p:extLst>
   </p:cSld>
@@ -6643,10 +9290,9 @@
           <a:lstStyle/>
           <a:p>
             <a:r>
-              <a:rPr lang="sk-SK" dirty="0" smtClean="0"/>
-              <a:t>Prenosová funkcia systému</a:t>
-            </a:r>
-            <a:endParaRPr lang="sk-SK" dirty="0"/>
+              <a:rPr lang="sk-SK" dirty="0"/>
+              <a:t>Obraz jednotkového skoku</a:t>
+            </a:r>
           </a:p>
         </p:txBody>
       </p:sp>
@@ -6672,7 +9318,7 @@
     </p:spTree>
     <p:extLst>
       <p:ext uri="{BB962C8B-B14F-4D97-AF65-F5344CB8AC3E}">
-        <p14:creationId xmlns:p14="http://schemas.microsoft.com/office/powerpoint/2010/main" val="782147760"/>
+        <p14:creationId xmlns:p14="http://schemas.microsoft.com/office/powerpoint/2010/main" val="3733665398"/>
       </p:ext>
     </p:extLst>
   </p:cSld>
@@ -6715,8 +9361,12 @@
           <a:lstStyle/>
           <a:p>
             <a:r>
-              <a:rPr lang="sk-SK" dirty="0" smtClean="0"/>
-              <a:t>Veta o počiatočnej a koncovej hodnote</a:t>
+              <a:rPr lang="sk-SK" dirty="0" err="1" smtClean="0"/>
+              <a:t>Dirackov</a:t>
+            </a:r>
+            <a:r>
+              <a:rPr lang="sk-SK" dirty="0" smtClean="0"/>
+              <a:t> impulz</a:t>
             </a:r>
             <a:endParaRPr lang="sk-SK" dirty="0"/>
           </a:p>
@@ -6737,14 +9387,71 @@
           <a:bodyPr/>
           <a:lstStyle/>
           <a:p>
-            <a:endParaRPr lang="sk-SK"/>
+            <a:pPr>
+              <a:buFont typeface="Arial" panose="020B0604020202020204" pitchFamily="34" charset="0"/>
+              <a:buChar char="•"/>
+            </a:pPr>
+            <a:r>
+              <a:rPr lang="sk-SK" dirty="0" smtClean="0"/>
+              <a:t>Alebo iným názvom </a:t>
+            </a:r>
+            <a:r>
+              <a:rPr lang="sk-SK" dirty="0" err="1" smtClean="0"/>
+              <a:t>Dirackovo</a:t>
+            </a:r>
+            <a:r>
+              <a:rPr lang="sk-SK" dirty="0" smtClean="0"/>
+              <a:t> delta</a:t>
+            </a:r>
+            <a:endParaRPr lang="sk-SK" dirty="0"/>
           </a:p>
         </p:txBody>
       </p:sp>
+      <p:pic>
+        <p:nvPicPr>
+          <p:cNvPr id="7170" name="Picture 2" descr="VÃ½sledok vyhÄ¾adÃ¡vania obrÃ¡zkov pre dopyt dirac impulse"/>
+          <p:cNvPicPr>
+            <a:picLocks noChangeAspect="1" noChangeArrowheads="1"/>
+          </p:cNvPicPr>
+          <p:nvPr/>
+        </p:nvPicPr>
+        <p:blipFill>
+          <a:blip r:embed="rId2">
+            <a:extLst>
+              <a:ext uri="{28A0092B-C50C-407E-A947-70E740481C1C}">
+                <a14:useLocalDpi xmlns:a14="http://schemas.microsoft.com/office/drawing/2010/main" val="0"/>
+              </a:ext>
+            </a:extLst>
+          </a:blip>
+          <a:srcRect/>
+          <a:stretch>
+            <a:fillRect/>
+          </a:stretch>
+        </p:blipFill>
+        <p:spPr bwMode="auto">
+          <a:xfrm>
+            <a:off x="5338119" y="3908534"/>
+            <a:ext cx="3607226" cy="2705419"/>
+          </a:xfrm>
+          <a:prstGeom prst="rect">
+            <a:avLst/>
+          </a:prstGeom>
+          <a:noFill/>
+          <a:extLst>
+            <a:ext uri="{909E8E84-426E-40DD-AFC4-6F175D3DCCD1}">
+              <a14:hiddenFill xmlns:a14="http://schemas.microsoft.com/office/drawing/2010/main">
+                <a:solidFill>
+                  <a:srgbClr val="FFFFFF"/>
+                </a:solidFill>
+              </a14:hiddenFill>
+            </a:ext>
+          </a:extLst>
+        </p:spPr>
+      </p:pic>
     </p:spTree>
     <p:extLst>
       <p:ext uri="{BB962C8B-B14F-4D97-AF65-F5344CB8AC3E}">
-        <p14:creationId xmlns:p14="http://schemas.microsoft.com/office/powerpoint/2010/main" val="3074930347"/>
+        <p14:creationId xmlns:p14="http://schemas.microsoft.com/office/powerpoint/2010/main" val="3761859268"/>
       </p:ext>
     </p:extLst>
   </p:cSld>
@@ -6788,6 +9495,3012 @@
           <a:p>
             <a:r>
               <a:rPr lang="sk-SK" dirty="0" smtClean="0"/>
+              <a:t>Obraz exponenciálnej funkcie</a:t>
+            </a:r>
+            <a:endParaRPr lang="sk-SK" dirty="0"/>
+          </a:p>
+        </p:txBody>
+      </p:sp>
+      <p:sp>
+        <p:nvSpPr>
+          <p:cNvPr id="3" name="Zástupný symbol obsahu 2"/>
+          <p:cNvSpPr>
+            <a:spLocks noGrp="1"/>
+          </p:cNvSpPr>
+          <p:nvPr>
+            <p:ph idx="1"/>
+          </p:nvPr>
+        </p:nvSpPr>
+        <p:spPr/>
+        <p:txBody>
+          <a:bodyPr/>
+          <a:lstStyle/>
+          <a:p>
+            <a:endParaRPr lang="sk-SK" dirty="0"/>
+          </a:p>
+        </p:txBody>
+      </p:sp>
+    </p:spTree>
+    <p:extLst>
+      <p:ext uri="{BB962C8B-B14F-4D97-AF65-F5344CB8AC3E}">
+        <p14:creationId xmlns:p14="http://schemas.microsoft.com/office/powerpoint/2010/main" val="2845642233"/>
+      </p:ext>
+    </p:extLst>
+  </p:cSld>
+  <p:clrMapOvr>
+    <a:masterClrMapping/>
+  </p:clrMapOvr>
+</p:sld>
+</file>
+
+<file path=ppt/slides/slide25.xml><?xml version="1.0" encoding="utf-8"?>
+<p:sld xmlns:a="http://schemas.openxmlformats.org/drawingml/2006/main" xmlns:r="http://schemas.openxmlformats.org/officeDocument/2006/relationships" xmlns:p="http://schemas.openxmlformats.org/presentationml/2006/main">
+  <p:cSld>
+    <p:spTree>
+      <p:nvGrpSpPr>
+        <p:cNvPr id="1" name=""/>
+        <p:cNvGrpSpPr/>
+        <p:nvPr/>
+      </p:nvGrpSpPr>
+      <p:grpSpPr>
+        <a:xfrm>
+          <a:off x="0" y="0"/>
+          <a:ext cx="0" cy="0"/>
+          <a:chOff x="0" y="0"/>
+          <a:chExt cx="0" cy="0"/>
+        </a:xfrm>
+      </p:grpSpPr>
+      <p:sp>
+        <p:nvSpPr>
+          <p:cNvPr id="2" name="Nadpis 1"/>
+          <p:cNvSpPr>
+            <a:spLocks noGrp="1"/>
+          </p:cNvSpPr>
+          <p:nvPr>
+            <p:ph type="title"/>
+          </p:nvPr>
+        </p:nvSpPr>
+        <p:spPr/>
+        <p:txBody>
+          <a:bodyPr/>
+          <a:lstStyle/>
+          <a:p>
+            <a:r>
+              <a:rPr lang="sk-SK" dirty="0" smtClean="0"/>
+              <a:t>Vzťah </a:t>
+            </a:r>
+            <a:r>
+              <a:rPr lang="sk-SK" dirty="0" err="1" smtClean="0"/>
+              <a:t>Laplaceovej</a:t>
+            </a:r>
+            <a:r>
+              <a:rPr lang="sk-SK" dirty="0" smtClean="0"/>
+              <a:t> transformácie a derivácie </a:t>
+            </a:r>
+            <a:endParaRPr lang="sk-SK" dirty="0"/>
+          </a:p>
+        </p:txBody>
+      </p:sp>
+      <mc:AlternateContent xmlns:mc="http://schemas.openxmlformats.org/markup-compatibility/2006">
+        <mc:Choice xmlns:a14="http://schemas.microsoft.com/office/drawing/2010/main" Requires="a14">
+          <p:sp>
+            <p:nvSpPr>
+              <p:cNvPr id="3" name="Zástupný symbol obsahu 2"/>
+              <p:cNvSpPr>
+                <a:spLocks noGrp="1"/>
+              </p:cNvSpPr>
+              <p:nvPr>
+                <p:ph idx="1"/>
+              </p:nvPr>
+            </p:nvSpPr>
+            <p:spPr>
+              <a:xfrm>
+                <a:off x="212467" y="1065159"/>
+                <a:ext cx="8618495" cy="5434495"/>
+              </a:xfrm>
+            </p:spPr>
+            <p:txBody>
+              <a:bodyPr>
+                <a:normAutofit fontScale="92500" lnSpcReduction="20000"/>
+              </a:bodyPr>
+              <a:lstStyle/>
+              <a:p>
+                <a:pPr>
+                  <a:buFont typeface="Arial" panose="020B0604020202020204" pitchFamily="34" charset="0"/>
+                  <a:buChar char="•"/>
+                </a:pPr>
+                <a:r>
+                  <a:rPr lang="sk-SK" dirty="0" smtClean="0"/>
+                  <a:t>Laplaceova transformácia nám zjednodušuje prácu s časovými deriváciami signálov</a:t>
+                </a:r>
+              </a:p>
+              <a:p>
+                <a:pPr>
+                  <a:buFont typeface="Arial" panose="020B0604020202020204" pitchFamily="34" charset="0"/>
+                  <a:buChar char="•"/>
+                </a:pPr>
+                <a:r>
+                  <a:rPr lang="sk-SK" dirty="0" smtClean="0"/>
+                  <a:t>Pomocou nej vieme riešiť lineárne diferenciálne rovnice a abstrahovať vlastnosti systémov do prenosových funkcii</a:t>
+                </a:r>
+              </a:p>
+              <a:p>
+                <a:pPr>
+                  <a:buFont typeface="Arial" panose="020B0604020202020204" pitchFamily="34" charset="0"/>
+                  <a:buChar char="•"/>
+                </a:pPr>
+                <a:r>
+                  <a:rPr lang="sk-SK" dirty="0"/>
+                  <a:t>Predpokladajme, </a:t>
+                </a:r>
+                <a:r>
+                  <a:rPr lang="sk-SK" dirty="0" smtClean="0"/>
+                  <a:t>že </a:t>
+                </a:r>
+                <a:r>
+                  <a:rPr lang="sk-SK" dirty="0"/>
+                  <a:t>máme spojitý signál v čase </a:t>
+                </a:r>
+                <a14:m>
+                  <m:oMath xmlns:m="http://schemas.openxmlformats.org/officeDocument/2006/math">
+                    <m:r>
+                      <a:rPr lang="sk-SK" i="1">
+                        <a:latin typeface="Cambria Math" panose="02040503050406030204" pitchFamily="18" charset="0"/>
+                      </a:rPr>
+                      <m:t>𝑓</m:t>
+                    </m:r>
+                    <m:d>
+                      <m:dPr>
+                        <m:ctrlPr>
+                          <a:rPr lang="sk-SK" i="1">
+                            <a:latin typeface="Cambria Math" panose="02040503050406030204" pitchFamily="18" charset="0"/>
+                          </a:rPr>
+                        </m:ctrlPr>
+                      </m:dPr>
+                      <m:e>
+                        <m:r>
+                          <a:rPr lang="sk-SK" i="1">
+                            <a:latin typeface="Cambria Math" panose="02040503050406030204" pitchFamily="18" charset="0"/>
+                          </a:rPr>
+                          <m:t>𝑡</m:t>
+                        </m:r>
+                      </m:e>
+                    </m:d>
+                    <m:r>
+                      <a:rPr lang="sk-SK" b="0" i="0" smtClean="0">
+                        <a:latin typeface="Cambria Math" panose="02040503050406030204" pitchFamily="18" charset="0"/>
+                      </a:rPr>
+                      <m:t>,</m:t>
+                    </m:r>
+                  </m:oMath>
+                </a14:m>
+                <a:r>
+                  <a:rPr lang="sk-SK" dirty="0" smtClean="0"/>
+                  <a:t> jeho prvú deriváciu </a:t>
+                </a:r>
+                <a14:m>
+                  <m:oMath xmlns:m="http://schemas.openxmlformats.org/officeDocument/2006/math">
+                    <m:sSup>
+                      <m:sSupPr>
+                        <m:ctrlPr>
+                          <a:rPr lang="sk-SK" b="0" i="1" smtClean="0">
+                            <a:latin typeface="Cambria Math" panose="02040503050406030204" pitchFamily="18" charset="0"/>
+                          </a:rPr>
+                        </m:ctrlPr>
+                      </m:sSupPr>
+                      <m:e>
+                        <m:r>
+                          <a:rPr lang="sk-SK" b="0" i="1" smtClean="0">
+                            <a:latin typeface="Cambria Math" panose="02040503050406030204" pitchFamily="18" charset="0"/>
+                          </a:rPr>
+                          <m:t>𝑓</m:t>
+                        </m:r>
+                      </m:e>
+                      <m:sup>
+                        <m:r>
+                          <a:rPr lang="en-US" b="0" i="1" smtClean="0">
+                            <a:latin typeface="Cambria Math" panose="02040503050406030204" pitchFamily="18" charset="0"/>
+                          </a:rPr>
+                          <m:t>′</m:t>
+                        </m:r>
+                      </m:sup>
+                    </m:sSup>
+                    <m:r>
+                      <a:rPr lang="sk-SK" b="0" i="1" smtClean="0">
+                        <a:latin typeface="Cambria Math" panose="02040503050406030204" pitchFamily="18" charset="0"/>
+                      </a:rPr>
+                      <m:t>(</m:t>
+                    </m:r>
+                    <m:r>
+                      <a:rPr lang="sk-SK" b="0" i="1" smtClean="0">
+                        <a:latin typeface="Cambria Math" panose="02040503050406030204" pitchFamily="18" charset="0"/>
+                      </a:rPr>
+                      <m:t>𝑡</m:t>
+                    </m:r>
+                    <m:r>
+                      <a:rPr lang="sk-SK" b="0" i="1" smtClean="0">
+                        <a:latin typeface="Cambria Math" panose="02040503050406030204" pitchFamily="18" charset="0"/>
+                      </a:rPr>
+                      <m:t>)</m:t>
+                    </m:r>
+                  </m:oMath>
+                </a14:m>
+                <a:r>
+                  <a:rPr lang="sk-SK" dirty="0" smtClean="0"/>
+                  <a:t> a </a:t>
+                </a:r>
+                <a:r>
+                  <a:rPr lang="sk-SK" dirty="0"/>
+                  <a:t>poznáme </a:t>
+                </a:r>
+                <a:r>
+                  <a:rPr lang="sk-SK" dirty="0" err="1" smtClean="0"/>
+                  <a:t>Laplaceov</a:t>
+                </a:r>
+                <a:r>
+                  <a:rPr lang="sk-SK" dirty="0" smtClean="0"/>
+                  <a:t> </a:t>
+                </a:r>
+                <a:r>
+                  <a:rPr lang="sk-SK" dirty="0"/>
+                  <a:t>obraz </a:t>
+                </a:r>
+                <a:r>
+                  <a:rPr lang="sk-SK" dirty="0" smtClean="0"/>
+                  <a:t>signálu - </a:t>
+                </a:r>
+                <a14:m>
+                  <m:oMath xmlns:m="http://schemas.openxmlformats.org/officeDocument/2006/math">
+                    <m:r>
+                      <a:rPr lang="sk-SK" i="1">
+                        <a:latin typeface="Cambria Math" panose="02040503050406030204" pitchFamily="18" charset="0"/>
+                      </a:rPr>
+                      <m:t>𝐹</m:t>
+                    </m:r>
+                    <m:d>
+                      <m:dPr>
+                        <m:ctrlPr>
+                          <a:rPr lang="sk-SK" i="1">
+                            <a:latin typeface="Cambria Math" panose="02040503050406030204" pitchFamily="18" charset="0"/>
+                          </a:rPr>
+                        </m:ctrlPr>
+                      </m:dPr>
+                      <m:e>
+                        <m:r>
+                          <a:rPr lang="sk-SK" i="1">
+                            <a:latin typeface="Cambria Math" panose="02040503050406030204" pitchFamily="18" charset="0"/>
+                          </a:rPr>
+                          <m:t>𝑠</m:t>
+                        </m:r>
+                      </m:e>
+                    </m:d>
+                  </m:oMath>
+                </a14:m>
+                <a:endParaRPr lang="sk-SK" dirty="0" smtClean="0"/>
+              </a:p>
+              <a:p>
+                <a:pPr>
+                  <a:buFont typeface="Arial" panose="020B0604020202020204" pitchFamily="34" charset="0"/>
+                  <a:buChar char="•"/>
+                </a:pPr>
+                <a:r>
+                  <a:rPr lang="sk-SK" dirty="0"/>
+                  <a:t>Aký má </a:t>
+                </a:r>
+                <a:r>
+                  <a:rPr lang="sk-SK" dirty="0" err="1"/>
+                  <a:t>Laplaceov</a:t>
+                </a:r>
+                <a:r>
+                  <a:rPr lang="sk-SK" dirty="0"/>
+                  <a:t> obraz</a:t>
+                </a:r>
+                <a:r>
+                  <a:rPr lang="sk-SK" dirty="0" smtClean="0"/>
+                  <a:t> prvá derivácia signálu?</a:t>
+                </a:r>
+              </a:p>
+              <a:p>
+                <a:pPr marL="0" indent="0">
+                  <a:buNone/>
+                </a:pPr>
+                <a14:m>
+                  <m:oMathPara xmlns:m="http://schemas.openxmlformats.org/officeDocument/2006/math">
+                    <m:oMathParaPr>
+                      <m:jc m:val="centerGroup"/>
+                    </m:oMathParaPr>
+                    <m:oMath xmlns:m="http://schemas.openxmlformats.org/officeDocument/2006/math">
+                      <m:r>
+                        <a:rPr lang="sk-SK" i="1">
+                          <a:latin typeface="Cambria Math" panose="02040503050406030204" pitchFamily="18" charset="0"/>
+                        </a:rPr>
+                        <m:t>𝐺</m:t>
+                      </m:r>
+                      <m:d>
+                        <m:dPr>
+                          <m:ctrlPr>
+                            <a:rPr lang="sk-SK" i="1">
+                              <a:latin typeface="Cambria Math" panose="02040503050406030204" pitchFamily="18" charset="0"/>
+                            </a:rPr>
+                          </m:ctrlPr>
+                        </m:dPr>
+                        <m:e>
+                          <m:r>
+                            <a:rPr lang="en-GB" i="1">
+                              <a:latin typeface="Cambria Math" panose="02040503050406030204" pitchFamily="18" charset="0"/>
+                            </a:rPr>
+                            <m:t>𝑠</m:t>
+                          </m:r>
+                        </m:e>
+                      </m:d>
+                      <m:r>
+                        <a:rPr lang="en-GB" i="1">
+                          <a:latin typeface="Cambria Math" panose="02040503050406030204" pitchFamily="18" charset="0"/>
+                        </a:rPr>
+                        <m:t>= </m:t>
+                      </m:r>
+                      <m:nary>
+                        <m:naryPr>
+                          <m:limLoc m:val="subSup"/>
+                          <m:ctrlPr>
+                            <a:rPr lang="sk-SK" i="1">
+                              <a:latin typeface="Cambria Math" panose="02040503050406030204" pitchFamily="18" charset="0"/>
+                            </a:rPr>
+                          </m:ctrlPr>
+                        </m:naryPr>
+                        <m:sub>
+                          <m:r>
+                            <a:rPr lang="sk-SK" b="0" i="1" smtClean="0">
+                              <a:latin typeface="Cambria Math" panose="02040503050406030204" pitchFamily="18" charset="0"/>
+                            </a:rPr>
+                            <m:t>0</m:t>
+                          </m:r>
+                        </m:sub>
+                        <m:sup>
+                          <m:r>
+                            <a:rPr lang="en-GB" i="1">
+                              <a:latin typeface="Cambria Math" panose="02040503050406030204" pitchFamily="18" charset="0"/>
+                            </a:rPr>
+                            <m:t>∞</m:t>
+                          </m:r>
+                        </m:sup>
+                        <m:e>
+                          <m:sSup>
+                            <m:sSupPr>
+                              <m:ctrlPr>
+                                <a:rPr lang="sk-SK" i="1">
+                                  <a:latin typeface="Cambria Math" panose="02040503050406030204" pitchFamily="18" charset="0"/>
+                                </a:rPr>
+                              </m:ctrlPr>
+                            </m:sSupPr>
+                            <m:e>
+                              <m:r>
+                                <a:rPr lang="en-GB" i="1">
+                                  <a:latin typeface="Cambria Math" panose="02040503050406030204" pitchFamily="18" charset="0"/>
+                                </a:rPr>
+                                <m:t>𝑒</m:t>
+                              </m:r>
+                            </m:e>
+                            <m:sup>
+                              <m:r>
+                                <a:rPr lang="en-GB" i="1">
+                                  <a:latin typeface="Cambria Math" panose="02040503050406030204" pitchFamily="18" charset="0"/>
+                                </a:rPr>
+                                <m:t>−</m:t>
+                              </m:r>
+                              <m:r>
+                                <a:rPr lang="en-GB" i="1">
+                                  <a:latin typeface="Cambria Math" panose="02040503050406030204" pitchFamily="18" charset="0"/>
+                                </a:rPr>
+                                <m:t>𝑠𝑡</m:t>
+                              </m:r>
+                            </m:sup>
+                          </m:sSup>
+                          <m:sSup>
+                            <m:sSupPr>
+                              <m:ctrlPr>
+                                <a:rPr lang="sk-SK" i="1">
+                                  <a:latin typeface="Cambria Math" panose="02040503050406030204" pitchFamily="18" charset="0"/>
+                                </a:rPr>
+                              </m:ctrlPr>
+                            </m:sSupPr>
+                            <m:e>
+                              <m:r>
+                                <a:rPr lang="sk-SK" i="1">
+                                  <a:latin typeface="Cambria Math" panose="02040503050406030204" pitchFamily="18" charset="0"/>
+                                </a:rPr>
+                                <m:t>𝑓</m:t>
+                              </m:r>
+                            </m:e>
+                            <m:sup>
+                              <m:r>
+                                <a:rPr lang="en-US" i="1">
+                                  <a:latin typeface="Cambria Math" panose="02040503050406030204" pitchFamily="18" charset="0"/>
+                                </a:rPr>
+                                <m:t>′</m:t>
+                              </m:r>
+                            </m:sup>
+                          </m:sSup>
+                          <m:r>
+                            <a:rPr lang="sk-SK" i="1">
+                              <a:latin typeface="Cambria Math" panose="02040503050406030204" pitchFamily="18" charset="0"/>
+                            </a:rPr>
+                            <m:t>(</m:t>
+                          </m:r>
+                          <m:r>
+                            <a:rPr lang="sk-SK" i="1">
+                              <a:latin typeface="Cambria Math" panose="02040503050406030204" pitchFamily="18" charset="0"/>
+                            </a:rPr>
+                            <m:t>𝑡</m:t>
+                          </m:r>
+                          <m:r>
+                            <a:rPr lang="sk-SK" i="1">
+                              <a:latin typeface="Cambria Math" panose="02040503050406030204" pitchFamily="18" charset="0"/>
+                            </a:rPr>
+                            <m:t>)</m:t>
+                          </m:r>
+                          <m:r>
+                            <a:rPr lang="en-GB" i="1">
+                              <a:latin typeface="Cambria Math" panose="02040503050406030204" pitchFamily="18" charset="0"/>
+                            </a:rPr>
+                            <m:t>𝑑𝑡</m:t>
+                          </m:r>
+                        </m:e>
+                      </m:nary>
+                    </m:oMath>
+                  </m:oMathPara>
+                </a14:m>
+                <a:endParaRPr lang="sk-SK" dirty="0" smtClean="0"/>
+              </a:p>
+              <a:p>
+                <a:pPr>
+                  <a:buFont typeface="Arial" panose="020B0604020202020204" pitchFamily="34" charset="0"/>
+                  <a:buChar char="•"/>
+                </a:pPr>
+                <a:r>
+                  <a:rPr lang="sk-SK" dirty="0" smtClean="0"/>
+                  <a:t>Integrál metódou per-</a:t>
+                </a:r>
+                <a:r>
+                  <a:rPr lang="sk-SK" dirty="0" err="1" smtClean="0"/>
+                  <a:t>partes</a:t>
+                </a:r>
+                <a:endParaRPr lang="sk-SK" dirty="0" smtClean="0"/>
+              </a:p>
+              <a:p>
+                <a:pPr marL="0" indent="0">
+                  <a:buNone/>
+                </a:pPr>
+                <a14:m>
+                  <m:oMathPara xmlns:m="http://schemas.openxmlformats.org/officeDocument/2006/math">
+                    <m:oMathParaPr>
+                      <m:jc m:val="centerGroup"/>
+                    </m:oMathParaPr>
+                    <m:oMath xmlns:m="http://schemas.openxmlformats.org/officeDocument/2006/math">
+                      <m:nary>
+                        <m:naryPr>
+                          <m:limLoc m:val="undOvr"/>
+                          <m:subHide m:val="on"/>
+                          <m:supHide m:val="on"/>
+                          <m:ctrlPr>
+                            <a:rPr lang="sk-SK" i="1">
+                              <a:latin typeface="Cambria Math" panose="02040503050406030204" pitchFamily="18" charset="0"/>
+                            </a:rPr>
+                          </m:ctrlPr>
+                        </m:naryPr>
+                        <m:sub/>
+                        <m:sup/>
+                        <m:e>
+                          <m:sSub>
+                            <m:sSubPr>
+                              <m:ctrlPr>
+                                <a:rPr lang="sk-SK" i="1">
+                                  <a:latin typeface="Cambria Math" panose="02040503050406030204" pitchFamily="18" charset="0"/>
+                                </a:rPr>
+                              </m:ctrlPr>
+                            </m:sSubPr>
+                            <m:e>
+                              <m:r>
+                                <a:rPr lang="en-US" i="1">
+                                  <a:latin typeface="Cambria Math" panose="02040503050406030204" pitchFamily="18" charset="0"/>
+                                </a:rPr>
+                                <m:t>𝑢</m:t>
+                              </m:r>
+                            </m:e>
+                            <m:sub>
+                              <m:r>
+                                <a:rPr lang="en-US" i="1">
+                                  <a:latin typeface="Cambria Math" panose="02040503050406030204" pitchFamily="18" charset="0"/>
+                                </a:rPr>
+                                <m:t>(</m:t>
+                              </m:r>
+                              <m:r>
+                                <a:rPr lang="en-US" i="1">
+                                  <a:latin typeface="Cambria Math" panose="02040503050406030204" pitchFamily="18" charset="0"/>
+                                </a:rPr>
+                                <m:t>𝑥</m:t>
+                              </m:r>
+                              <m:r>
+                                <a:rPr lang="en-US" i="1">
+                                  <a:latin typeface="Cambria Math" panose="02040503050406030204" pitchFamily="18" charset="0"/>
+                                </a:rPr>
+                                <m:t>)</m:t>
+                              </m:r>
+                            </m:sub>
+                          </m:sSub>
+                          <m:r>
+                            <a:rPr lang="sk-SK" i="1">
+                              <a:latin typeface="Cambria Math" panose="02040503050406030204" pitchFamily="18" charset="0"/>
+                            </a:rPr>
+                            <m:t> </m:t>
+                          </m:r>
+                          <m:sSubSup>
+                            <m:sSubSupPr>
+                              <m:ctrlPr>
+                                <a:rPr lang="sk-SK" i="1">
+                                  <a:latin typeface="Cambria Math" panose="02040503050406030204" pitchFamily="18" charset="0"/>
+                                </a:rPr>
+                              </m:ctrlPr>
+                            </m:sSubSupPr>
+                            <m:e>
+                              <m:r>
+                                <a:rPr lang="en-US" i="1">
+                                  <a:latin typeface="Cambria Math" panose="02040503050406030204" pitchFamily="18" charset="0"/>
+                                </a:rPr>
+                                <m:t>𝑣</m:t>
+                              </m:r>
+                            </m:e>
+                            <m:sub>
+                              <m:r>
+                                <a:rPr lang="en-US" i="1">
+                                  <a:latin typeface="Cambria Math" panose="02040503050406030204" pitchFamily="18" charset="0"/>
+                                </a:rPr>
+                                <m:t>(</m:t>
+                              </m:r>
+                              <m:r>
+                                <a:rPr lang="en-US" i="1">
+                                  <a:latin typeface="Cambria Math" panose="02040503050406030204" pitchFamily="18" charset="0"/>
+                                </a:rPr>
+                                <m:t>𝑥</m:t>
+                              </m:r>
+                              <m:r>
+                                <a:rPr lang="en-US" i="1">
+                                  <a:latin typeface="Cambria Math" panose="02040503050406030204" pitchFamily="18" charset="0"/>
+                                </a:rPr>
+                                <m:t>)</m:t>
+                              </m:r>
+                            </m:sub>
+                            <m:sup>
+                              <m:r>
+                                <a:rPr lang="en-US" i="1">
+                                  <a:latin typeface="Cambria Math" panose="02040503050406030204" pitchFamily="18" charset="0"/>
+                                </a:rPr>
+                                <m:t>′</m:t>
+                              </m:r>
+                            </m:sup>
+                          </m:sSubSup>
+                          <m:r>
+                            <a:rPr lang="en-US" i="1">
+                              <a:latin typeface="Cambria Math" panose="02040503050406030204" pitchFamily="18" charset="0"/>
+                            </a:rPr>
+                            <m:t>𝑑𝑥</m:t>
+                          </m:r>
+                        </m:e>
+                      </m:nary>
+                      <m:r>
+                        <a:rPr lang="en-US" i="1">
+                          <a:latin typeface="Cambria Math" panose="02040503050406030204" pitchFamily="18" charset="0"/>
+                        </a:rPr>
+                        <m:t>=</m:t>
+                      </m:r>
+                      <m:sSub>
+                        <m:sSubPr>
+                          <m:ctrlPr>
+                            <a:rPr lang="sk-SK" i="1">
+                              <a:latin typeface="Cambria Math" panose="02040503050406030204" pitchFamily="18" charset="0"/>
+                            </a:rPr>
+                          </m:ctrlPr>
+                        </m:sSubPr>
+                        <m:e>
+                          <m:r>
+                            <a:rPr lang="en-US" i="1">
+                              <a:latin typeface="Cambria Math" panose="02040503050406030204" pitchFamily="18" charset="0"/>
+                            </a:rPr>
+                            <m:t>𝑢</m:t>
+                          </m:r>
+                        </m:e>
+                        <m:sub>
+                          <m:r>
+                            <a:rPr lang="en-US" i="1">
+                              <a:latin typeface="Cambria Math" panose="02040503050406030204" pitchFamily="18" charset="0"/>
+                            </a:rPr>
+                            <m:t>(</m:t>
+                          </m:r>
+                          <m:r>
+                            <a:rPr lang="en-US" i="1">
+                              <a:latin typeface="Cambria Math" panose="02040503050406030204" pitchFamily="18" charset="0"/>
+                            </a:rPr>
+                            <m:t>𝑥</m:t>
+                          </m:r>
+                          <m:r>
+                            <a:rPr lang="en-US" i="1">
+                              <a:latin typeface="Cambria Math" panose="02040503050406030204" pitchFamily="18" charset="0"/>
+                            </a:rPr>
+                            <m:t>)</m:t>
+                          </m:r>
+                        </m:sub>
+                      </m:sSub>
+                      <m:r>
+                        <a:rPr lang="sk-SK" i="1">
+                          <a:latin typeface="Cambria Math" panose="02040503050406030204" pitchFamily="18" charset="0"/>
+                        </a:rPr>
+                        <m:t> </m:t>
+                      </m:r>
+                      <m:sSub>
+                        <m:sSubPr>
+                          <m:ctrlPr>
+                            <a:rPr lang="sk-SK" i="1">
+                              <a:latin typeface="Cambria Math" panose="02040503050406030204" pitchFamily="18" charset="0"/>
+                            </a:rPr>
+                          </m:ctrlPr>
+                        </m:sSubPr>
+                        <m:e>
+                          <m:r>
+                            <a:rPr lang="en-US" i="1">
+                              <a:latin typeface="Cambria Math" panose="02040503050406030204" pitchFamily="18" charset="0"/>
+                            </a:rPr>
+                            <m:t>𝑣</m:t>
+                          </m:r>
+                        </m:e>
+                        <m:sub>
+                          <m:r>
+                            <a:rPr lang="en-US" i="1">
+                              <a:latin typeface="Cambria Math" panose="02040503050406030204" pitchFamily="18" charset="0"/>
+                            </a:rPr>
+                            <m:t>(</m:t>
+                          </m:r>
+                          <m:r>
+                            <a:rPr lang="en-US" i="1">
+                              <a:latin typeface="Cambria Math" panose="02040503050406030204" pitchFamily="18" charset="0"/>
+                            </a:rPr>
+                            <m:t>𝑥</m:t>
+                          </m:r>
+                          <m:r>
+                            <a:rPr lang="en-US" i="1">
+                              <a:latin typeface="Cambria Math" panose="02040503050406030204" pitchFamily="18" charset="0"/>
+                            </a:rPr>
+                            <m:t>)</m:t>
+                          </m:r>
+                        </m:sub>
+                      </m:sSub>
+                      <m:r>
+                        <a:rPr lang="en-US" i="1">
+                          <a:latin typeface="Cambria Math" panose="02040503050406030204" pitchFamily="18" charset="0"/>
+                        </a:rPr>
+                        <m:t>−</m:t>
+                      </m:r>
+                      <m:nary>
+                        <m:naryPr>
+                          <m:limLoc m:val="undOvr"/>
+                          <m:subHide m:val="on"/>
+                          <m:supHide m:val="on"/>
+                          <m:ctrlPr>
+                            <a:rPr lang="sk-SK" i="1">
+                              <a:latin typeface="Cambria Math" panose="02040503050406030204" pitchFamily="18" charset="0"/>
+                            </a:rPr>
+                          </m:ctrlPr>
+                        </m:naryPr>
+                        <m:sub/>
+                        <m:sup/>
+                        <m:e>
+                          <m:sSub>
+                            <m:sSubPr>
+                              <m:ctrlPr>
+                                <a:rPr lang="sk-SK" i="1">
+                                  <a:latin typeface="Cambria Math" panose="02040503050406030204" pitchFamily="18" charset="0"/>
+                                </a:rPr>
+                              </m:ctrlPr>
+                            </m:sSubPr>
+                            <m:e>
+                              <m:sSup>
+                                <m:sSupPr>
+                                  <m:ctrlPr>
+                                    <a:rPr lang="sk-SK" i="1">
+                                      <a:latin typeface="Cambria Math" panose="02040503050406030204" pitchFamily="18" charset="0"/>
+                                    </a:rPr>
+                                  </m:ctrlPr>
+                                </m:sSupPr>
+                                <m:e>
+                                  <m:r>
+                                    <a:rPr lang="en-US" i="1">
+                                      <a:latin typeface="Cambria Math" panose="02040503050406030204" pitchFamily="18" charset="0"/>
+                                    </a:rPr>
+                                    <m:t>𝑢</m:t>
+                                  </m:r>
+                                </m:e>
+                                <m:sup>
+                                  <m:r>
+                                    <a:rPr lang="en-US" i="1">
+                                      <a:latin typeface="Cambria Math" panose="02040503050406030204" pitchFamily="18" charset="0"/>
+                                    </a:rPr>
+                                    <m:t>′</m:t>
+                                  </m:r>
+                                </m:sup>
+                              </m:sSup>
+                            </m:e>
+                            <m:sub>
+                              <m:r>
+                                <a:rPr lang="en-US" i="1">
+                                  <a:latin typeface="Cambria Math" panose="02040503050406030204" pitchFamily="18" charset="0"/>
+                                </a:rPr>
+                                <m:t>(</m:t>
+                              </m:r>
+                              <m:r>
+                                <a:rPr lang="en-US" i="1">
+                                  <a:latin typeface="Cambria Math" panose="02040503050406030204" pitchFamily="18" charset="0"/>
+                                </a:rPr>
+                                <m:t>𝑥</m:t>
+                              </m:r>
+                              <m:r>
+                                <a:rPr lang="en-US" i="1">
+                                  <a:latin typeface="Cambria Math" panose="02040503050406030204" pitchFamily="18" charset="0"/>
+                                </a:rPr>
+                                <m:t>)</m:t>
+                              </m:r>
+                            </m:sub>
+                          </m:sSub>
+                          <m:r>
+                            <a:rPr lang="sk-SK" i="1">
+                              <a:latin typeface="Cambria Math" panose="02040503050406030204" pitchFamily="18" charset="0"/>
+                            </a:rPr>
+                            <m:t> </m:t>
+                          </m:r>
+                          <m:sSub>
+                            <m:sSubPr>
+                              <m:ctrlPr>
+                                <a:rPr lang="sk-SK" i="1">
+                                  <a:latin typeface="Cambria Math" panose="02040503050406030204" pitchFamily="18" charset="0"/>
+                                </a:rPr>
+                              </m:ctrlPr>
+                            </m:sSubPr>
+                            <m:e>
+                              <m:r>
+                                <a:rPr lang="en-US" i="1">
+                                  <a:latin typeface="Cambria Math" panose="02040503050406030204" pitchFamily="18" charset="0"/>
+                                </a:rPr>
+                                <m:t>𝑣</m:t>
+                              </m:r>
+                            </m:e>
+                            <m:sub>
+                              <m:r>
+                                <a:rPr lang="en-US" i="1">
+                                  <a:latin typeface="Cambria Math" panose="02040503050406030204" pitchFamily="18" charset="0"/>
+                                </a:rPr>
+                                <m:t>(</m:t>
+                              </m:r>
+                              <m:r>
+                                <a:rPr lang="en-US" i="1">
+                                  <a:latin typeface="Cambria Math" panose="02040503050406030204" pitchFamily="18" charset="0"/>
+                                </a:rPr>
+                                <m:t>𝑥</m:t>
+                              </m:r>
+                              <m:r>
+                                <a:rPr lang="en-US" i="1">
+                                  <a:latin typeface="Cambria Math" panose="02040503050406030204" pitchFamily="18" charset="0"/>
+                                </a:rPr>
+                                <m:t>)</m:t>
+                              </m:r>
+                            </m:sub>
+                          </m:sSub>
+                        </m:e>
+                      </m:nary>
+                      <m:r>
+                        <a:rPr lang="en-US" i="1">
+                          <a:latin typeface="Cambria Math" panose="02040503050406030204" pitchFamily="18" charset="0"/>
+                        </a:rPr>
+                        <m:t>𝑑𝑥</m:t>
+                      </m:r>
+                    </m:oMath>
+                  </m:oMathPara>
+                </a14:m>
+                <a:endParaRPr lang="en-US" dirty="0" smtClean="0"/>
+              </a:p>
+              <a:p>
+                <a:pPr marL="0" indent="0">
+                  <a:buNone/>
+                </a:pPr>
+                <a:endParaRPr lang="sk-SK" dirty="0"/>
+              </a:p>
+              <a:p>
+                <a:pPr marL="0" indent="0">
+                  <a:buNone/>
+                </a:pPr>
+                <a14:m>
+                  <m:oMathPara xmlns:m="http://schemas.openxmlformats.org/officeDocument/2006/math">
+                    <m:oMathParaPr>
+                      <m:jc m:val="centerGroup"/>
+                    </m:oMathParaPr>
+                    <m:oMath xmlns:m="http://schemas.openxmlformats.org/officeDocument/2006/math">
+                      <m:nary>
+                        <m:naryPr>
+                          <m:limLoc m:val="subSup"/>
+                          <m:ctrlPr>
+                            <a:rPr lang="sk-SK" i="1">
+                              <a:latin typeface="Cambria Math" panose="02040503050406030204" pitchFamily="18" charset="0"/>
+                            </a:rPr>
+                          </m:ctrlPr>
+                        </m:naryPr>
+                        <m:sub>
+                          <m:r>
+                            <a:rPr lang="sk-SK" i="1">
+                              <a:latin typeface="Cambria Math" panose="02040503050406030204" pitchFamily="18" charset="0"/>
+                            </a:rPr>
+                            <m:t>0</m:t>
+                          </m:r>
+                        </m:sub>
+                        <m:sup>
+                          <m:r>
+                            <a:rPr lang="en-GB" i="1">
+                              <a:latin typeface="Cambria Math" panose="02040503050406030204" pitchFamily="18" charset="0"/>
+                            </a:rPr>
+                            <m:t>∞</m:t>
+                          </m:r>
+                        </m:sup>
+                        <m:e>
+                          <m:sSup>
+                            <m:sSupPr>
+                              <m:ctrlPr>
+                                <a:rPr lang="sk-SK" i="1">
+                                  <a:latin typeface="Cambria Math" panose="02040503050406030204" pitchFamily="18" charset="0"/>
+                                </a:rPr>
+                              </m:ctrlPr>
+                            </m:sSupPr>
+                            <m:e>
+                              <m:r>
+                                <a:rPr lang="en-GB" i="1">
+                                  <a:latin typeface="Cambria Math" panose="02040503050406030204" pitchFamily="18" charset="0"/>
+                                </a:rPr>
+                                <m:t>𝑒</m:t>
+                              </m:r>
+                            </m:e>
+                            <m:sup>
+                              <m:r>
+                                <a:rPr lang="en-GB" i="1">
+                                  <a:latin typeface="Cambria Math" panose="02040503050406030204" pitchFamily="18" charset="0"/>
+                                </a:rPr>
+                                <m:t>−</m:t>
+                              </m:r>
+                              <m:r>
+                                <a:rPr lang="en-GB" i="1">
+                                  <a:latin typeface="Cambria Math" panose="02040503050406030204" pitchFamily="18" charset="0"/>
+                                </a:rPr>
+                                <m:t>𝑠𝑡</m:t>
+                              </m:r>
+                            </m:sup>
+                          </m:sSup>
+                          <m:sSup>
+                            <m:sSupPr>
+                              <m:ctrlPr>
+                                <a:rPr lang="sk-SK" i="1">
+                                  <a:latin typeface="Cambria Math" panose="02040503050406030204" pitchFamily="18" charset="0"/>
+                                </a:rPr>
+                              </m:ctrlPr>
+                            </m:sSupPr>
+                            <m:e>
+                              <m:r>
+                                <a:rPr lang="sk-SK" i="1">
+                                  <a:latin typeface="Cambria Math" panose="02040503050406030204" pitchFamily="18" charset="0"/>
+                                </a:rPr>
+                                <m:t>𝑓</m:t>
+                              </m:r>
+                            </m:e>
+                            <m:sup>
+                              <m:r>
+                                <a:rPr lang="en-US" i="1">
+                                  <a:latin typeface="Cambria Math" panose="02040503050406030204" pitchFamily="18" charset="0"/>
+                                </a:rPr>
+                                <m:t>′</m:t>
+                              </m:r>
+                            </m:sup>
+                          </m:sSup>
+                          <m:r>
+                            <a:rPr lang="sk-SK" i="1">
+                              <a:latin typeface="Cambria Math" panose="02040503050406030204" pitchFamily="18" charset="0"/>
+                            </a:rPr>
+                            <m:t>(</m:t>
+                          </m:r>
+                          <m:r>
+                            <a:rPr lang="sk-SK" i="1">
+                              <a:latin typeface="Cambria Math" panose="02040503050406030204" pitchFamily="18" charset="0"/>
+                            </a:rPr>
+                            <m:t>𝑡</m:t>
+                          </m:r>
+                          <m:r>
+                            <a:rPr lang="sk-SK" i="1">
+                              <a:latin typeface="Cambria Math" panose="02040503050406030204" pitchFamily="18" charset="0"/>
+                            </a:rPr>
+                            <m:t>)</m:t>
+                          </m:r>
+                          <m:r>
+                            <a:rPr lang="en-GB" i="1">
+                              <a:latin typeface="Cambria Math" panose="02040503050406030204" pitchFamily="18" charset="0"/>
+                            </a:rPr>
+                            <m:t>𝑑𝑡</m:t>
+                          </m:r>
+                        </m:e>
+                      </m:nary>
+                      <m:r>
+                        <a:rPr lang="sk-SK" b="0" i="1" smtClean="0">
+                          <a:latin typeface="Cambria Math" panose="02040503050406030204" pitchFamily="18" charset="0"/>
+                        </a:rPr>
+                        <m:t>=</m:t>
+                      </m:r>
+                      <m:sSubSup>
+                        <m:sSubSupPr>
+                          <m:ctrlPr>
+                            <a:rPr lang="sk-SK" b="0" i="1" smtClean="0">
+                              <a:latin typeface="Cambria Math" panose="02040503050406030204" pitchFamily="18" charset="0"/>
+                            </a:rPr>
+                          </m:ctrlPr>
+                        </m:sSubSupPr>
+                        <m:e>
+                          <m:r>
+                            <a:rPr lang="en-US" b="0" i="1" smtClean="0">
+                              <a:latin typeface="Cambria Math" panose="02040503050406030204" pitchFamily="18" charset="0"/>
+                            </a:rPr>
+                            <m:t>[</m:t>
+                          </m:r>
+                          <m:sSup>
+                            <m:sSupPr>
+                              <m:ctrlPr>
+                                <a:rPr lang="sk-SK" i="1">
+                                  <a:latin typeface="Cambria Math" panose="02040503050406030204" pitchFamily="18" charset="0"/>
+                                </a:rPr>
+                              </m:ctrlPr>
+                            </m:sSupPr>
+                            <m:e>
+                              <m:r>
+                                <a:rPr lang="en-GB" i="1">
+                                  <a:latin typeface="Cambria Math" panose="02040503050406030204" pitchFamily="18" charset="0"/>
+                                </a:rPr>
+                                <m:t>𝑒</m:t>
+                              </m:r>
+                            </m:e>
+                            <m:sup>
+                              <m:r>
+                                <a:rPr lang="en-GB" i="1">
+                                  <a:latin typeface="Cambria Math" panose="02040503050406030204" pitchFamily="18" charset="0"/>
+                                </a:rPr>
+                                <m:t>−</m:t>
+                              </m:r>
+                              <m:r>
+                                <a:rPr lang="en-GB" i="1">
+                                  <a:latin typeface="Cambria Math" panose="02040503050406030204" pitchFamily="18" charset="0"/>
+                                </a:rPr>
+                                <m:t>𝑠𝑡</m:t>
+                              </m:r>
+                            </m:sup>
+                          </m:sSup>
+                          <m:r>
+                            <a:rPr lang="sk-SK" i="1">
+                              <a:latin typeface="Cambria Math" panose="02040503050406030204" pitchFamily="18" charset="0"/>
+                            </a:rPr>
+                            <m:t>𝑓</m:t>
+                          </m:r>
+                          <m:d>
+                            <m:dPr>
+                              <m:ctrlPr>
+                                <a:rPr lang="sk-SK" i="1">
+                                  <a:latin typeface="Cambria Math" panose="02040503050406030204" pitchFamily="18" charset="0"/>
+                                </a:rPr>
+                              </m:ctrlPr>
+                            </m:dPr>
+                            <m:e>
+                              <m:r>
+                                <a:rPr lang="sk-SK" i="1">
+                                  <a:latin typeface="Cambria Math" panose="02040503050406030204" pitchFamily="18" charset="0"/>
+                                </a:rPr>
+                                <m:t>𝑡</m:t>
+                              </m:r>
+                            </m:e>
+                          </m:d>
+                          <m:r>
+                            <a:rPr lang="en-US" b="0" i="1" smtClean="0">
+                              <a:latin typeface="Cambria Math" panose="02040503050406030204" pitchFamily="18" charset="0"/>
+                            </a:rPr>
+                            <m:t>]</m:t>
+                          </m:r>
+                        </m:e>
+                        <m:sub>
+                          <m:r>
+                            <a:rPr lang="sk-SK" i="1">
+                              <a:latin typeface="Cambria Math" panose="02040503050406030204" pitchFamily="18" charset="0"/>
+                            </a:rPr>
+                            <m:t>0</m:t>
+                          </m:r>
+                        </m:sub>
+                        <m:sup>
+                          <m:r>
+                            <a:rPr lang="en-GB" i="1">
+                              <a:latin typeface="Cambria Math" panose="02040503050406030204" pitchFamily="18" charset="0"/>
+                            </a:rPr>
+                            <m:t>∞</m:t>
+                          </m:r>
+                        </m:sup>
+                      </m:sSubSup>
+                      <m:r>
+                        <a:rPr lang="en-US" b="0" i="1" smtClean="0">
+                          <a:latin typeface="Cambria Math" panose="02040503050406030204" pitchFamily="18" charset="0"/>
+                        </a:rPr>
+                        <m:t>+</m:t>
+                      </m:r>
+                      <m:r>
+                        <a:rPr lang="en-US" b="0" i="1" smtClean="0">
+                          <a:latin typeface="Cambria Math" panose="02040503050406030204" pitchFamily="18" charset="0"/>
+                        </a:rPr>
+                        <m:t>𝑠</m:t>
+                      </m:r>
+                      <m:nary>
+                        <m:naryPr>
+                          <m:limLoc m:val="subSup"/>
+                          <m:ctrlPr>
+                            <a:rPr lang="sk-SK" i="1">
+                              <a:latin typeface="Cambria Math" panose="02040503050406030204" pitchFamily="18" charset="0"/>
+                            </a:rPr>
+                          </m:ctrlPr>
+                        </m:naryPr>
+                        <m:sub>
+                          <m:r>
+                            <a:rPr lang="sk-SK" i="1">
+                              <a:latin typeface="Cambria Math" panose="02040503050406030204" pitchFamily="18" charset="0"/>
+                            </a:rPr>
+                            <m:t>0</m:t>
+                          </m:r>
+                        </m:sub>
+                        <m:sup>
+                          <m:r>
+                            <a:rPr lang="en-GB" i="1">
+                              <a:latin typeface="Cambria Math" panose="02040503050406030204" pitchFamily="18" charset="0"/>
+                            </a:rPr>
+                            <m:t>∞</m:t>
+                          </m:r>
+                        </m:sup>
+                        <m:e>
+                          <m:sSup>
+                            <m:sSupPr>
+                              <m:ctrlPr>
+                                <a:rPr lang="sk-SK" i="1">
+                                  <a:latin typeface="Cambria Math" panose="02040503050406030204" pitchFamily="18" charset="0"/>
+                                </a:rPr>
+                              </m:ctrlPr>
+                            </m:sSupPr>
+                            <m:e>
+                              <m:r>
+                                <a:rPr lang="en-GB" i="1">
+                                  <a:latin typeface="Cambria Math" panose="02040503050406030204" pitchFamily="18" charset="0"/>
+                                </a:rPr>
+                                <m:t>𝑒</m:t>
+                              </m:r>
+                            </m:e>
+                            <m:sup>
+                              <m:r>
+                                <a:rPr lang="en-GB" i="1">
+                                  <a:latin typeface="Cambria Math" panose="02040503050406030204" pitchFamily="18" charset="0"/>
+                                </a:rPr>
+                                <m:t>−</m:t>
+                              </m:r>
+                              <m:r>
+                                <a:rPr lang="en-GB" i="1">
+                                  <a:latin typeface="Cambria Math" panose="02040503050406030204" pitchFamily="18" charset="0"/>
+                                </a:rPr>
+                                <m:t>𝑠𝑡</m:t>
+                              </m:r>
+                            </m:sup>
+                          </m:sSup>
+                          <m:r>
+                            <a:rPr lang="sk-SK" i="1">
+                              <a:latin typeface="Cambria Math" panose="02040503050406030204" pitchFamily="18" charset="0"/>
+                            </a:rPr>
+                            <m:t>𝑓</m:t>
+                          </m:r>
+                          <m:d>
+                            <m:dPr>
+                              <m:ctrlPr>
+                                <a:rPr lang="sk-SK" i="1">
+                                  <a:latin typeface="Cambria Math" panose="02040503050406030204" pitchFamily="18" charset="0"/>
+                                </a:rPr>
+                              </m:ctrlPr>
+                            </m:dPr>
+                            <m:e>
+                              <m:r>
+                                <a:rPr lang="sk-SK" i="1">
+                                  <a:latin typeface="Cambria Math" panose="02040503050406030204" pitchFamily="18" charset="0"/>
+                                </a:rPr>
+                                <m:t>𝑡</m:t>
+                              </m:r>
+                            </m:e>
+                          </m:d>
+                          <m:r>
+                            <a:rPr lang="en-GB" i="1">
+                              <a:latin typeface="Cambria Math" panose="02040503050406030204" pitchFamily="18" charset="0"/>
+                            </a:rPr>
+                            <m:t>𝑑𝑡</m:t>
+                          </m:r>
+                        </m:e>
+                      </m:nary>
+                    </m:oMath>
+                  </m:oMathPara>
+                </a14:m>
+                <a:endParaRPr lang="en-US" dirty="0" smtClean="0"/>
+              </a:p>
+              <a:p>
+                <a:pPr marL="0" indent="0">
+                  <a:buNone/>
+                </a:pPr>
+                <a:endParaRPr lang="sk-SK" dirty="0" smtClean="0"/>
+              </a:p>
+              <a:p>
+                <a:pPr marL="0" indent="0">
+                  <a:buNone/>
+                </a:pPr>
+                <a14:m>
+                  <m:oMathPara xmlns:m="http://schemas.openxmlformats.org/officeDocument/2006/math">
+                    <m:oMathParaPr>
+                      <m:jc m:val="centerGroup"/>
+                    </m:oMathParaPr>
+                    <m:oMath xmlns:m="http://schemas.openxmlformats.org/officeDocument/2006/math">
+                      <m:r>
+                        <a:rPr lang="sk-SK" i="1">
+                          <a:latin typeface="Cambria Math" panose="02040503050406030204" pitchFamily="18" charset="0"/>
+                        </a:rPr>
+                        <m:t>𝐺</m:t>
+                      </m:r>
+                      <m:d>
+                        <m:dPr>
+                          <m:ctrlPr>
+                            <a:rPr lang="sk-SK" i="1">
+                              <a:latin typeface="Cambria Math" panose="02040503050406030204" pitchFamily="18" charset="0"/>
+                            </a:rPr>
+                          </m:ctrlPr>
+                        </m:dPr>
+                        <m:e>
+                          <m:r>
+                            <a:rPr lang="en-GB" i="1">
+                              <a:latin typeface="Cambria Math" panose="02040503050406030204" pitchFamily="18" charset="0"/>
+                            </a:rPr>
+                            <m:t>𝑠</m:t>
+                          </m:r>
+                        </m:e>
+                      </m:d>
+                      <m:r>
+                        <a:rPr lang="en-US" b="0" i="1" smtClean="0">
+                          <a:latin typeface="Cambria Math" panose="02040503050406030204" pitchFamily="18" charset="0"/>
+                        </a:rPr>
+                        <m:t>=</m:t>
+                      </m:r>
+                      <m:r>
+                        <a:rPr lang="en-US" b="0" i="1" smtClean="0">
+                          <a:latin typeface="Cambria Math" panose="02040503050406030204" pitchFamily="18" charset="0"/>
+                        </a:rPr>
+                        <m:t>𝑠𝐹</m:t>
+                      </m:r>
+                      <m:d>
+                        <m:dPr>
+                          <m:ctrlPr>
+                            <a:rPr lang="sk-SK" i="1">
+                              <a:latin typeface="Cambria Math" panose="02040503050406030204" pitchFamily="18" charset="0"/>
+                            </a:rPr>
+                          </m:ctrlPr>
+                        </m:dPr>
+                        <m:e>
+                          <m:r>
+                            <a:rPr lang="sk-SK" i="1">
+                              <a:latin typeface="Cambria Math" panose="02040503050406030204" pitchFamily="18" charset="0"/>
+                            </a:rPr>
+                            <m:t>𝑠</m:t>
+                          </m:r>
+                        </m:e>
+                      </m:d>
+                      <m:r>
+                        <a:rPr lang="en-US" b="0" i="1" smtClean="0">
+                          <a:latin typeface="Cambria Math" panose="02040503050406030204" pitchFamily="18" charset="0"/>
+                        </a:rPr>
+                        <m:t>−</m:t>
+                      </m:r>
+                      <m:sSub>
+                        <m:sSubPr>
+                          <m:ctrlPr>
+                            <a:rPr lang="en-US" b="0" i="1" smtClean="0">
+                              <a:latin typeface="Cambria Math" panose="02040503050406030204" pitchFamily="18" charset="0"/>
+                            </a:rPr>
+                          </m:ctrlPr>
+                        </m:sSubPr>
+                        <m:e>
+                          <m:r>
+                            <a:rPr lang="en-US" b="0" i="1" smtClean="0">
+                              <a:latin typeface="Cambria Math" panose="02040503050406030204" pitchFamily="18" charset="0"/>
+                            </a:rPr>
+                            <m:t>𝑓</m:t>
+                          </m:r>
+                        </m:e>
+                        <m:sub>
+                          <m:r>
+                            <a:rPr lang="en-US" b="0" i="1" smtClean="0">
+                              <a:latin typeface="Cambria Math" panose="02040503050406030204" pitchFamily="18" charset="0"/>
+                            </a:rPr>
+                            <m:t>(0)</m:t>
+                          </m:r>
+                        </m:sub>
+                      </m:sSub>
+                    </m:oMath>
+                  </m:oMathPara>
+                </a14:m>
+                <a:endParaRPr lang="sk-SK" dirty="0" smtClean="0"/>
+              </a:p>
+              <a:p>
+                <a:pPr>
+                  <a:buFont typeface="Arial" panose="020B0604020202020204" pitchFamily="34" charset="0"/>
+                  <a:buChar char="•"/>
+                </a:pPr>
+                <a:endParaRPr lang="sk-SK" dirty="0"/>
+              </a:p>
+            </p:txBody>
+          </p:sp>
+        </mc:Choice>
+        <mc:Fallback>
+          <p:sp>
+            <p:nvSpPr>
+              <p:cNvPr id="3" name="Zástupný symbol obsahu 2"/>
+              <p:cNvSpPr>
+                <a:spLocks noGrp="1" noRot="1" noChangeAspect="1" noMove="1" noResize="1" noEditPoints="1" noAdjustHandles="1" noChangeArrowheads="1" noChangeShapeType="1" noTextEdit="1"/>
+              </p:cNvSpPr>
+              <p:nvPr>
+                <p:ph idx="1"/>
+              </p:nvPr>
+            </p:nvSpPr>
+            <p:spPr>
+              <a:xfrm>
+                <a:off x="212467" y="1065159"/>
+                <a:ext cx="8618495" cy="5434495"/>
+              </a:xfrm>
+              <a:blipFill rotWithShape="0">
+                <a:blip r:embed="rId2"/>
+                <a:stretch>
+                  <a:fillRect l="-1627" t="-1908"/>
+                </a:stretch>
+              </a:blipFill>
+            </p:spPr>
+            <p:txBody>
+              <a:bodyPr/>
+              <a:lstStyle/>
+              <a:p>
+                <a:r>
+                  <a:rPr lang="sk-SK">
+                    <a:noFill/>
+                  </a:rPr>
+                  <a:t> </a:t>
+                </a:r>
+              </a:p>
+            </p:txBody>
+          </p:sp>
+        </mc:Fallback>
+      </mc:AlternateContent>
+    </p:spTree>
+    <p:extLst>
+      <p:ext uri="{BB962C8B-B14F-4D97-AF65-F5344CB8AC3E}">
+        <p14:creationId xmlns:p14="http://schemas.microsoft.com/office/powerpoint/2010/main" val="2496223856"/>
+      </p:ext>
+    </p:extLst>
+  </p:cSld>
+  <p:clrMapOvr>
+    <a:masterClrMapping/>
+  </p:clrMapOvr>
+</p:sld>
+</file>
+
+<file path=ppt/slides/slide26.xml><?xml version="1.0" encoding="utf-8"?>
+<p:sld xmlns:a="http://schemas.openxmlformats.org/drawingml/2006/main" xmlns:r="http://schemas.openxmlformats.org/officeDocument/2006/relationships" xmlns:p="http://schemas.openxmlformats.org/presentationml/2006/main">
+  <p:cSld>
+    <p:spTree>
+      <p:nvGrpSpPr>
+        <p:cNvPr id="1" name=""/>
+        <p:cNvGrpSpPr/>
+        <p:nvPr/>
+      </p:nvGrpSpPr>
+      <p:grpSpPr>
+        <a:xfrm>
+          <a:off x="0" y="0"/>
+          <a:ext cx="0" cy="0"/>
+          <a:chOff x="0" y="0"/>
+          <a:chExt cx="0" cy="0"/>
+        </a:xfrm>
+      </p:grpSpPr>
+      <p:sp>
+        <p:nvSpPr>
+          <p:cNvPr id="2" name="Nadpis 1"/>
+          <p:cNvSpPr>
+            <a:spLocks noGrp="1"/>
+          </p:cNvSpPr>
+          <p:nvPr>
+            <p:ph type="title"/>
+          </p:nvPr>
+        </p:nvSpPr>
+        <p:spPr/>
+        <p:txBody>
+          <a:bodyPr/>
+          <a:lstStyle/>
+          <a:p>
+            <a:r>
+              <a:rPr lang="sk-SK" dirty="0"/>
+              <a:t>Vzťah </a:t>
+            </a:r>
+            <a:r>
+              <a:rPr lang="sk-SK" dirty="0" err="1"/>
+              <a:t>Laplaceovej</a:t>
+            </a:r>
+            <a:r>
+              <a:rPr lang="sk-SK" dirty="0"/>
+              <a:t> transformácie a derivácie </a:t>
+            </a:r>
+          </a:p>
+        </p:txBody>
+      </p:sp>
+      <mc:AlternateContent xmlns:mc="http://schemas.openxmlformats.org/markup-compatibility/2006">
+        <mc:Choice xmlns:a14="http://schemas.microsoft.com/office/drawing/2010/main" Requires="a14">
+          <p:sp>
+            <p:nvSpPr>
+              <p:cNvPr id="3" name="Zástupný symbol obsahu 2"/>
+              <p:cNvSpPr>
+                <a:spLocks noGrp="1"/>
+              </p:cNvSpPr>
+              <p:nvPr>
+                <p:ph idx="1"/>
+              </p:nvPr>
+            </p:nvSpPr>
+            <p:spPr>
+              <a:xfrm>
+                <a:off x="360748" y="982781"/>
+                <a:ext cx="8503166" cy="5442733"/>
+              </a:xfrm>
+            </p:spPr>
+            <p:txBody>
+              <a:bodyPr>
+                <a:normAutofit lnSpcReduction="10000"/>
+              </a:bodyPr>
+              <a:lstStyle/>
+              <a:p>
+                <a:pPr>
+                  <a:buFont typeface="Arial" panose="020B0604020202020204" pitchFamily="34" charset="0"/>
+                  <a:buChar char="•"/>
+                </a:pPr>
+                <a:r>
+                  <a:rPr lang="en-US" dirty="0" smtClean="0"/>
+                  <a:t>Obraz </a:t>
+                </a:r>
+                <a:r>
+                  <a:rPr lang="en-US" dirty="0" err="1" smtClean="0"/>
+                  <a:t>deriv</a:t>
+                </a:r>
+                <a:r>
+                  <a:rPr lang="sk-SK" dirty="0" err="1" smtClean="0"/>
+                  <a:t>ácie</a:t>
+                </a:r>
+                <a:r>
+                  <a:rPr lang="sk-SK" dirty="0" smtClean="0"/>
+                  <a:t> signálu je teda:</a:t>
+                </a:r>
+              </a:p>
+              <a:p>
+                <a:pPr marL="0" indent="0">
+                  <a:buNone/>
+                </a:pPr>
+                <a14:m>
+                  <m:oMathPara xmlns:m="http://schemas.openxmlformats.org/officeDocument/2006/math">
+                    <m:oMathParaPr>
+                      <m:jc m:val="centerGroup"/>
+                    </m:oMathParaPr>
+                    <m:oMath xmlns:m="http://schemas.openxmlformats.org/officeDocument/2006/math">
+                      <m:r>
+                        <a:rPr lang="sk-SK" i="1">
+                          <a:latin typeface="Cambria Math" panose="02040503050406030204" pitchFamily="18" charset="0"/>
+                        </a:rPr>
+                        <m:t>𝐺</m:t>
+                      </m:r>
+                      <m:d>
+                        <m:dPr>
+                          <m:ctrlPr>
+                            <a:rPr lang="sk-SK" i="1">
+                              <a:latin typeface="Cambria Math" panose="02040503050406030204" pitchFamily="18" charset="0"/>
+                            </a:rPr>
+                          </m:ctrlPr>
+                        </m:dPr>
+                        <m:e>
+                          <m:r>
+                            <a:rPr lang="en-GB" i="1">
+                              <a:latin typeface="Cambria Math" panose="02040503050406030204" pitchFamily="18" charset="0"/>
+                            </a:rPr>
+                            <m:t>𝑠</m:t>
+                          </m:r>
+                        </m:e>
+                      </m:d>
+                      <m:r>
+                        <a:rPr lang="en-US" i="1">
+                          <a:latin typeface="Cambria Math" panose="02040503050406030204" pitchFamily="18" charset="0"/>
+                        </a:rPr>
+                        <m:t>=</m:t>
+                      </m:r>
+                      <m:r>
+                        <a:rPr lang="en-US" i="1" smtClean="0">
+                          <a:latin typeface="Cambria Math" panose="02040503050406030204" pitchFamily="18" charset="0"/>
+                        </a:rPr>
+                        <m:t>𝑠𝐹</m:t>
+                      </m:r>
+                      <m:d>
+                        <m:dPr>
+                          <m:ctrlPr>
+                            <a:rPr lang="sk-SK" i="1">
+                              <a:latin typeface="Cambria Math" panose="02040503050406030204" pitchFamily="18" charset="0"/>
+                            </a:rPr>
+                          </m:ctrlPr>
+                        </m:dPr>
+                        <m:e>
+                          <m:r>
+                            <a:rPr lang="sk-SK" i="1">
+                              <a:latin typeface="Cambria Math" panose="02040503050406030204" pitchFamily="18" charset="0"/>
+                            </a:rPr>
+                            <m:t>𝑠</m:t>
+                          </m:r>
+                        </m:e>
+                      </m:d>
+                      <m:r>
+                        <a:rPr lang="en-US" i="1">
+                          <a:latin typeface="Cambria Math" panose="02040503050406030204" pitchFamily="18" charset="0"/>
+                        </a:rPr>
+                        <m:t>−</m:t>
+                      </m:r>
+                      <m:sSub>
+                        <m:sSubPr>
+                          <m:ctrlPr>
+                            <a:rPr lang="en-US" i="1">
+                              <a:latin typeface="Cambria Math" panose="02040503050406030204" pitchFamily="18" charset="0"/>
+                            </a:rPr>
+                          </m:ctrlPr>
+                        </m:sSubPr>
+                        <m:e>
+                          <m:r>
+                            <a:rPr lang="en-US" i="1">
+                              <a:latin typeface="Cambria Math" panose="02040503050406030204" pitchFamily="18" charset="0"/>
+                            </a:rPr>
+                            <m:t>𝑓</m:t>
+                          </m:r>
+                        </m:e>
+                        <m:sub>
+                          <m:r>
+                            <a:rPr lang="en-US" i="1">
+                              <a:latin typeface="Cambria Math" panose="02040503050406030204" pitchFamily="18" charset="0"/>
+                            </a:rPr>
+                            <m:t>(0)</m:t>
+                          </m:r>
+                        </m:sub>
+                      </m:sSub>
+                    </m:oMath>
+                  </m:oMathPara>
+                </a14:m>
+                <a:endParaRPr lang="sk-SK" dirty="0" smtClean="0"/>
+              </a:p>
+              <a:p>
+                <a:pPr>
+                  <a:buFont typeface="Arial" panose="020B0604020202020204" pitchFamily="34" charset="0"/>
+                  <a:buChar char="•"/>
+                </a:pPr>
+                <a:r>
+                  <a:rPr lang="sk-SK" dirty="0" smtClean="0"/>
+                  <a:t>Čo znamená, že pôvodný obraz signálu </a:t>
+                </a:r>
+                <a14:m>
+                  <m:oMath xmlns:m="http://schemas.openxmlformats.org/officeDocument/2006/math">
+                    <m:r>
+                      <a:rPr lang="en-US" i="1">
+                        <a:latin typeface="Cambria Math" panose="02040503050406030204" pitchFamily="18" charset="0"/>
+                      </a:rPr>
+                      <m:t>𝐹</m:t>
+                    </m:r>
+                    <m:d>
+                      <m:dPr>
+                        <m:ctrlPr>
+                          <a:rPr lang="sk-SK" i="1">
+                            <a:latin typeface="Cambria Math" panose="02040503050406030204" pitchFamily="18" charset="0"/>
+                          </a:rPr>
+                        </m:ctrlPr>
+                      </m:dPr>
+                      <m:e>
+                        <m:r>
+                          <a:rPr lang="sk-SK" i="1">
+                            <a:latin typeface="Cambria Math" panose="02040503050406030204" pitchFamily="18" charset="0"/>
+                          </a:rPr>
+                          <m:t>𝑠</m:t>
+                        </m:r>
+                      </m:e>
+                    </m:d>
+                  </m:oMath>
+                </a14:m>
+                <a:r>
+                  <a:rPr lang="sk-SK" dirty="0" smtClean="0"/>
+                  <a:t> sa po prenásobení komplexnou premennou </a:t>
+                </a:r>
+                <a:r>
+                  <a:rPr lang="sk-SK" i="1" dirty="0" smtClean="0"/>
+                  <a:t>s </a:t>
+                </a:r>
+                <a:r>
+                  <a:rPr lang="sk-SK" dirty="0" smtClean="0"/>
+                  <a:t>stáva derivovaným signálom</a:t>
+                </a:r>
+              </a:p>
+              <a:p>
+                <a:pPr>
+                  <a:buFont typeface="Arial" panose="020B0604020202020204" pitchFamily="34" charset="0"/>
+                  <a:buChar char="•"/>
+                </a:pPr>
+                <a:r>
+                  <a:rPr lang="sk-SK" dirty="0" smtClean="0"/>
+                  <a:t>Člen </a:t>
+                </a:r>
+                <a14:m>
+                  <m:oMath xmlns:m="http://schemas.openxmlformats.org/officeDocument/2006/math">
+                    <m:sSub>
+                      <m:sSubPr>
+                        <m:ctrlPr>
+                          <a:rPr lang="en-US" i="1">
+                            <a:latin typeface="Cambria Math" panose="02040503050406030204" pitchFamily="18" charset="0"/>
+                          </a:rPr>
+                        </m:ctrlPr>
+                      </m:sSubPr>
+                      <m:e>
+                        <m:r>
+                          <a:rPr lang="en-US" i="1">
+                            <a:latin typeface="Cambria Math" panose="02040503050406030204" pitchFamily="18" charset="0"/>
+                          </a:rPr>
+                          <m:t>𝑓</m:t>
+                        </m:r>
+                      </m:e>
+                      <m:sub>
+                        <m:r>
+                          <a:rPr lang="en-US" i="1">
+                            <a:latin typeface="Cambria Math" panose="02040503050406030204" pitchFamily="18" charset="0"/>
+                          </a:rPr>
+                          <m:t>(0)</m:t>
+                        </m:r>
+                      </m:sub>
+                    </m:sSub>
+                  </m:oMath>
+                </a14:m>
+                <a:r>
+                  <a:rPr lang="sk-SK" dirty="0" smtClean="0"/>
+                  <a:t> vo výraze zastupuje počiatočnú podmienku – hodnotu signálu v čase 0</a:t>
+                </a:r>
+              </a:p>
+              <a:p>
+                <a:pPr>
+                  <a:buFont typeface="Arial" panose="020B0604020202020204" pitchFamily="34" charset="0"/>
+                  <a:buChar char="•"/>
+                </a:pPr>
+                <a:r>
+                  <a:rPr lang="sk-SK" dirty="0" smtClean="0"/>
+                  <a:t>Vyššie stupne časových derivácii signálov vieme  jednoducho analogicky odvodiť</a:t>
+                </a:r>
+              </a:p>
+              <a:p>
+                <a:pPr>
+                  <a:buFont typeface="Arial" panose="020B0604020202020204" pitchFamily="34" charset="0"/>
+                  <a:buChar char="•"/>
+                </a:pPr>
+                <a:r>
+                  <a:rPr lang="sk-SK" dirty="0" smtClean="0"/>
+                  <a:t>Derivácie vyšších stupňov realizujú viacnásobnú (reťazenú) aplikáciu operátora derivácie – </a:t>
+                </a:r>
+                <a:r>
+                  <a:rPr lang="sk-SK" dirty="0" err="1" smtClean="0"/>
+                  <a:t>derivátora</a:t>
+                </a:r>
+                <a:r>
+                  <a:rPr lang="sk-SK" dirty="0" smtClean="0"/>
+                  <a:t> na signál</a:t>
+                </a:r>
+              </a:p>
+              <a:p>
+                <a:pPr>
+                  <a:buFont typeface="Arial" panose="020B0604020202020204" pitchFamily="34" charset="0"/>
+                  <a:buChar char="•"/>
+                </a:pPr>
+                <a:r>
+                  <a:rPr lang="sk-SK" dirty="0" smtClean="0"/>
+                  <a:t>Teda napríklad pre druhú deriváciu signálu :</a:t>
+                </a:r>
+              </a:p>
+              <a:p>
+                <a:pPr marL="0" indent="0">
+                  <a:buNone/>
+                </a:pPr>
+                <a14:m>
+                  <m:oMathPara xmlns:m="http://schemas.openxmlformats.org/officeDocument/2006/math">
+                    <m:oMathParaPr>
+                      <m:jc m:val="centerGroup"/>
+                    </m:oMathParaPr>
+                    <m:oMath xmlns:m="http://schemas.openxmlformats.org/officeDocument/2006/math">
+                      <m:sSup>
+                        <m:sSupPr>
+                          <m:ctrlPr>
+                            <a:rPr lang="sk-SK" i="1">
+                              <a:latin typeface="Cambria Math" panose="02040503050406030204" pitchFamily="18" charset="0"/>
+                            </a:rPr>
+                          </m:ctrlPr>
+                        </m:sSupPr>
+                        <m:e>
+                          <m:r>
+                            <a:rPr lang="sk-SK" i="1">
+                              <a:latin typeface="Cambria Math" panose="02040503050406030204" pitchFamily="18" charset="0"/>
+                            </a:rPr>
+                            <m:t>𝑓</m:t>
+                          </m:r>
+                        </m:e>
+                        <m:sup>
+                          <m:r>
+                            <a:rPr lang="en-US" i="1">
+                              <a:latin typeface="Cambria Math" panose="02040503050406030204" pitchFamily="18" charset="0"/>
+                            </a:rPr>
+                            <m:t>′</m:t>
+                          </m:r>
+                          <m:r>
+                            <a:rPr lang="en-US" b="0" i="1" smtClean="0">
+                              <a:latin typeface="Cambria Math" panose="02040503050406030204" pitchFamily="18" charset="0"/>
+                            </a:rPr>
+                            <m:t>′</m:t>
+                          </m:r>
+                        </m:sup>
+                      </m:sSup>
+                      <m:d>
+                        <m:dPr>
+                          <m:ctrlPr>
+                            <a:rPr lang="sk-SK" i="1">
+                              <a:latin typeface="Cambria Math" panose="02040503050406030204" pitchFamily="18" charset="0"/>
+                            </a:rPr>
+                          </m:ctrlPr>
+                        </m:dPr>
+                        <m:e>
+                          <m:r>
+                            <a:rPr lang="sk-SK" i="1">
+                              <a:latin typeface="Cambria Math" panose="02040503050406030204" pitchFamily="18" charset="0"/>
+                            </a:rPr>
+                            <m:t>𝑡</m:t>
+                          </m:r>
+                        </m:e>
+                      </m:d>
+                      <m:r>
+                        <a:rPr lang="sk-SK" b="0" i="1" smtClean="0">
+                          <a:latin typeface="Cambria Math" panose="02040503050406030204" pitchFamily="18" charset="0"/>
+                        </a:rPr>
+                        <m:t>=</m:t>
+                      </m:r>
+                      <m:sSup>
+                        <m:sSupPr>
+                          <m:ctrlPr>
+                            <a:rPr lang="sk-SK" b="0" i="1" smtClean="0">
+                              <a:latin typeface="Cambria Math" panose="02040503050406030204" pitchFamily="18" charset="0"/>
+                            </a:rPr>
+                          </m:ctrlPr>
+                        </m:sSupPr>
+                        <m:e>
+                          <m:sSup>
+                            <m:sSupPr>
+                              <m:ctrlPr>
+                                <a:rPr lang="sk-SK" i="1">
+                                  <a:latin typeface="Cambria Math" panose="02040503050406030204" pitchFamily="18" charset="0"/>
+                                </a:rPr>
+                              </m:ctrlPr>
+                            </m:sSupPr>
+                            <m:e>
+                              <m:r>
+                                <a:rPr lang="en-US" b="0" i="1" smtClean="0">
+                                  <a:latin typeface="Cambria Math" panose="02040503050406030204" pitchFamily="18" charset="0"/>
+                                </a:rPr>
+                                <m:t>(</m:t>
+                              </m:r>
+                              <m:r>
+                                <a:rPr lang="sk-SK" i="1">
+                                  <a:latin typeface="Cambria Math" panose="02040503050406030204" pitchFamily="18" charset="0"/>
+                                </a:rPr>
+                                <m:t>𝑓</m:t>
+                              </m:r>
+                            </m:e>
+                            <m:sup>
+                              <m:r>
+                                <a:rPr lang="en-US" i="1">
+                                  <a:latin typeface="Cambria Math" panose="02040503050406030204" pitchFamily="18" charset="0"/>
+                                </a:rPr>
+                                <m:t>′</m:t>
+                              </m:r>
+                            </m:sup>
+                          </m:sSup>
+                          <m:r>
+                            <a:rPr lang="sk-SK" i="1">
+                              <a:latin typeface="Cambria Math" panose="02040503050406030204" pitchFamily="18" charset="0"/>
+                            </a:rPr>
+                            <m:t>(</m:t>
+                          </m:r>
+                          <m:r>
+                            <a:rPr lang="sk-SK" i="1">
+                              <a:latin typeface="Cambria Math" panose="02040503050406030204" pitchFamily="18" charset="0"/>
+                            </a:rPr>
+                            <m:t>𝑡</m:t>
+                          </m:r>
+                          <m:r>
+                            <a:rPr lang="sk-SK" i="1">
+                              <a:latin typeface="Cambria Math" panose="02040503050406030204" pitchFamily="18" charset="0"/>
+                            </a:rPr>
+                            <m:t>))</m:t>
+                          </m:r>
+                          <m:r>
+                            <m:rPr>
+                              <m:nor/>
+                            </m:rPr>
+                            <a:rPr lang="en-US" dirty="0"/>
+                            <m:t> </m:t>
+                          </m:r>
+                        </m:e>
+                        <m:sup>
+                          <m:r>
+                            <a:rPr lang="en-US" b="0" i="1" smtClean="0">
+                              <a:latin typeface="Cambria Math" panose="02040503050406030204" pitchFamily="18" charset="0"/>
+                            </a:rPr>
+                            <m:t>′</m:t>
+                          </m:r>
+                        </m:sup>
+                      </m:sSup>
+                    </m:oMath>
+                  </m:oMathPara>
+                </a14:m>
+                <a:endParaRPr lang="en-US" dirty="0" smtClean="0"/>
+              </a:p>
+              <a:p>
+                <a:pPr marL="0" indent="0">
+                  <a:buNone/>
+                </a:pPr>
+                <a14:m>
+                  <m:oMathPara xmlns:m="http://schemas.openxmlformats.org/officeDocument/2006/math">
+                    <m:oMathParaPr>
+                      <m:jc m:val="centerGroup"/>
+                    </m:oMathParaPr>
+                    <m:oMath xmlns:m="http://schemas.openxmlformats.org/officeDocument/2006/math">
+                      <m:r>
+                        <a:rPr lang="sk-SK" i="1">
+                          <a:latin typeface="Cambria Math" panose="02040503050406030204" pitchFamily="18" charset="0"/>
+                        </a:rPr>
+                        <m:t>𝐺</m:t>
+                      </m:r>
+                      <m:d>
+                        <m:dPr>
+                          <m:ctrlPr>
+                            <a:rPr lang="sk-SK" i="1">
+                              <a:latin typeface="Cambria Math" panose="02040503050406030204" pitchFamily="18" charset="0"/>
+                            </a:rPr>
+                          </m:ctrlPr>
+                        </m:dPr>
+                        <m:e>
+                          <m:r>
+                            <a:rPr lang="en-GB" i="1">
+                              <a:latin typeface="Cambria Math" panose="02040503050406030204" pitchFamily="18" charset="0"/>
+                            </a:rPr>
+                            <m:t>𝑠</m:t>
+                          </m:r>
+                        </m:e>
+                      </m:d>
+                      <m:r>
+                        <a:rPr lang="en-US" b="0" i="0" smtClean="0">
+                          <a:latin typeface="Cambria Math" panose="02040503050406030204" pitchFamily="18" charset="0"/>
+                        </a:rPr>
+                        <m:t>=</m:t>
+                      </m:r>
+                      <m:r>
+                        <m:rPr>
+                          <m:sty m:val="p"/>
+                        </m:rPr>
+                        <a:rPr lang="en-US" b="0" i="0" smtClean="0">
+                          <a:latin typeface="Cambria Math" panose="02040503050406030204" pitchFamily="18" charset="0"/>
+                        </a:rPr>
+                        <m:t>s</m:t>
+                      </m:r>
+                      <m:d>
+                        <m:dPr>
+                          <m:ctrlPr>
+                            <a:rPr lang="en-US" b="0" i="0" smtClean="0">
+                              <a:latin typeface="Cambria Math" panose="02040503050406030204" pitchFamily="18" charset="0"/>
+                            </a:rPr>
+                          </m:ctrlPr>
+                        </m:dPr>
+                        <m:e>
+                          <m:r>
+                            <a:rPr lang="en-US" i="1">
+                              <a:latin typeface="Cambria Math" panose="02040503050406030204" pitchFamily="18" charset="0"/>
+                            </a:rPr>
+                            <m:t>𝑠𝐹</m:t>
+                          </m:r>
+                          <m:d>
+                            <m:dPr>
+                              <m:ctrlPr>
+                                <a:rPr lang="sk-SK" i="1">
+                                  <a:latin typeface="Cambria Math" panose="02040503050406030204" pitchFamily="18" charset="0"/>
+                                </a:rPr>
+                              </m:ctrlPr>
+                            </m:dPr>
+                            <m:e>
+                              <m:r>
+                                <a:rPr lang="sk-SK" i="1">
+                                  <a:latin typeface="Cambria Math" panose="02040503050406030204" pitchFamily="18" charset="0"/>
+                                </a:rPr>
+                                <m:t>𝑠</m:t>
+                              </m:r>
+                            </m:e>
+                          </m:d>
+                          <m:r>
+                            <a:rPr lang="en-US" i="1">
+                              <a:latin typeface="Cambria Math" panose="02040503050406030204" pitchFamily="18" charset="0"/>
+                            </a:rPr>
+                            <m:t>−</m:t>
+                          </m:r>
+                          <m:sSub>
+                            <m:sSubPr>
+                              <m:ctrlPr>
+                                <a:rPr lang="en-US" i="1">
+                                  <a:latin typeface="Cambria Math" panose="02040503050406030204" pitchFamily="18" charset="0"/>
+                                </a:rPr>
+                              </m:ctrlPr>
+                            </m:sSubPr>
+                            <m:e>
+                              <m:r>
+                                <a:rPr lang="en-US" i="1">
+                                  <a:latin typeface="Cambria Math" panose="02040503050406030204" pitchFamily="18" charset="0"/>
+                                </a:rPr>
+                                <m:t>𝑓</m:t>
+                              </m:r>
+                            </m:e>
+                            <m:sub>
+                              <m:d>
+                                <m:dPr>
+                                  <m:ctrlPr>
+                                    <a:rPr lang="en-US" i="1">
+                                      <a:latin typeface="Cambria Math" panose="02040503050406030204" pitchFamily="18" charset="0"/>
+                                    </a:rPr>
+                                  </m:ctrlPr>
+                                </m:dPr>
+                                <m:e>
+                                  <m:r>
+                                    <a:rPr lang="en-US" i="1">
+                                      <a:latin typeface="Cambria Math" panose="02040503050406030204" pitchFamily="18" charset="0"/>
+                                    </a:rPr>
+                                    <m:t>0</m:t>
+                                  </m:r>
+                                </m:e>
+                              </m:d>
+                            </m:sub>
+                          </m:sSub>
+                        </m:e>
+                      </m:d>
+                      <m:r>
+                        <a:rPr lang="en-US" b="0" i="0" smtClean="0">
+                          <a:latin typeface="Cambria Math" panose="02040503050406030204" pitchFamily="18" charset="0"/>
+                        </a:rPr>
+                        <m:t>−</m:t>
+                      </m:r>
+                      <m:sSubSup>
+                        <m:sSubSupPr>
+                          <m:ctrlPr>
+                            <a:rPr lang="en-US" b="0" i="1" smtClean="0">
+                              <a:latin typeface="Cambria Math" panose="02040503050406030204" pitchFamily="18" charset="0"/>
+                            </a:rPr>
+                          </m:ctrlPr>
+                        </m:sSubSupPr>
+                        <m:e>
+                          <m:r>
+                            <a:rPr lang="en-US" b="0" i="1" smtClean="0">
+                              <a:latin typeface="Cambria Math" panose="02040503050406030204" pitchFamily="18" charset="0"/>
+                            </a:rPr>
+                            <m:t>𝑓</m:t>
+                          </m:r>
+                        </m:e>
+                        <m:sub>
+                          <m:r>
+                            <a:rPr lang="en-US" b="0" i="1" smtClean="0">
+                              <a:latin typeface="Cambria Math" panose="02040503050406030204" pitchFamily="18" charset="0"/>
+                            </a:rPr>
+                            <m:t>(0)</m:t>
+                          </m:r>
+                        </m:sub>
+                        <m:sup>
+                          <m:r>
+                            <a:rPr lang="en-US" b="0" i="1" smtClean="0">
+                              <a:latin typeface="Cambria Math" panose="02040503050406030204" pitchFamily="18" charset="0"/>
+                            </a:rPr>
+                            <m:t>′</m:t>
+                          </m:r>
+                        </m:sup>
+                      </m:sSubSup>
+                    </m:oMath>
+                  </m:oMathPara>
+                </a14:m>
+                <a:endParaRPr lang="sk-SK" dirty="0" smtClean="0"/>
+              </a:p>
+              <a:p>
+                <a:pPr marL="0" indent="0">
+                  <a:buNone/>
+                </a:pPr>
+                <a14:m>
+                  <m:oMathPara xmlns:m="http://schemas.openxmlformats.org/officeDocument/2006/math">
+                    <m:oMathParaPr>
+                      <m:jc m:val="centerGroup"/>
+                    </m:oMathParaPr>
+                    <m:oMath xmlns:m="http://schemas.openxmlformats.org/officeDocument/2006/math">
+                      <m:r>
+                        <a:rPr lang="sk-SK" i="1">
+                          <a:latin typeface="Cambria Math" panose="02040503050406030204" pitchFamily="18" charset="0"/>
+                        </a:rPr>
+                        <m:t>𝐺</m:t>
+                      </m:r>
+                      <m:d>
+                        <m:dPr>
+                          <m:ctrlPr>
+                            <a:rPr lang="sk-SK" i="1">
+                              <a:latin typeface="Cambria Math" panose="02040503050406030204" pitchFamily="18" charset="0"/>
+                            </a:rPr>
+                          </m:ctrlPr>
+                        </m:dPr>
+                        <m:e>
+                          <m:r>
+                            <a:rPr lang="en-GB" i="1">
+                              <a:latin typeface="Cambria Math" panose="02040503050406030204" pitchFamily="18" charset="0"/>
+                            </a:rPr>
+                            <m:t>𝑠</m:t>
+                          </m:r>
+                        </m:e>
+                      </m:d>
+                      <m:r>
+                        <a:rPr lang="en-US" b="0" i="0" smtClean="0">
+                          <a:latin typeface="Cambria Math" panose="02040503050406030204" pitchFamily="18" charset="0"/>
+                        </a:rPr>
+                        <m:t>=</m:t>
+                      </m:r>
+                      <m:sSup>
+                        <m:sSupPr>
+                          <m:ctrlPr>
+                            <a:rPr lang="en-US" b="0" i="1" smtClean="0">
+                              <a:latin typeface="Cambria Math" panose="02040503050406030204" pitchFamily="18" charset="0"/>
+                            </a:rPr>
+                          </m:ctrlPr>
+                        </m:sSupPr>
+                        <m:e>
+                          <m:r>
+                            <a:rPr lang="en-US" b="0" i="1" smtClean="0">
+                              <a:latin typeface="Cambria Math" panose="02040503050406030204" pitchFamily="18" charset="0"/>
+                            </a:rPr>
+                            <m:t>𝑠</m:t>
+                          </m:r>
+                        </m:e>
+                        <m:sup>
+                          <m:r>
+                            <a:rPr lang="en-US" b="0" i="1" smtClean="0">
+                              <a:latin typeface="Cambria Math" panose="02040503050406030204" pitchFamily="18" charset="0"/>
+                            </a:rPr>
+                            <m:t>2</m:t>
+                          </m:r>
+                        </m:sup>
+                      </m:sSup>
+                      <m:r>
+                        <a:rPr lang="en-US" i="1">
+                          <a:latin typeface="Cambria Math" panose="02040503050406030204" pitchFamily="18" charset="0"/>
+                        </a:rPr>
+                        <m:t>𝐹</m:t>
+                      </m:r>
+                      <m:d>
+                        <m:dPr>
+                          <m:ctrlPr>
+                            <a:rPr lang="sk-SK" i="1">
+                              <a:latin typeface="Cambria Math" panose="02040503050406030204" pitchFamily="18" charset="0"/>
+                            </a:rPr>
+                          </m:ctrlPr>
+                        </m:dPr>
+                        <m:e>
+                          <m:r>
+                            <a:rPr lang="sk-SK" i="1">
+                              <a:latin typeface="Cambria Math" panose="02040503050406030204" pitchFamily="18" charset="0"/>
+                            </a:rPr>
+                            <m:t>𝑠</m:t>
+                          </m:r>
+                        </m:e>
+                      </m:d>
+                      <m:r>
+                        <a:rPr lang="en-US" b="0" i="1" smtClean="0">
+                          <a:latin typeface="Cambria Math" panose="02040503050406030204" pitchFamily="18" charset="0"/>
+                        </a:rPr>
+                        <m:t>−</m:t>
+                      </m:r>
+                      <m:r>
+                        <a:rPr lang="en-US" b="0" i="1" smtClean="0">
+                          <a:latin typeface="Cambria Math" panose="02040503050406030204" pitchFamily="18" charset="0"/>
+                        </a:rPr>
+                        <m:t>𝑠</m:t>
+                      </m:r>
+                      <m:sSub>
+                        <m:sSubPr>
+                          <m:ctrlPr>
+                            <a:rPr lang="en-US" i="1">
+                              <a:latin typeface="Cambria Math" panose="02040503050406030204" pitchFamily="18" charset="0"/>
+                            </a:rPr>
+                          </m:ctrlPr>
+                        </m:sSubPr>
+                        <m:e>
+                          <m:r>
+                            <a:rPr lang="en-US" i="1">
+                              <a:latin typeface="Cambria Math" panose="02040503050406030204" pitchFamily="18" charset="0"/>
+                            </a:rPr>
+                            <m:t>𝑓</m:t>
+                          </m:r>
+                        </m:e>
+                        <m:sub>
+                          <m:d>
+                            <m:dPr>
+                              <m:ctrlPr>
+                                <a:rPr lang="en-US" i="1">
+                                  <a:latin typeface="Cambria Math" panose="02040503050406030204" pitchFamily="18" charset="0"/>
+                                </a:rPr>
+                              </m:ctrlPr>
+                            </m:dPr>
+                            <m:e>
+                              <m:r>
+                                <a:rPr lang="en-US" i="1">
+                                  <a:latin typeface="Cambria Math" panose="02040503050406030204" pitchFamily="18" charset="0"/>
+                                </a:rPr>
+                                <m:t>0</m:t>
+                              </m:r>
+                            </m:e>
+                          </m:d>
+                        </m:sub>
+                      </m:sSub>
+                      <m:r>
+                        <a:rPr lang="en-US" b="0" i="1" smtClean="0">
+                          <a:latin typeface="Cambria Math" panose="02040503050406030204" pitchFamily="18" charset="0"/>
+                        </a:rPr>
+                        <m:t>−</m:t>
+                      </m:r>
+                      <m:sSubSup>
+                        <m:sSubSupPr>
+                          <m:ctrlPr>
+                            <a:rPr lang="en-US" i="1">
+                              <a:latin typeface="Cambria Math" panose="02040503050406030204" pitchFamily="18" charset="0"/>
+                            </a:rPr>
+                          </m:ctrlPr>
+                        </m:sSubSupPr>
+                        <m:e>
+                          <m:r>
+                            <a:rPr lang="en-US" i="1">
+                              <a:latin typeface="Cambria Math" panose="02040503050406030204" pitchFamily="18" charset="0"/>
+                            </a:rPr>
+                            <m:t>𝑓</m:t>
+                          </m:r>
+                        </m:e>
+                        <m:sub>
+                          <m:r>
+                            <a:rPr lang="en-US" i="1">
+                              <a:latin typeface="Cambria Math" panose="02040503050406030204" pitchFamily="18" charset="0"/>
+                            </a:rPr>
+                            <m:t>(0)</m:t>
+                          </m:r>
+                        </m:sub>
+                        <m:sup>
+                          <m:r>
+                            <a:rPr lang="en-US" i="1">
+                              <a:latin typeface="Cambria Math" panose="02040503050406030204" pitchFamily="18" charset="0"/>
+                            </a:rPr>
+                            <m:t>′</m:t>
+                          </m:r>
+                        </m:sup>
+                      </m:sSubSup>
+                    </m:oMath>
+                  </m:oMathPara>
+                </a14:m>
+                <a:endParaRPr lang="sk-SK" dirty="0" smtClean="0"/>
+              </a:p>
+              <a:p>
+                <a:pPr>
+                  <a:buFont typeface="Arial" panose="020B0604020202020204" pitchFamily="34" charset="0"/>
+                  <a:buChar char="•"/>
+                </a:pPr>
+                <a:r>
+                  <a:rPr lang="en-US" dirty="0" err="1" smtClean="0"/>
+                  <a:t>Ak</a:t>
+                </a:r>
+                <a:r>
+                  <a:rPr lang="sk-SK" dirty="0"/>
+                  <a:t> </a:t>
+                </a:r>
+                <a:r>
+                  <a:rPr lang="sk-SK" dirty="0" smtClean="0"/>
+                  <a:t>považujeme počiatočné podmienky za nulové potom (čo vo väčšine prípadov budeme) môžeme pre obraz </a:t>
+                </a:r>
+                <a:r>
+                  <a:rPr lang="sk-SK" i="1" dirty="0" smtClean="0"/>
+                  <a:t>n </a:t>
+                </a:r>
+                <a:r>
+                  <a:rPr lang="sk-SK" dirty="0" smtClean="0"/>
+                  <a:t>–tej derivácie signálu s obrazom</a:t>
+                </a:r>
+                <a14:m>
+                  <m:oMath xmlns:m="http://schemas.openxmlformats.org/officeDocument/2006/math">
+                    <m:r>
+                      <a:rPr lang="sk-SK" b="0" i="0" smtClean="0">
+                        <a:latin typeface="Cambria Math" panose="02040503050406030204" pitchFamily="18" charset="0"/>
+                      </a:rPr>
+                      <m:t> </m:t>
+                    </m:r>
+                    <m:r>
+                      <a:rPr lang="en-US" i="1">
+                        <a:latin typeface="Cambria Math" panose="02040503050406030204" pitchFamily="18" charset="0"/>
+                      </a:rPr>
+                      <m:t>𝐹</m:t>
+                    </m:r>
+                    <m:d>
+                      <m:dPr>
+                        <m:ctrlPr>
+                          <a:rPr lang="sk-SK" i="1">
+                            <a:latin typeface="Cambria Math" panose="02040503050406030204" pitchFamily="18" charset="0"/>
+                          </a:rPr>
+                        </m:ctrlPr>
+                      </m:dPr>
+                      <m:e>
+                        <m:r>
+                          <a:rPr lang="sk-SK" i="1">
+                            <a:latin typeface="Cambria Math" panose="02040503050406030204" pitchFamily="18" charset="0"/>
+                          </a:rPr>
+                          <m:t>𝑠</m:t>
+                        </m:r>
+                      </m:e>
+                    </m:d>
+                  </m:oMath>
+                </a14:m>
+                <a:r>
+                  <a:rPr lang="sk-SK" dirty="0" smtClean="0"/>
+                  <a:t> písať</a:t>
+                </a:r>
+              </a:p>
+              <a:p>
+                <a:pPr marL="0" indent="0">
+                  <a:buNone/>
+                </a:pPr>
+                <a14:m>
+                  <m:oMathPara xmlns:m="http://schemas.openxmlformats.org/officeDocument/2006/math">
+                    <m:oMathParaPr>
+                      <m:jc m:val="centerGroup"/>
+                    </m:oMathParaPr>
+                    <m:oMath xmlns:m="http://schemas.openxmlformats.org/officeDocument/2006/math">
+                      <m:r>
+                        <a:rPr lang="sk-SK" i="1">
+                          <a:latin typeface="Cambria Math" panose="02040503050406030204" pitchFamily="18" charset="0"/>
+                        </a:rPr>
+                        <m:t>𝐺</m:t>
+                      </m:r>
+                      <m:d>
+                        <m:dPr>
+                          <m:ctrlPr>
+                            <a:rPr lang="sk-SK" i="1">
+                              <a:latin typeface="Cambria Math" panose="02040503050406030204" pitchFamily="18" charset="0"/>
+                            </a:rPr>
+                          </m:ctrlPr>
+                        </m:dPr>
+                        <m:e>
+                          <m:r>
+                            <a:rPr lang="en-GB" i="1">
+                              <a:latin typeface="Cambria Math" panose="02040503050406030204" pitchFamily="18" charset="0"/>
+                            </a:rPr>
+                            <m:t>𝑠</m:t>
+                          </m:r>
+                        </m:e>
+                      </m:d>
+                      <m:r>
+                        <a:rPr lang="en-US">
+                          <a:latin typeface="Cambria Math" panose="02040503050406030204" pitchFamily="18" charset="0"/>
+                        </a:rPr>
+                        <m:t>=</m:t>
+                      </m:r>
+                      <m:sSup>
+                        <m:sSupPr>
+                          <m:ctrlPr>
+                            <a:rPr lang="en-US" i="1">
+                              <a:latin typeface="Cambria Math" panose="02040503050406030204" pitchFamily="18" charset="0"/>
+                            </a:rPr>
+                          </m:ctrlPr>
+                        </m:sSupPr>
+                        <m:e>
+                          <m:r>
+                            <a:rPr lang="en-US" i="1">
+                              <a:latin typeface="Cambria Math" panose="02040503050406030204" pitchFamily="18" charset="0"/>
+                            </a:rPr>
+                            <m:t>𝑠</m:t>
+                          </m:r>
+                        </m:e>
+                        <m:sup>
+                          <m:r>
+                            <a:rPr lang="sk-SK" b="0" i="1" smtClean="0">
+                              <a:latin typeface="Cambria Math" panose="02040503050406030204" pitchFamily="18" charset="0"/>
+                            </a:rPr>
+                            <m:t>𝑛</m:t>
+                          </m:r>
+                        </m:sup>
+                      </m:sSup>
+                      <m:r>
+                        <a:rPr lang="en-US" i="1">
+                          <a:latin typeface="Cambria Math" panose="02040503050406030204" pitchFamily="18" charset="0"/>
+                        </a:rPr>
+                        <m:t>𝐹</m:t>
+                      </m:r>
+                      <m:d>
+                        <m:dPr>
+                          <m:ctrlPr>
+                            <a:rPr lang="sk-SK" i="1">
+                              <a:latin typeface="Cambria Math" panose="02040503050406030204" pitchFamily="18" charset="0"/>
+                            </a:rPr>
+                          </m:ctrlPr>
+                        </m:dPr>
+                        <m:e>
+                          <m:r>
+                            <a:rPr lang="sk-SK" i="1">
+                              <a:latin typeface="Cambria Math" panose="02040503050406030204" pitchFamily="18" charset="0"/>
+                            </a:rPr>
+                            <m:t>𝑠</m:t>
+                          </m:r>
+                        </m:e>
+                      </m:d>
+                    </m:oMath>
+                  </m:oMathPara>
+                </a14:m>
+                <a:endParaRPr lang="sk-SK" dirty="0"/>
+              </a:p>
+            </p:txBody>
+          </p:sp>
+        </mc:Choice>
+        <mc:Fallback>
+          <p:sp>
+            <p:nvSpPr>
+              <p:cNvPr id="3" name="Zástupný symbol obsahu 2"/>
+              <p:cNvSpPr>
+                <a:spLocks noGrp="1" noRot="1" noChangeAspect="1" noMove="1" noResize="1" noEditPoints="1" noAdjustHandles="1" noChangeArrowheads="1" noChangeShapeType="1" noTextEdit="1"/>
+              </p:cNvSpPr>
+              <p:nvPr>
+                <p:ph idx="1"/>
+              </p:nvPr>
+            </p:nvSpPr>
+            <p:spPr>
+              <a:xfrm>
+                <a:off x="360748" y="982781"/>
+                <a:ext cx="8503166" cy="5442733"/>
+              </a:xfrm>
+              <a:blipFill rotWithShape="0">
+                <a:blip r:embed="rId2"/>
+                <a:stretch>
+                  <a:fillRect l="-1720" t="-1568" r="-215"/>
+                </a:stretch>
+              </a:blipFill>
+            </p:spPr>
+            <p:txBody>
+              <a:bodyPr/>
+              <a:lstStyle/>
+              <a:p>
+                <a:r>
+                  <a:rPr lang="sk-SK">
+                    <a:noFill/>
+                  </a:rPr>
+                  <a:t> </a:t>
+                </a:r>
+              </a:p>
+            </p:txBody>
+          </p:sp>
+        </mc:Fallback>
+      </mc:AlternateContent>
+    </p:spTree>
+    <p:extLst>
+      <p:ext uri="{BB962C8B-B14F-4D97-AF65-F5344CB8AC3E}">
+        <p14:creationId xmlns:p14="http://schemas.microsoft.com/office/powerpoint/2010/main" val="3561278800"/>
+      </p:ext>
+    </p:extLst>
+  </p:cSld>
+  <p:clrMapOvr>
+    <a:masterClrMapping/>
+  </p:clrMapOvr>
+</p:sld>
+</file>
+
+<file path=ppt/slides/slide27.xml><?xml version="1.0" encoding="utf-8"?>
+<p:sld xmlns:a="http://schemas.openxmlformats.org/drawingml/2006/main" xmlns:r="http://schemas.openxmlformats.org/officeDocument/2006/relationships" xmlns:p="http://schemas.openxmlformats.org/presentationml/2006/main">
+  <p:cSld>
+    <p:spTree>
+      <p:nvGrpSpPr>
+        <p:cNvPr id="1" name=""/>
+        <p:cNvGrpSpPr/>
+        <p:nvPr/>
+      </p:nvGrpSpPr>
+      <p:grpSpPr>
+        <a:xfrm>
+          <a:off x="0" y="0"/>
+          <a:ext cx="0" cy="0"/>
+          <a:chOff x="0" y="0"/>
+          <a:chExt cx="0" cy="0"/>
+        </a:xfrm>
+      </p:grpSpPr>
+      <p:sp>
+        <p:nvSpPr>
+          <p:cNvPr id="2" name="Nadpis 1"/>
+          <p:cNvSpPr>
+            <a:spLocks noGrp="1"/>
+          </p:cNvSpPr>
+          <p:nvPr>
+            <p:ph type="title"/>
+          </p:nvPr>
+        </p:nvSpPr>
+        <p:spPr/>
+        <p:txBody>
+          <a:bodyPr/>
+          <a:lstStyle/>
+          <a:p>
+            <a:r>
+              <a:rPr lang="sk-SK" dirty="0" smtClean="0"/>
+              <a:t>Veta o počiatočnej a koncovej hodnote</a:t>
+            </a:r>
+            <a:endParaRPr lang="sk-SK" dirty="0"/>
+          </a:p>
+        </p:txBody>
+      </p:sp>
+      <p:sp>
+        <p:nvSpPr>
+          <p:cNvPr id="3" name="Zástupný symbol obsahu 2"/>
+          <p:cNvSpPr>
+            <a:spLocks noGrp="1"/>
+          </p:cNvSpPr>
+          <p:nvPr>
+            <p:ph idx="1"/>
+          </p:nvPr>
+        </p:nvSpPr>
+        <p:spPr/>
+        <p:txBody>
+          <a:bodyPr/>
+          <a:lstStyle/>
+          <a:p>
+            <a:endParaRPr lang="sk-SK"/>
+          </a:p>
+        </p:txBody>
+      </p:sp>
+    </p:spTree>
+    <p:extLst>
+      <p:ext uri="{BB962C8B-B14F-4D97-AF65-F5344CB8AC3E}">
+        <p14:creationId xmlns:p14="http://schemas.microsoft.com/office/powerpoint/2010/main" val="3074930347"/>
+      </p:ext>
+    </p:extLst>
+  </p:cSld>
+  <p:clrMapOvr>
+    <a:masterClrMapping/>
+  </p:clrMapOvr>
+</p:sld>
+</file>
+
+<file path=ppt/slides/slide28.xml><?xml version="1.0" encoding="utf-8"?>
+<p:sld xmlns:a="http://schemas.openxmlformats.org/drawingml/2006/main" xmlns:r="http://schemas.openxmlformats.org/officeDocument/2006/relationships" xmlns:p="http://schemas.openxmlformats.org/presentationml/2006/main">
+  <p:cSld>
+    <p:spTree>
+      <p:nvGrpSpPr>
+        <p:cNvPr id="1" name=""/>
+        <p:cNvGrpSpPr/>
+        <p:nvPr/>
+      </p:nvGrpSpPr>
+      <p:grpSpPr>
+        <a:xfrm>
+          <a:off x="0" y="0"/>
+          <a:ext cx="0" cy="0"/>
+          <a:chOff x="0" y="0"/>
+          <a:chExt cx="0" cy="0"/>
+        </a:xfrm>
+      </p:grpSpPr>
+      <p:sp>
+        <p:nvSpPr>
+          <p:cNvPr id="2" name="Nadpis 1"/>
+          <p:cNvSpPr>
+            <a:spLocks noGrp="1"/>
+          </p:cNvSpPr>
+          <p:nvPr>
+            <p:ph type="title"/>
+          </p:nvPr>
+        </p:nvSpPr>
+        <p:spPr/>
+        <p:txBody>
+          <a:bodyPr/>
+          <a:lstStyle/>
+          <a:p>
+            <a:r>
+              <a:rPr lang="sk-SK" dirty="0" smtClean="0"/>
+              <a:t>Obrazy vybraných funkcii</a:t>
+            </a:r>
+            <a:endParaRPr lang="sk-SK" dirty="0"/>
+          </a:p>
+        </p:txBody>
+      </p:sp>
+      <p:sp>
+        <p:nvSpPr>
+          <p:cNvPr id="3" name="Zástupný symbol obsahu 2"/>
+          <p:cNvSpPr>
+            <a:spLocks noGrp="1"/>
+          </p:cNvSpPr>
+          <p:nvPr>
+            <p:ph idx="1"/>
+          </p:nvPr>
+        </p:nvSpPr>
+        <p:spPr/>
+        <p:txBody>
+          <a:bodyPr/>
+          <a:lstStyle/>
+          <a:p>
+            <a:endParaRPr lang="sk-SK"/>
+          </a:p>
+        </p:txBody>
+      </p:sp>
+    </p:spTree>
+    <p:extLst>
+      <p:ext uri="{BB962C8B-B14F-4D97-AF65-F5344CB8AC3E}">
+        <p14:creationId xmlns:p14="http://schemas.microsoft.com/office/powerpoint/2010/main" val="3601500393"/>
+      </p:ext>
+    </p:extLst>
+  </p:cSld>
+  <p:clrMapOvr>
+    <a:masterClrMapping/>
+  </p:clrMapOvr>
+</p:sld>
+</file>
+
+<file path=ppt/slides/slide29.xml><?xml version="1.0" encoding="utf-8"?>
+<p:sld xmlns:a="http://schemas.openxmlformats.org/drawingml/2006/main" xmlns:r="http://schemas.openxmlformats.org/officeDocument/2006/relationships" xmlns:p="http://schemas.openxmlformats.org/presentationml/2006/main">
+  <p:cSld>
+    <p:spTree>
+      <p:nvGrpSpPr>
+        <p:cNvPr id="1" name=""/>
+        <p:cNvGrpSpPr/>
+        <p:nvPr/>
+      </p:nvGrpSpPr>
+      <p:grpSpPr>
+        <a:xfrm>
+          <a:off x="0" y="0"/>
+          <a:ext cx="0" cy="0"/>
+          <a:chOff x="0" y="0"/>
+          <a:chExt cx="0" cy="0"/>
+        </a:xfrm>
+      </p:grpSpPr>
+      <p:sp>
+        <p:nvSpPr>
+          <p:cNvPr id="2" name="Nadpis 1"/>
+          <p:cNvSpPr>
+            <a:spLocks noGrp="1"/>
+          </p:cNvSpPr>
+          <p:nvPr>
+            <p:ph type="title"/>
+          </p:nvPr>
+        </p:nvSpPr>
+        <p:spPr/>
+        <p:txBody>
+          <a:bodyPr/>
+          <a:lstStyle/>
+          <a:p>
+            <a:r>
+              <a:rPr lang="sk-SK" dirty="0" smtClean="0"/>
+              <a:t>Inverzná </a:t>
+            </a:r>
+            <a:r>
+              <a:rPr lang="sk-SK" dirty="0" err="1" smtClean="0"/>
+              <a:t>Laplaceova</a:t>
+            </a:r>
+            <a:r>
+              <a:rPr lang="sk-SK" dirty="0" smtClean="0"/>
+              <a:t> transformácia</a:t>
+            </a:r>
+            <a:endParaRPr lang="sk-SK" dirty="0"/>
+          </a:p>
+        </p:txBody>
+      </p:sp>
+      <p:sp>
+        <p:nvSpPr>
+          <p:cNvPr id="3" name="Zástupný symbol obsahu 2"/>
+          <p:cNvSpPr>
+            <a:spLocks noGrp="1"/>
+          </p:cNvSpPr>
+          <p:nvPr>
+            <p:ph idx="1"/>
+          </p:nvPr>
+        </p:nvSpPr>
+        <p:spPr/>
+        <p:txBody>
+          <a:bodyPr/>
+          <a:lstStyle/>
+          <a:p>
+            <a:endParaRPr lang="sk-SK" dirty="0"/>
+          </a:p>
+        </p:txBody>
+      </p:sp>
+    </p:spTree>
+    <p:extLst>
+      <p:ext uri="{BB962C8B-B14F-4D97-AF65-F5344CB8AC3E}">
+        <p14:creationId xmlns:p14="http://schemas.microsoft.com/office/powerpoint/2010/main" val="3642990468"/>
+      </p:ext>
+    </p:extLst>
+  </p:cSld>
+  <p:clrMapOvr>
+    <a:masterClrMapping/>
+  </p:clrMapOvr>
+</p:sld>
+</file>
+
+<file path=ppt/slides/slide3.xml><?xml version="1.0" encoding="utf-8"?>
+<p:sld xmlns:a="http://schemas.openxmlformats.org/drawingml/2006/main" xmlns:r="http://schemas.openxmlformats.org/officeDocument/2006/relationships" xmlns:p="http://schemas.openxmlformats.org/presentationml/2006/main">
+  <p:cSld>
+    <p:spTree>
+      <p:nvGrpSpPr>
+        <p:cNvPr id="1" name=""/>
+        <p:cNvGrpSpPr/>
+        <p:nvPr/>
+      </p:nvGrpSpPr>
+      <p:grpSpPr>
+        <a:xfrm>
+          <a:off x="0" y="0"/>
+          <a:ext cx="0" cy="0"/>
+          <a:chOff x="0" y="0"/>
+          <a:chExt cx="0" cy="0"/>
+        </a:xfrm>
+      </p:grpSpPr>
+      <p:pic>
+        <p:nvPicPr>
+          <p:cNvPr id="1026" name="Picture 2" descr="VÃ½sledok vyhÄ¾adÃ¡vania obrÃ¡zkov pre dopyt cybernetics"/>
+          <p:cNvPicPr>
+            <a:picLocks noChangeAspect="1" noChangeArrowheads="1"/>
+          </p:cNvPicPr>
+          <p:nvPr/>
+        </p:nvPicPr>
+        <p:blipFill>
+          <a:blip r:embed="rId2">
+            <a:extLst>
+              <a:ext uri="{28A0092B-C50C-407E-A947-70E740481C1C}">
+                <a14:useLocalDpi xmlns:a14="http://schemas.microsoft.com/office/drawing/2010/main" val="0"/>
+              </a:ext>
+            </a:extLst>
+          </a:blip>
+          <a:srcRect/>
+          <a:stretch>
+            <a:fillRect/>
+          </a:stretch>
+        </p:blipFill>
+        <p:spPr bwMode="auto">
+          <a:xfrm>
+            <a:off x="3624648" y="2403559"/>
+            <a:ext cx="5519351" cy="4454441"/>
+          </a:xfrm>
+          <a:prstGeom prst="rect">
+            <a:avLst/>
+          </a:prstGeom>
+          <a:noFill/>
+          <a:extLst>
+            <a:ext uri="{909E8E84-426E-40DD-AFC4-6F175D3DCCD1}">
+              <a14:hiddenFill xmlns:a14="http://schemas.microsoft.com/office/drawing/2010/main">
+                <a:solidFill>
+                  <a:srgbClr val="FFFFFF"/>
+                </a:solidFill>
+              </a14:hiddenFill>
+            </a:ext>
+          </a:extLst>
+        </p:spPr>
+      </p:pic>
+      <p:sp>
+        <p:nvSpPr>
+          <p:cNvPr id="2" name="Nadpis 1"/>
+          <p:cNvSpPr>
+            <a:spLocks noGrp="1"/>
+          </p:cNvSpPr>
+          <p:nvPr>
+            <p:ph type="title"/>
+          </p:nvPr>
+        </p:nvSpPr>
+        <p:spPr/>
+        <p:txBody>
+          <a:bodyPr/>
+          <a:lstStyle/>
+          <a:p>
+            <a:r>
+              <a:rPr lang="sk-SK" dirty="0" smtClean="0"/>
+              <a:t>Kybernetika okolo nás</a:t>
+            </a:r>
+            <a:endParaRPr lang="sk-SK" dirty="0"/>
+          </a:p>
+        </p:txBody>
+      </p:sp>
+      <p:sp>
+        <p:nvSpPr>
+          <p:cNvPr id="3" name="Zástupný symbol obsahu 2"/>
+          <p:cNvSpPr>
+            <a:spLocks noGrp="1"/>
+          </p:cNvSpPr>
+          <p:nvPr>
+            <p:ph idx="1"/>
+          </p:nvPr>
+        </p:nvSpPr>
+        <p:spPr>
+          <a:xfrm>
+            <a:off x="180993" y="1025363"/>
+            <a:ext cx="4506337" cy="4625793"/>
+          </a:xfrm>
+        </p:spPr>
+        <p:txBody>
+          <a:bodyPr/>
+          <a:lstStyle/>
+          <a:p>
+            <a:pPr>
+              <a:buFont typeface="Arial" panose="020B0604020202020204" pitchFamily="34" charset="0"/>
+              <a:buChar char="•"/>
+            </a:pPr>
+            <a:r>
+              <a:rPr lang="sk-SK" dirty="0" smtClean="0"/>
+              <a:t>Je fúziou viacerých odborov</a:t>
+            </a:r>
+          </a:p>
+          <a:p>
+            <a:pPr>
+              <a:buFont typeface="Arial" panose="020B0604020202020204" pitchFamily="34" charset="0"/>
+              <a:buChar char="•"/>
+            </a:pPr>
+            <a:r>
+              <a:rPr lang="sk-SK" dirty="0" smtClean="0"/>
+              <a:t>Zaoberá </a:t>
+            </a:r>
+            <a:r>
+              <a:rPr lang="sk-SK" dirty="0"/>
+              <a:t>sa aj analýzou a syntézou riadiacich a regulačných procesov </a:t>
+            </a:r>
+            <a:endParaRPr lang="sk-SK" dirty="0" smtClean="0"/>
+          </a:p>
+          <a:p>
+            <a:pPr>
+              <a:buFont typeface="Arial" panose="020B0604020202020204" pitchFamily="34" charset="0"/>
+              <a:buChar char="•"/>
+            </a:pPr>
+            <a:r>
+              <a:rPr lang="sk-SK" dirty="0"/>
+              <a:t>Základným pilierom kybernetiky je využitie spätnej väzby</a:t>
+            </a:r>
+            <a:r>
+              <a:rPr lang="sk-SK" dirty="0" smtClean="0"/>
+              <a:t>.</a:t>
+            </a:r>
+          </a:p>
+          <a:p>
+            <a:pPr>
+              <a:buFont typeface="Arial" panose="020B0604020202020204" pitchFamily="34" charset="0"/>
+              <a:buChar char="•"/>
+            </a:pPr>
+            <a:r>
+              <a:rPr lang="sk-SK" dirty="0" smtClean="0"/>
+              <a:t>Všade prítomná problematika: </a:t>
+            </a:r>
+            <a:r>
+              <a:rPr lang="sk-SK" dirty="0"/>
+              <a:t>technické </a:t>
+            </a:r>
+            <a:r>
+              <a:rPr lang="sk-SK" dirty="0" smtClean="0"/>
+              <a:t>vedy - mechanika, elektrotechnika , jadrové </a:t>
+            </a:r>
+            <a:r>
+              <a:rPr lang="sk-SK" dirty="0"/>
+              <a:t>skúšky, biologické objekty,  </a:t>
+            </a:r>
+            <a:r>
+              <a:rPr lang="sk-SK" dirty="0" smtClean="0"/>
+              <a:t>ekonómia...</a:t>
+            </a:r>
+            <a:endParaRPr lang="sk-SK" dirty="0"/>
+          </a:p>
+          <a:p>
+            <a:pPr>
+              <a:buFont typeface="Arial" panose="020B0604020202020204" pitchFamily="34" charset="0"/>
+              <a:buChar char="•"/>
+            </a:pPr>
+            <a:r>
+              <a:rPr lang="sk-SK" dirty="0" smtClean="0"/>
+              <a:t>Kybernetika </a:t>
+            </a:r>
+            <a:r>
+              <a:rPr lang="sk-SK" dirty="0"/>
+              <a:t>je podstatou Industry 4.0</a:t>
+            </a:r>
+          </a:p>
+          <a:p>
+            <a:endParaRPr lang="sk-SK" dirty="0"/>
+          </a:p>
+        </p:txBody>
+      </p:sp>
+    </p:spTree>
+    <p:extLst>
+      <p:ext uri="{BB962C8B-B14F-4D97-AF65-F5344CB8AC3E}">
+        <p14:creationId xmlns:p14="http://schemas.microsoft.com/office/powerpoint/2010/main" val="2415096176"/>
+      </p:ext>
+    </p:extLst>
+  </p:cSld>
+  <p:clrMapOvr>
+    <a:masterClrMapping/>
+  </p:clrMapOvr>
+  <p:timing>
+    <p:tnLst>
+      <p:par>
+        <p:cTn id="1" dur="indefinite" restart="never" nodeType="tmRoot"/>
+      </p:par>
+    </p:tnLst>
+  </p:timing>
+</p:sld>
+</file>
+
+<file path=ppt/slides/slide30.xml><?xml version="1.0" encoding="utf-8"?>
+<p:sld xmlns:a="http://schemas.openxmlformats.org/drawingml/2006/main" xmlns:r="http://schemas.openxmlformats.org/officeDocument/2006/relationships" xmlns:p="http://schemas.openxmlformats.org/presentationml/2006/main">
+  <p:cSld>
+    <p:spTree>
+      <p:nvGrpSpPr>
+        <p:cNvPr id="1" name=""/>
+        <p:cNvGrpSpPr/>
+        <p:nvPr/>
+      </p:nvGrpSpPr>
+      <p:grpSpPr>
+        <a:xfrm>
+          <a:off x="0" y="0"/>
+          <a:ext cx="0" cy="0"/>
+          <a:chOff x="0" y="0"/>
+          <a:chExt cx="0" cy="0"/>
+        </a:xfrm>
+      </p:grpSpPr>
+      <p:sp>
+        <p:nvSpPr>
+          <p:cNvPr id="2" name="Nadpis 1"/>
+          <p:cNvSpPr>
+            <a:spLocks noGrp="1"/>
+          </p:cNvSpPr>
+          <p:nvPr>
+            <p:ph type="title"/>
+          </p:nvPr>
+        </p:nvSpPr>
+        <p:spPr/>
+        <p:txBody>
+          <a:bodyPr/>
+          <a:lstStyle/>
+          <a:p>
+            <a:r>
+              <a:rPr lang="sk-SK" dirty="0" smtClean="0"/>
+              <a:t>Rozklad na parciálne zlomky</a:t>
+            </a:r>
+            <a:endParaRPr lang="sk-SK" dirty="0"/>
+          </a:p>
+        </p:txBody>
+      </p:sp>
+      <p:sp>
+        <p:nvSpPr>
+          <p:cNvPr id="3" name="Zástupný symbol obsahu 2"/>
+          <p:cNvSpPr>
+            <a:spLocks noGrp="1"/>
+          </p:cNvSpPr>
+          <p:nvPr>
+            <p:ph idx="1"/>
+          </p:nvPr>
+        </p:nvSpPr>
+        <p:spPr/>
+        <p:txBody>
+          <a:bodyPr/>
+          <a:lstStyle/>
+          <a:p>
+            <a:endParaRPr lang="sk-SK"/>
+          </a:p>
+        </p:txBody>
+      </p:sp>
+    </p:spTree>
+    <p:extLst>
+      <p:ext uri="{BB962C8B-B14F-4D97-AF65-F5344CB8AC3E}">
+        <p14:creationId xmlns:p14="http://schemas.microsoft.com/office/powerpoint/2010/main" val="2937603504"/>
+      </p:ext>
+    </p:extLst>
+  </p:cSld>
+  <p:clrMapOvr>
+    <a:masterClrMapping/>
+  </p:clrMapOvr>
+</p:sld>
+</file>
+
+<file path=ppt/slides/slide31.xml><?xml version="1.0" encoding="utf-8"?>
+<p:sld xmlns:a="http://schemas.openxmlformats.org/drawingml/2006/main" xmlns:r="http://schemas.openxmlformats.org/officeDocument/2006/relationships" xmlns:p="http://schemas.openxmlformats.org/presentationml/2006/main">
+  <p:cSld>
+    <p:spTree>
+      <p:nvGrpSpPr>
+        <p:cNvPr id="1" name=""/>
+        <p:cNvGrpSpPr/>
+        <p:nvPr/>
+      </p:nvGrpSpPr>
+      <p:grpSpPr>
+        <a:xfrm>
+          <a:off x="0" y="0"/>
+          <a:ext cx="0" cy="0"/>
+          <a:chOff x="0" y="0"/>
+          <a:chExt cx="0" cy="0"/>
+        </a:xfrm>
+      </p:grpSpPr>
+      <p:sp>
+        <p:nvSpPr>
+          <p:cNvPr id="2" name="Nadpis 1"/>
+          <p:cNvSpPr>
+            <a:spLocks noGrp="1"/>
+          </p:cNvSpPr>
+          <p:nvPr>
+            <p:ph type="title"/>
+          </p:nvPr>
+        </p:nvSpPr>
+        <p:spPr/>
+        <p:txBody>
+          <a:bodyPr/>
+          <a:lstStyle/>
+          <a:p>
+            <a:r>
+              <a:rPr lang="sk-SK" dirty="0" smtClean="0"/>
+              <a:t>Prenosová funkcia systému</a:t>
+            </a:r>
+            <a:endParaRPr lang="sk-SK" dirty="0"/>
+          </a:p>
+        </p:txBody>
+      </p:sp>
+      <p:sp>
+        <p:nvSpPr>
+          <p:cNvPr id="3" name="Zástupný symbol obsahu 2"/>
+          <p:cNvSpPr>
+            <a:spLocks noGrp="1"/>
+          </p:cNvSpPr>
+          <p:nvPr>
+            <p:ph idx="1"/>
+          </p:nvPr>
+        </p:nvSpPr>
+        <p:spPr/>
+        <p:txBody>
+          <a:bodyPr/>
+          <a:lstStyle/>
+          <a:p>
+            <a:endParaRPr lang="sk-SK"/>
+          </a:p>
+        </p:txBody>
+      </p:sp>
+    </p:spTree>
+    <p:extLst>
+      <p:ext uri="{BB962C8B-B14F-4D97-AF65-F5344CB8AC3E}">
+        <p14:creationId xmlns:p14="http://schemas.microsoft.com/office/powerpoint/2010/main" val="782147760"/>
+      </p:ext>
+    </p:extLst>
+  </p:cSld>
+  <p:clrMapOvr>
+    <a:masterClrMapping/>
+  </p:clrMapOvr>
+</p:sld>
+</file>
+
+<file path=ppt/slides/slide32.xml><?xml version="1.0" encoding="utf-8"?>
+<p:sld xmlns:a="http://schemas.openxmlformats.org/drawingml/2006/main" xmlns:r="http://schemas.openxmlformats.org/officeDocument/2006/relationships" xmlns:p="http://schemas.openxmlformats.org/presentationml/2006/main">
+  <p:cSld>
+    <p:spTree>
+      <p:nvGrpSpPr>
+        <p:cNvPr id="1" name=""/>
+        <p:cNvGrpSpPr/>
+        <p:nvPr/>
+      </p:nvGrpSpPr>
+      <p:grpSpPr>
+        <a:xfrm>
+          <a:off x="0" y="0"/>
+          <a:ext cx="0" cy="0"/>
+          <a:chOff x="0" y="0"/>
+          <a:chExt cx="0" cy="0"/>
+        </a:xfrm>
+      </p:grpSpPr>
+      <p:sp>
+        <p:nvSpPr>
+          <p:cNvPr id="2" name="Nadpis 1"/>
+          <p:cNvSpPr>
+            <a:spLocks noGrp="1"/>
+          </p:cNvSpPr>
+          <p:nvPr>
+            <p:ph type="title"/>
+          </p:nvPr>
+        </p:nvSpPr>
+        <p:spPr/>
+        <p:txBody>
+          <a:bodyPr/>
+          <a:lstStyle/>
+          <a:p>
+            <a:r>
+              <a:rPr lang="sk-SK" dirty="0" smtClean="0"/>
+              <a:t>Integrátor a </a:t>
+            </a:r>
+            <a:r>
+              <a:rPr lang="sk-SK" dirty="0" err="1" smtClean="0"/>
+              <a:t>derivátor</a:t>
+            </a:r>
+            <a:endParaRPr lang="sk-SK" dirty="0"/>
+          </a:p>
+        </p:txBody>
+      </p:sp>
+      <p:sp>
+        <p:nvSpPr>
+          <p:cNvPr id="3" name="Zástupný symbol obsahu 2"/>
+          <p:cNvSpPr>
+            <a:spLocks noGrp="1"/>
+          </p:cNvSpPr>
+          <p:nvPr>
+            <p:ph idx="1"/>
+          </p:nvPr>
+        </p:nvSpPr>
+        <p:spPr/>
+        <p:txBody>
+          <a:bodyPr/>
+          <a:lstStyle/>
+          <a:p>
+            <a:endParaRPr lang="sk-SK"/>
+          </a:p>
+        </p:txBody>
+      </p:sp>
+    </p:spTree>
+    <p:extLst>
+      <p:ext uri="{BB962C8B-B14F-4D97-AF65-F5344CB8AC3E}">
+        <p14:creationId xmlns:p14="http://schemas.microsoft.com/office/powerpoint/2010/main" val="449367882"/>
+      </p:ext>
+    </p:extLst>
+  </p:cSld>
+  <p:clrMapOvr>
+    <a:masterClrMapping/>
+  </p:clrMapOvr>
+</p:sld>
+</file>
+
+<file path=ppt/slides/slide33.xml><?xml version="1.0" encoding="utf-8"?>
+<p:sld xmlns:a="http://schemas.openxmlformats.org/drawingml/2006/main" xmlns:r="http://schemas.openxmlformats.org/officeDocument/2006/relationships" xmlns:p="http://schemas.openxmlformats.org/presentationml/2006/main">
+  <p:cSld>
+    <p:spTree>
+      <p:nvGrpSpPr>
+        <p:cNvPr id="1" name=""/>
+        <p:cNvGrpSpPr/>
+        <p:nvPr/>
+      </p:nvGrpSpPr>
+      <p:grpSpPr>
+        <a:xfrm>
+          <a:off x="0" y="0"/>
+          <a:ext cx="0" cy="0"/>
+          <a:chOff x="0" y="0"/>
+          <a:chExt cx="0" cy="0"/>
+        </a:xfrm>
+      </p:grpSpPr>
+      <p:sp>
+        <p:nvSpPr>
+          <p:cNvPr id="2" name="Nadpis 1"/>
+          <p:cNvSpPr>
+            <a:spLocks noGrp="1"/>
+          </p:cNvSpPr>
+          <p:nvPr>
+            <p:ph type="title"/>
+          </p:nvPr>
+        </p:nvSpPr>
+        <p:spPr/>
+        <p:txBody>
+          <a:bodyPr/>
+          <a:lstStyle/>
+          <a:p>
+            <a:r>
+              <a:rPr lang="sk-SK" dirty="0" smtClean="0"/>
               <a:t>Spätná väzba v systéme</a:t>
             </a:r>
             <a:endParaRPr lang="sk-SK" dirty="0"/>
@@ -7036,7 +12749,7 @@
 </p:sld>
 </file>
 
-<file path=ppt/slides/slide25.xml><?xml version="1.0" encoding="utf-8"?>
+<file path=ppt/slides/slide34.xml><?xml version="1.0" encoding="utf-8"?>
 <p:sld xmlns:a="http://schemas.openxmlformats.org/drawingml/2006/main" xmlns:r="http://schemas.openxmlformats.org/officeDocument/2006/relationships" xmlns:p="http://schemas.openxmlformats.org/presentationml/2006/main">
   <p:cSld>
     <p:spTree>
@@ -7269,7 +12982,7 @@
 </p:sld>
 </file>
 
-<file path=ppt/slides/slide26.xml><?xml version="1.0" encoding="utf-8"?>
+<file path=ppt/slides/slide35.xml><?xml version="1.0" encoding="utf-8"?>
 <p:sld xmlns:a="http://schemas.openxmlformats.org/drawingml/2006/main" xmlns:r="http://schemas.openxmlformats.org/officeDocument/2006/relationships" xmlns:p="http://schemas.openxmlformats.org/presentationml/2006/main">
   <p:cSld>
     <p:spTree>
@@ -7395,7 +13108,7 @@
 </p:sld>
 </file>
 
-<file path=ppt/slides/slide27.xml><?xml version="1.0" encoding="utf-8"?>
+<file path=ppt/slides/slide36.xml><?xml version="1.0" encoding="utf-8"?>
 <p:sld xmlns:a="http://schemas.openxmlformats.org/drawingml/2006/main" xmlns:r="http://schemas.openxmlformats.org/officeDocument/2006/relationships" xmlns:p="http://schemas.openxmlformats.org/presentationml/2006/main">
   <p:cSld>
     <p:spTree>
@@ -7467,7 +13180,7 @@
 </p:sld>
 </file>
 
-<file path=ppt/slides/slide28.xml><?xml version="1.0" encoding="utf-8"?>
+<file path=ppt/slides/slide37.xml><?xml version="1.0" encoding="utf-8"?>
 <p:sld xmlns:a="http://schemas.openxmlformats.org/drawingml/2006/main" xmlns:r="http://schemas.openxmlformats.org/officeDocument/2006/relationships" xmlns:p="http://schemas.openxmlformats.org/presentationml/2006/main">
   <p:cSld>
     <p:spTree>
@@ -7539,7 +13252,7 @@
 </p:sld>
 </file>
 
-<file path=ppt/slides/slide29.xml><?xml version="1.0" encoding="utf-8"?>
+<file path=ppt/slides/slide38.xml><?xml version="1.0" encoding="utf-8"?>
 <p:sld xmlns:a="http://schemas.openxmlformats.org/drawingml/2006/main" xmlns:r="http://schemas.openxmlformats.org/officeDocument/2006/relationships" xmlns:p="http://schemas.openxmlformats.org/presentationml/2006/main">
   <p:cSld>
     <p:spTree>
@@ -7611,220 +13324,7 @@
 </p:sld>
 </file>
 
-<file path=ppt/slides/slide3.xml><?xml version="1.0" encoding="utf-8"?>
-<p:sld xmlns:a="http://schemas.openxmlformats.org/drawingml/2006/main" xmlns:r="http://schemas.openxmlformats.org/officeDocument/2006/relationships" xmlns:p="http://schemas.openxmlformats.org/presentationml/2006/main">
-  <p:cSld>
-    <p:spTree>
-      <p:nvGrpSpPr>
-        <p:cNvPr id="1" name=""/>
-        <p:cNvGrpSpPr/>
-        <p:nvPr/>
-      </p:nvGrpSpPr>
-      <p:grpSpPr>
-        <a:xfrm>
-          <a:off x="0" y="0"/>
-          <a:ext cx="0" cy="0"/>
-          <a:chOff x="0" y="0"/>
-          <a:chExt cx="0" cy="0"/>
-        </a:xfrm>
-      </p:grpSpPr>
-      <p:pic>
-        <p:nvPicPr>
-          <p:cNvPr id="1026" name="Picture 2" descr="VÃ½sledok vyhÄ¾adÃ¡vania obrÃ¡zkov pre dopyt cybernetics"/>
-          <p:cNvPicPr>
-            <a:picLocks noChangeAspect="1" noChangeArrowheads="1"/>
-          </p:cNvPicPr>
-          <p:nvPr/>
-        </p:nvPicPr>
-        <p:blipFill>
-          <a:blip r:embed="rId2">
-            <a:extLst>
-              <a:ext uri="{28A0092B-C50C-407E-A947-70E740481C1C}">
-                <a14:useLocalDpi xmlns:a14="http://schemas.microsoft.com/office/drawing/2010/main" val="0"/>
-              </a:ext>
-            </a:extLst>
-          </a:blip>
-          <a:srcRect/>
-          <a:stretch>
-            <a:fillRect/>
-          </a:stretch>
-        </p:blipFill>
-        <p:spPr bwMode="auto">
-          <a:xfrm>
-            <a:off x="3624648" y="2403559"/>
-            <a:ext cx="5519351" cy="4454441"/>
-          </a:xfrm>
-          <a:prstGeom prst="rect">
-            <a:avLst/>
-          </a:prstGeom>
-          <a:noFill/>
-          <a:extLst>
-            <a:ext uri="{909E8E84-426E-40DD-AFC4-6F175D3DCCD1}">
-              <a14:hiddenFill xmlns:a14="http://schemas.microsoft.com/office/drawing/2010/main">
-                <a:solidFill>
-                  <a:srgbClr val="FFFFFF"/>
-                </a:solidFill>
-              </a14:hiddenFill>
-            </a:ext>
-          </a:extLst>
-        </p:spPr>
-      </p:pic>
-      <p:sp>
-        <p:nvSpPr>
-          <p:cNvPr id="2" name="Nadpis 1"/>
-          <p:cNvSpPr>
-            <a:spLocks noGrp="1"/>
-          </p:cNvSpPr>
-          <p:nvPr>
-            <p:ph type="title"/>
-          </p:nvPr>
-        </p:nvSpPr>
-        <p:spPr/>
-        <p:txBody>
-          <a:bodyPr/>
-          <a:lstStyle/>
-          <a:p>
-            <a:r>
-              <a:rPr lang="sk-SK" dirty="0" smtClean="0"/>
-              <a:t>Kybernetika okolo nás</a:t>
-            </a:r>
-            <a:endParaRPr lang="sk-SK" dirty="0"/>
-          </a:p>
-        </p:txBody>
-      </p:sp>
-      <p:sp>
-        <p:nvSpPr>
-          <p:cNvPr id="3" name="Zástupný symbol obsahu 2"/>
-          <p:cNvSpPr>
-            <a:spLocks noGrp="1"/>
-          </p:cNvSpPr>
-          <p:nvPr>
-            <p:ph idx="1"/>
-          </p:nvPr>
-        </p:nvSpPr>
-        <p:spPr>
-          <a:xfrm>
-            <a:off x="180993" y="1025363"/>
-            <a:ext cx="4506337" cy="4625793"/>
-          </a:xfrm>
-        </p:spPr>
-        <p:txBody>
-          <a:bodyPr/>
-          <a:lstStyle/>
-          <a:p>
-            <a:pPr>
-              <a:buFont typeface="Arial" panose="020B0604020202020204" pitchFamily="34" charset="0"/>
-              <a:buChar char="•"/>
-            </a:pPr>
-            <a:r>
-              <a:rPr lang="sk-SK" dirty="0" smtClean="0"/>
-              <a:t>Je </a:t>
-            </a:r>
-            <a:r>
-              <a:rPr lang="sk-SK" dirty="0" smtClean="0"/>
-              <a:t>fúziou </a:t>
-            </a:r>
-            <a:r>
-              <a:rPr lang="sk-SK" dirty="0" smtClean="0"/>
-              <a:t>viacerých odborov</a:t>
-            </a:r>
-          </a:p>
-          <a:p>
-            <a:pPr>
-              <a:buFont typeface="Arial" panose="020B0604020202020204" pitchFamily="34" charset="0"/>
-              <a:buChar char="•"/>
-            </a:pPr>
-            <a:r>
-              <a:rPr lang="sk-SK" dirty="0" smtClean="0"/>
-              <a:t>Zaoberá </a:t>
-            </a:r>
-            <a:r>
-              <a:rPr lang="sk-SK" dirty="0"/>
-              <a:t>sa aj analýzou a syntézou riadiacich a regulačných procesov </a:t>
-            </a:r>
-            <a:endParaRPr lang="sk-SK" dirty="0" smtClean="0"/>
-          </a:p>
-          <a:p>
-            <a:pPr>
-              <a:buFont typeface="Arial" panose="020B0604020202020204" pitchFamily="34" charset="0"/>
-              <a:buChar char="•"/>
-            </a:pPr>
-            <a:r>
-              <a:rPr lang="sk-SK" dirty="0"/>
-              <a:t>Základným pilierom kybernetiky je využitie spätnej väzby</a:t>
-            </a:r>
-            <a:r>
-              <a:rPr lang="sk-SK" dirty="0" smtClean="0"/>
-              <a:t>.</a:t>
-            </a:r>
-          </a:p>
-          <a:p>
-            <a:pPr>
-              <a:buFont typeface="Arial" panose="020B0604020202020204" pitchFamily="34" charset="0"/>
-              <a:buChar char="•"/>
-            </a:pPr>
-            <a:r>
-              <a:rPr lang="sk-SK" dirty="0" smtClean="0"/>
-              <a:t>Všade prítomná problematika: </a:t>
-            </a:r>
-            <a:r>
-              <a:rPr lang="sk-SK" dirty="0"/>
-              <a:t>technické </a:t>
-            </a:r>
-            <a:r>
-              <a:rPr lang="sk-SK" dirty="0" smtClean="0"/>
-              <a:t>vedy - mechanika, elektrotechnika , jadrové </a:t>
-            </a:r>
-            <a:r>
-              <a:rPr lang="sk-SK" dirty="0"/>
-              <a:t>skúšky, biologické objekty,  </a:t>
-            </a:r>
-            <a:r>
-              <a:rPr lang="sk-SK" dirty="0" smtClean="0"/>
-              <a:t>ekonómia...</a:t>
-            </a:r>
-            <a:endParaRPr lang="sk-SK" dirty="0"/>
-          </a:p>
-          <a:p>
-            <a:pPr>
-              <a:buFont typeface="Arial" panose="020B0604020202020204" pitchFamily="34" charset="0"/>
-              <a:buChar char="•"/>
-            </a:pPr>
-            <a:r>
-              <a:rPr lang="sk-SK" dirty="0" smtClean="0"/>
-              <a:t>Kybernetika </a:t>
-            </a:r>
-            <a:r>
-              <a:rPr lang="sk-SK" dirty="0"/>
-              <a:t>je podstatou Industry 4.0</a:t>
-            </a:r>
-          </a:p>
-          <a:p>
-            <a:endParaRPr lang="sk-SK" dirty="0"/>
-          </a:p>
-        </p:txBody>
-      </p:sp>
-    </p:spTree>
-    <p:extLst>
-      <p:ext uri="{BB962C8B-B14F-4D97-AF65-F5344CB8AC3E}">
-        <p14:creationId xmlns:p14="http://schemas.microsoft.com/office/powerpoint/2010/main" val="2415096176"/>
-      </p:ext>
-    </p:extLst>
-  </p:cSld>
-  <p:clrMapOvr>
-    <a:masterClrMapping/>
-  </p:clrMapOvr>
-  <p:timing>
-    <p:tnLst>
-      <p:par>
-        <p:cTn id="1" dur="indefinite" restart="never" nodeType="tmRoot"/>
-      </p:par>
-    </p:tnLst>
-  </p:timing>
-</p:sld>
-</file>
-
-<file path=ppt/slides/slide30.xml><?xml version="1.0" encoding="utf-8"?>
+<file path=ppt/slides/slide39.xml><?xml version="1.0" encoding="utf-8"?>
 <p:sld xmlns:a="http://schemas.openxmlformats.org/drawingml/2006/main" xmlns:r="http://schemas.openxmlformats.org/officeDocument/2006/relationships" xmlns:p="http://schemas.openxmlformats.org/presentationml/2006/main">
   <p:cSld>
     <p:spTree>
@@ -8023,7 +13523,7 @@
 </p:sld>
 </file>
 
-<file path=ppt/slides/slide31.xml><?xml version="1.0" encoding="utf-8"?>
+<file path=ppt/slides/slide4.xml><?xml version="1.0" encoding="utf-8"?>
 <p:sld xmlns:a="http://schemas.openxmlformats.org/drawingml/2006/main" xmlns:r="http://schemas.openxmlformats.org/officeDocument/2006/relationships" xmlns:p="http://schemas.openxmlformats.org/presentationml/2006/main">
   <p:cSld>
     <p:spTree>
@@ -8057,14 +13557,265 @@
           <a:p>
             <a:r>
               <a:rPr lang="sk-SK" dirty="0" smtClean="0"/>
-              <a:t>Sériové zapojenie</a:t>
+              <a:t>Dynamika</a:t>
             </a:r>
             <a:endParaRPr lang="sk-SK" dirty="0"/>
           </a:p>
         </p:txBody>
       </p:sp>
-      <mc:AlternateContent xmlns:mc="http://schemas.openxmlformats.org/markup-compatibility/2006">
-        <mc:Choice xmlns:a14="http://schemas.microsoft.com/office/drawing/2010/main" Requires="a14">
+      <p:sp>
+        <p:nvSpPr>
+          <p:cNvPr id="3" name="Zástupný symbol obsahu 2"/>
+          <p:cNvSpPr>
+            <a:spLocks noGrp="1"/>
+          </p:cNvSpPr>
+          <p:nvPr>
+            <p:ph idx="1"/>
+          </p:nvPr>
+        </p:nvSpPr>
+        <p:spPr>
+          <a:xfrm>
+            <a:off x="286607" y="1147537"/>
+            <a:ext cx="8709111" cy="5710463"/>
+          </a:xfrm>
+        </p:spPr>
+        <p:txBody>
+          <a:bodyPr>
+            <a:normAutofit fontScale="85000" lnSpcReduction="20000"/>
+          </a:bodyPr>
+          <a:lstStyle/>
+          <a:p>
+            <a:pPr>
+              <a:lnSpc>
+                <a:spcPct val="110000"/>
+              </a:lnSpc>
+              <a:buFont typeface="Arial" panose="020B0604020202020204" pitchFamily="34" charset="0"/>
+              <a:buChar char="•"/>
+            </a:pPr>
+            <a:r>
+              <a:rPr lang="sk-SK" sz="2300" dirty="0" smtClean="0"/>
+              <a:t>Svet okolo nás je </a:t>
+            </a:r>
+            <a:r>
+              <a:rPr lang="sk-SK" sz="2300" u="sng" dirty="0" smtClean="0"/>
+              <a:t>dynamický = mení sa v čase</a:t>
+            </a:r>
+            <a:r>
+              <a:rPr lang="sk-SK" sz="2300" dirty="0" smtClean="0"/>
+              <a:t> </a:t>
+            </a:r>
+          </a:p>
+          <a:p>
+            <a:pPr>
+              <a:lnSpc>
+                <a:spcPct val="110000"/>
+              </a:lnSpc>
+              <a:buFont typeface="Arial" panose="020B0604020202020204" pitchFamily="34" charset="0"/>
+              <a:buChar char="•"/>
+            </a:pPr>
+            <a:r>
+              <a:rPr lang="sk-SK" sz="2300" dirty="0" smtClean="0"/>
+              <a:t>Zmena v čase je základným pojmom pri pochopení dynamiky </a:t>
+            </a:r>
+          </a:p>
+          <a:p>
+            <a:pPr>
+              <a:lnSpc>
+                <a:spcPct val="110000"/>
+              </a:lnSpc>
+              <a:buFont typeface="Arial" panose="020B0604020202020204" pitchFamily="34" charset="0"/>
+              <a:buChar char="•"/>
+            </a:pPr>
+            <a:r>
+              <a:rPr lang="sk-SK" sz="2300" u="sng" dirty="0" smtClean="0"/>
+              <a:t>Čas</a:t>
+            </a:r>
+            <a:r>
+              <a:rPr lang="sk-SK" sz="2300" dirty="0" smtClean="0"/>
+              <a:t> vystupuje ako nezávislá premenná</a:t>
+            </a:r>
+          </a:p>
+          <a:p>
+            <a:pPr>
+              <a:lnSpc>
+                <a:spcPct val="110000"/>
+              </a:lnSpc>
+              <a:buFont typeface="Arial" panose="020B0604020202020204" pitchFamily="34" charset="0"/>
+              <a:buChar char="•"/>
+            </a:pPr>
+            <a:r>
+              <a:rPr lang="sk-SK" sz="2300" dirty="0" smtClean="0"/>
+              <a:t>Klasická matematika - algebrické rovnice (v zmysle funkcii, výrazov, sústav rovníc)</a:t>
+            </a:r>
+          </a:p>
+          <a:p>
+            <a:pPr lvl="1">
+              <a:lnSpc>
+                <a:spcPct val="110000"/>
+              </a:lnSpc>
+            </a:pPr>
+            <a:r>
+              <a:rPr lang="sk-SK" sz="2100" dirty="0" smtClean="0"/>
+              <a:t>Matematická analýza (</a:t>
+            </a:r>
+            <a:r>
+              <a:rPr lang="sk-SK" sz="2100" dirty="0" err="1" smtClean="0"/>
+              <a:t>calculus</a:t>
+            </a:r>
+            <a:r>
+              <a:rPr lang="sk-SK" sz="2100" dirty="0" smtClean="0"/>
+              <a:t>) zavádza pojem derivácie (zmeny) veličiny a integrálu (akumulácie).</a:t>
+            </a:r>
+          </a:p>
+          <a:p>
+            <a:pPr lvl="1">
+              <a:lnSpc>
+                <a:spcPct val="160000"/>
+              </a:lnSpc>
+            </a:pPr>
+            <a:r>
+              <a:rPr lang="sk-SK" sz="2100" dirty="0" smtClean="0"/>
+              <a:t>Derivácia funkcie podľa času – základ dynamiky</a:t>
+            </a:r>
+          </a:p>
+          <a:p>
+            <a:pPr lvl="1">
+              <a:lnSpc>
+                <a:spcPct val="160000"/>
+              </a:lnSpc>
+            </a:pPr>
+            <a:r>
+              <a:rPr lang="sk-SK" sz="2100" dirty="0" smtClean="0"/>
+              <a:t>Zmena a akumulácia sú základom dynamických systémov</a:t>
+            </a:r>
+          </a:p>
+          <a:p>
+            <a:pPr lvl="1">
+              <a:lnSpc>
+                <a:spcPct val="160000"/>
+              </a:lnSpc>
+            </a:pPr>
+            <a:r>
+              <a:rPr lang="sk-SK" sz="2100" dirty="0" smtClean="0"/>
+              <a:t>V reálnych fyzikálnych systémoch sú meniacimi veličinami často napríklad:</a:t>
+            </a:r>
+          </a:p>
+          <a:p>
+            <a:pPr lvl="2">
+              <a:lnSpc>
+                <a:spcPct val="160000"/>
+              </a:lnSpc>
+            </a:pPr>
+            <a:r>
+              <a:rPr lang="sk-SK" sz="1800" dirty="0" smtClean="0"/>
+              <a:t>Energia</a:t>
+            </a:r>
+            <a:endParaRPr lang="sk-SK" sz="1800" dirty="0"/>
+          </a:p>
+          <a:p>
+            <a:pPr lvl="2">
+              <a:lnSpc>
+                <a:spcPct val="160000"/>
+              </a:lnSpc>
+            </a:pPr>
+            <a:r>
+              <a:rPr lang="sk-SK" sz="1800" dirty="0" smtClean="0"/>
+              <a:t>Poloha</a:t>
+            </a:r>
+          </a:p>
+          <a:p>
+            <a:pPr lvl="2">
+              <a:lnSpc>
+                <a:spcPct val="160000"/>
+              </a:lnSpc>
+            </a:pPr>
+            <a:r>
+              <a:rPr lang="sk-SK" sz="1800" dirty="0" smtClean="0"/>
+              <a:t>Teplota</a:t>
+            </a:r>
+          </a:p>
+          <a:p>
+            <a:pPr lvl="2">
+              <a:lnSpc>
+                <a:spcPct val="160000"/>
+              </a:lnSpc>
+            </a:pPr>
+            <a:r>
+              <a:rPr lang="sk-SK" sz="1800" dirty="0" smtClean="0"/>
+              <a:t>Elektrické napätie</a:t>
+            </a:r>
+          </a:p>
+          <a:p>
+            <a:r>
+              <a:rPr lang="sk-SK" dirty="0" smtClean="0"/>
+              <a:t> </a:t>
+            </a:r>
+            <a:endParaRPr lang="sk-SK" dirty="0"/>
+          </a:p>
+        </p:txBody>
+      </p:sp>
+    </p:spTree>
+    <p:extLst>
+      <p:ext uri="{BB962C8B-B14F-4D97-AF65-F5344CB8AC3E}">
+        <p14:creationId xmlns:p14="http://schemas.microsoft.com/office/powerpoint/2010/main" val="548438733"/>
+      </p:ext>
+    </p:extLst>
+  </p:cSld>
+  <p:clrMapOvr>
+    <a:masterClrMapping/>
+  </p:clrMapOvr>
+  <p:timing>
+    <p:tnLst>
+      <p:par>
+        <p:cTn id="1" dur="indefinite" restart="never" nodeType="tmRoot"/>
+      </p:par>
+    </p:tnLst>
+  </p:timing>
+</p:sld>
+</file>
+
+<file path=ppt/slides/slide40.xml><?xml version="1.0" encoding="utf-8"?>
+<p:sld xmlns:a="http://schemas.openxmlformats.org/drawingml/2006/main" xmlns:r="http://schemas.openxmlformats.org/officeDocument/2006/relationships" xmlns:p="http://schemas.openxmlformats.org/presentationml/2006/main">
+  <p:cSld>
+    <p:spTree>
+      <p:nvGrpSpPr>
+        <p:cNvPr id="1" name=""/>
+        <p:cNvGrpSpPr/>
+        <p:nvPr/>
+      </p:nvGrpSpPr>
+      <p:grpSpPr>
+        <a:xfrm>
+          <a:off x="0" y="0"/>
+          <a:ext cx="0" cy="0"/>
+          <a:chOff x="0" y="0"/>
+          <a:chExt cx="0" cy="0"/>
+        </a:xfrm>
+      </p:grpSpPr>
+      <p:sp>
+        <p:nvSpPr>
+          <p:cNvPr id="2" name="Nadpis 1"/>
+          <p:cNvSpPr>
+            <a:spLocks noGrp="1"/>
+          </p:cNvSpPr>
+          <p:nvPr>
+            <p:ph type="title"/>
+          </p:nvPr>
+        </p:nvSpPr>
+        <p:spPr/>
+        <p:txBody>
+          <a:bodyPr/>
+          <a:lstStyle/>
+          <a:p>
+            <a:r>
+              <a:rPr lang="sk-SK" dirty="0" smtClean="0"/>
+              <a:t>Sériové zapojenie</a:t>
+            </a:r>
+            <a:endParaRPr lang="sk-SK" dirty="0"/>
+          </a:p>
+        </p:txBody>
+      </p:sp>
+      <mc:AlternateContent xmlns:mc="http://schemas.openxmlformats.org/markup-compatibility/2006" xmlns:a14="http://schemas.microsoft.com/office/drawing/2010/main">
+        <mc:Choice Requires="a14">
           <p:sp>
             <p:nvSpPr>
               <p:cNvPr id="3" name="Zástupný symbol obsahu 2"/>
@@ -8270,7 +14021,7 @@
             </p:txBody>
           </p:sp>
         </mc:Choice>
-        <mc:Fallback>
+        <mc:Fallback xmlns="">
           <p:sp>
             <p:nvSpPr>
               <p:cNvPr id="3" name="Zástupný symbol obsahu 2"/>
@@ -8340,7 +14091,7 @@
 </p:sld>
 </file>
 
-<file path=ppt/slides/slide32.xml><?xml version="1.0" encoding="utf-8"?>
+<file path=ppt/slides/slide41.xml><?xml version="1.0" encoding="utf-8"?>
 <p:sld xmlns:a="http://schemas.openxmlformats.org/drawingml/2006/main" xmlns:r="http://schemas.openxmlformats.org/officeDocument/2006/relationships" xmlns:p="http://schemas.openxmlformats.org/presentationml/2006/main">
   <p:cSld>
     <p:spTree>
@@ -8380,8 +14131,8 @@
           </a:p>
         </p:txBody>
       </p:sp>
-      <mc:AlternateContent xmlns:mc="http://schemas.openxmlformats.org/markup-compatibility/2006">
-        <mc:Choice xmlns:a14="http://schemas.microsoft.com/office/drawing/2010/main" Requires="a14">
+      <mc:AlternateContent xmlns:mc="http://schemas.openxmlformats.org/markup-compatibility/2006" xmlns:a14="http://schemas.microsoft.com/office/drawing/2010/main">
+        <mc:Choice Requires="a14">
           <p:sp>
             <p:nvSpPr>
               <p:cNvPr id="3" name="Zástupný symbol obsahu 2"/>
@@ -8593,7 +14344,7 @@
             </p:txBody>
           </p:sp>
         </mc:Choice>
-        <mc:Fallback>
+        <mc:Fallback xmlns="">
           <p:sp>
             <p:nvSpPr>
               <p:cNvPr id="3" name="Zástupný symbol obsahu 2"/>
@@ -8663,7 +14414,7 @@
 </p:sld>
 </file>
 
-<file path=ppt/slides/slide33.xml><?xml version="1.0" encoding="utf-8"?>
+<file path=ppt/slides/slide42.xml><?xml version="1.0" encoding="utf-8"?>
 <p:sld xmlns:a="http://schemas.openxmlformats.org/drawingml/2006/main" xmlns:r="http://schemas.openxmlformats.org/officeDocument/2006/relationships" xmlns:p="http://schemas.openxmlformats.org/presentationml/2006/main">
   <p:cSld>
     <p:spTree>
@@ -8832,7 +14583,7 @@
 </p:sld>
 </file>
 
-<file path=ppt/slides/slide34.xml><?xml version="1.0" encoding="utf-8"?>
+<file path=ppt/slides/slide43.xml><?xml version="1.0" encoding="utf-8"?>
 <p:sld xmlns:a="http://schemas.openxmlformats.org/drawingml/2006/main" xmlns:r="http://schemas.openxmlformats.org/officeDocument/2006/relationships" xmlns:p="http://schemas.openxmlformats.org/presentationml/2006/main">
   <p:cSld>
     <p:spTree>
@@ -8904,7 +14655,7 @@
 </p:sld>
 </file>
 
-<file path=ppt/slides/slide35.xml><?xml version="1.0" encoding="utf-8"?>
+<file path=ppt/slides/slide44.xml><?xml version="1.0" encoding="utf-8"?>
 <p:sld xmlns:a="http://schemas.openxmlformats.org/drawingml/2006/main" xmlns:r="http://schemas.openxmlformats.org/officeDocument/2006/relationships" xmlns:p="http://schemas.openxmlformats.org/presentationml/2006/main">
   <p:cSld>
     <p:spTree>
@@ -8976,111 +14727,7 @@
 </p:sld>
 </file>
 
-<file path=ppt/slides/slide36.xml><?xml version="1.0" encoding="utf-8"?>
-<p:sld xmlns:a="http://schemas.openxmlformats.org/drawingml/2006/main" xmlns:r="http://schemas.openxmlformats.org/officeDocument/2006/relationships" xmlns:p="http://schemas.openxmlformats.org/presentationml/2006/main">
-  <p:cSld>
-    <p:spTree>
-      <p:nvGrpSpPr>
-        <p:cNvPr id="1" name=""/>
-        <p:cNvGrpSpPr/>
-        <p:nvPr/>
-      </p:nvGrpSpPr>
-      <p:grpSpPr>
-        <a:xfrm>
-          <a:off x="0" y="0"/>
-          <a:ext cx="0" cy="0"/>
-          <a:chOff x="0" y="0"/>
-          <a:chExt cx="0" cy="0"/>
-        </a:xfrm>
-      </p:grpSpPr>
-      <p:sp>
-        <p:nvSpPr>
-          <p:cNvPr id="2" name="Nadpis 1"/>
-          <p:cNvSpPr>
-            <a:spLocks noGrp="1"/>
-          </p:cNvSpPr>
-          <p:nvPr>
-            <p:ph type="title"/>
-          </p:nvPr>
-        </p:nvSpPr>
-        <p:spPr/>
-        <p:txBody>
-          <a:bodyPr/>
-          <a:lstStyle/>
-          <a:p>
-            <a:r>
-              <a:rPr lang="sk-SK" dirty="0" smtClean="0"/>
-              <a:t>Vytvorenie modelu z prenosovej funkcie</a:t>
-            </a:r>
-            <a:endParaRPr lang="sk-SK" dirty="0"/>
-          </a:p>
-        </p:txBody>
-      </p:sp>
-      <p:sp>
-        <p:nvSpPr>
-          <p:cNvPr id="3" name="Zástupný symbol obsahu 2"/>
-          <p:cNvSpPr>
-            <a:spLocks noGrp="1"/>
-          </p:cNvSpPr>
-          <p:nvPr>
-            <p:ph idx="1"/>
-          </p:nvPr>
-        </p:nvSpPr>
-        <p:spPr/>
-        <p:txBody>
-          <a:bodyPr/>
-          <a:lstStyle/>
-          <a:p>
-            <a:pPr>
-              <a:buFont typeface="Arial" panose="020B0604020202020204" pitchFamily="34" charset="0"/>
-              <a:buChar char="•"/>
-            </a:pPr>
-            <a:r>
-              <a:rPr lang="sk-SK" dirty="0" smtClean="0"/>
-              <a:t>Prenosová funkcia je už v podstate modelom systému</a:t>
-            </a:r>
-          </a:p>
-          <a:p>
-            <a:pPr>
-              <a:buFont typeface="Arial" panose="020B0604020202020204" pitchFamily="34" charset="0"/>
-              <a:buChar char="•"/>
-            </a:pPr>
-            <a:r>
-              <a:rPr lang="sk-SK" dirty="0" smtClean="0"/>
-              <a:t>Jedná sa ale o SISO (single </a:t>
-            </a:r>
-            <a:r>
-              <a:rPr lang="sk-SK" dirty="0" err="1" smtClean="0"/>
-              <a:t>input</a:t>
-            </a:r>
-            <a:r>
-              <a:rPr lang="sk-SK" dirty="0" smtClean="0"/>
-              <a:t> – single output) systém </a:t>
-            </a:r>
-          </a:p>
-          <a:p>
-            <a:pPr>
-              <a:buFont typeface="Arial" panose="020B0604020202020204" pitchFamily="34" charset="0"/>
-              <a:buChar char="•"/>
-            </a:pPr>
-            <a:endParaRPr lang="sk-SK" dirty="0"/>
-          </a:p>
-        </p:txBody>
-      </p:sp>
-    </p:spTree>
-    <p:extLst>
-      <p:ext uri="{BB962C8B-B14F-4D97-AF65-F5344CB8AC3E}">
-        <p14:creationId xmlns:p14="http://schemas.microsoft.com/office/powerpoint/2010/main" val="2544128250"/>
-      </p:ext>
-    </p:extLst>
-  </p:cSld>
-  <p:clrMapOvr>
-    <a:masterClrMapping/>
-  </p:clrMapOvr>
-</p:sld>
-</file>
-
-<file path=ppt/slides/slide37.xml><?xml version="1.0" encoding="utf-8"?>
+<file path=ppt/slides/slide45.xml><?xml version="1.0" encoding="utf-8"?>
 <p:sld xmlns:a="http://schemas.openxmlformats.org/drawingml/2006/main" xmlns:r="http://schemas.openxmlformats.org/officeDocument/2006/relationships" xmlns:p="http://schemas.openxmlformats.org/presentationml/2006/main">
   <p:cSld>
     <p:spTree>
@@ -9552,7 +15199,7 @@
 </p:sld>
 </file>
 
-<file path=ppt/slides/slide38.xml><?xml version="1.0" encoding="utf-8"?>
+<file path=ppt/slides/slide46.xml><?xml version="1.0" encoding="utf-8"?>
 <p:sld xmlns:a="http://schemas.openxmlformats.org/drawingml/2006/main" xmlns:r="http://schemas.openxmlformats.org/officeDocument/2006/relationships" xmlns:p="http://schemas.openxmlformats.org/presentationml/2006/main">
   <p:cSld>
     <p:spTree>
@@ -10258,7 +15905,7 @@
 </p:sld>
 </file>
 
-<file path=ppt/slides/slide39.xml><?xml version="1.0" encoding="utf-8"?>
+<file path=ppt/slides/slide47.xml><?xml version="1.0" encoding="utf-8"?>
 <p:sld xmlns:a="http://schemas.openxmlformats.org/drawingml/2006/main" xmlns:r="http://schemas.openxmlformats.org/officeDocument/2006/relationships" xmlns:p="http://schemas.openxmlformats.org/presentationml/2006/main">
   <p:cSld>
     <p:spTree>
@@ -10298,8 +15945,8 @@
           </a:p>
         </p:txBody>
       </p:sp>
-      <mc:AlternateContent xmlns:mc="http://schemas.openxmlformats.org/markup-compatibility/2006">
-        <mc:Choice xmlns:a14="http://schemas.microsoft.com/office/drawing/2010/main" Requires="a14">
+      <mc:AlternateContent xmlns:mc="http://schemas.openxmlformats.org/markup-compatibility/2006" xmlns:a14="http://schemas.microsoft.com/office/drawing/2010/main">
+        <mc:Choice Requires="a14">
           <p:sp>
             <p:nvSpPr>
               <p:cNvPr id="3" name="Zástupný symbol obsahu 2"/>
@@ -10374,7 +16021,6 @@
                   <a:rPr lang="sk-SK" dirty="0" smtClean="0"/>
                   <a:t>Túto silu považujme za vstup do systému</a:t>
                 </a:r>
-                <a:endParaRPr lang="sk-SK" dirty="0" smtClean="0"/>
               </a:p>
               <a:p>
                 <a:pPr>
@@ -11305,7 +16951,7 @@
             </p:txBody>
           </p:sp>
         </mc:Choice>
-        <mc:Fallback>
+        <mc:Fallback xmlns="">
           <p:sp>
             <p:nvSpPr>
               <p:cNvPr id="3" name="Zástupný symbol obsahu 2"/>
@@ -11356,7 +17002,7 @@
 </p:sld>
 </file>
 
-<file path=ppt/slides/slide4.xml><?xml version="1.0" encoding="utf-8"?>
+<file path=ppt/slides/slide48.xml><?xml version="1.0" encoding="utf-8"?>
 <p:sld xmlns:a="http://schemas.openxmlformats.org/drawingml/2006/main" xmlns:r="http://schemas.openxmlformats.org/officeDocument/2006/relationships" xmlns:p="http://schemas.openxmlformats.org/presentationml/2006/main">
   <p:cSld>
     <p:spTree>
@@ -11389,266 +17035,14 @@
           <a:lstStyle/>
           <a:p>
             <a:r>
-              <a:rPr lang="sk-SK" dirty="0" smtClean="0"/>
-              <a:t>Dynamika</a:t>
-            </a:r>
-            <a:endParaRPr lang="sk-SK" dirty="0"/>
+              <a:rPr lang="sk-SK" dirty="0"/>
+              <a:t>Model harmonického oscilátora</a:t>
+            </a:r>
           </a:p>
         </p:txBody>
       </p:sp>
-      <p:sp>
-        <p:nvSpPr>
-          <p:cNvPr id="3" name="Zástupný symbol obsahu 2"/>
-          <p:cNvSpPr>
-            <a:spLocks noGrp="1"/>
-          </p:cNvSpPr>
-          <p:nvPr>
-            <p:ph idx="1"/>
-          </p:nvPr>
-        </p:nvSpPr>
-        <p:spPr>
-          <a:xfrm>
-            <a:off x="286608" y="1147537"/>
-            <a:ext cx="8272506" cy="4923749"/>
-          </a:xfrm>
-        </p:spPr>
-        <p:txBody>
-          <a:bodyPr>
-            <a:normAutofit fontScale="85000" lnSpcReduction="20000"/>
-          </a:bodyPr>
-          <a:lstStyle/>
-          <a:p>
-            <a:pPr>
-              <a:lnSpc>
-                <a:spcPct val="110000"/>
-              </a:lnSpc>
-              <a:buFont typeface="Arial" panose="020B0604020202020204" pitchFamily="34" charset="0"/>
-              <a:buChar char="•"/>
-            </a:pPr>
-            <a:r>
-              <a:rPr lang="sk-SK" dirty="0" smtClean="0"/>
-              <a:t>Svet okolo nás je </a:t>
-            </a:r>
-            <a:r>
-              <a:rPr lang="sk-SK" u="sng" dirty="0" smtClean="0"/>
-              <a:t>dynamický = mení sa v čase</a:t>
-            </a:r>
-            <a:r>
-              <a:rPr lang="sk-SK" dirty="0" smtClean="0"/>
-              <a:t> </a:t>
-            </a:r>
-          </a:p>
-          <a:p>
-            <a:pPr>
-              <a:lnSpc>
-                <a:spcPct val="110000"/>
-              </a:lnSpc>
-              <a:buFont typeface="Arial" panose="020B0604020202020204" pitchFamily="34" charset="0"/>
-              <a:buChar char="•"/>
-            </a:pPr>
-            <a:r>
-              <a:rPr lang="sk-SK" dirty="0" smtClean="0"/>
-              <a:t>Zmena v čase je základným pojmom pri pochopení dynamiky </a:t>
-            </a:r>
-          </a:p>
-          <a:p>
-            <a:pPr>
-              <a:lnSpc>
-                <a:spcPct val="110000"/>
-              </a:lnSpc>
-              <a:buFont typeface="Arial" panose="020B0604020202020204" pitchFamily="34" charset="0"/>
-              <a:buChar char="•"/>
-            </a:pPr>
-            <a:r>
-              <a:rPr lang="sk-SK" u="sng" dirty="0" smtClean="0"/>
-              <a:t>Čas</a:t>
-            </a:r>
-            <a:r>
-              <a:rPr lang="sk-SK" dirty="0" smtClean="0"/>
-              <a:t> vystupuje ako nezávislá premenná</a:t>
-            </a:r>
-          </a:p>
-          <a:p>
-            <a:pPr>
-              <a:lnSpc>
-                <a:spcPct val="110000"/>
-              </a:lnSpc>
-              <a:buFont typeface="Arial" panose="020B0604020202020204" pitchFamily="34" charset="0"/>
-              <a:buChar char="•"/>
-            </a:pPr>
-            <a:r>
-              <a:rPr lang="sk-SK" dirty="0" smtClean="0"/>
-              <a:t>Klasická matematika - algebrické rovnice (v zmysle funkcii, výrazov, sústav rovníc)</a:t>
-            </a:r>
-          </a:p>
-          <a:p>
-            <a:pPr lvl="1">
-              <a:lnSpc>
-                <a:spcPct val="110000"/>
-              </a:lnSpc>
-            </a:pPr>
-            <a:r>
-              <a:rPr lang="sk-SK" dirty="0" smtClean="0"/>
-              <a:t>Matematická analýza (</a:t>
-            </a:r>
-            <a:r>
-              <a:rPr lang="sk-SK" dirty="0" err="1" smtClean="0"/>
-              <a:t>calculus</a:t>
-            </a:r>
-            <a:r>
-              <a:rPr lang="sk-SK" dirty="0" smtClean="0"/>
-              <a:t>) zavádza pojem derivácie (zmeny) veličiny a integrálu (akumulácie).</a:t>
-            </a:r>
-          </a:p>
-          <a:p>
-            <a:pPr lvl="1">
-              <a:lnSpc>
-                <a:spcPct val="160000"/>
-              </a:lnSpc>
-            </a:pPr>
-            <a:r>
-              <a:rPr lang="sk-SK" dirty="0" smtClean="0"/>
-              <a:t>Derivácia funkcie podľa času – základ dynamiky</a:t>
-            </a:r>
-          </a:p>
-          <a:p>
-            <a:pPr lvl="1">
-              <a:lnSpc>
-                <a:spcPct val="160000"/>
-              </a:lnSpc>
-            </a:pPr>
-            <a:r>
-              <a:rPr lang="sk-SK" dirty="0" smtClean="0"/>
-              <a:t>Zmena a akumulácia sú základom dynamických systémov</a:t>
-            </a:r>
-          </a:p>
-          <a:p>
-            <a:pPr lvl="1">
-              <a:lnSpc>
-                <a:spcPct val="160000"/>
-              </a:lnSpc>
-            </a:pPr>
-            <a:r>
-              <a:rPr lang="sk-SK" dirty="0" smtClean="0"/>
-              <a:t>V reálnych fyzikálnych systémoch sú meniacimi veličinami často napríklad:</a:t>
-            </a:r>
-          </a:p>
-          <a:p>
-            <a:pPr lvl="2">
-              <a:lnSpc>
-                <a:spcPct val="160000"/>
-              </a:lnSpc>
-            </a:pPr>
-            <a:r>
-              <a:rPr lang="sk-SK" dirty="0" smtClean="0"/>
-              <a:t>Energia</a:t>
-            </a:r>
-            <a:endParaRPr lang="sk-SK" dirty="0"/>
-          </a:p>
-          <a:p>
-            <a:pPr lvl="2">
-              <a:lnSpc>
-                <a:spcPct val="160000"/>
-              </a:lnSpc>
-            </a:pPr>
-            <a:r>
-              <a:rPr lang="sk-SK" dirty="0" smtClean="0"/>
-              <a:t>Poloha</a:t>
-            </a:r>
-          </a:p>
-          <a:p>
-            <a:pPr lvl="2">
-              <a:lnSpc>
-                <a:spcPct val="160000"/>
-              </a:lnSpc>
-            </a:pPr>
-            <a:r>
-              <a:rPr lang="sk-SK" dirty="0" smtClean="0"/>
-              <a:t>Teplota</a:t>
-            </a:r>
-          </a:p>
-          <a:p>
-            <a:pPr lvl="2">
-              <a:lnSpc>
-                <a:spcPct val="160000"/>
-              </a:lnSpc>
-            </a:pPr>
-            <a:r>
-              <a:rPr lang="sk-SK" dirty="0" smtClean="0"/>
-              <a:t>Elektrické napätie</a:t>
-            </a:r>
-          </a:p>
-          <a:p>
-            <a:r>
-              <a:rPr lang="sk-SK" dirty="0" smtClean="0"/>
-              <a:t> </a:t>
-            </a:r>
-            <a:endParaRPr lang="sk-SK" dirty="0"/>
-          </a:p>
-        </p:txBody>
-      </p:sp>
-    </p:spTree>
-    <p:extLst>
-      <p:ext uri="{BB962C8B-B14F-4D97-AF65-F5344CB8AC3E}">
-        <p14:creationId xmlns:p14="http://schemas.microsoft.com/office/powerpoint/2010/main" val="548438733"/>
-      </p:ext>
-    </p:extLst>
-  </p:cSld>
-  <p:clrMapOvr>
-    <a:masterClrMapping/>
-  </p:clrMapOvr>
-  <p:timing>
-    <p:tnLst>
-      <p:par>
-        <p:cTn id="1" dur="indefinite" restart="never" nodeType="tmRoot"/>
-      </p:par>
-    </p:tnLst>
-  </p:timing>
-</p:sld>
-</file>
-
-<file path=ppt/slides/slide40.xml><?xml version="1.0" encoding="utf-8"?>
-<p:sld xmlns:a="http://schemas.openxmlformats.org/drawingml/2006/main" xmlns:r="http://schemas.openxmlformats.org/officeDocument/2006/relationships" xmlns:p="http://schemas.openxmlformats.org/presentationml/2006/main">
-  <p:cSld>
-    <p:spTree>
-      <p:nvGrpSpPr>
-        <p:cNvPr id="1" name=""/>
-        <p:cNvGrpSpPr/>
-        <p:nvPr/>
-      </p:nvGrpSpPr>
-      <p:grpSpPr>
-        <a:xfrm>
-          <a:off x="0" y="0"/>
-          <a:ext cx="0" cy="0"/>
-          <a:chOff x="0" y="0"/>
-          <a:chExt cx="0" cy="0"/>
-        </a:xfrm>
-      </p:grpSpPr>
-      <p:sp>
-        <p:nvSpPr>
-          <p:cNvPr id="2" name="Nadpis 1"/>
-          <p:cNvSpPr>
-            <a:spLocks noGrp="1"/>
-          </p:cNvSpPr>
-          <p:nvPr>
-            <p:ph type="title"/>
-          </p:nvPr>
-        </p:nvSpPr>
-        <p:spPr/>
-        <p:txBody>
-          <a:bodyPr/>
-          <a:lstStyle/>
-          <a:p>
-            <a:r>
-              <a:rPr lang="sk-SK" dirty="0"/>
-              <a:t>Model harmonického oscilátora</a:t>
-            </a:r>
-            <a:endParaRPr lang="sk-SK" dirty="0"/>
-          </a:p>
-        </p:txBody>
-      </p:sp>
-      <mc:AlternateContent xmlns:mc="http://schemas.openxmlformats.org/markup-compatibility/2006">
-        <mc:Choice xmlns:a14="http://schemas.microsoft.com/office/drawing/2010/main" Requires="a14">
+      <mc:AlternateContent xmlns:mc="http://schemas.openxmlformats.org/markup-compatibility/2006" xmlns:a14="http://schemas.microsoft.com/office/drawing/2010/main">
+        <mc:Choice Requires="a14">
           <p:sp>
             <p:nvSpPr>
               <p:cNvPr id="3" name="Zástupný symbol obsahu 2"/>
@@ -11961,7 +17355,6 @@
                   <a:rPr lang="sk-SK" dirty="0" smtClean="0"/>
                   <a:t> model </a:t>
                 </a:r>
-                <a:endParaRPr lang="sk-SK" dirty="0" smtClean="0"/>
               </a:p>
               <a:p>
                 <a:endParaRPr lang="sk-SK" dirty="0"/>
@@ -11969,7 +17362,7 @@
             </p:txBody>
           </p:sp>
         </mc:Choice>
-        <mc:Fallback>
+        <mc:Fallback xmlns="">
           <p:sp>
             <p:nvSpPr>
               <p:cNvPr id="3" name="Zástupný symbol obsahu 2"/>
@@ -12043,7 +17436,7 @@
 </p:sld>
 </file>
 
-<file path=ppt/slides/slide41.xml><?xml version="1.0" encoding="utf-8"?>
+<file path=ppt/slides/slide49.xml><?xml version="1.0" encoding="utf-8"?>
 <p:sld xmlns:a="http://schemas.openxmlformats.org/drawingml/2006/main" xmlns:r="http://schemas.openxmlformats.org/officeDocument/2006/relationships" xmlns:p="http://schemas.openxmlformats.org/presentationml/2006/main">
   <p:cSld>
     <p:spTree>
@@ -12106,440 +17499,6 @@
     <p:extLst>
       <p:ext uri="{BB962C8B-B14F-4D97-AF65-F5344CB8AC3E}">
         <p14:creationId xmlns:p14="http://schemas.microsoft.com/office/powerpoint/2010/main" val="2447591181"/>
-      </p:ext>
-    </p:extLst>
-  </p:cSld>
-  <p:clrMapOvr>
-    <a:masterClrMapping/>
-  </p:clrMapOvr>
-</p:sld>
-</file>
-
-<file path=ppt/slides/slide42.xml><?xml version="1.0" encoding="utf-8"?>
-<p:sld xmlns:a="http://schemas.openxmlformats.org/drawingml/2006/main" xmlns:r="http://schemas.openxmlformats.org/officeDocument/2006/relationships" xmlns:p="http://schemas.openxmlformats.org/presentationml/2006/main">
-  <p:cSld>
-    <p:spTree>
-      <p:nvGrpSpPr>
-        <p:cNvPr id="1" name=""/>
-        <p:cNvGrpSpPr/>
-        <p:nvPr/>
-      </p:nvGrpSpPr>
-      <p:grpSpPr>
-        <a:xfrm>
-          <a:off x="0" y="0"/>
-          <a:ext cx="0" cy="0"/>
-          <a:chOff x="0" y="0"/>
-          <a:chExt cx="0" cy="0"/>
-        </a:xfrm>
-      </p:grpSpPr>
-      <p:sp>
-        <p:nvSpPr>
-          <p:cNvPr id="2" name="Nadpis 1"/>
-          <p:cNvSpPr>
-            <a:spLocks noGrp="1"/>
-          </p:cNvSpPr>
-          <p:nvPr>
-            <p:ph type="title"/>
-          </p:nvPr>
-        </p:nvSpPr>
-        <p:spPr/>
-        <p:txBody>
-          <a:bodyPr/>
-          <a:lstStyle/>
-          <a:p>
-            <a:r>
-              <a:rPr lang="sk-SK" dirty="0" smtClean="0"/>
-              <a:t>Stabilita systémov</a:t>
-            </a:r>
-            <a:endParaRPr lang="sk-SK" dirty="0"/>
-          </a:p>
-        </p:txBody>
-      </p:sp>
-      <p:sp>
-        <p:nvSpPr>
-          <p:cNvPr id="3" name="Zástupný symbol obsahu 2"/>
-          <p:cNvSpPr>
-            <a:spLocks noGrp="1"/>
-          </p:cNvSpPr>
-          <p:nvPr>
-            <p:ph idx="1"/>
-          </p:nvPr>
-        </p:nvSpPr>
-        <p:spPr/>
-        <p:txBody>
-          <a:bodyPr/>
-          <a:lstStyle/>
-          <a:p>
-            <a:endParaRPr lang="sk-SK"/>
-          </a:p>
-        </p:txBody>
-      </p:sp>
-    </p:spTree>
-    <p:extLst>
-      <p:ext uri="{BB962C8B-B14F-4D97-AF65-F5344CB8AC3E}">
-        <p14:creationId xmlns:p14="http://schemas.microsoft.com/office/powerpoint/2010/main" val="2491538192"/>
-      </p:ext>
-    </p:extLst>
-  </p:cSld>
-  <p:clrMapOvr>
-    <a:masterClrMapping/>
-  </p:clrMapOvr>
-</p:sld>
-</file>
-
-<file path=ppt/slides/slide43.xml><?xml version="1.0" encoding="utf-8"?>
-<p:sld xmlns:a="http://schemas.openxmlformats.org/drawingml/2006/main" xmlns:r="http://schemas.openxmlformats.org/officeDocument/2006/relationships" xmlns:p="http://schemas.openxmlformats.org/presentationml/2006/main">
-  <p:cSld>
-    <p:spTree>
-      <p:nvGrpSpPr>
-        <p:cNvPr id="1" name=""/>
-        <p:cNvGrpSpPr/>
-        <p:nvPr/>
-      </p:nvGrpSpPr>
-      <p:grpSpPr>
-        <a:xfrm>
-          <a:off x="0" y="0"/>
-          <a:ext cx="0" cy="0"/>
-          <a:chOff x="0" y="0"/>
-          <a:chExt cx="0" cy="0"/>
-        </a:xfrm>
-      </p:grpSpPr>
-      <p:sp>
-        <p:nvSpPr>
-          <p:cNvPr id="2" name="Nadpis 1"/>
-          <p:cNvSpPr>
-            <a:spLocks noGrp="1"/>
-          </p:cNvSpPr>
-          <p:nvPr>
-            <p:ph type="title"/>
-          </p:nvPr>
-        </p:nvSpPr>
-        <p:spPr/>
-        <p:txBody>
-          <a:bodyPr/>
-          <a:lstStyle/>
-          <a:p>
-            <a:r>
-              <a:rPr lang="sk-SK" dirty="0" smtClean="0"/>
-              <a:t>Všeobecné kritérium stability</a:t>
-            </a:r>
-            <a:endParaRPr lang="sk-SK" dirty="0"/>
-          </a:p>
-        </p:txBody>
-      </p:sp>
-      <p:sp>
-        <p:nvSpPr>
-          <p:cNvPr id="3" name="Zástupný symbol obsahu 2"/>
-          <p:cNvSpPr>
-            <a:spLocks noGrp="1"/>
-          </p:cNvSpPr>
-          <p:nvPr>
-            <p:ph idx="1"/>
-          </p:nvPr>
-        </p:nvSpPr>
-        <p:spPr/>
-        <p:txBody>
-          <a:bodyPr/>
-          <a:lstStyle/>
-          <a:p>
-            <a:endParaRPr lang="sk-SK"/>
-          </a:p>
-        </p:txBody>
-      </p:sp>
-    </p:spTree>
-    <p:extLst>
-      <p:ext uri="{BB962C8B-B14F-4D97-AF65-F5344CB8AC3E}">
-        <p14:creationId xmlns:p14="http://schemas.microsoft.com/office/powerpoint/2010/main" val="3955982061"/>
-      </p:ext>
-    </p:extLst>
-  </p:cSld>
-  <p:clrMapOvr>
-    <a:masterClrMapping/>
-  </p:clrMapOvr>
-</p:sld>
-</file>
-
-<file path=ppt/slides/slide44.xml><?xml version="1.0" encoding="utf-8"?>
-<p:sld xmlns:a="http://schemas.openxmlformats.org/drawingml/2006/main" xmlns:r="http://schemas.openxmlformats.org/officeDocument/2006/relationships" xmlns:p="http://schemas.openxmlformats.org/presentationml/2006/main">
-  <p:cSld>
-    <p:spTree>
-      <p:nvGrpSpPr>
-        <p:cNvPr id="1" name=""/>
-        <p:cNvGrpSpPr/>
-        <p:nvPr/>
-      </p:nvGrpSpPr>
-      <p:grpSpPr>
-        <a:xfrm>
-          <a:off x="0" y="0"/>
-          <a:ext cx="0" cy="0"/>
-          <a:chOff x="0" y="0"/>
-          <a:chExt cx="0" cy="0"/>
-        </a:xfrm>
-      </p:grpSpPr>
-      <p:sp>
-        <p:nvSpPr>
-          <p:cNvPr id="2" name="Nadpis 1"/>
-          <p:cNvSpPr>
-            <a:spLocks noGrp="1"/>
-          </p:cNvSpPr>
-          <p:nvPr>
-            <p:ph type="title"/>
-          </p:nvPr>
-        </p:nvSpPr>
-        <p:spPr/>
-        <p:txBody>
-          <a:bodyPr/>
-          <a:lstStyle/>
-          <a:p>
-            <a:r>
-              <a:rPr lang="sk-SK" dirty="0" smtClean="0"/>
-              <a:t>Charakteristiky systémov</a:t>
-            </a:r>
-            <a:endParaRPr lang="sk-SK" dirty="0"/>
-          </a:p>
-        </p:txBody>
-      </p:sp>
-      <p:sp>
-        <p:nvSpPr>
-          <p:cNvPr id="3" name="Zástupný symbol obsahu 2"/>
-          <p:cNvSpPr>
-            <a:spLocks noGrp="1"/>
-          </p:cNvSpPr>
-          <p:nvPr>
-            <p:ph idx="1"/>
-          </p:nvPr>
-        </p:nvSpPr>
-        <p:spPr/>
-        <p:txBody>
-          <a:bodyPr/>
-          <a:lstStyle/>
-          <a:p>
-            <a:endParaRPr lang="sk-SK"/>
-          </a:p>
-        </p:txBody>
-      </p:sp>
-    </p:spTree>
-    <p:extLst>
-      <p:ext uri="{BB962C8B-B14F-4D97-AF65-F5344CB8AC3E}">
-        <p14:creationId xmlns:p14="http://schemas.microsoft.com/office/powerpoint/2010/main" val="1783867593"/>
-      </p:ext>
-    </p:extLst>
-  </p:cSld>
-  <p:clrMapOvr>
-    <a:masterClrMapping/>
-  </p:clrMapOvr>
-</p:sld>
-</file>
-
-<file path=ppt/slides/slide45.xml><?xml version="1.0" encoding="utf-8"?>
-<p:sld xmlns:a="http://schemas.openxmlformats.org/drawingml/2006/main" xmlns:r="http://schemas.openxmlformats.org/officeDocument/2006/relationships" xmlns:p="http://schemas.openxmlformats.org/presentationml/2006/main">
-  <p:cSld>
-    <p:spTree>
-      <p:nvGrpSpPr>
-        <p:cNvPr id="1" name=""/>
-        <p:cNvGrpSpPr/>
-        <p:nvPr/>
-      </p:nvGrpSpPr>
-      <p:grpSpPr>
-        <a:xfrm>
-          <a:off x="0" y="0"/>
-          <a:ext cx="0" cy="0"/>
-          <a:chOff x="0" y="0"/>
-          <a:chExt cx="0" cy="0"/>
-        </a:xfrm>
-      </p:grpSpPr>
-      <p:sp>
-        <p:nvSpPr>
-          <p:cNvPr id="2" name="Nadpis 1"/>
-          <p:cNvSpPr>
-            <a:spLocks noGrp="1"/>
-          </p:cNvSpPr>
-          <p:nvPr>
-            <p:ph type="title"/>
-          </p:nvPr>
-        </p:nvSpPr>
-        <p:spPr/>
-        <p:txBody>
-          <a:bodyPr/>
-          <a:lstStyle/>
-          <a:p>
-            <a:r>
-              <a:rPr lang="sk-SK" dirty="0" smtClean="0"/>
-              <a:t>Prechodová charakteristika</a:t>
-            </a:r>
-            <a:endParaRPr lang="sk-SK" dirty="0"/>
-          </a:p>
-        </p:txBody>
-      </p:sp>
-      <p:sp>
-        <p:nvSpPr>
-          <p:cNvPr id="3" name="Zástupný symbol obsahu 2"/>
-          <p:cNvSpPr>
-            <a:spLocks noGrp="1"/>
-          </p:cNvSpPr>
-          <p:nvPr>
-            <p:ph idx="1"/>
-          </p:nvPr>
-        </p:nvSpPr>
-        <p:spPr/>
-        <p:txBody>
-          <a:bodyPr/>
-          <a:lstStyle/>
-          <a:p>
-            <a:endParaRPr lang="sk-SK"/>
-          </a:p>
-        </p:txBody>
-      </p:sp>
-    </p:spTree>
-    <p:extLst>
-      <p:ext uri="{BB962C8B-B14F-4D97-AF65-F5344CB8AC3E}">
-        <p14:creationId xmlns:p14="http://schemas.microsoft.com/office/powerpoint/2010/main" val="3343495099"/>
-      </p:ext>
-    </p:extLst>
-  </p:cSld>
-  <p:clrMapOvr>
-    <a:masterClrMapping/>
-  </p:clrMapOvr>
-</p:sld>
-</file>
-
-<file path=ppt/slides/slide46.xml><?xml version="1.0" encoding="utf-8"?>
-<p:sld xmlns:a="http://schemas.openxmlformats.org/drawingml/2006/main" xmlns:r="http://schemas.openxmlformats.org/officeDocument/2006/relationships" xmlns:p="http://schemas.openxmlformats.org/presentationml/2006/main">
-  <p:cSld>
-    <p:spTree>
-      <p:nvGrpSpPr>
-        <p:cNvPr id="1" name=""/>
-        <p:cNvGrpSpPr/>
-        <p:nvPr/>
-      </p:nvGrpSpPr>
-      <p:grpSpPr>
-        <a:xfrm>
-          <a:off x="0" y="0"/>
-          <a:ext cx="0" cy="0"/>
-          <a:chOff x="0" y="0"/>
-          <a:chExt cx="0" cy="0"/>
-        </a:xfrm>
-      </p:grpSpPr>
-      <p:sp>
-        <p:nvSpPr>
-          <p:cNvPr id="2" name="Nadpis 1"/>
-          <p:cNvSpPr>
-            <a:spLocks noGrp="1"/>
-          </p:cNvSpPr>
-          <p:nvPr>
-            <p:ph type="title"/>
-          </p:nvPr>
-        </p:nvSpPr>
-        <p:spPr/>
-        <p:txBody>
-          <a:bodyPr/>
-          <a:lstStyle/>
-          <a:p>
-            <a:r>
-              <a:rPr lang="sk-SK" dirty="0" smtClean="0"/>
-              <a:t>Vplyv pólov a núl na dynamiku systému</a:t>
-            </a:r>
-            <a:endParaRPr lang="sk-SK" dirty="0"/>
-          </a:p>
-        </p:txBody>
-      </p:sp>
-      <p:sp>
-        <p:nvSpPr>
-          <p:cNvPr id="3" name="Zástupný symbol obsahu 2"/>
-          <p:cNvSpPr>
-            <a:spLocks noGrp="1"/>
-          </p:cNvSpPr>
-          <p:nvPr>
-            <p:ph idx="1"/>
-          </p:nvPr>
-        </p:nvSpPr>
-        <p:spPr/>
-        <p:txBody>
-          <a:bodyPr/>
-          <a:lstStyle/>
-          <a:p>
-            <a:endParaRPr lang="sk-SK"/>
-          </a:p>
-        </p:txBody>
-      </p:sp>
-    </p:spTree>
-    <p:extLst>
-      <p:ext uri="{BB962C8B-B14F-4D97-AF65-F5344CB8AC3E}">
-        <p14:creationId xmlns:p14="http://schemas.microsoft.com/office/powerpoint/2010/main" val="4247704593"/>
-      </p:ext>
-    </p:extLst>
-  </p:cSld>
-  <p:clrMapOvr>
-    <a:masterClrMapping/>
-  </p:clrMapOvr>
-</p:sld>
-</file>
-
-<file path=ppt/slides/slide47.xml><?xml version="1.0" encoding="utf-8"?>
-<p:sld xmlns:a="http://schemas.openxmlformats.org/drawingml/2006/main" xmlns:r="http://schemas.openxmlformats.org/officeDocument/2006/relationships" xmlns:p="http://schemas.openxmlformats.org/presentationml/2006/main">
-  <p:cSld>
-    <p:spTree>
-      <p:nvGrpSpPr>
-        <p:cNvPr id="1" name=""/>
-        <p:cNvGrpSpPr/>
-        <p:nvPr/>
-      </p:nvGrpSpPr>
-      <p:grpSpPr>
-        <a:xfrm>
-          <a:off x="0" y="0"/>
-          <a:ext cx="0" cy="0"/>
-          <a:chOff x="0" y="0"/>
-          <a:chExt cx="0" cy="0"/>
-        </a:xfrm>
-      </p:grpSpPr>
-      <p:sp>
-        <p:nvSpPr>
-          <p:cNvPr id="2" name="Nadpis 1"/>
-          <p:cNvSpPr>
-            <a:spLocks noGrp="1"/>
-          </p:cNvSpPr>
-          <p:nvPr>
-            <p:ph type="title"/>
-          </p:nvPr>
-        </p:nvSpPr>
-        <p:spPr/>
-        <p:txBody>
-          <a:bodyPr>
-            <a:normAutofit fontScale="90000"/>
-          </a:bodyPr>
-          <a:lstStyle/>
-          <a:p>
-            <a:r>
-              <a:rPr lang="sk-SK" dirty="0" smtClean="0"/>
-              <a:t>Prechodové charakteristiky vybraných typov systémov</a:t>
-            </a:r>
-            <a:endParaRPr lang="sk-SK" dirty="0"/>
-          </a:p>
-        </p:txBody>
-      </p:sp>
-      <p:sp>
-        <p:nvSpPr>
-          <p:cNvPr id="3" name="Zástupný symbol obsahu 2"/>
-          <p:cNvSpPr>
-            <a:spLocks noGrp="1"/>
-          </p:cNvSpPr>
-          <p:nvPr>
-            <p:ph idx="1"/>
-          </p:nvPr>
-        </p:nvSpPr>
-        <p:spPr/>
-        <p:txBody>
-          <a:bodyPr/>
-          <a:lstStyle/>
-          <a:p>
-            <a:endParaRPr lang="sk-SK" dirty="0"/>
-          </a:p>
-        </p:txBody>
-      </p:sp>
-    </p:spTree>
-    <p:extLst>
-      <p:ext uri="{BB962C8B-B14F-4D97-AF65-F5344CB8AC3E}">
-        <p14:creationId xmlns:p14="http://schemas.microsoft.com/office/powerpoint/2010/main" val="3167083999"/>
       </p:ext>
     </p:extLst>
   </p:cSld>
@@ -12762,6 +17721,440 @@
       </p:par>
     </p:tnLst>
   </p:timing>
+</p:sld>
+</file>
+
+<file path=ppt/slides/slide50.xml><?xml version="1.0" encoding="utf-8"?>
+<p:sld xmlns:a="http://schemas.openxmlformats.org/drawingml/2006/main" xmlns:r="http://schemas.openxmlformats.org/officeDocument/2006/relationships" xmlns:p="http://schemas.openxmlformats.org/presentationml/2006/main">
+  <p:cSld>
+    <p:spTree>
+      <p:nvGrpSpPr>
+        <p:cNvPr id="1" name=""/>
+        <p:cNvGrpSpPr/>
+        <p:nvPr/>
+      </p:nvGrpSpPr>
+      <p:grpSpPr>
+        <a:xfrm>
+          <a:off x="0" y="0"/>
+          <a:ext cx="0" cy="0"/>
+          <a:chOff x="0" y="0"/>
+          <a:chExt cx="0" cy="0"/>
+        </a:xfrm>
+      </p:grpSpPr>
+      <p:sp>
+        <p:nvSpPr>
+          <p:cNvPr id="2" name="Nadpis 1"/>
+          <p:cNvSpPr>
+            <a:spLocks noGrp="1"/>
+          </p:cNvSpPr>
+          <p:nvPr>
+            <p:ph type="title"/>
+          </p:nvPr>
+        </p:nvSpPr>
+        <p:spPr/>
+        <p:txBody>
+          <a:bodyPr/>
+          <a:lstStyle/>
+          <a:p>
+            <a:r>
+              <a:rPr lang="sk-SK" dirty="0" smtClean="0"/>
+              <a:t>Stabilita systémov</a:t>
+            </a:r>
+            <a:endParaRPr lang="sk-SK" dirty="0"/>
+          </a:p>
+        </p:txBody>
+      </p:sp>
+      <p:sp>
+        <p:nvSpPr>
+          <p:cNvPr id="3" name="Zástupný symbol obsahu 2"/>
+          <p:cNvSpPr>
+            <a:spLocks noGrp="1"/>
+          </p:cNvSpPr>
+          <p:nvPr>
+            <p:ph idx="1"/>
+          </p:nvPr>
+        </p:nvSpPr>
+        <p:spPr/>
+        <p:txBody>
+          <a:bodyPr/>
+          <a:lstStyle/>
+          <a:p>
+            <a:endParaRPr lang="sk-SK"/>
+          </a:p>
+        </p:txBody>
+      </p:sp>
+    </p:spTree>
+    <p:extLst>
+      <p:ext uri="{BB962C8B-B14F-4D97-AF65-F5344CB8AC3E}">
+        <p14:creationId xmlns:p14="http://schemas.microsoft.com/office/powerpoint/2010/main" val="2491538192"/>
+      </p:ext>
+    </p:extLst>
+  </p:cSld>
+  <p:clrMapOvr>
+    <a:masterClrMapping/>
+  </p:clrMapOvr>
+</p:sld>
+</file>
+
+<file path=ppt/slides/slide51.xml><?xml version="1.0" encoding="utf-8"?>
+<p:sld xmlns:a="http://schemas.openxmlformats.org/drawingml/2006/main" xmlns:r="http://schemas.openxmlformats.org/officeDocument/2006/relationships" xmlns:p="http://schemas.openxmlformats.org/presentationml/2006/main">
+  <p:cSld>
+    <p:spTree>
+      <p:nvGrpSpPr>
+        <p:cNvPr id="1" name=""/>
+        <p:cNvGrpSpPr/>
+        <p:nvPr/>
+      </p:nvGrpSpPr>
+      <p:grpSpPr>
+        <a:xfrm>
+          <a:off x="0" y="0"/>
+          <a:ext cx="0" cy="0"/>
+          <a:chOff x="0" y="0"/>
+          <a:chExt cx="0" cy="0"/>
+        </a:xfrm>
+      </p:grpSpPr>
+      <p:sp>
+        <p:nvSpPr>
+          <p:cNvPr id="2" name="Nadpis 1"/>
+          <p:cNvSpPr>
+            <a:spLocks noGrp="1"/>
+          </p:cNvSpPr>
+          <p:nvPr>
+            <p:ph type="title"/>
+          </p:nvPr>
+        </p:nvSpPr>
+        <p:spPr/>
+        <p:txBody>
+          <a:bodyPr/>
+          <a:lstStyle/>
+          <a:p>
+            <a:r>
+              <a:rPr lang="sk-SK" dirty="0" smtClean="0"/>
+              <a:t>Všeobecné kritérium stability</a:t>
+            </a:r>
+            <a:endParaRPr lang="sk-SK" dirty="0"/>
+          </a:p>
+        </p:txBody>
+      </p:sp>
+      <p:sp>
+        <p:nvSpPr>
+          <p:cNvPr id="3" name="Zástupný symbol obsahu 2"/>
+          <p:cNvSpPr>
+            <a:spLocks noGrp="1"/>
+          </p:cNvSpPr>
+          <p:nvPr>
+            <p:ph idx="1"/>
+          </p:nvPr>
+        </p:nvSpPr>
+        <p:spPr/>
+        <p:txBody>
+          <a:bodyPr/>
+          <a:lstStyle/>
+          <a:p>
+            <a:endParaRPr lang="sk-SK"/>
+          </a:p>
+        </p:txBody>
+      </p:sp>
+    </p:spTree>
+    <p:extLst>
+      <p:ext uri="{BB962C8B-B14F-4D97-AF65-F5344CB8AC3E}">
+        <p14:creationId xmlns:p14="http://schemas.microsoft.com/office/powerpoint/2010/main" val="3955982061"/>
+      </p:ext>
+    </p:extLst>
+  </p:cSld>
+  <p:clrMapOvr>
+    <a:masterClrMapping/>
+  </p:clrMapOvr>
+</p:sld>
+</file>
+
+<file path=ppt/slides/slide52.xml><?xml version="1.0" encoding="utf-8"?>
+<p:sld xmlns:a="http://schemas.openxmlformats.org/drawingml/2006/main" xmlns:r="http://schemas.openxmlformats.org/officeDocument/2006/relationships" xmlns:p="http://schemas.openxmlformats.org/presentationml/2006/main">
+  <p:cSld>
+    <p:spTree>
+      <p:nvGrpSpPr>
+        <p:cNvPr id="1" name=""/>
+        <p:cNvGrpSpPr/>
+        <p:nvPr/>
+      </p:nvGrpSpPr>
+      <p:grpSpPr>
+        <a:xfrm>
+          <a:off x="0" y="0"/>
+          <a:ext cx="0" cy="0"/>
+          <a:chOff x="0" y="0"/>
+          <a:chExt cx="0" cy="0"/>
+        </a:xfrm>
+      </p:grpSpPr>
+      <p:sp>
+        <p:nvSpPr>
+          <p:cNvPr id="2" name="Nadpis 1"/>
+          <p:cNvSpPr>
+            <a:spLocks noGrp="1"/>
+          </p:cNvSpPr>
+          <p:nvPr>
+            <p:ph type="title"/>
+          </p:nvPr>
+        </p:nvSpPr>
+        <p:spPr/>
+        <p:txBody>
+          <a:bodyPr/>
+          <a:lstStyle/>
+          <a:p>
+            <a:r>
+              <a:rPr lang="sk-SK" dirty="0" smtClean="0"/>
+              <a:t>Charakteristiky systémov</a:t>
+            </a:r>
+            <a:endParaRPr lang="sk-SK" dirty="0"/>
+          </a:p>
+        </p:txBody>
+      </p:sp>
+      <p:sp>
+        <p:nvSpPr>
+          <p:cNvPr id="3" name="Zástupný symbol obsahu 2"/>
+          <p:cNvSpPr>
+            <a:spLocks noGrp="1"/>
+          </p:cNvSpPr>
+          <p:nvPr>
+            <p:ph idx="1"/>
+          </p:nvPr>
+        </p:nvSpPr>
+        <p:spPr/>
+        <p:txBody>
+          <a:bodyPr/>
+          <a:lstStyle/>
+          <a:p>
+            <a:endParaRPr lang="sk-SK"/>
+          </a:p>
+        </p:txBody>
+      </p:sp>
+    </p:spTree>
+    <p:extLst>
+      <p:ext uri="{BB962C8B-B14F-4D97-AF65-F5344CB8AC3E}">
+        <p14:creationId xmlns:p14="http://schemas.microsoft.com/office/powerpoint/2010/main" val="1783867593"/>
+      </p:ext>
+    </p:extLst>
+  </p:cSld>
+  <p:clrMapOvr>
+    <a:masterClrMapping/>
+  </p:clrMapOvr>
+</p:sld>
+</file>
+
+<file path=ppt/slides/slide53.xml><?xml version="1.0" encoding="utf-8"?>
+<p:sld xmlns:a="http://schemas.openxmlformats.org/drawingml/2006/main" xmlns:r="http://schemas.openxmlformats.org/officeDocument/2006/relationships" xmlns:p="http://schemas.openxmlformats.org/presentationml/2006/main">
+  <p:cSld>
+    <p:spTree>
+      <p:nvGrpSpPr>
+        <p:cNvPr id="1" name=""/>
+        <p:cNvGrpSpPr/>
+        <p:nvPr/>
+      </p:nvGrpSpPr>
+      <p:grpSpPr>
+        <a:xfrm>
+          <a:off x="0" y="0"/>
+          <a:ext cx="0" cy="0"/>
+          <a:chOff x="0" y="0"/>
+          <a:chExt cx="0" cy="0"/>
+        </a:xfrm>
+      </p:grpSpPr>
+      <p:sp>
+        <p:nvSpPr>
+          <p:cNvPr id="2" name="Nadpis 1"/>
+          <p:cNvSpPr>
+            <a:spLocks noGrp="1"/>
+          </p:cNvSpPr>
+          <p:nvPr>
+            <p:ph type="title"/>
+          </p:nvPr>
+        </p:nvSpPr>
+        <p:spPr/>
+        <p:txBody>
+          <a:bodyPr/>
+          <a:lstStyle/>
+          <a:p>
+            <a:r>
+              <a:rPr lang="sk-SK" dirty="0" smtClean="0"/>
+              <a:t>Prechodová charakteristika</a:t>
+            </a:r>
+            <a:endParaRPr lang="sk-SK" dirty="0"/>
+          </a:p>
+        </p:txBody>
+      </p:sp>
+      <p:sp>
+        <p:nvSpPr>
+          <p:cNvPr id="3" name="Zástupný symbol obsahu 2"/>
+          <p:cNvSpPr>
+            <a:spLocks noGrp="1"/>
+          </p:cNvSpPr>
+          <p:nvPr>
+            <p:ph idx="1"/>
+          </p:nvPr>
+        </p:nvSpPr>
+        <p:spPr/>
+        <p:txBody>
+          <a:bodyPr/>
+          <a:lstStyle/>
+          <a:p>
+            <a:endParaRPr lang="sk-SK"/>
+          </a:p>
+        </p:txBody>
+      </p:sp>
+    </p:spTree>
+    <p:extLst>
+      <p:ext uri="{BB962C8B-B14F-4D97-AF65-F5344CB8AC3E}">
+        <p14:creationId xmlns:p14="http://schemas.microsoft.com/office/powerpoint/2010/main" val="3343495099"/>
+      </p:ext>
+    </p:extLst>
+  </p:cSld>
+  <p:clrMapOvr>
+    <a:masterClrMapping/>
+  </p:clrMapOvr>
+</p:sld>
+</file>
+
+<file path=ppt/slides/slide54.xml><?xml version="1.0" encoding="utf-8"?>
+<p:sld xmlns:a="http://schemas.openxmlformats.org/drawingml/2006/main" xmlns:r="http://schemas.openxmlformats.org/officeDocument/2006/relationships" xmlns:p="http://schemas.openxmlformats.org/presentationml/2006/main">
+  <p:cSld>
+    <p:spTree>
+      <p:nvGrpSpPr>
+        <p:cNvPr id="1" name=""/>
+        <p:cNvGrpSpPr/>
+        <p:nvPr/>
+      </p:nvGrpSpPr>
+      <p:grpSpPr>
+        <a:xfrm>
+          <a:off x="0" y="0"/>
+          <a:ext cx="0" cy="0"/>
+          <a:chOff x="0" y="0"/>
+          <a:chExt cx="0" cy="0"/>
+        </a:xfrm>
+      </p:grpSpPr>
+      <p:sp>
+        <p:nvSpPr>
+          <p:cNvPr id="2" name="Nadpis 1"/>
+          <p:cNvSpPr>
+            <a:spLocks noGrp="1"/>
+          </p:cNvSpPr>
+          <p:nvPr>
+            <p:ph type="title"/>
+          </p:nvPr>
+        </p:nvSpPr>
+        <p:spPr/>
+        <p:txBody>
+          <a:bodyPr/>
+          <a:lstStyle/>
+          <a:p>
+            <a:r>
+              <a:rPr lang="sk-SK" dirty="0" smtClean="0"/>
+              <a:t>Vplyv pólov a núl na dynamiku systému</a:t>
+            </a:r>
+            <a:endParaRPr lang="sk-SK" dirty="0"/>
+          </a:p>
+        </p:txBody>
+      </p:sp>
+      <p:sp>
+        <p:nvSpPr>
+          <p:cNvPr id="3" name="Zástupný symbol obsahu 2"/>
+          <p:cNvSpPr>
+            <a:spLocks noGrp="1"/>
+          </p:cNvSpPr>
+          <p:nvPr>
+            <p:ph idx="1"/>
+          </p:nvPr>
+        </p:nvSpPr>
+        <p:spPr/>
+        <p:txBody>
+          <a:bodyPr/>
+          <a:lstStyle/>
+          <a:p>
+            <a:endParaRPr lang="sk-SK"/>
+          </a:p>
+        </p:txBody>
+      </p:sp>
+    </p:spTree>
+    <p:extLst>
+      <p:ext uri="{BB962C8B-B14F-4D97-AF65-F5344CB8AC3E}">
+        <p14:creationId xmlns:p14="http://schemas.microsoft.com/office/powerpoint/2010/main" val="4247704593"/>
+      </p:ext>
+    </p:extLst>
+  </p:cSld>
+  <p:clrMapOvr>
+    <a:masterClrMapping/>
+  </p:clrMapOvr>
+</p:sld>
+</file>
+
+<file path=ppt/slides/slide55.xml><?xml version="1.0" encoding="utf-8"?>
+<p:sld xmlns:a="http://schemas.openxmlformats.org/drawingml/2006/main" xmlns:r="http://schemas.openxmlformats.org/officeDocument/2006/relationships" xmlns:p="http://schemas.openxmlformats.org/presentationml/2006/main">
+  <p:cSld>
+    <p:spTree>
+      <p:nvGrpSpPr>
+        <p:cNvPr id="1" name=""/>
+        <p:cNvGrpSpPr/>
+        <p:nvPr/>
+      </p:nvGrpSpPr>
+      <p:grpSpPr>
+        <a:xfrm>
+          <a:off x="0" y="0"/>
+          <a:ext cx="0" cy="0"/>
+          <a:chOff x="0" y="0"/>
+          <a:chExt cx="0" cy="0"/>
+        </a:xfrm>
+      </p:grpSpPr>
+      <p:sp>
+        <p:nvSpPr>
+          <p:cNvPr id="2" name="Nadpis 1"/>
+          <p:cNvSpPr>
+            <a:spLocks noGrp="1"/>
+          </p:cNvSpPr>
+          <p:nvPr>
+            <p:ph type="title"/>
+          </p:nvPr>
+        </p:nvSpPr>
+        <p:spPr/>
+        <p:txBody>
+          <a:bodyPr>
+            <a:normAutofit fontScale="90000"/>
+          </a:bodyPr>
+          <a:lstStyle/>
+          <a:p>
+            <a:r>
+              <a:rPr lang="sk-SK" dirty="0" smtClean="0"/>
+              <a:t>Prechodové charakteristiky vybraných typov systémov</a:t>
+            </a:r>
+            <a:endParaRPr lang="sk-SK" dirty="0"/>
+          </a:p>
+        </p:txBody>
+      </p:sp>
+      <p:sp>
+        <p:nvSpPr>
+          <p:cNvPr id="3" name="Zástupný symbol obsahu 2"/>
+          <p:cNvSpPr>
+            <a:spLocks noGrp="1"/>
+          </p:cNvSpPr>
+          <p:nvPr>
+            <p:ph idx="1"/>
+          </p:nvPr>
+        </p:nvSpPr>
+        <p:spPr/>
+        <p:txBody>
+          <a:bodyPr/>
+          <a:lstStyle/>
+          <a:p>
+            <a:endParaRPr lang="sk-SK" dirty="0"/>
+          </a:p>
+        </p:txBody>
+      </p:sp>
+    </p:spTree>
+    <p:extLst>
+      <p:ext uri="{BB962C8B-B14F-4D97-AF65-F5344CB8AC3E}">
+        <p14:creationId xmlns:p14="http://schemas.microsoft.com/office/powerpoint/2010/main" val="3167083999"/>
+      </p:ext>
+    </p:extLst>
+  </p:cSld>
+  <p:clrMapOvr>
+    <a:masterClrMapping/>
+  </p:clrMapOvr>
 </p:sld>
 </file>
 

--- a/Nove prednasky/P01_dynamika_dif_rovnice_LPT_prenosova_funkcia_modelovanie.pptx
+++ b/Nove prednasky/P01_dynamika_dif_rovnice_LPT_prenosova_funkcia_modelovanie.pptx
@@ -20,46 +20,47 @@
     <p:sldId id="301" r:id="rId14"/>
     <p:sldId id="302" r:id="rId15"/>
     <p:sldId id="303" r:id="rId16"/>
-    <p:sldId id="273" r:id="rId17"/>
-    <p:sldId id="317" r:id="rId18"/>
-    <p:sldId id="318" r:id="rId19"/>
-    <p:sldId id="321" r:id="rId20"/>
-    <p:sldId id="283" r:id="rId21"/>
-    <p:sldId id="319" r:id="rId22"/>
-    <p:sldId id="324" r:id="rId23"/>
-    <p:sldId id="323" r:id="rId24"/>
-    <p:sldId id="320" r:id="rId25"/>
-    <p:sldId id="316" r:id="rId26"/>
-    <p:sldId id="322" r:id="rId27"/>
-    <p:sldId id="282" r:id="rId28"/>
-    <p:sldId id="276" r:id="rId29"/>
-    <p:sldId id="284" r:id="rId30"/>
-    <p:sldId id="285" r:id="rId31"/>
-    <p:sldId id="278" r:id="rId32"/>
-    <p:sldId id="274" r:id="rId33"/>
-    <p:sldId id="299" r:id="rId34"/>
-    <p:sldId id="300" r:id="rId35"/>
-    <p:sldId id="275" r:id="rId36"/>
-    <p:sldId id="292" r:id="rId37"/>
-    <p:sldId id="293" r:id="rId38"/>
-    <p:sldId id="294" r:id="rId39"/>
-    <p:sldId id="279" r:id="rId40"/>
-    <p:sldId id="314" r:id="rId41"/>
-    <p:sldId id="315" r:id="rId42"/>
-    <p:sldId id="313" r:id="rId43"/>
-    <p:sldId id="280" r:id="rId44"/>
-    <p:sldId id="308" r:id="rId45"/>
-    <p:sldId id="309" r:id="rId46"/>
-    <p:sldId id="311" r:id="rId47"/>
-    <p:sldId id="312" r:id="rId48"/>
-    <p:sldId id="310" r:id="rId49"/>
-    <p:sldId id="281" r:id="rId50"/>
-    <p:sldId id="290" r:id="rId51"/>
-    <p:sldId id="291" r:id="rId52"/>
-    <p:sldId id="286" r:id="rId53"/>
-    <p:sldId id="287" r:id="rId54"/>
-    <p:sldId id="288" r:id="rId55"/>
-    <p:sldId id="289" r:id="rId56"/>
+    <p:sldId id="325" r:id="rId17"/>
+    <p:sldId id="273" r:id="rId18"/>
+    <p:sldId id="317" r:id="rId19"/>
+    <p:sldId id="318" r:id="rId20"/>
+    <p:sldId id="321" r:id="rId21"/>
+    <p:sldId id="283" r:id="rId22"/>
+    <p:sldId id="319" r:id="rId23"/>
+    <p:sldId id="324" r:id="rId24"/>
+    <p:sldId id="323" r:id="rId25"/>
+    <p:sldId id="320" r:id="rId26"/>
+    <p:sldId id="316" r:id="rId27"/>
+    <p:sldId id="322" r:id="rId28"/>
+    <p:sldId id="282" r:id="rId29"/>
+    <p:sldId id="276" r:id="rId30"/>
+    <p:sldId id="284" r:id="rId31"/>
+    <p:sldId id="285" r:id="rId32"/>
+    <p:sldId id="278" r:id="rId33"/>
+    <p:sldId id="274" r:id="rId34"/>
+    <p:sldId id="299" r:id="rId35"/>
+    <p:sldId id="300" r:id="rId36"/>
+    <p:sldId id="275" r:id="rId37"/>
+    <p:sldId id="292" r:id="rId38"/>
+    <p:sldId id="293" r:id="rId39"/>
+    <p:sldId id="294" r:id="rId40"/>
+    <p:sldId id="279" r:id="rId41"/>
+    <p:sldId id="314" r:id="rId42"/>
+    <p:sldId id="315" r:id="rId43"/>
+    <p:sldId id="313" r:id="rId44"/>
+    <p:sldId id="280" r:id="rId45"/>
+    <p:sldId id="308" r:id="rId46"/>
+    <p:sldId id="309" r:id="rId47"/>
+    <p:sldId id="311" r:id="rId48"/>
+    <p:sldId id="312" r:id="rId49"/>
+    <p:sldId id="310" r:id="rId50"/>
+    <p:sldId id="281" r:id="rId51"/>
+    <p:sldId id="290" r:id="rId52"/>
+    <p:sldId id="291" r:id="rId53"/>
+    <p:sldId id="286" r:id="rId54"/>
+    <p:sldId id="287" r:id="rId55"/>
+    <p:sldId id="288" r:id="rId56"/>
+    <p:sldId id="289" r:id="rId57"/>
   </p:sldIdLst>
   <p:sldSz cx="9144000" cy="6858000" type="screen4x3"/>
   <p:notesSz cx="6858000" cy="9144000"/>
@@ -543,7 +544,7 @@
           <p:cNvPr id="11" name="Obrázok 10">
             <a:extLst>
               <a:ext uri="{FF2B5EF4-FFF2-40B4-BE49-F238E27FC236}">
-                <a16:creationId xmlns:a16="http://schemas.microsoft.com/office/drawing/2014/main" xmlns="" id="{D575F8E8-6CC8-49FD-8010-88908C002CDA}"/>
+                <a16:creationId xmlns="" xmlns:a16="http://schemas.microsoft.com/office/drawing/2014/main" id="{D575F8E8-6CC8-49FD-8010-88908C002CDA}"/>
               </a:ext>
             </a:extLst>
           </p:cNvPr>
@@ -579,7 +580,7 @@
           <p:cNvPr id="13" name="Obrázok 12">
             <a:extLst>
               <a:ext uri="{FF2B5EF4-FFF2-40B4-BE49-F238E27FC236}">
-                <a16:creationId xmlns:a16="http://schemas.microsoft.com/office/drawing/2014/main" xmlns="" id="{E0A78DBF-D0B2-42A5-9F1D-0CAC637C7D2D}"/>
+                <a16:creationId xmlns="" xmlns:a16="http://schemas.microsoft.com/office/drawing/2014/main" id="{E0A78DBF-D0B2-42A5-9F1D-0CAC637C7D2D}"/>
               </a:ext>
             </a:extLst>
           </p:cNvPr>
@@ -3539,7 +3540,7 @@
           <p:cNvPr id="2" name="Nadpis 1">
             <a:extLst>
               <a:ext uri="{FF2B5EF4-FFF2-40B4-BE49-F238E27FC236}">
-                <a16:creationId xmlns="" xmlns:a16="http://schemas.microsoft.com/office/drawing/2014/main" id="{8C9FEECD-5BD9-4CA4-ACC1-DA9C1EDD96B6}"/>
+                <a16:creationId xmlns:a16="http://schemas.microsoft.com/office/drawing/2014/main" xmlns="" id="{8C9FEECD-5BD9-4CA4-ACC1-DA9C1EDD96B6}"/>
               </a:ext>
             </a:extLst>
           </p:cNvPr>
@@ -3619,7 +3620,7 @@
           <p:cNvPr id="3" name="Podnadpis 2">
             <a:extLst>
               <a:ext uri="{FF2B5EF4-FFF2-40B4-BE49-F238E27FC236}">
-                <a16:creationId xmlns="" xmlns:a16="http://schemas.microsoft.com/office/drawing/2014/main" id="{313B57F5-B394-40F1-BEAB-F5B71B2FEDE1}"/>
+                <a16:creationId xmlns:a16="http://schemas.microsoft.com/office/drawing/2014/main" xmlns="" id="{313B57F5-B394-40F1-BEAB-F5B71B2FEDE1}"/>
               </a:ext>
             </a:extLst>
           </p:cNvPr>
@@ -4191,7 +4192,7 @@
           <p:cNvPr id="3" name="Zástupný objekt pre obsah 2">
             <a:extLst>
               <a:ext uri="{FF2B5EF4-FFF2-40B4-BE49-F238E27FC236}">
-                <a16:creationId xmlns:a16="http://schemas.microsoft.com/office/drawing/2014/main" xmlns="" id="{A74476A0-8C3D-4B4B-ABC1-78C4925E54B4}"/>
+                <a16:creationId xmlns="" xmlns:a16="http://schemas.microsoft.com/office/drawing/2014/main" id="{A74476A0-8C3D-4B4B-ABC1-78C4925E54B4}"/>
               </a:ext>
             </a:extLst>
           </p:cNvPr>
@@ -4345,7 +4346,7 @@
           <p:cNvPr id="2" name="Nadpis 1">
             <a:extLst>
               <a:ext uri="{FF2B5EF4-FFF2-40B4-BE49-F238E27FC236}">
-                <a16:creationId xmlns:a16="http://schemas.microsoft.com/office/drawing/2014/main" xmlns="" id="{A60D084F-ACFD-4F46-B5DB-65DDF10CFCE9}"/>
+                <a16:creationId xmlns="" xmlns:a16="http://schemas.microsoft.com/office/drawing/2014/main" id="{A60D084F-ACFD-4F46-B5DB-65DDF10CFCE9}"/>
               </a:ext>
             </a:extLst>
           </p:cNvPr>
@@ -4495,7 +4496,7 @@
           <p:cNvPr id="2" name="Nadpis 1">
             <a:extLst>
               <a:ext uri="{FF2B5EF4-FFF2-40B4-BE49-F238E27FC236}">
-                <a16:creationId xmlns:a16="http://schemas.microsoft.com/office/drawing/2014/main" xmlns="" id="{59DC17C1-419D-44F2-987B-AD5E29D750B8}"/>
+                <a16:creationId xmlns="" xmlns:a16="http://schemas.microsoft.com/office/drawing/2014/main" id="{59DC17C1-419D-44F2-987B-AD5E29D750B8}"/>
               </a:ext>
             </a:extLst>
           </p:cNvPr>
@@ -4524,7 +4525,7 @@
           <p:cNvPr id="3" name="Zástupný objekt pre obsah 2">
             <a:extLst>
               <a:ext uri="{FF2B5EF4-FFF2-40B4-BE49-F238E27FC236}">
-                <a16:creationId xmlns:a16="http://schemas.microsoft.com/office/drawing/2014/main" xmlns="" id="{5BD42F2B-ABA1-4F3A-865F-32330FB152D7}"/>
+                <a16:creationId xmlns="" xmlns:a16="http://schemas.microsoft.com/office/drawing/2014/main" id="{5BD42F2B-ABA1-4F3A-865F-32330FB152D7}"/>
               </a:ext>
             </a:extLst>
           </p:cNvPr>
@@ -4742,7 +4743,7 @@
           <a:graphicData uri="http://schemas.openxmlformats.org/presentationml/2006/ole">
             <mc:AlternateContent xmlns:mc="http://schemas.openxmlformats.org/markup-compatibility/2006">
               <mc:Choice xmlns:v="urn:schemas-microsoft-com:vml" Requires="v">
-                <p:oleObj spid="_x0000_s4138" name="Rovnica" r:id="rId3" imgW="3187700" imgH="901700" progId="Equation.3">
+                <p:oleObj spid="_x0000_s4140" name="Rovnica" r:id="rId3" imgW="3187700" imgH="901700" progId="Equation.3">
                   <p:embed/>
                 </p:oleObj>
               </mc:Choice>
@@ -5085,8 +5086,23 @@
             </a:pPr>
             <a:r>
               <a:rPr lang="sk-SK" dirty="0" smtClean="0"/>
-              <a:t>Kombinácia zapojenia odporov, kondenzátorov a cievok</a:t>
-            </a:r>
+              <a:t>Kombinácia zapojenia odporov, kondenzátorov a </a:t>
+            </a:r>
+            <a:r>
+              <a:rPr lang="sk-SK" dirty="0" smtClean="0"/>
+              <a:t>cievok</a:t>
+            </a:r>
+          </a:p>
+          <a:p>
+            <a:pPr>
+              <a:buFont typeface="Arial" panose="020B0604020202020204" pitchFamily="34" charset="0"/>
+              <a:buChar char="•"/>
+            </a:pPr>
+            <a:r>
+              <a:rPr lang="sk-SK" dirty="0" smtClean="0"/>
+              <a:t>Elektrický obvod = dynamický systém</a:t>
+            </a:r>
+            <a:endParaRPr lang="sk-SK" dirty="0" smtClean="0"/>
           </a:p>
           <a:p>
             <a:pPr>
@@ -5148,7 +5164,7 @@
         </p:blipFill>
         <p:spPr bwMode="auto">
           <a:xfrm>
-            <a:off x="1349591" y="2789538"/>
+            <a:off x="1349591" y="3003378"/>
             <a:ext cx="6444814" cy="3232322"/>
           </a:xfrm>
           <a:prstGeom prst="rect">
@@ -5219,50 +5235,1270 @@
           </a:p>
         </p:txBody>
       </p:sp>
-      <p:sp>
-        <p:nvSpPr>
-          <p:cNvPr id="3" name="Zástupný symbol obsahu 2"/>
-          <p:cNvSpPr>
-            <a:spLocks noGrp="1"/>
-          </p:cNvSpPr>
-          <p:nvPr>
-            <p:ph idx="1"/>
-          </p:nvPr>
-        </p:nvSpPr>
-        <p:spPr/>
-        <p:txBody>
-          <a:bodyPr/>
-          <a:lstStyle/>
-          <a:p>
-            <a:pPr>
-              <a:buFont typeface="Arial" panose="020B0604020202020204" pitchFamily="34" charset="0"/>
-              <a:buChar char="•"/>
-            </a:pPr>
-            <a:r>
-              <a:rPr lang="sk-SK" dirty="0" err="1" smtClean="0"/>
-              <a:t>Dolnopriepustný</a:t>
-            </a:r>
-            <a:r>
-              <a:rPr lang="sk-SK" dirty="0" smtClean="0"/>
-              <a:t> RC filter</a:t>
-            </a:r>
-          </a:p>
-          <a:p>
-            <a:pPr>
-              <a:buFont typeface="Arial" panose="020B0604020202020204" pitchFamily="34" charset="0"/>
-              <a:buChar char="•"/>
-            </a:pPr>
-            <a:endParaRPr lang="sk-SK" dirty="0" smtClean="0"/>
-          </a:p>
-          <a:p>
-            <a:pPr>
-              <a:buFont typeface="Arial" panose="020B0604020202020204" pitchFamily="34" charset="0"/>
-              <a:buChar char="•"/>
-            </a:pPr>
-            <a:endParaRPr lang="sk-SK" dirty="0"/>
-          </a:p>
-        </p:txBody>
-      </p:sp>
+      <mc:AlternateContent xmlns:mc="http://schemas.openxmlformats.org/markup-compatibility/2006">
+        <mc:Choice xmlns:a14="http://schemas.microsoft.com/office/drawing/2010/main" Requires="a14">
+          <p:sp>
+            <p:nvSpPr>
+              <p:cNvPr id="3" name="Zástupný symbol obsahu 2"/>
+              <p:cNvSpPr>
+                <a:spLocks noGrp="1"/>
+              </p:cNvSpPr>
+              <p:nvPr>
+                <p:ph idx="1"/>
+              </p:nvPr>
+            </p:nvSpPr>
+            <p:spPr>
+              <a:xfrm>
+                <a:off x="393699" y="1040445"/>
+                <a:ext cx="8618496" cy="5739295"/>
+              </a:xfrm>
+            </p:spPr>
+            <p:txBody>
+              <a:bodyPr>
+                <a:normAutofit/>
+              </a:bodyPr>
+              <a:lstStyle/>
+              <a:p>
+                <a:pPr>
+                  <a:buFont typeface="Arial" panose="020B0604020202020204" pitchFamily="34" charset="0"/>
+                  <a:buChar char="•"/>
+                </a:pPr>
+                <a:r>
+                  <a:rPr lang="sk-SK" dirty="0" err="1" smtClean="0"/>
+                  <a:t>Hornopriepustný</a:t>
+                </a:r>
+                <a:r>
+                  <a:rPr lang="sk-SK" dirty="0" smtClean="0"/>
+                  <a:t> </a:t>
+                </a:r>
+                <a:r>
+                  <a:rPr lang="sk-SK" dirty="0" smtClean="0"/>
+                  <a:t>RC </a:t>
+                </a:r>
+                <a:r>
+                  <a:rPr lang="sk-SK" dirty="0" smtClean="0"/>
+                  <a:t>filter</a:t>
+                </a:r>
+              </a:p>
+              <a:p>
+                <a:pPr>
+                  <a:buFont typeface="Arial" panose="020B0604020202020204" pitchFamily="34" charset="0"/>
+                  <a:buChar char="•"/>
+                </a:pPr>
+                <a:r>
+                  <a:rPr lang="sk-SK" dirty="0" smtClean="0"/>
+                  <a:t>Zostavme diferenciálnu rovnicu </a:t>
+                </a:r>
+              </a:p>
+              <a:p>
+                <a:pPr>
+                  <a:buFont typeface="Arial" panose="020B0604020202020204" pitchFamily="34" charset="0"/>
+                  <a:buChar char="•"/>
+                </a:pPr>
+                <a:r>
+                  <a:rPr lang="sk-SK" dirty="0"/>
+                  <a:t>P</a:t>
+                </a:r>
+                <a:r>
+                  <a:rPr lang="sk-SK" dirty="0" smtClean="0"/>
+                  <a:t>remenné ostanú  iba signály </a:t>
+                </a:r>
+                <a14:m>
+                  <m:oMath xmlns:m="http://schemas.openxmlformats.org/officeDocument/2006/math">
+                    <m:sSub>
+                      <m:sSubPr>
+                        <m:ctrlPr>
+                          <a:rPr lang="sk-SK" i="1">
+                            <a:latin typeface="Cambria Math" panose="02040503050406030204" pitchFamily="18" charset="0"/>
+                          </a:rPr>
+                        </m:ctrlPr>
+                      </m:sSubPr>
+                      <m:e>
+                        <m:r>
+                          <a:rPr lang="sk-SK" i="1">
+                            <a:latin typeface="Cambria Math" panose="02040503050406030204" pitchFamily="18" charset="0"/>
+                          </a:rPr>
+                          <m:t>𝑈</m:t>
+                        </m:r>
+                      </m:e>
+                      <m:sub>
+                        <m:r>
+                          <a:rPr lang="sk-SK" i="1">
+                            <a:latin typeface="Cambria Math" panose="02040503050406030204" pitchFamily="18" charset="0"/>
+                          </a:rPr>
+                          <m:t>𝑖𝑛</m:t>
+                        </m:r>
+                      </m:sub>
+                    </m:sSub>
+                  </m:oMath>
+                </a14:m>
+                <a:r>
+                  <a:rPr lang="sk-SK" dirty="0" smtClean="0"/>
+                  <a:t> a </a:t>
+                </a:r>
+                <a14:m>
+                  <m:oMath xmlns:m="http://schemas.openxmlformats.org/officeDocument/2006/math">
+                    <m:sSub>
+                      <m:sSubPr>
+                        <m:ctrlPr>
+                          <a:rPr lang="sk-SK" i="1">
+                            <a:latin typeface="Cambria Math" panose="02040503050406030204" pitchFamily="18" charset="0"/>
+                          </a:rPr>
+                        </m:ctrlPr>
+                      </m:sSubPr>
+                      <m:e>
+                        <m:r>
+                          <a:rPr lang="sk-SK" i="1">
+                            <a:latin typeface="Cambria Math" panose="02040503050406030204" pitchFamily="18" charset="0"/>
+                          </a:rPr>
+                          <m:t>𝑈</m:t>
+                        </m:r>
+                      </m:e>
+                      <m:sub>
+                        <m:r>
+                          <a:rPr lang="sk-SK" i="1">
+                            <a:latin typeface="Cambria Math" panose="02040503050406030204" pitchFamily="18" charset="0"/>
+                          </a:rPr>
+                          <m:t>𝑜𝑢𝑡</m:t>
+                        </m:r>
+                      </m:sub>
+                    </m:sSub>
+                  </m:oMath>
+                </a14:m>
+                <a:endParaRPr lang="sk-SK" dirty="0" smtClean="0"/>
+              </a:p>
+              <a:p>
+                <a:pPr>
+                  <a:buFont typeface="Arial" panose="020B0604020202020204" pitchFamily="34" charset="0"/>
+                  <a:buChar char="•"/>
+                </a:pPr>
+                <a:r>
+                  <a:rPr lang="sk-SK" dirty="0" smtClean="0"/>
+                  <a:t>2. </a:t>
+                </a:r>
+                <a:r>
+                  <a:rPr lang="sk-SK" dirty="0" err="1" smtClean="0"/>
+                  <a:t>Kirchhofov</a:t>
+                </a:r>
+                <a:r>
+                  <a:rPr lang="sk-SK" dirty="0" smtClean="0"/>
+                  <a:t> zákon – súčet napätí v slučke</a:t>
+                </a:r>
+              </a:p>
+              <a:p>
+                <a:pPr marL="0" indent="0">
+                  <a:buNone/>
+                </a:pPr>
+                <a14:m>
+                  <m:oMathPara xmlns:m="http://schemas.openxmlformats.org/officeDocument/2006/math">
+                    <m:oMathParaPr>
+                      <m:jc m:val="centerGroup"/>
+                    </m:oMathParaPr>
+                    <m:oMath xmlns:m="http://schemas.openxmlformats.org/officeDocument/2006/math">
+                      <m:sSub>
+                        <m:sSubPr>
+                          <m:ctrlPr>
+                            <a:rPr lang="sk-SK" sz="1800" i="1" smtClean="0">
+                              <a:latin typeface="Cambria Math" panose="02040503050406030204" pitchFamily="18" charset="0"/>
+                            </a:rPr>
+                          </m:ctrlPr>
+                        </m:sSubPr>
+                        <m:e>
+                          <m:r>
+                            <a:rPr lang="sk-SK" sz="1800" b="0" i="1" smtClean="0">
+                              <a:latin typeface="Cambria Math" panose="02040503050406030204" pitchFamily="18" charset="0"/>
+                            </a:rPr>
+                            <m:t>𝑈</m:t>
+                          </m:r>
+                        </m:e>
+                        <m:sub>
+                          <m:r>
+                            <a:rPr lang="sk-SK" sz="1800" b="0" i="1" smtClean="0">
+                              <a:latin typeface="Cambria Math" panose="02040503050406030204" pitchFamily="18" charset="0"/>
+                            </a:rPr>
+                            <m:t>𝑖𝑛</m:t>
+                          </m:r>
+                        </m:sub>
+                      </m:sSub>
+                      <m:r>
+                        <a:rPr lang="sk-SK" sz="1800" b="0" i="1" smtClean="0">
+                          <a:latin typeface="Cambria Math" panose="02040503050406030204" pitchFamily="18" charset="0"/>
+                        </a:rPr>
+                        <m:t>=</m:t>
+                      </m:r>
+                      <m:sSub>
+                        <m:sSubPr>
+                          <m:ctrlPr>
+                            <a:rPr lang="sk-SK" sz="1800" i="1">
+                              <a:latin typeface="Cambria Math" panose="02040503050406030204" pitchFamily="18" charset="0"/>
+                            </a:rPr>
+                          </m:ctrlPr>
+                        </m:sSubPr>
+                        <m:e>
+                          <m:r>
+                            <a:rPr lang="sk-SK" sz="1800" i="1">
+                              <a:latin typeface="Cambria Math" panose="02040503050406030204" pitchFamily="18" charset="0"/>
+                            </a:rPr>
+                            <m:t>𝑈</m:t>
+                          </m:r>
+                        </m:e>
+                        <m:sub>
+                          <m:r>
+                            <a:rPr lang="sk-SK" sz="1800" i="1">
+                              <a:latin typeface="Cambria Math" panose="02040503050406030204" pitchFamily="18" charset="0"/>
+                            </a:rPr>
+                            <m:t>𝐶</m:t>
+                          </m:r>
+                        </m:sub>
+                      </m:sSub>
+                      <m:r>
+                        <a:rPr lang="sk-SK" sz="1800" i="1">
+                          <a:latin typeface="Cambria Math" panose="02040503050406030204" pitchFamily="18" charset="0"/>
+                        </a:rPr>
+                        <m:t>+</m:t>
+                      </m:r>
+                      <m:sSub>
+                        <m:sSubPr>
+                          <m:ctrlPr>
+                            <a:rPr lang="sk-SK" sz="1800" i="1">
+                              <a:latin typeface="Cambria Math" panose="02040503050406030204" pitchFamily="18" charset="0"/>
+                            </a:rPr>
+                          </m:ctrlPr>
+                        </m:sSubPr>
+                        <m:e>
+                          <m:r>
+                            <a:rPr lang="sk-SK" sz="1800" i="1">
+                              <a:latin typeface="Cambria Math" panose="02040503050406030204" pitchFamily="18" charset="0"/>
+                            </a:rPr>
+                            <m:t>𝑈</m:t>
+                          </m:r>
+                        </m:e>
+                        <m:sub>
+                          <m:r>
+                            <a:rPr lang="sk-SK" sz="1800" i="1">
+                              <a:latin typeface="Cambria Math" panose="02040503050406030204" pitchFamily="18" charset="0"/>
+                            </a:rPr>
+                            <m:t>𝑅</m:t>
+                          </m:r>
+                        </m:sub>
+                      </m:sSub>
+                    </m:oMath>
+                  </m:oMathPara>
+                </a14:m>
+                <a:endParaRPr lang="sk-SK" sz="1800" dirty="0" smtClean="0"/>
+              </a:p>
+              <a:p>
+                <a:pPr marL="0" indent="0">
+                  <a:buNone/>
+                </a:pPr>
+                <a14:m>
+                  <m:oMathPara xmlns:m="http://schemas.openxmlformats.org/officeDocument/2006/math">
+                    <m:oMathParaPr>
+                      <m:jc m:val="centerGroup"/>
+                    </m:oMathParaPr>
+                    <m:oMath xmlns:m="http://schemas.openxmlformats.org/officeDocument/2006/math">
+                      <m:sSub>
+                        <m:sSubPr>
+                          <m:ctrlPr>
+                            <a:rPr lang="sk-SK" sz="1800" i="1">
+                              <a:latin typeface="Cambria Math" panose="02040503050406030204" pitchFamily="18" charset="0"/>
+                            </a:rPr>
+                          </m:ctrlPr>
+                        </m:sSubPr>
+                        <m:e>
+                          <m:r>
+                            <a:rPr lang="sk-SK" sz="1800" i="1">
+                              <a:latin typeface="Cambria Math" panose="02040503050406030204" pitchFamily="18" charset="0"/>
+                            </a:rPr>
+                            <m:t>𝑈</m:t>
+                          </m:r>
+                        </m:e>
+                        <m:sub>
+                          <m:r>
+                            <a:rPr lang="sk-SK" sz="1800" b="0" i="1" smtClean="0">
+                              <a:latin typeface="Cambria Math" panose="02040503050406030204" pitchFamily="18" charset="0"/>
+                            </a:rPr>
+                            <m:t>𝑅</m:t>
+                          </m:r>
+                        </m:sub>
+                      </m:sSub>
+                      <m:r>
+                        <a:rPr lang="sk-SK" sz="1800" b="0" i="1" smtClean="0">
+                          <a:latin typeface="Cambria Math" panose="02040503050406030204" pitchFamily="18" charset="0"/>
+                        </a:rPr>
+                        <m:t>=</m:t>
+                      </m:r>
+                      <m:sSub>
+                        <m:sSubPr>
+                          <m:ctrlPr>
+                            <a:rPr lang="sk-SK" sz="1800" i="1">
+                              <a:latin typeface="Cambria Math" panose="02040503050406030204" pitchFamily="18" charset="0"/>
+                            </a:rPr>
+                          </m:ctrlPr>
+                        </m:sSubPr>
+                        <m:e>
+                          <m:r>
+                            <a:rPr lang="sk-SK" sz="1800" i="1">
+                              <a:latin typeface="Cambria Math" panose="02040503050406030204" pitchFamily="18" charset="0"/>
+                            </a:rPr>
+                            <m:t>𝑈</m:t>
+                          </m:r>
+                        </m:e>
+                        <m:sub>
+                          <m:r>
+                            <a:rPr lang="sk-SK" sz="1800" b="0" i="1" smtClean="0">
+                              <a:latin typeface="Cambria Math" panose="02040503050406030204" pitchFamily="18" charset="0"/>
+                            </a:rPr>
+                            <m:t>𝑜𝑢𝑡</m:t>
+                          </m:r>
+                        </m:sub>
+                      </m:sSub>
+                    </m:oMath>
+                  </m:oMathPara>
+                </a14:m>
+                <a:endParaRPr lang="sk-SK" sz="1800" dirty="0" smtClean="0"/>
+              </a:p>
+              <a:p>
+                <a:pPr marL="0" indent="0">
+                  <a:buNone/>
+                </a:pPr>
+                <a14:m>
+                  <m:oMathPara xmlns:m="http://schemas.openxmlformats.org/officeDocument/2006/math">
+                    <m:oMathParaPr>
+                      <m:jc m:val="centerGroup"/>
+                    </m:oMathParaPr>
+                    <m:oMath xmlns:m="http://schemas.openxmlformats.org/officeDocument/2006/math">
+                      <m:sSub>
+                        <m:sSubPr>
+                          <m:ctrlPr>
+                            <a:rPr lang="sk-SK" sz="1800" i="1">
+                              <a:latin typeface="Cambria Math" panose="02040503050406030204" pitchFamily="18" charset="0"/>
+                            </a:rPr>
+                          </m:ctrlPr>
+                        </m:sSubPr>
+                        <m:e>
+                          <m:r>
+                            <a:rPr lang="sk-SK" sz="1800" i="1">
+                              <a:latin typeface="Cambria Math" panose="02040503050406030204" pitchFamily="18" charset="0"/>
+                            </a:rPr>
+                            <m:t>𝑈</m:t>
+                          </m:r>
+                        </m:e>
+                        <m:sub>
+                          <m:r>
+                            <a:rPr lang="sk-SK" sz="1800" b="0" i="1" smtClean="0">
+                              <a:latin typeface="Cambria Math" panose="02040503050406030204" pitchFamily="18" charset="0"/>
+                            </a:rPr>
+                            <m:t>𝑅</m:t>
+                          </m:r>
+                        </m:sub>
+                      </m:sSub>
+                      <m:r>
+                        <a:rPr lang="sk-SK" sz="1800" b="0" i="1" smtClean="0">
+                          <a:latin typeface="Cambria Math" panose="02040503050406030204" pitchFamily="18" charset="0"/>
+                        </a:rPr>
+                        <m:t>=</m:t>
+                      </m:r>
+                      <m:r>
+                        <a:rPr lang="sk-SK" sz="1800" b="0" i="1" smtClean="0">
+                          <a:latin typeface="Cambria Math" panose="02040503050406030204" pitchFamily="18" charset="0"/>
+                        </a:rPr>
+                        <m:t>𝑖𝑅</m:t>
+                      </m:r>
+                    </m:oMath>
+                  </m:oMathPara>
+                </a14:m>
+                <a:endParaRPr lang="sk-SK" sz="1800" dirty="0" smtClean="0"/>
+              </a:p>
+              <a:p>
+                <a:pPr marL="0" indent="0">
+                  <a:buNone/>
+                </a:pPr>
+                <a14:m>
+                  <m:oMathPara xmlns:m="http://schemas.openxmlformats.org/officeDocument/2006/math">
+                    <m:oMathParaPr>
+                      <m:jc m:val="centerGroup"/>
+                    </m:oMathParaPr>
+                    <m:oMath xmlns:m="http://schemas.openxmlformats.org/officeDocument/2006/math">
+                      <m:sSub>
+                        <m:sSubPr>
+                          <m:ctrlPr>
+                            <a:rPr lang="sk-SK" sz="1800" i="1">
+                              <a:latin typeface="Cambria Math" panose="02040503050406030204" pitchFamily="18" charset="0"/>
+                            </a:rPr>
+                          </m:ctrlPr>
+                        </m:sSubPr>
+                        <m:e>
+                          <m:r>
+                            <a:rPr lang="sk-SK" sz="1800" b="0" i="1" smtClean="0">
+                              <a:latin typeface="Cambria Math" panose="02040503050406030204" pitchFamily="18" charset="0"/>
+                            </a:rPr>
+                            <m:t>𝑖</m:t>
+                          </m:r>
+                        </m:e>
+                        <m:sub>
+                          <m:r>
+                            <a:rPr lang="sk-SK" sz="1800" b="0" i="1" smtClean="0">
+                              <a:latin typeface="Cambria Math" panose="02040503050406030204" pitchFamily="18" charset="0"/>
+                            </a:rPr>
+                            <m:t>𝐶</m:t>
+                          </m:r>
+                        </m:sub>
+                      </m:sSub>
+                      <m:r>
+                        <a:rPr lang="sk-SK" sz="1800" b="0" i="1" smtClean="0">
+                          <a:latin typeface="Cambria Math" panose="02040503050406030204" pitchFamily="18" charset="0"/>
+                        </a:rPr>
+                        <m:t>=</m:t>
+                      </m:r>
+                      <m:r>
+                        <a:rPr lang="sk-SK" sz="1800" b="0" i="1" smtClean="0">
+                          <a:latin typeface="Cambria Math" panose="02040503050406030204" pitchFamily="18" charset="0"/>
+                        </a:rPr>
+                        <m:t>𝑖</m:t>
+                      </m:r>
+                    </m:oMath>
+                  </m:oMathPara>
+                </a14:m>
+                <a:endParaRPr lang="sk-SK" sz="1800" b="0" dirty="0" smtClean="0"/>
+              </a:p>
+              <a:p>
+                <a:pPr marL="0" indent="0">
+                  <a:buNone/>
+                </a:pPr>
+                <a14:m>
+                  <m:oMathPara xmlns:m="http://schemas.openxmlformats.org/officeDocument/2006/math">
+                    <m:oMathParaPr>
+                      <m:jc m:val="centerGroup"/>
+                    </m:oMathParaPr>
+                    <m:oMath xmlns:m="http://schemas.openxmlformats.org/officeDocument/2006/math">
+                      <m:sSub>
+                        <m:sSubPr>
+                          <m:ctrlPr>
+                            <a:rPr lang="sk-SK" sz="1800" i="1">
+                              <a:latin typeface="Cambria Math" panose="02040503050406030204" pitchFamily="18" charset="0"/>
+                            </a:rPr>
+                          </m:ctrlPr>
+                        </m:sSubPr>
+                        <m:e>
+                          <m:r>
+                            <a:rPr lang="sk-SK" sz="1800" i="1">
+                              <a:latin typeface="Cambria Math" panose="02040503050406030204" pitchFamily="18" charset="0"/>
+                            </a:rPr>
+                            <m:t>𝑈</m:t>
+                          </m:r>
+                        </m:e>
+                        <m:sub>
+                          <m:r>
+                            <a:rPr lang="sk-SK" sz="1800" b="0" i="1" smtClean="0">
+                              <a:latin typeface="Cambria Math" panose="02040503050406030204" pitchFamily="18" charset="0"/>
+                            </a:rPr>
+                            <m:t>𝐶</m:t>
+                          </m:r>
+                        </m:sub>
+                      </m:sSub>
+                      <m:r>
+                        <a:rPr lang="sk-SK" sz="1800" b="0" i="1" smtClean="0">
+                          <a:latin typeface="Cambria Math" panose="02040503050406030204" pitchFamily="18" charset="0"/>
+                        </a:rPr>
+                        <m:t>=</m:t>
+                      </m:r>
+                      <m:f>
+                        <m:fPr>
+                          <m:ctrlPr>
+                            <a:rPr lang="sk-SK" sz="1800" b="0" i="1" smtClean="0">
+                              <a:latin typeface="Cambria Math" panose="02040503050406030204" pitchFamily="18" charset="0"/>
+                            </a:rPr>
+                          </m:ctrlPr>
+                        </m:fPr>
+                        <m:num>
+                          <m:r>
+                            <a:rPr lang="sk-SK" sz="1800" b="0" i="1" smtClean="0">
+                              <a:latin typeface="Cambria Math" panose="02040503050406030204" pitchFamily="18" charset="0"/>
+                            </a:rPr>
+                            <m:t>1</m:t>
+                          </m:r>
+                        </m:num>
+                        <m:den>
+                          <m:r>
+                            <a:rPr lang="sk-SK" sz="1800" b="0" i="1" smtClean="0">
+                              <a:latin typeface="Cambria Math" panose="02040503050406030204" pitchFamily="18" charset="0"/>
+                            </a:rPr>
+                            <m:t>𝐶</m:t>
+                          </m:r>
+                        </m:den>
+                      </m:f>
+                      <m:nary>
+                        <m:naryPr>
+                          <m:limLoc m:val="undOvr"/>
+                          <m:subHide m:val="on"/>
+                          <m:supHide m:val="on"/>
+                          <m:ctrlPr>
+                            <a:rPr lang="sk-SK" sz="1800" b="0" i="1" smtClean="0">
+                              <a:latin typeface="Cambria Math" panose="02040503050406030204" pitchFamily="18" charset="0"/>
+                            </a:rPr>
+                          </m:ctrlPr>
+                        </m:naryPr>
+                        <m:sub/>
+                        <m:sup/>
+                        <m:e>
+                          <m:sSub>
+                            <m:sSubPr>
+                              <m:ctrlPr>
+                                <a:rPr lang="sk-SK" sz="1800" i="1">
+                                  <a:latin typeface="Cambria Math" panose="02040503050406030204" pitchFamily="18" charset="0"/>
+                                </a:rPr>
+                              </m:ctrlPr>
+                            </m:sSubPr>
+                            <m:e>
+                              <m:r>
+                                <a:rPr lang="sk-SK" sz="1800" i="1">
+                                  <a:latin typeface="Cambria Math" panose="02040503050406030204" pitchFamily="18" charset="0"/>
+                                </a:rPr>
+                                <m:t>𝑖</m:t>
+                              </m:r>
+                            </m:e>
+                            <m:sub>
+                              <m:r>
+                                <a:rPr lang="sk-SK" sz="1800" i="1">
+                                  <a:latin typeface="Cambria Math" panose="02040503050406030204" pitchFamily="18" charset="0"/>
+                                </a:rPr>
+                                <m:t>𝐶</m:t>
+                              </m:r>
+                            </m:sub>
+                          </m:sSub>
+                          <m:d>
+                            <m:dPr>
+                              <m:ctrlPr>
+                                <a:rPr lang="sk-SK" sz="1800" b="0" i="1" smtClean="0">
+                                  <a:latin typeface="Cambria Math" panose="02040503050406030204" pitchFamily="18" charset="0"/>
+                                </a:rPr>
+                              </m:ctrlPr>
+                            </m:dPr>
+                            <m:e>
+                              <m:r>
+                                <a:rPr lang="sk-SK" sz="1800" b="0" i="1" smtClean="0">
+                                  <a:latin typeface="Cambria Math" panose="02040503050406030204" pitchFamily="18" charset="0"/>
+                                </a:rPr>
+                                <m:t>𝑡</m:t>
+                              </m:r>
+                            </m:e>
+                          </m:d>
+                          <m:r>
+                            <a:rPr lang="sk-SK" sz="1800" b="0" i="1" smtClean="0">
+                              <a:latin typeface="Cambria Math" panose="02040503050406030204" pitchFamily="18" charset="0"/>
+                            </a:rPr>
+                            <m:t>𝑑𝑡</m:t>
+                          </m:r>
+                        </m:e>
+                      </m:nary>
+                    </m:oMath>
+                  </m:oMathPara>
+                </a14:m>
+                <a:endParaRPr lang="sk-SK" sz="1800" b="0" dirty="0" smtClean="0"/>
+              </a:p>
+              <a:p>
+                <a:pPr marL="0" indent="0">
+                  <a:buNone/>
+                </a:pPr>
+                <a14:m>
+                  <m:oMathPara xmlns:m="http://schemas.openxmlformats.org/officeDocument/2006/math">
+                    <m:oMathParaPr>
+                      <m:jc m:val="centerGroup"/>
+                    </m:oMathParaPr>
+                    <m:oMath xmlns:m="http://schemas.openxmlformats.org/officeDocument/2006/math">
+                      <m:sSub>
+                        <m:sSubPr>
+                          <m:ctrlPr>
+                            <a:rPr lang="sk-SK" sz="1800" i="1">
+                              <a:latin typeface="Cambria Math" panose="02040503050406030204" pitchFamily="18" charset="0"/>
+                            </a:rPr>
+                          </m:ctrlPr>
+                        </m:sSubPr>
+                        <m:e>
+                          <m:r>
+                            <a:rPr lang="sk-SK" sz="1800" i="1">
+                              <a:latin typeface="Cambria Math" panose="02040503050406030204" pitchFamily="18" charset="0"/>
+                            </a:rPr>
+                            <m:t>𝑈</m:t>
+                          </m:r>
+                        </m:e>
+                        <m:sub>
+                          <m:r>
+                            <a:rPr lang="sk-SK" sz="1800" i="1">
+                              <a:latin typeface="Cambria Math" panose="02040503050406030204" pitchFamily="18" charset="0"/>
+                            </a:rPr>
+                            <m:t>𝑖𝑛</m:t>
+                          </m:r>
+                        </m:sub>
+                      </m:sSub>
+                      <m:r>
+                        <a:rPr lang="sk-SK" sz="1800" b="0" i="1" smtClean="0">
+                          <a:latin typeface="Cambria Math" panose="02040503050406030204" pitchFamily="18" charset="0"/>
+                        </a:rPr>
+                        <m:t>=−</m:t>
+                      </m:r>
+                      <m:sSub>
+                        <m:sSubPr>
+                          <m:ctrlPr>
+                            <a:rPr lang="sk-SK" sz="1800" i="1">
+                              <a:latin typeface="Cambria Math" panose="02040503050406030204" pitchFamily="18" charset="0"/>
+                            </a:rPr>
+                          </m:ctrlPr>
+                        </m:sSubPr>
+                        <m:e>
+                          <m:r>
+                            <a:rPr lang="sk-SK" sz="1800" i="1">
+                              <a:latin typeface="Cambria Math" panose="02040503050406030204" pitchFamily="18" charset="0"/>
+                            </a:rPr>
+                            <m:t>𝑈</m:t>
+                          </m:r>
+                        </m:e>
+                        <m:sub>
+                          <m:r>
+                            <a:rPr lang="sk-SK" sz="1800" i="1">
+                              <a:latin typeface="Cambria Math" panose="02040503050406030204" pitchFamily="18" charset="0"/>
+                            </a:rPr>
+                            <m:t>𝑜𝑢𝑡</m:t>
+                          </m:r>
+                        </m:sub>
+                      </m:sSub>
+                      <m:r>
+                        <a:rPr lang="sk-SK" sz="1800" b="0" i="1" smtClean="0">
+                          <a:latin typeface="Cambria Math" panose="02040503050406030204" pitchFamily="18" charset="0"/>
+                        </a:rPr>
+                        <m:t>−</m:t>
+                      </m:r>
+                      <m:sSub>
+                        <m:sSubPr>
+                          <m:ctrlPr>
+                            <a:rPr lang="sk-SK" sz="1800" i="1">
+                              <a:latin typeface="Cambria Math" panose="02040503050406030204" pitchFamily="18" charset="0"/>
+                            </a:rPr>
+                          </m:ctrlPr>
+                        </m:sSubPr>
+                        <m:e>
+                          <m:r>
+                            <a:rPr lang="sk-SK" sz="1800" i="1">
+                              <a:latin typeface="Cambria Math" panose="02040503050406030204" pitchFamily="18" charset="0"/>
+                            </a:rPr>
+                            <m:t>𝑈</m:t>
+                          </m:r>
+                        </m:e>
+                        <m:sub>
+                          <m:r>
+                            <a:rPr lang="sk-SK" sz="1800" i="1">
+                              <a:latin typeface="Cambria Math" panose="02040503050406030204" pitchFamily="18" charset="0"/>
+                            </a:rPr>
+                            <m:t>𝐶</m:t>
+                          </m:r>
+                        </m:sub>
+                      </m:sSub>
+                    </m:oMath>
+                  </m:oMathPara>
+                </a14:m>
+                <a:endParaRPr lang="sk-SK" sz="1800" dirty="0" smtClean="0"/>
+              </a:p>
+              <a:p>
+                <a:pPr marL="0" indent="0">
+                  <a:buNone/>
+                </a:pPr>
+                <a14:m>
+                  <m:oMathPara xmlns:m="http://schemas.openxmlformats.org/officeDocument/2006/math">
+                    <m:oMathParaPr>
+                      <m:jc m:val="centerGroup"/>
+                    </m:oMathParaPr>
+                    <m:oMath xmlns:m="http://schemas.openxmlformats.org/officeDocument/2006/math">
+                      <m:sSub>
+                        <m:sSubPr>
+                          <m:ctrlPr>
+                            <a:rPr lang="sk-SK" sz="1800" i="1">
+                              <a:latin typeface="Cambria Math" panose="02040503050406030204" pitchFamily="18" charset="0"/>
+                            </a:rPr>
+                          </m:ctrlPr>
+                        </m:sSubPr>
+                        <m:e>
+                          <m:r>
+                            <a:rPr lang="sk-SK" sz="1800" i="1">
+                              <a:latin typeface="Cambria Math" panose="02040503050406030204" pitchFamily="18" charset="0"/>
+                            </a:rPr>
+                            <m:t>𝑈</m:t>
+                          </m:r>
+                        </m:e>
+                        <m:sub>
+                          <m:r>
+                            <a:rPr lang="sk-SK" sz="1800" i="1">
+                              <a:latin typeface="Cambria Math" panose="02040503050406030204" pitchFamily="18" charset="0"/>
+                            </a:rPr>
+                            <m:t>𝑖𝑛</m:t>
+                          </m:r>
+                        </m:sub>
+                      </m:sSub>
+                      <m:r>
+                        <a:rPr lang="sk-SK" sz="1800" i="1">
+                          <a:latin typeface="Cambria Math" panose="02040503050406030204" pitchFamily="18" charset="0"/>
+                        </a:rPr>
+                        <m:t>=</m:t>
+                      </m:r>
+                      <m:sSub>
+                        <m:sSubPr>
+                          <m:ctrlPr>
+                            <a:rPr lang="sk-SK" sz="1800" i="1">
+                              <a:latin typeface="Cambria Math" panose="02040503050406030204" pitchFamily="18" charset="0"/>
+                            </a:rPr>
+                          </m:ctrlPr>
+                        </m:sSubPr>
+                        <m:e>
+                          <m:r>
+                            <a:rPr lang="sk-SK" sz="1800" i="1">
+                              <a:latin typeface="Cambria Math" panose="02040503050406030204" pitchFamily="18" charset="0"/>
+                            </a:rPr>
+                            <m:t>𝑈</m:t>
+                          </m:r>
+                        </m:e>
+                        <m:sub>
+                          <m:r>
+                            <a:rPr lang="sk-SK" sz="1800" i="1">
+                              <a:latin typeface="Cambria Math" panose="02040503050406030204" pitchFamily="18" charset="0"/>
+                            </a:rPr>
+                            <m:t>𝑜𝑢𝑡</m:t>
+                          </m:r>
+                        </m:sub>
+                      </m:sSub>
+                      <m:f>
+                        <m:fPr>
+                          <m:ctrlPr>
+                            <a:rPr lang="sk-SK" sz="1800" i="1">
+                              <a:latin typeface="Cambria Math" panose="02040503050406030204" pitchFamily="18" charset="0"/>
+                            </a:rPr>
+                          </m:ctrlPr>
+                        </m:fPr>
+                        <m:num>
+                          <m:r>
+                            <a:rPr lang="sk-SK" sz="1800" i="1">
+                              <a:latin typeface="Cambria Math" panose="02040503050406030204" pitchFamily="18" charset="0"/>
+                            </a:rPr>
+                            <m:t>1</m:t>
+                          </m:r>
+                        </m:num>
+                        <m:den>
+                          <m:r>
+                            <a:rPr lang="sk-SK" sz="1800" i="1">
+                              <a:latin typeface="Cambria Math" panose="02040503050406030204" pitchFamily="18" charset="0"/>
+                            </a:rPr>
+                            <m:t>𝐶</m:t>
+                          </m:r>
+                        </m:den>
+                      </m:f>
+                      <m:nary>
+                        <m:naryPr>
+                          <m:limLoc m:val="undOvr"/>
+                          <m:subHide m:val="on"/>
+                          <m:supHide m:val="on"/>
+                          <m:ctrlPr>
+                            <a:rPr lang="sk-SK" sz="1800" i="1">
+                              <a:latin typeface="Cambria Math" panose="02040503050406030204" pitchFamily="18" charset="0"/>
+                            </a:rPr>
+                          </m:ctrlPr>
+                        </m:naryPr>
+                        <m:sub/>
+                        <m:sup/>
+                        <m:e>
+                          <m:f>
+                            <m:fPr>
+                              <m:ctrlPr>
+                                <a:rPr lang="sk-SK" sz="1800" i="1" smtClean="0">
+                                  <a:latin typeface="Cambria Math" panose="02040503050406030204" pitchFamily="18" charset="0"/>
+                                </a:rPr>
+                              </m:ctrlPr>
+                            </m:fPr>
+                            <m:num>
+                              <m:sSub>
+                                <m:sSubPr>
+                                  <m:ctrlPr>
+                                    <a:rPr lang="sk-SK" sz="1800" i="1">
+                                      <a:latin typeface="Cambria Math" panose="02040503050406030204" pitchFamily="18" charset="0"/>
+                                    </a:rPr>
+                                  </m:ctrlPr>
+                                </m:sSubPr>
+                                <m:e>
+                                  <m:r>
+                                    <a:rPr lang="sk-SK" sz="1800" i="1">
+                                      <a:latin typeface="Cambria Math" panose="02040503050406030204" pitchFamily="18" charset="0"/>
+                                    </a:rPr>
+                                    <m:t>𝑈</m:t>
+                                  </m:r>
+                                </m:e>
+                                <m:sub>
+                                  <m:r>
+                                    <a:rPr lang="sk-SK" sz="1800" i="1">
+                                      <a:latin typeface="Cambria Math" panose="02040503050406030204" pitchFamily="18" charset="0"/>
+                                    </a:rPr>
+                                    <m:t>𝑜𝑢𝑡</m:t>
+                                  </m:r>
+                                </m:sub>
+                              </m:sSub>
+                            </m:num>
+                            <m:den>
+                              <m:r>
+                                <a:rPr lang="sk-SK" sz="1800" b="0" i="1" smtClean="0">
+                                  <a:latin typeface="Cambria Math" panose="02040503050406030204" pitchFamily="18" charset="0"/>
+                                </a:rPr>
+                                <m:t>𝑅</m:t>
+                              </m:r>
+                            </m:den>
+                          </m:f>
+                          <m:d>
+                            <m:dPr>
+                              <m:ctrlPr>
+                                <a:rPr lang="sk-SK" sz="1800" i="1">
+                                  <a:latin typeface="Cambria Math" panose="02040503050406030204" pitchFamily="18" charset="0"/>
+                                </a:rPr>
+                              </m:ctrlPr>
+                            </m:dPr>
+                            <m:e>
+                              <m:r>
+                                <a:rPr lang="sk-SK" sz="1800" i="1">
+                                  <a:latin typeface="Cambria Math" panose="02040503050406030204" pitchFamily="18" charset="0"/>
+                                </a:rPr>
+                                <m:t>𝑡</m:t>
+                              </m:r>
+                            </m:e>
+                          </m:d>
+                          <m:r>
+                            <a:rPr lang="sk-SK" sz="1800" i="1">
+                              <a:latin typeface="Cambria Math" panose="02040503050406030204" pitchFamily="18" charset="0"/>
+                            </a:rPr>
+                            <m:t>𝑑𝑡</m:t>
+                          </m:r>
+                        </m:e>
+                      </m:nary>
+                      <m:r>
+                        <a:rPr lang="sk-SK" sz="1800" b="0" i="1" smtClean="0">
+                          <a:latin typeface="Cambria Math" panose="02040503050406030204" pitchFamily="18" charset="0"/>
+                        </a:rPr>
+                        <m:t>    /</m:t>
+                      </m:r>
+                      <m:f>
+                        <m:fPr>
+                          <m:ctrlPr>
+                            <a:rPr lang="sk-SK" sz="1800" b="0" i="1" smtClean="0">
+                              <a:latin typeface="Cambria Math" panose="02040503050406030204" pitchFamily="18" charset="0"/>
+                            </a:rPr>
+                          </m:ctrlPr>
+                        </m:fPr>
+                        <m:num>
+                          <m:r>
+                            <a:rPr lang="sk-SK" sz="1800" b="0" i="1" smtClean="0">
+                              <a:latin typeface="Cambria Math" panose="02040503050406030204" pitchFamily="18" charset="0"/>
+                            </a:rPr>
+                            <m:t>𝑑</m:t>
+                          </m:r>
+                        </m:num>
+                        <m:den>
+                          <m:r>
+                            <a:rPr lang="sk-SK" sz="1800" b="0" i="1" smtClean="0">
+                              <a:latin typeface="Cambria Math" panose="02040503050406030204" pitchFamily="18" charset="0"/>
+                            </a:rPr>
+                            <m:t>𝑑𝑡</m:t>
+                          </m:r>
+                        </m:den>
+                      </m:f>
+                    </m:oMath>
+                  </m:oMathPara>
+                </a14:m>
+                <a:endParaRPr lang="sk-SK" sz="1800" dirty="0" smtClean="0"/>
+              </a:p>
+              <a:p>
+                <a:pPr marL="0" indent="0">
+                  <a:buNone/>
+                </a:pPr>
+                <a14:m>
+                  <m:oMathPara xmlns:m="http://schemas.openxmlformats.org/officeDocument/2006/math">
+                    <m:oMathParaPr>
+                      <m:jc m:val="centerGroup"/>
+                    </m:oMathParaPr>
+                    <m:oMath xmlns:m="http://schemas.openxmlformats.org/officeDocument/2006/math">
+                      <m:f>
+                        <m:fPr>
+                          <m:ctrlPr>
+                            <a:rPr lang="sk-SK" sz="1800" i="1" smtClean="0">
+                              <a:latin typeface="Cambria Math" panose="02040503050406030204" pitchFamily="18" charset="0"/>
+                            </a:rPr>
+                          </m:ctrlPr>
+                        </m:fPr>
+                        <m:num>
+                          <m:sSub>
+                            <m:sSubPr>
+                              <m:ctrlPr>
+                                <a:rPr lang="sk-SK" sz="1800" i="1">
+                                  <a:latin typeface="Cambria Math" panose="02040503050406030204" pitchFamily="18" charset="0"/>
+                                </a:rPr>
+                              </m:ctrlPr>
+                            </m:sSubPr>
+                            <m:e>
+                              <m:r>
+                                <a:rPr lang="sk-SK" sz="1800" b="0" i="1" smtClean="0">
+                                  <a:latin typeface="Cambria Math" panose="02040503050406030204" pitchFamily="18" charset="0"/>
+                                </a:rPr>
+                                <m:t>𝑑</m:t>
+                              </m:r>
+                              <m:r>
+                                <a:rPr lang="sk-SK" sz="1800" i="1">
+                                  <a:latin typeface="Cambria Math" panose="02040503050406030204" pitchFamily="18" charset="0"/>
+                                </a:rPr>
+                                <m:t>𝑈</m:t>
+                              </m:r>
+                            </m:e>
+                            <m:sub>
+                              <m:r>
+                                <a:rPr lang="sk-SK" sz="1800" i="1">
+                                  <a:latin typeface="Cambria Math" panose="02040503050406030204" pitchFamily="18" charset="0"/>
+                                </a:rPr>
+                                <m:t>𝑖𝑛</m:t>
+                              </m:r>
+                            </m:sub>
+                          </m:sSub>
+                        </m:num>
+                        <m:den>
+                          <m:r>
+                            <a:rPr lang="sk-SK" sz="1800" b="0" i="1" smtClean="0">
+                              <a:latin typeface="Cambria Math" panose="02040503050406030204" pitchFamily="18" charset="0"/>
+                            </a:rPr>
+                            <m:t>𝑑𝑡</m:t>
+                          </m:r>
+                        </m:den>
+                      </m:f>
+                      <m:r>
+                        <a:rPr lang="sk-SK" sz="1800" b="0" i="1" smtClean="0">
+                          <a:latin typeface="Cambria Math" panose="02040503050406030204" pitchFamily="18" charset="0"/>
+                        </a:rPr>
+                        <m:t>=</m:t>
+                      </m:r>
+                      <m:f>
+                        <m:fPr>
+                          <m:ctrlPr>
+                            <a:rPr lang="sk-SK" sz="1800" b="0" i="1" smtClean="0">
+                              <a:latin typeface="Cambria Math" panose="02040503050406030204" pitchFamily="18" charset="0"/>
+                            </a:rPr>
+                          </m:ctrlPr>
+                        </m:fPr>
+                        <m:num>
+                          <m:sSub>
+                            <m:sSubPr>
+                              <m:ctrlPr>
+                                <a:rPr lang="sk-SK" sz="1800" i="1">
+                                  <a:latin typeface="Cambria Math" panose="02040503050406030204" pitchFamily="18" charset="0"/>
+                                </a:rPr>
+                              </m:ctrlPr>
+                            </m:sSubPr>
+                            <m:e>
+                              <m:r>
+                                <a:rPr lang="sk-SK" sz="1800" b="0" i="1" smtClean="0">
+                                  <a:latin typeface="Cambria Math" panose="02040503050406030204" pitchFamily="18" charset="0"/>
+                                </a:rPr>
+                                <m:t>𝑑</m:t>
+                              </m:r>
+                              <m:r>
+                                <a:rPr lang="sk-SK" sz="1800" i="1">
+                                  <a:latin typeface="Cambria Math" panose="02040503050406030204" pitchFamily="18" charset="0"/>
+                                </a:rPr>
+                                <m:t>𝑈</m:t>
+                              </m:r>
+                            </m:e>
+                            <m:sub>
+                              <m:r>
+                                <a:rPr lang="sk-SK" sz="1800" i="1">
+                                  <a:latin typeface="Cambria Math" panose="02040503050406030204" pitchFamily="18" charset="0"/>
+                                </a:rPr>
+                                <m:t>𝑜𝑢𝑡</m:t>
+                              </m:r>
+                            </m:sub>
+                          </m:sSub>
+                        </m:num>
+                        <m:den>
+                          <m:r>
+                            <a:rPr lang="sk-SK" sz="1800" b="0" i="1" smtClean="0">
+                              <a:latin typeface="Cambria Math" panose="02040503050406030204" pitchFamily="18" charset="0"/>
+                            </a:rPr>
+                            <m:t>𝑑𝑡</m:t>
+                          </m:r>
+                        </m:den>
+                      </m:f>
+                      <m:f>
+                        <m:fPr>
+                          <m:ctrlPr>
+                            <a:rPr lang="sk-SK" sz="1800" b="0" i="1" smtClean="0">
+                              <a:latin typeface="Cambria Math" panose="02040503050406030204" pitchFamily="18" charset="0"/>
+                            </a:rPr>
+                          </m:ctrlPr>
+                        </m:fPr>
+                        <m:num>
+                          <m:r>
+                            <a:rPr lang="sk-SK" sz="1800" b="0" i="1" smtClean="0">
+                              <a:latin typeface="Cambria Math" panose="02040503050406030204" pitchFamily="18" charset="0"/>
+                            </a:rPr>
+                            <m:t>1</m:t>
+                          </m:r>
+                        </m:num>
+                        <m:den>
+                          <m:r>
+                            <a:rPr lang="sk-SK" sz="1800" b="0" i="1" smtClean="0">
+                              <a:latin typeface="Cambria Math" panose="02040503050406030204" pitchFamily="18" charset="0"/>
+                            </a:rPr>
+                            <m:t>𝑅𝐶</m:t>
+                          </m:r>
+                        </m:den>
+                      </m:f>
+                      <m:sSub>
+                        <m:sSubPr>
+                          <m:ctrlPr>
+                            <a:rPr lang="sk-SK" sz="1800" i="1">
+                              <a:latin typeface="Cambria Math" panose="02040503050406030204" pitchFamily="18" charset="0"/>
+                            </a:rPr>
+                          </m:ctrlPr>
+                        </m:sSubPr>
+                        <m:e>
+                          <m:r>
+                            <a:rPr lang="sk-SK" sz="1800" i="1">
+                              <a:latin typeface="Cambria Math" panose="02040503050406030204" pitchFamily="18" charset="0"/>
+                            </a:rPr>
+                            <m:t>𝑈</m:t>
+                          </m:r>
+                        </m:e>
+                        <m:sub>
+                          <m:r>
+                            <a:rPr lang="sk-SK" sz="1800" i="1">
+                              <a:latin typeface="Cambria Math" panose="02040503050406030204" pitchFamily="18" charset="0"/>
+                            </a:rPr>
+                            <m:t>𝑜𝑢𝑡</m:t>
+                          </m:r>
+                        </m:sub>
+                      </m:sSub>
+                    </m:oMath>
+                  </m:oMathPara>
+                </a14:m>
+                <a:endParaRPr lang="sk-SK" sz="1800" dirty="0" smtClean="0"/>
+              </a:p>
+              <a:p>
+                <a:pPr marL="0" indent="0">
+                  <a:buNone/>
+                </a:pPr>
+                <a14:m>
+                  <m:oMathPara xmlns:m="http://schemas.openxmlformats.org/officeDocument/2006/math">
+                    <m:oMathParaPr>
+                      <m:jc m:val="centerGroup"/>
+                    </m:oMathParaPr>
+                    <m:oMath xmlns:m="http://schemas.openxmlformats.org/officeDocument/2006/math">
+                      <m:sSub>
+                        <m:sSubPr>
+                          <m:ctrlPr>
+                            <a:rPr lang="sk-SK" sz="1800" i="1" smtClean="0">
+                              <a:latin typeface="Cambria Math" panose="02040503050406030204" pitchFamily="18" charset="0"/>
+                            </a:rPr>
+                          </m:ctrlPr>
+                        </m:sSubPr>
+                        <m:e>
+                          <m:acc>
+                            <m:accPr>
+                              <m:chr m:val="̇"/>
+                              <m:ctrlPr>
+                                <a:rPr lang="sk-SK" sz="1800" i="1" smtClean="0">
+                                  <a:latin typeface="Cambria Math" panose="02040503050406030204" pitchFamily="18" charset="0"/>
+                                </a:rPr>
+                              </m:ctrlPr>
+                            </m:accPr>
+                            <m:e>
+                              <m:r>
+                                <a:rPr lang="sk-SK" sz="1800" b="0" i="1" smtClean="0">
+                                  <a:latin typeface="Cambria Math" panose="02040503050406030204" pitchFamily="18" charset="0"/>
+                                </a:rPr>
+                                <m:t>𝑈</m:t>
+                              </m:r>
+                            </m:e>
+                          </m:acc>
+                        </m:e>
+                        <m:sub>
+                          <m:r>
+                            <a:rPr lang="sk-SK" sz="1800" b="0" i="1" smtClean="0">
+                              <a:latin typeface="Cambria Math" panose="02040503050406030204" pitchFamily="18" charset="0"/>
+                            </a:rPr>
+                            <m:t>𝑖𝑛</m:t>
+                          </m:r>
+                        </m:sub>
+                      </m:sSub>
+                      <m:r>
+                        <a:rPr lang="sk-SK" sz="1800" b="0" i="1" smtClean="0">
+                          <a:latin typeface="Cambria Math" panose="02040503050406030204" pitchFamily="18" charset="0"/>
+                        </a:rPr>
+                        <m:t>=−</m:t>
+                      </m:r>
+                      <m:sSub>
+                        <m:sSubPr>
+                          <m:ctrlPr>
+                            <a:rPr lang="sk-SK" sz="1800" i="1">
+                              <a:latin typeface="Cambria Math" panose="02040503050406030204" pitchFamily="18" charset="0"/>
+                            </a:rPr>
+                          </m:ctrlPr>
+                        </m:sSubPr>
+                        <m:e>
+                          <m:acc>
+                            <m:accPr>
+                              <m:chr m:val="̇"/>
+                              <m:ctrlPr>
+                                <a:rPr lang="sk-SK" sz="1800" i="1">
+                                  <a:latin typeface="Cambria Math" panose="02040503050406030204" pitchFamily="18" charset="0"/>
+                                </a:rPr>
+                              </m:ctrlPr>
+                            </m:accPr>
+                            <m:e>
+                              <m:r>
+                                <a:rPr lang="sk-SK" sz="1800" i="1">
+                                  <a:latin typeface="Cambria Math" panose="02040503050406030204" pitchFamily="18" charset="0"/>
+                                </a:rPr>
+                                <m:t>𝑈</m:t>
+                              </m:r>
+                            </m:e>
+                          </m:acc>
+                        </m:e>
+                        <m:sub>
+                          <m:r>
+                            <a:rPr lang="sk-SK" sz="1800" b="0" i="1" smtClean="0">
+                              <a:latin typeface="Cambria Math" panose="02040503050406030204" pitchFamily="18" charset="0"/>
+                            </a:rPr>
+                            <m:t>𝑜𝑢𝑡</m:t>
+                          </m:r>
+                        </m:sub>
+                      </m:sSub>
+                      <m:r>
+                        <a:rPr lang="sk-SK" sz="1800" b="0" i="1" smtClean="0">
+                          <a:latin typeface="Cambria Math" panose="02040503050406030204" pitchFamily="18" charset="0"/>
+                        </a:rPr>
+                        <m:t>−</m:t>
+                      </m:r>
+                      <m:f>
+                        <m:fPr>
+                          <m:ctrlPr>
+                            <a:rPr lang="sk-SK" sz="1800" i="1">
+                              <a:latin typeface="Cambria Math" panose="02040503050406030204" pitchFamily="18" charset="0"/>
+                            </a:rPr>
+                          </m:ctrlPr>
+                        </m:fPr>
+                        <m:num>
+                          <m:r>
+                            <a:rPr lang="sk-SK" sz="1800" i="1">
+                              <a:latin typeface="Cambria Math" panose="02040503050406030204" pitchFamily="18" charset="0"/>
+                            </a:rPr>
+                            <m:t>1</m:t>
+                          </m:r>
+                        </m:num>
+                        <m:den>
+                          <m:r>
+                            <a:rPr lang="sk-SK" sz="1800" i="1">
+                              <a:latin typeface="Cambria Math" panose="02040503050406030204" pitchFamily="18" charset="0"/>
+                            </a:rPr>
+                            <m:t>𝑅𝐶</m:t>
+                          </m:r>
+                        </m:den>
+                      </m:f>
+                      <m:sSub>
+                        <m:sSubPr>
+                          <m:ctrlPr>
+                            <a:rPr lang="sk-SK" sz="1800" i="1">
+                              <a:latin typeface="Cambria Math" panose="02040503050406030204" pitchFamily="18" charset="0"/>
+                            </a:rPr>
+                          </m:ctrlPr>
+                        </m:sSubPr>
+                        <m:e>
+                          <m:r>
+                            <a:rPr lang="sk-SK" sz="1800" i="1">
+                              <a:latin typeface="Cambria Math" panose="02040503050406030204" pitchFamily="18" charset="0"/>
+                            </a:rPr>
+                            <m:t>𝑈</m:t>
+                          </m:r>
+                        </m:e>
+                        <m:sub>
+                          <m:r>
+                            <a:rPr lang="sk-SK" sz="1800" i="1">
+                              <a:latin typeface="Cambria Math" panose="02040503050406030204" pitchFamily="18" charset="0"/>
+                            </a:rPr>
+                            <m:t>𝑜𝑢𝑡</m:t>
+                          </m:r>
+                        </m:sub>
+                      </m:sSub>
+                    </m:oMath>
+                  </m:oMathPara>
+                </a14:m>
+                <a:endParaRPr lang="sk-SK" dirty="0" smtClean="0"/>
+              </a:p>
+              <a:p>
+                <a:pPr marL="0" indent="0">
+                  <a:buNone/>
+                </a:pPr>
+                <a:endParaRPr lang="sk-SK" dirty="0" smtClean="0"/>
+              </a:p>
+              <a:p>
+                <a:pPr>
+                  <a:buFont typeface="Arial" panose="020B0604020202020204" pitchFamily="34" charset="0"/>
+                  <a:buChar char="•"/>
+                </a:pPr>
+                <a:endParaRPr lang="sk-SK" dirty="0" smtClean="0"/>
+              </a:p>
+              <a:p>
+                <a:pPr>
+                  <a:buFont typeface="Arial" panose="020B0604020202020204" pitchFamily="34" charset="0"/>
+                  <a:buChar char="•"/>
+                </a:pPr>
+                <a:endParaRPr lang="sk-SK" dirty="0" smtClean="0"/>
+              </a:p>
+              <a:p>
+                <a:pPr>
+                  <a:buFont typeface="Arial" panose="020B0604020202020204" pitchFamily="34" charset="0"/>
+                  <a:buChar char="•"/>
+                </a:pPr>
+                <a:endParaRPr lang="sk-SK" dirty="0"/>
+              </a:p>
+            </p:txBody>
+          </p:sp>
+        </mc:Choice>
+        <mc:Fallback>
+          <p:sp>
+            <p:nvSpPr>
+              <p:cNvPr id="3" name="Zástupný symbol obsahu 2"/>
+              <p:cNvSpPr>
+                <a:spLocks noGrp="1" noRot="1" noChangeAspect="1" noMove="1" noResize="1" noEditPoints="1" noAdjustHandles="1" noChangeArrowheads="1" noChangeShapeType="1" noTextEdit="1"/>
+              </p:cNvSpPr>
+              <p:nvPr>
+                <p:ph idx="1"/>
+              </p:nvPr>
+            </p:nvSpPr>
+            <p:spPr>
+              <a:xfrm>
+                <a:off x="393699" y="1040445"/>
+                <a:ext cx="8618496" cy="5739295"/>
+              </a:xfrm>
+              <a:blipFill rotWithShape="0">
+                <a:blip r:embed="rId2"/>
+                <a:stretch>
+                  <a:fillRect l="-1699" t="-1169"/>
+                </a:stretch>
+              </a:blipFill>
+            </p:spPr>
+            <p:txBody>
+              <a:bodyPr/>
+              <a:lstStyle/>
+              <a:p>
+                <a:r>
+                  <a:rPr lang="sk-SK">
+                    <a:noFill/>
+                  </a:rPr>
+                  <a:t> </a:t>
+                </a:r>
+              </a:p>
+            </p:txBody>
+          </p:sp>
+        </mc:Fallback>
+      </mc:AlternateContent>
       <p:pic>
         <p:nvPicPr>
           <p:cNvPr id="5124" name="Picture 4" descr="https://www.electronics-tutorials.ws/wp-content/uploads/2018/05/filter-fil11.gif"/>
@@ -5272,7 +6508,7 @@
           <p:nvPr/>
         </p:nvPicPr>
         <p:blipFill>
-          <a:blip r:embed="rId2">
+          <a:blip r:embed="rId3">
             <a:extLst>
               <a:ext uri="{28A0092B-C50C-407E-A947-70E740481C1C}">
                 <a14:useLocalDpi xmlns:a14="http://schemas.microsoft.com/office/drawing/2010/main" val="0"/>
@@ -5286,7 +6522,7 @@
         </p:blipFill>
         <p:spPr bwMode="auto">
           <a:xfrm>
-            <a:off x="3912029" y="1223018"/>
+            <a:off x="6104752" y="1452338"/>
             <a:ext cx="3105150" cy="1571626"/>
           </a:xfrm>
           <a:prstGeom prst="rect">
@@ -5350,19 +6586,411 @@
           <a:lstStyle/>
           <a:p>
             <a:r>
-              <a:rPr lang="sk-SK" dirty="0" err="1" smtClean="0"/>
-              <a:t>Laplaceova</a:t>
-            </a:r>
-            <a:r>
-              <a:rPr lang="sk-SK" dirty="0" smtClean="0"/>
-              <a:t> transformácia</a:t>
-            </a:r>
-            <a:endParaRPr lang="sk-SK" dirty="0"/>
+              <a:rPr lang="sk-SK" dirty="0"/>
+              <a:t>Modely pasívnych filtrov</a:t>
+            </a:r>
           </a:p>
         </p:txBody>
       </p:sp>
       <mc:AlternateContent xmlns:mc="http://schemas.openxmlformats.org/markup-compatibility/2006">
         <mc:Choice xmlns:a14="http://schemas.microsoft.com/office/drawing/2010/main" Requires="a14">
+          <p:sp>
+            <p:nvSpPr>
+              <p:cNvPr id="3" name="Zástupný symbol obsahu 2"/>
+              <p:cNvSpPr>
+                <a:spLocks noGrp="1"/>
+              </p:cNvSpPr>
+              <p:nvPr>
+                <p:ph idx="1"/>
+              </p:nvPr>
+            </p:nvSpPr>
+            <p:spPr/>
+            <p:txBody>
+              <a:bodyPr/>
+              <a:lstStyle/>
+              <a:p>
+                <a:pPr>
+                  <a:buFont typeface="Arial" panose="020B0604020202020204" pitchFamily="34" charset="0"/>
+                  <a:buChar char="•"/>
+                </a:pPr>
+                <a:r>
+                  <a:rPr lang="sk-SK" dirty="0" err="1" smtClean="0"/>
+                  <a:t>Dolnopriepustný</a:t>
+                </a:r>
+                <a:r>
+                  <a:rPr lang="sk-SK" dirty="0" smtClean="0"/>
+                  <a:t> </a:t>
+                </a:r>
+                <a:r>
+                  <a:rPr lang="sk-SK" dirty="0"/>
+                  <a:t>RC </a:t>
+                </a:r>
+                <a:r>
+                  <a:rPr lang="sk-SK" dirty="0" smtClean="0"/>
+                  <a:t>filter</a:t>
+                </a:r>
+              </a:p>
+              <a:p>
+                <a:pPr>
+                  <a:buFont typeface="Arial" panose="020B0604020202020204" pitchFamily="34" charset="0"/>
+                  <a:buChar char="•"/>
+                </a:pPr>
+                <a:r>
+                  <a:rPr lang="sk-SK" dirty="0"/>
+                  <a:t>Zostavme diferenciálnu rovnicu </a:t>
+                </a:r>
+              </a:p>
+              <a:p>
+                <a:pPr>
+                  <a:buFont typeface="Arial" panose="020B0604020202020204" pitchFamily="34" charset="0"/>
+                  <a:buChar char="•"/>
+                </a:pPr>
+                <a:r>
+                  <a:rPr lang="sk-SK" dirty="0"/>
+                  <a:t>P</a:t>
+                </a:r>
+                <a:r>
+                  <a:rPr lang="sk-SK" dirty="0"/>
+                  <a:t>remenné ostanú  iba signály </a:t>
+                </a:r>
+                <a14:m>
+                  <m:oMath xmlns:m="http://schemas.openxmlformats.org/officeDocument/2006/math">
+                    <m:sSub>
+                      <m:sSubPr>
+                        <m:ctrlPr>
+                          <a:rPr lang="sk-SK" i="1">
+                            <a:latin typeface="Cambria Math" panose="02040503050406030204" pitchFamily="18" charset="0"/>
+                          </a:rPr>
+                        </m:ctrlPr>
+                      </m:sSubPr>
+                      <m:e>
+                        <m:r>
+                          <a:rPr lang="sk-SK" i="1">
+                            <a:latin typeface="Cambria Math" panose="02040503050406030204" pitchFamily="18" charset="0"/>
+                          </a:rPr>
+                          <m:t>𝑈</m:t>
+                        </m:r>
+                      </m:e>
+                      <m:sub>
+                        <m:r>
+                          <a:rPr lang="sk-SK" i="1">
+                            <a:latin typeface="Cambria Math" panose="02040503050406030204" pitchFamily="18" charset="0"/>
+                          </a:rPr>
+                          <m:t>𝑖𝑛</m:t>
+                        </m:r>
+                      </m:sub>
+                    </m:sSub>
+                  </m:oMath>
+                </a14:m>
+                <a:r>
+                  <a:rPr lang="sk-SK" dirty="0"/>
+                  <a:t> a </a:t>
+                </a:r>
+                <a14:m>
+                  <m:oMath xmlns:m="http://schemas.openxmlformats.org/officeDocument/2006/math">
+                    <m:sSub>
+                      <m:sSubPr>
+                        <m:ctrlPr>
+                          <a:rPr lang="sk-SK" i="1">
+                            <a:latin typeface="Cambria Math" panose="02040503050406030204" pitchFamily="18" charset="0"/>
+                          </a:rPr>
+                        </m:ctrlPr>
+                      </m:sSubPr>
+                      <m:e>
+                        <m:r>
+                          <a:rPr lang="sk-SK" i="1">
+                            <a:latin typeface="Cambria Math" panose="02040503050406030204" pitchFamily="18" charset="0"/>
+                          </a:rPr>
+                          <m:t>𝑈</m:t>
+                        </m:r>
+                      </m:e>
+                      <m:sub>
+                        <m:r>
+                          <a:rPr lang="sk-SK" i="1">
+                            <a:latin typeface="Cambria Math" panose="02040503050406030204" pitchFamily="18" charset="0"/>
+                          </a:rPr>
+                          <m:t>𝑜𝑢𝑡</m:t>
+                        </m:r>
+                      </m:sub>
+                    </m:sSub>
+                  </m:oMath>
+                </a14:m>
+                <a:endParaRPr lang="sk-SK" dirty="0"/>
+              </a:p>
+              <a:p>
+                <a:pPr>
+                  <a:buFont typeface="Arial" panose="020B0604020202020204" pitchFamily="34" charset="0"/>
+                  <a:buChar char="•"/>
+                </a:pPr>
+                <a:r>
+                  <a:rPr lang="sk-SK" dirty="0"/>
+                  <a:t>2. </a:t>
+                </a:r>
+                <a:r>
+                  <a:rPr lang="sk-SK" dirty="0" err="1"/>
+                  <a:t>Kirchhofov</a:t>
+                </a:r>
+                <a:r>
+                  <a:rPr lang="sk-SK" dirty="0"/>
+                  <a:t> zákon – súčet napätí v </a:t>
+                </a:r>
+                <a:r>
+                  <a:rPr lang="sk-SK" dirty="0" smtClean="0"/>
+                  <a:t>slučke</a:t>
+                </a:r>
+              </a:p>
+              <a:p>
+                <a:pPr marL="0" indent="0">
+                  <a:buNone/>
+                </a:pPr>
+                <a14:m>
+                  <m:oMathPara xmlns:m="http://schemas.openxmlformats.org/officeDocument/2006/math">
+                    <m:oMathParaPr>
+                      <m:jc m:val="centerGroup"/>
+                    </m:oMathParaPr>
+                    <m:oMath xmlns:m="http://schemas.openxmlformats.org/officeDocument/2006/math">
+                      <m:sSub>
+                        <m:sSubPr>
+                          <m:ctrlPr>
+                            <a:rPr lang="sk-SK" i="1">
+                              <a:latin typeface="Cambria Math" panose="02040503050406030204" pitchFamily="18" charset="0"/>
+                            </a:rPr>
+                          </m:ctrlPr>
+                        </m:sSubPr>
+                        <m:e>
+                          <m:r>
+                            <a:rPr lang="sk-SK" i="1">
+                              <a:latin typeface="Cambria Math" panose="02040503050406030204" pitchFamily="18" charset="0"/>
+                            </a:rPr>
+                            <m:t>𝑈</m:t>
+                          </m:r>
+                        </m:e>
+                        <m:sub>
+                          <m:r>
+                            <a:rPr lang="sk-SK" i="1">
+                              <a:latin typeface="Cambria Math" panose="02040503050406030204" pitchFamily="18" charset="0"/>
+                            </a:rPr>
+                            <m:t>𝑖𝑛</m:t>
+                          </m:r>
+                        </m:sub>
+                      </m:sSub>
+                      <m:r>
+                        <a:rPr lang="sk-SK" i="1">
+                          <a:latin typeface="Cambria Math" panose="02040503050406030204" pitchFamily="18" charset="0"/>
+                        </a:rPr>
+                        <m:t>=</m:t>
+                      </m:r>
+                      <m:sSub>
+                        <m:sSubPr>
+                          <m:ctrlPr>
+                            <a:rPr lang="sk-SK" i="1">
+                              <a:latin typeface="Cambria Math" panose="02040503050406030204" pitchFamily="18" charset="0"/>
+                            </a:rPr>
+                          </m:ctrlPr>
+                        </m:sSubPr>
+                        <m:e>
+                          <m:r>
+                            <a:rPr lang="sk-SK" i="1">
+                              <a:latin typeface="Cambria Math" panose="02040503050406030204" pitchFamily="18" charset="0"/>
+                            </a:rPr>
+                            <m:t>𝑈</m:t>
+                          </m:r>
+                        </m:e>
+                        <m:sub>
+                          <m:r>
+                            <a:rPr lang="sk-SK" i="1">
+                              <a:latin typeface="Cambria Math" panose="02040503050406030204" pitchFamily="18" charset="0"/>
+                            </a:rPr>
+                            <m:t>𝐶</m:t>
+                          </m:r>
+                        </m:sub>
+                      </m:sSub>
+                      <m:r>
+                        <a:rPr lang="sk-SK" i="1">
+                          <a:latin typeface="Cambria Math" panose="02040503050406030204" pitchFamily="18" charset="0"/>
+                        </a:rPr>
+                        <m:t>+</m:t>
+                      </m:r>
+                      <m:sSub>
+                        <m:sSubPr>
+                          <m:ctrlPr>
+                            <a:rPr lang="sk-SK" i="1">
+                              <a:latin typeface="Cambria Math" panose="02040503050406030204" pitchFamily="18" charset="0"/>
+                            </a:rPr>
+                          </m:ctrlPr>
+                        </m:sSubPr>
+                        <m:e>
+                          <m:r>
+                            <a:rPr lang="sk-SK" i="1">
+                              <a:latin typeface="Cambria Math" panose="02040503050406030204" pitchFamily="18" charset="0"/>
+                            </a:rPr>
+                            <m:t>𝑈</m:t>
+                          </m:r>
+                        </m:e>
+                        <m:sub>
+                          <m:r>
+                            <a:rPr lang="sk-SK" i="1">
+                              <a:latin typeface="Cambria Math" panose="02040503050406030204" pitchFamily="18" charset="0"/>
+                            </a:rPr>
+                            <m:t>𝑅</m:t>
+                          </m:r>
+                        </m:sub>
+                      </m:sSub>
+                    </m:oMath>
+                  </m:oMathPara>
+                </a14:m>
+                <a:endParaRPr lang="sk-SK" dirty="0" smtClean="0"/>
+              </a:p>
+              <a:p>
+                <a:pPr>
+                  <a:buFont typeface="Arial" panose="020B0604020202020204" pitchFamily="34" charset="0"/>
+                  <a:buChar char="•"/>
+                </a:pPr>
+                <a:endParaRPr lang="sk-SK" dirty="0"/>
+              </a:p>
+              <a:p>
+                <a:endParaRPr lang="sk-SK" dirty="0"/>
+              </a:p>
+              <a:p>
+                <a:endParaRPr lang="sk-SK" dirty="0"/>
+              </a:p>
+            </p:txBody>
+          </p:sp>
+        </mc:Choice>
+        <mc:Fallback>
+          <p:sp>
+            <p:nvSpPr>
+              <p:cNvPr id="3" name="Zástupný symbol obsahu 2"/>
+              <p:cNvSpPr>
+                <a:spLocks noGrp="1" noRot="1" noChangeAspect="1" noMove="1" noResize="1" noEditPoints="1" noAdjustHandles="1" noChangeArrowheads="1" noChangeShapeType="1" noTextEdit="1"/>
+              </p:cNvSpPr>
+              <p:nvPr>
+                <p:ph idx="1"/>
+              </p:nvPr>
+            </p:nvSpPr>
+            <p:spPr>
+              <a:blipFill rotWithShape="0">
+                <a:blip r:embed="rId2"/>
+                <a:stretch>
+                  <a:fillRect l="-1752" t="-1291"/>
+                </a:stretch>
+              </a:blipFill>
+            </p:spPr>
+            <p:txBody>
+              <a:bodyPr/>
+              <a:lstStyle/>
+              <a:p>
+                <a:r>
+                  <a:rPr lang="sk-SK">
+                    <a:noFill/>
+                  </a:rPr>
+                  <a:t> </a:t>
+                </a:r>
+              </a:p>
+            </p:txBody>
+          </p:sp>
+        </mc:Fallback>
+      </mc:AlternateContent>
+      <p:pic>
+        <p:nvPicPr>
+          <p:cNvPr id="5122" name="Picture 2" descr="VÃ½sledok vyhÄ¾adÃ¡vania obrÃ¡zkov pre dopyt rc low pass filter"/>
+          <p:cNvPicPr>
+            <a:picLocks noChangeAspect="1" noChangeArrowheads="1"/>
+          </p:cNvPicPr>
+          <p:nvPr/>
+        </p:nvPicPr>
+        <p:blipFill>
+          <a:blip r:embed="rId3">
+            <a:extLst>
+              <a:ext uri="{28A0092B-C50C-407E-A947-70E740481C1C}">
+                <a14:useLocalDpi xmlns:a14="http://schemas.microsoft.com/office/drawing/2010/main" val="0"/>
+              </a:ext>
+            </a:extLst>
+          </a:blip>
+          <a:srcRect/>
+          <a:stretch>
+            <a:fillRect/>
+          </a:stretch>
+        </p:blipFill>
+        <p:spPr bwMode="auto">
+          <a:xfrm>
+            <a:off x="5436029" y="1368811"/>
+            <a:ext cx="3105150" cy="1533526"/>
+          </a:xfrm>
+          <a:prstGeom prst="rect">
+            <a:avLst/>
+          </a:prstGeom>
+          <a:noFill/>
+          <a:extLst>
+            <a:ext uri="{909E8E84-426E-40DD-AFC4-6F175D3DCCD1}">
+              <a14:hiddenFill xmlns:a14="http://schemas.microsoft.com/office/drawing/2010/main">
+                <a:solidFill>
+                  <a:srgbClr val="FFFFFF"/>
+                </a:solidFill>
+              </a14:hiddenFill>
+            </a:ext>
+          </a:extLst>
+        </p:spPr>
+      </p:pic>
+    </p:spTree>
+    <p:extLst>
+      <p:ext uri="{BB962C8B-B14F-4D97-AF65-F5344CB8AC3E}">
+        <p14:creationId xmlns:p14="http://schemas.microsoft.com/office/powerpoint/2010/main" val="2544994782"/>
+      </p:ext>
+    </p:extLst>
+  </p:cSld>
+  <p:clrMapOvr>
+    <a:masterClrMapping/>
+  </p:clrMapOvr>
+</p:sld>
+</file>
+
+<file path=ppt/slides/slide17.xml><?xml version="1.0" encoding="utf-8"?>
+<p:sld xmlns:a="http://schemas.openxmlformats.org/drawingml/2006/main" xmlns:r="http://schemas.openxmlformats.org/officeDocument/2006/relationships" xmlns:p="http://schemas.openxmlformats.org/presentationml/2006/main">
+  <p:cSld>
+    <p:spTree>
+      <p:nvGrpSpPr>
+        <p:cNvPr id="1" name=""/>
+        <p:cNvGrpSpPr/>
+        <p:nvPr/>
+      </p:nvGrpSpPr>
+      <p:grpSpPr>
+        <a:xfrm>
+          <a:off x="0" y="0"/>
+          <a:ext cx="0" cy="0"/>
+          <a:chOff x="0" y="0"/>
+          <a:chExt cx="0" cy="0"/>
+        </a:xfrm>
+      </p:grpSpPr>
+      <p:sp>
+        <p:nvSpPr>
+          <p:cNvPr id="2" name="Nadpis 1"/>
+          <p:cNvSpPr>
+            <a:spLocks noGrp="1"/>
+          </p:cNvSpPr>
+          <p:nvPr>
+            <p:ph type="title"/>
+          </p:nvPr>
+        </p:nvSpPr>
+        <p:spPr/>
+        <p:txBody>
+          <a:bodyPr/>
+          <a:lstStyle/>
+          <a:p>
+            <a:r>
+              <a:rPr lang="sk-SK" dirty="0" err="1" smtClean="0"/>
+              <a:t>Laplaceova</a:t>
+            </a:r>
+            <a:r>
+              <a:rPr lang="sk-SK" dirty="0" smtClean="0"/>
+              <a:t> transformácia</a:t>
+            </a:r>
+            <a:endParaRPr lang="sk-SK" dirty="0"/>
+          </a:p>
+        </p:txBody>
+      </p:sp>
+      <mc:AlternateContent xmlns:mc="http://schemas.openxmlformats.org/markup-compatibility/2006" xmlns:a14="http://schemas.microsoft.com/office/drawing/2010/main">
+        <mc:Choice Requires="a14">
           <p:sp>
             <p:nvSpPr>
               <p:cNvPr id="3" name="Zástupný symbol obsahu 2"/>
@@ -5401,11 +7029,7 @@
                 </a:pPr>
                 <a:r>
                   <a:rPr lang="sk-SK" dirty="0" smtClean="0"/>
-                  <a:t>Pomáha nám pri r</a:t>
-                </a:r>
-                <a:r>
-                  <a:rPr lang="sk-SK" dirty="0" smtClean="0"/>
-                  <a:t>iešení lineárnych diferenciálnych rovníc</a:t>
+                  <a:t>Pomáha nám pri riešení lineárnych diferenciálnych rovníc</a:t>
                 </a:r>
               </a:p>
               <a:p>
@@ -6072,7 +7696,7 @@
             </p:txBody>
           </p:sp>
         </mc:Choice>
-        <mc:Fallback>
+        <mc:Fallback xmlns="">
           <p:sp>
             <p:nvSpPr>
               <p:cNvPr id="3" name="Zástupný symbol obsahu 2"/>
@@ -6123,7 +7747,7 @@
 </p:sld>
 </file>
 
-<file path=ppt/slides/slide17.xml><?xml version="1.0" encoding="utf-8"?>
+<file path=ppt/slides/slide18.xml><?xml version="1.0" encoding="utf-8"?>
 <p:sld xmlns:a="http://schemas.openxmlformats.org/drawingml/2006/main" xmlns:r="http://schemas.openxmlformats.org/officeDocument/2006/relationships" xmlns:p="http://schemas.openxmlformats.org/presentationml/2006/main">
   <p:cSld>
     <p:spTree>
@@ -6171,8 +7795,8 @@
           </a:p>
         </p:txBody>
       </p:sp>
-      <mc:AlternateContent xmlns:mc="http://schemas.openxmlformats.org/markup-compatibility/2006">
-        <mc:Choice xmlns:a14="http://schemas.microsoft.com/office/drawing/2010/main" Requires="a14">
+      <mc:AlternateContent xmlns:mc="http://schemas.openxmlformats.org/markup-compatibility/2006" xmlns:a14="http://schemas.microsoft.com/office/drawing/2010/main">
+        <mc:Choice Requires="a14">
           <p:sp>
             <p:nvSpPr>
               <p:cNvPr id="3" name="Zástupný symbol obsahu 2"/>
@@ -7300,7 +8924,7 @@
             </p:txBody>
           </p:sp>
         </mc:Choice>
-        <mc:Fallback>
+        <mc:Fallback xmlns="">
           <p:sp>
             <p:nvSpPr>
               <p:cNvPr id="3" name="Zástupný symbol obsahu 2"/>
@@ -7342,96 +8966,6 @@
     <p:extLst>
       <p:ext uri="{BB962C8B-B14F-4D97-AF65-F5344CB8AC3E}">
         <p14:creationId xmlns:p14="http://schemas.microsoft.com/office/powerpoint/2010/main" val="3627877718"/>
-      </p:ext>
-    </p:extLst>
-  </p:cSld>
-  <p:clrMapOvr>
-    <a:masterClrMapping/>
-  </p:clrMapOvr>
-</p:sld>
-</file>
-
-<file path=ppt/slides/slide18.xml><?xml version="1.0" encoding="utf-8"?>
-<p:sld xmlns:a="http://schemas.openxmlformats.org/drawingml/2006/main" xmlns:r="http://schemas.openxmlformats.org/officeDocument/2006/relationships" xmlns:p="http://schemas.openxmlformats.org/presentationml/2006/main">
-  <p:cSld>
-    <p:spTree>
-      <p:nvGrpSpPr>
-        <p:cNvPr id="1" name=""/>
-        <p:cNvGrpSpPr/>
-        <p:nvPr/>
-      </p:nvGrpSpPr>
-      <p:grpSpPr>
-        <a:xfrm>
-          <a:off x="0" y="0"/>
-          <a:ext cx="0" cy="0"/>
-          <a:chOff x="0" y="0"/>
-          <a:chExt cx="0" cy="0"/>
-        </a:xfrm>
-      </p:grpSpPr>
-      <p:sp>
-        <p:nvSpPr>
-          <p:cNvPr id="2" name="Nadpis 1"/>
-          <p:cNvSpPr>
-            <a:spLocks noGrp="1"/>
-          </p:cNvSpPr>
-          <p:nvPr>
-            <p:ph type="title"/>
-          </p:nvPr>
-        </p:nvSpPr>
-        <p:spPr/>
-        <p:txBody>
-          <a:bodyPr>
-            <a:normAutofit fontScale="90000"/>
-          </a:bodyPr>
-          <a:lstStyle/>
-          <a:p>
-            <a:r>
-              <a:rPr lang="sk-SK" dirty="0" smtClean="0"/>
-              <a:t>Vzťah </a:t>
-            </a:r>
-            <a:r>
-              <a:rPr lang="sk-SK" dirty="0" err="1" smtClean="0"/>
-              <a:t>Laplaceovej</a:t>
-            </a:r>
-            <a:r>
-              <a:rPr lang="sk-SK" dirty="0" smtClean="0"/>
-              <a:t> a </a:t>
-            </a:r>
-            <a:r>
-              <a:rPr lang="sk-SK" dirty="0" err="1" smtClean="0"/>
-              <a:t>Fourierovej</a:t>
-            </a:r>
-            <a:r>
-              <a:rPr lang="sk-SK" dirty="0" smtClean="0"/>
-              <a:t> transformácie</a:t>
-            </a:r>
-            <a:endParaRPr lang="sk-SK" dirty="0"/>
-          </a:p>
-        </p:txBody>
-      </p:sp>
-      <p:sp>
-        <p:nvSpPr>
-          <p:cNvPr id="3" name="Zástupný symbol obsahu 2"/>
-          <p:cNvSpPr>
-            <a:spLocks noGrp="1"/>
-          </p:cNvSpPr>
-          <p:nvPr>
-            <p:ph idx="1"/>
-          </p:nvPr>
-        </p:nvSpPr>
-        <p:spPr/>
-        <p:txBody>
-          <a:bodyPr/>
-          <a:lstStyle/>
-          <a:p>
-            <a:endParaRPr lang="sk-SK" dirty="0"/>
-          </a:p>
-        </p:txBody>
-      </p:sp>
-    </p:spTree>
-    <p:extLst>
-      <p:ext uri="{BB962C8B-B14F-4D97-AF65-F5344CB8AC3E}">
-        <p14:creationId xmlns:p14="http://schemas.microsoft.com/office/powerpoint/2010/main" val="1465604134"/>
       </p:ext>
     </p:extLst>
   </p:cSld>
@@ -7471,10 +9005,338 @@
         <p:spPr/>
         <p:txBody>
           <a:bodyPr>
+            <a:normAutofit fontScale="90000"/>
+          </a:bodyPr>
+          <a:lstStyle/>
+          <a:p>
+            <a:r>
+              <a:rPr lang="sk-SK" dirty="0" smtClean="0"/>
+              <a:t>Vzťah </a:t>
+            </a:r>
+            <a:r>
+              <a:rPr lang="sk-SK" dirty="0" err="1" smtClean="0"/>
+              <a:t>Laplaceovej</a:t>
+            </a:r>
+            <a:r>
+              <a:rPr lang="sk-SK" dirty="0" smtClean="0"/>
+              <a:t> a </a:t>
+            </a:r>
+            <a:r>
+              <a:rPr lang="sk-SK" dirty="0" err="1" smtClean="0"/>
+              <a:t>Fourierovej</a:t>
+            </a:r>
+            <a:r>
+              <a:rPr lang="sk-SK" dirty="0" smtClean="0"/>
+              <a:t> transformácie</a:t>
+            </a:r>
+            <a:endParaRPr lang="sk-SK" dirty="0"/>
+          </a:p>
+        </p:txBody>
+      </p:sp>
+      <p:sp>
+        <p:nvSpPr>
+          <p:cNvPr id="3" name="Zástupný symbol obsahu 2"/>
+          <p:cNvSpPr>
+            <a:spLocks noGrp="1"/>
+          </p:cNvSpPr>
+          <p:nvPr>
+            <p:ph idx="1"/>
+          </p:nvPr>
+        </p:nvSpPr>
+        <p:spPr/>
+        <p:txBody>
+          <a:bodyPr/>
+          <a:lstStyle/>
+          <a:p>
+            <a:endParaRPr lang="sk-SK" dirty="0"/>
+          </a:p>
+        </p:txBody>
+      </p:sp>
+    </p:spTree>
+    <p:extLst>
+      <p:ext uri="{BB962C8B-B14F-4D97-AF65-F5344CB8AC3E}">
+        <p14:creationId xmlns:p14="http://schemas.microsoft.com/office/powerpoint/2010/main" val="1465604134"/>
+      </p:ext>
+    </p:extLst>
+  </p:cSld>
+  <p:clrMapOvr>
+    <a:masterClrMapping/>
+  </p:clrMapOvr>
+</p:sld>
+</file>
+
+<file path=ppt/slides/slide2.xml><?xml version="1.0" encoding="utf-8"?>
+<p:sld xmlns:a="http://schemas.openxmlformats.org/drawingml/2006/main" xmlns:r="http://schemas.openxmlformats.org/officeDocument/2006/relationships" xmlns:p="http://schemas.openxmlformats.org/presentationml/2006/main">
+  <p:cSld>
+    <p:spTree>
+      <p:nvGrpSpPr>
+        <p:cNvPr id="1" name=""/>
+        <p:cNvGrpSpPr/>
+        <p:nvPr/>
+      </p:nvGrpSpPr>
+      <p:grpSpPr>
+        <a:xfrm>
+          <a:off x="0" y="0"/>
+          <a:ext cx="0" cy="0"/>
+          <a:chOff x="0" y="0"/>
+          <a:chExt cx="0" cy="0"/>
+        </a:xfrm>
+      </p:grpSpPr>
+      <p:sp>
+        <p:nvSpPr>
+          <p:cNvPr id="2" name="Nadpis 1"/>
+          <p:cNvSpPr>
+            <a:spLocks noGrp="1"/>
+          </p:cNvSpPr>
+          <p:nvPr>
+            <p:ph type="title"/>
+          </p:nvPr>
+        </p:nvSpPr>
+        <p:spPr/>
+        <p:txBody>
+          <a:bodyPr/>
+          <a:lstStyle/>
+          <a:p>
+            <a:r>
+              <a:rPr lang="sk-SK" dirty="0" smtClean="0"/>
+              <a:t>Kybernetika </a:t>
+            </a:r>
+            <a:endParaRPr lang="sk-SK" dirty="0"/>
+          </a:p>
+        </p:txBody>
+      </p:sp>
+      <p:sp>
+        <p:nvSpPr>
+          <p:cNvPr id="3" name="Zástupný symbol obsahu 2"/>
+          <p:cNvSpPr>
+            <a:spLocks noGrp="1"/>
+          </p:cNvSpPr>
+          <p:nvPr>
+            <p:ph idx="1"/>
+          </p:nvPr>
+        </p:nvSpPr>
+        <p:spPr/>
+        <p:txBody>
+          <a:bodyPr>
             <a:normAutofit/>
           </a:bodyPr>
           <a:lstStyle/>
           <a:p>
+            <a:pPr>
+              <a:buFont typeface="Arial" panose="020B0604020202020204" pitchFamily="34" charset="0"/>
+              <a:buChar char="•"/>
+            </a:pPr>
+            <a:r>
+              <a:rPr lang="sk-SK" sz="2400" i="1" dirty="0"/>
+              <a:t>z gréckeho slova „</a:t>
+            </a:r>
+            <a:r>
+              <a:rPr lang="sk-SK" sz="2400" i="1" dirty="0" err="1"/>
+              <a:t>kybernetes</a:t>
+            </a:r>
+            <a:r>
+              <a:rPr lang="sk-SK" sz="2400" i="1" dirty="0"/>
+              <a:t>“ čo znamená kormidelník</a:t>
+            </a:r>
+            <a:endParaRPr lang="sk-SK" sz="2400" i="1" dirty="0" smtClean="0"/>
+          </a:p>
+          <a:p>
+            <a:pPr>
+              <a:buFont typeface="Arial" panose="020B0604020202020204" pitchFamily="34" charset="0"/>
+              <a:buChar char="•"/>
+            </a:pPr>
+            <a:r>
+              <a:rPr lang="sk-SK" sz="2400" dirty="0"/>
+              <a:t>V</a:t>
+            </a:r>
+            <a:r>
+              <a:rPr lang="sk-SK" sz="2400" dirty="0" smtClean="0"/>
+              <a:t>eda </a:t>
+            </a:r>
+            <a:r>
+              <a:rPr lang="sk-SK" sz="2400" dirty="0"/>
+              <a:t>o riadení a komunikácii v dynamických </a:t>
+            </a:r>
+            <a:r>
+              <a:rPr lang="sk-SK" sz="2400" dirty="0" smtClean="0"/>
+              <a:t>systémoch.</a:t>
+            </a:r>
+          </a:p>
+          <a:p>
+            <a:pPr>
+              <a:buFont typeface="Arial" panose="020B0604020202020204" pitchFamily="34" charset="0"/>
+              <a:buChar char="•"/>
+            </a:pPr>
+            <a:r>
+              <a:rPr lang="sk-SK" sz="2400" dirty="0" smtClean="0"/>
+              <a:t> Skúma </a:t>
+            </a:r>
+            <a:r>
+              <a:rPr lang="sk-SK" sz="2400" dirty="0"/>
+              <a:t>spoločné zákonitosti na základe analógie medzi systémami rôznej fyzickej </a:t>
+            </a:r>
+            <a:r>
+              <a:rPr lang="sk-SK" sz="2400" dirty="0" smtClean="0"/>
+              <a:t>podstaty (fyzika - mechanika - elektrotechnika)</a:t>
+            </a:r>
+          </a:p>
+          <a:p>
+            <a:pPr>
+              <a:buFont typeface="Arial" panose="020B0604020202020204" pitchFamily="34" charset="0"/>
+              <a:buChar char="•"/>
+            </a:pPr>
+            <a:r>
+              <a:rPr lang="sk-SK" sz="2400" dirty="0" smtClean="0"/>
+              <a:t>Kybernetika - </a:t>
+            </a:r>
+            <a:r>
+              <a:rPr lang="sk-SK" sz="2400" dirty="0"/>
+              <a:t>veda </a:t>
+            </a:r>
+            <a:r>
+              <a:rPr lang="sk-SK" sz="2400" dirty="0" smtClean="0"/>
+              <a:t>o : </a:t>
+            </a:r>
+            <a:endParaRPr lang="sk-SK" sz="2400" dirty="0"/>
+          </a:p>
+          <a:p>
+            <a:pPr lvl="1"/>
+            <a:r>
+              <a:rPr lang="sk-SK" sz="2000" dirty="0" smtClean="0"/>
+              <a:t>- </a:t>
+            </a:r>
+            <a:r>
+              <a:rPr lang="sk-SK" sz="2000" dirty="0"/>
+              <a:t>modelovaní a riadení procesov</a:t>
+            </a:r>
+          </a:p>
+          <a:p>
+            <a:pPr lvl="1"/>
+            <a:r>
+              <a:rPr lang="sk-SK" sz="2000" dirty="0" smtClean="0"/>
+              <a:t>- </a:t>
+            </a:r>
+            <a:r>
+              <a:rPr lang="sk-SK" sz="2000" dirty="0"/>
+              <a:t>získavaní informácií a riadení</a:t>
+            </a:r>
+          </a:p>
+          <a:p>
+            <a:pPr lvl="1"/>
+            <a:r>
+              <a:rPr lang="sk-SK" sz="2000" dirty="0" smtClean="0"/>
+              <a:t>- </a:t>
+            </a:r>
+            <a:r>
+              <a:rPr lang="sk-SK" sz="2000" dirty="0"/>
+              <a:t>riadení a komunikácii v dynamických </a:t>
+            </a:r>
+            <a:r>
+              <a:rPr lang="sk-SK" sz="2000" dirty="0" smtClean="0"/>
+              <a:t>systémoch</a:t>
+            </a:r>
+            <a:endParaRPr lang="sk-SK" sz="2000" dirty="0"/>
+          </a:p>
+          <a:p>
+            <a:pPr>
+              <a:buFont typeface="Arial" panose="020B0604020202020204" pitchFamily="34" charset="0"/>
+              <a:buChar char="•"/>
+            </a:pPr>
+            <a:r>
+              <a:rPr lang="sk-SK" sz="2400" dirty="0" smtClean="0"/>
+              <a:t>Metódami </a:t>
+            </a:r>
+            <a:r>
+              <a:rPr lang="sk-SK" sz="2400" dirty="0"/>
+              <a:t>kybernetiky sú </a:t>
+            </a:r>
+            <a:r>
+              <a:rPr lang="sk-SK" sz="2400" u="sng" dirty="0"/>
+              <a:t>systémový prístup </a:t>
+            </a:r>
+            <a:r>
+              <a:rPr lang="sk-SK" sz="2400" dirty="0"/>
+              <a:t>a </a:t>
+            </a:r>
+            <a:r>
+              <a:rPr lang="sk-SK" sz="2400" u="sng" dirty="0"/>
+              <a:t>modelovanie</a:t>
+            </a:r>
+            <a:r>
+              <a:rPr lang="sk-SK" sz="2400" dirty="0"/>
+              <a:t> pri riešení problémov</a:t>
+            </a:r>
+            <a:r>
+              <a:rPr lang="sk-SK" sz="2400" dirty="0" smtClean="0"/>
+              <a:t>.</a:t>
+            </a:r>
+          </a:p>
+          <a:p>
+            <a:pPr>
+              <a:buFont typeface="Arial" panose="020B0604020202020204" pitchFamily="34" charset="0"/>
+              <a:buChar char="•"/>
+            </a:pPr>
+            <a:r>
+              <a:rPr lang="sk-SK" sz="2400" dirty="0" smtClean="0"/>
+              <a:t>Staršie označenie: Teória automatického riadenia</a:t>
+            </a:r>
+          </a:p>
+        </p:txBody>
+      </p:sp>
+    </p:spTree>
+    <p:extLst>
+      <p:ext uri="{BB962C8B-B14F-4D97-AF65-F5344CB8AC3E}">
+        <p14:creationId xmlns:p14="http://schemas.microsoft.com/office/powerpoint/2010/main" val="3762086123"/>
+      </p:ext>
+    </p:extLst>
+  </p:cSld>
+  <p:clrMapOvr>
+    <a:masterClrMapping/>
+  </p:clrMapOvr>
+  <p:timing>
+    <p:tnLst>
+      <p:par>
+        <p:cTn id="1" dur="indefinite" restart="never" nodeType="tmRoot"/>
+      </p:par>
+    </p:tnLst>
+  </p:timing>
+</p:sld>
+</file>
+
+<file path=ppt/slides/slide20.xml><?xml version="1.0" encoding="utf-8"?>
+<p:sld xmlns:a="http://schemas.openxmlformats.org/drawingml/2006/main" xmlns:r="http://schemas.openxmlformats.org/officeDocument/2006/relationships" xmlns:p="http://schemas.openxmlformats.org/presentationml/2006/main">
+  <p:cSld>
+    <p:spTree>
+      <p:nvGrpSpPr>
+        <p:cNvPr id="1" name=""/>
+        <p:cNvGrpSpPr/>
+        <p:nvPr/>
+      </p:nvGrpSpPr>
+      <p:grpSpPr>
+        <a:xfrm>
+          <a:off x="0" y="0"/>
+          <a:ext cx="0" cy="0"/>
+          <a:chOff x="0" y="0"/>
+          <a:chExt cx="0" cy="0"/>
+        </a:xfrm>
+      </p:grpSpPr>
+      <p:sp>
+        <p:nvSpPr>
+          <p:cNvPr id="2" name="Nadpis 1"/>
+          <p:cNvSpPr>
+            <a:spLocks noGrp="1"/>
+          </p:cNvSpPr>
+          <p:nvPr>
+            <p:ph type="title"/>
+          </p:nvPr>
+        </p:nvSpPr>
+        <p:spPr/>
+        <p:txBody>
+          <a:bodyPr>
+            <a:normAutofit/>
+          </a:bodyPr>
+          <a:lstStyle/>
+          <a:p>
             <a:r>
               <a:rPr lang="sk-SK" dirty="0" smtClean="0"/>
               <a:t>Opakovanie  - matematická analýza</a:t>
@@ -7483,8 +9345,8 @@
           </a:p>
         </p:txBody>
       </p:sp>
-      <mc:AlternateContent xmlns:mc="http://schemas.openxmlformats.org/markup-compatibility/2006">
-        <mc:Choice xmlns:a14="http://schemas.microsoft.com/office/drawing/2010/main" Requires="a14">
+      <mc:AlternateContent xmlns:mc="http://schemas.openxmlformats.org/markup-compatibility/2006" xmlns:a14="http://schemas.microsoft.com/office/drawing/2010/main">
+        <mc:Choice Requires="a14">
           <p:sp>
             <p:nvSpPr>
               <p:cNvPr id="3" name="Zástupný symbol obsahu 2"/>
@@ -8183,7 +10045,7 @@
             </p:txBody>
           </p:sp>
         </mc:Choice>
-        <mc:Fallback>
+        <mc:Fallback xmlns="">
           <p:sp>
             <p:nvSpPr>
               <p:cNvPr id="3" name="Zástupný symbol obsahu 2"/>
@@ -8221,655 +10083,6 @@
     <p:extLst>
       <p:ext uri="{BB962C8B-B14F-4D97-AF65-F5344CB8AC3E}">
         <p14:creationId xmlns:p14="http://schemas.microsoft.com/office/powerpoint/2010/main" val="1918540407"/>
-      </p:ext>
-    </p:extLst>
-  </p:cSld>
-  <p:clrMapOvr>
-    <a:masterClrMapping/>
-  </p:clrMapOvr>
-</p:sld>
-</file>
-
-<file path=ppt/slides/slide2.xml><?xml version="1.0" encoding="utf-8"?>
-<p:sld xmlns:a="http://schemas.openxmlformats.org/drawingml/2006/main" xmlns:r="http://schemas.openxmlformats.org/officeDocument/2006/relationships" xmlns:p="http://schemas.openxmlformats.org/presentationml/2006/main">
-  <p:cSld>
-    <p:spTree>
-      <p:nvGrpSpPr>
-        <p:cNvPr id="1" name=""/>
-        <p:cNvGrpSpPr/>
-        <p:nvPr/>
-      </p:nvGrpSpPr>
-      <p:grpSpPr>
-        <a:xfrm>
-          <a:off x="0" y="0"/>
-          <a:ext cx="0" cy="0"/>
-          <a:chOff x="0" y="0"/>
-          <a:chExt cx="0" cy="0"/>
-        </a:xfrm>
-      </p:grpSpPr>
-      <p:sp>
-        <p:nvSpPr>
-          <p:cNvPr id="2" name="Nadpis 1"/>
-          <p:cNvSpPr>
-            <a:spLocks noGrp="1"/>
-          </p:cNvSpPr>
-          <p:nvPr>
-            <p:ph type="title"/>
-          </p:nvPr>
-        </p:nvSpPr>
-        <p:spPr/>
-        <p:txBody>
-          <a:bodyPr/>
-          <a:lstStyle/>
-          <a:p>
-            <a:r>
-              <a:rPr lang="sk-SK" dirty="0" smtClean="0"/>
-              <a:t>Kybernetika </a:t>
-            </a:r>
-            <a:endParaRPr lang="sk-SK" dirty="0"/>
-          </a:p>
-        </p:txBody>
-      </p:sp>
-      <p:sp>
-        <p:nvSpPr>
-          <p:cNvPr id="3" name="Zástupný symbol obsahu 2"/>
-          <p:cNvSpPr>
-            <a:spLocks noGrp="1"/>
-          </p:cNvSpPr>
-          <p:nvPr>
-            <p:ph idx="1"/>
-          </p:nvPr>
-        </p:nvSpPr>
-        <p:spPr/>
-        <p:txBody>
-          <a:bodyPr>
-            <a:normAutofit/>
-          </a:bodyPr>
-          <a:lstStyle/>
-          <a:p>
-            <a:pPr>
-              <a:buFont typeface="Arial" panose="020B0604020202020204" pitchFamily="34" charset="0"/>
-              <a:buChar char="•"/>
-            </a:pPr>
-            <a:r>
-              <a:rPr lang="sk-SK" sz="2400" i="1" dirty="0"/>
-              <a:t>z gréckeho slova „</a:t>
-            </a:r>
-            <a:r>
-              <a:rPr lang="sk-SK" sz="2400" i="1" dirty="0" err="1"/>
-              <a:t>kybernetes</a:t>
-            </a:r>
-            <a:r>
-              <a:rPr lang="sk-SK" sz="2400" i="1" dirty="0"/>
-              <a:t>“ čo znamená kormidelník</a:t>
-            </a:r>
-            <a:endParaRPr lang="sk-SK" sz="2400" i="1" dirty="0" smtClean="0"/>
-          </a:p>
-          <a:p>
-            <a:pPr>
-              <a:buFont typeface="Arial" panose="020B0604020202020204" pitchFamily="34" charset="0"/>
-              <a:buChar char="•"/>
-            </a:pPr>
-            <a:r>
-              <a:rPr lang="sk-SK" sz="2400" dirty="0"/>
-              <a:t>V</a:t>
-            </a:r>
-            <a:r>
-              <a:rPr lang="sk-SK" sz="2400" dirty="0" smtClean="0"/>
-              <a:t>eda </a:t>
-            </a:r>
-            <a:r>
-              <a:rPr lang="sk-SK" sz="2400" dirty="0"/>
-              <a:t>o riadení a komunikácii v dynamických </a:t>
-            </a:r>
-            <a:r>
-              <a:rPr lang="sk-SK" sz="2400" dirty="0" smtClean="0"/>
-              <a:t>systémoch.</a:t>
-            </a:r>
-          </a:p>
-          <a:p>
-            <a:pPr>
-              <a:buFont typeface="Arial" panose="020B0604020202020204" pitchFamily="34" charset="0"/>
-              <a:buChar char="•"/>
-            </a:pPr>
-            <a:r>
-              <a:rPr lang="sk-SK" sz="2400" dirty="0" smtClean="0"/>
-              <a:t> Skúma </a:t>
-            </a:r>
-            <a:r>
-              <a:rPr lang="sk-SK" sz="2400" dirty="0"/>
-              <a:t>spoločné zákonitosti na základe analógie medzi systémami rôznej fyzickej </a:t>
-            </a:r>
-            <a:r>
-              <a:rPr lang="sk-SK" sz="2400" dirty="0" smtClean="0"/>
-              <a:t>podstaty (fyzika - mechanika - elektrotechnika)</a:t>
-            </a:r>
-          </a:p>
-          <a:p>
-            <a:pPr>
-              <a:buFont typeface="Arial" panose="020B0604020202020204" pitchFamily="34" charset="0"/>
-              <a:buChar char="•"/>
-            </a:pPr>
-            <a:r>
-              <a:rPr lang="sk-SK" sz="2400" dirty="0" smtClean="0"/>
-              <a:t>Kybernetika - </a:t>
-            </a:r>
-            <a:r>
-              <a:rPr lang="sk-SK" sz="2400" dirty="0"/>
-              <a:t>veda </a:t>
-            </a:r>
-            <a:r>
-              <a:rPr lang="sk-SK" sz="2400" dirty="0" smtClean="0"/>
-              <a:t>o : </a:t>
-            </a:r>
-            <a:endParaRPr lang="sk-SK" sz="2400" dirty="0"/>
-          </a:p>
-          <a:p>
-            <a:pPr lvl="1"/>
-            <a:r>
-              <a:rPr lang="sk-SK" sz="2000" dirty="0" smtClean="0"/>
-              <a:t>- </a:t>
-            </a:r>
-            <a:r>
-              <a:rPr lang="sk-SK" sz="2000" dirty="0"/>
-              <a:t>modelovaní a riadení procesov</a:t>
-            </a:r>
-          </a:p>
-          <a:p>
-            <a:pPr lvl="1"/>
-            <a:r>
-              <a:rPr lang="sk-SK" sz="2000" dirty="0" smtClean="0"/>
-              <a:t>- </a:t>
-            </a:r>
-            <a:r>
-              <a:rPr lang="sk-SK" sz="2000" dirty="0"/>
-              <a:t>získavaní informácií a riadení</a:t>
-            </a:r>
-          </a:p>
-          <a:p>
-            <a:pPr lvl="1"/>
-            <a:r>
-              <a:rPr lang="sk-SK" sz="2000" dirty="0" smtClean="0"/>
-              <a:t>- </a:t>
-            </a:r>
-            <a:r>
-              <a:rPr lang="sk-SK" sz="2000" dirty="0"/>
-              <a:t>riadení a komunikácii v dynamických </a:t>
-            </a:r>
-            <a:r>
-              <a:rPr lang="sk-SK" sz="2000" dirty="0" smtClean="0"/>
-              <a:t>systémoch</a:t>
-            </a:r>
-            <a:endParaRPr lang="sk-SK" sz="2000" dirty="0"/>
-          </a:p>
-          <a:p>
-            <a:pPr>
-              <a:buFont typeface="Arial" panose="020B0604020202020204" pitchFamily="34" charset="0"/>
-              <a:buChar char="•"/>
-            </a:pPr>
-            <a:r>
-              <a:rPr lang="sk-SK" sz="2400" dirty="0" smtClean="0"/>
-              <a:t>Metódami </a:t>
-            </a:r>
-            <a:r>
-              <a:rPr lang="sk-SK" sz="2400" dirty="0"/>
-              <a:t>kybernetiky sú </a:t>
-            </a:r>
-            <a:r>
-              <a:rPr lang="sk-SK" sz="2400" u="sng" dirty="0"/>
-              <a:t>systémový prístup </a:t>
-            </a:r>
-            <a:r>
-              <a:rPr lang="sk-SK" sz="2400" dirty="0"/>
-              <a:t>a </a:t>
-            </a:r>
-            <a:r>
-              <a:rPr lang="sk-SK" sz="2400" u="sng" dirty="0"/>
-              <a:t>modelovanie</a:t>
-            </a:r>
-            <a:r>
-              <a:rPr lang="sk-SK" sz="2400" dirty="0"/>
-              <a:t> pri riešení problémov</a:t>
-            </a:r>
-            <a:r>
-              <a:rPr lang="sk-SK" sz="2400" dirty="0" smtClean="0"/>
-              <a:t>.</a:t>
-            </a:r>
-          </a:p>
-          <a:p>
-            <a:pPr>
-              <a:buFont typeface="Arial" panose="020B0604020202020204" pitchFamily="34" charset="0"/>
-              <a:buChar char="•"/>
-            </a:pPr>
-            <a:r>
-              <a:rPr lang="sk-SK" sz="2400" dirty="0" smtClean="0"/>
-              <a:t>Staršie označenie: Teória automatického riadenia</a:t>
-            </a:r>
-          </a:p>
-        </p:txBody>
-      </p:sp>
-    </p:spTree>
-    <p:extLst>
-      <p:ext uri="{BB962C8B-B14F-4D97-AF65-F5344CB8AC3E}">
-        <p14:creationId xmlns:p14="http://schemas.microsoft.com/office/powerpoint/2010/main" val="3762086123"/>
-      </p:ext>
-    </p:extLst>
-  </p:cSld>
-  <p:clrMapOvr>
-    <a:masterClrMapping/>
-  </p:clrMapOvr>
-  <p:timing>
-    <p:tnLst>
-      <p:par>
-        <p:cTn id="1" dur="indefinite" restart="never" nodeType="tmRoot"/>
-      </p:par>
-    </p:tnLst>
-  </p:timing>
-</p:sld>
-</file>
-
-<file path=ppt/slides/slide20.xml><?xml version="1.0" encoding="utf-8"?>
-<p:sld xmlns:a="http://schemas.openxmlformats.org/drawingml/2006/main" xmlns:r="http://schemas.openxmlformats.org/officeDocument/2006/relationships" xmlns:p="http://schemas.openxmlformats.org/presentationml/2006/main">
-  <p:cSld>
-    <p:spTree>
-      <p:nvGrpSpPr>
-        <p:cNvPr id="1" name=""/>
-        <p:cNvGrpSpPr/>
-        <p:nvPr/>
-      </p:nvGrpSpPr>
-      <p:grpSpPr>
-        <a:xfrm>
-          <a:off x="0" y="0"/>
-          <a:ext cx="0" cy="0"/>
-          <a:chOff x="0" y="0"/>
-          <a:chExt cx="0" cy="0"/>
-        </a:xfrm>
-      </p:grpSpPr>
-      <p:sp>
-        <p:nvSpPr>
-          <p:cNvPr id="2" name="Nadpis 1"/>
-          <p:cNvSpPr>
-            <a:spLocks noGrp="1"/>
-          </p:cNvSpPr>
-          <p:nvPr>
-            <p:ph type="title"/>
-          </p:nvPr>
-        </p:nvSpPr>
-        <p:spPr/>
-        <p:txBody>
-          <a:bodyPr/>
-          <a:lstStyle/>
-          <a:p>
-            <a:r>
-              <a:rPr lang="sk-SK" dirty="0" smtClean="0"/>
-              <a:t>Posun v čase – dopravné oneskorenie</a:t>
-            </a:r>
-            <a:endParaRPr lang="sk-SK" dirty="0"/>
-          </a:p>
-        </p:txBody>
-      </p:sp>
-      <mc:AlternateContent xmlns:mc="http://schemas.openxmlformats.org/markup-compatibility/2006">
-        <mc:Choice xmlns:a14="http://schemas.microsoft.com/office/drawing/2010/main" Requires="a14">
-          <p:sp>
-            <p:nvSpPr>
-              <p:cNvPr id="3" name="Zástupný symbol obsahu 2"/>
-              <p:cNvSpPr>
-                <a:spLocks noGrp="1"/>
-              </p:cNvSpPr>
-              <p:nvPr>
-                <p:ph idx="1"/>
-              </p:nvPr>
-            </p:nvSpPr>
-            <p:spPr>
-              <a:xfrm>
-                <a:off x="393699" y="1040446"/>
-                <a:ext cx="8569069" cy="5817554"/>
-              </a:xfrm>
-            </p:spPr>
-            <p:txBody>
-              <a:bodyPr/>
-              <a:lstStyle/>
-              <a:p>
-                <a:pPr>
-                  <a:buFont typeface="Arial" panose="020B0604020202020204" pitchFamily="34" charset="0"/>
-                  <a:buChar char="•"/>
-                </a:pPr>
-                <a:r>
-                  <a:rPr lang="sk-SK" dirty="0" smtClean="0"/>
-                  <a:t>Predpokladajme</a:t>
-                </a:r>
-                <a:r>
-                  <a:rPr lang="sk-SK" dirty="0" smtClean="0"/>
-                  <a:t>, že máme </a:t>
-                </a:r>
-                <a:r>
-                  <a:rPr lang="sk-SK" dirty="0" err="1" smtClean="0"/>
-                  <a:t>máme</a:t>
-                </a:r>
-                <a:r>
-                  <a:rPr lang="sk-SK" dirty="0" smtClean="0"/>
-                  <a:t> spojitý signál v čase </a:t>
-                </a:r>
-                <a14:m>
-                  <m:oMath xmlns:m="http://schemas.openxmlformats.org/officeDocument/2006/math">
-                    <m:r>
-                      <a:rPr lang="sk-SK" b="0" i="1" smtClean="0">
-                        <a:latin typeface="Cambria Math" panose="02040503050406030204" pitchFamily="18" charset="0"/>
-                      </a:rPr>
-                      <m:t>𝑓</m:t>
-                    </m:r>
-                    <m:d>
-                      <m:dPr>
-                        <m:ctrlPr>
-                          <a:rPr lang="sk-SK" b="0" i="1" smtClean="0">
-                            <a:latin typeface="Cambria Math" panose="02040503050406030204" pitchFamily="18" charset="0"/>
-                          </a:rPr>
-                        </m:ctrlPr>
-                      </m:dPr>
-                      <m:e>
-                        <m:r>
-                          <a:rPr lang="sk-SK" b="0" i="1" smtClean="0">
-                            <a:latin typeface="Cambria Math" panose="02040503050406030204" pitchFamily="18" charset="0"/>
-                          </a:rPr>
-                          <m:t>𝑡</m:t>
-                        </m:r>
-                      </m:e>
-                    </m:d>
-                  </m:oMath>
-                </a14:m>
-                <a:r>
-                  <a:rPr lang="sk-SK" dirty="0" smtClean="0"/>
-                  <a:t> a poznáme jeho </a:t>
-                </a:r>
-                <a:r>
-                  <a:rPr lang="sk-SK" dirty="0" err="1" smtClean="0"/>
-                  <a:t>Laplaceov</a:t>
-                </a:r>
-                <a:r>
-                  <a:rPr lang="sk-SK" dirty="0" smtClean="0"/>
-                  <a:t> obraz </a:t>
-                </a:r>
-                <a14:m>
-                  <m:oMath xmlns:m="http://schemas.openxmlformats.org/officeDocument/2006/math">
-                    <m:r>
-                      <a:rPr lang="sk-SK" b="0" i="1" smtClean="0">
-                        <a:latin typeface="Cambria Math" panose="02040503050406030204" pitchFamily="18" charset="0"/>
-                      </a:rPr>
-                      <m:t>𝐹</m:t>
-                    </m:r>
-                    <m:d>
-                      <m:dPr>
-                        <m:ctrlPr>
-                          <a:rPr lang="sk-SK" b="0" i="1" smtClean="0">
-                            <a:latin typeface="Cambria Math" panose="02040503050406030204" pitchFamily="18" charset="0"/>
-                          </a:rPr>
-                        </m:ctrlPr>
-                      </m:dPr>
-                      <m:e>
-                        <m:r>
-                          <a:rPr lang="sk-SK" b="0" i="1" smtClean="0">
-                            <a:latin typeface="Cambria Math" panose="02040503050406030204" pitchFamily="18" charset="0"/>
-                          </a:rPr>
-                          <m:t>𝑠</m:t>
-                        </m:r>
-                      </m:e>
-                    </m:d>
-                  </m:oMath>
-                </a14:m>
-                <a:endParaRPr lang="sk-SK" b="0" dirty="0" smtClean="0"/>
-              </a:p>
-              <a:p>
-                <a:pPr>
-                  <a:buFont typeface="Arial" panose="020B0604020202020204" pitchFamily="34" charset="0"/>
-                  <a:buChar char="•"/>
-                </a:pPr>
-                <a:r>
-                  <a:rPr lang="sk-SK" dirty="0" smtClean="0"/>
-                  <a:t>Tento signál je z určitých dôvodov oneskorený – posunutý v čase</a:t>
-                </a:r>
-              </a:p>
-              <a:p>
-                <a:pPr>
-                  <a:buFont typeface="Arial" panose="020B0604020202020204" pitchFamily="34" charset="0"/>
-                  <a:buChar char="•"/>
-                </a:pPr>
-                <a:r>
-                  <a:rPr lang="sk-SK" dirty="0" smtClean="0"/>
-                  <a:t>V kybernetike sa nazýva dopravné oneskorenie</a:t>
-                </a:r>
-              </a:p>
-              <a:p>
-                <a:pPr lvl="1"/>
-                <a:r>
-                  <a:rPr lang="sk-SK" dirty="0" smtClean="0"/>
-                  <a:t>Bežný jav v reálnych systémoch</a:t>
-                </a:r>
-              </a:p>
-              <a:p>
-                <a:pPr lvl="1"/>
-                <a:r>
-                  <a:rPr lang="sk-SK" dirty="0" smtClean="0"/>
-                  <a:t>Napríklad </a:t>
-                </a:r>
-                <a:r>
-                  <a:rPr lang="sk-SK" dirty="0"/>
-                  <a:t>o</a:t>
-                </a:r>
-                <a:r>
-                  <a:rPr lang="sk-SK" dirty="0" smtClean="0"/>
-                  <a:t>neskorenie v prenose informácie od snímačov, oneskorenie prítoku látky potrubím</a:t>
-                </a:r>
-              </a:p>
-              <a:p>
-                <a:pPr lvl="1"/>
-                <a:r>
-                  <a:rPr lang="sk-SK" dirty="0" smtClean="0"/>
-                  <a:t>Spôsobuje komplikácie pri riadení</a:t>
-                </a:r>
-              </a:p>
-              <a:p>
-                <a:pPr>
-                  <a:buFont typeface="Arial" panose="020B0604020202020204" pitchFamily="34" charset="0"/>
-                  <a:buChar char="•"/>
-                </a:pPr>
-                <a:r>
-                  <a:rPr lang="sk-SK" dirty="0" smtClean="0"/>
-                  <a:t>Aký má takto oneskorený signál </a:t>
-                </a:r>
-                <a:r>
-                  <a:rPr lang="sk-SK" dirty="0" err="1" smtClean="0"/>
-                  <a:t>Laplaceov</a:t>
-                </a:r>
-                <a:r>
-                  <a:rPr lang="sk-SK" dirty="0" smtClean="0"/>
-                  <a:t> obraz ?</a:t>
-                </a:r>
-              </a:p>
-              <a:p>
-                <a:pPr>
-                  <a:buFont typeface="Arial" panose="020B0604020202020204" pitchFamily="34" charset="0"/>
-                  <a:buChar char="•"/>
-                </a:pPr>
-                <a:endParaRPr lang="sk-SK" dirty="0" smtClean="0"/>
-              </a:p>
-              <a:p>
-                <a:pPr marL="0" indent="0">
-                  <a:buNone/>
-                </a:pPr>
-                <a14:m>
-                  <m:oMathPara xmlns:m="http://schemas.openxmlformats.org/officeDocument/2006/math">
-                    <m:oMathParaPr>
-                      <m:jc m:val="centerGroup"/>
-                    </m:oMathParaPr>
-                    <m:oMath xmlns:m="http://schemas.openxmlformats.org/officeDocument/2006/math">
-                      <m:r>
-                        <a:rPr lang="sk-SK" b="0" i="1" smtClean="0">
-                          <a:latin typeface="Cambria Math" panose="02040503050406030204" pitchFamily="18" charset="0"/>
-                        </a:rPr>
-                        <m:t>𝐺</m:t>
-                      </m:r>
-                      <m:d>
-                        <m:dPr>
-                          <m:ctrlPr>
-                            <a:rPr lang="sk-SK" i="1">
-                              <a:latin typeface="Cambria Math" panose="02040503050406030204" pitchFamily="18" charset="0"/>
-                            </a:rPr>
-                          </m:ctrlPr>
-                        </m:dPr>
-                        <m:e>
-                          <m:r>
-                            <a:rPr lang="en-GB" i="1">
-                              <a:latin typeface="Cambria Math" panose="02040503050406030204" pitchFamily="18" charset="0"/>
-                            </a:rPr>
-                            <m:t>𝑠</m:t>
-                          </m:r>
-                        </m:e>
-                      </m:d>
-                      <m:r>
-                        <a:rPr lang="en-GB" i="1">
-                          <a:latin typeface="Cambria Math" panose="02040503050406030204" pitchFamily="18" charset="0"/>
-                        </a:rPr>
-                        <m:t>= </m:t>
-                      </m:r>
-                      <m:nary>
-                        <m:naryPr>
-                          <m:limLoc m:val="subSup"/>
-                          <m:ctrlPr>
-                            <a:rPr lang="sk-SK" i="1">
-                              <a:latin typeface="Cambria Math" panose="02040503050406030204" pitchFamily="18" charset="0"/>
-                            </a:rPr>
-                          </m:ctrlPr>
-                        </m:naryPr>
-                        <m:sub>
-                          <m:r>
-                            <a:rPr lang="sk-SK" b="0" i="1" smtClean="0">
-                              <a:latin typeface="Cambria Math" panose="02040503050406030204" pitchFamily="18" charset="0"/>
-                            </a:rPr>
-                            <m:t>𝐷</m:t>
-                          </m:r>
-                        </m:sub>
-                        <m:sup>
-                          <m:r>
-                            <a:rPr lang="en-GB" i="1">
-                              <a:latin typeface="Cambria Math" panose="02040503050406030204" pitchFamily="18" charset="0"/>
-                            </a:rPr>
-                            <m:t>∞</m:t>
-                          </m:r>
-                        </m:sup>
-                        <m:e>
-                          <m:sSup>
-                            <m:sSupPr>
-                              <m:ctrlPr>
-                                <a:rPr lang="sk-SK" i="1">
-                                  <a:latin typeface="Cambria Math" panose="02040503050406030204" pitchFamily="18" charset="0"/>
-                                </a:rPr>
-                              </m:ctrlPr>
-                            </m:sSupPr>
-                            <m:e>
-                              <m:r>
-                                <a:rPr lang="en-GB" i="1">
-                                  <a:latin typeface="Cambria Math" panose="02040503050406030204" pitchFamily="18" charset="0"/>
-                                </a:rPr>
-                                <m:t>𝑒</m:t>
-                              </m:r>
-                            </m:e>
-                            <m:sup>
-                              <m:r>
-                                <a:rPr lang="en-GB" i="1">
-                                  <a:latin typeface="Cambria Math" panose="02040503050406030204" pitchFamily="18" charset="0"/>
-                                </a:rPr>
-                                <m:t>−</m:t>
-                              </m:r>
-                              <m:r>
-                                <a:rPr lang="en-GB" i="1">
-                                  <a:latin typeface="Cambria Math" panose="02040503050406030204" pitchFamily="18" charset="0"/>
-                                </a:rPr>
-                                <m:t>𝑠𝑡</m:t>
-                              </m:r>
-                            </m:sup>
-                          </m:sSup>
-                          <m:r>
-                            <a:rPr lang="en-GB" i="1">
-                              <a:latin typeface="Cambria Math" panose="02040503050406030204" pitchFamily="18" charset="0"/>
-                            </a:rPr>
-                            <m:t>𝑓</m:t>
-                          </m:r>
-                          <m:r>
-                            <a:rPr lang="en-GB" i="1">
-                              <a:latin typeface="Cambria Math" panose="02040503050406030204" pitchFamily="18" charset="0"/>
-                            </a:rPr>
-                            <m:t>(</m:t>
-                          </m:r>
-                          <m:r>
-                            <a:rPr lang="en-GB" i="1">
-                              <a:latin typeface="Cambria Math" panose="02040503050406030204" pitchFamily="18" charset="0"/>
-                            </a:rPr>
-                            <m:t>𝑡</m:t>
-                          </m:r>
-                          <m:r>
-                            <a:rPr lang="en-GB" i="1">
-                              <a:latin typeface="Cambria Math" panose="02040503050406030204" pitchFamily="18" charset="0"/>
-                            </a:rPr>
-                            <m:t>)</m:t>
-                          </m:r>
-                          <m:r>
-                            <a:rPr lang="en-GB" i="1">
-                              <a:latin typeface="Cambria Math" panose="02040503050406030204" pitchFamily="18" charset="0"/>
-                            </a:rPr>
-                            <m:t>𝑑𝑡</m:t>
-                          </m:r>
-                        </m:e>
-                      </m:nary>
-                    </m:oMath>
-                  </m:oMathPara>
-                </a14:m>
-                <a:endParaRPr lang="sk-SK" dirty="0"/>
-              </a:p>
-            </p:txBody>
-          </p:sp>
-        </mc:Choice>
-        <mc:Fallback>
-          <p:sp>
-            <p:nvSpPr>
-              <p:cNvPr id="3" name="Zástupný symbol obsahu 2"/>
-              <p:cNvSpPr>
-                <a:spLocks noGrp="1" noRot="1" noChangeAspect="1" noMove="1" noResize="1" noEditPoints="1" noAdjustHandles="1" noChangeArrowheads="1" noChangeShapeType="1" noTextEdit="1"/>
-              </p:cNvSpPr>
-              <p:nvPr>
-                <p:ph idx="1"/>
-              </p:nvPr>
-            </p:nvSpPr>
-            <p:spPr>
-              <a:xfrm>
-                <a:off x="393699" y="1040446"/>
-                <a:ext cx="8569069" cy="5817554"/>
-              </a:xfrm>
-              <a:blipFill rotWithShape="0">
-                <a:blip r:embed="rId2"/>
-                <a:stretch>
-                  <a:fillRect l="-1708" t="-1153"/>
-                </a:stretch>
-              </a:blipFill>
-            </p:spPr>
-            <p:txBody>
-              <a:bodyPr/>
-              <a:lstStyle/>
-              <a:p>
-                <a:r>
-                  <a:rPr lang="sk-SK">
-                    <a:noFill/>
-                  </a:rPr>
-                  <a:t> </a:t>
-                </a:r>
-              </a:p>
-            </p:txBody>
-          </p:sp>
-        </mc:Fallback>
-      </mc:AlternateContent>
-    </p:spTree>
-    <p:extLst>
-      <p:ext uri="{BB962C8B-B14F-4D97-AF65-F5344CB8AC3E}">
-        <p14:creationId xmlns:p14="http://schemas.microsoft.com/office/powerpoint/2010/main" val="1611795971"/>
       </p:ext>
     </p:extLst>
   </p:cSld>
@@ -8912,6 +10125,413 @@
           <a:lstStyle/>
           <a:p>
             <a:r>
+              <a:rPr lang="sk-SK" dirty="0" smtClean="0"/>
+              <a:t>Posun v čase – dopravné oneskorenie</a:t>
+            </a:r>
+            <a:endParaRPr lang="sk-SK" dirty="0"/>
+          </a:p>
+        </p:txBody>
+      </p:sp>
+      <mc:AlternateContent xmlns:mc="http://schemas.openxmlformats.org/markup-compatibility/2006" xmlns:a14="http://schemas.microsoft.com/office/drawing/2010/main">
+        <mc:Choice Requires="a14">
+          <p:sp>
+            <p:nvSpPr>
+              <p:cNvPr id="3" name="Zástupný symbol obsahu 2"/>
+              <p:cNvSpPr>
+                <a:spLocks noGrp="1"/>
+              </p:cNvSpPr>
+              <p:nvPr>
+                <p:ph idx="1"/>
+              </p:nvPr>
+            </p:nvSpPr>
+            <p:spPr>
+              <a:xfrm>
+                <a:off x="393699" y="1040446"/>
+                <a:ext cx="8569069" cy="5817554"/>
+              </a:xfrm>
+            </p:spPr>
+            <p:txBody>
+              <a:bodyPr/>
+              <a:lstStyle/>
+              <a:p>
+                <a:pPr>
+                  <a:buFont typeface="Arial" panose="020B0604020202020204" pitchFamily="34" charset="0"/>
+                  <a:buChar char="•"/>
+                </a:pPr>
+                <a:r>
+                  <a:rPr lang="sk-SK" dirty="0" smtClean="0"/>
+                  <a:t>Predpokladajme, že máme </a:t>
+                </a:r>
+                <a:r>
+                  <a:rPr lang="sk-SK" dirty="0" err="1" smtClean="0"/>
+                  <a:t>máme</a:t>
+                </a:r>
+                <a:r>
+                  <a:rPr lang="sk-SK" dirty="0" smtClean="0"/>
+                  <a:t> spojitý signál v čase </a:t>
+                </a:r>
+                <a14:m>
+                  <m:oMath xmlns:m="http://schemas.openxmlformats.org/officeDocument/2006/math">
+                    <m:r>
+                      <a:rPr lang="sk-SK" b="0" i="1" smtClean="0">
+                        <a:latin typeface="Cambria Math" panose="02040503050406030204" pitchFamily="18" charset="0"/>
+                      </a:rPr>
+                      <m:t>𝑓</m:t>
+                    </m:r>
+                    <m:d>
+                      <m:dPr>
+                        <m:ctrlPr>
+                          <a:rPr lang="sk-SK" b="0" i="1" smtClean="0">
+                            <a:latin typeface="Cambria Math" panose="02040503050406030204" pitchFamily="18" charset="0"/>
+                          </a:rPr>
+                        </m:ctrlPr>
+                      </m:dPr>
+                      <m:e>
+                        <m:r>
+                          <a:rPr lang="sk-SK" b="0" i="1" smtClean="0">
+                            <a:latin typeface="Cambria Math" panose="02040503050406030204" pitchFamily="18" charset="0"/>
+                          </a:rPr>
+                          <m:t>𝑡</m:t>
+                        </m:r>
+                      </m:e>
+                    </m:d>
+                  </m:oMath>
+                </a14:m>
+                <a:r>
+                  <a:rPr lang="sk-SK" dirty="0" smtClean="0"/>
+                  <a:t> a poznáme jeho </a:t>
+                </a:r>
+                <a:r>
+                  <a:rPr lang="sk-SK" dirty="0" err="1" smtClean="0"/>
+                  <a:t>Laplaceov</a:t>
+                </a:r>
+                <a:r>
+                  <a:rPr lang="sk-SK" dirty="0" smtClean="0"/>
+                  <a:t> obraz </a:t>
+                </a:r>
+                <a14:m>
+                  <m:oMath xmlns:m="http://schemas.openxmlformats.org/officeDocument/2006/math">
+                    <m:r>
+                      <a:rPr lang="sk-SK" b="0" i="1" smtClean="0">
+                        <a:latin typeface="Cambria Math" panose="02040503050406030204" pitchFamily="18" charset="0"/>
+                      </a:rPr>
+                      <m:t>𝐹</m:t>
+                    </m:r>
+                    <m:d>
+                      <m:dPr>
+                        <m:ctrlPr>
+                          <a:rPr lang="sk-SK" b="0" i="1" smtClean="0">
+                            <a:latin typeface="Cambria Math" panose="02040503050406030204" pitchFamily="18" charset="0"/>
+                          </a:rPr>
+                        </m:ctrlPr>
+                      </m:dPr>
+                      <m:e>
+                        <m:r>
+                          <a:rPr lang="sk-SK" b="0" i="1" smtClean="0">
+                            <a:latin typeface="Cambria Math" panose="02040503050406030204" pitchFamily="18" charset="0"/>
+                          </a:rPr>
+                          <m:t>𝑠</m:t>
+                        </m:r>
+                      </m:e>
+                    </m:d>
+                  </m:oMath>
+                </a14:m>
+                <a:endParaRPr lang="sk-SK" b="0" dirty="0" smtClean="0"/>
+              </a:p>
+              <a:p>
+                <a:pPr>
+                  <a:buFont typeface="Arial" panose="020B0604020202020204" pitchFamily="34" charset="0"/>
+                  <a:buChar char="•"/>
+                </a:pPr>
+                <a:r>
+                  <a:rPr lang="sk-SK" dirty="0" smtClean="0"/>
+                  <a:t>Tento signál je z určitých dôvodov oneskorený – posunutý v čase</a:t>
+                </a:r>
+              </a:p>
+              <a:p>
+                <a:pPr>
+                  <a:buFont typeface="Arial" panose="020B0604020202020204" pitchFamily="34" charset="0"/>
+                  <a:buChar char="•"/>
+                </a:pPr>
+                <a:r>
+                  <a:rPr lang="sk-SK" dirty="0" smtClean="0"/>
+                  <a:t>V kybernetike sa nazýva dopravné oneskorenie</a:t>
+                </a:r>
+              </a:p>
+              <a:p>
+                <a:pPr lvl="1"/>
+                <a:r>
+                  <a:rPr lang="sk-SK" dirty="0" smtClean="0"/>
+                  <a:t>Bežný jav v reálnych systémoch</a:t>
+                </a:r>
+              </a:p>
+              <a:p>
+                <a:pPr lvl="1"/>
+                <a:r>
+                  <a:rPr lang="sk-SK" dirty="0" smtClean="0"/>
+                  <a:t>Napríklad </a:t>
+                </a:r>
+                <a:r>
+                  <a:rPr lang="sk-SK" dirty="0"/>
+                  <a:t>o</a:t>
+                </a:r>
+                <a:r>
+                  <a:rPr lang="sk-SK" dirty="0" smtClean="0"/>
+                  <a:t>neskorenie v prenose informácie od snímačov, oneskorenie prítoku látky potrubím</a:t>
+                </a:r>
+              </a:p>
+              <a:p>
+                <a:pPr lvl="1"/>
+                <a:r>
+                  <a:rPr lang="sk-SK" dirty="0" smtClean="0"/>
+                  <a:t>Spôsobuje komplikácie pri riadení</a:t>
+                </a:r>
+              </a:p>
+              <a:p>
+                <a:pPr>
+                  <a:buFont typeface="Arial" panose="020B0604020202020204" pitchFamily="34" charset="0"/>
+                  <a:buChar char="•"/>
+                </a:pPr>
+                <a:r>
+                  <a:rPr lang="sk-SK" dirty="0" smtClean="0"/>
+                  <a:t>Aký má takto oneskorený signál </a:t>
+                </a:r>
+                <a:r>
+                  <a:rPr lang="sk-SK" dirty="0" err="1" smtClean="0"/>
+                  <a:t>Laplaceov</a:t>
+                </a:r>
+                <a:r>
+                  <a:rPr lang="sk-SK" dirty="0" smtClean="0"/>
+                  <a:t> obraz ?</a:t>
+                </a:r>
+              </a:p>
+              <a:p>
+                <a:pPr>
+                  <a:buFont typeface="Arial" panose="020B0604020202020204" pitchFamily="34" charset="0"/>
+                  <a:buChar char="•"/>
+                </a:pPr>
+                <a:endParaRPr lang="sk-SK" dirty="0" smtClean="0"/>
+              </a:p>
+              <a:p>
+                <a:pPr marL="0" indent="0">
+                  <a:buNone/>
+                </a:pPr>
+                <a14:m>
+                  <m:oMathPara xmlns:m="http://schemas.openxmlformats.org/officeDocument/2006/math">
+                    <m:oMathParaPr>
+                      <m:jc m:val="centerGroup"/>
+                    </m:oMathParaPr>
+                    <m:oMath xmlns:m="http://schemas.openxmlformats.org/officeDocument/2006/math">
+                      <m:r>
+                        <a:rPr lang="sk-SK" b="0" i="1" smtClean="0">
+                          <a:latin typeface="Cambria Math" panose="02040503050406030204" pitchFamily="18" charset="0"/>
+                        </a:rPr>
+                        <m:t>𝐺</m:t>
+                      </m:r>
+                      <m:d>
+                        <m:dPr>
+                          <m:ctrlPr>
+                            <a:rPr lang="sk-SK" i="1">
+                              <a:latin typeface="Cambria Math" panose="02040503050406030204" pitchFamily="18" charset="0"/>
+                            </a:rPr>
+                          </m:ctrlPr>
+                        </m:dPr>
+                        <m:e>
+                          <m:r>
+                            <a:rPr lang="en-GB" i="1">
+                              <a:latin typeface="Cambria Math" panose="02040503050406030204" pitchFamily="18" charset="0"/>
+                            </a:rPr>
+                            <m:t>𝑠</m:t>
+                          </m:r>
+                        </m:e>
+                      </m:d>
+                      <m:r>
+                        <a:rPr lang="en-GB" i="1">
+                          <a:latin typeface="Cambria Math" panose="02040503050406030204" pitchFamily="18" charset="0"/>
+                        </a:rPr>
+                        <m:t>= </m:t>
+                      </m:r>
+                      <m:nary>
+                        <m:naryPr>
+                          <m:limLoc m:val="subSup"/>
+                          <m:ctrlPr>
+                            <a:rPr lang="sk-SK" i="1">
+                              <a:latin typeface="Cambria Math" panose="02040503050406030204" pitchFamily="18" charset="0"/>
+                            </a:rPr>
+                          </m:ctrlPr>
+                        </m:naryPr>
+                        <m:sub>
+                          <m:r>
+                            <a:rPr lang="sk-SK" b="0" i="1" smtClean="0">
+                              <a:latin typeface="Cambria Math" panose="02040503050406030204" pitchFamily="18" charset="0"/>
+                            </a:rPr>
+                            <m:t>𝐷</m:t>
+                          </m:r>
+                        </m:sub>
+                        <m:sup>
+                          <m:r>
+                            <a:rPr lang="en-GB" i="1">
+                              <a:latin typeface="Cambria Math" panose="02040503050406030204" pitchFamily="18" charset="0"/>
+                            </a:rPr>
+                            <m:t>∞</m:t>
+                          </m:r>
+                        </m:sup>
+                        <m:e>
+                          <m:sSup>
+                            <m:sSupPr>
+                              <m:ctrlPr>
+                                <a:rPr lang="sk-SK" i="1">
+                                  <a:latin typeface="Cambria Math" panose="02040503050406030204" pitchFamily="18" charset="0"/>
+                                </a:rPr>
+                              </m:ctrlPr>
+                            </m:sSupPr>
+                            <m:e>
+                              <m:r>
+                                <a:rPr lang="en-GB" i="1">
+                                  <a:latin typeface="Cambria Math" panose="02040503050406030204" pitchFamily="18" charset="0"/>
+                                </a:rPr>
+                                <m:t>𝑒</m:t>
+                              </m:r>
+                            </m:e>
+                            <m:sup>
+                              <m:r>
+                                <a:rPr lang="en-GB" i="1">
+                                  <a:latin typeface="Cambria Math" panose="02040503050406030204" pitchFamily="18" charset="0"/>
+                                </a:rPr>
+                                <m:t>−</m:t>
+                              </m:r>
+                              <m:r>
+                                <a:rPr lang="en-GB" i="1">
+                                  <a:latin typeface="Cambria Math" panose="02040503050406030204" pitchFamily="18" charset="0"/>
+                                </a:rPr>
+                                <m:t>𝑠𝑡</m:t>
+                              </m:r>
+                            </m:sup>
+                          </m:sSup>
+                          <m:r>
+                            <a:rPr lang="en-GB" i="1">
+                              <a:latin typeface="Cambria Math" panose="02040503050406030204" pitchFamily="18" charset="0"/>
+                            </a:rPr>
+                            <m:t>𝑓</m:t>
+                          </m:r>
+                          <m:r>
+                            <a:rPr lang="en-GB" i="1">
+                              <a:latin typeface="Cambria Math" panose="02040503050406030204" pitchFamily="18" charset="0"/>
+                            </a:rPr>
+                            <m:t>(</m:t>
+                          </m:r>
+                          <m:r>
+                            <a:rPr lang="en-GB" i="1">
+                              <a:latin typeface="Cambria Math" panose="02040503050406030204" pitchFamily="18" charset="0"/>
+                            </a:rPr>
+                            <m:t>𝑡</m:t>
+                          </m:r>
+                          <m:r>
+                            <a:rPr lang="en-GB" i="1">
+                              <a:latin typeface="Cambria Math" panose="02040503050406030204" pitchFamily="18" charset="0"/>
+                            </a:rPr>
+                            <m:t>)</m:t>
+                          </m:r>
+                          <m:r>
+                            <a:rPr lang="en-GB" i="1">
+                              <a:latin typeface="Cambria Math" panose="02040503050406030204" pitchFamily="18" charset="0"/>
+                            </a:rPr>
+                            <m:t>𝑑𝑡</m:t>
+                          </m:r>
+                        </m:e>
+                      </m:nary>
+                    </m:oMath>
+                  </m:oMathPara>
+                </a14:m>
+                <a:endParaRPr lang="sk-SK" dirty="0"/>
+              </a:p>
+            </p:txBody>
+          </p:sp>
+        </mc:Choice>
+        <mc:Fallback xmlns="">
+          <p:sp>
+            <p:nvSpPr>
+              <p:cNvPr id="3" name="Zástupný symbol obsahu 2"/>
+              <p:cNvSpPr>
+                <a:spLocks noGrp="1" noRot="1" noChangeAspect="1" noMove="1" noResize="1" noEditPoints="1" noAdjustHandles="1" noChangeArrowheads="1" noChangeShapeType="1" noTextEdit="1"/>
+              </p:cNvSpPr>
+              <p:nvPr>
+                <p:ph idx="1"/>
+              </p:nvPr>
+            </p:nvSpPr>
+            <p:spPr>
+              <a:xfrm>
+                <a:off x="393699" y="1040446"/>
+                <a:ext cx="8569069" cy="5817554"/>
+              </a:xfrm>
+              <a:blipFill rotWithShape="0">
+                <a:blip r:embed="rId2"/>
+                <a:stretch>
+                  <a:fillRect l="-1708" t="-1153"/>
+                </a:stretch>
+              </a:blipFill>
+            </p:spPr>
+            <p:txBody>
+              <a:bodyPr/>
+              <a:lstStyle/>
+              <a:p>
+                <a:r>
+                  <a:rPr lang="sk-SK">
+                    <a:noFill/>
+                  </a:rPr>
+                  <a:t> </a:t>
+                </a:r>
+              </a:p>
+            </p:txBody>
+          </p:sp>
+        </mc:Fallback>
+      </mc:AlternateContent>
+    </p:spTree>
+    <p:extLst>
+      <p:ext uri="{BB962C8B-B14F-4D97-AF65-F5344CB8AC3E}">
+        <p14:creationId xmlns:p14="http://schemas.microsoft.com/office/powerpoint/2010/main" val="1611795971"/>
+      </p:ext>
+    </p:extLst>
+  </p:cSld>
+  <p:clrMapOvr>
+    <a:masterClrMapping/>
+  </p:clrMapOvr>
+</p:sld>
+</file>
+
+<file path=ppt/slides/slide22.xml><?xml version="1.0" encoding="utf-8"?>
+<p:sld xmlns:a="http://schemas.openxmlformats.org/drawingml/2006/main" xmlns:r="http://schemas.openxmlformats.org/officeDocument/2006/relationships" xmlns:p="http://schemas.openxmlformats.org/presentationml/2006/main">
+  <p:cSld>
+    <p:spTree>
+      <p:nvGrpSpPr>
+        <p:cNvPr id="1" name=""/>
+        <p:cNvGrpSpPr/>
+        <p:nvPr/>
+      </p:nvGrpSpPr>
+      <p:grpSpPr>
+        <a:xfrm>
+          <a:off x="0" y="0"/>
+          <a:ext cx="0" cy="0"/>
+          <a:chOff x="0" y="0"/>
+          <a:chExt cx="0" cy="0"/>
+        </a:xfrm>
+      </p:grpSpPr>
+      <p:sp>
+        <p:nvSpPr>
+          <p:cNvPr id="2" name="Nadpis 1"/>
+          <p:cNvSpPr>
+            <a:spLocks noGrp="1"/>
+          </p:cNvSpPr>
+          <p:nvPr>
+            <p:ph type="title"/>
+          </p:nvPr>
+        </p:nvSpPr>
+        <p:spPr/>
+        <p:txBody>
+          <a:bodyPr/>
+          <a:lstStyle/>
+          <a:p>
+            <a:r>
               <a:rPr lang="en-US" dirty="0" err="1" smtClean="0"/>
               <a:t>Jednotkov</a:t>
             </a:r>
@@ -8923,8 +10543,8 @@
           </a:p>
         </p:txBody>
       </p:sp>
-      <mc:AlternateContent xmlns:mc="http://schemas.openxmlformats.org/markup-compatibility/2006">
-        <mc:Choice xmlns:a14="http://schemas.microsoft.com/office/drawing/2010/main" Requires="a14">
+      <mc:AlternateContent xmlns:mc="http://schemas.openxmlformats.org/markup-compatibility/2006" xmlns:a14="http://schemas.microsoft.com/office/drawing/2010/main">
+        <mc:Choice Requires="a14">
           <p:sp>
             <p:nvSpPr>
               <p:cNvPr id="3" name="Zástupný symbol obsahu 2"/>
@@ -9086,7 +10706,13 @@
                               <a:rPr lang="en-US" sz="2400" b="0" i="1" smtClean="0">
                                 <a:latin typeface="Cambria Math" panose="02040503050406030204" pitchFamily="18" charset="0"/>
                               </a:rPr>
-                              <m:t>1 </m:t>
+                              <m:t>1</m:t>
+                            </m:r>
+                            <m:r>
+                              <a:rPr lang="en-US" sz="2400" b="0" i="1" smtClean="0">
+                                <a:latin typeface="Cambria Math" panose="02040503050406030204" pitchFamily="18" charset="0"/>
+                              </a:rPr>
+                              <m:t> </m:t>
                             </m:r>
                             <m:r>
                               <a:rPr lang="en-US" sz="2400" b="0" i="1" smtClean="0">
@@ -9111,7 +10737,14 @@
                                 <a:latin typeface="Cambria Math" panose="02040503050406030204" pitchFamily="18" charset="0"/>
                                 <a:ea typeface="Cambria Math" panose="02040503050406030204" pitchFamily="18" charset="0"/>
                               </a:rPr>
-                              <m:t>≥0</m:t>
+                              <m:t>≥</m:t>
+                            </m:r>
+                            <m:r>
+                              <a:rPr lang="en-US" sz="2400" b="0" i="1" smtClean="0">
+                                <a:latin typeface="Cambria Math" panose="02040503050406030204" pitchFamily="18" charset="0"/>
+                                <a:ea typeface="Cambria Math" panose="02040503050406030204" pitchFamily="18" charset="0"/>
+                              </a:rPr>
+                              <m:t>0</m:t>
                             </m:r>
                           </m:sub>
                           <m:sup>
@@ -9119,7 +10752,13 @@
                               <a:rPr lang="en-US" sz="2400" b="0" i="1" smtClean="0">
                                 <a:latin typeface="Cambria Math" panose="02040503050406030204" pitchFamily="18" charset="0"/>
                               </a:rPr>
-                              <m:t>0 </m:t>
+                              <m:t>0</m:t>
+                            </m:r>
+                            <m:r>
+                              <a:rPr lang="en-US" sz="2400" b="0" i="1" smtClean="0">
+                                <a:latin typeface="Cambria Math" panose="02040503050406030204" pitchFamily="18" charset="0"/>
+                              </a:rPr>
+                              <m:t> </m:t>
                             </m:r>
                             <m:r>
                               <a:rPr lang="en-US" sz="2400" b="0" i="1" smtClean="0">
@@ -9150,7 +10789,13 @@
                               <a:rPr lang="en-US" sz="2400" b="0" i="1" smtClean="0">
                                 <a:latin typeface="Cambria Math" panose="02040503050406030204" pitchFamily="18" charset="0"/>
                               </a:rPr>
-                              <m:t>0 </m:t>
+                              <m:t>0</m:t>
+                            </m:r>
+                            <m:r>
+                              <a:rPr lang="en-US" sz="2400" b="0" i="1" smtClean="0">
+                                <a:latin typeface="Cambria Math" panose="02040503050406030204" pitchFamily="18" charset="0"/>
+                              </a:rPr>
+                              <m:t> </m:t>
                             </m:r>
                           </m:sup>
                         </m:sSubSup>
@@ -9169,7 +10814,7 @@
             </p:txBody>
           </p:sp>
         </mc:Choice>
-        <mc:Fallback>
+        <mc:Fallback xmlns="">
           <p:sp>
             <p:nvSpPr>
               <p:cNvPr id="3" name="Zástupný symbol obsahu 2"/>
@@ -9257,7 +10902,7 @@
 </p:sld>
 </file>
 
-<file path=ppt/slides/slide22.xml><?xml version="1.0" encoding="utf-8"?>
+<file path=ppt/slides/slide23.xml><?xml version="1.0" encoding="utf-8"?>
 <p:sld xmlns:a="http://schemas.openxmlformats.org/drawingml/2006/main" xmlns:r="http://schemas.openxmlformats.org/officeDocument/2006/relationships" xmlns:p="http://schemas.openxmlformats.org/presentationml/2006/main">
   <p:cSld>
     <p:spTree>
@@ -9328,7 +10973,7 @@
 </p:sld>
 </file>
 
-<file path=ppt/slides/slide23.xml><?xml version="1.0" encoding="utf-8"?>
+<file path=ppt/slides/slide24.xml><?xml version="1.0" encoding="utf-8"?>
 <p:sld xmlns:a="http://schemas.openxmlformats.org/drawingml/2006/main" xmlns:r="http://schemas.openxmlformats.org/officeDocument/2006/relationships" xmlns:p="http://schemas.openxmlformats.org/presentationml/2006/main">
   <p:cSld>
     <p:spTree>
@@ -9461,78 +11106,6 @@
 </p:sld>
 </file>
 
-<file path=ppt/slides/slide24.xml><?xml version="1.0" encoding="utf-8"?>
-<p:sld xmlns:a="http://schemas.openxmlformats.org/drawingml/2006/main" xmlns:r="http://schemas.openxmlformats.org/officeDocument/2006/relationships" xmlns:p="http://schemas.openxmlformats.org/presentationml/2006/main">
-  <p:cSld>
-    <p:spTree>
-      <p:nvGrpSpPr>
-        <p:cNvPr id="1" name=""/>
-        <p:cNvGrpSpPr/>
-        <p:nvPr/>
-      </p:nvGrpSpPr>
-      <p:grpSpPr>
-        <a:xfrm>
-          <a:off x="0" y="0"/>
-          <a:ext cx="0" cy="0"/>
-          <a:chOff x="0" y="0"/>
-          <a:chExt cx="0" cy="0"/>
-        </a:xfrm>
-      </p:grpSpPr>
-      <p:sp>
-        <p:nvSpPr>
-          <p:cNvPr id="2" name="Nadpis 1"/>
-          <p:cNvSpPr>
-            <a:spLocks noGrp="1"/>
-          </p:cNvSpPr>
-          <p:nvPr>
-            <p:ph type="title"/>
-          </p:nvPr>
-        </p:nvSpPr>
-        <p:spPr/>
-        <p:txBody>
-          <a:bodyPr/>
-          <a:lstStyle/>
-          <a:p>
-            <a:r>
-              <a:rPr lang="sk-SK" dirty="0" smtClean="0"/>
-              <a:t>Obraz exponenciálnej funkcie</a:t>
-            </a:r>
-            <a:endParaRPr lang="sk-SK" dirty="0"/>
-          </a:p>
-        </p:txBody>
-      </p:sp>
-      <p:sp>
-        <p:nvSpPr>
-          <p:cNvPr id="3" name="Zástupný symbol obsahu 2"/>
-          <p:cNvSpPr>
-            <a:spLocks noGrp="1"/>
-          </p:cNvSpPr>
-          <p:nvPr>
-            <p:ph idx="1"/>
-          </p:nvPr>
-        </p:nvSpPr>
-        <p:spPr/>
-        <p:txBody>
-          <a:bodyPr/>
-          <a:lstStyle/>
-          <a:p>
-            <a:endParaRPr lang="sk-SK" dirty="0"/>
-          </a:p>
-        </p:txBody>
-      </p:sp>
-    </p:spTree>
-    <p:extLst>
-      <p:ext uri="{BB962C8B-B14F-4D97-AF65-F5344CB8AC3E}">
-        <p14:creationId xmlns:p14="http://schemas.microsoft.com/office/powerpoint/2010/main" val="2845642233"/>
-      </p:ext>
-    </p:extLst>
-  </p:cSld>
-  <p:clrMapOvr>
-    <a:masterClrMapping/>
-  </p:clrMapOvr>
-</p:sld>
-</file>
-
 <file path=ppt/slides/slide25.xml><?xml version="1.0" encoding="utf-8"?>
 <p:sld xmlns:a="http://schemas.openxmlformats.org/drawingml/2006/main" xmlns:r="http://schemas.openxmlformats.org/officeDocument/2006/relationships" xmlns:p="http://schemas.openxmlformats.org/presentationml/2006/main">
   <p:cSld>
@@ -9567,6 +11140,78 @@
           <a:p>
             <a:r>
               <a:rPr lang="sk-SK" dirty="0" smtClean="0"/>
+              <a:t>Obraz exponenciálnej funkcie</a:t>
+            </a:r>
+            <a:endParaRPr lang="sk-SK" dirty="0"/>
+          </a:p>
+        </p:txBody>
+      </p:sp>
+      <p:sp>
+        <p:nvSpPr>
+          <p:cNvPr id="3" name="Zástupný symbol obsahu 2"/>
+          <p:cNvSpPr>
+            <a:spLocks noGrp="1"/>
+          </p:cNvSpPr>
+          <p:nvPr>
+            <p:ph idx="1"/>
+          </p:nvPr>
+        </p:nvSpPr>
+        <p:spPr/>
+        <p:txBody>
+          <a:bodyPr/>
+          <a:lstStyle/>
+          <a:p>
+            <a:endParaRPr lang="sk-SK" dirty="0"/>
+          </a:p>
+        </p:txBody>
+      </p:sp>
+    </p:spTree>
+    <p:extLst>
+      <p:ext uri="{BB962C8B-B14F-4D97-AF65-F5344CB8AC3E}">
+        <p14:creationId xmlns:p14="http://schemas.microsoft.com/office/powerpoint/2010/main" val="2845642233"/>
+      </p:ext>
+    </p:extLst>
+  </p:cSld>
+  <p:clrMapOvr>
+    <a:masterClrMapping/>
+  </p:clrMapOvr>
+</p:sld>
+</file>
+
+<file path=ppt/slides/slide26.xml><?xml version="1.0" encoding="utf-8"?>
+<p:sld xmlns:a="http://schemas.openxmlformats.org/drawingml/2006/main" xmlns:r="http://schemas.openxmlformats.org/officeDocument/2006/relationships" xmlns:p="http://schemas.openxmlformats.org/presentationml/2006/main">
+  <p:cSld>
+    <p:spTree>
+      <p:nvGrpSpPr>
+        <p:cNvPr id="1" name=""/>
+        <p:cNvGrpSpPr/>
+        <p:nvPr/>
+      </p:nvGrpSpPr>
+      <p:grpSpPr>
+        <a:xfrm>
+          <a:off x="0" y="0"/>
+          <a:ext cx="0" cy="0"/>
+          <a:chOff x="0" y="0"/>
+          <a:chExt cx="0" cy="0"/>
+        </a:xfrm>
+      </p:grpSpPr>
+      <p:sp>
+        <p:nvSpPr>
+          <p:cNvPr id="2" name="Nadpis 1"/>
+          <p:cNvSpPr>
+            <a:spLocks noGrp="1"/>
+          </p:cNvSpPr>
+          <p:nvPr>
+            <p:ph type="title"/>
+          </p:nvPr>
+        </p:nvSpPr>
+        <p:spPr/>
+        <p:txBody>
+          <a:bodyPr/>
+          <a:lstStyle/>
+          <a:p>
+            <a:r>
+              <a:rPr lang="sk-SK" dirty="0" smtClean="0"/>
               <a:t>Vzťah </a:t>
             </a:r>
             <a:r>
@@ -9581,8 +11226,8 @@
           </a:p>
         </p:txBody>
       </p:sp>
-      <mc:AlternateContent xmlns:mc="http://schemas.openxmlformats.org/markup-compatibility/2006">
-        <mc:Choice xmlns:a14="http://schemas.microsoft.com/office/drawing/2010/main" Requires="a14">
+      <mc:AlternateContent xmlns:mc="http://schemas.openxmlformats.org/markup-compatibility/2006" xmlns:a14="http://schemas.microsoft.com/office/drawing/2010/main">
+        <mc:Choice Requires="a14">
           <p:sp>
             <p:nvSpPr>
               <p:cNvPr id="3" name="Zástupný symbol obsahu 2"/>
@@ -10747,7 +12392,7 @@
             </p:txBody>
           </p:sp>
         </mc:Choice>
-        <mc:Fallback>
+        <mc:Fallback xmlns="">
           <p:sp>
             <p:nvSpPr>
               <p:cNvPr id="3" name="Zástupný symbol obsahu 2"/>
@@ -10798,7 +12443,7 @@
 </p:sld>
 </file>
 
-<file path=ppt/slides/slide26.xml><?xml version="1.0" encoding="utf-8"?>
+<file path=ppt/slides/slide27.xml><?xml version="1.0" encoding="utf-8"?>
 <p:sld xmlns:a="http://schemas.openxmlformats.org/drawingml/2006/main" xmlns:r="http://schemas.openxmlformats.org/officeDocument/2006/relationships" xmlns:p="http://schemas.openxmlformats.org/presentationml/2006/main">
   <p:cSld>
     <p:spTree>
@@ -10845,8 +12490,8 @@
           </a:p>
         </p:txBody>
       </p:sp>
-      <mc:AlternateContent xmlns:mc="http://schemas.openxmlformats.org/markup-compatibility/2006">
-        <mc:Choice xmlns:a14="http://schemas.microsoft.com/office/drawing/2010/main" Requires="a14">
+      <mc:AlternateContent xmlns:mc="http://schemas.openxmlformats.org/markup-compatibility/2006" xmlns:a14="http://schemas.microsoft.com/office/drawing/2010/main">
+        <mc:Choice Requires="a14">
           <p:sp>
             <p:nvSpPr>
               <p:cNvPr id="3" name="Zástupný symbol obsahu 2"/>
@@ -11313,7 +12958,7 @@
                       <m:d>
                         <m:dPr>
                           <m:ctrlPr>
-                            <a:rPr lang="en-US" b="0" i="0" smtClean="0">
+                            <a:rPr lang="en-US" b="0" i="1" smtClean="0">
                               <a:latin typeface="Cambria Math" panose="02040503050406030204" pitchFamily="18" charset="0"/>
                             </a:rPr>
                           </m:ctrlPr>
@@ -11767,7 +13412,7 @@
             </p:txBody>
           </p:sp>
         </mc:Choice>
-        <mc:Fallback>
+        <mc:Fallback xmlns="">
           <p:sp>
             <p:nvSpPr>
               <p:cNvPr id="3" name="Zástupný symbol obsahu 2"/>
@@ -11809,78 +13454,6 @@
     <p:extLst>
       <p:ext uri="{BB962C8B-B14F-4D97-AF65-F5344CB8AC3E}">
         <p14:creationId xmlns:p14="http://schemas.microsoft.com/office/powerpoint/2010/main" val="3561278800"/>
-      </p:ext>
-    </p:extLst>
-  </p:cSld>
-  <p:clrMapOvr>
-    <a:masterClrMapping/>
-  </p:clrMapOvr>
-</p:sld>
-</file>
-
-<file path=ppt/slides/slide27.xml><?xml version="1.0" encoding="utf-8"?>
-<p:sld xmlns:a="http://schemas.openxmlformats.org/drawingml/2006/main" xmlns:r="http://schemas.openxmlformats.org/officeDocument/2006/relationships" xmlns:p="http://schemas.openxmlformats.org/presentationml/2006/main">
-  <p:cSld>
-    <p:spTree>
-      <p:nvGrpSpPr>
-        <p:cNvPr id="1" name=""/>
-        <p:cNvGrpSpPr/>
-        <p:nvPr/>
-      </p:nvGrpSpPr>
-      <p:grpSpPr>
-        <a:xfrm>
-          <a:off x="0" y="0"/>
-          <a:ext cx="0" cy="0"/>
-          <a:chOff x="0" y="0"/>
-          <a:chExt cx="0" cy="0"/>
-        </a:xfrm>
-      </p:grpSpPr>
-      <p:sp>
-        <p:nvSpPr>
-          <p:cNvPr id="2" name="Nadpis 1"/>
-          <p:cNvSpPr>
-            <a:spLocks noGrp="1"/>
-          </p:cNvSpPr>
-          <p:nvPr>
-            <p:ph type="title"/>
-          </p:nvPr>
-        </p:nvSpPr>
-        <p:spPr/>
-        <p:txBody>
-          <a:bodyPr/>
-          <a:lstStyle/>
-          <a:p>
-            <a:r>
-              <a:rPr lang="sk-SK" dirty="0" smtClean="0"/>
-              <a:t>Veta o počiatočnej a koncovej hodnote</a:t>
-            </a:r>
-            <a:endParaRPr lang="sk-SK" dirty="0"/>
-          </a:p>
-        </p:txBody>
-      </p:sp>
-      <p:sp>
-        <p:nvSpPr>
-          <p:cNvPr id="3" name="Zástupný symbol obsahu 2"/>
-          <p:cNvSpPr>
-            <a:spLocks noGrp="1"/>
-          </p:cNvSpPr>
-          <p:nvPr>
-            <p:ph idx="1"/>
-          </p:nvPr>
-        </p:nvSpPr>
-        <p:spPr/>
-        <p:txBody>
-          <a:bodyPr/>
-          <a:lstStyle/>
-          <a:p>
-            <a:endParaRPr lang="sk-SK"/>
-          </a:p>
-        </p:txBody>
-      </p:sp>
-    </p:spTree>
-    <p:extLst>
-      <p:ext uri="{BB962C8B-B14F-4D97-AF65-F5344CB8AC3E}">
-        <p14:creationId xmlns:p14="http://schemas.microsoft.com/office/powerpoint/2010/main" val="3074930347"/>
       </p:ext>
     </p:extLst>
   </p:cSld>
@@ -11924,7 +13497,7 @@
           <a:p>
             <a:r>
               <a:rPr lang="sk-SK" dirty="0" smtClean="0"/>
-              <a:t>Obrazy vybraných funkcii</a:t>
+              <a:t>Veta o počiatočnej a koncovej hodnote</a:t>
             </a:r>
             <a:endParaRPr lang="sk-SK" dirty="0"/>
           </a:p>
@@ -11952,7 +13525,7 @@
     </p:spTree>
     <p:extLst>
       <p:ext uri="{BB962C8B-B14F-4D97-AF65-F5344CB8AC3E}">
-        <p14:creationId xmlns:p14="http://schemas.microsoft.com/office/powerpoint/2010/main" val="3601500393"/>
+        <p14:creationId xmlns:p14="http://schemas.microsoft.com/office/powerpoint/2010/main" val="3074930347"/>
       </p:ext>
     </p:extLst>
   </p:cSld>
@@ -11996,15 +13569,7 @@
           <a:p>
             <a:r>
               <a:rPr lang="sk-SK" dirty="0" smtClean="0"/>
-              <a:t>Inverzná </a:t>
-            </a:r>
-            <a:r>
-              <a:rPr lang="sk-SK" dirty="0" err="1" smtClean="0"/>
-              <a:t>Laplaceova</a:t>
-            </a:r>
-            <a:r>
-              <a:rPr lang="sk-SK" dirty="0" smtClean="0"/>
-              <a:t> transformácia</a:t>
+              <a:t>Obrazy vybraných funkcii</a:t>
             </a:r>
             <a:endParaRPr lang="sk-SK" dirty="0"/>
           </a:p>
@@ -12025,14 +13590,14 @@
           <a:bodyPr/>
           <a:lstStyle/>
           <a:p>
-            <a:endParaRPr lang="sk-SK" dirty="0"/>
+            <a:endParaRPr lang="sk-SK"/>
           </a:p>
         </p:txBody>
       </p:sp>
     </p:spTree>
     <p:extLst>
       <p:ext uri="{BB962C8B-B14F-4D97-AF65-F5344CB8AC3E}">
-        <p14:creationId xmlns:p14="http://schemas.microsoft.com/office/powerpoint/2010/main" val="3642990468"/>
+        <p14:creationId xmlns:p14="http://schemas.microsoft.com/office/powerpoint/2010/main" val="3601500393"/>
       </p:ext>
     </p:extLst>
   </p:cSld>
@@ -12281,7 +13846,15 @@
           <a:p>
             <a:r>
               <a:rPr lang="sk-SK" dirty="0" smtClean="0"/>
-              <a:t>Rozklad na parciálne zlomky</a:t>
+              <a:t>Inverzná </a:t>
+            </a:r>
+            <a:r>
+              <a:rPr lang="sk-SK" dirty="0" err="1" smtClean="0"/>
+              <a:t>Laplaceova</a:t>
+            </a:r>
+            <a:r>
+              <a:rPr lang="sk-SK" dirty="0" smtClean="0"/>
+              <a:t> transformácia</a:t>
             </a:r>
             <a:endParaRPr lang="sk-SK" dirty="0"/>
           </a:p>
@@ -12302,14 +13875,14 @@
           <a:bodyPr/>
           <a:lstStyle/>
           <a:p>
-            <a:endParaRPr lang="sk-SK"/>
+            <a:endParaRPr lang="sk-SK" dirty="0"/>
           </a:p>
         </p:txBody>
       </p:sp>
     </p:spTree>
     <p:extLst>
       <p:ext uri="{BB962C8B-B14F-4D97-AF65-F5344CB8AC3E}">
-        <p14:creationId xmlns:p14="http://schemas.microsoft.com/office/powerpoint/2010/main" val="2937603504"/>
+        <p14:creationId xmlns:p14="http://schemas.microsoft.com/office/powerpoint/2010/main" val="3642990468"/>
       </p:ext>
     </p:extLst>
   </p:cSld>
@@ -12353,7 +13926,7 @@
           <a:p>
             <a:r>
               <a:rPr lang="sk-SK" dirty="0" smtClean="0"/>
-              <a:t>Prenosová funkcia systému</a:t>
+              <a:t>Rozklad na parciálne zlomky</a:t>
             </a:r>
             <a:endParaRPr lang="sk-SK" dirty="0"/>
           </a:p>
@@ -12381,7 +13954,7 @@
     </p:spTree>
     <p:extLst>
       <p:ext uri="{BB962C8B-B14F-4D97-AF65-F5344CB8AC3E}">
-        <p14:creationId xmlns:p14="http://schemas.microsoft.com/office/powerpoint/2010/main" val="782147760"/>
+        <p14:creationId xmlns:p14="http://schemas.microsoft.com/office/powerpoint/2010/main" val="2937603504"/>
       </p:ext>
     </p:extLst>
   </p:cSld>
@@ -12425,11 +13998,7 @@
           <a:p>
             <a:r>
               <a:rPr lang="sk-SK" dirty="0" smtClean="0"/>
-              <a:t>Integrátor a </a:t>
-            </a:r>
-            <a:r>
-              <a:rPr lang="sk-SK" dirty="0" err="1" smtClean="0"/>
-              <a:t>derivátor</a:t>
+              <a:t>Prenosová funkcia systému</a:t>
             </a:r>
             <a:endParaRPr lang="sk-SK" dirty="0"/>
           </a:p>
@@ -12457,7 +14026,7 @@
     </p:spTree>
     <p:extLst>
       <p:ext uri="{BB962C8B-B14F-4D97-AF65-F5344CB8AC3E}">
-        <p14:creationId xmlns:p14="http://schemas.microsoft.com/office/powerpoint/2010/main" val="449367882"/>
+        <p14:creationId xmlns:p14="http://schemas.microsoft.com/office/powerpoint/2010/main" val="782147760"/>
       </p:ext>
     </p:extLst>
   </p:cSld>
@@ -12501,6 +14070,82 @@
           <a:p>
             <a:r>
               <a:rPr lang="sk-SK" dirty="0" smtClean="0"/>
+              <a:t>Integrátor a </a:t>
+            </a:r>
+            <a:r>
+              <a:rPr lang="sk-SK" dirty="0" err="1" smtClean="0"/>
+              <a:t>derivátor</a:t>
+            </a:r>
+            <a:endParaRPr lang="sk-SK" dirty="0"/>
+          </a:p>
+        </p:txBody>
+      </p:sp>
+      <p:sp>
+        <p:nvSpPr>
+          <p:cNvPr id="3" name="Zástupný symbol obsahu 2"/>
+          <p:cNvSpPr>
+            <a:spLocks noGrp="1"/>
+          </p:cNvSpPr>
+          <p:nvPr>
+            <p:ph idx="1"/>
+          </p:nvPr>
+        </p:nvSpPr>
+        <p:spPr/>
+        <p:txBody>
+          <a:bodyPr/>
+          <a:lstStyle/>
+          <a:p>
+            <a:endParaRPr lang="sk-SK"/>
+          </a:p>
+        </p:txBody>
+      </p:sp>
+    </p:spTree>
+    <p:extLst>
+      <p:ext uri="{BB962C8B-B14F-4D97-AF65-F5344CB8AC3E}">
+        <p14:creationId xmlns:p14="http://schemas.microsoft.com/office/powerpoint/2010/main" val="449367882"/>
+      </p:ext>
+    </p:extLst>
+  </p:cSld>
+  <p:clrMapOvr>
+    <a:masterClrMapping/>
+  </p:clrMapOvr>
+</p:sld>
+</file>
+
+<file path=ppt/slides/slide34.xml><?xml version="1.0" encoding="utf-8"?>
+<p:sld xmlns:a="http://schemas.openxmlformats.org/drawingml/2006/main" xmlns:r="http://schemas.openxmlformats.org/officeDocument/2006/relationships" xmlns:p="http://schemas.openxmlformats.org/presentationml/2006/main">
+  <p:cSld>
+    <p:spTree>
+      <p:nvGrpSpPr>
+        <p:cNvPr id="1" name=""/>
+        <p:cNvGrpSpPr/>
+        <p:nvPr/>
+      </p:nvGrpSpPr>
+      <p:grpSpPr>
+        <a:xfrm>
+          <a:off x="0" y="0"/>
+          <a:ext cx="0" cy="0"/>
+          <a:chOff x="0" y="0"/>
+          <a:chExt cx="0" cy="0"/>
+        </a:xfrm>
+      </p:grpSpPr>
+      <p:sp>
+        <p:nvSpPr>
+          <p:cNvPr id="2" name="Nadpis 1"/>
+          <p:cNvSpPr>
+            <a:spLocks noGrp="1"/>
+          </p:cNvSpPr>
+          <p:nvPr>
+            <p:ph type="title"/>
+          </p:nvPr>
+        </p:nvSpPr>
+        <p:spPr/>
+        <p:txBody>
+          <a:bodyPr/>
+          <a:lstStyle/>
+          <a:p>
+            <a:r>
+              <a:rPr lang="sk-SK" dirty="0" smtClean="0"/>
               <a:t>Spätná väzba v systéme</a:t>
             </a:r>
             <a:endParaRPr lang="sk-SK" dirty="0"/>
@@ -12749,7 +14394,7 @@
 </p:sld>
 </file>
 
-<file path=ppt/slides/slide34.xml><?xml version="1.0" encoding="utf-8"?>
+<file path=ppt/slides/slide35.xml><?xml version="1.0" encoding="utf-8"?>
 <p:sld xmlns:a="http://schemas.openxmlformats.org/drawingml/2006/main" xmlns:r="http://schemas.openxmlformats.org/officeDocument/2006/relationships" xmlns:p="http://schemas.openxmlformats.org/presentationml/2006/main">
   <p:cSld>
     <p:spTree>
@@ -12982,132 +14627,6 @@
 </p:sld>
 </file>
 
-<file path=ppt/slides/slide35.xml><?xml version="1.0" encoding="utf-8"?>
-<p:sld xmlns:a="http://schemas.openxmlformats.org/drawingml/2006/main" xmlns:r="http://schemas.openxmlformats.org/officeDocument/2006/relationships" xmlns:p="http://schemas.openxmlformats.org/presentationml/2006/main">
-  <p:cSld>
-    <p:spTree>
-      <p:nvGrpSpPr>
-        <p:cNvPr id="1" name=""/>
-        <p:cNvGrpSpPr/>
-        <p:nvPr/>
-      </p:nvGrpSpPr>
-      <p:grpSpPr>
-        <a:xfrm>
-          <a:off x="0" y="0"/>
-          <a:ext cx="0" cy="0"/>
-          <a:chOff x="0" y="0"/>
-          <a:chExt cx="0" cy="0"/>
-        </a:xfrm>
-      </p:grpSpPr>
-      <p:sp>
-        <p:nvSpPr>
-          <p:cNvPr id="2" name="Nadpis 1"/>
-          <p:cNvSpPr>
-            <a:spLocks noGrp="1"/>
-          </p:cNvSpPr>
-          <p:nvPr>
-            <p:ph type="title"/>
-          </p:nvPr>
-        </p:nvSpPr>
-        <p:spPr/>
-        <p:txBody>
-          <a:bodyPr/>
-          <a:lstStyle/>
-          <a:p>
-            <a:r>
-              <a:rPr lang="sk-SK" dirty="0" smtClean="0"/>
-              <a:t>Spätná väzba – uzavretý obvod</a:t>
-            </a:r>
-            <a:endParaRPr lang="sk-SK" dirty="0"/>
-          </a:p>
-        </p:txBody>
-      </p:sp>
-      <p:sp>
-        <p:nvSpPr>
-          <p:cNvPr id="3" name="Zástupný symbol obsahu 2"/>
-          <p:cNvSpPr>
-            <a:spLocks noGrp="1"/>
-          </p:cNvSpPr>
-          <p:nvPr>
-            <p:ph idx="1"/>
-          </p:nvPr>
-        </p:nvSpPr>
-        <p:spPr/>
-        <p:txBody>
-          <a:bodyPr/>
-          <a:lstStyle/>
-          <a:p>
-            <a:pPr>
-              <a:buFont typeface="Arial" panose="020B0604020202020204" pitchFamily="34" charset="0"/>
-              <a:buChar char="•"/>
-            </a:pPr>
-            <a:r>
-              <a:rPr lang="sk-SK" dirty="0" smtClean="0"/>
-              <a:t>Prirodzená spätná väzba v systémoch </a:t>
-            </a:r>
-          </a:p>
-          <a:p>
-            <a:pPr lvl="1"/>
-            <a:r>
-              <a:rPr lang="sk-SK" dirty="0" smtClean="0"/>
-              <a:t>Vplyv vlastných stavových veličín na ďalší vývoj systému</a:t>
-            </a:r>
-          </a:p>
-          <a:p>
-            <a:pPr lvl="1"/>
-            <a:r>
-              <a:rPr lang="sk-SK" dirty="0" smtClean="0"/>
-              <a:t>Interná dynamika systému</a:t>
-            </a:r>
-          </a:p>
-          <a:p>
-            <a:pPr>
-              <a:buFont typeface="Arial" panose="020B0604020202020204" pitchFamily="34" charset="0"/>
-              <a:buChar char="•"/>
-            </a:pPr>
-            <a:r>
-              <a:rPr lang="sk-SK" dirty="0" smtClean="0"/>
-              <a:t>Umelo zavedená spätná väzba</a:t>
-            </a:r>
-          </a:p>
-          <a:p>
-            <a:pPr lvl="1"/>
-            <a:r>
-              <a:rPr lang="sk-SK" dirty="0" smtClean="0"/>
-              <a:t>Základná štruktúra </a:t>
-            </a:r>
-            <a:r>
-              <a:rPr lang="sk-SK" dirty="0" err="1" smtClean="0"/>
-              <a:t>spätnoväzobného</a:t>
-            </a:r>
-            <a:r>
-              <a:rPr lang="sk-SK" dirty="0" smtClean="0"/>
-              <a:t> riadenia (ďalšie prednášky)</a:t>
-            </a:r>
-          </a:p>
-          <a:p>
-            <a:pPr lvl="1"/>
-            <a:r>
-              <a:rPr lang="sk-SK" dirty="0" smtClean="0"/>
-              <a:t>Uzavretý regulačný obvod – regulácia , stabilizácia a úprava dynamiky</a:t>
-            </a:r>
-            <a:endParaRPr lang="sk-SK" dirty="0"/>
-          </a:p>
-        </p:txBody>
-      </p:sp>
-    </p:spTree>
-    <p:extLst>
-      <p:ext uri="{BB962C8B-B14F-4D97-AF65-F5344CB8AC3E}">
-        <p14:creationId xmlns:p14="http://schemas.microsoft.com/office/powerpoint/2010/main" val="3872154018"/>
-      </p:ext>
-    </p:extLst>
-  </p:cSld>
-  <p:clrMapOvr>
-    <a:masterClrMapping/>
-  </p:clrMapOvr>
-</p:sld>
-</file>
-
 <file path=ppt/slides/slide36.xml><?xml version="1.0" encoding="utf-8"?>
 <p:sld xmlns:a="http://schemas.openxmlformats.org/drawingml/2006/main" xmlns:r="http://schemas.openxmlformats.org/officeDocument/2006/relationships" xmlns:p="http://schemas.openxmlformats.org/presentationml/2006/main">
   <p:cSld>
@@ -13142,7 +14661,7 @@
           <a:p>
             <a:r>
               <a:rPr lang="sk-SK" dirty="0" smtClean="0"/>
-              <a:t>Statické zosilnenie</a:t>
+              <a:t>Spätná väzba – uzavretý obvod</a:t>
             </a:r>
             <a:endParaRPr lang="sk-SK" dirty="0"/>
           </a:p>
@@ -13163,14 +14682,68 @@
           <a:bodyPr/>
           <a:lstStyle/>
           <a:p>
-            <a:endParaRPr lang="sk-SK"/>
+            <a:pPr>
+              <a:buFont typeface="Arial" panose="020B0604020202020204" pitchFamily="34" charset="0"/>
+              <a:buChar char="•"/>
+            </a:pPr>
+            <a:r>
+              <a:rPr lang="sk-SK" dirty="0" smtClean="0"/>
+              <a:t>Prirodzená spätná väzba v systémoch </a:t>
+            </a:r>
+          </a:p>
+          <a:p>
+            <a:pPr lvl="1"/>
+            <a:r>
+              <a:rPr lang="sk-SK" dirty="0" smtClean="0"/>
+              <a:t>Vplyv vlastných stavových veličín na ďalší vývoj systému</a:t>
+            </a:r>
+          </a:p>
+          <a:p>
+            <a:pPr lvl="1"/>
+            <a:r>
+              <a:rPr lang="sk-SK" dirty="0" smtClean="0"/>
+              <a:t>Interná dynamika systému</a:t>
+            </a:r>
+          </a:p>
+          <a:p>
+            <a:pPr>
+              <a:buFont typeface="Arial" panose="020B0604020202020204" pitchFamily="34" charset="0"/>
+              <a:buChar char="•"/>
+            </a:pPr>
+            <a:r>
+              <a:rPr lang="sk-SK" dirty="0" smtClean="0"/>
+              <a:t>Umelo zavedená spätná väzba</a:t>
+            </a:r>
+          </a:p>
+          <a:p>
+            <a:pPr lvl="1"/>
+            <a:r>
+              <a:rPr lang="sk-SK" dirty="0" smtClean="0"/>
+              <a:t>Základná štruktúra </a:t>
+            </a:r>
+            <a:r>
+              <a:rPr lang="sk-SK" dirty="0" err="1" smtClean="0"/>
+              <a:t>spätnoväzobného</a:t>
+            </a:r>
+            <a:r>
+              <a:rPr lang="sk-SK" dirty="0" smtClean="0"/>
+              <a:t> riadenia (ďalšie prednášky)</a:t>
+            </a:r>
+          </a:p>
+          <a:p>
+            <a:pPr lvl="1"/>
+            <a:r>
+              <a:rPr lang="sk-SK" dirty="0" smtClean="0"/>
+              <a:t>Uzavretý regulačný obvod – regulácia , stabilizácia a úprava dynamiky</a:t>
+            </a:r>
+            <a:endParaRPr lang="sk-SK" dirty="0"/>
           </a:p>
         </p:txBody>
       </p:sp>
     </p:spTree>
     <p:extLst>
       <p:ext uri="{BB962C8B-B14F-4D97-AF65-F5344CB8AC3E}">
-        <p14:creationId xmlns:p14="http://schemas.microsoft.com/office/powerpoint/2010/main" val="3903163388"/>
+        <p14:creationId xmlns:p14="http://schemas.microsoft.com/office/powerpoint/2010/main" val="3872154018"/>
       </p:ext>
     </p:extLst>
   </p:cSld>
@@ -13213,8 +14786,8 @@
           <a:lstStyle/>
           <a:p>
             <a:r>
-              <a:rPr lang="sk-SK" dirty="0" err="1" smtClean="0"/>
-              <a:t>Astatizmus</a:t>
+              <a:rPr lang="sk-SK" dirty="0" smtClean="0"/>
+              <a:t>Statické zosilnenie</a:t>
             </a:r>
             <a:endParaRPr lang="sk-SK" dirty="0"/>
           </a:p>
@@ -13242,7 +14815,7 @@
     </p:spTree>
     <p:extLst>
       <p:ext uri="{BB962C8B-B14F-4D97-AF65-F5344CB8AC3E}">
-        <p14:creationId xmlns:p14="http://schemas.microsoft.com/office/powerpoint/2010/main" val="98981534"/>
+        <p14:creationId xmlns:p14="http://schemas.microsoft.com/office/powerpoint/2010/main" val="3903163388"/>
       </p:ext>
     </p:extLst>
   </p:cSld>
@@ -13285,8 +14858,8 @@
           <a:lstStyle/>
           <a:p>
             <a:r>
-              <a:rPr lang="sk-SK" dirty="0" smtClean="0"/>
-              <a:t>Realizovateľnosť</a:t>
+              <a:rPr lang="sk-SK" dirty="0" err="1" smtClean="0"/>
+              <a:t>Astatizmus</a:t>
             </a:r>
             <a:endParaRPr lang="sk-SK" dirty="0"/>
           </a:p>
@@ -13314,7 +14887,7 @@
     </p:spTree>
     <p:extLst>
       <p:ext uri="{BB962C8B-B14F-4D97-AF65-F5344CB8AC3E}">
-        <p14:creationId xmlns:p14="http://schemas.microsoft.com/office/powerpoint/2010/main" val="3819864374"/>
+        <p14:creationId xmlns:p14="http://schemas.microsoft.com/office/powerpoint/2010/main" val="98981534"/>
       </p:ext>
     </p:extLst>
   </p:cSld>
@@ -13358,7 +14931,7 @@
           <a:p>
             <a:r>
               <a:rPr lang="sk-SK" dirty="0" smtClean="0"/>
-              <a:t>Algebra prenosových funkcii</a:t>
+              <a:t>Realizovateľnosť</a:t>
             </a:r>
             <a:endParaRPr lang="sk-SK" dirty="0"/>
           </a:p>
@@ -13379,141 +14952,14 @@
           <a:bodyPr/>
           <a:lstStyle/>
           <a:p>
-            <a:pPr>
-              <a:buFont typeface="Arial" panose="020B0604020202020204" pitchFamily="34" charset="0"/>
-              <a:buChar char="•"/>
-            </a:pPr>
-            <a:r>
-              <a:rPr lang="sk-SK" dirty="0" err="1"/>
-              <a:t>P</a:t>
-            </a:r>
-            <a:r>
-              <a:rPr lang="en-US" dirty="0" err="1" smtClean="0"/>
-              <a:t>renos</a:t>
-            </a:r>
-            <a:r>
-              <a:rPr lang="sk-SK" dirty="0" err="1" smtClean="0"/>
-              <a:t>ové</a:t>
-            </a:r>
-            <a:r>
-              <a:rPr lang="sk-SK" dirty="0" smtClean="0"/>
-              <a:t> funkcie a modely vo všeobecnosti, je možné kombinovať a vytvárať zložitejšie štruktúry</a:t>
-            </a:r>
-          </a:p>
-          <a:p>
-            <a:pPr>
-              <a:buFont typeface="Arial" panose="020B0604020202020204" pitchFamily="34" charset="0"/>
-              <a:buChar char="•"/>
-            </a:pPr>
-            <a:r>
-              <a:rPr lang="sk-SK" dirty="0" smtClean="0"/>
-              <a:t>Rovnako je možné za</a:t>
-            </a:r>
-            <a:r>
-              <a:rPr lang="en-US" dirty="0" err="1" smtClean="0"/>
-              <a:t>ra</a:t>
-            </a:r>
-            <a:r>
-              <a:rPr lang="sk-SK" dirty="0" err="1" smtClean="0"/>
-              <a:t>ďovať</a:t>
-            </a:r>
-            <a:r>
-              <a:rPr lang="sk-SK" dirty="0" smtClean="0"/>
-              <a:t> systémy do spätnej väzby</a:t>
-            </a:r>
-          </a:p>
-          <a:p>
-            <a:pPr>
-              <a:buFont typeface="Arial" panose="020B0604020202020204" pitchFamily="34" charset="0"/>
-              <a:buChar char="•"/>
-            </a:pPr>
-            <a:r>
-              <a:rPr lang="sk-SK" dirty="0" smtClean="0"/>
-              <a:t>Algebra úprav a zjednodušení blokových schém platí výhradne pre </a:t>
-            </a:r>
-            <a:r>
-              <a:rPr lang="sk-SK" u="sng" dirty="0" smtClean="0"/>
-              <a:t>lineárne systémy !!!</a:t>
-            </a:r>
-          </a:p>
-          <a:p>
-            <a:pPr>
-              <a:buFont typeface="Arial" panose="020B0604020202020204" pitchFamily="34" charset="0"/>
-              <a:buChar char="•"/>
-            </a:pPr>
-            <a:r>
-              <a:rPr lang="sk-SK" dirty="0" smtClean="0"/>
-              <a:t>Princíp </a:t>
-            </a:r>
-            <a:r>
-              <a:rPr lang="sk-SK" dirty="0" err="1" smtClean="0"/>
-              <a:t>superpozície</a:t>
-            </a:r>
-            <a:r>
-              <a:rPr lang="sk-SK" dirty="0" smtClean="0"/>
-              <a:t> a </a:t>
-            </a:r>
-            <a:r>
-              <a:rPr lang="sk-SK" dirty="0" err="1" smtClean="0"/>
-              <a:t>komutativita</a:t>
-            </a:r>
-            <a:r>
-              <a:rPr lang="sk-SK" dirty="0" smtClean="0"/>
-              <a:t>.</a:t>
-            </a:r>
-          </a:p>
-          <a:p>
-            <a:pPr>
-              <a:buFont typeface="Arial" panose="020B0604020202020204" pitchFamily="34" charset="0"/>
-              <a:buChar char="•"/>
-            </a:pPr>
-            <a:r>
-              <a:rPr lang="sk-SK" dirty="0" smtClean="0"/>
-              <a:t>Základné štruktúry zapojení</a:t>
-            </a:r>
-          </a:p>
-          <a:p>
-            <a:pPr lvl="1"/>
-            <a:r>
-              <a:rPr lang="sk-SK" dirty="0" smtClean="0"/>
-              <a:t>Sériové</a:t>
-            </a:r>
-          </a:p>
-          <a:p>
-            <a:pPr lvl="1"/>
-            <a:r>
-              <a:rPr lang="sk-SK" dirty="0" smtClean="0"/>
-              <a:t>Paralelné</a:t>
-            </a:r>
-          </a:p>
-          <a:p>
-            <a:pPr lvl="1"/>
-            <a:r>
-              <a:rPr lang="sk-SK" dirty="0" err="1" smtClean="0"/>
-              <a:t>Spätnoväzobné</a:t>
-            </a:r>
-            <a:endParaRPr lang="sk-SK" dirty="0" smtClean="0"/>
-          </a:p>
-          <a:p>
-            <a:pPr lvl="1"/>
-            <a:endParaRPr lang="sk-SK" dirty="0" smtClean="0"/>
-          </a:p>
-          <a:p>
-            <a:pPr>
-              <a:buFont typeface="Arial" panose="020B0604020202020204" pitchFamily="34" charset="0"/>
-              <a:buChar char="•"/>
-            </a:pPr>
-            <a:endParaRPr lang="sk-SK" u="sng" dirty="0" smtClean="0"/>
-          </a:p>
-          <a:p>
-            <a:endParaRPr lang="sk-SK" dirty="0"/>
+            <a:endParaRPr lang="sk-SK"/>
           </a:p>
         </p:txBody>
       </p:sp>
     </p:spTree>
     <p:extLst>
       <p:ext uri="{BB962C8B-B14F-4D97-AF65-F5344CB8AC3E}">
-        <p14:creationId xmlns:p14="http://schemas.microsoft.com/office/powerpoint/2010/main" val="4019935953"/>
+        <p14:creationId xmlns:p14="http://schemas.microsoft.com/office/powerpoint/2010/main" val="3819864374"/>
       </p:ext>
     </p:extLst>
   </p:cSld>
@@ -13808,6 +15254,205 @@
           <a:p>
             <a:r>
               <a:rPr lang="sk-SK" dirty="0" smtClean="0"/>
+              <a:t>Algebra prenosových funkcii</a:t>
+            </a:r>
+            <a:endParaRPr lang="sk-SK" dirty="0"/>
+          </a:p>
+        </p:txBody>
+      </p:sp>
+      <p:sp>
+        <p:nvSpPr>
+          <p:cNvPr id="3" name="Zástupný symbol obsahu 2"/>
+          <p:cNvSpPr>
+            <a:spLocks noGrp="1"/>
+          </p:cNvSpPr>
+          <p:nvPr>
+            <p:ph idx="1"/>
+          </p:nvPr>
+        </p:nvSpPr>
+        <p:spPr/>
+        <p:txBody>
+          <a:bodyPr/>
+          <a:lstStyle/>
+          <a:p>
+            <a:pPr>
+              <a:buFont typeface="Arial" panose="020B0604020202020204" pitchFamily="34" charset="0"/>
+              <a:buChar char="•"/>
+            </a:pPr>
+            <a:r>
+              <a:rPr lang="sk-SK" dirty="0" err="1"/>
+              <a:t>P</a:t>
+            </a:r>
+            <a:r>
+              <a:rPr lang="en-US" dirty="0" err="1" smtClean="0"/>
+              <a:t>renos</a:t>
+            </a:r>
+            <a:r>
+              <a:rPr lang="sk-SK" dirty="0" err="1" smtClean="0"/>
+              <a:t>ové</a:t>
+            </a:r>
+            <a:r>
+              <a:rPr lang="sk-SK" dirty="0" smtClean="0"/>
+              <a:t> funkcie a modely vo všeobecnosti, je možné kombinovať a vytvárať zložitejšie štruktúry</a:t>
+            </a:r>
+          </a:p>
+          <a:p>
+            <a:pPr>
+              <a:buFont typeface="Arial" panose="020B0604020202020204" pitchFamily="34" charset="0"/>
+              <a:buChar char="•"/>
+            </a:pPr>
+            <a:r>
+              <a:rPr lang="sk-SK" dirty="0" smtClean="0"/>
+              <a:t>Rovnako je možné za</a:t>
+            </a:r>
+            <a:r>
+              <a:rPr lang="en-US" dirty="0" err="1" smtClean="0"/>
+              <a:t>ra</a:t>
+            </a:r>
+            <a:r>
+              <a:rPr lang="sk-SK" dirty="0" err="1" smtClean="0"/>
+              <a:t>ďovať</a:t>
+            </a:r>
+            <a:r>
+              <a:rPr lang="sk-SK" dirty="0" smtClean="0"/>
+              <a:t> systémy do spätnej väzby</a:t>
+            </a:r>
+          </a:p>
+          <a:p>
+            <a:pPr>
+              <a:buFont typeface="Arial" panose="020B0604020202020204" pitchFamily="34" charset="0"/>
+              <a:buChar char="•"/>
+            </a:pPr>
+            <a:r>
+              <a:rPr lang="sk-SK" dirty="0" smtClean="0"/>
+              <a:t>Algebra úprav a zjednodušení blokových schém platí výhradne pre </a:t>
+            </a:r>
+            <a:r>
+              <a:rPr lang="sk-SK" u="sng" dirty="0" smtClean="0"/>
+              <a:t>lineárne systémy !!!</a:t>
+            </a:r>
+          </a:p>
+          <a:p>
+            <a:pPr>
+              <a:buFont typeface="Arial" panose="020B0604020202020204" pitchFamily="34" charset="0"/>
+              <a:buChar char="•"/>
+            </a:pPr>
+            <a:r>
+              <a:rPr lang="sk-SK" dirty="0" smtClean="0"/>
+              <a:t>Princíp </a:t>
+            </a:r>
+            <a:r>
+              <a:rPr lang="sk-SK" dirty="0" err="1" smtClean="0"/>
+              <a:t>superpozície</a:t>
+            </a:r>
+            <a:r>
+              <a:rPr lang="sk-SK" dirty="0" smtClean="0"/>
+              <a:t> a </a:t>
+            </a:r>
+            <a:r>
+              <a:rPr lang="sk-SK" dirty="0" err="1" smtClean="0"/>
+              <a:t>komutativita</a:t>
+            </a:r>
+            <a:r>
+              <a:rPr lang="sk-SK" dirty="0" smtClean="0"/>
+              <a:t>.</a:t>
+            </a:r>
+          </a:p>
+          <a:p>
+            <a:pPr>
+              <a:buFont typeface="Arial" panose="020B0604020202020204" pitchFamily="34" charset="0"/>
+              <a:buChar char="•"/>
+            </a:pPr>
+            <a:r>
+              <a:rPr lang="sk-SK" dirty="0" smtClean="0"/>
+              <a:t>Základné štruktúry zapojení</a:t>
+            </a:r>
+          </a:p>
+          <a:p>
+            <a:pPr lvl="1"/>
+            <a:r>
+              <a:rPr lang="sk-SK" dirty="0" smtClean="0"/>
+              <a:t>Sériové</a:t>
+            </a:r>
+          </a:p>
+          <a:p>
+            <a:pPr lvl="1"/>
+            <a:r>
+              <a:rPr lang="sk-SK" dirty="0" smtClean="0"/>
+              <a:t>Paralelné</a:t>
+            </a:r>
+          </a:p>
+          <a:p>
+            <a:pPr lvl="1"/>
+            <a:r>
+              <a:rPr lang="sk-SK" dirty="0" err="1" smtClean="0"/>
+              <a:t>Spätnoväzobné</a:t>
+            </a:r>
+            <a:endParaRPr lang="sk-SK" dirty="0" smtClean="0"/>
+          </a:p>
+          <a:p>
+            <a:pPr lvl="1"/>
+            <a:endParaRPr lang="sk-SK" dirty="0" smtClean="0"/>
+          </a:p>
+          <a:p>
+            <a:pPr>
+              <a:buFont typeface="Arial" panose="020B0604020202020204" pitchFamily="34" charset="0"/>
+              <a:buChar char="•"/>
+            </a:pPr>
+            <a:endParaRPr lang="sk-SK" u="sng" dirty="0" smtClean="0"/>
+          </a:p>
+          <a:p>
+            <a:endParaRPr lang="sk-SK" dirty="0"/>
+          </a:p>
+        </p:txBody>
+      </p:sp>
+    </p:spTree>
+    <p:extLst>
+      <p:ext uri="{BB962C8B-B14F-4D97-AF65-F5344CB8AC3E}">
+        <p14:creationId xmlns:p14="http://schemas.microsoft.com/office/powerpoint/2010/main" val="4019935953"/>
+      </p:ext>
+    </p:extLst>
+  </p:cSld>
+  <p:clrMapOvr>
+    <a:masterClrMapping/>
+  </p:clrMapOvr>
+</p:sld>
+</file>
+
+<file path=ppt/slides/slide41.xml><?xml version="1.0" encoding="utf-8"?>
+<p:sld xmlns:a="http://schemas.openxmlformats.org/drawingml/2006/main" xmlns:r="http://schemas.openxmlformats.org/officeDocument/2006/relationships" xmlns:p="http://schemas.openxmlformats.org/presentationml/2006/main">
+  <p:cSld>
+    <p:spTree>
+      <p:nvGrpSpPr>
+        <p:cNvPr id="1" name=""/>
+        <p:cNvGrpSpPr/>
+        <p:nvPr/>
+      </p:nvGrpSpPr>
+      <p:grpSpPr>
+        <a:xfrm>
+          <a:off x="0" y="0"/>
+          <a:ext cx="0" cy="0"/>
+          <a:chOff x="0" y="0"/>
+          <a:chExt cx="0" cy="0"/>
+        </a:xfrm>
+      </p:grpSpPr>
+      <p:sp>
+        <p:nvSpPr>
+          <p:cNvPr id="2" name="Nadpis 1"/>
+          <p:cNvSpPr>
+            <a:spLocks noGrp="1"/>
+          </p:cNvSpPr>
+          <p:nvPr>
+            <p:ph type="title"/>
+          </p:nvPr>
+        </p:nvSpPr>
+        <p:spPr/>
+        <p:txBody>
+          <a:bodyPr/>
+          <a:lstStyle/>
+          <a:p>
+            <a:r>
+              <a:rPr lang="sk-SK" dirty="0" smtClean="0"/>
               <a:t>Sériové zapojenie</a:t>
             </a:r>
             <a:endParaRPr lang="sk-SK" dirty="0"/>
@@ -14091,7 +15736,7 @@
 </p:sld>
 </file>
 
-<file path=ppt/slides/slide41.xml><?xml version="1.0" encoding="utf-8"?>
+<file path=ppt/slides/slide42.xml><?xml version="1.0" encoding="utf-8"?>
 <p:sld xmlns:a="http://schemas.openxmlformats.org/drawingml/2006/main" xmlns:r="http://schemas.openxmlformats.org/officeDocument/2006/relationships" xmlns:p="http://schemas.openxmlformats.org/presentationml/2006/main">
   <p:cSld>
     <p:spTree>
@@ -14414,175 +16059,6 @@
 </p:sld>
 </file>
 
-<file path=ppt/slides/slide42.xml><?xml version="1.0" encoding="utf-8"?>
-<p:sld xmlns:a="http://schemas.openxmlformats.org/drawingml/2006/main" xmlns:r="http://schemas.openxmlformats.org/officeDocument/2006/relationships" xmlns:p="http://schemas.openxmlformats.org/presentationml/2006/main">
-  <p:cSld>
-    <p:spTree>
-      <p:nvGrpSpPr>
-        <p:cNvPr id="1" name=""/>
-        <p:cNvGrpSpPr/>
-        <p:nvPr/>
-      </p:nvGrpSpPr>
-      <p:grpSpPr>
-        <a:xfrm>
-          <a:off x="0" y="0"/>
-          <a:ext cx="0" cy="0"/>
-          <a:chOff x="0" y="0"/>
-          <a:chExt cx="0" cy="0"/>
-        </a:xfrm>
-      </p:grpSpPr>
-      <p:sp>
-        <p:nvSpPr>
-          <p:cNvPr id="2" name="Nadpis 1"/>
-          <p:cNvSpPr>
-            <a:spLocks noGrp="1"/>
-          </p:cNvSpPr>
-          <p:nvPr>
-            <p:ph type="title"/>
-          </p:nvPr>
-        </p:nvSpPr>
-        <p:spPr/>
-        <p:txBody>
-          <a:bodyPr/>
-          <a:lstStyle/>
-          <a:p>
-            <a:r>
-              <a:rPr lang="sk-SK" dirty="0" smtClean="0"/>
-              <a:t>Prenos </a:t>
-            </a:r>
-            <a:r>
-              <a:rPr lang="sk-SK" dirty="0" err="1" smtClean="0"/>
-              <a:t>spätnoväzobnej</a:t>
-            </a:r>
-            <a:r>
-              <a:rPr lang="sk-SK" dirty="0" smtClean="0"/>
-              <a:t> štruktúry</a:t>
-            </a:r>
-            <a:endParaRPr lang="sk-SK" dirty="0"/>
-          </a:p>
-        </p:txBody>
-      </p:sp>
-      <p:sp>
-        <p:nvSpPr>
-          <p:cNvPr id="3" name="Zástupný symbol obsahu 2"/>
-          <p:cNvSpPr>
-            <a:spLocks noGrp="1"/>
-          </p:cNvSpPr>
-          <p:nvPr>
-            <p:ph idx="1"/>
-          </p:nvPr>
-        </p:nvSpPr>
-        <p:spPr/>
-        <p:txBody>
-          <a:bodyPr/>
-          <a:lstStyle/>
-          <a:p>
-            <a:pPr>
-              <a:buFont typeface="Arial" panose="020B0604020202020204" pitchFamily="34" charset="0"/>
-              <a:buChar char="•"/>
-            </a:pPr>
-            <a:endParaRPr lang="sk-SK" dirty="0" smtClean="0"/>
-          </a:p>
-          <a:p>
-            <a:pPr marL="0" indent="0">
-              <a:buNone/>
-            </a:pPr>
-            <a:endParaRPr lang="sk-SK" dirty="0" smtClean="0"/>
-          </a:p>
-          <a:p>
-            <a:pPr>
-              <a:buFont typeface="Arial" panose="020B0604020202020204" pitchFamily="34" charset="0"/>
-              <a:buChar char="•"/>
-            </a:pPr>
-            <a:r>
-              <a:rPr lang="sk-SK" dirty="0" smtClean="0"/>
-              <a:t>Pozor na </a:t>
-            </a:r>
-            <a:r>
-              <a:rPr lang="sk-SK" dirty="0" err="1" smtClean="0"/>
-              <a:t>algebraické</a:t>
-            </a:r>
-            <a:r>
-              <a:rPr lang="sk-SK" dirty="0" smtClean="0"/>
-              <a:t> slučky !!!</a:t>
-            </a:r>
-          </a:p>
-          <a:p>
-            <a:pPr lvl="1"/>
-            <a:r>
-              <a:rPr lang="sk-SK" dirty="0" smtClean="0"/>
-              <a:t>Nezmyselná spätná väzba</a:t>
-            </a:r>
-          </a:p>
-          <a:p>
-            <a:pPr lvl="1"/>
-            <a:r>
-              <a:rPr lang="sk-SK" dirty="0" smtClean="0"/>
-              <a:t>= Statická spätná väzba</a:t>
-            </a:r>
-          </a:p>
-          <a:p>
-            <a:pPr lvl="1"/>
-            <a:r>
-              <a:rPr lang="sk-SK" dirty="0" smtClean="0"/>
-              <a:t>Vždy sa </a:t>
-            </a:r>
-            <a:r>
-              <a:rPr lang="sk-SK" dirty="0" err="1" smtClean="0"/>
-              <a:t>väzbí</a:t>
-            </a:r>
-            <a:r>
-              <a:rPr lang="sk-SK" dirty="0" smtClean="0"/>
-              <a:t> pomocou členov s dynamikou (integrátor, </a:t>
-            </a:r>
-            <a:r>
-              <a:rPr lang="sk-SK" dirty="0" err="1" smtClean="0"/>
-              <a:t>derivátor</a:t>
-            </a:r>
-            <a:r>
-              <a:rPr lang="sk-SK" dirty="0" smtClean="0"/>
-              <a:t>)</a:t>
-            </a:r>
-            <a:endParaRPr lang="sk-SK" dirty="0"/>
-          </a:p>
-        </p:txBody>
-      </p:sp>
-      <p:pic>
-        <p:nvPicPr>
-          <p:cNvPr id="4" name="Obrázok 3"/>
-          <p:cNvPicPr>
-            <a:picLocks noChangeAspect="1"/>
-          </p:cNvPicPr>
-          <p:nvPr/>
-        </p:nvPicPr>
-        <p:blipFill rotWithShape="1">
-          <a:blip r:embed="rId2"/>
-          <a:srcRect l="14534" t="13873" r="8348" b="19198"/>
-          <a:stretch/>
-        </p:blipFill>
-        <p:spPr>
-          <a:xfrm>
-            <a:off x="1746423" y="4011828"/>
-            <a:ext cx="5901420" cy="2378493"/>
-          </a:xfrm>
-          <a:prstGeom prst="rect">
-            <a:avLst/>
-          </a:prstGeom>
-        </p:spPr>
-      </p:pic>
-    </p:spTree>
-    <p:extLst>
-      <p:ext uri="{BB962C8B-B14F-4D97-AF65-F5344CB8AC3E}">
-        <p14:creationId xmlns:p14="http://schemas.microsoft.com/office/powerpoint/2010/main" val="841093371"/>
-      </p:ext>
-    </p:extLst>
-  </p:cSld>
-  <p:clrMapOvr>
-    <a:masterClrMapping/>
-  </p:clrMapOvr>
-</p:sld>
-</file>
-
 <file path=ppt/slides/slide43.xml><?xml version="1.0" encoding="utf-8"?>
 <p:sld xmlns:a="http://schemas.openxmlformats.org/drawingml/2006/main" xmlns:r="http://schemas.openxmlformats.org/officeDocument/2006/relationships" xmlns:p="http://schemas.openxmlformats.org/presentationml/2006/main">
   <p:cSld>
@@ -14617,7 +16093,15 @@
           <a:p>
             <a:r>
               <a:rPr lang="sk-SK" dirty="0" smtClean="0"/>
-              <a:t>Model systému</a:t>
+              <a:t>Prenos </a:t>
+            </a:r>
+            <a:r>
+              <a:rPr lang="sk-SK" dirty="0" err="1" smtClean="0"/>
+              <a:t>spätnoväzobnej</a:t>
+            </a:r>
+            <a:r>
+              <a:rPr lang="sk-SK" dirty="0" smtClean="0"/>
+              <a:t> štruktúry</a:t>
             </a:r>
             <a:endParaRPr lang="sk-SK" dirty="0"/>
           </a:p>
@@ -14638,14 +16122,103 @@
           <a:bodyPr/>
           <a:lstStyle/>
           <a:p>
-            <a:endParaRPr lang="sk-SK"/>
+            <a:pPr>
+              <a:buFont typeface="Arial" panose="020B0604020202020204" pitchFamily="34" charset="0"/>
+              <a:buChar char="•"/>
+            </a:pPr>
+            <a:endParaRPr lang="sk-SK" dirty="0" smtClean="0"/>
+          </a:p>
+          <a:p>
+            <a:pPr marL="0" indent="0">
+              <a:buNone/>
+            </a:pPr>
+            <a:endParaRPr lang="sk-SK" dirty="0" smtClean="0"/>
+          </a:p>
+          <a:p>
+            <a:pPr>
+              <a:buFont typeface="Arial" panose="020B0604020202020204" pitchFamily="34" charset="0"/>
+              <a:buChar char="•"/>
+            </a:pPr>
+            <a:r>
+              <a:rPr lang="sk-SK" dirty="0" smtClean="0"/>
+              <a:t>Pozor na </a:t>
+            </a:r>
+            <a:r>
+              <a:rPr lang="sk-SK" dirty="0" err="1" smtClean="0"/>
+              <a:t>algebraické</a:t>
+            </a:r>
+            <a:r>
+              <a:rPr lang="sk-SK" dirty="0" smtClean="0"/>
+              <a:t> slučky !!!</a:t>
+            </a:r>
+          </a:p>
+          <a:p>
+            <a:pPr lvl="1"/>
+            <a:r>
+              <a:rPr lang="sk-SK" dirty="0" smtClean="0"/>
+              <a:t>Nezmyselná spätná väzba</a:t>
+            </a:r>
+          </a:p>
+          <a:p>
+            <a:pPr lvl="1"/>
+            <a:r>
+              <a:rPr lang="sk-SK" dirty="0" smtClean="0"/>
+              <a:t>= Statická spätná väzba</a:t>
+            </a:r>
+          </a:p>
+          <a:p>
+            <a:pPr lvl="1"/>
+            <a:r>
+              <a:rPr lang="sk-SK" dirty="0" smtClean="0"/>
+              <a:t>Vždy sa </a:t>
+            </a:r>
+            <a:r>
+              <a:rPr lang="sk-SK" dirty="0" err="1" smtClean="0"/>
+              <a:t>väzbí</a:t>
+            </a:r>
+            <a:r>
+              <a:rPr lang="sk-SK" dirty="0" smtClean="0"/>
+              <a:t> pomocou členov s dynamikou (integrátor, </a:t>
+            </a:r>
+            <a:r>
+              <a:rPr lang="sk-SK" dirty="0" err="1" smtClean="0"/>
+              <a:t>derivátor</a:t>
+            </a:r>
+            <a:r>
+              <a:rPr lang="sk-SK" dirty="0" smtClean="0"/>
+              <a:t>)</a:t>
+            </a:r>
+            <a:endParaRPr lang="sk-SK" dirty="0"/>
           </a:p>
         </p:txBody>
       </p:sp>
+      <p:pic>
+        <p:nvPicPr>
+          <p:cNvPr id="4" name="Obrázok 3"/>
+          <p:cNvPicPr>
+            <a:picLocks noChangeAspect="1"/>
+          </p:cNvPicPr>
+          <p:nvPr/>
+        </p:nvPicPr>
+        <p:blipFill rotWithShape="1">
+          <a:blip r:embed="rId2"/>
+          <a:srcRect l="14534" t="13873" r="8348" b="19198"/>
+          <a:stretch/>
+        </p:blipFill>
+        <p:spPr>
+          <a:xfrm>
+            <a:off x="1746423" y="4011828"/>
+            <a:ext cx="5901420" cy="2378493"/>
+          </a:xfrm>
+          <a:prstGeom prst="rect">
+            <a:avLst/>
+          </a:prstGeom>
+        </p:spPr>
+      </p:pic>
     </p:spTree>
     <p:extLst>
       <p:ext uri="{BB962C8B-B14F-4D97-AF65-F5344CB8AC3E}">
-        <p14:creationId xmlns:p14="http://schemas.microsoft.com/office/powerpoint/2010/main" val="3548809352"/>
+        <p14:creationId xmlns:p14="http://schemas.microsoft.com/office/powerpoint/2010/main" val="841093371"/>
       </p:ext>
     </p:extLst>
   </p:cSld>
@@ -14689,7 +16262,7 @@
           <a:p>
             <a:r>
               <a:rPr lang="sk-SK" dirty="0" smtClean="0"/>
-              <a:t>Vytvorenie modelu z diferenciálnych rovníc</a:t>
+              <a:t>Model systému</a:t>
             </a:r>
             <a:endParaRPr lang="sk-SK" dirty="0"/>
           </a:p>
@@ -14717,6 +16290,78 @@
     </p:spTree>
     <p:extLst>
       <p:ext uri="{BB962C8B-B14F-4D97-AF65-F5344CB8AC3E}">
+        <p14:creationId xmlns:p14="http://schemas.microsoft.com/office/powerpoint/2010/main" val="3548809352"/>
+      </p:ext>
+    </p:extLst>
+  </p:cSld>
+  <p:clrMapOvr>
+    <a:masterClrMapping/>
+  </p:clrMapOvr>
+</p:sld>
+</file>
+
+<file path=ppt/slides/slide45.xml><?xml version="1.0" encoding="utf-8"?>
+<p:sld xmlns:a="http://schemas.openxmlformats.org/drawingml/2006/main" xmlns:r="http://schemas.openxmlformats.org/officeDocument/2006/relationships" xmlns:p="http://schemas.openxmlformats.org/presentationml/2006/main">
+  <p:cSld>
+    <p:spTree>
+      <p:nvGrpSpPr>
+        <p:cNvPr id="1" name=""/>
+        <p:cNvGrpSpPr/>
+        <p:nvPr/>
+      </p:nvGrpSpPr>
+      <p:grpSpPr>
+        <a:xfrm>
+          <a:off x="0" y="0"/>
+          <a:ext cx="0" cy="0"/>
+          <a:chOff x="0" y="0"/>
+          <a:chExt cx="0" cy="0"/>
+        </a:xfrm>
+      </p:grpSpPr>
+      <p:sp>
+        <p:nvSpPr>
+          <p:cNvPr id="2" name="Nadpis 1"/>
+          <p:cNvSpPr>
+            <a:spLocks noGrp="1"/>
+          </p:cNvSpPr>
+          <p:nvPr>
+            <p:ph type="title"/>
+          </p:nvPr>
+        </p:nvSpPr>
+        <p:spPr/>
+        <p:txBody>
+          <a:bodyPr/>
+          <a:lstStyle/>
+          <a:p>
+            <a:r>
+              <a:rPr lang="sk-SK" dirty="0" smtClean="0"/>
+              <a:t>Vytvorenie modelu z diferenciálnych rovníc</a:t>
+            </a:r>
+            <a:endParaRPr lang="sk-SK" dirty="0"/>
+          </a:p>
+        </p:txBody>
+      </p:sp>
+      <p:sp>
+        <p:nvSpPr>
+          <p:cNvPr id="3" name="Zástupný symbol obsahu 2"/>
+          <p:cNvSpPr>
+            <a:spLocks noGrp="1"/>
+          </p:cNvSpPr>
+          <p:nvPr>
+            <p:ph idx="1"/>
+          </p:nvPr>
+        </p:nvSpPr>
+        <p:spPr/>
+        <p:txBody>
+          <a:bodyPr/>
+          <a:lstStyle/>
+          <a:p>
+            <a:endParaRPr lang="sk-SK"/>
+          </a:p>
+        </p:txBody>
+      </p:sp>
+    </p:spTree>
+    <p:extLst>
+      <p:ext uri="{BB962C8B-B14F-4D97-AF65-F5344CB8AC3E}">
         <p14:creationId xmlns:p14="http://schemas.microsoft.com/office/powerpoint/2010/main" val="1805086047"/>
       </p:ext>
     </p:extLst>
@@ -14727,7 +16372,7 @@
 </p:sld>
 </file>
 
-<file path=ppt/slides/slide45.xml><?xml version="1.0" encoding="utf-8"?>
+<file path=ppt/slides/slide46.xml><?xml version="1.0" encoding="utf-8"?>
 <p:sld xmlns:a="http://schemas.openxmlformats.org/drawingml/2006/main" xmlns:r="http://schemas.openxmlformats.org/officeDocument/2006/relationships" xmlns:p="http://schemas.openxmlformats.org/presentationml/2006/main">
   <p:cSld>
     <p:spTree>
@@ -15199,7 +16844,7 @@
 </p:sld>
 </file>
 
-<file path=ppt/slides/slide46.xml><?xml version="1.0" encoding="utf-8"?>
+<file path=ppt/slides/slide47.xml><?xml version="1.0" encoding="utf-8"?>
 <p:sld xmlns:a="http://schemas.openxmlformats.org/drawingml/2006/main" xmlns:r="http://schemas.openxmlformats.org/officeDocument/2006/relationships" xmlns:p="http://schemas.openxmlformats.org/presentationml/2006/main">
   <p:cSld>
     <p:spTree>
@@ -15905,7 +17550,7 @@
 </p:sld>
 </file>
 
-<file path=ppt/slides/slide47.xml><?xml version="1.0" encoding="utf-8"?>
+<file path=ppt/slides/slide48.xml><?xml version="1.0" encoding="utf-8"?>
 <p:sld xmlns:a="http://schemas.openxmlformats.org/drawingml/2006/main" xmlns:r="http://schemas.openxmlformats.org/officeDocument/2006/relationships" xmlns:p="http://schemas.openxmlformats.org/presentationml/2006/main">
   <p:cSld>
     <p:spTree>
@@ -17002,7 +18647,7 @@
 </p:sld>
 </file>
 
-<file path=ppt/slides/slide48.xml><?xml version="1.0" encoding="utf-8"?>
+<file path=ppt/slides/slide49.xml><?xml version="1.0" encoding="utf-8"?>
 <p:sld xmlns:a="http://schemas.openxmlformats.org/drawingml/2006/main" xmlns:r="http://schemas.openxmlformats.org/officeDocument/2006/relationships" xmlns:p="http://schemas.openxmlformats.org/presentationml/2006/main">
   <p:cSld>
     <p:spTree>
@@ -17427,78 +19072,6 @@
     <p:extLst>
       <p:ext uri="{BB962C8B-B14F-4D97-AF65-F5344CB8AC3E}">
         <p14:creationId xmlns:p14="http://schemas.microsoft.com/office/powerpoint/2010/main" val="1970025449"/>
-      </p:ext>
-    </p:extLst>
-  </p:cSld>
-  <p:clrMapOvr>
-    <a:masterClrMapping/>
-  </p:clrMapOvr>
-</p:sld>
-</file>
-
-<file path=ppt/slides/slide49.xml><?xml version="1.0" encoding="utf-8"?>
-<p:sld xmlns:a="http://schemas.openxmlformats.org/drawingml/2006/main" xmlns:r="http://schemas.openxmlformats.org/officeDocument/2006/relationships" xmlns:p="http://schemas.openxmlformats.org/presentationml/2006/main">
-  <p:cSld>
-    <p:spTree>
-      <p:nvGrpSpPr>
-        <p:cNvPr id="1" name=""/>
-        <p:cNvGrpSpPr/>
-        <p:nvPr/>
-      </p:nvGrpSpPr>
-      <p:grpSpPr>
-        <a:xfrm>
-          <a:off x="0" y="0"/>
-          <a:ext cx="0" cy="0"/>
-          <a:chOff x="0" y="0"/>
-          <a:chExt cx="0" cy="0"/>
-        </a:xfrm>
-      </p:grpSpPr>
-      <p:sp>
-        <p:nvSpPr>
-          <p:cNvPr id="2" name="Nadpis 1"/>
-          <p:cNvSpPr>
-            <a:spLocks noGrp="1"/>
-          </p:cNvSpPr>
-          <p:nvPr>
-            <p:ph type="title"/>
-          </p:nvPr>
-        </p:nvSpPr>
-        <p:spPr/>
-        <p:txBody>
-          <a:bodyPr/>
-          <a:lstStyle/>
-          <a:p>
-            <a:r>
-              <a:rPr lang="sk-SK" dirty="0" smtClean="0"/>
-              <a:t>Póly-nuly-charakteristický polynóm</a:t>
-            </a:r>
-            <a:endParaRPr lang="sk-SK" dirty="0"/>
-          </a:p>
-        </p:txBody>
-      </p:sp>
-      <p:sp>
-        <p:nvSpPr>
-          <p:cNvPr id="3" name="Zástupný symbol obsahu 2"/>
-          <p:cNvSpPr>
-            <a:spLocks noGrp="1"/>
-          </p:cNvSpPr>
-          <p:nvPr>
-            <p:ph idx="1"/>
-          </p:nvPr>
-        </p:nvSpPr>
-        <p:spPr/>
-        <p:txBody>
-          <a:bodyPr/>
-          <a:lstStyle/>
-          <a:p>
-            <a:endParaRPr lang="sk-SK"/>
-          </a:p>
-        </p:txBody>
-      </p:sp>
-    </p:spTree>
-    <p:extLst>
-      <p:ext uri="{BB962C8B-B14F-4D97-AF65-F5344CB8AC3E}">
-        <p14:creationId xmlns:p14="http://schemas.microsoft.com/office/powerpoint/2010/main" val="2447591181"/>
       </p:ext>
     </p:extLst>
   </p:cSld>
@@ -17758,7 +19331,7 @@
           <a:p>
             <a:r>
               <a:rPr lang="sk-SK" dirty="0" smtClean="0"/>
-              <a:t>Stabilita systémov</a:t>
+              <a:t>Póly-nuly-charakteristický polynóm</a:t>
             </a:r>
             <a:endParaRPr lang="sk-SK" dirty="0"/>
           </a:p>
@@ -17786,7 +19359,7 @@
     </p:spTree>
     <p:extLst>
       <p:ext uri="{BB962C8B-B14F-4D97-AF65-F5344CB8AC3E}">
-        <p14:creationId xmlns:p14="http://schemas.microsoft.com/office/powerpoint/2010/main" val="2491538192"/>
+        <p14:creationId xmlns:p14="http://schemas.microsoft.com/office/powerpoint/2010/main" val="2447591181"/>
       </p:ext>
     </p:extLst>
   </p:cSld>
@@ -17830,7 +19403,7 @@
           <a:p>
             <a:r>
               <a:rPr lang="sk-SK" dirty="0" smtClean="0"/>
-              <a:t>Všeobecné kritérium stability</a:t>
+              <a:t>Stabilita systémov</a:t>
             </a:r>
             <a:endParaRPr lang="sk-SK" dirty="0"/>
           </a:p>
@@ -17858,7 +19431,7 @@
     </p:spTree>
     <p:extLst>
       <p:ext uri="{BB962C8B-B14F-4D97-AF65-F5344CB8AC3E}">
-        <p14:creationId xmlns:p14="http://schemas.microsoft.com/office/powerpoint/2010/main" val="3955982061"/>
+        <p14:creationId xmlns:p14="http://schemas.microsoft.com/office/powerpoint/2010/main" val="2491538192"/>
       </p:ext>
     </p:extLst>
   </p:cSld>
@@ -17902,7 +19475,7 @@
           <a:p>
             <a:r>
               <a:rPr lang="sk-SK" dirty="0" smtClean="0"/>
-              <a:t>Charakteristiky systémov</a:t>
+              <a:t>Všeobecné kritérium stability</a:t>
             </a:r>
             <a:endParaRPr lang="sk-SK" dirty="0"/>
           </a:p>
@@ -17930,7 +19503,7 @@
     </p:spTree>
     <p:extLst>
       <p:ext uri="{BB962C8B-B14F-4D97-AF65-F5344CB8AC3E}">
-        <p14:creationId xmlns:p14="http://schemas.microsoft.com/office/powerpoint/2010/main" val="1783867593"/>
+        <p14:creationId xmlns:p14="http://schemas.microsoft.com/office/powerpoint/2010/main" val="3955982061"/>
       </p:ext>
     </p:extLst>
   </p:cSld>
@@ -17974,7 +19547,7 @@
           <a:p>
             <a:r>
               <a:rPr lang="sk-SK" dirty="0" smtClean="0"/>
-              <a:t>Prechodová charakteristika</a:t>
+              <a:t>Charakteristiky systémov</a:t>
             </a:r>
             <a:endParaRPr lang="sk-SK" dirty="0"/>
           </a:p>
@@ -18002,7 +19575,7 @@
     </p:spTree>
     <p:extLst>
       <p:ext uri="{BB962C8B-B14F-4D97-AF65-F5344CB8AC3E}">
-        <p14:creationId xmlns:p14="http://schemas.microsoft.com/office/powerpoint/2010/main" val="3343495099"/>
+        <p14:creationId xmlns:p14="http://schemas.microsoft.com/office/powerpoint/2010/main" val="1783867593"/>
       </p:ext>
     </p:extLst>
   </p:cSld>
@@ -18046,7 +19619,7 @@
           <a:p>
             <a:r>
               <a:rPr lang="sk-SK" dirty="0" smtClean="0"/>
-              <a:t>Vplyv pólov a núl na dynamiku systému</a:t>
+              <a:t>Prechodová charakteristika</a:t>
             </a:r>
             <a:endParaRPr lang="sk-SK" dirty="0"/>
           </a:p>
@@ -18074,6 +19647,78 @@
     </p:spTree>
     <p:extLst>
       <p:ext uri="{BB962C8B-B14F-4D97-AF65-F5344CB8AC3E}">
+        <p14:creationId xmlns:p14="http://schemas.microsoft.com/office/powerpoint/2010/main" val="3343495099"/>
+      </p:ext>
+    </p:extLst>
+  </p:cSld>
+  <p:clrMapOvr>
+    <a:masterClrMapping/>
+  </p:clrMapOvr>
+</p:sld>
+</file>
+
+<file path=ppt/slides/slide55.xml><?xml version="1.0" encoding="utf-8"?>
+<p:sld xmlns:a="http://schemas.openxmlformats.org/drawingml/2006/main" xmlns:r="http://schemas.openxmlformats.org/officeDocument/2006/relationships" xmlns:p="http://schemas.openxmlformats.org/presentationml/2006/main">
+  <p:cSld>
+    <p:spTree>
+      <p:nvGrpSpPr>
+        <p:cNvPr id="1" name=""/>
+        <p:cNvGrpSpPr/>
+        <p:nvPr/>
+      </p:nvGrpSpPr>
+      <p:grpSpPr>
+        <a:xfrm>
+          <a:off x="0" y="0"/>
+          <a:ext cx="0" cy="0"/>
+          <a:chOff x="0" y="0"/>
+          <a:chExt cx="0" cy="0"/>
+        </a:xfrm>
+      </p:grpSpPr>
+      <p:sp>
+        <p:nvSpPr>
+          <p:cNvPr id="2" name="Nadpis 1"/>
+          <p:cNvSpPr>
+            <a:spLocks noGrp="1"/>
+          </p:cNvSpPr>
+          <p:nvPr>
+            <p:ph type="title"/>
+          </p:nvPr>
+        </p:nvSpPr>
+        <p:spPr/>
+        <p:txBody>
+          <a:bodyPr/>
+          <a:lstStyle/>
+          <a:p>
+            <a:r>
+              <a:rPr lang="sk-SK" dirty="0" smtClean="0"/>
+              <a:t>Vplyv pólov a núl na dynamiku systému</a:t>
+            </a:r>
+            <a:endParaRPr lang="sk-SK" dirty="0"/>
+          </a:p>
+        </p:txBody>
+      </p:sp>
+      <p:sp>
+        <p:nvSpPr>
+          <p:cNvPr id="3" name="Zástupný symbol obsahu 2"/>
+          <p:cNvSpPr>
+            <a:spLocks noGrp="1"/>
+          </p:cNvSpPr>
+          <p:nvPr>
+            <p:ph idx="1"/>
+          </p:nvPr>
+        </p:nvSpPr>
+        <p:spPr/>
+        <p:txBody>
+          <a:bodyPr/>
+          <a:lstStyle/>
+          <a:p>
+            <a:endParaRPr lang="sk-SK"/>
+          </a:p>
+        </p:txBody>
+      </p:sp>
+    </p:spTree>
+    <p:extLst>
+      <p:ext uri="{BB962C8B-B14F-4D97-AF65-F5344CB8AC3E}">
         <p14:creationId xmlns:p14="http://schemas.microsoft.com/office/powerpoint/2010/main" val="4247704593"/>
       </p:ext>
     </p:extLst>
@@ -18084,7 +19729,7 @@
 </p:sld>
 </file>
 
-<file path=ppt/slides/slide55.xml><?xml version="1.0" encoding="utf-8"?>
+<file path=ppt/slides/slide56.xml><?xml version="1.0" encoding="utf-8"?>
 <p:sld xmlns:a="http://schemas.openxmlformats.org/drawingml/2006/main" xmlns:r="http://schemas.openxmlformats.org/officeDocument/2006/relationships" xmlns:p="http://schemas.openxmlformats.org/presentationml/2006/main">
   <p:cSld>
     <p:spTree>

--- a/Nove prednasky/P01_dynamika_dif_rovnice_LPT_prenosova_funkcia_modelovanie.pptx
+++ b/Nove prednasky/P01_dynamika_dif_rovnice_LPT_prenosova_funkcia_modelovanie.pptx
@@ -21,50 +21,52 @@
     <p:sldId id="302" r:id="rId15"/>
     <p:sldId id="303" r:id="rId16"/>
     <p:sldId id="325" r:id="rId17"/>
-    <p:sldId id="273" r:id="rId18"/>
-    <p:sldId id="317" r:id="rId19"/>
-    <p:sldId id="321" r:id="rId20"/>
-    <p:sldId id="319" r:id="rId21"/>
-    <p:sldId id="324" r:id="rId22"/>
-    <p:sldId id="323" r:id="rId23"/>
-    <p:sldId id="283" r:id="rId24"/>
-    <p:sldId id="320" r:id="rId25"/>
-    <p:sldId id="316" r:id="rId26"/>
-    <p:sldId id="322" r:id="rId27"/>
-    <p:sldId id="282" r:id="rId28"/>
-    <p:sldId id="276" r:id="rId29"/>
-    <p:sldId id="278" r:id="rId30"/>
-    <p:sldId id="326" r:id="rId31"/>
-    <p:sldId id="274" r:id="rId32"/>
-    <p:sldId id="284" r:id="rId33"/>
-    <p:sldId id="285" r:id="rId34"/>
-    <p:sldId id="299" r:id="rId35"/>
-    <p:sldId id="300" r:id="rId36"/>
-    <p:sldId id="275" r:id="rId37"/>
-    <p:sldId id="292" r:id="rId38"/>
-    <p:sldId id="293" r:id="rId39"/>
-    <p:sldId id="294" r:id="rId40"/>
-    <p:sldId id="279" r:id="rId41"/>
-    <p:sldId id="314" r:id="rId42"/>
-    <p:sldId id="315" r:id="rId43"/>
-    <p:sldId id="313" r:id="rId44"/>
-    <p:sldId id="328" r:id="rId45"/>
-    <p:sldId id="280" r:id="rId46"/>
-    <p:sldId id="308" r:id="rId47"/>
-    <p:sldId id="309" r:id="rId48"/>
-    <p:sldId id="311" r:id="rId49"/>
-    <p:sldId id="312" r:id="rId50"/>
-    <p:sldId id="310" r:id="rId51"/>
-    <p:sldId id="281" r:id="rId52"/>
-    <p:sldId id="290" r:id="rId53"/>
-    <p:sldId id="291" r:id="rId54"/>
-    <p:sldId id="286" r:id="rId55"/>
-    <p:sldId id="327" r:id="rId56"/>
-    <p:sldId id="287" r:id="rId57"/>
-    <p:sldId id="288" r:id="rId58"/>
-    <p:sldId id="329" r:id="rId59"/>
-    <p:sldId id="330" r:id="rId60"/>
-    <p:sldId id="289" r:id="rId61"/>
+    <p:sldId id="331" r:id="rId18"/>
+    <p:sldId id="332" r:id="rId19"/>
+    <p:sldId id="273" r:id="rId20"/>
+    <p:sldId id="317" r:id="rId21"/>
+    <p:sldId id="321" r:id="rId22"/>
+    <p:sldId id="319" r:id="rId23"/>
+    <p:sldId id="324" r:id="rId24"/>
+    <p:sldId id="323" r:id="rId25"/>
+    <p:sldId id="283" r:id="rId26"/>
+    <p:sldId id="320" r:id="rId27"/>
+    <p:sldId id="316" r:id="rId28"/>
+    <p:sldId id="322" r:id="rId29"/>
+    <p:sldId id="282" r:id="rId30"/>
+    <p:sldId id="276" r:id="rId31"/>
+    <p:sldId id="278" r:id="rId32"/>
+    <p:sldId id="326" r:id="rId33"/>
+    <p:sldId id="274" r:id="rId34"/>
+    <p:sldId id="284" r:id="rId35"/>
+    <p:sldId id="285" r:id="rId36"/>
+    <p:sldId id="299" r:id="rId37"/>
+    <p:sldId id="300" r:id="rId38"/>
+    <p:sldId id="275" r:id="rId39"/>
+    <p:sldId id="292" r:id="rId40"/>
+    <p:sldId id="293" r:id="rId41"/>
+    <p:sldId id="294" r:id="rId42"/>
+    <p:sldId id="279" r:id="rId43"/>
+    <p:sldId id="314" r:id="rId44"/>
+    <p:sldId id="315" r:id="rId45"/>
+    <p:sldId id="313" r:id="rId46"/>
+    <p:sldId id="328" r:id="rId47"/>
+    <p:sldId id="280" r:id="rId48"/>
+    <p:sldId id="308" r:id="rId49"/>
+    <p:sldId id="309" r:id="rId50"/>
+    <p:sldId id="311" r:id="rId51"/>
+    <p:sldId id="312" r:id="rId52"/>
+    <p:sldId id="310" r:id="rId53"/>
+    <p:sldId id="281" r:id="rId54"/>
+    <p:sldId id="290" r:id="rId55"/>
+    <p:sldId id="291" r:id="rId56"/>
+    <p:sldId id="286" r:id="rId57"/>
+    <p:sldId id="327" r:id="rId58"/>
+    <p:sldId id="287" r:id="rId59"/>
+    <p:sldId id="288" r:id="rId60"/>
+    <p:sldId id="329" r:id="rId61"/>
+    <p:sldId id="330" r:id="rId62"/>
+    <p:sldId id="289" r:id="rId63"/>
   </p:sldIdLst>
   <p:sldSz cx="9144000" cy="6858000" type="screen4x3"/>
   <p:notesSz cx="6858000" cy="9144000"/>
@@ -457,7 +459,7 @@
           <a:p>
             <a:fld id="{B1F4BD78-2EC2-485B-A16B-A2D870866C74}" type="datetimeFigureOut">
               <a:rPr lang="sk-SK" smtClean="0"/>
-              <a:t>4.6.2019</a:t>
+              <a:t>4. 6. 2019</a:t>
             </a:fld>
             <a:endParaRPr lang="sk-SK"/>
           </a:p>
@@ -548,7 +550,7 @@
           <p:cNvPr id="11" name="Obrázok 10">
             <a:extLst>
               <a:ext uri="{FF2B5EF4-FFF2-40B4-BE49-F238E27FC236}">
-                <a16:creationId xmlns:a16="http://schemas.microsoft.com/office/drawing/2014/main" xmlns="" id="{D575F8E8-6CC8-49FD-8010-88908C002CDA}"/>
+                <a16:creationId xmlns="" xmlns:a16="http://schemas.microsoft.com/office/drawing/2014/main" id="{D575F8E8-6CC8-49FD-8010-88908C002CDA}"/>
               </a:ext>
             </a:extLst>
           </p:cNvPr>
@@ -584,7 +586,7 @@
           <p:cNvPr id="13" name="Obrázok 12">
             <a:extLst>
               <a:ext uri="{FF2B5EF4-FFF2-40B4-BE49-F238E27FC236}">
-                <a16:creationId xmlns:a16="http://schemas.microsoft.com/office/drawing/2014/main" xmlns="" id="{E0A78DBF-D0B2-42A5-9F1D-0CAC637C7D2D}"/>
+                <a16:creationId xmlns="" xmlns:a16="http://schemas.microsoft.com/office/drawing/2014/main" id="{E0A78DBF-D0B2-42A5-9F1D-0CAC637C7D2D}"/>
               </a:ext>
             </a:extLst>
           </p:cNvPr>
@@ -741,7 +743,7 @@
           <a:p>
             <a:fld id="{B1F4BD78-2EC2-485B-A16B-A2D870866C74}" type="datetimeFigureOut">
               <a:rPr lang="sk-SK" smtClean="0"/>
-              <a:t>4.6.2019</a:t>
+              <a:t>4. 6. 2019</a:t>
             </a:fld>
             <a:endParaRPr lang="sk-SK"/>
           </a:p>
@@ -1084,7 +1086,7 @@
           <a:p>
             <a:fld id="{B1F4BD78-2EC2-485B-A16B-A2D870866C74}" type="datetimeFigureOut">
               <a:rPr lang="sk-SK" smtClean="0"/>
-              <a:t>4.6.2019</a:t>
+              <a:t>4. 6. 2019</a:t>
             </a:fld>
             <a:endParaRPr lang="sk-SK"/>
           </a:p>
@@ -1359,7 +1361,7 @@
           <a:p>
             <a:fld id="{B1F4BD78-2EC2-485B-A16B-A2D870866C74}" type="datetimeFigureOut">
               <a:rPr lang="sk-SK" smtClean="0"/>
-              <a:t>4.6.2019</a:t>
+              <a:t>4. 6. 2019</a:t>
             </a:fld>
             <a:endParaRPr lang="sk-SK"/>
           </a:p>
@@ -1738,7 +1740,7 @@
           <a:p>
             <a:fld id="{B1F4BD78-2EC2-485B-A16B-A2D870866C74}" type="datetimeFigureOut">
               <a:rPr lang="sk-SK" smtClean="0"/>
-              <a:t>4.6.2019</a:t>
+              <a:t>4. 6. 2019</a:t>
             </a:fld>
             <a:endParaRPr lang="sk-SK"/>
           </a:p>
@@ -1856,7 +1858,7 @@
           <a:p>
             <a:fld id="{B1F4BD78-2EC2-485B-A16B-A2D870866C74}" type="datetimeFigureOut">
               <a:rPr lang="sk-SK" smtClean="0"/>
-              <a:t>4.6.2019</a:t>
+              <a:t>4. 6. 2019</a:t>
             </a:fld>
             <a:endParaRPr lang="sk-SK"/>
           </a:p>
@@ -2027,7 +2029,7 @@
           <a:p>
             <a:fld id="{B1F4BD78-2EC2-485B-A16B-A2D870866C74}" type="datetimeFigureOut">
               <a:rPr lang="sk-SK" smtClean="0"/>
-              <a:t>4.6.2019</a:t>
+              <a:t>4. 6. 2019</a:t>
             </a:fld>
             <a:endParaRPr lang="sk-SK"/>
           </a:p>
@@ -2381,7 +2383,7 @@
           <a:p>
             <a:fld id="{B1F4BD78-2EC2-485B-A16B-A2D870866C74}" type="datetimeFigureOut">
               <a:rPr lang="sk-SK" smtClean="0"/>
-              <a:t>4.6.2019</a:t>
+              <a:t>4. 6. 2019</a:t>
             </a:fld>
             <a:endParaRPr lang="sk-SK"/>
           </a:p>
@@ -2763,7 +2765,7 @@
           <a:p>
             <a:fld id="{B1F4BD78-2EC2-485B-A16B-A2D870866C74}" type="datetimeFigureOut">
               <a:rPr lang="sk-SK" smtClean="0"/>
-              <a:t>4.6.2019</a:t>
+              <a:t>4. 6. 2019</a:t>
             </a:fld>
             <a:endParaRPr lang="sk-SK"/>
           </a:p>
@@ -3058,7 +3060,7 @@
           <a:p>
             <a:fld id="{B1F4BD78-2EC2-485B-A16B-A2D870866C74}" type="datetimeFigureOut">
               <a:rPr lang="sk-SK" smtClean="0"/>
-              <a:t>4.6.2019</a:t>
+              <a:t>4. 6. 2019</a:t>
             </a:fld>
             <a:endParaRPr lang="sk-SK"/>
           </a:p>
@@ -3544,7 +3546,7 @@
           <p:cNvPr id="2" name="Nadpis 1">
             <a:extLst>
               <a:ext uri="{FF2B5EF4-FFF2-40B4-BE49-F238E27FC236}">
-                <a16:creationId xmlns="" xmlns:a16="http://schemas.microsoft.com/office/drawing/2014/main" id="{8C9FEECD-5BD9-4CA4-ACC1-DA9C1EDD96B6}"/>
+                <a16:creationId xmlns:a16="http://schemas.microsoft.com/office/drawing/2014/main" xmlns="" id="{8C9FEECD-5BD9-4CA4-ACC1-DA9C1EDD96B6}"/>
               </a:ext>
             </a:extLst>
           </p:cNvPr>
@@ -3624,7 +3626,7 @@
           <p:cNvPr id="3" name="Podnadpis 2">
             <a:extLst>
               <a:ext uri="{FF2B5EF4-FFF2-40B4-BE49-F238E27FC236}">
-                <a16:creationId xmlns="" xmlns:a16="http://schemas.microsoft.com/office/drawing/2014/main" id="{313B57F5-B394-40F1-BEAB-F5B71B2FEDE1}"/>
+                <a16:creationId xmlns:a16="http://schemas.microsoft.com/office/drawing/2014/main" xmlns="" id="{313B57F5-B394-40F1-BEAB-F5B71B2FEDE1}"/>
               </a:ext>
             </a:extLst>
           </p:cNvPr>
@@ -4196,7 +4198,7 @@
           <p:cNvPr id="3" name="Zástupný objekt pre obsah 2">
             <a:extLst>
               <a:ext uri="{FF2B5EF4-FFF2-40B4-BE49-F238E27FC236}">
-                <a16:creationId xmlns:a16="http://schemas.microsoft.com/office/drawing/2014/main" xmlns="" id="{A74476A0-8C3D-4B4B-ABC1-78C4925E54B4}"/>
+                <a16:creationId xmlns="" xmlns:a16="http://schemas.microsoft.com/office/drawing/2014/main" id="{A74476A0-8C3D-4B4B-ABC1-78C4925E54B4}"/>
               </a:ext>
             </a:extLst>
           </p:cNvPr>
@@ -4350,7 +4352,7 @@
           <p:cNvPr id="2" name="Nadpis 1">
             <a:extLst>
               <a:ext uri="{FF2B5EF4-FFF2-40B4-BE49-F238E27FC236}">
-                <a16:creationId xmlns:a16="http://schemas.microsoft.com/office/drawing/2014/main" xmlns="" id="{A60D084F-ACFD-4F46-B5DB-65DDF10CFCE9}"/>
+                <a16:creationId xmlns="" xmlns:a16="http://schemas.microsoft.com/office/drawing/2014/main" id="{A60D084F-ACFD-4F46-B5DB-65DDF10CFCE9}"/>
               </a:ext>
             </a:extLst>
           </p:cNvPr>
@@ -4500,7 +4502,7 @@
           <p:cNvPr id="2" name="Nadpis 1">
             <a:extLst>
               <a:ext uri="{FF2B5EF4-FFF2-40B4-BE49-F238E27FC236}">
-                <a16:creationId xmlns:a16="http://schemas.microsoft.com/office/drawing/2014/main" xmlns="" id="{59DC17C1-419D-44F2-987B-AD5E29D750B8}"/>
+                <a16:creationId xmlns="" xmlns:a16="http://schemas.microsoft.com/office/drawing/2014/main" id="{59DC17C1-419D-44F2-987B-AD5E29D750B8}"/>
               </a:ext>
             </a:extLst>
           </p:cNvPr>
@@ -4529,7 +4531,7 @@
           <p:cNvPr id="3" name="Zástupný objekt pre obsah 2">
             <a:extLst>
               <a:ext uri="{FF2B5EF4-FFF2-40B4-BE49-F238E27FC236}">
-                <a16:creationId xmlns:a16="http://schemas.microsoft.com/office/drawing/2014/main" xmlns="" id="{5BD42F2B-ABA1-4F3A-865F-32330FB152D7}"/>
+                <a16:creationId xmlns="" xmlns:a16="http://schemas.microsoft.com/office/drawing/2014/main" id="{5BD42F2B-ABA1-4F3A-865F-32330FB152D7}"/>
               </a:ext>
             </a:extLst>
           </p:cNvPr>
@@ -4747,7 +4749,7 @@
           <a:graphicData uri="http://schemas.openxmlformats.org/presentationml/2006/ole">
             <mc:AlternateContent xmlns:mc="http://schemas.openxmlformats.org/markup-compatibility/2006">
               <mc:Choice xmlns:v="urn:schemas-microsoft-com:vml" Requires="v">
-                <p:oleObj spid="_x0000_s4150" name="Rovnica" r:id="rId3" imgW="3187700" imgH="901700" progId="Equation.3">
+                <p:oleObj spid="_x0000_s4152" name="Rovnica" r:id="rId3" imgW="3187700" imgH="901700" progId="Equation.3">
                   <p:embed/>
                 </p:oleObj>
               </mc:Choice>
@@ -5263,7 +5265,7 @@
                   <a:buChar char="•"/>
                 </a:pPr>
                 <a:r>
-                  <a:rPr lang="sk-SK" dirty="0" err="1" smtClean="0"/>
+                  <a:rPr lang="sk-SK" dirty="0" smtClean="0"/>
                   <a:t>Hornopriepustný</a:t>
                 </a:r>
                 <a:r>
@@ -6209,6 +6211,12 @@
                         </m:r>
                       </m:den>
                     </m:f>
+                    <m:r>
+                      <a:rPr lang="sk-SK" sz="1800" b="0" i="1" smtClean="0">
+                        <a:latin typeface="Cambria Math" panose="02040503050406030204" pitchFamily="18" charset="0"/>
+                      </a:rPr>
+                      <m:t>+</m:t>
+                    </m:r>
                     <m:f>
                       <m:fPr>
                         <m:ctrlPr>
@@ -6314,7 +6322,7 @@
                       <a:rPr lang="sk-SK" sz="1800" b="0" i="1" smtClean="0">
                         <a:latin typeface="Cambria Math" panose="02040503050406030204" pitchFamily="18" charset="0"/>
                       </a:rPr>
-                      <m:t>=−</m:t>
+                      <m:t>=</m:t>
                     </m:r>
                     <m:sSub>
                       <m:sSubPr>
@@ -6357,7 +6365,7 @@
                       <a:rPr lang="sk-SK" sz="1800" b="0" i="1" smtClean="0">
                         <a:latin typeface="Cambria Math" panose="02040503050406030204" pitchFamily="18" charset="0"/>
                       </a:rPr>
-                      <m:t>−</m:t>
+                      <m:t>+</m:t>
                     </m:r>
                     <m:f>
                       <m:fPr>
@@ -6596,7 +6604,7 @@
                   <a:buChar char="•"/>
                 </a:pPr>
                 <a:r>
-                  <a:rPr lang="sk-SK" dirty="0" err="1" smtClean="0"/>
+                  <a:rPr lang="sk-SK" dirty="0" smtClean="0"/>
                   <a:t>Dolnopriepustný</a:t>
                 </a:r>
                 <a:r>
@@ -6813,6 +6821,605 @@
                     </m:sSub>
                   </m:oMath>
                 </a14:m>
+                <a:endParaRPr lang="sk-SK" dirty="0" smtClean="0"/>
+              </a:p>
+              <a:p>
+                <a:pPr>
+                  <a:buFont typeface="Arial" panose="020B0604020202020204" pitchFamily="34" charset="0"/>
+                  <a:buChar char="•"/>
+                </a:pPr>
+                <a14:m>
+                  <m:oMath xmlns:m="http://schemas.openxmlformats.org/officeDocument/2006/math">
+                    <m:sSub>
+                      <m:sSubPr>
+                        <m:ctrlPr>
+                          <a:rPr lang="sk-SK" i="1">
+                            <a:latin typeface="Cambria Math" panose="02040503050406030204" pitchFamily="18" charset="0"/>
+                          </a:rPr>
+                        </m:ctrlPr>
+                      </m:sSubPr>
+                      <m:e>
+                        <m:r>
+                          <a:rPr lang="sk-SK" i="1">
+                            <a:latin typeface="Cambria Math" panose="02040503050406030204" pitchFamily="18" charset="0"/>
+                          </a:rPr>
+                          <m:t>𝑈</m:t>
+                        </m:r>
+                      </m:e>
+                      <m:sub>
+                        <m:r>
+                          <a:rPr lang="sk-SK" b="0" i="1" smtClean="0">
+                            <a:latin typeface="Cambria Math" panose="02040503050406030204" pitchFamily="18" charset="0"/>
+                          </a:rPr>
+                          <m:t>𝐶</m:t>
+                        </m:r>
+                      </m:sub>
+                    </m:sSub>
+                    <m:r>
+                      <a:rPr lang="sk-SK" i="1">
+                        <a:latin typeface="Cambria Math" panose="02040503050406030204" pitchFamily="18" charset="0"/>
+                      </a:rPr>
+                      <m:t>=</m:t>
+                    </m:r>
+                    <m:sSub>
+                      <m:sSubPr>
+                        <m:ctrlPr>
+                          <a:rPr lang="sk-SK" i="1">
+                            <a:latin typeface="Cambria Math" panose="02040503050406030204" pitchFamily="18" charset="0"/>
+                          </a:rPr>
+                        </m:ctrlPr>
+                      </m:sSubPr>
+                      <m:e>
+                        <m:r>
+                          <a:rPr lang="sk-SK" i="1">
+                            <a:latin typeface="Cambria Math" panose="02040503050406030204" pitchFamily="18" charset="0"/>
+                          </a:rPr>
+                          <m:t>𝑈</m:t>
+                        </m:r>
+                      </m:e>
+                      <m:sub>
+                        <m:r>
+                          <a:rPr lang="sk-SK" i="1">
+                            <a:latin typeface="Cambria Math" panose="02040503050406030204" pitchFamily="18" charset="0"/>
+                          </a:rPr>
+                          <m:t>𝑜𝑢𝑡</m:t>
+                        </m:r>
+                      </m:sub>
+                    </m:sSub>
+                  </m:oMath>
+                </a14:m>
+                <a:endParaRPr lang="sk-SK" dirty="0" smtClean="0"/>
+              </a:p>
+              <a:p>
+                <a:pPr>
+                  <a:buFont typeface="Arial" panose="020B0604020202020204" pitchFamily="34" charset="0"/>
+                  <a:buChar char="•"/>
+                </a:pPr>
+                <a14:m>
+                  <m:oMath xmlns:m="http://schemas.openxmlformats.org/officeDocument/2006/math">
+                    <m:sSub>
+                      <m:sSubPr>
+                        <m:ctrlPr>
+                          <a:rPr lang="sk-SK" i="1">
+                            <a:latin typeface="Cambria Math" panose="02040503050406030204" pitchFamily="18" charset="0"/>
+                          </a:rPr>
+                        </m:ctrlPr>
+                      </m:sSubPr>
+                      <m:e>
+                        <m:r>
+                          <a:rPr lang="sk-SK" i="1">
+                            <a:latin typeface="Cambria Math" panose="02040503050406030204" pitchFamily="18" charset="0"/>
+                          </a:rPr>
+                          <m:t>𝑈</m:t>
+                        </m:r>
+                      </m:e>
+                      <m:sub>
+                        <m:r>
+                          <a:rPr lang="sk-SK" i="1">
+                            <a:latin typeface="Cambria Math" panose="02040503050406030204" pitchFamily="18" charset="0"/>
+                          </a:rPr>
+                          <m:t>𝑅</m:t>
+                        </m:r>
+                      </m:sub>
+                    </m:sSub>
+                    <m:r>
+                      <a:rPr lang="sk-SK" i="1">
+                        <a:latin typeface="Cambria Math" panose="02040503050406030204" pitchFamily="18" charset="0"/>
+                      </a:rPr>
+                      <m:t>=</m:t>
+                    </m:r>
+                    <m:r>
+                      <a:rPr lang="sk-SK" i="1">
+                        <a:latin typeface="Cambria Math" panose="02040503050406030204" pitchFamily="18" charset="0"/>
+                      </a:rPr>
+                      <m:t>𝑖𝑅</m:t>
+                    </m:r>
+                  </m:oMath>
+                </a14:m>
+                <a:endParaRPr lang="sk-SK" dirty="0" smtClean="0"/>
+              </a:p>
+              <a:p>
+                <a:pPr>
+                  <a:buFont typeface="Arial" panose="020B0604020202020204" pitchFamily="34" charset="0"/>
+                  <a:buChar char="•"/>
+                </a:pPr>
+                <a14:m>
+                  <m:oMath xmlns:m="http://schemas.openxmlformats.org/officeDocument/2006/math">
+                    <m:sSub>
+                      <m:sSubPr>
+                        <m:ctrlPr>
+                          <a:rPr lang="sk-SK" i="1" smtClean="0">
+                            <a:latin typeface="Cambria Math" panose="02040503050406030204" pitchFamily="18" charset="0"/>
+                          </a:rPr>
+                        </m:ctrlPr>
+                      </m:sSubPr>
+                      <m:e>
+                        <m:r>
+                          <a:rPr lang="sk-SK" b="0" i="1" smtClean="0">
+                            <a:latin typeface="Cambria Math" panose="02040503050406030204" pitchFamily="18" charset="0"/>
+                          </a:rPr>
+                          <m:t>𝑖</m:t>
+                        </m:r>
+                      </m:e>
+                      <m:sub>
+                        <m:r>
+                          <a:rPr lang="sk-SK" b="0" i="1" smtClean="0">
+                            <a:latin typeface="Cambria Math" panose="02040503050406030204" pitchFamily="18" charset="0"/>
+                          </a:rPr>
+                          <m:t>𝑐</m:t>
+                        </m:r>
+                      </m:sub>
+                    </m:sSub>
+                    <m:r>
+                      <a:rPr lang="sk-SK" b="0" i="1" smtClean="0">
+                        <a:latin typeface="Cambria Math" panose="02040503050406030204" pitchFamily="18" charset="0"/>
+                      </a:rPr>
+                      <m:t>=</m:t>
+                    </m:r>
+                    <m:r>
+                      <a:rPr lang="sk-SK" b="0" i="1" smtClean="0">
+                        <a:latin typeface="Cambria Math" panose="02040503050406030204" pitchFamily="18" charset="0"/>
+                      </a:rPr>
+                      <m:t>𝐶</m:t>
+                    </m:r>
+                    <m:f>
+                      <m:fPr>
+                        <m:ctrlPr>
+                          <a:rPr lang="sk-SK" b="0" i="1" smtClean="0">
+                            <a:latin typeface="Cambria Math" panose="02040503050406030204" pitchFamily="18" charset="0"/>
+                          </a:rPr>
+                        </m:ctrlPr>
+                      </m:fPr>
+                      <m:num>
+                        <m:r>
+                          <a:rPr lang="sk-SK" b="0" i="1" smtClean="0">
+                            <a:latin typeface="Cambria Math" panose="02040503050406030204" pitchFamily="18" charset="0"/>
+                          </a:rPr>
+                          <m:t>𝑑</m:t>
+                        </m:r>
+                        <m:sSub>
+                          <m:sSubPr>
+                            <m:ctrlPr>
+                              <a:rPr lang="sk-SK" i="1">
+                                <a:latin typeface="Cambria Math" panose="02040503050406030204" pitchFamily="18" charset="0"/>
+                              </a:rPr>
+                            </m:ctrlPr>
+                          </m:sSubPr>
+                          <m:e>
+                            <m:r>
+                              <a:rPr lang="sk-SK" i="1">
+                                <a:latin typeface="Cambria Math" panose="02040503050406030204" pitchFamily="18" charset="0"/>
+                              </a:rPr>
+                              <m:t>𝑈</m:t>
+                            </m:r>
+                          </m:e>
+                          <m:sub>
+                            <m:r>
+                              <a:rPr lang="sk-SK" i="1">
+                                <a:latin typeface="Cambria Math" panose="02040503050406030204" pitchFamily="18" charset="0"/>
+                              </a:rPr>
+                              <m:t>𝐶</m:t>
+                            </m:r>
+                          </m:sub>
+                        </m:sSub>
+                      </m:num>
+                      <m:den>
+                        <m:r>
+                          <a:rPr lang="sk-SK" b="0" i="1" smtClean="0">
+                            <a:latin typeface="Cambria Math" panose="02040503050406030204" pitchFamily="18" charset="0"/>
+                          </a:rPr>
+                          <m:t>𝑑𝑡</m:t>
+                        </m:r>
+                      </m:den>
+                    </m:f>
+                  </m:oMath>
+                </a14:m>
+                <a:endParaRPr lang="sk-SK" dirty="0" smtClean="0"/>
+              </a:p>
+              <a:p>
+                <a:pPr>
+                  <a:buFont typeface="Arial" panose="020B0604020202020204" pitchFamily="34" charset="0"/>
+                  <a:buChar char="•"/>
+                </a:pPr>
+                <a14:m>
+                  <m:oMath xmlns:m="http://schemas.openxmlformats.org/officeDocument/2006/math">
+                    <m:sSub>
+                      <m:sSubPr>
+                        <m:ctrlPr>
+                          <a:rPr lang="sk-SK" i="1">
+                            <a:latin typeface="Cambria Math" panose="02040503050406030204" pitchFamily="18" charset="0"/>
+                          </a:rPr>
+                        </m:ctrlPr>
+                      </m:sSubPr>
+                      <m:e>
+                        <m:r>
+                          <a:rPr lang="sk-SK" i="1">
+                            <a:latin typeface="Cambria Math" panose="02040503050406030204" pitchFamily="18" charset="0"/>
+                          </a:rPr>
+                          <m:t>𝑖</m:t>
+                        </m:r>
+                      </m:e>
+                      <m:sub>
+                        <m:r>
+                          <a:rPr lang="sk-SK" i="1">
+                            <a:latin typeface="Cambria Math" panose="02040503050406030204" pitchFamily="18" charset="0"/>
+                          </a:rPr>
+                          <m:t>𝐶</m:t>
+                        </m:r>
+                      </m:sub>
+                    </m:sSub>
+                    <m:r>
+                      <a:rPr lang="sk-SK" i="1">
+                        <a:latin typeface="Cambria Math" panose="02040503050406030204" pitchFamily="18" charset="0"/>
+                      </a:rPr>
+                      <m:t>=</m:t>
+                    </m:r>
+                    <m:r>
+                      <a:rPr lang="sk-SK" i="1">
+                        <a:latin typeface="Cambria Math" panose="02040503050406030204" pitchFamily="18" charset="0"/>
+                      </a:rPr>
+                      <m:t>𝑖</m:t>
+                    </m:r>
+                  </m:oMath>
+                </a14:m>
+                <a:endParaRPr lang="sk-SK" dirty="0"/>
+              </a:p>
+              <a:p>
+                <a:pPr>
+                  <a:buFont typeface="Arial" panose="020B0604020202020204" pitchFamily="34" charset="0"/>
+                  <a:buChar char="•"/>
+                </a:pPr>
+                <a14:m>
+                  <m:oMath xmlns:m="http://schemas.openxmlformats.org/officeDocument/2006/math">
+                    <m:sSub>
+                      <m:sSubPr>
+                        <m:ctrlPr>
+                          <a:rPr lang="sk-SK" i="1">
+                            <a:latin typeface="Cambria Math" panose="02040503050406030204" pitchFamily="18" charset="0"/>
+                          </a:rPr>
+                        </m:ctrlPr>
+                      </m:sSubPr>
+                      <m:e>
+                        <m:r>
+                          <a:rPr lang="sk-SK" i="1">
+                            <a:latin typeface="Cambria Math" panose="02040503050406030204" pitchFamily="18" charset="0"/>
+                          </a:rPr>
+                          <m:t>𝑈</m:t>
+                        </m:r>
+                      </m:e>
+                      <m:sub>
+                        <m:r>
+                          <a:rPr lang="sk-SK" i="1">
+                            <a:latin typeface="Cambria Math" panose="02040503050406030204" pitchFamily="18" charset="0"/>
+                          </a:rPr>
+                          <m:t>𝑖𝑛</m:t>
+                        </m:r>
+                      </m:sub>
+                    </m:sSub>
+                    <m:r>
+                      <a:rPr lang="sk-SK" i="1">
+                        <a:latin typeface="Cambria Math" panose="02040503050406030204" pitchFamily="18" charset="0"/>
+                      </a:rPr>
+                      <m:t>=</m:t>
+                    </m:r>
+                    <m:sSub>
+                      <m:sSubPr>
+                        <m:ctrlPr>
+                          <a:rPr lang="sk-SK" i="1">
+                            <a:latin typeface="Cambria Math" panose="02040503050406030204" pitchFamily="18" charset="0"/>
+                          </a:rPr>
+                        </m:ctrlPr>
+                      </m:sSubPr>
+                      <m:e>
+                        <m:r>
+                          <a:rPr lang="sk-SK" i="1">
+                            <a:latin typeface="Cambria Math" panose="02040503050406030204" pitchFamily="18" charset="0"/>
+                          </a:rPr>
+                          <m:t>𝑈</m:t>
+                        </m:r>
+                      </m:e>
+                      <m:sub>
+                        <m:r>
+                          <a:rPr lang="sk-SK" i="1">
+                            <a:latin typeface="Cambria Math" panose="02040503050406030204" pitchFamily="18" charset="0"/>
+                          </a:rPr>
+                          <m:t>𝑜𝑢𝑡</m:t>
+                        </m:r>
+                      </m:sub>
+                    </m:sSub>
+                    <m:r>
+                      <a:rPr lang="sk-SK" i="1">
+                        <a:latin typeface="Cambria Math" panose="02040503050406030204" pitchFamily="18" charset="0"/>
+                      </a:rPr>
+                      <m:t>+</m:t>
+                    </m:r>
+                    <m:r>
+                      <a:rPr lang="sk-SK" i="1">
+                        <a:latin typeface="Cambria Math" panose="02040503050406030204" pitchFamily="18" charset="0"/>
+                      </a:rPr>
+                      <m:t>𝑖𝑅</m:t>
+                    </m:r>
+                  </m:oMath>
+                </a14:m>
+                <a:endParaRPr lang="sk-SK" dirty="0"/>
+              </a:p>
+              <a:p>
+                <a:pPr>
+                  <a:buFont typeface="Arial" panose="020B0604020202020204" pitchFamily="34" charset="0"/>
+                  <a:buChar char="•"/>
+                </a:pPr>
+                <a:endParaRPr lang="sk-SK" dirty="0" smtClean="0"/>
+              </a:p>
+              <a:p>
+                <a:pPr>
+                  <a:buFont typeface="Arial" panose="020B0604020202020204" pitchFamily="34" charset="0"/>
+                  <a:buChar char="•"/>
+                </a:pPr>
+                <a14:m>
+                  <m:oMath xmlns:m="http://schemas.openxmlformats.org/officeDocument/2006/math">
+                    <m:sSub>
+                      <m:sSubPr>
+                        <m:ctrlPr>
+                          <a:rPr lang="sk-SK" i="1">
+                            <a:latin typeface="Cambria Math" panose="02040503050406030204" pitchFamily="18" charset="0"/>
+                          </a:rPr>
+                        </m:ctrlPr>
+                      </m:sSubPr>
+                      <m:e>
+                        <m:r>
+                          <a:rPr lang="sk-SK" i="1">
+                            <a:latin typeface="Cambria Math" panose="02040503050406030204" pitchFamily="18" charset="0"/>
+                          </a:rPr>
+                          <m:t>𝑈</m:t>
+                        </m:r>
+                      </m:e>
+                      <m:sub>
+                        <m:r>
+                          <a:rPr lang="sk-SK" i="1">
+                            <a:latin typeface="Cambria Math" panose="02040503050406030204" pitchFamily="18" charset="0"/>
+                          </a:rPr>
+                          <m:t>𝑖𝑛</m:t>
+                        </m:r>
+                      </m:sub>
+                    </m:sSub>
+                    <m:r>
+                      <a:rPr lang="sk-SK" i="1">
+                        <a:latin typeface="Cambria Math" panose="02040503050406030204" pitchFamily="18" charset="0"/>
+                      </a:rPr>
+                      <m:t>=</m:t>
+                    </m:r>
+                    <m:sSub>
+                      <m:sSubPr>
+                        <m:ctrlPr>
+                          <a:rPr lang="sk-SK" i="1">
+                            <a:latin typeface="Cambria Math" panose="02040503050406030204" pitchFamily="18" charset="0"/>
+                          </a:rPr>
+                        </m:ctrlPr>
+                      </m:sSubPr>
+                      <m:e>
+                        <m:r>
+                          <a:rPr lang="sk-SK" i="1">
+                            <a:latin typeface="Cambria Math" panose="02040503050406030204" pitchFamily="18" charset="0"/>
+                          </a:rPr>
+                          <m:t>𝑈</m:t>
+                        </m:r>
+                      </m:e>
+                      <m:sub>
+                        <m:r>
+                          <a:rPr lang="sk-SK" i="1">
+                            <a:latin typeface="Cambria Math" panose="02040503050406030204" pitchFamily="18" charset="0"/>
+                          </a:rPr>
+                          <m:t>𝑜𝑢𝑡</m:t>
+                        </m:r>
+                      </m:sub>
+                    </m:sSub>
+                    <m:r>
+                      <a:rPr lang="sk-SK" i="1">
+                        <a:latin typeface="Cambria Math" panose="02040503050406030204" pitchFamily="18" charset="0"/>
+                      </a:rPr>
+                      <m:t>+</m:t>
+                    </m:r>
+                    <m:r>
+                      <a:rPr lang="sk-SK" i="1">
+                        <a:latin typeface="Cambria Math" panose="02040503050406030204" pitchFamily="18" charset="0"/>
+                      </a:rPr>
+                      <m:t>𝑅𝐶</m:t>
+                    </m:r>
+                    <m:f>
+                      <m:fPr>
+                        <m:ctrlPr>
+                          <a:rPr lang="sk-SK" i="1">
+                            <a:latin typeface="Cambria Math" panose="02040503050406030204" pitchFamily="18" charset="0"/>
+                          </a:rPr>
+                        </m:ctrlPr>
+                      </m:fPr>
+                      <m:num>
+                        <m:r>
+                          <a:rPr lang="sk-SK" i="1">
+                            <a:latin typeface="Cambria Math" panose="02040503050406030204" pitchFamily="18" charset="0"/>
+                          </a:rPr>
+                          <m:t>𝑑</m:t>
+                        </m:r>
+                        <m:sSub>
+                          <m:sSubPr>
+                            <m:ctrlPr>
+                              <a:rPr lang="sk-SK" i="1">
+                                <a:latin typeface="Cambria Math" panose="02040503050406030204" pitchFamily="18" charset="0"/>
+                              </a:rPr>
+                            </m:ctrlPr>
+                          </m:sSubPr>
+                          <m:e>
+                            <m:r>
+                              <a:rPr lang="sk-SK" i="1">
+                                <a:latin typeface="Cambria Math" panose="02040503050406030204" pitchFamily="18" charset="0"/>
+                              </a:rPr>
+                              <m:t>𝑈</m:t>
+                            </m:r>
+                          </m:e>
+                          <m:sub>
+                            <m:r>
+                              <a:rPr lang="sk-SK" i="1">
+                                <a:latin typeface="Cambria Math" panose="02040503050406030204" pitchFamily="18" charset="0"/>
+                              </a:rPr>
+                              <m:t>𝐶</m:t>
+                            </m:r>
+                          </m:sub>
+                        </m:sSub>
+                      </m:num>
+                      <m:den>
+                        <m:r>
+                          <a:rPr lang="sk-SK" i="1">
+                            <a:latin typeface="Cambria Math" panose="02040503050406030204" pitchFamily="18" charset="0"/>
+                          </a:rPr>
+                          <m:t>𝑑𝑡</m:t>
+                        </m:r>
+                      </m:den>
+                    </m:f>
+                  </m:oMath>
+                </a14:m>
+                <a:endParaRPr lang="sk-SK" dirty="0" smtClean="0"/>
+              </a:p>
+              <a:p>
+                <a:pPr>
+                  <a:buFont typeface="Arial" panose="020B0604020202020204" pitchFamily="34" charset="0"/>
+                  <a:buChar char="•"/>
+                </a:pPr>
+                <a14:m>
+                  <m:oMath xmlns:m="http://schemas.openxmlformats.org/officeDocument/2006/math">
+                    <m:sSub>
+                      <m:sSubPr>
+                        <m:ctrlPr>
+                          <a:rPr lang="sk-SK" i="1">
+                            <a:latin typeface="Cambria Math" panose="02040503050406030204" pitchFamily="18" charset="0"/>
+                          </a:rPr>
+                        </m:ctrlPr>
+                      </m:sSubPr>
+                      <m:e>
+                        <m:r>
+                          <a:rPr lang="sk-SK" i="1">
+                            <a:latin typeface="Cambria Math" panose="02040503050406030204" pitchFamily="18" charset="0"/>
+                          </a:rPr>
+                          <m:t>𝑈</m:t>
+                        </m:r>
+                      </m:e>
+                      <m:sub>
+                        <m:r>
+                          <a:rPr lang="sk-SK" i="1">
+                            <a:latin typeface="Cambria Math" panose="02040503050406030204" pitchFamily="18" charset="0"/>
+                          </a:rPr>
+                          <m:t>𝑖𝑛</m:t>
+                        </m:r>
+                      </m:sub>
+                    </m:sSub>
+                    <m:r>
+                      <a:rPr lang="sk-SK" i="1">
+                        <a:latin typeface="Cambria Math" panose="02040503050406030204" pitchFamily="18" charset="0"/>
+                      </a:rPr>
+                      <m:t>=</m:t>
+                    </m:r>
+                    <m:sSub>
+                      <m:sSubPr>
+                        <m:ctrlPr>
+                          <a:rPr lang="sk-SK" i="1">
+                            <a:latin typeface="Cambria Math" panose="02040503050406030204" pitchFamily="18" charset="0"/>
+                          </a:rPr>
+                        </m:ctrlPr>
+                      </m:sSubPr>
+                      <m:e>
+                        <m:r>
+                          <a:rPr lang="sk-SK" i="1">
+                            <a:latin typeface="Cambria Math" panose="02040503050406030204" pitchFamily="18" charset="0"/>
+                          </a:rPr>
+                          <m:t>𝑈</m:t>
+                        </m:r>
+                      </m:e>
+                      <m:sub>
+                        <m:r>
+                          <a:rPr lang="sk-SK" i="1">
+                            <a:latin typeface="Cambria Math" panose="02040503050406030204" pitchFamily="18" charset="0"/>
+                          </a:rPr>
+                          <m:t>𝑜𝑢𝑡</m:t>
+                        </m:r>
+                      </m:sub>
+                    </m:sSub>
+                    <m:r>
+                      <a:rPr lang="sk-SK" i="1">
+                        <a:latin typeface="Cambria Math" panose="02040503050406030204" pitchFamily="18" charset="0"/>
+                      </a:rPr>
+                      <m:t>+</m:t>
+                    </m:r>
+                    <m:r>
+                      <a:rPr lang="sk-SK" i="1">
+                        <a:latin typeface="Cambria Math" panose="02040503050406030204" pitchFamily="18" charset="0"/>
+                      </a:rPr>
+                      <m:t>𝑅𝐶</m:t>
+                    </m:r>
+                    <m:sSub>
+                      <m:sSubPr>
+                        <m:ctrlPr>
+                          <a:rPr lang="sk-SK" i="1" smtClean="0">
+                            <a:latin typeface="Cambria Math" panose="02040503050406030204" pitchFamily="18" charset="0"/>
+                          </a:rPr>
+                        </m:ctrlPr>
+                      </m:sSubPr>
+                      <m:e>
+                        <m:acc>
+                          <m:accPr>
+                            <m:chr m:val="̇"/>
+                            <m:ctrlPr>
+                              <a:rPr lang="sk-SK" i="1" smtClean="0">
+                                <a:latin typeface="Cambria Math" panose="02040503050406030204" pitchFamily="18" charset="0"/>
+                              </a:rPr>
+                            </m:ctrlPr>
+                          </m:accPr>
+                          <m:e>
+                            <m:r>
+                              <a:rPr lang="sk-SK" b="0" i="1" smtClean="0">
+                                <a:latin typeface="Cambria Math" panose="02040503050406030204" pitchFamily="18" charset="0"/>
+                              </a:rPr>
+                              <m:t>𝑈</m:t>
+                            </m:r>
+                          </m:e>
+                        </m:acc>
+                      </m:e>
+                      <m:sub>
+                        <m:r>
+                          <a:rPr lang="sk-SK" b="0" i="1" smtClean="0">
+                            <a:latin typeface="Cambria Math" panose="02040503050406030204" pitchFamily="18" charset="0"/>
+                          </a:rPr>
+                          <m:t>𝑜𝑢𝑡</m:t>
+                        </m:r>
+                      </m:sub>
+                    </m:sSub>
+                  </m:oMath>
+                </a14:m>
+                <a:endParaRPr lang="sk-SK" dirty="0"/>
+              </a:p>
+              <a:p>
+                <a:pPr>
+                  <a:buFont typeface="Arial" panose="020B0604020202020204" pitchFamily="34" charset="0"/>
+                  <a:buChar char="•"/>
+                </a:pPr>
                 <a:endParaRPr lang="sk-SK" dirty="0" smtClean="0"/>
               </a:p>
               <a:p>
@@ -6888,8 +7495,8 @@
         </p:blipFill>
         <p:spPr bwMode="auto">
           <a:xfrm>
-            <a:off x="5645148" y="4856795"/>
-            <a:ext cx="3105150" cy="1533526"/>
+            <a:off x="5163482" y="3604643"/>
+            <a:ext cx="3726860" cy="1840567"/>
           </a:xfrm>
           <a:prstGeom prst="rect">
             <a:avLst/>
@@ -6952,6 +7559,165 @@
           <a:lstStyle/>
           <a:p>
             <a:r>
+              <a:rPr lang="sk-SK" dirty="0" smtClean="0"/>
+              <a:t>Odvoďte model RLC filtra </a:t>
+            </a:r>
+            <a:endParaRPr lang="sk-SK" dirty="0"/>
+          </a:p>
+        </p:txBody>
+      </p:sp>
+      <p:pic>
+        <p:nvPicPr>
+          <p:cNvPr id="4" name="Zástupný symbol obsahu 3"/>
+          <p:cNvPicPr>
+            <a:picLocks noGrp="1" noChangeAspect="1"/>
+          </p:cNvPicPr>
+          <p:nvPr>
+            <p:ph idx="1"/>
+          </p:nvPr>
+        </p:nvPicPr>
+        <p:blipFill>
+          <a:blip r:embed="rId2"/>
+          <a:stretch>
+            <a:fillRect/>
+          </a:stretch>
+        </p:blipFill>
+        <p:spPr>
+          <a:xfrm>
+            <a:off x="393700" y="1706332"/>
+            <a:ext cx="8356600" cy="3533336"/>
+          </a:xfrm>
+          <a:prstGeom prst="rect">
+            <a:avLst/>
+          </a:prstGeom>
+        </p:spPr>
+      </p:pic>
+    </p:spTree>
+    <p:extLst>
+      <p:ext uri="{BB962C8B-B14F-4D97-AF65-F5344CB8AC3E}">
+        <p14:creationId xmlns:p14="http://schemas.microsoft.com/office/powerpoint/2010/main" val="3341945280"/>
+      </p:ext>
+    </p:extLst>
+  </p:cSld>
+  <p:clrMapOvr>
+    <a:masterClrMapping/>
+  </p:clrMapOvr>
+</p:sld>
+</file>
+
+<file path=ppt/slides/slide18.xml><?xml version="1.0" encoding="utf-8"?>
+<p:sld xmlns:a="http://schemas.openxmlformats.org/drawingml/2006/main" xmlns:r="http://schemas.openxmlformats.org/officeDocument/2006/relationships" xmlns:p="http://schemas.openxmlformats.org/presentationml/2006/main">
+  <p:cSld>
+    <p:spTree>
+      <p:nvGrpSpPr>
+        <p:cNvPr id="1" name=""/>
+        <p:cNvGrpSpPr/>
+        <p:nvPr/>
+      </p:nvGrpSpPr>
+      <p:grpSpPr>
+        <a:xfrm>
+          <a:off x="0" y="0"/>
+          <a:ext cx="0" cy="0"/>
+          <a:chOff x="0" y="0"/>
+          <a:chExt cx="0" cy="0"/>
+        </a:xfrm>
+      </p:grpSpPr>
+      <p:sp>
+        <p:nvSpPr>
+          <p:cNvPr id="2" name="Nadpis 1"/>
+          <p:cNvSpPr>
+            <a:spLocks noGrp="1"/>
+          </p:cNvSpPr>
+          <p:nvPr>
+            <p:ph type="title"/>
+          </p:nvPr>
+        </p:nvSpPr>
+        <p:spPr/>
+        <p:txBody>
+          <a:bodyPr/>
+          <a:lstStyle/>
+          <a:p>
+            <a:r>
+              <a:rPr lang="sk-SK" dirty="0" smtClean="0"/>
+              <a:t>Model </a:t>
+            </a:r>
+            <a:r>
+              <a:rPr lang="sk-SK" dirty="0"/>
+              <a:t>RLC </a:t>
+            </a:r>
+            <a:r>
+              <a:rPr lang="sk-SK" dirty="0" smtClean="0"/>
+              <a:t>filtra - postup</a:t>
+            </a:r>
+            <a:endParaRPr lang="sk-SK" dirty="0"/>
+          </a:p>
+        </p:txBody>
+      </p:sp>
+      <p:sp>
+        <p:nvSpPr>
+          <p:cNvPr id="3" name="Zástupný symbol obsahu 2"/>
+          <p:cNvSpPr>
+            <a:spLocks noGrp="1"/>
+          </p:cNvSpPr>
+          <p:nvPr>
+            <p:ph idx="1"/>
+          </p:nvPr>
+        </p:nvSpPr>
+        <p:spPr/>
+        <p:txBody>
+          <a:bodyPr/>
+          <a:lstStyle/>
+          <a:p>
+            <a:endParaRPr lang="sk-SK"/>
+          </a:p>
+        </p:txBody>
+      </p:sp>
+    </p:spTree>
+    <p:extLst>
+      <p:ext uri="{BB962C8B-B14F-4D97-AF65-F5344CB8AC3E}">
+        <p14:creationId xmlns:p14="http://schemas.microsoft.com/office/powerpoint/2010/main" val="351702275"/>
+      </p:ext>
+    </p:extLst>
+  </p:cSld>
+  <p:clrMapOvr>
+    <a:masterClrMapping/>
+  </p:clrMapOvr>
+</p:sld>
+</file>
+
+<file path=ppt/slides/slide19.xml><?xml version="1.0" encoding="utf-8"?>
+<p:sld xmlns:a="http://schemas.openxmlformats.org/drawingml/2006/main" xmlns:r="http://schemas.openxmlformats.org/officeDocument/2006/relationships" xmlns:p="http://schemas.openxmlformats.org/presentationml/2006/main">
+  <p:cSld>
+    <p:spTree>
+      <p:nvGrpSpPr>
+        <p:cNvPr id="1" name=""/>
+        <p:cNvGrpSpPr/>
+        <p:nvPr/>
+      </p:nvGrpSpPr>
+      <p:grpSpPr>
+        <a:xfrm>
+          <a:off x="0" y="0"/>
+          <a:ext cx="0" cy="0"/>
+          <a:chOff x="0" y="0"/>
+          <a:chExt cx="0" cy="0"/>
+        </a:xfrm>
+      </p:grpSpPr>
+      <p:sp>
+        <p:nvSpPr>
+          <p:cNvPr id="2" name="Nadpis 1"/>
+          <p:cNvSpPr>
+            <a:spLocks noGrp="1"/>
+          </p:cNvSpPr>
+          <p:nvPr>
+            <p:ph type="title"/>
+          </p:nvPr>
+        </p:nvSpPr>
+        <p:spPr/>
+        <p:txBody>
+          <a:bodyPr/>
+          <a:lstStyle/>
+          <a:p>
+            <a:r>
               <a:rPr lang="sk-SK" dirty="0" err="1" smtClean="0"/>
               <a:t>Laplaceova</a:t>
             </a:r>
@@ -6963,8 +7729,8 @@
           </a:p>
         </p:txBody>
       </p:sp>
-      <mc:AlternateContent xmlns:mc="http://schemas.openxmlformats.org/markup-compatibility/2006">
-        <mc:Choice xmlns:a14="http://schemas.microsoft.com/office/drawing/2010/main" Requires="a14">
+      <mc:AlternateContent xmlns:mc="http://schemas.openxmlformats.org/markup-compatibility/2006" xmlns:a14="http://schemas.microsoft.com/office/drawing/2010/main">
+        <mc:Choice Requires="a14">
           <p:sp>
             <p:nvSpPr>
               <p:cNvPr id="3" name="Zástupný symbol obsahu 2"/>
@@ -7069,13 +7835,8 @@
                 </a:pPr>
                 <a:r>
                   <a:rPr lang="sk-SK" dirty="0" smtClean="0"/>
-                  <a:t>Mnohé zložité vzťahy medzi funkciami sa tak </a:t>
-                </a:r>
-                <a:r>
-                  <a:rPr lang="sk-SK" dirty="0" smtClean="0"/>
-                  <a:t>zjednodušia- práca s polynómami a racionálnymi funkciami namiesto diferenciálnych rovníc.</a:t>
-                </a:r>
-                <a:endParaRPr lang="sk-SK" dirty="0" smtClean="0"/>
+                  <a:t>Mnohé zložité vzťahy medzi funkciami sa tak zjednodušia- práca s polynómami a racionálnymi funkciami namiesto diferenciálnych rovníc.</a:t>
+                </a:r>
               </a:p>
               <a:p>
                 <a:pPr>
@@ -7130,19 +7891,7 @@
                 </a:r>
                 <a:r>
                   <a:rPr lang="sk-SK" dirty="0" smtClean="0"/>
-                  <a:t> transformácia je </a:t>
-                </a:r>
-                <a:r>
-                  <a:rPr lang="sk-SK" dirty="0" smtClean="0"/>
-                  <a:t>„</a:t>
-                </a:r>
-                <a:r>
-                  <a:rPr lang="sk-SK" dirty="0" smtClean="0"/>
-                  <a:t>zovšeobecnením</a:t>
-                </a:r>
-                <a:r>
-                  <a:rPr lang="sk-SK" dirty="0" smtClean="0"/>
-                  <a:t>“ </a:t>
+                  <a:t> transformácia je „zovšeobecnením“ </a:t>
                 </a:r>
                 <a:r>
                   <a:rPr lang="sk-SK" dirty="0" err="1" smtClean="0"/>
@@ -7150,15 +7899,7 @@
                 </a:r>
                 <a:r>
                   <a:rPr lang="sk-SK" dirty="0" smtClean="0"/>
-                  <a:t> transformácie </a:t>
-                </a:r>
-                <a:r>
-                  <a:rPr lang="sk-SK" dirty="0" smtClean="0"/>
-                  <a:t>pre </a:t>
-                </a:r>
-                <a:r>
-                  <a:rPr lang="sk-SK" dirty="0" smtClean="0"/>
-                  <a:t>nekmitavé priebehy</a:t>
+                  <a:t> transformácie pre nekmitavé priebehy</a:t>
                 </a:r>
               </a:p>
               <a:p>
@@ -7723,7 +8464,7 @@
             </p:txBody>
           </p:sp>
         </mc:Choice>
-        <mc:Fallback>
+        <mc:Fallback xmlns="">
           <p:sp>
             <p:nvSpPr>
               <p:cNvPr id="3" name="Zástupný symbol obsahu 2"/>
@@ -7774,7 +8515,245 @@
 </p:sld>
 </file>
 
-<file path=ppt/slides/slide18.xml><?xml version="1.0" encoding="utf-8"?>
+<file path=ppt/slides/slide2.xml><?xml version="1.0" encoding="utf-8"?>
+<p:sld xmlns:a="http://schemas.openxmlformats.org/drawingml/2006/main" xmlns:r="http://schemas.openxmlformats.org/officeDocument/2006/relationships" xmlns:p="http://schemas.openxmlformats.org/presentationml/2006/main">
+  <p:cSld>
+    <p:spTree>
+      <p:nvGrpSpPr>
+        <p:cNvPr id="1" name=""/>
+        <p:cNvGrpSpPr/>
+        <p:nvPr/>
+      </p:nvGrpSpPr>
+      <p:grpSpPr>
+        <a:xfrm>
+          <a:off x="0" y="0"/>
+          <a:ext cx="0" cy="0"/>
+          <a:chOff x="0" y="0"/>
+          <a:chExt cx="0" cy="0"/>
+        </a:xfrm>
+      </p:grpSpPr>
+      <p:sp>
+        <p:nvSpPr>
+          <p:cNvPr id="2" name="Nadpis 1"/>
+          <p:cNvSpPr>
+            <a:spLocks noGrp="1"/>
+          </p:cNvSpPr>
+          <p:nvPr>
+            <p:ph type="title"/>
+          </p:nvPr>
+        </p:nvSpPr>
+        <p:spPr/>
+        <p:txBody>
+          <a:bodyPr/>
+          <a:lstStyle/>
+          <a:p>
+            <a:r>
+              <a:rPr lang="sk-SK" dirty="0" smtClean="0"/>
+              <a:t>Kybernetika </a:t>
+            </a:r>
+            <a:endParaRPr lang="sk-SK" dirty="0"/>
+          </a:p>
+        </p:txBody>
+      </p:sp>
+      <p:sp>
+        <p:nvSpPr>
+          <p:cNvPr id="3" name="Zástupný symbol obsahu 2"/>
+          <p:cNvSpPr>
+            <a:spLocks noGrp="1"/>
+          </p:cNvSpPr>
+          <p:nvPr>
+            <p:ph idx="1"/>
+          </p:nvPr>
+        </p:nvSpPr>
+        <p:spPr/>
+        <p:txBody>
+          <a:bodyPr>
+            <a:normAutofit/>
+          </a:bodyPr>
+          <a:lstStyle/>
+          <a:p>
+            <a:pPr>
+              <a:buFont typeface="Arial" panose="020B0604020202020204" pitchFamily="34" charset="0"/>
+              <a:buChar char="•"/>
+            </a:pPr>
+            <a:r>
+              <a:rPr lang="sk-SK" sz="2400" i="1" dirty="0"/>
+              <a:t>z gréckeho slova „</a:t>
+            </a:r>
+            <a:r>
+              <a:rPr lang="sk-SK" sz="2400" i="1" dirty="0" err="1"/>
+              <a:t>kybernetes</a:t>
+            </a:r>
+            <a:r>
+              <a:rPr lang="sk-SK" sz="2400" i="1" dirty="0"/>
+              <a:t>“ čo znamená kormidelník</a:t>
+            </a:r>
+            <a:endParaRPr lang="sk-SK" sz="2400" i="1" dirty="0" smtClean="0"/>
+          </a:p>
+          <a:p>
+            <a:pPr>
+              <a:buFont typeface="Arial" panose="020B0604020202020204" pitchFamily="34" charset="0"/>
+              <a:buChar char="•"/>
+            </a:pPr>
+            <a:r>
+              <a:rPr lang="sk-SK" sz="2400" dirty="0"/>
+              <a:t>V</a:t>
+            </a:r>
+            <a:r>
+              <a:rPr lang="sk-SK" sz="2400" dirty="0" smtClean="0"/>
+              <a:t>eda </a:t>
+            </a:r>
+            <a:r>
+              <a:rPr lang="sk-SK" sz="2400" dirty="0"/>
+              <a:t>o riadení a komunikácii v dynamických </a:t>
+            </a:r>
+            <a:r>
+              <a:rPr lang="sk-SK" sz="2400" dirty="0" smtClean="0"/>
+              <a:t>systémoch.</a:t>
+            </a:r>
+          </a:p>
+          <a:p>
+            <a:pPr>
+              <a:buFont typeface="Arial" panose="020B0604020202020204" pitchFamily="34" charset="0"/>
+              <a:buChar char="•"/>
+            </a:pPr>
+            <a:r>
+              <a:rPr lang="sk-SK" sz="2400" dirty="0" smtClean="0"/>
+              <a:t> Skúma </a:t>
+            </a:r>
+            <a:r>
+              <a:rPr lang="sk-SK" sz="2400" dirty="0"/>
+              <a:t>spoločné zákonitosti na základe analógie medzi systémami rôznej fyzickej </a:t>
+            </a:r>
+            <a:r>
+              <a:rPr lang="sk-SK" sz="2400" dirty="0" smtClean="0"/>
+              <a:t>podstaty (fyzika - mechanika - elektrotechnika)</a:t>
+            </a:r>
+          </a:p>
+          <a:p>
+            <a:pPr>
+              <a:buFont typeface="Arial" panose="020B0604020202020204" pitchFamily="34" charset="0"/>
+              <a:buChar char="•"/>
+            </a:pPr>
+            <a:r>
+              <a:rPr lang="sk-SK" sz="2400" dirty="0" smtClean="0"/>
+              <a:t>Kybernetika - </a:t>
+            </a:r>
+            <a:r>
+              <a:rPr lang="sk-SK" sz="2400" dirty="0"/>
+              <a:t>veda </a:t>
+            </a:r>
+            <a:r>
+              <a:rPr lang="sk-SK" sz="2400" dirty="0" smtClean="0"/>
+              <a:t>o : </a:t>
+            </a:r>
+            <a:endParaRPr lang="sk-SK" sz="2400" dirty="0"/>
+          </a:p>
+          <a:p>
+            <a:pPr lvl="1"/>
+            <a:r>
+              <a:rPr lang="sk-SK" sz="2000" dirty="0" smtClean="0"/>
+              <a:t>- </a:t>
+            </a:r>
+            <a:r>
+              <a:rPr lang="sk-SK" sz="2000" dirty="0"/>
+              <a:t>modelovaní a riadení procesov</a:t>
+            </a:r>
+          </a:p>
+          <a:p>
+            <a:pPr lvl="1"/>
+            <a:r>
+              <a:rPr lang="sk-SK" sz="2000" dirty="0" smtClean="0"/>
+              <a:t>- </a:t>
+            </a:r>
+            <a:r>
+              <a:rPr lang="sk-SK" sz="2000" dirty="0"/>
+              <a:t>získavaní informácií a riadení</a:t>
+            </a:r>
+          </a:p>
+          <a:p>
+            <a:pPr lvl="1"/>
+            <a:r>
+              <a:rPr lang="sk-SK" sz="2000" dirty="0" smtClean="0"/>
+              <a:t>- </a:t>
+            </a:r>
+            <a:r>
+              <a:rPr lang="sk-SK" sz="2000" dirty="0"/>
+              <a:t>riadení a komunikácii v dynamických </a:t>
+            </a:r>
+            <a:r>
+              <a:rPr lang="sk-SK" sz="2000" dirty="0" smtClean="0"/>
+              <a:t>systémoch</a:t>
+            </a:r>
+            <a:endParaRPr lang="sk-SK" sz="2000" dirty="0"/>
+          </a:p>
+          <a:p>
+            <a:pPr>
+              <a:buFont typeface="Arial" panose="020B0604020202020204" pitchFamily="34" charset="0"/>
+              <a:buChar char="•"/>
+            </a:pPr>
+            <a:r>
+              <a:rPr lang="sk-SK" sz="2400" dirty="0" smtClean="0"/>
+              <a:t>Metódami </a:t>
+            </a:r>
+            <a:r>
+              <a:rPr lang="sk-SK" sz="2400" dirty="0"/>
+              <a:t>kybernetiky sú </a:t>
+            </a:r>
+            <a:r>
+              <a:rPr lang="sk-SK" sz="2400" u="sng" dirty="0"/>
+              <a:t>systémový prístup </a:t>
+            </a:r>
+            <a:r>
+              <a:rPr lang="sk-SK" sz="2400" dirty="0"/>
+              <a:t>a </a:t>
+            </a:r>
+            <a:r>
+              <a:rPr lang="sk-SK" sz="2400" u="sng" dirty="0"/>
+              <a:t>modelovanie</a:t>
+            </a:r>
+            <a:r>
+              <a:rPr lang="sk-SK" sz="2400" dirty="0"/>
+              <a:t> pri riešení problémov</a:t>
+            </a:r>
+            <a:r>
+              <a:rPr lang="sk-SK" sz="2400" dirty="0" smtClean="0"/>
+              <a:t>.</a:t>
+            </a:r>
+          </a:p>
+          <a:p>
+            <a:pPr>
+              <a:buFont typeface="Arial" panose="020B0604020202020204" pitchFamily="34" charset="0"/>
+              <a:buChar char="•"/>
+            </a:pPr>
+            <a:r>
+              <a:rPr lang="sk-SK" sz="2400" dirty="0" smtClean="0"/>
+              <a:t>Staršie označenie: Teória automatického riadenia</a:t>
+            </a:r>
+          </a:p>
+        </p:txBody>
+      </p:sp>
+    </p:spTree>
+    <p:extLst>
+      <p:ext uri="{BB962C8B-B14F-4D97-AF65-F5344CB8AC3E}">
+        <p14:creationId xmlns:p14="http://schemas.microsoft.com/office/powerpoint/2010/main" val="3762086123"/>
+      </p:ext>
+    </p:extLst>
+  </p:cSld>
+  <p:clrMapOvr>
+    <a:masterClrMapping/>
+  </p:clrMapOvr>
+  <p:timing>
+    <p:tnLst>
+      <p:par>
+        <p:cTn id="1" dur="indefinite" restart="never" nodeType="tmRoot"/>
+      </p:par>
+    </p:tnLst>
+  </p:timing>
+</p:sld>
+</file>
+
+<file path=ppt/slides/slide20.xml><?xml version="1.0" encoding="utf-8"?>
 <p:sld xmlns:a="http://schemas.openxmlformats.org/drawingml/2006/main" xmlns:r="http://schemas.openxmlformats.org/officeDocument/2006/relationships" xmlns:p="http://schemas.openxmlformats.org/presentationml/2006/main">
   <p:cSld>
     <p:spTree>
@@ -9002,7 +9981,7 @@
 </p:sld>
 </file>
 
-<file path=ppt/slides/slide19.xml><?xml version="1.0" encoding="utf-8"?>
+<file path=ppt/slides/slide21.xml><?xml version="1.0" encoding="utf-8"?>
 <p:sld xmlns:a="http://schemas.openxmlformats.org/drawingml/2006/main" xmlns:r="http://schemas.openxmlformats.org/officeDocument/2006/relationships" xmlns:p="http://schemas.openxmlformats.org/presentationml/2006/main">
   <p:cSld>
     <p:spTree>
@@ -9044,8 +10023,8 @@
           </a:p>
         </p:txBody>
       </p:sp>
-      <mc:AlternateContent xmlns:mc="http://schemas.openxmlformats.org/markup-compatibility/2006">
-        <mc:Choice xmlns:a14="http://schemas.microsoft.com/office/drawing/2010/main" Requires="a14">
+      <mc:AlternateContent xmlns:mc="http://schemas.openxmlformats.org/markup-compatibility/2006" xmlns:a14="http://schemas.microsoft.com/office/drawing/2010/main">
+        <mc:Choice Requires="a14">
           <p:sp>
             <p:nvSpPr>
               <p:cNvPr id="3" name="Zástupný symbol obsahu 2"/>
@@ -9784,7 +10763,13 @@
                                 <a:rPr lang="en-US" b="0" i="1" smtClean="0">
                                   <a:latin typeface="Cambria Math" panose="02040503050406030204" pitchFamily="18" charset="0"/>
                                 </a:rPr>
-                                <m:t>→∞</m:t>
+                                <m:t>→</m:t>
+                              </m:r>
+                              <m:r>
+                                <a:rPr lang="en-US" b="0" i="1" smtClean="0">
+                                  <a:latin typeface="Cambria Math" panose="02040503050406030204" pitchFamily="18" charset="0"/>
+                                </a:rPr>
+                                <m:t>∞</m:t>
                               </m:r>
                             </m:lim>
                           </m:limLow>
@@ -9893,7 +10878,13 @@
                                 <a:rPr lang="en-US" i="1">
                                   <a:latin typeface="Cambria Math" panose="02040503050406030204" pitchFamily="18" charset="0"/>
                                 </a:rPr>
-                                <m:t>→−∞</m:t>
+                                <m:t>→−</m:t>
+                              </m:r>
+                              <m:r>
+                                <a:rPr lang="en-US" i="1">
+                                  <a:latin typeface="Cambria Math" panose="02040503050406030204" pitchFamily="18" charset="0"/>
+                                </a:rPr>
+                                <m:t>∞</m:t>
                               </m:r>
                             </m:lim>
                           </m:limLow>
@@ -10030,7 +11021,13 @@
                         <a:rPr lang="en-US" b="0" i="1" smtClean="0">
                           <a:latin typeface="Cambria Math" panose="02040503050406030204" pitchFamily="18" charset="0"/>
                         </a:rPr>
-                        <m:t>=1</m:t>
+                        <m:t>=</m:t>
+                      </m:r>
+                      <m:r>
+                        <a:rPr lang="en-US" b="0" i="1" smtClean="0">
+                          <a:latin typeface="Cambria Math" panose="02040503050406030204" pitchFamily="18" charset="0"/>
+                        </a:rPr>
+                        <m:t>1</m:t>
                       </m:r>
                     </m:oMath>
                   </m:oMathPara>
@@ -10052,7 +11049,7 @@
             </p:txBody>
           </p:sp>
         </mc:Choice>
-        <mc:Fallback>
+        <mc:Fallback xmlns="">
           <p:sp>
             <p:nvSpPr>
               <p:cNvPr id="3" name="Zástupný symbol obsahu 2"/>
@@ -10103,245 +11100,7 @@
 </p:sld>
 </file>
 
-<file path=ppt/slides/slide2.xml><?xml version="1.0" encoding="utf-8"?>
-<p:sld xmlns:a="http://schemas.openxmlformats.org/drawingml/2006/main" xmlns:r="http://schemas.openxmlformats.org/officeDocument/2006/relationships" xmlns:p="http://schemas.openxmlformats.org/presentationml/2006/main">
-  <p:cSld>
-    <p:spTree>
-      <p:nvGrpSpPr>
-        <p:cNvPr id="1" name=""/>
-        <p:cNvGrpSpPr/>
-        <p:nvPr/>
-      </p:nvGrpSpPr>
-      <p:grpSpPr>
-        <a:xfrm>
-          <a:off x="0" y="0"/>
-          <a:ext cx="0" cy="0"/>
-          <a:chOff x="0" y="0"/>
-          <a:chExt cx="0" cy="0"/>
-        </a:xfrm>
-      </p:grpSpPr>
-      <p:sp>
-        <p:nvSpPr>
-          <p:cNvPr id="2" name="Nadpis 1"/>
-          <p:cNvSpPr>
-            <a:spLocks noGrp="1"/>
-          </p:cNvSpPr>
-          <p:nvPr>
-            <p:ph type="title"/>
-          </p:nvPr>
-        </p:nvSpPr>
-        <p:spPr/>
-        <p:txBody>
-          <a:bodyPr/>
-          <a:lstStyle/>
-          <a:p>
-            <a:r>
-              <a:rPr lang="sk-SK" dirty="0" smtClean="0"/>
-              <a:t>Kybernetika </a:t>
-            </a:r>
-            <a:endParaRPr lang="sk-SK" dirty="0"/>
-          </a:p>
-        </p:txBody>
-      </p:sp>
-      <p:sp>
-        <p:nvSpPr>
-          <p:cNvPr id="3" name="Zástupný symbol obsahu 2"/>
-          <p:cNvSpPr>
-            <a:spLocks noGrp="1"/>
-          </p:cNvSpPr>
-          <p:nvPr>
-            <p:ph idx="1"/>
-          </p:nvPr>
-        </p:nvSpPr>
-        <p:spPr/>
-        <p:txBody>
-          <a:bodyPr>
-            <a:normAutofit/>
-          </a:bodyPr>
-          <a:lstStyle/>
-          <a:p>
-            <a:pPr>
-              <a:buFont typeface="Arial" panose="020B0604020202020204" pitchFamily="34" charset="0"/>
-              <a:buChar char="•"/>
-            </a:pPr>
-            <a:r>
-              <a:rPr lang="sk-SK" sz="2400" i="1" dirty="0"/>
-              <a:t>z gréckeho slova „</a:t>
-            </a:r>
-            <a:r>
-              <a:rPr lang="sk-SK" sz="2400" i="1" dirty="0" err="1"/>
-              <a:t>kybernetes</a:t>
-            </a:r>
-            <a:r>
-              <a:rPr lang="sk-SK" sz="2400" i="1" dirty="0"/>
-              <a:t>“ čo znamená kormidelník</a:t>
-            </a:r>
-            <a:endParaRPr lang="sk-SK" sz="2400" i="1" dirty="0" smtClean="0"/>
-          </a:p>
-          <a:p>
-            <a:pPr>
-              <a:buFont typeface="Arial" panose="020B0604020202020204" pitchFamily="34" charset="0"/>
-              <a:buChar char="•"/>
-            </a:pPr>
-            <a:r>
-              <a:rPr lang="sk-SK" sz="2400" dirty="0"/>
-              <a:t>V</a:t>
-            </a:r>
-            <a:r>
-              <a:rPr lang="sk-SK" sz="2400" dirty="0" smtClean="0"/>
-              <a:t>eda </a:t>
-            </a:r>
-            <a:r>
-              <a:rPr lang="sk-SK" sz="2400" dirty="0"/>
-              <a:t>o riadení a komunikácii v dynamických </a:t>
-            </a:r>
-            <a:r>
-              <a:rPr lang="sk-SK" sz="2400" dirty="0" smtClean="0"/>
-              <a:t>systémoch.</a:t>
-            </a:r>
-          </a:p>
-          <a:p>
-            <a:pPr>
-              <a:buFont typeface="Arial" panose="020B0604020202020204" pitchFamily="34" charset="0"/>
-              <a:buChar char="•"/>
-            </a:pPr>
-            <a:r>
-              <a:rPr lang="sk-SK" sz="2400" dirty="0" smtClean="0"/>
-              <a:t> Skúma </a:t>
-            </a:r>
-            <a:r>
-              <a:rPr lang="sk-SK" sz="2400" dirty="0"/>
-              <a:t>spoločné zákonitosti na základe analógie medzi systémami rôznej fyzickej </a:t>
-            </a:r>
-            <a:r>
-              <a:rPr lang="sk-SK" sz="2400" dirty="0" smtClean="0"/>
-              <a:t>podstaty (fyzika - mechanika - elektrotechnika)</a:t>
-            </a:r>
-          </a:p>
-          <a:p>
-            <a:pPr>
-              <a:buFont typeface="Arial" panose="020B0604020202020204" pitchFamily="34" charset="0"/>
-              <a:buChar char="•"/>
-            </a:pPr>
-            <a:r>
-              <a:rPr lang="sk-SK" sz="2400" dirty="0" smtClean="0"/>
-              <a:t>Kybernetika - </a:t>
-            </a:r>
-            <a:r>
-              <a:rPr lang="sk-SK" sz="2400" dirty="0"/>
-              <a:t>veda </a:t>
-            </a:r>
-            <a:r>
-              <a:rPr lang="sk-SK" sz="2400" dirty="0" smtClean="0"/>
-              <a:t>o : </a:t>
-            </a:r>
-            <a:endParaRPr lang="sk-SK" sz="2400" dirty="0"/>
-          </a:p>
-          <a:p>
-            <a:pPr lvl="1"/>
-            <a:r>
-              <a:rPr lang="sk-SK" sz="2000" dirty="0" smtClean="0"/>
-              <a:t>- </a:t>
-            </a:r>
-            <a:r>
-              <a:rPr lang="sk-SK" sz="2000" dirty="0"/>
-              <a:t>modelovaní a riadení procesov</a:t>
-            </a:r>
-          </a:p>
-          <a:p>
-            <a:pPr lvl="1"/>
-            <a:r>
-              <a:rPr lang="sk-SK" sz="2000" dirty="0" smtClean="0"/>
-              <a:t>- </a:t>
-            </a:r>
-            <a:r>
-              <a:rPr lang="sk-SK" sz="2000" dirty="0"/>
-              <a:t>získavaní informácií a riadení</a:t>
-            </a:r>
-          </a:p>
-          <a:p>
-            <a:pPr lvl="1"/>
-            <a:r>
-              <a:rPr lang="sk-SK" sz="2000" dirty="0" smtClean="0"/>
-              <a:t>- </a:t>
-            </a:r>
-            <a:r>
-              <a:rPr lang="sk-SK" sz="2000" dirty="0"/>
-              <a:t>riadení a komunikácii v dynamických </a:t>
-            </a:r>
-            <a:r>
-              <a:rPr lang="sk-SK" sz="2000" dirty="0" smtClean="0"/>
-              <a:t>systémoch</a:t>
-            </a:r>
-            <a:endParaRPr lang="sk-SK" sz="2000" dirty="0"/>
-          </a:p>
-          <a:p>
-            <a:pPr>
-              <a:buFont typeface="Arial" panose="020B0604020202020204" pitchFamily="34" charset="0"/>
-              <a:buChar char="•"/>
-            </a:pPr>
-            <a:r>
-              <a:rPr lang="sk-SK" sz="2400" dirty="0" smtClean="0"/>
-              <a:t>Metódami </a:t>
-            </a:r>
-            <a:r>
-              <a:rPr lang="sk-SK" sz="2400" dirty="0"/>
-              <a:t>kybernetiky sú </a:t>
-            </a:r>
-            <a:r>
-              <a:rPr lang="sk-SK" sz="2400" u="sng" dirty="0"/>
-              <a:t>systémový prístup </a:t>
-            </a:r>
-            <a:r>
-              <a:rPr lang="sk-SK" sz="2400" dirty="0"/>
-              <a:t>a </a:t>
-            </a:r>
-            <a:r>
-              <a:rPr lang="sk-SK" sz="2400" u="sng" dirty="0"/>
-              <a:t>modelovanie</a:t>
-            </a:r>
-            <a:r>
-              <a:rPr lang="sk-SK" sz="2400" dirty="0"/>
-              <a:t> pri riešení problémov</a:t>
-            </a:r>
-            <a:r>
-              <a:rPr lang="sk-SK" sz="2400" dirty="0" smtClean="0"/>
-              <a:t>.</a:t>
-            </a:r>
-          </a:p>
-          <a:p>
-            <a:pPr>
-              <a:buFont typeface="Arial" panose="020B0604020202020204" pitchFamily="34" charset="0"/>
-              <a:buChar char="•"/>
-            </a:pPr>
-            <a:r>
-              <a:rPr lang="sk-SK" sz="2400" dirty="0" smtClean="0"/>
-              <a:t>Staršie označenie: Teória automatického riadenia</a:t>
-            </a:r>
-          </a:p>
-        </p:txBody>
-      </p:sp>
-    </p:spTree>
-    <p:extLst>
-      <p:ext uri="{BB962C8B-B14F-4D97-AF65-F5344CB8AC3E}">
-        <p14:creationId xmlns:p14="http://schemas.microsoft.com/office/powerpoint/2010/main" val="3762086123"/>
-      </p:ext>
-    </p:extLst>
-  </p:cSld>
-  <p:clrMapOvr>
-    <a:masterClrMapping/>
-  </p:clrMapOvr>
-  <p:timing>
-    <p:tnLst>
-      <p:par>
-        <p:cTn id="1" dur="indefinite" restart="never" nodeType="tmRoot"/>
-      </p:par>
-    </p:tnLst>
-  </p:timing>
-</p:sld>
-</file>
-
-<file path=ppt/slides/slide20.xml><?xml version="1.0" encoding="utf-8"?>
+<file path=ppt/slides/slide22.xml><?xml version="1.0" encoding="utf-8"?>
 <p:sld xmlns:a="http://schemas.openxmlformats.org/drawingml/2006/main" xmlns:r="http://schemas.openxmlformats.org/officeDocument/2006/relationships" xmlns:p="http://schemas.openxmlformats.org/presentationml/2006/main">
   <p:cSld>
     <p:spTree>
@@ -10402,12 +11161,11 @@
               <a:rPr lang="sk-SK" dirty="0"/>
               <a:t>step</a:t>
             </a:r>
-            <a:endParaRPr lang="sk-SK" dirty="0"/>
           </a:p>
         </p:txBody>
       </p:sp>
-      <mc:AlternateContent xmlns:mc="http://schemas.openxmlformats.org/markup-compatibility/2006">
-        <mc:Choice xmlns:a14="http://schemas.microsoft.com/office/drawing/2010/main" Requires="a14">
+      <mc:AlternateContent xmlns:mc="http://schemas.openxmlformats.org/markup-compatibility/2006" xmlns:a14="http://schemas.microsoft.com/office/drawing/2010/main">
+        <mc:Choice Requires="a14">
           <p:sp>
             <p:nvSpPr>
               <p:cNvPr id="3" name="Zástupný symbol obsahu 2"/>
@@ -10439,21 +11197,8 @@
                 </a:pPr>
                 <a:r>
                   <a:rPr lang="sk-SK" dirty="0" smtClean="0"/>
-                  <a:t>Zvyčajne sa </a:t>
-                </a:r>
-                <a:r>
-                  <a:rPr lang="sk-SK" dirty="0" smtClean="0"/>
-                  <a:t>používa </a:t>
-                </a:r>
-                <a:r>
-                  <a:rPr lang="sk-SK" dirty="0" smtClean="0"/>
-                  <a:t>ako žiadaná hodnota pri </a:t>
-                </a:r>
-                <a:r>
-                  <a:rPr lang="sk-SK" dirty="0" smtClean="0"/>
-                  <a:t>riadení regulátormi</a:t>
-                </a:r>
-                <a:endParaRPr lang="sk-SK" dirty="0" smtClean="0"/>
+                  <a:t>Zvyčajne sa používa ako žiadaná hodnota pri riadení regulátormi</a:t>
+                </a:r>
               </a:p>
               <a:p>
                 <a:pPr>
@@ -10462,19 +11207,7 @@
                 </a:pPr>
                 <a:r>
                   <a:rPr lang="sk-SK" dirty="0" smtClean="0"/>
-                  <a:t>Vyšetrujeme </a:t>
-                </a:r>
-                <a:r>
-                  <a:rPr lang="sk-SK" dirty="0" smtClean="0"/>
-                  <a:t>pomocou neho</a:t>
-                </a:r>
-                <a:r>
-                  <a:rPr lang="sk-SK" dirty="0" smtClean="0"/>
-                  <a:t> prechodové charakteristiky systémov </a:t>
-                </a:r>
-                <a:r>
-                  <a:rPr lang="sk-SK" dirty="0" smtClean="0"/>
-                  <a:t>(vysvetlené neskôr) </a:t>
+                  <a:t>Vyšetrujeme pomocou neho prechodové charakteristiky systémov (vysvetlené neskôr) </a:t>
                 </a:r>
               </a:p>
               <a:p>
@@ -10484,15 +11217,7 @@
                 </a:pPr>
                 <a:r>
                   <a:rPr lang="sk-SK" dirty="0" smtClean="0"/>
-                  <a:t>Je to </a:t>
-                </a:r>
-                <a:r>
-                  <a:rPr lang="sk-SK" dirty="0" smtClean="0"/>
-                  <a:t>ideálny </a:t>
-                </a:r>
-                <a:r>
-                  <a:rPr lang="sk-SK" dirty="0" smtClean="0"/>
-                  <a:t>signál – v praxi </a:t>
+                  <a:t>Je to ideálny signál – v praxi </a:t>
                 </a:r>
                 <a:r>
                   <a:rPr lang="sk-SK" dirty="0"/>
@@ -10500,13 +11225,8 @@
                 </a:r>
                 <a:r>
                   <a:rPr lang="sk-SK" dirty="0" smtClean="0"/>
-                  <a:t>ažko realizovateľný (nekonečne široké frekvenčné </a:t>
-                </a:r>
-                <a:r>
-                  <a:rPr lang="sk-SK" dirty="0" smtClean="0"/>
-                  <a:t>spektrum, nekonečne rýchla zmena signálu)</a:t>
-                </a:r>
-                <a:endParaRPr lang="sk-SK" dirty="0" smtClean="0"/>
+                  <a:t>ažko realizovateľný (nekonečne široké frekvenčné spektrum, nekonečne rýchla zmena signálu)</a:t>
+                </a:r>
               </a:p>
               <a:p>
                 <a:pPr>
@@ -10704,7 +11424,7 @@
             </p:txBody>
           </p:sp>
         </mc:Choice>
-        <mc:Fallback>
+        <mc:Fallback xmlns="">
           <p:sp>
             <p:nvSpPr>
               <p:cNvPr id="3" name="Zástupný symbol obsahu 2"/>
@@ -10792,7 +11512,7 @@
 </p:sld>
 </file>
 
-<file path=ppt/slides/slide21.xml><?xml version="1.0" encoding="utf-8"?>
+<file path=ppt/slides/slide23.xml><?xml version="1.0" encoding="utf-8"?>
 <p:sld xmlns:a="http://schemas.openxmlformats.org/drawingml/2006/main" xmlns:r="http://schemas.openxmlformats.org/officeDocument/2006/relationships" xmlns:p="http://schemas.openxmlformats.org/presentationml/2006/main">
   <p:cSld>
     <p:spTree>
@@ -10831,8 +11551,8 @@
           </a:p>
         </p:txBody>
       </p:sp>
-      <mc:AlternateContent xmlns:mc="http://schemas.openxmlformats.org/markup-compatibility/2006">
-        <mc:Choice xmlns:a14="http://schemas.microsoft.com/office/drawing/2010/main" Requires="a14">
+      <mc:AlternateContent xmlns:mc="http://schemas.openxmlformats.org/markup-compatibility/2006" xmlns:a14="http://schemas.microsoft.com/office/drawing/2010/main">
+        <mc:Choice Requires="a14">
           <p:sp>
             <p:nvSpPr>
               <p:cNvPr id="3" name="Zástupný symbol obsahu 2"/>
@@ -11371,7 +12091,7 @@
             </p:txBody>
           </p:sp>
         </mc:Choice>
-        <mc:Fallback>
+        <mc:Fallback xmlns="">
           <p:sp>
             <p:nvSpPr>
               <p:cNvPr id="3" name="Zástupný symbol obsahu 2"/>
@@ -11418,7 +12138,7 @@
 </p:sld>
 </file>
 
-<file path=ppt/slides/slide22.xml><?xml version="1.0" encoding="utf-8"?>
+<file path=ppt/slides/slide24.xml><?xml version="1.0" encoding="utf-8"?>
 <p:sld xmlns:a="http://schemas.openxmlformats.org/drawingml/2006/main" xmlns:r="http://schemas.openxmlformats.org/officeDocument/2006/relationships" xmlns:p="http://schemas.openxmlformats.org/presentationml/2006/main">
   <p:cSld>
     <p:spTree>
@@ -11462,8 +12182,8 @@
           </a:p>
         </p:txBody>
       </p:sp>
-      <mc:AlternateContent xmlns:mc="http://schemas.openxmlformats.org/markup-compatibility/2006">
-        <mc:Choice xmlns:a14="http://schemas.microsoft.com/office/drawing/2010/main" Requires="a14">
+      <mc:AlternateContent xmlns:mc="http://schemas.openxmlformats.org/markup-compatibility/2006" xmlns:a14="http://schemas.microsoft.com/office/drawing/2010/main">
+        <mc:Choice Requires="a14">
           <p:sp>
             <p:nvSpPr>
               <p:cNvPr id="3" name="Zástupný symbol obsahu 2"/>
@@ -11498,11 +12218,7 @@
                 </a:r>
                 <a:r>
                   <a:rPr lang="sk-SK" dirty="0" smtClean="0"/>
-                  <a:t> </a:t>
-                </a:r>
-                <a:r>
-                  <a:rPr lang="sk-SK" dirty="0" smtClean="0"/>
-                  <a:t>delta</a:t>
+                  <a:t> delta</a:t>
                 </a:r>
                 <a:endParaRPr lang="en-US" dirty="0" smtClean="0"/>
               </a:p>
@@ -11974,7 +12690,7 @@
             </p:txBody>
           </p:sp>
         </mc:Choice>
-        <mc:Fallback>
+        <mc:Fallback xmlns="">
           <p:sp>
             <p:nvSpPr>
               <p:cNvPr id="3" name="Zástupný symbol obsahu 2"/>
@@ -12066,7 +12782,7 @@
 </p:sld>
 </file>
 
-<file path=ppt/slides/slide23.xml><?xml version="1.0" encoding="utf-8"?>
+<file path=ppt/slides/slide25.xml><?xml version="1.0" encoding="utf-8"?>
 <p:sld xmlns:a="http://schemas.openxmlformats.org/drawingml/2006/main" xmlns:r="http://schemas.openxmlformats.org/officeDocument/2006/relationships" xmlns:p="http://schemas.openxmlformats.org/presentationml/2006/main">
   <p:cSld>
     <p:spTree>
@@ -12102,11 +12818,7 @@
           <a:p>
             <a:r>
               <a:rPr lang="sk-SK" dirty="0" smtClean="0"/>
-              <a:t>Posun v čase – dopravné </a:t>
-            </a:r>
-            <a:r>
-              <a:rPr lang="sk-SK" dirty="0" smtClean="0"/>
-              <a:t>oneskorenie</a:t>
+              <a:t>Posun v čase – dopravné oneskorenie</a:t>
             </a:r>
             <a:br>
               <a:rPr lang="sk-SK" dirty="0" smtClean="0"/>
@@ -12490,7 +13202,7 @@
 </p:sld>
 </file>
 
-<file path=ppt/slides/slide24.xml><?xml version="1.0" encoding="utf-8"?>
+<file path=ppt/slides/slide26.xml><?xml version="1.0" encoding="utf-8"?>
 <p:sld xmlns:a="http://schemas.openxmlformats.org/drawingml/2006/main" xmlns:r="http://schemas.openxmlformats.org/officeDocument/2006/relationships" xmlns:p="http://schemas.openxmlformats.org/presentationml/2006/main">
   <p:cSld>
     <p:spTree>
@@ -12562,7 +13274,7 @@
 </p:sld>
 </file>
 
-<file path=ppt/slides/slide25.xml><?xml version="1.0" encoding="utf-8"?>
+<file path=ppt/slides/slide27.xml><?xml version="1.0" encoding="utf-8"?>
 <p:sld xmlns:a="http://schemas.openxmlformats.org/drawingml/2006/main" xmlns:r="http://schemas.openxmlformats.org/officeDocument/2006/relationships" xmlns:p="http://schemas.openxmlformats.org/presentationml/2006/main">
   <p:cSld>
     <p:spTree>
@@ -13827,7 +14539,7 @@
 </p:sld>
 </file>
 
-<file path=ppt/slides/slide26.xml><?xml version="1.0" encoding="utf-8"?>
+<file path=ppt/slides/slide28.xml><?xml version="1.0" encoding="utf-8"?>
 <p:sld xmlns:a="http://schemas.openxmlformats.org/drawingml/2006/main" xmlns:r="http://schemas.openxmlformats.org/officeDocument/2006/relationships" xmlns:p="http://schemas.openxmlformats.org/presentationml/2006/main">
   <p:cSld>
     <p:spTree>
@@ -14847,7 +15559,7 @@
 </p:sld>
 </file>
 
-<file path=ppt/slides/slide27.xml><?xml version="1.0" encoding="utf-8"?>
+<file path=ppt/slides/slide29.xml><?xml version="1.0" encoding="utf-8"?>
 <p:sld xmlns:a="http://schemas.openxmlformats.org/drawingml/2006/main" xmlns:r="http://schemas.openxmlformats.org/officeDocument/2006/relationships" xmlns:p="http://schemas.openxmlformats.org/presentationml/2006/main">
   <p:cSld>
     <p:spTree>
@@ -14883,11 +15595,7 @@
           <a:p>
             <a:r>
               <a:rPr lang="sk-SK" dirty="0" smtClean="0"/>
-              <a:t>Veta o počiatočnej a koncovej </a:t>
-            </a:r>
-            <a:r>
-              <a:rPr lang="sk-SK" dirty="0" smtClean="0"/>
-              <a:t>hodnote</a:t>
+              <a:t>Veta o počiatočnej a koncovej hodnote</a:t>
             </a:r>
             <a:br>
               <a:rPr lang="sk-SK" dirty="0" smtClean="0"/>
@@ -14940,12 +15648,11 @@
               <a:rPr lang="sk-SK" dirty="0"/>
               <a:t> </a:t>
             </a:r>
-            <a:endParaRPr lang="sk-SK" dirty="0"/>
           </a:p>
         </p:txBody>
       </p:sp>
-      <mc:AlternateContent xmlns:mc="http://schemas.openxmlformats.org/markup-compatibility/2006">
-        <mc:Choice xmlns:a14="http://schemas.microsoft.com/office/drawing/2010/main" Requires="a14">
+      <mc:AlternateContent xmlns:mc="http://schemas.openxmlformats.org/markup-compatibility/2006" xmlns:a14="http://schemas.microsoft.com/office/drawing/2010/main">
+        <mc:Choice Requires="a14">
           <p:sp>
             <p:nvSpPr>
               <p:cNvPr id="3" name="Zástupný symbol obsahu 2"/>
@@ -15009,7 +15716,6 @@
                   <a:rPr lang="sk-SK" dirty="0" smtClean="0"/>
                   <a:t>Užitočná pomôcka – zisťovanie hodnôt v ustálených stavoch </a:t>
                 </a:r>
-                <a:endParaRPr lang="sk-SK" dirty="0" smtClean="0"/>
               </a:p>
               <a:p>
                 <a:pPr>
@@ -15414,7 +16120,7 @@
             </p:txBody>
           </p:sp>
         </mc:Choice>
-        <mc:Fallback>
+        <mc:Fallback xmlns="">
           <p:sp>
             <p:nvSpPr>
               <p:cNvPr id="3" name="Zástupný symbol obsahu 2"/>
@@ -15461,7 +16167,212 @@
 </p:sld>
 </file>
 
-<file path=ppt/slides/slide28.xml><?xml version="1.0" encoding="utf-8"?>
+<file path=ppt/slides/slide3.xml><?xml version="1.0" encoding="utf-8"?>
+<p:sld xmlns:a="http://schemas.openxmlformats.org/drawingml/2006/main" xmlns:r="http://schemas.openxmlformats.org/officeDocument/2006/relationships" xmlns:p="http://schemas.openxmlformats.org/presentationml/2006/main">
+  <p:cSld>
+    <p:spTree>
+      <p:nvGrpSpPr>
+        <p:cNvPr id="1" name=""/>
+        <p:cNvGrpSpPr/>
+        <p:nvPr/>
+      </p:nvGrpSpPr>
+      <p:grpSpPr>
+        <a:xfrm>
+          <a:off x="0" y="0"/>
+          <a:ext cx="0" cy="0"/>
+          <a:chOff x="0" y="0"/>
+          <a:chExt cx="0" cy="0"/>
+        </a:xfrm>
+      </p:grpSpPr>
+      <p:pic>
+        <p:nvPicPr>
+          <p:cNvPr id="1026" name="Picture 2" descr="VÃ½sledok vyhÄ¾adÃ¡vania obrÃ¡zkov pre dopyt cybernetics"/>
+          <p:cNvPicPr>
+            <a:picLocks noChangeAspect="1" noChangeArrowheads="1"/>
+          </p:cNvPicPr>
+          <p:nvPr/>
+        </p:nvPicPr>
+        <p:blipFill>
+          <a:blip r:embed="rId2">
+            <a:extLst>
+              <a:ext uri="{28A0092B-C50C-407E-A947-70E740481C1C}">
+                <a14:useLocalDpi xmlns:a14="http://schemas.microsoft.com/office/drawing/2010/main" val="0"/>
+              </a:ext>
+            </a:extLst>
+          </a:blip>
+          <a:srcRect/>
+          <a:stretch>
+            <a:fillRect/>
+          </a:stretch>
+        </p:blipFill>
+        <p:spPr bwMode="auto">
+          <a:xfrm>
+            <a:off x="3624648" y="2403559"/>
+            <a:ext cx="5519351" cy="4454441"/>
+          </a:xfrm>
+          <a:prstGeom prst="rect">
+            <a:avLst/>
+          </a:prstGeom>
+          <a:noFill/>
+          <a:extLst>
+            <a:ext uri="{909E8E84-426E-40DD-AFC4-6F175D3DCCD1}">
+              <a14:hiddenFill xmlns:a14="http://schemas.microsoft.com/office/drawing/2010/main">
+                <a:solidFill>
+                  <a:srgbClr val="FFFFFF"/>
+                </a:solidFill>
+              </a14:hiddenFill>
+            </a:ext>
+          </a:extLst>
+        </p:spPr>
+      </p:pic>
+      <p:sp>
+        <p:nvSpPr>
+          <p:cNvPr id="2" name="Nadpis 1"/>
+          <p:cNvSpPr>
+            <a:spLocks noGrp="1"/>
+          </p:cNvSpPr>
+          <p:nvPr>
+            <p:ph type="title"/>
+          </p:nvPr>
+        </p:nvSpPr>
+        <p:spPr/>
+        <p:txBody>
+          <a:bodyPr/>
+          <a:lstStyle/>
+          <a:p>
+            <a:r>
+              <a:rPr lang="sk-SK" dirty="0" smtClean="0"/>
+              <a:t>Kybernetika okolo nás</a:t>
+            </a:r>
+            <a:endParaRPr lang="sk-SK" dirty="0"/>
+          </a:p>
+        </p:txBody>
+      </p:sp>
+      <p:sp>
+        <p:nvSpPr>
+          <p:cNvPr id="3" name="Zástupný symbol obsahu 2"/>
+          <p:cNvSpPr>
+            <a:spLocks noGrp="1"/>
+          </p:cNvSpPr>
+          <p:nvPr>
+            <p:ph idx="1"/>
+          </p:nvPr>
+        </p:nvSpPr>
+        <p:spPr>
+          <a:xfrm>
+            <a:off x="180993" y="1025363"/>
+            <a:ext cx="4506337" cy="4625793"/>
+          </a:xfrm>
+        </p:spPr>
+        <p:txBody>
+          <a:bodyPr/>
+          <a:lstStyle/>
+          <a:p>
+            <a:pPr>
+              <a:buFont typeface="Arial" panose="020B0604020202020204" pitchFamily="34" charset="0"/>
+              <a:buChar char="•"/>
+            </a:pPr>
+            <a:r>
+              <a:rPr lang="sk-SK" dirty="0" smtClean="0"/>
+              <a:t>Je fúziou viacerých odborov</a:t>
+            </a:r>
+          </a:p>
+          <a:p>
+            <a:pPr>
+              <a:buFont typeface="Arial" panose="020B0604020202020204" pitchFamily="34" charset="0"/>
+              <a:buChar char="•"/>
+            </a:pPr>
+            <a:r>
+              <a:rPr lang="sk-SK" dirty="0" smtClean="0"/>
+              <a:t>Zaoberá </a:t>
+            </a:r>
+            <a:r>
+              <a:rPr lang="sk-SK" dirty="0"/>
+              <a:t>sa aj analýzou a syntézou riadiacich a regulačných procesov </a:t>
+            </a:r>
+            <a:endParaRPr lang="sk-SK" dirty="0" smtClean="0"/>
+          </a:p>
+          <a:p>
+            <a:pPr>
+              <a:buFont typeface="Arial" panose="020B0604020202020204" pitchFamily="34" charset="0"/>
+              <a:buChar char="•"/>
+            </a:pPr>
+            <a:r>
+              <a:rPr lang="sk-SK" dirty="0"/>
+              <a:t>Základným pilierom kybernetiky je využitie spätnej väzby</a:t>
+            </a:r>
+            <a:r>
+              <a:rPr lang="sk-SK" dirty="0" smtClean="0"/>
+              <a:t>.</a:t>
+            </a:r>
+          </a:p>
+          <a:p>
+            <a:pPr>
+              <a:buFont typeface="Arial" panose="020B0604020202020204" pitchFamily="34" charset="0"/>
+              <a:buChar char="•"/>
+            </a:pPr>
+            <a:r>
+              <a:rPr lang="sk-SK" dirty="0" smtClean="0"/>
+              <a:t>Všade prítomná problematika: </a:t>
+            </a:r>
+            <a:r>
+              <a:rPr lang="sk-SK" dirty="0"/>
+              <a:t>technické </a:t>
+            </a:r>
+            <a:r>
+              <a:rPr lang="sk-SK" dirty="0" smtClean="0"/>
+              <a:t>vedy - mechanika, elektrotechnika , jadrové </a:t>
+            </a:r>
+            <a:r>
+              <a:rPr lang="sk-SK" dirty="0"/>
+              <a:t>skúšky, biologické objekty,  </a:t>
+            </a:r>
+            <a:r>
+              <a:rPr lang="sk-SK" dirty="0" smtClean="0"/>
+              <a:t>ekonómia...</a:t>
+            </a:r>
+            <a:endParaRPr lang="sk-SK" dirty="0"/>
+          </a:p>
+          <a:p>
+            <a:pPr>
+              <a:buFont typeface="Arial" panose="020B0604020202020204" pitchFamily="34" charset="0"/>
+              <a:buChar char="•"/>
+            </a:pPr>
+            <a:r>
+              <a:rPr lang="sk-SK" dirty="0" smtClean="0"/>
+              <a:t>Kybernetika </a:t>
+            </a:r>
+            <a:r>
+              <a:rPr lang="sk-SK" dirty="0"/>
+              <a:t>je podstatou Industry 4.0</a:t>
+            </a:r>
+          </a:p>
+          <a:p>
+            <a:endParaRPr lang="sk-SK" dirty="0"/>
+          </a:p>
+        </p:txBody>
+      </p:sp>
+    </p:spTree>
+    <p:extLst>
+      <p:ext uri="{BB962C8B-B14F-4D97-AF65-F5344CB8AC3E}">
+        <p14:creationId xmlns:p14="http://schemas.microsoft.com/office/powerpoint/2010/main" val="2415096176"/>
+      </p:ext>
+    </p:extLst>
+  </p:cSld>
+  <p:clrMapOvr>
+    <a:masterClrMapping/>
+  </p:clrMapOvr>
+  <p:timing>
+    <p:tnLst>
+      <p:par>
+        <p:cTn id="1" dur="indefinite" restart="never" nodeType="tmRoot"/>
+      </p:par>
+    </p:tnLst>
+  </p:timing>
+</p:sld>
+</file>
+
+<file path=ppt/slides/slide30.xml><?xml version="1.0" encoding="utf-8"?>
 <p:sld xmlns:a="http://schemas.openxmlformats.org/drawingml/2006/main" xmlns:r="http://schemas.openxmlformats.org/officeDocument/2006/relationships" xmlns:p="http://schemas.openxmlformats.org/presentationml/2006/main">
   <p:cSld>
     <p:spTree>
@@ -15588,7 +16499,7 @@
 </p:sld>
 </file>
 
-<file path=ppt/slides/slide29.xml><?xml version="1.0" encoding="utf-8"?>
+<file path=ppt/slides/slide31.xml><?xml version="1.0" encoding="utf-8"?>
 <p:sld xmlns:a="http://schemas.openxmlformats.org/drawingml/2006/main" xmlns:r="http://schemas.openxmlformats.org/officeDocument/2006/relationships" xmlns:p="http://schemas.openxmlformats.org/presentationml/2006/main">
   <p:cSld>
     <p:spTree>
@@ -15645,8 +16556,8 @@
           </a:p>
         </p:txBody>
       </p:sp>
-      <mc:AlternateContent xmlns:mc="http://schemas.openxmlformats.org/markup-compatibility/2006">
-        <mc:Choice xmlns:a14="http://schemas.microsoft.com/office/drawing/2010/main" Requires="a14">
+      <mc:AlternateContent xmlns:mc="http://schemas.openxmlformats.org/markup-compatibility/2006" xmlns:a14="http://schemas.microsoft.com/office/drawing/2010/main">
+        <mc:Choice Requires="a14">
           <p:sp>
             <p:nvSpPr>
               <p:cNvPr id="3" name="Zástupný symbol obsahu 2"/>
@@ -16122,7 +17033,7 @@
             </p:txBody>
           </p:sp>
         </mc:Choice>
-        <mc:Fallback>
+        <mc:Fallback xmlns="">
           <p:sp>
             <p:nvSpPr>
               <p:cNvPr id="3" name="Zástupný symbol obsahu 2"/>
@@ -16164,536 +17075,6 @@
     <p:extLst>
       <p:ext uri="{BB962C8B-B14F-4D97-AF65-F5344CB8AC3E}">
         <p14:creationId xmlns:p14="http://schemas.microsoft.com/office/powerpoint/2010/main" val="782147760"/>
-      </p:ext>
-    </p:extLst>
-  </p:cSld>
-  <p:clrMapOvr>
-    <a:masterClrMapping/>
-  </p:clrMapOvr>
-</p:sld>
-</file>
-
-<file path=ppt/slides/slide3.xml><?xml version="1.0" encoding="utf-8"?>
-<p:sld xmlns:a="http://schemas.openxmlformats.org/drawingml/2006/main" xmlns:r="http://schemas.openxmlformats.org/officeDocument/2006/relationships" xmlns:p="http://schemas.openxmlformats.org/presentationml/2006/main">
-  <p:cSld>
-    <p:spTree>
-      <p:nvGrpSpPr>
-        <p:cNvPr id="1" name=""/>
-        <p:cNvGrpSpPr/>
-        <p:nvPr/>
-      </p:nvGrpSpPr>
-      <p:grpSpPr>
-        <a:xfrm>
-          <a:off x="0" y="0"/>
-          <a:ext cx="0" cy="0"/>
-          <a:chOff x="0" y="0"/>
-          <a:chExt cx="0" cy="0"/>
-        </a:xfrm>
-      </p:grpSpPr>
-      <p:pic>
-        <p:nvPicPr>
-          <p:cNvPr id="1026" name="Picture 2" descr="VÃ½sledok vyhÄ¾adÃ¡vania obrÃ¡zkov pre dopyt cybernetics"/>
-          <p:cNvPicPr>
-            <a:picLocks noChangeAspect="1" noChangeArrowheads="1"/>
-          </p:cNvPicPr>
-          <p:nvPr/>
-        </p:nvPicPr>
-        <p:blipFill>
-          <a:blip r:embed="rId2">
-            <a:extLst>
-              <a:ext uri="{28A0092B-C50C-407E-A947-70E740481C1C}">
-                <a14:useLocalDpi xmlns:a14="http://schemas.microsoft.com/office/drawing/2010/main" val="0"/>
-              </a:ext>
-            </a:extLst>
-          </a:blip>
-          <a:srcRect/>
-          <a:stretch>
-            <a:fillRect/>
-          </a:stretch>
-        </p:blipFill>
-        <p:spPr bwMode="auto">
-          <a:xfrm>
-            <a:off x="3624648" y="2403559"/>
-            <a:ext cx="5519351" cy="4454441"/>
-          </a:xfrm>
-          <a:prstGeom prst="rect">
-            <a:avLst/>
-          </a:prstGeom>
-          <a:noFill/>
-          <a:extLst>
-            <a:ext uri="{909E8E84-426E-40DD-AFC4-6F175D3DCCD1}">
-              <a14:hiddenFill xmlns:a14="http://schemas.microsoft.com/office/drawing/2010/main">
-                <a:solidFill>
-                  <a:srgbClr val="FFFFFF"/>
-                </a:solidFill>
-              </a14:hiddenFill>
-            </a:ext>
-          </a:extLst>
-        </p:spPr>
-      </p:pic>
-      <p:sp>
-        <p:nvSpPr>
-          <p:cNvPr id="2" name="Nadpis 1"/>
-          <p:cNvSpPr>
-            <a:spLocks noGrp="1"/>
-          </p:cNvSpPr>
-          <p:nvPr>
-            <p:ph type="title"/>
-          </p:nvPr>
-        </p:nvSpPr>
-        <p:spPr/>
-        <p:txBody>
-          <a:bodyPr/>
-          <a:lstStyle/>
-          <a:p>
-            <a:r>
-              <a:rPr lang="sk-SK" dirty="0" smtClean="0"/>
-              <a:t>Kybernetika okolo nás</a:t>
-            </a:r>
-            <a:endParaRPr lang="sk-SK" dirty="0"/>
-          </a:p>
-        </p:txBody>
-      </p:sp>
-      <p:sp>
-        <p:nvSpPr>
-          <p:cNvPr id="3" name="Zástupný symbol obsahu 2"/>
-          <p:cNvSpPr>
-            <a:spLocks noGrp="1"/>
-          </p:cNvSpPr>
-          <p:nvPr>
-            <p:ph idx="1"/>
-          </p:nvPr>
-        </p:nvSpPr>
-        <p:spPr>
-          <a:xfrm>
-            <a:off x="180993" y="1025363"/>
-            <a:ext cx="4506337" cy="4625793"/>
-          </a:xfrm>
-        </p:spPr>
-        <p:txBody>
-          <a:bodyPr/>
-          <a:lstStyle/>
-          <a:p>
-            <a:pPr>
-              <a:buFont typeface="Arial" panose="020B0604020202020204" pitchFamily="34" charset="0"/>
-              <a:buChar char="•"/>
-            </a:pPr>
-            <a:r>
-              <a:rPr lang="sk-SK" dirty="0" smtClean="0"/>
-              <a:t>Je fúziou viacerých odborov</a:t>
-            </a:r>
-          </a:p>
-          <a:p>
-            <a:pPr>
-              <a:buFont typeface="Arial" panose="020B0604020202020204" pitchFamily="34" charset="0"/>
-              <a:buChar char="•"/>
-            </a:pPr>
-            <a:r>
-              <a:rPr lang="sk-SK" dirty="0" smtClean="0"/>
-              <a:t>Zaoberá </a:t>
-            </a:r>
-            <a:r>
-              <a:rPr lang="sk-SK" dirty="0"/>
-              <a:t>sa aj analýzou a syntézou riadiacich a regulačných procesov </a:t>
-            </a:r>
-            <a:endParaRPr lang="sk-SK" dirty="0" smtClean="0"/>
-          </a:p>
-          <a:p>
-            <a:pPr>
-              <a:buFont typeface="Arial" panose="020B0604020202020204" pitchFamily="34" charset="0"/>
-              <a:buChar char="•"/>
-            </a:pPr>
-            <a:r>
-              <a:rPr lang="sk-SK" dirty="0"/>
-              <a:t>Základným pilierom kybernetiky je využitie spätnej väzby</a:t>
-            </a:r>
-            <a:r>
-              <a:rPr lang="sk-SK" dirty="0" smtClean="0"/>
-              <a:t>.</a:t>
-            </a:r>
-          </a:p>
-          <a:p>
-            <a:pPr>
-              <a:buFont typeface="Arial" panose="020B0604020202020204" pitchFamily="34" charset="0"/>
-              <a:buChar char="•"/>
-            </a:pPr>
-            <a:r>
-              <a:rPr lang="sk-SK" dirty="0" smtClean="0"/>
-              <a:t>Všade prítomná problematika: </a:t>
-            </a:r>
-            <a:r>
-              <a:rPr lang="sk-SK" dirty="0"/>
-              <a:t>technické </a:t>
-            </a:r>
-            <a:r>
-              <a:rPr lang="sk-SK" dirty="0" smtClean="0"/>
-              <a:t>vedy - mechanika, elektrotechnika , jadrové </a:t>
-            </a:r>
-            <a:r>
-              <a:rPr lang="sk-SK" dirty="0"/>
-              <a:t>skúšky, biologické objekty,  </a:t>
-            </a:r>
-            <a:r>
-              <a:rPr lang="sk-SK" dirty="0" smtClean="0"/>
-              <a:t>ekonómia...</a:t>
-            </a:r>
-            <a:endParaRPr lang="sk-SK" dirty="0"/>
-          </a:p>
-          <a:p>
-            <a:pPr>
-              <a:buFont typeface="Arial" panose="020B0604020202020204" pitchFamily="34" charset="0"/>
-              <a:buChar char="•"/>
-            </a:pPr>
-            <a:r>
-              <a:rPr lang="sk-SK" dirty="0" smtClean="0"/>
-              <a:t>Kybernetika </a:t>
-            </a:r>
-            <a:r>
-              <a:rPr lang="sk-SK" dirty="0"/>
-              <a:t>je podstatou Industry 4.0</a:t>
-            </a:r>
-          </a:p>
-          <a:p>
-            <a:endParaRPr lang="sk-SK" dirty="0"/>
-          </a:p>
-        </p:txBody>
-      </p:sp>
-    </p:spTree>
-    <p:extLst>
-      <p:ext uri="{BB962C8B-B14F-4D97-AF65-F5344CB8AC3E}">
-        <p14:creationId xmlns:p14="http://schemas.microsoft.com/office/powerpoint/2010/main" val="2415096176"/>
-      </p:ext>
-    </p:extLst>
-  </p:cSld>
-  <p:clrMapOvr>
-    <a:masterClrMapping/>
-  </p:clrMapOvr>
-  <p:timing>
-    <p:tnLst>
-      <p:par>
-        <p:cTn id="1" dur="indefinite" restart="never" nodeType="tmRoot"/>
-      </p:par>
-    </p:tnLst>
-  </p:timing>
-</p:sld>
-</file>
-
-<file path=ppt/slides/slide30.xml><?xml version="1.0" encoding="utf-8"?>
-<p:sld xmlns:a="http://schemas.openxmlformats.org/drawingml/2006/main" xmlns:r="http://schemas.openxmlformats.org/officeDocument/2006/relationships" xmlns:p="http://schemas.openxmlformats.org/presentationml/2006/main">
-  <p:cSld>
-    <p:spTree>
-      <p:nvGrpSpPr>
-        <p:cNvPr id="1" name=""/>
-        <p:cNvGrpSpPr/>
-        <p:nvPr/>
-      </p:nvGrpSpPr>
-      <p:grpSpPr>
-        <a:xfrm>
-          <a:off x="0" y="0"/>
-          <a:ext cx="0" cy="0"/>
-          <a:chOff x="0" y="0"/>
-          <a:chExt cx="0" cy="0"/>
-        </a:xfrm>
-      </p:grpSpPr>
-      <p:sp>
-        <p:nvSpPr>
-          <p:cNvPr id="2" name="Nadpis 1"/>
-          <p:cNvSpPr>
-            <a:spLocks noGrp="1"/>
-          </p:cNvSpPr>
-          <p:nvPr>
-            <p:ph type="title"/>
-          </p:nvPr>
-        </p:nvSpPr>
-        <p:spPr/>
-        <p:txBody>
-          <a:bodyPr/>
-          <a:lstStyle/>
-          <a:p>
-            <a:r>
-              <a:rPr lang="sk-SK" dirty="0" smtClean="0"/>
-              <a:t>Prenosová funkcia systému - podmienky</a:t>
-            </a:r>
-            <a:endParaRPr lang="sk-SK" dirty="0"/>
-          </a:p>
-        </p:txBody>
-      </p:sp>
-      <p:sp>
-        <p:nvSpPr>
-          <p:cNvPr id="3" name="Zástupný symbol obsahu 2"/>
-          <p:cNvSpPr>
-            <a:spLocks noGrp="1"/>
-          </p:cNvSpPr>
-          <p:nvPr>
-            <p:ph idx="1"/>
-          </p:nvPr>
-        </p:nvSpPr>
-        <p:spPr/>
-        <p:txBody>
-          <a:bodyPr/>
-          <a:lstStyle/>
-          <a:p>
-            <a:pPr marL="342900" lvl="0" indent="-342900">
-              <a:spcAft>
-                <a:spcPts val="1200"/>
-              </a:spcAft>
-              <a:buFont typeface="Arial" panose="020B0604020202020204" pitchFamily="34" charset="0"/>
-              <a:buChar char="•"/>
-            </a:pPr>
-            <a:r>
-              <a:rPr lang="sk-SK" dirty="0"/>
-              <a:t>Prenosová funkcia je definovaná iba pre lineárne časovo invariantné systémy. </a:t>
-            </a:r>
-            <a:r>
-              <a:rPr lang="sk-SK" u="sng" dirty="0"/>
-              <a:t>Nie je definovaná pre nelineárne systémy</a:t>
-            </a:r>
-            <a:r>
-              <a:rPr lang="sk-SK" dirty="0"/>
-              <a:t>.</a:t>
-            </a:r>
-          </a:p>
-          <a:p>
-            <a:pPr marL="342900" lvl="0" indent="-342900">
-              <a:spcAft>
-                <a:spcPts val="1200"/>
-              </a:spcAft>
-              <a:buFont typeface="Arial" panose="020B0604020202020204" pitchFamily="34" charset="0"/>
-              <a:buChar char="•"/>
-            </a:pPr>
-            <a:r>
-              <a:rPr lang="sk-SK" dirty="0"/>
-              <a:t>Prenosová funkcia medzi vstupnou a výstupnou premennou je definovaná ako </a:t>
-            </a:r>
-            <a:r>
-              <a:rPr lang="sk-SK" dirty="0" err="1"/>
-              <a:t>Laplaceova</a:t>
-            </a:r>
-            <a:r>
-              <a:rPr lang="sk-SK" dirty="0"/>
-              <a:t> </a:t>
-            </a:r>
-            <a:r>
-              <a:rPr lang="sk-SK" dirty="0" smtClean="0"/>
-              <a:t>transformácia jej </a:t>
-            </a:r>
-            <a:r>
-              <a:rPr lang="sk-SK" u="sng" dirty="0"/>
-              <a:t>impulznej </a:t>
-            </a:r>
-            <a:r>
-              <a:rPr lang="sk-SK" u="sng" dirty="0" smtClean="0"/>
-              <a:t>charakteristiky</a:t>
-            </a:r>
-            <a:endParaRPr lang="sk-SK" dirty="0" smtClean="0"/>
-          </a:p>
-          <a:p>
-            <a:pPr marL="342900" lvl="0" indent="-342900">
-              <a:spcAft>
-                <a:spcPts val="1200"/>
-              </a:spcAft>
-              <a:buFont typeface="Arial" panose="020B0604020202020204" pitchFamily="34" charset="0"/>
-              <a:buChar char="•"/>
-            </a:pPr>
-            <a:r>
-              <a:rPr lang="sk-SK" dirty="0"/>
-              <a:t>R</a:t>
-            </a:r>
-            <a:r>
-              <a:rPr lang="sk-SK" dirty="0" smtClean="0"/>
-              <a:t>ovnako je ale </a:t>
-            </a:r>
-            <a:r>
-              <a:rPr lang="sk-SK" dirty="0"/>
-              <a:t>definovaná ako </a:t>
-            </a:r>
-            <a:r>
-              <a:rPr lang="sk-SK" u="sng" dirty="0"/>
-              <a:t>pomer obrazu výstupnej veličiny k obrazu vstupnej veličiny</a:t>
-            </a:r>
-            <a:r>
-              <a:rPr lang="sk-SK" dirty="0"/>
-              <a:t>.</a:t>
-            </a:r>
-          </a:p>
-          <a:p>
-            <a:pPr marL="342900" lvl="0" indent="-342900">
-              <a:spcAft>
-                <a:spcPts val="1200"/>
-              </a:spcAft>
-              <a:buFont typeface="Arial" panose="020B0604020202020204" pitchFamily="34" charset="0"/>
-              <a:buChar char="•"/>
-            </a:pPr>
-            <a:r>
-              <a:rPr lang="sk-SK" dirty="0"/>
-              <a:t>Začiatočné podmienky systému musia byť nulové</a:t>
-            </a:r>
-            <a:r>
-              <a:rPr lang="sk-SK" dirty="0" smtClean="0"/>
-              <a:t>.</a:t>
-            </a:r>
-          </a:p>
-          <a:p>
-            <a:r>
-              <a:rPr lang="sk-SK" dirty="0"/>
-              <a:t>Prečo </a:t>
-            </a:r>
-            <a:r>
-              <a:rPr lang="sk-SK" dirty="0" smtClean="0"/>
-              <a:t>používame prenosové funkcie?</a:t>
-            </a:r>
-            <a:endParaRPr lang="sk-SK" dirty="0">
-              <a:solidFill>
-                <a:srgbClr val="FF0000"/>
-              </a:solidFill>
-            </a:endParaRPr>
-          </a:p>
-          <a:p>
-            <a:pPr marL="285750" indent="-285750">
-              <a:buFont typeface="Arial" panose="020B0604020202020204" pitchFamily="34" charset="0"/>
-              <a:buChar char="•"/>
-            </a:pPr>
-            <a:r>
-              <a:rPr lang="sk-SK" dirty="0"/>
-              <a:t>Jednoduchosť vytvárania schém zložitého procesu z blokov (algebra prenosových </a:t>
-            </a:r>
-            <a:r>
-              <a:rPr lang="sk-SK" dirty="0" err="1"/>
-              <a:t>funk</a:t>
-            </a:r>
-            <a:r>
-              <a:rPr lang="sk-SK" dirty="0"/>
-              <a:t>.)</a:t>
-            </a:r>
-          </a:p>
-          <a:p>
-            <a:pPr marL="285750" indent="-285750">
-              <a:buFont typeface="Arial" panose="020B0604020202020204" pitchFamily="34" charset="0"/>
-              <a:buChar char="•"/>
-            </a:pPr>
-            <a:r>
-              <a:rPr lang="sk-SK" dirty="0"/>
-              <a:t>Prenosové funkcie sú nositeľom podstatných vlastností dynamiky </a:t>
-            </a:r>
-            <a:r>
-              <a:rPr lang="sk-SK" dirty="0" smtClean="0"/>
-              <a:t>procesov</a:t>
-            </a:r>
-          </a:p>
-          <a:p>
-            <a:pPr marL="285750" indent="-285750">
-              <a:buFont typeface="Arial" panose="020B0604020202020204" pitchFamily="34" charset="0"/>
-              <a:buChar char="•"/>
-            </a:pPr>
-            <a:r>
-              <a:rPr lang="sk-SK" dirty="0"/>
-              <a:t>Je ich možné </a:t>
-            </a:r>
-            <a:r>
-              <a:rPr lang="sk-SK" dirty="0" err="1"/>
-              <a:t>parametrizovať</a:t>
-            </a:r>
-            <a:r>
-              <a:rPr lang="sk-SK" dirty="0"/>
-              <a:t> z nameraných dynamických </a:t>
-            </a:r>
-            <a:r>
-              <a:rPr lang="sk-SK" dirty="0" smtClean="0"/>
-              <a:t>charakteristík</a:t>
-            </a:r>
-            <a:endParaRPr lang="sk-SK" dirty="0"/>
-          </a:p>
-          <a:p>
-            <a:pPr marL="0" lvl="0" indent="0">
-              <a:spcAft>
-                <a:spcPts val="1200"/>
-              </a:spcAft>
-              <a:buNone/>
-            </a:pPr>
-            <a:endParaRPr lang="sk-SK" dirty="0"/>
-          </a:p>
-        </p:txBody>
-      </p:sp>
-    </p:spTree>
-    <p:extLst>
-      <p:ext uri="{BB962C8B-B14F-4D97-AF65-F5344CB8AC3E}">
-        <p14:creationId xmlns:p14="http://schemas.microsoft.com/office/powerpoint/2010/main" val="1612722553"/>
-      </p:ext>
-    </p:extLst>
-  </p:cSld>
-  <p:clrMapOvr>
-    <a:masterClrMapping/>
-  </p:clrMapOvr>
-</p:sld>
-</file>
-
-<file path=ppt/slides/slide31.xml><?xml version="1.0" encoding="utf-8"?>
-<p:sld xmlns:a="http://schemas.openxmlformats.org/drawingml/2006/main" xmlns:r="http://schemas.openxmlformats.org/officeDocument/2006/relationships" xmlns:p="http://schemas.openxmlformats.org/presentationml/2006/main">
-  <p:cSld>
-    <p:spTree>
-      <p:nvGrpSpPr>
-        <p:cNvPr id="1" name=""/>
-        <p:cNvGrpSpPr/>
-        <p:nvPr/>
-      </p:nvGrpSpPr>
-      <p:grpSpPr>
-        <a:xfrm>
-          <a:off x="0" y="0"/>
-          <a:ext cx="0" cy="0"/>
-          <a:chOff x="0" y="0"/>
-          <a:chExt cx="0" cy="0"/>
-        </a:xfrm>
-      </p:grpSpPr>
-      <p:sp>
-        <p:nvSpPr>
-          <p:cNvPr id="2" name="Nadpis 1"/>
-          <p:cNvSpPr>
-            <a:spLocks noGrp="1"/>
-          </p:cNvSpPr>
-          <p:nvPr>
-            <p:ph type="title"/>
-          </p:nvPr>
-        </p:nvSpPr>
-        <p:spPr/>
-        <p:txBody>
-          <a:bodyPr/>
-          <a:lstStyle/>
-          <a:p>
-            <a:r>
-              <a:rPr lang="sk-SK" dirty="0" smtClean="0"/>
-              <a:t>Integrátor a </a:t>
-            </a:r>
-            <a:r>
-              <a:rPr lang="sk-SK" dirty="0" err="1" smtClean="0"/>
-              <a:t>derivátor</a:t>
-            </a:r>
-            <a:endParaRPr lang="sk-SK" dirty="0"/>
-          </a:p>
-        </p:txBody>
-      </p:sp>
-      <p:sp>
-        <p:nvSpPr>
-          <p:cNvPr id="3" name="Zástupný symbol obsahu 2"/>
-          <p:cNvSpPr>
-            <a:spLocks noGrp="1"/>
-          </p:cNvSpPr>
-          <p:nvPr>
-            <p:ph idx="1"/>
-          </p:nvPr>
-        </p:nvSpPr>
-        <p:spPr/>
-        <p:txBody>
-          <a:bodyPr/>
-          <a:lstStyle/>
-          <a:p>
-            <a:endParaRPr lang="sk-SK"/>
-          </a:p>
-        </p:txBody>
-      </p:sp>
-    </p:spTree>
-    <p:extLst>
-      <p:ext uri="{BB962C8B-B14F-4D97-AF65-F5344CB8AC3E}">
-        <p14:creationId xmlns:p14="http://schemas.microsoft.com/office/powerpoint/2010/main" val="449367882"/>
       </p:ext>
     </p:extLst>
   </p:cSld>
@@ -16737,15 +17118,7 @@
           <a:p>
             <a:r>
               <a:rPr lang="sk-SK" dirty="0" smtClean="0"/>
-              <a:t>Inverzná </a:t>
-            </a:r>
-            <a:r>
-              <a:rPr lang="sk-SK" dirty="0" err="1" smtClean="0"/>
-              <a:t>Laplaceova</a:t>
-            </a:r>
-            <a:r>
-              <a:rPr lang="sk-SK" dirty="0" smtClean="0"/>
-              <a:t> transformácia</a:t>
+              <a:t>Prenosová funkcia systému - podmienky</a:t>
             </a:r>
             <a:endParaRPr lang="sk-SK" dirty="0"/>
           </a:p>
@@ -16766,6 +17139,183 @@
           <a:bodyPr/>
           <a:lstStyle/>
           <a:p>
+            <a:pPr marL="342900" lvl="0" indent="-342900">
+              <a:spcAft>
+                <a:spcPts val="1200"/>
+              </a:spcAft>
+              <a:buFont typeface="Arial" panose="020B0604020202020204" pitchFamily="34" charset="0"/>
+              <a:buChar char="•"/>
+            </a:pPr>
+            <a:r>
+              <a:rPr lang="sk-SK" dirty="0"/>
+              <a:t>Prenosová funkcia je definovaná iba pre lineárne časovo invariantné systémy. </a:t>
+            </a:r>
+            <a:r>
+              <a:rPr lang="sk-SK" u="sng" dirty="0"/>
+              <a:t>Nie je definovaná pre nelineárne systémy</a:t>
+            </a:r>
+            <a:r>
+              <a:rPr lang="sk-SK" dirty="0"/>
+              <a:t>.</a:t>
+            </a:r>
+          </a:p>
+          <a:p>
+            <a:pPr marL="342900" lvl="0" indent="-342900">
+              <a:spcAft>
+                <a:spcPts val="1200"/>
+              </a:spcAft>
+              <a:buFont typeface="Arial" panose="020B0604020202020204" pitchFamily="34" charset="0"/>
+              <a:buChar char="•"/>
+            </a:pPr>
+            <a:r>
+              <a:rPr lang="sk-SK" dirty="0"/>
+              <a:t>Prenosová funkcia medzi vstupnou a výstupnou premennou je definovaná ako </a:t>
+            </a:r>
+            <a:r>
+              <a:rPr lang="sk-SK" dirty="0" err="1"/>
+              <a:t>Laplaceova</a:t>
+            </a:r>
+            <a:r>
+              <a:rPr lang="sk-SK" dirty="0"/>
+              <a:t> </a:t>
+            </a:r>
+            <a:r>
+              <a:rPr lang="sk-SK" dirty="0" smtClean="0"/>
+              <a:t>transformácia jej </a:t>
+            </a:r>
+            <a:r>
+              <a:rPr lang="sk-SK" u="sng" dirty="0"/>
+              <a:t>impulznej </a:t>
+            </a:r>
+            <a:r>
+              <a:rPr lang="sk-SK" u="sng" dirty="0" smtClean="0"/>
+              <a:t>charakteristiky</a:t>
+            </a:r>
+            <a:endParaRPr lang="sk-SK" dirty="0" smtClean="0"/>
+          </a:p>
+          <a:p>
+            <a:pPr marL="342900" lvl="0" indent="-342900">
+              <a:spcAft>
+                <a:spcPts val="1200"/>
+              </a:spcAft>
+              <a:buFont typeface="Arial" panose="020B0604020202020204" pitchFamily="34" charset="0"/>
+              <a:buChar char="•"/>
+            </a:pPr>
+            <a:r>
+              <a:rPr lang="sk-SK" dirty="0"/>
+              <a:t>R</a:t>
+            </a:r>
+            <a:r>
+              <a:rPr lang="sk-SK" dirty="0" smtClean="0"/>
+              <a:t>ovnako je ale </a:t>
+            </a:r>
+            <a:r>
+              <a:rPr lang="sk-SK" dirty="0"/>
+              <a:t>definovaná ako </a:t>
+            </a:r>
+            <a:r>
+              <a:rPr lang="sk-SK" u="sng" dirty="0"/>
+              <a:t>pomer obrazu výstupnej veličiny k obrazu vstupnej veličiny</a:t>
+            </a:r>
+            <a:r>
+              <a:rPr lang="sk-SK" dirty="0"/>
+              <a:t>.</a:t>
+            </a:r>
+          </a:p>
+          <a:p>
+            <a:pPr marL="342900" lvl="0" indent="-342900">
+              <a:spcAft>
+                <a:spcPts val="1200"/>
+              </a:spcAft>
+              <a:buFont typeface="Arial" panose="020B0604020202020204" pitchFamily="34" charset="0"/>
+              <a:buChar char="•"/>
+            </a:pPr>
+            <a:r>
+              <a:rPr lang="sk-SK" dirty="0"/>
+              <a:t>Začiatočné podmienky systému musia byť nulové</a:t>
+            </a:r>
+            <a:r>
+              <a:rPr lang="sk-SK" dirty="0" smtClean="0"/>
+              <a:t>.</a:t>
+            </a:r>
+          </a:p>
+          <a:p>
+            <a:r>
+              <a:rPr lang="sk-SK" dirty="0"/>
+              <a:t>Prečo </a:t>
+            </a:r>
+            <a:r>
+              <a:rPr lang="sk-SK" dirty="0" smtClean="0"/>
+              <a:t>používame prenosové funkcie?</a:t>
+            </a:r>
+            <a:endParaRPr lang="sk-SK" dirty="0">
+              <a:solidFill>
+                <a:srgbClr val="FF0000"/>
+              </a:solidFill>
+            </a:endParaRPr>
+          </a:p>
+          <a:p>
+            <a:pPr marL="285750" indent="-285750">
+              <a:buFont typeface="Arial" panose="020B0604020202020204" pitchFamily="34" charset="0"/>
+              <a:buChar char="•"/>
+            </a:pPr>
+            <a:r>
+              <a:rPr lang="sk-SK" dirty="0"/>
+              <a:t>Jednoduchosť vytvárania schém zložitého procesu z blokov (algebra prenosových </a:t>
+            </a:r>
+            <a:r>
+              <a:rPr lang="sk-SK" dirty="0" err="1"/>
+              <a:t>funk</a:t>
+            </a:r>
+            <a:r>
+              <a:rPr lang="sk-SK" dirty="0"/>
+              <a:t>.)</a:t>
+            </a:r>
+          </a:p>
+          <a:p>
+            <a:pPr marL="285750" indent="-285750">
+              <a:buFont typeface="Arial" panose="020B0604020202020204" pitchFamily="34" charset="0"/>
+              <a:buChar char="•"/>
+            </a:pPr>
+            <a:r>
+              <a:rPr lang="sk-SK" dirty="0"/>
+              <a:t>Prenosové funkcie sú nositeľom podstatných vlastností dynamiky </a:t>
+            </a:r>
+            <a:r>
+              <a:rPr lang="sk-SK" dirty="0" smtClean="0"/>
+              <a:t>procesov</a:t>
+            </a:r>
+          </a:p>
+          <a:p>
+            <a:pPr marL="285750" indent="-285750">
+              <a:buFont typeface="Arial" panose="020B0604020202020204" pitchFamily="34" charset="0"/>
+              <a:buChar char="•"/>
+            </a:pPr>
+            <a:r>
+              <a:rPr lang="sk-SK" dirty="0"/>
+              <a:t>Je ich možné </a:t>
+            </a:r>
+            <a:r>
+              <a:rPr lang="sk-SK" dirty="0" err="1"/>
+              <a:t>parametrizovať</a:t>
+            </a:r>
+            <a:r>
+              <a:rPr lang="sk-SK" dirty="0"/>
+              <a:t> z nameraných dynamických </a:t>
+            </a:r>
+            <a:r>
+              <a:rPr lang="sk-SK" dirty="0" smtClean="0"/>
+              <a:t>charakteristík</a:t>
+            </a:r>
+            <a:endParaRPr lang="sk-SK" dirty="0"/>
+          </a:p>
+          <a:p>
+            <a:pPr marL="0" lvl="0" indent="0">
+              <a:spcAft>
+                <a:spcPts val="1200"/>
+              </a:spcAft>
+              <a:buNone/>
+            </a:pPr>
             <a:endParaRPr lang="sk-SK" dirty="0"/>
           </a:p>
         </p:txBody>
@@ -16773,7 +17323,7 @@
     </p:spTree>
     <p:extLst>
       <p:ext uri="{BB962C8B-B14F-4D97-AF65-F5344CB8AC3E}">
-        <p14:creationId xmlns:p14="http://schemas.microsoft.com/office/powerpoint/2010/main" val="3642990468"/>
+        <p14:creationId xmlns:p14="http://schemas.microsoft.com/office/powerpoint/2010/main" val="1612722553"/>
       </p:ext>
     </p:extLst>
   </p:cSld>
@@ -16817,19 +17367,11 @@
           <a:p>
             <a:r>
               <a:rPr lang="sk-SK" dirty="0" smtClean="0"/>
-              <a:t>Rozklad na parciálne </a:t>
-            </a:r>
-            <a:r>
-              <a:rPr lang="sk-SK" dirty="0" smtClean="0"/>
-              <a:t>zlomky (</a:t>
+              <a:t>Integrátor a </a:t>
             </a:r>
             <a:r>
               <a:rPr lang="sk-SK" dirty="0" err="1" smtClean="0"/>
-              <a:t>residue</a:t>
-            </a:r>
-            <a:r>
-              <a:rPr lang="sk-SK" dirty="0" smtClean="0"/>
-              <a:t>)</a:t>
+              <a:t>derivátor</a:t>
             </a:r>
             <a:endParaRPr lang="sk-SK" dirty="0"/>
           </a:p>
@@ -16857,7 +17399,7 @@
     </p:spTree>
     <p:extLst>
       <p:ext uri="{BB962C8B-B14F-4D97-AF65-F5344CB8AC3E}">
-        <p14:creationId xmlns:p14="http://schemas.microsoft.com/office/powerpoint/2010/main" val="2937603504"/>
+        <p14:creationId xmlns:p14="http://schemas.microsoft.com/office/powerpoint/2010/main" val="449367882"/>
       </p:ext>
     </p:extLst>
   </p:cSld>
@@ -16901,6 +17443,166 @@
           <a:p>
             <a:r>
               <a:rPr lang="sk-SK" dirty="0" smtClean="0"/>
+              <a:t>Inverzná </a:t>
+            </a:r>
+            <a:r>
+              <a:rPr lang="sk-SK" dirty="0" err="1" smtClean="0"/>
+              <a:t>Laplaceova</a:t>
+            </a:r>
+            <a:r>
+              <a:rPr lang="sk-SK" dirty="0" smtClean="0"/>
+              <a:t> transformácia</a:t>
+            </a:r>
+            <a:endParaRPr lang="sk-SK" dirty="0"/>
+          </a:p>
+        </p:txBody>
+      </p:sp>
+      <p:sp>
+        <p:nvSpPr>
+          <p:cNvPr id="3" name="Zástupný symbol obsahu 2"/>
+          <p:cNvSpPr>
+            <a:spLocks noGrp="1"/>
+          </p:cNvSpPr>
+          <p:nvPr>
+            <p:ph idx="1"/>
+          </p:nvPr>
+        </p:nvSpPr>
+        <p:spPr/>
+        <p:txBody>
+          <a:bodyPr/>
+          <a:lstStyle/>
+          <a:p>
+            <a:endParaRPr lang="sk-SK" dirty="0"/>
+          </a:p>
+        </p:txBody>
+      </p:sp>
+    </p:spTree>
+    <p:extLst>
+      <p:ext uri="{BB962C8B-B14F-4D97-AF65-F5344CB8AC3E}">
+        <p14:creationId xmlns:p14="http://schemas.microsoft.com/office/powerpoint/2010/main" val="3642990468"/>
+      </p:ext>
+    </p:extLst>
+  </p:cSld>
+  <p:clrMapOvr>
+    <a:masterClrMapping/>
+  </p:clrMapOvr>
+</p:sld>
+</file>
+
+<file path=ppt/slides/slide35.xml><?xml version="1.0" encoding="utf-8"?>
+<p:sld xmlns:a="http://schemas.openxmlformats.org/drawingml/2006/main" xmlns:r="http://schemas.openxmlformats.org/officeDocument/2006/relationships" xmlns:p="http://schemas.openxmlformats.org/presentationml/2006/main">
+  <p:cSld>
+    <p:spTree>
+      <p:nvGrpSpPr>
+        <p:cNvPr id="1" name=""/>
+        <p:cNvGrpSpPr/>
+        <p:nvPr/>
+      </p:nvGrpSpPr>
+      <p:grpSpPr>
+        <a:xfrm>
+          <a:off x="0" y="0"/>
+          <a:ext cx="0" cy="0"/>
+          <a:chOff x="0" y="0"/>
+          <a:chExt cx="0" cy="0"/>
+        </a:xfrm>
+      </p:grpSpPr>
+      <p:sp>
+        <p:nvSpPr>
+          <p:cNvPr id="2" name="Nadpis 1"/>
+          <p:cNvSpPr>
+            <a:spLocks noGrp="1"/>
+          </p:cNvSpPr>
+          <p:nvPr>
+            <p:ph type="title"/>
+          </p:nvPr>
+        </p:nvSpPr>
+        <p:spPr/>
+        <p:txBody>
+          <a:bodyPr/>
+          <a:lstStyle/>
+          <a:p>
+            <a:r>
+              <a:rPr lang="sk-SK" dirty="0" smtClean="0"/>
+              <a:t>Rozklad na parciálne zlomky (</a:t>
+            </a:r>
+            <a:r>
+              <a:rPr lang="sk-SK" dirty="0" err="1" smtClean="0"/>
+              <a:t>residue</a:t>
+            </a:r>
+            <a:r>
+              <a:rPr lang="sk-SK" dirty="0" smtClean="0"/>
+              <a:t>)</a:t>
+            </a:r>
+            <a:endParaRPr lang="sk-SK" dirty="0"/>
+          </a:p>
+        </p:txBody>
+      </p:sp>
+      <p:sp>
+        <p:nvSpPr>
+          <p:cNvPr id="3" name="Zástupný symbol obsahu 2"/>
+          <p:cNvSpPr>
+            <a:spLocks noGrp="1"/>
+          </p:cNvSpPr>
+          <p:nvPr>
+            <p:ph idx="1"/>
+          </p:nvPr>
+        </p:nvSpPr>
+        <p:spPr/>
+        <p:txBody>
+          <a:bodyPr/>
+          <a:lstStyle/>
+          <a:p>
+            <a:endParaRPr lang="sk-SK"/>
+          </a:p>
+        </p:txBody>
+      </p:sp>
+    </p:spTree>
+    <p:extLst>
+      <p:ext uri="{BB962C8B-B14F-4D97-AF65-F5344CB8AC3E}">
+        <p14:creationId xmlns:p14="http://schemas.microsoft.com/office/powerpoint/2010/main" val="2937603504"/>
+      </p:ext>
+    </p:extLst>
+  </p:cSld>
+  <p:clrMapOvr>
+    <a:masterClrMapping/>
+  </p:clrMapOvr>
+</p:sld>
+</file>
+
+<file path=ppt/slides/slide36.xml><?xml version="1.0" encoding="utf-8"?>
+<p:sld xmlns:a="http://schemas.openxmlformats.org/drawingml/2006/main" xmlns:r="http://schemas.openxmlformats.org/officeDocument/2006/relationships" xmlns:p="http://schemas.openxmlformats.org/presentationml/2006/main">
+  <p:cSld>
+    <p:spTree>
+      <p:nvGrpSpPr>
+        <p:cNvPr id="1" name=""/>
+        <p:cNvGrpSpPr/>
+        <p:nvPr/>
+      </p:nvGrpSpPr>
+      <p:grpSpPr>
+        <a:xfrm>
+          <a:off x="0" y="0"/>
+          <a:ext cx="0" cy="0"/>
+          <a:chOff x="0" y="0"/>
+          <a:chExt cx="0" cy="0"/>
+        </a:xfrm>
+      </p:grpSpPr>
+      <p:sp>
+        <p:nvSpPr>
+          <p:cNvPr id="2" name="Nadpis 1"/>
+          <p:cNvSpPr>
+            <a:spLocks noGrp="1"/>
+          </p:cNvSpPr>
+          <p:nvPr>
+            <p:ph type="title"/>
+          </p:nvPr>
+        </p:nvSpPr>
+        <p:spPr/>
+        <p:txBody>
+          <a:bodyPr/>
+          <a:lstStyle/>
+          <a:p>
+            <a:r>
+              <a:rPr lang="sk-SK" dirty="0" smtClean="0"/>
               <a:t>Spätná väzba v systéme</a:t>
             </a:r>
             <a:endParaRPr lang="sk-SK" dirty="0"/>
@@ -17149,7 +17851,7 @@
 </p:sld>
 </file>
 
-<file path=ppt/slides/slide35.xml><?xml version="1.0" encoding="utf-8"?>
+<file path=ppt/slides/slide37.xml><?xml version="1.0" encoding="utf-8"?>
 <p:sld xmlns:a="http://schemas.openxmlformats.org/drawingml/2006/main" xmlns:r="http://schemas.openxmlformats.org/officeDocument/2006/relationships" xmlns:p="http://schemas.openxmlformats.org/presentationml/2006/main">
   <p:cSld>
     <p:spTree>
@@ -17382,329 +18084,6 @@
 </p:sld>
 </file>
 
-<file path=ppt/slides/slide36.xml><?xml version="1.0" encoding="utf-8"?>
-<p:sld xmlns:a="http://schemas.openxmlformats.org/drawingml/2006/main" xmlns:r="http://schemas.openxmlformats.org/officeDocument/2006/relationships" xmlns:p="http://schemas.openxmlformats.org/presentationml/2006/main">
-  <p:cSld>
-    <p:spTree>
-      <p:nvGrpSpPr>
-        <p:cNvPr id="1" name=""/>
-        <p:cNvGrpSpPr/>
-        <p:nvPr/>
-      </p:nvGrpSpPr>
-      <p:grpSpPr>
-        <a:xfrm>
-          <a:off x="0" y="0"/>
-          <a:ext cx="0" cy="0"/>
-          <a:chOff x="0" y="0"/>
-          <a:chExt cx="0" cy="0"/>
-        </a:xfrm>
-      </p:grpSpPr>
-      <p:sp>
-        <p:nvSpPr>
-          <p:cNvPr id="2" name="Nadpis 1"/>
-          <p:cNvSpPr>
-            <a:spLocks noGrp="1"/>
-          </p:cNvSpPr>
-          <p:nvPr>
-            <p:ph type="title"/>
-          </p:nvPr>
-        </p:nvSpPr>
-        <p:spPr/>
-        <p:txBody>
-          <a:bodyPr/>
-          <a:lstStyle/>
-          <a:p>
-            <a:r>
-              <a:rPr lang="sk-SK" dirty="0" smtClean="0"/>
-              <a:t>Spätná väzba – uzavretý obvod</a:t>
-            </a:r>
-            <a:endParaRPr lang="sk-SK" dirty="0"/>
-          </a:p>
-        </p:txBody>
-      </p:sp>
-      <p:sp>
-        <p:nvSpPr>
-          <p:cNvPr id="3" name="Zástupný symbol obsahu 2"/>
-          <p:cNvSpPr>
-            <a:spLocks noGrp="1"/>
-          </p:cNvSpPr>
-          <p:nvPr>
-            <p:ph idx="1"/>
-          </p:nvPr>
-        </p:nvSpPr>
-        <p:spPr/>
-        <p:txBody>
-          <a:bodyPr/>
-          <a:lstStyle/>
-          <a:p>
-            <a:pPr>
-              <a:buFont typeface="Arial" panose="020B0604020202020204" pitchFamily="34" charset="0"/>
-              <a:buChar char="•"/>
-            </a:pPr>
-            <a:r>
-              <a:rPr lang="sk-SK" dirty="0" smtClean="0"/>
-              <a:t>Prirodzená spätná väzba v systémoch </a:t>
-            </a:r>
-          </a:p>
-          <a:p>
-            <a:pPr lvl="1"/>
-            <a:r>
-              <a:rPr lang="sk-SK" dirty="0" smtClean="0"/>
-              <a:t>Vplyv vlastných stavových veličín na ďalší vývoj systému</a:t>
-            </a:r>
-          </a:p>
-          <a:p>
-            <a:pPr lvl="1"/>
-            <a:r>
-              <a:rPr lang="sk-SK" dirty="0" smtClean="0"/>
-              <a:t>Interná dynamika systému</a:t>
-            </a:r>
-          </a:p>
-          <a:p>
-            <a:pPr>
-              <a:buFont typeface="Arial" panose="020B0604020202020204" pitchFamily="34" charset="0"/>
-              <a:buChar char="•"/>
-            </a:pPr>
-            <a:r>
-              <a:rPr lang="sk-SK" dirty="0" smtClean="0"/>
-              <a:t>Umelo zavedená spätná väzba</a:t>
-            </a:r>
-          </a:p>
-          <a:p>
-            <a:pPr lvl="1"/>
-            <a:r>
-              <a:rPr lang="sk-SK" dirty="0" smtClean="0"/>
-              <a:t>Základná štruktúra </a:t>
-            </a:r>
-            <a:r>
-              <a:rPr lang="sk-SK" dirty="0" err="1" smtClean="0"/>
-              <a:t>spätnoväzobného</a:t>
-            </a:r>
-            <a:r>
-              <a:rPr lang="sk-SK" dirty="0" smtClean="0"/>
-              <a:t> riadenia (ďalšie prednášky)</a:t>
-            </a:r>
-          </a:p>
-          <a:p>
-            <a:pPr lvl="1"/>
-            <a:r>
-              <a:rPr lang="sk-SK" dirty="0" smtClean="0"/>
-              <a:t>Uzavretý regulačný obvod – regulácia , stabilizácia a úprava dynamiky</a:t>
-            </a:r>
-            <a:endParaRPr lang="sk-SK" dirty="0"/>
-          </a:p>
-        </p:txBody>
-      </p:sp>
-    </p:spTree>
-    <p:extLst>
-      <p:ext uri="{BB962C8B-B14F-4D97-AF65-F5344CB8AC3E}">
-        <p14:creationId xmlns:p14="http://schemas.microsoft.com/office/powerpoint/2010/main" val="3872154018"/>
-      </p:ext>
-    </p:extLst>
-  </p:cSld>
-  <p:clrMapOvr>
-    <a:masterClrMapping/>
-  </p:clrMapOvr>
-</p:sld>
-</file>
-
-<file path=ppt/slides/slide37.xml><?xml version="1.0" encoding="utf-8"?>
-<p:sld xmlns:a="http://schemas.openxmlformats.org/drawingml/2006/main" xmlns:r="http://schemas.openxmlformats.org/officeDocument/2006/relationships" xmlns:p="http://schemas.openxmlformats.org/presentationml/2006/main">
-  <p:cSld>
-    <p:spTree>
-      <p:nvGrpSpPr>
-        <p:cNvPr id="1" name=""/>
-        <p:cNvGrpSpPr/>
-        <p:nvPr/>
-      </p:nvGrpSpPr>
-      <p:grpSpPr>
-        <a:xfrm>
-          <a:off x="0" y="0"/>
-          <a:ext cx="0" cy="0"/>
-          <a:chOff x="0" y="0"/>
-          <a:chExt cx="0" cy="0"/>
-        </a:xfrm>
-      </p:grpSpPr>
-      <p:sp>
-        <p:nvSpPr>
-          <p:cNvPr id="2" name="Nadpis 1"/>
-          <p:cNvSpPr>
-            <a:spLocks noGrp="1"/>
-          </p:cNvSpPr>
-          <p:nvPr>
-            <p:ph type="title"/>
-          </p:nvPr>
-        </p:nvSpPr>
-        <p:spPr/>
-        <p:txBody>
-          <a:bodyPr/>
-          <a:lstStyle/>
-          <a:p>
-            <a:r>
-              <a:rPr lang="sk-SK" dirty="0" smtClean="0"/>
-              <a:t>Statické zosilnenie</a:t>
-            </a:r>
-            <a:endParaRPr lang="sk-SK" dirty="0"/>
-          </a:p>
-        </p:txBody>
-      </p:sp>
-      <p:sp>
-        <p:nvSpPr>
-          <p:cNvPr id="3" name="Zástupný symbol obsahu 2"/>
-          <p:cNvSpPr>
-            <a:spLocks noGrp="1"/>
-          </p:cNvSpPr>
-          <p:nvPr>
-            <p:ph idx="1"/>
-          </p:nvPr>
-        </p:nvSpPr>
-        <p:spPr/>
-        <p:txBody>
-          <a:bodyPr/>
-          <a:lstStyle/>
-          <a:p>
-            <a:pPr>
-              <a:buFont typeface="Arial" panose="020B0604020202020204" pitchFamily="34" charset="0"/>
-              <a:buChar char="•"/>
-            </a:pPr>
-            <a:r>
-              <a:rPr lang="en-US" dirty="0" err="1" smtClean="0"/>
-              <a:t>Zisk</a:t>
-            </a:r>
-            <a:r>
-              <a:rPr lang="en-US" dirty="0" smtClean="0"/>
-              <a:t> </a:t>
-            </a:r>
-            <a:r>
-              <a:rPr lang="en-US" dirty="0" err="1" smtClean="0"/>
-              <a:t>obvodu</a:t>
-            </a:r>
-            <a:r>
-              <a:rPr lang="en-US" dirty="0" smtClean="0"/>
-              <a:t> v </a:t>
-            </a:r>
-            <a:r>
-              <a:rPr lang="en-US" dirty="0" err="1" smtClean="0"/>
-              <a:t>ust</a:t>
-            </a:r>
-            <a:r>
-              <a:rPr lang="sk-SK" dirty="0" err="1" smtClean="0"/>
-              <a:t>álených</a:t>
-            </a:r>
-            <a:r>
-              <a:rPr lang="sk-SK" dirty="0" smtClean="0"/>
-              <a:t> stavoch</a:t>
-            </a:r>
-          </a:p>
-          <a:p>
-            <a:pPr>
-              <a:buFont typeface="Arial" panose="020B0604020202020204" pitchFamily="34" charset="0"/>
-              <a:buChar char="•"/>
-            </a:pPr>
-            <a:r>
-              <a:rPr lang="sk-SK" dirty="0" smtClean="0"/>
-              <a:t>Ustálený stav </a:t>
-            </a:r>
-            <a:r>
-              <a:rPr lang="en-US" dirty="0" smtClean="0"/>
-              <a:t>-&gt; </a:t>
-            </a:r>
-            <a:r>
-              <a:rPr lang="en-US" dirty="0" err="1" smtClean="0"/>
-              <a:t>nulov</a:t>
-            </a:r>
-            <a:r>
-              <a:rPr lang="sk-SK" dirty="0" smtClean="0"/>
-              <a:t>é derivácie</a:t>
-            </a:r>
-          </a:p>
-          <a:p>
-            <a:pPr>
-              <a:buFont typeface="Arial" panose="020B0604020202020204" pitchFamily="34" charset="0"/>
-              <a:buChar char="•"/>
-            </a:pPr>
-            <a:r>
-              <a:rPr lang="sk-SK" dirty="0" smtClean="0"/>
-              <a:t>Operátor derivácie je </a:t>
-            </a:r>
-            <a:r>
-              <a:rPr lang="sk-SK" i="1" dirty="0" smtClean="0"/>
-              <a:t>s</a:t>
-            </a:r>
-            <a:endParaRPr lang="sk-SK" dirty="0" smtClean="0"/>
-          </a:p>
-          <a:p>
-            <a:pPr>
-              <a:buFont typeface="Arial" panose="020B0604020202020204" pitchFamily="34" charset="0"/>
-              <a:buChar char="•"/>
-            </a:pPr>
-            <a:r>
-              <a:rPr lang="sk-SK" dirty="0" smtClean="0"/>
-              <a:t>Za komplexnú premennú </a:t>
-            </a:r>
-            <a:r>
-              <a:rPr lang="sk-SK" i="1" dirty="0" smtClean="0"/>
-              <a:t>s </a:t>
-            </a:r>
-            <a:r>
-              <a:rPr lang="sk-SK" dirty="0" smtClean="0"/>
-              <a:t>dosadíme  nulu </a:t>
-            </a:r>
-            <a:endParaRPr lang="sk-SK" i="1" dirty="0" smtClean="0"/>
-          </a:p>
-          <a:p>
-            <a:pPr>
-              <a:buFont typeface="Arial" panose="020B0604020202020204" pitchFamily="34" charset="0"/>
-              <a:buChar char="•"/>
-            </a:pPr>
-            <a:endParaRPr lang="sk-SK" dirty="0" smtClean="0"/>
-          </a:p>
-          <a:p>
-            <a:pPr>
-              <a:buFont typeface="Arial" panose="020B0604020202020204" pitchFamily="34" charset="0"/>
-              <a:buChar char="•"/>
-            </a:pPr>
-            <a:r>
-              <a:rPr lang="sk-SK" dirty="0" smtClean="0"/>
-              <a:t>Statické zosilnenie je pomer absolútnych členov polynómov prenosovej funkcie</a:t>
-            </a:r>
-          </a:p>
-          <a:p>
-            <a:pPr>
-              <a:buFont typeface="Arial" panose="020B0604020202020204" pitchFamily="34" charset="0"/>
-              <a:buChar char="•"/>
-            </a:pPr>
-            <a:r>
-              <a:rPr lang="sk-SK" dirty="0" smtClean="0"/>
-              <a:t>Prevodová charakteristika lineárnych systémov je vždy priamka !!!</a:t>
-            </a:r>
-          </a:p>
-          <a:p>
-            <a:pPr>
-              <a:buFont typeface="Arial" panose="020B0604020202020204" pitchFamily="34" charset="0"/>
-              <a:buChar char="•"/>
-            </a:pPr>
-            <a:r>
-              <a:rPr lang="sk-SK" dirty="0" smtClean="0"/>
-              <a:t>Sklon tejto priamky je statické zosilnenie</a:t>
-            </a:r>
-            <a:endParaRPr lang="sk-SK" dirty="0"/>
-          </a:p>
-        </p:txBody>
-      </p:sp>
-    </p:spTree>
-    <p:extLst>
-      <p:ext uri="{BB962C8B-B14F-4D97-AF65-F5344CB8AC3E}">
-        <p14:creationId xmlns:p14="http://schemas.microsoft.com/office/powerpoint/2010/main" val="3903163388"/>
-      </p:ext>
-    </p:extLst>
-  </p:cSld>
-  <p:clrMapOvr>
-    <a:masterClrMapping/>
-  </p:clrMapOvr>
-</p:sld>
-</file>
-
 <file path=ppt/slides/slide38.xml><?xml version="1.0" encoding="utf-8"?>
 <p:sld xmlns:a="http://schemas.openxmlformats.org/drawingml/2006/main" xmlns:r="http://schemas.openxmlformats.org/officeDocument/2006/relationships" xmlns:p="http://schemas.openxmlformats.org/presentationml/2006/main">
   <p:cSld>
@@ -17738,8 +18117,8 @@
           <a:lstStyle/>
           <a:p>
             <a:r>
-              <a:rPr lang="sk-SK" dirty="0" err="1" smtClean="0"/>
-              <a:t>Astatizmus</a:t>
+              <a:rPr lang="sk-SK" dirty="0" smtClean="0"/>
+              <a:t>Spätná väzba – uzavretý obvod</a:t>
             </a:r>
             <a:endParaRPr lang="sk-SK" dirty="0"/>
           </a:p>
@@ -17765,22 +18144,23 @@
               <a:buChar char="•"/>
             </a:pPr>
             <a:r>
-              <a:rPr lang="sk-SK" dirty="0"/>
-              <a:t>a</a:t>
-            </a:r>
-            <a:r>
               <a:rPr lang="sk-SK" dirty="0" smtClean="0"/>
-              <a:t> – </a:t>
-            </a:r>
-            <a:r>
-              <a:rPr lang="sk-SK" dirty="0" err="1" smtClean="0"/>
-              <a:t>statizmus</a:t>
-            </a:r>
+              <a:t>Prirodzená spätná väzba v systémoch </a:t>
+            </a:r>
+          </a:p>
+          <a:p>
+            <a:pPr lvl="1"/>
             <a:r>
               <a:rPr lang="sk-SK" dirty="0" smtClean="0"/>
-              <a:t> = nemá statické zosilnenie </a:t>
-            </a:r>
-            <a:endParaRPr lang="sk-SK" dirty="0"/>
+              <a:t>Vplyv vlastných stavových veličín na ďalší vývoj systému</a:t>
+            </a:r>
+          </a:p>
+          <a:p>
+            <a:pPr lvl="1"/>
+            <a:r>
+              <a:rPr lang="sk-SK" dirty="0" smtClean="0"/>
+              <a:t>Interná dynamika systému</a:t>
+            </a:r>
           </a:p>
           <a:p>
             <a:pPr>
@@ -17789,51 +18169,38 @@
             </a:pPr>
             <a:r>
               <a:rPr lang="sk-SK" dirty="0" smtClean="0"/>
-              <a:t>Chýba absolútny člen v menovateli prenosovej funkcie</a:t>
-            </a:r>
-          </a:p>
-          <a:p>
-            <a:pPr>
-              <a:buFont typeface="Arial" panose="020B0604020202020204" pitchFamily="34" charset="0"/>
-              <a:buChar char="•"/>
-            </a:pPr>
+              <a:t>Umelo zavedená spätná väzba</a:t>
+            </a:r>
+          </a:p>
+          <a:p>
+            <a:pPr lvl="1"/>
             <a:r>
               <a:rPr lang="sk-SK" dirty="0" smtClean="0"/>
-              <a:t>Inak povedané – vieme z menovateľa vyňať </a:t>
-            </a:r>
-            <a:r>
-              <a:rPr lang="sk-SK" i="1" dirty="0" smtClean="0"/>
-              <a:t>s </a:t>
+              <a:t>Základná štruktúra </a:t>
+            </a:r>
+            <a:r>
+              <a:rPr lang="sk-SK" dirty="0" err="1" smtClean="0"/>
+              <a:t>spätnoväzobného</a:t>
             </a:r>
             <a:r>
               <a:rPr lang="sk-SK" dirty="0" smtClean="0"/>
-              <a:t>alebo jeho vyššie mocniny</a:t>
-            </a:r>
-            <a:endParaRPr lang="sk-SK" dirty="0" smtClean="0"/>
-          </a:p>
-          <a:p>
-            <a:pPr>
-              <a:buFont typeface="Arial" panose="020B0604020202020204" pitchFamily="34" charset="0"/>
-              <a:buChar char="•"/>
-            </a:pPr>
+              <a:t> riadenia (ďalšie prednášky)</a:t>
+            </a:r>
+          </a:p>
+          <a:p>
+            <a:pPr lvl="1"/>
             <a:r>
               <a:rPr lang="sk-SK" dirty="0" smtClean="0"/>
-              <a:t>Môžeme si ho prestaviť ako integrátor zaradený za prenosovou funkciou</a:t>
-            </a:r>
-          </a:p>
-          <a:p>
-            <a:pPr>
-              <a:buFont typeface="Arial" panose="020B0604020202020204" pitchFamily="34" charset="0"/>
-              <a:buChar char="•"/>
-            </a:pPr>
-            <a:endParaRPr lang="sk-SK" dirty="0" smtClean="0"/>
+              <a:t>Uzavretý regulačný obvod – regulácia , stabilizácia a úprava dynamiky</a:t>
+            </a:r>
+            <a:endParaRPr lang="sk-SK" dirty="0"/>
           </a:p>
         </p:txBody>
       </p:sp>
     </p:spTree>
     <p:extLst>
       <p:ext uri="{BB962C8B-B14F-4D97-AF65-F5344CB8AC3E}">
-        <p14:creationId xmlns:p14="http://schemas.microsoft.com/office/powerpoint/2010/main" val="98981534"/>
+        <p14:creationId xmlns:p14="http://schemas.microsoft.com/office/powerpoint/2010/main" val="3872154018"/>
       </p:ext>
     </p:extLst>
   </p:cSld>
@@ -17877,7 +18244,7 @@
           <a:p>
             <a:r>
               <a:rPr lang="sk-SK" dirty="0" smtClean="0"/>
-              <a:t>Realizovateľnosť</a:t>
+              <a:t>Statické zosilnenie</a:t>
             </a:r>
             <a:endParaRPr lang="sk-SK" dirty="0"/>
           </a:p>
@@ -17898,14 +18265,139 @@
           <a:bodyPr/>
           <a:lstStyle/>
           <a:p>
-            <a:endParaRPr lang="sk-SK"/>
+            <a:pPr>
+              <a:buFont typeface="Arial" panose="020B0604020202020204" pitchFamily="34" charset="0"/>
+              <a:buChar char="•"/>
+            </a:pPr>
+            <a:r>
+              <a:rPr lang="en-US" dirty="0" err="1" smtClean="0"/>
+              <a:t>Zisk</a:t>
+            </a:r>
+            <a:r>
+              <a:rPr lang="en-US" dirty="0" smtClean="0"/>
+              <a:t> </a:t>
+            </a:r>
+            <a:r>
+              <a:rPr lang="en-US" dirty="0" err="1" smtClean="0"/>
+              <a:t>obvodu</a:t>
+            </a:r>
+            <a:r>
+              <a:rPr lang="en-US" dirty="0" smtClean="0"/>
+              <a:t> v </a:t>
+            </a:r>
+            <a:r>
+              <a:rPr lang="en-US" dirty="0" err="1" smtClean="0"/>
+              <a:t>ust</a:t>
+            </a:r>
+            <a:r>
+              <a:rPr lang="sk-SK" dirty="0" err="1" smtClean="0"/>
+              <a:t>álených</a:t>
+            </a:r>
+            <a:r>
+              <a:rPr lang="sk-SK" dirty="0" smtClean="0"/>
+              <a:t> stavoch</a:t>
+            </a:r>
+          </a:p>
+          <a:p>
+            <a:pPr>
+              <a:buFont typeface="Arial" panose="020B0604020202020204" pitchFamily="34" charset="0"/>
+              <a:buChar char="•"/>
+            </a:pPr>
+            <a:r>
+              <a:rPr lang="sk-SK" dirty="0" smtClean="0"/>
+              <a:t>Ustálený stav </a:t>
+            </a:r>
+            <a:r>
+              <a:rPr lang="en-US" dirty="0" smtClean="0"/>
+              <a:t>-&gt; </a:t>
+            </a:r>
+            <a:r>
+              <a:rPr lang="en-US" dirty="0" err="1" smtClean="0"/>
+              <a:t>nulov</a:t>
+            </a:r>
+            <a:r>
+              <a:rPr lang="sk-SK" dirty="0" smtClean="0"/>
+              <a:t>é derivácie</a:t>
+            </a:r>
+          </a:p>
+          <a:p>
+            <a:pPr>
+              <a:buFont typeface="Arial" panose="020B0604020202020204" pitchFamily="34" charset="0"/>
+              <a:buChar char="•"/>
+            </a:pPr>
+            <a:r>
+              <a:rPr lang="sk-SK" dirty="0" smtClean="0"/>
+              <a:t>Operátor derivácie je </a:t>
+            </a:r>
+            <a:r>
+              <a:rPr lang="sk-SK" i="1" dirty="0" smtClean="0"/>
+              <a:t>s</a:t>
+            </a:r>
+            <a:endParaRPr lang="sk-SK" dirty="0" smtClean="0"/>
+          </a:p>
+          <a:p>
+            <a:pPr>
+              <a:buFont typeface="Arial" panose="020B0604020202020204" pitchFamily="34" charset="0"/>
+              <a:buChar char="•"/>
+            </a:pPr>
+            <a:r>
+              <a:rPr lang="sk-SK" dirty="0" smtClean="0"/>
+              <a:t>Za komplexnú premennú </a:t>
+            </a:r>
+            <a:r>
+              <a:rPr lang="sk-SK" i="1" dirty="0" smtClean="0"/>
+              <a:t>s </a:t>
+            </a:r>
+            <a:r>
+              <a:rPr lang="sk-SK" dirty="0" smtClean="0"/>
+              <a:t>dosadíme  nulu </a:t>
+            </a:r>
+            <a:endParaRPr lang="sk-SK" i="1" dirty="0" smtClean="0"/>
+          </a:p>
+          <a:p>
+            <a:pPr>
+              <a:buFont typeface="Arial" panose="020B0604020202020204" pitchFamily="34" charset="0"/>
+              <a:buChar char="•"/>
+            </a:pPr>
+            <a:endParaRPr lang="sk-SK" dirty="0" smtClean="0"/>
+          </a:p>
+          <a:p>
+            <a:pPr>
+              <a:buFont typeface="Arial" panose="020B0604020202020204" pitchFamily="34" charset="0"/>
+              <a:buChar char="•"/>
+            </a:pPr>
+            <a:r>
+              <a:rPr lang="sk-SK" dirty="0" smtClean="0"/>
+              <a:t>Statické zosilnenie je pomer absolútnych členov polynómov prenosovej funkcie</a:t>
+            </a:r>
+          </a:p>
+          <a:p>
+            <a:pPr>
+              <a:buFont typeface="Arial" panose="020B0604020202020204" pitchFamily="34" charset="0"/>
+              <a:buChar char="•"/>
+            </a:pPr>
+            <a:r>
+              <a:rPr lang="sk-SK" dirty="0" smtClean="0"/>
+              <a:t>Prevodová charakteristika lineárnych systémov je vždy priamka !!!</a:t>
+            </a:r>
+          </a:p>
+          <a:p>
+            <a:pPr>
+              <a:buFont typeface="Arial" panose="020B0604020202020204" pitchFamily="34" charset="0"/>
+              <a:buChar char="•"/>
+            </a:pPr>
+            <a:r>
+              <a:rPr lang="sk-SK" dirty="0" smtClean="0"/>
+              <a:t>Sklon tejto priamky je statické zosilnenie</a:t>
+            </a:r>
+            <a:endParaRPr lang="sk-SK" dirty="0"/>
           </a:p>
         </p:txBody>
       </p:sp>
     </p:spTree>
     <p:extLst>
       <p:ext uri="{BB962C8B-B14F-4D97-AF65-F5344CB8AC3E}">
-        <p14:creationId xmlns:p14="http://schemas.microsoft.com/office/powerpoint/2010/main" val="3819864374"/>
+        <p14:creationId xmlns:p14="http://schemas.microsoft.com/office/powerpoint/2010/main" val="3903163388"/>
       </p:ext>
     </p:extLst>
   </p:cSld>
@@ -18199,8 +18691,8 @@
           <a:lstStyle/>
           <a:p>
             <a:r>
-              <a:rPr lang="sk-SK" dirty="0" smtClean="0"/>
-              <a:t>Algebra prenosových funkcii</a:t>
+              <a:rPr lang="sk-SK" dirty="0" err="1" smtClean="0"/>
+              <a:t>Astatizmus</a:t>
             </a:r>
             <a:endParaRPr lang="sk-SK" dirty="0"/>
           </a:p>
@@ -18226,21 +18718,22 @@
               <a:buChar char="•"/>
             </a:pPr>
             <a:r>
-              <a:rPr lang="sk-SK" dirty="0" err="1"/>
-              <a:t>P</a:t>
-            </a:r>
-            <a:r>
-              <a:rPr lang="en-US" dirty="0" err="1" smtClean="0"/>
-              <a:t>renos</a:t>
+              <a:rPr lang="sk-SK" dirty="0"/>
+              <a:t>a</a:t>
+            </a:r>
+            <a:r>
+              <a:rPr lang="sk-SK" dirty="0" smtClean="0"/>
+              <a:t> – </a:t>
             </a:r>
             <a:r>
               <a:rPr lang="sk-SK" dirty="0" err="1" smtClean="0"/>
-              <a:t>ové</a:t>
+              <a:t>statizmus</a:t>
             </a:r>
             <a:r>
               <a:rPr lang="sk-SK" dirty="0" smtClean="0"/>
-              <a:t> funkcie a modely vo všeobecnosti, je možné kombinovať a vytvárať zložitejšie štruktúry</a:t>
-            </a:r>
+              <a:t> = nemá statické zosilnenie </a:t>
+            </a:r>
+            <a:endParaRPr lang="sk-SK" dirty="0"/>
           </a:p>
           <a:p>
             <a:pPr>
@@ -18249,19 +18742,7 @@
             </a:pPr>
             <a:r>
               <a:rPr lang="sk-SK" dirty="0" smtClean="0"/>
-              <a:t>Rovnako je možné za</a:t>
-            </a:r>
-            <a:r>
-              <a:rPr lang="en-US" dirty="0" err="1" smtClean="0"/>
-              <a:t>ra</a:t>
-            </a:r>
-            <a:r>
-              <a:rPr lang="sk-SK" dirty="0" err="1" smtClean="0"/>
-              <a:t>ďovať</a:t>
-            </a:r>
-            <a:r>
-              <a:rPr lang="sk-SK" dirty="0" smtClean="0"/>
-              <a:t> systémy do spätnej väzby</a:t>
+              <a:t>Chýba absolútny člen v menovateli prenosovej funkcie</a:t>
             </a:r>
           </a:p>
           <a:p>
@@ -18271,11 +18752,15 @@
             </a:pPr>
             <a:r>
               <a:rPr lang="sk-SK" dirty="0" smtClean="0"/>
-              <a:t>Algebra úprav a zjednodušení blokových schém platí výhradne pre </a:t>
-            </a:r>
-            <a:r>
-              <a:rPr lang="sk-SK" u="sng" dirty="0" smtClean="0"/>
-              <a:t>lineárne systémy !!!</a:t>
+              <a:t>Inak povedané – vieme z menovateľa vyňať </a:t>
+            </a:r>
+            <a:r>
+              <a:rPr lang="sk-SK" i="1" dirty="0" smtClean="0"/>
+              <a:t>s </a:t>
+            </a:r>
+            <a:r>
+              <a:rPr lang="sk-SK" dirty="0" smtClean="0"/>
+              <a:t>alebo jeho vyššie mocniny</a:t>
             </a:r>
           </a:p>
           <a:p>
@@ -18285,23 +18770,7 @@
             </a:pPr>
             <a:r>
               <a:rPr lang="sk-SK" dirty="0" smtClean="0"/>
-              <a:t>Princíp </a:t>
-            </a:r>
-            <a:r>
-              <a:rPr lang="sk-SK" dirty="0" err="1" smtClean="0"/>
-              <a:t>superpozície</a:t>
-            </a:r>
-            <a:r>
-              <a:rPr lang="sk-SK" dirty="0" smtClean="0"/>
-              <a:t> a </a:t>
-            </a:r>
-            <a:r>
-              <a:rPr lang="sk-SK" dirty="0" err="1" smtClean="0"/>
-              <a:t>komutativita</a:t>
-            </a:r>
-            <a:r>
-              <a:rPr lang="sk-SK" dirty="0" smtClean="0"/>
-              <a:t>.</a:t>
+              <a:t>Môžeme si ho prestaviť ako integrátor zaradený za prenosovou funkciou</a:t>
             </a:r>
           </a:p>
           <a:p>
@@ -18309,53 +18778,14 @@
               <a:buFont typeface="Arial" panose="020B0604020202020204" pitchFamily="34" charset="0"/>
               <a:buChar char="•"/>
             </a:pPr>
-            <a:r>
-              <a:rPr lang="sk-SK" dirty="0" smtClean="0"/>
-              <a:t>Základné štruktúry zapojení</a:t>
-            </a:r>
-          </a:p>
-          <a:p>
-            <a:pPr lvl="1"/>
-            <a:r>
-              <a:rPr lang="sk-SK" dirty="0" smtClean="0"/>
-              <a:t>Sériové</a:t>
-            </a:r>
-          </a:p>
-          <a:p>
-            <a:pPr lvl="1"/>
-            <a:r>
-              <a:rPr lang="sk-SK" dirty="0" smtClean="0"/>
-              <a:t>Paralelné</a:t>
-            </a:r>
-          </a:p>
-          <a:p>
-            <a:pPr lvl="1"/>
-            <a:r>
-              <a:rPr lang="sk-SK" dirty="0" err="1" smtClean="0"/>
-              <a:t>Spätnoväzobné</a:t>
-            </a:r>
             <a:endParaRPr lang="sk-SK" dirty="0" smtClean="0"/>
-          </a:p>
-          <a:p>
-            <a:pPr lvl="1"/>
-            <a:endParaRPr lang="sk-SK" dirty="0" smtClean="0"/>
-          </a:p>
-          <a:p>
-            <a:pPr>
-              <a:buFont typeface="Arial" panose="020B0604020202020204" pitchFamily="34" charset="0"/>
-              <a:buChar char="•"/>
-            </a:pPr>
-            <a:endParaRPr lang="sk-SK" u="sng" dirty="0" smtClean="0"/>
-          </a:p>
-          <a:p>
-            <a:endParaRPr lang="sk-SK" dirty="0"/>
           </a:p>
         </p:txBody>
       </p:sp>
     </p:spTree>
     <p:extLst>
       <p:ext uri="{BB962C8B-B14F-4D97-AF65-F5344CB8AC3E}">
-        <p14:creationId xmlns:p14="http://schemas.microsoft.com/office/powerpoint/2010/main" val="4019935953"/>
+        <p14:creationId xmlns:p14="http://schemas.microsoft.com/office/powerpoint/2010/main" val="98981534"/>
       </p:ext>
     </p:extLst>
   </p:cSld>
@@ -18399,6 +18829,277 @@
           <a:p>
             <a:r>
               <a:rPr lang="sk-SK" dirty="0" smtClean="0"/>
+              <a:t>Realizovateľnosť</a:t>
+            </a:r>
+            <a:endParaRPr lang="sk-SK" dirty="0"/>
+          </a:p>
+        </p:txBody>
+      </p:sp>
+      <p:sp>
+        <p:nvSpPr>
+          <p:cNvPr id="3" name="Zástupný symbol obsahu 2"/>
+          <p:cNvSpPr>
+            <a:spLocks noGrp="1"/>
+          </p:cNvSpPr>
+          <p:nvPr>
+            <p:ph idx="1"/>
+          </p:nvPr>
+        </p:nvSpPr>
+        <p:spPr/>
+        <p:txBody>
+          <a:bodyPr/>
+          <a:lstStyle/>
+          <a:p>
+            <a:endParaRPr lang="sk-SK"/>
+          </a:p>
+        </p:txBody>
+      </p:sp>
+    </p:spTree>
+    <p:extLst>
+      <p:ext uri="{BB962C8B-B14F-4D97-AF65-F5344CB8AC3E}">
+        <p14:creationId xmlns:p14="http://schemas.microsoft.com/office/powerpoint/2010/main" val="3819864374"/>
+      </p:ext>
+    </p:extLst>
+  </p:cSld>
+  <p:clrMapOvr>
+    <a:masterClrMapping/>
+  </p:clrMapOvr>
+</p:sld>
+</file>
+
+<file path=ppt/slides/slide42.xml><?xml version="1.0" encoding="utf-8"?>
+<p:sld xmlns:a="http://schemas.openxmlformats.org/drawingml/2006/main" xmlns:r="http://schemas.openxmlformats.org/officeDocument/2006/relationships" xmlns:p="http://schemas.openxmlformats.org/presentationml/2006/main">
+  <p:cSld>
+    <p:spTree>
+      <p:nvGrpSpPr>
+        <p:cNvPr id="1" name=""/>
+        <p:cNvGrpSpPr/>
+        <p:nvPr/>
+      </p:nvGrpSpPr>
+      <p:grpSpPr>
+        <a:xfrm>
+          <a:off x="0" y="0"/>
+          <a:ext cx="0" cy="0"/>
+          <a:chOff x="0" y="0"/>
+          <a:chExt cx="0" cy="0"/>
+        </a:xfrm>
+      </p:grpSpPr>
+      <p:sp>
+        <p:nvSpPr>
+          <p:cNvPr id="2" name="Nadpis 1"/>
+          <p:cNvSpPr>
+            <a:spLocks noGrp="1"/>
+          </p:cNvSpPr>
+          <p:nvPr>
+            <p:ph type="title"/>
+          </p:nvPr>
+        </p:nvSpPr>
+        <p:spPr/>
+        <p:txBody>
+          <a:bodyPr/>
+          <a:lstStyle/>
+          <a:p>
+            <a:r>
+              <a:rPr lang="sk-SK" dirty="0" smtClean="0"/>
+              <a:t>Algebra prenosových funkcii</a:t>
+            </a:r>
+            <a:endParaRPr lang="sk-SK" dirty="0"/>
+          </a:p>
+        </p:txBody>
+      </p:sp>
+      <p:sp>
+        <p:nvSpPr>
+          <p:cNvPr id="3" name="Zástupný symbol obsahu 2"/>
+          <p:cNvSpPr>
+            <a:spLocks noGrp="1"/>
+          </p:cNvSpPr>
+          <p:nvPr>
+            <p:ph idx="1"/>
+          </p:nvPr>
+        </p:nvSpPr>
+        <p:spPr/>
+        <p:txBody>
+          <a:bodyPr/>
+          <a:lstStyle/>
+          <a:p>
+            <a:pPr>
+              <a:buFont typeface="Arial" panose="020B0604020202020204" pitchFamily="34" charset="0"/>
+              <a:buChar char="•"/>
+            </a:pPr>
+            <a:r>
+              <a:rPr lang="sk-SK" dirty="0" err="1"/>
+              <a:t>P</a:t>
+            </a:r>
+            <a:r>
+              <a:rPr lang="en-US" dirty="0" err="1" smtClean="0"/>
+              <a:t>renos</a:t>
+            </a:r>
+            <a:r>
+              <a:rPr lang="sk-SK" dirty="0" err="1" smtClean="0"/>
+              <a:t>ové</a:t>
+            </a:r>
+            <a:r>
+              <a:rPr lang="sk-SK" dirty="0" smtClean="0"/>
+              <a:t> funkcie a modely vo všeobecnosti, je možné kombinovať a vytvárať zložitejšie štruktúry</a:t>
+            </a:r>
+          </a:p>
+          <a:p>
+            <a:pPr>
+              <a:buFont typeface="Arial" panose="020B0604020202020204" pitchFamily="34" charset="0"/>
+              <a:buChar char="•"/>
+            </a:pPr>
+            <a:r>
+              <a:rPr lang="sk-SK" dirty="0" smtClean="0"/>
+              <a:t>Rovnako je možné za</a:t>
+            </a:r>
+            <a:r>
+              <a:rPr lang="en-US" dirty="0" err="1" smtClean="0"/>
+              <a:t>ra</a:t>
+            </a:r>
+            <a:r>
+              <a:rPr lang="sk-SK" dirty="0" err="1" smtClean="0"/>
+              <a:t>ďovať</a:t>
+            </a:r>
+            <a:r>
+              <a:rPr lang="sk-SK" dirty="0" smtClean="0"/>
+              <a:t> systémy do spätnej väzby</a:t>
+            </a:r>
+          </a:p>
+          <a:p>
+            <a:pPr>
+              <a:buFont typeface="Arial" panose="020B0604020202020204" pitchFamily="34" charset="0"/>
+              <a:buChar char="•"/>
+            </a:pPr>
+            <a:r>
+              <a:rPr lang="sk-SK" dirty="0" smtClean="0"/>
+              <a:t>Algebra úprav a zjednodušení blokových schém platí výhradne pre </a:t>
+            </a:r>
+            <a:r>
+              <a:rPr lang="sk-SK" u="sng" dirty="0" smtClean="0"/>
+              <a:t>lineárne systémy !!!</a:t>
+            </a:r>
+          </a:p>
+          <a:p>
+            <a:pPr>
+              <a:buFont typeface="Arial" panose="020B0604020202020204" pitchFamily="34" charset="0"/>
+              <a:buChar char="•"/>
+            </a:pPr>
+            <a:r>
+              <a:rPr lang="sk-SK" dirty="0" smtClean="0"/>
+              <a:t>Princíp </a:t>
+            </a:r>
+            <a:r>
+              <a:rPr lang="sk-SK" dirty="0" err="1" smtClean="0"/>
+              <a:t>superpozície</a:t>
+            </a:r>
+            <a:r>
+              <a:rPr lang="sk-SK" dirty="0" smtClean="0"/>
+              <a:t> a </a:t>
+            </a:r>
+            <a:r>
+              <a:rPr lang="sk-SK" dirty="0" err="1" smtClean="0"/>
+              <a:t>komutativita</a:t>
+            </a:r>
+            <a:r>
+              <a:rPr lang="sk-SK" dirty="0" smtClean="0"/>
+              <a:t>.</a:t>
+            </a:r>
+          </a:p>
+          <a:p>
+            <a:pPr>
+              <a:buFont typeface="Arial" panose="020B0604020202020204" pitchFamily="34" charset="0"/>
+              <a:buChar char="•"/>
+            </a:pPr>
+            <a:r>
+              <a:rPr lang="sk-SK" dirty="0" smtClean="0"/>
+              <a:t>Základné štruktúry zapojení</a:t>
+            </a:r>
+          </a:p>
+          <a:p>
+            <a:pPr lvl="1"/>
+            <a:r>
+              <a:rPr lang="sk-SK" dirty="0" smtClean="0"/>
+              <a:t>Sériové</a:t>
+            </a:r>
+          </a:p>
+          <a:p>
+            <a:pPr lvl="1"/>
+            <a:r>
+              <a:rPr lang="sk-SK" dirty="0" smtClean="0"/>
+              <a:t>Paralelné</a:t>
+            </a:r>
+          </a:p>
+          <a:p>
+            <a:pPr lvl="1"/>
+            <a:r>
+              <a:rPr lang="sk-SK" dirty="0" err="1" smtClean="0"/>
+              <a:t>Spätnoväzobné</a:t>
+            </a:r>
+            <a:endParaRPr lang="sk-SK" dirty="0" smtClean="0"/>
+          </a:p>
+          <a:p>
+            <a:pPr lvl="1"/>
+            <a:endParaRPr lang="sk-SK" dirty="0" smtClean="0"/>
+          </a:p>
+          <a:p>
+            <a:pPr>
+              <a:buFont typeface="Arial" panose="020B0604020202020204" pitchFamily="34" charset="0"/>
+              <a:buChar char="•"/>
+            </a:pPr>
+            <a:endParaRPr lang="sk-SK" u="sng" dirty="0" smtClean="0"/>
+          </a:p>
+          <a:p>
+            <a:endParaRPr lang="sk-SK" dirty="0"/>
+          </a:p>
+        </p:txBody>
+      </p:sp>
+    </p:spTree>
+    <p:extLst>
+      <p:ext uri="{BB962C8B-B14F-4D97-AF65-F5344CB8AC3E}">
+        <p14:creationId xmlns:p14="http://schemas.microsoft.com/office/powerpoint/2010/main" val="4019935953"/>
+      </p:ext>
+    </p:extLst>
+  </p:cSld>
+  <p:clrMapOvr>
+    <a:masterClrMapping/>
+  </p:clrMapOvr>
+</p:sld>
+</file>
+
+<file path=ppt/slides/slide43.xml><?xml version="1.0" encoding="utf-8"?>
+<p:sld xmlns:a="http://schemas.openxmlformats.org/drawingml/2006/main" xmlns:r="http://schemas.openxmlformats.org/officeDocument/2006/relationships" xmlns:p="http://schemas.openxmlformats.org/presentationml/2006/main">
+  <p:cSld>
+    <p:spTree>
+      <p:nvGrpSpPr>
+        <p:cNvPr id="1" name=""/>
+        <p:cNvGrpSpPr/>
+        <p:nvPr/>
+      </p:nvGrpSpPr>
+      <p:grpSpPr>
+        <a:xfrm>
+          <a:off x="0" y="0"/>
+          <a:ext cx="0" cy="0"/>
+          <a:chOff x="0" y="0"/>
+          <a:chExt cx="0" cy="0"/>
+        </a:xfrm>
+      </p:grpSpPr>
+      <p:sp>
+        <p:nvSpPr>
+          <p:cNvPr id="2" name="Nadpis 1"/>
+          <p:cNvSpPr>
+            <a:spLocks noGrp="1"/>
+          </p:cNvSpPr>
+          <p:nvPr>
+            <p:ph type="title"/>
+          </p:nvPr>
+        </p:nvSpPr>
+        <p:spPr/>
+        <p:txBody>
+          <a:bodyPr/>
+          <a:lstStyle/>
+          <a:p>
+            <a:r>
+              <a:rPr lang="sk-SK" dirty="0" smtClean="0"/>
               <a:t>Sériové zapojenie</a:t>
             </a:r>
             <a:endParaRPr lang="sk-SK" dirty="0"/>
@@ -18682,7 +19383,7 @@
 </p:sld>
 </file>
 
-<file path=ppt/slides/slide42.xml><?xml version="1.0" encoding="utf-8"?>
+<file path=ppt/slides/slide44.xml><?xml version="1.0" encoding="utf-8"?>
 <p:sld xmlns:a="http://schemas.openxmlformats.org/drawingml/2006/main" xmlns:r="http://schemas.openxmlformats.org/officeDocument/2006/relationships" xmlns:p="http://schemas.openxmlformats.org/presentationml/2006/main">
   <p:cSld>
     <p:spTree>
@@ -19005,7 +19706,7 @@
 </p:sld>
 </file>
 
-<file path=ppt/slides/slide43.xml><?xml version="1.0" encoding="utf-8"?>
+<file path=ppt/slides/slide45.xml><?xml version="1.0" encoding="utf-8"?>
 <p:sld xmlns:a="http://schemas.openxmlformats.org/drawingml/2006/main" xmlns:r="http://schemas.openxmlformats.org/officeDocument/2006/relationships" xmlns:p="http://schemas.openxmlformats.org/presentationml/2006/main">
   <p:cSld>
     <p:spTree>
@@ -19070,8 +19771,8 @@
           </a:p>
         </p:txBody>
       </p:sp>
-      <mc:AlternateContent xmlns:mc="http://schemas.openxmlformats.org/markup-compatibility/2006">
-        <mc:Choice xmlns:a14="http://schemas.microsoft.com/office/drawing/2010/main" Requires="a14">
+      <mc:AlternateContent xmlns:mc="http://schemas.openxmlformats.org/markup-compatibility/2006" xmlns:a14="http://schemas.microsoft.com/office/drawing/2010/main">
+        <mc:Choice Requires="a14">
           <p:sp>
             <p:nvSpPr>
               <p:cNvPr id="3" name="Zástupný symbol obsahu 2"/>
@@ -20027,7 +20728,7 @@
             </p:txBody>
           </p:sp>
         </mc:Choice>
-        <mc:Fallback>
+        <mc:Fallback xmlns="">
           <p:sp>
             <p:nvSpPr>
               <p:cNvPr id="3" name="Zástupný symbol obsahu 2"/>
@@ -20101,7 +20802,7 @@
 </p:sld>
 </file>
 
-<file path=ppt/slides/slide44.xml><?xml version="1.0" encoding="utf-8"?>
+<file path=ppt/slides/slide46.xml><?xml version="1.0" encoding="utf-8"?>
 <p:sld xmlns:a="http://schemas.openxmlformats.org/drawingml/2006/main" xmlns:r="http://schemas.openxmlformats.org/officeDocument/2006/relationships" xmlns:p="http://schemas.openxmlformats.org/presentationml/2006/main">
   <p:cSld>
     <p:spTree>
@@ -20336,7 +21037,7 @@
 </p:sld>
 </file>
 
-<file path=ppt/slides/slide45.xml><?xml version="1.0" encoding="utf-8"?>
+<file path=ppt/slides/slide47.xml><?xml version="1.0" encoding="utf-8"?>
 <p:sld xmlns:a="http://schemas.openxmlformats.org/drawingml/2006/main" xmlns:r="http://schemas.openxmlformats.org/officeDocument/2006/relationships" xmlns:p="http://schemas.openxmlformats.org/presentationml/2006/main">
   <p:cSld>
     <p:spTree>
@@ -20408,7 +21109,7 @@
 </p:sld>
 </file>
 
-<file path=ppt/slides/slide46.xml><?xml version="1.0" encoding="utf-8"?>
+<file path=ppt/slides/slide48.xml><?xml version="1.0" encoding="utf-8"?>
 <p:sld xmlns:a="http://schemas.openxmlformats.org/drawingml/2006/main" xmlns:r="http://schemas.openxmlformats.org/officeDocument/2006/relationships" xmlns:p="http://schemas.openxmlformats.org/presentationml/2006/main">
   <p:cSld>
     <p:spTree>
@@ -20463,7 +21164,11 @@
           <a:bodyPr/>
           <a:lstStyle/>
           <a:p>
-            <a:endParaRPr lang="sk-SK"/>
+            <a:pPr>
+              <a:buFont typeface="Arial" panose="020B0604020202020204" pitchFamily="34" charset="0"/>
+              <a:buChar char="•"/>
+            </a:pPr>
+            <a:endParaRPr lang="sk-SK" dirty="0"/>
           </a:p>
         </p:txBody>
       </p:sp>
@@ -20480,7 +21185,7 @@
 </p:sld>
 </file>
 
-<file path=ppt/slides/slide47.xml><?xml version="1.0" encoding="utf-8"?>
+<file path=ppt/slides/slide49.xml><?xml version="1.0" encoding="utf-8"?>
 <p:sld xmlns:a="http://schemas.openxmlformats.org/drawingml/2006/main" xmlns:r="http://schemas.openxmlformats.org/officeDocument/2006/relationships" xmlns:p="http://schemas.openxmlformats.org/presentationml/2006/main">
   <p:cSld>
     <p:spTree>
@@ -20952,1809 +21657,6 @@
 </p:sld>
 </file>
 
-<file path=ppt/slides/slide48.xml><?xml version="1.0" encoding="utf-8"?>
-<p:sld xmlns:a="http://schemas.openxmlformats.org/drawingml/2006/main" xmlns:r="http://schemas.openxmlformats.org/officeDocument/2006/relationships" xmlns:p="http://schemas.openxmlformats.org/presentationml/2006/main">
-  <p:cSld>
-    <p:spTree>
-      <p:nvGrpSpPr>
-        <p:cNvPr id="1" name=""/>
-        <p:cNvGrpSpPr/>
-        <p:nvPr/>
-      </p:nvGrpSpPr>
-      <p:grpSpPr>
-        <a:xfrm>
-          <a:off x="0" y="0"/>
-          <a:ext cx="0" cy="0"/>
-          <a:chOff x="0" y="0"/>
-          <a:chExt cx="0" cy="0"/>
-        </a:xfrm>
-      </p:grpSpPr>
-      <p:sp>
-        <p:nvSpPr>
-          <p:cNvPr id="2" name="Nadpis 1"/>
-          <p:cNvSpPr>
-            <a:spLocks noGrp="1"/>
-          </p:cNvSpPr>
-          <p:nvPr>
-            <p:ph type="title"/>
-          </p:nvPr>
-        </p:nvSpPr>
-        <p:spPr/>
-        <p:txBody>
-          <a:bodyPr/>
-          <a:lstStyle/>
-          <a:p>
-            <a:r>
-              <a:rPr lang="sk-SK" dirty="0" smtClean="0"/>
-              <a:t>Model harmonického oscilátora</a:t>
-            </a:r>
-            <a:endParaRPr lang="sk-SK" dirty="0"/>
-          </a:p>
-        </p:txBody>
-      </p:sp>
-      <mc:AlternateContent xmlns:mc="http://schemas.openxmlformats.org/markup-compatibility/2006" xmlns:a14="http://schemas.microsoft.com/office/drawing/2010/main">
-        <mc:Choice Requires="a14">
-          <p:sp>
-            <p:nvSpPr>
-              <p:cNvPr id="3" name="Zástupný symbol obsahu 2"/>
-              <p:cNvSpPr>
-                <a:spLocks noGrp="1"/>
-              </p:cNvSpPr>
-              <p:nvPr>
-                <p:ph idx="1"/>
-              </p:nvPr>
-            </p:nvSpPr>
-            <p:spPr/>
-            <p:txBody>
-              <a:bodyPr/>
-              <a:lstStyle/>
-              <a:p>
-                <a:pPr marL="0" indent="0">
-                  <a:buNone/>
-                </a:pPr>
-                <a:r>
-                  <a:rPr lang="sk-SK" dirty="0" smtClean="0"/>
-                  <a:t>Odvodíme diferenciálnu rovnicu oscilátora – </a:t>
-                </a:r>
-                <a:r>
-                  <a:rPr lang="sk-SK" dirty="0" err="1" smtClean="0"/>
-                  <a:t>superpozícia</a:t>
-                </a:r>
-                <a:r>
-                  <a:rPr lang="sk-SK" dirty="0" smtClean="0"/>
-                  <a:t> síl </a:t>
-                </a:r>
-              </a:p>
-              <a:p>
-                <a:pPr marL="0" indent="0">
-                  <a:buNone/>
-                </a:pPr>
-                <a14:m>
-                  <m:oMath xmlns:m="http://schemas.openxmlformats.org/officeDocument/2006/math">
-                    <m:sSub>
-                      <m:sSubPr>
-                        <m:ctrlPr>
-                          <a:rPr lang="sk-SK" i="1">
-                            <a:latin typeface="Cambria Math" panose="02040503050406030204" pitchFamily="18" charset="0"/>
-                          </a:rPr>
-                        </m:ctrlPr>
-                      </m:sSubPr>
-                      <m:e>
-                        <m:r>
-                          <a:rPr lang="sk-SK" i="1">
-                            <a:latin typeface="Cambria Math" panose="02040503050406030204" pitchFamily="18" charset="0"/>
-                          </a:rPr>
-                          <m:t>𝐹</m:t>
-                        </m:r>
-                      </m:e>
-                      <m:sub>
-                        <m:r>
-                          <a:rPr lang="sk-SK" i="1">
-                            <a:latin typeface="Cambria Math" panose="02040503050406030204" pitchFamily="18" charset="0"/>
-                          </a:rPr>
-                          <m:t>𝑑</m:t>
-                        </m:r>
-                      </m:sub>
-                    </m:sSub>
-                  </m:oMath>
-                </a14:m>
-                <a:r>
-                  <a:rPr lang="sk-SK" dirty="0" smtClean="0"/>
-                  <a:t> je „dynamická“ sila spôsobujúca zrýchlenie</a:t>
-                </a:r>
-              </a:p>
-              <a:p>
-                <a:pPr marL="0" indent="0">
-                  <a:buNone/>
-                </a:pPr>
-                <a14:m>
-                  <m:oMathPara xmlns:m="http://schemas.openxmlformats.org/officeDocument/2006/math">
-                    <m:oMathParaPr>
-                      <m:jc m:val="centerGroup"/>
-                    </m:oMathParaPr>
-                    <m:oMath xmlns:m="http://schemas.openxmlformats.org/officeDocument/2006/math">
-                      <m:sSub>
-                        <m:sSubPr>
-                          <m:ctrlPr>
-                            <a:rPr lang="sk-SK" i="1">
-                              <a:latin typeface="Cambria Math" panose="02040503050406030204" pitchFamily="18" charset="0"/>
-                            </a:rPr>
-                          </m:ctrlPr>
-                        </m:sSubPr>
-                        <m:e>
-                          <m:r>
-                            <a:rPr lang="sk-SK" i="1">
-                              <a:latin typeface="Cambria Math" panose="02040503050406030204" pitchFamily="18" charset="0"/>
-                            </a:rPr>
-                            <m:t>𝐹</m:t>
-                          </m:r>
-                        </m:e>
-                        <m:sub>
-                          <m:r>
-                            <a:rPr lang="sk-SK" i="1">
-                              <a:latin typeface="Cambria Math" panose="02040503050406030204" pitchFamily="18" charset="0"/>
-                            </a:rPr>
-                            <m:t>𝑝</m:t>
-                          </m:r>
-                        </m:sub>
-                      </m:sSub>
-                      <m:r>
-                        <a:rPr lang="sk-SK" b="0" i="1" smtClean="0">
-                          <a:latin typeface="Cambria Math" panose="02040503050406030204" pitchFamily="18" charset="0"/>
-                        </a:rPr>
-                        <m:t>+</m:t>
-                      </m:r>
-                      <m:sSub>
-                        <m:sSubPr>
-                          <m:ctrlPr>
-                            <a:rPr lang="sk-SK" i="1">
-                              <a:latin typeface="Cambria Math" panose="02040503050406030204" pitchFamily="18" charset="0"/>
-                            </a:rPr>
-                          </m:ctrlPr>
-                        </m:sSubPr>
-                        <m:e>
-                          <m:r>
-                            <a:rPr lang="sk-SK" i="1">
-                              <a:latin typeface="Cambria Math" panose="02040503050406030204" pitchFamily="18" charset="0"/>
-                            </a:rPr>
-                            <m:t>𝐹</m:t>
-                          </m:r>
-                        </m:e>
-                        <m:sub>
-                          <m:r>
-                            <a:rPr lang="sk-SK" i="1">
-                              <a:latin typeface="Cambria Math" panose="02040503050406030204" pitchFamily="18" charset="0"/>
-                            </a:rPr>
-                            <m:t>𝑡</m:t>
-                          </m:r>
-                        </m:sub>
-                      </m:sSub>
-                      <m:r>
-                        <a:rPr lang="sk-SK" b="0" i="1" smtClean="0">
-                          <a:latin typeface="Cambria Math" panose="02040503050406030204" pitchFamily="18" charset="0"/>
-                        </a:rPr>
-                        <m:t>=</m:t>
-                      </m:r>
-                      <m:sSub>
-                        <m:sSubPr>
-                          <m:ctrlPr>
-                            <a:rPr lang="sk-SK" i="1">
-                              <a:latin typeface="Cambria Math" panose="02040503050406030204" pitchFamily="18" charset="0"/>
-                            </a:rPr>
-                          </m:ctrlPr>
-                        </m:sSubPr>
-                        <m:e>
-                          <m:r>
-                            <a:rPr lang="sk-SK" i="1">
-                              <a:latin typeface="Cambria Math" panose="02040503050406030204" pitchFamily="18" charset="0"/>
-                            </a:rPr>
-                            <m:t>𝐹</m:t>
-                          </m:r>
-                        </m:e>
-                        <m:sub>
-                          <m:r>
-                            <a:rPr lang="sk-SK" i="1">
-                              <a:latin typeface="Cambria Math" panose="02040503050406030204" pitchFamily="18" charset="0"/>
-                            </a:rPr>
-                            <m:t>𝑑</m:t>
-                          </m:r>
-                        </m:sub>
-                      </m:sSub>
-                    </m:oMath>
-                  </m:oMathPara>
-                </a14:m>
-                <a:endParaRPr lang="sk-SK" dirty="0" smtClean="0"/>
-              </a:p>
-              <a:p>
-                <a:pPr marL="0" indent="0">
-                  <a:buNone/>
-                </a:pPr>
-                <a14:m>
-                  <m:oMathPara xmlns:m="http://schemas.openxmlformats.org/officeDocument/2006/math">
-                    <m:oMathParaPr>
-                      <m:jc m:val="centerGroup"/>
-                    </m:oMathParaPr>
-                    <m:oMath xmlns:m="http://schemas.openxmlformats.org/officeDocument/2006/math">
-                      <m:r>
-                        <a:rPr lang="sk-SK" i="1">
-                          <a:latin typeface="Cambria Math" panose="02040503050406030204" pitchFamily="18" charset="0"/>
-                        </a:rPr>
-                        <m:t>−</m:t>
-                      </m:r>
-                      <m:r>
-                        <a:rPr lang="sk-SK" i="1">
-                          <a:latin typeface="Cambria Math" panose="02040503050406030204" pitchFamily="18" charset="0"/>
-                        </a:rPr>
-                        <m:t>𝑘𝑥</m:t>
-                      </m:r>
-                      <m:r>
-                        <a:rPr lang="sk-SK" b="0" i="0" smtClean="0">
-                          <a:latin typeface="Cambria Math" panose="02040503050406030204" pitchFamily="18" charset="0"/>
-                        </a:rPr>
-                        <m:t>−</m:t>
-                      </m:r>
-                      <m:r>
-                        <a:rPr lang="sk-SK" b="0" i="1" smtClean="0">
-                          <a:latin typeface="Cambria Math" panose="02040503050406030204" pitchFamily="18" charset="0"/>
-                        </a:rPr>
-                        <m:t>𝑏𝑣</m:t>
-                      </m:r>
-                      <m:r>
-                        <a:rPr lang="sk-SK" b="0" i="1" smtClean="0">
-                          <a:latin typeface="Cambria Math" panose="02040503050406030204" pitchFamily="18" charset="0"/>
-                        </a:rPr>
-                        <m:t>=</m:t>
-                      </m:r>
-                      <m:r>
-                        <a:rPr lang="sk-SK" i="1">
-                          <a:latin typeface="Cambria Math" panose="02040503050406030204" pitchFamily="18" charset="0"/>
-                        </a:rPr>
-                        <m:t>𝑚𝑎</m:t>
-                      </m:r>
-                    </m:oMath>
-                  </m:oMathPara>
-                </a14:m>
-                <a:endParaRPr lang="sk-SK" dirty="0"/>
-              </a:p>
-              <a:p>
-                <a:pPr marL="0" indent="0">
-                  <a:buNone/>
-                </a:pPr>
-                <a14:m>
-                  <m:oMathPara xmlns:m="http://schemas.openxmlformats.org/officeDocument/2006/math">
-                    <m:oMathParaPr>
-                      <m:jc m:val="centerGroup"/>
-                    </m:oMathParaPr>
-                    <m:oMath xmlns:m="http://schemas.openxmlformats.org/officeDocument/2006/math">
-                      <m:r>
-                        <a:rPr lang="sk-SK" i="1">
-                          <a:latin typeface="Cambria Math" panose="02040503050406030204" pitchFamily="18" charset="0"/>
-                        </a:rPr>
-                        <m:t>𝑚𝑎</m:t>
-                      </m:r>
-                      <m:r>
-                        <a:rPr lang="sk-SK" b="0" i="1" smtClean="0">
-                          <a:latin typeface="Cambria Math" panose="02040503050406030204" pitchFamily="18" charset="0"/>
-                        </a:rPr>
-                        <m:t>+</m:t>
-                      </m:r>
-                      <m:r>
-                        <a:rPr lang="sk-SK" b="0" i="1" smtClean="0">
-                          <a:latin typeface="Cambria Math" panose="02040503050406030204" pitchFamily="18" charset="0"/>
-                        </a:rPr>
-                        <m:t>𝑏𝑣</m:t>
-                      </m:r>
-                      <m:r>
-                        <a:rPr lang="sk-SK" b="0" i="1" smtClean="0">
-                          <a:latin typeface="Cambria Math" panose="02040503050406030204" pitchFamily="18" charset="0"/>
-                        </a:rPr>
-                        <m:t>+</m:t>
-                      </m:r>
-                      <m:r>
-                        <a:rPr lang="sk-SK" b="0" i="1" smtClean="0">
-                          <a:latin typeface="Cambria Math" panose="02040503050406030204" pitchFamily="18" charset="0"/>
-                        </a:rPr>
-                        <m:t>𝑘𝑥</m:t>
-                      </m:r>
-                      <m:r>
-                        <a:rPr lang="sk-SK" b="0" i="1" smtClean="0">
-                          <a:latin typeface="Cambria Math" panose="02040503050406030204" pitchFamily="18" charset="0"/>
-                        </a:rPr>
-                        <m:t>=0</m:t>
-                      </m:r>
-                    </m:oMath>
-                  </m:oMathPara>
-                </a14:m>
-                <a:endParaRPr lang="sk-SK" dirty="0" smtClean="0"/>
-              </a:p>
-              <a:p>
-                <a:pPr marL="0" indent="0">
-                  <a:buNone/>
-                </a:pPr>
-                <a:r>
-                  <a:rPr lang="sk-SK" dirty="0" smtClean="0"/>
-                  <a:t>Rozpíšeme zrýchlenie a rýchlosť ako derivácie výchylky</a:t>
-                </a:r>
-              </a:p>
-              <a:p>
-                <a:pPr marL="0" indent="0">
-                  <a:lnSpc>
-                    <a:spcPct val="150000"/>
-                  </a:lnSpc>
-                  <a:buNone/>
-                </a:pPr>
-                <a14:m>
-                  <m:oMathPara xmlns:m="http://schemas.openxmlformats.org/officeDocument/2006/math">
-                    <m:oMathParaPr>
-                      <m:jc m:val="centerGroup"/>
-                    </m:oMathParaPr>
-                    <m:oMath xmlns:m="http://schemas.openxmlformats.org/officeDocument/2006/math">
-                      <m:r>
-                        <a:rPr lang="sk-SK" b="0" i="1" smtClean="0">
-                          <a:latin typeface="Cambria Math" panose="02040503050406030204" pitchFamily="18" charset="0"/>
-                        </a:rPr>
-                        <m:t>𝑣</m:t>
-                      </m:r>
-                      <m:r>
-                        <a:rPr lang="sk-SK" b="0" i="1" smtClean="0">
-                          <a:latin typeface="Cambria Math" panose="02040503050406030204" pitchFamily="18" charset="0"/>
-                        </a:rPr>
-                        <m:t>=</m:t>
-                      </m:r>
-                      <m:acc>
-                        <m:accPr>
-                          <m:chr m:val="̇"/>
-                          <m:ctrlPr>
-                            <a:rPr lang="sk-SK" i="1" smtClean="0">
-                              <a:latin typeface="Cambria Math" panose="02040503050406030204" pitchFamily="18" charset="0"/>
-                            </a:rPr>
-                          </m:ctrlPr>
-                        </m:accPr>
-                        <m:e>
-                          <m:r>
-                            <a:rPr lang="sk-SK" b="0" i="1" smtClean="0">
-                              <a:latin typeface="Cambria Math" panose="02040503050406030204" pitchFamily="18" charset="0"/>
-                            </a:rPr>
-                            <m:t>𝑥</m:t>
-                          </m:r>
-                        </m:e>
-                      </m:acc>
-                    </m:oMath>
-                  </m:oMathPara>
-                </a14:m>
-                <a:endParaRPr lang="sk-SK" dirty="0" smtClean="0"/>
-              </a:p>
-              <a:p>
-                <a:pPr marL="0" indent="0">
-                  <a:lnSpc>
-                    <a:spcPct val="150000"/>
-                  </a:lnSpc>
-                  <a:buNone/>
-                </a:pPr>
-                <a14:m>
-                  <m:oMathPara xmlns:m="http://schemas.openxmlformats.org/officeDocument/2006/math">
-                    <m:oMathParaPr>
-                      <m:jc m:val="centerGroup"/>
-                    </m:oMathParaPr>
-                    <m:oMath xmlns:m="http://schemas.openxmlformats.org/officeDocument/2006/math">
-                      <m:r>
-                        <a:rPr lang="sk-SK" b="0" i="1" smtClean="0">
-                          <a:latin typeface="Cambria Math" panose="02040503050406030204" pitchFamily="18" charset="0"/>
-                        </a:rPr>
-                        <m:t>𝑎</m:t>
-                      </m:r>
-                      <m:r>
-                        <a:rPr lang="sk-SK" b="0" i="1" smtClean="0">
-                          <a:latin typeface="Cambria Math" panose="02040503050406030204" pitchFamily="18" charset="0"/>
-                        </a:rPr>
-                        <m:t>=</m:t>
-                      </m:r>
-                      <m:acc>
-                        <m:accPr>
-                          <m:chr m:val="̈"/>
-                          <m:ctrlPr>
-                            <a:rPr lang="sk-SK" b="0" i="1" smtClean="0">
-                              <a:latin typeface="Cambria Math" panose="02040503050406030204" pitchFamily="18" charset="0"/>
-                            </a:rPr>
-                          </m:ctrlPr>
-                        </m:accPr>
-                        <m:e>
-                          <m:r>
-                            <a:rPr lang="sk-SK" b="0" i="1" smtClean="0">
-                              <a:latin typeface="Cambria Math" panose="02040503050406030204" pitchFamily="18" charset="0"/>
-                            </a:rPr>
-                            <m:t>𝑥</m:t>
-                          </m:r>
-                        </m:e>
-                      </m:acc>
-                    </m:oMath>
-                  </m:oMathPara>
-                </a14:m>
-                <a:endParaRPr lang="sk-SK" dirty="0"/>
-              </a:p>
-              <a:p>
-                <a:pPr marL="0" indent="0">
-                  <a:lnSpc>
-                    <a:spcPct val="150000"/>
-                  </a:lnSpc>
-                  <a:buNone/>
-                </a:pPr>
-                <a14:m>
-                  <m:oMathPara xmlns:m="http://schemas.openxmlformats.org/officeDocument/2006/math">
-                    <m:oMathParaPr>
-                      <m:jc m:val="centerGroup"/>
-                    </m:oMathParaPr>
-                    <m:oMath xmlns:m="http://schemas.openxmlformats.org/officeDocument/2006/math">
-                      <m:r>
-                        <a:rPr lang="sk-SK" i="1">
-                          <a:latin typeface="Cambria Math" panose="02040503050406030204" pitchFamily="18" charset="0"/>
-                        </a:rPr>
-                        <m:t>𝑚</m:t>
-                      </m:r>
-                      <m:acc>
-                        <m:accPr>
-                          <m:chr m:val="̈"/>
-                          <m:ctrlPr>
-                            <a:rPr lang="sk-SK" i="1">
-                              <a:latin typeface="Cambria Math" panose="02040503050406030204" pitchFamily="18" charset="0"/>
-                            </a:rPr>
-                          </m:ctrlPr>
-                        </m:accPr>
-                        <m:e>
-                          <m:r>
-                            <a:rPr lang="sk-SK" i="1">
-                              <a:latin typeface="Cambria Math" panose="02040503050406030204" pitchFamily="18" charset="0"/>
-                            </a:rPr>
-                            <m:t>𝑥</m:t>
-                          </m:r>
-                        </m:e>
-                      </m:acc>
-                      <m:r>
-                        <a:rPr lang="sk-SK" i="1">
-                          <a:latin typeface="Cambria Math" panose="02040503050406030204" pitchFamily="18" charset="0"/>
-                        </a:rPr>
-                        <m:t>+</m:t>
-                      </m:r>
-                      <m:r>
-                        <a:rPr lang="sk-SK" i="1">
-                          <a:latin typeface="Cambria Math" panose="02040503050406030204" pitchFamily="18" charset="0"/>
-                        </a:rPr>
-                        <m:t>𝑏</m:t>
-                      </m:r>
-                      <m:acc>
-                        <m:accPr>
-                          <m:chr m:val="̇"/>
-                          <m:ctrlPr>
-                            <a:rPr lang="sk-SK" i="1">
-                              <a:latin typeface="Cambria Math" panose="02040503050406030204" pitchFamily="18" charset="0"/>
-                            </a:rPr>
-                          </m:ctrlPr>
-                        </m:accPr>
-                        <m:e>
-                          <m:r>
-                            <a:rPr lang="sk-SK" i="1">
-                              <a:latin typeface="Cambria Math" panose="02040503050406030204" pitchFamily="18" charset="0"/>
-                            </a:rPr>
-                            <m:t>𝑥</m:t>
-                          </m:r>
-                        </m:e>
-                      </m:acc>
-                      <m:r>
-                        <a:rPr lang="sk-SK" i="1">
-                          <a:latin typeface="Cambria Math" panose="02040503050406030204" pitchFamily="18" charset="0"/>
-                        </a:rPr>
-                        <m:t>+</m:t>
-                      </m:r>
-                      <m:r>
-                        <a:rPr lang="sk-SK" i="1">
-                          <a:latin typeface="Cambria Math" panose="02040503050406030204" pitchFamily="18" charset="0"/>
-                        </a:rPr>
-                        <m:t>𝑘𝑥</m:t>
-                      </m:r>
-                      <m:r>
-                        <a:rPr lang="sk-SK" i="1">
-                          <a:latin typeface="Cambria Math" panose="02040503050406030204" pitchFamily="18" charset="0"/>
-                        </a:rPr>
-                        <m:t>=0</m:t>
-                      </m:r>
-                    </m:oMath>
-                  </m:oMathPara>
-                </a14:m>
-                <a:endParaRPr lang="sk-SK" dirty="0" smtClean="0"/>
-              </a:p>
-              <a:p>
-                <a:pPr marL="0" indent="0">
-                  <a:lnSpc>
-                    <a:spcPct val="150000"/>
-                  </a:lnSpc>
-                  <a:buNone/>
-                </a:pPr>
-                <a14:m>
-                  <m:oMathPara xmlns:m="http://schemas.openxmlformats.org/officeDocument/2006/math">
-                    <m:oMathParaPr>
-                      <m:jc m:val="centerGroup"/>
-                    </m:oMathParaPr>
-                    <m:oMath xmlns:m="http://schemas.openxmlformats.org/officeDocument/2006/math">
-                      <m:acc>
-                        <m:accPr>
-                          <m:chr m:val="̈"/>
-                          <m:ctrlPr>
-                            <a:rPr lang="sk-SK" i="1">
-                              <a:latin typeface="Cambria Math" panose="02040503050406030204" pitchFamily="18" charset="0"/>
-                            </a:rPr>
-                          </m:ctrlPr>
-                        </m:accPr>
-                        <m:e>
-                          <m:r>
-                            <a:rPr lang="sk-SK" i="1">
-                              <a:latin typeface="Cambria Math" panose="02040503050406030204" pitchFamily="18" charset="0"/>
-                            </a:rPr>
-                            <m:t>𝑥</m:t>
-                          </m:r>
-                        </m:e>
-                      </m:acc>
-                      <m:r>
-                        <a:rPr lang="sk-SK" i="1">
-                          <a:latin typeface="Cambria Math" panose="02040503050406030204" pitchFamily="18" charset="0"/>
-                        </a:rPr>
-                        <m:t>+</m:t>
-                      </m:r>
-                      <m:f>
-                        <m:fPr>
-                          <m:ctrlPr>
-                            <a:rPr lang="sk-SK" i="1" smtClean="0">
-                              <a:latin typeface="Cambria Math" panose="02040503050406030204" pitchFamily="18" charset="0"/>
-                            </a:rPr>
-                          </m:ctrlPr>
-                        </m:fPr>
-                        <m:num>
-                          <m:r>
-                            <a:rPr lang="sk-SK" b="0" i="1" smtClean="0">
-                              <a:latin typeface="Cambria Math" panose="02040503050406030204" pitchFamily="18" charset="0"/>
-                            </a:rPr>
-                            <m:t>𝑏</m:t>
-                          </m:r>
-                        </m:num>
-                        <m:den>
-                          <m:r>
-                            <a:rPr lang="sk-SK" b="0" i="1" smtClean="0">
-                              <a:latin typeface="Cambria Math" panose="02040503050406030204" pitchFamily="18" charset="0"/>
-                            </a:rPr>
-                            <m:t>𝑚</m:t>
-                          </m:r>
-                        </m:den>
-                      </m:f>
-                      <m:acc>
-                        <m:accPr>
-                          <m:chr m:val="̇"/>
-                          <m:ctrlPr>
-                            <a:rPr lang="sk-SK" i="1">
-                              <a:latin typeface="Cambria Math" panose="02040503050406030204" pitchFamily="18" charset="0"/>
-                            </a:rPr>
-                          </m:ctrlPr>
-                        </m:accPr>
-                        <m:e>
-                          <m:r>
-                            <a:rPr lang="sk-SK" i="1">
-                              <a:latin typeface="Cambria Math" panose="02040503050406030204" pitchFamily="18" charset="0"/>
-                            </a:rPr>
-                            <m:t>𝑥</m:t>
-                          </m:r>
-                        </m:e>
-                      </m:acc>
-                      <m:r>
-                        <a:rPr lang="sk-SK" i="1">
-                          <a:latin typeface="Cambria Math" panose="02040503050406030204" pitchFamily="18" charset="0"/>
-                        </a:rPr>
-                        <m:t>+</m:t>
-                      </m:r>
-                      <m:f>
-                        <m:fPr>
-                          <m:ctrlPr>
-                            <a:rPr lang="sk-SK" i="1" smtClean="0">
-                              <a:latin typeface="Cambria Math" panose="02040503050406030204" pitchFamily="18" charset="0"/>
-                            </a:rPr>
-                          </m:ctrlPr>
-                        </m:fPr>
-                        <m:num>
-                          <m:r>
-                            <a:rPr lang="sk-SK" b="0" i="1" smtClean="0">
-                              <a:latin typeface="Cambria Math" panose="02040503050406030204" pitchFamily="18" charset="0"/>
-                            </a:rPr>
-                            <m:t>𝑘</m:t>
-                          </m:r>
-                        </m:num>
-                        <m:den>
-                          <m:r>
-                            <a:rPr lang="sk-SK" b="0" i="1" smtClean="0">
-                              <a:latin typeface="Cambria Math" panose="02040503050406030204" pitchFamily="18" charset="0"/>
-                            </a:rPr>
-                            <m:t>𝑚</m:t>
-                          </m:r>
-                        </m:den>
-                      </m:f>
-                      <m:r>
-                        <a:rPr lang="sk-SK" i="1">
-                          <a:latin typeface="Cambria Math" panose="02040503050406030204" pitchFamily="18" charset="0"/>
-                        </a:rPr>
-                        <m:t>𝑥</m:t>
-                      </m:r>
-                      <m:r>
-                        <a:rPr lang="sk-SK" i="1">
-                          <a:latin typeface="Cambria Math" panose="02040503050406030204" pitchFamily="18" charset="0"/>
-                        </a:rPr>
-                        <m:t>=0</m:t>
-                      </m:r>
-                    </m:oMath>
-                  </m:oMathPara>
-                </a14:m>
-                <a:endParaRPr lang="sk-SK" dirty="0" smtClean="0"/>
-              </a:p>
-              <a:p>
-                <a:pPr marL="0" indent="0">
-                  <a:buNone/>
-                </a:pPr>
-                <a:r>
-                  <a:rPr lang="sk-SK" dirty="0" smtClean="0"/>
-                  <a:t>Je lineárnou diferenciálnou rovnicou druhého rádu</a:t>
-                </a:r>
-              </a:p>
-              <a:p>
-                <a:pPr marL="0" indent="0">
-                  <a:buNone/>
-                </a:pPr>
-                <a:endParaRPr lang="sk-SK" dirty="0"/>
-              </a:p>
-              <a:p>
-                <a:endParaRPr lang="sk-SK" dirty="0"/>
-              </a:p>
-            </p:txBody>
-          </p:sp>
-        </mc:Choice>
-        <mc:Fallback xmlns="">
-          <p:sp>
-            <p:nvSpPr>
-              <p:cNvPr id="3" name="Zástupný symbol obsahu 2"/>
-              <p:cNvSpPr>
-                <a:spLocks noGrp="1" noRot="1" noChangeAspect="1" noMove="1" noResize="1" noEditPoints="1" noAdjustHandles="1" noChangeArrowheads="1" noChangeShapeType="1" noTextEdit="1"/>
-              </p:cNvSpPr>
-              <p:nvPr>
-                <p:ph idx="1"/>
-              </p:nvPr>
-            </p:nvSpPr>
-            <p:spPr>
-              <a:blipFill rotWithShape="0">
-                <a:blip r:embed="rId2"/>
-                <a:stretch>
-                  <a:fillRect l="-1898" t="-1291"/>
-                </a:stretch>
-              </a:blipFill>
-            </p:spPr>
-            <p:txBody>
-              <a:bodyPr/>
-              <a:lstStyle/>
-              <a:p>
-                <a:r>
-                  <a:rPr lang="sk-SK">
-                    <a:noFill/>
-                  </a:rPr>
-                  <a:t> </a:t>
-                </a:r>
-              </a:p>
-            </p:txBody>
-          </p:sp>
-        </mc:Fallback>
-      </mc:AlternateContent>
-    </p:spTree>
-    <p:extLst>
-      <p:ext uri="{BB962C8B-B14F-4D97-AF65-F5344CB8AC3E}">
-        <p14:creationId xmlns:p14="http://schemas.microsoft.com/office/powerpoint/2010/main" val="2348839446"/>
-      </p:ext>
-    </p:extLst>
-  </p:cSld>
-  <p:clrMapOvr>
-    <a:masterClrMapping/>
-  </p:clrMapOvr>
-</p:sld>
-</file>
-
-<file path=ppt/slides/slide49.xml><?xml version="1.0" encoding="utf-8"?>
-<p:sld xmlns:a="http://schemas.openxmlformats.org/drawingml/2006/main" xmlns:r="http://schemas.openxmlformats.org/officeDocument/2006/relationships" xmlns:p="http://schemas.openxmlformats.org/presentationml/2006/main">
-  <p:cSld>
-    <p:spTree>
-      <p:nvGrpSpPr>
-        <p:cNvPr id="1" name=""/>
-        <p:cNvGrpSpPr/>
-        <p:nvPr/>
-      </p:nvGrpSpPr>
-      <p:grpSpPr>
-        <a:xfrm>
-          <a:off x="0" y="0"/>
-          <a:ext cx="0" cy="0"/>
-          <a:chOff x="0" y="0"/>
-          <a:chExt cx="0" cy="0"/>
-        </a:xfrm>
-      </p:grpSpPr>
-      <p:sp>
-        <p:nvSpPr>
-          <p:cNvPr id="2" name="Nadpis 1"/>
-          <p:cNvSpPr>
-            <a:spLocks noGrp="1"/>
-          </p:cNvSpPr>
-          <p:nvPr>
-            <p:ph type="title"/>
-          </p:nvPr>
-        </p:nvSpPr>
-        <p:spPr/>
-        <p:txBody>
-          <a:bodyPr/>
-          <a:lstStyle/>
-          <a:p>
-            <a:r>
-              <a:rPr lang="sk-SK" dirty="0" smtClean="0"/>
-              <a:t>Budený harmonický oscilátor</a:t>
-            </a:r>
-            <a:endParaRPr lang="sk-SK" dirty="0"/>
-          </a:p>
-        </p:txBody>
-      </p:sp>
-      <mc:AlternateContent xmlns:mc="http://schemas.openxmlformats.org/markup-compatibility/2006" xmlns:a14="http://schemas.microsoft.com/office/drawing/2010/main">
-        <mc:Choice Requires="a14">
-          <p:sp>
-            <p:nvSpPr>
-              <p:cNvPr id="3" name="Zástupný symbol obsahu 2"/>
-              <p:cNvSpPr>
-                <a:spLocks noGrp="1"/>
-              </p:cNvSpPr>
-              <p:nvPr>
-                <p:ph idx="1"/>
-              </p:nvPr>
-            </p:nvSpPr>
-            <p:spPr>
-              <a:xfrm>
-                <a:off x="393699" y="1040445"/>
-                <a:ext cx="8593782" cy="5698105"/>
-              </a:xfrm>
-            </p:spPr>
-            <p:txBody>
-              <a:bodyPr>
-                <a:normAutofit fontScale="77500" lnSpcReduction="20000"/>
-              </a:bodyPr>
-              <a:lstStyle/>
-              <a:p>
-                <a:pPr>
-                  <a:buFont typeface="Arial" panose="020B0604020202020204" pitchFamily="34" charset="0"/>
-                  <a:buChar char="•"/>
-                </a:pPr>
-                <a:r>
-                  <a:rPr lang="sk-SK" dirty="0" smtClean="0"/>
-                  <a:t>Uvažujme že na oscilátor vieme pôsobiť externou budiacou silou </a:t>
-                </a:r>
-                <a14:m>
-                  <m:oMath xmlns:m="http://schemas.openxmlformats.org/officeDocument/2006/math">
-                    <m:sSub>
-                      <m:sSubPr>
-                        <m:ctrlPr>
-                          <a:rPr lang="sk-SK" i="1">
-                            <a:latin typeface="Cambria Math" panose="02040503050406030204" pitchFamily="18" charset="0"/>
-                          </a:rPr>
-                        </m:ctrlPr>
-                      </m:sSubPr>
-                      <m:e>
-                        <m:r>
-                          <a:rPr lang="sk-SK" i="1">
-                            <a:latin typeface="Cambria Math" panose="02040503050406030204" pitchFamily="18" charset="0"/>
-                          </a:rPr>
-                          <m:t>𝐹</m:t>
-                        </m:r>
-                      </m:e>
-                      <m:sub>
-                        <m:r>
-                          <a:rPr lang="sk-SK" b="0" i="1" smtClean="0">
-                            <a:latin typeface="Cambria Math" panose="02040503050406030204" pitchFamily="18" charset="0"/>
-                          </a:rPr>
-                          <m:t>𝑒𝑥</m:t>
-                        </m:r>
-                      </m:sub>
-                    </m:sSub>
-                  </m:oMath>
-                </a14:m>
-                <a:r>
-                  <a:rPr lang="sk-SK" dirty="0" smtClean="0"/>
-                  <a:t> </a:t>
-                </a:r>
-                <a:endParaRPr lang="sk-SK" dirty="0"/>
-              </a:p>
-              <a:p>
-                <a:pPr>
-                  <a:buFont typeface="Arial" panose="020B0604020202020204" pitchFamily="34" charset="0"/>
-                  <a:buChar char="•"/>
-                </a:pPr>
-                <a:r>
-                  <a:rPr lang="sk-SK" dirty="0" smtClean="0"/>
-                  <a:t>Túto silu považujme za vstup do systému</a:t>
-                </a:r>
-              </a:p>
-              <a:p>
-                <a:pPr>
-                  <a:buFont typeface="Arial" panose="020B0604020202020204" pitchFamily="34" charset="0"/>
-                  <a:buChar char="•"/>
-                </a:pPr>
-                <a:r>
-                  <a:rPr lang="sk-SK" dirty="0" smtClean="0"/>
-                  <a:t>Diferenciálna oscilátora rovnica potom prejde do tvaru:</a:t>
-                </a:r>
-              </a:p>
-              <a:p>
-                <a:pPr marL="0" indent="0">
-                  <a:buNone/>
-                </a:pPr>
-                <a14:m>
-                  <m:oMathPara xmlns:m="http://schemas.openxmlformats.org/officeDocument/2006/math">
-                    <m:oMathParaPr>
-                      <m:jc m:val="centerGroup"/>
-                    </m:oMathParaPr>
-                    <m:oMath xmlns:m="http://schemas.openxmlformats.org/officeDocument/2006/math">
-                      <m:acc>
-                        <m:accPr>
-                          <m:chr m:val="̈"/>
-                          <m:ctrlPr>
-                            <a:rPr lang="sk-SK" i="1">
-                              <a:latin typeface="Cambria Math" panose="02040503050406030204" pitchFamily="18" charset="0"/>
-                            </a:rPr>
-                          </m:ctrlPr>
-                        </m:accPr>
-                        <m:e>
-                          <m:r>
-                            <a:rPr lang="sk-SK" i="1">
-                              <a:latin typeface="Cambria Math" panose="02040503050406030204" pitchFamily="18" charset="0"/>
-                            </a:rPr>
-                            <m:t>𝑥</m:t>
-                          </m:r>
-                        </m:e>
-                      </m:acc>
-                      <m:r>
-                        <a:rPr lang="sk-SK" i="1">
-                          <a:latin typeface="Cambria Math" panose="02040503050406030204" pitchFamily="18" charset="0"/>
-                        </a:rPr>
-                        <m:t>+</m:t>
-                      </m:r>
-                      <m:f>
-                        <m:fPr>
-                          <m:ctrlPr>
-                            <a:rPr lang="sk-SK" i="1">
-                              <a:latin typeface="Cambria Math" panose="02040503050406030204" pitchFamily="18" charset="0"/>
-                            </a:rPr>
-                          </m:ctrlPr>
-                        </m:fPr>
-                        <m:num>
-                          <m:r>
-                            <a:rPr lang="sk-SK" i="1">
-                              <a:latin typeface="Cambria Math" panose="02040503050406030204" pitchFamily="18" charset="0"/>
-                            </a:rPr>
-                            <m:t>𝑏</m:t>
-                          </m:r>
-                        </m:num>
-                        <m:den>
-                          <m:r>
-                            <a:rPr lang="sk-SK" i="1">
-                              <a:latin typeface="Cambria Math" panose="02040503050406030204" pitchFamily="18" charset="0"/>
-                            </a:rPr>
-                            <m:t>𝑚</m:t>
-                          </m:r>
-                        </m:den>
-                      </m:f>
-                      <m:acc>
-                        <m:accPr>
-                          <m:chr m:val="̇"/>
-                          <m:ctrlPr>
-                            <a:rPr lang="sk-SK" i="1">
-                              <a:latin typeface="Cambria Math" panose="02040503050406030204" pitchFamily="18" charset="0"/>
-                            </a:rPr>
-                          </m:ctrlPr>
-                        </m:accPr>
-                        <m:e>
-                          <m:r>
-                            <a:rPr lang="sk-SK" i="1">
-                              <a:latin typeface="Cambria Math" panose="02040503050406030204" pitchFamily="18" charset="0"/>
-                            </a:rPr>
-                            <m:t>𝑥</m:t>
-                          </m:r>
-                        </m:e>
-                      </m:acc>
-                      <m:r>
-                        <a:rPr lang="sk-SK" i="1">
-                          <a:latin typeface="Cambria Math" panose="02040503050406030204" pitchFamily="18" charset="0"/>
-                        </a:rPr>
-                        <m:t>+</m:t>
-                      </m:r>
-                      <m:f>
-                        <m:fPr>
-                          <m:ctrlPr>
-                            <a:rPr lang="sk-SK" i="1">
-                              <a:latin typeface="Cambria Math" panose="02040503050406030204" pitchFamily="18" charset="0"/>
-                            </a:rPr>
-                          </m:ctrlPr>
-                        </m:fPr>
-                        <m:num>
-                          <m:r>
-                            <a:rPr lang="sk-SK" i="1">
-                              <a:latin typeface="Cambria Math" panose="02040503050406030204" pitchFamily="18" charset="0"/>
-                            </a:rPr>
-                            <m:t>𝑘</m:t>
-                          </m:r>
-                        </m:num>
-                        <m:den>
-                          <m:r>
-                            <a:rPr lang="sk-SK" i="1">
-                              <a:latin typeface="Cambria Math" panose="02040503050406030204" pitchFamily="18" charset="0"/>
-                            </a:rPr>
-                            <m:t>𝑚</m:t>
-                          </m:r>
-                        </m:den>
-                      </m:f>
-                      <m:r>
-                        <a:rPr lang="sk-SK" i="1">
-                          <a:latin typeface="Cambria Math" panose="02040503050406030204" pitchFamily="18" charset="0"/>
-                        </a:rPr>
-                        <m:t>𝑥</m:t>
-                      </m:r>
-                      <m:r>
-                        <a:rPr lang="sk-SK" i="1">
-                          <a:latin typeface="Cambria Math" panose="02040503050406030204" pitchFamily="18" charset="0"/>
-                        </a:rPr>
-                        <m:t>=</m:t>
-                      </m:r>
-                      <m:f>
-                        <m:fPr>
-                          <m:ctrlPr>
-                            <a:rPr lang="sk-SK" i="1" smtClean="0">
-                              <a:latin typeface="Cambria Math" panose="02040503050406030204" pitchFamily="18" charset="0"/>
-                            </a:rPr>
-                          </m:ctrlPr>
-                        </m:fPr>
-                        <m:num>
-                          <m:sSub>
-                            <m:sSubPr>
-                              <m:ctrlPr>
-                                <a:rPr lang="sk-SK" i="1">
-                                  <a:latin typeface="Cambria Math" panose="02040503050406030204" pitchFamily="18" charset="0"/>
-                                </a:rPr>
-                              </m:ctrlPr>
-                            </m:sSubPr>
-                            <m:e>
-                              <m:r>
-                                <a:rPr lang="sk-SK" i="1">
-                                  <a:latin typeface="Cambria Math" panose="02040503050406030204" pitchFamily="18" charset="0"/>
-                                </a:rPr>
-                                <m:t>𝐹</m:t>
-                              </m:r>
-                            </m:e>
-                            <m:sub>
-                              <m:r>
-                                <a:rPr lang="sk-SK" i="1">
-                                  <a:latin typeface="Cambria Math" panose="02040503050406030204" pitchFamily="18" charset="0"/>
-                                </a:rPr>
-                                <m:t>𝑒𝑥</m:t>
-                              </m:r>
-                            </m:sub>
-                          </m:sSub>
-                        </m:num>
-                        <m:den>
-                          <m:r>
-                            <a:rPr lang="sk-SK" b="0" i="1" smtClean="0">
-                              <a:latin typeface="Cambria Math" panose="02040503050406030204" pitchFamily="18" charset="0"/>
-                            </a:rPr>
-                            <m:t>𝑚</m:t>
-                          </m:r>
-                        </m:den>
-                      </m:f>
-                    </m:oMath>
-                  </m:oMathPara>
-                </a14:m>
-                <a:endParaRPr lang="sk-SK" dirty="0" smtClean="0"/>
-              </a:p>
-              <a:p>
-                <a:pPr>
-                  <a:buFont typeface="Arial" panose="020B0604020202020204" pitchFamily="34" charset="0"/>
-                  <a:buChar char="•"/>
-                </a:pPr>
-                <a:r>
-                  <a:rPr lang="sk-SK" dirty="0" smtClean="0"/>
-                  <a:t>Teraz vieme pomocou </a:t>
-                </a:r>
-                <a:r>
-                  <a:rPr lang="sk-SK" dirty="0" err="1" smtClean="0"/>
-                  <a:t>Laplaceovej</a:t>
-                </a:r>
-                <a:r>
-                  <a:rPr lang="sk-SK" dirty="0" smtClean="0"/>
-                  <a:t> transformácie odvodiť prenosovú funkciu systému</a:t>
-                </a:r>
-              </a:p>
-              <a:p>
-                <a:pPr>
-                  <a:buFont typeface="Arial" panose="020B0604020202020204" pitchFamily="34" charset="0"/>
-                  <a:buChar char="•"/>
-                </a:pPr>
-                <a:r>
-                  <a:rPr lang="sk-SK" dirty="0" smtClean="0"/>
-                  <a:t>Za jednotlivé stupne derivácii dosadíme mocniny komplexnej premennej </a:t>
-                </a:r>
-                <a:r>
-                  <a:rPr lang="sk-SK" i="1" dirty="0" smtClean="0"/>
-                  <a:t>s</a:t>
-                </a:r>
-              </a:p>
-              <a:p>
-                <a:pPr>
-                  <a:buFont typeface="Arial" panose="020B0604020202020204" pitchFamily="34" charset="0"/>
-                  <a:buChar char="•"/>
-                </a:pPr>
-                <a:r>
-                  <a:rPr lang="sk-SK" dirty="0" smtClean="0"/>
-                  <a:t>Obraz vstupu systému bude všeobecne </a:t>
-                </a:r>
-                <a14:m>
-                  <m:oMath xmlns:m="http://schemas.openxmlformats.org/officeDocument/2006/math">
-                    <m:sSub>
-                      <m:sSubPr>
-                        <m:ctrlPr>
-                          <a:rPr lang="sk-SK" i="1">
-                            <a:latin typeface="Cambria Math" panose="02040503050406030204" pitchFamily="18" charset="0"/>
-                          </a:rPr>
-                        </m:ctrlPr>
-                      </m:sSubPr>
-                      <m:e>
-                        <m:r>
-                          <a:rPr lang="sk-SK" i="1">
-                            <a:latin typeface="Cambria Math" panose="02040503050406030204" pitchFamily="18" charset="0"/>
-                          </a:rPr>
-                          <m:t>𝐹</m:t>
-                        </m:r>
-                      </m:e>
-                      <m:sub>
-                        <m:r>
-                          <a:rPr lang="sk-SK" i="1">
-                            <a:latin typeface="Cambria Math" panose="02040503050406030204" pitchFamily="18" charset="0"/>
-                          </a:rPr>
-                          <m:t>𝑒𝑥</m:t>
-                        </m:r>
-                      </m:sub>
-                    </m:sSub>
-                    <m:r>
-                      <a:rPr lang="sk-SK" i="1">
-                        <a:latin typeface="Cambria Math" panose="02040503050406030204" pitchFamily="18" charset="0"/>
-                      </a:rPr>
-                      <m:t>(</m:t>
-                    </m:r>
-                    <m:r>
-                      <a:rPr lang="sk-SK" i="1">
-                        <a:latin typeface="Cambria Math" panose="02040503050406030204" pitchFamily="18" charset="0"/>
-                      </a:rPr>
-                      <m:t>𝑠</m:t>
-                    </m:r>
-                    <m:r>
-                      <a:rPr lang="sk-SK" i="1">
-                        <a:latin typeface="Cambria Math" panose="02040503050406030204" pitchFamily="18" charset="0"/>
-                      </a:rPr>
-                      <m:t>)</m:t>
-                    </m:r>
-                  </m:oMath>
-                </a14:m>
-                <a:r>
-                  <a:rPr lang="sk-SK" dirty="0" smtClean="0"/>
-                  <a:t> a obraz výstupu </a:t>
-                </a:r>
-                <a14:m>
-                  <m:oMath xmlns:m="http://schemas.openxmlformats.org/officeDocument/2006/math">
-                    <m:r>
-                      <a:rPr lang="sk-SK" i="1">
-                        <a:latin typeface="Cambria Math" panose="02040503050406030204" pitchFamily="18" charset="0"/>
-                      </a:rPr>
-                      <m:t>𝑥</m:t>
-                    </m:r>
-                    <m:r>
-                      <a:rPr lang="sk-SK" i="1">
-                        <a:latin typeface="Cambria Math" panose="02040503050406030204" pitchFamily="18" charset="0"/>
-                      </a:rPr>
-                      <m:t>(</m:t>
-                    </m:r>
-                    <m:r>
-                      <a:rPr lang="sk-SK" i="1">
-                        <a:latin typeface="Cambria Math" panose="02040503050406030204" pitchFamily="18" charset="0"/>
-                      </a:rPr>
-                      <m:t>𝑠</m:t>
-                    </m:r>
-                    <m:r>
-                      <a:rPr lang="sk-SK" i="1">
-                        <a:latin typeface="Cambria Math" panose="02040503050406030204" pitchFamily="18" charset="0"/>
-                      </a:rPr>
-                      <m:t>)</m:t>
-                    </m:r>
-                  </m:oMath>
-                </a14:m>
-                <a:endParaRPr lang="sk-SK" dirty="0" smtClean="0"/>
-              </a:p>
-              <a:p>
-                <a:pPr>
-                  <a:buFont typeface="Arial" panose="020B0604020202020204" pitchFamily="34" charset="0"/>
-                  <a:buChar char="•"/>
-                </a:pPr>
-                <a:endParaRPr lang="sk-SK" dirty="0" smtClean="0"/>
-              </a:p>
-              <a:p>
-                <a:pPr marL="0" indent="0">
-                  <a:buNone/>
-                </a:pPr>
-                <a14:m>
-                  <m:oMathPara xmlns:m="http://schemas.openxmlformats.org/officeDocument/2006/math">
-                    <m:oMathParaPr>
-                      <m:jc m:val="centerGroup"/>
-                    </m:oMathParaPr>
-                    <m:oMath xmlns:m="http://schemas.openxmlformats.org/officeDocument/2006/math">
-                      <m:sSup>
-                        <m:sSupPr>
-                          <m:ctrlPr>
-                            <a:rPr lang="sk-SK" b="0" i="1" smtClean="0">
-                              <a:latin typeface="Cambria Math" panose="02040503050406030204" pitchFamily="18" charset="0"/>
-                            </a:rPr>
-                          </m:ctrlPr>
-                        </m:sSupPr>
-                        <m:e>
-                          <m:r>
-                            <a:rPr lang="sk-SK" b="0" i="1" smtClean="0">
-                              <a:latin typeface="Cambria Math" panose="02040503050406030204" pitchFamily="18" charset="0"/>
-                            </a:rPr>
-                            <m:t>𝑠</m:t>
-                          </m:r>
-                        </m:e>
-                        <m:sup>
-                          <m:r>
-                            <a:rPr lang="sk-SK" b="0" i="1" smtClean="0">
-                              <a:latin typeface="Cambria Math" panose="02040503050406030204" pitchFamily="18" charset="0"/>
-                            </a:rPr>
-                            <m:t>2</m:t>
-                          </m:r>
-                        </m:sup>
-                      </m:sSup>
-                      <m:sSub>
-                        <m:sSubPr>
-                          <m:ctrlPr>
-                            <a:rPr lang="sk-SK" b="0" i="1" smtClean="0">
-                              <a:latin typeface="Cambria Math" panose="02040503050406030204" pitchFamily="18" charset="0"/>
-                            </a:rPr>
-                          </m:ctrlPr>
-                        </m:sSubPr>
-                        <m:e>
-                          <m:r>
-                            <a:rPr lang="sk-SK" b="0" i="1" smtClean="0">
-                              <a:latin typeface="Cambria Math" panose="02040503050406030204" pitchFamily="18" charset="0"/>
-                            </a:rPr>
-                            <m:t>𝑥</m:t>
-                          </m:r>
-                        </m:e>
-                        <m:sub>
-                          <m:r>
-                            <a:rPr lang="sk-SK" b="0" i="1" smtClean="0">
-                              <a:latin typeface="Cambria Math" panose="02040503050406030204" pitchFamily="18" charset="0"/>
-                            </a:rPr>
-                            <m:t>(</m:t>
-                          </m:r>
-                          <m:r>
-                            <a:rPr lang="sk-SK" b="0" i="1" smtClean="0">
-                              <a:latin typeface="Cambria Math" panose="02040503050406030204" pitchFamily="18" charset="0"/>
-                            </a:rPr>
-                            <m:t>𝑠</m:t>
-                          </m:r>
-                          <m:r>
-                            <a:rPr lang="sk-SK" b="0" i="1" smtClean="0">
-                              <a:latin typeface="Cambria Math" panose="02040503050406030204" pitchFamily="18" charset="0"/>
-                            </a:rPr>
-                            <m:t>)</m:t>
-                          </m:r>
-                        </m:sub>
-                      </m:sSub>
-                      <m:r>
-                        <a:rPr lang="sk-SK" i="1">
-                          <a:latin typeface="Cambria Math" panose="02040503050406030204" pitchFamily="18" charset="0"/>
-                        </a:rPr>
-                        <m:t>+</m:t>
-                      </m:r>
-                      <m:f>
-                        <m:fPr>
-                          <m:ctrlPr>
-                            <a:rPr lang="sk-SK" i="1">
-                              <a:latin typeface="Cambria Math" panose="02040503050406030204" pitchFamily="18" charset="0"/>
-                            </a:rPr>
-                          </m:ctrlPr>
-                        </m:fPr>
-                        <m:num>
-                          <m:r>
-                            <a:rPr lang="sk-SK" i="1">
-                              <a:latin typeface="Cambria Math" panose="02040503050406030204" pitchFamily="18" charset="0"/>
-                            </a:rPr>
-                            <m:t>𝑏</m:t>
-                          </m:r>
-                        </m:num>
-                        <m:den>
-                          <m:r>
-                            <a:rPr lang="sk-SK" i="1">
-                              <a:latin typeface="Cambria Math" panose="02040503050406030204" pitchFamily="18" charset="0"/>
-                            </a:rPr>
-                            <m:t>𝑚</m:t>
-                          </m:r>
-                        </m:den>
-                      </m:f>
-                      <m:r>
-                        <a:rPr lang="sk-SK" b="0" i="1" smtClean="0">
-                          <a:latin typeface="Cambria Math" panose="02040503050406030204" pitchFamily="18" charset="0"/>
-                        </a:rPr>
-                        <m:t>𝑠</m:t>
-                      </m:r>
-                      <m:sSub>
-                        <m:sSubPr>
-                          <m:ctrlPr>
-                            <a:rPr lang="sk-SK" i="1">
-                              <a:latin typeface="Cambria Math" panose="02040503050406030204" pitchFamily="18" charset="0"/>
-                            </a:rPr>
-                          </m:ctrlPr>
-                        </m:sSubPr>
-                        <m:e>
-                          <m:r>
-                            <a:rPr lang="sk-SK" i="1">
-                              <a:latin typeface="Cambria Math" panose="02040503050406030204" pitchFamily="18" charset="0"/>
-                            </a:rPr>
-                            <m:t>𝑥</m:t>
-                          </m:r>
-                        </m:e>
-                        <m:sub>
-                          <m:r>
-                            <a:rPr lang="sk-SK" i="1">
-                              <a:latin typeface="Cambria Math" panose="02040503050406030204" pitchFamily="18" charset="0"/>
-                            </a:rPr>
-                            <m:t>(</m:t>
-                          </m:r>
-                          <m:r>
-                            <a:rPr lang="sk-SK" i="1">
-                              <a:latin typeface="Cambria Math" panose="02040503050406030204" pitchFamily="18" charset="0"/>
-                            </a:rPr>
-                            <m:t>𝑠</m:t>
-                          </m:r>
-                          <m:r>
-                            <a:rPr lang="sk-SK" i="1">
-                              <a:latin typeface="Cambria Math" panose="02040503050406030204" pitchFamily="18" charset="0"/>
-                            </a:rPr>
-                            <m:t>)</m:t>
-                          </m:r>
-                        </m:sub>
-                      </m:sSub>
-                      <m:r>
-                        <a:rPr lang="sk-SK" i="1">
-                          <a:latin typeface="Cambria Math" panose="02040503050406030204" pitchFamily="18" charset="0"/>
-                        </a:rPr>
-                        <m:t>+</m:t>
-                      </m:r>
-                      <m:f>
-                        <m:fPr>
-                          <m:ctrlPr>
-                            <a:rPr lang="sk-SK" i="1">
-                              <a:latin typeface="Cambria Math" panose="02040503050406030204" pitchFamily="18" charset="0"/>
-                            </a:rPr>
-                          </m:ctrlPr>
-                        </m:fPr>
-                        <m:num>
-                          <m:r>
-                            <a:rPr lang="sk-SK" i="1">
-                              <a:latin typeface="Cambria Math" panose="02040503050406030204" pitchFamily="18" charset="0"/>
-                            </a:rPr>
-                            <m:t>𝑘</m:t>
-                          </m:r>
-                        </m:num>
-                        <m:den>
-                          <m:r>
-                            <a:rPr lang="sk-SK" i="1">
-                              <a:latin typeface="Cambria Math" panose="02040503050406030204" pitchFamily="18" charset="0"/>
-                            </a:rPr>
-                            <m:t>𝑚</m:t>
-                          </m:r>
-                        </m:den>
-                      </m:f>
-                      <m:sSub>
-                        <m:sSubPr>
-                          <m:ctrlPr>
-                            <a:rPr lang="sk-SK" i="1">
-                              <a:latin typeface="Cambria Math" panose="02040503050406030204" pitchFamily="18" charset="0"/>
-                            </a:rPr>
-                          </m:ctrlPr>
-                        </m:sSubPr>
-                        <m:e>
-                          <m:r>
-                            <a:rPr lang="sk-SK" i="1">
-                              <a:latin typeface="Cambria Math" panose="02040503050406030204" pitchFamily="18" charset="0"/>
-                            </a:rPr>
-                            <m:t>𝑥</m:t>
-                          </m:r>
-                        </m:e>
-                        <m:sub>
-                          <m:r>
-                            <a:rPr lang="sk-SK" i="1">
-                              <a:latin typeface="Cambria Math" panose="02040503050406030204" pitchFamily="18" charset="0"/>
-                            </a:rPr>
-                            <m:t>(</m:t>
-                          </m:r>
-                          <m:r>
-                            <a:rPr lang="sk-SK" i="1">
-                              <a:latin typeface="Cambria Math" panose="02040503050406030204" pitchFamily="18" charset="0"/>
-                            </a:rPr>
-                            <m:t>𝑠</m:t>
-                          </m:r>
-                          <m:r>
-                            <a:rPr lang="sk-SK" i="1">
-                              <a:latin typeface="Cambria Math" panose="02040503050406030204" pitchFamily="18" charset="0"/>
-                            </a:rPr>
-                            <m:t>)</m:t>
-                          </m:r>
-                        </m:sub>
-                      </m:sSub>
-                      <m:r>
-                        <a:rPr lang="sk-SK" i="1">
-                          <a:latin typeface="Cambria Math" panose="02040503050406030204" pitchFamily="18" charset="0"/>
-                        </a:rPr>
-                        <m:t>=</m:t>
-                      </m:r>
-                      <m:sSub>
-                        <m:sSubPr>
-                          <m:ctrlPr>
-                            <a:rPr lang="sk-SK" i="1" smtClean="0">
-                              <a:latin typeface="Cambria Math" panose="02040503050406030204" pitchFamily="18" charset="0"/>
-                            </a:rPr>
-                          </m:ctrlPr>
-                        </m:sSubPr>
-                        <m:e>
-                          <m:r>
-                            <a:rPr lang="sk-SK" i="1">
-                              <a:latin typeface="Cambria Math" panose="02040503050406030204" pitchFamily="18" charset="0"/>
-                            </a:rPr>
-                            <m:t>𝐹</m:t>
-                          </m:r>
-                        </m:e>
-                        <m:sub>
-                          <m:r>
-                            <a:rPr lang="sk-SK" i="1">
-                              <a:latin typeface="Cambria Math" panose="02040503050406030204" pitchFamily="18" charset="0"/>
-                            </a:rPr>
-                            <m:t>𝑒𝑥</m:t>
-                          </m:r>
-                        </m:sub>
-                      </m:sSub>
-                      <m:r>
-                        <a:rPr lang="sk-SK" b="0" i="1" smtClean="0">
-                          <a:latin typeface="Cambria Math" panose="02040503050406030204" pitchFamily="18" charset="0"/>
-                        </a:rPr>
-                        <m:t>(</m:t>
-                      </m:r>
-                      <m:r>
-                        <a:rPr lang="sk-SK" b="0" i="1" smtClean="0">
-                          <a:latin typeface="Cambria Math" panose="02040503050406030204" pitchFamily="18" charset="0"/>
-                        </a:rPr>
-                        <m:t>𝑠</m:t>
-                      </m:r>
-                      <m:r>
-                        <a:rPr lang="sk-SK" b="0" i="1" smtClean="0">
-                          <a:latin typeface="Cambria Math" panose="02040503050406030204" pitchFamily="18" charset="0"/>
-                        </a:rPr>
-                        <m:t>)</m:t>
-                      </m:r>
-                    </m:oMath>
-                  </m:oMathPara>
-                </a14:m>
-                <a:endParaRPr lang="sk-SK" dirty="0" smtClean="0"/>
-              </a:p>
-              <a:p>
-                <a:pPr>
-                  <a:buFont typeface="Arial" panose="020B0604020202020204" pitchFamily="34" charset="0"/>
-                  <a:buChar char="•"/>
-                </a:pPr>
-                <a:r>
-                  <a:rPr lang="sk-SK" dirty="0" smtClean="0"/>
-                  <a:t>Prenosová funkcia </a:t>
-                </a:r>
-                <a:r>
-                  <a:rPr lang="sk-SK" dirty="0" err="1" smtClean="0"/>
-                  <a:t>funkcia</a:t>
-                </a:r>
-                <a:r>
-                  <a:rPr lang="sk-SK" dirty="0" smtClean="0"/>
-                  <a:t> bude  pomer obrazu výchylky kyvadla ku budiacej sile</a:t>
-                </a:r>
-              </a:p>
-              <a:p>
-                <a:pPr>
-                  <a:buFont typeface="Arial" panose="020B0604020202020204" pitchFamily="34" charset="0"/>
-                  <a:buChar char="•"/>
-                </a:pPr>
-                <a:endParaRPr lang="sk-SK" dirty="0" smtClean="0"/>
-              </a:p>
-              <a:p>
-                <a:pPr marL="0" indent="0">
-                  <a:buNone/>
-                </a:pPr>
-                <a14:m>
-                  <m:oMathPara xmlns:m="http://schemas.openxmlformats.org/officeDocument/2006/math">
-                    <m:oMathParaPr>
-                      <m:jc m:val="centerGroup"/>
-                    </m:oMathParaPr>
-                    <m:oMath xmlns:m="http://schemas.openxmlformats.org/officeDocument/2006/math">
-                      <m:r>
-                        <a:rPr lang="sk-SK" b="0" i="1" smtClean="0">
-                          <a:latin typeface="Cambria Math" panose="02040503050406030204" pitchFamily="18" charset="0"/>
-                        </a:rPr>
-                        <m:t>𝐺</m:t>
-                      </m:r>
-                      <m:d>
-                        <m:dPr>
-                          <m:ctrlPr>
-                            <a:rPr lang="sk-SK" b="0" i="1" smtClean="0">
-                              <a:latin typeface="Cambria Math" panose="02040503050406030204" pitchFamily="18" charset="0"/>
-                            </a:rPr>
-                          </m:ctrlPr>
-                        </m:dPr>
-                        <m:e>
-                          <m:r>
-                            <a:rPr lang="sk-SK" b="0" i="1" smtClean="0">
-                              <a:latin typeface="Cambria Math" panose="02040503050406030204" pitchFamily="18" charset="0"/>
-                            </a:rPr>
-                            <m:t>𝑠</m:t>
-                          </m:r>
-                        </m:e>
-                      </m:d>
-                      <m:r>
-                        <a:rPr lang="sk-SK" b="0" i="1" smtClean="0">
-                          <a:latin typeface="Cambria Math" panose="02040503050406030204" pitchFamily="18" charset="0"/>
-                        </a:rPr>
-                        <m:t>=</m:t>
-                      </m:r>
-                      <m:f>
-                        <m:fPr>
-                          <m:ctrlPr>
-                            <a:rPr lang="sk-SK" i="1" smtClean="0">
-                              <a:latin typeface="Cambria Math" panose="02040503050406030204" pitchFamily="18" charset="0"/>
-                            </a:rPr>
-                          </m:ctrlPr>
-                        </m:fPr>
-                        <m:num>
-                          <m:r>
-                            <a:rPr lang="sk-SK" b="0" i="1" smtClean="0">
-                              <a:latin typeface="Cambria Math" panose="02040503050406030204" pitchFamily="18" charset="0"/>
-                            </a:rPr>
-                            <m:t>𝑥</m:t>
-                          </m:r>
-                          <m:r>
-                            <a:rPr lang="sk-SK" b="0" i="1" smtClean="0">
-                              <a:latin typeface="Cambria Math" panose="02040503050406030204" pitchFamily="18" charset="0"/>
-                            </a:rPr>
-                            <m:t>(</m:t>
-                          </m:r>
-                          <m:r>
-                            <a:rPr lang="sk-SK" b="0" i="1" smtClean="0">
-                              <a:latin typeface="Cambria Math" panose="02040503050406030204" pitchFamily="18" charset="0"/>
-                            </a:rPr>
-                            <m:t>𝑠</m:t>
-                          </m:r>
-                          <m:r>
-                            <a:rPr lang="sk-SK" b="0" i="1" smtClean="0">
-                              <a:latin typeface="Cambria Math" panose="02040503050406030204" pitchFamily="18" charset="0"/>
-                            </a:rPr>
-                            <m:t>)</m:t>
-                          </m:r>
-                        </m:num>
-                        <m:den>
-                          <m:sSub>
-                            <m:sSubPr>
-                              <m:ctrlPr>
-                                <a:rPr lang="sk-SK" i="1">
-                                  <a:latin typeface="Cambria Math" panose="02040503050406030204" pitchFamily="18" charset="0"/>
-                                </a:rPr>
-                              </m:ctrlPr>
-                            </m:sSubPr>
-                            <m:e>
-                              <m:r>
-                                <a:rPr lang="sk-SK" i="1">
-                                  <a:latin typeface="Cambria Math" panose="02040503050406030204" pitchFamily="18" charset="0"/>
-                                </a:rPr>
-                                <m:t>𝐹</m:t>
-                              </m:r>
-                            </m:e>
-                            <m:sub>
-                              <m:r>
-                                <a:rPr lang="sk-SK" i="1">
-                                  <a:latin typeface="Cambria Math" panose="02040503050406030204" pitchFamily="18" charset="0"/>
-                                </a:rPr>
-                                <m:t>𝑒𝑥</m:t>
-                              </m:r>
-                            </m:sub>
-                          </m:sSub>
-                          <m:r>
-                            <a:rPr lang="sk-SK" b="0" i="1" smtClean="0">
-                              <a:latin typeface="Cambria Math" panose="02040503050406030204" pitchFamily="18" charset="0"/>
-                            </a:rPr>
-                            <m:t>(</m:t>
-                          </m:r>
-                          <m:r>
-                            <a:rPr lang="sk-SK" b="0" i="1" smtClean="0">
-                              <a:latin typeface="Cambria Math" panose="02040503050406030204" pitchFamily="18" charset="0"/>
-                            </a:rPr>
-                            <m:t>𝑠</m:t>
-                          </m:r>
-                          <m:r>
-                            <a:rPr lang="sk-SK" b="0" i="1" smtClean="0">
-                              <a:latin typeface="Cambria Math" panose="02040503050406030204" pitchFamily="18" charset="0"/>
-                            </a:rPr>
-                            <m:t>)</m:t>
-                          </m:r>
-                        </m:den>
-                      </m:f>
-                    </m:oMath>
-                  </m:oMathPara>
-                </a14:m>
-                <a:endParaRPr lang="sk-SK" dirty="0" smtClean="0"/>
-              </a:p>
-              <a:p>
-                <a:pPr marL="0" indent="0">
-                  <a:buNone/>
-                </a:pPr>
-                <a:endParaRPr lang="sk-SK" dirty="0" smtClean="0"/>
-              </a:p>
-              <a:p>
-                <a:pPr marL="0" indent="0">
-                  <a:buNone/>
-                </a:pPr>
-                <a14:m>
-                  <m:oMathPara xmlns:m="http://schemas.openxmlformats.org/officeDocument/2006/math">
-                    <m:oMathParaPr>
-                      <m:jc m:val="centerGroup"/>
-                    </m:oMathParaPr>
-                    <m:oMath xmlns:m="http://schemas.openxmlformats.org/officeDocument/2006/math">
-                      <m:r>
-                        <a:rPr lang="sk-SK" i="1">
-                          <a:latin typeface="Cambria Math" panose="02040503050406030204" pitchFamily="18" charset="0"/>
-                        </a:rPr>
-                        <m:t>𝐺</m:t>
-                      </m:r>
-                      <m:d>
-                        <m:dPr>
-                          <m:ctrlPr>
-                            <a:rPr lang="sk-SK" i="1">
-                              <a:latin typeface="Cambria Math" panose="02040503050406030204" pitchFamily="18" charset="0"/>
-                            </a:rPr>
-                          </m:ctrlPr>
-                        </m:dPr>
-                        <m:e>
-                          <m:r>
-                            <a:rPr lang="sk-SK" i="1">
-                              <a:latin typeface="Cambria Math" panose="02040503050406030204" pitchFamily="18" charset="0"/>
-                            </a:rPr>
-                            <m:t>𝑠</m:t>
-                          </m:r>
-                        </m:e>
-                      </m:d>
-                      <m:r>
-                        <a:rPr lang="sk-SK" i="1">
-                          <a:latin typeface="Cambria Math" panose="02040503050406030204" pitchFamily="18" charset="0"/>
-                        </a:rPr>
-                        <m:t>=</m:t>
-                      </m:r>
-                      <m:f>
-                        <m:fPr>
-                          <m:ctrlPr>
-                            <a:rPr lang="sk-SK" i="1" smtClean="0">
-                              <a:latin typeface="Cambria Math" panose="02040503050406030204" pitchFamily="18" charset="0"/>
-                            </a:rPr>
-                          </m:ctrlPr>
-                        </m:fPr>
-                        <m:num>
-                          <m:f>
-                            <m:fPr>
-                              <m:ctrlPr>
-                                <a:rPr lang="sk-SK" i="1" smtClean="0">
-                                  <a:latin typeface="Cambria Math" panose="02040503050406030204" pitchFamily="18" charset="0"/>
-                                </a:rPr>
-                              </m:ctrlPr>
-                            </m:fPr>
-                            <m:num>
-                              <m:r>
-                                <a:rPr lang="sk-SK" b="0" i="1" smtClean="0">
-                                  <a:latin typeface="Cambria Math" panose="02040503050406030204" pitchFamily="18" charset="0"/>
-                                </a:rPr>
-                                <m:t>1</m:t>
-                              </m:r>
-                            </m:num>
-                            <m:den>
-                              <m:r>
-                                <a:rPr lang="sk-SK" b="0" i="1" smtClean="0">
-                                  <a:latin typeface="Cambria Math" panose="02040503050406030204" pitchFamily="18" charset="0"/>
-                                </a:rPr>
-                                <m:t>𝑚</m:t>
-                              </m:r>
-                            </m:den>
-                          </m:f>
-                        </m:num>
-                        <m:den>
-                          <m:sSup>
-                            <m:sSupPr>
-                              <m:ctrlPr>
-                                <a:rPr lang="sk-SK" i="1">
-                                  <a:latin typeface="Cambria Math" panose="02040503050406030204" pitchFamily="18" charset="0"/>
-                                </a:rPr>
-                              </m:ctrlPr>
-                            </m:sSupPr>
-                            <m:e>
-                              <m:r>
-                                <a:rPr lang="sk-SK" i="1">
-                                  <a:latin typeface="Cambria Math" panose="02040503050406030204" pitchFamily="18" charset="0"/>
-                                </a:rPr>
-                                <m:t>𝑠</m:t>
-                              </m:r>
-                            </m:e>
-                            <m:sup>
-                              <m:r>
-                                <a:rPr lang="sk-SK" i="1">
-                                  <a:latin typeface="Cambria Math" panose="02040503050406030204" pitchFamily="18" charset="0"/>
-                                </a:rPr>
-                                <m:t>2</m:t>
-                              </m:r>
-                            </m:sup>
-                          </m:sSup>
-                          <m:r>
-                            <a:rPr lang="sk-SK" b="0" i="1" smtClean="0">
-                              <a:latin typeface="Cambria Math" panose="02040503050406030204" pitchFamily="18" charset="0"/>
-                            </a:rPr>
-                            <m:t>+</m:t>
-                          </m:r>
-                          <m:f>
-                            <m:fPr>
-                              <m:ctrlPr>
-                                <a:rPr lang="sk-SK" i="1">
-                                  <a:latin typeface="Cambria Math" panose="02040503050406030204" pitchFamily="18" charset="0"/>
-                                </a:rPr>
-                              </m:ctrlPr>
-                            </m:fPr>
-                            <m:num>
-                              <m:r>
-                                <a:rPr lang="sk-SK" i="1">
-                                  <a:latin typeface="Cambria Math" panose="02040503050406030204" pitchFamily="18" charset="0"/>
-                                </a:rPr>
-                                <m:t>𝑏</m:t>
-                              </m:r>
-                            </m:num>
-                            <m:den>
-                              <m:r>
-                                <a:rPr lang="sk-SK" i="1">
-                                  <a:latin typeface="Cambria Math" panose="02040503050406030204" pitchFamily="18" charset="0"/>
-                                </a:rPr>
-                                <m:t>𝑚</m:t>
-                              </m:r>
-                            </m:den>
-                          </m:f>
-                          <m:r>
-                            <a:rPr lang="sk-SK" i="1">
-                              <a:latin typeface="Cambria Math" panose="02040503050406030204" pitchFamily="18" charset="0"/>
-                            </a:rPr>
-                            <m:t>𝑠</m:t>
-                          </m:r>
-                          <m:r>
-                            <a:rPr lang="sk-SK" b="0" i="1" smtClean="0">
-                              <a:latin typeface="Cambria Math" panose="02040503050406030204" pitchFamily="18" charset="0"/>
-                            </a:rPr>
-                            <m:t>+</m:t>
-                          </m:r>
-                          <m:f>
-                            <m:fPr>
-                              <m:ctrlPr>
-                                <a:rPr lang="sk-SK" i="1">
-                                  <a:latin typeface="Cambria Math" panose="02040503050406030204" pitchFamily="18" charset="0"/>
-                                </a:rPr>
-                              </m:ctrlPr>
-                            </m:fPr>
-                            <m:num>
-                              <m:r>
-                                <a:rPr lang="sk-SK" i="1">
-                                  <a:latin typeface="Cambria Math" panose="02040503050406030204" pitchFamily="18" charset="0"/>
-                                </a:rPr>
-                                <m:t>𝑘</m:t>
-                              </m:r>
-                            </m:num>
-                            <m:den>
-                              <m:r>
-                                <a:rPr lang="sk-SK" i="1">
-                                  <a:latin typeface="Cambria Math" panose="02040503050406030204" pitchFamily="18" charset="0"/>
-                                </a:rPr>
-                                <m:t>𝑚</m:t>
-                              </m:r>
-                            </m:den>
-                          </m:f>
-                        </m:den>
-                      </m:f>
-                    </m:oMath>
-                  </m:oMathPara>
-                </a14:m>
-                <a:endParaRPr lang="sk-SK" dirty="0" smtClean="0"/>
-              </a:p>
-              <a:p>
-                <a:pPr marL="0" indent="0">
-                  <a:buNone/>
-                </a:pPr>
-                <a:endParaRPr lang="sk-SK" dirty="0"/>
-              </a:p>
-              <a:p>
-                <a:pPr>
-                  <a:buFont typeface="Arial" panose="020B0604020202020204" pitchFamily="34" charset="0"/>
-                  <a:buChar char="•"/>
-                </a:pPr>
-                <a:endParaRPr lang="sk-SK" dirty="0" smtClean="0"/>
-              </a:p>
-              <a:p>
-                <a:pPr>
-                  <a:buFont typeface="Arial" panose="020B0604020202020204" pitchFamily="34" charset="0"/>
-                  <a:buChar char="•"/>
-                </a:pPr>
-                <a:endParaRPr lang="sk-SK" dirty="0"/>
-              </a:p>
-            </p:txBody>
-          </p:sp>
-        </mc:Choice>
-        <mc:Fallback xmlns="">
-          <p:sp>
-            <p:nvSpPr>
-              <p:cNvPr id="3" name="Zástupný symbol obsahu 2"/>
-              <p:cNvSpPr>
-                <a:spLocks noGrp="1" noRot="1" noChangeAspect="1" noMove="1" noResize="1" noEditPoints="1" noAdjustHandles="1" noChangeArrowheads="1" noChangeShapeType="1" noTextEdit="1"/>
-              </p:cNvSpPr>
-              <p:nvPr>
-                <p:ph idx="1"/>
-              </p:nvPr>
-            </p:nvSpPr>
-            <p:spPr>
-              <a:xfrm>
-                <a:off x="393699" y="1040445"/>
-                <a:ext cx="8593782" cy="5698105"/>
-              </a:xfrm>
-              <a:blipFill rotWithShape="0">
-                <a:blip r:embed="rId2"/>
-                <a:stretch>
-                  <a:fillRect l="-1348" t="-1392"/>
-                </a:stretch>
-              </a:blipFill>
-            </p:spPr>
-            <p:txBody>
-              <a:bodyPr/>
-              <a:lstStyle/>
-              <a:p>
-                <a:r>
-                  <a:rPr lang="sk-SK">
-                    <a:noFill/>
-                  </a:rPr>
-                  <a:t> </a:t>
-                </a:r>
-              </a:p>
-            </p:txBody>
-          </p:sp>
-        </mc:Fallback>
-      </mc:AlternateContent>
-    </p:spTree>
-    <p:extLst>
-      <p:ext uri="{BB962C8B-B14F-4D97-AF65-F5344CB8AC3E}">
-        <p14:creationId xmlns:p14="http://schemas.microsoft.com/office/powerpoint/2010/main" val="1380725408"/>
-      </p:ext>
-    </p:extLst>
-  </p:cSld>
-  <p:clrMapOvr>
-    <a:masterClrMapping/>
-  </p:clrMapOvr>
-</p:sld>
-</file>
-
 <file path=ppt/slides/slide5.xml><?xml version="1.0" encoding="utf-8"?>
 <p:sld xmlns:a="http://schemas.openxmlformats.org/drawingml/2006/main" xmlns:r="http://schemas.openxmlformats.org/officeDocument/2006/relationships" xmlns:p="http://schemas.openxmlformats.org/presentationml/2006/main">
   <p:cSld>
@@ -23004,6 +21906,1809 @@
           <a:lstStyle/>
           <a:p>
             <a:r>
+              <a:rPr lang="sk-SK" dirty="0" smtClean="0"/>
+              <a:t>Model harmonického oscilátora</a:t>
+            </a:r>
+            <a:endParaRPr lang="sk-SK" dirty="0"/>
+          </a:p>
+        </p:txBody>
+      </p:sp>
+      <mc:AlternateContent xmlns:mc="http://schemas.openxmlformats.org/markup-compatibility/2006" xmlns:a14="http://schemas.microsoft.com/office/drawing/2010/main">
+        <mc:Choice Requires="a14">
+          <p:sp>
+            <p:nvSpPr>
+              <p:cNvPr id="3" name="Zástupný symbol obsahu 2"/>
+              <p:cNvSpPr>
+                <a:spLocks noGrp="1"/>
+              </p:cNvSpPr>
+              <p:nvPr>
+                <p:ph idx="1"/>
+              </p:nvPr>
+            </p:nvSpPr>
+            <p:spPr/>
+            <p:txBody>
+              <a:bodyPr/>
+              <a:lstStyle/>
+              <a:p>
+                <a:pPr marL="0" indent="0">
+                  <a:buNone/>
+                </a:pPr>
+                <a:r>
+                  <a:rPr lang="sk-SK" dirty="0" smtClean="0"/>
+                  <a:t>Odvodíme diferenciálnu rovnicu oscilátora – </a:t>
+                </a:r>
+                <a:r>
+                  <a:rPr lang="sk-SK" dirty="0" err="1" smtClean="0"/>
+                  <a:t>superpozícia</a:t>
+                </a:r>
+                <a:r>
+                  <a:rPr lang="sk-SK" dirty="0" smtClean="0"/>
+                  <a:t> síl </a:t>
+                </a:r>
+              </a:p>
+              <a:p>
+                <a:pPr marL="0" indent="0">
+                  <a:buNone/>
+                </a:pPr>
+                <a14:m>
+                  <m:oMath xmlns:m="http://schemas.openxmlformats.org/officeDocument/2006/math">
+                    <m:sSub>
+                      <m:sSubPr>
+                        <m:ctrlPr>
+                          <a:rPr lang="sk-SK" i="1">
+                            <a:latin typeface="Cambria Math" panose="02040503050406030204" pitchFamily="18" charset="0"/>
+                          </a:rPr>
+                        </m:ctrlPr>
+                      </m:sSubPr>
+                      <m:e>
+                        <m:r>
+                          <a:rPr lang="sk-SK" i="1">
+                            <a:latin typeface="Cambria Math" panose="02040503050406030204" pitchFamily="18" charset="0"/>
+                          </a:rPr>
+                          <m:t>𝐹</m:t>
+                        </m:r>
+                      </m:e>
+                      <m:sub>
+                        <m:r>
+                          <a:rPr lang="sk-SK" i="1">
+                            <a:latin typeface="Cambria Math" panose="02040503050406030204" pitchFamily="18" charset="0"/>
+                          </a:rPr>
+                          <m:t>𝑑</m:t>
+                        </m:r>
+                      </m:sub>
+                    </m:sSub>
+                  </m:oMath>
+                </a14:m>
+                <a:r>
+                  <a:rPr lang="sk-SK" dirty="0" smtClean="0"/>
+                  <a:t> je „dynamická“ sila spôsobujúca zrýchlenie</a:t>
+                </a:r>
+              </a:p>
+              <a:p>
+                <a:pPr marL="0" indent="0">
+                  <a:buNone/>
+                </a:pPr>
+                <a14:m>
+                  <m:oMathPara xmlns:m="http://schemas.openxmlformats.org/officeDocument/2006/math">
+                    <m:oMathParaPr>
+                      <m:jc m:val="centerGroup"/>
+                    </m:oMathParaPr>
+                    <m:oMath xmlns:m="http://schemas.openxmlformats.org/officeDocument/2006/math">
+                      <m:sSub>
+                        <m:sSubPr>
+                          <m:ctrlPr>
+                            <a:rPr lang="sk-SK" i="1">
+                              <a:latin typeface="Cambria Math" panose="02040503050406030204" pitchFamily="18" charset="0"/>
+                            </a:rPr>
+                          </m:ctrlPr>
+                        </m:sSubPr>
+                        <m:e>
+                          <m:r>
+                            <a:rPr lang="sk-SK" i="1">
+                              <a:latin typeface="Cambria Math" panose="02040503050406030204" pitchFamily="18" charset="0"/>
+                            </a:rPr>
+                            <m:t>𝐹</m:t>
+                          </m:r>
+                        </m:e>
+                        <m:sub>
+                          <m:r>
+                            <a:rPr lang="sk-SK" i="1">
+                              <a:latin typeface="Cambria Math" panose="02040503050406030204" pitchFamily="18" charset="0"/>
+                            </a:rPr>
+                            <m:t>𝑝</m:t>
+                          </m:r>
+                        </m:sub>
+                      </m:sSub>
+                      <m:r>
+                        <a:rPr lang="sk-SK" b="0" i="1" smtClean="0">
+                          <a:latin typeface="Cambria Math" panose="02040503050406030204" pitchFamily="18" charset="0"/>
+                        </a:rPr>
+                        <m:t>+</m:t>
+                      </m:r>
+                      <m:sSub>
+                        <m:sSubPr>
+                          <m:ctrlPr>
+                            <a:rPr lang="sk-SK" i="1">
+                              <a:latin typeface="Cambria Math" panose="02040503050406030204" pitchFamily="18" charset="0"/>
+                            </a:rPr>
+                          </m:ctrlPr>
+                        </m:sSubPr>
+                        <m:e>
+                          <m:r>
+                            <a:rPr lang="sk-SK" i="1">
+                              <a:latin typeface="Cambria Math" panose="02040503050406030204" pitchFamily="18" charset="0"/>
+                            </a:rPr>
+                            <m:t>𝐹</m:t>
+                          </m:r>
+                        </m:e>
+                        <m:sub>
+                          <m:r>
+                            <a:rPr lang="sk-SK" i="1">
+                              <a:latin typeface="Cambria Math" panose="02040503050406030204" pitchFamily="18" charset="0"/>
+                            </a:rPr>
+                            <m:t>𝑡</m:t>
+                          </m:r>
+                        </m:sub>
+                      </m:sSub>
+                      <m:r>
+                        <a:rPr lang="sk-SK" b="0" i="1" smtClean="0">
+                          <a:latin typeface="Cambria Math" panose="02040503050406030204" pitchFamily="18" charset="0"/>
+                        </a:rPr>
+                        <m:t>=</m:t>
+                      </m:r>
+                      <m:sSub>
+                        <m:sSubPr>
+                          <m:ctrlPr>
+                            <a:rPr lang="sk-SK" i="1">
+                              <a:latin typeface="Cambria Math" panose="02040503050406030204" pitchFamily="18" charset="0"/>
+                            </a:rPr>
+                          </m:ctrlPr>
+                        </m:sSubPr>
+                        <m:e>
+                          <m:r>
+                            <a:rPr lang="sk-SK" i="1">
+                              <a:latin typeface="Cambria Math" panose="02040503050406030204" pitchFamily="18" charset="0"/>
+                            </a:rPr>
+                            <m:t>𝐹</m:t>
+                          </m:r>
+                        </m:e>
+                        <m:sub>
+                          <m:r>
+                            <a:rPr lang="sk-SK" i="1">
+                              <a:latin typeface="Cambria Math" panose="02040503050406030204" pitchFamily="18" charset="0"/>
+                            </a:rPr>
+                            <m:t>𝑑</m:t>
+                          </m:r>
+                        </m:sub>
+                      </m:sSub>
+                    </m:oMath>
+                  </m:oMathPara>
+                </a14:m>
+                <a:endParaRPr lang="sk-SK" dirty="0" smtClean="0"/>
+              </a:p>
+              <a:p>
+                <a:pPr marL="0" indent="0">
+                  <a:buNone/>
+                </a:pPr>
+                <a14:m>
+                  <m:oMathPara xmlns:m="http://schemas.openxmlformats.org/officeDocument/2006/math">
+                    <m:oMathParaPr>
+                      <m:jc m:val="centerGroup"/>
+                    </m:oMathParaPr>
+                    <m:oMath xmlns:m="http://schemas.openxmlformats.org/officeDocument/2006/math">
+                      <m:r>
+                        <a:rPr lang="sk-SK" i="1">
+                          <a:latin typeface="Cambria Math" panose="02040503050406030204" pitchFamily="18" charset="0"/>
+                        </a:rPr>
+                        <m:t>−</m:t>
+                      </m:r>
+                      <m:r>
+                        <a:rPr lang="sk-SK" i="1">
+                          <a:latin typeface="Cambria Math" panose="02040503050406030204" pitchFamily="18" charset="0"/>
+                        </a:rPr>
+                        <m:t>𝑘𝑥</m:t>
+                      </m:r>
+                      <m:r>
+                        <a:rPr lang="sk-SK" b="0" i="0" smtClean="0">
+                          <a:latin typeface="Cambria Math" panose="02040503050406030204" pitchFamily="18" charset="0"/>
+                        </a:rPr>
+                        <m:t>−</m:t>
+                      </m:r>
+                      <m:r>
+                        <a:rPr lang="sk-SK" b="0" i="1" smtClean="0">
+                          <a:latin typeface="Cambria Math" panose="02040503050406030204" pitchFamily="18" charset="0"/>
+                        </a:rPr>
+                        <m:t>𝑏𝑣</m:t>
+                      </m:r>
+                      <m:r>
+                        <a:rPr lang="sk-SK" b="0" i="1" smtClean="0">
+                          <a:latin typeface="Cambria Math" panose="02040503050406030204" pitchFamily="18" charset="0"/>
+                        </a:rPr>
+                        <m:t>=</m:t>
+                      </m:r>
+                      <m:r>
+                        <a:rPr lang="sk-SK" i="1">
+                          <a:latin typeface="Cambria Math" panose="02040503050406030204" pitchFamily="18" charset="0"/>
+                        </a:rPr>
+                        <m:t>𝑚𝑎</m:t>
+                      </m:r>
+                    </m:oMath>
+                  </m:oMathPara>
+                </a14:m>
+                <a:endParaRPr lang="sk-SK" dirty="0"/>
+              </a:p>
+              <a:p>
+                <a:pPr marL="0" indent="0">
+                  <a:buNone/>
+                </a:pPr>
+                <a14:m>
+                  <m:oMathPara xmlns:m="http://schemas.openxmlformats.org/officeDocument/2006/math">
+                    <m:oMathParaPr>
+                      <m:jc m:val="centerGroup"/>
+                    </m:oMathParaPr>
+                    <m:oMath xmlns:m="http://schemas.openxmlformats.org/officeDocument/2006/math">
+                      <m:r>
+                        <a:rPr lang="sk-SK" i="1">
+                          <a:latin typeface="Cambria Math" panose="02040503050406030204" pitchFamily="18" charset="0"/>
+                        </a:rPr>
+                        <m:t>𝑚𝑎</m:t>
+                      </m:r>
+                      <m:r>
+                        <a:rPr lang="sk-SK" b="0" i="1" smtClean="0">
+                          <a:latin typeface="Cambria Math" panose="02040503050406030204" pitchFamily="18" charset="0"/>
+                        </a:rPr>
+                        <m:t>+</m:t>
+                      </m:r>
+                      <m:r>
+                        <a:rPr lang="sk-SK" b="0" i="1" smtClean="0">
+                          <a:latin typeface="Cambria Math" panose="02040503050406030204" pitchFamily="18" charset="0"/>
+                        </a:rPr>
+                        <m:t>𝑏𝑣</m:t>
+                      </m:r>
+                      <m:r>
+                        <a:rPr lang="sk-SK" b="0" i="1" smtClean="0">
+                          <a:latin typeface="Cambria Math" panose="02040503050406030204" pitchFamily="18" charset="0"/>
+                        </a:rPr>
+                        <m:t>+</m:t>
+                      </m:r>
+                      <m:r>
+                        <a:rPr lang="sk-SK" b="0" i="1" smtClean="0">
+                          <a:latin typeface="Cambria Math" panose="02040503050406030204" pitchFamily="18" charset="0"/>
+                        </a:rPr>
+                        <m:t>𝑘𝑥</m:t>
+                      </m:r>
+                      <m:r>
+                        <a:rPr lang="sk-SK" b="0" i="1" smtClean="0">
+                          <a:latin typeface="Cambria Math" panose="02040503050406030204" pitchFamily="18" charset="0"/>
+                        </a:rPr>
+                        <m:t>=0</m:t>
+                      </m:r>
+                    </m:oMath>
+                  </m:oMathPara>
+                </a14:m>
+                <a:endParaRPr lang="sk-SK" dirty="0" smtClean="0"/>
+              </a:p>
+              <a:p>
+                <a:pPr marL="0" indent="0">
+                  <a:buNone/>
+                </a:pPr>
+                <a:r>
+                  <a:rPr lang="sk-SK" dirty="0" smtClean="0"/>
+                  <a:t>Rozpíšeme zrýchlenie a rýchlosť ako derivácie výchylky</a:t>
+                </a:r>
+              </a:p>
+              <a:p>
+                <a:pPr marL="0" indent="0">
+                  <a:lnSpc>
+                    <a:spcPct val="150000"/>
+                  </a:lnSpc>
+                  <a:buNone/>
+                </a:pPr>
+                <a14:m>
+                  <m:oMathPara xmlns:m="http://schemas.openxmlformats.org/officeDocument/2006/math">
+                    <m:oMathParaPr>
+                      <m:jc m:val="centerGroup"/>
+                    </m:oMathParaPr>
+                    <m:oMath xmlns:m="http://schemas.openxmlformats.org/officeDocument/2006/math">
+                      <m:r>
+                        <a:rPr lang="sk-SK" b="0" i="1" smtClean="0">
+                          <a:latin typeface="Cambria Math" panose="02040503050406030204" pitchFamily="18" charset="0"/>
+                        </a:rPr>
+                        <m:t>𝑣</m:t>
+                      </m:r>
+                      <m:r>
+                        <a:rPr lang="sk-SK" b="0" i="1" smtClean="0">
+                          <a:latin typeface="Cambria Math" panose="02040503050406030204" pitchFamily="18" charset="0"/>
+                        </a:rPr>
+                        <m:t>=</m:t>
+                      </m:r>
+                      <m:acc>
+                        <m:accPr>
+                          <m:chr m:val="̇"/>
+                          <m:ctrlPr>
+                            <a:rPr lang="sk-SK" i="1" smtClean="0">
+                              <a:latin typeface="Cambria Math" panose="02040503050406030204" pitchFamily="18" charset="0"/>
+                            </a:rPr>
+                          </m:ctrlPr>
+                        </m:accPr>
+                        <m:e>
+                          <m:r>
+                            <a:rPr lang="sk-SK" b="0" i="1" smtClean="0">
+                              <a:latin typeface="Cambria Math" panose="02040503050406030204" pitchFamily="18" charset="0"/>
+                            </a:rPr>
+                            <m:t>𝑥</m:t>
+                          </m:r>
+                        </m:e>
+                      </m:acc>
+                    </m:oMath>
+                  </m:oMathPara>
+                </a14:m>
+                <a:endParaRPr lang="sk-SK" dirty="0" smtClean="0"/>
+              </a:p>
+              <a:p>
+                <a:pPr marL="0" indent="0">
+                  <a:lnSpc>
+                    <a:spcPct val="150000"/>
+                  </a:lnSpc>
+                  <a:buNone/>
+                </a:pPr>
+                <a14:m>
+                  <m:oMathPara xmlns:m="http://schemas.openxmlformats.org/officeDocument/2006/math">
+                    <m:oMathParaPr>
+                      <m:jc m:val="centerGroup"/>
+                    </m:oMathParaPr>
+                    <m:oMath xmlns:m="http://schemas.openxmlformats.org/officeDocument/2006/math">
+                      <m:r>
+                        <a:rPr lang="sk-SK" b="0" i="1" smtClean="0">
+                          <a:latin typeface="Cambria Math" panose="02040503050406030204" pitchFamily="18" charset="0"/>
+                        </a:rPr>
+                        <m:t>𝑎</m:t>
+                      </m:r>
+                      <m:r>
+                        <a:rPr lang="sk-SK" b="0" i="1" smtClean="0">
+                          <a:latin typeface="Cambria Math" panose="02040503050406030204" pitchFamily="18" charset="0"/>
+                        </a:rPr>
+                        <m:t>=</m:t>
+                      </m:r>
+                      <m:acc>
+                        <m:accPr>
+                          <m:chr m:val="̈"/>
+                          <m:ctrlPr>
+                            <a:rPr lang="sk-SK" b="0" i="1" smtClean="0">
+                              <a:latin typeface="Cambria Math" panose="02040503050406030204" pitchFamily="18" charset="0"/>
+                            </a:rPr>
+                          </m:ctrlPr>
+                        </m:accPr>
+                        <m:e>
+                          <m:r>
+                            <a:rPr lang="sk-SK" b="0" i="1" smtClean="0">
+                              <a:latin typeface="Cambria Math" panose="02040503050406030204" pitchFamily="18" charset="0"/>
+                            </a:rPr>
+                            <m:t>𝑥</m:t>
+                          </m:r>
+                        </m:e>
+                      </m:acc>
+                    </m:oMath>
+                  </m:oMathPara>
+                </a14:m>
+                <a:endParaRPr lang="sk-SK" dirty="0"/>
+              </a:p>
+              <a:p>
+                <a:pPr marL="0" indent="0">
+                  <a:lnSpc>
+                    <a:spcPct val="150000"/>
+                  </a:lnSpc>
+                  <a:buNone/>
+                </a:pPr>
+                <a14:m>
+                  <m:oMathPara xmlns:m="http://schemas.openxmlformats.org/officeDocument/2006/math">
+                    <m:oMathParaPr>
+                      <m:jc m:val="centerGroup"/>
+                    </m:oMathParaPr>
+                    <m:oMath xmlns:m="http://schemas.openxmlformats.org/officeDocument/2006/math">
+                      <m:r>
+                        <a:rPr lang="sk-SK" i="1">
+                          <a:latin typeface="Cambria Math" panose="02040503050406030204" pitchFamily="18" charset="0"/>
+                        </a:rPr>
+                        <m:t>𝑚</m:t>
+                      </m:r>
+                      <m:acc>
+                        <m:accPr>
+                          <m:chr m:val="̈"/>
+                          <m:ctrlPr>
+                            <a:rPr lang="sk-SK" i="1">
+                              <a:latin typeface="Cambria Math" panose="02040503050406030204" pitchFamily="18" charset="0"/>
+                            </a:rPr>
+                          </m:ctrlPr>
+                        </m:accPr>
+                        <m:e>
+                          <m:r>
+                            <a:rPr lang="sk-SK" i="1">
+                              <a:latin typeface="Cambria Math" panose="02040503050406030204" pitchFamily="18" charset="0"/>
+                            </a:rPr>
+                            <m:t>𝑥</m:t>
+                          </m:r>
+                        </m:e>
+                      </m:acc>
+                      <m:r>
+                        <a:rPr lang="sk-SK" i="1">
+                          <a:latin typeface="Cambria Math" panose="02040503050406030204" pitchFamily="18" charset="0"/>
+                        </a:rPr>
+                        <m:t>+</m:t>
+                      </m:r>
+                      <m:r>
+                        <a:rPr lang="sk-SK" i="1">
+                          <a:latin typeface="Cambria Math" panose="02040503050406030204" pitchFamily="18" charset="0"/>
+                        </a:rPr>
+                        <m:t>𝑏</m:t>
+                      </m:r>
+                      <m:acc>
+                        <m:accPr>
+                          <m:chr m:val="̇"/>
+                          <m:ctrlPr>
+                            <a:rPr lang="sk-SK" i="1">
+                              <a:latin typeface="Cambria Math" panose="02040503050406030204" pitchFamily="18" charset="0"/>
+                            </a:rPr>
+                          </m:ctrlPr>
+                        </m:accPr>
+                        <m:e>
+                          <m:r>
+                            <a:rPr lang="sk-SK" i="1">
+                              <a:latin typeface="Cambria Math" panose="02040503050406030204" pitchFamily="18" charset="0"/>
+                            </a:rPr>
+                            <m:t>𝑥</m:t>
+                          </m:r>
+                        </m:e>
+                      </m:acc>
+                      <m:r>
+                        <a:rPr lang="sk-SK" i="1">
+                          <a:latin typeface="Cambria Math" panose="02040503050406030204" pitchFamily="18" charset="0"/>
+                        </a:rPr>
+                        <m:t>+</m:t>
+                      </m:r>
+                      <m:r>
+                        <a:rPr lang="sk-SK" i="1">
+                          <a:latin typeface="Cambria Math" panose="02040503050406030204" pitchFamily="18" charset="0"/>
+                        </a:rPr>
+                        <m:t>𝑘𝑥</m:t>
+                      </m:r>
+                      <m:r>
+                        <a:rPr lang="sk-SK" i="1">
+                          <a:latin typeface="Cambria Math" panose="02040503050406030204" pitchFamily="18" charset="0"/>
+                        </a:rPr>
+                        <m:t>=0</m:t>
+                      </m:r>
+                    </m:oMath>
+                  </m:oMathPara>
+                </a14:m>
+                <a:endParaRPr lang="sk-SK" dirty="0" smtClean="0"/>
+              </a:p>
+              <a:p>
+                <a:pPr marL="0" indent="0">
+                  <a:lnSpc>
+                    <a:spcPct val="150000"/>
+                  </a:lnSpc>
+                  <a:buNone/>
+                </a:pPr>
+                <a14:m>
+                  <m:oMathPara xmlns:m="http://schemas.openxmlformats.org/officeDocument/2006/math">
+                    <m:oMathParaPr>
+                      <m:jc m:val="centerGroup"/>
+                    </m:oMathParaPr>
+                    <m:oMath xmlns:m="http://schemas.openxmlformats.org/officeDocument/2006/math">
+                      <m:acc>
+                        <m:accPr>
+                          <m:chr m:val="̈"/>
+                          <m:ctrlPr>
+                            <a:rPr lang="sk-SK" i="1">
+                              <a:latin typeface="Cambria Math" panose="02040503050406030204" pitchFamily="18" charset="0"/>
+                            </a:rPr>
+                          </m:ctrlPr>
+                        </m:accPr>
+                        <m:e>
+                          <m:r>
+                            <a:rPr lang="sk-SK" i="1">
+                              <a:latin typeface="Cambria Math" panose="02040503050406030204" pitchFamily="18" charset="0"/>
+                            </a:rPr>
+                            <m:t>𝑥</m:t>
+                          </m:r>
+                        </m:e>
+                      </m:acc>
+                      <m:r>
+                        <a:rPr lang="sk-SK" i="1">
+                          <a:latin typeface="Cambria Math" panose="02040503050406030204" pitchFamily="18" charset="0"/>
+                        </a:rPr>
+                        <m:t>+</m:t>
+                      </m:r>
+                      <m:f>
+                        <m:fPr>
+                          <m:ctrlPr>
+                            <a:rPr lang="sk-SK" i="1" smtClean="0">
+                              <a:latin typeface="Cambria Math" panose="02040503050406030204" pitchFamily="18" charset="0"/>
+                            </a:rPr>
+                          </m:ctrlPr>
+                        </m:fPr>
+                        <m:num>
+                          <m:r>
+                            <a:rPr lang="sk-SK" b="0" i="1" smtClean="0">
+                              <a:latin typeface="Cambria Math" panose="02040503050406030204" pitchFamily="18" charset="0"/>
+                            </a:rPr>
+                            <m:t>𝑏</m:t>
+                          </m:r>
+                        </m:num>
+                        <m:den>
+                          <m:r>
+                            <a:rPr lang="sk-SK" b="0" i="1" smtClean="0">
+                              <a:latin typeface="Cambria Math" panose="02040503050406030204" pitchFamily="18" charset="0"/>
+                            </a:rPr>
+                            <m:t>𝑚</m:t>
+                          </m:r>
+                        </m:den>
+                      </m:f>
+                      <m:acc>
+                        <m:accPr>
+                          <m:chr m:val="̇"/>
+                          <m:ctrlPr>
+                            <a:rPr lang="sk-SK" i="1">
+                              <a:latin typeface="Cambria Math" panose="02040503050406030204" pitchFamily="18" charset="0"/>
+                            </a:rPr>
+                          </m:ctrlPr>
+                        </m:accPr>
+                        <m:e>
+                          <m:r>
+                            <a:rPr lang="sk-SK" i="1">
+                              <a:latin typeface="Cambria Math" panose="02040503050406030204" pitchFamily="18" charset="0"/>
+                            </a:rPr>
+                            <m:t>𝑥</m:t>
+                          </m:r>
+                        </m:e>
+                      </m:acc>
+                      <m:r>
+                        <a:rPr lang="sk-SK" i="1">
+                          <a:latin typeface="Cambria Math" panose="02040503050406030204" pitchFamily="18" charset="0"/>
+                        </a:rPr>
+                        <m:t>+</m:t>
+                      </m:r>
+                      <m:f>
+                        <m:fPr>
+                          <m:ctrlPr>
+                            <a:rPr lang="sk-SK" i="1" smtClean="0">
+                              <a:latin typeface="Cambria Math" panose="02040503050406030204" pitchFamily="18" charset="0"/>
+                            </a:rPr>
+                          </m:ctrlPr>
+                        </m:fPr>
+                        <m:num>
+                          <m:r>
+                            <a:rPr lang="sk-SK" b="0" i="1" smtClean="0">
+                              <a:latin typeface="Cambria Math" panose="02040503050406030204" pitchFamily="18" charset="0"/>
+                            </a:rPr>
+                            <m:t>𝑘</m:t>
+                          </m:r>
+                        </m:num>
+                        <m:den>
+                          <m:r>
+                            <a:rPr lang="sk-SK" b="0" i="1" smtClean="0">
+                              <a:latin typeface="Cambria Math" panose="02040503050406030204" pitchFamily="18" charset="0"/>
+                            </a:rPr>
+                            <m:t>𝑚</m:t>
+                          </m:r>
+                        </m:den>
+                      </m:f>
+                      <m:r>
+                        <a:rPr lang="sk-SK" i="1">
+                          <a:latin typeface="Cambria Math" panose="02040503050406030204" pitchFamily="18" charset="0"/>
+                        </a:rPr>
+                        <m:t>𝑥</m:t>
+                      </m:r>
+                      <m:r>
+                        <a:rPr lang="sk-SK" i="1">
+                          <a:latin typeface="Cambria Math" panose="02040503050406030204" pitchFamily="18" charset="0"/>
+                        </a:rPr>
+                        <m:t>=0</m:t>
+                      </m:r>
+                    </m:oMath>
+                  </m:oMathPara>
+                </a14:m>
+                <a:endParaRPr lang="sk-SK" dirty="0" smtClean="0"/>
+              </a:p>
+              <a:p>
+                <a:pPr marL="0" indent="0">
+                  <a:buNone/>
+                </a:pPr>
+                <a:r>
+                  <a:rPr lang="sk-SK" dirty="0" smtClean="0"/>
+                  <a:t>Je lineárnou diferenciálnou rovnicou druhého rádu</a:t>
+                </a:r>
+              </a:p>
+              <a:p>
+                <a:pPr marL="0" indent="0">
+                  <a:buNone/>
+                </a:pPr>
+                <a:endParaRPr lang="sk-SK" dirty="0"/>
+              </a:p>
+              <a:p>
+                <a:endParaRPr lang="sk-SK" dirty="0"/>
+              </a:p>
+            </p:txBody>
+          </p:sp>
+        </mc:Choice>
+        <mc:Fallback xmlns="">
+          <p:sp>
+            <p:nvSpPr>
+              <p:cNvPr id="3" name="Zástupný symbol obsahu 2"/>
+              <p:cNvSpPr>
+                <a:spLocks noGrp="1" noRot="1" noChangeAspect="1" noMove="1" noResize="1" noEditPoints="1" noAdjustHandles="1" noChangeArrowheads="1" noChangeShapeType="1" noTextEdit="1"/>
+              </p:cNvSpPr>
+              <p:nvPr>
+                <p:ph idx="1"/>
+              </p:nvPr>
+            </p:nvSpPr>
+            <p:spPr>
+              <a:blipFill rotWithShape="0">
+                <a:blip r:embed="rId2"/>
+                <a:stretch>
+                  <a:fillRect l="-1898" t="-1291"/>
+                </a:stretch>
+              </a:blipFill>
+            </p:spPr>
+            <p:txBody>
+              <a:bodyPr/>
+              <a:lstStyle/>
+              <a:p>
+                <a:r>
+                  <a:rPr lang="sk-SK">
+                    <a:noFill/>
+                  </a:rPr>
+                  <a:t> </a:t>
+                </a:r>
+              </a:p>
+            </p:txBody>
+          </p:sp>
+        </mc:Fallback>
+      </mc:AlternateContent>
+    </p:spTree>
+    <p:extLst>
+      <p:ext uri="{BB962C8B-B14F-4D97-AF65-F5344CB8AC3E}">
+        <p14:creationId xmlns:p14="http://schemas.microsoft.com/office/powerpoint/2010/main" val="2348839446"/>
+      </p:ext>
+    </p:extLst>
+  </p:cSld>
+  <p:clrMapOvr>
+    <a:masterClrMapping/>
+  </p:clrMapOvr>
+</p:sld>
+</file>
+
+<file path=ppt/slides/slide51.xml><?xml version="1.0" encoding="utf-8"?>
+<p:sld xmlns:a="http://schemas.openxmlformats.org/drawingml/2006/main" xmlns:r="http://schemas.openxmlformats.org/officeDocument/2006/relationships" xmlns:p="http://schemas.openxmlformats.org/presentationml/2006/main">
+  <p:cSld>
+    <p:spTree>
+      <p:nvGrpSpPr>
+        <p:cNvPr id="1" name=""/>
+        <p:cNvGrpSpPr/>
+        <p:nvPr/>
+      </p:nvGrpSpPr>
+      <p:grpSpPr>
+        <a:xfrm>
+          <a:off x="0" y="0"/>
+          <a:ext cx="0" cy="0"/>
+          <a:chOff x="0" y="0"/>
+          <a:chExt cx="0" cy="0"/>
+        </a:xfrm>
+      </p:grpSpPr>
+      <p:sp>
+        <p:nvSpPr>
+          <p:cNvPr id="2" name="Nadpis 1"/>
+          <p:cNvSpPr>
+            <a:spLocks noGrp="1"/>
+          </p:cNvSpPr>
+          <p:nvPr>
+            <p:ph type="title"/>
+          </p:nvPr>
+        </p:nvSpPr>
+        <p:spPr/>
+        <p:txBody>
+          <a:bodyPr/>
+          <a:lstStyle/>
+          <a:p>
+            <a:r>
+              <a:rPr lang="sk-SK" dirty="0" smtClean="0"/>
+              <a:t>Budený harmonický oscilátor</a:t>
+            </a:r>
+            <a:endParaRPr lang="sk-SK" dirty="0"/>
+          </a:p>
+        </p:txBody>
+      </p:sp>
+      <mc:AlternateContent xmlns:mc="http://schemas.openxmlformats.org/markup-compatibility/2006" xmlns:a14="http://schemas.microsoft.com/office/drawing/2010/main">
+        <mc:Choice Requires="a14">
+          <p:sp>
+            <p:nvSpPr>
+              <p:cNvPr id="3" name="Zástupný symbol obsahu 2"/>
+              <p:cNvSpPr>
+                <a:spLocks noGrp="1"/>
+              </p:cNvSpPr>
+              <p:nvPr>
+                <p:ph idx="1"/>
+              </p:nvPr>
+            </p:nvSpPr>
+            <p:spPr>
+              <a:xfrm>
+                <a:off x="393699" y="1040445"/>
+                <a:ext cx="8593782" cy="5698105"/>
+              </a:xfrm>
+            </p:spPr>
+            <p:txBody>
+              <a:bodyPr>
+                <a:normAutofit fontScale="77500" lnSpcReduction="20000"/>
+              </a:bodyPr>
+              <a:lstStyle/>
+              <a:p>
+                <a:pPr>
+                  <a:buFont typeface="Arial" panose="020B0604020202020204" pitchFamily="34" charset="0"/>
+                  <a:buChar char="•"/>
+                </a:pPr>
+                <a:r>
+                  <a:rPr lang="sk-SK" dirty="0" smtClean="0"/>
+                  <a:t>Uvažujme že na oscilátor vieme pôsobiť externou budiacou silou </a:t>
+                </a:r>
+                <a14:m>
+                  <m:oMath xmlns:m="http://schemas.openxmlformats.org/officeDocument/2006/math">
+                    <m:sSub>
+                      <m:sSubPr>
+                        <m:ctrlPr>
+                          <a:rPr lang="sk-SK" i="1">
+                            <a:latin typeface="Cambria Math" panose="02040503050406030204" pitchFamily="18" charset="0"/>
+                          </a:rPr>
+                        </m:ctrlPr>
+                      </m:sSubPr>
+                      <m:e>
+                        <m:r>
+                          <a:rPr lang="sk-SK" i="1">
+                            <a:latin typeface="Cambria Math" panose="02040503050406030204" pitchFamily="18" charset="0"/>
+                          </a:rPr>
+                          <m:t>𝐹</m:t>
+                        </m:r>
+                      </m:e>
+                      <m:sub>
+                        <m:r>
+                          <a:rPr lang="sk-SK" b="0" i="1" smtClean="0">
+                            <a:latin typeface="Cambria Math" panose="02040503050406030204" pitchFamily="18" charset="0"/>
+                          </a:rPr>
+                          <m:t>𝑒𝑥</m:t>
+                        </m:r>
+                      </m:sub>
+                    </m:sSub>
+                  </m:oMath>
+                </a14:m>
+                <a:r>
+                  <a:rPr lang="sk-SK" dirty="0" smtClean="0"/>
+                  <a:t> </a:t>
+                </a:r>
+                <a:endParaRPr lang="sk-SK" dirty="0"/>
+              </a:p>
+              <a:p>
+                <a:pPr>
+                  <a:buFont typeface="Arial" panose="020B0604020202020204" pitchFamily="34" charset="0"/>
+                  <a:buChar char="•"/>
+                </a:pPr>
+                <a:r>
+                  <a:rPr lang="sk-SK" dirty="0" smtClean="0"/>
+                  <a:t>Túto silu považujme za vstup do systému</a:t>
+                </a:r>
+              </a:p>
+              <a:p>
+                <a:pPr>
+                  <a:buFont typeface="Arial" panose="020B0604020202020204" pitchFamily="34" charset="0"/>
+                  <a:buChar char="•"/>
+                </a:pPr>
+                <a:r>
+                  <a:rPr lang="sk-SK" dirty="0" smtClean="0"/>
+                  <a:t>Diferenciálna oscilátora rovnica potom prejde do tvaru:</a:t>
+                </a:r>
+              </a:p>
+              <a:p>
+                <a:pPr marL="0" indent="0">
+                  <a:buNone/>
+                </a:pPr>
+                <a14:m>
+                  <m:oMathPara xmlns:m="http://schemas.openxmlformats.org/officeDocument/2006/math">
+                    <m:oMathParaPr>
+                      <m:jc m:val="centerGroup"/>
+                    </m:oMathParaPr>
+                    <m:oMath xmlns:m="http://schemas.openxmlformats.org/officeDocument/2006/math">
+                      <m:acc>
+                        <m:accPr>
+                          <m:chr m:val="̈"/>
+                          <m:ctrlPr>
+                            <a:rPr lang="sk-SK" i="1">
+                              <a:latin typeface="Cambria Math" panose="02040503050406030204" pitchFamily="18" charset="0"/>
+                            </a:rPr>
+                          </m:ctrlPr>
+                        </m:accPr>
+                        <m:e>
+                          <m:r>
+                            <a:rPr lang="sk-SK" i="1">
+                              <a:latin typeface="Cambria Math" panose="02040503050406030204" pitchFamily="18" charset="0"/>
+                            </a:rPr>
+                            <m:t>𝑥</m:t>
+                          </m:r>
+                        </m:e>
+                      </m:acc>
+                      <m:r>
+                        <a:rPr lang="sk-SK" i="1">
+                          <a:latin typeface="Cambria Math" panose="02040503050406030204" pitchFamily="18" charset="0"/>
+                        </a:rPr>
+                        <m:t>+</m:t>
+                      </m:r>
+                      <m:f>
+                        <m:fPr>
+                          <m:ctrlPr>
+                            <a:rPr lang="sk-SK" i="1">
+                              <a:latin typeface="Cambria Math" panose="02040503050406030204" pitchFamily="18" charset="0"/>
+                            </a:rPr>
+                          </m:ctrlPr>
+                        </m:fPr>
+                        <m:num>
+                          <m:r>
+                            <a:rPr lang="sk-SK" i="1">
+                              <a:latin typeface="Cambria Math" panose="02040503050406030204" pitchFamily="18" charset="0"/>
+                            </a:rPr>
+                            <m:t>𝑏</m:t>
+                          </m:r>
+                        </m:num>
+                        <m:den>
+                          <m:r>
+                            <a:rPr lang="sk-SK" i="1">
+                              <a:latin typeface="Cambria Math" panose="02040503050406030204" pitchFamily="18" charset="0"/>
+                            </a:rPr>
+                            <m:t>𝑚</m:t>
+                          </m:r>
+                        </m:den>
+                      </m:f>
+                      <m:acc>
+                        <m:accPr>
+                          <m:chr m:val="̇"/>
+                          <m:ctrlPr>
+                            <a:rPr lang="sk-SK" i="1">
+                              <a:latin typeface="Cambria Math" panose="02040503050406030204" pitchFamily="18" charset="0"/>
+                            </a:rPr>
+                          </m:ctrlPr>
+                        </m:accPr>
+                        <m:e>
+                          <m:r>
+                            <a:rPr lang="sk-SK" i="1">
+                              <a:latin typeface="Cambria Math" panose="02040503050406030204" pitchFamily="18" charset="0"/>
+                            </a:rPr>
+                            <m:t>𝑥</m:t>
+                          </m:r>
+                        </m:e>
+                      </m:acc>
+                      <m:r>
+                        <a:rPr lang="sk-SK" i="1">
+                          <a:latin typeface="Cambria Math" panose="02040503050406030204" pitchFamily="18" charset="0"/>
+                        </a:rPr>
+                        <m:t>+</m:t>
+                      </m:r>
+                      <m:f>
+                        <m:fPr>
+                          <m:ctrlPr>
+                            <a:rPr lang="sk-SK" i="1">
+                              <a:latin typeface="Cambria Math" panose="02040503050406030204" pitchFamily="18" charset="0"/>
+                            </a:rPr>
+                          </m:ctrlPr>
+                        </m:fPr>
+                        <m:num>
+                          <m:r>
+                            <a:rPr lang="sk-SK" i="1">
+                              <a:latin typeface="Cambria Math" panose="02040503050406030204" pitchFamily="18" charset="0"/>
+                            </a:rPr>
+                            <m:t>𝑘</m:t>
+                          </m:r>
+                        </m:num>
+                        <m:den>
+                          <m:r>
+                            <a:rPr lang="sk-SK" i="1">
+                              <a:latin typeface="Cambria Math" panose="02040503050406030204" pitchFamily="18" charset="0"/>
+                            </a:rPr>
+                            <m:t>𝑚</m:t>
+                          </m:r>
+                        </m:den>
+                      </m:f>
+                      <m:r>
+                        <a:rPr lang="sk-SK" i="1">
+                          <a:latin typeface="Cambria Math" panose="02040503050406030204" pitchFamily="18" charset="0"/>
+                        </a:rPr>
+                        <m:t>𝑥</m:t>
+                      </m:r>
+                      <m:r>
+                        <a:rPr lang="sk-SK" i="1">
+                          <a:latin typeface="Cambria Math" panose="02040503050406030204" pitchFamily="18" charset="0"/>
+                        </a:rPr>
+                        <m:t>=</m:t>
+                      </m:r>
+                      <m:f>
+                        <m:fPr>
+                          <m:ctrlPr>
+                            <a:rPr lang="sk-SK" i="1" smtClean="0">
+                              <a:latin typeface="Cambria Math" panose="02040503050406030204" pitchFamily="18" charset="0"/>
+                            </a:rPr>
+                          </m:ctrlPr>
+                        </m:fPr>
+                        <m:num>
+                          <m:sSub>
+                            <m:sSubPr>
+                              <m:ctrlPr>
+                                <a:rPr lang="sk-SK" i="1">
+                                  <a:latin typeface="Cambria Math" panose="02040503050406030204" pitchFamily="18" charset="0"/>
+                                </a:rPr>
+                              </m:ctrlPr>
+                            </m:sSubPr>
+                            <m:e>
+                              <m:r>
+                                <a:rPr lang="sk-SK" i="1">
+                                  <a:latin typeface="Cambria Math" panose="02040503050406030204" pitchFamily="18" charset="0"/>
+                                </a:rPr>
+                                <m:t>𝐹</m:t>
+                              </m:r>
+                            </m:e>
+                            <m:sub>
+                              <m:r>
+                                <a:rPr lang="sk-SK" i="1">
+                                  <a:latin typeface="Cambria Math" panose="02040503050406030204" pitchFamily="18" charset="0"/>
+                                </a:rPr>
+                                <m:t>𝑒𝑥</m:t>
+                              </m:r>
+                            </m:sub>
+                          </m:sSub>
+                        </m:num>
+                        <m:den>
+                          <m:r>
+                            <a:rPr lang="sk-SK" b="0" i="1" smtClean="0">
+                              <a:latin typeface="Cambria Math" panose="02040503050406030204" pitchFamily="18" charset="0"/>
+                            </a:rPr>
+                            <m:t>𝑚</m:t>
+                          </m:r>
+                        </m:den>
+                      </m:f>
+                    </m:oMath>
+                  </m:oMathPara>
+                </a14:m>
+                <a:endParaRPr lang="sk-SK" dirty="0" smtClean="0"/>
+              </a:p>
+              <a:p>
+                <a:pPr>
+                  <a:buFont typeface="Arial" panose="020B0604020202020204" pitchFamily="34" charset="0"/>
+                  <a:buChar char="•"/>
+                </a:pPr>
+                <a:r>
+                  <a:rPr lang="sk-SK" dirty="0" smtClean="0"/>
+                  <a:t>Teraz vieme pomocou </a:t>
+                </a:r>
+                <a:r>
+                  <a:rPr lang="sk-SK" dirty="0" err="1" smtClean="0"/>
+                  <a:t>Laplaceovej</a:t>
+                </a:r>
+                <a:r>
+                  <a:rPr lang="sk-SK" dirty="0" smtClean="0"/>
+                  <a:t> transformácie odvodiť prenosovú funkciu systému</a:t>
+                </a:r>
+              </a:p>
+              <a:p>
+                <a:pPr>
+                  <a:buFont typeface="Arial" panose="020B0604020202020204" pitchFamily="34" charset="0"/>
+                  <a:buChar char="•"/>
+                </a:pPr>
+                <a:r>
+                  <a:rPr lang="sk-SK" dirty="0" smtClean="0"/>
+                  <a:t>Za jednotlivé stupne derivácii dosadíme mocniny komplexnej premennej </a:t>
+                </a:r>
+                <a:r>
+                  <a:rPr lang="sk-SK" i="1" dirty="0" smtClean="0"/>
+                  <a:t>s</a:t>
+                </a:r>
+              </a:p>
+              <a:p>
+                <a:pPr>
+                  <a:buFont typeface="Arial" panose="020B0604020202020204" pitchFamily="34" charset="0"/>
+                  <a:buChar char="•"/>
+                </a:pPr>
+                <a:r>
+                  <a:rPr lang="sk-SK" dirty="0" smtClean="0"/>
+                  <a:t>Obraz vstupu systému bude všeobecne </a:t>
+                </a:r>
+                <a14:m>
+                  <m:oMath xmlns:m="http://schemas.openxmlformats.org/officeDocument/2006/math">
+                    <m:sSub>
+                      <m:sSubPr>
+                        <m:ctrlPr>
+                          <a:rPr lang="sk-SK" i="1">
+                            <a:latin typeface="Cambria Math" panose="02040503050406030204" pitchFamily="18" charset="0"/>
+                          </a:rPr>
+                        </m:ctrlPr>
+                      </m:sSubPr>
+                      <m:e>
+                        <m:r>
+                          <a:rPr lang="sk-SK" i="1">
+                            <a:latin typeface="Cambria Math" panose="02040503050406030204" pitchFamily="18" charset="0"/>
+                          </a:rPr>
+                          <m:t>𝐹</m:t>
+                        </m:r>
+                      </m:e>
+                      <m:sub>
+                        <m:r>
+                          <a:rPr lang="sk-SK" i="1">
+                            <a:latin typeface="Cambria Math" panose="02040503050406030204" pitchFamily="18" charset="0"/>
+                          </a:rPr>
+                          <m:t>𝑒𝑥</m:t>
+                        </m:r>
+                      </m:sub>
+                    </m:sSub>
+                    <m:r>
+                      <a:rPr lang="sk-SK" i="1">
+                        <a:latin typeface="Cambria Math" panose="02040503050406030204" pitchFamily="18" charset="0"/>
+                      </a:rPr>
+                      <m:t>(</m:t>
+                    </m:r>
+                    <m:r>
+                      <a:rPr lang="sk-SK" i="1">
+                        <a:latin typeface="Cambria Math" panose="02040503050406030204" pitchFamily="18" charset="0"/>
+                      </a:rPr>
+                      <m:t>𝑠</m:t>
+                    </m:r>
+                    <m:r>
+                      <a:rPr lang="sk-SK" i="1">
+                        <a:latin typeface="Cambria Math" panose="02040503050406030204" pitchFamily="18" charset="0"/>
+                      </a:rPr>
+                      <m:t>)</m:t>
+                    </m:r>
+                  </m:oMath>
+                </a14:m>
+                <a:r>
+                  <a:rPr lang="sk-SK" dirty="0" smtClean="0"/>
+                  <a:t> a obraz výstupu </a:t>
+                </a:r>
+                <a14:m>
+                  <m:oMath xmlns:m="http://schemas.openxmlformats.org/officeDocument/2006/math">
+                    <m:r>
+                      <a:rPr lang="sk-SK" i="1">
+                        <a:latin typeface="Cambria Math" panose="02040503050406030204" pitchFamily="18" charset="0"/>
+                      </a:rPr>
+                      <m:t>𝑥</m:t>
+                    </m:r>
+                    <m:r>
+                      <a:rPr lang="sk-SK" i="1">
+                        <a:latin typeface="Cambria Math" panose="02040503050406030204" pitchFamily="18" charset="0"/>
+                      </a:rPr>
+                      <m:t>(</m:t>
+                    </m:r>
+                    <m:r>
+                      <a:rPr lang="sk-SK" i="1">
+                        <a:latin typeface="Cambria Math" panose="02040503050406030204" pitchFamily="18" charset="0"/>
+                      </a:rPr>
+                      <m:t>𝑠</m:t>
+                    </m:r>
+                    <m:r>
+                      <a:rPr lang="sk-SK" i="1">
+                        <a:latin typeface="Cambria Math" panose="02040503050406030204" pitchFamily="18" charset="0"/>
+                      </a:rPr>
+                      <m:t>)</m:t>
+                    </m:r>
+                  </m:oMath>
+                </a14:m>
+                <a:endParaRPr lang="sk-SK" dirty="0" smtClean="0"/>
+              </a:p>
+              <a:p>
+                <a:pPr>
+                  <a:buFont typeface="Arial" panose="020B0604020202020204" pitchFamily="34" charset="0"/>
+                  <a:buChar char="•"/>
+                </a:pPr>
+                <a:endParaRPr lang="sk-SK" dirty="0" smtClean="0"/>
+              </a:p>
+              <a:p>
+                <a:pPr marL="0" indent="0">
+                  <a:buNone/>
+                </a:pPr>
+                <a14:m>
+                  <m:oMathPara xmlns:m="http://schemas.openxmlformats.org/officeDocument/2006/math">
+                    <m:oMathParaPr>
+                      <m:jc m:val="centerGroup"/>
+                    </m:oMathParaPr>
+                    <m:oMath xmlns:m="http://schemas.openxmlformats.org/officeDocument/2006/math">
+                      <m:sSup>
+                        <m:sSupPr>
+                          <m:ctrlPr>
+                            <a:rPr lang="sk-SK" b="0" i="1" smtClean="0">
+                              <a:latin typeface="Cambria Math" panose="02040503050406030204" pitchFamily="18" charset="0"/>
+                            </a:rPr>
+                          </m:ctrlPr>
+                        </m:sSupPr>
+                        <m:e>
+                          <m:r>
+                            <a:rPr lang="sk-SK" b="0" i="1" smtClean="0">
+                              <a:latin typeface="Cambria Math" panose="02040503050406030204" pitchFamily="18" charset="0"/>
+                            </a:rPr>
+                            <m:t>𝑠</m:t>
+                          </m:r>
+                        </m:e>
+                        <m:sup>
+                          <m:r>
+                            <a:rPr lang="sk-SK" b="0" i="1" smtClean="0">
+                              <a:latin typeface="Cambria Math" panose="02040503050406030204" pitchFamily="18" charset="0"/>
+                            </a:rPr>
+                            <m:t>2</m:t>
+                          </m:r>
+                        </m:sup>
+                      </m:sSup>
+                      <m:sSub>
+                        <m:sSubPr>
+                          <m:ctrlPr>
+                            <a:rPr lang="sk-SK" b="0" i="1" smtClean="0">
+                              <a:latin typeface="Cambria Math" panose="02040503050406030204" pitchFamily="18" charset="0"/>
+                            </a:rPr>
+                          </m:ctrlPr>
+                        </m:sSubPr>
+                        <m:e>
+                          <m:r>
+                            <a:rPr lang="sk-SK" b="0" i="1" smtClean="0">
+                              <a:latin typeface="Cambria Math" panose="02040503050406030204" pitchFamily="18" charset="0"/>
+                            </a:rPr>
+                            <m:t>𝑥</m:t>
+                          </m:r>
+                        </m:e>
+                        <m:sub>
+                          <m:r>
+                            <a:rPr lang="sk-SK" b="0" i="1" smtClean="0">
+                              <a:latin typeface="Cambria Math" panose="02040503050406030204" pitchFamily="18" charset="0"/>
+                            </a:rPr>
+                            <m:t>(</m:t>
+                          </m:r>
+                          <m:r>
+                            <a:rPr lang="sk-SK" b="0" i="1" smtClean="0">
+                              <a:latin typeface="Cambria Math" panose="02040503050406030204" pitchFamily="18" charset="0"/>
+                            </a:rPr>
+                            <m:t>𝑠</m:t>
+                          </m:r>
+                          <m:r>
+                            <a:rPr lang="sk-SK" b="0" i="1" smtClean="0">
+                              <a:latin typeface="Cambria Math" panose="02040503050406030204" pitchFamily="18" charset="0"/>
+                            </a:rPr>
+                            <m:t>)</m:t>
+                          </m:r>
+                        </m:sub>
+                      </m:sSub>
+                      <m:r>
+                        <a:rPr lang="sk-SK" i="1">
+                          <a:latin typeface="Cambria Math" panose="02040503050406030204" pitchFamily="18" charset="0"/>
+                        </a:rPr>
+                        <m:t>+</m:t>
+                      </m:r>
+                      <m:f>
+                        <m:fPr>
+                          <m:ctrlPr>
+                            <a:rPr lang="sk-SK" i="1">
+                              <a:latin typeface="Cambria Math" panose="02040503050406030204" pitchFamily="18" charset="0"/>
+                            </a:rPr>
+                          </m:ctrlPr>
+                        </m:fPr>
+                        <m:num>
+                          <m:r>
+                            <a:rPr lang="sk-SK" i="1">
+                              <a:latin typeface="Cambria Math" panose="02040503050406030204" pitchFamily="18" charset="0"/>
+                            </a:rPr>
+                            <m:t>𝑏</m:t>
+                          </m:r>
+                        </m:num>
+                        <m:den>
+                          <m:r>
+                            <a:rPr lang="sk-SK" i="1">
+                              <a:latin typeface="Cambria Math" panose="02040503050406030204" pitchFamily="18" charset="0"/>
+                            </a:rPr>
+                            <m:t>𝑚</m:t>
+                          </m:r>
+                        </m:den>
+                      </m:f>
+                      <m:r>
+                        <a:rPr lang="sk-SK" b="0" i="1" smtClean="0">
+                          <a:latin typeface="Cambria Math" panose="02040503050406030204" pitchFamily="18" charset="0"/>
+                        </a:rPr>
+                        <m:t>𝑠</m:t>
+                      </m:r>
+                      <m:sSub>
+                        <m:sSubPr>
+                          <m:ctrlPr>
+                            <a:rPr lang="sk-SK" i="1">
+                              <a:latin typeface="Cambria Math" panose="02040503050406030204" pitchFamily="18" charset="0"/>
+                            </a:rPr>
+                          </m:ctrlPr>
+                        </m:sSubPr>
+                        <m:e>
+                          <m:r>
+                            <a:rPr lang="sk-SK" i="1">
+                              <a:latin typeface="Cambria Math" panose="02040503050406030204" pitchFamily="18" charset="0"/>
+                            </a:rPr>
+                            <m:t>𝑥</m:t>
+                          </m:r>
+                        </m:e>
+                        <m:sub>
+                          <m:r>
+                            <a:rPr lang="sk-SK" i="1">
+                              <a:latin typeface="Cambria Math" panose="02040503050406030204" pitchFamily="18" charset="0"/>
+                            </a:rPr>
+                            <m:t>(</m:t>
+                          </m:r>
+                          <m:r>
+                            <a:rPr lang="sk-SK" i="1">
+                              <a:latin typeface="Cambria Math" panose="02040503050406030204" pitchFamily="18" charset="0"/>
+                            </a:rPr>
+                            <m:t>𝑠</m:t>
+                          </m:r>
+                          <m:r>
+                            <a:rPr lang="sk-SK" i="1">
+                              <a:latin typeface="Cambria Math" panose="02040503050406030204" pitchFamily="18" charset="0"/>
+                            </a:rPr>
+                            <m:t>)</m:t>
+                          </m:r>
+                        </m:sub>
+                      </m:sSub>
+                      <m:r>
+                        <a:rPr lang="sk-SK" i="1">
+                          <a:latin typeface="Cambria Math" panose="02040503050406030204" pitchFamily="18" charset="0"/>
+                        </a:rPr>
+                        <m:t>+</m:t>
+                      </m:r>
+                      <m:f>
+                        <m:fPr>
+                          <m:ctrlPr>
+                            <a:rPr lang="sk-SK" i="1">
+                              <a:latin typeface="Cambria Math" panose="02040503050406030204" pitchFamily="18" charset="0"/>
+                            </a:rPr>
+                          </m:ctrlPr>
+                        </m:fPr>
+                        <m:num>
+                          <m:r>
+                            <a:rPr lang="sk-SK" i="1">
+                              <a:latin typeface="Cambria Math" panose="02040503050406030204" pitchFamily="18" charset="0"/>
+                            </a:rPr>
+                            <m:t>𝑘</m:t>
+                          </m:r>
+                        </m:num>
+                        <m:den>
+                          <m:r>
+                            <a:rPr lang="sk-SK" i="1">
+                              <a:latin typeface="Cambria Math" panose="02040503050406030204" pitchFamily="18" charset="0"/>
+                            </a:rPr>
+                            <m:t>𝑚</m:t>
+                          </m:r>
+                        </m:den>
+                      </m:f>
+                      <m:sSub>
+                        <m:sSubPr>
+                          <m:ctrlPr>
+                            <a:rPr lang="sk-SK" i="1">
+                              <a:latin typeface="Cambria Math" panose="02040503050406030204" pitchFamily="18" charset="0"/>
+                            </a:rPr>
+                          </m:ctrlPr>
+                        </m:sSubPr>
+                        <m:e>
+                          <m:r>
+                            <a:rPr lang="sk-SK" i="1">
+                              <a:latin typeface="Cambria Math" panose="02040503050406030204" pitchFamily="18" charset="0"/>
+                            </a:rPr>
+                            <m:t>𝑥</m:t>
+                          </m:r>
+                        </m:e>
+                        <m:sub>
+                          <m:r>
+                            <a:rPr lang="sk-SK" i="1">
+                              <a:latin typeface="Cambria Math" panose="02040503050406030204" pitchFamily="18" charset="0"/>
+                            </a:rPr>
+                            <m:t>(</m:t>
+                          </m:r>
+                          <m:r>
+                            <a:rPr lang="sk-SK" i="1">
+                              <a:latin typeface="Cambria Math" panose="02040503050406030204" pitchFamily="18" charset="0"/>
+                            </a:rPr>
+                            <m:t>𝑠</m:t>
+                          </m:r>
+                          <m:r>
+                            <a:rPr lang="sk-SK" i="1">
+                              <a:latin typeface="Cambria Math" panose="02040503050406030204" pitchFamily="18" charset="0"/>
+                            </a:rPr>
+                            <m:t>)</m:t>
+                          </m:r>
+                        </m:sub>
+                      </m:sSub>
+                      <m:r>
+                        <a:rPr lang="sk-SK" i="1">
+                          <a:latin typeface="Cambria Math" panose="02040503050406030204" pitchFamily="18" charset="0"/>
+                        </a:rPr>
+                        <m:t>=</m:t>
+                      </m:r>
+                      <m:sSub>
+                        <m:sSubPr>
+                          <m:ctrlPr>
+                            <a:rPr lang="sk-SK" i="1" smtClean="0">
+                              <a:latin typeface="Cambria Math" panose="02040503050406030204" pitchFamily="18" charset="0"/>
+                            </a:rPr>
+                          </m:ctrlPr>
+                        </m:sSubPr>
+                        <m:e>
+                          <m:r>
+                            <a:rPr lang="sk-SK" i="1">
+                              <a:latin typeface="Cambria Math" panose="02040503050406030204" pitchFamily="18" charset="0"/>
+                            </a:rPr>
+                            <m:t>𝐹</m:t>
+                          </m:r>
+                        </m:e>
+                        <m:sub>
+                          <m:r>
+                            <a:rPr lang="sk-SK" i="1">
+                              <a:latin typeface="Cambria Math" panose="02040503050406030204" pitchFamily="18" charset="0"/>
+                            </a:rPr>
+                            <m:t>𝑒𝑥</m:t>
+                          </m:r>
+                        </m:sub>
+                      </m:sSub>
+                      <m:r>
+                        <a:rPr lang="sk-SK" b="0" i="1" smtClean="0">
+                          <a:latin typeface="Cambria Math" panose="02040503050406030204" pitchFamily="18" charset="0"/>
+                        </a:rPr>
+                        <m:t>(</m:t>
+                      </m:r>
+                      <m:r>
+                        <a:rPr lang="sk-SK" b="0" i="1" smtClean="0">
+                          <a:latin typeface="Cambria Math" panose="02040503050406030204" pitchFamily="18" charset="0"/>
+                        </a:rPr>
+                        <m:t>𝑠</m:t>
+                      </m:r>
+                      <m:r>
+                        <a:rPr lang="sk-SK" b="0" i="1" smtClean="0">
+                          <a:latin typeface="Cambria Math" panose="02040503050406030204" pitchFamily="18" charset="0"/>
+                        </a:rPr>
+                        <m:t>)</m:t>
+                      </m:r>
+                    </m:oMath>
+                  </m:oMathPara>
+                </a14:m>
+                <a:endParaRPr lang="sk-SK" dirty="0" smtClean="0"/>
+              </a:p>
+              <a:p>
+                <a:pPr>
+                  <a:buFont typeface="Arial" panose="020B0604020202020204" pitchFamily="34" charset="0"/>
+                  <a:buChar char="•"/>
+                </a:pPr>
+                <a:r>
+                  <a:rPr lang="sk-SK" dirty="0" smtClean="0"/>
+                  <a:t>Prenosová funkcia </a:t>
+                </a:r>
+                <a:r>
+                  <a:rPr lang="sk-SK" dirty="0" err="1" smtClean="0"/>
+                  <a:t>funkcia</a:t>
+                </a:r>
+                <a:r>
+                  <a:rPr lang="sk-SK" dirty="0" smtClean="0"/>
+                  <a:t> bude  pomer obrazu výchylky kyvadla ku budiacej sile</a:t>
+                </a:r>
+              </a:p>
+              <a:p>
+                <a:pPr>
+                  <a:buFont typeface="Arial" panose="020B0604020202020204" pitchFamily="34" charset="0"/>
+                  <a:buChar char="•"/>
+                </a:pPr>
+                <a:endParaRPr lang="sk-SK" dirty="0" smtClean="0"/>
+              </a:p>
+              <a:p>
+                <a:pPr marL="0" indent="0">
+                  <a:buNone/>
+                </a:pPr>
+                <a14:m>
+                  <m:oMathPara xmlns:m="http://schemas.openxmlformats.org/officeDocument/2006/math">
+                    <m:oMathParaPr>
+                      <m:jc m:val="centerGroup"/>
+                    </m:oMathParaPr>
+                    <m:oMath xmlns:m="http://schemas.openxmlformats.org/officeDocument/2006/math">
+                      <m:r>
+                        <a:rPr lang="sk-SK" b="0" i="1" smtClean="0">
+                          <a:latin typeface="Cambria Math" panose="02040503050406030204" pitchFamily="18" charset="0"/>
+                        </a:rPr>
+                        <m:t>𝐺</m:t>
+                      </m:r>
+                      <m:d>
+                        <m:dPr>
+                          <m:ctrlPr>
+                            <a:rPr lang="sk-SK" b="0" i="1" smtClean="0">
+                              <a:latin typeface="Cambria Math" panose="02040503050406030204" pitchFamily="18" charset="0"/>
+                            </a:rPr>
+                          </m:ctrlPr>
+                        </m:dPr>
+                        <m:e>
+                          <m:r>
+                            <a:rPr lang="sk-SK" b="0" i="1" smtClean="0">
+                              <a:latin typeface="Cambria Math" panose="02040503050406030204" pitchFamily="18" charset="0"/>
+                            </a:rPr>
+                            <m:t>𝑠</m:t>
+                          </m:r>
+                        </m:e>
+                      </m:d>
+                      <m:r>
+                        <a:rPr lang="sk-SK" b="0" i="1" smtClean="0">
+                          <a:latin typeface="Cambria Math" panose="02040503050406030204" pitchFamily="18" charset="0"/>
+                        </a:rPr>
+                        <m:t>=</m:t>
+                      </m:r>
+                      <m:f>
+                        <m:fPr>
+                          <m:ctrlPr>
+                            <a:rPr lang="sk-SK" i="1" smtClean="0">
+                              <a:latin typeface="Cambria Math" panose="02040503050406030204" pitchFamily="18" charset="0"/>
+                            </a:rPr>
+                          </m:ctrlPr>
+                        </m:fPr>
+                        <m:num>
+                          <m:r>
+                            <a:rPr lang="sk-SK" b="0" i="1" smtClean="0">
+                              <a:latin typeface="Cambria Math" panose="02040503050406030204" pitchFamily="18" charset="0"/>
+                            </a:rPr>
+                            <m:t>𝑥</m:t>
+                          </m:r>
+                          <m:r>
+                            <a:rPr lang="sk-SK" b="0" i="1" smtClean="0">
+                              <a:latin typeface="Cambria Math" panose="02040503050406030204" pitchFamily="18" charset="0"/>
+                            </a:rPr>
+                            <m:t>(</m:t>
+                          </m:r>
+                          <m:r>
+                            <a:rPr lang="sk-SK" b="0" i="1" smtClean="0">
+                              <a:latin typeface="Cambria Math" panose="02040503050406030204" pitchFamily="18" charset="0"/>
+                            </a:rPr>
+                            <m:t>𝑠</m:t>
+                          </m:r>
+                          <m:r>
+                            <a:rPr lang="sk-SK" b="0" i="1" smtClean="0">
+                              <a:latin typeface="Cambria Math" panose="02040503050406030204" pitchFamily="18" charset="0"/>
+                            </a:rPr>
+                            <m:t>)</m:t>
+                          </m:r>
+                        </m:num>
+                        <m:den>
+                          <m:sSub>
+                            <m:sSubPr>
+                              <m:ctrlPr>
+                                <a:rPr lang="sk-SK" i="1">
+                                  <a:latin typeface="Cambria Math" panose="02040503050406030204" pitchFamily="18" charset="0"/>
+                                </a:rPr>
+                              </m:ctrlPr>
+                            </m:sSubPr>
+                            <m:e>
+                              <m:r>
+                                <a:rPr lang="sk-SK" i="1">
+                                  <a:latin typeface="Cambria Math" panose="02040503050406030204" pitchFamily="18" charset="0"/>
+                                </a:rPr>
+                                <m:t>𝐹</m:t>
+                              </m:r>
+                            </m:e>
+                            <m:sub>
+                              <m:r>
+                                <a:rPr lang="sk-SK" i="1">
+                                  <a:latin typeface="Cambria Math" panose="02040503050406030204" pitchFamily="18" charset="0"/>
+                                </a:rPr>
+                                <m:t>𝑒𝑥</m:t>
+                              </m:r>
+                            </m:sub>
+                          </m:sSub>
+                          <m:r>
+                            <a:rPr lang="sk-SK" b="0" i="1" smtClean="0">
+                              <a:latin typeface="Cambria Math" panose="02040503050406030204" pitchFamily="18" charset="0"/>
+                            </a:rPr>
+                            <m:t>(</m:t>
+                          </m:r>
+                          <m:r>
+                            <a:rPr lang="sk-SK" b="0" i="1" smtClean="0">
+                              <a:latin typeface="Cambria Math" panose="02040503050406030204" pitchFamily="18" charset="0"/>
+                            </a:rPr>
+                            <m:t>𝑠</m:t>
+                          </m:r>
+                          <m:r>
+                            <a:rPr lang="sk-SK" b="0" i="1" smtClean="0">
+                              <a:latin typeface="Cambria Math" panose="02040503050406030204" pitchFamily="18" charset="0"/>
+                            </a:rPr>
+                            <m:t>)</m:t>
+                          </m:r>
+                        </m:den>
+                      </m:f>
+                    </m:oMath>
+                  </m:oMathPara>
+                </a14:m>
+                <a:endParaRPr lang="sk-SK" dirty="0" smtClean="0"/>
+              </a:p>
+              <a:p>
+                <a:pPr marL="0" indent="0">
+                  <a:buNone/>
+                </a:pPr>
+                <a:endParaRPr lang="sk-SK" dirty="0" smtClean="0"/>
+              </a:p>
+              <a:p>
+                <a:pPr marL="0" indent="0">
+                  <a:buNone/>
+                </a:pPr>
+                <a14:m>
+                  <m:oMathPara xmlns:m="http://schemas.openxmlformats.org/officeDocument/2006/math">
+                    <m:oMathParaPr>
+                      <m:jc m:val="centerGroup"/>
+                    </m:oMathParaPr>
+                    <m:oMath xmlns:m="http://schemas.openxmlformats.org/officeDocument/2006/math">
+                      <m:r>
+                        <a:rPr lang="sk-SK" i="1">
+                          <a:latin typeface="Cambria Math" panose="02040503050406030204" pitchFamily="18" charset="0"/>
+                        </a:rPr>
+                        <m:t>𝐺</m:t>
+                      </m:r>
+                      <m:d>
+                        <m:dPr>
+                          <m:ctrlPr>
+                            <a:rPr lang="sk-SK" i="1">
+                              <a:latin typeface="Cambria Math" panose="02040503050406030204" pitchFamily="18" charset="0"/>
+                            </a:rPr>
+                          </m:ctrlPr>
+                        </m:dPr>
+                        <m:e>
+                          <m:r>
+                            <a:rPr lang="sk-SK" i="1">
+                              <a:latin typeface="Cambria Math" panose="02040503050406030204" pitchFamily="18" charset="0"/>
+                            </a:rPr>
+                            <m:t>𝑠</m:t>
+                          </m:r>
+                        </m:e>
+                      </m:d>
+                      <m:r>
+                        <a:rPr lang="sk-SK" i="1">
+                          <a:latin typeface="Cambria Math" panose="02040503050406030204" pitchFamily="18" charset="0"/>
+                        </a:rPr>
+                        <m:t>=</m:t>
+                      </m:r>
+                      <m:f>
+                        <m:fPr>
+                          <m:ctrlPr>
+                            <a:rPr lang="sk-SK" i="1" smtClean="0">
+                              <a:latin typeface="Cambria Math" panose="02040503050406030204" pitchFamily="18" charset="0"/>
+                            </a:rPr>
+                          </m:ctrlPr>
+                        </m:fPr>
+                        <m:num>
+                          <m:f>
+                            <m:fPr>
+                              <m:ctrlPr>
+                                <a:rPr lang="sk-SK" i="1" smtClean="0">
+                                  <a:latin typeface="Cambria Math" panose="02040503050406030204" pitchFamily="18" charset="0"/>
+                                </a:rPr>
+                              </m:ctrlPr>
+                            </m:fPr>
+                            <m:num>
+                              <m:r>
+                                <a:rPr lang="sk-SK" b="0" i="1" smtClean="0">
+                                  <a:latin typeface="Cambria Math" panose="02040503050406030204" pitchFamily="18" charset="0"/>
+                                </a:rPr>
+                                <m:t>1</m:t>
+                              </m:r>
+                            </m:num>
+                            <m:den>
+                              <m:r>
+                                <a:rPr lang="sk-SK" b="0" i="1" smtClean="0">
+                                  <a:latin typeface="Cambria Math" panose="02040503050406030204" pitchFamily="18" charset="0"/>
+                                </a:rPr>
+                                <m:t>𝑚</m:t>
+                              </m:r>
+                            </m:den>
+                          </m:f>
+                        </m:num>
+                        <m:den>
+                          <m:sSup>
+                            <m:sSupPr>
+                              <m:ctrlPr>
+                                <a:rPr lang="sk-SK" i="1">
+                                  <a:latin typeface="Cambria Math" panose="02040503050406030204" pitchFamily="18" charset="0"/>
+                                </a:rPr>
+                              </m:ctrlPr>
+                            </m:sSupPr>
+                            <m:e>
+                              <m:r>
+                                <a:rPr lang="sk-SK" i="1">
+                                  <a:latin typeface="Cambria Math" panose="02040503050406030204" pitchFamily="18" charset="0"/>
+                                </a:rPr>
+                                <m:t>𝑠</m:t>
+                              </m:r>
+                            </m:e>
+                            <m:sup>
+                              <m:r>
+                                <a:rPr lang="sk-SK" i="1">
+                                  <a:latin typeface="Cambria Math" panose="02040503050406030204" pitchFamily="18" charset="0"/>
+                                </a:rPr>
+                                <m:t>2</m:t>
+                              </m:r>
+                            </m:sup>
+                          </m:sSup>
+                          <m:r>
+                            <a:rPr lang="sk-SK" b="0" i="1" smtClean="0">
+                              <a:latin typeface="Cambria Math" panose="02040503050406030204" pitchFamily="18" charset="0"/>
+                            </a:rPr>
+                            <m:t>+</m:t>
+                          </m:r>
+                          <m:f>
+                            <m:fPr>
+                              <m:ctrlPr>
+                                <a:rPr lang="sk-SK" i="1">
+                                  <a:latin typeface="Cambria Math" panose="02040503050406030204" pitchFamily="18" charset="0"/>
+                                </a:rPr>
+                              </m:ctrlPr>
+                            </m:fPr>
+                            <m:num>
+                              <m:r>
+                                <a:rPr lang="sk-SK" i="1">
+                                  <a:latin typeface="Cambria Math" panose="02040503050406030204" pitchFamily="18" charset="0"/>
+                                </a:rPr>
+                                <m:t>𝑏</m:t>
+                              </m:r>
+                            </m:num>
+                            <m:den>
+                              <m:r>
+                                <a:rPr lang="sk-SK" i="1">
+                                  <a:latin typeface="Cambria Math" panose="02040503050406030204" pitchFamily="18" charset="0"/>
+                                </a:rPr>
+                                <m:t>𝑚</m:t>
+                              </m:r>
+                            </m:den>
+                          </m:f>
+                          <m:r>
+                            <a:rPr lang="sk-SK" i="1">
+                              <a:latin typeface="Cambria Math" panose="02040503050406030204" pitchFamily="18" charset="0"/>
+                            </a:rPr>
+                            <m:t>𝑠</m:t>
+                          </m:r>
+                          <m:r>
+                            <a:rPr lang="sk-SK" b="0" i="1" smtClean="0">
+                              <a:latin typeface="Cambria Math" panose="02040503050406030204" pitchFamily="18" charset="0"/>
+                            </a:rPr>
+                            <m:t>+</m:t>
+                          </m:r>
+                          <m:f>
+                            <m:fPr>
+                              <m:ctrlPr>
+                                <a:rPr lang="sk-SK" i="1">
+                                  <a:latin typeface="Cambria Math" panose="02040503050406030204" pitchFamily="18" charset="0"/>
+                                </a:rPr>
+                              </m:ctrlPr>
+                            </m:fPr>
+                            <m:num>
+                              <m:r>
+                                <a:rPr lang="sk-SK" i="1">
+                                  <a:latin typeface="Cambria Math" panose="02040503050406030204" pitchFamily="18" charset="0"/>
+                                </a:rPr>
+                                <m:t>𝑘</m:t>
+                              </m:r>
+                            </m:num>
+                            <m:den>
+                              <m:r>
+                                <a:rPr lang="sk-SK" i="1">
+                                  <a:latin typeface="Cambria Math" panose="02040503050406030204" pitchFamily="18" charset="0"/>
+                                </a:rPr>
+                                <m:t>𝑚</m:t>
+                              </m:r>
+                            </m:den>
+                          </m:f>
+                        </m:den>
+                      </m:f>
+                    </m:oMath>
+                  </m:oMathPara>
+                </a14:m>
+                <a:endParaRPr lang="sk-SK" dirty="0" smtClean="0"/>
+              </a:p>
+              <a:p>
+                <a:pPr marL="0" indent="0">
+                  <a:buNone/>
+                </a:pPr>
+                <a:endParaRPr lang="sk-SK" dirty="0"/>
+              </a:p>
+              <a:p>
+                <a:pPr>
+                  <a:buFont typeface="Arial" panose="020B0604020202020204" pitchFamily="34" charset="0"/>
+                  <a:buChar char="•"/>
+                </a:pPr>
+                <a:endParaRPr lang="sk-SK" dirty="0" smtClean="0"/>
+              </a:p>
+              <a:p>
+                <a:pPr>
+                  <a:buFont typeface="Arial" panose="020B0604020202020204" pitchFamily="34" charset="0"/>
+                  <a:buChar char="•"/>
+                </a:pPr>
+                <a:endParaRPr lang="sk-SK" dirty="0"/>
+              </a:p>
+            </p:txBody>
+          </p:sp>
+        </mc:Choice>
+        <mc:Fallback xmlns="">
+          <p:sp>
+            <p:nvSpPr>
+              <p:cNvPr id="3" name="Zástupný symbol obsahu 2"/>
+              <p:cNvSpPr>
+                <a:spLocks noGrp="1" noRot="1" noChangeAspect="1" noMove="1" noResize="1" noEditPoints="1" noAdjustHandles="1" noChangeArrowheads="1" noChangeShapeType="1" noTextEdit="1"/>
+              </p:cNvSpPr>
+              <p:nvPr>
+                <p:ph idx="1"/>
+              </p:nvPr>
+            </p:nvSpPr>
+            <p:spPr>
+              <a:xfrm>
+                <a:off x="393699" y="1040445"/>
+                <a:ext cx="8593782" cy="5698105"/>
+              </a:xfrm>
+              <a:blipFill rotWithShape="0">
+                <a:blip r:embed="rId2"/>
+                <a:stretch>
+                  <a:fillRect l="-1348" t="-1392"/>
+                </a:stretch>
+              </a:blipFill>
+            </p:spPr>
+            <p:txBody>
+              <a:bodyPr/>
+              <a:lstStyle/>
+              <a:p>
+                <a:r>
+                  <a:rPr lang="sk-SK">
+                    <a:noFill/>
+                  </a:rPr>
+                  <a:t> </a:t>
+                </a:r>
+              </a:p>
+            </p:txBody>
+          </p:sp>
+        </mc:Fallback>
+      </mc:AlternateContent>
+    </p:spTree>
+    <p:extLst>
+      <p:ext uri="{BB962C8B-B14F-4D97-AF65-F5344CB8AC3E}">
+        <p14:creationId xmlns:p14="http://schemas.microsoft.com/office/powerpoint/2010/main" val="1380725408"/>
+      </p:ext>
+    </p:extLst>
+  </p:cSld>
+  <p:clrMapOvr>
+    <a:masterClrMapping/>
+  </p:clrMapOvr>
+</p:sld>
+</file>
+
+<file path=ppt/slides/slide52.xml><?xml version="1.0" encoding="utf-8"?>
+<p:sld xmlns:a="http://schemas.openxmlformats.org/drawingml/2006/main" xmlns:r="http://schemas.openxmlformats.org/officeDocument/2006/relationships" xmlns:p="http://schemas.openxmlformats.org/presentationml/2006/main">
+  <p:cSld>
+    <p:spTree>
+      <p:nvGrpSpPr>
+        <p:cNvPr id="1" name=""/>
+        <p:cNvGrpSpPr/>
+        <p:nvPr/>
+      </p:nvGrpSpPr>
+      <p:grpSpPr>
+        <a:xfrm>
+          <a:off x="0" y="0"/>
+          <a:ext cx="0" cy="0"/>
+          <a:chOff x="0" y="0"/>
+          <a:chExt cx="0" cy="0"/>
+        </a:xfrm>
+      </p:grpSpPr>
+      <p:sp>
+        <p:nvSpPr>
+          <p:cNvPr id="2" name="Nadpis 1"/>
+          <p:cNvSpPr>
+            <a:spLocks noGrp="1"/>
+          </p:cNvSpPr>
+          <p:nvPr>
+            <p:ph type="title"/>
+          </p:nvPr>
+        </p:nvSpPr>
+        <p:spPr/>
+        <p:txBody>
+          <a:bodyPr/>
+          <a:lstStyle/>
+          <a:p>
+            <a:r>
               <a:rPr lang="sk-SK" dirty="0"/>
               <a:t>Model harmonického oscilátora</a:t>
             </a:r>
@@ -23405,150 +24110,6 @@
 </p:sld>
 </file>
 
-<file path=ppt/slides/slide51.xml><?xml version="1.0" encoding="utf-8"?>
-<p:sld xmlns:a="http://schemas.openxmlformats.org/drawingml/2006/main" xmlns:r="http://schemas.openxmlformats.org/officeDocument/2006/relationships" xmlns:p="http://schemas.openxmlformats.org/presentationml/2006/main">
-  <p:cSld>
-    <p:spTree>
-      <p:nvGrpSpPr>
-        <p:cNvPr id="1" name=""/>
-        <p:cNvGrpSpPr/>
-        <p:nvPr/>
-      </p:nvGrpSpPr>
-      <p:grpSpPr>
-        <a:xfrm>
-          <a:off x="0" y="0"/>
-          <a:ext cx="0" cy="0"/>
-          <a:chOff x="0" y="0"/>
-          <a:chExt cx="0" cy="0"/>
-        </a:xfrm>
-      </p:grpSpPr>
-      <p:sp>
-        <p:nvSpPr>
-          <p:cNvPr id="2" name="Nadpis 1"/>
-          <p:cNvSpPr>
-            <a:spLocks noGrp="1"/>
-          </p:cNvSpPr>
-          <p:nvPr>
-            <p:ph type="title"/>
-          </p:nvPr>
-        </p:nvSpPr>
-        <p:spPr/>
-        <p:txBody>
-          <a:bodyPr/>
-          <a:lstStyle/>
-          <a:p>
-            <a:r>
-              <a:rPr lang="sk-SK" dirty="0" smtClean="0"/>
-              <a:t>Póly-nuly-charakteristický polynóm</a:t>
-            </a:r>
-            <a:endParaRPr lang="sk-SK" dirty="0"/>
-          </a:p>
-        </p:txBody>
-      </p:sp>
-      <p:sp>
-        <p:nvSpPr>
-          <p:cNvPr id="3" name="Zástupný symbol obsahu 2"/>
-          <p:cNvSpPr>
-            <a:spLocks noGrp="1"/>
-          </p:cNvSpPr>
-          <p:nvPr>
-            <p:ph idx="1"/>
-          </p:nvPr>
-        </p:nvSpPr>
-        <p:spPr/>
-        <p:txBody>
-          <a:bodyPr/>
-          <a:lstStyle/>
-          <a:p>
-            <a:endParaRPr lang="sk-SK"/>
-          </a:p>
-        </p:txBody>
-      </p:sp>
-    </p:spTree>
-    <p:extLst>
-      <p:ext uri="{BB962C8B-B14F-4D97-AF65-F5344CB8AC3E}">
-        <p14:creationId xmlns:p14="http://schemas.microsoft.com/office/powerpoint/2010/main" val="2447591181"/>
-      </p:ext>
-    </p:extLst>
-  </p:cSld>
-  <p:clrMapOvr>
-    <a:masterClrMapping/>
-  </p:clrMapOvr>
-</p:sld>
-</file>
-
-<file path=ppt/slides/slide52.xml><?xml version="1.0" encoding="utf-8"?>
-<p:sld xmlns:a="http://schemas.openxmlformats.org/drawingml/2006/main" xmlns:r="http://schemas.openxmlformats.org/officeDocument/2006/relationships" xmlns:p="http://schemas.openxmlformats.org/presentationml/2006/main">
-  <p:cSld>
-    <p:spTree>
-      <p:nvGrpSpPr>
-        <p:cNvPr id="1" name=""/>
-        <p:cNvGrpSpPr/>
-        <p:nvPr/>
-      </p:nvGrpSpPr>
-      <p:grpSpPr>
-        <a:xfrm>
-          <a:off x="0" y="0"/>
-          <a:ext cx="0" cy="0"/>
-          <a:chOff x="0" y="0"/>
-          <a:chExt cx="0" cy="0"/>
-        </a:xfrm>
-      </p:grpSpPr>
-      <p:sp>
-        <p:nvSpPr>
-          <p:cNvPr id="2" name="Nadpis 1"/>
-          <p:cNvSpPr>
-            <a:spLocks noGrp="1"/>
-          </p:cNvSpPr>
-          <p:nvPr>
-            <p:ph type="title"/>
-          </p:nvPr>
-        </p:nvSpPr>
-        <p:spPr/>
-        <p:txBody>
-          <a:bodyPr/>
-          <a:lstStyle/>
-          <a:p>
-            <a:r>
-              <a:rPr lang="sk-SK" dirty="0" smtClean="0"/>
-              <a:t>Stabilita systémov</a:t>
-            </a:r>
-            <a:endParaRPr lang="sk-SK" dirty="0"/>
-          </a:p>
-        </p:txBody>
-      </p:sp>
-      <p:sp>
-        <p:nvSpPr>
-          <p:cNvPr id="3" name="Zástupný symbol obsahu 2"/>
-          <p:cNvSpPr>
-            <a:spLocks noGrp="1"/>
-          </p:cNvSpPr>
-          <p:nvPr>
-            <p:ph idx="1"/>
-          </p:nvPr>
-        </p:nvSpPr>
-        <p:spPr/>
-        <p:txBody>
-          <a:bodyPr/>
-          <a:lstStyle/>
-          <a:p>
-            <a:endParaRPr lang="sk-SK"/>
-          </a:p>
-        </p:txBody>
-      </p:sp>
-    </p:spTree>
-    <p:extLst>
-      <p:ext uri="{BB962C8B-B14F-4D97-AF65-F5344CB8AC3E}">
-        <p14:creationId xmlns:p14="http://schemas.microsoft.com/office/powerpoint/2010/main" val="2491538192"/>
-      </p:ext>
-    </p:extLst>
-  </p:cSld>
-  <p:clrMapOvr>
-    <a:masterClrMapping/>
-  </p:clrMapOvr>
-</p:sld>
-</file>
-
 <file path=ppt/slides/slide53.xml><?xml version="1.0" encoding="utf-8"?>
 <p:sld xmlns:a="http://schemas.openxmlformats.org/drawingml/2006/main" xmlns:r="http://schemas.openxmlformats.org/officeDocument/2006/relationships" xmlns:p="http://schemas.openxmlformats.org/presentationml/2006/main">
   <p:cSld>
@@ -23583,7 +24144,7 @@
           <a:p>
             <a:r>
               <a:rPr lang="sk-SK" dirty="0" smtClean="0"/>
-              <a:t>Všeobecné kritérium stability</a:t>
+              <a:t>Póly-nuly-charakteristický polynóm</a:t>
             </a:r>
             <a:endParaRPr lang="sk-SK" dirty="0"/>
           </a:p>
@@ -23604,14 +24165,14 @@
           <a:bodyPr/>
           <a:lstStyle/>
           <a:p>
-            <a:endParaRPr lang="sk-SK"/>
+            <a:endParaRPr lang="sk-SK" dirty="0"/>
           </a:p>
         </p:txBody>
       </p:sp>
     </p:spTree>
     <p:extLst>
       <p:ext uri="{BB962C8B-B14F-4D97-AF65-F5344CB8AC3E}">
-        <p14:creationId xmlns:p14="http://schemas.microsoft.com/office/powerpoint/2010/main" val="3955982061"/>
+        <p14:creationId xmlns:p14="http://schemas.microsoft.com/office/powerpoint/2010/main" val="2447591181"/>
       </p:ext>
     </p:extLst>
   </p:cSld>
@@ -23655,7 +24216,7 @@
           <a:p>
             <a:r>
               <a:rPr lang="sk-SK" dirty="0" smtClean="0"/>
-              <a:t>Charakteristiky systémov</a:t>
+              <a:t>Stabilita systémov</a:t>
             </a:r>
             <a:endParaRPr lang="sk-SK" dirty="0"/>
           </a:p>
@@ -23683,7 +24244,7 @@
     </p:spTree>
     <p:extLst>
       <p:ext uri="{BB962C8B-B14F-4D97-AF65-F5344CB8AC3E}">
-        <p14:creationId xmlns:p14="http://schemas.microsoft.com/office/powerpoint/2010/main" val="1783867593"/>
+        <p14:creationId xmlns:p14="http://schemas.microsoft.com/office/powerpoint/2010/main" val="2491538192"/>
       </p:ext>
     </p:extLst>
   </p:cSld>
@@ -23727,7 +24288,7 @@
           <a:p>
             <a:r>
               <a:rPr lang="sk-SK" dirty="0" smtClean="0"/>
-              <a:t>Impulzná charakteristika</a:t>
+              <a:t>Všeobecné kritérium stability</a:t>
             </a:r>
             <a:endParaRPr lang="sk-SK" dirty="0"/>
           </a:p>
@@ -23755,7 +24316,7 @@
     </p:spTree>
     <p:extLst>
       <p:ext uri="{BB962C8B-B14F-4D97-AF65-F5344CB8AC3E}">
-        <p14:creationId xmlns:p14="http://schemas.microsoft.com/office/powerpoint/2010/main" val="3995036679"/>
+        <p14:creationId xmlns:p14="http://schemas.microsoft.com/office/powerpoint/2010/main" val="3955982061"/>
       </p:ext>
     </p:extLst>
   </p:cSld>
@@ -23799,7 +24360,7 @@
           <a:p>
             <a:r>
               <a:rPr lang="sk-SK" dirty="0" smtClean="0"/>
-              <a:t>Prechodová charakteristika</a:t>
+              <a:t>Charakteristiky systémov</a:t>
             </a:r>
             <a:endParaRPr lang="sk-SK" dirty="0"/>
           </a:p>
@@ -23827,7 +24388,7 @@
     </p:spTree>
     <p:extLst>
       <p:ext uri="{BB962C8B-B14F-4D97-AF65-F5344CB8AC3E}">
-        <p14:creationId xmlns:p14="http://schemas.microsoft.com/office/powerpoint/2010/main" val="3343495099"/>
+        <p14:creationId xmlns:p14="http://schemas.microsoft.com/office/powerpoint/2010/main" val="1783867593"/>
       </p:ext>
     </p:extLst>
   </p:cSld>
@@ -23871,7 +24432,7 @@
           <a:p>
             <a:r>
               <a:rPr lang="sk-SK" dirty="0" smtClean="0"/>
-              <a:t>Vplyv pólov a núl na dynamiku systému</a:t>
+              <a:t>Impulzná charakteristika</a:t>
             </a:r>
             <a:endParaRPr lang="sk-SK" dirty="0"/>
           </a:p>
@@ -23899,7 +24460,7 @@
     </p:spTree>
     <p:extLst>
       <p:ext uri="{BB962C8B-B14F-4D97-AF65-F5344CB8AC3E}">
-        <p14:creationId xmlns:p14="http://schemas.microsoft.com/office/powerpoint/2010/main" val="4247704593"/>
+        <p14:creationId xmlns:p14="http://schemas.microsoft.com/office/powerpoint/2010/main" val="3995036679"/>
       </p:ext>
     </p:extLst>
   </p:cSld>
@@ -23942,9 +24503,10 @@
           <a:lstStyle/>
           <a:p>
             <a:r>
-              <a:rPr lang="sk-SK" dirty="0"/>
-              <a:t>Vplyv pólov a núl na dynamiku systému</a:t>
-            </a:r>
+              <a:rPr lang="sk-SK" dirty="0" smtClean="0"/>
+              <a:t>Prechodová charakteristika</a:t>
+            </a:r>
+            <a:endParaRPr lang="sk-SK" dirty="0"/>
           </a:p>
         </p:txBody>
       </p:sp>
@@ -23970,7 +24532,7 @@
     </p:spTree>
     <p:extLst>
       <p:ext uri="{BB962C8B-B14F-4D97-AF65-F5344CB8AC3E}">
-        <p14:creationId xmlns:p14="http://schemas.microsoft.com/office/powerpoint/2010/main" val="946601560"/>
+        <p14:creationId xmlns:p14="http://schemas.microsoft.com/office/powerpoint/2010/main" val="3343495099"/>
       </p:ext>
     </p:extLst>
   </p:cSld>
@@ -24013,9 +24575,10 @@
           <a:lstStyle/>
           <a:p>
             <a:r>
-              <a:rPr lang="sk-SK" dirty="0"/>
+              <a:rPr lang="sk-SK" dirty="0" smtClean="0"/>
               <a:t>Vplyv pólov a núl na dynamiku systému</a:t>
             </a:r>
+            <a:endParaRPr lang="sk-SK" dirty="0"/>
           </a:p>
         </p:txBody>
       </p:sp>
@@ -24041,7 +24604,7 @@
     </p:spTree>
     <p:extLst>
       <p:ext uri="{BB962C8B-B14F-4D97-AF65-F5344CB8AC3E}">
-        <p14:creationId xmlns:p14="http://schemas.microsoft.com/office/powerpoint/2010/main" val="2765769143"/>
+        <p14:creationId xmlns:p14="http://schemas.microsoft.com/office/powerpoint/2010/main" val="4247704593"/>
       </p:ext>
     </p:extLst>
   </p:cSld>
@@ -24973,6 +25536,148 @@
 </file>
 
 <file path=ppt/slides/slide60.xml><?xml version="1.0" encoding="utf-8"?>
+<p:sld xmlns:a="http://schemas.openxmlformats.org/drawingml/2006/main" xmlns:r="http://schemas.openxmlformats.org/officeDocument/2006/relationships" xmlns:p="http://schemas.openxmlformats.org/presentationml/2006/main">
+  <p:cSld>
+    <p:spTree>
+      <p:nvGrpSpPr>
+        <p:cNvPr id="1" name=""/>
+        <p:cNvGrpSpPr/>
+        <p:nvPr/>
+      </p:nvGrpSpPr>
+      <p:grpSpPr>
+        <a:xfrm>
+          <a:off x="0" y="0"/>
+          <a:ext cx="0" cy="0"/>
+          <a:chOff x="0" y="0"/>
+          <a:chExt cx="0" cy="0"/>
+        </a:xfrm>
+      </p:grpSpPr>
+      <p:sp>
+        <p:nvSpPr>
+          <p:cNvPr id="2" name="Nadpis 1"/>
+          <p:cNvSpPr>
+            <a:spLocks noGrp="1"/>
+          </p:cNvSpPr>
+          <p:nvPr>
+            <p:ph type="title"/>
+          </p:nvPr>
+        </p:nvSpPr>
+        <p:spPr/>
+        <p:txBody>
+          <a:bodyPr/>
+          <a:lstStyle/>
+          <a:p>
+            <a:r>
+              <a:rPr lang="sk-SK" dirty="0"/>
+              <a:t>Vplyv pólov a núl na dynamiku systému</a:t>
+            </a:r>
+          </a:p>
+        </p:txBody>
+      </p:sp>
+      <p:sp>
+        <p:nvSpPr>
+          <p:cNvPr id="3" name="Zástupný symbol obsahu 2"/>
+          <p:cNvSpPr>
+            <a:spLocks noGrp="1"/>
+          </p:cNvSpPr>
+          <p:nvPr>
+            <p:ph idx="1"/>
+          </p:nvPr>
+        </p:nvSpPr>
+        <p:spPr/>
+        <p:txBody>
+          <a:bodyPr/>
+          <a:lstStyle/>
+          <a:p>
+            <a:endParaRPr lang="sk-SK"/>
+          </a:p>
+        </p:txBody>
+      </p:sp>
+    </p:spTree>
+    <p:extLst>
+      <p:ext uri="{BB962C8B-B14F-4D97-AF65-F5344CB8AC3E}">
+        <p14:creationId xmlns:p14="http://schemas.microsoft.com/office/powerpoint/2010/main" val="946601560"/>
+      </p:ext>
+    </p:extLst>
+  </p:cSld>
+  <p:clrMapOvr>
+    <a:masterClrMapping/>
+  </p:clrMapOvr>
+</p:sld>
+</file>
+
+<file path=ppt/slides/slide61.xml><?xml version="1.0" encoding="utf-8"?>
+<p:sld xmlns:a="http://schemas.openxmlformats.org/drawingml/2006/main" xmlns:r="http://schemas.openxmlformats.org/officeDocument/2006/relationships" xmlns:p="http://schemas.openxmlformats.org/presentationml/2006/main">
+  <p:cSld>
+    <p:spTree>
+      <p:nvGrpSpPr>
+        <p:cNvPr id="1" name=""/>
+        <p:cNvGrpSpPr/>
+        <p:nvPr/>
+      </p:nvGrpSpPr>
+      <p:grpSpPr>
+        <a:xfrm>
+          <a:off x="0" y="0"/>
+          <a:ext cx="0" cy="0"/>
+          <a:chOff x="0" y="0"/>
+          <a:chExt cx="0" cy="0"/>
+        </a:xfrm>
+      </p:grpSpPr>
+      <p:sp>
+        <p:nvSpPr>
+          <p:cNvPr id="2" name="Nadpis 1"/>
+          <p:cNvSpPr>
+            <a:spLocks noGrp="1"/>
+          </p:cNvSpPr>
+          <p:nvPr>
+            <p:ph type="title"/>
+          </p:nvPr>
+        </p:nvSpPr>
+        <p:spPr/>
+        <p:txBody>
+          <a:bodyPr/>
+          <a:lstStyle/>
+          <a:p>
+            <a:r>
+              <a:rPr lang="sk-SK" dirty="0"/>
+              <a:t>Vplyv pólov a núl na dynamiku systému</a:t>
+            </a:r>
+          </a:p>
+        </p:txBody>
+      </p:sp>
+      <p:sp>
+        <p:nvSpPr>
+          <p:cNvPr id="3" name="Zástupný symbol obsahu 2"/>
+          <p:cNvSpPr>
+            <a:spLocks noGrp="1"/>
+          </p:cNvSpPr>
+          <p:nvPr>
+            <p:ph idx="1"/>
+          </p:nvPr>
+        </p:nvSpPr>
+        <p:spPr/>
+        <p:txBody>
+          <a:bodyPr/>
+          <a:lstStyle/>
+          <a:p>
+            <a:endParaRPr lang="sk-SK"/>
+          </a:p>
+        </p:txBody>
+      </p:sp>
+    </p:spTree>
+    <p:extLst>
+      <p:ext uri="{BB962C8B-B14F-4D97-AF65-F5344CB8AC3E}">
+        <p14:creationId xmlns:p14="http://schemas.microsoft.com/office/powerpoint/2010/main" val="2765769143"/>
+      </p:ext>
+    </p:extLst>
+  </p:cSld>
+  <p:clrMapOvr>
+    <a:masterClrMapping/>
+  </p:clrMapOvr>
+</p:sld>
+</file>
+
+<file path=ppt/slides/slide62.xml><?xml version="1.0" encoding="utf-8"?>
 <p:sld xmlns:a="http://schemas.openxmlformats.org/drawingml/2006/main" xmlns:r="http://schemas.openxmlformats.org/officeDocument/2006/relationships" xmlns:p="http://schemas.openxmlformats.org/presentationml/2006/main">
   <p:cSld>
     <p:spTree>

--- a/Nove prednasky/P01_dynamika_dif_rovnice_LPT_prenosova_funkcia_modelovanie.pptx
+++ b/Nove prednasky/P01_dynamika_dif_rovnice_LPT_prenosova_funkcia_modelovanie.pptx
@@ -550,7 +550,7 @@
           <p:cNvPr id="11" name="Obrázok 10">
             <a:extLst>
               <a:ext uri="{FF2B5EF4-FFF2-40B4-BE49-F238E27FC236}">
-                <a16:creationId xmlns="" xmlns:a16="http://schemas.microsoft.com/office/drawing/2014/main" id="{D575F8E8-6CC8-49FD-8010-88908C002CDA}"/>
+                <a16:creationId xmlns:a16="http://schemas.microsoft.com/office/drawing/2014/main" xmlns="" id="{D575F8E8-6CC8-49FD-8010-88908C002CDA}"/>
               </a:ext>
             </a:extLst>
           </p:cNvPr>
@@ -586,7 +586,7 @@
           <p:cNvPr id="13" name="Obrázok 12">
             <a:extLst>
               <a:ext uri="{FF2B5EF4-FFF2-40B4-BE49-F238E27FC236}">
-                <a16:creationId xmlns="" xmlns:a16="http://schemas.microsoft.com/office/drawing/2014/main" id="{E0A78DBF-D0B2-42A5-9F1D-0CAC637C7D2D}"/>
+                <a16:creationId xmlns:a16="http://schemas.microsoft.com/office/drawing/2014/main" xmlns="" id="{E0A78DBF-D0B2-42A5-9F1D-0CAC637C7D2D}"/>
               </a:ext>
             </a:extLst>
           </p:cNvPr>
@@ -3546,7 +3546,7 @@
           <p:cNvPr id="2" name="Nadpis 1">
             <a:extLst>
               <a:ext uri="{FF2B5EF4-FFF2-40B4-BE49-F238E27FC236}">
-                <a16:creationId xmlns:a16="http://schemas.microsoft.com/office/drawing/2014/main" xmlns="" id="{8C9FEECD-5BD9-4CA4-ACC1-DA9C1EDD96B6}"/>
+                <a16:creationId xmlns="" xmlns:a16="http://schemas.microsoft.com/office/drawing/2014/main" id="{8C9FEECD-5BD9-4CA4-ACC1-DA9C1EDD96B6}"/>
               </a:ext>
             </a:extLst>
           </p:cNvPr>
@@ -3626,7 +3626,7 @@
           <p:cNvPr id="3" name="Podnadpis 2">
             <a:extLst>
               <a:ext uri="{FF2B5EF4-FFF2-40B4-BE49-F238E27FC236}">
-                <a16:creationId xmlns:a16="http://schemas.microsoft.com/office/drawing/2014/main" xmlns="" id="{313B57F5-B394-40F1-BEAB-F5B71B2FEDE1}"/>
+                <a16:creationId xmlns="" xmlns:a16="http://schemas.microsoft.com/office/drawing/2014/main" id="{313B57F5-B394-40F1-BEAB-F5B71B2FEDE1}"/>
               </a:ext>
             </a:extLst>
           </p:cNvPr>
@@ -4198,7 +4198,7 @@
           <p:cNvPr id="3" name="Zástupný objekt pre obsah 2">
             <a:extLst>
               <a:ext uri="{FF2B5EF4-FFF2-40B4-BE49-F238E27FC236}">
-                <a16:creationId xmlns="" xmlns:a16="http://schemas.microsoft.com/office/drawing/2014/main" id="{A74476A0-8C3D-4B4B-ABC1-78C4925E54B4}"/>
+                <a16:creationId xmlns:a16="http://schemas.microsoft.com/office/drawing/2014/main" xmlns="" id="{A74476A0-8C3D-4B4B-ABC1-78C4925E54B4}"/>
               </a:ext>
             </a:extLst>
           </p:cNvPr>
@@ -4352,7 +4352,7 @@
           <p:cNvPr id="2" name="Nadpis 1">
             <a:extLst>
               <a:ext uri="{FF2B5EF4-FFF2-40B4-BE49-F238E27FC236}">
-                <a16:creationId xmlns="" xmlns:a16="http://schemas.microsoft.com/office/drawing/2014/main" id="{A60D084F-ACFD-4F46-B5DB-65DDF10CFCE9}"/>
+                <a16:creationId xmlns:a16="http://schemas.microsoft.com/office/drawing/2014/main" xmlns="" id="{A60D084F-ACFD-4F46-B5DB-65DDF10CFCE9}"/>
               </a:ext>
             </a:extLst>
           </p:cNvPr>
@@ -4502,7 +4502,7 @@
           <p:cNvPr id="2" name="Nadpis 1">
             <a:extLst>
               <a:ext uri="{FF2B5EF4-FFF2-40B4-BE49-F238E27FC236}">
-                <a16:creationId xmlns="" xmlns:a16="http://schemas.microsoft.com/office/drawing/2014/main" id="{59DC17C1-419D-44F2-987B-AD5E29D750B8}"/>
+                <a16:creationId xmlns:a16="http://schemas.microsoft.com/office/drawing/2014/main" xmlns="" id="{59DC17C1-419D-44F2-987B-AD5E29D750B8}"/>
               </a:ext>
             </a:extLst>
           </p:cNvPr>
@@ -4531,7 +4531,7 @@
           <p:cNvPr id="3" name="Zástupný objekt pre obsah 2">
             <a:extLst>
               <a:ext uri="{FF2B5EF4-FFF2-40B4-BE49-F238E27FC236}">
-                <a16:creationId xmlns="" xmlns:a16="http://schemas.microsoft.com/office/drawing/2014/main" id="{5BD42F2B-ABA1-4F3A-865F-32330FB152D7}"/>
+                <a16:creationId xmlns:a16="http://schemas.microsoft.com/office/drawing/2014/main" xmlns="" id="{5BD42F2B-ABA1-4F3A-865F-32330FB152D7}"/>
               </a:ext>
             </a:extLst>
           </p:cNvPr>
@@ -4749,7 +4749,7 @@
           <a:graphicData uri="http://schemas.openxmlformats.org/presentationml/2006/ole">
             <mc:AlternateContent xmlns:mc="http://schemas.openxmlformats.org/markup-compatibility/2006">
               <mc:Choice xmlns:v="urn:schemas-microsoft-com:vml" Requires="v">
-                <p:oleObj spid="_x0000_s4152" name="Rovnica" r:id="rId3" imgW="3187700" imgH="901700" progId="Equation.3">
+                <p:oleObj spid="_x0000_s4154" name="Rovnica" r:id="rId3" imgW="3187700" imgH="901700" progId="Equation.3">
                   <p:embed/>
                 </p:oleObj>
               </mc:Choice>
@@ -5236,8 +5236,8 @@
           </a:p>
         </p:txBody>
       </p:sp>
-      <mc:AlternateContent xmlns:mc="http://schemas.openxmlformats.org/markup-compatibility/2006">
-        <mc:Choice xmlns:a14="http://schemas.microsoft.com/office/drawing/2010/main" Requires="a14">
+      <mc:AlternateContent xmlns:mc="http://schemas.openxmlformats.org/markup-compatibility/2006" xmlns:a14="http://schemas.microsoft.com/office/drawing/2010/main">
+        <mc:Choice Requires="a14">
           <p:sp>
             <p:nvSpPr>
               <p:cNvPr id="3" name="Zástupný symbol obsahu 2"/>
@@ -5266,11 +5266,7 @@
                 </a:pPr>
                 <a:r>
                   <a:rPr lang="sk-SK" dirty="0" smtClean="0"/>
-                  <a:t>Hornopriepustný</a:t>
-                </a:r>
-                <a:r>
-                  <a:rPr lang="sk-SK" dirty="0" smtClean="0"/>
-                  <a:t> RC filter</a:t>
+                  <a:t>Hornopriepustný RC filter</a:t>
                 </a:r>
               </a:p>
               <a:p>
@@ -6451,7 +6447,7 @@
             </p:txBody>
           </p:sp>
         </mc:Choice>
-        <mc:Fallback>
+        <mc:Fallback xmlns="">
           <p:sp>
             <p:nvSpPr>
               <p:cNvPr id="3" name="Zástupný symbol obsahu 2"/>
@@ -6582,8 +6578,8 @@
           </a:p>
         </p:txBody>
       </p:sp>
-      <mc:AlternateContent xmlns:mc="http://schemas.openxmlformats.org/markup-compatibility/2006">
-        <mc:Choice xmlns:a14="http://schemas.microsoft.com/office/drawing/2010/main" Requires="a14">
+      <mc:AlternateContent xmlns:mc="http://schemas.openxmlformats.org/markup-compatibility/2006" xmlns:a14="http://schemas.microsoft.com/office/drawing/2010/main">
+        <mc:Choice Requires="a14">
           <p:sp>
             <p:nvSpPr>
               <p:cNvPr id="3" name="Zástupný symbol obsahu 2"/>
@@ -6605,11 +6601,7 @@
                 </a:pPr>
                 <a:r>
                   <a:rPr lang="sk-SK" dirty="0" smtClean="0"/>
-                  <a:t>Dolnopriepustný</a:t>
-                </a:r>
-                <a:r>
-                  <a:rPr lang="sk-SK" dirty="0" smtClean="0"/>
-                  <a:t> </a:t>
+                  <a:t>Dolnopriepustný </a:t>
                 </a:r>
                 <a:r>
                   <a:rPr lang="sk-SK" dirty="0"/>
@@ -7438,7 +7430,7 @@
             </p:txBody>
           </p:sp>
         </mc:Choice>
-        <mc:Fallback>
+        <mc:Fallback xmlns="">
           <p:sp>
             <p:nvSpPr>
               <p:cNvPr id="3" name="Zástupný symbol obsahu 2"/>
@@ -7568,7 +7560,7 @@
       </p:sp>
       <p:pic>
         <p:nvPicPr>
-          <p:cNvPr id="4" name="Zástupný symbol obsahu 3"/>
+          <p:cNvPr id="9" name="Zástupný symbol obsahu 8"/>
           <p:cNvPicPr>
             <a:picLocks noGrp="1" noChangeAspect="1"/>
           </p:cNvPicPr>
@@ -7576,20 +7568,22 @@
             <p:ph idx="1"/>
           </p:nvPr>
         </p:nvPicPr>
-        <p:blipFill>
-          <a:blip r:embed="rId2"/>
-          <a:stretch>
-            <a:fillRect/>
-          </a:stretch>
+        <p:blipFill rotWithShape="1">
+          <a:blip r:embed="rId2">
+            <a:extLst>
+              <a:ext uri="{28A0092B-C50C-407E-A947-70E740481C1C}">
+                <a14:useLocalDpi xmlns:a14="http://schemas.microsoft.com/office/drawing/2010/main" val="0"/>
+              </a:ext>
+            </a:extLst>
+          </a:blip>
+          <a:srcRect r="8893"/>
+          <a:stretch/>
         </p:blipFill>
         <p:spPr>
           <a:xfrm>
-            <a:off x="393700" y="1706332"/>
-            <a:ext cx="8356600" cy="3533336"/>
+            <a:off x="904446" y="1649852"/>
+            <a:ext cx="7613478" cy="2756610"/>
           </a:xfrm>
-          <a:prstGeom prst="rect">
-            <a:avLst/>
-          </a:prstGeom>
         </p:spPr>
       </p:pic>
     </p:spTree>
@@ -10763,13 +10757,7 @@
                                 <a:rPr lang="en-US" b="0" i="1" smtClean="0">
                                   <a:latin typeface="Cambria Math" panose="02040503050406030204" pitchFamily="18" charset="0"/>
                                 </a:rPr>
-                                <m:t>→</m:t>
-                              </m:r>
-                              <m:r>
-                                <a:rPr lang="en-US" b="0" i="1" smtClean="0">
-                                  <a:latin typeface="Cambria Math" panose="02040503050406030204" pitchFamily="18" charset="0"/>
-                                </a:rPr>
-                                <m:t>∞</m:t>
+                                <m:t>→∞</m:t>
                               </m:r>
                             </m:lim>
                           </m:limLow>
@@ -10878,13 +10866,7 @@
                                 <a:rPr lang="en-US" i="1">
                                   <a:latin typeface="Cambria Math" panose="02040503050406030204" pitchFamily="18" charset="0"/>
                                 </a:rPr>
-                                <m:t>→−</m:t>
-                              </m:r>
-                              <m:r>
-                                <a:rPr lang="en-US" i="1">
-                                  <a:latin typeface="Cambria Math" panose="02040503050406030204" pitchFamily="18" charset="0"/>
-                                </a:rPr>
-                                <m:t>∞</m:t>
+                                <m:t>→−∞</m:t>
                               </m:r>
                             </m:lim>
                           </m:limLow>
@@ -11021,13 +11003,7 @@
                         <a:rPr lang="en-US" b="0" i="1" smtClean="0">
                           <a:latin typeface="Cambria Math" panose="02040503050406030204" pitchFamily="18" charset="0"/>
                         </a:rPr>
-                        <m:t>=</m:t>
-                      </m:r>
-                      <m:r>
-                        <a:rPr lang="en-US" b="0" i="1" smtClean="0">
-                          <a:latin typeface="Cambria Math" panose="02040503050406030204" pitchFamily="18" charset="0"/>
-                        </a:rPr>
-                        <m:t>1</m:t>
+                        <m:t>=1</m:t>
                       </m:r>
                     </m:oMath>
                   </m:oMathPara>

--- a/Nove prednasky/P01_dynamika_dif_rovnice_LPT_prenosova_funkcia_modelovanie.pptx
+++ b/Nove prednasky/P01_dynamika_dif_rovnice_LPT_prenosova_funkcia_modelovanie.pptx
@@ -58,24 +58,23 @@
     <p:sldId id="336" r:id="rId52"/>
     <p:sldId id="342" r:id="rId53"/>
     <p:sldId id="343" r:id="rId54"/>
-    <p:sldId id="280" r:id="rId55"/>
-    <p:sldId id="308" r:id="rId56"/>
-    <p:sldId id="338" r:id="rId57"/>
-    <p:sldId id="339" r:id="rId58"/>
-    <p:sldId id="309" r:id="rId59"/>
-    <p:sldId id="311" r:id="rId60"/>
-    <p:sldId id="312" r:id="rId61"/>
-    <p:sldId id="310" r:id="rId62"/>
-    <p:sldId id="281" r:id="rId63"/>
-    <p:sldId id="290" r:id="rId64"/>
-    <p:sldId id="291" r:id="rId65"/>
-    <p:sldId id="286" r:id="rId66"/>
-    <p:sldId id="327" r:id="rId67"/>
-    <p:sldId id="287" r:id="rId68"/>
-    <p:sldId id="288" r:id="rId69"/>
-    <p:sldId id="329" r:id="rId70"/>
-    <p:sldId id="330" r:id="rId71"/>
-    <p:sldId id="289" r:id="rId72"/>
+    <p:sldId id="308" r:id="rId55"/>
+    <p:sldId id="338" r:id="rId56"/>
+    <p:sldId id="339" r:id="rId57"/>
+    <p:sldId id="309" r:id="rId58"/>
+    <p:sldId id="311" r:id="rId59"/>
+    <p:sldId id="312" r:id="rId60"/>
+    <p:sldId id="310" r:id="rId61"/>
+    <p:sldId id="281" r:id="rId62"/>
+    <p:sldId id="290" r:id="rId63"/>
+    <p:sldId id="291" r:id="rId64"/>
+    <p:sldId id="286" r:id="rId65"/>
+    <p:sldId id="327" r:id="rId66"/>
+    <p:sldId id="287" r:id="rId67"/>
+    <p:sldId id="288" r:id="rId68"/>
+    <p:sldId id="329" r:id="rId69"/>
+    <p:sldId id="330" r:id="rId70"/>
+    <p:sldId id="289" r:id="rId71"/>
   </p:sldIdLst>
   <p:sldSz cx="9144000" cy="6858000" type="screen4x3"/>
   <p:notesSz cx="6858000" cy="9144000"/>
@@ -468,7 +467,7 @@
           <a:p>
             <a:fld id="{B1F4BD78-2EC2-485B-A16B-A2D870866C74}" type="datetimeFigureOut">
               <a:rPr lang="sk-SK" smtClean="0"/>
-              <a:t>5. 6. 2019</a:t>
+              <a:t>6. 6. 2019</a:t>
             </a:fld>
             <a:endParaRPr lang="sk-SK"/>
           </a:p>
@@ -559,7 +558,7 @@
           <p:cNvPr id="11" name="Obrázok 10">
             <a:extLst>
               <a:ext uri="{FF2B5EF4-FFF2-40B4-BE49-F238E27FC236}">
-                <a16:creationId xmlns="" xmlns:a16="http://schemas.microsoft.com/office/drawing/2014/main" id="{D575F8E8-6CC8-49FD-8010-88908C002CDA}"/>
+                <a16:creationId xmlns:a16="http://schemas.microsoft.com/office/drawing/2014/main" xmlns="" id="{D575F8E8-6CC8-49FD-8010-88908C002CDA}"/>
               </a:ext>
             </a:extLst>
           </p:cNvPr>
@@ -595,7 +594,7 @@
           <p:cNvPr id="13" name="Obrázok 12">
             <a:extLst>
               <a:ext uri="{FF2B5EF4-FFF2-40B4-BE49-F238E27FC236}">
-                <a16:creationId xmlns="" xmlns:a16="http://schemas.microsoft.com/office/drawing/2014/main" id="{E0A78DBF-D0B2-42A5-9F1D-0CAC637C7D2D}"/>
+                <a16:creationId xmlns:a16="http://schemas.microsoft.com/office/drawing/2014/main" xmlns="" id="{E0A78DBF-D0B2-42A5-9F1D-0CAC637C7D2D}"/>
               </a:ext>
             </a:extLst>
           </p:cNvPr>
@@ -752,7 +751,7 @@
           <a:p>
             <a:fld id="{B1F4BD78-2EC2-485B-A16B-A2D870866C74}" type="datetimeFigureOut">
               <a:rPr lang="sk-SK" smtClean="0"/>
-              <a:t>5. 6. 2019</a:t>
+              <a:t>6. 6. 2019</a:t>
             </a:fld>
             <a:endParaRPr lang="sk-SK"/>
           </a:p>
@@ -1095,7 +1094,7 @@
           <a:p>
             <a:fld id="{B1F4BD78-2EC2-485B-A16B-A2D870866C74}" type="datetimeFigureOut">
               <a:rPr lang="sk-SK" smtClean="0"/>
-              <a:t>5. 6. 2019</a:t>
+              <a:t>6. 6. 2019</a:t>
             </a:fld>
             <a:endParaRPr lang="sk-SK"/>
           </a:p>
@@ -1370,7 +1369,7 @@
           <a:p>
             <a:fld id="{B1F4BD78-2EC2-485B-A16B-A2D870866C74}" type="datetimeFigureOut">
               <a:rPr lang="sk-SK" smtClean="0"/>
-              <a:t>5. 6. 2019</a:t>
+              <a:t>6. 6. 2019</a:t>
             </a:fld>
             <a:endParaRPr lang="sk-SK"/>
           </a:p>
@@ -1749,7 +1748,7 @@
           <a:p>
             <a:fld id="{B1F4BD78-2EC2-485B-A16B-A2D870866C74}" type="datetimeFigureOut">
               <a:rPr lang="sk-SK" smtClean="0"/>
-              <a:t>5. 6. 2019</a:t>
+              <a:t>6. 6. 2019</a:t>
             </a:fld>
             <a:endParaRPr lang="sk-SK"/>
           </a:p>
@@ -1867,7 +1866,7 @@
           <a:p>
             <a:fld id="{B1F4BD78-2EC2-485B-A16B-A2D870866C74}" type="datetimeFigureOut">
               <a:rPr lang="sk-SK" smtClean="0"/>
-              <a:t>5. 6. 2019</a:t>
+              <a:t>6. 6. 2019</a:t>
             </a:fld>
             <a:endParaRPr lang="sk-SK"/>
           </a:p>
@@ -2038,7 +2037,7 @@
           <a:p>
             <a:fld id="{B1F4BD78-2EC2-485B-A16B-A2D870866C74}" type="datetimeFigureOut">
               <a:rPr lang="sk-SK" smtClean="0"/>
-              <a:t>5. 6. 2019</a:t>
+              <a:t>6. 6. 2019</a:t>
             </a:fld>
             <a:endParaRPr lang="sk-SK"/>
           </a:p>
@@ -2392,7 +2391,7 @@
           <a:p>
             <a:fld id="{B1F4BD78-2EC2-485B-A16B-A2D870866C74}" type="datetimeFigureOut">
               <a:rPr lang="sk-SK" smtClean="0"/>
-              <a:t>5. 6. 2019</a:t>
+              <a:t>6. 6. 2019</a:t>
             </a:fld>
             <a:endParaRPr lang="sk-SK"/>
           </a:p>
@@ -2774,7 +2773,7 @@
           <a:p>
             <a:fld id="{B1F4BD78-2EC2-485B-A16B-A2D870866C74}" type="datetimeFigureOut">
               <a:rPr lang="sk-SK" smtClean="0"/>
-              <a:t>5. 6. 2019</a:t>
+              <a:t>6. 6. 2019</a:t>
             </a:fld>
             <a:endParaRPr lang="sk-SK"/>
           </a:p>
@@ -3069,7 +3068,7 @@
           <a:p>
             <a:fld id="{B1F4BD78-2EC2-485B-A16B-A2D870866C74}" type="datetimeFigureOut">
               <a:rPr lang="sk-SK" smtClean="0"/>
-              <a:t>5. 6. 2019</a:t>
+              <a:t>6. 6. 2019</a:t>
             </a:fld>
             <a:endParaRPr lang="sk-SK"/>
           </a:p>
@@ -3555,7 +3554,7 @@
           <p:cNvPr id="2" name="Nadpis 1">
             <a:extLst>
               <a:ext uri="{FF2B5EF4-FFF2-40B4-BE49-F238E27FC236}">
-                <a16:creationId xmlns:a16="http://schemas.microsoft.com/office/drawing/2014/main" xmlns="" id="{8C9FEECD-5BD9-4CA4-ACC1-DA9C1EDD96B6}"/>
+                <a16:creationId xmlns="" xmlns:a16="http://schemas.microsoft.com/office/drawing/2014/main" id="{8C9FEECD-5BD9-4CA4-ACC1-DA9C1EDD96B6}"/>
               </a:ext>
             </a:extLst>
           </p:cNvPr>
@@ -3635,7 +3634,7 @@
           <p:cNvPr id="3" name="Podnadpis 2">
             <a:extLst>
               <a:ext uri="{FF2B5EF4-FFF2-40B4-BE49-F238E27FC236}">
-                <a16:creationId xmlns:a16="http://schemas.microsoft.com/office/drawing/2014/main" xmlns="" id="{313B57F5-B394-40F1-BEAB-F5B71B2FEDE1}"/>
+                <a16:creationId xmlns="" xmlns:a16="http://schemas.microsoft.com/office/drawing/2014/main" id="{313B57F5-B394-40F1-BEAB-F5B71B2FEDE1}"/>
               </a:ext>
             </a:extLst>
           </p:cNvPr>
@@ -4207,7 +4206,7 @@
           <p:cNvPr id="3" name="Zástupný objekt pre obsah 2">
             <a:extLst>
               <a:ext uri="{FF2B5EF4-FFF2-40B4-BE49-F238E27FC236}">
-                <a16:creationId xmlns="" xmlns:a16="http://schemas.microsoft.com/office/drawing/2014/main" id="{A74476A0-8C3D-4B4B-ABC1-78C4925E54B4}"/>
+                <a16:creationId xmlns:a16="http://schemas.microsoft.com/office/drawing/2014/main" xmlns="" id="{A74476A0-8C3D-4B4B-ABC1-78C4925E54B4}"/>
               </a:ext>
             </a:extLst>
           </p:cNvPr>
@@ -4382,7 +4381,7 @@
           <p:cNvPr id="2" name="Nadpis 1">
             <a:extLst>
               <a:ext uri="{FF2B5EF4-FFF2-40B4-BE49-F238E27FC236}">
-                <a16:creationId xmlns="" xmlns:a16="http://schemas.microsoft.com/office/drawing/2014/main" id="{A60D084F-ACFD-4F46-B5DB-65DDF10CFCE9}"/>
+                <a16:creationId xmlns:a16="http://schemas.microsoft.com/office/drawing/2014/main" xmlns="" id="{A60D084F-ACFD-4F46-B5DB-65DDF10CFCE9}"/>
               </a:ext>
             </a:extLst>
           </p:cNvPr>
@@ -4532,7 +4531,7 @@
           <p:cNvPr id="2" name="Nadpis 1">
             <a:extLst>
               <a:ext uri="{FF2B5EF4-FFF2-40B4-BE49-F238E27FC236}">
-                <a16:creationId xmlns="" xmlns:a16="http://schemas.microsoft.com/office/drawing/2014/main" id="{59DC17C1-419D-44F2-987B-AD5E29D750B8}"/>
+                <a16:creationId xmlns:a16="http://schemas.microsoft.com/office/drawing/2014/main" xmlns="" id="{59DC17C1-419D-44F2-987B-AD5E29D750B8}"/>
               </a:ext>
             </a:extLst>
           </p:cNvPr>
@@ -4561,7 +4560,7 @@
           <p:cNvPr id="3" name="Zástupný objekt pre obsah 2">
             <a:extLst>
               <a:ext uri="{FF2B5EF4-FFF2-40B4-BE49-F238E27FC236}">
-                <a16:creationId xmlns="" xmlns:a16="http://schemas.microsoft.com/office/drawing/2014/main" id="{5BD42F2B-ABA1-4F3A-865F-32330FB152D7}"/>
+                <a16:creationId xmlns:a16="http://schemas.microsoft.com/office/drawing/2014/main" xmlns="" id="{5BD42F2B-ABA1-4F3A-865F-32330FB152D7}"/>
               </a:ext>
             </a:extLst>
           </p:cNvPr>
@@ -4779,7 +4778,7 @@
           <a:graphicData uri="http://schemas.openxmlformats.org/presentationml/2006/ole">
             <mc:AlternateContent xmlns:mc="http://schemas.openxmlformats.org/markup-compatibility/2006">
               <mc:Choice xmlns:v="urn:schemas-microsoft-com:vml" Requires="v">
-                <p:oleObj spid="_x0000_s4180" name="Rovnica" r:id="rId3" imgW="3187700" imgH="901700" progId="Equation.3">
+                <p:oleObj spid="_x0000_s4182" name="Rovnica" r:id="rId3" imgW="3187700" imgH="901700" progId="Equation.3">
                   <p:embed/>
                 </p:oleObj>
               </mc:Choice>
@@ -19234,8 +19233,8 @@
           </a:p>
         </p:txBody>
       </p:sp>
-      <mc:AlternateContent xmlns:mc="http://schemas.openxmlformats.org/markup-compatibility/2006">
-        <mc:Choice xmlns:a14="http://schemas.microsoft.com/office/drawing/2010/main" Requires="a14">
+      <mc:AlternateContent xmlns:mc="http://schemas.openxmlformats.org/markup-compatibility/2006" xmlns:a14="http://schemas.microsoft.com/office/drawing/2010/main">
+        <mc:Choice Requires="a14">
           <p:sp>
             <p:nvSpPr>
               <p:cNvPr id="3" name="Zástupný symbol obsahu 2"/>
@@ -19408,11 +19407,7 @@
                 </a:pPr>
                 <a:r>
                   <a:rPr lang="sk-SK" dirty="0" smtClean="0"/>
-                  <a:t>Aký obraz má integrál signálu </a:t>
-                </a:r>
-                <a:r>
-                  <a:rPr lang="sk-SK" dirty="0" smtClean="0"/>
-                  <a:t>?</a:t>
+                  <a:t>Aký obraz má integrál signálu ?</a:t>
                 </a:r>
               </a:p>
               <a:p>
@@ -19624,7 +19619,7 @@
             </p:txBody>
           </p:sp>
         </mc:Choice>
-        <mc:Fallback>
+        <mc:Fallback xmlns="">
           <p:sp>
             <p:nvSpPr>
               <p:cNvPr id="3" name="Zástupný symbol obsahu 2"/>
@@ -20959,8 +20954,8 @@
           </a:p>
         </p:txBody>
       </p:sp>
-      <mc:AlternateContent xmlns:mc="http://schemas.openxmlformats.org/markup-compatibility/2006">
-        <mc:Choice xmlns:a14="http://schemas.microsoft.com/office/drawing/2010/main" Requires="a14">
+      <mc:AlternateContent xmlns:mc="http://schemas.openxmlformats.org/markup-compatibility/2006" xmlns:a14="http://schemas.microsoft.com/office/drawing/2010/main">
+        <mc:Choice Requires="a14">
           <p:sp>
             <p:nvSpPr>
               <p:cNvPr id="3" name="Zástupný symbol obsahu 2"/>
@@ -20992,11 +20987,7 @@
                 </a:r>
                 <a:r>
                   <a:rPr lang="sk-SK" dirty="0" smtClean="0"/>
-                  <a:t> </a:t>
-                </a:r>
-                <a:r>
-                  <a:rPr lang="sk-SK" dirty="0" smtClean="0"/>
-                  <a:t>pre hodnoty signálov v limitných prípadoch</a:t>
+                  <a:t> pre hodnoty signálov v limitných prípadoch</a:t>
                 </a:r>
               </a:p>
               <a:p>
@@ -21006,15 +20997,7 @@
                 </a:pPr>
                 <a:r>
                   <a:rPr lang="sk-SK" dirty="0" smtClean="0"/>
-                  <a:t>Počiatočná hodnota </a:t>
-                </a:r>
-                <a:r>
-                  <a:rPr lang="sk-SK" dirty="0" smtClean="0"/>
-                  <a:t>= </a:t>
-                </a:r>
-                <a:r>
-                  <a:rPr lang="sk-SK" dirty="0" smtClean="0"/>
-                  <a:t>hodnota signálu v čase nula</a:t>
+                  <a:t>Počiatočná hodnota = hodnota signálu v čase nula</a:t>
                 </a:r>
               </a:p>
               <a:p>
@@ -21024,15 +21007,7 @@
                 </a:pPr>
                 <a:r>
                   <a:rPr lang="sk-SK" dirty="0" smtClean="0"/>
-                  <a:t>Konečná hodnota </a:t>
-                </a:r>
-                <a:r>
-                  <a:rPr lang="sk-SK" dirty="0" smtClean="0"/>
-                  <a:t>= </a:t>
-                </a:r>
-                <a:r>
-                  <a:rPr lang="sk-SK" dirty="0" smtClean="0"/>
-                  <a:t>hodnota v čase nekonečno</a:t>
+                  <a:t>Konečná hodnota = hodnota v čase nekonečno</a:t>
                 </a:r>
               </a:p>
               <a:p>
@@ -21464,7 +21439,7 @@
             </p:txBody>
           </p:sp>
         </mc:Choice>
-        <mc:Fallback>
+        <mc:Fallback xmlns="">
           <p:sp>
             <p:nvSpPr>
               <p:cNvPr id="3" name="Zástupný symbol obsahu 2"/>
@@ -21695,8 +21670,8 @@
           </a:p>
         </p:txBody>
       </p:sp>
-      <mc:AlternateContent xmlns:mc="http://schemas.openxmlformats.org/markup-compatibility/2006">
-        <mc:Choice xmlns:a14="http://schemas.microsoft.com/office/drawing/2010/main" Requires="a14">
+      <mc:AlternateContent xmlns:mc="http://schemas.openxmlformats.org/markup-compatibility/2006" xmlns:a14="http://schemas.microsoft.com/office/drawing/2010/main">
+        <mc:Choice Requires="a14">
           <p:sp>
             <p:nvSpPr>
               <p:cNvPr id="3" name="Zástupný symbol obsahu 2"/>
@@ -22073,11 +22048,7 @@
                 </a:pPr>
                 <a:r>
                   <a:rPr lang="sk-SK" dirty="0" smtClean="0"/>
-                  <a:t>Veľmi dobre opisuje dynamické vlastnosti </a:t>
-                </a:r>
-                <a:r>
-                  <a:rPr lang="sk-SK" dirty="0" smtClean="0"/>
-                  <a:t>systému</a:t>
+                  <a:t>Veľmi dobre opisuje dynamické vlastnosti systému</a:t>
                 </a:r>
               </a:p>
               <a:p>
@@ -22087,19 +22058,7 @@
                 </a:pPr>
                 <a:r>
                   <a:rPr lang="sk-SK" dirty="0" smtClean="0"/>
-                  <a:t>Prenosová </a:t>
-                </a:r>
-                <a:r>
-                  <a:rPr lang="sk-SK" dirty="0" smtClean="0"/>
-                  <a:t>funkcia je </a:t>
-                </a:r>
-                <a:r>
-                  <a:rPr lang="sk-SK" dirty="0" smtClean="0"/>
-                  <a:t>modelom </a:t>
-                </a:r>
-                <a:r>
-                  <a:rPr lang="sk-SK" dirty="0" smtClean="0"/>
-                  <a:t>SISO systému (single </a:t>
+                  <a:t>Prenosová funkcia je modelom SISO systému (single </a:t>
                 </a:r>
                 <a:r>
                   <a:rPr lang="sk-SK" dirty="0" err="1" smtClean="0"/>
@@ -22288,7 +22247,7 @@
             </p:txBody>
           </p:sp>
         </mc:Choice>
-        <mc:Fallback>
+        <mc:Fallback xmlns="">
           <p:sp>
             <p:nvSpPr>
               <p:cNvPr id="3" name="Zástupný symbol obsahu 2"/>
@@ -22520,15 +22479,7 @@
             </a:r>
             <a:r>
               <a:rPr lang="sk-SK" dirty="0" smtClean="0"/>
-              <a:t>funk</a:t>
-            </a:r>
-            <a:r>
-              <a:rPr lang="sk-SK" dirty="0" smtClean="0"/>
-              <a:t>cii</a:t>
-            </a:r>
-            <a:r>
-              <a:rPr lang="sk-SK" dirty="0" smtClean="0"/>
-              <a:t>)</a:t>
+              <a:t>funkcii)</a:t>
             </a:r>
             <a:endParaRPr lang="sk-SK" dirty="0"/>
           </a:p>
@@ -22633,8 +22584,8 @@
           </a:p>
         </p:txBody>
       </p:sp>
-      <mc:AlternateContent xmlns:mc="http://schemas.openxmlformats.org/markup-compatibility/2006">
-        <mc:Choice xmlns:a14="http://schemas.microsoft.com/office/drawing/2010/main" Requires="a14">
+      <mc:AlternateContent xmlns:mc="http://schemas.openxmlformats.org/markup-compatibility/2006" xmlns:a14="http://schemas.microsoft.com/office/drawing/2010/main">
+        <mc:Choice Requires="a14">
           <p:sp>
             <p:nvSpPr>
               <p:cNvPr id="3" name="Zástupný symbol obsahu 2"/>
@@ -24116,7 +24067,7 @@
             </p:txBody>
           </p:sp>
         </mc:Choice>
-        <mc:Fallback>
+        <mc:Fallback xmlns="">
           <p:sp>
             <p:nvSpPr>
               <p:cNvPr id="3" name="Zástupný symbol obsahu 2"/>
@@ -26978,8 +26929,8 @@
           </a:p>
         </p:txBody>
       </p:sp>
-      <mc:AlternateContent xmlns:mc="http://schemas.openxmlformats.org/markup-compatibility/2006" xmlns:a14="http://schemas.microsoft.com/office/drawing/2010/main">
-        <mc:Choice Requires="a14">
+      <mc:AlternateContent xmlns:mc="http://schemas.openxmlformats.org/markup-compatibility/2006">
+        <mc:Choice xmlns:a14="http://schemas.microsoft.com/office/drawing/2010/main" Requires="a14">
           <p:sp>
             <p:nvSpPr>
               <p:cNvPr id="3" name="Zástupný symbol obsahu 2"/>
@@ -26993,12 +26944,12 @@
             <p:spPr>
               <a:xfrm>
                 <a:off x="195991" y="1065158"/>
-                <a:ext cx="5191555" cy="5792842"/>
+                <a:ext cx="5315123" cy="5566301"/>
               </a:xfrm>
             </p:spPr>
             <p:txBody>
               <a:bodyPr>
-                <a:normAutofit/>
+                <a:normAutofit fontScale="92500" lnSpcReduction="10000"/>
               </a:bodyPr>
               <a:lstStyle/>
               <a:p>
@@ -27916,6 +27867,261 @@
                     </m:oMath>
                   </m:oMathPara>
                 </a14:m>
+                <a:endParaRPr lang="sk-SK" dirty="0" smtClean="0"/>
+              </a:p>
+              <a:p>
+                <a:pPr marL="0" indent="0">
+                  <a:lnSpc>
+                    <a:spcPct val="150000"/>
+                  </a:lnSpc>
+                  <a:buNone/>
+                </a:pPr>
+                <a14:m>
+                  <m:oMathPara xmlns:m="http://schemas.openxmlformats.org/officeDocument/2006/math">
+                    <m:oMathParaPr>
+                      <m:jc m:val="centerGroup"/>
+                    </m:oMathParaPr>
+                    <m:oMath xmlns:m="http://schemas.openxmlformats.org/officeDocument/2006/math">
+                      <m:f>
+                        <m:fPr>
+                          <m:ctrlPr>
+                            <a:rPr lang="sk-SK" i="1">
+                              <a:latin typeface="Cambria Math" panose="02040503050406030204" pitchFamily="18" charset="0"/>
+                            </a:rPr>
+                          </m:ctrlPr>
+                        </m:fPr>
+                        <m:num>
+                          <m:r>
+                            <a:rPr lang="sk-SK" i="1">
+                              <a:latin typeface="Cambria Math" panose="02040503050406030204" pitchFamily="18" charset="0"/>
+                            </a:rPr>
+                            <m:t>𝑌</m:t>
+                          </m:r>
+                          <m:r>
+                            <a:rPr lang="sk-SK" i="1">
+                              <a:latin typeface="Cambria Math" panose="02040503050406030204" pitchFamily="18" charset="0"/>
+                            </a:rPr>
+                            <m:t>(</m:t>
+                          </m:r>
+                          <m:r>
+                            <a:rPr lang="sk-SK" i="1">
+                              <a:latin typeface="Cambria Math" panose="02040503050406030204" pitchFamily="18" charset="0"/>
+                            </a:rPr>
+                            <m:t>𝑠</m:t>
+                          </m:r>
+                          <m:r>
+                            <a:rPr lang="sk-SK" i="1">
+                              <a:latin typeface="Cambria Math" panose="02040503050406030204" pitchFamily="18" charset="0"/>
+                            </a:rPr>
+                            <m:t>)</m:t>
+                          </m:r>
+                          <m:r>
+                            <m:rPr>
+                              <m:nor/>
+                            </m:rPr>
+                            <a:rPr lang="sk-SK" dirty="0"/>
+                            <m:t> </m:t>
+                          </m:r>
+                        </m:num>
+                        <m:den>
+                          <m:r>
+                            <a:rPr lang="sk-SK" i="1">
+                              <a:latin typeface="Cambria Math" panose="02040503050406030204" pitchFamily="18" charset="0"/>
+                            </a:rPr>
+                            <m:t>𝑈</m:t>
+                          </m:r>
+                          <m:r>
+                            <a:rPr lang="sk-SK" i="1">
+                              <a:latin typeface="Cambria Math" panose="02040503050406030204" pitchFamily="18" charset="0"/>
+                            </a:rPr>
+                            <m:t>(</m:t>
+                          </m:r>
+                          <m:r>
+                            <a:rPr lang="sk-SK" i="1">
+                              <a:latin typeface="Cambria Math" panose="02040503050406030204" pitchFamily="18" charset="0"/>
+                            </a:rPr>
+                            <m:t>𝑠</m:t>
+                          </m:r>
+                          <m:r>
+                            <a:rPr lang="sk-SK" i="1">
+                              <a:latin typeface="Cambria Math" panose="02040503050406030204" pitchFamily="18" charset="0"/>
+                            </a:rPr>
+                            <m:t>)</m:t>
+                          </m:r>
+                        </m:den>
+                      </m:f>
+                      <m:r>
+                        <a:rPr lang="sk-SK" i="1">
+                          <a:latin typeface="Cambria Math" panose="02040503050406030204" pitchFamily="18" charset="0"/>
+                        </a:rPr>
+                        <m:t>=</m:t>
+                      </m:r>
+                      <m:f>
+                        <m:fPr>
+                          <m:ctrlPr>
+                            <a:rPr lang="sk-SK" i="1">
+                              <a:latin typeface="Cambria Math" panose="02040503050406030204" pitchFamily="18" charset="0"/>
+                            </a:rPr>
+                          </m:ctrlPr>
+                        </m:fPr>
+                        <m:num>
+                          <m:sSub>
+                            <m:sSubPr>
+                              <m:ctrlPr>
+                                <a:rPr lang="sk-SK" i="1">
+                                  <a:latin typeface="Cambria Math" panose="02040503050406030204" pitchFamily="18" charset="0"/>
+                                </a:rPr>
+                              </m:ctrlPr>
+                            </m:sSubPr>
+                            <m:e>
+                              <m:r>
+                                <a:rPr lang="sk-SK" i="1">
+                                  <a:latin typeface="Cambria Math" panose="02040503050406030204" pitchFamily="18" charset="0"/>
+                                </a:rPr>
+                                <m:t>𝐺</m:t>
+                              </m:r>
+                            </m:e>
+                            <m:sub>
+                              <m:r>
+                                <a:rPr lang="sk-SK" b="0" i="1" smtClean="0">
+                                  <a:latin typeface="Cambria Math" panose="02040503050406030204" pitchFamily="18" charset="0"/>
+                                </a:rPr>
+                                <m:t>𝑝𝑟𝑖𝑎𝑚𝑎</m:t>
+                              </m:r>
+                            </m:sub>
+                          </m:sSub>
+                          <m:d>
+                            <m:dPr>
+                              <m:ctrlPr>
+                                <a:rPr lang="sk-SK" i="1">
+                                  <a:latin typeface="Cambria Math" panose="02040503050406030204" pitchFamily="18" charset="0"/>
+                                </a:rPr>
+                              </m:ctrlPr>
+                            </m:dPr>
+                            <m:e>
+                              <m:r>
+                                <a:rPr lang="sk-SK" i="1">
+                                  <a:latin typeface="Cambria Math" panose="02040503050406030204" pitchFamily="18" charset="0"/>
+                                </a:rPr>
+                                <m:t>𝑠</m:t>
+                              </m:r>
+                            </m:e>
+                          </m:d>
+                        </m:num>
+                        <m:den>
+                          <m:r>
+                            <a:rPr lang="sk-SK" i="1">
+                              <a:latin typeface="Cambria Math" panose="02040503050406030204" pitchFamily="18" charset="0"/>
+                            </a:rPr>
+                            <m:t>1−</m:t>
+                          </m:r>
+                          <m:sSub>
+                            <m:sSubPr>
+                              <m:ctrlPr>
+                                <a:rPr lang="sk-SK" i="1">
+                                  <a:latin typeface="Cambria Math" panose="02040503050406030204" pitchFamily="18" charset="0"/>
+                                </a:rPr>
+                              </m:ctrlPr>
+                            </m:sSubPr>
+                            <m:e>
+                              <m:r>
+                                <a:rPr lang="sk-SK" i="1">
+                                  <a:latin typeface="Cambria Math" panose="02040503050406030204" pitchFamily="18" charset="0"/>
+                                </a:rPr>
+                                <m:t>𝐺</m:t>
+                              </m:r>
+                            </m:e>
+                            <m:sub>
+                              <m:r>
+                                <a:rPr lang="sk-SK" b="0" i="1" smtClean="0">
+                                  <a:latin typeface="Cambria Math" panose="02040503050406030204" pitchFamily="18" charset="0"/>
+                                </a:rPr>
+                                <m:t>𝑝𝑟𝑖𝑎𝑚𝑎</m:t>
+                              </m:r>
+                            </m:sub>
+                          </m:sSub>
+                          <m:d>
+                            <m:dPr>
+                              <m:ctrlPr>
+                                <a:rPr lang="sk-SK" i="1">
+                                  <a:latin typeface="Cambria Math" panose="02040503050406030204" pitchFamily="18" charset="0"/>
+                                </a:rPr>
+                              </m:ctrlPr>
+                            </m:dPr>
+                            <m:e>
+                              <m:r>
+                                <a:rPr lang="sk-SK" i="1">
+                                  <a:latin typeface="Cambria Math" panose="02040503050406030204" pitchFamily="18" charset="0"/>
+                                </a:rPr>
+                                <m:t>𝑠</m:t>
+                              </m:r>
+                            </m:e>
+                          </m:d>
+                          <m:sSub>
+                            <m:sSubPr>
+                              <m:ctrlPr>
+                                <a:rPr lang="sk-SK" i="1">
+                                  <a:latin typeface="Cambria Math" panose="02040503050406030204" pitchFamily="18" charset="0"/>
+                                </a:rPr>
+                              </m:ctrlPr>
+                            </m:sSubPr>
+                            <m:e>
+                              <m:r>
+                                <a:rPr lang="sk-SK" i="1">
+                                  <a:latin typeface="Cambria Math" panose="02040503050406030204" pitchFamily="18" charset="0"/>
+                                </a:rPr>
+                                <m:t>𝐺</m:t>
+                              </m:r>
+                            </m:e>
+                            <m:sub>
+                              <m:r>
+                                <a:rPr lang="sk-SK" b="0" i="1" smtClean="0">
+                                  <a:latin typeface="Cambria Math" panose="02040503050406030204" pitchFamily="18" charset="0"/>
+                                </a:rPr>
+                                <m:t>𝑠𝑝</m:t>
+                              </m:r>
+                              <m:r>
+                                <a:rPr lang="sk-SK" b="0" i="1" smtClean="0">
+                                  <a:latin typeface="Cambria Math" panose="02040503050406030204" pitchFamily="18" charset="0"/>
+                                </a:rPr>
+                                <m:t>ä</m:t>
+                              </m:r>
+                              <m:r>
+                                <a:rPr lang="sk-SK" b="0" i="1" smtClean="0">
+                                  <a:latin typeface="Cambria Math" panose="02040503050406030204" pitchFamily="18" charset="0"/>
+                                </a:rPr>
+                                <m:t>𝑡𝑛</m:t>
+                              </m:r>
+                              <m:r>
+                                <a:rPr lang="sk-SK" b="0" i="1" smtClean="0">
+                                  <a:latin typeface="Cambria Math" panose="02040503050406030204" pitchFamily="18" charset="0"/>
+                                </a:rPr>
+                                <m:t>á</m:t>
+                              </m:r>
+                            </m:sub>
+                          </m:sSub>
+                          <m:d>
+                            <m:dPr>
+                              <m:ctrlPr>
+                                <a:rPr lang="sk-SK" i="1">
+                                  <a:latin typeface="Cambria Math" panose="02040503050406030204" pitchFamily="18" charset="0"/>
+                                </a:rPr>
+                              </m:ctrlPr>
+                            </m:dPr>
+                            <m:e>
+                              <m:r>
+                                <a:rPr lang="sk-SK" i="1">
+                                  <a:latin typeface="Cambria Math" panose="02040503050406030204" pitchFamily="18" charset="0"/>
+                                </a:rPr>
+                                <m:t>𝑠</m:t>
+                              </m:r>
+                            </m:e>
+                          </m:d>
+                        </m:den>
+                      </m:f>
+                    </m:oMath>
+                  </m:oMathPara>
+                </a14:m>
                 <a:endParaRPr lang="sk-SK" dirty="0"/>
               </a:p>
               <a:p>
@@ -27935,7 +28141,7 @@
             </p:txBody>
           </p:sp>
         </mc:Choice>
-        <mc:Fallback xmlns="">
+        <mc:Fallback>
           <p:sp>
             <p:nvSpPr>
               <p:cNvPr id="3" name="Zástupný symbol obsahu 2"/>
@@ -27949,12 +28155,12 @@
             <p:spPr>
               <a:xfrm>
                 <a:off x="195991" y="1065158"/>
-                <a:ext cx="5191555" cy="5792842"/>
+                <a:ext cx="5315123" cy="5566301"/>
               </a:xfrm>
               <a:blipFill rotWithShape="0">
                 <a:blip r:embed="rId2"/>
                 <a:stretch>
-                  <a:fillRect l="-2817" t="-1158"/>
+                  <a:fillRect l="-2523" t="-1424"/>
                 </a:stretch>
               </a:blipFill>
             </p:spPr>
@@ -28285,8 +28491,8 @@
           </a:p>
         </p:txBody>
       </p:sp>
-      <mc:AlternateContent xmlns:mc="http://schemas.openxmlformats.org/markup-compatibility/2006" xmlns:a14="http://schemas.microsoft.com/office/drawing/2010/main">
-        <mc:Choice Requires="a14">
+      <mc:AlternateContent xmlns:mc="http://schemas.openxmlformats.org/markup-compatibility/2006">
+        <mc:Choice xmlns:a14="http://schemas.microsoft.com/office/drawing/2010/main" Requires="a14">
           <p:sp>
             <p:nvSpPr>
               <p:cNvPr id="3" name="Zástupný symbol obsahu 2"/>
@@ -28329,8 +28535,21 @@
                 <a:pPr lvl="1"/>
                 <a:r>
                   <a:rPr lang="sk-SK" dirty="0" smtClean="0"/>
-                  <a:t>Prenosová funkcia definovaná ako pomer:</a:t>
-                </a:r>
+                  <a:t>Prenosová funkcia </a:t>
+                </a:r>
+                <a:r>
+                  <a:rPr lang="sk-SK" dirty="0" smtClean="0"/>
+                  <a:t>prúdu motora definovaná </a:t>
+                </a:r>
+                <a:r>
+                  <a:rPr lang="sk-SK" dirty="0" smtClean="0"/>
+                  <a:t>ako pomer</a:t>
+                </a:r>
+                <a:r>
+                  <a:rPr lang="sk-SK" dirty="0" smtClean="0"/>
+                  <a:t>:</a:t>
+                </a:r>
+                <a:endParaRPr lang="sk-SK" dirty="0" smtClean="0"/>
               </a:p>
               <a:p>
                 <a:pPr lvl="1"/>
@@ -28433,7 +28652,7 @@
             </p:txBody>
           </p:sp>
         </mc:Choice>
-        <mc:Fallback xmlns="">
+        <mc:Fallback>
           <p:sp>
             <p:nvSpPr>
               <p:cNvPr id="3" name="Zástupný symbol obsahu 2"/>
@@ -30478,7 +30697,7 @@
         </p:blipFill>
         <p:spPr>
           <a:xfrm>
-            <a:off x="393699" y="3163329"/>
+            <a:off x="393699" y="3023286"/>
             <a:ext cx="8615564" cy="2356022"/>
           </a:xfrm>
           <a:prstGeom prst="rect">
@@ -30486,6 +30705,112 @@
           </a:prstGeom>
         </p:spPr>
       </p:pic>
+      <p:sp>
+        <p:nvSpPr>
+          <p:cNvPr id="5" name="Obdĺžnik 4"/>
+          <p:cNvSpPr/>
+          <p:nvPr/>
+        </p:nvSpPr>
+        <p:spPr>
+          <a:xfrm>
+            <a:off x="4399005" y="3155092"/>
+            <a:ext cx="2751438" cy="1499286"/>
+          </a:xfrm>
+          <a:prstGeom prst="rect">
+            <a:avLst/>
+          </a:prstGeom>
+          <a:noFill/>
+        </p:spPr>
+        <p:style>
+          <a:lnRef idx="2">
+            <a:schemeClr val="accent1">
+              <a:shade val="50000"/>
+            </a:schemeClr>
+          </a:lnRef>
+          <a:fillRef idx="1">
+            <a:schemeClr val="accent1"/>
+          </a:fillRef>
+          <a:effectRef idx="0">
+            <a:schemeClr val="accent1"/>
+          </a:effectRef>
+          <a:fontRef idx="minor">
+            <a:schemeClr val="lt1"/>
+          </a:fontRef>
+        </p:style>
+        <p:txBody>
+          <a:bodyPr rtlCol="0" anchor="ctr"/>
+          <a:lstStyle/>
+          <a:p>
+            <a:pPr algn="ctr"/>
+            <a:endParaRPr lang="sk-SK"/>
+          </a:p>
+        </p:txBody>
+      </p:sp>
+      <p:sp>
+        <p:nvSpPr>
+          <p:cNvPr id="7" name="BlokTextu 6"/>
+          <p:cNvSpPr txBox="1"/>
+          <p:nvPr/>
+        </p:nvSpPr>
+        <p:spPr>
+          <a:xfrm>
+            <a:off x="6145427" y="2060830"/>
+            <a:ext cx="1689245" cy="369332"/>
+          </a:xfrm>
+          <a:prstGeom prst="rect">
+            <a:avLst/>
+          </a:prstGeom>
+          <a:noFill/>
+        </p:spPr>
+        <p:txBody>
+          <a:bodyPr wrap="none" rtlCol="0">
+            <a:spAutoFit/>
+          </a:bodyPr>
+          <a:lstStyle/>
+          <a:p>
+            <a:r>
+              <a:rPr lang="sk-SK" dirty="0" smtClean="0"/>
+              <a:t>Vnútorná slučka</a:t>
+            </a:r>
+            <a:endParaRPr lang="sk-SK" dirty="0"/>
+          </a:p>
+        </p:txBody>
+      </p:sp>
+      <p:cxnSp>
+        <p:nvCxnSpPr>
+          <p:cNvPr id="9" name="Rovná spojovacia šípka 8"/>
+          <p:cNvCxnSpPr>
+            <a:endCxn id="5" idx="0"/>
+          </p:cNvCxnSpPr>
+          <p:nvPr/>
+        </p:nvCxnSpPr>
+        <p:spPr>
+          <a:xfrm flipH="1">
+            <a:off x="5774724" y="2356022"/>
+            <a:ext cx="461319" cy="799070"/>
+          </a:xfrm>
+          <a:prstGeom prst="straightConnector1">
+            <a:avLst/>
+          </a:prstGeom>
+          <a:ln>
+            <a:tailEnd type="triangle"/>
+          </a:ln>
+        </p:spPr>
+        <p:style>
+          <a:lnRef idx="1">
+            <a:schemeClr val="accent1"/>
+          </a:lnRef>
+          <a:fillRef idx="0">
+            <a:schemeClr val="accent1"/>
+          </a:fillRef>
+          <a:effectRef idx="0">
+            <a:schemeClr val="accent1"/>
+          </a:effectRef>
+          <a:fontRef idx="minor">
+            <a:schemeClr val="tx1"/>
+          </a:fontRef>
+        </p:style>
+      </p:cxnSp>
     </p:spTree>
     <p:extLst>
       <p:ext uri="{BB962C8B-B14F-4D97-AF65-F5344CB8AC3E}">
@@ -30545,25 +30870,539 @@
           </a:p>
         </p:txBody>
       </p:sp>
-      <p:sp>
-        <p:nvSpPr>
-          <p:cNvPr id="3" name="Zástupný symbol obsahu 2"/>
-          <p:cNvSpPr>
-            <a:spLocks noGrp="1"/>
-          </p:cNvSpPr>
-          <p:nvPr>
-            <p:ph idx="1"/>
-          </p:nvPr>
-        </p:nvSpPr>
-        <p:spPr/>
-        <p:txBody>
-          <a:bodyPr/>
-          <a:lstStyle/>
-          <a:p>
-            <a:endParaRPr lang="sk-SK" dirty="0"/>
-          </a:p>
-        </p:txBody>
-      </p:sp>
+      <mc:AlternateContent xmlns:mc="http://schemas.openxmlformats.org/markup-compatibility/2006">
+        <mc:Choice xmlns:a14="http://schemas.microsoft.com/office/drawing/2010/main" Requires="a14">
+          <p:sp>
+            <p:nvSpPr>
+              <p:cNvPr id="3" name="Zástupný symbol obsahu 2"/>
+              <p:cNvSpPr>
+                <a:spLocks noGrp="1"/>
+              </p:cNvSpPr>
+              <p:nvPr>
+                <p:ph idx="1"/>
+              </p:nvPr>
+            </p:nvSpPr>
+            <p:spPr/>
+            <p:txBody>
+              <a:bodyPr/>
+              <a:lstStyle/>
+              <a:p>
+                <a:pPr>
+                  <a:buFont typeface="Arial" panose="020B0604020202020204" pitchFamily="34" charset="0"/>
+                  <a:buChar char="•"/>
+                </a:pPr>
+                <a:r>
+                  <a:rPr lang="sk-SK" dirty="0" smtClean="0"/>
+                  <a:t>Ako prvé odvodíme prenos vnútornej slučky </a:t>
+                </a:r>
+              </a:p>
+              <a:p>
+                <a:pPr marL="0" indent="0">
+                  <a:lnSpc>
+                    <a:spcPct val="100000"/>
+                  </a:lnSpc>
+                  <a:spcAft>
+                    <a:spcPts val="1200"/>
+                  </a:spcAft>
+                  <a:buNone/>
+                </a:pPr>
+                <a14:m>
+                  <m:oMathPara xmlns:m="http://schemas.openxmlformats.org/officeDocument/2006/math">
+                    <m:oMathParaPr>
+                      <m:jc m:val="centerGroup"/>
+                    </m:oMathParaPr>
+                    <m:oMath xmlns:m="http://schemas.openxmlformats.org/officeDocument/2006/math">
+                      <m:sSub>
+                        <m:sSubPr>
+                          <m:ctrlPr>
+                            <a:rPr lang="sk-SK" i="1" smtClean="0">
+                              <a:latin typeface="Cambria Math" panose="02040503050406030204" pitchFamily="18" charset="0"/>
+                            </a:rPr>
+                          </m:ctrlPr>
+                        </m:sSubPr>
+                        <m:e>
+                          <m:r>
+                            <a:rPr lang="sk-SK" b="0" i="1" smtClean="0">
+                              <a:latin typeface="Cambria Math" panose="02040503050406030204" pitchFamily="18" charset="0"/>
+                            </a:rPr>
+                            <m:t>𝐺</m:t>
+                          </m:r>
+                        </m:e>
+                        <m:sub>
+                          <m:r>
+                            <a:rPr lang="sk-SK" b="0" i="1" smtClean="0">
+                              <a:latin typeface="Cambria Math" panose="02040503050406030204" pitchFamily="18" charset="0"/>
+                            </a:rPr>
+                            <m:t>𝑖𝑛</m:t>
+                          </m:r>
+                        </m:sub>
+                      </m:sSub>
+                      <m:d>
+                        <m:dPr>
+                          <m:ctrlPr>
+                            <a:rPr lang="sk-SK" b="0" i="1" smtClean="0">
+                              <a:latin typeface="Cambria Math" panose="02040503050406030204" pitchFamily="18" charset="0"/>
+                            </a:rPr>
+                          </m:ctrlPr>
+                        </m:dPr>
+                        <m:e>
+                          <m:r>
+                            <a:rPr lang="sk-SK" b="0" i="1" smtClean="0">
+                              <a:latin typeface="Cambria Math" panose="02040503050406030204" pitchFamily="18" charset="0"/>
+                            </a:rPr>
+                            <m:t>𝑠</m:t>
+                          </m:r>
+                        </m:e>
+                      </m:d>
+                      <m:r>
+                        <a:rPr lang="sk-SK" b="0" i="1" smtClean="0">
+                          <a:latin typeface="Cambria Math" panose="02040503050406030204" pitchFamily="18" charset="0"/>
+                        </a:rPr>
+                        <m:t>=</m:t>
+                      </m:r>
+                      <m:f>
+                        <m:fPr>
+                          <m:ctrlPr>
+                            <a:rPr lang="sk-SK" i="1">
+                              <a:latin typeface="Cambria Math" panose="02040503050406030204" pitchFamily="18" charset="0"/>
+                            </a:rPr>
+                          </m:ctrlPr>
+                        </m:fPr>
+                        <m:num>
+                          <m:sSub>
+                            <m:sSubPr>
+                              <m:ctrlPr>
+                                <a:rPr lang="sk-SK" i="1">
+                                  <a:latin typeface="Cambria Math" panose="02040503050406030204" pitchFamily="18" charset="0"/>
+                                </a:rPr>
+                              </m:ctrlPr>
+                            </m:sSubPr>
+                            <m:e>
+                              <m:r>
+                                <a:rPr lang="sk-SK" i="1">
+                                  <a:latin typeface="Cambria Math" panose="02040503050406030204" pitchFamily="18" charset="0"/>
+                                </a:rPr>
+                                <m:t>𝐺</m:t>
+                              </m:r>
+                            </m:e>
+                            <m:sub>
+                              <m:r>
+                                <a:rPr lang="sk-SK" i="1">
+                                  <a:latin typeface="Cambria Math" panose="02040503050406030204" pitchFamily="18" charset="0"/>
+                                </a:rPr>
+                                <m:t>1</m:t>
+                              </m:r>
+                            </m:sub>
+                          </m:sSub>
+                          <m:d>
+                            <m:dPr>
+                              <m:ctrlPr>
+                                <a:rPr lang="sk-SK" i="1">
+                                  <a:latin typeface="Cambria Math" panose="02040503050406030204" pitchFamily="18" charset="0"/>
+                                </a:rPr>
+                              </m:ctrlPr>
+                            </m:dPr>
+                            <m:e>
+                              <m:r>
+                                <a:rPr lang="sk-SK" i="1">
+                                  <a:latin typeface="Cambria Math" panose="02040503050406030204" pitchFamily="18" charset="0"/>
+                                </a:rPr>
+                                <m:t>𝑠</m:t>
+                              </m:r>
+                            </m:e>
+                          </m:d>
+                        </m:num>
+                        <m:den>
+                          <m:r>
+                            <a:rPr lang="sk-SK" i="1">
+                              <a:latin typeface="Cambria Math" panose="02040503050406030204" pitchFamily="18" charset="0"/>
+                            </a:rPr>
+                            <m:t>1−</m:t>
+                          </m:r>
+                          <m:sSub>
+                            <m:sSubPr>
+                              <m:ctrlPr>
+                                <a:rPr lang="sk-SK" i="1">
+                                  <a:latin typeface="Cambria Math" panose="02040503050406030204" pitchFamily="18" charset="0"/>
+                                </a:rPr>
+                              </m:ctrlPr>
+                            </m:sSubPr>
+                            <m:e>
+                              <m:r>
+                                <a:rPr lang="sk-SK" i="1">
+                                  <a:latin typeface="Cambria Math" panose="02040503050406030204" pitchFamily="18" charset="0"/>
+                                </a:rPr>
+                                <m:t>𝐺</m:t>
+                              </m:r>
+                            </m:e>
+                            <m:sub>
+                              <m:r>
+                                <a:rPr lang="sk-SK" i="1">
+                                  <a:latin typeface="Cambria Math" panose="02040503050406030204" pitchFamily="18" charset="0"/>
+                                </a:rPr>
+                                <m:t>1</m:t>
+                              </m:r>
+                            </m:sub>
+                          </m:sSub>
+                          <m:d>
+                            <m:dPr>
+                              <m:ctrlPr>
+                                <a:rPr lang="sk-SK" i="1">
+                                  <a:latin typeface="Cambria Math" panose="02040503050406030204" pitchFamily="18" charset="0"/>
+                                </a:rPr>
+                              </m:ctrlPr>
+                            </m:dPr>
+                            <m:e>
+                              <m:r>
+                                <a:rPr lang="sk-SK" i="1">
+                                  <a:latin typeface="Cambria Math" panose="02040503050406030204" pitchFamily="18" charset="0"/>
+                                </a:rPr>
+                                <m:t>𝑠</m:t>
+                              </m:r>
+                            </m:e>
+                          </m:d>
+                          <m:sSub>
+                            <m:sSubPr>
+                              <m:ctrlPr>
+                                <a:rPr lang="sk-SK" i="1">
+                                  <a:latin typeface="Cambria Math" panose="02040503050406030204" pitchFamily="18" charset="0"/>
+                                </a:rPr>
+                              </m:ctrlPr>
+                            </m:sSubPr>
+                            <m:e>
+                              <m:r>
+                                <a:rPr lang="sk-SK" i="1">
+                                  <a:latin typeface="Cambria Math" panose="02040503050406030204" pitchFamily="18" charset="0"/>
+                                </a:rPr>
+                                <m:t>𝐺</m:t>
+                              </m:r>
+                            </m:e>
+                            <m:sub>
+                              <m:r>
+                                <a:rPr lang="sk-SK" i="1">
+                                  <a:latin typeface="Cambria Math" panose="02040503050406030204" pitchFamily="18" charset="0"/>
+                                </a:rPr>
+                                <m:t>2</m:t>
+                              </m:r>
+                            </m:sub>
+                          </m:sSub>
+                          <m:d>
+                            <m:dPr>
+                              <m:ctrlPr>
+                                <a:rPr lang="sk-SK" i="1">
+                                  <a:latin typeface="Cambria Math" panose="02040503050406030204" pitchFamily="18" charset="0"/>
+                                </a:rPr>
+                              </m:ctrlPr>
+                            </m:dPr>
+                            <m:e>
+                              <m:r>
+                                <a:rPr lang="sk-SK" i="1">
+                                  <a:latin typeface="Cambria Math" panose="02040503050406030204" pitchFamily="18" charset="0"/>
+                                </a:rPr>
+                                <m:t>𝑠</m:t>
+                              </m:r>
+                            </m:e>
+                          </m:d>
+                        </m:den>
+                      </m:f>
+                    </m:oMath>
+                  </m:oMathPara>
+                </a14:m>
+                <a:endParaRPr lang="sk-SK" dirty="0" smtClean="0"/>
+              </a:p>
+              <a:p>
+                <a:pPr marL="0" indent="0">
+                  <a:lnSpc>
+                    <a:spcPct val="100000"/>
+                  </a:lnSpc>
+                  <a:spcAft>
+                    <a:spcPts val="1200"/>
+                  </a:spcAft>
+                  <a:buNone/>
+                </a:pPr>
+                <a14:m>
+                  <m:oMathPara xmlns:m="http://schemas.openxmlformats.org/officeDocument/2006/math">
+                    <m:oMathParaPr>
+                      <m:jc m:val="centerGroup"/>
+                    </m:oMathParaPr>
+                    <m:oMath xmlns:m="http://schemas.openxmlformats.org/officeDocument/2006/math">
+                      <m:sSub>
+                        <m:sSubPr>
+                          <m:ctrlPr>
+                            <a:rPr lang="sk-SK" sz="1800" i="1">
+                              <a:latin typeface="Cambria Math" panose="02040503050406030204" pitchFamily="18" charset="0"/>
+                            </a:rPr>
+                          </m:ctrlPr>
+                        </m:sSubPr>
+                        <m:e>
+                          <m:r>
+                            <a:rPr lang="sk-SK" sz="1800" i="1">
+                              <a:latin typeface="Cambria Math" panose="02040503050406030204" pitchFamily="18" charset="0"/>
+                            </a:rPr>
+                            <m:t>𝐺</m:t>
+                          </m:r>
+                        </m:e>
+                        <m:sub>
+                          <m:r>
+                            <a:rPr lang="sk-SK" sz="1800" i="1">
+                              <a:latin typeface="Cambria Math" panose="02040503050406030204" pitchFamily="18" charset="0"/>
+                            </a:rPr>
+                            <m:t>𝑖𝑛</m:t>
+                          </m:r>
+                        </m:sub>
+                      </m:sSub>
+                      <m:d>
+                        <m:dPr>
+                          <m:ctrlPr>
+                            <a:rPr lang="sk-SK" sz="1800" i="1">
+                              <a:latin typeface="Cambria Math" panose="02040503050406030204" pitchFamily="18" charset="0"/>
+                            </a:rPr>
+                          </m:ctrlPr>
+                        </m:dPr>
+                        <m:e>
+                          <m:r>
+                            <a:rPr lang="sk-SK" sz="1800" i="1">
+                              <a:latin typeface="Cambria Math" panose="02040503050406030204" pitchFamily="18" charset="0"/>
+                            </a:rPr>
+                            <m:t>𝑠</m:t>
+                          </m:r>
+                        </m:e>
+                      </m:d>
+                      <m:r>
+                        <a:rPr lang="sk-SK" sz="1800" i="1">
+                          <a:latin typeface="Cambria Math" panose="02040503050406030204" pitchFamily="18" charset="0"/>
+                        </a:rPr>
+                        <m:t>=</m:t>
+                      </m:r>
+                      <m:f>
+                        <m:fPr>
+                          <m:ctrlPr>
+                            <a:rPr lang="sk-SK" sz="1800" i="1">
+                              <a:latin typeface="Cambria Math" panose="02040503050406030204" pitchFamily="18" charset="0"/>
+                            </a:rPr>
+                          </m:ctrlPr>
+                        </m:fPr>
+                        <m:num>
+                          <m:f>
+                            <m:fPr>
+                              <m:ctrlPr>
+                                <a:rPr lang="sk-SK" sz="1800" i="1" smtClean="0">
+                                  <a:latin typeface="Cambria Math" panose="02040503050406030204" pitchFamily="18" charset="0"/>
+                                </a:rPr>
+                              </m:ctrlPr>
+                            </m:fPr>
+                            <m:num>
+                              <m:r>
+                                <a:rPr lang="sk-SK" sz="1800" b="0" i="1" smtClean="0">
+                                  <a:latin typeface="Cambria Math" panose="02040503050406030204" pitchFamily="18" charset="0"/>
+                                </a:rPr>
+                                <m:t>1</m:t>
+                              </m:r>
+                            </m:num>
+                            <m:den>
+                              <m:r>
+                                <a:rPr lang="sk-SK" sz="1800" b="0" i="1" smtClean="0">
+                                  <a:latin typeface="Cambria Math" panose="02040503050406030204" pitchFamily="18" charset="0"/>
+                                </a:rPr>
+                                <m:t>𝐽𝑠</m:t>
+                              </m:r>
+                            </m:den>
+                          </m:f>
+                        </m:num>
+                        <m:den>
+                          <m:r>
+                            <a:rPr lang="sk-SK" sz="1800" i="1">
+                              <a:latin typeface="Cambria Math" panose="02040503050406030204" pitchFamily="18" charset="0"/>
+                            </a:rPr>
+                            <m:t>1</m:t>
+                          </m:r>
+                          <m:r>
+                            <a:rPr lang="sk-SK" sz="1800" b="0" i="1" smtClean="0">
+                              <a:latin typeface="Cambria Math" panose="02040503050406030204" pitchFamily="18" charset="0"/>
+                            </a:rPr>
+                            <m:t>+</m:t>
+                          </m:r>
+                          <m:f>
+                            <m:fPr>
+                              <m:ctrlPr>
+                                <a:rPr lang="sk-SK" sz="1800" i="1">
+                                  <a:latin typeface="Cambria Math" panose="02040503050406030204" pitchFamily="18" charset="0"/>
+                                </a:rPr>
+                              </m:ctrlPr>
+                            </m:fPr>
+                            <m:num>
+                              <m:r>
+                                <a:rPr lang="sk-SK" sz="1800" i="1">
+                                  <a:latin typeface="Cambria Math" panose="02040503050406030204" pitchFamily="18" charset="0"/>
+                                </a:rPr>
+                                <m:t>1</m:t>
+                              </m:r>
+                            </m:num>
+                            <m:den>
+                              <m:r>
+                                <a:rPr lang="sk-SK" sz="1800" i="1">
+                                  <a:latin typeface="Cambria Math" panose="02040503050406030204" pitchFamily="18" charset="0"/>
+                                </a:rPr>
+                                <m:t>𝐽𝑠</m:t>
+                              </m:r>
+                            </m:den>
+                          </m:f>
+                          <m:r>
+                            <a:rPr lang="sk-SK" sz="1800" i="1" smtClean="0">
+                              <a:latin typeface="Cambria Math" panose="02040503050406030204" pitchFamily="18" charset="0"/>
+                            </a:rPr>
+                            <m:t>𝐵</m:t>
+                          </m:r>
+                        </m:den>
+                      </m:f>
+                    </m:oMath>
+                  </m:oMathPara>
+                </a14:m>
+                <a:endParaRPr lang="sk-SK" dirty="0" smtClean="0"/>
+              </a:p>
+              <a:p>
+                <a:pPr marL="0" indent="0">
+                  <a:lnSpc>
+                    <a:spcPct val="100000"/>
+                  </a:lnSpc>
+                  <a:spcAft>
+                    <a:spcPts val="1200"/>
+                  </a:spcAft>
+                  <a:buNone/>
+                </a:pPr>
+                <a14:m>
+                  <m:oMathPara xmlns:m="http://schemas.openxmlformats.org/officeDocument/2006/math">
+                    <m:oMathParaPr>
+                      <m:jc m:val="centerGroup"/>
+                    </m:oMathParaPr>
+                    <m:oMath xmlns:m="http://schemas.openxmlformats.org/officeDocument/2006/math">
+                      <m:sSub>
+                        <m:sSubPr>
+                          <m:ctrlPr>
+                            <a:rPr lang="sk-SK" i="1">
+                              <a:latin typeface="Cambria Math" panose="02040503050406030204" pitchFamily="18" charset="0"/>
+                            </a:rPr>
+                          </m:ctrlPr>
+                        </m:sSubPr>
+                        <m:e>
+                          <m:r>
+                            <a:rPr lang="sk-SK" b="0" i="1">
+                              <a:latin typeface="Cambria Math" panose="02040503050406030204" pitchFamily="18" charset="0"/>
+                            </a:rPr>
+                            <m:t>𝐺</m:t>
+                          </m:r>
+                        </m:e>
+                        <m:sub>
+                          <m:r>
+                            <a:rPr lang="sk-SK" b="0" i="1">
+                              <a:latin typeface="Cambria Math" panose="02040503050406030204" pitchFamily="18" charset="0"/>
+                            </a:rPr>
+                            <m:t>𝑖𝑛</m:t>
+                          </m:r>
+                        </m:sub>
+                      </m:sSub>
+                      <m:d>
+                        <m:dPr>
+                          <m:ctrlPr>
+                            <a:rPr lang="sk-SK" i="1">
+                              <a:latin typeface="Cambria Math" panose="02040503050406030204" pitchFamily="18" charset="0"/>
+                            </a:rPr>
+                          </m:ctrlPr>
+                        </m:dPr>
+                        <m:e>
+                          <m:r>
+                            <a:rPr lang="sk-SK" b="0" i="1">
+                              <a:latin typeface="Cambria Math" panose="02040503050406030204" pitchFamily="18" charset="0"/>
+                            </a:rPr>
+                            <m:t>𝑠</m:t>
+                          </m:r>
+                        </m:e>
+                      </m:d>
+                      <m:r>
+                        <a:rPr lang="sk-SK" b="0" i="1">
+                          <a:latin typeface="Cambria Math" panose="02040503050406030204" pitchFamily="18" charset="0"/>
+                        </a:rPr>
+                        <m:t>=</m:t>
+                      </m:r>
+                      <m:f>
+                        <m:fPr>
+                          <m:ctrlPr>
+                            <a:rPr lang="sk-SK" i="1">
+                              <a:latin typeface="Cambria Math" panose="02040503050406030204" pitchFamily="18" charset="0"/>
+                            </a:rPr>
+                          </m:ctrlPr>
+                        </m:fPr>
+                        <m:num>
+                          <m:r>
+                            <a:rPr lang="sk-SK" b="0" i="1" smtClean="0">
+                              <a:latin typeface="Cambria Math" panose="02040503050406030204" pitchFamily="18" charset="0"/>
+                            </a:rPr>
+                            <m:t>1</m:t>
+                          </m:r>
+                        </m:num>
+                        <m:den>
+                          <m:r>
+                            <a:rPr lang="sk-SK" b="0" i="1" smtClean="0">
+                              <a:latin typeface="Cambria Math" panose="02040503050406030204" pitchFamily="18" charset="0"/>
+                            </a:rPr>
+                            <m:t>𝐽𝑠</m:t>
+                          </m:r>
+                          <m:r>
+                            <a:rPr lang="sk-SK" b="0" i="1">
+                              <a:latin typeface="Cambria Math" panose="02040503050406030204" pitchFamily="18" charset="0"/>
+                            </a:rPr>
+                            <m:t>+</m:t>
+                          </m:r>
+                          <m:r>
+                            <a:rPr lang="sk-SK" b="0" i="1">
+                              <a:latin typeface="Cambria Math" panose="02040503050406030204" pitchFamily="18" charset="0"/>
+                            </a:rPr>
+                            <m:t>𝐵</m:t>
+                          </m:r>
+                        </m:den>
+                      </m:f>
+                    </m:oMath>
+                  </m:oMathPara>
+                </a14:m>
+                <a:endParaRPr lang="sk-SK" dirty="0"/>
+              </a:p>
+            </p:txBody>
+          </p:sp>
+        </mc:Choice>
+        <mc:Fallback>
+          <p:sp>
+            <p:nvSpPr>
+              <p:cNvPr id="3" name="Zástupný symbol obsahu 2"/>
+              <p:cNvSpPr>
+                <a:spLocks noGrp="1" noRot="1" noChangeAspect="1" noMove="1" noResize="1" noEditPoints="1" noAdjustHandles="1" noChangeArrowheads="1" noChangeShapeType="1" noTextEdit="1"/>
+              </p:cNvSpPr>
+              <p:nvPr>
+                <p:ph idx="1"/>
+              </p:nvPr>
+            </p:nvSpPr>
+            <p:spPr>
+              <a:blipFill rotWithShape="0">
+                <a:blip r:embed="rId2"/>
+                <a:stretch>
+                  <a:fillRect l="-1752" t="-1291"/>
+                </a:stretch>
+              </a:blipFill>
+            </p:spPr>
+            <p:txBody>
+              <a:bodyPr/>
+              <a:lstStyle/>
+              <a:p>
+                <a:r>
+                  <a:rPr lang="sk-SK">
+                    <a:noFill/>
+                  </a:rPr>
+                  <a:t> </a:t>
+                </a:r>
+              </a:p>
+            </p:txBody>
+          </p:sp>
+        </mc:Fallback>
+      </mc:AlternateContent>
       <p:pic>
         <p:nvPicPr>
           <p:cNvPr id="4" name="Obrázok 3"/>
@@ -30573,13 +31412,13 @@
           <p:nvPr/>
         </p:nvPicPr>
         <p:blipFill rotWithShape="1">
-          <a:blip r:embed="rId2"/>
+          <a:blip r:embed="rId3"/>
           <a:srcRect l="9369" t="31637" r="7568" b="16939"/>
           <a:stretch/>
         </p:blipFill>
         <p:spPr>
           <a:xfrm>
-            <a:off x="1005015" y="1466335"/>
+            <a:off x="988537" y="4157495"/>
             <a:ext cx="7545862" cy="2168821"/>
           </a:xfrm>
           <a:prstGeom prst="rect">
@@ -30587,6 +31426,142 @@
           </a:prstGeom>
         </p:spPr>
       </p:pic>
+      <p:sp>
+        <p:nvSpPr>
+          <p:cNvPr id="5" name="BlokTextu 4"/>
+          <p:cNvSpPr txBox="1"/>
+          <p:nvPr/>
+        </p:nvSpPr>
+        <p:spPr>
+          <a:xfrm>
+            <a:off x="6779442" y="1290592"/>
+            <a:ext cx="2290417" cy="923330"/>
+          </a:xfrm>
+          <a:prstGeom prst="rect">
+            <a:avLst/>
+          </a:prstGeom>
+          <a:noFill/>
+        </p:spPr>
+        <p:txBody>
+          <a:bodyPr wrap="square" rtlCol="0">
+            <a:spAutoFit/>
+          </a:bodyPr>
+          <a:lstStyle/>
+          <a:p>
+            <a:r>
+              <a:rPr lang="sk-SK" dirty="0" smtClean="0"/>
+              <a:t>Výsledný prenos </a:t>
+            </a:r>
+            <a:r>
+              <a:rPr lang="sk-SK" dirty="0" err="1" smtClean="0"/>
+              <a:t>spätnoväzobnej</a:t>
+            </a:r>
+            <a:r>
+              <a:rPr lang="sk-SK" dirty="0" smtClean="0"/>
+              <a:t> štruktúry </a:t>
+            </a:r>
+            <a:endParaRPr lang="sk-SK" dirty="0"/>
+          </a:p>
+        </p:txBody>
+      </p:sp>
+      <p:cxnSp>
+        <p:nvCxnSpPr>
+          <p:cNvPr id="7" name="Rovná spojovacia šípka 6"/>
+          <p:cNvCxnSpPr>
+            <a:stCxn id="5" idx="1"/>
+          </p:cNvCxnSpPr>
+          <p:nvPr/>
+        </p:nvCxnSpPr>
+        <p:spPr>
+          <a:xfrm flipH="1">
+            <a:off x="5973544" y="1752257"/>
+            <a:ext cx="805898" cy="2404"/>
+          </a:xfrm>
+          <a:prstGeom prst="straightConnector1">
+            <a:avLst/>
+          </a:prstGeom>
+          <a:ln>
+            <a:tailEnd type="triangle"/>
+          </a:ln>
+        </p:spPr>
+        <p:style>
+          <a:lnRef idx="1">
+            <a:schemeClr val="accent1"/>
+          </a:lnRef>
+          <a:fillRef idx="0">
+            <a:schemeClr val="accent1"/>
+          </a:fillRef>
+          <a:effectRef idx="0">
+            <a:schemeClr val="accent1"/>
+          </a:effectRef>
+          <a:fontRef idx="minor">
+            <a:schemeClr val="tx1"/>
+          </a:fontRef>
+        </p:style>
+      </p:cxnSp>
+      <p:sp>
+        <p:nvSpPr>
+          <p:cNvPr id="10" name="BlokTextu 9"/>
+          <p:cNvSpPr txBox="1"/>
+          <p:nvPr/>
+        </p:nvSpPr>
+        <p:spPr>
+          <a:xfrm>
+            <a:off x="560172" y="2759330"/>
+            <a:ext cx="2117125" cy="923330"/>
+          </a:xfrm>
+          <a:prstGeom prst="rect">
+            <a:avLst/>
+          </a:prstGeom>
+          <a:noFill/>
+        </p:spPr>
+        <p:txBody>
+          <a:bodyPr wrap="square" rtlCol="0">
+            <a:spAutoFit/>
+          </a:bodyPr>
+          <a:lstStyle/>
+          <a:p>
+            <a:r>
+              <a:rPr lang="sk-SK" dirty="0" smtClean="0"/>
+              <a:t>V prípade zápornej spätnej väzby je v menovateli +</a:t>
+            </a:r>
+            <a:endParaRPr lang="sk-SK" dirty="0"/>
+          </a:p>
+        </p:txBody>
+      </p:sp>
+      <p:cxnSp>
+        <p:nvCxnSpPr>
+          <p:cNvPr id="12" name="Rovná spojovacia šípka 11"/>
+          <p:cNvCxnSpPr/>
+          <p:nvPr/>
+        </p:nvCxnSpPr>
+        <p:spPr>
+          <a:xfrm flipV="1">
+            <a:off x="2380735" y="3064476"/>
+            <a:ext cx="2487827" cy="156519"/>
+          </a:xfrm>
+          <a:prstGeom prst="straightConnector1">
+            <a:avLst/>
+          </a:prstGeom>
+          <a:ln>
+            <a:tailEnd type="triangle"/>
+          </a:ln>
+        </p:spPr>
+        <p:style>
+          <a:lnRef idx="1">
+            <a:schemeClr val="accent1"/>
+          </a:lnRef>
+          <a:fillRef idx="0">
+            <a:schemeClr val="accent1"/>
+          </a:fillRef>
+          <a:effectRef idx="0">
+            <a:schemeClr val="accent1"/>
+          </a:effectRef>
+          <a:fontRef idx="minor">
+            <a:schemeClr val="tx1"/>
+          </a:fontRef>
+        </p:style>
+      </p:cxnSp>
     </p:spTree>
     <p:extLst>
       <p:ext uri="{BB962C8B-B14F-4D97-AF65-F5344CB8AC3E}">
@@ -30641,25 +31616,1145 @@
           </a:p>
         </p:txBody>
       </p:sp>
+      <mc:AlternateContent xmlns:mc="http://schemas.openxmlformats.org/markup-compatibility/2006">
+        <mc:Choice xmlns:a14="http://schemas.microsoft.com/office/drawing/2010/main" Requires="a14">
+          <p:sp>
+            <p:nvSpPr>
+              <p:cNvPr id="3" name="Zástupný symbol obsahu 2"/>
+              <p:cNvSpPr>
+                <a:spLocks noGrp="1"/>
+              </p:cNvSpPr>
+              <p:nvPr>
+                <p:ph idx="1"/>
+              </p:nvPr>
+            </p:nvSpPr>
+            <p:spPr/>
+            <p:txBody>
+              <a:bodyPr/>
+              <a:lstStyle/>
+              <a:p>
+                <a:pPr>
+                  <a:buFont typeface="Arial" panose="020B0604020202020204" pitchFamily="34" charset="0"/>
+                  <a:buChar char="•"/>
+                </a:pPr>
+                <a:r>
+                  <a:rPr lang="sk-SK" dirty="0" smtClean="0"/>
+                  <a:t>Prenos vonkajšej slučky</a:t>
+                </a:r>
+              </a:p>
+              <a:p>
+                <a:pPr>
+                  <a:buFont typeface="Arial" panose="020B0604020202020204" pitchFamily="34" charset="0"/>
+                  <a:buChar char="•"/>
+                </a:pPr>
+                <a:endParaRPr lang="sk-SK" dirty="0" smtClean="0"/>
+              </a:p>
+              <a:p>
+                <a:pPr marL="0" indent="0">
+                  <a:buNone/>
+                </a:pPr>
+                <a14:m>
+                  <m:oMathPara xmlns:m="http://schemas.openxmlformats.org/officeDocument/2006/math">
+                    <m:oMathParaPr>
+                      <m:jc m:val="centerGroup"/>
+                    </m:oMathParaPr>
+                    <m:oMath xmlns:m="http://schemas.openxmlformats.org/officeDocument/2006/math">
+                      <m:sSub>
+                        <m:sSubPr>
+                          <m:ctrlPr>
+                            <a:rPr lang="sk-SK" i="1">
+                              <a:latin typeface="Cambria Math" panose="02040503050406030204" pitchFamily="18" charset="0"/>
+                            </a:rPr>
+                          </m:ctrlPr>
+                        </m:sSubPr>
+                        <m:e>
+                          <m:r>
+                            <a:rPr lang="sk-SK" i="1">
+                              <a:latin typeface="Cambria Math" panose="02040503050406030204" pitchFamily="18" charset="0"/>
+                            </a:rPr>
+                            <m:t>𝐺</m:t>
+                          </m:r>
+                        </m:e>
+                        <m:sub>
+                          <m:r>
+                            <a:rPr lang="sk-SK" b="0" i="1" smtClean="0">
+                              <a:latin typeface="Cambria Math" panose="02040503050406030204" pitchFamily="18" charset="0"/>
+                            </a:rPr>
+                            <m:t>𝑜𝑢𝑡</m:t>
+                          </m:r>
+                        </m:sub>
+                      </m:sSub>
+                      <m:d>
+                        <m:dPr>
+                          <m:ctrlPr>
+                            <a:rPr lang="sk-SK" i="1">
+                              <a:latin typeface="Cambria Math" panose="02040503050406030204" pitchFamily="18" charset="0"/>
+                            </a:rPr>
+                          </m:ctrlPr>
+                        </m:dPr>
+                        <m:e>
+                          <m:r>
+                            <a:rPr lang="sk-SK" i="1">
+                              <a:latin typeface="Cambria Math" panose="02040503050406030204" pitchFamily="18" charset="0"/>
+                            </a:rPr>
+                            <m:t>𝑠</m:t>
+                          </m:r>
+                        </m:e>
+                      </m:d>
+                      <m:r>
+                        <a:rPr lang="sk-SK" i="1">
+                          <a:latin typeface="Cambria Math" panose="02040503050406030204" pitchFamily="18" charset="0"/>
+                        </a:rPr>
+                        <m:t>=</m:t>
+                      </m:r>
+                      <m:f>
+                        <m:fPr>
+                          <m:ctrlPr>
+                            <a:rPr lang="sk-SK" i="1" smtClean="0">
+                              <a:latin typeface="Cambria Math" panose="02040503050406030204" pitchFamily="18" charset="0"/>
+                            </a:rPr>
+                          </m:ctrlPr>
+                        </m:fPr>
+                        <m:num>
+                          <m:d>
+                            <m:dPr>
+                              <m:ctrlPr>
+                                <a:rPr lang="sk-SK" i="1" smtClean="0">
+                                  <a:latin typeface="Cambria Math" panose="02040503050406030204" pitchFamily="18" charset="0"/>
+                                </a:rPr>
+                              </m:ctrlPr>
+                            </m:dPr>
+                            <m:e>
+                              <m:f>
+                                <m:fPr>
+                                  <m:ctrlPr>
+                                    <a:rPr lang="sk-SK" i="1">
+                                      <a:latin typeface="Cambria Math" panose="02040503050406030204" pitchFamily="18" charset="0"/>
+                                    </a:rPr>
+                                  </m:ctrlPr>
+                                </m:fPr>
+                                <m:num>
+                                  <m:r>
+                                    <a:rPr lang="sk-SK" i="1">
+                                      <a:latin typeface="Cambria Math" panose="02040503050406030204" pitchFamily="18" charset="0"/>
+                                    </a:rPr>
+                                    <m:t>1</m:t>
+                                  </m:r>
+                                </m:num>
+                                <m:den>
+                                  <m:r>
+                                    <a:rPr lang="sk-SK" i="1">
+                                      <a:latin typeface="Cambria Math" panose="02040503050406030204" pitchFamily="18" charset="0"/>
+                                    </a:rPr>
+                                    <m:t>𝐽𝑠</m:t>
+                                  </m:r>
+                                  <m:r>
+                                    <a:rPr lang="sk-SK" i="1">
+                                      <a:latin typeface="Cambria Math" panose="02040503050406030204" pitchFamily="18" charset="0"/>
+                                    </a:rPr>
+                                    <m:t>+</m:t>
+                                  </m:r>
+                                  <m:r>
+                                    <a:rPr lang="sk-SK" i="1">
+                                      <a:latin typeface="Cambria Math" panose="02040503050406030204" pitchFamily="18" charset="0"/>
+                                    </a:rPr>
+                                    <m:t>𝐵</m:t>
+                                  </m:r>
+                                </m:den>
+                              </m:f>
+                            </m:e>
+                          </m:d>
+                          <m:d>
+                            <m:dPr>
+                              <m:ctrlPr>
+                                <a:rPr lang="sk-SK" i="1" smtClean="0">
+                                  <a:latin typeface="Cambria Math" panose="02040503050406030204" pitchFamily="18" charset="0"/>
+                                </a:rPr>
+                              </m:ctrlPr>
+                            </m:dPr>
+                            <m:e>
+                              <m:f>
+                                <m:fPr>
+                                  <m:ctrlPr>
+                                    <a:rPr lang="sk-SK" i="1">
+                                      <a:latin typeface="Cambria Math" panose="02040503050406030204" pitchFamily="18" charset="0"/>
+                                    </a:rPr>
+                                  </m:ctrlPr>
+                                </m:fPr>
+                                <m:num>
+                                  <m:r>
+                                    <a:rPr lang="sk-SK" i="1">
+                                      <a:latin typeface="Cambria Math" panose="02040503050406030204" pitchFamily="18" charset="0"/>
+                                    </a:rPr>
+                                    <m:t>1</m:t>
+                                  </m:r>
+                                </m:num>
+                                <m:den>
+                                  <m:r>
+                                    <a:rPr lang="sk-SK" i="1">
+                                      <a:latin typeface="Cambria Math" panose="02040503050406030204" pitchFamily="18" charset="0"/>
+                                    </a:rPr>
+                                    <m:t>𝑅</m:t>
+                                  </m:r>
+                                  <m:r>
+                                    <a:rPr lang="sk-SK" i="1">
+                                      <a:latin typeface="Cambria Math" panose="02040503050406030204" pitchFamily="18" charset="0"/>
+                                    </a:rPr>
+                                    <m:t>+</m:t>
+                                  </m:r>
+                                  <m:r>
+                                    <a:rPr lang="sk-SK" i="1">
+                                      <a:latin typeface="Cambria Math" panose="02040503050406030204" pitchFamily="18" charset="0"/>
+                                    </a:rPr>
+                                    <m:t>𝐿𝑠</m:t>
+                                  </m:r>
+                                </m:den>
+                              </m:f>
+                            </m:e>
+                          </m:d>
+                          <m:sSub>
+                            <m:sSubPr>
+                              <m:ctrlPr>
+                                <a:rPr lang="sk-SK" i="1" smtClean="0">
+                                  <a:latin typeface="Cambria Math" panose="02040503050406030204" pitchFamily="18" charset="0"/>
+                                </a:rPr>
+                              </m:ctrlPr>
+                            </m:sSubPr>
+                            <m:e>
+                              <m:r>
+                                <a:rPr lang="sk-SK" b="0" i="1" smtClean="0">
+                                  <a:latin typeface="Cambria Math" panose="02040503050406030204" pitchFamily="18" charset="0"/>
+                                </a:rPr>
+                                <m:t>𝐶</m:t>
+                              </m:r>
+                            </m:e>
+                            <m:sub>
+                              <m:r>
+                                <a:rPr lang="sk-SK" b="0" i="1" smtClean="0">
+                                  <a:latin typeface="Cambria Math" panose="02040503050406030204" pitchFamily="18" charset="0"/>
+                                </a:rPr>
+                                <m:t>𝑢</m:t>
+                              </m:r>
+                            </m:sub>
+                          </m:sSub>
+                        </m:num>
+                        <m:den>
+                          <m:r>
+                            <a:rPr lang="sk-SK" b="0" i="1" smtClean="0">
+                              <a:latin typeface="Cambria Math" panose="02040503050406030204" pitchFamily="18" charset="0"/>
+                            </a:rPr>
+                            <m:t>1+</m:t>
+                          </m:r>
+                          <m:d>
+                            <m:dPr>
+                              <m:ctrlPr>
+                                <a:rPr lang="sk-SK" i="1">
+                                  <a:latin typeface="Cambria Math" panose="02040503050406030204" pitchFamily="18" charset="0"/>
+                                </a:rPr>
+                              </m:ctrlPr>
+                            </m:dPr>
+                            <m:e>
+                              <m:f>
+                                <m:fPr>
+                                  <m:ctrlPr>
+                                    <a:rPr lang="sk-SK" i="1">
+                                      <a:latin typeface="Cambria Math" panose="02040503050406030204" pitchFamily="18" charset="0"/>
+                                    </a:rPr>
+                                  </m:ctrlPr>
+                                </m:fPr>
+                                <m:num>
+                                  <m:r>
+                                    <a:rPr lang="sk-SK" i="1">
+                                      <a:latin typeface="Cambria Math" panose="02040503050406030204" pitchFamily="18" charset="0"/>
+                                    </a:rPr>
+                                    <m:t>1</m:t>
+                                  </m:r>
+                                </m:num>
+                                <m:den>
+                                  <m:r>
+                                    <a:rPr lang="sk-SK" i="1">
+                                      <a:latin typeface="Cambria Math" panose="02040503050406030204" pitchFamily="18" charset="0"/>
+                                    </a:rPr>
+                                    <m:t>𝐽𝑠</m:t>
+                                  </m:r>
+                                  <m:r>
+                                    <a:rPr lang="sk-SK" i="1">
+                                      <a:latin typeface="Cambria Math" panose="02040503050406030204" pitchFamily="18" charset="0"/>
+                                    </a:rPr>
+                                    <m:t>+</m:t>
+                                  </m:r>
+                                  <m:r>
+                                    <a:rPr lang="sk-SK" i="1">
+                                      <a:latin typeface="Cambria Math" panose="02040503050406030204" pitchFamily="18" charset="0"/>
+                                    </a:rPr>
+                                    <m:t>𝐵</m:t>
+                                  </m:r>
+                                </m:den>
+                              </m:f>
+                            </m:e>
+                          </m:d>
+                          <m:d>
+                            <m:dPr>
+                              <m:ctrlPr>
+                                <a:rPr lang="sk-SK" i="1">
+                                  <a:latin typeface="Cambria Math" panose="02040503050406030204" pitchFamily="18" charset="0"/>
+                                </a:rPr>
+                              </m:ctrlPr>
+                            </m:dPr>
+                            <m:e>
+                              <m:f>
+                                <m:fPr>
+                                  <m:ctrlPr>
+                                    <a:rPr lang="sk-SK" i="1">
+                                      <a:latin typeface="Cambria Math" panose="02040503050406030204" pitchFamily="18" charset="0"/>
+                                    </a:rPr>
+                                  </m:ctrlPr>
+                                </m:fPr>
+                                <m:num>
+                                  <m:r>
+                                    <a:rPr lang="sk-SK" i="1">
+                                      <a:latin typeface="Cambria Math" panose="02040503050406030204" pitchFamily="18" charset="0"/>
+                                    </a:rPr>
+                                    <m:t>1</m:t>
+                                  </m:r>
+                                </m:num>
+                                <m:den>
+                                  <m:r>
+                                    <a:rPr lang="sk-SK" i="1">
+                                      <a:latin typeface="Cambria Math" panose="02040503050406030204" pitchFamily="18" charset="0"/>
+                                    </a:rPr>
+                                    <m:t>𝑅</m:t>
+                                  </m:r>
+                                  <m:r>
+                                    <a:rPr lang="sk-SK" i="1">
+                                      <a:latin typeface="Cambria Math" panose="02040503050406030204" pitchFamily="18" charset="0"/>
+                                    </a:rPr>
+                                    <m:t>+</m:t>
+                                  </m:r>
+                                  <m:r>
+                                    <a:rPr lang="sk-SK" i="1">
+                                      <a:latin typeface="Cambria Math" panose="02040503050406030204" pitchFamily="18" charset="0"/>
+                                    </a:rPr>
+                                    <m:t>𝐿𝑠</m:t>
+                                  </m:r>
+                                </m:den>
+                              </m:f>
+                            </m:e>
+                          </m:d>
+                          <m:sSub>
+                            <m:sSubPr>
+                              <m:ctrlPr>
+                                <a:rPr lang="sk-SK" i="1">
+                                  <a:latin typeface="Cambria Math" panose="02040503050406030204" pitchFamily="18" charset="0"/>
+                                </a:rPr>
+                              </m:ctrlPr>
+                            </m:sSubPr>
+                            <m:e>
+                              <m:r>
+                                <a:rPr lang="sk-SK" i="1">
+                                  <a:latin typeface="Cambria Math" panose="02040503050406030204" pitchFamily="18" charset="0"/>
+                                </a:rPr>
+                                <m:t>𝐶</m:t>
+                              </m:r>
+                            </m:e>
+                            <m:sub>
+                              <m:r>
+                                <a:rPr lang="sk-SK" i="1">
+                                  <a:latin typeface="Cambria Math" panose="02040503050406030204" pitchFamily="18" charset="0"/>
+                                </a:rPr>
+                                <m:t>𝑢</m:t>
+                              </m:r>
+                            </m:sub>
+                          </m:sSub>
+                          <m:sSub>
+                            <m:sSubPr>
+                              <m:ctrlPr>
+                                <a:rPr lang="sk-SK" i="1">
+                                  <a:latin typeface="Cambria Math" panose="02040503050406030204" pitchFamily="18" charset="0"/>
+                                </a:rPr>
+                              </m:ctrlPr>
+                            </m:sSubPr>
+                            <m:e>
+                              <m:r>
+                                <a:rPr lang="sk-SK" i="1">
+                                  <a:latin typeface="Cambria Math" panose="02040503050406030204" pitchFamily="18" charset="0"/>
+                                </a:rPr>
+                                <m:t>𝐶</m:t>
+                              </m:r>
+                            </m:e>
+                            <m:sub>
+                              <m:r>
+                                <a:rPr lang="sk-SK" i="1">
+                                  <a:latin typeface="Cambria Math" panose="02040503050406030204" pitchFamily="18" charset="0"/>
+                                </a:rPr>
+                                <m:t>𝑢</m:t>
+                              </m:r>
+                            </m:sub>
+                          </m:sSub>
+                        </m:den>
+                      </m:f>
+                    </m:oMath>
+                  </m:oMathPara>
+                </a14:m>
+                <a:endParaRPr lang="sk-SK" dirty="0" smtClean="0"/>
+              </a:p>
+              <a:p>
+                <a:pPr marL="0" indent="0">
+                  <a:buNone/>
+                </a:pPr>
+                <a:endParaRPr lang="sk-SK" dirty="0" smtClean="0"/>
+              </a:p>
+              <a:p>
+                <a:pPr marL="0" indent="0">
+                  <a:buNone/>
+                </a:pPr>
+                <a:endParaRPr lang="sk-SK" i="1" dirty="0" smtClean="0">
+                  <a:latin typeface="Cambria Math" panose="02040503050406030204" pitchFamily="18" charset="0"/>
+                </a:endParaRPr>
+              </a:p>
+              <a:p>
+                <a:pPr marL="0" indent="0">
+                  <a:buNone/>
+                </a:pPr>
+                <a14:m>
+                  <m:oMathPara xmlns:m="http://schemas.openxmlformats.org/officeDocument/2006/math">
+                    <m:oMathParaPr>
+                      <m:jc m:val="centerGroup"/>
+                    </m:oMathParaPr>
+                    <m:oMath xmlns:m="http://schemas.openxmlformats.org/officeDocument/2006/math">
+                      <m:sSub>
+                        <m:sSubPr>
+                          <m:ctrlPr>
+                            <a:rPr lang="sk-SK" i="1">
+                              <a:latin typeface="Cambria Math" panose="02040503050406030204" pitchFamily="18" charset="0"/>
+                            </a:rPr>
+                          </m:ctrlPr>
+                        </m:sSubPr>
+                        <m:e>
+                          <m:r>
+                            <a:rPr lang="sk-SK" i="1">
+                              <a:latin typeface="Cambria Math" panose="02040503050406030204" pitchFamily="18" charset="0"/>
+                            </a:rPr>
+                            <m:t>𝐺</m:t>
+                          </m:r>
+                        </m:e>
+                        <m:sub>
+                          <m:r>
+                            <a:rPr lang="sk-SK" i="1">
+                              <a:latin typeface="Cambria Math" panose="02040503050406030204" pitchFamily="18" charset="0"/>
+                            </a:rPr>
+                            <m:t>𝑜𝑢𝑡</m:t>
+                          </m:r>
+                        </m:sub>
+                      </m:sSub>
+                      <m:d>
+                        <m:dPr>
+                          <m:ctrlPr>
+                            <a:rPr lang="sk-SK" i="1">
+                              <a:latin typeface="Cambria Math" panose="02040503050406030204" pitchFamily="18" charset="0"/>
+                            </a:rPr>
+                          </m:ctrlPr>
+                        </m:dPr>
+                        <m:e>
+                          <m:r>
+                            <a:rPr lang="sk-SK" i="1">
+                              <a:latin typeface="Cambria Math" panose="02040503050406030204" pitchFamily="18" charset="0"/>
+                            </a:rPr>
+                            <m:t>𝑠</m:t>
+                          </m:r>
+                        </m:e>
+                      </m:d>
+                      <m:r>
+                        <a:rPr lang="sk-SK" i="1">
+                          <a:latin typeface="Cambria Math" panose="02040503050406030204" pitchFamily="18" charset="0"/>
+                        </a:rPr>
+                        <m:t>=</m:t>
+                      </m:r>
+                      <m:f>
+                        <m:fPr>
+                          <m:ctrlPr>
+                            <a:rPr lang="sk-SK" i="1">
+                              <a:latin typeface="Cambria Math" panose="02040503050406030204" pitchFamily="18" charset="0"/>
+                            </a:rPr>
+                          </m:ctrlPr>
+                        </m:fPr>
+                        <m:num>
+                          <m:sSub>
+                            <m:sSubPr>
+                              <m:ctrlPr>
+                                <a:rPr lang="sk-SK" i="1">
+                                  <a:latin typeface="Cambria Math" panose="02040503050406030204" pitchFamily="18" charset="0"/>
+                                </a:rPr>
+                              </m:ctrlPr>
+                            </m:sSubPr>
+                            <m:e>
+                              <m:r>
+                                <a:rPr lang="sk-SK" i="1">
+                                  <a:latin typeface="Cambria Math" panose="02040503050406030204" pitchFamily="18" charset="0"/>
+                                </a:rPr>
+                                <m:t>𝐶</m:t>
+                              </m:r>
+                            </m:e>
+                            <m:sub>
+                              <m:r>
+                                <a:rPr lang="sk-SK" i="1">
+                                  <a:latin typeface="Cambria Math" panose="02040503050406030204" pitchFamily="18" charset="0"/>
+                                </a:rPr>
+                                <m:t>𝑢</m:t>
+                              </m:r>
+                            </m:sub>
+                          </m:sSub>
+                        </m:num>
+                        <m:den>
+                          <m:d>
+                            <m:dPr>
+                              <m:ctrlPr>
+                                <a:rPr lang="sk-SK" i="1" smtClean="0">
+                                  <a:latin typeface="Cambria Math" panose="02040503050406030204" pitchFamily="18" charset="0"/>
+                                </a:rPr>
+                              </m:ctrlPr>
+                            </m:dPr>
+                            <m:e>
+                              <m:r>
+                                <a:rPr lang="sk-SK" i="1">
+                                  <a:latin typeface="Cambria Math" panose="02040503050406030204" pitchFamily="18" charset="0"/>
+                                </a:rPr>
+                                <m:t>𝐽𝑠</m:t>
+                              </m:r>
+                              <m:r>
+                                <a:rPr lang="sk-SK" i="1">
+                                  <a:latin typeface="Cambria Math" panose="02040503050406030204" pitchFamily="18" charset="0"/>
+                                </a:rPr>
+                                <m:t>+</m:t>
+                              </m:r>
+                              <m:r>
+                                <a:rPr lang="sk-SK" i="1">
+                                  <a:latin typeface="Cambria Math" panose="02040503050406030204" pitchFamily="18" charset="0"/>
+                                </a:rPr>
+                                <m:t>𝐵</m:t>
+                              </m:r>
+                            </m:e>
+                          </m:d>
+                          <m:d>
+                            <m:dPr>
+                              <m:ctrlPr>
+                                <a:rPr lang="sk-SK" i="1" smtClean="0">
+                                  <a:latin typeface="Cambria Math" panose="02040503050406030204" pitchFamily="18" charset="0"/>
+                                </a:rPr>
+                              </m:ctrlPr>
+                            </m:dPr>
+                            <m:e>
+                              <m:r>
+                                <a:rPr lang="sk-SK" i="1">
+                                  <a:latin typeface="Cambria Math" panose="02040503050406030204" pitchFamily="18" charset="0"/>
+                                </a:rPr>
+                                <m:t>𝑅</m:t>
+                              </m:r>
+                              <m:r>
+                                <a:rPr lang="sk-SK" i="1">
+                                  <a:latin typeface="Cambria Math" panose="02040503050406030204" pitchFamily="18" charset="0"/>
+                                </a:rPr>
+                                <m:t>+</m:t>
+                              </m:r>
+                              <m:r>
+                                <a:rPr lang="sk-SK" i="1">
+                                  <a:latin typeface="Cambria Math" panose="02040503050406030204" pitchFamily="18" charset="0"/>
+                                </a:rPr>
+                                <m:t>𝐿𝑠</m:t>
+                              </m:r>
+                            </m:e>
+                          </m:d>
+                          <m:r>
+                            <a:rPr lang="sk-SK" i="1">
+                              <a:latin typeface="Cambria Math" panose="02040503050406030204" pitchFamily="18" charset="0"/>
+                            </a:rPr>
+                            <m:t>+</m:t>
+                          </m:r>
+                          <m:sSubSup>
+                            <m:sSubSupPr>
+                              <m:ctrlPr>
+                                <a:rPr lang="sk-SK" i="1">
+                                  <a:latin typeface="Cambria Math" panose="02040503050406030204" pitchFamily="18" charset="0"/>
+                                </a:rPr>
+                              </m:ctrlPr>
+                            </m:sSubSupPr>
+                            <m:e>
+                              <m:r>
+                                <a:rPr lang="sk-SK" i="1">
+                                  <a:latin typeface="Cambria Math" panose="02040503050406030204" pitchFamily="18" charset="0"/>
+                                </a:rPr>
+                                <m:t>𝐶</m:t>
+                              </m:r>
+                            </m:e>
+                            <m:sub>
+                              <m:r>
+                                <a:rPr lang="sk-SK" i="1">
+                                  <a:latin typeface="Cambria Math" panose="02040503050406030204" pitchFamily="18" charset="0"/>
+                                </a:rPr>
+                                <m:t>𝑢</m:t>
+                              </m:r>
+                            </m:sub>
+                            <m:sup>
+                              <m:r>
+                                <a:rPr lang="sk-SK" i="1">
+                                  <a:latin typeface="Cambria Math" panose="02040503050406030204" pitchFamily="18" charset="0"/>
+                                </a:rPr>
+                                <m:t>2</m:t>
+                              </m:r>
+                            </m:sup>
+                          </m:sSubSup>
+                        </m:den>
+                      </m:f>
+                    </m:oMath>
+                  </m:oMathPara>
+                </a14:m>
+                <a:endParaRPr lang="sk-SK" dirty="0" smtClean="0"/>
+              </a:p>
+              <a:p>
+                <a:pPr>
+                  <a:buFont typeface="Arial" panose="020B0604020202020204" pitchFamily="34" charset="0"/>
+                  <a:buChar char="•"/>
+                </a:pPr>
+                <a:r>
+                  <a:rPr lang="sk-SK" dirty="0" smtClean="0"/>
+                  <a:t>Po prenásobení integrátorom získame výslednú prenosovú funkciu</a:t>
+                </a:r>
+              </a:p>
+              <a:p>
+                <a:pPr>
+                  <a:buFont typeface="Arial" panose="020B0604020202020204" pitchFamily="34" charset="0"/>
+                  <a:buChar char="•"/>
+                </a:pPr>
+                <a:endParaRPr lang="sk-SK" dirty="0" smtClean="0"/>
+              </a:p>
+              <a:p>
+                <a:pPr marL="0" indent="0">
+                  <a:buNone/>
+                </a:pPr>
+                <a14:m>
+                  <m:oMathPara xmlns:m="http://schemas.openxmlformats.org/officeDocument/2006/math">
+                    <m:oMathParaPr>
+                      <m:jc m:val="centerGroup"/>
+                    </m:oMathParaPr>
+                    <m:oMath xmlns:m="http://schemas.openxmlformats.org/officeDocument/2006/math">
+                      <m:r>
+                        <a:rPr lang="sk-SK" i="1">
+                          <a:latin typeface="Cambria Math" panose="02040503050406030204" pitchFamily="18" charset="0"/>
+                        </a:rPr>
+                        <m:t>𝐹</m:t>
+                      </m:r>
+                      <m:d>
+                        <m:dPr>
+                          <m:ctrlPr>
+                            <a:rPr lang="sk-SK" i="1">
+                              <a:latin typeface="Cambria Math" panose="02040503050406030204" pitchFamily="18" charset="0"/>
+                            </a:rPr>
+                          </m:ctrlPr>
+                        </m:dPr>
+                        <m:e>
+                          <m:r>
+                            <a:rPr lang="sk-SK" i="1">
+                              <a:latin typeface="Cambria Math" panose="02040503050406030204" pitchFamily="18" charset="0"/>
+                            </a:rPr>
+                            <m:t>𝑠</m:t>
+                          </m:r>
+                        </m:e>
+                      </m:d>
+                      <m:r>
+                        <a:rPr lang="sk-SK" i="1">
+                          <a:latin typeface="Cambria Math" panose="02040503050406030204" pitchFamily="18" charset="0"/>
+                        </a:rPr>
+                        <m:t>=</m:t>
+                      </m:r>
+                      <m:f>
+                        <m:fPr>
+                          <m:ctrlPr>
+                            <a:rPr lang="sk-SK" i="1">
+                              <a:latin typeface="Cambria Math" panose="02040503050406030204" pitchFamily="18" charset="0"/>
+                            </a:rPr>
+                          </m:ctrlPr>
+                        </m:fPr>
+                        <m:num>
+                          <m:r>
+                            <a:rPr lang="sk-SK" i="1">
+                              <a:latin typeface="Cambria Math" panose="02040503050406030204" pitchFamily="18" charset="0"/>
+                              <a:ea typeface="Cambria Math" panose="02040503050406030204" pitchFamily="18" charset="0"/>
+                            </a:rPr>
+                            <m:t>𝜃</m:t>
+                          </m:r>
+                          <m:r>
+                            <a:rPr lang="sk-SK" i="1">
+                              <a:latin typeface="Cambria Math" panose="02040503050406030204" pitchFamily="18" charset="0"/>
+                            </a:rPr>
+                            <m:t>(</m:t>
+                          </m:r>
+                          <m:r>
+                            <a:rPr lang="sk-SK" i="1">
+                              <a:latin typeface="Cambria Math" panose="02040503050406030204" pitchFamily="18" charset="0"/>
+                            </a:rPr>
+                            <m:t>𝑠</m:t>
+                          </m:r>
+                          <m:r>
+                            <a:rPr lang="sk-SK" i="1">
+                              <a:latin typeface="Cambria Math" panose="02040503050406030204" pitchFamily="18" charset="0"/>
+                            </a:rPr>
+                            <m:t>)</m:t>
+                          </m:r>
+                        </m:num>
+                        <m:den>
+                          <m:r>
+                            <a:rPr lang="sk-SK" i="1">
+                              <a:latin typeface="Cambria Math" panose="02040503050406030204" pitchFamily="18" charset="0"/>
+                            </a:rPr>
+                            <m:t>𝑈</m:t>
+                          </m:r>
+                          <m:r>
+                            <a:rPr lang="sk-SK" i="1">
+                              <a:latin typeface="Cambria Math" panose="02040503050406030204" pitchFamily="18" charset="0"/>
+                            </a:rPr>
+                            <m:t>(</m:t>
+                          </m:r>
+                          <m:r>
+                            <a:rPr lang="sk-SK" i="1">
+                              <a:latin typeface="Cambria Math" panose="02040503050406030204" pitchFamily="18" charset="0"/>
+                            </a:rPr>
+                            <m:t>𝑠</m:t>
+                          </m:r>
+                          <m:r>
+                            <a:rPr lang="sk-SK" i="1">
+                              <a:latin typeface="Cambria Math" panose="02040503050406030204" pitchFamily="18" charset="0"/>
+                            </a:rPr>
+                            <m:t>)</m:t>
+                          </m:r>
+                        </m:den>
+                      </m:f>
+                      <m:r>
+                        <a:rPr lang="sk-SK" b="0" i="1" smtClean="0">
+                          <a:latin typeface="Cambria Math" panose="02040503050406030204" pitchFamily="18" charset="0"/>
+                        </a:rPr>
+                        <m:t>=</m:t>
+                      </m:r>
+                      <m:f>
+                        <m:fPr>
+                          <m:ctrlPr>
+                            <a:rPr lang="sk-SK" b="0" i="1" smtClean="0">
+                              <a:latin typeface="Cambria Math" panose="02040503050406030204" pitchFamily="18" charset="0"/>
+                            </a:rPr>
+                          </m:ctrlPr>
+                        </m:fPr>
+                        <m:num>
+                          <m:r>
+                            <a:rPr lang="sk-SK" b="0" i="1" smtClean="0">
+                              <a:latin typeface="Cambria Math" panose="02040503050406030204" pitchFamily="18" charset="0"/>
+                            </a:rPr>
+                            <m:t>1</m:t>
+                          </m:r>
+                        </m:num>
+                        <m:den>
+                          <m:r>
+                            <a:rPr lang="sk-SK" b="0" i="1" smtClean="0">
+                              <a:latin typeface="Cambria Math" panose="02040503050406030204" pitchFamily="18" charset="0"/>
+                            </a:rPr>
+                            <m:t>𝑠</m:t>
+                          </m:r>
+                        </m:den>
+                      </m:f>
+                      <m:f>
+                        <m:fPr>
+                          <m:ctrlPr>
+                            <a:rPr lang="sk-SK" i="1">
+                              <a:latin typeface="Cambria Math" panose="02040503050406030204" pitchFamily="18" charset="0"/>
+                            </a:rPr>
+                          </m:ctrlPr>
+                        </m:fPr>
+                        <m:num>
+                          <m:sSub>
+                            <m:sSubPr>
+                              <m:ctrlPr>
+                                <a:rPr lang="sk-SK" i="1">
+                                  <a:latin typeface="Cambria Math" panose="02040503050406030204" pitchFamily="18" charset="0"/>
+                                </a:rPr>
+                              </m:ctrlPr>
+                            </m:sSubPr>
+                            <m:e>
+                              <m:r>
+                                <a:rPr lang="sk-SK" i="1">
+                                  <a:latin typeface="Cambria Math" panose="02040503050406030204" pitchFamily="18" charset="0"/>
+                                </a:rPr>
+                                <m:t>𝐶</m:t>
+                              </m:r>
+                            </m:e>
+                            <m:sub>
+                              <m:r>
+                                <a:rPr lang="sk-SK" i="1">
+                                  <a:latin typeface="Cambria Math" panose="02040503050406030204" pitchFamily="18" charset="0"/>
+                                </a:rPr>
+                                <m:t>𝑢</m:t>
+                              </m:r>
+                            </m:sub>
+                          </m:sSub>
+                        </m:num>
+                        <m:den>
+                          <m:d>
+                            <m:dPr>
+                              <m:ctrlPr>
+                                <a:rPr lang="sk-SK" i="1">
+                                  <a:latin typeface="Cambria Math" panose="02040503050406030204" pitchFamily="18" charset="0"/>
+                                </a:rPr>
+                              </m:ctrlPr>
+                            </m:dPr>
+                            <m:e>
+                              <m:r>
+                                <a:rPr lang="sk-SK" i="1">
+                                  <a:latin typeface="Cambria Math" panose="02040503050406030204" pitchFamily="18" charset="0"/>
+                                </a:rPr>
+                                <m:t>𝐽𝑠</m:t>
+                              </m:r>
+                              <m:r>
+                                <a:rPr lang="sk-SK" i="1">
+                                  <a:latin typeface="Cambria Math" panose="02040503050406030204" pitchFamily="18" charset="0"/>
+                                </a:rPr>
+                                <m:t>+</m:t>
+                              </m:r>
+                              <m:r>
+                                <a:rPr lang="sk-SK" i="1">
+                                  <a:latin typeface="Cambria Math" panose="02040503050406030204" pitchFamily="18" charset="0"/>
+                                </a:rPr>
+                                <m:t>𝐵</m:t>
+                              </m:r>
+                            </m:e>
+                          </m:d>
+                          <m:d>
+                            <m:dPr>
+                              <m:ctrlPr>
+                                <a:rPr lang="sk-SK" i="1">
+                                  <a:latin typeface="Cambria Math" panose="02040503050406030204" pitchFamily="18" charset="0"/>
+                                </a:rPr>
+                              </m:ctrlPr>
+                            </m:dPr>
+                            <m:e>
+                              <m:r>
+                                <a:rPr lang="sk-SK" i="1">
+                                  <a:latin typeface="Cambria Math" panose="02040503050406030204" pitchFamily="18" charset="0"/>
+                                </a:rPr>
+                                <m:t>𝑅</m:t>
+                              </m:r>
+                              <m:r>
+                                <a:rPr lang="sk-SK" i="1">
+                                  <a:latin typeface="Cambria Math" panose="02040503050406030204" pitchFamily="18" charset="0"/>
+                                </a:rPr>
+                                <m:t>+</m:t>
+                              </m:r>
+                              <m:r>
+                                <a:rPr lang="sk-SK" i="1">
+                                  <a:latin typeface="Cambria Math" panose="02040503050406030204" pitchFamily="18" charset="0"/>
+                                </a:rPr>
+                                <m:t>𝐿𝑠</m:t>
+                              </m:r>
+                            </m:e>
+                          </m:d>
+                          <m:r>
+                            <a:rPr lang="sk-SK" i="1">
+                              <a:latin typeface="Cambria Math" panose="02040503050406030204" pitchFamily="18" charset="0"/>
+                            </a:rPr>
+                            <m:t>+</m:t>
+                          </m:r>
+                          <m:sSubSup>
+                            <m:sSubSupPr>
+                              <m:ctrlPr>
+                                <a:rPr lang="sk-SK" i="1">
+                                  <a:latin typeface="Cambria Math" panose="02040503050406030204" pitchFamily="18" charset="0"/>
+                                </a:rPr>
+                              </m:ctrlPr>
+                            </m:sSubSupPr>
+                            <m:e>
+                              <m:r>
+                                <a:rPr lang="sk-SK" i="1">
+                                  <a:latin typeface="Cambria Math" panose="02040503050406030204" pitchFamily="18" charset="0"/>
+                                </a:rPr>
+                                <m:t>𝐶</m:t>
+                              </m:r>
+                            </m:e>
+                            <m:sub>
+                              <m:r>
+                                <a:rPr lang="sk-SK" i="1">
+                                  <a:latin typeface="Cambria Math" panose="02040503050406030204" pitchFamily="18" charset="0"/>
+                                </a:rPr>
+                                <m:t>𝑢</m:t>
+                              </m:r>
+                            </m:sub>
+                            <m:sup>
+                              <m:r>
+                                <a:rPr lang="sk-SK" i="1">
+                                  <a:latin typeface="Cambria Math" panose="02040503050406030204" pitchFamily="18" charset="0"/>
+                                </a:rPr>
+                                <m:t>2</m:t>
+                              </m:r>
+                            </m:sup>
+                          </m:sSubSup>
+                        </m:den>
+                      </m:f>
+                    </m:oMath>
+                  </m:oMathPara>
+                </a14:m>
+                <a:endParaRPr lang="sk-SK" dirty="0" smtClean="0"/>
+              </a:p>
+              <a:p>
+                <a:pPr>
+                  <a:buFont typeface="Arial" panose="020B0604020202020204" pitchFamily="34" charset="0"/>
+                  <a:buChar char="•"/>
+                </a:pPr>
+                <a:endParaRPr lang="sk-SK" dirty="0"/>
+              </a:p>
+            </p:txBody>
+          </p:sp>
+        </mc:Choice>
+        <mc:Fallback>
+          <p:sp>
+            <p:nvSpPr>
+              <p:cNvPr id="3" name="Zástupný symbol obsahu 2"/>
+              <p:cNvSpPr>
+                <a:spLocks noGrp="1" noRot="1" noChangeAspect="1" noMove="1" noResize="1" noEditPoints="1" noAdjustHandles="1" noChangeArrowheads="1" noChangeShapeType="1" noTextEdit="1"/>
+              </p:cNvSpPr>
+              <p:nvPr>
+                <p:ph idx="1"/>
+              </p:nvPr>
+            </p:nvSpPr>
+            <p:spPr>
+              <a:blipFill rotWithShape="0">
+                <a:blip r:embed="rId2"/>
+                <a:stretch>
+                  <a:fillRect l="-1752" t="-1291"/>
+                </a:stretch>
+              </a:blipFill>
+            </p:spPr>
+            <p:txBody>
+              <a:bodyPr/>
+              <a:lstStyle/>
+              <a:p>
+                <a:r>
+                  <a:rPr lang="sk-SK">
+                    <a:noFill/>
+                  </a:rPr>
+                  <a:t> </a:t>
+                </a:r>
+              </a:p>
+            </p:txBody>
+          </p:sp>
+        </mc:Fallback>
+      </mc:AlternateContent>
       <p:sp>
         <p:nvSpPr>
-          <p:cNvPr id="3" name="Zástupný symbol obsahu 2"/>
-          <p:cNvSpPr>
-            <a:spLocks noGrp="1"/>
-          </p:cNvSpPr>
-          <p:nvPr>
-            <p:ph idx="1"/>
-          </p:nvPr>
+          <p:cNvPr id="4" name="BlokTextu 3"/>
+          <p:cNvSpPr txBox="1"/>
+          <p:nvPr/>
         </p:nvSpPr>
-        <p:spPr/>
+        <p:spPr>
+          <a:xfrm>
+            <a:off x="634314" y="3072712"/>
+            <a:ext cx="2182457" cy="369332"/>
+          </a:xfrm>
+          <a:prstGeom prst="rect">
+            <a:avLst/>
+          </a:prstGeom>
+          <a:noFill/>
+        </p:spPr>
         <p:txBody>
-          <a:bodyPr/>
+          <a:bodyPr wrap="none" rtlCol="0">
+            <a:spAutoFit/>
+          </a:bodyPr>
           <a:lstStyle/>
           <a:p>
+            <a:r>
+              <a:rPr lang="sk-SK" dirty="0" smtClean="0"/>
+              <a:t>Prenos priamej väzby</a:t>
+            </a:r>
             <a:endParaRPr lang="sk-SK" dirty="0"/>
           </a:p>
         </p:txBody>
       </p:sp>
+      <p:sp>
+        <p:nvSpPr>
+          <p:cNvPr id="5" name="BlokTextu 4"/>
+          <p:cNvSpPr txBox="1"/>
+          <p:nvPr/>
+        </p:nvSpPr>
+        <p:spPr>
+          <a:xfrm>
+            <a:off x="6839427" y="3072712"/>
+            <a:ext cx="2151486" cy="369332"/>
+          </a:xfrm>
+          <a:prstGeom prst="rect">
+            <a:avLst/>
+          </a:prstGeom>
+          <a:noFill/>
+        </p:spPr>
+        <p:txBody>
+          <a:bodyPr wrap="none" rtlCol="0">
+            <a:spAutoFit/>
+          </a:bodyPr>
+          <a:lstStyle/>
+          <a:p>
+            <a:r>
+              <a:rPr lang="sk-SK" dirty="0" smtClean="0"/>
+              <a:t>Prenos spätnej väzby</a:t>
+            </a:r>
+            <a:endParaRPr lang="sk-SK" dirty="0"/>
+          </a:p>
+        </p:txBody>
+      </p:sp>
+      <p:sp>
+        <p:nvSpPr>
+          <p:cNvPr id="6" name="Obdĺžnik 5"/>
+          <p:cNvSpPr/>
+          <p:nvPr/>
+        </p:nvSpPr>
+        <p:spPr>
+          <a:xfrm>
+            <a:off x="4063999" y="2339546"/>
+            <a:ext cx="2312087" cy="584886"/>
+          </a:xfrm>
+          <a:prstGeom prst="rect">
+            <a:avLst/>
+          </a:prstGeom>
+          <a:noFill/>
+        </p:spPr>
+        <p:style>
+          <a:lnRef idx="2">
+            <a:schemeClr val="accent1">
+              <a:shade val="50000"/>
+            </a:schemeClr>
+          </a:lnRef>
+          <a:fillRef idx="1">
+            <a:schemeClr val="accent1"/>
+          </a:fillRef>
+          <a:effectRef idx="0">
+            <a:schemeClr val="accent1"/>
+          </a:effectRef>
+          <a:fontRef idx="minor">
+            <a:schemeClr val="lt1"/>
+          </a:fontRef>
+        </p:style>
+        <p:txBody>
+          <a:bodyPr rtlCol="0" anchor="ctr"/>
+          <a:lstStyle/>
+          <a:p>
+            <a:pPr algn="ctr"/>
+            <a:endParaRPr lang="sk-SK"/>
+          </a:p>
+        </p:txBody>
+      </p:sp>
+      <p:sp>
+        <p:nvSpPr>
+          <p:cNvPr id="7" name="Obdĺžnik 6"/>
+          <p:cNvSpPr/>
+          <p:nvPr/>
+        </p:nvSpPr>
+        <p:spPr>
+          <a:xfrm>
+            <a:off x="6376086" y="2339546"/>
+            <a:ext cx="354228" cy="584886"/>
+          </a:xfrm>
+          <a:prstGeom prst="rect">
+            <a:avLst/>
+          </a:prstGeom>
+          <a:noFill/>
+        </p:spPr>
+        <p:style>
+          <a:lnRef idx="2">
+            <a:schemeClr val="accent1">
+              <a:shade val="50000"/>
+            </a:schemeClr>
+          </a:lnRef>
+          <a:fillRef idx="1">
+            <a:schemeClr val="accent1"/>
+          </a:fillRef>
+          <a:effectRef idx="0">
+            <a:schemeClr val="accent1"/>
+          </a:effectRef>
+          <a:fontRef idx="minor">
+            <a:schemeClr val="lt1"/>
+          </a:fontRef>
+        </p:style>
+        <p:txBody>
+          <a:bodyPr rtlCol="0" anchor="ctr"/>
+          <a:lstStyle/>
+          <a:p>
+            <a:pPr algn="ctr"/>
+            <a:endParaRPr lang="sk-SK"/>
+          </a:p>
+        </p:txBody>
+      </p:sp>
+      <p:cxnSp>
+        <p:nvCxnSpPr>
+          <p:cNvPr id="9" name="Rovná spojovacia šípka 8"/>
+          <p:cNvCxnSpPr>
+            <a:stCxn id="4" idx="3"/>
+          </p:cNvCxnSpPr>
+          <p:nvPr/>
+        </p:nvCxnSpPr>
+        <p:spPr>
+          <a:xfrm flipV="1">
+            <a:off x="2816771" y="2924432"/>
+            <a:ext cx="1247228" cy="332946"/>
+          </a:xfrm>
+          <a:prstGeom prst="straightConnector1">
+            <a:avLst/>
+          </a:prstGeom>
+          <a:ln>
+            <a:tailEnd type="triangle"/>
+          </a:ln>
+        </p:spPr>
+        <p:style>
+          <a:lnRef idx="1">
+            <a:schemeClr val="accent1"/>
+          </a:lnRef>
+          <a:fillRef idx="0">
+            <a:schemeClr val="accent1"/>
+          </a:fillRef>
+          <a:effectRef idx="0">
+            <a:schemeClr val="accent1"/>
+          </a:effectRef>
+          <a:fontRef idx="minor">
+            <a:schemeClr val="tx1"/>
+          </a:fontRef>
+        </p:style>
+      </p:cxnSp>
+      <p:cxnSp>
+        <p:nvCxnSpPr>
+          <p:cNvPr id="11" name="Rovná spojovacia šípka 10"/>
+          <p:cNvCxnSpPr>
+            <a:stCxn id="5" idx="1"/>
+          </p:cNvCxnSpPr>
+          <p:nvPr/>
+        </p:nvCxnSpPr>
+        <p:spPr>
+          <a:xfrm flipH="1" flipV="1">
+            <a:off x="6730314" y="2924432"/>
+            <a:ext cx="109113" cy="332946"/>
+          </a:xfrm>
+          <a:prstGeom prst="straightConnector1">
+            <a:avLst/>
+          </a:prstGeom>
+          <a:ln>
+            <a:tailEnd type="triangle"/>
+          </a:ln>
+        </p:spPr>
+        <p:style>
+          <a:lnRef idx="1">
+            <a:schemeClr val="accent1"/>
+          </a:lnRef>
+          <a:fillRef idx="0">
+            <a:schemeClr val="accent1"/>
+          </a:fillRef>
+          <a:effectRef idx="0">
+            <a:schemeClr val="accent1"/>
+          </a:effectRef>
+          <a:fontRef idx="minor">
+            <a:schemeClr val="tx1"/>
+          </a:fontRef>
+        </p:style>
+      </p:cxnSp>
     </p:spTree>
     <p:extLst>
       <p:ext uri="{BB962C8B-B14F-4D97-AF65-F5344CB8AC3E}">
@@ -30707,78 +32802,6 @@
           <a:p>
             <a:r>
               <a:rPr lang="sk-SK" dirty="0" smtClean="0"/>
-              <a:t>Model systému</a:t>
-            </a:r>
-            <a:endParaRPr lang="sk-SK" dirty="0"/>
-          </a:p>
-        </p:txBody>
-      </p:sp>
-      <p:sp>
-        <p:nvSpPr>
-          <p:cNvPr id="3" name="Zástupný symbol obsahu 2"/>
-          <p:cNvSpPr>
-            <a:spLocks noGrp="1"/>
-          </p:cNvSpPr>
-          <p:nvPr>
-            <p:ph idx="1"/>
-          </p:nvPr>
-        </p:nvSpPr>
-        <p:spPr/>
-        <p:txBody>
-          <a:bodyPr/>
-          <a:lstStyle/>
-          <a:p>
-            <a:endParaRPr lang="sk-SK"/>
-          </a:p>
-        </p:txBody>
-      </p:sp>
-    </p:spTree>
-    <p:extLst>
-      <p:ext uri="{BB962C8B-B14F-4D97-AF65-F5344CB8AC3E}">
-        <p14:creationId xmlns:p14="http://schemas.microsoft.com/office/powerpoint/2010/main" val="3548809352"/>
-      </p:ext>
-    </p:extLst>
-  </p:cSld>
-  <p:clrMapOvr>
-    <a:masterClrMapping/>
-  </p:clrMapOvr>
-</p:sld>
-</file>
-
-<file path=ppt/slides/slide55.xml><?xml version="1.0" encoding="utf-8"?>
-<p:sld xmlns:a="http://schemas.openxmlformats.org/drawingml/2006/main" xmlns:r="http://schemas.openxmlformats.org/officeDocument/2006/relationships" xmlns:p="http://schemas.openxmlformats.org/presentationml/2006/main">
-  <p:cSld>
-    <p:spTree>
-      <p:nvGrpSpPr>
-        <p:cNvPr id="1" name=""/>
-        <p:cNvGrpSpPr/>
-        <p:nvPr/>
-      </p:nvGrpSpPr>
-      <p:grpSpPr>
-        <a:xfrm>
-          <a:off x="0" y="0"/>
-          <a:ext cx="0" cy="0"/>
-          <a:chOff x="0" y="0"/>
-          <a:chExt cx="0" cy="0"/>
-        </a:xfrm>
-      </p:grpSpPr>
-      <p:sp>
-        <p:nvSpPr>
-          <p:cNvPr id="2" name="Nadpis 1"/>
-          <p:cNvSpPr>
-            <a:spLocks noGrp="1"/>
-          </p:cNvSpPr>
-          <p:nvPr>
-            <p:ph type="title"/>
-          </p:nvPr>
-        </p:nvSpPr>
-        <p:spPr/>
-        <p:txBody>
-          <a:bodyPr/>
-          <a:lstStyle/>
-          <a:p>
-            <a:r>
-              <a:rPr lang="sk-SK" dirty="0" smtClean="0"/>
               <a:t>Vytvorenie modelu z diferenciálnych rovníc</a:t>
             </a:r>
             <a:endParaRPr lang="sk-SK" dirty="0"/>
@@ -30821,7 +32844,7 @@
 </p:sld>
 </file>
 
-<file path=ppt/slides/slide56.xml><?xml version="1.0" encoding="utf-8"?>
+<file path=ppt/slides/slide55.xml><?xml version="1.0" encoding="utf-8"?>
 <p:sld xmlns:a="http://schemas.openxmlformats.org/drawingml/2006/main" xmlns:r="http://schemas.openxmlformats.org/officeDocument/2006/relationships" xmlns:p="http://schemas.openxmlformats.org/presentationml/2006/main">
   <p:cSld>
     <p:spTree>
@@ -31092,8 +33115,8 @@
           </p:sp>
         </mc:Fallback>
       </mc:AlternateContent>
-      <mc:AlternateContent xmlns:mc="http://schemas.openxmlformats.org/markup-compatibility/2006">
-        <mc:Choice xmlns:a14="http://schemas.microsoft.com/office/drawing/2010/main" Requires="a14">
+      <mc:AlternateContent xmlns:mc="http://schemas.openxmlformats.org/markup-compatibility/2006" xmlns:a14="http://schemas.microsoft.com/office/drawing/2010/main">
+        <mc:Choice Requires="a14">
           <p:sp>
             <p:nvSpPr>
               <p:cNvPr id="8" name="BlokTextu 7"/>
@@ -31439,7 +33462,7 @@
             </p:txBody>
           </p:sp>
         </mc:Choice>
-        <mc:Fallback>
+        <mc:Fallback xmlns="">
           <p:sp>
             <p:nvSpPr>
               <p:cNvPr id="8" name="BlokTextu 7"/>
@@ -31478,8 +33501,8 @@
           </p:sp>
         </mc:Fallback>
       </mc:AlternateContent>
-      <mc:AlternateContent xmlns:mc="http://schemas.openxmlformats.org/markup-compatibility/2006">
-        <mc:Choice xmlns:a14="http://schemas.microsoft.com/office/drawing/2010/main" Requires="a14">
+      <mc:AlternateContent xmlns:mc="http://schemas.openxmlformats.org/markup-compatibility/2006" xmlns:a14="http://schemas.microsoft.com/office/drawing/2010/main">
+        <mc:Choice Requires="a14">
           <p:sp>
             <p:nvSpPr>
               <p:cNvPr id="12" name="BlokTextu 11"/>
@@ -31544,13 +33567,7 @@
                         <a:rPr lang="sk-SK" b="0" i="1" smtClean="0">
                           <a:latin typeface="Cambria Math" panose="02040503050406030204" pitchFamily="18" charset="0"/>
                         </a:rPr>
-                        <m:t>𝑚</m:t>
-                      </m:r>
-                      <m:r>
-                        <a:rPr lang="sk-SK" b="0" i="1" smtClean="0">
-                          <a:latin typeface="Cambria Math" panose="02040503050406030204" pitchFamily="18" charset="0"/>
-                        </a:rPr>
-                        <m:t>𝑔𝑅</m:t>
+                        <m:t>𝑚𝑔𝑅</m:t>
                       </m:r>
                     </m:oMath>
                   </m:oMathPara>
@@ -31560,7 +33577,7 @@
             </p:txBody>
           </p:sp>
         </mc:Choice>
-        <mc:Fallback>
+        <mc:Fallback xmlns="">
           <p:sp>
             <p:nvSpPr>
               <p:cNvPr id="12" name="BlokTextu 11"/>
@@ -31599,8 +33616,8 @@
           </p:sp>
         </mc:Fallback>
       </mc:AlternateContent>
-      <mc:AlternateContent xmlns:mc="http://schemas.openxmlformats.org/markup-compatibility/2006">
-        <mc:Choice xmlns:a14="http://schemas.microsoft.com/office/drawing/2010/main" Requires="a14">
+      <mc:AlternateContent xmlns:mc="http://schemas.openxmlformats.org/markup-compatibility/2006" xmlns:a14="http://schemas.microsoft.com/office/drawing/2010/main">
+        <mc:Choice Requires="a14">
           <p:sp>
             <p:nvSpPr>
               <p:cNvPr id="11" name="BlokTextu 10"/>
@@ -31675,7 +33692,7 @@
             </p:txBody>
           </p:sp>
         </mc:Choice>
-        <mc:Fallback>
+        <mc:Fallback xmlns="">
           <p:sp>
             <p:nvSpPr>
               <p:cNvPr id="11" name="BlokTextu 10"/>
@@ -31714,8 +33731,8 @@
           </p:sp>
         </mc:Fallback>
       </mc:AlternateContent>
-      <mc:AlternateContent xmlns:mc="http://schemas.openxmlformats.org/markup-compatibility/2006">
-        <mc:Choice xmlns:a14="http://schemas.microsoft.com/office/drawing/2010/main" Requires="a14">
+      <mc:AlternateContent xmlns:mc="http://schemas.openxmlformats.org/markup-compatibility/2006" xmlns:a14="http://schemas.microsoft.com/office/drawing/2010/main">
+        <mc:Choice Requires="a14">
           <p:sp>
             <p:nvSpPr>
               <p:cNvPr id="9" name="BlokTextu 8"/>
@@ -31815,7 +33832,7 @@
             </p:txBody>
           </p:sp>
         </mc:Choice>
-        <mc:Fallback>
+        <mc:Fallback xmlns="">
           <p:sp>
             <p:nvSpPr>
               <p:cNvPr id="9" name="BlokTextu 8"/>
@@ -32065,7 +34082,7 @@
 </p:sld>
 </file>
 
-<file path=ppt/slides/slide57.xml><?xml version="1.0" encoding="utf-8"?>
+<file path=ppt/slides/slide56.xml><?xml version="1.0" encoding="utf-8"?>
 <p:sld xmlns:a="http://schemas.openxmlformats.org/drawingml/2006/main" xmlns:r="http://schemas.openxmlformats.org/officeDocument/2006/relationships" xmlns:p="http://schemas.openxmlformats.org/presentationml/2006/main">
   <p:cSld>
     <p:spTree>
@@ -32750,6 +34767,69 @@
           </a:fontRef>
         </p:style>
       </p:cxnSp>
+      <p:sp>
+        <p:nvSpPr>
+          <p:cNvPr id="8" name="BlokTextu 7"/>
+          <p:cNvSpPr txBox="1"/>
+          <p:nvPr/>
+        </p:nvSpPr>
+        <p:spPr>
+          <a:xfrm>
+            <a:off x="6656173" y="6229894"/>
+            <a:ext cx="1220591" cy="369332"/>
+          </a:xfrm>
+          <a:prstGeom prst="rect">
+            <a:avLst/>
+          </a:prstGeom>
+          <a:noFill/>
+        </p:spPr>
+        <p:txBody>
+          <a:bodyPr wrap="none" rtlCol="0">
+            <a:spAutoFit/>
+          </a:bodyPr>
+          <a:lstStyle/>
+          <a:p>
+            <a:r>
+              <a:rPr lang="sk-SK" dirty="0" err="1" smtClean="0"/>
+              <a:t>Nelinearita</a:t>
+            </a:r>
+            <a:endParaRPr lang="sk-SK" dirty="0"/>
+          </a:p>
+        </p:txBody>
+      </p:sp>
+      <p:cxnSp>
+        <p:nvCxnSpPr>
+          <p:cNvPr id="12" name="Rovná spojovacia šípka 11"/>
+          <p:cNvCxnSpPr/>
+          <p:nvPr/>
+        </p:nvCxnSpPr>
+        <p:spPr>
+          <a:xfrm flipH="1" flipV="1">
+            <a:off x="5811513" y="6128345"/>
+            <a:ext cx="844660" cy="261976"/>
+          </a:xfrm>
+          <a:prstGeom prst="straightConnector1">
+            <a:avLst/>
+          </a:prstGeom>
+          <a:ln>
+            <a:tailEnd type="triangle"/>
+          </a:ln>
+        </p:spPr>
+        <p:style>
+          <a:lnRef idx="1">
+            <a:schemeClr val="accent1"/>
+          </a:lnRef>
+          <a:fillRef idx="0">
+            <a:schemeClr val="accent1"/>
+          </a:fillRef>
+          <a:effectRef idx="0">
+            <a:schemeClr val="accent1"/>
+          </a:effectRef>
+          <a:fontRef idx="minor">
+            <a:schemeClr val="tx1"/>
+          </a:fontRef>
+        </p:style>
+      </p:cxnSp>
     </p:spTree>
     <p:extLst>
       <p:ext uri="{BB962C8B-B14F-4D97-AF65-F5344CB8AC3E}">
@@ -32763,7 +34843,7 @@
 </p:sld>
 </file>
 
-<file path=ppt/slides/slide58.xml><?xml version="1.0" encoding="utf-8"?>
+<file path=ppt/slides/slide57.xml><?xml version="1.0" encoding="utf-8"?>
 <p:sld xmlns:a="http://schemas.openxmlformats.org/drawingml/2006/main" xmlns:r="http://schemas.openxmlformats.org/officeDocument/2006/relationships" xmlns:p="http://schemas.openxmlformats.org/presentationml/2006/main">
   <p:cSld>
     <p:spTree>
@@ -33235,7 +35315,7 @@
 </p:sld>
 </file>
 
-<file path=ppt/slides/slide59.xml><?xml version="1.0" encoding="utf-8"?>
+<file path=ppt/slides/slide58.xml><?xml version="1.0" encoding="utf-8"?>
 <p:sld xmlns:a="http://schemas.openxmlformats.org/drawingml/2006/main" xmlns:r="http://schemas.openxmlformats.org/officeDocument/2006/relationships" xmlns:p="http://schemas.openxmlformats.org/presentationml/2006/main">
   <p:cSld>
     <p:spTree>
@@ -33543,13 +35623,7 @@
                         <a:rPr lang="sk-SK" b="0" i="1" smtClean="0">
                           <a:latin typeface="Cambria Math" panose="02040503050406030204" pitchFamily="18" charset="0"/>
                         </a:rPr>
-                        <m:t>=</m:t>
-                      </m:r>
-                      <m:r>
-                        <a:rPr lang="sk-SK" b="0" i="1" smtClean="0">
-                          <a:latin typeface="Cambria Math" panose="02040503050406030204" pitchFamily="18" charset="0"/>
-                        </a:rPr>
-                        <m:t>0</m:t>
+                        <m:t>=0</m:t>
                       </m:r>
                     </m:oMath>
                   </m:oMathPara>
@@ -33744,13 +35818,7 @@
                         <a:rPr lang="sk-SK" i="1">
                           <a:latin typeface="Cambria Math" panose="02040503050406030204" pitchFamily="18" charset="0"/>
                         </a:rPr>
-                        <m:t>=</m:t>
-                      </m:r>
-                      <m:r>
-                        <a:rPr lang="sk-SK" i="1">
-                          <a:latin typeface="Cambria Math" panose="02040503050406030204" pitchFamily="18" charset="0"/>
-                        </a:rPr>
-                        <m:t>0</m:t>
+                        <m:t>=0</m:t>
                       </m:r>
                     </m:oMath>
                   </m:oMathPara>
@@ -33878,13 +35946,7 @@
                         <a:rPr lang="sk-SK" i="1">
                           <a:latin typeface="Cambria Math" panose="02040503050406030204" pitchFamily="18" charset="0"/>
                         </a:rPr>
-                        <m:t>=</m:t>
-                      </m:r>
-                      <m:r>
-                        <a:rPr lang="sk-SK" i="1">
-                          <a:latin typeface="Cambria Math" panose="02040503050406030204" pitchFamily="18" charset="0"/>
-                        </a:rPr>
-                        <m:t>0</m:t>
+                        <m:t>=0</m:t>
                       </m:r>
                     </m:oMath>
                   </m:oMathPara>
@@ -33959,928 +36021,7 @@
 </p:sld>
 </file>
 
-<file path=ppt/slides/slide6.xml><?xml version="1.0" encoding="utf-8"?>
-<p:sld xmlns:a="http://schemas.openxmlformats.org/drawingml/2006/main" xmlns:r="http://schemas.openxmlformats.org/officeDocument/2006/relationships" xmlns:p="http://schemas.openxmlformats.org/presentationml/2006/main">
-  <p:cSld>
-    <p:spTree>
-      <p:nvGrpSpPr>
-        <p:cNvPr id="1" name=""/>
-        <p:cNvGrpSpPr/>
-        <p:nvPr/>
-      </p:nvGrpSpPr>
-      <p:grpSpPr>
-        <a:xfrm>
-          <a:off x="0" y="0"/>
-          <a:ext cx="0" cy="0"/>
-          <a:chOff x="0" y="0"/>
-          <a:chExt cx="0" cy="0"/>
-        </a:xfrm>
-      </p:grpSpPr>
-      <p:sp>
-        <p:nvSpPr>
-          <p:cNvPr id="2" name="Nadpis 1"/>
-          <p:cNvSpPr>
-            <a:spLocks noGrp="1"/>
-          </p:cNvSpPr>
-          <p:nvPr>
-            <p:ph type="title"/>
-          </p:nvPr>
-        </p:nvSpPr>
-        <p:spPr/>
-        <p:txBody>
-          <a:bodyPr/>
-          <a:lstStyle/>
-          <a:p>
-            <a:r>
-              <a:rPr lang="sk-SK" dirty="0" smtClean="0"/>
-              <a:t>Diferenciálna rovnica</a:t>
-            </a:r>
-            <a:endParaRPr lang="sk-SK" dirty="0"/>
-          </a:p>
-        </p:txBody>
-      </p:sp>
-      <mc:AlternateContent xmlns:mc="http://schemas.openxmlformats.org/markup-compatibility/2006" xmlns:a14="http://schemas.microsoft.com/office/drawing/2010/main">
-        <mc:Choice Requires="a14">
-          <p:sp>
-            <p:nvSpPr>
-              <p:cNvPr id="3" name="Zástupný symbol obsahu 2"/>
-              <p:cNvSpPr>
-                <a:spLocks noGrp="1"/>
-              </p:cNvSpPr>
-              <p:nvPr>
-                <p:ph idx="1"/>
-              </p:nvPr>
-            </p:nvSpPr>
-            <p:spPr/>
-            <p:txBody>
-              <a:bodyPr>
-                <a:normAutofit fontScale="92500" lnSpcReduction="10000"/>
-              </a:bodyPr>
-              <a:lstStyle/>
-              <a:p>
-                <a:pPr>
-                  <a:buFont typeface="Arial" panose="020B0604020202020204" pitchFamily="34" charset="0"/>
-                  <a:buChar char="•"/>
-                </a:pPr>
-                <a:r>
-                  <a:rPr lang="sk-SK" dirty="0" smtClean="0"/>
-                  <a:t>Diferenciálna rovnica: je matematická rovnica, v ktorej ako premenné vystupujú derivácie funkcií</a:t>
-                </a:r>
-              </a:p>
-              <a:p>
-                <a:pPr>
-                  <a:buFont typeface="Arial" panose="020B0604020202020204" pitchFamily="34" charset="0"/>
-                  <a:buChar char="•"/>
-                </a:pPr>
-                <a:r>
-                  <a:rPr lang="sk-SK" dirty="0"/>
-                  <a:t>Podľa stupňa derivácie, ktorú rovnica obsahuje rozlišujeme rády diferenciálnych </a:t>
-                </a:r>
-                <a:r>
-                  <a:rPr lang="sk-SK" dirty="0" smtClean="0"/>
-                  <a:t>rovníc</a:t>
-                </a:r>
-              </a:p>
-              <a:p>
-                <a:pPr>
-                  <a:buFont typeface="Arial" panose="020B0604020202020204" pitchFamily="34" charset="0"/>
-                  <a:buChar char="•"/>
-                </a:pPr>
-                <a:r>
-                  <a:rPr lang="sk-SK" u="sng" dirty="0"/>
-                  <a:t>Rád diferenciálnej rovnice</a:t>
-                </a:r>
-                <a:r>
-                  <a:rPr lang="sk-SK" dirty="0"/>
-                  <a:t> je rád najvyššej derivácie, ktorá je v nej </a:t>
-                </a:r>
-                <a:r>
-                  <a:rPr lang="sk-SK" dirty="0" smtClean="0"/>
-                  <a:t>obsiahnutá.</a:t>
-                </a:r>
-                <a:endParaRPr lang="sk-SK" i="1" dirty="0"/>
-              </a:p>
-              <a:p>
-                <a:pPr>
-                  <a:buFont typeface="Arial" panose="020B0604020202020204" pitchFamily="34" charset="0"/>
-                  <a:buChar char="•"/>
-                </a:pPr>
-                <a:r>
-                  <a:rPr lang="sk-SK" i="1" dirty="0"/>
-                  <a:t>Lineárna diferenciálna rovnica</a:t>
-                </a:r>
-              </a:p>
-              <a:p>
-                <a:pPr lvl="1"/>
-                <a14:m>
-                  <m:oMath xmlns:m="http://schemas.openxmlformats.org/officeDocument/2006/math">
-                    <m:sSup>
-                      <m:sSupPr>
-                        <m:ctrlPr>
-                          <a:rPr lang="sk-SK" i="1">
-                            <a:latin typeface="Cambria Math" panose="02040503050406030204" pitchFamily="18" charset="0"/>
-                          </a:rPr>
-                        </m:ctrlPr>
-                      </m:sSupPr>
-                      <m:e>
-                        <m:r>
-                          <a:rPr lang="sk-SK" i="1">
-                            <a:latin typeface="Cambria Math" panose="02040503050406030204" pitchFamily="18" charset="0"/>
-                          </a:rPr>
-                          <m:t>𝑦</m:t>
-                        </m:r>
-                      </m:e>
-                      <m:sup>
-                        <m:r>
-                          <a:rPr lang="sk-SK" i="1">
-                            <a:latin typeface="Cambria Math" panose="02040503050406030204" pitchFamily="18" charset="0"/>
-                          </a:rPr>
-                          <m:t>(</m:t>
-                        </m:r>
-                        <m:r>
-                          <a:rPr lang="sk-SK" i="1">
-                            <a:latin typeface="Cambria Math" panose="02040503050406030204" pitchFamily="18" charset="0"/>
-                          </a:rPr>
-                          <m:t>𝑛</m:t>
-                        </m:r>
-                        <m:r>
-                          <a:rPr lang="sk-SK" i="1">
-                            <a:latin typeface="Cambria Math" panose="02040503050406030204" pitchFamily="18" charset="0"/>
-                          </a:rPr>
-                          <m:t>)</m:t>
-                        </m:r>
-                      </m:sup>
-                    </m:sSup>
-                    <m:r>
-                      <a:rPr lang="sk-SK" i="1">
-                        <a:latin typeface="Cambria Math" panose="02040503050406030204" pitchFamily="18" charset="0"/>
-                      </a:rPr>
-                      <m:t>+ </m:t>
-                    </m:r>
-                    <m:sSub>
-                      <m:sSubPr>
-                        <m:ctrlPr>
-                          <a:rPr lang="sk-SK" i="1">
-                            <a:latin typeface="Cambria Math" panose="02040503050406030204" pitchFamily="18" charset="0"/>
-                          </a:rPr>
-                        </m:ctrlPr>
-                      </m:sSubPr>
-                      <m:e>
-                        <m:r>
-                          <a:rPr lang="sk-SK" i="1">
-                            <a:latin typeface="Cambria Math" panose="02040503050406030204" pitchFamily="18" charset="0"/>
-                          </a:rPr>
-                          <m:t>𝑎</m:t>
-                        </m:r>
-                      </m:e>
-                      <m:sub>
-                        <m:r>
-                          <a:rPr lang="sk-SK" i="1">
-                            <a:latin typeface="Cambria Math" panose="02040503050406030204" pitchFamily="18" charset="0"/>
-                          </a:rPr>
-                          <m:t>𝑛</m:t>
-                        </m:r>
-                        <m:r>
-                          <a:rPr lang="sk-SK" i="1">
-                            <a:latin typeface="Cambria Math" panose="02040503050406030204" pitchFamily="18" charset="0"/>
-                          </a:rPr>
-                          <m:t>−1</m:t>
-                        </m:r>
-                      </m:sub>
-                    </m:sSub>
-                    <m:sSup>
-                      <m:sSupPr>
-                        <m:ctrlPr>
-                          <a:rPr lang="sk-SK" i="1">
-                            <a:latin typeface="Cambria Math" panose="02040503050406030204" pitchFamily="18" charset="0"/>
-                          </a:rPr>
-                        </m:ctrlPr>
-                      </m:sSupPr>
-                      <m:e>
-                        <m:r>
-                          <a:rPr lang="sk-SK" i="1">
-                            <a:latin typeface="Cambria Math" panose="02040503050406030204" pitchFamily="18" charset="0"/>
-                          </a:rPr>
-                          <m:t>𝑦</m:t>
-                        </m:r>
-                      </m:e>
-                      <m:sup>
-                        <m:r>
-                          <a:rPr lang="sk-SK" i="1">
-                            <a:latin typeface="Cambria Math" panose="02040503050406030204" pitchFamily="18" charset="0"/>
-                          </a:rPr>
-                          <m:t>(</m:t>
-                        </m:r>
-                        <m:r>
-                          <a:rPr lang="sk-SK" i="1">
-                            <a:latin typeface="Cambria Math" panose="02040503050406030204" pitchFamily="18" charset="0"/>
-                          </a:rPr>
-                          <m:t>𝑛</m:t>
-                        </m:r>
-                        <m:r>
-                          <a:rPr lang="sk-SK" i="1">
-                            <a:latin typeface="Cambria Math" panose="02040503050406030204" pitchFamily="18" charset="0"/>
-                          </a:rPr>
-                          <m:t>−1)</m:t>
-                        </m:r>
-                      </m:sup>
-                    </m:sSup>
-                    <m:r>
-                      <a:rPr lang="sk-SK" i="1">
-                        <a:latin typeface="Cambria Math" panose="02040503050406030204" pitchFamily="18" charset="0"/>
-                      </a:rPr>
-                      <m:t>+…+</m:t>
-                    </m:r>
-                    <m:sSub>
-                      <m:sSubPr>
-                        <m:ctrlPr>
-                          <a:rPr lang="sk-SK" i="1">
-                            <a:latin typeface="Cambria Math" panose="02040503050406030204" pitchFamily="18" charset="0"/>
-                          </a:rPr>
-                        </m:ctrlPr>
-                      </m:sSubPr>
-                      <m:e>
-                        <m:r>
-                          <a:rPr lang="sk-SK" i="1">
-                            <a:latin typeface="Cambria Math" panose="02040503050406030204" pitchFamily="18" charset="0"/>
-                          </a:rPr>
-                          <m:t>𝑎</m:t>
-                        </m:r>
-                      </m:e>
-                      <m:sub>
-                        <m:r>
-                          <a:rPr lang="sk-SK" i="1">
-                            <a:latin typeface="Cambria Math" panose="02040503050406030204" pitchFamily="18" charset="0"/>
-                          </a:rPr>
-                          <m:t>1</m:t>
-                        </m:r>
-                      </m:sub>
-                    </m:sSub>
-                    <m:acc>
-                      <m:accPr>
-                        <m:chr m:val="̇"/>
-                        <m:ctrlPr>
-                          <a:rPr lang="sk-SK" i="1">
-                            <a:latin typeface="Cambria Math" panose="02040503050406030204" pitchFamily="18" charset="0"/>
-                          </a:rPr>
-                        </m:ctrlPr>
-                      </m:accPr>
-                      <m:e>
-                        <m:r>
-                          <a:rPr lang="sk-SK" i="1">
-                            <a:latin typeface="Cambria Math" panose="02040503050406030204" pitchFamily="18" charset="0"/>
-                          </a:rPr>
-                          <m:t>𝑦</m:t>
-                        </m:r>
-                      </m:e>
-                    </m:acc>
-                    <m:r>
-                      <a:rPr lang="sk-SK" i="1">
-                        <a:latin typeface="Cambria Math" panose="02040503050406030204" pitchFamily="18" charset="0"/>
-                      </a:rPr>
-                      <m:t>+ </m:t>
-                    </m:r>
-                    <m:sSub>
-                      <m:sSubPr>
-                        <m:ctrlPr>
-                          <a:rPr lang="sk-SK" i="1">
-                            <a:latin typeface="Cambria Math" panose="02040503050406030204" pitchFamily="18" charset="0"/>
-                          </a:rPr>
-                        </m:ctrlPr>
-                      </m:sSubPr>
-                      <m:e>
-                        <m:r>
-                          <a:rPr lang="sk-SK" i="1">
-                            <a:latin typeface="Cambria Math" panose="02040503050406030204" pitchFamily="18" charset="0"/>
-                          </a:rPr>
-                          <m:t>𝑎</m:t>
-                        </m:r>
-                      </m:e>
-                      <m:sub>
-                        <m:r>
-                          <a:rPr lang="sk-SK" i="1">
-                            <a:latin typeface="Cambria Math" panose="02040503050406030204" pitchFamily="18" charset="0"/>
-                          </a:rPr>
-                          <m:t>0</m:t>
-                        </m:r>
-                      </m:sub>
-                    </m:sSub>
-                    <m:r>
-                      <a:rPr lang="sk-SK" i="1">
-                        <a:latin typeface="Cambria Math" panose="02040503050406030204" pitchFamily="18" charset="0"/>
-                      </a:rPr>
-                      <m:t>𝑦</m:t>
-                    </m:r>
-                    <m:r>
-                      <a:rPr lang="sk-SK" i="1">
-                        <a:latin typeface="Cambria Math" panose="02040503050406030204" pitchFamily="18" charset="0"/>
-                      </a:rPr>
-                      <m:t>=</m:t>
-                    </m:r>
-                    <m:r>
-                      <a:rPr lang="sk-SK">
-                        <a:latin typeface="Cambria Math" panose="02040503050406030204" pitchFamily="18" charset="0"/>
-                      </a:rPr>
-                      <m:t> </m:t>
-                    </m:r>
-                    <m:sSub>
-                      <m:sSubPr>
-                        <m:ctrlPr>
-                          <a:rPr lang="sk-SK" i="1">
-                            <a:latin typeface="Cambria Math" panose="02040503050406030204" pitchFamily="18" charset="0"/>
-                          </a:rPr>
-                        </m:ctrlPr>
-                      </m:sSubPr>
-                      <m:e>
-                        <m:r>
-                          <a:rPr lang="sk-SK" i="1">
-                            <a:latin typeface="Cambria Math" panose="02040503050406030204" pitchFamily="18" charset="0"/>
-                          </a:rPr>
-                          <m:t>𝑏</m:t>
-                        </m:r>
-                      </m:e>
-                      <m:sub>
-                        <m:r>
-                          <a:rPr lang="sk-SK" i="1">
-                            <a:latin typeface="Cambria Math" panose="02040503050406030204" pitchFamily="18" charset="0"/>
-                          </a:rPr>
-                          <m:t>𝑚</m:t>
-                        </m:r>
-                      </m:sub>
-                    </m:sSub>
-                    <m:sSup>
-                      <m:sSupPr>
-                        <m:ctrlPr>
-                          <a:rPr lang="sk-SK" i="1">
-                            <a:latin typeface="Cambria Math" panose="02040503050406030204" pitchFamily="18" charset="0"/>
-                          </a:rPr>
-                        </m:ctrlPr>
-                      </m:sSupPr>
-                      <m:e>
-                        <m:r>
-                          <a:rPr lang="sk-SK" i="1">
-                            <a:latin typeface="Cambria Math" panose="02040503050406030204" pitchFamily="18" charset="0"/>
-                          </a:rPr>
-                          <m:t>𝑢</m:t>
-                        </m:r>
-                      </m:e>
-                      <m:sup>
-                        <m:d>
-                          <m:dPr>
-                            <m:ctrlPr>
-                              <a:rPr lang="sk-SK" i="1">
-                                <a:latin typeface="Cambria Math" panose="02040503050406030204" pitchFamily="18" charset="0"/>
-                              </a:rPr>
-                            </m:ctrlPr>
-                          </m:dPr>
-                          <m:e>
-                            <m:r>
-                              <a:rPr lang="sk-SK" i="1">
-                                <a:latin typeface="Cambria Math" panose="02040503050406030204" pitchFamily="18" charset="0"/>
-                              </a:rPr>
-                              <m:t>𝑚</m:t>
-                            </m:r>
-                          </m:e>
-                        </m:d>
-                      </m:sup>
-                    </m:sSup>
-                    <m:r>
-                      <a:rPr lang="sk-SK" i="1">
-                        <a:latin typeface="Cambria Math" panose="02040503050406030204" pitchFamily="18" charset="0"/>
-                      </a:rPr>
-                      <m:t>+…+ </m:t>
-                    </m:r>
-                    <m:sSub>
-                      <m:sSubPr>
-                        <m:ctrlPr>
-                          <a:rPr lang="sk-SK" i="1">
-                            <a:latin typeface="Cambria Math" panose="02040503050406030204" pitchFamily="18" charset="0"/>
-                          </a:rPr>
-                        </m:ctrlPr>
-                      </m:sSubPr>
-                      <m:e>
-                        <m:r>
-                          <a:rPr lang="sk-SK" i="1">
-                            <a:latin typeface="Cambria Math" panose="02040503050406030204" pitchFamily="18" charset="0"/>
-                          </a:rPr>
-                          <m:t>𝑏</m:t>
-                        </m:r>
-                      </m:e>
-                      <m:sub>
-                        <m:r>
-                          <a:rPr lang="sk-SK" i="1">
-                            <a:latin typeface="Cambria Math" panose="02040503050406030204" pitchFamily="18" charset="0"/>
-                          </a:rPr>
-                          <m:t>1</m:t>
-                        </m:r>
-                      </m:sub>
-                    </m:sSub>
-                    <m:acc>
-                      <m:accPr>
-                        <m:chr m:val="̇"/>
-                        <m:ctrlPr>
-                          <a:rPr lang="sk-SK" i="1">
-                            <a:latin typeface="Cambria Math" panose="02040503050406030204" pitchFamily="18" charset="0"/>
-                          </a:rPr>
-                        </m:ctrlPr>
-                      </m:accPr>
-                      <m:e>
-                        <m:r>
-                          <a:rPr lang="sk-SK" i="1">
-                            <a:latin typeface="Cambria Math" panose="02040503050406030204" pitchFamily="18" charset="0"/>
-                          </a:rPr>
-                          <m:t>𝑢</m:t>
-                        </m:r>
-                      </m:e>
-                    </m:acc>
-                    <m:r>
-                      <a:rPr lang="sk-SK" i="1">
-                        <a:latin typeface="Cambria Math" panose="02040503050406030204" pitchFamily="18" charset="0"/>
-                      </a:rPr>
-                      <m:t>+ </m:t>
-                    </m:r>
-                    <m:sSub>
-                      <m:sSubPr>
-                        <m:ctrlPr>
-                          <a:rPr lang="sk-SK" i="1">
-                            <a:latin typeface="Cambria Math" panose="02040503050406030204" pitchFamily="18" charset="0"/>
-                          </a:rPr>
-                        </m:ctrlPr>
-                      </m:sSubPr>
-                      <m:e>
-                        <m:r>
-                          <a:rPr lang="sk-SK" i="1">
-                            <a:latin typeface="Cambria Math" panose="02040503050406030204" pitchFamily="18" charset="0"/>
-                          </a:rPr>
-                          <m:t>𝑏</m:t>
-                        </m:r>
-                      </m:e>
-                      <m:sub>
-                        <m:r>
-                          <a:rPr lang="sk-SK" i="1">
-                            <a:latin typeface="Cambria Math" panose="02040503050406030204" pitchFamily="18" charset="0"/>
-                          </a:rPr>
-                          <m:t>0</m:t>
-                        </m:r>
-                      </m:sub>
-                    </m:sSub>
-                    <m:r>
-                      <a:rPr lang="sk-SK" i="1">
-                        <a:latin typeface="Cambria Math" panose="02040503050406030204" pitchFamily="18" charset="0"/>
-                      </a:rPr>
-                      <m:t>𝑢</m:t>
-                    </m:r>
-                  </m:oMath>
-                </a14:m>
-                <a:endParaRPr lang="sk-SK" dirty="0"/>
-              </a:p>
-              <a:p>
-                <a:pPr>
-                  <a:buFont typeface="Arial" panose="020B0604020202020204" pitchFamily="34" charset="0"/>
-                  <a:buChar char="•"/>
-                </a:pPr>
-                <a:r>
-                  <a:rPr lang="sk-SK" i="1" dirty="0"/>
-                  <a:t>Nelineárna diferenciálna rovnica</a:t>
-                </a:r>
-              </a:p>
-              <a:p>
-                <a:pPr lvl="1"/>
-                <a14:m>
-                  <m:oMath xmlns:m="http://schemas.openxmlformats.org/officeDocument/2006/math">
-                    <m:sSup>
-                      <m:sSupPr>
-                        <m:ctrlPr>
-                          <a:rPr lang="sk-SK" i="1">
-                            <a:latin typeface="Cambria Math" panose="02040503050406030204" pitchFamily="18" charset="0"/>
-                          </a:rPr>
-                        </m:ctrlPr>
-                      </m:sSupPr>
-                      <m:e>
-                        <m:r>
-                          <a:rPr lang="sk-SK" i="1">
-                            <a:latin typeface="Cambria Math" panose="02040503050406030204" pitchFamily="18" charset="0"/>
-                          </a:rPr>
-                          <m:t>𝑦</m:t>
-                        </m:r>
-                      </m:e>
-                      <m:sup>
-                        <m:r>
-                          <a:rPr lang="sk-SK" i="1">
-                            <a:latin typeface="Cambria Math" panose="02040503050406030204" pitchFamily="18" charset="0"/>
-                          </a:rPr>
-                          <m:t>(</m:t>
-                        </m:r>
-                        <m:r>
-                          <a:rPr lang="sk-SK" i="1">
-                            <a:latin typeface="Cambria Math" panose="02040503050406030204" pitchFamily="18" charset="0"/>
-                          </a:rPr>
-                          <m:t>𝑛</m:t>
-                        </m:r>
-                        <m:r>
-                          <a:rPr lang="sk-SK" i="1">
-                            <a:latin typeface="Cambria Math" panose="02040503050406030204" pitchFamily="18" charset="0"/>
-                          </a:rPr>
-                          <m:t>)</m:t>
-                        </m:r>
-                      </m:sup>
-                    </m:sSup>
-                    <m:r>
-                      <a:rPr lang="sk-SK" i="1">
-                        <a:latin typeface="Cambria Math" panose="02040503050406030204" pitchFamily="18" charset="0"/>
-                      </a:rPr>
-                      <m:t>= </m:t>
-                    </m:r>
-                    <m:r>
-                      <a:rPr lang="sk-SK" i="1">
-                        <a:latin typeface="Cambria Math" panose="02040503050406030204" pitchFamily="18" charset="0"/>
-                      </a:rPr>
-                      <m:t>𝜑</m:t>
-                    </m:r>
-                    <m:r>
-                      <a:rPr lang="sk-SK" i="1">
-                        <a:latin typeface="Cambria Math" panose="02040503050406030204" pitchFamily="18" charset="0"/>
-                      </a:rPr>
-                      <m:t>(</m:t>
-                    </m:r>
-                    <m:r>
-                      <a:rPr lang="sk-SK" i="1">
-                        <a:latin typeface="Cambria Math" panose="02040503050406030204" pitchFamily="18" charset="0"/>
-                      </a:rPr>
-                      <m:t>𝑦</m:t>
-                    </m:r>
-                    <m:r>
-                      <a:rPr lang="sk-SK" i="1">
-                        <a:latin typeface="Cambria Math" panose="02040503050406030204" pitchFamily="18" charset="0"/>
-                      </a:rPr>
-                      <m:t>,</m:t>
-                    </m:r>
-                    <m:acc>
-                      <m:accPr>
-                        <m:chr m:val="̇"/>
-                        <m:ctrlPr>
-                          <a:rPr lang="sk-SK" i="1">
-                            <a:latin typeface="Cambria Math" panose="02040503050406030204" pitchFamily="18" charset="0"/>
-                          </a:rPr>
-                        </m:ctrlPr>
-                      </m:accPr>
-                      <m:e>
-                        <m:r>
-                          <a:rPr lang="sk-SK" i="1">
-                            <a:latin typeface="Cambria Math" panose="02040503050406030204" pitchFamily="18" charset="0"/>
-                          </a:rPr>
-                          <m:t>𝑦</m:t>
-                        </m:r>
-                      </m:e>
-                    </m:acc>
-                    <m:r>
-                      <a:rPr lang="sk-SK" i="1">
-                        <a:latin typeface="Cambria Math" panose="02040503050406030204" pitchFamily="18" charset="0"/>
-                      </a:rPr>
-                      <m:t>,…,</m:t>
-                    </m:r>
-                    <m:sSup>
-                      <m:sSupPr>
-                        <m:ctrlPr>
-                          <a:rPr lang="sk-SK" i="1">
-                            <a:latin typeface="Cambria Math" panose="02040503050406030204" pitchFamily="18" charset="0"/>
-                          </a:rPr>
-                        </m:ctrlPr>
-                      </m:sSupPr>
-                      <m:e>
-                        <m:r>
-                          <a:rPr lang="sk-SK" i="1">
-                            <a:latin typeface="Cambria Math" panose="02040503050406030204" pitchFamily="18" charset="0"/>
-                          </a:rPr>
-                          <m:t>𝑦</m:t>
-                        </m:r>
-                      </m:e>
-                      <m:sup>
-                        <m:d>
-                          <m:dPr>
-                            <m:ctrlPr>
-                              <a:rPr lang="sk-SK" i="1">
-                                <a:latin typeface="Cambria Math" panose="02040503050406030204" pitchFamily="18" charset="0"/>
-                              </a:rPr>
-                            </m:ctrlPr>
-                          </m:dPr>
-                          <m:e>
-                            <m:r>
-                              <a:rPr lang="sk-SK" i="1">
-                                <a:latin typeface="Cambria Math" panose="02040503050406030204" pitchFamily="18" charset="0"/>
-                              </a:rPr>
-                              <m:t>𝑛</m:t>
-                            </m:r>
-                            <m:r>
-                              <a:rPr lang="sk-SK" i="1">
-                                <a:latin typeface="Cambria Math" panose="02040503050406030204" pitchFamily="18" charset="0"/>
-                              </a:rPr>
-                              <m:t>−1</m:t>
-                            </m:r>
-                          </m:e>
-                        </m:d>
-                      </m:sup>
-                    </m:sSup>
-                    <m:r>
-                      <a:rPr lang="sk-SK" i="1">
-                        <a:latin typeface="Cambria Math" panose="02040503050406030204" pitchFamily="18" charset="0"/>
-                      </a:rPr>
-                      <m:t>,</m:t>
-                    </m:r>
-                    <m:r>
-                      <a:rPr lang="sk-SK" i="1">
-                        <a:latin typeface="Cambria Math" panose="02040503050406030204" pitchFamily="18" charset="0"/>
-                      </a:rPr>
-                      <m:t>𝑢</m:t>
-                    </m:r>
-                    <m:r>
-                      <a:rPr lang="sk-SK" i="1">
-                        <a:latin typeface="Cambria Math" panose="02040503050406030204" pitchFamily="18" charset="0"/>
-                      </a:rPr>
-                      <m:t>,</m:t>
-                    </m:r>
-                    <m:acc>
-                      <m:accPr>
-                        <m:chr m:val="̇"/>
-                        <m:ctrlPr>
-                          <a:rPr lang="sk-SK" i="1">
-                            <a:latin typeface="Cambria Math" panose="02040503050406030204" pitchFamily="18" charset="0"/>
-                          </a:rPr>
-                        </m:ctrlPr>
-                      </m:accPr>
-                      <m:e>
-                        <m:r>
-                          <a:rPr lang="sk-SK" i="1">
-                            <a:latin typeface="Cambria Math" panose="02040503050406030204" pitchFamily="18" charset="0"/>
-                          </a:rPr>
-                          <m:t>𝑢</m:t>
-                        </m:r>
-                      </m:e>
-                    </m:acc>
-                    <m:r>
-                      <a:rPr lang="sk-SK" i="1">
-                        <a:latin typeface="Cambria Math" panose="02040503050406030204" pitchFamily="18" charset="0"/>
-                      </a:rPr>
-                      <m:t>,…,</m:t>
-                    </m:r>
-                    <m:sSup>
-                      <m:sSupPr>
-                        <m:ctrlPr>
-                          <a:rPr lang="sk-SK" i="1">
-                            <a:latin typeface="Cambria Math" panose="02040503050406030204" pitchFamily="18" charset="0"/>
-                          </a:rPr>
-                        </m:ctrlPr>
-                      </m:sSupPr>
-                      <m:e>
-                        <m:r>
-                          <a:rPr lang="sk-SK" i="1">
-                            <a:latin typeface="Cambria Math" panose="02040503050406030204" pitchFamily="18" charset="0"/>
-                          </a:rPr>
-                          <m:t>𝑢</m:t>
-                        </m:r>
-                      </m:e>
-                      <m:sup>
-                        <m:r>
-                          <a:rPr lang="sk-SK" i="1">
-                            <a:latin typeface="Cambria Math" panose="02040503050406030204" pitchFamily="18" charset="0"/>
-                          </a:rPr>
-                          <m:t>(</m:t>
-                        </m:r>
-                        <m:r>
-                          <a:rPr lang="sk-SK" i="1">
-                            <a:latin typeface="Cambria Math" panose="02040503050406030204" pitchFamily="18" charset="0"/>
-                          </a:rPr>
-                          <m:t>𝑚</m:t>
-                        </m:r>
-                        <m:r>
-                          <a:rPr lang="sk-SK" i="1">
-                            <a:latin typeface="Cambria Math" panose="02040503050406030204" pitchFamily="18" charset="0"/>
-                          </a:rPr>
-                          <m:t>)</m:t>
-                        </m:r>
-                      </m:sup>
-                    </m:sSup>
-                  </m:oMath>
-                </a14:m>
-                <a:endParaRPr lang="sk-SK" dirty="0" smtClean="0"/>
-              </a:p>
-              <a:p>
-                <a:pPr>
-                  <a:buFont typeface="Arial" panose="020B0604020202020204" pitchFamily="34" charset="0"/>
-                  <a:buChar char="•"/>
-                </a:pPr>
-                <a:r>
-                  <a:rPr lang="sk-SK" dirty="0" smtClean="0"/>
-                  <a:t>Obyčajné </a:t>
-                </a:r>
-                <a:r>
-                  <a:rPr lang="sk-SK" dirty="0"/>
-                  <a:t>diferenciálne rovnice </a:t>
-                </a:r>
-                <a:r>
-                  <a:rPr lang="sk-SK" dirty="0" smtClean="0"/>
-                  <a:t>(</a:t>
-                </a:r>
-                <a:r>
-                  <a:rPr lang="sk-SK" u="sng" dirty="0" smtClean="0"/>
-                  <a:t>ODE</a:t>
-                </a:r>
-                <a:r>
-                  <a:rPr lang="sk-SK" dirty="0"/>
-                  <a:t>) — rovnice obsahujúce derivácie len podľa jednej </a:t>
-                </a:r>
-                <a:r>
-                  <a:rPr lang="sk-SK" dirty="0" smtClean="0"/>
-                  <a:t>premennej – </a:t>
-                </a:r>
-                <a:r>
-                  <a:rPr lang="sk-SK" u="sng" dirty="0" smtClean="0"/>
-                  <a:t>tento predmet</a:t>
-                </a:r>
-                <a:r>
-                  <a:rPr lang="sk-SK" dirty="0" smtClean="0"/>
-                  <a:t>.</a:t>
-                </a:r>
-                <a:endParaRPr lang="sk-SK" dirty="0"/>
-              </a:p>
-              <a:p>
-                <a:pPr>
-                  <a:buFont typeface="Arial" panose="020B0604020202020204" pitchFamily="34" charset="0"/>
-                  <a:buChar char="•"/>
-                </a:pPr>
-                <a:r>
-                  <a:rPr lang="sk-SK" dirty="0" smtClean="0"/>
-                  <a:t>Parciálne </a:t>
-                </a:r>
-                <a:r>
-                  <a:rPr lang="sk-SK" dirty="0"/>
-                  <a:t>diferenciálne rovnice </a:t>
-                </a:r>
-                <a:r>
-                  <a:rPr lang="sk-SK" dirty="0" smtClean="0"/>
-                  <a:t>— </a:t>
-                </a:r>
-                <a:r>
-                  <a:rPr lang="sk-SK" dirty="0"/>
-                  <a:t>obsahujú derivácie podľa viacerých </a:t>
-                </a:r>
-                <a:r>
-                  <a:rPr lang="sk-SK" dirty="0" smtClean="0"/>
-                  <a:t>premenných (napríklad priestorové súradnice (vedenie tepla).</a:t>
-                </a:r>
-              </a:p>
-              <a:p>
-                <a:pPr>
-                  <a:buFont typeface="Arial" panose="020B0604020202020204" pitchFamily="34" charset="0"/>
-                  <a:buChar char="•"/>
-                </a:pPr>
-                <a:r>
-                  <a:rPr lang="sk-SK" dirty="0" smtClean="0"/>
-                  <a:t>Kybernetika </a:t>
-                </a:r>
-                <a:r>
-                  <a:rPr lang="en-US" dirty="0" smtClean="0"/>
-                  <a:t>-&gt; di</a:t>
-                </a:r>
-                <a:r>
-                  <a:rPr lang="sk-SK" dirty="0" err="1" smtClean="0"/>
-                  <a:t>ferenciálne</a:t>
-                </a:r>
-                <a:r>
-                  <a:rPr lang="sk-SK" dirty="0" smtClean="0"/>
-                  <a:t> rovnice </a:t>
-                </a:r>
-                <a:r>
-                  <a:rPr lang="sk-SK" u="sng" dirty="0" smtClean="0"/>
-                  <a:t>podľa času</a:t>
-                </a:r>
-                <a:r>
-                  <a:rPr lang="sk-SK" dirty="0" smtClean="0"/>
-                  <a:t>  </a:t>
-                </a:r>
-                <a14:m>
-                  <m:oMath xmlns:m="http://schemas.openxmlformats.org/officeDocument/2006/math">
-                    <m:f>
-                      <m:fPr>
-                        <m:ctrlPr>
-                          <a:rPr lang="sk-SK" i="1" smtClean="0">
-                            <a:latin typeface="Cambria Math" panose="02040503050406030204" pitchFamily="18" charset="0"/>
-                          </a:rPr>
-                        </m:ctrlPr>
-                      </m:fPr>
-                      <m:num>
-                        <m:r>
-                          <a:rPr lang="sk-SK" b="0" i="1" smtClean="0">
-                            <a:latin typeface="Cambria Math" panose="02040503050406030204" pitchFamily="18" charset="0"/>
-                          </a:rPr>
-                          <m:t>𝑑𝑥</m:t>
-                        </m:r>
-                      </m:num>
-                      <m:den>
-                        <m:r>
-                          <a:rPr lang="sk-SK" b="0" i="1" smtClean="0">
-                            <a:latin typeface="Cambria Math" panose="02040503050406030204" pitchFamily="18" charset="0"/>
-                          </a:rPr>
-                          <m:t>𝑑𝑡</m:t>
-                        </m:r>
-                      </m:den>
-                    </m:f>
-                  </m:oMath>
-                </a14:m>
-                <a:r>
-                  <a:rPr lang="sk-SK" dirty="0" smtClean="0"/>
-                  <a:t> - </a:t>
-                </a:r>
-                <a:r>
-                  <a:rPr lang="sk-SK" u="sng" dirty="0" smtClean="0"/>
-                  <a:t>skrátený zápis</a:t>
-                </a:r>
-                <a:r>
-                  <a:rPr lang="sk-SK" dirty="0" smtClean="0"/>
-                  <a:t> </a:t>
-                </a:r>
-                <a14:m>
-                  <m:oMath xmlns:m="http://schemas.openxmlformats.org/officeDocument/2006/math">
-                    <m:acc>
-                      <m:accPr>
-                        <m:chr m:val="̇"/>
-                        <m:ctrlPr>
-                          <a:rPr lang="sk-SK" i="1" smtClean="0">
-                            <a:latin typeface="Cambria Math" panose="02040503050406030204" pitchFamily="18" charset="0"/>
-                          </a:rPr>
-                        </m:ctrlPr>
-                      </m:accPr>
-                      <m:e>
-                        <m:r>
-                          <a:rPr lang="sk-SK" b="0" i="1" smtClean="0">
-                            <a:latin typeface="Cambria Math" panose="02040503050406030204" pitchFamily="18" charset="0"/>
-                          </a:rPr>
-                          <m:t>𝑥</m:t>
-                        </m:r>
-                      </m:e>
-                    </m:acc>
-                  </m:oMath>
-                </a14:m>
-                <a:endParaRPr lang="sk-SK" dirty="0" smtClean="0"/>
-              </a:p>
-              <a:p>
-                <a:pPr>
-                  <a:buFont typeface="Arial" panose="020B0604020202020204" pitchFamily="34" charset="0"/>
-                  <a:buChar char="•"/>
-                </a:pPr>
-                <a:endParaRPr lang="sk-SK" dirty="0"/>
-              </a:p>
-            </p:txBody>
-          </p:sp>
-        </mc:Choice>
-        <mc:Fallback xmlns="">
-          <p:sp>
-            <p:nvSpPr>
-              <p:cNvPr id="3" name="Zástupný symbol obsahu 2"/>
-              <p:cNvSpPr>
-                <a:spLocks noGrp="1" noRot="1" noChangeAspect="1" noMove="1" noResize="1" noEditPoints="1" noAdjustHandles="1" noChangeArrowheads="1" noChangeShapeType="1" noTextEdit="1"/>
-              </p:cNvSpPr>
-              <p:nvPr>
-                <p:ph idx="1"/>
-              </p:nvPr>
-            </p:nvSpPr>
-            <p:spPr>
-              <a:blipFill rotWithShape="0">
-                <a:blip r:embed="rId2"/>
-                <a:stretch>
-                  <a:fillRect l="-1679" t="-1526"/>
-                </a:stretch>
-              </a:blipFill>
-            </p:spPr>
-            <p:txBody>
-              <a:bodyPr/>
-              <a:lstStyle/>
-              <a:p>
-                <a:r>
-                  <a:rPr lang="sk-SK">
-                    <a:noFill/>
-                  </a:rPr>
-                  <a:t> </a:t>
-                </a:r>
-              </a:p>
-            </p:txBody>
-          </p:sp>
-        </mc:Fallback>
-      </mc:AlternateContent>
-    </p:spTree>
-    <p:extLst>
-      <p:ext uri="{BB962C8B-B14F-4D97-AF65-F5344CB8AC3E}">
-        <p14:creationId xmlns:p14="http://schemas.microsoft.com/office/powerpoint/2010/main" val="3666784372"/>
-      </p:ext>
-    </p:extLst>
-  </p:cSld>
-  <p:clrMapOvr>
-    <a:masterClrMapping/>
-  </p:clrMapOvr>
-</p:sld>
-</file>
-
-<file path=ppt/slides/slide60.xml><?xml version="1.0" encoding="utf-8"?>
+<file path=ppt/slides/slide59.xml><?xml version="1.0" encoding="utf-8"?>
 <p:sld xmlns:a="http://schemas.openxmlformats.org/drawingml/2006/main" xmlns:r="http://schemas.openxmlformats.org/officeDocument/2006/relationships" xmlns:p="http://schemas.openxmlformats.org/presentationml/2006/main">
   <p:cSld>
     <p:spTree>
@@ -35977,6 +37118,1361 @@
 </p:sld>
 </file>
 
+<file path=ppt/slides/slide6.xml><?xml version="1.0" encoding="utf-8"?>
+<p:sld xmlns:a="http://schemas.openxmlformats.org/drawingml/2006/main" xmlns:r="http://schemas.openxmlformats.org/officeDocument/2006/relationships" xmlns:p="http://schemas.openxmlformats.org/presentationml/2006/main">
+  <p:cSld>
+    <p:spTree>
+      <p:nvGrpSpPr>
+        <p:cNvPr id="1" name=""/>
+        <p:cNvGrpSpPr/>
+        <p:nvPr/>
+      </p:nvGrpSpPr>
+      <p:grpSpPr>
+        <a:xfrm>
+          <a:off x="0" y="0"/>
+          <a:ext cx="0" cy="0"/>
+          <a:chOff x="0" y="0"/>
+          <a:chExt cx="0" cy="0"/>
+        </a:xfrm>
+      </p:grpSpPr>
+      <p:sp>
+        <p:nvSpPr>
+          <p:cNvPr id="2" name="Nadpis 1"/>
+          <p:cNvSpPr>
+            <a:spLocks noGrp="1"/>
+          </p:cNvSpPr>
+          <p:nvPr>
+            <p:ph type="title"/>
+          </p:nvPr>
+        </p:nvSpPr>
+        <p:spPr/>
+        <p:txBody>
+          <a:bodyPr/>
+          <a:lstStyle/>
+          <a:p>
+            <a:r>
+              <a:rPr lang="sk-SK" dirty="0" smtClean="0"/>
+              <a:t>Diferenciálna rovnica</a:t>
+            </a:r>
+            <a:endParaRPr lang="sk-SK" dirty="0"/>
+          </a:p>
+        </p:txBody>
+      </p:sp>
+      <mc:AlternateContent xmlns:mc="http://schemas.openxmlformats.org/markup-compatibility/2006" xmlns:a14="http://schemas.microsoft.com/office/drawing/2010/main">
+        <mc:Choice Requires="a14">
+          <p:sp>
+            <p:nvSpPr>
+              <p:cNvPr id="3" name="Zástupný symbol obsahu 2"/>
+              <p:cNvSpPr>
+                <a:spLocks noGrp="1"/>
+              </p:cNvSpPr>
+              <p:nvPr>
+                <p:ph idx="1"/>
+              </p:nvPr>
+            </p:nvSpPr>
+            <p:spPr/>
+            <p:txBody>
+              <a:bodyPr>
+                <a:normAutofit fontScale="92500" lnSpcReduction="10000"/>
+              </a:bodyPr>
+              <a:lstStyle/>
+              <a:p>
+                <a:pPr>
+                  <a:buFont typeface="Arial" panose="020B0604020202020204" pitchFamily="34" charset="0"/>
+                  <a:buChar char="•"/>
+                </a:pPr>
+                <a:r>
+                  <a:rPr lang="sk-SK" dirty="0" smtClean="0"/>
+                  <a:t>Diferenciálna rovnica: je matematická rovnica, v ktorej ako premenné vystupujú derivácie funkcií</a:t>
+                </a:r>
+              </a:p>
+              <a:p>
+                <a:pPr>
+                  <a:buFont typeface="Arial" panose="020B0604020202020204" pitchFamily="34" charset="0"/>
+                  <a:buChar char="•"/>
+                </a:pPr>
+                <a:r>
+                  <a:rPr lang="sk-SK" dirty="0"/>
+                  <a:t>Podľa stupňa derivácie, ktorú rovnica obsahuje rozlišujeme rády diferenciálnych </a:t>
+                </a:r>
+                <a:r>
+                  <a:rPr lang="sk-SK" dirty="0" smtClean="0"/>
+                  <a:t>rovníc</a:t>
+                </a:r>
+              </a:p>
+              <a:p>
+                <a:pPr>
+                  <a:buFont typeface="Arial" panose="020B0604020202020204" pitchFamily="34" charset="0"/>
+                  <a:buChar char="•"/>
+                </a:pPr>
+                <a:r>
+                  <a:rPr lang="sk-SK" u="sng" dirty="0"/>
+                  <a:t>Rád diferenciálnej rovnice</a:t>
+                </a:r>
+                <a:r>
+                  <a:rPr lang="sk-SK" dirty="0"/>
+                  <a:t> je rád najvyššej derivácie, ktorá je v nej </a:t>
+                </a:r>
+                <a:r>
+                  <a:rPr lang="sk-SK" dirty="0" smtClean="0"/>
+                  <a:t>obsiahnutá.</a:t>
+                </a:r>
+                <a:endParaRPr lang="sk-SK" i="1" dirty="0"/>
+              </a:p>
+              <a:p>
+                <a:pPr>
+                  <a:buFont typeface="Arial" panose="020B0604020202020204" pitchFamily="34" charset="0"/>
+                  <a:buChar char="•"/>
+                </a:pPr>
+                <a:r>
+                  <a:rPr lang="sk-SK" i="1" dirty="0"/>
+                  <a:t>Lineárna diferenciálna rovnica</a:t>
+                </a:r>
+              </a:p>
+              <a:p>
+                <a:pPr lvl="1"/>
+                <a14:m>
+                  <m:oMath xmlns:m="http://schemas.openxmlformats.org/officeDocument/2006/math">
+                    <m:sSup>
+                      <m:sSupPr>
+                        <m:ctrlPr>
+                          <a:rPr lang="sk-SK" i="1">
+                            <a:latin typeface="Cambria Math" panose="02040503050406030204" pitchFamily="18" charset="0"/>
+                          </a:rPr>
+                        </m:ctrlPr>
+                      </m:sSupPr>
+                      <m:e>
+                        <m:r>
+                          <a:rPr lang="sk-SK" i="1">
+                            <a:latin typeface="Cambria Math" panose="02040503050406030204" pitchFamily="18" charset="0"/>
+                          </a:rPr>
+                          <m:t>𝑦</m:t>
+                        </m:r>
+                      </m:e>
+                      <m:sup>
+                        <m:r>
+                          <a:rPr lang="sk-SK" i="1">
+                            <a:latin typeface="Cambria Math" panose="02040503050406030204" pitchFamily="18" charset="0"/>
+                          </a:rPr>
+                          <m:t>(</m:t>
+                        </m:r>
+                        <m:r>
+                          <a:rPr lang="sk-SK" i="1">
+                            <a:latin typeface="Cambria Math" panose="02040503050406030204" pitchFamily="18" charset="0"/>
+                          </a:rPr>
+                          <m:t>𝑛</m:t>
+                        </m:r>
+                        <m:r>
+                          <a:rPr lang="sk-SK" i="1">
+                            <a:latin typeface="Cambria Math" panose="02040503050406030204" pitchFamily="18" charset="0"/>
+                          </a:rPr>
+                          <m:t>)</m:t>
+                        </m:r>
+                      </m:sup>
+                    </m:sSup>
+                    <m:r>
+                      <a:rPr lang="sk-SK" i="1">
+                        <a:latin typeface="Cambria Math" panose="02040503050406030204" pitchFamily="18" charset="0"/>
+                      </a:rPr>
+                      <m:t>+ </m:t>
+                    </m:r>
+                    <m:sSub>
+                      <m:sSubPr>
+                        <m:ctrlPr>
+                          <a:rPr lang="sk-SK" i="1">
+                            <a:latin typeface="Cambria Math" panose="02040503050406030204" pitchFamily="18" charset="0"/>
+                          </a:rPr>
+                        </m:ctrlPr>
+                      </m:sSubPr>
+                      <m:e>
+                        <m:r>
+                          <a:rPr lang="sk-SK" i="1">
+                            <a:latin typeface="Cambria Math" panose="02040503050406030204" pitchFamily="18" charset="0"/>
+                          </a:rPr>
+                          <m:t>𝑎</m:t>
+                        </m:r>
+                      </m:e>
+                      <m:sub>
+                        <m:r>
+                          <a:rPr lang="sk-SK" i="1">
+                            <a:latin typeface="Cambria Math" panose="02040503050406030204" pitchFamily="18" charset="0"/>
+                          </a:rPr>
+                          <m:t>𝑛</m:t>
+                        </m:r>
+                        <m:r>
+                          <a:rPr lang="sk-SK" i="1">
+                            <a:latin typeface="Cambria Math" panose="02040503050406030204" pitchFamily="18" charset="0"/>
+                          </a:rPr>
+                          <m:t>−1</m:t>
+                        </m:r>
+                      </m:sub>
+                    </m:sSub>
+                    <m:sSup>
+                      <m:sSupPr>
+                        <m:ctrlPr>
+                          <a:rPr lang="sk-SK" i="1">
+                            <a:latin typeface="Cambria Math" panose="02040503050406030204" pitchFamily="18" charset="0"/>
+                          </a:rPr>
+                        </m:ctrlPr>
+                      </m:sSupPr>
+                      <m:e>
+                        <m:r>
+                          <a:rPr lang="sk-SK" i="1">
+                            <a:latin typeface="Cambria Math" panose="02040503050406030204" pitchFamily="18" charset="0"/>
+                          </a:rPr>
+                          <m:t>𝑦</m:t>
+                        </m:r>
+                      </m:e>
+                      <m:sup>
+                        <m:r>
+                          <a:rPr lang="sk-SK" i="1">
+                            <a:latin typeface="Cambria Math" panose="02040503050406030204" pitchFamily="18" charset="0"/>
+                          </a:rPr>
+                          <m:t>(</m:t>
+                        </m:r>
+                        <m:r>
+                          <a:rPr lang="sk-SK" i="1">
+                            <a:latin typeface="Cambria Math" panose="02040503050406030204" pitchFamily="18" charset="0"/>
+                          </a:rPr>
+                          <m:t>𝑛</m:t>
+                        </m:r>
+                        <m:r>
+                          <a:rPr lang="sk-SK" i="1">
+                            <a:latin typeface="Cambria Math" panose="02040503050406030204" pitchFamily="18" charset="0"/>
+                          </a:rPr>
+                          <m:t>−1)</m:t>
+                        </m:r>
+                      </m:sup>
+                    </m:sSup>
+                    <m:r>
+                      <a:rPr lang="sk-SK" i="1">
+                        <a:latin typeface="Cambria Math" panose="02040503050406030204" pitchFamily="18" charset="0"/>
+                      </a:rPr>
+                      <m:t>+…+</m:t>
+                    </m:r>
+                    <m:sSub>
+                      <m:sSubPr>
+                        <m:ctrlPr>
+                          <a:rPr lang="sk-SK" i="1">
+                            <a:latin typeface="Cambria Math" panose="02040503050406030204" pitchFamily="18" charset="0"/>
+                          </a:rPr>
+                        </m:ctrlPr>
+                      </m:sSubPr>
+                      <m:e>
+                        <m:r>
+                          <a:rPr lang="sk-SK" i="1">
+                            <a:latin typeface="Cambria Math" panose="02040503050406030204" pitchFamily="18" charset="0"/>
+                          </a:rPr>
+                          <m:t>𝑎</m:t>
+                        </m:r>
+                      </m:e>
+                      <m:sub>
+                        <m:r>
+                          <a:rPr lang="sk-SK" i="1">
+                            <a:latin typeface="Cambria Math" panose="02040503050406030204" pitchFamily="18" charset="0"/>
+                          </a:rPr>
+                          <m:t>1</m:t>
+                        </m:r>
+                      </m:sub>
+                    </m:sSub>
+                    <m:acc>
+                      <m:accPr>
+                        <m:chr m:val="̇"/>
+                        <m:ctrlPr>
+                          <a:rPr lang="sk-SK" i="1">
+                            <a:latin typeface="Cambria Math" panose="02040503050406030204" pitchFamily="18" charset="0"/>
+                          </a:rPr>
+                        </m:ctrlPr>
+                      </m:accPr>
+                      <m:e>
+                        <m:r>
+                          <a:rPr lang="sk-SK" i="1">
+                            <a:latin typeface="Cambria Math" panose="02040503050406030204" pitchFamily="18" charset="0"/>
+                          </a:rPr>
+                          <m:t>𝑦</m:t>
+                        </m:r>
+                      </m:e>
+                    </m:acc>
+                    <m:r>
+                      <a:rPr lang="sk-SK" i="1">
+                        <a:latin typeface="Cambria Math" panose="02040503050406030204" pitchFamily="18" charset="0"/>
+                      </a:rPr>
+                      <m:t>+ </m:t>
+                    </m:r>
+                    <m:sSub>
+                      <m:sSubPr>
+                        <m:ctrlPr>
+                          <a:rPr lang="sk-SK" i="1">
+                            <a:latin typeface="Cambria Math" panose="02040503050406030204" pitchFamily="18" charset="0"/>
+                          </a:rPr>
+                        </m:ctrlPr>
+                      </m:sSubPr>
+                      <m:e>
+                        <m:r>
+                          <a:rPr lang="sk-SK" i="1">
+                            <a:latin typeface="Cambria Math" panose="02040503050406030204" pitchFamily="18" charset="0"/>
+                          </a:rPr>
+                          <m:t>𝑎</m:t>
+                        </m:r>
+                      </m:e>
+                      <m:sub>
+                        <m:r>
+                          <a:rPr lang="sk-SK" i="1">
+                            <a:latin typeface="Cambria Math" panose="02040503050406030204" pitchFamily="18" charset="0"/>
+                          </a:rPr>
+                          <m:t>0</m:t>
+                        </m:r>
+                      </m:sub>
+                    </m:sSub>
+                    <m:r>
+                      <a:rPr lang="sk-SK" i="1">
+                        <a:latin typeface="Cambria Math" panose="02040503050406030204" pitchFamily="18" charset="0"/>
+                      </a:rPr>
+                      <m:t>𝑦</m:t>
+                    </m:r>
+                    <m:r>
+                      <a:rPr lang="sk-SK" i="1">
+                        <a:latin typeface="Cambria Math" panose="02040503050406030204" pitchFamily="18" charset="0"/>
+                      </a:rPr>
+                      <m:t>=</m:t>
+                    </m:r>
+                    <m:r>
+                      <a:rPr lang="sk-SK">
+                        <a:latin typeface="Cambria Math" panose="02040503050406030204" pitchFamily="18" charset="0"/>
+                      </a:rPr>
+                      <m:t> </m:t>
+                    </m:r>
+                    <m:sSub>
+                      <m:sSubPr>
+                        <m:ctrlPr>
+                          <a:rPr lang="sk-SK" i="1">
+                            <a:latin typeface="Cambria Math" panose="02040503050406030204" pitchFamily="18" charset="0"/>
+                          </a:rPr>
+                        </m:ctrlPr>
+                      </m:sSubPr>
+                      <m:e>
+                        <m:r>
+                          <a:rPr lang="sk-SK" i="1">
+                            <a:latin typeface="Cambria Math" panose="02040503050406030204" pitchFamily="18" charset="0"/>
+                          </a:rPr>
+                          <m:t>𝑏</m:t>
+                        </m:r>
+                      </m:e>
+                      <m:sub>
+                        <m:r>
+                          <a:rPr lang="sk-SK" i="1">
+                            <a:latin typeface="Cambria Math" panose="02040503050406030204" pitchFamily="18" charset="0"/>
+                          </a:rPr>
+                          <m:t>𝑚</m:t>
+                        </m:r>
+                      </m:sub>
+                    </m:sSub>
+                    <m:sSup>
+                      <m:sSupPr>
+                        <m:ctrlPr>
+                          <a:rPr lang="sk-SK" i="1">
+                            <a:latin typeface="Cambria Math" panose="02040503050406030204" pitchFamily="18" charset="0"/>
+                          </a:rPr>
+                        </m:ctrlPr>
+                      </m:sSupPr>
+                      <m:e>
+                        <m:r>
+                          <a:rPr lang="sk-SK" i="1">
+                            <a:latin typeface="Cambria Math" panose="02040503050406030204" pitchFamily="18" charset="0"/>
+                          </a:rPr>
+                          <m:t>𝑢</m:t>
+                        </m:r>
+                      </m:e>
+                      <m:sup>
+                        <m:d>
+                          <m:dPr>
+                            <m:ctrlPr>
+                              <a:rPr lang="sk-SK" i="1">
+                                <a:latin typeface="Cambria Math" panose="02040503050406030204" pitchFamily="18" charset="0"/>
+                              </a:rPr>
+                            </m:ctrlPr>
+                          </m:dPr>
+                          <m:e>
+                            <m:r>
+                              <a:rPr lang="sk-SK" i="1">
+                                <a:latin typeface="Cambria Math" panose="02040503050406030204" pitchFamily="18" charset="0"/>
+                              </a:rPr>
+                              <m:t>𝑚</m:t>
+                            </m:r>
+                          </m:e>
+                        </m:d>
+                      </m:sup>
+                    </m:sSup>
+                    <m:r>
+                      <a:rPr lang="sk-SK" i="1">
+                        <a:latin typeface="Cambria Math" panose="02040503050406030204" pitchFamily="18" charset="0"/>
+                      </a:rPr>
+                      <m:t>+…+ </m:t>
+                    </m:r>
+                    <m:sSub>
+                      <m:sSubPr>
+                        <m:ctrlPr>
+                          <a:rPr lang="sk-SK" i="1">
+                            <a:latin typeface="Cambria Math" panose="02040503050406030204" pitchFamily="18" charset="0"/>
+                          </a:rPr>
+                        </m:ctrlPr>
+                      </m:sSubPr>
+                      <m:e>
+                        <m:r>
+                          <a:rPr lang="sk-SK" i="1">
+                            <a:latin typeface="Cambria Math" panose="02040503050406030204" pitchFamily="18" charset="0"/>
+                          </a:rPr>
+                          <m:t>𝑏</m:t>
+                        </m:r>
+                      </m:e>
+                      <m:sub>
+                        <m:r>
+                          <a:rPr lang="sk-SK" i="1">
+                            <a:latin typeface="Cambria Math" panose="02040503050406030204" pitchFamily="18" charset="0"/>
+                          </a:rPr>
+                          <m:t>1</m:t>
+                        </m:r>
+                      </m:sub>
+                    </m:sSub>
+                    <m:acc>
+                      <m:accPr>
+                        <m:chr m:val="̇"/>
+                        <m:ctrlPr>
+                          <a:rPr lang="sk-SK" i="1">
+                            <a:latin typeface="Cambria Math" panose="02040503050406030204" pitchFamily="18" charset="0"/>
+                          </a:rPr>
+                        </m:ctrlPr>
+                      </m:accPr>
+                      <m:e>
+                        <m:r>
+                          <a:rPr lang="sk-SK" i="1">
+                            <a:latin typeface="Cambria Math" panose="02040503050406030204" pitchFamily="18" charset="0"/>
+                          </a:rPr>
+                          <m:t>𝑢</m:t>
+                        </m:r>
+                      </m:e>
+                    </m:acc>
+                    <m:r>
+                      <a:rPr lang="sk-SK" i="1">
+                        <a:latin typeface="Cambria Math" panose="02040503050406030204" pitchFamily="18" charset="0"/>
+                      </a:rPr>
+                      <m:t>+ </m:t>
+                    </m:r>
+                    <m:sSub>
+                      <m:sSubPr>
+                        <m:ctrlPr>
+                          <a:rPr lang="sk-SK" i="1">
+                            <a:latin typeface="Cambria Math" panose="02040503050406030204" pitchFamily="18" charset="0"/>
+                          </a:rPr>
+                        </m:ctrlPr>
+                      </m:sSubPr>
+                      <m:e>
+                        <m:r>
+                          <a:rPr lang="sk-SK" i="1">
+                            <a:latin typeface="Cambria Math" panose="02040503050406030204" pitchFamily="18" charset="0"/>
+                          </a:rPr>
+                          <m:t>𝑏</m:t>
+                        </m:r>
+                      </m:e>
+                      <m:sub>
+                        <m:r>
+                          <a:rPr lang="sk-SK" i="1">
+                            <a:latin typeface="Cambria Math" panose="02040503050406030204" pitchFamily="18" charset="0"/>
+                          </a:rPr>
+                          <m:t>0</m:t>
+                        </m:r>
+                      </m:sub>
+                    </m:sSub>
+                    <m:r>
+                      <a:rPr lang="sk-SK" i="1">
+                        <a:latin typeface="Cambria Math" panose="02040503050406030204" pitchFamily="18" charset="0"/>
+                      </a:rPr>
+                      <m:t>𝑢</m:t>
+                    </m:r>
+                  </m:oMath>
+                </a14:m>
+                <a:endParaRPr lang="sk-SK" dirty="0"/>
+              </a:p>
+              <a:p>
+                <a:pPr>
+                  <a:buFont typeface="Arial" panose="020B0604020202020204" pitchFamily="34" charset="0"/>
+                  <a:buChar char="•"/>
+                </a:pPr>
+                <a:r>
+                  <a:rPr lang="sk-SK" i="1" dirty="0"/>
+                  <a:t>Nelineárna diferenciálna rovnica</a:t>
+                </a:r>
+              </a:p>
+              <a:p>
+                <a:pPr lvl="1"/>
+                <a14:m>
+                  <m:oMath xmlns:m="http://schemas.openxmlformats.org/officeDocument/2006/math">
+                    <m:sSup>
+                      <m:sSupPr>
+                        <m:ctrlPr>
+                          <a:rPr lang="sk-SK" i="1">
+                            <a:latin typeface="Cambria Math" panose="02040503050406030204" pitchFamily="18" charset="0"/>
+                          </a:rPr>
+                        </m:ctrlPr>
+                      </m:sSupPr>
+                      <m:e>
+                        <m:r>
+                          <a:rPr lang="sk-SK" i="1">
+                            <a:latin typeface="Cambria Math" panose="02040503050406030204" pitchFamily="18" charset="0"/>
+                          </a:rPr>
+                          <m:t>𝑦</m:t>
+                        </m:r>
+                      </m:e>
+                      <m:sup>
+                        <m:r>
+                          <a:rPr lang="sk-SK" i="1">
+                            <a:latin typeface="Cambria Math" panose="02040503050406030204" pitchFamily="18" charset="0"/>
+                          </a:rPr>
+                          <m:t>(</m:t>
+                        </m:r>
+                        <m:r>
+                          <a:rPr lang="sk-SK" i="1">
+                            <a:latin typeface="Cambria Math" panose="02040503050406030204" pitchFamily="18" charset="0"/>
+                          </a:rPr>
+                          <m:t>𝑛</m:t>
+                        </m:r>
+                        <m:r>
+                          <a:rPr lang="sk-SK" i="1">
+                            <a:latin typeface="Cambria Math" panose="02040503050406030204" pitchFamily="18" charset="0"/>
+                          </a:rPr>
+                          <m:t>)</m:t>
+                        </m:r>
+                      </m:sup>
+                    </m:sSup>
+                    <m:r>
+                      <a:rPr lang="sk-SK" i="1">
+                        <a:latin typeface="Cambria Math" panose="02040503050406030204" pitchFamily="18" charset="0"/>
+                      </a:rPr>
+                      <m:t>= </m:t>
+                    </m:r>
+                    <m:r>
+                      <a:rPr lang="sk-SK" i="1">
+                        <a:latin typeface="Cambria Math" panose="02040503050406030204" pitchFamily="18" charset="0"/>
+                      </a:rPr>
+                      <m:t>𝜑</m:t>
+                    </m:r>
+                    <m:r>
+                      <a:rPr lang="sk-SK" i="1">
+                        <a:latin typeface="Cambria Math" panose="02040503050406030204" pitchFamily="18" charset="0"/>
+                      </a:rPr>
+                      <m:t>(</m:t>
+                    </m:r>
+                    <m:r>
+                      <a:rPr lang="sk-SK" i="1">
+                        <a:latin typeface="Cambria Math" panose="02040503050406030204" pitchFamily="18" charset="0"/>
+                      </a:rPr>
+                      <m:t>𝑦</m:t>
+                    </m:r>
+                    <m:r>
+                      <a:rPr lang="sk-SK" i="1">
+                        <a:latin typeface="Cambria Math" panose="02040503050406030204" pitchFamily="18" charset="0"/>
+                      </a:rPr>
+                      <m:t>,</m:t>
+                    </m:r>
+                    <m:acc>
+                      <m:accPr>
+                        <m:chr m:val="̇"/>
+                        <m:ctrlPr>
+                          <a:rPr lang="sk-SK" i="1">
+                            <a:latin typeface="Cambria Math" panose="02040503050406030204" pitchFamily="18" charset="0"/>
+                          </a:rPr>
+                        </m:ctrlPr>
+                      </m:accPr>
+                      <m:e>
+                        <m:r>
+                          <a:rPr lang="sk-SK" i="1">
+                            <a:latin typeface="Cambria Math" panose="02040503050406030204" pitchFamily="18" charset="0"/>
+                          </a:rPr>
+                          <m:t>𝑦</m:t>
+                        </m:r>
+                      </m:e>
+                    </m:acc>
+                    <m:r>
+                      <a:rPr lang="sk-SK" i="1">
+                        <a:latin typeface="Cambria Math" panose="02040503050406030204" pitchFamily="18" charset="0"/>
+                      </a:rPr>
+                      <m:t>,…,</m:t>
+                    </m:r>
+                    <m:sSup>
+                      <m:sSupPr>
+                        <m:ctrlPr>
+                          <a:rPr lang="sk-SK" i="1">
+                            <a:latin typeface="Cambria Math" panose="02040503050406030204" pitchFamily="18" charset="0"/>
+                          </a:rPr>
+                        </m:ctrlPr>
+                      </m:sSupPr>
+                      <m:e>
+                        <m:r>
+                          <a:rPr lang="sk-SK" i="1">
+                            <a:latin typeface="Cambria Math" panose="02040503050406030204" pitchFamily="18" charset="0"/>
+                          </a:rPr>
+                          <m:t>𝑦</m:t>
+                        </m:r>
+                      </m:e>
+                      <m:sup>
+                        <m:d>
+                          <m:dPr>
+                            <m:ctrlPr>
+                              <a:rPr lang="sk-SK" i="1">
+                                <a:latin typeface="Cambria Math" panose="02040503050406030204" pitchFamily="18" charset="0"/>
+                              </a:rPr>
+                            </m:ctrlPr>
+                          </m:dPr>
+                          <m:e>
+                            <m:r>
+                              <a:rPr lang="sk-SK" i="1">
+                                <a:latin typeface="Cambria Math" panose="02040503050406030204" pitchFamily="18" charset="0"/>
+                              </a:rPr>
+                              <m:t>𝑛</m:t>
+                            </m:r>
+                            <m:r>
+                              <a:rPr lang="sk-SK" i="1">
+                                <a:latin typeface="Cambria Math" panose="02040503050406030204" pitchFamily="18" charset="0"/>
+                              </a:rPr>
+                              <m:t>−1</m:t>
+                            </m:r>
+                          </m:e>
+                        </m:d>
+                      </m:sup>
+                    </m:sSup>
+                    <m:r>
+                      <a:rPr lang="sk-SK" i="1">
+                        <a:latin typeface="Cambria Math" panose="02040503050406030204" pitchFamily="18" charset="0"/>
+                      </a:rPr>
+                      <m:t>,</m:t>
+                    </m:r>
+                    <m:r>
+                      <a:rPr lang="sk-SK" i="1">
+                        <a:latin typeface="Cambria Math" panose="02040503050406030204" pitchFamily="18" charset="0"/>
+                      </a:rPr>
+                      <m:t>𝑢</m:t>
+                    </m:r>
+                    <m:r>
+                      <a:rPr lang="sk-SK" i="1">
+                        <a:latin typeface="Cambria Math" panose="02040503050406030204" pitchFamily="18" charset="0"/>
+                      </a:rPr>
+                      <m:t>,</m:t>
+                    </m:r>
+                    <m:acc>
+                      <m:accPr>
+                        <m:chr m:val="̇"/>
+                        <m:ctrlPr>
+                          <a:rPr lang="sk-SK" i="1">
+                            <a:latin typeface="Cambria Math" panose="02040503050406030204" pitchFamily="18" charset="0"/>
+                          </a:rPr>
+                        </m:ctrlPr>
+                      </m:accPr>
+                      <m:e>
+                        <m:r>
+                          <a:rPr lang="sk-SK" i="1">
+                            <a:latin typeface="Cambria Math" panose="02040503050406030204" pitchFamily="18" charset="0"/>
+                          </a:rPr>
+                          <m:t>𝑢</m:t>
+                        </m:r>
+                      </m:e>
+                    </m:acc>
+                    <m:r>
+                      <a:rPr lang="sk-SK" i="1">
+                        <a:latin typeface="Cambria Math" panose="02040503050406030204" pitchFamily="18" charset="0"/>
+                      </a:rPr>
+                      <m:t>,…,</m:t>
+                    </m:r>
+                    <m:sSup>
+                      <m:sSupPr>
+                        <m:ctrlPr>
+                          <a:rPr lang="sk-SK" i="1">
+                            <a:latin typeface="Cambria Math" panose="02040503050406030204" pitchFamily="18" charset="0"/>
+                          </a:rPr>
+                        </m:ctrlPr>
+                      </m:sSupPr>
+                      <m:e>
+                        <m:r>
+                          <a:rPr lang="sk-SK" i="1">
+                            <a:latin typeface="Cambria Math" panose="02040503050406030204" pitchFamily="18" charset="0"/>
+                          </a:rPr>
+                          <m:t>𝑢</m:t>
+                        </m:r>
+                      </m:e>
+                      <m:sup>
+                        <m:r>
+                          <a:rPr lang="sk-SK" i="1">
+                            <a:latin typeface="Cambria Math" panose="02040503050406030204" pitchFamily="18" charset="0"/>
+                          </a:rPr>
+                          <m:t>(</m:t>
+                        </m:r>
+                        <m:r>
+                          <a:rPr lang="sk-SK" i="1">
+                            <a:latin typeface="Cambria Math" panose="02040503050406030204" pitchFamily="18" charset="0"/>
+                          </a:rPr>
+                          <m:t>𝑚</m:t>
+                        </m:r>
+                        <m:r>
+                          <a:rPr lang="sk-SK" i="1">
+                            <a:latin typeface="Cambria Math" panose="02040503050406030204" pitchFamily="18" charset="0"/>
+                          </a:rPr>
+                          <m:t>)</m:t>
+                        </m:r>
+                      </m:sup>
+                    </m:sSup>
+                  </m:oMath>
+                </a14:m>
+                <a:endParaRPr lang="sk-SK" dirty="0" smtClean="0"/>
+              </a:p>
+              <a:p>
+                <a:pPr>
+                  <a:buFont typeface="Arial" panose="020B0604020202020204" pitchFamily="34" charset="0"/>
+                  <a:buChar char="•"/>
+                </a:pPr>
+                <a:r>
+                  <a:rPr lang="sk-SK" dirty="0" smtClean="0"/>
+                  <a:t>Obyčajné </a:t>
+                </a:r>
+                <a:r>
+                  <a:rPr lang="sk-SK" dirty="0"/>
+                  <a:t>diferenciálne rovnice </a:t>
+                </a:r>
+                <a:r>
+                  <a:rPr lang="sk-SK" dirty="0" smtClean="0"/>
+                  <a:t>(</a:t>
+                </a:r>
+                <a:r>
+                  <a:rPr lang="sk-SK" u="sng" dirty="0" smtClean="0"/>
+                  <a:t>ODE</a:t>
+                </a:r>
+                <a:r>
+                  <a:rPr lang="sk-SK" dirty="0"/>
+                  <a:t>) — rovnice obsahujúce derivácie len podľa jednej </a:t>
+                </a:r>
+                <a:r>
+                  <a:rPr lang="sk-SK" dirty="0" smtClean="0"/>
+                  <a:t>premennej – </a:t>
+                </a:r>
+                <a:r>
+                  <a:rPr lang="sk-SK" u="sng" dirty="0" smtClean="0"/>
+                  <a:t>tento predmet</a:t>
+                </a:r>
+                <a:r>
+                  <a:rPr lang="sk-SK" dirty="0" smtClean="0"/>
+                  <a:t>.</a:t>
+                </a:r>
+                <a:endParaRPr lang="sk-SK" dirty="0"/>
+              </a:p>
+              <a:p>
+                <a:pPr>
+                  <a:buFont typeface="Arial" panose="020B0604020202020204" pitchFamily="34" charset="0"/>
+                  <a:buChar char="•"/>
+                </a:pPr>
+                <a:r>
+                  <a:rPr lang="sk-SK" dirty="0" smtClean="0"/>
+                  <a:t>Parciálne </a:t>
+                </a:r>
+                <a:r>
+                  <a:rPr lang="sk-SK" dirty="0"/>
+                  <a:t>diferenciálne rovnice </a:t>
+                </a:r>
+                <a:r>
+                  <a:rPr lang="sk-SK" dirty="0" smtClean="0"/>
+                  <a:t>— </a:t>
+                </a:r>
+                <a:r>
+                  <a:rPr lang="sk-SK" dirty="0"/>
+                  <a:t>obsahujú derivácie podľa viacerých </a:t>
+                </a:r>
+                <a:r>
+                  <a:rPr lang="sk-SK" dirty="0" smtClean="0"/>
+                  <a:t>premenných (napríklad priestorové súradnice (vedenie tepla).</a:t>
+                </a:r>
+              </a:p>
+              <a:p>
+                <a:pPr>
+                  <a:buFont typeface="Arial" panose="020B0604020202020204" pitchFamily="34" charset="0"/>
+                  <a:buChar char="•"/>
+                </a:pPr>
+                <a:r>
+                  <a:rPr lang="sk-SK" dirty="0" smtClean="0"/>
+                  <a:t>Kybernetika </a:t>
+                </a:r>
+                <a:r>
+                  <a:rPr lang="en-US" dirty="0" smtClean="0"/>
+                  <a:t>-&gt; di</a:t>
+                </a:r>
+                <a:r>
+                  <a:rPr lang="sk-SK" dirty="0" err="1" smtClean="0"/>
+                  <a:t>ferenciálne</a:t>
+                </a:r>
+                <a:r>
+                  <a:rPr lang="sk-SK" dirty="0" smtClean="0"/>
+                  <a:t> rovnice </a:t>
+                </a:r>
+                <a:r>
+                  <a:rPr lang="sk-SK" u="sng" dirty="0" smtClean="0"/>
+                  <a:t>podľa času</a:t>
+                </a:r>
+                <a:r>
+                  <a:rPr lang="sk-SK" dirty="0" smtClean="0"/>
+                  <a:t>  </a:t>
+                </a:r>
+                <a14:m>
+                  <m:oMath xmlns:m="http://schemas.openxmlformats.org/officeDocument/2006/math">
+                    <m:f>
+                      <m:fPr>
+                        <m:ctrlPr>
+                          <a:rPr lang="sk-SK" i="1" smtClean="0">
+                            <a:latin typeface="Cambria Math" panose="02040503050406030204" pitchFamily="18" charset="0"/>
+                          </a:rPr>
+                        </m:ctrlPr>
+                      </m:fPr>
+                      <m:num>
+                        <m:r>
+                          <a:rPr lang="sk-SK" b="0" i="1" smtClean="0">
+                            <a:latin typeface="Cambria Math" panose="02040503050406030204" pitchFamily="18" charset="0"/>
+                          </a:rPr>
+                          <m:t>𝑑𝑥</m:t>
+                        </m:r>
+                      </m:num>
+                      <m:den>
+                        <m:r>
+                          <a:rPr lang="sk-SK" b="0" i="1" smtClean="0">
+                            <a:latin typeface="Cambria Math" panose="02040503050406030204" pitchFamily="18" charset="0"/>
+                          </a:rPr>
+                          <m:t>𝑑𝑡</m:t>
+                        </m:r>
+                      </m:den>
+                    </m:f>
+                  </m:oMath>
+                </a14:m>
+                <a:r>
+                  <a:rPr lang="sk-SK" dirty="0" smtClean="0"/>
+                  <a:t> - </a:t>
+                </a:r>
+                <a:r>
+                  <a:rPr lang="sk-SK" u="sng" dirty="0" smtClean="0"/>
+                  <a:t>skrátený zápis</a:t>
+                </a:r>
+                <a:r>
+                  <a:rPr lang="sk-SK" dirty="0" smtClean="0"/>
+                  <a:t> </a:t>
+                </a:r>
+                <a14:m>
+                  <m:oMath xmlns:m="http://schemas.openxmlformats.org/officeDocument/2006/math">
+                    <m:acc>
+                      <m:accPr>
+                        <m:chr m:val="̇"/>
+                        <m:ctrlPr>
+                          <a:rPr lang="sk-SK" i="1" smtClean="0">
+                            <a:latin typeface="Cambria Math" panose="02040503050406030204" pitchFamily="18" charset="0"/>
+                          </a:rPr>
+                        </m:ctrlPr>
+                      </m:accPr>
+                      <m:e>
+                        <m:r>
+                          <a:rPr lang="sk-SK" b="0" i="1" smtClean="0">
+                            <a:latin typeface="Cambria Math" panose="02040503050406030204" pitchFamily="18" charset="0"/>
+                          </a:rPr>
+                          <m:t>𝑥</m:t>
+                        </m:r>
+                      </m:e>
+                    </m:acc>
+                  </m:oMath>
+                </a14:m>
+                <a:endParaRPr lang="sk-SK" dirty="0" smtClean="0"/>
+              </a:p>
+              <a:p>
+                <a:pPr>
+                  <a:buFont typeface="Arial" panose="020B0604020202020204" pitchFamily="34" charset="0"/>
+                  <a:buChar char="•"/>
+                </a:pPr>
+                <a:endParaRPr lang="sk-SK" dirty="0"/>
+              </a:p>
+            </p:txBody>
+          </p:sp>
+        </mc:Choice>
+        <mc:Fallback xmlns="">
+          <p:sp>
+            <p:nvSpPr>
+              <p:cNvPr id="3" name="Zástupný symbol obsahu 2"/>
+              <p:cNvSpPr>
+                <a:spLocks noGrp="1" noRot="1" noChangeAspect="1" noMove="1" noResize="1" noEditPoints="1" noAdjustHandles="1" noChangeArrowheads="1" noChangeShapeType="1" noTextEdit="1"/>
+              </p:cNvSpPr>
+              <p:nvPr>
+                <p:ph idx="1"/>
+              </p:nvPr>
+            </p:nvSpPr>
+            <p:spPr>
+              <a:blipFill rotWithShape="0">
+                <a:blip r:embed="rId2"/>
+                <a:stretch>
+                  <a:fillRect l="-1679" t="-1526"/>
+                </a:stretch>
+              </a:blipFill>
+            </p:spPr>
+            <p:txBody>
+              <a:bodyPr/>
+              <a:lstStyle/>
+              <a:p>
+                <a:r>
+                  <a:rPr lang="sk-SK">
+                    <a:noFill/>
+                  </a:rPr>
+                  <a:t> </a:t>
+                </a:r>
+              </a:p>
+            </p:txBody>
+          </p:sp>
+        </mc:Fallback>
+      </mc:AlternateContent>
+    </p:spTree>
+    <p:extLst>
+      <p:ext uri="{BB962C8B-B14F-4D97-AF65-F5344CB8AC3E}">
+        <p14:creationId xmlns:p14="http://schemas.microsoft.com/office/powerpoint/2010/main" val="3666784372"/>
+      </p:ext>
+    </p:extLst>
+  </p:cSld>
+  <p:clrMapOvr>
+    <a:masterClrMapping/>
+  </p:clrMapOvr>
+</p:sld>
+</file>
+
+<file path=ppt/slides/slide60.xml><?xml version="1.0" encoding="utf-8"?>
+<p:sld xmlns:a="http://schemas.openxmlformats.org/drawingml/2006/main" xmlns:r="http://schemas.openxmlformats.org/officeDocument/2006/relationships" xmlns:p="http://schemas.openxmlformats.org/presentationml/2006/main">
+  <p:cSld>
+    <p:spTree>
+      <p:nvGrpSpPr>
+        <p:cNvPr id="1" name=""/>
+        <p:cNvGrpSpPr/>
+        <p:nvPr/>
+      </p:nvGrpSpPr>
+      <p:grpSpPr>
+        <a:xfrm>
+          <a:off x="0" y="0"/>
+          <a:ext cx="0" cy="0"/>
+          <a:chOff x="0" y="0"/>
+          <a:chExt cx="0" cy="0"/>
+        </a:xfrm>
+      </p:grpSpPr>
+      <p:sp>
+        <p:nvSpPr>
+          <p:cNvPr id="2" name="Nadpis 1"/>
+          <p:cNvSpPr>
+            <a:spLocks noGrp="1"/>
+          </p:cNvSpPr>
+          <p:nvPr>
+            <p:ph type="title"/>
+          </p:nvPr>
+        </p:nvSpPr>
+        <p:spPr/>
+        <p:txBody>
+          <a:bodyPr/>
+          <a:lstStyle/>
+          <a:p>
+            <a:r>
+              <a:rPr lang="sk-SK" dirty="0"/>
+              <a:t>Model harmonického oscilátora</a:t>
+            </a:r>
+          </a:p>
+        </p:txBody>
+      </p:sp>
+      <mc:AlternateContent xmlns:mc="http://schemas.openxmlformats.org/markup-compatibility/2006" xmlns:a14="http://schemas.microsoft.com/office/drawing/2010/main">
+        <mc:Choice Requires="a14">
+          <p:sp>
+            <p:nvSpPr>
+              <p:cNvPr id="3" name="Zástupný symbol obsahu 2"/>
+              <p:cNvSpPr>
+                <a:spLocks noGrp="1"/>
+              </p:cNvSpPr>
+              <p:nvPr>
+                <p:ph idx="1"/>
+              </p:nvPr>
+            </p:nvSpPr>
+            <p:spPr>
+              <a:xfrm>
+                <a:off x="393699" y="1040446"/>
+                <a:ext cx="8577306" cy="5689868"/>
+              </a:xfrm>
+            </p:spPr>
+            <p:txBody>
+              <a:bodyPr>
+                <a:normAutofit fontScale="85000" lnSpcReduction="20000"/>
+              </a:bodyPr>
+              <a:lstStyle/>
+              <a:p>
+                <a:pPr>
+                  <a:buFont typeface="Arial" panose="020B0604020202020204" pitchFamily="34" charset="0"/>
+                  <a:buChar char="•"/>
+                </a:pPr>
+                <a:r>
+                  <a:rPr lang="sk-SK" dirty="0" smtClean="0"/>
+                  <a:t>Z odvodenej diferenciálnej rovnice vieme okrem iného, zostaviť simulačný model s použitím základných blokov ako sú:</a:t>
+                </a:r>
+              </a:p>
+              <a:p>
+                <a:pPr lvl="1"/>
+                <a:r>
+                  <a:rPr lang="sk-SK" dirty="0" smtClean="0"/>
+                  <a:t>Zosilnenie</a:t>
+                </a:r>
+              </a:p>
+              <a:p>
+                <a:pPr lvl="1"/>
+                <a:r>
+                  <a:rPr lang="sk-SK" dirty="0" smtClean="0"/>
+                  <a:t>Suma</a:t>
+                </a:r>
+              </a:p>
+              <a:p>
+                <a:pPr lvl="1"/>
+                <a:r>
+                  <a:rPr lang="sk-SK" dirty="0" smtClean="0"/>
+                  <a:t>Integrátor</a:t>
+                </a:r>
+              </a:p>
+              <a:p>
+                <a:pPr>
+                  <a:buFont typeface="Arial" panose="020B0604020202020204" pitchFamily="34" charset="0"/>
+                  <a:buChar char="•"/>
+                </a:pPr>
+                <a:r>
+                  <a:rPr lang="sk-SK" dirty="0" smtClean="0"/>
+                  <a:t>Vyjadríme najvyššiu deriváciu výstupu ako kombináciu vstupu a nižších derivácii</a:t>
+                </a:r>
+                <a:endParaRPr lang="en-US" dirty="0" smtClean="0"/>
+              </a:p>
+              <a:p>
+                <a:pPr>
+                  <a:buFont typeface="Arial" panose="020B0604020202020204" pitchFamily="34" charset="0"/>
+                  <a:buChar char="•"/>
+                </a:pPr>
+                <a:endParaRPr lang="sk-SK" dirty="0" smtClean="0"/>
+              </a:p>
+              <a:p>
+                <a:pPr marL="0" indent="0">
+                  <a:buNone/>
+                </a:pPr>
+                <a14:m>
+                  <m:oMathPara xmlns:m="http://schemas.openxmlformats.org/officeDocument/2006/math">
+                    <m:oMathParaPr>
+                      <m:jc m:val="centerGroup"/>
+                    </m:oMathParaPr>
+                    <m:oMath xmlns:m="http://schemas.openxmlformats.org/officeDocument/2006/math">
+                      <m:acc>
+                        <m:accPr>
+                          <m:chr m:val="̈"/>
+                          <m:ctrlPr>
+                            <a:rPr lang="sk-SK" i="1">
+                              <a:latin typeface="Cambria Math" panose="02040503050406030204" pitchFamily="18" charset="0"/>
+                            </a:rPr>
+                          </m:ctrlPr>
+                        </m:accPr>
+                        <m:e>
+                          <m:r>
+                            <a:rPr lang="sk-SK" i="1">
+                              <a:latin typeface="Cambria Math" panose="02040503050406030204" pitchFamily="18" charset="0"/>
+                            </a:rPr>
+                            <m:t>𝑥</m:t>
+                          </m:r>
+                        </m:e>
+                      </m:acc>
+                      <m:r>
+                        <a:rPr lang="sk-SK" i="1">
+                          <a:latin typeface="Cambria Math" panose="02040503050406030204" pitchFamily="18" charset="0"/>
+                        </a:rPr>
+                        <m:t>=</m:t>
+                      </m:r>
+                      <m:f>
+                        <m:fPr>
+                          <m:ctrlPr>
+                            <a:rPr lang="sk-SK" i="1">
+                              <a:latin typeface="Cambria Math" panose="02040503050406030204" pitchFamily="18" charset="0"/>
+                            </a:rPr>
+                          </m:ctrlPr>
+                        </m:fPr>
+                        <m:num>
+                          <m:sSub>
+                            <m:sSubPr>
+                              <m:ctrlPr>
+                                <a:rPr lang="sk-SK" i="1">
+                                  <a:latin typeface="Cambria Math" panose="02040503050406030204" pitchFamily="18" charset="0"/>
+                                </a:rPr>
+                              </m:ctrlPr>
+                            </m:sSubPr>
+                            <m:e>
+                              <m:r>
+                                <a:rPr lang="sk-SK" i="1">
+                                  <a:latin typeface="Cambria Math" panose="02040503050406030204" pitchFamily="18" charset="0"/>
+                                </a:rPr>
+                                <m:t>𝐹</m:t>
+                              </m:r>
+                            </m:e>
+                            <m:sub>
+                              <m:r>
+                                <a:rPr lang="sk-SK" i="1">
+                                  <a:latin typeface="Cambria Math" panose="02040503050406030204" pitchFamily="18" charset="0"/>
+                                </a:rPr>
+                                <m:t>𝑒𝑥</m:t>
+                              </m:r>
+                            </m:sub>
+                          </m:sSub>
+                        </m:num>
+                        <m:den>
+                          <m:r>
+                            <a:rPr lang="sk-SK" i="1">
+                              <a:latin typeface="Cambria Math" panose="02040503050406030204" pitchFamily="18" charset="0"/>
+                            </a:rPr>
+                            <m:t>𝑚</m:t>
+                          </m:r>
+                        </m:den>
+                      </m:f>
+                      <m:r>
+                        <a:rPr lang="sk-SK" b="0" i="1" smtClean="0">
+                          <a:latin typeface="Cambria Math" panose="02040503050406030204" pitchFamily="18" charset="0"/>
+                        </a:rPr>
+                        <m:t>−</m:t>
+                      </m:r>
+                      <m:f>
+                        <m:fPr>
+                          <m:ctrlPr>
+                            <a:rPr lang="sk-SK" i="1">
+                              <a:latin typeface="Cambria Math" panose="02040503050406030204" pitchFamily="18" charset="0"/>
+                            </a:rPr>
+                          </m:ctrlPr>
+                        </m:fPr>
+                        <m:num>
+                          <m:r>
+                            <a:rPr lang="sk-SK" i="1">
+                              <a:latin typeface="Cambria Math" panose="02040503050406030204" pitchFamily="18" charset="0"/>
+                            </a:rPr>
+                            <m:t>𝑏</m:t>
+                          </m:r>
+                        </m:num>
+                        <m:den>
+                          <m:r>
+                            <a:rPr lang="sk-SK" i="1">
+                              <a:latin typeface="Cambria Math" panose="02040503050406030204" pitchFamily="18" charset="0"/>
+                            </a:rPr>
+                            <m:t>𝑚</m:t>
+                          </m:r>
+                        </m:den>
+                      </m:f>
+                      <m:acc>
+                        <m:accPr>
+                          <m:chr m:val="̇"/>
+                          <m:ctrlPr>
+                            <a:rPr lang="sk-SK" i="1">
+                              <a:latin typeface="Cambria Math" panose="02040503050406030204" pitchFamily="18" charset="0"/>
+                            </a:rPr>
+                          </m:ctrlPr>
+                        </m:accPr>
+                        <m:e>
+                          <m:r>
+                            <a:rPr lang="sk-SK" i="1">
+                              <a:latin typeface="Cambria Math" panose="02040503050406030204" pitchFamily="18" charset="0"/>
+                            </a:rPr>
+                            <m:t>𝑥</m:t>
+                          </m:r>
+                        </m:e>
+                      </m:acc>
+                      <m:r>
+                        <a:rPr lang="sk-SK" b="0" i="1" smtClean="0">
+                          <a:latin typeface="Cambria Math" panose="02040503050406030204" pitchFamily="18" charset="0"/>
+                        </a:rPr>
+                        <m:t>−</m:t>
+                      </m:r>
+                      <m:f>
+                        <m:fPr>
+                          <m:ctrlPr>
+                            <a:rPr lang="sk-SK" i="1">
+                              <a:latin typeface="Cambria Math" panose="02040503050406030204" pitchFamily="18" charset="0"/>
+                            </a:rPr>
+                          </m:ctrlPr>
+                        </m:fPr>
+                        <m:num>
+                          <m:r>
+                            <a:rPr lang="sk-SK" i="1">
+                              <a:latin typeface="Cambria Math" panose="02040503050406030204" pitchFamily="18" charset="0"/>
+                            </a:rPr>
+                            <m:t>𝑘</m:t>
+                          </m:r>
+                        </m:num>
+                        <m:den>
+                          <m:r>
+                            <a:rPr lang="sk-SK" i="1">
+                              <a:latin typeface="Cambria Math" panose="02040503050406030204" pitchFamily="18" charset="0"/>
+                            </a:rPr>
+                            <m:t>𝑚</m:t>
+                          </m:r>
+                        </m:den>
+                      </m:f>
+                      <m:r>
+                        <a:rPr lang="sk-SK" i="1">
+                          <a:latin typeface="Cambria Math" panose="02040503050406030204" pitchFamily="18" charset="0"/>
+                        </a:rPr>
+                        <m:t>𝑥</m:t>
+                      </m:r>
+                    </m:oMath>
+                  </m:oMathPara>
+                </a14:m>
+                <a:endParaRPr lang="sk-SK" dirty="0" smtClean="0"/>
+              </a:p>
+              <a:p>
+                <a:pPr>
+                  <a:buFont typeface="Arial" panose="020B0604020202020204" pitchFamily="34" charset="0"/>
+                  <a:buChar char="•"/>
+                </a:pPr>
+                <a:endParaRPr lang="sk-SK" dirty="0"/>
+              </a:p>
+              <a:p>
+                <a:pPr>
+                  <a:buFont typeface="Arial" panose="020B0604020202020204" pitchFamily="34" charset="0"/>
+                  <a:buChar char="•"/>
+                </a:pPr>
+                <a:endParaRPr lang="sk-SK" dirty="0" smtClean="0"/>
+              </a:p>
+              <a:p>
+                <a:pPr>
+                  <a:buFont typeface="Arial" panose="020B0604020202020204" pitchFamily="34" charset="0"/>
+                  <a:buChar char="•"/>
+                </a:pPr>
+                <a:endParaRPr lang="sk-SK" dirty="0"/>
+              </a:p>
+              <a:p>
+                <a:pPr>
+                  <a:buFont typeface="Arial" panose="020B0604020202020204" pitchFamily="34" charset="0"/>
+                  <a:buChar char="•"/>
+                </a:pPr>
+                <a:endParaRPr lang="sk-SK" dirty="0" smtClean="0"/>
+              </a:p>
+              <a:p>
+                <a:pPr>
+                  <a:buFont typeface="Arial" panose="020B0604020202020204" pitchFamily="34" charset="0"/>
+                  <a:buChar char="•"/>
+                </a:pPr>
+                <a:endParaRPr lang="sk-SK" dirty="0" smtClean="0"/>
+              </a:p>
+              <a:p>
+                <a:pPr>
+                  <a:buFont typeface="Arial" panose="020B0604020202020204" pitchFamily="34" charset="0"/>
+                  <a:buChar char="•"/>
+                </a:pPr>
+                <a:endParaRPr lang="sk-SK" dirty="0" smtClean="0"/>
+              </a:p>
+              <a:p>
+                <a:pPr>
+                  <a:buFont typeface="Arial" panose="020B0604020202020204" pitchFamily="34" charset="0"/>
+                  <a:buChar char="•"/>
+                </a:pPr>
+                <a:endParaRPr lang="sk-SK" dirty="0"/>
+              </a:p>
+              <a:p>
+                <a:pPr>
+                  <a:buFont typeface="Arial" panose="020B0604020202020204" pitchFamily="34" charset="0"/>
+                  <a:buChar char="•"/>
+                </a:pPr>
+                <a:endParaRPr lang="sk-SK" dirty="0" smtClean="0"/>
+              </a:p>
+              <a:p>
+                <a:pPr>
+                  <a:buFont typeface="Arial" panose="020B0604020202020204" pitchFamily="34" charset="0"/>
+                  <a:buChar char="•"/>
+                </a:pPr>
+                <a:r>
+                  <a:rPr lang="sk-SK" dirty="0" smtClean="0"/>
+                  <a:t>Jedná sa tak o štandardný integračný </a:t>
+                </a:r>
+                <a:r>
+                  <a:rPr lang="sk-SK" dirty="0" err="1" smtClean="0"/>
+                  <a:t>spätnoväzobný</a:t>
+                </a:r>
+                <a:r>
+                  <a:rPr lang="sk-SK" dirty="0" smtClean="0"/>
+                  <a:t> model </a:t>
+                </a:r>
+              </a:p>
+              <a:p>
+                <a:endParaRPr lang="sk-SK" dirty="0"/>
+              </a:p>
+            </p:txBody>
+          </p:sp>
+        </mc:Choice>
+        <mc:Fallback xmlns="">
+          <p:sp>
+            <p:nvSpPr>
+              <p:cNvPr id="3" name="Zástupný symbol obsahu 2"/>
+              <p:cNvSpPr>
+                <a:spLocks noGrp="1" noRot="1" noChangeAspect="1" noMove="1" noResize="1" noEditPoints="1" noAdjustHandles="1" noChangeArrowheads="1" noChangeShapeType="1" noTextEdit="1"/>
+              </p:cNvSpPr>
+              <p:nvPr>
+                <p:ph idx="1"/>
+              </p:nvPr>
+            </p:nvSpPr>
+            <p:spPr>
+              <a:xfrm>
+                <a:off x="393699" y="1040446"/>
+                <a:ext cx="8577306" cy="5689868"/>
+              </a:xfrm>
+              <a:blipFill rotWithShape="0">
+                <a:blip r:embed="rId2"/>
+                <a:stretch>
+                  <a:fillRect l="-1421" t="-1608"/>
+                </a:stretch>
+              </a:blipFill>
+            </p:spPr>
+            <p:txBody>
+              <a:bodyPr/>
+              <a:lstStyle/>
+              <a:p>
+                <a:r>
+                  <a:rPr lang="sk-SK">
+                    <a:noFill/>
+                  </a:rPr>
+                  <a:t> </a:t>
+                </a:r>
+              </a:p>
+            </p:txBody>
+          </p:sp>
+        </mc:Fallback>
+      </mc:AlternateContent>
+      <p:pic>
+        <p:nvPicPr>
+          <p:cNvPr id="4" name="Obrázok 3"/>
+          <p:cNvPicPr>
+            <a:picLocks noChangeAspect="1"/>
+          </p:cNvPicPr>
+          <p:nvPr/>
+        </p:nvPicPr>
+        <p:blipFill rotWithShape="1">
+          <a:blip r:embed="rId3"/>
+          <a:srcRect l="15393" t="19305" r="13732" b="11062"/>
+          <a:stretch/>
+        </p:blipFill>
+        <p:spPr>
+          <a:xfrm>
+            <a:off x="1647567" y="3550509"/>
+            <a:ext cx="5795824" cy="2644345"/>
+          </a:xfrm>
+          <a:prstGeom prst="rect">
+            <a:avLst/>
+          </a:prstGeom>
+        </p:spPr>
+      </p:pic>
+    </p:spTree>
+    <p:extLst>
+      <p:ext uri="{BB962C8B-B14F-4D97-AF65-F5344CB8AC3E}">
+        <p14:creationId xmlns:p14="http://schemas.microsoft.com/office/powerpoint/2010/main" val="1970025449"/>
+      </p:ext>
+    </p:extLst>
+  </p:cSld>
+  <p:clrMapOvr>
+    <a:masterClrMapping/>
+  </p:clrMapOvr>
+</p:sld>
+</file>
+
 <file path=ppt/slides/slide61.xml><?xml version="1.0" encoding="utf-8"?>
 <p:sld xmlns:a="http://schemas.openxmlformats.org/drawingml/2006/main" xmlns:r="http://schemas.openxmlformats.org/officeDocument/2006/relationships" xmlns:p="http://schemas.openxmlformats.org/presentationml/2006/main">
   <p:cSld>
@@ -36010,398 +38506,36 @@
           <a:lstStyle/>
           <a:p>
             <a:r>
-              <a:rPr lang="sk-SK" dirty="0"/>
-              <a:t>Model harmonického oscilátora</a:t>
-            </a:r>
+              <a:rPr lang="sk-SK" dirty="0" smtClean="0"/>
+              <a:t>Póly-nuly-charakteristický polynóm</a:t>
+            </a:r>
+            <a:endParaRPr lang="sk-SK" dirty="0"/>
           </a:p>
         </p:txBody>
       </p:sp>
-      <mc:AlternateContent xmlns:mc="http://schemas.openxmlformats.org/markup-compatibility/2006" xmlns:a14="http://schemas.microsoft.com/office/drawing/2010/main">
-        <mc:Choice Requires="a14">
-          <p:sp>
-            <p:nvSpPr>
-              <p:cNvPr id="3" name="Zástupný symbol obsahu 2"/>
-              <p:cNvSpPr>
-                <a:spLocks noGrp="1"/>
-              </p:cNvSpPr>
-              <p:nvPr>
-                <p:ph idx="1"/>
-              </p:nvPr>
-            </p:nvSpPr>
-            <p:spPr>
-              <a:xfrm>
-                <a:off x="393699" y="1040446"/>
-                <a:ext cx="8577306" cy="5689868"/>
-              </a:xfrm>
-            </p:spPr>
-            <p:txBody>
-              <a:bodyPr>
-                <a:normAutofit fontScale="85000" lnSpcReduction="20000"/>
-              </a:bodyPr>
-              <a:lstStyle/>
-              <a:p>
-                <a:pPr>
-                  <a:buFont typeface="Arial" panose="020B0604020202020204" pitchFamily="34" charset="0"/>
-                  <a:buChar char="•"/>
-                </a:pPr>
-                <a:r>
-                  <a:rPr lang="sk-SK" dirty="0" smtClean="0"/>
-                  <a:t>Z odvodenej diferenciálnej rovnice vieme okrem iného, zostaviť simulačný model s použitím základných blokov ako sú:</a:t>
-                </a:r>
-              </a:p>
-              <a:p>
-                <a:pPr lvl="1"/>
-                <a:r>
-                  <a:rPr lang="sk-SK" dirty="0" smtClean="0"/>
-                  <a:t>Zosilnenie</a:t>
-                </a:r>
-              </a:p>
-              <a:p>
-                <a:pPr lvl="1"/>
-                <a:r>
-                  <a:rPr lang="sk-SK" dirty="0" smtClean="0"/>
-                  <a:t>Suma</a:t>
-                </a:r>
-              </a:p>
-              <a:p>
-                <a:pPr lvl="1"/>
-                <a:r>
-                  <a:rPr lang="sk-SK" dirty="0" smtClean="0"/>
-                  <a:t>Integrátor</a:t>
-                </a:r>
-              </a:p>
-              <a:p>
-                <a:pPr>
-                  <a:buFont typeface="Arial" panose="020B0604020202020204" pitchFamily="34" charset="0"/>
-                  <a:buChar char="•"/>
-                </a:pPr>
-                <a:r>
-                  <a:rPr lang="sk-SK" dirty="0" smtClean="0"/>
-                  <a:t>Vyjadríme najvyššiu deriváciu výstupu ako kombináciu vstupu a nižších derivácii</a:t>
-                </a:r>
-                <a:endParaRPr lang="en-US" dirty="0" smtClean="0"/>
-              </a:p>
-              <a:p>
-                <a:pPr>
-                  <a:buFont typeface="Arial" panose="020B0604020202020204" pitchFamily="34" charset="0"/>
-                  <a:buChar char="•"/>
-                </a:pPr>
-                <a:endParaRPr lang="sk-SK" dirty="0" smtClean="0"/>
-              </a:p>
-              <a:p>
-                <a:pPr marL="0" indent="0">
-                  <a:buNone/>
-                </a:pPr>
-                <a14:m>
-                  <m:oMathPara xmlns:m="http://schemas.openxmlformats.org/officeDocument/2006/math">
-                    <m:oMathParaPr>
-                      <m:jc m:val="centerGroup"/>
-                    </m:oMathParaPr>
-                    <m:oMath xmlns:m="http://schemas.openxmlformats.org/officeDocument/2006/math">
-                      <m:acc>
-                        <m:accPr>
-                          <m:chr m:val="̈"/>
-                          <m:ctrlPr>
-                            <a:rPr lang="sk-SK" i="1">
-                              <a:latin typeface="Cambria Math" panose="02040503050406030204" pitchFamily="18" charset="0"/>
-                            </a:rPr>
-                          </m:ctrlPr>
-                        </m:accPr>
-                        <m:e>
-                          <m:r>
-                            <a:rPr lang="sk-SK" i="1">
-                              <a:latin typeface="Cambria Math" panose="02040503050406030204" pitchFamily="18" charset="0"/>
-                            </a:rPr>
-                            <m:t>𝑥</m:t>
-                          </m:r>
-                        </m:e>
-                      </m:acc>
-                      <m:r>
-                        <a:rPr lang="sk-SK" i="1">
-                          <a:latin typeface="Cambria Math" panose="02040503050406030204" pitchFamily="18" charset="0"/>
-                        </a:rPr>
-                        <m:t>=</m:t>
-                      </m:r>
-                      <m:f>
-                        <m:fPr>
-                          <m:ctrlPr>
-                            <a:rPr lang="sk-SK" i="1">
-                              <a:latin typeface="Cambria Math" panose="02040503050406030204" pitchFamily="18" charset="0"/>
-                            </a:rPr>
-                          </m:ctrlPr>
-                        </m:fPr>
-                        <m:num>
-                          <m:sSub>
-                            <m:sSubPr>
-                              <m:ctrlPr>
-                                <a:rPr lang="sk-SK" i="1">
-                                  <a:latin typeface="Cambria Math" panose="02040503050406030204" pitchFamily="18" charset="0"/>
-                                </a:rPr>
-                              </m:ctrlPr>
-                            </m:sSubPr>
-                            <m:e>
-                              <m:r>
-                                <a:rPr lang="sk-SK" i="1">
-                                  <a:latin typeface="Cambria Math" panose="02040503050406030204" pitchFamily="18" charset="0"/>
-                                </a:rPr>
-                                <m:t>𝐹</m:t>
-                              </m:r>
-                            </m:e>
-                            <m:sub>
-                              <m:r>
-                                <a:rPr lang="sk-SK" i="1">
-                                  <a:latin typeface="Cambria Math" panose="02040503050406030204" pitchFamily="18" charset="0"/>
-                                </a:rPr>
-                                <m:t>𝑒𝑥</m:t>
-                              </m:r>
-                            </m:sub>
-                          </m:sSub>
-                        </m:num>
-                        <m:den>
-                          <m:r>
-                            <a:rPr lang="sk-SK" i="1">
-                              <a:latin typeface="Cambria Math" panose="02040503050406030204" pitchFamily="18" charset="0"/>
-                            </a:rPr>
-                            <m:t>𝑚</m:t>
-                          </m:r>
-                        </m:den>
-                      </m:f>
-                      <m:r>
-                        <a:rPr lang="sk-SK" b="0" i="1" smtClean="0">
-                          <a:latin typeface="Cambria Math" panose="02040503050406030204" pitchFamily="18" charset="0"/>
-                        </a:rPr>
-                        <m:t>−</m:t>
-                      </m:r>
-                      <m:f>
-                        <m:fPr>
-                          <m:ctrlPr>
-                            <a:rPr lang="sk-SK" i="1">
-                              <a:latin typeface="Cambria Math" panose="02040503050406030204" pitchFamily="18" charset="0"/>
-                            </a:rPr>
-                          </m:ctrlPr>
-                        </m:fPr>
-                        <m:num>
-                          <m:r>
-                            <a:rPr lang="sk-SK" i="1">
-                              <a:latin typeface="Cambria Math" panose="02040503050406030204" pitchFamily="18" charset="0"/>
-                            </a:rPr>
-                            <m:t>𝑏</m:t>
-                          </m:r>
-                        </m:num>
-                        <m:den>
-                          <m:r>
-                            <a:rPr lang="sk-SK" i="1">
-                              <a:latin typeface="Cambria Math" panose="02040503050406030204" pitchFamily="18" charset="0"/>
-                            </a:rPr>
-                            <m:t>𝑚</m:t>
-                          </m:r>
-                        </m:den>
-                      </m:f>
-                      <m:acc>
-                        <m:accPr>
-                          <m:chr m:val="̇"/>
-                          <m:ctrlPr>
-                            <a:rPr lang="sk-SK" i="1">
-                              <a:latin typeface="Cambria Math" panose="02040503050406030204" pitchFamily="18" charset="0"/>
-                            </a:rPr>
-                          </m:ctrlPr>
-                        </m:accPr>
-                        <m:e>
-                          <m:r>
-                            <a:rPr lang="sk-SK" i="1">
-                              <a:latin typeface="Cambria Math" panose="02040503050406030204" pitchFamily="18" charset="0"/>
-                            </a:rPr>
-                            <m:t>𝑥</m:t>
-                          </m:r>
-                        </m:e>
-                      </m:acc>
-                      <m:r>
-                        <a:rPr lang="sk-SK" b="0" i="1" smtClean="0">
-                          <a:latin typeface="Cambria Math" panose="02040503050406030204" pitchFamily="18" charset="0"/>
-                        </a:rPr>
-                        <m:t>−</m:t>
-                      </m:r>
-                      <m:f>
-                        <m:fPr>
-                          <m:ctrlPr>
-                            <a:rPr lang="sk-SK" i="1">
-                              <a:latin typeface="Cambria Math" panose="02040503050406030204" pitchFamily="18" charset="0"/>
-                            </a:rPr>
-                          </m:ctrlPr>
-                        </m:fPr>
-                        <m:num>
-                          <m:r>
-                            <a:rPr lang="sk-SK" i="1">
-                              <a:latin typeface="Cambria Math" panose="02040503050406030204" pitchFamily="18" charset="0"/>
-                            </a:rPr>
-                            <m:t>𝑘</m:t>
-                          </m:r>
-                        </m:num>
-                        <m:den>
-                          <m:r>
-                            <a:rPr lang="sk-SK" i="1">
-                              <a:latin typeface="Cambria Math" panose="02040503050406030204" pitchFamily="18" charset="0"/>
-                            </a:rPr>
-                            <m:t>𝑚</m:t>
-                          </m:r>
-                        </m:den>
-                      </m:f>
-                      <m:r>
-                        <a:rPr lang="sk-SK" i="1">
-                          <a:latin typeface="Cambria Math" panose="02040503050406030204" pitchFamily="18" charset="0"/>
-                        </a:rPr>
-                        <m:t>𝑥</m:t>
-                      </m:r>
-                    </m:oMath>
-                  </m:oMathPara>
-                </a14:m>
-                <a:endParaRPr lang="sk-SK" dirty="0" smtClean="0"/>
-              </a:p>
-              <a:p>
-                <a:pPr>
-                  <a:buFont typeface="Arial" panose="020B0604020202020204" pitchFamily="34" charset="0"/>
-                  <a:buChar char="•"/>
-                </a:pPr>
-                <a:endParaRPr lang="sk-SK" dirty="0"/>
-              </a:p>
-              <a:p>
-                <a:pPr>
-                  <a:buFont typeface="Arial" panose="020B0604020202020204" pitchFamily="34" charset="0"/>
-                  <a:buChar char="•"/>
-                </a:pPr>
-                <a:endParaRPr lang="sk-SK" dirty="0" smtClean="0"/>
-              </a:p>
-              <a:p>
-                <a:pPr>
-                  <a:buFont typeface="Arial" panose="020B0604020202020204" pitchFamily="34" charset="0"/>
-                  <a:buChar char="•"/>
-                </a:pPr>
-                <a:endParaRPr lang="sk-SK" dirty="0"/>
-              </a:p>
-              <a:p>
-                <a:pPr>
-                  <a:buFont typeface="Arial" panose="020B0604020202020204" pitchFamily="34" charset="0"/>
-                  <a:buChar char="•"/>
-                </a:pPr>
-                <a:endParaRPr lang="sk-SK" dirty="0" smtClean="0"/>
-              </a:p>
-              <a:p>
-                <a:pPr>
-                  <a:buFont typeface="Arial" panose="020B0604020202020204" pitchFamily="34" charset="0"/>
-                  <a:buChar char="•"/>
-                </a:pPr>
-                <a:endParaRPr lang="sk-SK" dirty="0" smtClean="0"/>
-              </a:p>
-              <a:p>
-                <a:pPr>
-                  <a:buFont typeface="Arial" panose="020B0604020202020204" pitchFamily="34" charset="0"/>
-                  <a:buChar char="•"/>
-                </a:pPr>
-                <a:endParaRPr lang="sk-SK" dirty="0" smtClean="0"/>
-              </a:p>
-              <a:p>
-                <a:pPr>
-                  <a:buFont typeface="Arial" panose="020B0604020202020204" pitchFamily="34" charset="0"/>
-                  <a:buChar char="•"/>
-                </a:pPr>
-                <a:endParaRPr lang="sk-SK" dirty="0"/>
-              </a:p>
-              <a:p>
-                <a:pPr>
-                  <a:buFont typeface="Arial" panose="020B0604020202020204" pitchFamily="34" charset="0"/>
-                  <a:buChar char="•"/>
-                </a:pPr>
-                <a:endParaRPr lang="sk-SK" dirty="0" smtClean="0"/>
-              </a:p>
-              <a:p>
-                <a:pPr>
-                  <a:buFont typeface="Arial" panose="020B0604020202020204" pitchFamily="34" charset="0"/>
-                  <a:buChar char="•"/>
-                </a:pPr>
-                <a:r>
-                  <a:rPr lang="sk-SK" dirty="0" smtClean="0"/>
-                  <a:t>Jedná sa tak o štandardný integračný </a:t>
-                </a:r>
-                <a:r>
-                  <a:rPr lang="sk-SK" dirty="0" err="1" smtClean="0"/>
-                  <a:t>spätnoväzobný</a:t>
-                </a:r>
-                <a:r>
-                  <a:rPr lang="sk-SK" dirty="0" smtClean="0"/>
-                  <a:t> model </a:t>
-                </a:r>
-              </a:p>
-              <a:p>
-                <a:endParaRPr lang="sk-SK" dirty="0"/>
-              </a:p>
-            </p:txBody>
-          </p:sp>
-        </mc:Choice>
-        <mc:Fallback xmlns="">
-          <p:sp>
-            <p:nvSpPr>
-              <p:cNvPr id="3" name="Zástupný symbol obsahu 2"/>
-              <p:cNvSpPr>
-                <a:spLocks noGrp="1" noRot="1" noChangeAspect="1" noMove="1" noResize="1" noEditPoints="1" noAdjustHandles="1" noChangeArrowheads="1" noChangeShapeType="1" noTextEdit="1"/>
-              </p:cNvSpPr>
-              <p:nvPr>
-                <p:ph idx="1"/>
-              </p:nvPr>
-            </p:nvSpPr>
-            <p:spPr>
-              <a:xfrm>
-                <a:off x="393699" y="1040446"/>
-                <a:ext cx="8577306" cy="5689868"/>
-              </a:xfrm>
-              <a:blipFill rotWithShape="0">
-                <a:blip r:embed="rId2"/>
-                <a:stretch>
-                  <a:fillRect l="-1421" t="-1608"/>
-                </a:stretch>
-              </a:blipFill>
-            </p:spPr>
-            <p:txBody>
-              <a:bodyPr/>
-              <a:lstStyle/>
-              <a:p>
-                <a:r>
-                  <a:rPr lang="sk-SK">
-                    <a:noFill/>
-                  </a:rPr>
-                  <a:t> </a:t>
-                </a:r>
-              </a:p>
-            </p:txBody>
-          </p:sp>
-        </mc:Fallback>
-      </mc:AlternateContent>
-      <p:pic>
-        <p:nvPicPr>
-          <p:cNvPr id="4" name="Obrázok 3"/>
-          <p:cNvPicPr>
-            <a:picLocks noChangeAspect="1"/>
-          </p:cNvPicPr>
-          <p:nvPr/>
-        </p:nvPicPr>
-        <p:blipFill rotWithShape="1">
-          <a:blip r:embed="rId3"/>
-          <a:srcRect l="15393" t="19305" r="13732" b="11062"/>
-          <a:stretch/>
-        </p:blipFill>
-        <p:spPr>
-          <a:xfrm>
-            <a:off x="1647567" y="3550509"/>
-            <a:ext cx="5795824" cy="2644345"/>
-          </a:xfrm>
-          <a:prstGeom prst="rect">
-            <a:avLst/>
-          </a:prstGeom>
-        </p:spPr>
-      </p:pic>
+      <p:sp>
+        <p:nvSpPr>
+          <p:cNvPr id="3" name="Zástupný symbol obsahu 2"/>
+          <p:cNvSpPr>
+            <a:spLocks noGrp="1"/>
+          </p:cNvSpPr>
+          <p:nvPr>
+            <p:ph idx="1"/>
+          </p:nvPr>
+        </p:nvSpPr>
+        <p:spPr/>
+        <p:txBody>
+          <a:bodyPr/>
+          <a:lstStyle/>
+          <a:p>
+            <a:endParaRPr lang="sk-SK" dirty="0"/>
+          </a:p>
+        </p:txBody>
+      </p:sp>
     </p:spTree>
     <p:extLst>
       <p:ext uri="{BB962C8B-B14F-4D97-AF65-F5344CB8AC3E}">
-        <p14:creationId xmlns:p14="http://schemas.microsoft.com/office/powerpoint/2010/main" val="1970025449"/>
+        <p14:creationId xmlns:p14="http://schemas.microsoft.com/office/powerpoint/2010/main" val="2447591181"/>
       </p:ext>
     </p:extLst>
   </p:cSld>
@@ -36445,7 +38579,7 @@
           <a:p>
             <a:r>
               <a:rPr lang="sk-SK" dirty="0" smtClean="0"/>
-              <a:t>Póly-nuly-charakteristický polynóm</a:t>
+              <a:t>Stabilita systémov</a:t>
             </a:r>
             <a:endParaRPr lang="sk-SK" dirty="0"/>
           </a:p>
@@ -36466,14 +38600,14 @@
           <a:bodyPr/>
           <a:lstStyle/>
           <a:p>
-            <a:endParaRPr lang="sk-SK" dirty="0"/>
+            <a:endParaRPr lang="sk-SK"/>
           </a:p>
         </p:txBody>
       </p:sp>
     </p:spTree>
     <p:extLst>
       <p:ext uri="{BB962C8B-B14F-4D97-AF65-F5344CB8AC3E}">
-        <p14:creationId xmlns:p14="http://schemas.microsoft.com/office/powerpoint/2010/main" val="2447591181"/>
+        <p14:creationId xmlns:p14="http://schemas.microsoft.com/office/powerpoint/2010/main" val="2491538192"/>
       </p:ext>
     </p:extLst>
   </p:cSld>
@@ -36517,7 +38651,7 @@
           <a:p>
             <a:r>
               <a:rPr lang="sk-SK" dirty="0" smtClean="0"/>
-              <a:t>Stabilita systémov</a:t>
+              <a:t>Všeobecné kritérium stability</a:t>
             </a:r>
             <a:endParaRPr lang="sk-SK" dirty="0"/>
           </a:p>
@@ -36545,7 +38679,7 @@
     </p:spTree>
     <p:extLst>
       <p:ext uri="{BB962C8B-B14F-4D97-AF65-F5344CB8AC3E}">
-        <p14:creationId xmlns:p14="http://schemas.microsoft.com/office/powerpoint/2010/main" val="2491538192"/>
+        <p14:creationId xmlns:p14="http://schemas.microsoft.com/office/powerpoint/2010/main" val="3955982061"/>
       </p:ext>
     </p:extLst>
   </p:cSld>
@@ -36589,7 +38723,7 @@
           <a:p>
             <a:r>
               <a:rPr lang="sk-SK" dirty="0" smtClean="0"/>
-              <a:t>Všeobecné kritérium stability</a:t>
+              <a:t>Charakteristiky systémov</a:t>
             </a:r>
             <a:endParaRPr lang="sk-SK" dirty="0"/>
           </a:p>
@@ -36617,7 +38751,7 @@
     </p:spTree>
     <p:extLst>
       <p:ext uri="{BB962C8B-B14F-4D97-AF65-F5344CB8AC3E}">
-        <p14:creationId xmlns:p14="http://schemas.microsoft.com/office/powerpoint/2010/main" val="3955982061"/>
+        <p14:creationId xmlns:p14="http://schemas.microsoft.com/office/powerpoint/2010/main" val="1783867593"/>
       </p:ext>
     </p:extLst>
   </p:cSld>
@@ -36661,7 +38795,7 @@
           <a:p>
             <a:r>
               <a:rPr lang="sk-SK" dirty="0" smtClean="0"/>
-              <a:t>Charakteristiky systémov</a:t>
+              <a:t>Impulzná charakteristika</a:t>
             </a:r>
             <a:endParaRPr lang="sk-SK" dirty="0"/>
           </a:p>
@@ -36689,7 +38823,7 @@
     </p:spTree>
     <p:extLst>
       <p:ext uri="{BB962C8B-B14F-4D97-AF65-F5344CB8AC3E}">
-        <p14:creationId xmlns:p14="http://schemas.microsoft.com/office/powerpoint/2010/main" val="1783867593"/>
+        <p14:creationId xmlns:p14="http://schemas.microsoft.com/office/powerpoint/2010/main" val="3995036679"/>
       </p:ext>
     </p:extLst>
   </p:cSld>
@@ -36733,7 +38867,7 @@
           <a:p>
             <a:r>
               <a:rPr lang="sk-SK" dirty="0" smtClean="0"/>
-              <a:t>Impulzná charakteristika</a:t>
+              <a:t>Prechodová charakteristika</a:t>
             </a:r>
             <a:endParaRPr lang="sk-SK" dirty="0"/>
           </a:p>
@@ -36761,7 +38895,7 @@
     </p:spTree>
     <p:extLst>
       <p:ext uri="{BB962C8B-B14F-4D97-AF65-F5344CB8AC3E}">
-        <p14:creationId xmlns:p14="http://schemas.microsoft.com/office/powerpoint/2010/main" val="3995036679"/>
+        <p14:creationId xmlns:p14="http://schemas.microsoft.com/office/powerpoint/2010/main" val="3343495099"/>
       </p:ext>
     </p:extLst>
   </p:cSld>
@@ -36805,7 +38939,7 @@
           <a:p>
             <a:r>
               <a:rPr lang="sk-SK" dirty="0" smtClean="0"/>
-              <a:t>Prechodová charakteristika</a:t>
+              <a:t>Vplyv pólov a núl na dynamiku systému</a:t>
             </a:r>
             <a:endParaRPr lang="sk-SK" dirty="0"/>
           </a:p>
@@ -36833,7 +38967,7 @@
     </p:spTree>
     <p:extLst>
       <p:ext uri="{BB962C8B-B14F-4D97-AF65-F5344CB8AC3E}">
-        <p14:creationId xmlns:p14="http://schemas.microsoft.com/office/powerpoint/2010/main" val="3343495099"/>
+        <p14:creationId xmlns:p14="http://schemas.microsoft.com/office/powerpoint/2010/main" val="4247704593"/>
       </p:ext>
     </p:extLst>
   </p:cSld>
@@ -36876,10 +39010,9 @@
           <a:lstStyle/>
           <a:p>
             <a:r>
-              <a:rPr lang="sk-SK" dirty="0" smtClean="0"/>
+              <a:rPr lang="sk-SK" dirty="0"/>
               <a:t>Vplyv pólov a núl na dynamiku systému</a:t>
             </a:r>
-            <a:endParaRPr lang="sk-SK" dirty="0"/>
           </a:p>
         </p:txBody>
       </p:sp>
@@ -36905,7 +39038,7 @@
     </p:spTree>
     <p:extLst>
       <p:ext uri="{BB962C8B-B14F-4D97-AF65-F5344CB8AC3E}">
-        <p14:creationId xmlns:p14="http://schemas.microsoft.com/office/powerpoint/2010/main" val="4247704593"/>
+        <p14:creationId xmlns:p14="http://schemas.microsoft.com/office/powerpoint/2010/main" val="946601560"/>
       </p:ext>
     </p:extLst>
   </p:cSld>
@@ -36976,7 +39109,7 @@
     </p:spTree>
     <p:extLst>
       <p:ext uri="{BB962C8B-B14F-4D97-AF65-F5344CB8AC3E}">
-        <p14:creationId xmlns:p14="http://schemas.microsoft.com/office/powerpoint/2010/main" val="946601560"/>
+        <p14:creationId xmlns:p14="http://schemas.microsoft.com/office/powerpoint/2010/main" val="2765769143"/>
       </p:ext>
     </p:extLst>
   </p:cSld>
@@ -37409,77 +39542,6 @@
 </file>
 
 <file path=ppt/slides/slide70.xml><?xml version="1.0" encoding="utf-8"?>
-<p:sld xmlns:a="http://schemas.openxmlformats.org/drawingml/2006/main" xmlns:r="http://schemas.openxmlformats.org/officeDocument/2006/relationships" xmlns:p="http://schemas.openxmlformats.org/presentationml/2006/main">
-  <p:cSld>
-    <p:spTree>
-      <p:nvGrpSpPr>
-        <p:cNvPr id="1" name=""/>
-        <p:cNvGrpSpPr/>
-        <p:nvPr/>
-      </p:nvGrpSpPr>
-      <p:grpSpPr>
-        <a:xfrm>
-          <a:off x="0" y="0"/>
-          <a:ext cx="0" cy="0"/>
-          <a:chOff x="0" y="0"/>
-          <a:chExt cx="0" cy="0"/>
-        </a:xfrm>
-      </p:grpSpPr>
-      <p:sp>
-        <p:nvSpPr>
-          <p:cNvPr id="2" name="Nadpis 1"/>
-          <p:cNvSpPr>
-            <a:spLocks noGrp="1"/>
-          </p:cNvSpPr>
-          <p:nvPr>
-            <p:ph type="title"/>
-          </p:nvPr>
-        </p:nvSpPr>
-        <p:spPr/>
-        <p:txBody>
-          <a:bodyPr/>
-          <a:lstStyle/>
-          <a:p>
-            <a:r>
-              <a:rPr lang="sk-SK" dirty="0"/>
-              <a:t>Vplyv pólov a núl na dynamiku systému</a:t>
-            </a:r>
-          </a:p>
-        </p:txBody>
-      </p:sp>
-      <p:sp>
-        <p:nvSpPr>
-          <p:cNvPr id="3" name="Zástupný symbol obsahu 2"/>
-          <p:cNvSpPr>
-            <a:spLocks noGrp="1"/>
-          </p:cNvSpPr>
-          <p:nvPr>
-            <p:ph idx="1"/>
-          </p:nvPr>
-        </p:nvSpPr>
-        <p:spPr/>
-        <p:txBody>
-          <a:bodyPr/>
-          <a:lstStyle/>
-          <a:p>
-            <a:endParaRPr lang="sk-SK"/>
-          </a:p>
-        </p:txBody>
-      </p:sp>
-    </p:spTree>
-    <p:extLst>
-      <p:ext uri="{BB962C8B-B14F-4D97-AF65-F5344CB8AC3E}">
-        <p14:creationId xmlns:p14="http://schemas.microsoft.com/office/powerpoint/2010/main" val="2765769143"/>
-      </p:ext>
-    </p:extLst>
-  </p:cSld>
-  <p:clrMapOvr>
-    <a:masterClrMapping/>
-  </p:clrMapOvr>
-</p:sld>
-</file>
-
-<file path=ppt/slides/slide71.xml><?xml version="1.0" encoding="utf-8"?>
 <p:sld xmlns:a="http://schemas.openxmlformats.org/drawingml/2006/main" xmlns:r="http://schemas.openxmlformats.org/officeDocument/2006/relationships" xmlns:p="http://schemas.openxmlformats.org/presentationml/2006/main">
   <p:cSld>
     <p:spTree>

--- a/Nove prednasky/P01_dynamika_dif_rovnice_LPT_prenosova_funkcia_modelovanie.pptx
+++ b/Nove prednasky/P01_dynamika_dif_rovnice_LPT_prenosova_funkcia_modelovanie.pptx
@@ -70,11 +70,13 @@
     <p:sldId id="291" r:id="rId64"/>
     <p:sldId id="286" r:id="rId65"/>
     <p:sldId id="327" r:id="rId66"/>
-    <p:sldId id="287" r:id="rId67"/>
-    <p:sldId id="288" r:id="rId68"/>
-    <p:sldId id="329" r:id="rId69"/>
-    <p:sldId id="330" r:id="rId70"/>
-    <p:sldId id="289" r:id="rId71"/>
+    <p:sldId id="345" r:id="rId67"/>
+    <p:sldId id="287" r:id="rId68"/>
+    <p:sldId id="346" r:id="rId69"/>
+    <p:sldId id="288" r:id="rId70"/>
+    <p:sldId id="329" r:id="rId71"/>
+    <p:sldId id="330" r:id="rId72"/>
+    <p:sldId id="289" r:id="rId73"/>
   </p:sldIdLst>
   <p:sldSz cx="9144000" cy="6858000" type="screen4x3"/>
   <p:notesSz cx="6858000" cy="9144000"/>
@@ -467,7 +469,7 @@
           <a:p>
             <a:fld id="{B1F4BD78-2EC2-485B-A16B-A2D870866C74}" type="datetimeFigureOut">
               <a:rPr lang="sk-SK" smtClean="0"/>
-              <a:t>6. 6. 2019</a:t>
+              <a:t>6.6.2019</a:t>
             </a:fld>
             <a:endParaRPr lang="sk-SK"/>
           </a:p>
@@ -558,7 +560,7 @@
           <p:cNvPr id="11" name="Obrázok 10">
             <a:extLst>
               <a:ext uri="{FF2B5EF4-FFF2-40B4-BE49-F238E27FC236}">
-                <a16:creationId xmlns:a16="http://schemas.microsoft.com/office/drawing/2014/main" xmlns="" id="{D575F8E8-6CC8-49FD-8010-88908C002CDA}"/>
+                <a16:creationId xmlns="" xmlns:a16="http://schemas.microsoft.com/office/drawing/2014/main" id="{D575F8E8-6CC8-49FD-8010-88908C002CDA}"/>
               </a:ext>
             </a:extLst>
           </p:cNvPr>
@@ -594,7 +596,7 @@
           <p:cNvPr id="13" name="Obrázok 12">
             <a:extLst>
               <a:ext uri="{FF2B5EF4-FFF2-40B4-BE49-F238E27FC236}">
-                <a16:creationId xmlns:a16="http://schemas.microsoft.com/office/drawing/2014/main" xmlns="" id="{E0A78DBF-D0B2-42A5-9F1D-0CAC637C7D2D}"/>
+                <a16:creationId xmlns="" xmlns:a16="http://schemas.microsoft.com/office/drawing/2014/main" id="{E0A78DBF-D0B2-42A5-9F1D-0CAC637C7D2D}"/>
               </a:ext>
             </a:extLst>
           </p:cNvPr>
@@ -751,7 +753,7 @@
           <a:p>
             <a:fld id="{B1F4BD78-2EC2-485B-A16B-A2D870866C74}" type="datetimeFigureOut">
               <a:rPr lang="sk-SK" smtClean="0"/>
-              <a:t>6. 6. 2019</a:t>
+              <a:t>6.6.2019</a:t>
             </a:fld>
             <a:endParaRPr lang="sk-SK"/>
           </a:p>
@@ -1094,7 +1096,7 @@
           <a:p>
             <a:fld id="{B1F4BD78-2EC2-485B-A16B-A2D870866C74}" type="datetimeFigureOut">
               <a:rPr lang="sk-SK" smtClean="0"/>
-              <a:t>6. 6. 2019</a:t>
+              <a:t>6.6.2019</a:t>
             </a:fld>
             <a:endParaRPr lang="sk-SK"/>
           </a:p>
@@ -1369,7 +1371,7 @@
           <a:p>
             <a:fld id="{B1F4BD78-2EC2-485B-A16B-A2D870866C74}" type="datetimeFigureOut">
               <a:rPr lang="sk-SK" smtClean="0"/>
-              <a:t>6. 6. 2019</a:t>
+              <a:t>6.6.2019</a:t>
             </a:fld>
             <a:endParaRPr lang="sk-SK"/>
           </a:p>
@@ -1748,7 +1750,7 @@
           <a:p>
             <a:fld id="{B1F4BD78-2EC2-485B-A16B-A2D870866C74}" type="datetimeFigureOut">
               <a:rPr lang="sk-SK" smtClean="0"/>
-              <a:t>6. 6. 2019</a:t>
+              <a:t>6.6.2019</a:t>
             </a:fld>
             <a:endParaRPr lang="sk-SK"/>
           </a:p>
@@ -1866,7 +1868,7 @@
           <a:p>
             <a:fld id="{B1F4BD78-2EC2-485B-A16B-A2D870866C74}" type="datetimeFigureOut">
               <a:rPr lang="sk-SK" smtClean="0"/>
-              <a:t>6. 6. 2019</a:t>
+              <a:t>6.6.2019</a:t>
             </a:fld>
             <a:endParaRPr lang="sk-SK"/>
           </a:p>
@@ -2037,7 +2039,7 @@
           <a:p>
             <a:fld id="{B1F4BD78-2EC2-485B-A16B-A2D870866C74}" type="datetimeFigureOut">
               <a:rPr lang="sk-SK" smtClean="0"/>
-              <a:t>6. 6. 2019</a:t>
+              <a:t>6.6.2019</a:t>
             </a:fld>
             <a:endParaRPr lang="sk-SK"/>
           </a:p>
@@ -2391,7 +2393,7 @@
           <a:p>
             <a:fld id="{B1F4BD78-2EC2-485B-A16B-A2D870866C74}" type="datetimeFigureOut">
               <a:rPr lang="sk-SK" smtClean="0"/>
-              <a:t>6. 6. 2019</a:t>
+              <a:t>6.6.2019</a:t>
             </a:fld>
             <a:endParaRPr lang="sk-SK"/>
           </a:p>
@@ -2773,7 +2775,7 @@
           <a:p>
             <a:fld id="{B1F4BD78-2EC2-485B-A16B-A2D870866C74}" type="datetimeFigureOut">
               <a:rPr lang="sk-SK" smtClean="0"/>
-              <a:t>6. 6. 2019</a:t>
+              <a:t>6.6.2019</a:t>
             </a:fld>
             <a:endParaRPr lang="sk-SK"/>
           </a:p>
@@ -3068,7 +3070,7 @@
           <a:p>
             <a:fld id="{B1F4BD78-2EC2-485B-A16B-A2D870866C74}" type="datetimeFigureOut">
               <a:rPr lang="sk-SK" smtClean="0"/>
-              <a:t>6. 6. 2019</a:t>
+              <a:t>6.6.2019</a:t>
             </a:fld>
             <a:endParaRPr lang="sk-SK"/>
           </a:p>
@@ -3554,7 +3556,7 @@
           <p:cNvPr id="2" name="Nadpis 1">
             <a:extLst>
               <a:ext uri="{FF2B5EF4-FFF2-40B4-BE49-F238E27FC236}">
-                <a16:creationId xmlns="" xmlns:a16="http://schemas.microsoft.com/office/drawing/2014/main" id="{8C9FEECD-5BD9-4CA4-ACC1-DA9C1EDD96B6}"/>
+                <a16:creationId xmlns:a16="http://schemas.microsoft.com/office/drawing/2014/main" xmlns="" id="{8C9FEECD-5BD9-4CA4-ACC1-DA9C1EDD96B6}"/>
               </a:ext>
             </a:extLst>
           </p:cNvPr>
@@ -3634,7 +3636,7 @@
           <p:cNvPr id="3" name="Podnadpis 2">
             <a:extLst>
               <a:ext uri="{FF2B5EF4-FFF2-40B4-BE49-F238E27FC236}">
-                <a16:creationId xmlns="" xmlns:a16="http://schemas.microsoft.com/office/drawing/2014/main" id="{313B57F5-B394-40F1-BEAB-F5B71B2FEDE1}"/>
+                <a16:creationId xmlns:a16="http://schemas.microsoft.com/office/drawing/2014/main" xmlns="" id="{313B57F5-B394-40F1-BEAB-F5B71B2FEDE1}"/>
               </a:ext>
             </a:extLst>
           </p:cNvPr>
@@ -4206,7 +4208,7 @@
           <p:cNvPr id="3" name="Zástupný objekt pre obsah 2">
             <a:extLst>
               <a:ext uri="{FF2B5EF4-FFF2-40B4-BE49-F238E27FC236}">
-                <a16:creationId xmlns:a16="http://schemas.microsoft.com/office/drawing/2014/main" xmlns="" id="{A74476A0-8C3D-4B4B-ABC1-78C4925E54B4}"/>
+                <a16:creationId xmlns="" xmlns:a16="http://schemas.microsoft.com/office/drawing/2014/main" id="{A74476A0-8C3D-4B4B-ABC1-78C4925E54B4}"/>
               </a:ext>
             </a:extLst>
           </p:cNvPr>
@@ -4381,7 +4383,7 @@
           <p:cNvPr id="2" name="Nadpis 1">
             <a:extLst>
               <a:ext uri="{FF2B5EF4-FFF2-40B4-BE49-F238E27FC236}">
-                <a16:creationId xmlns:a16="http://schemas.microsoft.com/office/drawing/2014/main" xmlns="" id="{A60D084F-ACFD-4F46-B5DB-65DDF10CFCE9}"/>
+                <a16:creationId xmlns="" xmlns:a16="http://schemas.microsoft.com/office/drawing/2014/main" id="{A60D084F-ACFD-4F46-B5DB-65DDF10CFCE9}"/>
               </a:ext>
             </a:extLst>
           </p:cNvPr>
@@ -4531,7 +4533,7 @@
           <p:cNvPr id="2" name="Nadpis 1">
             <a:extLst>
               <a:ext uri="{FF2B5EF4-FFF2-40B4-BE49-F238E27FC236}">
-                <a16:creationId xmlns:a16="http://schemas.microsoft.com/office/drawing/2014/main" xmlns="" id="{59DC17C1-419D-44F2-987B-AD5E29D750B8}"/>
+                <a16:creationId xmlns="" xmlns:a16="http://schemas.microsoft.com/office/drawing/2014/main" id="{59DC17C1-419D-44F2-987B-AD5E29D750B8}"/>
               </a:ext>
             </a:extLst>
           </p:cNvPr>
@@ -4560,7 +4562,7 @@
           <p:cNvPr id="3" name="Zástupný objekt pre obsah 2">
             <a:extLst>
               <a:ext uri="{FF2B5EF4-FFF2-40B4-BE49-F238E27FC236}">
-                <a16:creationId xmlns:a16="http://schemas.microsoft.com/office/drawing/2014/main" xmlns="" id="{5BD42F2B-ABA1-4F3A-865F-32330FB152D7}"/>
+                <a16:creationId xmlns="" xmlns:a16="http://schemas.microsoft.com/office/drawing/2014/main" id="{5BD42F2B-ABA1-4F3A-865F-32330FB152D7}"/>
               </a:ext>
             </a:extLst>
           </p:cNvPr>
@@ -4778,7 +4780,7 @@
           <a:graphicData uri="http://schemas.openxmlformats.org/presentationml/2006/ole">
             <mc:AlternateContent xmlns:mc="http://schemas.openxmlformats.org/markup-compatibility/2006">
               <mc:Choice xmlns:v="urn:schemas-microsoft-com:vml" Requires="v">
-                <p:oleObj spid="_x0000_s4182" name="Rovnica" r:id="rId3" imgW="3187700" imgH="901700" progId="Equation.3">
+                <p:oleObj spid="_x0000_s4187" name="Rovnica" r:id="rId3" imgW="3187700" imgH="901700" progId="Equation.3">
                   <p:embed/>
                 </p:oleObj>
               </mc:Choice>
@@ -7765,7 +7767,7 @@
         </p:blipFill>
         <p:spPr>
           <a:xfrm>
-            <a:off x="1596425" y="1378005"/>
+            <a:off x="1596426" y="1691043"/>
             <a:ext cx="6105953" cy="2210780"/>
           </a:xfrm>
         </p:spPr>
@@ -12578,8 +12580,8 @@
           </a:p>
         </p:txBody>
       </p:sp>
-      <mc:AlternateContent xmlns:mc="http://schemas.openxmlformats.org/markup-compatibility/2006" xmlns:a14="http://schemas.microsoft.com/office/drawing/2010/main">
-        <mc:Choice Requires="a14">
+      <mc:AlternateContent xmlns:mc="http://schemas.openxmlformats.org/markup-compatibility/2006">
+        <mc:Choice xmlns:a14="http://schemas.microsoft.com/office/drawing/2010/main" Requires="a14">
           <p:sp>
             <p:nvSpPr>
               <p:cNvPr id="3" name="Zástupný symbol obsahu 2"/>
@@ -13187,50 +13189,115 @@
                         <a:rPr lang="sk-SK" b="0" i="1" smtClean="0">
                           <a:latin typeface="Cambria Math" panose="02040503050406030204" pitchFamily="18" charset="0"/>
                         </a:rPr>
-                        <m:t>=(</m:t>
+                        <m:t>=</m:t>
+                      </m:r>
+                      <m:d>
+                        <m:dPr>
+                          <m:ctrlPr>
+                            <a:rPr lang="sk-SK" b="0" i="1" smtClean="0">
+                              <a:latin typeface="Cambria Math" panose="02040503050406030204" pitchFamily="18" charset="0"/>
+                            </a:rPr>
+                          </m:ctrlPr>
+                        </m:dPr>
+                        <m:e>
+                          <m:r>
+                            <a:rPr lang="sk-SK" b="0" i="1" smtClean="0">
+                              <a:latin typeface="Cambria Math" panose="02040503050406030204" pitchFamily="18" charset="0"/>
+                            </a:rPr>
+                            <m:t>𝑥</m:t>
+                          </m:r>
+                          <m:r>
+                            <a:rPr lang="sk-SK" b="0" i="1" smtClean="0">
+                              <a:latin typeface="Cambria Math" panose="02040503050406030204" pitchFamily="18" charset="0"/>
+                            </a:rPr>
+                            <m:t>−</m:t>
+                          </m:r>
+                          <m:sSub>
+                            <m:sSubPr>
+                              <m:ctrlPr>
+                                <a:rPr lang="sk-SK" b="0" i="1" smtClean="0">
+                                  <a:latin typeface="Cambria Math" panose="02040503050406030204" pitchFamily="18" charset="0"/>
+                                </a:rPr>
+                              </m:ctrlPr>
+                            </m:sSubPr>
+                            <m:e>
+                              <m:r>
+                                <a:rPr lang="sk-SK" b="0" i="1" smtClean="0">
+                                  <a:latin typeface="Cambria Math" panose="02040503050406030204" pitchFamily="18" charset="0"/>
+                                </a:rPr>
+                                <m:t>𝑟</m:t>
+                              </m:r>
+                            </m:e>
+                            <m:sub>
+                              <m:r>
+                                <a:rPr lang="sk-SK" b="0" i="1" smtClean="0">
+                                  <a:latin typeface="Cambria Math" panose="02040503050406030204" pitchFamily="18" charset="0"/>
+                                </a:rPr>
+                                <m:t>1</m:t>
+                              </m:r>
+                            </m:sub>
+                          </m:sSub>
+                        </m:e>
+                      </m:d>
+                      <m:d>
+                        <m:dPr>
+                          <m:ctrlPr>
+                            <a:rPr lang="sk-SK" b="0" i="1" smtClean="0">
+                              <a:latin typeface="Cambria Math" panose="02040503050406030204" pitchFamily="18" charset="0"/>
+                            </a:rPr>
+                          </m:ctrlPr>
+                        </m:dPr>
+                        <m:e>
+                          <m:r>
+                            <a:rPr lang="sk-SK" i="1">
+                              <a:latin typeface="Cambria Math" panose="02040503050406030204" pitchFamily="18" charset="0"/>
+                            </a:rPr>
+                            <m:t>𝑥</m:t>
+                          </m:r>
+                          <m:r>
+                            <a:rPr lang="sk-SK" i="1">
+                              <a:latin typeface="Cambria Math" panose="02040503050406030204" pitchFamily="18" charset="0"/>
+                            </a:rPr>
+                            <m:t>−</m:t>
+                          </m:r>
+                          <m:sSub>
+                            <m:sSubPr>
+                              <m:ctrlPr>
+                                <a:rPr lang="sk-SK" i="1">
+                                  <a:latin typeface="Cambria Math" panose="02040503050406030204" pitchFamily="18" charset="0"/>
+                                </a:rPr>
+                              </m:ctrlPr>
+                            </m:sSubPr>
+                            <m:e>
+                              <m:r>
+                                <a:rPr lang="sk-SK" b="0" i="1" smtClean="0">
+                                  <a:latin typeface="Cambria Math" panose="02040503050406030204" pitchFamily="18" charset="0"/>
+                                </a:rPr>
+                                <m:t>𝑟</m:t>
+                              </m:r>
+                            </m:e>
+                            <m:sub>
+                              <m:r>
+                                <a:rPr lang="sk-SK" b="0" i="1" smtClean="0">
+                                  <a:latin typeface="Cambria Math" panose="02040503050406030204" pitchFamily="18" charset="0"/>
+                                </a:rPr>
+                                <m:t>2</m:t>
+                              </m:r>
+                            </m:sub>
+                          </m:sSub>
+                        </m:e>
+                      </m:d>
+                      <m:r>
+                        <a:rPr lang="sk-SK" b="0" i="1" smtClean="0">
+                          <a:latin typeface="Cambria Math" panose="02040503050406030204" pitchFamily="18" charset="0"/>
+                        </a:rPr>
+                        <m:t>…</m:t>
                       </m:r>
                       <m:r>
                         <a:rPr lang="sk-SK" b="0" i="1" smtClean="0">
                           <a:latin typeface="Cambria Math" panose="02040503050406030204" pitchFamily="18" charset="0"/>
                         </a:rPr>
-                        <m:t>𝑥</m:t>
-                      </m:r>
-                      <m:r>
-                        <a:rPr lang="sk-SK" b="0" i="1" smtClean="0">
-                          <a:latin typeface="Cambria Math" panose="02040503050406030204" pitchFamily="18" charset="0"/>
-                        </a:rPr>
-                        <m:t>−</m:t>
-                      </m:r>
-                      <m:sSub>
-                        <m:sSubPr>
-                          <m:ctrlPr>
-                            <a:rPr lang="sk-SK" b="0" i="1" smtClean="0">
-                              <a:latin typeface="Cambria Math" panose="02040503050406030204" pitchFamily="18" charset="0"/>
-                            </a:rPr>
-                          </m:ctrlPr>
-                        </m:sSubPr>
-                        <m:e>
-                          <m:r>
-                            <a:rPr lang="sk-SK" b="0" i="1" smtClean="0">
-                              <a:latin typeface="Cambria Math" panose="02040503050406030204" pitchFamily="18" charset="0"/>
-                            </a:rPr>
-                            <m:t>𝑟</m:t>
-                          </m:r>
-                        </m:e>
-                        <m:sub>
-                          <m:r>
-                            <a:rPr lang="sk-SK" b="0" i="1" smtClean="0">
-                              <a:latin typeface="Cambria Math" panose="02040503050406030204" pitchFamily="18" charset="0"/>
-                            </a:rPr>
-                            <m:t>1</m:t>
-                          </m:r>
-                        </m:sub>
-                      </m:sSub>
-                      <m:r>
-                        <a:rPr lang="sk-SK" b="0" i="1" smtClean="0">
-                          <a:latin typeface="Cambria Math" panose="02040503050406030204" pitchFamily="18" charset="0"/>
-                        </a:rPr>
-                        <m:t>)(</m:t>
+                        <m:t>(</m:t>
                       </m:r>
                       <m:r>
                         <a:rPr lang="sk-SK" i="1">
@@ -13265,49 +13332,6 @@
                             <a:rPr lang="sk-SK" b="0" i="1" smtClean="0">
                               <a:latin typeface="Cambria Math" panose="02040503050406030204" pitchFamily="18" charset="0"/>
                             </a:rPr>
-                            <m:t>2</m:t>
-                          </m:r>
-                        </m:sub>
-                      </m:sSub>
-                      <m:r>
-                        <a:rPr lang="sk-SK" b="0" i="1" smtClean="0">
-                          <a:latin typeface="Cambria Math" panose="02040503050406030204" pitchFamily="18" charset="0"/>
-                        </a:rPr>
-                        <m:t>)(</m:t>
-                      </m:r>
-                      <m:r>
-                        <a:rPr lang="sk-SK" i="1">
-                          <a:latin typeface="Cambria Math" panose="02040503050406030204" pitchFamily="18" charset="0"/>
-                        </a:rPr>
-                        <m:t>𝑥</m:t>
-                      </m:r>
-                      <m:r>
-                        <a:rPr lang="sk-SK" i="1">
-                          <a:latin typeface="Cambria Math" panose="02040503050406030204" pitchFamily="18" charset="0"/>
-                        </a:rPr>
-                        <m:t>−</m:t>
-                      </m:r>
-                      <m:sSub>
-                        <m:sSubPr>
-                          <m:ctrlPr>
-                            <a:rPr lang="sk-SK" i="1">
-                              <a:latin typeface="Cambria Math" panose="02040503050406030204" pitchFamily="18" charset="0"/>
-                            </a:rPr>
-                          </m:ctrlPr>
-                        </m:sSubPr>
-                        <m:e>
-                          <m:r>
-                            <a:rPr lang="sk-SK" b="0" i="1" smtClean="0">
-                              <a:latin typeface="Cambria Math" panose="02040503050406030204" pitchFamily="18" charset="0"/>
-                            </a:rPr>
-                            <m:t>𝑟</m:t>
-                          </m:r>
-                        </m:e>
-                        <m:sub>
-                          <m:r>
-                            <a:rPr lang="sk-SK" b="0" i="1" smtClean="0">
-                              <a:latin typeface="Cambria Math" panose="02040503050406030204" pitchFamily="18" charset="0"/>
-                            </a:rPr>
                             <m:t>𝑛</m:t>
                           </m:r>
                         </m:sub>
@@ -13330,7 +13354,23 @@
                 </a:pPr>
                 <a:r>
                   <a:rPr lang="sk-SK" u="sng" dirty="0"/>
-                  <a:t>Polynóm stupňa n môže mat’ najviac n </a:t>
+                  <a:t>Polynóm stupňa </a:t>
+                </a:r>
+                <a:r>
+                  <a:rPr lang="sk-SK" i="1" u="sng" dirty="0"/>
+                  <a:t>n</a:t>
+                </a:r>
+                <a:r>
+                  <a:rPr lang="sk-SK" u="sng" dirty="0"/>
+                  <a:t> môže mat’ najviac </a:t>
+                </a:r>
+                <a:r>
+                  <a:rPr lang="sk-SK" i="1" u="sng" dirty="0"/>
+                  <a:t>n</a:t>
+                </a:r>
+                <a:r>
+                  <a:rPr lang="sk-SK" u="sng" dirty="0"/>
+                  <a:t> </a:t>
                 </a:r>
                 <a:r>
                   <a:rPr lang="sk-SK" u="sng" dirty="0" smtClean="0"/>
@@ -13369,7 +13409,7 @@
             </p:txBody>
           </p:sp>
         </mc:Choice>
-        <mc:Fallback xmlns="">
+        <mc:Fallback>
           <p:sp>
             <p:nvSpPr>
               <p:cNvPr id="3" name="Zástupný symbol obsahu 2"/>
@@ -13484,8 +13524,8 @@
           </a:p>
         </p:txBody>
       </p:sp>
-      <mc:AlternateContent xmlns:mc="http://schemas.openxmlformats.org/markup-compatibility/2006" xmlns:a14="http://schemas.microsoft.com/office/drawing/2010/main">
-        <mc:Choice Requires="a14">
+      <mc:AlternateContent xmlns:mc="http://schemas.openxmlformats.org/markup-compatibility/2006">
+        <mc:Choice xmlns:a14="http://schemas.microsoft.com/office/drawing/2010/main" Requires="a14">
           <p:sp>
             <p:nvSpPr>
               <p:cNvPr id="3" name="Zástupný symbol obsahu 2"/>
@@ -13596,6 +13636,9 @@
               </a:p>
               <a:p>
                 <a:pPr marL="201168" lvl="1" indent="0">
+                  <a:lnSpc>
+                    <a:spcPct val="150000"/>
+                  </a:lnSpc>
                   <a:buNone/>
                 </a:pPr>
                 <a14:m>
@@ -13744,7 +13787,7 @@
             </p:txBody>
           </p:sp>
         </mc:Choice>
-        <mc:Fallback xmlns="">
+        <mc:Fallback>
           <p:sp>
             <p:nvSpPr>
               <p:cNvPr id="3" name="Zástupný symbol obsahu 2"/>
@@ -14502,8 +14545,8 @@
           </a:p>
         </p:txBody>
       </p:sp>
-      <mc:AlternateContent xmlns:mc="http://schemas.openxmlformats.org/markup-compatibility/2006" xmlns:a14="http://schemas.microsoft.com/office/drawing/2010/main">
-        <mc:Choice Requires="a14">
+      <mc:AlternateContent xmlns:mc="http://schemas.openxmlformats.org/markup-compatibility/2006">
+        <mc:Choice xmlns:a14="http://schemas.microsoft.com/office/drawing/2010/main" Requires="a14">
           <p:sp>
             <p:nvSpPr>
               <p:cNvPr id="3" name="Zástupný symbol obsahu 2"/>
@@ -14521,7 +14564,9 @@
               </a:xfrm>
             </p:spPr>
             <p:txBody>
-              <a:bodyPr/>
+              <a:bodyPr>
+                <a:normAutofit fontScale="92500" lnSpcReduction="20000"/>
+              </a:bodyPr>
               <a:lstStyle/>
               <a:p>
                 <a:pPr>
@@ -14996,6 +15041,46 @@
                   <a:rPr lang="sk-SK" dirty="0" smtClean="0"/>
                   <a:t> </a:t>
                 </a:r>
+                <a:endParaRPr lang="sk-SK" dirty="0" smtClean="0"/>
+              </a:p>
+              <a:p>
+                <a:pPr>
+                  <a:lnSpc>
+                    <a:spcPct val="150000"/>
+                  </a:lnSpc>
+                  <a:buFont typeface="Arial" panose="020B0604020202020204" pitchFamily="34" charset="0"/>
+                  <a:buChar char="•"/>
+                </a:pPr>
+                <a:r>
+                  <a:rPr lang="sk-SK" u="sng" dirty="0" err="1" smtClean="0"/>
+                  <a:t>Dirackov</a:t>
+                </a:r>
+                <a:r>
+                  <a:rPr lang="sk-SK" u="sng" dirty="0" smtClean="0"/>
+                  <a:t> impulz je deriváciou jednotkového skoku</a:t>
+                </a:r>
+              </a:p>
+              <a:p>
+                <a:pPr>
+                  <a:lnSpc>
+                    <a:spcPct val="150000"/>
+                  </a:lnSpc>
+                  <a:buFont typeface="Arial" panose="020B0604020202020204" pitchFamily="34" charset="0"/>
+                  <a:buChar char="•"/>
+                </a:pPr>
+                <a:r>
+                  <a:rPr lang="sk-SK" u="sng" dirty="0" smtClean="0"/>
+                  <a:t>Jednotkový skok je integrálom </a:t>
+                </a:r>
+                <a:r>
+                  <a:rPr lang="sk-SK" u="sng" dirty="0" err="1" smtClean="0"/>
+                  <a:t>Dirackovho</a:t>
+                </a:r>
+                <a:r>
+                  <a:rPr lang="sk-SK" u="sng" dirty="0" smtClean="0"/>
+                  <a:t> impulzu</a:t>
+                </a:r>
+                <a:endParaRPr lang="sk-SK" u="sng" dirty="0" smtClean="0"/>
               </a:p>
               <a:p>
                 <a:endParaRPr lang="sk-SK" dirty="0" smtClean="0"/>
@@ -15010,7 +15095,7 @@
             </p:txBody>
           </p:sp>
         </mc:Choice>
-        <mc:Fallback xmlns="">
+        <mc:Fallback>
           <p:sp>
             <p:nvSpPr>
               <p:cNvPr id="3" name="Zástupný symbol obsahu 2"/>
@@ -15029,7 +15114,7 @@
               <a:blipFill rotWithShape="0">
                 <a:blip r:embed="rId2"/>
                 <a:stretch>
-                  <a:fillRect l="-2771" t="-1205"/>
+                  <a:fillRect l="-2656" t="-1862" r="-1270" b="-219"/>
                 </a:stretch>
               </a:blipFill>
             </p:spPr>
@@ -15089,6 +15174,47 @@
           </a:extLst>
         </p:spPr>
       </p:pic>
+      <p:sp>
+        <p:nvSpPr>
+          <p:cNvPr id="4" name="Obdĺžnik 3"/>
+          <p:cNvSpPr/>
+          <p:nvPr/>
+        </p:nvSpPr>
+        <p:spPr>
+          <a:xfrm>
+            <a:off x="238897" y="5552303"/>
+            <a:ext cx="5436973" cy="1054443"/>
+          </a:xfrm>
+          <a:prstGeom prst="rect">
+            <a:avLst/>
+          </a:prstGeom>
+          <a:noFill/>
+        </p:spPr>
+        <p:style>
+          <a:lnRef idx="2">
+            <a:schemeClr val="accent1">
+              <a:shade val="50000"/>
+            </a:schemeClr>
+          </a:lnRef>
+          <a:fillRef idx="1">
+            <a:schemeClr val="accent1"/>
+          </a:fillRef>
+          <a:effectRef idx="0">
+            <a:schemeClr val="accent1"/>
+          </a:effectRef>
+          <a:fontRef idx="minor">
+            <a:schemeClr val="lt1"/>
+          </a:fontRef>
+        </p:style>
+        <p:txBody>
+          <a:bodyPr rtlCol="0" anchor="ctr"/>
+          <a:lstStyle/>
+          <a:p>
+            <a:pPr algn="ctr"/>
+            <a:endParaRPr lang="sk-SK"/>
+          </a:p>
+        </p:txBody>
+      </p:sp>
     </p:spTree>
     <p:extLst>
       <p:ext uri="{BB962C8B-B14F-4D97-AF65-F5344CB8AC3E}">
@@ -25147,9 +25273,41 @@
             <a:pPr lvl="1"/>
             <a:r>
               <a:rPr lang="sk-SK" dirty="0" smtClean="0"/>
-              <a:t>Uzavretý regulačný obvod – regulácia , stabilizácia a úprava dynamiky</a:t>
-            </a:r>
-            <a:endParaRPr lang="sk-SK" dirty="0"/>
+              <a:t>Uzavretý regulačný obvod – regulácia , stabilizácia a úprava </a:t>
+            </a:r>
+            <a:r>
+              <a:rPr lang="sk-SK" dirty="0" smtClean="0"/>
+              <a:t>dynamiky</a:t>
+            </a:r>
+          </a:p>
+          <a:p>
+            <a:pPr>
+              <a:buFont typeface="Arial" panose="020B0604020202020204" pitchFamily="34" charset="0"/>
+              <a:buChar char="•"/>
+            </a:pPr>
+            <a:r>
+              <a:rPr lang="sk-SK" dirty="0" smtClean="0"/>
+              <a:t>Spätná väzba v systémoch (prirodzená alebo aj umelá) ovplyvňuje ich stabilitu</a:t>
+            </a:r>
+          </a:p>
+          <a:p>
+            <a:pPr>
+              <a:buFont typeface="Arial" panose="020B0604020202020204" pitchFamily="34" charset="0"/>
+              <a:buChar char="•"/>
+            </a:pPr>
+            <a:r>
+              <a:rPr lang="sk-SK" dirty="0" smtClean="0"/>
+              <a:t>Preto je pre každý </a:t>
+            </a:r>
+            <a:r>
+              <a:rPr lang="sk-SK" dirty="0"/>
+              <a:t>uzavretý </a:t>
+            </a:r>
+            <a:r>
+              <a:rPr lang="sk-SK" dirty="0" smtClean="0"/>
+              <a:t>obvod nutné stabilitu overiť !</a:t>
+            </a:r>
+            <a:endParaRPr lang="sk-SK" dirty="0" smtClean="0"/>
           </a:p>
         </p:txBody>
       </p:sp>
@@ -25206,8 +25364,8 @@
           </a:p>
         </p:txBody>
       </p:sp>
-      <mc:AlternateContent xmlns:mc="http://schemas.openxmlformats.org/markup-compatibility/2006" xmlns:a14="http://schemas.microsoft.com/office/drawing/2010/main">
-        <mc:Choice Requires="a14">
+      <mc:AlternateContent xmlns:mc="http://schemas.openxmlformats.org/markup-compatibility/2006">
+        <mc:Choice xmlns:a14="http://schemas.microsoft.com/office/drawing/2010/main" Requires="a14">
           <p:sp>
             <p:nvSpPr>
               <p:cNvPr id="3" name="Zástupný symbol obsahu 2"/>
@@ -25220,7 +25378,9 @@
             </p:nvSpPr>
             <p:spPr/>
             <p:txBody>
-              <a:bodyPr/>
+              <a:bodyPr>
+                <a:normAutofit fontScale="92500" lnSpcReduction="10000"/>
+              </a:bodyPr>
               <a:lstStyle/>
               <a:p>
                 <a:pPr>
@@ -25281,7 +25441,11 @@
                 </a:pPr>
                 <a:r>
                   <a:rPr lang="sk-SK" dirty="0" smtClean="0"/>
-                  <a:t>Operátor derivácie je </a:t>
+                  <a:t>Operátor </a:t>
+                </a:r>
+                <a:r>
+                  <a:rPr lang="sk-SK" dirty="0" smtClean="0"/>
+                  <a:t>derivácie v je Laplaceovej oblasti  </a:t>
                 </a:r>
                 <a:r>
                   <a:rPr lang="sk-SK" i="1" dirty="0" smtClean="0"/>
@@ -25484,7 +25648,15 @@
                 </a:pPr>
                 <a:r>
                   <a:rPr lang="sk-SK" dirty="0" smtClean="0"/>
-                  <a:t>Statické zosilnenie je pomer absolútnych členov polynómov prenosovej funkcie</a:t>
+                  <a:t>Statické zosilnenie je </a:t>
+                </a:r>
+                <a:r>
+                  <a:rPr lang="sk-SK" u="sng" dirty="0" smtClean="0"/>
+                  <a:t>pomer absolútnych členov</a:t>
+                </a:r>
+                <a:r>
+                  <a:rPr lang="sk-SK" dirty="0" smtClean="0"/>
+                  <a:t> polynómov prenosovej funkcie</a:t>
                 </a:r>
               </a:p>
               <a:p>
@@ -25494,7 +25666,11 @@
                 </a:pPr>
                 <a:r>
                   <a:rPr lang="sk-SK" dirty="0" smtClean="0"/>
-                  <a:t>Závislosť ustálenej hodnoty výstupu od vstupu u lineárnych systémov je vždy priamka !!!</a:t>
+                  <a:t>Závislosť ustálenej hodnoty výstupu od </a:t>
+                </a:r>
+                <a:r>
+                  <a:rPr lang="sk-SK" dirty="0" smtClean="0"/>
+                  <a:t>vstupu</a:t>
                 </a:r>
               </a:p>
               <a:p>
@@ -25504,6 +25680,29 @@
                 </a:pPr>
                 <a:r>
                   <a:rPr lang="sk-SK" dirty="0" smtClean="0"/>
+                  <a:t>V prípade </a:t>
+                </a:r>
+                <a:r>
+                  <a:rPr lang="sk-SK" dirty="0" smtClean="0"/>
+                  <a:t>lineárnych </a:t>
+                </a:r>
+                <a:r>
+                  <a:rPr lang="sk-SK" dirty="0" smtClean="0"/>
+                  <a:t>systémov je vždy priamka </a:t>
+                </a:r>
+                <a:r>
+                  <a:rPr lang="sk-SK" dirty="0" smtClean="0"/>
+                  <a:t>!!! (viac v časti prevodová charakteristika)</a:t>
+                </a:r>
+                <a:endParaRPr lang="sk-SK" dirty="0" smtClean="0"/>
+              </a:p>
+              <a:p>
+                <a:pPr>
+                  <a:buFont typeface="Arial" panose="020B0604020202020204" pitchFamily="34" charset="0"/>
+                  <a:buChar char="•"/>
+                </a:pPr>
+                <a:r>
+                  <a:rPr lang="sk-SK" dirty="0" smtClean="0"/>
                   <a:t>Sklon tejto priamky </a:t>
                 </a:r>
                 <a:r>
@@ -25519,7 +25718,7 @@
             </p:txBody>
           </p:sp>
         </mc:Choice>
-        <mc:Fallback xmlns="">
+        <mc:Fallback>
           <p:sp>
             <p:nvSpPr>
               <p:cNvPr id="3" name="Zástupný symbol obsahu 2"/>
@@ -25534,7 +25733,7 @@
               <a:blipFill rotWithShape="0">
                 <a:blip r:embed="rId2"/>
                 <a:stretch>
-                  <a:fillRect l="-1752" t="-1291" r="-365" b="-352"/>
+                  <a:fillRect l="-1679" t="-1526"/>
                 </a:stretch>
               </a:blipFill>
             </p:spPr>
@@ -25606,8 +25805,8 @@
           </a:p>
         </p:txBody>
       </p:sp>
-      <mc:AlternateContent xmlns:mc="http://schemas.openxmlformats.org/markup-compatibility/2006" xmlns:a14="http://schemas.microsoft.com/office/drawing/2010/main">
-        <mc:Choice Requires="a14">
+      <mc:AlternateContent xmlns:mc="http://schemas.openxmlformats.org/markup-compatibility/2006">
+        <mc:Choice xmlns:a14="http://schemas.microsoft.com/office/drawing/2010/main" Requires="a14">
           <p:sp>
             <p:nvSpPr>
               <p:cNvPr id="3" name="Zástupný symbol obsahu 2"/>
@@ -25708,8 +25907,31 @@
                 </a:pPr>
                 <a:r>
                   <a:rPr lang="sk-SK" dirty="0" smtClean="0"/>
-                  <a:t>Môžeme si ho prestaviť ako integrátor zaradený za prenosovou funkciou</a:t>
-                </a:r>
+                  <a:t>Môžeme si ho prestaviť ako integrátor zaradený za prenosovou </a:t>
+                </a:r>
+                <a:r>
+                  <a:rPr lang="sk-SK" dirty="0" smtClean="0"/>
+                  <a:t>funkciou</a:t>
+                </a:r>
+              </a:p>
+              <a:p>
+                <a:pPr>
+                  <a:buFont typeface="Arial" panose="020B0604020202020204" pitchFamily="34" charset="0"/>
+                  <a:buChar char="•"/>
+                </a:pPr>
+                <a:r>
+                  <a:rPr lang="sk-SK" dirty="0" smtClean="0"/>
+                  <a:t>Funkcie s </a:t>
+                </a:r>
+                <a:r>
+                  <a:rPr lang="sk-SK" dirty="0" err="1" smtClean="0"/>
+                  <a:t>astatizmom</a:t>
+                </a:r>
+                <a:r>
+                  <a:rPr lang="sk-SK" dirty="0" smtClean="0"/>
+                  <a:t> sú na hranici stability</a:t>
+                </a:r>
+                <a:endParaRPr lang="sk-SK" dirty="0" smtClean="0"/>
               </a:p>
               <a:p>
                 <a:pPr>
@@ -25974,7 +26196,7 @@
             </p:txBody>
           </p:sp>
         </mc:Choice>
-        <mc:Fallback xmlns="">
+        <mc:Fallback>
           <p:sp>
             <p:nvSpPr>
               <p:cNvPr id="3" name="Zástupný symbol obsahu 2"/>
@@ -26929,8 +27151,8 @@
           </a:p>
         </p:txBody>
       </p:sp>
-      <mc:AlternateContent xmlns:mc="http://schemas.openxmlformats.org/markup-compatibility/2006">
-        <mc:Choice xmlns:a14="http://schemas.microsoft.com/office/drawing/2010/main" Requires="a14">
+      <mc:AlternateContent xmlns:mc="http://schemas.openxmlformats.org/markup-compatibility/2006" xmlns:a14="http://schemas.microsoft.com/office/drawing/2010/main">
+        <mc:Choice Requires="a14">
           <p:sp>
             <p:nvSpPr>
               <p:cNvPr id="3" name="Zástupný symbol obsahu 2"/>
@@ -28141,7 +28363,7 @@
             </p:txBody>
           </p:sp>
         </mc:Choice>
-        <mc:Fallback>
+        <mc:Fallback xmlns="">
           <p:sp>
             <p:nvSpPr>
               <p:cNvPr id="3" name="Zástupný symbol obsahu 2"/>
@@ -28491,8 +28713,8 @@
           </a:p>
         </p:txBody>
       </p:sp>
-      <mc:AlternateContent xmlns:mc="http://schemas.openxmlformats.org/markup-compatibility/2006">
-        <mc:Choice xmlns:a14="http://schemas.microsoft.com/office/drawing/2010/main" Requires="a14">
+      <mc:AlternateContent xmlns:mc="http://schemas.openxmlformats.org/markup-compatibility/2006" xmlns:a14="http://schemas.microsoft.com/office/drawing/2010/main">
+        <mc:Choice Requires="a14">
           <p:sp>
             <p:nvSpPr>
               <p:cNvPr id="3" name="Zástupný symbol obsahu 2"/>
@@ -28535,21 +28757,8 @@
                 <a:pPr lvl="1"/>
                 <a:r>
                   <a:rPr lang="sk-SK" dirty="0" smtClean="0"/>
-                  <a:t>Prenosová funkcia </a:t>
-                </a:r>
-                <a:r>
-                  <a:rPr lang="sk-SK" dirty="0" smtClean="0"/>
-                  <a:t>prúdu motora definovaná </a:t>
-                </a:r>
-                <a:r>
-                  <a:rPr lang="sk-SK" dirty="0" smtClean="0"/>
-                  <a:t>ako pomer</a:t>
-                </a:r>
-                <a:r>
-                  <a:rPr lang="sk-SK" dirty="0" smtClean="0"/>
-                  <a:t>:</a:t>
-                </a:r>
-                <a:endParaRPr lang="sk-SK" dirty="0" smtClean="0"/>
+                  <a:t>Prenosová funkcia prúdu motora definovaná ako pomer:</a:t>
+                </a:r>
               </a:p>
               <a:p>
                 <a:pPr lvl="1"/>
@@ -28652,7 +28861,7 @@
             </p:txBody>
           </p:sp>
         </mc:Choice>
-        <mc:Fallback>
+        <mc:Fallback xmlns="">
           <p:sp>
             <p:nvSpPr>
               <p:cNvPr id="3" name="Zástupný symbol obsahu 2"/>
@@ -30870,8 +31079,8 @@
           </a:p>
         </p:txBody>
       </p:sp>
-      <mc:AlternateContent xmlns:mc="http://schemas.openxmlformats.org/markup-compatibility/2006">
-        <mc:Choice xmlns:a14="http://schemas.microsoft.com/office/drawing/2010/main" Requires="a14">
+      <mc:AlternateContent xmlns:mc="http://schemas.openxmlformats.org/markup-compatibility/2006" xmlns:a14="http://schemas.microsoft.com/office/drawing/2010/main">
+        <mc:Choice Requires="a14">
           <p:sp>
             <p:nvSpPr>
               <p:cNvPr id="3" name="Zástupný symbol obsahu 2"/>
@@ -31369,7 +31578,7 @@
             </p:txBody>
           </p:sp>
         </mc:Choice>
-        <mc:Fallback>
+        <mc:Fallback xmlns="">
           <p:sp>
             <p:nvSpPr>
               <p:cNvPr id="3" name="Zástupný symbol obsahu 2"/>
@@ -31616,8 +31825,8 @@
           </a:p>
         </p:txBody>
       </p:sp>
-      <mc:AlternateContent xmlns:mc="http://schemas.openxmlformats.org/markup-compatibility/2006">
-        <mc:Choice xmlns:a14="http://schemas.microsoft.com/office/drawing/2010/main" Requires="a14">
+      <mc:AlternateContent xmlns:mc="http://schemas.openxmlformats.org/markup-compatibility/2006" xmlns:a14="http://schemas.microsoft.com/office/drawing/2010/main">
+        <mc:Choice Requires="a14">
           <p:sp>
             <p:nvSpPr>
               <p:cNvPr id="3" name="Zástupný symbol obsahu 2"/>
@@ -32509,7 +32718,7 @@
             </p:txBody>
           </p:sp>
         </mc:Choice>
-        <mc:Fallback>
+        <mc:Fallback xmlns="">
           <p:sp>
             <p:nvSpPr>
               <p:cNvPr id="3" name="Zástupný symbol obsahu 2"/>
@@ -32808,29 +33017,270 @@
           </a:p>
         </p:txBody>
       </p:sp>
-      <p:sp>
-        <p:nvSpPr>
-          <p:cNvPr id="3" name="Zástupný symbol obsahu 2"/>
-          <p:cNvSpPr>
-            <a:spLocks noGrp="1"/>
-          </p:cNvSpPr>
-          <p:nvPr>
-            <p:ph idx="1"/>
-          </p:nvPr>
-        </p:nvSpPr>
-        <p:spPr/>
-        <p:txBody>
-          <a:bodyPr/>
-          <a:lstStyle/>
-          <a:p>
-            <a:pPr>
-              <a:buFont typeface="Arial" panose="020B0604020202020204" pitchFamily="34" charset="0"/>
-              <a:buChar char="•"/>
-            </a:pPr>
-            <a:endParaRPr lang="sk-SK" dirty="0"/>
-          </a:p>
-        </p:txBody>
-      </p:sp>
+      <mc:AlternateContent xmlns:mc="http://schemas.openxmlformats.org/markup-compatibility/2006">
+        <mc:Choice xmlns:a14="http://schemas.microsoft.com/office/drawing/2010/main" Requires="a14">
+          <p:sp>
+            <p:nvSpPr>
+              <p:cNvPr id="3" name="Zástupný symbol obsahu 2"/>
+              <p:cNvSpPr>
+                <a:spLocks noGrp="1"/>
+              </p:cNvSpPr>
+              <p:nvPr>
+                <p:ph idx="1"/>
+              </p:nvPr>
+            </p:nvSpPr>
+            <p:spPr/>
+            <p:txBody>
+              <a:bodyPr>
+                <a:normAutofit lnSpcReduction="10000"/>
+              </a:bodyPr>
+              <a:lstStyle/>
+              <a:p>
+                <a:pPr>
+                  <a:buFont typeface="Arial" panose="020B0604020202020204" pitchFamily="34" charset="0"/>
+                  <a:buChar char="•"/>
+                </a:pPr>
+                <a:r>
+                  <a:rPr lang="sk-SK" dirty="0" smtClean="0"/>
+                  <a:t>Simulačný mode</a:t>
+                </a:r>
+                <a:r>
+                  <a:rPr lang="sk-SK" dirty="0" smtClean="0"/>
+                  <a:t>l – ekvivalent diferenciálnych rovníc vo forme blokových schém</a:t>
+                </a:r>
+              </a:p>
+              <a:p>
+                <a:pPr>
+                  <a:buFont typeface="Arial" panose="020B0604020202020204" pitchFamily="34" charset="0"/>
+                  <a:buChar char="•"/>
+                </a:pPr>
+                <a:r>
+                  <a:rPr lang="sk-SK" dirty="0" smtClean="0"/>
+                  <a:t>Určíme rád diferenciálnej rovnice – najvyšší stupeň derivácie</a:t>
+                </a:r>
+              </a:p>
+              <a:p>
+                <a:pPr>
+                  <a:buFont typeface="Arial" panose="020B0604020202020204" pitchFamily="34" charset="0"/>
+                  <a:buChar char="•"/>
+                </a:pPr>
+                <a:r>
+                  <a:rPr lang="sk-SK" dirty="0" smtClean="0"/>
+                  <a:t>Osamostatníme (vyjadríme) najvyššiu deriváciu výstupnej premennej ako funkciu jej nižších derivácii prípade aj ako funkciu vstupu (a jeho derivácii)</a:t>
+                </a:r>
+                <a:endParaRPr lang="sk-SK" dirty="0"/>
+              </a:p>
+              <a:p>
+                <a:pPr>
+                  <a:buFont typeface="Arial" panose="020B0604020202020204" pitchFamily="34" charset="0"/>
+                  <a:buChar char="•"/>
+                </a:pPr>
+                <a:r>
+                  <a:rPr lang="sk-SK" dirty="0" smtClean="0"/>
+                  <a:t>Vo všeobecnosti môžu byť vzťahové funkcie nelineárne</a:t>
+                </a:r>
+              </a:p>
+              <a:p>
+                <a:pPr>
+                  <a:buFont typeface="Arial" panose="020B0604020202020204" pitchFamily="34" charset="0"/>
+                  <a:buChar char="•"/>
+                </a:pPr>
+                <a:r>
+                  <a:rPr lang="sk-SK" dirty="0" smtClean="0"/>
+                  <a:t>Najvyššiu deriváciu integrujeme blokmi integrátorov (získavame nižšie derivácie) až pokiaľ nedosiahneme samotnú - nederivovanú premennú.</a:t>
+                </a:r>
+              </a:p>
+              <a:p>
+                <a:pPr>
+                  <a:buFont typeface="Arial" panose="020B0604020202020204" pitchFamily="34" charset="0"/>
+                  <a:buChar char="•"/>
+                </a:pPr>
+                <a:r>
+                  <a:rPr lang="sk-SK" dirty="0" smtClean="0"/>
+                  <a:t>Premenné, ktoré majú medzi sebou vzťah priamej derivácie (prvá je deriváciou druhej...atď...) nazývame </a:t>
+                </a:r>
+                <a:r>
+                  <a:rPr lang="sk-SK" u="sng" dirty="0" smtClean="0"/>
+                  <a:t>fázové premenné </a:t>
+                </a:r>
+              </a:p>
+              <a:p>
+                <a:pPr lvl="1"/>
+                <a:r>
+                  <a:rPr lang="sk-SK" dirty="0" smtClean="0"/>
+                  <a:t>Napríklad: poloha, rýchlosť, zrýchlenie</a:t>
+                </a:r>
+              </a:p>
+              <a:p>
+                <a:pPr lvl="1"/>
+                <a14:m>
+                  <m:oMath xmlns:m="http://schemas.openxmlformats.org/officeDocument/2006/math">
+                    <m:r>
+                      <a:rPr lang="sk-SK" b="0" i="1" smtClean="0">
+                        <a:latin typeface="Cambria Math" panose="02040503050406030204" pitchFamily="18" charset="0"/>
+                      </a:rPr>
+                      <m:t>𝑣</m:t>
+                    </m:r>
+                    <m:r>
+                      <a:rPr lang="sk-SK" b="0" i="1" smtClean="0">
+                        <a:latin typeface="Cambria Math" panose="02040503050406030204" pitchFamily="18" charset="0"/>
+                      </a:rPr>
+                      <m:t>=</m:t>
+                    </m:r>
+                    <m:acc>
+                      <m:accPr>
+                        <m:chr m:val="̇"/>
+                        <m:ctrlPr>
+                          <a:rPr lang="sk-SK" b="0" i="1" smtClean="0">
+                            <a:latin typeface="Cambria Math" panose="02040503050406030204" pitchFamily="18" charset="0"/>
+                          </a:rPr>
+                        </m:ctrlPr>
+                      </m:accPr>
+                      <m:e>
+                        <m:r>
+                          <a:rPr lang="sk-SK" b="0" i="1" smtClean="0">
+                            <a:latin typeface="Cambria Math" panose="02040503050406030204" pitchFamily="18" charset="0"/>
+                          </a:rPr>
+                          <m:t>𝑥</m:t>
+                        </m:r>
+                      </m:e>
+                    </m:acc>
+                  </m:oMath>
+                </a14:m>
+                <a:r>
+                  <a:rPr lang="sk-SK" dirty="0" smtClean="0"/>
+                  <a:t> , </a:t>
+                </a:r>
+                <a14:m>
+                  <m:oMath xmlns:m="http://schemas.openxmlformats.org/officeDocument/2006/math">
+                    <m:r>
+                      <a:rPr lang="sk-SK" b="0" i="1" dirty="0" smtClean="0">
+                        <a:latin typeface="Cambria Math" panose="02040503050406030204" pitchFamily="18" charset="0"/>
+                      </a:rPr>
+                      <m:t>𝑎</m:t>
+                    </m:r>
+                    <m:r>
+                      <a:rPr lang="sk-SK" b="0" i="1" dirty="0" smtClean="0">
+                        <a:latin typeface="Cambria Math" panose="02040503050406030204" pitchFamily="18" charset="0"/>
+                      </a:rPr>
+                      <m:t>=</m:t>
+                    </m:r>
+                    <m:acc>
+                      <m:accPr>
+                        <m:chr m:val="̇"/>
+                        <m:ctrlPr>
+                          <a:rPr lang="sk-SK" b="0" i="1" dirty="0" smtClean="0">
+                            <a:latin typeface="Cambria Math" panose="02040503050406030204" pitchFamily="18" charset="0"/>
+                          </a:rPr>
+                        </m:ctrlPr>
+                      </m:accPr>
+                      <m:e>
+                        <m:r>
+                          <a:rPr lang="sk-SK" b="0" i="1" dirty="0" smtClean="0">
+                            <a:latin typeface="Cambria Math" panose="02040503050406030204" pitchFamily="18" charset="0"/>
+                          </a:rPr>
+                          <m:t>𝑣</m:t>
+                        </m:r>
+                      </m:e>
+                    </m:acc>
+                    <m:r>
+                      <a:rPr lang="sk-SK" b="0" i="1" dirty="0" smtClean="0">
+                        <a:latin typeface="Cambria Math" panose="02040503050406030204" pitchFamily="18" charset="0"/>
+                      </a:rPr>
+                      <m:t>=</m:t>
+                    </m:r>
+                    <m:acc>
+                      <m:accPr>
+                        <m:chr m:val="̈"/>
+                        <m:ctrlPr>
+                          <a:rPr lang="sk-SK" b="0" i="1" dirty="0" smtClean="0">
+                            <a:latin typeface="Cambria Math" panose="02040503050406030204" pitchFamily="18" charset="0"/>
+                          </a:rPr>
+                        </m:ctrlPr>
+                      </m:accPr>
+                      <m:e>
+                        <m:r>
+                          <a:rPr lang="sk-SK" b="0" i="1" dirty="0" smtClean="0">
+                            <a:latin typeface="Cambria Math" panose="02040503050406030204" pitchFamily="18" charset="0"/>
+                          </a:rPr>
+                          <m:t>𝑥</m:t>
+                        </m:r>
+                      </m:e>
+                    </m:acc>
+                  </m:oMath>
+                </a14:m>
+                <a:endParaRPr lang="sk-SK" u="sng" dirty="0" smtClean="0"/>
+              </a:p>
+              <a:p>
+                <a:pPr>
+                  <a:buFont typeface="Arial" panose="020B0604020202020204" pitchFamily="34" charset="0"/>
+                  <a:buChar char="•"/>
+                </a:pPr>
+                <a:r>
+                  <a:rPr lang="sk-SK" dirty="0" smtClean="0"/>
+                  <a:t>Model môže, a často aj bude, obsahovať spätné väzby medzi jednotlivými fázovými premennými</a:t>
+                </a:r>
+              </a:p>
+              <a:p>
+                <a:pPr>
+                  <a:buFont typeface="Arial" panose="020B0604020202020204" pitchFamily="34" charset="0"/>
+                  <a:buChar char="•"/>
+                </a:pPr>
+                <a:r>
+                  <a:rPr lang="sk-SK" u="sng" dirty="0" smtClean="0"/>
+                  <a:t>Počiatočné podmienky</a:t>
+                </a:r>
+                <a:r>
+                  <a:rPr lang="sk-SK" dirty="0" smtClean="0"/>
+                  <a:t> pre jednotlivé premenné nastavujeme v </a:t>
+                </a:r>
+                <a:r>
+                  <a:rPr lang="sk-SK" u="sng" dirty="0" smtClean="0"/>
+                  <a:t>integrátoroch</a:t>
+                </a:r>
+                <a:r>
+                  <a:rPr lang="sk-SK" dirty="0" smtClean="0"/>
+                  <a:t> !!</a:t>
+                </a:r>
+                <a:endParaRPr lang="sk-SK" dirty="0"/>
+              </a:p>
+            </p:txBody>
+          </p:sp>
+        </mc:Choice>
+        <mc:Fallback>
+          <p:sp>
+            <p:nvSpPr>
+              <p:cNvPr id="3" name="Zástupný symbol obsahu 2"/>
+              <p:cNvSpPr>
+                <a:spLocks noGrp="1" noRot="1" noChangeAspect="1" noMove="1" noResize="1" noEditPoints="1" noAdjustHandles="1" noChangeArrowheads="1" noChangeShapeType="1" noTextEdit="1"/>
+              </p:cNvSpPr>
+              <p:nvPr>
+                <p:ph idx="1"/>
+              </p:nvPr>
+            </p:nvSpPr>
+            <p:spPr>
+              <a:blipFill rotWithShape="0">
+                <a:blip r:embed="rId2"/>
+                <a:stretch>
+                  <a:fillRect l="-1752" t="-1761" r="-2482"/>
+                </a:stretch>
+              </a:blipFill>
+            </p:spPr>
+            <p:txBody>
+              <a:bodyPr/>
+              <a:lstStyle/>
+              <a:p>
+                <a:r>
+                  <a:rPr lang="sk-SK">
+                    <a:noFill/>
+                  </a:rPr>
+                  <a:t> </a:t>
+                </a:r>
+              </a:p>
+            </p:txBody>
+          </p:sp>
+        </mc:Fallback>
+      </mc:AlternateContent>
     </p:spTree>
     <p:extLst>
       <p:ext uri="{BB962C8B-B14F-4D97-AF65-F5344CB8AC3E}">
@@ -37145,7 +37595,12 @@
             <p:ph type="title"/>
           </p:nvPr>
         </p:nvSpPr>
-        <p:spPr/>
+        <p:spPr>
+          <a:xfrm>
+            <a:off x="90616" y="154621"/>
+            <a:ext cx="8128001" cy="885825"/>
+          </a:xfrm>
+        </p:spPr>
         <p:txBody>
           <a:bodyPr/>
           <a:lstStyle/>
@@ -37158,8 +37613,8 @@
           </a:p>
         </p:txBody>
       </p:sp>
-      <mc:AlternateContent xmlns:mc="http://schemas.openxmlformats.org/markup-compatibility/2006" xmlns:a14="http://schemas.microsoft.com/office/drawing/2010/main">
-        <mc:Choice Requires="a14">
+      <mc:AlternateContent xmlns:mc="http://schemas.openxmlformats.org/markup-compatibility/2006">
+        <mc:Choice xmlns:a14="http://schemas.microsoft.com/office/drawing/2010/main" Requires="a14">
           <p:sp>
             <p:nvSpPr>
               <p:cNvPr id="3" name="Zástupný symbol obsahu 2"/>
@@ -37170,10 +37625,15 @@
                 <p:ph idx="1"/>
               </p:nvPr>
             </p:nvSpPr>
-            <p:spPr/>
+            <p:spPr>
+              <a:xfrm>
+                <a:off x="327796" y="1040446"/>
+                <a:ext cx="8356599" cy="5195254"/>
+              </a:xfrm>
+            </p:spPr>
             <p:txBody>
               <a:bodyPr>
-                <a:normAutofit fontScale="92500" lnSpcReduction="10000"/>
+                <a:normAutofit fontScale="92500" lnSpcReduction="20000"/>
               </a:bodyPr>
               <a:lstStyle/>
               <a:p>
@@ -37193,12 +37653,13 @@
                 </a:pPr>
                 <a:r>
                   <a:rPr lang="sk-SK" dirty="0"/>
-                  <a:t>Podľa stupňa derivácie, ktorú rovnica obsahuje rozlišujeme rády diferenciálnych </a:t>
+                  <a:t>Podľa stupňa derivácie, ktorú rovnica obsahuje rozlišujeme </a:t>
                 </a:r>
                 <a:r>
                   <a:rPr lang="sk-SK" dirty="0" smtClean="0"/>
-                  <a:t>rovníc</a:t>
-                </a:r>
+                  <a:t>rád diferenciálnej rovnice</a:t>
+                </a:r>
+                <a:endParaRPr lang="sk-SK" dirty="0" smtClean="0"/>
               </a:p>
               <a:p>
                 <a:pPr>
@@ -37785,7 +38246,7 @@
                     <m:sSup>
                       <m:sSupPr>
                         <m:ctrlPr>
-                          <a:rPr lang="sk-SK" i="1">
+                          <a:rPr lang="sk-SK" i="1" smtClean="0">
                             <a:latin typeface="Cambria Math" panose="02040503050406030204" pitchFamily="18" charset="0"/>
                           </a:rPr>
                         </m:ctrlPr>
@@ -37821,6 +38282,107 @@
                     </m:sSup>
                   </m:oMath>
                 </a14:m>
+                <a:endParaRPr lang="sk-SK" dirty="0" smtClean="0"/>
+              </a:p>
+              <a:p>
+                <a:pPr>
+                  <a:buFont typeface="Arial" panose="020B0604020202020204" pitchFamily="34" charset="0"/>
+                  <a:buChar char="•"/>
+                </a:pPr>
+                <a:r>
+                  <a:rPr lang="sk-SK" dirty="0" smtClean="0"/>
+                  <a:t>Kde </a:t>
+                </a:r>
+                <a14:m>
+                  <m:oMath xmlns:m="http://schemas.openxmlformats.org/officeDocument/2006/math">
+                    <m:sSub>
+                      <m:sSubPr>
+                        <m:ctrlPr>
+                          <a:rPr lang="sk-SK" i="1" smtClean="0">
+                            <a:latin typeface="Cambria Math" panose="02040503050406030204" pitchFamily="18" charset="0"/>
+                          </a:rPr>
+                        </m:ctrlPr>
+                      </m:sSubPr>
+                      <m:e>
+                        <m:r>
+                          <a:rPr lang="sk-SK" b="0" i="1" smtClean="0">
+                            <a:latin typeface="Cambria Math" panose="02040503050406030204" pitchFamily="18" charset="0"/>
+                          </a:rPr>
+                          <m:t>𝑦</m:t>
+                        </m:r>
+                      </m:e>
+                      <m:sub>
+                        <m:r>
+                          <a:rPr lang="sk-SK" b="0" i="1" smtClean="0">
+                            <a:latin typeface="Cambria Math" panose="02040503050406030204" pitchFamily="18" charset="0"/>
+                          </a:rPr>
+                          <m:t>(</m:t>
+                        </m:r>
+                        <m:r>
+                          <a:rPr lang="sk-SK" b="0" i="1" smtClean="0">
+                            <a:latin typeface="Cambria Math" panose="02040503050406030204" pitchFamily="18" charset="0"/>
+                          </a:rPr>
+                          <m:t>𝑡</m:t>
+                        </m:r>
+                        <m:r>
+                          <a:rPr lang="sk-SK" b="0" i="1" smtClean="0">
+                            <a:latin typeface="Cambria Math" panose="02040503050406030204" pitchFamily="18" charset="0"/>
+                          </a:rPr>
+                          <m:t>)</m:t>
+                        </m:r>
+                      </m:sub>
+                    </m:sSub>
+                  </m:oMath>
+                </a14:m>
+                <a:r>
+                  <a:rPr lang="sk-SK" dirty="0" smtClean="0"/>
+                  <a:t> je výstup a </a:t>
+                </a:r>
+                <a14:m>
+                  <m:oMath xmlns:m="http://schemas.openxmlformats.org/officeDocument/2006/math">
+                    <m:sSub>
+                      <m:sSubPr>
+                        <m:ctrlPr>
+                          <a:rPr lang="sk-SK" i="1">
+                            <a:latin typeface="Cambria Math" panose="02040503050406030204" pitchFamily="18" charset="0"/>
+                          </a:rPr>
+                        </m:ctrlPr>
+                      </m:sSubPr>
+                      <m:e>
+                        <m:r>
+                          <a:rPr lang="sk-SK" b="0" i="1" smtClean="0">
+                            <a:latin typeface="Cambria Math" panose="02040503050406030204" pitchFamily="18" charset="0"/>
+                          </a:rPr>
+                          <m:t>𝑢</m:t>
+                        </m:r>
+                      </m:e>
+                      <m:sub>
+                        <m:r>
+                          <a:rPr lang="sk-SK" i="1">
+                            <a:latin typeface="Cambria Math" panose="02040503050406030204" pitchFamily="18" charset="0"/>
+                          </a:rPr>
+                          <m:t>(</m:t>
+                        </m:r>
+                        <m:r>
+                          <a:rPr lang="sk-SK" i="1">
+                            <a:latin typeface="Cambria Math" panose="02040503050406030204" pitchFamily="18" charset="0"/>
+                          </a:rPr>
+                          <m:t>𝑡</m:t>
+                        </m:r>
+                        <m:r>
+                          <a:rPr lang="sk-SK" i="1">
+                            <a:latin typeface="Cambria Math" panose="02040503050406030204" pitchFamily="18" charset="0"/>
+                          </a:rPr>
+                          <m:t>)</m:t>
+                        </m:r>
+                      </m:sub>
+                    </m:sSub>
+                  </m:oMath>
+                </a14:m>
+                <a:r>
+                  <a:rPr lang="sk-SK" dirty="0" smtClean="0"/>
+                  <a:t> je vstup</a:t>
+                </a:r>
                 <a:endParaRPr lang="sk-SK" dirty="0" smtClean="0"/>
               </a:p>
               <a:p>
@@ -37992,7 +38554,7 @@
             </p:txBody>
           </p:sp>
         </mc:Choice>
-        <mc:Fallback xmlns="">
+        <mc:Fallback>
           <p:sp>
             <p:nvSpPr>
               <p:cNvPr id="3" name="Zástupný symbol obsahu 2"/>
@@ -38004,10 +38566,14 @@
               </p:nvPr>
             </p:nvSpPr>
             <p:spPr>
+              <a:xfrm>
+                <a:off x="327796" y="1040446"/>
+                <a:ext cx="8356599" cy="5195254"/>
+              </a:xfrm>
               <a:blipFill rotWithShape="0">
                 <a:blip r:embed="rId2"/>
                 <a:stretch>
-                  <a:fillRect l="-1679" t="-1526"/>
+                  <a:fillRect l="-1678" t="-1995"/>
                 </a:stretch>
               </a:blipFill>
             </p:spPr>
@@ -38744,7 +39310,56 @@
           <a:bodyPr/>
           <a:lstStyle/>
           <a:p>
-            <a:endParaRPr lang="sk-SK"/>
+            <a:pPr>
+              <a:buFont typeface="Arial" panose="020B0604020202020204" pitchFamily="34" charset="0"/>
+              <a:buChar char="•"/>
+            </a:pPr>
+            <a:r>
+              <a:rPr lang="sk-SK" dirty="0" smtClean="0"/>
+              <a:t>Grafická forma opisu systémov</a:t>
+            </a:r>
+          </a:p>
+          <a:p>
+            <a:pPr>
+              <a:buFont typeface="Arial" panose="020B0604020202020204" pitchFamily="34" charset="0"/>
+              <a:buChar char="•"/>
+            </a:pPr>
+            <a:r>
+              <a:rPr lang="sk-SK" dirty="0" smtClean="0"/>
+              <a:t>Môžeme ich získavať meraním na reálnom systéme</a:t>
+            </a:r>
+            <a:endParaRPr lang="sk-SK" dirty="0" smtClean="0"/>
+          </a:p>
+          <a:p>
+            <a:pPr>
+              <a:buFont typeface="Arial" panose="020B0604020202020204" pitchFamily="34" charset="0"/>
+              <a:buChar char="•"/>
+            </a:pPr>
+            <a:r>
+              <a:rPr lang="sk-SK" dirty="0" smtClean="0"/>
+              <a:t>Z ich priebehu vieme identifikovať prenos systému (predmet Identifikácia systémov)</a:t>
+            </a:r>
+            <a:endParaRPr lang="sk-SK" dirty="0"/>
+          </a:p>
+          <a:p>
+            <a:pPr>
+              <a:buFont typeface="Arial" panose="020B0604020202020204" pitchFamily="34" charset="0"/>
+              <a:buChar char="•"/>
+            </a:pPr>
+            <a:r>
+              <a:rPr lang="sk-SK" dirty="0" smtClean="0"/>
+              <a:t>Ich priebeh dáva inžinierovi prvotnú informáciu o systéme</a:t>
+            </a:r>
+          </a:p>
+          <a:p>
+            <a:pPr>
+              <a:buFont typeface="Arial" panose="020B0604020202020204" pitchFamily="34" charset="0"/>
+              <a:buChar char="•"/>
+            </a:pPr>
+            <a:r>
+              <a:rPr lang="sk-SK" dirty="0" smtClean="0"/>
+              <a:t>Sú nositeľmi informácie o dynamike systému </a:t>
+            </a:r>
           </a:p>
         </p:txBody>
       </p:sp>
@@ -38801,25 +39416,318 @@
           </a:p>
         </p:txBody>
       </p:sp>
-      <p:sp>
-        <p:nvSpPr>
-          <p:cNvPr id="3" name="Zástupný symbol obsahu 2"/>
-          <p:cNvSpPr>
-            <a:spLocks noGrp="1"/>
-          </p:cNvSpPr>
-          <p:nvPr>
-            <p:ph idx="1"/>
-          </p:nvPr>
-        </p:nvSpPr>
-        <p:spPr/>
-        <p:txBody>
-          <a:bodyPr/>
-          <a:lstStyle/>
-          <a:p>
-            <a:endParaRPr lang="sk-SK"/>
-          </a:p>
-        </p:txBody>
-      </p:sp>
+      <mc:AlternateContent xmlns:mc="http://schemas.openxmlformats.org/markup-compatibility/2006">
+        <mc:Choice xmlns:a14="http://schemas.microsoft.com/office/drawing/2010/main" Requires="a14">
+          <p:sp>
+            <p:nvSpPr>
+              <p:cNvPr id="3" name="Zástupný symbol obsahu 2"/>
+              <p:cNvSpPr>
+                <a:spLocks noGrp="1"/>
+              </p:cNvSpPr>
+              <p:nvPr>
+                <p:ph idx="1"/>
+              </p:nvPr>
+            </p:nvSpPr>
+            <p:spPr/>
+            <p:txBody>
+              <a:bodyPr>
+                <a:normAutofit fontScale="92500" lnSpcReduction="10000"/>
+              </a:bodyPr>
+              <a:lstStyle/>
+              <a:p>
+                <a:pPr>
+                  <a:buFont typeface="Arial" panose="020B0604020202020204" pitchFamily="34" charset="0"/>
+                  <a:buChar char="•"/>
+                </a:pPr>
+                <a:r>
+                  <a:rPr lang="sk-SK" dirty="0" smtClean="0"/>
+                  <a:t>Reakcia dynamického systému na </a:t>
+                </a:r>
+                <a:r>
+                  <a:rPr lang="sk-SK" dirty="0" err="1" smtClean="0"/>
+                  <a:t>Dirackov</a:t>
+                </a:r>
+                <a:r>
+                  <a:rPr lang="sk-SK" dirty="0" smtClean="0"/>
+                  <a:t> impulz (impulz nekonečnej výšky a nulovej šírky)</a:t>
+                </a:r>
+              </a:p>
+              <a:p>
+                <a:pPr>
+                  <a:buFont typeface="Arial" panose="020B0604020202020204" pitchFamily="34" charset="0"/>
+                  <a:buChar char="•"/>
+                </a:pPr>
+                <a:r>
+                  <a:rPr lang="sk-SK" dirty="0" smtClean="0"/>
+                  <a:t>V praxi jej meranie nie je realizovateľné (nekonečne veľký signál nevieme zabezpečiť) !!!</a:t>
+                </a:r>
+              </a:p>
+              <a:p>
+                <a:pPr>
+                  <a:buFont typeface="Arial" panose="020B0604020202020204" pitchFamily="34" charset="0"/>
+                  <a:buChar char="•"/>
+                </a:pPr>
+                <a:r>
+                  <a:rPr lang="sk-SK" dirty="0" smtClean="0"/>
+                  <a:t>Vhodná abstrakcia na popis dynamiky systémov – obsahuje úplnú informáciu o dynamike systému</a:t>
+                </a:r>
+              </a:p>
+              <a:p>
+                <a:pPr>
+                  <a:buFont typeface="Arial" panose="020B0604020202020204" pitchFamily="34" charset="0"/>
+                  <a:buChar char="•"/>
+                </a:pPr>
+                <a:r>
+                  <a:rPr lang="sk-SK" dirty="0" err="1" smtClean="0"/>
+                  <a:t>Dirackov</a:t>
+                </a:r>
+                <a:r>
+                  <a:rPr lang="sk-SK" dirty="0" smtClean="0"/>
+                  <a:t> impulz je dostatočne vybudzujúcim signálom – obsahuje celé frekvenčné spektrum</a:t>
+                </a:r>
+              </a:p>
+              <a:p>
+                <a:pPr>
+                  <a:buFont typeface="Arial" panose="020B0604020202020204" pitchFamily="34" charset="0"/>
+                  <a:buChar char="•"/>
+                </a:pPr>
+                <a:r>
+                  <a:rPr lang="sk-SK" dirty="0" smtClean="0"/>
+                  <a:t>Za vstup do systému teda považujeme obraz </a:t>
+                </a:r>
+                <a:r>
+                  <a:rPr lang="sk-SK" dirty="0" err="1" smtClean="0"/>
+                  <a:t>Dirackovho</a:t>
+                </a:r>
+                <a:r>
+                  <a:rPr lang="sk-SK" dirty="0" smtClean="0"/>
+                  <a:t> impulzu </a:t>
+                </a:r>
+                <a14:m>
+                  <m:oMath xmlns:m="http://schemas.openxmlformats.org/officeDocument/2006/math">
+                    <m:r>
+                      <a:rPr lang="sk-SK" b="0" i="1" smtClean="0">
+                        <a:latin typeface="Cambria Math" panose="02040503050406030204" pitchFamily="18" charset="0"/>
+                      </a:rPr>
+                      <m:t>𝑈</m:t>
+                    </m:r>
+                    <m:d>
+                      <m:dPr>
+                        <m:ctrlPr>
+                          <a:rPr lang="sk-SK" b="0" i="1" smtClean="0">
+                            <a:latin typeface="Cambria Math" panose="02040503050406030204" pitchFamily="18" charset="0"/>
+                          </a:rPr>
+                        </m:ctrlPr>
+                      </m:dPr>
+                      <m:e>
+                        <m:r>
+                          <a:rPr lang="sk-SK" b="0" i="1" smtClean="0">
+                            <a:latin typeface="Cambria Math" panose="02040503050406030204" pitchFamily="18" charset="0"/>
+                          </a:rPr>
+                          <m:t>𝑠</m:t>
+                        </m:r>
+                      </m:e>
+                    </m:d>
+                    <m:r>
+                      <a:rPr lang="sk-SK" b="0" i="1" smtClean="0">
+                        <a:latin typeface="Cambria Math" panose="02040503050406030204" pitchFamily="18" charset="0"/>
+                      </a:rPr>
+                      <m:t>=1</m:t>
+                    </m:r>
+                  </m:oMath>
+                </a14:m>
+                <a:endParaRPr lang="sk-SK" b="0" dirty="0" smtClean="0"/>
+              </a:p>
+              <a:p>
+                <a:pPr>
+                  <a:buFont typeface="Arial" panose="020B0604020202020204" pitchFamily="34" charset="0"/>
+                  <a:buChar char="•"/>
+                </a:pPr>
+                <a:r>
+                  <a:rPr lang="sk-SK" dirty="0" smtClean="0"/>
+                  <a:t>Obraz impulznej charakteristiky systému je potom </a:t>
+                </a:r>
+                <a:r>
+                  <a:rPr lang="sk-SK" u="sng" dirty="0" smtClean="0"/>
+                  <a:t>jednoducho </a:t>
+                </a:r>
+                <a:r>
+                  <a:rPr lang="sk-SK" u="sng" dirty="0" err="1" smtClean="0"/>
+                  <a:t>Laplaceovým</a:t>
+                </a:r>
+                <a:r>
+                  <a:rPr lang="sk-SK" u="sng" dirty="0" smtClean="0"/>
+                  <a:t> obrazom samotnej prenosovej funkcie</a:t>
+                </a:r>
+              </a:p>
+              <a:p>
+                <a:pPr>
+                  <a:buFont typeface="Arial" panose="020B0604020202020204" pitchFamily="34" charset="0"/>
+                  <a:buChar char="•"/>
+                </a:pPr>
+                <a:r>
+                  <a:rPr lang="sk-SK" dirty="0" smtClean="0"/>
+                  <a:t>Z impulznej charakteristiky vieme vypočítať odozvu na ľubovoľný signál – pomocou operácie nazývanej </a:t>
+                </a:r>
+                <a:r>
+                  <a:rPr lang="sk-SK" u="sng" dirty="0" err="1" smtClean="0"/>
+                  <a:t>konvolúcia</a:t>
+                </a:r>
+                <a:r>
+                  <a:rPr lang="sk-SK" u="sng" dirty="0" smtClean="0"/>
+                  <a:t>.</a:t>
+                </a:r>
+              </a:p>
+              <a:p>
+                <a:pPr>
+                  <a:buFont typeface="Arial" panose="020B0604020202020204" pitchFamily="34" charset="0"/>
+                  <a:buChar char="•"/>
+                </a:pPr>
+                <a:r>
+                  <a:rPr lang="sk-SK" dirty="0" err="1" smtClean="0"/>
+                  <a:t>Konvolúciu</a:t>
+                </a:r>
+                <a:r>
+                  <a:rPr lang="sk-SK" dirty="0" smtClean="0"/>
+                  <a:t> vlastne realizujeme ak násobíme prenosovú funkciu vstupným signálom – nakoľko je prenosová funkcia obrazom impulznej charakteristiky a operácia </a:t>
+                </a:r>
+                <a:r>
+                  <a:rPr lang="sk-SK" dirty="0" err="1" smtClean="0"/>
+                  <a:t>konvolúcie</a:t>
+                </a:r>
+                <a:r>
+                  <a:rPr lang="sk-SK" dirty="0" smtClean="0"/>
+                  <a:t> má obraz </a:t>
+                </a:r>
+                <a14:m>
+                  <m:oMath xmlns:m="http://schemas.openxmlformats.org/officeDocument/2006/math">
+                    <m:r>
+                      <a:rPr lang="sk-SK" b="0" i="1" smtClean="0">
+                        <a:latin typeface="Cambria Math" panose="02040503050406030204" pitchFamily="18" charset="0"/>
+                      </a:rPr>
+                      <m:t>𝐹</m:t>
+                    </m:r>
+                    <m:d>
+                      <m:dPr>
+                        <m:ctrlPr>
+                          <a:rPr lang="sk-SK" b="0" i="1" smtClean="0">
+                            <a:latin typeface="Cambria Math" panose="02040503050406030204" pitchFamily="18" charset="0"/>
+                          </a:rPr>
+                        </m:ctrlPr>
+                      </m:dPr>
+                      <m:e>
+                        <m:r>
+                          <a:rPr lang="sk-SK" b="0" i="1" smtClean="0">
+                            <a:latin typeface="Cambria Math" panose="02040503050406030204" pitchFamily="18" charset="0"/>
+                          </a:rPr>
+                          <m:t>𝑠</m:t>
+                        </m:r>
+                      </m:e>
+                    </m:d>
+                    <m:r>
+                      <a:rPr lang="sk-SK" b="0" i="1" smtClean="0">
+                        <a:latin typeface="Cambria Math" panose="02040503050406030204" pitchFamily="18" charset="0"/>
+                        <a:ea typeface="Cambria Math" panose="02040503050406030204" pitchFamily="18" charset="0"/>
+                      </a:rPr>
+                      <m:t>∙</m:t>
+                    </m:r>
+                    <m:r>
+                      <a:rPr lang="sk-SK" b="0" i="1" smtClean="0">
+                        <a:latin typeface="Cambria Math" panose="02040503050406030204" pitchFamily="18" charset="0"/>
+                        <a:ea typeface="Cambria Math" panose="02040503050406030204" pitchFamily="18" charset="0"/>
+                      </a:rPr>
+                      <m:t>𝐺</m:t>
+                    </m:r>
+                    <m:r>
+                      <a:rPr lang="sk-SK" b="0" i="1" smtClean="0">
+                        <a:latin typeface="Cambria Math" panose="02040503050406030204" pitchFamily="18" charset="0"/>
+                        <a:ea typeface="Cambria Math" panose="02040503050406030204" pitchFamily="18" charset="0"/>
+                      </a:rPr>
+                      <m:t>(</m:t>
+                    </m:r>
+                    <m:r>
+                      <a:rPr lang="sk-SK" b="0" i="1" smtClean="0">
+                        <a:latin typeface="Cambria Math" panose="02040503050406030204" pitchFamily="18" charset="0"/>
+                        <a:ea typeface="Cambria Math" panose="02040503050406030204" pitchFamily="18" charset="0"/>
+                      </a:rPr>
+                      <m:t>𝑠</m:t>
+                    </m:r>
+                    <m:r>
+                      <a:rPr lang="sk-SK" b="0" i="1" smtClean="0">
+                        <a:latin typeface="Cambria Math" panose="02040503050406030204" pitchFamily="18" charset="0"/>
+                        <a:ea typeface="Cambria Math" panose="02040503050406030204" pitchFamily="18" charset="0"/>
+                      </a:rPr>
+                      <m:t>)</m:t>
+                    </m:r>
+                  </m:oMath>
+                </a14:m>
+                <a:endParaRPr lang="sk-SK" dirty="0" smtClean="0"/>
+              </a:p>
+              <a:p>
+                <a:pPr>
+                  <a:buFont typeface="Arial" panose="020B0604020202020204" pitchFamily="34" charset="0"/>
+                  <a:buChar char="•"/>
+                </a:pPr>
+                <a:endParaRPr lang="sk-SK" dirty="0" smtClean="0"/>
+              </a:p>
+              <a:p>
+                <a:pPr>
+                  <a:buFont typeface="Arial" panose="020B0604020202020204" pitchFamily="34" charset="0"/>
+                  <a:buChar char="•"/>
+                </a:pPr>
+                <a:endParaRPr lang="sk-SK" dirty="0" smtClean="0"/>
+              </a:p>
+              <a:p>
+                <a:pPr>
+                  <a:buFont typeface="Arial" panose="020B0604020202020204" pitchFamily="34" charset="0"/>
+                  <a:buChar char="•"/>
+                </a:pPr>
+                <a:endParaRPr lang="sk-SK" dirty="0" smtClean="0"/>
+              </a:p>
+              <a:p>
+                <a:pPr>
+                  <a:buFont typeface="Arial" panose="020B0604020202020204" pitchFamily="34" charset="0"/>
+                  <a:buChar char="•"/>
+                </a:pPr>
+                <a:endParaRPr lang="sk-SK" dirty="0"/>
+              </a:p>
+            </p:txBody>
+          </p:sp>
+        </mc:Choice>
+        <mc:Fallback>
+          <p:sp>
+            <p:nvSpPr>
+              <p:cNvPr id="3" name="Zástupný symbol obsahu 2"/>
+              <p:cNvSpPr>
+                <a:spLocks noGrp="1" noRot="1" noChangeAspect="1" noMove="1" noResize="1" noEditPoints="1" noAdjustHandles="1" noChangeArrowheads="1" noChangeShapeType="1" noTextEdit="1"/>
+              </p:cNvSpPr>
+              <p:nvPr>
+                <p:ph idx="1"/>
+              </p:nvPr>
+            </p:nvSpPr>
+            <p:spPr>
+              <a:blipFill rotWithShape="0">
+                <a:blip r:embed="rId2"/>
+                <a:stretch>
+                  <a:fillRect l="-1679" t="-1526" r="-730"/>
+                </a:stretch>
+              </a:blipFill>
+            </p:spPr>
+            <p:txBody>
+              <a:bodyPr/>
+              <a:lstStyle/>
+              <a:p>
+                <a:r>
+                  <a:rPr lang="sk-SK">
+                    <a:noFill/>
+                  </a:rPr>
+                  <a:t> </a:t>
+                </a:r>
+              </a:p>
+            </p:txBody>
+          </p:sp>
+        </mc:Fallback>
+      </mc:AlternateContent>
     </p:spTree>
     <p:extLst>
       <p:ext uri="{BB962C8B-B14F-4D97-AF65-F5344CB8AC3E}">
@@ -38866,36 +39774,296 @@
           <a:lstStyle/>
           <a:p>
             <a:r>
+              <a:rPr lang="sk-SK" dirty="0"/>
+              <a:t>Impulzná </a:t>
+            </a:r>
+            <a:r>
               <a:rPr lang="sk-SK" dirty="0" smtClean="0"/>
-              <a:t>Prechodová charakteristika</a:t>
+              <a:t>charakteristika - príklad</a:t>
             </a:r>
             <a:endParaRPr lang="sk-SK" dirty="0"/>
           </a:p>
         </p:txBody>
       </p:sp>
+      <mc:AlternateContent xmlns:mc="http://schemas.openxmlformats.org/markup-compatibility/2006">
+        <mc:Choice xmlns:a14="http://schemas.microsoft.com/office/drawing/2010/main" Requires="a14">
+          <p:sp>
+            <p:nvSpPr>
+              <p:cNvPr id="3" name="Zástupný symbol obsahu 2"/>
+              <p:cNvSpPr>
+                <a:spLocks noGrp="1"/>
+              </p:cNvSpPr>
+              <p:nvPr>
+                <p:ph idx="1"/>
+              </p:nvPr>
+            </p:nvSpPr>
+            <p:spPr/>
+            <p:txBody>
+              <a:bodyPr/>
+              <a:lstStyle/>
+              <a:p>
+                <a:pPr>
+                  <a:buFont typeface="Arial" panose="020B0604020202020204" pitchFamily="34" charset="0"/>
+                  <a:buChar char="•"/>
+                </a:pPr>
+                <a:r>
+                  <a:rPr lang="sk-SK" dirty="0" smtClean="0"/>
+                  <a:t>Impulzná charakteristika systému s prenosovou funkciou:</a:t>
+                </a:r>
+              </a:p>
+              <a:p>
+                <a:pPr>
+                  <a:buFont typeface="Arial" panose="020B0604020202020204" pitchFamily="34" charset="0"/>
+                  <a:buChar char="•"/>
+                </a:pPr>
+                <a:endParaRPr lang="sk-SK" dirty="0" smtClean="0"/>
+              </a:p>
+              <a:p>
+                <a:pPr marL="0" indent="0">
+                  <a:buNone/>
+                </a:pPr>
+                <a14:m>
+                  <m:oMathPara xmlns:m="http://schemas.openxmlformats.org/officeDocument/2006/math">
+                    <m:oMathParaPr>
+                      <m:jc m:val="centerGroup"/>
+                    </m:oMathParaPr>
+                    <m:oMath xmlns:m="http://schemas.openxmlformats.org/officeDocument/2006/math">
+                      <m:r>
+                        <a:rPr lang="sk-SK" b="0" i="1" smtClean="0">
+                          <a:latin typeface="Cambria Math" panose="02040503050406030204" pitchFamily="18" charset="0"/>
+                        </a:rPr>
+                        <m:t>𝐹</m:t>
+                      </m:r>
+                      <m:d>
+                        <m:dPr>
+                          <m:ctrlPr>
+                            <a:rPr lang="sk-SK" b="0" i="1" smtClean="0">
+                              <a:latin typeface="Cambria Math" panose="02040503050406030204" pitchFamily="18" charset="0"/>
+                            </a:rPr>
+                          </m:ctrlPr>
+                        </m:dPr>
+                        <m:e>
+                          <m:r>
+                            <a:rPr lang="sk-SK" b="0" i="1" smtClean="0">
+                              <a:latin typeface="Cambria Math" panose="02040503050406030204" pitchFamily="18" charset="0"/>
+                            </a:rPr>
+                            <m:t>𝑠</m:t>
+                          </m:r>
+                        </m:e>
+                      </m:d>
+                      <m:r>
+                        <a:rPr lang="sk-SK" b="0" i="1" smtClean="0">
+                          <a:latin typeface="Cambria Math" panose="02040503050406030204" pitchFamily="18" charset="0"/>
+                        </a:rPr>
+                        <m:t>=</m:t>
+                      </m:r>
+                      <m:f>
+                        <m:fPr>
+                          <m:ctrlPr>
+                            <a:rPr lang="sk-SK" b="0" i="1" smtClean="0">
+                              <a:latin typeface="Cambria Math" panose="02040503050406030204" pitchFamily="18" charset="0"/>
+                            </a:rPr>
+                          </m:ctrlPr>
+                        </m:fPr>
+                        <m:num>
+                          <m:r>
+                            <a:rPr lang="sk-SK" b="0" i="1" smtClean="0">
+                              <a:latin typeface="Cambria Math" panose="02040503050406030204" pitchFamily="18" charset="0"/>
+                            </a:rPr>
+                            <m:t>1</m:t>
+                          </m:r>
+                        </m:num>
+                        <m:den>
+                          <m:sSup>
+                            <m:sSupPr>
+                              <m:ctrlPr>
+                                <a:rPr lang="sk-SK" b="0" i="1" smtClean="0">
+                                  <a:latin typeface="Cambria Math" panose="02040503050406030204" pitchFamily="18" charset="0"/>
+                                </a:rPr>
+                              </m:ctrlPr>
+                            </m:sSupPr>
+                            <m:e>
+                              <m:r>
+                                <a:rPr lang="sk-SK" b="0" i="1" smtClean="0">
+                                  <a:latin typeface="Cambria Math" panose="02040503050406030204" pitchFamily="18" charset="0"/>
+                                </a:rPr>
+                                <m:t>2</m:t>
+                              </m:r>
+                              <m:r>
+                                <a:rPr lang="sk-SK" b="0" i="1" smtClean="0">
+                                  <a:latin typeface="Cambria Math" panose="02040503050406030204" pitchFamily="18" charset="0"/>
+                                </a:rPr>
+                                <m:t>𝑠</m:t>
+                              </m:r>
+                            </m:e>
+                            <m:sup>
+                              <m:r>
+                                <a:rPr lang="sk-SK" b="0" i="1" smtClean="0">
+                                  <a:latin typeface="Cambria Math" panose="02040503050406030204" pitchFamily="18" charset="0"/>
+                                </a:rPr>
+                                <m:t>2</m:t>
+                              </m:r>
+                            </m:sup>
+                          </m:sSup>
+                          <m:r>
+                            <a:rPr lang="sk-SK" b="0" i="1" smtClean="0">
+                              <a:latin typeface="Cambria Math" panose="02040503050406030204" pitchFamily="18" charset="0"/>
+                            </a:rPr>
+                            <m:t>+2</m:t>
+                          </m:r>
+                          <m:r>
+                            <a:rPr lang="sk-SK" b="0" i="1" smtClean="0">
+                              <a:latin typeface="Cambria Math" panose="02040503050406030204" pitchFamily="18" charset="0"/>
+                            </a:rPr>
+                            <m:t>𝑠</m:t>
+                          </m:r>
+                          <m:r>
+                            <a:rPr lang="sk-SK" b="0" i="1" smtClean="0">
+                              <a:latin typeface="Cambria Math" panose="02040503050406030204" pitchFamily="18" charset="0"/>
+                            </a:rPr>
+                            <m:t>+1</m:t>
+                          </m:r>
+                        </m:den>
+                      </m:f>
+                    </m:oMath>
+                  </m:oMathPara>
+                </a14:m>
+                <a:endParaRPr lang="sk-SK" dirty="0" smtClean="0"/>
+              </a:p>
+              <a:p>
+                <a:pPr lvl="1"/>
+                <a:endParaRPr lang="sk-SK" dirty="0" smtClean="0"/>
+              </a:p>
+              <a:p>
+                <a:pPr lvl="1"/>
+                <a:endParaRPr lang="sk-SK" dirty="0"/>
+              </a:p>
+            </p:txBody>
+          </p:sp>
+        </mc:Choice>
+        <mc:Fallback>
+          <p:sp>
+            <p:nvSpPr>
+              <p:cNvPr id="3" name="Zástupný symbol obsahu 2"/>
+              <p:cNvSpPr>
+                <a:spLocks noGrp="1" noRot="1" noChangeAspect="1" noMove="1" noResize="1" noEditPoints="1" noAdjustHandles="1" noChangeArrowheads="1" noChangeShapeType="1" noTextEdit="1"/>
+              </p:cNvSpPr>
+              <p:nvPr>
+                <p:ph idx="1"/>
+              </p:nvPr>
+            </p:nvSpPr>
+            <p:spPr>
+              <a:blipFill rotWithShape="0">
+                <a:blip r:embed="rId2"/>
+                <a:stretch>
+                  <a:fillRect l="-1752" t="-1291"/>
+                </a:stretch>
+              </a:blipFill>
+            </p:spPr>
+            <p:txBody>
+              <a:bodyPr/>
+              <a:lstStyle/>
+              <a:p>
+                <a:r>
+                  <a:rPr lang="sk-SK">
+                    <a:noFill/>
+                  </a:rPr>
+                  <a:t> </a:t>
+                </a:r>
+              </a:p>
+            </p:txBody>
+          </p:sp>
+        </mc:Fallback>
+      </mc:AlternateContent>
+      <p:pic>
+        <p:nvPicPr>
+          <p:cNvPr id="5" name="Obrázok 4"/>
+          <p:cNvPicPr>
+            <a:picLocks noChangeAspect="1"/>
+          </p:cNvPicPr>
+          <p:nvPr/>
+        </p:nvPicPr>
+        <p:blipFill>
+          <a:blip r:embed="rId3"/>
+          <a:stretch>
+            <a:fillRect/>
+          </a:stretch>
+        </p:blipFill>
+        <p:spPr>
+          <a:xfrm>
+            <a:off x="1081525" y="2529080"/>
+            <a:ext cx="6980945" cy="4237480"/>
+          </a:xfrm>
+          <a:prstGeom prst="rect">
+            <a:avLst/>
+          </a:prstGeom>
+        </p:spPr>
+      </p:pic>
       <p:sp>
         <p:nvSpPr>
-          <p:cNvPr id="3" name="Zástupný symbol obsahu 2"/>
-          <p:cNvSpPr>
-            <a:spLocks noGrp="1"/>
-          </p:cNvSpPr>
-          <p:nvPr>
-            <p:ph idx="1"/>
-          </p:nvPr>
+          <p:cNvPr id="6" name="BlokTextu 5"/>
+          <p:cNvSpPr txBox="1"/>
+          <p:nvPr/>
         </p:nvSpPr>
-        <p:spPr/>
+        <p:spPr>
+          <a:xfrm>
+            <a:off x="408468" y="1729741"/>
+            <a:ext cx="1767840" cy="1200329"/>
+          </a:xfrm>
+          <a:prstGeom prst="rect">
+            <a:avLst/>
+          </a:prstGeom>
+          <a:noFill/>
+        </p:spPr>
         <p:txBody>
-          <a:bodyPr/>
+          <a:bodyPr wrap="square" rtlCol="0">
+            <a:spAutoFit/>
+          </a:bodyPr>
           <a:lstStyle/>
           <a:p>
-            <a:endParaRPr lang="sk-SK"/>
+            <a:r>
+              <a:rPr lang="sk-SK" dirty="0" err="1"/>
+              <a:t>Matlab</a:t>
+            </a:r>
+            <a:r>
+              <a:rPr lang="sk-SK" dirty="0"/>
+              <a:t>:</a:t>
+            </a:r>
+            <a:endParaRPr lang="en-US" dirty="0"/>
+          </a:p>
+          <a:p>
+            <a:r>
+              <a:rPr lang="sk-SK" dirty="0"/>
+              <a:t>F=</a:t>
+            </a:r>
+            <a:r>
+              <a:rPr lang="sk-SK" dirty="0" err="1"/>
+              <a:t>tf</a:t>
+            </a:r>
+            <a:r>
+              <a:rPr lang="sk-SK" dirty="0"/>
+              <a:t>([1],[2,2,1]);</a:t>
+            </a:r>
+          </a:p>
+          <a:p>
+            <a:r>
+              <a:rPr lang="sk-SK" dirty="0" err="1"/>
+              <a:t>impulse</a:t>
+            </a:r>
+            <a:r>
+              <a:rPr lang="sk-SK" dirty="0"/>
+              <a:t>(F);</a:t>
+            </a:r>
+          </a:p>
+          <a:p>
+            <a:endParaRPr lang="sk-SK" dirty="0"/>
           </a:p>
         </p:txBody>
       </p:sp>
     </p:spTree>
     <p:extLst>
       <p:ext uri="{BB962C8B-B14F-4D97-AF65-F5344CB8AC3E}">
-        <p14:creationId xmlns:p14="http://schemas.microsoft.com/office/powerpoint/2010/main" val="3343495099"/>
+        <p14:creationId xmlns:p14="http://schemas.microsoft.com/office/powerpoint/2010/main" val="1689770273"/>
       </p:ext>
     </p:extLst>
   </p:cSld>
@@ -38939,35 +40107,479 @@
           <a:p>
             <a:r>
               <a:rPr lang="sk-SK" dirty="0" smtClean="0"/>
-              <a:t>Vplyv pólov a núl na dynamiku systému</a:t>
+              <a:t>Prechodová charakteristika</a:t>
             </a:r>
             <a:endParaRPr lang="sk-SK" dirty="0"/>
           </a:p>
         </p:txBody>
       </p:sp>
-      <p:sp>
-        <p:nvSpPr>
-          <p:cNvPr id="3" name="Zástupný symbol obsahu 2"/>
-          <p:cNvSpPr>
-            <a:spLocks noGrp="1"/>
-          </p:cNvSpPr>
-          <p:nvPr>
-            <p:ph idx="1"/>
-          </p:nvPr>
-        </p:nvSpPr>
-        <p:spPr/>
-        <p:txBody>
-          <a:bodyPr/>
-          <a:lstStyle/>
-          <a:p>
-            <a:endParaRPr lang="sk-SK"/>
-          </a:p>
-        </p:txBody>
-      </p:sp>
+      <mc:AlternateContent xmlns:mc="http://schemas.openxmlformats.org/markup-compatibility/2006">
+        <mc:Choice xmlns:a14="http://schemas.microsoft.com/office/drawing/2010/main" Requires="a14">
+          <p:sp>
+            <p:nvSpPr>
+              <p:cNvPr id="3" name="Zástupný symbol obsahu 2"/>
+              <p:cNvSpPr>
+                <a:spLocks noGrp="1"/>
+              </p:cNvSpPr>
+              <p:nvPr>
+                <p:ph idx="1"/>
+              </p:nvPr>
+            </p:nvSpPr>
+            <p:spPr>
+              <a:xfrm>
+                <a:off x="393699" y="1040446"/>
+                <a:ext cx="8415021" cy="5291774"/>
+              </a:xfrm>
+            </p:spPr>
+            <p:txBody>
+              <a:bodyPr>
+                <a:normAutofit fontScale="92500" lnSpcReduction="20000"/>
+              </a:bodyPr>
+              <a:lstStyle/>
+              <a:p>
+                <a:pPr>
+                  <a:buFont typeface="Arial" panose="020B0604020202020204" pitchFamily="34" charset="0"/>
+                  <a:buChar char="•"/>
+                </a:pPr>
+                <a:r>
+                  <a:rPr lang="sk-SK" dirty="0" smtClean="0"/>
+                  <a:t>Reakcia dynamického systému na jednotkový skok</a:t>
+                </a:r>
+                <a:endParaRPr lang="sk-SK" dirty="0"/>
+              </a:p>
+              <a:p>
+                <a:pPr>
+                  <a:buFont typeface="Arial" panose="020B0604020202020204" pitchFamily="34" charset="0"/>
+                  <a:buChar char="•"/>
+                </a:pPr>
+                <a:r>
+                  <a:rPr lang="sk-SK" dirty="0"/>
+                  <a:t>V praxi ť</a:t>
+                </a:r>
+                <a:r>
+                  <a:rPr lang="sk-SK" dirty="0" smtClean="0"/>
+                  <a:t>ažko realizovateľné (nekonečne rýchla zmena signálu – nevieme zabezpečiť) </a:t>
+                </a:r>
+                <a:r>
+                  <a:rPr lang="sk-SK" dirty="0"/>
+                  <a:t>!!!</a:t>
+                </a:r>
+              </a:p>
+              <a:p>
+                <a:pPr>
+                  <a:buFont typeface="Arial" panose="020B0604020202020204" pitchFamily="34" charset="0"/>
+                  <a:buChar char="•"/>
+                </a:pPr>
+                <a:r>
+                  <a:rPr lang="sk-SK" dirty="0"/>
+                  <a:t>Vhodná abstrakcia na popis dynamiky systémov – obsahuje úplnú informáciu o dynamike systému</a:t>
+                </a:r>
+              </a:p>
+              <a:p>
+                <a:pPr>
+                  <a:buFont typeface="Arial" panose="020B0604020202020204" pitchFamily="34" charset="0"/>
+                  <a:buChar char="•"/>
+                </a:pPr>
+                <a:r>
+                  <a:rPr lang="sk-SK" dirty="0" smtClean="0"/>
+                  <a:t>Jednotkový skok </a:t>
+                </a:r>
+                <a:r>
+                  <a:rPr lang="sk-SK" dirty="0"/>
+                  <a:t>je dostatočne vybudzujúcim signálom – obsahuje </a:t>
+                </a:r>
+                <a:r>
+                  <a:rPr lang="sk-SK" dirty="0" smtClean="0"/>
+                  <a:t>celé </a:t>
+                </a:r>
+                <a:r>
+                  <a:rPr lang="sk-SK" dirty="0"/>
+                  <a:t>frekvenčné spektrum</a:t>
+                </a:r>
+              </a:p>
+              <a:p>
+                <a:pPr>
+                  <a:buFont typeface="Arial" panose="020B0604020202020204" pitchFamily="34" charset="0"/>
+                  <a:buChar char="•"/>
+                </a:pPr>
+                <a:r>
+                  <a:rPr lang="sk-SK" dirty="0"/>
+                  <a:t>Za vstup do systému </a:t>
+                </a:r>
+                <a14:m>
+                  <m:oMath xmlns:m="http://schemas.openxmlformats.org/officeDocument/2006/math">
+                    <m:r>
+                      <a:rPr lang="sk-SK" i="1">
+                        <a:latin typeface="Cambria Math" panose="02040503050406030204" pitchFamily="18" charset="0"/>
+                      </a:rPr>
+                      <m:t>𝐹</m:t>
+                    </m:r>
+                    <m:d>
+                      <m:dPr>
+                        <m:ctrlPr>
+                          <a:rPr lang="sk-SK" i="1">
+                            <a:latin typeface="Cambria Math" panose="02040503050406030204" pitchFamily="18" charset="0"/>
+                          </a:rPr>
+                        </m:ctrlPr>
+                      </m:dPr>
+                      <m:e>
+                        <m:r>
+                          <a:rPr lang="sk-SK" i="1">
+                            <a:latin typeface="Cambria Math" panose="02040503050406030204" pitchFamily="18" charset="0"/>
+                          </a:rPr>
+                          <m:t>𝑠</m:t>
+                        </m:r>
+                      </m:e>
+                    </m:d>
+                  </m:oMath>
+                </a14:m>
+                <a:r>
+                  <a:rPr lang="sk-SK" dirty="0" smtClean="0"/>
+                  <a:t> teda </a:t>
+                </a:r>
+                <a:r>
+                  <a:rPr lang="sk-SK" dirty="0"/>
+                  <a:t>považujeme obraz j</a:t>
+                </a:r>
+                <a:r>
+                  <a:rPr lang="sk-SK" dirty="0" smtClean="0"/>
+                  <a:t>ednotkového skoku </a:t>
+                </a:r>
+                <a14:m>
+                  <m:oMath xmlns:m="http://schemas.openxmlformats.org/officeDocument/2006/math">
+                    <m:r>
+                      <a:rPr lang="sk-SK" i="1">
+                        <a:latin typeface="Cambria Math" panose="02040503050406030204" pitchFamily="18" charset="0"/>
+                      </a:rPr>
+                      <m:t>𝑈</m:t>
+                    </m:r>
+                    <m:d>
+                      <m:dPr>
+                        <m:ctrlPr>
+                          <a:rPr lang="sk-SK" i="1">
+                            <a:latin typeface="Cambria Math" panose="02040503050406030204" pitchFamily="18" charset="0"/>
+                          </a:rPr>
+                        </m:ctrlPr>
+                      </m:dPr>
+                      <m:e>
+                        <m:r>
+                          <a:rPr lang="sk-SK" i="1">
+                            <a:latin typeface="Cambria Math" panose="02040503050406030204" pitchFamily="18" charset="0"/>
+                          </a:rPr>
+                          <m:t>𝑠</m:t>
+                        </m:r>
+                      </m:e>
+                    </m:d>
+                    <m:r>
+                      <a:rPr lang="sk-SK" i="1">
+                        <a:latin typeface="Cambria Math" panose="02040503050406030204" pitchFamily="18" charset="0"/>
+                      </a:rPr>
+                      <m:t>=</m:t>
+                    </m:r>
+                    <m:f>
+                      <m:fPr>
+                        <m:ctrlPr>
+                          <a:rPr lang="sk-SK" i="1" smtClean="0">
+                            <a:latin typeface="Cambria Math" panose="02040503050406030204" pitchFamily="18" charset="0"/>
+                          </a:rPr>
+                        </m:ctrlPr>
+                      </m:fPr>
+                      <m:num>
+                        <m:r>
+                          <a:rPr lang="sk-SK" b="0" i="1" smtClean="0">
+                            <a:latin typeface="Cambria Math" panose="02040503050406030204" pitchFamily="18" charset="0"/>
+                          </a:rPr>
+                          <m:t>1</m:t>
+                        </m:r>
+                      </m:num>
+                      <m:den>
+                        <m:r>
+                          <a:rPr lang="sk-SK" b="0" i="1" smtClean="0">
+                            <a:latin typeface="Cambria Math" panose="02040503050406030204" pitchFamily="18" charset="0"/>
+                          </a:rPr>
+                          <m:t>𝑠</m:t>
+                        </m:r>
+                      </m:den>
+                    </m:f>
+                  </m:oMath>
+                </a14:m>
+                <a:endParaRPr lang="sk-SK" dirty="0"/>
+              </a:p>
+              <a:p>
+                <a:pPr>
+                  <a:buFont typeface="Arial" panose="020B0604020202020204" pitchFamily="34" charset="0"/>
+                  <a:buChar char="•"/>
+                </a:pPr>
+                <a:r>
+                  <a:rPr lang="sk-SK" dirty="0"/>
+                  <a:t>Obraz </a:t>
+                </a:r>
+                <a:r>
+                  <a:rPr lang="sk-SK" dirty="0" smtClean="0"/>
+                  <a:t>prechodovej </a:t>
+                </a:r>
+                <a:r>
+                  <a:rPr lang="sk-SK" dirty="0"/>
+                  <a:t>charakteristiky systému je potom </a:t>
+                </a:r>
+                <a:r>
+                  <a:rPr lang="sk-SK" dirty="0" smtClean="0"/>
+                  <a:t>:</a:t>
+                </a:r>
+              </a:p>
+              <a:p>
+                <a:pPr marL="0" indent="0">
+                  <a:buNone/>
+                </a:pPr>
+                <a14:m>
+                  <m:oMathPara xmlns:m="http://schemas.openxmlformats.org/officeDocument/2006/math">
+                    <m:oMathParaPr>
+                      <m:jc m:val="centerGroup"/>
+                    </m:oMathParaPr>
+                    <m:oMath xmlns:m="http://schemas.openxmlformats.org/officeDocument/2006/math">
+                      <m:r>
+                        <a:rPr lang="sk-SK" b="0" i="1" smtClean="0">
+                          <a:latin typeface="Cambria Math" panose="02040503050406030204" pitchFamily="18" charset="0"/>
+                        </a:rPr>
+                        <m:t>𝐺</m:t>
+                      </m:r>
+                      <m:d>
+                        <m:dPr>
+                          <m:ctrlPr>
+                            <a:rPr lang="sk-SK" b="0" i="1" smtClean="0">
+                              <a:latin typeface="Cambria Math" panose="02040503050406030204" pitchFamily="18" charset="0"/>
+                            </a:rPr>
+                          </m:ctrlPr>
+                        </m:dPr>
+                        <m:e>
+                          <m:r>
+                            <a:rPr lang="sk-SK" b="0" i="1" smtClean="0">
+                              <a:latin typeface="Cambria Math" panose="02040503050406030204" pitchFamily="18" charset="0"/>
+                            </a:rPr>
+                            <m:t>𝑠</m:t>
+                          </m:r>
+                        </m:e>
+                      </m:d>
+                      <m:r>
+                        <a:rPr lang="sk-SK" b="0" i="1" smtClean="0">
+                          <a:latin typeface="Cambria Math" panose="02040503050406030204" pitchFamily="18" charset="0"/>
+                        </a:rPr>
+                        <m:t>=</m:t>
+                      </m:r>
+                      <m:f>
+                        <m:fPr>
+                          <m:ctrlPr>
+                            <a:rPr lang="sk-SK" i="1" smtClean="0">
+                              <a:latin typeface="Cambria Math" panose="02040503050406030204" pitchFamily="18" charset="0"/>
+                            </a:rPr>
+                          </m:ctrlPr>
+                        </m:fPr>
+                        <m:num>
+                          <m:r>
+                            <a:rPr lang="sk-SK" b="0" i="1" smtClean="0">
+                              <a:latin typeface="Cambria Math" panose="02040503050406030204" pitchFamily="18" charset="0"/>
+                            </a:rPr>
+                            <m:t>1</m:t>
+                          </m:r>
+                        </m:num>
+                        <m:den>
+                          <m:r>
+                            <a:rPr lang="sk-SK" b="0" i="1" smtClean="0">
+                              <a:latin typeface="Cambria Math" panose="02040503050406030204" pitchFamily="18" charset="0"/>
+                            </a:rPr>
+                            <m:t>𝑠</m:t>
+                          </m:r>
+                        </m:den>
+                      </m:f>
+                      <m:r>
+                        <a:rPr lang="sk-SK" b="0" i="1" smtClean="0">
+                          <a:latin typeface="Cambria Math" panose="02040503050406030204" pitchFamily="18" charset="0"/>
+                        </a:rPr>
+                        <m:t>𝐹</m:t>
+                      </m:r>
+                      <m:d>
+                        <m:dPr>
+                          <m:ctrlPr>
+                            <a:rPr lang="sk-SK" b="0" i="1" smtClean="0">
+                              <a:latin typeface="Cambria Math" panose="02040503050406030204" pitchFamily="18" charset="0"/>
+                            </a:rPr>
+                          </m:ctrlPr>
+                        </m:dPr>
+                        <m:e>
+                          <m:r>
+                            <a:rPr lang="sk-SK" b="0" i="1" smtClean="0">
+                              <a:latin typeface="Cambria Math" panose="02040503050406030204" pitchFamily="18" charset="0"/>
+                            </a:rPr>
+                            <m:t>𝑠</m:t>
+                          </m:r>
+                        </m:e>
+                      </m:d>
+                    </m:oMath>
+                  </m:oMathPara>
+                </a14:m>
+                <a:endParaRPr lang="sk-SK" b="0" dirty="0" smtClean="0"/>
+              </a:p>
+              <a:p>
+                <a:pPr>
+                  <a:buFont typeface="Arial" panose="020B0604020202020204" pitchFamily="34" charset="0"/>
+                  <a:buChar char="•"/>
+                </a:pPr>
+                <a:r>
+                  <a:rPr lang="sk-SK" dirty="0" smtClean="0"/>
+                  <a:t>Vzťah medzi prechodovou a impulznou charakteristikou:</a:t>
+                </a:r>
+              </a:p>
+              <a:p>
+                <a:pPr>
+                  <a:buFont typeface="Arial" panose="020B0604020202020204" pitchFamily="34" charset="0"/>
+                  <a:buChar char="•"/>
+                </a:pPr>
+                <a:r>
+                  <a:rPr lang="sk-SK" u="sng" dirty="0" smtClean="0"/>
+                  <a:t>Prechodová charakteristika je integrálom impulznej charakteristiky </a:t>
+                </a:r>
+              </a:p>
+              <a:p>
+                <a:pPr lvl="1">
+                  <a:lnSpc>
+                    <a:spcPct val="170000"/>
+                  </a:lnSpc>
+                </a:pPr>
+                <a:r>
+                  <a:rPr lang="sk-SK" dirty="0" smtClean="0"/>
+                  <a:t>Čo dáva zmysel pretože obraz integrálu je </a:t>
+                </a:r>
+                <a14:m>
+                  <m:oMath xmlns:m="http://schemas.openxmlformats.org/officeDocument/2006/math">
+                    <m:f>
+                      <m:fPr>
+                        <m:ctrlPr>
+                          <a:rPr lang="sk-SK" i="1">
+                            <a:latin typeface="Cambria Math" panose="02040503050406030204" pitchFamily="18" charset="0"/>
+                          </a:rPr>
+                        </m:ctrlPr>
+                      </m:fPr>
+                      <m:num>
+                        <m:r>
+                          <a:rPr lang="sk-SK" i="1">
+                            <a:latin typeface="Cambria Math" panose="02040503050406030204" pitchFamily="18" charset="0"/>
+                          </a:rPr>
+                          <m:t>1</m:t>
+                        </m:r>
+                      </m:num>
+                      <m:den>
+                        <m:r>
+                          <a:rPr lang="sk-SK" i="1">
+                            <a:latin typeface="Cambria Math" panose="02040503050406030204" pitchFamily="18" charset="0"/>
+                          </a:rPr>
+                          <m:t>𝑠</m:t>
+                        </m:r>
+                      </m:den>
+                    </m:f>
+                  </m:oMath>
+                </a14:m>
+                <a:r>
+                  <a:rPr lang="sk-SK" dirty="0" smtClean="0"/>
+                  <a:t> a impulzná charakteristika má obraz </a:t>
+                </a:r>
+                <a14:m>
+                  <m:oMath xmlns:m="http://schemas.openxmlformats.org/officeDocument/2006/math">
+                    <m:r>
+                      <a:rPr lang="sk-SK" b="0" i="0" smtClean="0">
+                        <a:latin typeface="Cambria Math" panose="02040503050406030204" pitchFamily="18" charset="0"/>
+                      </a:rPr>
+                      <m:t>1</m:t>
+                    </m:r>
+                    <m:r>
+                      <a:rPr lang="sk-SK" i="1">
+                        <a:latin typeface="Cambria Math" panose="02040503050406030204" pitchFamily="18" charset="0"/>
+                      </a:rPr>
+                      <m:t>𝐹</m:t>
+                    </m:r>
+                    <m:d>
+                      <m:dPr>
+                        <m:ctrlPr>
+                          <a:rPr lang="sk-SK" i="1">
+                            <a:latin typeface="Cambria Math" panose="02040503050406030204" pitchFamily="18" charset="0"/>
+                          </a:rPr>
+                        </m:ctrlPr>
+                      </m:dPr>
+                      <m:e>
+                        <m:r>
+                          <a:rPr lang="sk-SK" i="1">
+                            <a:latin typeface="Cambria Math" panose="02040503050406030204" pitchFamily="18" charset="0"/>
+                          </a:rPr>
+                          <m:t>𝑠</m:t>
+                        </m:r>
+                      </m:e>
+                    </m:d>
+                  </m:oMath>
+                </a14:m>
+                <a:endParaRPr lang="sk-SK" dirty="0" smtClean="0"/>
+              </a:p>
+              <a:p>
+                <a:pPr>
+                  <a:buFont typeface="Arial" panose="020B0604020202020204" pitchFamily="34" charset="0"/>
+                  <a:buChar char="•"/>
+                </a:pPr>
+                <a:r>
+                  <a:rPr lang="sk-SK" u="sng" dirty="0" smtClean="0"/>
+                  <a:t>Impulzná charakteristika je deriváciou prechodovej charakteristiky</a:t>
+                </a:r>
+                <a:endParaRPr lang="sk-SK" dirty="0" smtClean="0"/>
+              </a:p>
+              <a:p>
+                <a:pPr>
+                  <a:buFont typeface="Arial" panose="020B0604020202020204" pitchFamily="34" charset="0"/>
+                  <a:buChar char="•"/>
+                </a:pPr>
+                <a:endParaRPr lang="sk-SK" dirty="0" smtClean="0"/>
+              </a:p>
+            </p:txBody>
+          </p:sp>
+        </mc:Choice>
+        <mc:Fallback>
+          <p:sp>
+            <p:nvSpPr>
+              <p:cNvPr id="3" name="Zástupný symbol obsahu 2"/>
+              <p:cNvSpPr>
+                <a:spLocks noGrp="1" noRot="1" noChangeAspect="1" noMove="1" noResize="1" noEditPoints="1" noAdjustHandles="1" noChangeArrowheads="1" noChangeShapeType="1" noTextEdit="1"/>
+              </p:cNvSpPr>
+              <p:nvPr>
+                <p:ph idx="1"/>
+              </p:nvPr>
+            </p:nvSpPr>
+            <p:spPr>
+              <a:xfrm>
+                <a:off x="393699" y="1040446"/>
+                <a:ext cx="8415021" cy="5291774"/>
+              </a:xfrm>
+              <a:blipFill rotWithShape="0">
+                <a:blip r:embed="rId2"/>
+                <a:stretch>
+                  <a:fillRect l="-1667" t="-1959" r="-1014"/>
+                </a:stretch>
+              </a:blipFill>
+            </p:spPr>
+            <p:txBody>
+              <a:bodyPr/>
+              <a:lstStyle/>
+              <a:p>
+                <a:r>
+                  <a:rPr lang="sk-SK">
+                    <a:noFill/>
+                  </a:rPr>
+                  <a:t> </a:t>
+                </a:r>
+              </a:p>
+            </p:txBody>
+          </p:sp>
+        </mc:Fallback>
+      </mc:AlternateContent>
     </p:spTree>
     <p:extLst>
       <p:ext uri="{BB962C8B-B14F-4D97-AF65-F5344CB8AC3E}">
-        <p14:creationId xmlns:p14="http://schemas.microsoft.com/office/powerpoint/2010/main" val="4247704593"/>
+        <p14:creationId xmlns:p14="http://schemas.microsoft.com/office/powerpoint/2010/main" val="3343495099"/>
       </p:ext>
     </p:extLst>
   </p:cSld>
@@ -39010,35 +40622,313 @@
           <a:lstStyle/>
           <a:p>
             <a:r>
+              <a:rPr lang="sk-SK" dirty="0" smtClean="0"/>
+              <a:t>Prechodová </a:t>
+            </a:r>
+            <a:r>
               <a:rPr lang="sk-SK" dirty="0"/>
-              <a:t>Vplyv pólov a núl na dynamiku systému</a:t>
+              <a:t>charakteristika - príklad</a:t>
             </a:r>
           </a:p>
         </p:txBody>
       </p:sp>
+      <mc:AlternateContent xmlns:mc="http://schemas.openxmlformats.org/markup-compatibility/2006">
+        <mc:Choice xmlns:a14="http://schemas.microsoft.com/office/drawing/2010/main" Requires="a14">
+          <p:sp>
+            <p:nvSpPr>
+              <p:cNvPr id="3" name="Zástupný symbol obsahu 2"/>
+              <p:cNvSpPr>
+                <a:spLocks noGrp="1"/>
+              </p:cNvSpPr>
+              <p:nvPr>
+                <p:ph idx="1"/>
+              </p:nvPr>
+            </p:nvSpPr>
+            <p:spPr/>
+            <p:txBody>
+              <a:bodyPr/>
+              <a:lstStyle/>
+              <a:p>
+                <a:pPr>
+                  <a:buFont typeface="Arial" panose="020B0604020202020204" pitchFamily="34" charset="0"/>
+                  <a:buChar char="•"/>
+                </a:pPr>
+                <a:r>
+                  <a:rPr lang="sk-SK" dirty="0"/>
+                  <a:t>P</a:t>
+                </a:r>
+                <a:r>
+                  <a:rPr lang="sk-SK" dirty="0" smtClean="0"/>
+                  <a:t>rechodová </a:t>
+                </a:r>
+                <a:r>
+                  <a:rPr lang="sk-SK" dirty="0"/>
+                  <a:t>charakteristika systému s prenosovou funkciou</a:t>
+                </a:r>
+                <a:r>
+                  <a:rPr lang="sk-SK" dirty="0" smtClean="0"/>
+                  <a:t>:</a:t>
+                </a:r>
+              </a:p>
+              <a:p>
+                <a:pPr marL="0" indent="0">
+                  <a:buNone/>
+                </a:pPr>
+                <a:endParaRPr lang="sk-SK" i="1" dirty="0" smtClean="0">
+                  <a:latin typeface="Cambria Math" panose="02040503050406030204" pitchFamily="18" charset="0"/>
+                </a:endParaRPr>
+              </a:p>
+              <a:p>
+                <a:pPr marL="0" indent="0">
+                  <a:buNone/>
+                </a:pPr>
+                <a14:m>
+                  <m:oMathPara xmlns:m="http://schemas.openxmlformats.org/officeDocument/2006/math">
+                    <m:oMathParaPr>
+                      <m:jc m:val="centerGroup"/>
+                    </m:oMathParaPr>
+                    <m:oMath xmlns:m="http://schemas.openxmlformats.org/officeDocument/2006/math">
+                      <m:r>
+                        <a:rPr lang="sk-SK" i="1">
+                          <a:latin typeface="Cambria Math" panose="02040503050406030204" pitchFamily="18" charset="0"/>
+                        </a:rPr>
+                        <m:t>𝐹</m:t>
+                      </m:r>
+                      <m:d>
+                        <m:dPr>
+                          <m:ctrlPr>
+                            <a:rPr lang="sk-SK" i="1">
+                              <a:latin typeface="Cambria Math" panose="02040503050406030204" pitchFamily="18" charset="0"/>
+                            </a:rPr>
+                          </m:ctrlPr>
+                        </m:dPr>
+                        <m:e>
+                          <m:r>
+                            <a:rPr lang="sk-SK" i="1">
+                              <a:latin typeface="Cambria Math" panose="02040503050406030204" pitchFamily="18" charset="0"/>
+                            </a:rPr>
+                            <m:t>𝑠</m:t>
+                          </m:r>
+                        </m:e>
+                      </m:d>
+                      <m:r>
+                        <a:rPr lang="sk-SK" i="1">
+                          <a:latin typeface="Cambria Math" panose="02040503050406030204" pitchFamily="18" charset="0"/>
+                        </a:rPr>
+                        <m:t>=</m:t>
+                      </m:r>
+                      <m:f>
+                        <m:fPr>
+                          <m:ctrlPr>
+                            <a:rPr lang="sk-SK" i="1">
+                              <a:latin typeface="Cambria Math" panose="02040503050406030204" pitchFamily="18" charset="0"/>
+                            </a:rPr>
+                          </m:ctrlPr>
+                        </m:fPr>
+                        <m:num>
+                          <m:r>
+                            <a:rPr lang="sk-SK" i="1">
+                              <a:latin typeface="Cambria Math" panose="02040503050406030204" pitchFamily="18" charset="0"/>
+                            </a:rPr>
+                            <m:t>1</m:t>
+                          </m:r>
+                        </m:num>
+                        <m:den>
+                          <m:sSup>
+                            <m:sSupPr>
+                              <m:ctrlPr>
+                                <a:rPr lang="sk-SK" i="1">
+                                  <a:latin typeface="Cambria Math" panose="02040503050406030204" pitchFamily="18" charset="0"/>
+                                </a:rPr>
+                              </m:ctrlPr>
+                            </m:sSupPr>
+                            <m:e>
+                              <m:r>
+                                <a:rPr lang="sk-SK" i="1">
+                                  <a:latin typeface="Cambria Math" panose="02040503050406030204" pitchFamily="18" charset="0"/>
+                                </a:rPr>
+                                <m:t>2</m:t>
+                              </m:r>
+                              <m:r>
+                                <a:rPr lang="sk-SK" i="1">
+                                  <a:latin typeface="Cambria Math" panose="02040503050406030204" pitchFamily="18" charset="0"/>
+                                </a:rPr>
+                                <m:t>𝑠</m:t>
+                              </m:r>
+                            </m:e>
+                            <m:sup>
+                              <m:r>
+                                <a:rPr lang="sk-SK" i="1">
+                                  <a:latin typeface="Cambria Math" panose="02040503050406030204" pitchFamily="18" charset="0"/>
+                                </a:rPr>
+                                <m:t>2</m:t>
+                              </m:r>
+                            </m:sup>
+                          </m:sSup>
+                          <m:r>
+                            <a:rPr lang="sk-SK" i="1">
+                              <a:latin typeface="Cambria Math" panose="02040503050406030204" pitchFamily="18" charset="0"/>
+                            </a:rPr>
+                            <m:t>+2</m:t>
+                          </m:r>
+                          <m:r>
+                            <a:rPr lang="sk-SK" i="1">
+                              <a:latin typeface="Cambria Math" panose="02040503050406030204" pitchFamily="18" charset="0"/>
+                            </a:rPr>
+                            <m:t>𝑠</m:t>
+                          </m:r>
+                          <m:r>
+                            <a:rPr lang="sk-SK" i="1">
+                              <a:latin typeface="Cambria Math" panose="02040503050406030204" pitchFamily="18" charset="0"/>
+                            </a:rPr>
+                            <m:t>+1</m:t>
+                          </m:r>
+                        </m:den>
+                      </m:f>
+                    </m:oMath>
+                  </m:oMathPara>
+                </a14:m>
+                <a:endParaRPr lang="sk-SK" dirty="0" smtClean="0"/>
+              </a:p>
+              <a:p>
+                <a:pPr marL="0" indent="0">
+                  <a:buNone/>
+                </a:pPr>
+                <a:endParaRPr lang="sk-SK" dirty="0"/>
+              </a:p>
+              <a:p>
+                <a:endParaRPr lang="sk-SK" dirty="0"/>
+              </a:p>
+            </p:txBody>
+          </p:sp>
+        </mc:Choice>
+        <mc:Fallback>
+          <p:sp>
+            <p:nvSpPr>
+              <p:cNvPr id="3" name="Zástupný symbol obsahu 2"/>
+              <p:cNvSpPr>
+                <a:spLocks noGrp="1" noRot="1" noChangeAspect="1" noMove="1" noResize="1" noEditPoints="1" noAdjustHandles="1" noChangeArrowheads="1" noChangeShapeType="1" noTextEdit="1"/>
+              </p:cNvSpPr>
+              <p:nvPr>
+                <p:ph idx="1"/>
+              </p:nvPr>
+            </p:nvSpPr>
+            <p:spPr>
+              <a:blipFill rotWithShape="0">
+                <a:blip r:embed="rId2"/>
+                <a:stretch>
+                  <a:fillRect l="-1752" t="-1291"/>
+                </a:stretch>
+              </a:blipFill>
+            </p:spPr>
+            <p:txBody>
+              <a:bodyPr/>
+              <a:lstStyle/>
+              <a:p>
+                <a:r>
+                  <a:rPr lang="sk-SK">
+                    <a:noFill/>
+                  </a:rPr>
+                  <a:t> </a:t>
+                </a:r>
+              </a:p>
+            </p:txBody>
+          </p:sp>
+        </mc:Fallback>
+      </mc:AlternateContent>
       <p:sp>
         <p:nvSpPr>
-          <p:cNvPr id="3" name="Zástupný symbol obsahu 2"/>
-          <p:cNvSpPr>
-            <a:spLocks noGrp="1"/>
-          </p:cNvSpPr>
-          <p:nvPr>
-            <p:ph idx="1"/>
-          </p:nvPr>
+          <p:cNvPr id="4" name="BlokTextu 3"/>
+          <p:cNvSpPr txBox="1"/>
+          <p:nvPr/>
         </p:nvSpPr>
-        <p:spPr/>
+        <p:spPr>
+          <a:xfrm>
+            <a:off x="408468" y="1729741"/>
+            <a:ext cx="1767840" cy="1200329"/>
+          </a:xfrm>
+          <a:prstGeom prst="rect">
+            <a:avLst/>
+          </a:prstGeom>
+          <a:noFill/>
+        </p:spPr>
         <p:txBody>
-          <a:bodyPr/>
+          <a:bodyPr wrap="square" rtlCol="0">
+            <a:spAutoFit/>
+          </a:bodyPr>
           <a:lstStyle/>
           <a:p>
-            <a:endParaRPr lang="sk-SK"/>
+            <a:r>
+              <a:rPr lang="sk-SK" dirty="0" err="1"/>
+              <a:t>Matlab</a:t>
+            </a:r>
+            <a:r>
+              <a:rPr lang="sk-SK" dirty="0"/>
+              <a:t>:</a:t>
+            </a:r>
+            <a:endParaRPr lang="en-US" dirty="0"/>
+          </a:p>
+          <a:p>
+            <a:r>
+              <a:rPr lang="sk-SK" dirty="0"/>
+              <a:t>F=</a:t>
+            </a:r>
+            <a:r>
+              <a:rPr lang="sk-SK" dirty="0" err="1"/>
+              <a:t>tf</a:t>
+            </a:r>
+            <a:r>
+              <a:rPr lang="sk-SK" dirty="0"/>
+              <a:t>([1],[2,2,1]);</a:t>
+            </a:r>
+          </a:p>
+          <a:p>
+            <a:r>
+              <a:rPr lang="en-US" dirty="0" smtClean="0"/>
+              <a:t>step</a:t>
+            </a:r>
+            <a:r>
+              <a:rPr lang="sk-SK" dirty="0" smtClean="0"/>
+              <a:t>(F</a:t>
+            </a:r>
+            <a:r>
+              <a:rPr lang="sk-SK" dirty="0"/>
+              <a:t>);</a:t>
+            </a:r>
+          </a:p>
+          <a:p>
+            <a:endParaRPr lang="sk-SK" dirty="0"/>
           </a:p>
         </p:txBody>
       </p:sp>
+      <p:pic>
+        <p:nvPicPr>
+          <p:cNvPr id="5" name="Obrázok 4"/>
+          <p:cNvPicPr>
+            <a:picLocks noChangeAspect="1"/>
+          </p:cNvPicPr>
+          <p:nvPr/>
+        </p:nvPicPr>
+        <p:blipFill>
+          <a:blip r:embed="rId3"/>
+          <a:stretch>
+            <a:fillRect/>
+          </a:stretch>
+        </p:blipFill>
+        <p:spPr>
+          <a:xfrm>
+            <a:off x="1271601" y="2444205"/>
+            <a:ext cx="6600794" cy="4060416"/>
+          </a:xfrm>
+          <a:prstGeom prst="rect">
+            <a:avLst/>
+          </a:prstGeom>
+        </p:spPr>
+      </p:pic>
     </p:spTree>
     <p:extLst>
       <p:ext uri="{BB962C8B-B14F-4D97-AF65-F5344CB8AC3E}">
-        <p14:creationId xmlns:p14="http://schemas.microsoft.com/office/powerpoint/2010/main" val="946601560"/>
+        <p14:creationId xmlns:p14="http://schemas.microsoft.com/office/powerpoint/2010/main" val="2000519965"/>
       </p:ext>
     </p:extLst>
   </p:cSld>
@@ -39081,9 +40971,10 @@
           <a:lstStyle/>
           <a:p>
             <a:r>
-              <a:rPr lang="sk-SK" dirty="0"/>
+              <a:rPr lang="sk-SK" dirty="0" smtClean="0"/>
               <a:t>Vplyv pólov a núl na dynamiku systému</a:t>
             </a:r>
+            <a:endParaRPr lang="sk-SK" dirty="0"/>
           </a:p>
         </p:txBody>
       </p:sp>
@@ -39109,7 +41000,7 @@
     </p:spTree>
     <p:extLst>
       <p:ext uri="{BB962C8B-B14F-4D97-AF65-F5344CB8AC3E}">
-        <p14:creationId xmlns:p14="http://schemas.microsoft.com/office/powerpoint/2010/main" val="2765769143"/>
+        <p14:creationId xmlns:p14="http://schemas.microsoft.com/office/powerpoint/2010/main" val="4247704593"/>
       </p:ext>
     </p:extLst>
   </p:cSld>
@@ -39542,6 +41433,148 @@
 </file>
 
 <file path=ppt/slides/slide70.xml><?xml version="1.0" encoding="utf-8"?>
+<p:sld xmlns:a="http://schemas.openxmlformats.org/drawingml/2006/main" xmlns:r="http://schemas.openxmlformats.org/officeDocument/2006/relationships" xmlns:p="http://schemas.openxmlformats.org/presentationml/2006/main">
+  <p:cSld>
+    <p:spTree>
+      <p:nvGrpSpPr>
+        <p:cNvPr id="1" name=""/>
+        <p:cNvGrpSpPr/>
+        <p:nvPr/>
+      </p:nvGrpSpPr>
+      <p:grpSpPr>
+        <a:xfrm>
+          <a:off x="0" y="0"/>
+          <a:ext cx="0" cy="0"/>
+          <a:chOff x="0" y="0"/>
+          <a:chExt cx="0" cy="0"/>
+        </a:xfrm>
+      </p:grpSpPr>
+      <p:sp>
+        <p:nvSpPr>
+          <p:cNvPr id="2" name="Nadpis 1"/>
+          <p:cNvSpPr>
+            <a:spLocks noGrp="1"/>
+          </p:cNvSpPr>
+          <p:nvPr>
+            <p:ph type="title"/>
+          </p:nvPr>
+        </p:nvSpPr>
+        <p:spPr/>
+        <p:txBody>
+          <a:bodyPr/>
+          <a:lstStyle/>
+          <a:p>
+            <a:r>
+              <a:rPr lang="sk-SK" dirty="0"/>
+              <a:t>Vplyv pólov a núl na dynamiku systému</a:t>
+            </a:r>
+          </a:p>
+        </p:txBody>
+      </p:sp>
+      <p:sp>
+        <p:nvSpPr>
+          <p:cNvPr id="3" name="Zástupný symbol obsahu 2"/>
+          <p:cNvSpPr>
+            <a:spLocks noGrp="1"/>
+          </p:cNvSpPr>
+          <p:nvPr>
+            <p:ph idx="1"/>
+          </p:nvPr>
+        </p:nvSpPr>
+        <p:spPr/>
+        <p:txBody>
+          <a:bodyPr/>
+          <a:lstStyle/>
+          <a:p>
+            <a:endParaRPr lang="sk-SK"/>
+          </a:p>
+        </p:txBody>
+      </p:sp>
+    </p:spTree>
+    <p:extLst>
+      <p:ext uri="{BB962C8B-B14F-4D97-AF65-F5344CB8AC3E}">
+        <p14:creationId xmlns:p14="http://schemas.microsoft.com/office/powerpoint/2010/main" val="946601560"/>
+      </p:ext>
+    </p:extLst>
+  </p:cSld>
+  <p:clrMapOvr>
+    <a:masterClrMapping/>
+  </p:clrMapOvr>
+</p:sld>
+</file>
+
+<file path=ppt/slides/slide71.xml><?xml version="1.0" encoding="utf-8"?>
+<p:sld xmlns:a="http://schemas.openxmlformats.org/drawingml/2006/main" xmlns:r="http://schemas.openxmlformats.org/officeDocument/2006/relationships" xmlns:p="http://schemas.openxmlformats.org/presentationml/2006/main">
+  <p:cSld>
+    <p:spTree>
+      <p:nvGrpSpPr>
+        <p:cNvPr id="1" name=""/>
+        <p:cNvGrpSpPr/>
+        <p:nvPr/>
+      </p:nvGrpSpPr>
+      <p:grpSpPr>
+        <a:xfrm>
+          <a:off x="0" y="0"/>
+          <a:ext cx="0" cy="0"/>
+          <a:chOff x="0" y="0"/>
+          <a:chExt cx="0" cy="0"/>
+        </a:xfrm>
+      </p:grpSpPr>
+      <p:sp>
+        <p:nvSpPr>
+          <p:cNvPr id="2" name="Nadpis 1"/>
+          <p:cNvSpPr>
+            <a:spLocks noGrp="1"/>
+          </p:cNvSpPr>
+          <p:nvPr>
+            <p:ph type="title"/>
+          </p:nvPr>
+        </p:nvSpPr>
+        <p:spPr/>
+        <p:txBody>
+          <a:bodyPr/>
+          <a:lstStyle/>
+          <a:p>
+            <a:r>
+              <a:rPr lang="sk-SK" dirty="0"/>
+              <a:t>Vplyv pólov a núl na dynamiku systému</a:t>
+            </a:r>
+          </a:p>
+        </p:txBody>
+      </p:sp>
+      <p:sp>
+        <p:nvSpPr>
+          <p:cNvPr id="3" name="Zástupný symbol obsahu 2"/>
+          <p:cNvSpPr>
+            <a:spLocks noGrp="1"/>
+          </p:cNvSpPr>
+          <p:nvPr>
+            <p:ph idx="1"/>
+          </p:nvPr>
+        </p:nvSpPr>
+        <p:spPr/>
+        <p:txBody>
+          <a:bodyPr/>
+          <a:lstStyle/>
+          <a:p>
+            <a:endParaRPr lang="sk-SK"/>
+          </a:p>
+        </p:txBody>
+      </p:sp>
+    </p:spTree>
+    <p:extLst>
+      <p:ext uri="{BB962C8B-B14F-4D97-AF65-F5344CB8AC3E}">
+        <p14:creationId xmlns:p14="http://schemas.microsoft.com/office/powerpoint/2010/main" val="2765769143"/>
+      </p:ext>
+    </p:extLst>
+  </p:cSld>
+  <p:clrMapOvr>
+    <a:masterClrMapping/>
+  </p:clrMapOvr>
+</p:sld>
+</file>
+
+<file path=ppt/slides/slide72.xml><?xml version="1.0" encoding="utf-8"?>
 <p:sld xmlns:a="http://schemas.openxmlformats.org/drawingml/2006/main" xmlns:r="http://schemas.openxmlformats.org/officeDocument/2006/relationships" xmlns:p="http://schemas.openxmlformats.org/presentationml/2006/main">
   <p:cSld>
     <p:spTree>

--- a/Nove prednasky/P01_dynamika_dif_rovnice_LPT_prenosova_funkcia_modelovanie.pptx
+++ b/Nove prednasky/P01_dynamika_dif_rovnice_LPT_prenosova_funkcia_modelovanie.pptx
@@ -65,18 +65,20 @@
     <p:sldId id="311" r:id="rId59"/>
     <p:sldId id="312" r:id="rId60"/>
     <p:sldId id="310" r:id="rId61"/>
-    <p:sldId id="281" r:id="rId62"/>
-    <p:sldId id="290" r:id="rId63"/>
-    <p:sldId id="291" r:id="rId64"/>
-    <p:sldId id="286" r:id="rId65"/>
-    <p:sldId id="327" r:id="rId66"/>
-    <p:sldId id="345" r:id="rId67"/>
-    <p:sldId id="287" r:id="rId68"/>
-    <p:sldId id="346" r:id="rId69"/>
-    <p:sldId id="288" r:id="rId70"/>
-    <p:sldId id="329" r:id="rId71"/>
-    <p:sldId id="330" r:id="rId72"/>
-    <p:sldId id="289" r:id="rId73"/>
+    <p:sldId id="286" r:id="rId62"/>
+    <p:sldId id="347" r:id="rId63"/>
+    <p:sldId id="348" r:id="rId64"/>
+    <p:sldId id="327" r:id="rId65"/>
+    <p:sldId id="345" r:id="rId66"/>
+    <p:sldId id="287" r:id="rId67"/>
+    <p:sldId id="346" r:id="rId68"/>
+    <p:sldId id="281" r:id="rId69"/>
+    <p:sldId id="290" r:id="rId70"/>
+    <p:sldId id="291" r:id="rId71"/>
+    <p:sldId id="288" r:id="rId72"/>
+    <p:sldId id="329" r:id="rId73"/>
+    <p:sldId id="330" r:id="rId74"/>
+    <p:sldId id="289" r:id="rId75"/>
   </p:sldIdLst>
   <p:sldSz cx="9144000" cy="6858000" type="screen4x3"/>
   <p:notesSz cx="6858000" cy="9144000"/>
@@ -4780,7 +4782,7 @@
           <a:graphicData uri="http://schemas.openxmlformats.org/presentationml/2006/ole">
             <mc:AlternateContent xmlns:mc="http://schemas.openxmlformats.org/markup-compatibility/2006">
               <mc:Choice xmlns:v="urn:schemas-microsoft-com:vml" Requires="v">
-                <p:oleObj spid="_x0000_s4187" name="Rovnica" r:id="rId3" imgW="3187700" imgH="901700" progId="Equation.3">
+                <p:oleObj spid="_x0000_s4191" name="Rovnica" r:id="rId3" imgW="3187700" imgH="901700" progId="Equation.3">
                   <p:embed/>
                 </p:oleObj>
               </mc:Choice>
@@ -12580,8 +12582,8 @@
           </a:p>
         </p:txBody>
       </p:sp>
-      <mc:AlternateContent xmlns:mc="http://schemas.openxmlformats.org/markup-compatibility/2006">
-        <mc:Choice xmlns:a14="http://schemas.microsoft.com/office/drawing/2010/main" Requires="a14">
+      <mc:AlternateContent xmlns:mc="http://schemas.openxmlformats.org/markup-compatibility/2006" xmlns:a14="http://schemas.microsoft.com/office/drawing/2010/main">
+        <mc:Choice Requires="a14">
           <p:sp>
             <p:nvSpPr>
               <p:cNvPr id="3" name="Zástupný symbol obsahu 2"/>
@@ -13291,13 +13293,7 @@
                         <a:rPr lang="sk-SK" b="0" i="1" smtClean="0">
                           <a:latin typeface="Cambria Math" panose="02040503050406030204" pitchFamily="18" charset="0"/>
                         </a:rPr>
-                        <m:t>…</m:t>
-                      </m:r>
-                      <m:r>
-                        <a:rPr lang="sk-SK" b="0" i="1" smtClean="0">
-                          <a:latin typeface="Cambria Math" panose="02040503050406030204" pitchFamily="18" charset="0"/>
-                        </a:rPr>
-                        <m:t>(</m:t>
+                        <m:t>…(</m:t>
                       </m:r>
                       <m:r>
                         <a:rPr lang="sk-SK" i="1">
@@ -13409,7 +13405,7 @@
             </p:txBody>
           </p:sp>
         </mc:Choice>
-        <mc:Fallback>
+        <mc:Fallback xmlns="">
           <p:sp>
             <p:nvSpPr>
               <p:cNvPr id="3" name="Zástupný symbol obsahu 2"/>
@@ -13524,8 +13520,8 @@
           </a:p>
         </p:txBody>
       </p:sp>
-      <mc:AlternateContent xmlns:mc="http://schemas.openxmlformats.org/markup-compatibility/2006">
-        <mc:Choice xmlns:a14="http://schemas.microsoft.com/office/drawing/2010/main" Requires="a14">
+      <mc:AlternateContent xmlns:mc="http://schemas.openxmlformats.org/markup-compatibility/2006" xmlns:a14="http://schemas.microsoft.com/office/drawing/2010/main">
+        <mc:Choice Requires="a14">
           <p:sp>
             <p:nvSpPr>
               <p:cNvPr id="3" name="Zástupný symbol obsahu 2"/>
@@ -13787,7 +13783,7 @@
             </p:txBody>
           </p:sp>
         </mc:Choice>
-        <mc:Fallback>
+        <mc:Fallback xmlns="">
           <p:sp>
             <p:nvSpPr>
               <p:cNvPr id="3" name="Zástupný symbol obsahu 2"/>
@@ -14545,8 +14541,8 @@
           </a:p>
         </p:txBody>
       </p:sp>
-      <mc:AlternateContent xmlns:mc="http://schemas.openxmlformats.org/markup-compatibility/2006">
-        <mc:Choice xmlns:a14="http://schemas.microsoft.com/office/drawing/2010/main" Requires="a14">
+      <mc:AlternateContent xmlns:mc="http://schemas.openxmlformats.org/markup-compatibility/2006" xmlns:a14="http://schemas.microsoft.com/office/drawing/2010/main">
+        <mc:Choice Requires="a14">
           <p:sp>
             <p:nvSpPr>
               <p:cNvPr id="3" name="Zástupný symbol obsahu 2"/>
@@ -15041,7 +15037,6 @@
                   <a:rPr lang="sk-SK" dirty="0" smtClean="0"/>
                   <a:t> </a:t>
                 </a:r>
-                <a:endParaRPr lang="sk-SK" dirty="0" smtClean="0"/>
               </a:p>
               <a:p>
                 <a:pPr>
@@ -15080,7 +15075,6 @@
                   <a:rPr lang="sk-SK" u="sng" dirty="0" smtClean="0"/>
                   <a:t> impulzu</a:t>
                 </a:r>
-                <a:endParaRPr lang="sk-SK" u="sng" dirty="0" smtClean="0"/>
               </a:p>
               <a:p>
                 <a:endParaRPr lang="sk-SK" dirty="0" smtClean="0"/>
@@ -15095,7 +15089,7 @@
             </p:txBody>
           </p:sp>
         </mc:Choice>
-        <mc:Fallback>
+        <mc:Fallback xmlns="">
           <p:sp>
             <p:nvSpPr>
               <p:cNvPr id="3" name="Zástupný symbol obsahu 2"/>
@@ -25273,11 +25267,7 @@
             <a:pPr lvl="1"/>
             <a:r>
               <a:rPr lang="sk-SK" dirty="0" smtClean="0"/>
-              <a:t>Uzavretý regulačný obvod – regulácia , stabilizácia a úprava </a:t>
-            </a:r>
-            <a:r>
-              <a:rPr lang="sk-SK" dirty="0" smtClean="0"/>
-              <a:t>dynamiky</a:t>
+              <a:t>Uzavretý regulačný obvod – regulácia , stabilizácia a úprava dynamiky</a:t>
             </a:r>
           </a:p>
           <a:p>
@@ -25307,7 +25297,6 @@
               <a:rPr lang="sk-SK" dirty="0" smtClean="0"/>
               <a:t>obvod nutné stabilitu overiť !</a:t>
             </a:r>
-            <a:endParaRPr lang="sk-SK" dirty="0" smtClean="0"/>
           </a:p>
         </p:txBody>
       </p:sp>
@@ -25364,8 +25353,8 @@
           </a:p>
         </p:txBody>
       </p:sp>
-      <mc:AlternateContent xmlns:mc="http://schemas.openxmlformats.org/markup-compatibility/2006">
-        <mc:Choice xmlns:a14="http://schemas.microsoft.com/office/drawing/2010/main" Requires="a14">
+      <mc:AlternateContent xmlns:mc="http://schemas.openxmlformats.org/markup-compatibility/2006" xmlns:a14="http://schemas.microsoft.com/office/drawing/2010/main">
+        <mc:Choice Requires="a14">
           <p:sp>
             <p:nvSpPr>
               <p:cNvPr id="3" name="Zástupný symbol obsahu 2"/>
@@ -25441,11 +25430,7 @@
                 </a:pPr>
                 <a:r>
                   <a:rPr lang="sk-SK" dirty="0" smtClean="0"/>
-                  <a:t>Operátor </a:t>
-                </a:r>
-                <a:r>
-                  <a:rPr lang="sk-SK" dirty="0" smtClean="0"/>
-                  <a:t>derivácie v je Laplaceovej oblasti  </a:t>
+                  <a:t>Operátor derivácie v je Laplaceovej oblasti  </a:t>
                 </a:r>
                 <a:r>
                   <a:rPr lang="sk-SK" i="1" dirty="0" smtClean="0"/>
@@ -25666,11 +25651,7 @@
                 </a:pPr>
                 <a:r>
                   <a:rPr lang="sk-SK" dirty="0" smtClean="0"/>
-                  <a:t>Závislosť ustálenej hodnoty výstupu od </a:t>
-                </a:r>
-                <a:r>
-                  <a:rPr lang="sk-SK" dirty="0" smtClean="0"/>
-                  <a:t>vstupu</a:t>
+                  <a:t>Závislosť ustálenej hodnoty výstupu od vstupu</a:t>
                 </a:r>
               </a:p>
               <a:p>
@@ -25680,21 +25661,8 @@
                 </a:pPr>
                 <a:r>
                   <a:rPr lang="sk-SK" dirty="0" smtClean="0"/>
-                  <a:t>V prípade </a:t>
-                </a:r>
-                <a:r>
-                  <a:rPr lang="sk-SK" dirty="0" smtClean="0"/>
-                  <a:t>lineárnych </a:t>
-                </a:r>
-                <a:r>
-                  <a:rPr lang="sk-SK" dirty="0" smtClean="0"/>
-                  <a:t>systémov je vždy priamka </a:t>
-                </a:r>
-                <a:r>
-                  <a:rPr lang="sk-SK" dirty="0" smtClean="0"/>
-                  <a:t>!!! (viac v časti prevodová charakteristika)</a:t>
-                </a:r>
-                <a:endParaRPr lang="sk-SK" dirty="0" smtClean="0"/>
+                  <a:t>V prípade lineárnych systémov je vždy priamka !!! (viac v časti prevodová charakteristika)</a:t>
+                </a:r>
               </a:p>
               <a:p>
                 <a:pPr>
@@ -25718,7 +25686,7 @@
             </p:txBody>
           </p:sp>
         </mc:Choice>
-        <mc:Fallback>
+        <mc:Fallback xmlns="">
           <p:sp>
             <p:nvSpPr>
               <p:cNvPr id="3" name="Zástupný symbol obsahu 2"/>
@@ -25805,8 +25773,8 @@
           </a:p>
         </p:txBody>
       </p:sp>
-      <mc:AlternateContent xmlns:mc="http://schemas.openxmlformats.org/markup-compatibility/2006">
-        <mc:Choice xmlns:a14="http://schemas.microsoft.com/office/drawing/2010/main" Requires="a14">
+      <mc:AlternateContent xmlns:mc="http://schemas.openxmlformats.org/markup-compatibility/2006" xmlns:a14="http://schemas.microsoft.com/office/drawing/2010/main">
+        <mc:Choice Requires="a14">
           <p:sp>
             <p:nvSpPr>
               <p:cNvPr id="3" name="Zástupný symbol obsahu 2"/>
@@ -25907,11 +25875,7 @@
                 </a:pPr>
                 <a:r>
                   <a:rPr lang="sk-SK" dirty="0" smtClean="0"/>
-                  <a:t>Môžeme si ho prestaviť ako integrátor zaradený za prenosovou </a:t>
-                </a:r>
-                <a:r>
-                  <a:rPr lang="sk-SK" dirty="0" smtClean="0"/>
-                  <a:t>funkciou</a:t>
+                  <a:t>Môžeme si ho prestaviť ako integrátor zaradený za prenosovou funkciou</a:t>
                 </a:r>
               </a:p>
               <a:p>
@@ -25931,7 +25895,6 @@
                   <a:rPr lang="sk-SK" dirty="0" smtClean="0"/>
                   <a:t> sú na hranici stability</a:t>
                 </a:r>
-                <a:endParaRPr lang="sk-SK" dirty="0" smtClean="0"/>
               </a:p>
               <a:p>
                 <a:pPr>
@@ -26196,7 +26159,7 @@
             </p:txBody>
           </p:sp>
         </mc:Choice>
-        <mc:Fallback>
+        <mc:Fallback xmlns="">
           <p:sp>
             <p:nvSpPr>
               <p:cNvPr id="3" name="Zástupný symbol obsahu 2"/>
@@ -29187,7 +29150,19 @@
             </a:r>
             <a:r>
               <a:rPr lang="sk-SK" dirty="0" smtClean="0"/>
-              <a:t>z blokovej schémy – intuitívne riešenie</a:t>
+              <a:t>z blokovej schémy – </a:t>
+            </a:r>
+            <a:r>
+              <a:rPr lang="sk-SK" dirty="0" smtClean="0"/>
+              <a:t>m</a:t>
+            </a:r>
+            <a:r>
+              <a:rPr lang="sk-SK" dirty="0" smtClean="0"/>
+              <a:t>etóda </a:t>
+            </a:r>
+            <a:r>
+              <a:rPr lang="sk-SK" dirty="0"/>
+              <a:t>eliminácie premenných</a:t>
             </a:r>
             <a:endParaRPr lang="sk-SK" dirty="0"/>
           </a:p>
@@ -33017,8 +32992,8 @@
           </a:p>
         </p:txBody>
       </p:sp>
-      <mc:AlternateContent xmlns:mc="http://schemas.openxmlformats.org/markup-compatibility/2006">
-        <mc:Choice xmlns:a14="http://schemas.microsoft.com/office/drawing/2010/main" Requires="a14">
+      <mc:AlternateContent xmlns:mc="http://schemas.openxmlformats.org/markup-compatibility/2006" xmlns:a14="http://schemas.microsoft.com/office/drawing/2010/main">
+        <mc:Choice Requires="a14">
           <p:sp>
             <p:nvSpPr>
               <p:cNvPr id="3" name="Zástupný symbol obsahu 2"/>
@@ -33042,11 +33017,7 @@
                 </a:pPr>
                 <a:r>
                   <a:rPr lang="sk-SK" dirty="0" smtClean="0"/>
-                  <a:t>Simulačný mode</a:t>
-                </a:r>
-                <a:r>
-                  <a:rPr lang="sk-SK" dirty="0" smtClean="0"/>
-                  <a:t>l – ekvivalent diferenciálnych rovníc vo forme blokových schém</a:t>
+                  <a:t>Simulačný model – ekvivalent diferenciálnych rovníc vo forme blokových schém</a:t>
                 </a:r>
               </a:p>
               <a:p>
@@ -33247,7 +33218,7 @@
             </p:txBody>
           </p:sp>
         </mc:Choice>
-        <mc:Fallback>
+        <mc:Fallback xmlns="">
           <p:sp>
             <p:nvSpPr>
               <p:cNvPr id="3" name="Zástupný symbol obsahu 2"/>
@@ -37613,8 +37584,8 @@
           </a:p>
         </p:txBody>
       </p:sp>
-      <mc:AlternateContent xmlns:mc="http://schemas.openxmlformats.org/markup-compatibility/2006">
-        <mc:Choice xmlns:a14="http://schemas.microsoft.com/office/drawing/2010/main" Requires="a14">
+      <mc:AlternateContent xmlns:mc="http://schemas.openxmlformats.org/markup-compatibility/2006" xmlns:a14="http://schemas.microsoft.com/office/drawing/2010/main">
+        <mc:Choice Requires="a14">
           <p:sp>
             <p:nvSpPr>
               <p:cNvPr id="3" name="Zástupný symbol obsahu 2"/>
@@ -37659,7 +37630,6 @@
                   <a:rPr lang="sk-SK" dirty="0" smtClean="0"/>
                   <a:t>rád diferenciálnej rovnice</a:t>
                 </a:r>
-                <a:endParaRPr lang="sk-SK" dirty="0" smtClean="0"/>
               </a:p>
               <a:p>
                 <a:pPr>
@@ -38383,7 +38353,6 @@
                   <a:rPr lang="sk-SK" dirty="0" smtClean="0"/>
                   <a:t> je vstup</a:t>
                 </a:r>
-                <a:endParaRPr lang="sk-SK" dirty="0" smtClean="0"/>
               </a:p>
               <a:p>
                 <a:pPr>
@@ -38554,7 +38523,7 @@
             </p:txBody>
           </p:sp>
         </mc:Choice>
-        <mc:Fallback>
+        <mc:Fallback xmlns="">
           <p:sp>
             <p:nvSpPr>
               <p:cNvPr id="3" name="Zástupný symbol obsahu 2"/>
@@ -39073,7 +39042,7 @@
           <a:p>
             <a:r>
               <a:rPr lang="sk-SK" dirty="0" smtClean="0"/>
-              <a:t>Póly-nuly-charakteristický polynóm</a:t>
+              <a:t>Charakteristiky systémov</a:t>
             </a:r>
             <a:endParaRPr lang="sk-SK" dirty="0"/>
           </a:p>
@@ -39094,14 +39063,108 @@
           <a:bodyPr/>
           <a:lstStyle/>
           <a:p>
+            <a:pPr>
+              <a:buFont typeface="Arial" panose="020B0604020202020204" pitchFamily="34" charset="0"/>
+              <a:buChar char="•"/>
+            </a:pPr>
+            <a:r>
+              <a:rPr lang="sk-SK" dirty="0" smtClean="0"/>
+              <a:t>Grafická/tabelárna </a:t>
+            </a:r>
+            <a:r>
+              <a:rPr lang="sk-SK" dirty="0" smtClean="0"/>
+              <a:t>forma opisu systémov</a:t>
+            </a:r>
+          </a:p>
+          <a:p>
+            <a:pPr>
+              <a:buFont typeface="Arial" panose="020B0604020202020204" pitchFamily="34" charset="0"/>
+              <a:buChar char="•"/>
+            </a:pPr>
+            <a:r>
+              <a:rPr lang="sk-SK" dirty="0" smtClean="0"/>
+              <a:t>Môžeme ich získavať meraním na reálnom systéme</a:t>
+            </a:r>
+          </a:p>
+          <a:p>
+            <a:pPr>
+              <a:buFont typeface="Arial" panose="020B0604020202020204" pitchFamily="34" charset="0"/>
+              <a:buChar char="•"/>
+            </a:pPr>
+            <a:r>
+              <a:rPr lang="sk-SK" dirty="0" smtClean="0"/>
+              <a:t>Z ich priebehu vieme identifikovať prenos systému (predmet Identifikácia systémov)</a:t>
+            </a:r>
             <a:endParaRPr lang="sk-SK" dirty="0"/>
+          </a:p>
+          <a:p>
+            <a:pPr>
+              <a:buFont typeface="Arial" panose="020B0604020202020204" pitchFamily="34" charset="0"/>
+              <a:buChar char="•"/>
+            </a:pPr>
+            <a:r>
+              <a:rPr lang="sk-SK" dirty="0" smtClean="0"/>
+              <a:t>Ich priebeh dáva inžinierovi prvotnú informáciu o systéme</a:t>
+            </a:r>
+          </a:p>
+          <a:p>
+            <a:pPr>
+              <a:buFont typeface="Arial" panose="020B0604020202020204" pitchFamily="34" charset="0"/>
+              <a:buChar char="•"/>
+            </a:pPr>
+            <a:r>
+              <a:rPr lang="sk-SK" dirty="0" smtClean="0"/>
+              <a:t>Sú nositeľmi informácie o dynamike </a:t>
+            </a:r>
+            <a:r>
+              <a:rPr lang="sk-SK" dirty="0" smtClean="0"/>
+              <a:t>systému</a:t>
+            </a:r>
+          </a:p>
+          <a:p>
+            <a:pPr>
+              <a:buFont typeface="Arial" panose="020B0604020202020204" pitchFamily="34" charset="0"/>
+              <a:buChar char="•"/>
+            </a:pPr>
+            <a:endParaRPr lang="sk-SK" dirty="0" smtClean="0"/>
+          </a:p>
+          <a:p>
+            <a:pPr>
+              <a:buFont typeface="Wingdings" panose="05000000000000000000" pitchFamily="2" charset="2"/>
+              <a:buChar char="§"/>
+            </a:pPr>
+            <a:r>
+              <a:rPr lang="sk-SK" dirty="0" smtClean="0"/>
+              <a:t>Prevodová charakteristika</a:t>
+            </a:r>
+          </a:p>
+          <a:p>
+            <a:pPr>
+              <a:buFont typeface="Wingdings" panose="05000000000000000000" pitchFamily="2" charset="2"/>
+              <a:buChar char="§"/>
+            </a:pPr>
+            <a:r>
+              <a:rPr lang="sk-SK" dirty="0" smtClean="0"/>
+              <a:t>Impulzná charakteristika</a:t>
+            </a:r>
+          </a:p>
+          <a:p>
+            <a:pPr>
+              <a:buFont typeface="Wingdings" panose="05000000000000000000" pitchFamily="2" charset="2"/>
+              <a:buChar char="§"/>
+            </a:pPr>
+            <a:r>
+              <a:rPr lang="sk-SK" dirty="0" smtClean="0"/>
+              <a:t>Prechodová charakteristika</a:t>
+            </a:r>
+            <a:endParaRPr lang="sk-SK" dirty="0" smtClean="0"/>
           </a:p>
         </p:txBody>
       </p:sp>
     </p:spTree>
     <p:extLst>
       <p:ext uri="{BB962C8B-B14F-4D97-AF65-F5344CB8AC3E}">
-        <p14:creationId xmlns:p14="http://schemas.microsoft.com/office/powerpoint/2010/main" val="2447591181"/>
+        <p14:creationId xmlns:p14="http://schemas.microsoft.com/office/powerpoint/2010/main" val="1783867593"/>
       </p:ext>
     </p:extLst>
   </p:cSld>
@@ -39140,40 +39203,531 @@
         </p:nvSpPr>
         <p:spPr/>
         <p:txBody>
-          <a:bodyPr/>
+          <a:bodyPr>
+            <a:normAutofit/>
+          </a:bodyPr>
           <a:lstStyle/>
           <a:p>
             <a:r>
+              <a:rPr lang="sk-SK" dirty="0"/>
+              <a:t>Prevodová </a:t>
+            </a:r>
+            <a:r>
               <a:rPr lang="sk-SK" dirty="0" smtClean="0"/>
-              <a:t>Stabilita systémov</a:t>
+              <a:t>charakteristika</a:t>
             </a:r>
             <a:endParaRPr lang="sk-SK" dirty="0"/>
           </a:p>
         </p:txBody>
       </p:sp>
-      <p:sp>
-        <p:nvSpPr>
-          <p:cNvPr id="3" name="Zástupný symbol obsahu 2"/>
-          <p:cNvSpPr>
-            <a:spLocks noGrp="1"/>
-          </p:cNvSpPr>
-          <p:nvPr>
-            <p:ph idx="1"/>
-          </p:nvPr>
-        </p:nvSpPr>
-        <p:spPr/>
-        <p:txBody>
-          <a:bodyPr/>
-          <a:lstStyle/>
-          <a:p>
-            <a:endParaRPr lang="sk-SK"/>
-          </a:p>
-        </p:txBody>
-      </p:sp>
+      <mc:AlternateContent xmlns:mc="http://schemas.openxmlformats.org/markup-compatibility/2006">
+        <mc:Choice xmlns:a14="http://schemas.microsoft.com/office/drawing/2010/main" Requires="a14">
+          <p:sp>
+            <p:nvSpPr>
+              <p:cNvPr id="3" name="Zástupný symbol obsahu 2"/>
+              <p:cNvSpPr>
+                <a:spLocks noGrp="1"/>
+              </p:cNvSpPr>
+              <p:nvPr>
+                <p:ph idx="1"/>
+              </p:nvPr>
+            </p:nvSpPr>
+            <p:spPr/>
+            <p:txBody>
+              <a:bodyPr/>
+              <a:lstStyle/>
+              <a:p>
+                <a:pPr>
+                  <a:buFont typeface="Arial" panose="020B0604020202020204" pitchFamily="34" charset="0"/>
+                  <a:buChar char="•"/>
+                </a:pPr>
+                <a:r>
+                  <a:rPr lang="sk-SK" dirty="0" smtClean="0"/>
+                  <a:t>Závislosť </a:t>
+                </a:r>
+                <a:r>
+                  <a:rPr lang="sk-SK" dirty="0"/>
+                  <a:t>výstupu systému na jeho vstupe v ustálenom </a:t>
+                </a:r>
+                <a:r>
+                  <a:rPr lang="sk-SK" dirty="0" smtClean="0"/>
+                  <a:t>stave</a:t>
+                </a:r>
+              </a:p>
+              <a:p>
+                <a:pPr>
+                  <a:buFont typeface="Arial" panose="020B0604020202020204" pitchFamily="34" charset="0"/>
+                  <a:buChar char="•"/>
+                </a:pPr>
+                <a:r>
+                  <a:rPr lang="sk-SK" dirty="0" smtClean="0"/>
+                  <a:t>Pri lineárnych systémoch je prevodová charakteristika priamka – súvisí so statickým zosilnením</a:t>
+                </a:r>
+              </a:p>
+              <a:p>
+                <a:pPr>
+                  <a:buFont typeface="Arial" panose="020B0604020202020204" pitchFamily="34" charset="0"/>
+                  <a:buChar char="•"/>
+                </a:pPr>
+                <a:r>
+                  <a:rPr lang="sk-SK" dirty="0" smtClean="0"/>
+                  <a:t>Vieme zistiť’ </a:t>
+                </a:r>
+                <a:r>
+                  <a:rPr lang="sk-SK" dirty="0"/>
+                  <a:t>z diferenciálnej rovnice, z prenosovej funkcie </a:t>
+                </a:r>
+                <a:r>
+                  <a:rPr lang="sk-SK" dirty="0" smtClean="0"/>
+                  <a:t>alebo experimentom</a:t>
+                </a:r>
+              </a:p>
+              <a:p>
+                <a:pPr>
+                  <a:buFont typeface="Arial" panose="020B0604020202020204" pitchFamily="34" charset="0"/>
+                  <a:buChar char="•"/>
+                </a:pPr>
+                <a:r>
+                  <a:rPr lang="sk-SK" dirty="0" smtClean="0"/>
+                  <a:t>Ustálený stav - derivácie v diferenciálnej rovnici nulové</a:t>
+                </a:r>
+              </a:p>
+              <a:p>
+                <a:pPr>
+                  <a:buFont typeface="Arial" panose="020B0604020202020204" pitchFamily="34" charset="0"/>
+                  <a:buChar char="•"/>
+                </a:pPr>
+                <a:r>
+                  <a:rPr lang="sk-SK" dirty="0" smtClean="0"/>
+                  <a:t>Vyjadríme premennú výstupu ako funkciu vstupu</a:t>
+                </a:r>
+              </a:p>
+              <a:p>
+                <a:pPr>
+                  <a:buFont typeface="Arial" panose="020B0604020202020204" pitchFamily="34" charset="0"/>
+                  <a:buChar char="•"/>
+                </a:pPr>
+                <a:r>
+                  <a:rPr lang="sk-SK" dirty="0" smtClean="0"/>
+                  <a:t>Príklad – kyvadlo so vstupom</a:t>
+                </a:r>
+              </a:p>
+              <a:p>
+                <a:pPr>
+                  <a:buFont typeface="Arial" panose="020B0604020202020204" pitchFamily="34" charset="0"/>
+                  <a:buChar char="•"/>
+                </a:pPr>
+                <a:endParaRPr lang="sk-SK" dirty="0" smtClean="0"/>
+              </a:p>
+              <a:p>
+                <a:pPr marL="0" indent="0">
+                  <a:buNone/>
+                </a:pPr>
+                <a14:m>
+                  <m:oMathPara xmlns:m="http://schemas.openxmlformats.org/officeDocument/2006/math">
+                    <m:oMathParaPr>
+                      <m:jc m:val="centerGroup"/>
+                    </m:oMathParaPr>
+                    <m:oMath xmlns:m="http://schemas.openxmlformats.org/officeDocument/2006/math">
+                      <m:sSub>
+                        <m:sSubPr>
+                          <m:ctrlPr>
+                            <a:rPr lang="sk-SK" i="1">
+                              <a:latin typeface="Cambria Math" panose="02040503050406030204" pitchFamily="18" charset="0"/>
+                            </a:rPr>
+                          </m:ctrlPr>
+                        </m:sSubPr>
+                        <m:e>
+                          <m:r>
+                            <a:rPr lang="sk-SK" i="1">
+                              <a:latin typeface="Cambria Math" panose="02040503050406030204" pitchFamily="18" charset="0"/>
+                            </a:rPr>
+                            <m:t>𝑎</m:t>
+                          </m:r>
+                        </m:e>
+                        <m:sub>
+                          <m:r>
+                            <a:rPr lang="sk-SK" i="1">
+                              <a:latin typeface="Cambria Math" panose="02040503050406030204" pitchFamily="18" charset="0"/>
+                            </a:rPr>
+                            <m:t>2</m:t>
+                          </m:r>
+                        </m:sub>
+                      </m:sSub>
+                      <m:f>
+                        <m:fPr>
+                          <m:ctrlPr>
+                            <a:rPr lang="sk-SK" i="1">
+                              <a:latin typeface="Cambria Math" panose="02040503050406030204" pitchFamily="18" charset="0"/>
+                            </a:rPr>
+                          </m:ctrlPr>
+                        </m:fPr>
+                        <m:num>
+                          <m:sSup>
+                            <m:sSupPr>
+                              <m:ctrlPr>
+                                <a:rPr lang="sk-SK" i="1">
+                                  <a:latin typeface="Cambria Math" panose="02040503050406030204" pitchFamily="18" charset="0"/>
+                                </a:rPr>
+                              </m:ctrlPr>
+                            </m:sSupPr>
+                            <m:e>
+                              <m:r>
+                                <a:rPr lang="sk-SK" i="1">
+                                  <a:latin typeface="Cambria Math" panose="02040503050406030204" pitchFamily="18" charset="0"/>
+                                </a:rPr>
+                                <m:t>𝑑</m:t>
+                              </m:r>
+                            </m:e>
+                            <m:sup>
+                              <m:r>
+                                <a:rPr lang="sk-SK" i="1">
+                                  <a:latin typeface="Cambria Math" panose="02040503050406030204" pitchFamily="18" charset="0"/>
+                                </a:rPr>
+                                <m:t>2</m:t>
+                              </m:r>
+                            </m:sup>
+                          </m:sSup>
+                          <m:r>
+                            <a:rPr lang="sk-SK" i="1">
+                              <a:latin typeface="Cambria Math" panose="02040503050406030204" pitchFamily="18" charset="0"/>
+                              <a:ea typeface="Cambria Math" panose="02040503050406030204" pitchFamily="18" charset="0"/>
+                            </a:rPr>
+                            <m:t>𝜃</m:t>
+                          </m:r>
+                          <m:r>
+                            <a:rPr lang="sk-SK" i="1">
+                              <a:latin typeface="Cambria Math" panose="02040503050406030204" pitchFamily="18" charset="0"/>
+                              <a:ea typeface="Cambria Math" panose="02040503050406030204" pitchFamily="18" charset="0"/>
+                            </a:rPr>
+                            <m:t>(</m:t>
+                          </m:r>
+                          <m:r>
+                            <a:rPr lang="sk-SK" i="1">
+                              <a:latin typeface="Cambria Math" panose="02040503050406030204" pitchFamily="18" charset="0"/>
+                              <a:ea typeface="Cambria Math" panose="02040503050406030204" pitchFamily="18" charset="0"/>
+                            </a:rPr>
+                            <m:t>𝑡</m:t>
+                          </m:r>
+                          <m:r>
+                            <a:rPr lang="sk-SK" i="1">
+                              <a:latin typeface="Cambria Math" panose="02040503050406030204" pitchFamily="18" charset="0"/>
+                              <a:ea typeface="Cambria Math" panose="02040503050406030204" pitchFamily="18" charset="0"/>
+                            </a:rPr>
+                            <m:t>)</m:t>
+                          </m:r>
+                        </m:num>
+                        <m:den>
+                          <m:r>
+                            <a:rPr lang="sk-SK" i="1">
+                              <a:latin typeface="Cambria Math" panose="02040503050406030204" pitchFamily="18" charset="0"/>
+                            </a:rPr>
+                            <m:t>𝑑</m:t>
+                          </m:r>
+                          <m:sSup>
+                            <m:sSupPr>
+                              <m:ctrlPr>
+                                <a:rPr lang="sk-SK" i="1">
+                                  <a:latin typeface="Cambria Math" panose="02040503050406030204" pitchFamily="18" charset="0"/>
+                                </a:rPr>
+                              </m:ctrlPr>
+                            </m:sSupPr>
+                            <m:e>
+                              <m:r>
+                                <a:rPr lang="sk-SK" i="1">
+                                  <a:latin typeface="Cambria Math" panose="02040503050406030204" pitchFamily="18" charset="0"/>
+                                </a:rPr>
+                                <m:t>𝑡</m:t>
+                              </m:r>
+                            </m:e>
+                            <m:sup>
+                              <m:r>
+                                <a:rPr lang="sk-SK" i="1">
+                                  <a:latin typeface="Cambria Math" panose="02040503050406030204" pitchFamily="18" charset="0"/>
+                                </a:rPr>
+                                <m:t>2</m:t>
+                              </m:r>
+                            </m:sup>
+                          </m:sSup>
+                        </m:den>
+                      </m:f>
+                      <m:r>
+                        <a:rPr lang="sk-SK" i="1">
+                          <a:latin typeface="Cambria Math" panose="02040503050406030204" pitchFamily="18" charset="0"/>
+                        </a:rPr>
+                        <m:t>+</m:t>
+                      </m:r>
+                      <m:sSub>
+                        <m:sSubPr>
+                          <m:ctrlPr>
+                            <a:rPr lang="sk-SK" i="1">
+                              <a:latin typeface="Cambria Math" panose="02040503050406030204" pitchFamily="18" charset="0"/>
+                            </a:rPr>
+                          </m:ctrlPr>
+                        </m:sSubPr>
+                        <m:e>
+                          <m:r>
+                            <a:rPr lang="sk-SK" i="1">
+                              <a:latin typeface="Cambria Math" panose="02040503050406030204" pitchFamily="18" charset="0"/>
+                            </a:rPr>
+                            <m:t>𝑎</m:t>
+                          </m:r>
+                        </m:e>
+                        <m:sub>
+                          <m:r>
+                            <a:rPr lang="sk-SK" i="1">
+                              <a:latin typeface="Cambria Math" panose="02040503050406030204" pitchFamily="18" charset="0"/>
+                            </a:rPr>
+                            <m:t>1</m:t>
+                          </m:r>
+                        </m:sub>
+                      </m:sSub>
+                      <m:f>
+                        <m:fPr>
+                          <m:ctrlPr>
+                            <a:rPr lang="sk-SK" i="1">
+                              <a:latin typeface="Cambria Math" panose="02040503050406030204" pitchFamily="18" charset="0"/>
+                            </a:rPr>
+                          </m:ctrlPr>
+                        </m:fPr>
+                        <m:num>
+                          <m:r>
+                            <a:rPr lang="sk-SK" i="1">
+                              <a:latin typeface="Cambria Math" panose="02040503050406030204" pitchFamily="18" charset="0"/>
+                            </a:rPr>
+                            <m:t>𝑑</m:t>
+                          </m:r>
+                          <m:r>
+                            <a:rPr lang="sk-SK" i="1">
+                              <a:latin typeface="Cambria Math" panose="02040503050406030204" pitchFamily="18" charset="0"/>
+                              <a:ea typeface="Cambria Math" panose="02040503050406030204" pitchFamily="18" charset="0"/>
+                            </a:rPr>
+                            <m:t>𝜃</m:t>
+                          </m:r>
+                          <m:r>
+                            <a:rPr lang="sk-SK" i="1">
+                              <a:latin typeface="Cambria Math" panose="02040503050406030204" pitchFamily="18" charset="0"/>
+                              <a:ea typeface="Cambria Math" panose="02040503050406030204" pitchFamily="18" charset="0"/>
+                            </a:rPr>
+                            <m:t>(</m:t>
+                          </m:r>
+                          <m:r>
+                            <a:rPr lang="sk-SK" i="1">
+                              <a:latin typeface="Cambria Math" panose="02040503050406030204" pitchFamily="18" charset="0"/>
+                              <a:ea typeface="Cambria Math" panose="02040503050406030204" pitchFamily="18" charset="0"/>
+                            </a:rPr>
+                            <m:t>𝑡</m:t>
+                          </m:r>
+                          <m:r>
+                            <a:rPr lang="sk-SK" i="1">
+                              <a:latin typeface="Cambria Math" panose="02040503050406030204" pitchFamily="18" charset="0"/>
+                              <a:ea typeface="Cambria Math" panose="02040503050406030204" pitchFamily="18" charset="0"/>
+                            </a:rPr>
+                            <m:t>)</m:t>
+                          </m:r>
+                        </m:num>
+                        <m:den>
+                          <m:r>
+                            <a:rPr lang="sk-SK" i="1">
+                              <a:latin typeface="Cambria Math" panose="02040503050406030204" pitchFamily="18" charset="0"/>
+                            </a:rPr>
+                            <m:t>𝑑</m:t>
+                          </m:r>
+                          <m:r>
+                            <a:rPr lang="sk-SK" i="1">
+                              <a:latin typeface="Cambria Math" panose="02040503050406030204" pitchFamily="18" charset="0"/>
+                            </a:rPr>
+                            <m:t>𝑡</m:t>
+                          </m:r>
+                        </m:den>
+                      </m:f>
+                      <m:r>
+                        <a:rPr lang="sk-SK" i="1">
+                          <a:latin typeface="Cambria Math" panose="02040503050406030204" pitchFamily="18" charset="0"/>
+                        </a:rPr>
+                        <m:t>+</m:t>
+                      </m:r>
+                      <m:sSub>
+                        <m:sSubPr>
+                          <m:ctrlPr>
+                            <a:rPr lang="sk-SK" i="1">
+                              <a:latin typeface="Cambria Math" panose="02040503050406030204" pitchFamily="18" charset="0"/>
+                            </a:rPr>
+                          </m:ctrlPr>
+                        </m:sSubPr>
+                        <m:e>
+                          <m:r>
+                            <a:rPr lang="sk-SK" i="1">
+                              <a:latin typeface="Cambria Math" panose="02040503050406030204" pitchFamily="18" charset="0"/>
+                            </a:rPr>
+                            <m:t>𝑎</m:t>
+                          </m:r>
+                        </m:e>
+                        <m:sub>
+                          <m:r>
+                            <a:rPr lang="sk-SK" i="1">
+                              <a:latin typeface="Cambria Math" panose="02040503050406030204" pitchFamily="18" charset="0"/>
+                            </a:rPr>
+                            <m:t>0</m:t>
+                          </m:r>
+                        </m:sub>
+                      </m:sSub>
+                      <m:func>
+                        <m:funcPr>
+                          <m:ctrlPr>
+                            <a:rPr lang="sk-SK" i="1">
+                              <a:latin typeface="Cambria Math" panose="02040503050406030204" pitchFamily="18" charset="0"/>
+                            </a:rPr>
+                          </m:ctrlPr>
+                        </m:funcPr>
+                        <m:fName>
+                          <m:r>
+                            <m:rPr>
+                              <m:sty m:val="p"/>
+                            </m:rPr>
+                            <a:rPr lang="sk-SK">
+                              <a:latin typeface="Cambria Math" panose="02040503050406030204" pitchFamily="18" charset="0"/>
+                            </a:rPr>
+                            <m:t>sin</m:t>
+                          </m:r>
+                        </m:fName>
+                        <m:e>
+                          <m:d>
+                            <m:dPr>
+                              <m:ctrlPr>
+                                <a:rPr lang="sk-SK" i="1">
+                                  <a:latin typeface="Cambria Math" panose="02040503050406030204" pitchFamily="18" charset="0"/>
+                                </a:rPr>
+                              </m:ctrlPr>
+                            </m:dPr>
+                            <m:e>
+                              <m:r>
+                                <a:rPr lang="sk-SK" i="1">
+                                  <a:latin typeface="Cambria Math" panose="02040503050406030204" pitchFamily="18" charset="0"/>
+                                  <a:ea typeface="Cambria Math" panose="02040503050406030204" pitchFamily="18" charset="0"/>
+                                </a:rPr>
+                                <m:t>𝜃</m:t>
+                              </m:r>
+                              <m:d>
+                                <m:dPr>
+                                  <m:ctrlPr>
+                                    <a:rPr lang="sk-SK" i="1">
+                                      <a:latin typeface="Cambria Math" panose="02040503050406030204" pitchFamily="18" charset="0"/>
+                                      <a:ea typeface="Cambria Math" panose="02040503050406030204" pitchFamily="18" charset="0"/>
+                                    </a:rPr>
+                                  </m:ctrlPr>
+                                </m:dPr>
+                                <m:e>
+                                  <m:r>
+                                    <a:rPr lang="sk-SK" i="1">
+                                      <a:latin typeface="Cambria Math" panose="02040503050406030204" pitchFamily="18" charset="0"/>
+                                      <a:ea typeface="Cambria Math" panose="02040503050406030204" pitchFamily="18" charset="0"/>
+                                    </a:rPr>
+                                    <m:t>𝑡</m:t>
+                                  </m:r>
+                                </m:e>
+                              </m:d>
+                            </m:e>
+                          </m:d>
+                        </m:e>
+                      </m:func>
+                      <m:r>
+                        <a:rPr lang="sk-SK" i="1">
+                          <a:latin typeface="Cambria Math" panose="02040503050406030204" pitchFamily="18" charset="0"/>
+                        </a:rPr>
+                        <m:t>=</m:t>
+                      </m:r>
+                      <m:r>
+                        <a:rPr lang="sk-SK" b="0" i="1" smtClean="0">
+                          <a:latin typeface="Cambria Math" panose="02040503050406030204" pitchFamily="18" charset="0"/>
+                        </a:rPr>
+                        <m:t>𝑢</m:t>
+                      </m:r>
+                      <m:r>
+                        <a:rPr lang="sk-SK" b="0" i="1" smtClean="0">
+                          <a:latin typeface="Cambria Math" panose="02040503050406030204" pitchFamily="18" charset="0"/>
+                        </a:rPr>
+                        <m:t>(</m:t>
+                      </m:r>
+                      <m:r>
+                        <a:rPr lang="sk-SK" b="0" i="1" smtClean="0">
+                          <a:latin typeface="Cambria Math" panose="02040503050406030204" pitchFamily="18" charset="0"/>
+                        </a:rPr>
+                        <m:t>𝑡</m:t>
+                      </m:r>
+                      <m:r>
+                        <a:rPr lang="sk-SK" b="0" i="1" smtClean="0">
+                          <a:latin typeface="Cambria Math" panose="02040503050406030204" pitchFamily="18" charset="0"/>
+                        </a:rPr>
+                        <m:t>)</m:t>
+                      </m:r>
+                    </m:oMath>
+                  </m:oMathPara>
+                </a14:m>
+                <a:endParaRPr lang="sk-SK" dirty="0"/>
+              </a:p>
+              <a:p>
+                <a:pPr>
+                  <a:buFont typeface="Arial" panose="020B0604020202020204" pitchFamily="34" charset="0"/>
+                  <a:buChar char="•"/>
+                </a:pPr>
+                <a:endParaRPr lang="sk-SK" dirty="0" smtClean="0"/>
+              </a:p>
+              <a:p>
+                <a:pPr>
+                  <a:buFont typeface="Arial" panose="020B0604020202020204" pitchFamily="34" charset="0"/>
+                  <a:buChar char="•"/>
+                </a:pPr>
+                <a:endParaRPr lang="sk-SK" dirty="0" smtClean="0"/>
+              </a:p>
+              <a:p>
+                <a:pPr>
+                  <a:buFont typeface="Arial" panose="020B0604020202020204" pitchFamily="34" charset="0"/>
+                  <a:buChar char="•"/>
+                </a:pPr>
+                <a:endParaRPr lang="sk-SK" dirty="0"/>
+              </a:p>
+            </p:txBody>
+          </p:sp>
+        </mc:Choice>
+        <mc:Fallback>
+          <p:sp>
+            <p:nvSpPr>
+              <p:cNvPr id="3" name="Zástupný symbol obsahu 2"/>
+              <p:cNvSpPr>
+                <a:spLocks noGrp="1" noRot="1" noChangeAspect="1" noMove="1" noResize="1" noEditPoints="1" noAdjustHandles="1" noChangeArrowheads="1" noChangeShapeType="1" noTextEdit="1"/>
+              </p:cNvSpPr>
+              <p:nvPr>
+                <p:ph idx="1"/>
+              </p:nvPr>
+            </p:nvSpPr>
+            <p:spPr>
+              <a:blipFill rotWithShape="0">
+                <a:blip r:embed="rId2"/>
+                <a:stretch>
+                  <a:fillRect l="-1752" t="-1291" r="-584"/>
+                </a:stretch>
+              </a:blipFill>
+            </p:spPr>
+            <p:txBody>
+              <a:bodyPr/>
+              <a:lstStyle/>
+              <a:p>
+                <a:r>
+                  <a:rPr lang="sk-SK">
+                    <a:noFill/>
+                  </a:rPr>
+                  <a:t> </a:t>
+                </a:r>
+              </a:p>
+            </p:txBody>
+          </p:sp>
+        </mc:Fallback>
+      </mc:AlternateContent>
     </p:spTree>
     <p:extLst>
       <p:ext uri="{BB962C8B-B14F-4D97-AF65-F5344CB8AC3E}">
-        <p14:creationId xmlns:p14="http://schemas.microsoft.com/office/powerpoint/2010/main" val="2491538192"/>
+        <p14:creationId xmlns:p14="http://schemas.microsoft.com/office/powerpoint/2010/main" val="4086566680"/>
       </p:ext>
     </p:extLst>
   </p:cSld>
@@ -39216,36 +39770,478 @@
           <a:lstStyle/>
           <a:p>
             <a:r>
+              <a:rPr lang="sk-SK" dirty="0"/>
+              <a:t>Prevodová </a:t>
+            </a:r>
+            <a:r>
               <a:rPr lang="sk-SK" dirty="0" smtClean="0"/>
-              <a:t>Všeobecné kritérium stability</a:t>
+              <a:t>charakteristika - príklad</a:t>
             </a:r>
             <a:endParaRPr lang="sk-SK" dirty="0"/>
           </a:p>
         </p:txBody>
       </p:sp>
-      <p:sp>
-        <p:nvSpPr>
-          <p:cNvPr id="3" name="Zástupný symbol obsahu 2"/>
-          <p:cNvSpPr>
-            <a:spLocks noGrp="1"/>
-          </p:cNvSpPr>
-          <p:nvPr>
-            <p:ph idx="1"/>
-          </p:nvPr>
-        </p:nvSpPr>
-        <p:spPr/>
-        <p:txBody>
-          <a:bodyPr/>
-          <a:lstStyle/>
-          <a:p>
-            <a:endParaRPr lang="sk-SK"/>
-          </a:p>
-        </p:txBody>
-      </p:sp>
+      <mc:AlternateContent xmlns:mc="http://schemas.openxmlformats.org/markup-compatibility/2006">
+        <mc:Choice xmlns:a14="http://schemas.microsoft.com/office/drawing/2010/main" Requires="a14">
+          <p:sp>
+            <p:nvSpPr>
+              <p:cNvPr id="3" name="Zástupný symbol obsahu 2"/>
+              <p:cNvSpPr>
+                <a:spLocks noGrp="1"/>
+              </p:cNvSpPr>
+              <p:nvPr>
+                <p:ph idx="1"/>
+              </p:nvPr>
+            </p:nvSpPr>
+            <p:spPr/>
+            <p:txBody>
+              <a:bodyPr/>
+              <a:lstStyle/>
+              <a:p>
+                <a:pPr>
+                  <a:buFont typeface="Arial" panose="020B0604020202020204" pitchFamily="34" charset="0"/>
+                  <a:buChar char="•"/>
+                </a:pPr>
+                <a:r>
+                  <a:rPr lang="sk-SK" dirty="0" smtClean="0"/>
+                  <a:t>Ustálené stavy - derivácie premenných sú nulové</a:t>
+                </a:r>
+              </a:p>
+              <a:p>
+                <a:pPr marL="0" indent="0">
+                  <a:buNone/>
+                </a:pPr>
+                <a14:m>
+                  <m:oMathPara xmlns:m="http://schemas.openxmlformats.org/officeDocument/2006/math">
+                    <m:oMathParaPr>
+                      <m:jc m:val="centerGroup"/>
+                    </m:oMathParaPr>
+                    <m:oMath xmlns:m="http://schemas.openxmlformats.org/officeDocument/2006/math">
+                      <m:sSub>
+                        <m:sSubPr>
+                          <m:ctrlPr>
+                            <a:rPr lang="sk-SK" i="1">
+                              <a:latin typeface="Cambria Math" panose="02040503050406030204" pitchFamily="18" charset="0"/>
+                            </a:rPr>
+                          </m:ctrlPr>
+                        </m:sSubPr>
+                        <m:e>
+                          <m:r>
+                            <a:rPr lang="sk-SK" i="1">
+                              <a:latin typeface="Cambria Math" panose="02040503050406030204" pitchFamily="18" charset="0"/>
+                            </a:rPr>
+                            <m:t>𝑎</m:t>
+                          </m:r>
+                        </m:e>
+                        <m:sub>
+                          <m:r>
+                            <a:rPr lang="sk-SK" i="1">
+                              <a:latin typeface="Cambria Math" panose="02040503050406030204" pitchFamily="18" charset="0"/>
+                            </a:rPr>
+                            <m:t>0</m:t>
+                          </m:r>
+                        </m:sub>
+                      </m:sSub>
+                      <m:func>
+                        <m:funcPr>
+                          <m:ctrlPr>
+                            <a:rPr lang="sk-SK" i="1">
+                              <a:latin typeface="Cambria Math" panose="02040503050406030204" pitchFamily="18" charset="0"/>
+                            </a:rPr>
+                          </m:ctrlPr>
+                        </m:funcPr>
+                        <m:fName>
+                          <m:r>
+                            <m:rPr>
+                              <m:sty m:val="p"/>
+                            </m:rPr>
+                            <a:rPr lang="sk-SK">
+                              <a:latin typeface="Cambria Math" panose="02040503050406030204" pitchFamily="18" charset="0"/>
+                            </a:rPr>
+                            <m:t>sin</m:t>
+                          </m:r>
+                        </m:fName>
+                        <m:e>
+                          <m:d>
+                            <m:dPr>
+                              <m:ctrlPr>
+                                <a:rPr lang="sk-SK" i="1">
+                                  <a:latin typeface="Cambria Math" panose="02040503050406030204" pitchFamily="18" charset="0"/>
+                                </a:rPr>
+                              </m:ctrlPr>
+                            </m:dPr>
+                            <m:e>
+                              <m:r>
+                                <a:rPr lang="sk-SK" i="1">
+                                  <a:latin typeface="Cambria Math" panose="02040503050406030204" pitchFamily="18" charset="0"/>
+                                  <a:ea typeface="Cambria Math" panose="02040503050406030204" pitchFamily="18" charset="0"/>
+                                </a:rPr>
+                                <m:t>𝜃</m:t>
+                              </m:r>
+                              <m:d>
+                                <m:dPr>
+                                  <m:ctrlPr>
+                                    <a:rPr lang="sk-SK" i="1">
+                                      <a:latin typeface="Cambria Math" panose="02040503050406030204" pitchFamily="18" charset="0"/>
+                                      <a:ea typeface="Cambria Math" panose="02040503050406030204" pitchFamily="18" charset="0"/>
+                                    </a:rPr>
+                                  </m:ctrlPr>
+                                </m:dPr>
+                                <m:e>
+                                  <m:r>
+                                    <a:rPr lang="sk-SK" i="1">
+                                      <a:latin typeface="Cambria Math" panose="02040503050406030204" pitchFamily="18" charset="0"/>
+                                      <a:ea typeface="Cambria Math" panose="02040503050406030204" pitchFamily="18" charset="0"/>
+                                    </a:rPr>
+                                    <m:t>𝑡</m:t>
+                                  </m:r>
+                                </m:e>
+                              </m:d>
+                            </m:e>
+                          </m:d>
+                        </m:e>
+                      </m:func>
+                      <m:r>
+                        <a:rPr lang="sk-SK" i="1">
+                          <a:latin typeface="Cambria Math" panose="02040503050406030204" pitchFamily="18" charset="0"/>
+                        </a:rPr>
+                        <m:t>=</m:t>
+                      </m:r>
+                      <m:r>
+                        <a:rPr lang="sk-SK" i="1" smtClean="0">
+                          <a:latin typeface="Cambria Math" panose="02040503050406030204" pitchFamily="18" charset="0"/>
+                        </a:rPr>
+                        <m:t>𝑢</m:t>
+                      </m:r>
+                      <m:r>
+                        <a:rPr lang="sk-SK" i="1" smtClean="0">
+                          <a:latin typeface="Cambria Math" panose="02040503050406030204" pitchFamily="18" charset="0"/>
+                        </a:rPr>
+                        <m:t>(</m:t>
+                      </m:r>
+                      <m:r>
+                        <a:rPr lang="sk-SK" i="1" smtClean="0">
+                          <a:latin typeface="Cambria Math" panose="02040503050406030204" pitchFamily="18" charset="0"/>
+                        </a:rPr>
+                        <m:t>𝑡</m:t>
+                      </m:r>
+                      <m:r>
+                        <a:rPr lang="sk-SK" i="1" smtClean="0">
+                          <a:latin typeface="Cambria Math" panose="02040503050406030204" pitchFamily="18" charset="0"/>
+                        </a:rPr>
+                        <m:t>)</m:t>
+                      </m:r>
+                    </m:oMath>
+                  </m:oMathPara>
+                </a14:m>
+                <a:endParaRPr lang="sk-SK" dirty="0" smtClean="0"/>
+              </a:p>
+              <a:p>
+                <a:pPr>
+                  <a:buFont typeface="Arial" panose="020B0604020202020204" pitchFamily="34" charset="0"/>
+                  <a:buChar char="•"/>
+                </a:pPr>
+                <a:r>
+                  <a:rPr lang="sk-SK" dirty="0" smtClean="0"/>
+                  <a:t>Potrebujeme vyjadriť výstupnú premennú </a:t>
+                </a:r>
+                <a14:m>
+                  <m:oMath xmlns:m="http://schemas.openxmlformats.org/officeDocument/2006/math">
+                    <m:r>
+                      <a:rPr lang="sk-SK" i="1">
+                        <a:latin typeface="Cambria Math" panose="02040503050406030204" pitchFamily="18" charset="0"/>
+                        <a:ea typeface="Cambria Math" panose="02040503050406030204" pitchFamily="18" charset="0"/>
+                      </a:rPr>
+                      <m:t>𝜃</m:t>
+                    </m:r>
+                    <m:d>
+                      <m:dPr>
+                        <m:ctrlPr>
+                          <a:rPr lang="sk-SK" i="1">
+                            <a:latin typeface="Cambria Math" panose="02040503050406030204" pitchFamily="18" charset="0"/>
+                            <a:ea typeface="Cambria Math" panose="02040503050406030204" pitchFamily="18" charset="0"/>
+                          </a:rPr>
+                        </m:ctrlPr>
+                      </m:dPr>
+                      <m:e>
+                        <m:r>
+                          <a:rPr lang="sk-SK" i="1">
+                            <a:latin typeface="Cambria Math" panose="02040503050406030204" pitchFamily="18" charset="0"/>
+                            <a:ea typeface="Cambria Math" panose="02040503050406030204" pitchFamily="18" charset="0"/>
+                          </a:rPr>
+                          <m:t>𝑡</m:t>
+                        </m:r>
+                      </m:e>
+                    </m:d>
+                  </m:oMath>
+                </a14:m>
+                <a:endParaRPr lang="sk-SK" dirty="0" smtClean="0"/>
+              </a:p>
+              <a:p>
+                <a:pPr marL="0" indent="0">
+                  <a:buNone/>
+                </a:pPr>
+                <a14:m>
+                  <m:oMathPara xmlns:m="http://schemas.openxmlformats.org/officeDocument/2006/math">
+                    <m:oMathParaPr>
+                      <m:jc m:val="centerGroup"/>
+                    </m:oMathParaPr>
+                    <m:oMath xmlns:m="http://schemas.openxmlformats.org/officeDocument/2006/math">
+                      <m:r>
+                        <a:rPr lang="sk-SK" i="1">
+                          <a:latin typeface="Cambria Math" panose="02040503050406030204" pitchFamily="18" charset="0"/>
+                          <a:ea typeface="Cambria Math" panose="02040503050406030204" pitchFamily="18" charset="0"/>
+                        </a:rPr>
+                        <m:t>𝜃</m:t>
+                      </m:r>
+                      <m:d>
+                        <m:dPr>
+                          <m:ctrlPr>
+                            <a:rPr lang="sk-SK" i="1">
+                              <a:latin typeface="Cambria Math" panose="02040503050406030204" pitchFamily="18" charset="0"/>
+                              <a:ea typeface="Cambria Math" panose="02040503050406030204" pitchFamily="18" charset="0"/>
+                            </a:rPr>
+                          </m:ctrlPr>
+                        </m:dPr>
+                        <m:e>
+                          <m:r>
+                            <a:rPr lang="sk-SK" i="1">
+                              <a:latin typeface="Cambria Math" panose="02040503050406030204" pitchFamily="18" charset="0"/>
+                              <a:ea typeface="Cambria Math" panose="02040503050406030204" pitchFamily="18" charset="0"/>
+                            </a:rPr>
+                            <m:t>𝑡</m:t>
+                          </m:r>
+                        </m:e>
+                      </m:d>
+                      <m:r>
+                        <a:rPr lang="sk-SK" b="0" i="1" smtClean="0">
+                          <a:latin typeface="Cambria Math" panose="02040503050406030204" pitchFamily="18" charset="0"/>
+                          <a:ea typeface="Cambria Math" panose="02040503050406030204" pitchFamily="18" charset="0"/>
+                        </a:rPr>
+                        <m:t>=</m:t>
+                      </m:r>
+                      <m:r>
+                        <a:rPr lang="sk-SK" b="0" i="1" smtClean="0">
+                          <a:latin typeface="Cambria Math" panose="02040503050406030204" pitchFamily="18" charset="0"/>
+                          <a:ea typeface="Cambria Math" panose="02040503050406030204" pitchFamily="18" charset="0"/>
+                        </a:rPr>
+                        <m:t>𝑎𝑟𝑐𝑠𝑖𝑛</m:t>
+                      </m:r>
+                      <m:d>
+                        <m:dPr>
+                          <m:ctrlPr>
+                            <a:rPr lang="sk-SK" b="0" i="1" smtClean="0">
+                              <a:latin typeface="Cambria Math" panose="02040503050406030204" pitchFamily="18" charset="0"/>
+                              <a:ea typeface="Cambria Math" panose="02040503050406030204" pitchFamily="18" charset="0"/>
+                            </a:rPr>
+                          </m:ctrlPr>
+                        </m:dPr>
+                        <m:e>
+                          <m:f>
+                            <m:fPr>
+                              <m:ctrlPr>
+                                <a:rPr lang="sk-SK" b="0" i="1" smtClean="0">
+                                  <a:latin typeface="Cambria Math" panose="02040503050406030204" pitchFamily="18" charset="0"/>
+                                  <a:ea typeface="Cambria Math" panose="02040503050406030204" pitchFamily="18" charset="0"/>
+                                </a:rPr>
+                              </m:ctrlPr>
+                            </m:fPr>
+                            <m:num>
+                              <m:r>
+                                <a:rPr lang="sk-SK" i="1">
+                                  <a:latin typeface="Cambria Math" panose="02040503050406030204" pitchFamily="18" charset="0"/>
+                                </a:rPr>
+                                <m:t>𝑢</m:t>
+                              </m:r>
+                              <m:r>
+                                <a:rPr lang="sk-SK" i="1">
+                                  <a:latin typeface="Cambria Math" panose="02040503050406030204" pitchFamily="18" charset="0"/>
+                                </a:rPr>
+                                <m:t>(</m:t>
+                              </m:r>
+                              <m:r>
+                                <a:rPr lang="sk-SK" i="1">
+                                  <a:latin typeface="Cambria Math" panose="02040503050406030204" pitchFamily="18" charset="0"/>
+                                </a:rPr>
+                                <m:t>𝑡</m:t>
+                              </m:r>
+                              <m:r>
+                                <a:rPr lang="sk-SK" i="1">
+                                  <a:latin typeface="Cambria Math" panose="02040503050406030204" pitchFamily="18" charset="0"/>
+                                </a:rPr>
+                                <m:t>)</m:t>
+                              </m:r>
+                              <m:r>
+                                <m:rPr>
+                                  <m:nor/>
+                                </m:rPr>
+                                <a:rPr lang="sk-SK" dirty="0"/>
+                                <m:t> </m:t>
+                              </m:r>
+                            </m:num>
+                            <m:den>
+                              <m:sSub>
+                                <m:sSubPr>
+                                  <m:ctrlPr>
+                                    <a:rPr lang="sk-SK" i="1">
+                                      <a:latin typeface="Cambria Math" panose="02040503050406030204" pitchFamily="18" charset="0"/>
+                                    </a:rPr>
+                                  </m:ctrlPr>
+                                </m:sSubPr>
+                                <m:e>
+                                  <m:r>
+                                    <a:rPr lang="sk-SK" i="1">
+                                      <a:latin typeface="Cambria Math" panose="02040503050406030204" pitchFamily="18" charset="0"/>
+                                    </a:rPr>
+                                    <m:t>𝑎</m:t>
+                                  </m:r>
+                                </m:e>
+                                <m:sub>
+                                  <m:r>
+                                    <a:rPr lang="sk-SK" i="1">
+                                      <a:latin typeface="Cambria Math" panose="02040503050406030204" pitchFamily="18" charset="0"/>
+                                    </a:rPr>
+                                    <m:t>0</m:t>
+                                  </m:r>
+                                </m:sub>
+                              </m:sSub>
+                            </m:den>
+                          </m:f>
+                        </m:e>
+                      </m:d>
+                    </m:oMath>
+                  </m:oMathPara>
+                </a14:m>
+                <a:endParaRPr lang="sk-SK" dirty="0" smtClean="0"/>
+              </a:p>
+              <a:p>
+                <a:pPr>
+                  <a:buFont typeface="Arial" panose="020B0604020202020204" pitchFamily="34" charset="0"/>
+                  <a:buChar char="•"/>
+                </a:pPr>
+                <a:r>
+                  <a:rPr lang="sk-SK" dirty="0" smtClean="0"/>
+                  <a:t>Prevodová charakteristika pre </a:t>
+                </a:r>
+                <a14:m>
+                  <m:oMath xmlns:m="http://schemas.openxmlformats.org/officeDocument/2006/math">
+                    <m:sSub>
+                      <m:sSubPr>
+                        <m:ctrlPr>
+                          <a:rPr lang="sk-SK" i="1">
+                            <a:latin typeface="Cambria Math" panose="02040503050406030204" pitchFamily="18" charset="0"/>
+                          </a:rPr>
+                        </m:ctrlPr>
+                      </m:sSubPr>
+                      <m:e>
+                        <m:r>
+                          <a:rPr lang="sk-SK" i="1">
+                            <a:latin typeface="Cambria Math" panose="02040503050406030204" pitchFamily="18" charset="0"/>
+                          </a:rPr>
+                          <m:t>𝑎</m:t>
+                        </m:r>
+                      </m:e>
+                      <m:sub>
+                        <m:r>
+                          <a:rPr lang="sk-SK" i="1">
+                            <a:latin typeface="Cambria Math" panose="02040503050406030204" pitchFamily="18" charset="0"/>
+                          </a:rPr>
+                          <m:t>0</m:t>
+                        </m:r>
+                      </m:sub>
+                    </m:sSub>
+                    <m:r>
+                      <a:rPr lang="sk-SK" b="0" i="1" smtClean="0">
+                        <a:latin typeface="Cambria Math" panose="02040503050406030204" pitchFamily="18" charset="0"/>
+                      </a:rPr>
+                      <m:t>=1</m:t>
+                    </m:r>
+                  </m:oMath>
+                </a14:m>
+                <a:endParaRPr lang="sk-SK" dirty="0" smtClean="0"/>
+              </a:p>
+              <a:p>
+                <a:pPr>
+                  <a:buFont typeface="Arial" panose="020B0604020202020204" pitchFamily="34" charset="0"/>
+                  <a:buChar char="•"/>
+                </a:pPr>
+                <a:endParaRPr lang="sk-SK" dirty="0"/>
+              </a:p>
+              <a:p>
+                <a:pPr>
+                  <a:buFont typeface="Arial" panose="020B0604020202020204" pitchFamily="34" charset="0"/>
+                  <a:buChar char="•"/>
+                </a:pPr>
+                <a:endParaRPr lang="sk-SK" dirty="0"/>
+              </a:p>
+              <a:p>
+                <a:endParaRPr lang="sk-SK" dirty="0"/>
+              </a:p>
+            </p:txBody>
+          </p:sp>
+        </mc:Choice>
+        <mc:Fallback>
+          <p:sp>
+            <p:nvSpPr>
+              <p:cNvPr id="3" name="Zástupný symbol obsahu 2"/>
+              <p:cNvSpPr>
+                <a:spLocks noGrp="1" noRot="1" noChangeAspect="1" noMove="1" noResize="1" noEditPoints="1" noAdjustHandles="1" noChangeArrowheads="1" noChangeShapeType="1" noTextEdit="1"/>
+              </p:cNvSpPr>
+              <p:nvPr>
+                <p:ph idx="1"/>
+              </p:nvPr>
+            </p:nvSpPr>
+            <p:spPr>
+              <a:blipFill rotWithShape="0">
+                <a:blip r:embed="rId2"/>
+                <a:stretch>
+                  <a:fillRect l="-1752" t="-1291"/>
+                </a:stretch>
+              </a:blipFill>
+            </p:spPr>
+            <p:txBody>
+              <a:bodyPr/>
+              <a:lstStyle/>
+              <a:p>
+                <a:r>
+                  <a:rPr lang="sk-SK">
+                    <a:noFill/>
+                  </a:rPr>
+                  <a:t> </a:t>
+                </a:r>
+              </a:p>
+            </p:txBody>
+          </p:sp>
+        </mc:Fallback>
+      </mc:AlternateContent>
+      <p:pic>
+        <p:nvPicPr>
+          <p:cNvPr id="4" name="Obrázok 3"/>
+          <p:cNvPicPr>
+            <a:picLocks noChangeAspect="1"/>
+          </p:cNvPicPr>
+          <p:nvPr/>
+        </p:nvPicPr>
+        <p:blipFill>
+          <a:blip r:embed="rId3"/>
+          <a:stretch>
+            <a:fillRect/>
+          </a:stretch>
+        </p:blipFill>
+        <p:spPr>
+          <a:xfrm>
+            <a:off x="1713487" y="3192827"/>
+            <a:ext cx="5354578" cy="3560495"/>
+          </a:xfrm>
+          <a:prstGeom prst="rect">
+            <a:avLst/>
+          </a:prstGeom>
+        </p:spPr>
+      </p:pic>
     </p:spTree>
     <p:extLst>
       <p:ext uri="{BB962C8B-B14F-4D97-AF65-F5344CB8AC3E}">
-        <p14:creationId xmlns:p14="http://schemas.microsoft.com/office/powerpoint/2010/main" val="3955982061"/>
+        <p14:creationId xmlns:p14="http://schemas.microsoft.com/office/powerpoint/2010/main" val="152534182"/>
       </p:ext>
     </p:extLst>
   </p:cSld>
@@ -39289,135 +40285,14 @@
           <a:p>
             <a:r>
               <a:rPr lang="sk-SK" dirty="0" smtClean="0"/>
-              <a:t>Charakteristiky systémov</a:t>
+              <a:t>Impulzná charakteristika</a:t>
             </a:r>
             <a:endParaRPr lang="sk-SK" dirty="0"/>
           </a:p>
         </p:txBody>
       </p:sp>
-      <p:sp>
-        <p:nvSpPr>
-          <p:cNvPr id="3" name="Zástupný symbol obsahu 2"/>
-          <p:cNvSpPr>
-            <a:spLocks noGrp="1"/>
-          </p:cNvSpPr>
-          <p:nvPr>
-            <p:ph idx="1"/>
-          </p:nvPr>
-        </p:nvSpPr>
-        <p:spPr/>
-        <p:txBody>
-          <a:bodyPr/>
-          <a:lstStyle/>
-          <a:p>
-            <a:pPr>
-              <a:buFont typeface="Arial" panose="020B0604020202020204" pitchFamily="34" charset="0"/>
-              <a:buChar char="•"/>
-            </a:pPr>
-            <a:r>
-              <a:rPr lang="sk-SK" dirty="0" smtClean="0"/>
-              <a:t>Grafická forma opisu systémov</a:t>
-            </a:r>
-          </a:p>
-          <a:p>
-            <a:pPr>
-              <a:buFont typeface="Arial" panose="020B0604020202020204" pitchFamily="34" charset="0"/>
-              <a:buChar char="•"/>
-            </a:pPr>
-            <a:r>
-              <a:rPr lang="sk-SK" dirty="0" smtClean="0"/>
-              <a:t>Môžeme ich získavať meraním na reálnom systéme</a:t>
-            </a:r>
-            <a:endParaRPr lang="sk-SK" dirty="0" smtClean="0"/>
-          </a:p>
-          <a:p>
-            <a:pPr>
-              <a:buFont typeface="Arial" panose="020B0604020202020204" pitchFamily="34" charset="0"/>
-              <a:buChar char="•"/>
-            </a:pPr>
-            <a:r>
-              <a:rPr lang="sk-SK" dirty="0" smtClean="0"/>
-              <a:t>Z ich priebehu vieme identifikovať prenos systému (predmet Identifikácia systémov)</a:t>
-            </a:r>
-            <a:endParaRPr lang="sk-SK" dirty="0"/>
-          </a:p>
-          <a:p>
-            <a:pPr>
-              <a:buFont typeface="Arial" panose="020B0604020202020204" pitchFamily="34" charset="0"/>
-              <a:buChar char="•"/>
-            </a:pPr>
-            <a:r>
-              <a:rPr lang="sk-SK" dirty="0" smtClean="0"/>
-              <a:t>Ich priebeh dáva inžinierovi prvotnú informáciu o systéme</a:t>
-            </a:r>
-          </a:p>
-          <a:p>
-            <a:pPr>
-              <a:buFont typeface="Arial" panose="020B0604020202020204" pitchFamily="34" charset="0"/>
-              <a:buChar char="•"/>
-            </a:pPr>
-            <a:r>
-              <a:rPr lang="sk-SK" dirt